--- a/Plan.pptx
+++ b/Plan.pptx
@@ -7,7 +7,7 @@
   <p:sldIdLst>
     <p:sldId id="256" r:id="rId2"/>
     <p:sldId id="262" r:id="rId3"/>
-    <p:sldId id="259" r:id="rId4"/>
+    <p:sldId id="268" r:id="rId4"/>
     <p:sldId id="260" r:id="rId5"/>
     <p:sldId id="265" r:id="rId6"/>
     <p:sldId id="261" r:id="rId7"/>
@@ -268,7 +268,7 @@
           <a:p>
             <a:fld id="{F40FDB6E-BDDC-4D37-83E8-28D8DD78524D}" type="datetimeFigureOut">
               <a:rPr lang="ko-KR" altLang="en-US" smtClean="0"/>
-              <a:t>2023-05-15</a:t>
+              <a:t>2023-05-18</a:t>
             </a:fld>
             <a:endParaRPr lang="ko-KR" altLang="en-US"/>
           </a:p>
@@ -466,7 +466,7 @@
           <a:p>
             <a:fld id="{F40FDB6E-BDDC-4D37-83E8-28D8DD78524D}" type="datetimeFigureOut">
               <a:rPr lang="ko-KR" altLang="en-US" smtClean="0"/>
-              <a:t>2023-05-15</a:t>
+              <a:t>2023-05-18</a:t>
             </a:fld>
             <a:endParaRPr lang="ko-KR" altLang="en-US"/>
           </a:p>
@@ -674,7 +674,7 @@
           <a:p>
             <a:fld id="{F40FDB6E-BDDC-4D37-83E8-28D8DD78524D}" type="datetimeFigureOut">
               <a:rPr lang="ko-KR" altLang="en-US" smtClean="0"/>
-              <a:t>2023-05-15</a:t>
+              <a:t>2023-05-18</a:t>
             </a:fld>
             <a:endParaRPr lang="ko-KR" altLang="en-US"/>
           </a:p>
@@ -872,7 +872,7 @@
           <a:p>
             <a:fld id="{F40FDB6E-BDDC-4D37-83E8-28D8DD78524D}" type="datetimeFigureOut">
               <a:rPr lang="ko-KR" altLang="en-US" smtClean="0"/>
-              <a:t>2023-05-15</a:t>
+              <a:t>2023-05-18</a:t>
             </a:fld>
             <a:endParaRPr lang="ko-KR" altLang="en-US"/>
           </a:p>
@@ -1147,7 +1147,7 @@
           <a:p>
             <a:fld id="{F40FDB6E-BDDC-4D37-83E8-28D8DD78524D}" type="datetimeFigureOut">
               <a:rPr lang="ko-KR" altLang="en-US" smtClean="0"/>
-              <a:t>2023-05-15</a:t>
+              <a:t>2023-05-18</a:t>
             </a:fld>
             <a:endParaRPr lang="ko-KR" altLang="en-US"/>
           </a:p>
@@ -1412,7 +1412,7 @@
           <a:p>
             <a:fld id="{F40FDB6E-BDDC-4D37-83E8-28D8DD78524D}" type="datetimeFigureOut">
               <a:rPr lang="ko-KR" altLang="en-US" smtClean="0"/>
-              <a:t>2023-05-15</a:t>
+              <a:t>2023-05-18</a:t>
             </a:fld>
             <a:endParaRPr lang="ko-KR" altLang="en-US"/>
           </a:p>
@@ -1824,7 +1824,7 @@
           <a:p>
             <a:fld id="{F40FDB6E-BDDC-4D37-83E8-28D8DD78524D}" type="datetimeFigureOut">
               <a:rPr lang="ko-KR" altLang="en-US" smtClean="0"/>
-              <a:t>2023-05-15</a:t>
+              <a:t>2023-05-18</a:t>
             </a:fld>
             <a:endParaRPr lang="ko-KR" altLang="en-US"/>
           </a:p>
@@ -1965,7 +1965,7 @@
           <a:p>
             <a:fld id="{F40FDB6E-BDDC-4D37-83E8-28D8DD78524D}" type="datetimeFigureOut">
               <a:rPr lang="ko-KR" altLang="en-US" smtClean="0"/>
-              <a:t>2023-05-15</a:t>
+              <a:t>2023-05-18</a:t>
             </a:fld>
             <a:endParaRPr lang="ko-KR" altLang="en-US"/>
           </a:p>
@@ -2078,7 +2078,7 @@
           <a:p>
             <a:fld id="{F40FDB6E-BDDC-4D37-83E8-28D8DD78524D}" type="datetimeFigureOut">
               <a:rPr lang="ko-KR" altLang="en-US" smtClean="0"/>
-              <a:t>2023-05-15</a:t>
+              <a:t>2023-05-18</a:t>
             </a:fld>
             <a:endParaRPr lang="ko-KR" altLang="en-US"/>
           </a:p>
@@ -2389,7 +2389,7 @@
           <a:p>
             <a:fld id="{F40FDB6E-BDDC-4D37-83E8-28D8DD78524D}" type="datetimeFigureOut">
               <a:rPr lang="ko-KR" altLang="en-US" smtClean="0"/>
-              <a:t>2023-05-15</a:t>
+              <a:t>2023-05-18</a:t>
             </a:fld>
             <a:endParaRPr lang="ko-KR" altLang="en-US"/>
           </a:p>
@@ -2677,7 +2677,7 @@
           <a:p>
             <a:fld id="{F40FDB6E-BDDC-4D37-83E8-28D8DD78524D}" type="datetimeFigureOut">
               <a:rPr lang="ko-KR" altLang="en-US" smtClean="0"/>
-              <a:t>2023-05-15</a:t>
+              <a:t>2023-05-18</a:t>
             </a:fld>
             <a:endParaRPr lang="ko-KR" altLang="en-US"/>
           </a:p>
@@ -2918,7 +2918,7 @@
           <a:p>
             <a:fld id="{F40FDB6E-BDDC-4D37-83E8-28D8DD78524D}" type="datetimeFigureOut">
               <a:rPr lang="ko-KR" altLang="en-US" smtClean="0"/>
-              <a:t>2023-05-15</a:t>
+              <a:t>2023-05-18</a:t>
             </a:fld>
             <a:endParaRPr lang="ko-KR" altLang="en-US"/>
           </a:p>
@@ -4154,7 +4154,7 @@
           <p:cNvPr id="2" name="직사각형 1">
             <a:extLst>
               <a:ext uri="{FF2B5EF4-FFF2-40B4-BE49-F238E27FC236}">
-                <a16:creationId xmlns:a16="http://schemas.microsoft.com/office/drawing/2014/main" id="{3B1DFD0B-8E74-D307-6AF7-4C31D876F5FC}"/>
+                <a16:creationId xmlns:a16="http://schemas.microsoft.com/office/drawing/2014/main" id="{30414296-37C4-7136-B5E5-21D5A3CD307C}"/>
               </a:ext>
             </a:extLst>
           </p:cNvPr>
@@ -4163,12 +4163,18 @@
         </p:nvSpPr>
         <p:spPr>
           <a:xfrm>
-            <a:off x="3740727" y="858982"/>
-            <a:ext cx="5227782" cy="4405745"/>
+            <a:off x="3713018" y="424873"/>
+            <a:ext cx="4294909" cy="5283200"/>
           </a:xfrm>
           <a:prstGeom prst="rect">
             <a:avLst/>
           </a:prstGeom>
+          <a:noFill/>
+          <a:ln w="57150">
+            <a:solidFill>
+              <a:schemeClr val="tx1"/>
+            </a:solidFill>
+          </a:ln>
         </p:spPr>
         <p:style>
           <a:lnRef idx="2">
@@ -4195,118 +4201,10 @@
           </a:p>
         </p:txBody>
       </p:sp>
-      <p:sp>
-        <p:nvSpPr>
-          <p:cNvPr id="3" name="TextBox 2">
-            <a:extLst>
-              <a:ext uri="{FF2B5EF4-FFF2-40B4-BE49-F238E27FC236}">
-                <a16:creationId xmlns:a16="http://schemas.microsoft.com/office/drawing/2014/main" id="{A796E66E-385C-E98A-8D0B-00191A865B0B}"/>
-              </a:ext>
-            </a:extLst>
-          </p:cNvPr>
-          <p:cNvSpPr txBox="1"/>
-          <p:nvPr/>
-        </p:nvSpPr>
-        <p:spPr>
-          <a:xfrm>
-            <a:off x="5080000" y="230909"/>
-            <a:ext cx="4331855" cy="369332"/>
-          </a:xfrm>
-          <a:prstGeom prst="rect">
-            <a:avLst/>
-          </a:prstGeom>
-          <a:noFill/>
-        </p:spPr>
-        <p:txBody>
-          <a:bodyPr wrap="square" rtlCol="0">
-            <a:spAutoFit/>
-          </a:bodyPr>
-          <a:lstStyle/>
-          <a:p>
-            <a:r>
-              <a:rPr lang="en-US" altLang="ko-KR"/>
-              <a:t>preprocessor</a:t>
-            </a:r>
-            <a:endParaRPr lang="ko-KR" altLang="en-US"/>
-          </a:p>
-        </p:txBody>
-      </p:sp>
-      <p:cxnSp>
-        <p:nvCxnSpPr>
-          <p:cNvPr id="5" name="직선 연결선 4">
-            <a:extLst>
-              <a:ext uri="{FF2B5EF4-FFF2-40B4-BE49-F238E27FC236}">
-                <a16:creationId xmlns:a16="http://schemas.microsoft.com/office/drawing/2014/main" id="{D022ABCE-8F2B-BE02-C9B1-6009E8AF4432}"/>
-              </a:ext>
-            </a:extLst>
-          </p:cNvPr>
-          <p:cNvCxnSpPr/>
-          <p:nvPr/>
-        </p:nvCxnSpPr>
-        <p:spPr>
-          <a:xfrm>
-            <a:off x="3352800" y="1487055"/>
-            <a:ext cx="628073" cy="0"/>
-          </a:xfrm>
-          <a:prstGeom prst="line">
-            <a:avLst/>
-          </a:prstGeom>
-        </p:spPr>
-        <p:style>
-          <a:lnRef idx="1">
-            <a:schemeClr val="accent1"/>
-          </a:lnRef>
-          <a:fillRef idx="0">
-            <a:schemeClr val="accent1"/>
-          </a:fillRef>
-          <a:effectRef idx="0">
-            <a:schemeClr val="accent1"/>
-          </a:effectRef>
-          <a:fontRef idx="minor">
-            <a:schemeClr val="tx1"/>
-          </a:fontRef>
-        </p:style>
-      </p:cxnSp>
-      <p:cxnSp>
-        <p:nvCxnSpPr>
-          <p:cNvPr id="6" name="직선 연결선 5">
-            <a:extLst>
-              <a:ext uri="{FF2B5EF4-FFF2-40B4-BE49-F238E27FC236}">
-                <a16:creationId xmlns:a16="http://schemas.microsoft.com/office/drawing/2014/main" id="{F668147A-AE2B-A2AC-6817-5261D40B22E8}"/>
-              </a:ext>
-            </a:extLst>
-          </p:cNvPr>
-          <p:cNvCxnSpPr/>
-          <p:nvPr/>
-        </p:nvCxnSpPr>
-        <p:spPr>
-          <a:xfrm>
-            <a:off x="3352800" y="2267527"/>
-            <a:ext cx="628073" cy="0"/>
-          </a:xfrm>
-          <a:prstGeom prst="line">
-            <a:avLst/>
-          </a:prstGeom>
-        </p:spPr>
-        <p:style>
-          <a:lnRef idx="1">
-            <a:schemeClr val="accent1"/>
-          </a:lnRef>
-          <a:fillRef idx="0">
-            <a:schemeClr val="accent1"/>
-          </a:fillRef>
-          <a:effectRef idx="0">
-            <a:schemeClr val="accent1"/>
-          </a:effectRef>
-          <a:fontRef idx="minor">
-            <a:schemeClr val="tx1"/>
-          </a:fontRef>
-        </p:style>
-      </p:cxnSp>
     </p:spTree>
     <p:extLst>
       <p:ext uri="{BB962C8B-B14F-4D97-AF65-F5344CB8AC3E}">
-        <p14:creationId xmlns:p14="http://schemas.microsoft.com/office/powerpoint/2010/main" val="1823245326"/>
+        <p14:creationId xmlns:p14="http://schemas.microsoft.com/office/powerpoint/2010/main" val="3965925960"/>
       </p:ext>
     </p:extLst>
   </p:cSld>
@@ -4396,7 +4294,7 @@
         </p:nvSpPr>
         <p:spPr>
           <a:xfrm>
-            <a:off x="3194079" y="855848"/>
+            <a:off x="3194079" y="874320"/>
             <a:ext cx="5160971" cy="3889922"/>
           </a:xfrm>
           <a:prstGeom prst="rect">
@@ -5112,7 +5010,7 @@
         </p:nvSpPr>
         <p:spPr>
           <a:xfrm>
-            <a:off x="3535824" y="1100650"/>
+            <a:off x="3511004" y="1121267"/>
             <a:ext cx="1011343" cy="1033845"/>
           </a:xfrm>
           <a:prstGeom prst="cube">
@@ -6695,7 +6593,7 @@
           <a:p>
             <a:r>
               <a:rPr lang="en-US" altLang="ko-KR" sz="1400" b="1"/>
-              <a:t>fetch_done</a:t>
+              <a:t>Core_start</a:t>
             </a:r>
             <a:endParaRPr lang="ko-KR" altLang="en-US" sz="1400"/>
           </a:p>

--- a/Plan.pptx
+++ b/Plan.pptx
@@ -9,12 +9,13 @@
     <p:sldId id="262" r:id="rId3"/>
     <p:sldId id="268" r:id="rId4"/>
     <p:sldId id="260" r:id="rId5"/>
-    <p:sldId id="265" r:id="rId6"/>
-    <p:sldId id="261" r:id="rId7"/>
-    <p:sldId id="263" r:id="rId8"/>
-    <p:sldId id="266" r:id="rId9"/>
-    <p:sldId id="264" r:id="rId10"/>
-    <p:sldId id="267" r:id="rId11"/>
+    <p:sldId id="261" r:id="rId6"/>
+    <p:sldId id="263" r:id="rId7"/>
+    <p:sldId id="266" r:id="rId8"/>
+    <p:sldId id="264" r:id="rId9"/>
+    <p:sldId id="267" r:id="rId10"/>
+    <p:sldId id="265" r:id="rId11"/>
+    <p:sldId id="269" r:id="rId12"/>
   </p:sldIdLst>
   <p:sldSz cx="12192000" cy="6858000"/>
   <p:notesSz cx="6858000" cy="9144000"/>
@@ -268,7 +269,7 @@
           <a:p>
             <a:fld id="{F40FDB6E-BDDC-4D37-83E8-28D8DD78524D}" type="datetimeFigureOut">
               <a:rPr lang="ko-KR" altLang="en-US" smtClean="0"/>
-              <a:t>2023-05-18</a:t>
+              <a:t>2023-05-20</a:t>
             </a:fld>
             <a:endParaRPr lang="ko-KR" altLang="en-US"/>
           </a:p>
@@ -466,7 +467,7 @@
           <a:p>
             <a:fld id="{F40FDB6E-BDDC-4D37-83E8-28D8DD78524D}" type="datetimeFigureOut">
               <a:rPr lang="ko-KR" altLang="en-US" smtClean="0"/>
-              <a:t>2023-05-18</a:t>
+              <a:t>2023-05-20</a:t>
             </a:fld>
             <a:endParaRPr lang="ko-KR" altLang="en-US"/>
           </a:p>
@@ -674,7 +675,7 @@
           <a:p>
             <a:fld id="{F40FDB6E-BDDC-4D37-83E8-28D8DD78524D}" type="datetimeFigureOut">
               <a:rPr lang="ko-KR" altLang="en-US" smtClean="0"/>
-              <a:t>2023-05-18</a:t>
+              <a:t>2023-05-20</a:t>
             </a:fld>
             <a:endParaRPr lang="ko-KR" altLang="en-US"/>
           </a:p>
@@ -872,7 +873,7 @@
           <a:p>
             <a:fld id="{F40FDB6E-BDDC-4D37-83E8-28D8DD78524D}" type="datetimeFigureOut">
               <a:rPr lang="ko-KR" altLang="en-US" smtClean="0"/>
-              <a:t>2023-05-18</a:t>
+              <a:t>2023-05-20</a:t>
             </a:fld>
             <a:endParaRPr lang="ko-KR" altLang="en-US"/>
           </a:p>
@@ -1147,7 +1148,7 @@
           <a:p>
             <a:fld id="{F40FDB6E-BDDC-4D37-83E8-28D8DD78524D}" type="datetimeFigureOut">
               <a:rPr lang="ko-KR" altLang="en-US" smtClean="0"/>
-              <a:t>2023-05-18</a:t>
+              <a:t>2023-05-20</a:t>
             </a:fld>
             <a:endParaRPr lang="ko-KR" altLang="en-US"/>
           </a:p>
@@ -1412,7 +1413,7 @@
           <a:p>
             <a:fld id="{F40FDB6E-BDDC-4D37-83E8-28D8DD78524D}" type="datetimeFigureOut">
               <a:rPr lang="ko-KR" altLang="en-US" smtClean="0"/>
-              <a:t>2023-05-18</a:t>
+              <a:t>2023-05-20</a:t>
             </a:fld>
             <a:endParaRPr lang="ko-KR" altLang="en-US"/>
           </a:p>
@@ -1824,7 +1825,7 @@
           <a:p>
             <a:fld id="{F40FDB6E-BDDC-4D37-83E8-28D8DD78524D}" type="datetimeFigureOut">
               <a:rPr lang="ko-KR" altLang="en-US" smtClean="0"/>
-              <a:t>2023-05-18</a:t>
+              <a:t>2023-05-20</a:t>
             </a:fld>
             <a:endParaRPr lang="ko-KR" altLang="en-US"/>
           </a:p>
@@ -1965,7 +1966,7 @@
           <a:p>
             <a:fld id="{F40FDB6E-BDDC-4D37-83E8-28D8DD78524D}" type="datetimeFigureOut">
               <a:rPr lang="ko-KR" altLang="en-US" smtClean="0"/>
-              <a:t>2023-05-18</a:t>
+              <a:t>2023-05-20</a:t>
             </a:fld>
             <a:endParaRPr lang="ko-KR" altLang="en-US"/>
           </a:p>
@@ -2078,7 +2079,7 @@
           <a:p>
             <a:fld id="{F40FDB6E-BDDC-4D37-83E8-28D8DD78524D}" type="datetimeFigureOut">
               <a:rPr lang="ko-KR" altLang="en-US" smtClean="0"/>
-              <a:t>2023-05-18</a:t>
+              <a:t>2023-05-20</a:t>
             </a:fld>
             <a:endParaRPr lang="ko-KR" altLang="en-US"/>
           </a:p>
@@ -2389,7 +2390,7 @@
           <a:p>
             <a:fld id="{F40FDB6E-BDDC-4D37-83E8-28D8DD78524D}" type="datetimeFigureOut">
               <a:rPr lang="ko-KR" altLang="en-US" smtClean="0"/>
-              <a:t>2023-05-18</a:t>
+              <a:t>2023-05-20</a:t>
             </a:fld>
             <a:endParaRPr lang="ko-KR" altLang="en-US"/>
           </a:p>
@@ -2677,7 +2678,7 @@
           <a:p>
             <a:fld id="{F40FDB6E-BDDC-4D37-83E8-28D8DD78524D}" type="datetimeFigureOut">
               <a:rPr lang="ko-KR" altLang="en-US" smtClean="0"/>
-              <a:t>2023-05-18</a:t>
+              <a:t>2023-05-20</a:t>
             </a:fld>
             <a:endParaRPr lang="ko-KR" altLang="en-US"/>
           </a:p>
@@ -2918,7 +2919,7 @@
           <a:p>
             <a:fld id="{F40FDB6E-BDDC-4D37-83E8-28D8DD78524D}" type="datetimeFigureOut">
               <a:rPr lang="ko-KR" altLang="en-US" smtClean="0"/>
-              <a:t>2023-05-18</a:t>
+              <a:t>2023-05-20</a:t>
             </a:fld>
             <a:endParaRPr lang="ko-KR" altLang="en-US"/>
           </a:p>
@@ -3811,120 +3812,4676 @@
       </p:grpSpPr>
       <p:sp>
         <p:nvSpPr>
-          <p:cNvPr id="2" name="제목 1">
-            <a:extLst>
-              <a:ext uri="{FF2B5EF4-FFF2-40B4-BE49-F238E27FC236}">
-                <a16:creationId xmlns:a16="http://schemas.microsoft.com/office/drawing/2014/main" id="{80380D47-7CDC-6CA2-6DFD-A57AE9822EB5}"/>
-              </a:ext>
-            </a:extLst>
-          </p:cNvPr>
-          <p:cNvSpPr>
-            <a:spLocks noGrp="1"/>
-          </p:cNvSpPr>
-          <p:nvPr>
-            <p:ph type="title"/>
-          </p:nvPr>
-        </p:nvSpPr>
-        <p:spPr/>
-        <p:txBody>
-          <a:bodyPr/>
-          <a:lstStyle/>
-          <a:p>
+          <p:cNvPr id="2" name="타원 1">
+            <a:extLst>
+              <a:ext uri="{FF2B5EF4-FFF2-40B4-BE49-F238E27FC236}">
+                <a16:creationId xmlns:a16="http://schemas.microsoft.com/office/drawing/2014/main" id="{88FDEF47-8AC5-A9AE-CF88-B55855679C60}"/>
+              </a:ext>
+            </a:extLst>
+          </p:cNvPr>
+          <p:cNvSpPr/>
+          <p:nvPr/>
+        </p:nvSpPr>
+        <p:spPr>
+          <a:xfrm>
+            <a:off x="4602018" y="32328"/>
+            <a:ext cx="1270001" cy="1214582"/>
+          </a:xfrm>
+          <a:prstGeom prst="ellipse">
+            <a:avLst/>
+          </a:prstGeom>
+        </p:spPr>
+        <p:style>
+          <a:lnRef idx="2">
+            <a:schemeClr val="accent1">
+              <a:shade val="50000"/>
+            </a:schemeClr>
+          </a:lnRef>
+          <a:fillRef idx="1">
+            <a:schemeClr val="accent1"/>
+          </a:fillRef>
+          <a:effectRef idx="0">
+            <a:schemeClr val="accent1"/>
+          </a:effectRef>
+          <a:fontRef idx="minor">
+            <a:schemeClr val="lt1"/>
+          </a:fontRef>
+        </p:style>
+        <p:txBody>
+          <a:bodyPr rtlCol="0" anchor="ctr"/>
+          <a:lstStyle/>
+          <a:p>
+            <a:pPr algn="ctr"/>
+            <a:r>
+              <a:rPr lang="en-US" altLang="ko-KR"/>
+              <a:t>IDLE</a:t>
+            </a:r>
             <a:endParaRPr lang="ko-KR" altLang="en-US"/>
           </a:p>
         </p:txBody>
       </p:sp>
       <p:sp>
         <p:nvSpPr>
-          <p:cNvPr id="3" name="내용 개체 틀 2">
-            <a:extLst>
-              <a:ext uri="{FF2B5EF4-FFF2-40B4-BE49-F238E27FC236}">
-                <a16:creationId xmlns:a16="http://schemas.microsoft.com/office/drawing/2014/main" id="{6456CE30-4866-5BD6-E791-A6D87A7E94E2}"/>
-              </a:ext>
-            </a:extLst>
-          </p:cNvPr>
-          <p:cNvSpPr>
-            <a:spLocks noGrp="1"/>
-          </p:cNvSpPr>
-          <p:nvPr>
-            <p:ph idx="1"/>
-          </p:nvPr>
-        </p:nvSpPr>
-        <p:spPr/>
-        <p:txBody>
-          <a:bodyPr>
-            <a:normAutofit/>
+          <p:cNvPr id="3" name="타원 2">
+            <a:extLst>
+              <a:ext uri="{FF2B5EF4-FFF2-40B4-BE49-F238E27FC236}">
+                <a16:creationId xmlns:a16="http://schemas.microsoft.com/office/drawing/2014/main" id="{A18CD7AA-702F-6807-4534-691DF8B92C88}"/>
+              </a:ext>
+            </a:extLst>
+          </p:cNvPr>
+          <p:cNvSpPr/>
+          <p:nvPr/>
+        </p:nvSpPr>
+        <p:spPr>
+          <a:xfrm>
+            <a:off x="6852229" y="1385455"/>
+            <a:ext cx="1270001" cy="1214582"/>
+          </a:xfrm>
+          <a:prstGeom prst="ellipse">
+            <a:avLst/>
+          </a:prstGeom>
+        </p:spPr>
+        <p:style>
+          <a:lnRef idx="2">
+            <a:schemeClr val="accent1">
+              <a:shade val="50000"/>
+            </a:schemeClr>
+          </a:lnRef>
+          <a:fillRef idx="1">
+            <a:schemeClr val="accent1"/>
+          </a:fillRef>
+          <a:effectRef idx="0">
+            <a:schemeClr val="accent1"/>
+          </a:effectRef>
+          <a:fontRef idx="minor">
+            <a:schemeClr val="lt1"/>
+          </a:fontRef>
+        </p:style>
+        <p:txBody>
+          <a:bodyPr rtlCol="0" anchor="ctr"/>
+          <a:lstStyle/>
+          <a:p>
+            <a:pPr algn="ctr"/>
+            <a:r>
+              <a:rPr lang="en-US" altLang="ko-KR"/>
+              <a:t>FETCH</a:t>
+            </a:r>
+            <a:endParaRPr lang="ko-KR" altLang="en-US"/>
+          </a:p>
+        </p:txBody>
+      </p:sp>
+      <p:sp>
+        <p:nvSpPr>
+          <p:cNvPr id="4" name="타원 3">
+            <a:extLst>
+              <a:ext uri="{FF2B5EF4-FFF2-40B4-BE49-F238E27FC236}">
+                <a16:creationId xmlns:a16="http://schemas.microsoft.com/office/drawing/2014/main" id="{E5456461-0278-135F-6C6A-F7E02DF648FB}"/>
+              </a:ext>
+            </a:extLst>
+          </p:cNvPr>
+          <p:cNvSpPr/>
+          <p:nvPr/>
+        </p:nvSpPr>
+        <p:spPr>
+          <a:xfrm>
+            <a:off x="6819706" y="3787567"/>
+            <a:ext cx="1270001" cy="1214582"/>
+          </a:xfrm>
+          <a:prstGeom prst="ellipse">
+            <a:avLst/>
+          </a:prstGeom>
+        </p:spPr>
+        <p:style>
+          <a:lnRef idx="2">
+            <a:schemeClr val="accent1">
+              <a:shade val="50000"/>
+            </a:schemeClr>
+          </a:lnRef>
+          <a:fillRef idx="1">
+            <a:schemeClr val="accent1"/>
+          </a:fillRef>
+          <a:effectRef idx="0">
+            <a:schemeClr val="accent1"/>
+          </a:effectRef>
+          <a:fontRef idx="minor">
+            <a:schemeClr val="lt1"/>
+          </a:fontRef>
+        </p:style>
+        <p:txBody>
+          <a:bodyPr rtlCol="0" anchor="ctr"/>
+          <a:lstStyle/>
+          <a:p>
+            <a:pPr algn="ctr"/>
+            <a:r>
+              <a:rPr lang="en-US" altLang="ko-KR" sz="1400"/>
+              <a:t>core</a:t>
+            </a:r>
+            <a:endParaRPr lang="ko-KR" altLang="en-US" sz="1400"/>
+          </a:p>
+        </p:txBody>
+      </p:sp>
+      <p:sp>
+        <p:nvSpPr>
+          <p:cNvPr id="6" name="타원 5">
+            <a:extLst>
+              <a:ext uri="{FF2B5EF4-FFF2-40B4-BE49-F238E27FC236}">
+                <a16:creationId xmlns:a16="http://schemas.microsoft.com/office/drawing/2014/main" id="{95FAEA56-BE44-FD9F-0010-E9CBCCB44F9B}"/>
+              </a:ext>
+            </a:extLst>
+          </p:cNvPr>
+          <p:cNvSpPr/>
+          <p:nvPr/>
+        </p:nvSpPr>
+        <p:spPr>
+          <a:xfrm>
+            <a:off x="2546923" y="3553690"/>
+            <a:ext cx="1270001" cy="1214582"/>
+          </a:xfrm>
+          <a:prstGeom prst="ellipse">
+            <a:avLst/>
+          </a:prstGeom>
+        </p:spPr>
+        <p:style>
+          <a:lnRef idx="2">
+            <a:schemeClr val="accent1">
+              <a:shade val="50000"/>
+            </a:schemeClr>
+          </a:lnRef>
+          <a:fillRef idx="1">
+            <a:schemeClr val="accent1"/>
+          </a:fillRef>
+          <a:effectRef idx="0">
+            <a:schemeClr val="accent1"/>
+          </a:effectRef>
+          <a:fontRef idx="minor">
+            <a:schemeClr val="lt1"/>
+          </a:fontRef>
+        </p:style>
+        <p:txBody>
+          <a:bodyPr rtlCol="0" anchor="ctr"/>
+          <a:lstStyle/>
+          <a:p>
+            <a:pPr algn="ctr"/>
+            <a:r>
+              <a:rPr lang="en-US" altLang="ko-KR"/>
+              <a:t>VGA</a:t>
+            </a:r>
+            <a:br>
+              <a:rPr lang="en-US" altLang="ko-KR"/>
+            </a:br>
+            <a:r>
+              <a:rPr lang="en-US" altLang="ko-KR"/>
+              <a:t>_RUN</a:t>
+            </a:r>
+            <a:endParaRPr lang="ko-KR" altLang="en-US"/>
+          </a:p>
+        </p:txBody>
+      </p:sp>
+      <p:sp>
+        <p:nvSpPr>
+          <p:cNvPr id="7" name="타원 6">
+            <a:extLst>
+              <a:ext uri="{FF2B5EF4-FFF2-40B4-BE49-F238E27FC236}">
+                <a16:creationId xmlns:a16="http://schemas.microsoft.com/office/drawing/2014/main" id="{CE64A88F-3BF5-3BFD-1D16-689C62549427}"/>
+              </a:ext>
+            </a:extLst>
+          </p:cNvPr>
+          <p:cNvSpPr/>
+          <p:nvPr/>
+        </p:nvSpPr>
+        <p:spPr>
+          <a:xfrm>
+            <a:off x="2546923" y="1385455"/>
+            <a:ext cx="1270001" cy="1214582"/>
+          </a:xfrm>
+          <a:prstGeom prst="ellipse">
+            <a:avLst/>
+          </a:prstGeom>
+        </p:spPr>
+        <p:style>
+          <a:lnRef idx="2">
+            <a:schemeClr val="accent1">
+              <a:shade val="50000"/>
+            </a:schemeClr>
+          </a:lnRef>
+          <a:fillRef idx="1">
+            <a:schemeClr val="accent1"/>
+          </a:fillRef>
+          <a:effectRef idx="0">
+            <a:schemeClr val="accent1"/>
+          </a:effectRef>
+          <a:fontRef idx="minor">
+            <a:schemeClr val="lt1"/>
+          </a:fontRef>
+        </p:style>
+        <p:txBody>
+          <a:bodyPr rtlCol="0" anchor="ctr"/>
+          <a:lstStyle/>
+          <a:p>
+            <a:pPr algn="ctr"/>
+            <a:r>
+              <a:rPr lang="en-US" altLang="ko-KR"/>
+              <a:t>DONE</a:t>
+            </a:r>
+            <a:endParaRPr lang="ko-KR" altLang="en-US"/>
+          </a:p>
+        </p:txBody>
+      </p:sp>
+      <p:cxnSp>
+        <p:nvCxnSpPr>
+          <p:cNvPr id="9" name="직선 화살표 연결선 8">
+            <a:extLst>
+              <a:ext uri="{FF2B5EF4-FFF2-40B4-BE49-F238E27FC236}">
+                <a16:creationId xmlns:a16="http://schemas.microsoft.com/office/drawing/2014/main" id="{EE8D0E14-5A07-3EC6-724E-FFF81FF456C3}"/>
+              </a:ext>
+            </a:extLst>
+          </p:cNvPr>
+          <p:cNvCxnSpPr>
+            <a:cxnSpLocks/>
+          </p:cNvCxnSpPr>
+          <p:nvPr/>
+        </p:nvCxnSpPr>
+        <p:spPr>
+          <a:xfrm>
+            <a:off x="5967847" y="831274"/>
+            <a:ext cx="884382" cy="554181"/>
+          </a:xfrm>
+          <a:prstGeom prst="straightConnector1">
+            <a:avLst/>
+          </a:prstGeom>
+          <a:ln w="57150">
+            <a:solidFill>
+              <a:schemeClr val="tx1"/>
+            </a:solidFill>
+            <a:tailEnd type="triangle"/>
+          </a:ln>
+        </p:spPr>
+        <p:style>
+          <a:lnRef idx="1">
+            <a:schemeClr val="accent1"/>
+          </a:lnRef>
+          <a:fillRef idx="0">
+            <a:schemeClr val="accent1"/>
+          </a:fillRef>
+          <a:effectRef idx="0">
+            <a:schemeClr val="accent1"/>
+          </a:effectRef>
+          <a:fontRef idx="minor">
+            <a:schemeClr val="tx1"/>
+          </a:fontRef>
+        </p:style>
+      </p:cxnSp>
+      <p:cxnSp>
+        <p:nvCxnSpPr>
+          <p:cNvPr id="12" name="직선 화살표 연결선 11">
+            <a:extLst>
+              <a:ext uri="{FF2B5EF4-FFF2-40B4-BE49-F238E27FC236}">
+                <a16:creationId xmlns:a16="http://schemas.microsoft.com/office/drawing/2014/main" id="{2DDAFA0F-6D55-4073-3DC7-2C30CFD25E2A}"/>
+              </a:ext>
+            </a:extLst>
+          </p:cNvPr>
+          <p:cNvCxnSpPr>
+            <a:cxnSpLocks/>
+          </p:cNvCxnSpPr>
+          <p:nvPr/>
+        </p:nvCxnSpPr>
+        <p:spPr>
+          <a:xfrm>
+            <a:off x="7589339" y="2694673"/>
+            <a:ext cx="0" cy="952767"/>
+          </a:xfrm>
+          <a:prstGeom prst="straightConnector1">
+            <a:avLst/>
+          </a:prstGeom>
+          <a:ln w="57150">
+            <a:solidFill>
+              <a:schemeClr val="tx1"/>
+            </a:solidFill>
+            <a:tailEnd type="triangle"/>
+          </a:ln>
+        </p:spPr>
+        <p:style>
+          <a:lnRef idx="1">
+            <a:schemeClr val="accent1"/>
+          </a:lnRef>
+          <a:fillRef idx="0">
+            <a:schemeClr val="accent1"/>
+          </a:fillRef>
+          <a:effectRef idx="0">
+            <a:schemeClr val="accent1"/>
+          </a:effectRef>
+          <a:fontRef idx="minor">
+            <a:schemeClr val="tx1"/>
+          </a:fontRef>
+        </p:style>
+      </p:cxnSp>
+      <p:cxnSp>
+        <p:nvCxnSpPr>
+          <p:cNvPr id="19" name="직선 화살표 연결선 18">
+            <a:extLst>
+              <a:ext uri="{FF2B5EF4-FFF2-40B4-BE49-F238E27FC236}">
+                <a16:creationId xmlns:a16="http://schemas.microsoft.com/office/drawing/2014/main" id="{4D274043-50DB-9676-B621-5A6BE78845CB}"/>
+              </a:ext>
+            </a:extLst>
+          </p:cNvPr>
+          <p:cNvCxnSpPr>
+            <a:cxnSpLocks/>
+          </p:cNvCxnSpPr>
+          <p:nvPr/>
+        </p:nvCxnSpPr>
+        <p:spPr>
+          <a:xfrm flipH="1" flipV="1">
+            <a:off x="3749964" y="4608945"/>
+            <a:ext cx="852054" cy="521855"/>
+          </a:xfrm>
+          <a:prstGeom prst="straightConnector1">
+            <a:avLst/>
+          </a:prstGeom>
+          <a:ln w="57150">
+            <a:solidFill>
+              <a:schemeClr val="tx1"/>
+            </a:solidFill>
+            <a:tailEnd type="triangle"/>
+          </a:ln>
+        </p:spPr>
+        <p:style>
+          <a:lnRef idx="1">
+            <a:schemeClr val="accent1"/>
+          </a:lnRef>
+          <a:fillRef idx="0">
+            <a:schemeClr val="accent1"/>
+          </a:fillRef>
+          <a:effectRef idx="0">
+            <a:schemeClr val="accent1"/>
+          </a:effectRef>
+          <a:fontRef idx="minor">
+            <a:schemeClr val="tx1"/>
+          </a:fontRef>
+        </p:style>
+      </p:cxnSp>
+      <p:cxnSp>
+        <p:nvCxnSpPr>
+          <p:cNvPr id="22" name="직선 화살표 연결선 21">
+            <a:extLst>
+              <a:ext uri="{FF2B5EF4-FFF2-40B4-BE49-F238E27FC236}">
+                <a16:creationId xmlns:a16="http://schemas.microsoft.com/office/drawing/2014/main" id="{28124963-60E3-8560-7460-C31A9A6F6622}"/>
+              </a:ext>
+            </a:extLst>
+          </p:cNvPr>
+          <p:cNvCxnSpPr>
+            <a:cxnSpLocks/>
+          </p:cNvCxnSpPr>
+          <p:nvPr/>
+        </p:nvCxnSpPr>
+        <p:spPr>
+          <a:xfrm flipV="1">
+            <a:off x="3091873" y="2697018"/>
+            <a:ext cx="0" cy="731982"/>
+          </a:xfrm>
+          <a:prstGeom prst="straightConnector1">
+            <a:avLst/>
+          </a:prstGeom>
+          <a:ln w="57150">
+            <a:solidFill>
+              <a:schemeClr val="tx1"/>
+            </a:solidFill>
+            <a:tailEnd type="triangle"/>
+          </a:ln>
+        </p:spPr>
+        <p:style>
+          <a:lnRef idx="1">
+            <a:schemeClr val="accent1"/>
+          </a:lnRef>
+          <a:fillRef idx="0">
+            <a:schemeClr val="accent1"/>
+          </a:fillRef>
+          <a:effectRef idx="0">
+            <a:schemeClr val="accent1"/>
+          </a:effectRef>
+          <a:fontRef idx="minor">
+            <a:schemeClr val="tx1"/>
+          </a:fontRef>
+        </p:style>
+      </p:cxnSp>
+      <p:cxnSp>
+        <p:nvCxnSpPr>
+          <p:cNvPr id="24" name="직선 화살표 연결선 23">
+            <a:extLst>
+              <a:ext uri="{FF2B5EF4-FFF2-40B4-BE49-F238E27FC236}">
+                <a16:creationId xmlns:a16="http://schemas.microsoft.com/office/drawing/2014/main" id="{F12E3A05-6055-5258-F17F-0A59C2E45B57}"/>
+              </a:ext>
+            </a:extLst>
+          </p:cNvPr>
+          <p:cNvCxnSpPr>
+            <a:cxnSpLocks/>
+          </p:cNvCxnSpPr>
+          <p:nvPr/>
+        </p:nvCxnSpPr>
+        <p:spPr>
+          <a:xfrm flipV="1">
+            <a:off x="3700314" y="834889"/>
+            <a:ext cx="816842" cy="640287"/>
+          </a:xfrm>
+          <a:prstGeom prst="straightConnector1">
+            <a:avLst/>
+          </a:prstGeom>
+          <a:ln w="57150">
+            <a:solidFill>
+              <a:schemeClr val="tx1"/>
+            </a:solidFill>
+            <a:tailEnd type="triangle"/>
+          </a:ln>
+        </p:spPr>
+        <p:style>
+          <a:lnRef idx="1">
+            <a:schemeClr val="accent1"/>
+          </a:lnRef>
+          <a:fillRef idx="0">
+            <a:schemeClr val="accent1"/>
+          </a:fillRef>
+          <a:effectRef idx="0">
+            <a:schemeClr val="accent1"/>
+          </a:effectRef>
+          <a:fontRef idx="minor">
+            <a:schemeClr val="tx1"/>
+          </a:fontRef>
+        </p:style>
+      </p:cxnSp>
+      <p:sp>
+        <p:nvSpPr>
+          <p:cNvPr id="27" name="TextBox 26">
+            <a:extLst>
+              <a:ext uri="{FF2B5EF4-FFF2-40B4-BE49-F238E27FC236}">
+                <a16:creationId xmlns:a16="http://schemas.microsoft.com/office/drawing/2014/main" id="{47AADED2-40D1-87E8-C108-E115BDB5A714}"/>
+              </a:ext>
+            </a:extLst>
+          </p:cNvPr>
+          <p:cNvSpPr txBox="1"/>
+          <p:nvPr/>
+        </p:nvSpPr>
+        <p:spPr>
+          <a:xfrm>
+            <a:off x="7719666" y="3028767"/>
+            <a:ext cx="1527462" cy="307777"/>
+          </a:xfrm>
+          <a:prstGeom prst="rect">
+            <a:avLst/>
+          </a:prstGeom>
+          <a:noFill/>
+        </p:spPr>
+        <p:txBody>
+          <a:bodyPr wrap="square">
+            <a:spAutoFit/>
           </a:bodyPr>
           <a:lstStyle/>
           <a:p>
             <a:r>
-              <a:rPr lang="en-US" altLang="ko-KR" sz="1600" b="1"/>
-              <a:t>- BRAM + Memcontroller</a:t>
-            </a:r>
-          </a:p>
-          <a:p>
-            <a:r>
-              <a:rPr lang="en-US" altLang="ko-KR" sz="1600" b="1"/>
-              <a:t>- Preprocess</a:t>
-            </a:r>
-          </a:p>
-          <a:p>
-            <a:r>
-              <a:rPr lang="en-US" altLang="ko-KR" sz="1600" b="1"/>
-              <a:t>- CORE</a:t>
-            </a:r>
-          </a:p>
-          <a:p>
-            <a:r>
-              <a:rPr lang="en-US" altLang="ko-KR" sz="1600" b="1"/>
-              <a:t>- Controller(FSM)</a:t>
-            </a:r>
-          </a:p>
-          <a:p>
-            <a:r>
-              <a:rPr lang="en-US" altLang="ko-KR" sz="1600" b="1"/>
-              <a:t>- VGA_BUFFER</a:t>
-            </a:r>
-          </a:p>
-          <a:p>
-            <a:r>
-              <a:rPr lang="en-US" altLang="ko-KR" sz="1600" b="1"/>
-              <a:t>------------------------------</a:t>
-            </a:r>
-          </a:p>
-          <a:p>
-            <a:r>
-              <a:rPr lang="en-US" altLang="ko-KR" sz="1600" b="1"/>
-              <a:t>- VGA_PORT</a:t>
-            </a:r>
-          </a:p>
-          <a:p>
-            <a:r>
-              <a:rPr lang="en-US" altLang="ko-KR" sz="1600" b="1"/>
-              <a:t>- 7_Segment</a:t>
-            </a:r>
-          </a:p>
-          <a:p>
-            <a:r>
-              <a:rPr lang="en-US" altLang="ko-KR" sz="1600" b="1"/>
-              <a:t>- Buzzer</a:t>
-            </a:r>
-          </a:p>
-          <a:p>
-            <a:r>
-              <a:rPr lang="en-US" altLang="ko-KR" sz="1600" b="1"/>
-              <a:t>- LED</a:t>
-            </a:r>
-          </a:p>
-          <a:p>
-            <a:endParaRPr lang="ko-KR" altLang="en-US" sz="1600" b="1"/>
+              <a:rPr lang="en-US" altLang="ko-KR" sz="1400" b="1"/>
+              <a:t>Fetch_done</a:t>
+            </a:r>
+            <a:endParaRPr lang="ko-KR" altLang="en-US" sz="1400"/>
+          </a:p>
+        </p:txBody>
+      </p:sp>
+      <p:sp>
+        <p:nvSpPr>
+          <p:cNvPr id="29" name="화살표: 아래로 구부러짐 28">
+            <a:extLst>
+              <a:ext uri="{FF2B5EF4-FFF2-40B4-BE49-F238E27FC236}">
+                <a16:creationId xmlns:a16="http://schemas.microsoft.com/office/drawing/2014/main" id="{1D511B8D-013E-C5F2-F77B-8D9A3CD05379}"/>
+              </a:ext>
+            </a:extLst>
+          </p:cNvPr>
+          <p:cNvSpPr/>
+          <p:nvPr/>
+        </p:nvSpPr>
+        <p:spPr>
+          <a:xfrm rot="2908152">
+            <a:off x="7847211" y="1169590"/>
+            <a:ext cx="884382" cy="489998"/>
+          </a:xfrm>
+          <a:prstGeom prst="curvedDownArrow">
+            <a:avLst/>
+          </a:prstGeom>
+        </p:spPr>
+        <p:style>
+          <a:lnRef idx="2">
+            <a:schemeClr val="accent1">
+              <a:shade val="50000"/>
+            </a:schemeClr>
+          </a:lnRef>
+          <a:fillRef idx="1">
+            <a:schemeClr val="accent1"/>
+          </a:fillRef>
+          <a:effectRef idx="0">
+            <a:schemeClr val="accent1"/>
+          </a:effectRef>
+          <a:fontRef idx="minor">
+            <a:schemeClr val="lt1"/>
+          </a:fontRef>
+        </p:style>
+        <p:txBody>
+          <a:bodyPr rtlCol="0" anchor="ctr"/>
+          <a:lstStyle/>
+          <a:p>
+            <a:pPr algn="ctr"/>
+            <a:endParaRPr lang="ko-KR" altLang="en-US">
+              <a:solidFill>
+                <a:schemeClr val="tx1"/>
+              </a:solidFill>
+            </a:endParaRPr>
+          </a:p>
+        </p:txBody>
+      </p:sp>
+      <p:sp>
+        <p:nvSpPr>
+          <p:cNvPr id="31" name="화살표: 아래로 구부러짐 30">
+            <a:extLst>
+              <a:ext uri="{FF2B5EF4-FFF2-40B4-BE49-F238E27FC236}">
+                <a16:creationId xmlns:a16="http://schemas.microsoft.com/office/drawing/2014/main" id="{5904C4AF-81E9-5853-FBC3-B7B2820E2061}"/>
+              </a:ext>
+            </a:extLst>
+          </p:cNvPr>
+          <p:cNvSpPr/>
+          <p:nvPr/>
+        </p:nvSpPr>
+        <p:spPr>
+          <a:xfrm rot="13152585">
+            <a:off x="2090591" y="4536644"/>
+            <a:ext cx="781044" cy="489998"/>
+          </a:xfrm>
+          <a:prstGeom prst="curvedDownArrow">
+            <a:avLst/>
+          </a:prstGeom>
+        </p:spPr>
+        <p:style>
+          <a:lnRef idx="2">
+            <a:schemeClr val="accent1">
+              <a:shade val="50000"/>
+            </a:schemeClr>
+          </a:lnRef>
+          <a:fillRef idx="1">
+            <a:schemeClr val="accent1"/>
+          </a:fillRef>
+          <a:effectRef idx="0">
+            <a:schemeClr val="accent1"/>
+          </a:effectRef>
+          <a:fontRef idx="minor">
+            <a:schemeClr val="lt1"/>
+          </a:fontRef>
+        </p:style>
+        <p:txBody>
+          <a:bodyPr rtlCol="0" anchor="ctr"/>
+          <a:lstStyle/>
+          <a:p>
+            <a:pPr algn="ctr"/>
+            <a:endParaRPr lang="ko-KR" altLang="en-US">
+              <a:solidFill>
+                <a:schemeClr val="tx1"/>
+              </a:solidFill>
+            </a:endParaRPr>
+          </a:p>
+        </p:txBody>
+      </p:sp>
+      <p:sp>
+        <p:nvSpPr>
+          <p:cNvPr id="32" name="화살표: 아래로 구부러짐 31">
+            <a:extLst>
+              <a:ext uri="{FF2B5EF4-FFF2-40B4-BE49-F238E27FC236}">
+                <a16:creationId xmlns:a16="http://schemas.microsoft.com/office/drawing/2014/main" id="{3A3E6776-6F73-0280-B69A-F5B84545F596}"/>
+              </a:ext>
+            </a:extLst>
+          </p:cNvPr>
+          <p:cNvSpPr/>
+          <p:nvPr/>
+        </p:nvSpPr>
+        <p:spPr>
+          <a:xfrm rot="8098814">
+            <a:off x="7816490" y="4740149"/>
+            <a:ext cx="884382" cy="489998"/>
+          </a:xfrm>
+          <a:prstGeom prst="curvedDownArrow">
+            <a:avLst/>
+          </a:prstGeom>
+        </p:spPr>
+        <p:style>
+          <a:lnRef idx="2">
+            <a:schemeClr val="accent1">
+              <a:shade val="50000"/>
+            </a:schemeClr>
+          </a:lnRef>
+          <a:fillRef idx="1">
+            <a:schemeClr val="accent1"/>
+          </a:fillRef>
+          <a:effectRef idx="0">
+            <a:schemeClr val="accent1"/>
+          </a:effectRef>
+          <a:fontRef idx="minor">
+            <a:schemeClr val="lt1"/>
+          </a:fontRef>
+        </p:style>
+        <p:txBody>
+          <a:bodyPr rtlCol="0" anchor="ctr"/>
+          <a:lstStyle/>
+          <a:p>
+            <a:pPr algn="ctr"/>
+            <a:endParaRPr lang="ko-KR" altLang="en-US">
+              <a:solidFill>
+                <a:schemeClr val="tx1"/>
+              </a:solidFill>
+            </a:endParaRPr>
+          </a:p>
+        </p:txBody>
+      </p:sp>
+      <p:cxnSp>
+        <p:nvCxnSpPr>
+          <p:cNvPr id="38" name="직선 화살표 연결선 37">
+            <a:extLst>
+              <a:ext uri="{FF2B5EF4-FFF2-40B4-BE49-F238E27FC236}">
+                <a16:creationId xmlns:a16="http://schemas.microsoft.com/office/drawing/2014/main" id="{A2A4FF3D-A951-EA06-3059-2B3DFFB5E63E}"/>
+              </a:ext>
+            </a:extLst>
+          </p:cNvPr>
+          <p:cNvCxnSpPr>
+            <a:cxnSpLocks/>
+          </p:cNvCxnSpPr>
+          <p:nvPr/>
+        </p:nvCxnSpPr>
+        <p:spPr>
+          <a:xfrm flipV="1">
+            <a:off x="4024177" y="2403218"/>
+            <a:ext cx="2732938" cy="1551130"/>
+          </a:xfrm>
+          <a:prstGeom prst="straightConnector1">
+            <a:avLst/>
+          </a:prstGeom>
+          <a:ln w="57150">
+            <a:solidFill>
+              <a:schemeClr val="tx1"/>
+            </a:solidFill>
+            <a:tailEnd type="triangle"/>
+          </a:ln>
+        </p:spPr>
+        <p:style>
+          <a:lnRef idx="1">
+            <a:schemeClr val="accent1"/>
+          </a:lnRef>
+          <a:fillRef idx="0">
+            <a:schemeClr val="accent1"/>
+          </a:fillRef>
+          <a:effectRef idx="0">
+            <a:schemeClr val="accent1"/>
+          </a:effectRef>
+          <a:fontRef idx="minor">
+            <a:schemeClr val="tx1"/>
+          </a:fontRef>
+        </p:style>
+      </p:cxnSp>
+      <p:sp>
+        <p:nvSpPr>
+          <p:cNvPr id="42" name="TextBox 41">
+            <a:extLst>
+              <a:ext uri="{FF2B5EF4-FFF2-40B4-BE49-F238E27FC236}">
+                <a16:creationId xmlns:a16="http://schemas.microsoft.com/office/drawing/2014/main" id="{EF14F73F-634C-73FA-7A70-94CBE6F83E58}"/>
+              </a:ext>
+            </a:extLst>
+          </p:cNvPr>
+          <p:cNvSpPr txBox="1"/>
+          <p:nvPr/>
+        </p:nvSpPr>
+        <p:spPr>
+          <a:xfrm>
+            <a:off x="3976256" y="2370593"/>
+            <a:ext cx="1722331" cy="830997"/>
+          </a:xfrm>
+          <a:prstGeom prst="rect">
+            <a:avLst/>
+          </a:prstGeom>
+          <a:noFill/>
+        </p:spPr>
+        <p:txBody>
+          <a:bodyPr wrap="square">
+            <a:spAutoFit/>
+          </a:bodyPr>
+          <a:lstStyle/>
+          <a:p>
+            <a:pPr algn="ctr"/>
+            <a:r>
+              <a:rPr lang="en-US" altLang="ko-KR" sz="1200" b="1"/>
+              <a:t>VGA_RUN_DONE</a:t>
+            </a:r>
+          </a:p>
+          <a:p>
+            <a:pPr algn="ctr"/>
+            <a:r>
+              <a:rPr lang="en-US" altLang="ko-KR" sz="1200" b="1"/>
+              <a:t>&amp;&amp; </a:t>
+            </a:r>
+          </a:p>
+          <a:p>
+            <a:pPr algn="ctr"/>
+            <a:r>
+              <a:rPr lang="en-US" altLang="ko-KR" sz="1200" b="1"/>
+              <a:t>cnt_row != 540</a:t>
+            </a:r>
+            <a:endParaRPr lang="ko-KR" altLang="en-US" sz="1200"/>
+          </a:p>
+          <a:p>
+            <a:pPr algn="ctr"/>
+            <a:endParaRPr lang="ko-KR" altLang="en-US" sz="1200"/>
+          </a:p>
+        </p:txBody>
+      </p:sp>
+      <p:sp>
+        <p:nvSpPr>
+          <p:cNvPr id="43" name="TextBox 42">
+            <a:extLst>
+              <a:ext uri="{FF2B5EF4-FFF2-40B4-BE49-F238E27FC236}">
+                <a16:creationId xmlns:a16="http://schemas.microsoft.com/office/drawing/2014/main" id="{6F2ADD6B-0A74-00FC-3B36-A8F12F6E8683}"/>
+              </a:ext>
+            </a:extLst>
+          </p:cNvPr>
+          <p:cNvSpPr txBox="1"/>
+          <p:nvPr/>
+        </p:nvSpPr>
+        <p:spPr>
+          <a:xfrm>
+            <a:off x="1103025" y="2782669"/>
+            <a:ext cx="2219215" cy="646331"/>
+          </a:xfrm>
+          <a:prstGeom prst="rect">
+            <a:avLst/>
+          </a:prstGeom>
+          <a:noFill/>
+        </p:spPr>
+        <p:txBody>
+          <a:bodyPr wrap="square">
+            <a:spAutoFit/>
+          </a:bodyPr>
+          <a:lstStyle/>
+          <a:p>
+            <a:pPr algn="ctr"/>
+            <a:r>
+              <a:rPr lang="en-US" altLang="ko-KR" sz="1200" b="1"/>
+              <a:t>VGA_RUN_DONE</a:t>
+            </a:r>
+          </a:p>
+          <a:p>
+            <a:pPr algn="ctr"/>
+            <a:r>
+              <a:rPr lang="en-US" altLang="ko-KR" sz="1200" b="1"/>
+              <a:t>&amp;&amp; </a:t>
+            </a:r>
+          </a:p>
+          <a:p>
+            <a:pPr algn="ctr"/>
+            <a:r>
+              <a:rPr lang="en-US" altLang="ko-KR" sz="1200" b="1"/>
+              <a:t>cnt_row == 540</a:t>
+            </a:r>
+            <a:endParaRPr lang="ko-KR" altLang="en-US" sz="1200"/>
+          </a:p>
+        </p:txBody>
+      </p:sp>
+      <p:sp>
+        <p:nvSpPr>
+          <p:cNvPr id="45" name="TextBox 44">
+            <a:extLst>
+              <a:ext uri="{FF2B5EF4-FFF2-40B4-BE49-F238E27FC236}">
+                <a16:creationId xmlns:a16="http://schemas.microsoft.com/office/drawing/2014/main" id="{F76DA90F-F210-0D6F-4671-F4EE22C5FD92}"/>
+              </a:ext>
+            </a:extLst>
+          </p:cNvPr>
+          <p:cNvSpPr txBox="1"/>
+          <p:nvPr/>
+        </p:nvSpPr>
+        <p:spPr>
+          <a:xfrm>
+            <a:off x="3350488" y="608847"/>
+            <a:ext cx="932872" cy="369332"/>
+          </a:xfrm>
+          <a:prstGeom prst="rect">
+            <a:avLst/>
+          </a:prstGeom>
+          <a:noFill/>
+        </p:spPr>
+        <p:txBody>
+          <a:bodyPr wrap="square" rtlCol="0">
+            <a:spAutoFit/>
+          </a:bodyPr>
+          <a:lstStyle/>
+          <a:p>
+            <a:r>
+              <a:rPr lang="en-US" altLang="ko-KR"/>
+              <a:t>1cycle</a:t>
+            </a:r>
+            <a:endParaRPr lang="ko-KR" altLang="en-US"/>
+          </a:p>
+        </p:txBody>
+      </p:sp>
+      <p:sp>
+        <p:nvSpPr>
+          <p:cNvPr id="46" name="TextBox 45">
+            <a:extLst>
+              <a:ext uri="{FF2B5EF4-FFF2-40B4-BE49-F238E27FC236}">
+                <a16:creationId xmlns:a16="http://schemas.microsoft.com/office/drawing/2014/main" id="{1201F5FE-2981-DC2C-0670-F7D977C7F621}"/>
+              </a:ext>
+            </a:extLst>
+          </p:cNvPr>
+          <p:cNvSpPr txBox="1"/>
+          <p:nvPr/>
+        </p:nvSpPr>
+        <p:spPr>
+          <a:xfrm>
+            <a:off x="6335000" y="680790"/>
+            <a:ext cx="997526" cy="369332"/>
+          </a:xfrm>
+          <a:prstGeom prst="rect">
+            <a:avLst/>
+          </a:prstGeom>
+          <a:noFill/>
+        </p:spPr>
+        <p:txBody>
+          <a:bodyPr wrap="square" rtlCol="0">
+            <a:spAutoFit/>
+          </a:bodyPr>
+          <a:lstStyle/>
+          <a:p>
+            <a:r>
+              <a:rPr lang="en-US" altLang="ko-KR"/>
+              <a:t>start</a:t>
+            </a:r>
+            <a:endParaRPr lang="ko-KR" altLang="en-US"/>
+          </a:p>
+        </p:txBody>
+      </p:sp>
+      <p:sp>
+        <p:nvSpPr>
+          <p:cNvPr id="5" name="타원 4">
+            <a:extLst>
+              <a:ext uri="{FF2B5EF4-FFF2-40B4-BE49-F238E27FC236}">
+                <a16:creationId xmlns:a16="http://schemas.microsoft.com/office/drawing/2014/main" id="{46133F7C-B47D-B420-1ED5-B07CD977B0FC}"/>
+              </a:ext>
+            </a:extLst>
+          </p:cNvPr>
+          <p:cNvSpPr/>
+          <p:nvPr/>
+        </p:nvSpPr>
+        <p:spPr>
+          <a:xfrm>
+            <a:off x="4772196" y="4768272"/>
+            <a:ext cx="1270001" cy="1214582"/>
+          </a:xfrm>
+          <a:prstGeom prst="ellipse">
+            <a:avLst/>
+          </a:prstGeom>
+        </p:spPr>
+        <p:style>
+          <a:lnRef idx="2">
+            <a:schemeClr val="accent1">
+              <a:shade val="50000"/>
+            </a:schemeClr>
+          </a:lnRef>
+          <a:fillRef idx="1">
+            <a:schemeClr val="accent1"/>
+          </a:fillRef>
+          <a:effectRef idx="0">
+            <a:schemeClr val="accent1"/>
+          </a:effectRef>
+          <a:fontRef idx="minor">
+            <a:schemeClr val="lt1"/>
+          </a:fontRef>
+        </p:style>
+        <p:txBody>
+          <a:bodyPr rtlCol="0" anchor="ctr"/>
+          <a:lstStyle/>
+          <a:p>
+            <a:pPr algn="ctr"/>
+            <a:r>
+              <a:rPr lang="en-US" altLang="ko-KR" sz="1400"/>
+              <a:t>WAIT</a:t>
+            </a:r>
+            <a:endParaRPr lang="ko-KR" altLang="en-US" sz="1400"/>
+          </a:p>
+        </p:txBody>
+      </p:sp>
+      <p:cxnSp>
+        <p:nvCxnSpPr>
+          <p:cNvPr id="16" name="직선 화살표 연결선 15">
+            <a:extLst>
+              <a:ext uri="{FF2B5EF4-FFF2-40B4-BE49-F238E27FC236}">
+                <a16:creationId xmlns:a16="http://schemas.microsoft.com/office/drawing/2014/main" id="{C271B28B-AAD8-43E0-D42F-37BEC6DDE5EF}"/>
+              </a:ext>
+            </a:extLst>
+          </p:cNvPr>
+          <p:cNvCxnSpPr>
+            <a:cxnSpLocks/>
+          </p:cNvCxnSpPr>
+          <p:nvPr/>
+        </p:nvCxnSpPr>
+        <p:spPr>
+          <a:xfrm flipH="1">
+            <a:off x="6133411" y="4828814"/>
+            <a:ext cx="686295" cy="340247"/>
+          </a:xfrm>
+          <a:prstGeom prst="straightConnector1">
+            <a:avLst/>
+          </a:prstGeom>
+          <a:ln w="57150">
+            <a:solidFill>
+              <a:schemeClr val="tx1"/>
+            </a:solidFill>
+            <a:tailEnd type="triangle"/>
+          </a:ln>
+        </p:spPr>
+        <p:style>
+          <a:lnRef idx="1">
+            <a:schemeClr val="accent1"/>
+          </a:lnRef>
+          <a:fillRef idx="0">
+            <a:schemeClr val="accent1"/>
+          </a:fillRef>
+          <a:effectRef idx="0">
+            <a:schemeClr val="accent1"/>
+          </a:effectRef>
+          <a:fontRef idx="minor">
+            <a:schemeClr val="tx1"/>
+          </a:fontRef>
+        </p:style>
+      </p:cxnSp>
+      <p:sp>
+        <p:nvSpPr>
+          <p:cNvPr id="18" name="TextBox 17">
+            <a:extLst>
+              <a:ext uri="{FF2B5EF4-FFF2-40B4-BE49-F238E27FC236}">
+                <a16:creationId xmlns:a16="http://schemas.microsoft.com/office/drawing/2014/main" id="{9249D581-A865-7BAE-9286-543009905A4C}"/>
+              </a:ext>
+            </a:extLst>
+          </p:cNvPr>
+          <p:cNvSpPr txBox="1"/>
+          <p:nvPr/>
+        </p:nvSpPr>
+        <p:spPr>
+          <a:xfrm>
+            <a:off x="6288708" y="5145395"/>
+            <a:ext cx="1527462" cy="307777"/>
+          </a:xfrm>
+          <a:prstGeom prst="rect">
+            <a:avLst/>
+          </a:prstGeom>
+          <a:noFill/>
+        </p:spPr>
+        <p:txBody>
+          <a:bodyPr wrap="square">
+            <a:spAutoFit/>
+          </a:bodyPr>
+          <a:lstStyle/>
+          <a:p>
+            <a:r>
+              <a:rPr lang="en-US" altLang="ko-KR" sz="1400" b="1"/>
+              <a:t>CORE_done</a:t>
+            </a:r>
+            <a:endParaRPr lang="ko-KR" altLang="en-US" sz="1400"/>
+          </a:p>
+        </p:txBody>
+      </p:sp>
+      <p:sp>
+        <p:nvSpPr>
+          <p:cNvPr id="20" name="TextBox 19">
+            <a:extLst>
+              <a:ext uri="{FF2B5EF4-FFF2-40B4-BE49-F238E27FC236}">
+                <a16:creationId xmlns:a16="http://schemas.microsoft.com/office/drawing/2014/main" id="{770A45F4-1C19-9E23-7A05-A16D02FE3E63}"/>
+              </a:ext>
+            </a:extLst>
+          </p:cNvPr>
+          <p:cNvSpPr txBox="1"/>
+          <p:nvPr/>
+        </p:nvSpPr>
+        <p:spPr>
+          <a:xfrm>
+            <a:off x="3336811" y="5067786"/>
+            <a:ext cx="1527462" cy="307777"/>
+          </a:xfrm>
+          <a:prstGeom prst="rect">
+            <a:avLst/>
+          </a:prstGeom>
+          <a:noFill/>
+        </p:spPr>
+        <p:txBody>
+          <a:bodyPr wrap="square">
+            <a:spAutoFit/>
+          </a:bodyPr>
+          <a:lstStyle/>
+          <a:p>
+            <a:r>
+              <a:rPr lang="en-US" altLang="ko-KR" sz="1400" b="1"/>
+              <a:t>buf_done</a:t>
+            </a:r>
+          </a:p>
+        </p:txBody>
+      </p:sp>
+      <p:sp>
+        <p:nvSpPr>
+          <p:cNvPr id="30" name="화살표: 아래로 구부러짐 29">
+            <a:extLst>
+              <a:ext uri="{FF2B5EF4-FFF2-40B4-BE49-F238E27FC236}">
+                <a16:creationId xmlns:a16="http://schemas.microsoft.com/office/drawing/2014/main" id="{1236FF7E-4304-D00B-E889-109C330DD380}"/>
+              </a:ext>
+            </a:extLst>
+          </p:cNvPr>
+          <p:cNvSpPr/>
+          <p:nvPr/>
+        </p:nvSpPr>
+        <p:spPr>
+          <a:xfrm rot="10800000">
+            <a:off x="4965004" y="6091232"/>
+            <a:ext cx="884382" cy="489998"/>
+          </a:xfrm>
+          <a:prstGeom prst="curvedDownArrow">
+            <a:avLst/>
+          </a:prstGeom>
+        </p:spPr>
+        <p:style>
+          <a:lnRef idx="2">
+            <a:schemeClr val="accent1">
+              <a:shade val="50000"/>
+            </a:schemeClr>
+          </a:lnRef>
+          <a:fillRef idx="1">
+            <a:schemeClr val="accent1"/>
+          </a:fillRef>
+          <a:effectRef idx="0">
+            <a:schemeClr val="accent1"/>
+          </a:effectRef>
+          <a:fontRef idx="minor">
+            <a:schemeClr val="lt1"/>
+          </a:fontRef>
+        </p:style>
+        <p:txBody>
+          <a:bodyPr rtlCol="0" anchor="ctr"/>
+          <a:lstStyle/>
+          <a:p>
+            <a:pPr algn="ctr"/>
+            <a:endParaRPr lang="ko-KR" altLang="en-US">
+              <a:solidFill>
+                <a:schemeClr val="tx1"/>
+              </a:solidFill>
+            </a:endParaRPr>
+          </a:p>
+        </p:txBody>
+      </p:sp>
+      <p:sp>
+        <p:nvSpPr>
+          <p:cNvPr id="34" name="TextBox 33">
+            <a:extLst>
+              <a:ext uri="{FF2B5EF4-FFF2-40B4-BE49-F238E27FC236}">
+                <a16:creationId xmlns:a16="http://schemas.microsoft.com/office/drawing/2014/main" id="{F419AA41-83F1-859C-DD9A-8DDA66CD623A}"/>
+              </a:ext>
+            </a:extLst>
+          </p:cNvPr>
+          <p:cNvSpPr txBox="1"/>
+          <p:nvPr/>
+        </p:nvSpPr>
+        <p:spPr>
+          <a:xfrm>
+            <a:off x="4992709" y="6581231"/>
+            <a:ext cx="1527462" cy="307777"/>
+          </a:xfrm>
+          <a:prstGeom prst="rect">
+            <a:avLst/>
+          </a:prstGeom>
+          <a:noFill/>
+        </p:spPr>
+        <p:txBody>
+          <a:bodyPr wrap="square">
+            <a:spAutoFit/>
+          </a:bodyPr>
+          <a:lstStyle/>
+          <a:p>
+            <a:r>
+              <a:rPr lang="en-US" altLang="ko-KR" sz="1400" b="1"/>
+              <a:t>N</a:t>
+            </a:r>
+            <a:r>
+              <a:rPr lang="ko-KR" altLang="en-US" sz="1400" b="1"/>
+              <a:t> </a:t>
+            </a:r>
+            <a:r>
+              <a:rPr lang="en-US" altLang="ko-KR" sz="1400" b="1"/>
+              <a:t>cycle</a:t>
+            </a:r>
+            <a:endParaRPr lang="ko-KR" altLang="en-US" sz="1400"/>
+          </a:p>
+        </p:txBody>
+      </p:sp>
+      <p:sp>
+        <p:nvSpPr>
+          <p:cNvPr id="39" name="TextBox 38">
+            <a:extLst>
+              <a:ext uri="{FF2B5EF4-FFF2-40B4-BE49-F238E27FC236}">
+                <a16:creationId xmlns:a16="http://schemas.microsoft.com/office/drawing/2014/main" id="{17A4D651-6BD7-17C1-1221-F88C720C8093}"/>
+              </a:ext>
+            </a:extLst>
+          </p:cNvPr>
+          <p:cNvSpPr txBox="1"/>
+          <p:nvPr/>
+        </p:nvSpPr>
+        <p:spPr>
+          <a:xfrm>
+            <a:off x="8536543" y="5145394"/>
+            <a:ext cx="1527462" cy="307777"/>
+          </a:xfrm>
+          <a:prstGeom prst="rect">
+            <a:avLst/>
+          </a:prstGeom>
+          <a:noFill/>
+        </p:spPr>
+        <p:txBody>
+          <a:bodyPr wrap="square">
+            <a:spAutoFit/>
+          </a:bodyPr>
+          <a:lstStyle/>
+          <a:p>
+            <a:r>
+              <a:rPr lang="en-US" altLang="ko-KR" sz="1400" b="1"/>
+              <a:t>540</a:t>
+            </a:r>
+            <a:r>
+              <a:rPr lang="ko-KR" altLang="en-US" sz="1400" b="1"/>
+              <a:t> </a:t>
+            </a:r>
+            <a:r>
+              <a:rPr lang="en-US" altLang="ko-KR" sz="1400" b="1"/>
+              <a:t>cycle</a:t>
+            </a:r>
+            <a:endParaRPr lang="ko-KR" altLang="en-US" sz="1400"/>
           </a:p>
         </p:txBody>
       </p:sp>
     </p:spTree>
     <p:extLst>
       <p:ext uri="{BB962C8B-B14F-4D97-AF65-F5344CB8AC3E}">
-        <p14:creationId xmlns:p14="http://schemas.microsoft.com/office/powerpoint/2010/main" val="2608557863"/>
+        <p14:creationId xmlns:p14="http://schemas.microsoft.com/office/powerpoint/2010/main" val="310536779"/>
+      </p:ext>
+    </p:extLst>
+  </p:cSld>
+  <p:clrMapOvr>
+    <a:masterClrMapping/>
+  </p:clrMapOvr>
+</p:sld>
+</file>
+
+<file path=ppt/slides/slide11.xml><?xml version="1.0" encoding="utf-8"?>
+<p:sld xmlns:a="http://schemas.openxmlformats.org/drawingml/2006/main" xmlns:r="http://schemas.openxmlformats.org/officeDocument/2006/relationships" xmlns:p="http://schemas.openxmlformats.org/presentationml/2006/main">
+  <p:cSld>
+    <p:spTree>
+      <p:nvGrpSpPr>
+        <p:cNvPr id="1" name=""/>
+        <p:cNvGrpSpPr/>
+        <p:nvPr/>
+      </p:nvGrpSpPr>
+      <p:grpSpPr>
+        <a:xfrm>
+          <a:off x="0" y="0"/>
+          <a:ext cx="0" cy="0"/>
+          <a:chOff x="0" y="0"/>
+          <a:chExt cx="0" cy="0"/>
+        </a:xfrm>
+      </p:grpSpPr>
+      <p:sp>
+        <p:nvSpPr>
+          <p:cNvPr id="78" name="직사각형 77">
+            <a:extLst>
+              <a:ext uri="{FF2B5EF4-FFF2-40B4-BE49-F238E27FC236}">
+                <a16:creationId xmlns:a16="http://schemas.microsoft.com/office/drawing/2014/main" id="{FB8170F3-4C28-C31A-A643-FDFD71BF9C0D}"/>
+              </a:ext>
+            </a:extLst>
+          </p:cNvPr>
+          <p:cNvSpPr/>
+          <p:nvPr/>
+        </p:nvSpPr>
+        <p:spPr>
+          <a:xfrm>
+            <a:off x="4935592" y="2395437"/>
+            <a:ext cx="7049753" cy="4301485"/>
+          </a:xfrm>
+          <a:prstGeom prst="rect">
+            <a:avLst/>
+          </a:prstGeom>
+          <a:solidFill>
+            <a:schemeClr val="bg2">
+              <a:lumMod val="90000"/>
+            </a:schemeClr>
+          </a:solidFill>
+          <a:ln w="28575">
+            <a:solidFill>
+              <a:schemeClr val="tx1"/>
+            </a:solidFill>
+          </a:ln>
+        </p:spPr>
+        <p:style>
+          <a:lnRef idx="2">
+            <a:schemeClr val="accent1">
+              <a:shade val="50000"/>
+            </a:schemeClr>
+          </a:lnRef>
+          <a:fillRef idx="1">
+            <a:schemeClr val="accent1"/>
+          </a:fillRef>
+          <a:effectRef idx="0">
+            <a:schemeClr val="accent1"/>
+          </a:effectRef>
+          <a:fontRef idx="minor">
+            <a:schemeClr val="lt1"/>
+          </a:fontRef>
+        </p:style>
+        <p:txBody>
+          <a:bodyPr rtlCol="0" anchor="ctr"/>
+          <a:lstStyle/>
+          <a:p>
+            <a:pPr algn="ctr"/>
+            <a:endParaRPr lang="ko-KR" altLang="en-US" b="1">
+              <a:solidFill>
+                <a:schemeClr val="tx1"/>
+              </a:solidFill>
+            </a:endParaRPr>
+          </a:p>
+        </p:txBody>
+      </p:sp>
+      <p:sp>
+        <p:nvSpPr>
+          <p:cNvPr id="3" name="직사각형 2">
+            <a:extLst>
+              <a:ext uri="{FF2B5EF4-FFF2-40B4-BE49-F238E27FC236}">
+                <a16:creationId xmlns:a16="http://schemas.microsoft.com/office/drawing/2014/main" id="{890A6FEE-1935-F9DD-8F90-E7B732C401EC}"/>
+              </a:ext>
+            </a:extLst>
+          </p:cNvPr>
+          <p:cNvSpPr/>
+          <p:nvPr/>
+        </p:nvSpPr>
+        <p:spPr>
+          <a:xfrm>
+            <a:off x="5525327" y="3043890"/>
+            <a:ext cx="2798619" cy="2710873"/>
+          </a:xfrm>
+          <a:prstGeom prst="rect">
+            <a:avLst/>
+          </a:prstGeom>
+          <a:solidFill>
+            <a:schemeClr val="bg1"/>
+          </a:solidFill>
+          <a:ln w="28575">
+            <a:solidFill>
+              <a:schemeClr val="tx1"/>
+            </a:solidFill>
+          </a:ln>
+        </p:spPr>
+        <p:style>
+          <a:lnRef idx="2">
+            <a:schemeClr val="accent1">
+              <a:shade val="50000"/>
+            </a:schemeClr>
+          </a:lnRef>
+          <a:fillRef idx="1">
+            <a:schemeClr val="accent1"/>
+          </a:fillRef>
+          <a:effectRef idx="0">
+            <a:schemeClr val="accent1"/>
+          </a:effectRef>
+          <a:fontRef idx="minor">
+            <a:schemeClr val="lt1"/>
+          </a:fontRef>
+        </p:style>
+        <p:txBody>
+          <a:bodyPr rtlCol="0" anchor="ctr"/>
+          <a:lstStyle/>
+          <a:p>
+            <a:pPr algn="ctr"/>
+            <a:endParaRPr lang="ko-KR" altLang="en-US" b="1">
+              <a:solidFill>
+                <a:schemeClr val="tx1"/>
+              </a:solidFill>
+            </a:endParaRPr>
+          </a:p>
+        </p:txBody>
+      </p:sp>
+      <p:sp>
+        <p:nvSpPr>
+          <p:cNvPr id="4" name="직사각형 3">
+            <a:extLst>
+              <a:ext uri="{FF2B5EF4-FFF2-40B4-BE49-F238E27FC236}">
+                <a16:creationId xmlns:a16="http://schemas.microsoft.com/office/drawing/2014/main" id="{9A3C8751-B078-4A7E-F7DE-56F817921865}"/>
+              </a:ext>
+            </a:extLst>
+          </p:cNvPr>
+          <p:cNvSpPr/>
+          <p:nvPr/>
+        </p:nvSpPr>
+        <p:spPr>
+          <a:xfrm>
+            <a:off x="1764145" y="3052617"/>
+            <a:ext cx="2154335" cy="2710872"/>
+          </a:xfrm>
+          <a:prstGeom prst="rect">
+            <a:avLst/>
+          </a:prstGeom>
+          <a:solidFill>
+            <a:schemeClr val="bg1"/>
+          </a:solidFill>
+          <a:ln w="28575">
+            <a:solidFill>
+              <a:schemeClr val="tx1"/>
+            </a:solidFill>
+          </a:ln>
+        </p:spPr>
+        <p:style>
+          <a:lnRef idx="2">
+            <a:schemeClr val="accent1">
+              <a:shade val="50000"/>
+            </a:schemeClr>
+          </a:lnRef>
+          <a:fillRef idx="1">
+            <a:schemeClr val="accent1"/>
+          </a:fillRef>
+          <a:effectRef idx="0">
+            <a:schemeClr val="accent1"/>
+          </a:effectRef>
+          <a:fontRef idx="minor">
+            <a:schemeClr val="lt1"/>
+          </a:fontRef>
+        </p:style>
+        <p:txBody>
+          <a:bodyPr rtlCol="0" anchor="ctr"/>
+          <a:lstStyle/>
+          <a:p>
+            <a:pPr algn="ctr"/>
+            <a:endParaRPr lang="ko-KR" altLang="en-US" b="1">
+              <a:solidFill>
+                <a:schemeClr val="tx1"/>
+              </a:solidFill>
+            </a:endParaRPr>
+          </a:p>
+        </p:txBody>
+      </p:sp>
+      <p:sp>
+        <p:nvSpPr>
+          <p:cNvPr id="6" name="TextBox 5">
+            <a:extLst>
+              <a:ext uri="{FF2B5EF4-FFF2-40B4-BE49-F238E27FC236}">
+                <a16:creationId xmlns:a16="http://schemas.microsoft.com/office/drawing/2014/main" id="{7BB470D5-1BBF-DA52-D3DA-B18F1571CFC2}"/>
+              </a:ext>
+            </a:extLst>
+          </p:cNvPr>
+          <p:cNvSpPr txBox="1"/>
+          <p:nvPr/>
+        </p:nvSpPr>
+        <p:spPr>
+          <a:xfrm>
+            <a:off x="6236022" y="5840433"/>
+            <a:ext cx="1320800" cy="307777"/>
+          </a:xfrm>
+          <a:prstGeom prst="rect">
+            <a:avLst/>
+          </a:prstGeom>
+          <a:noFill/>
+        </p:spPr>
+        <p:txBody>
+          <a:bodyPr wrap="square">
+            <a:spAutoFit/>
+          </a:bodyPr>
+          <a:lstStyle/>
+          <a:p>
+            <a:pPr algn="ctr"/>
+            <a:r>
+              <a:rPr lang="en-US" altLang="ko-KR" sz="1400" b="1">
+                <a:solidFill>
+                  <a:schemeClr val="tx1"/>
+                </a:solidFill>
+              </a:rPr>
+              <a:t>Preprocess</a:t>
+            </a:r>
+            <a:endParaRPr lang="ko-KR" altLang="en-US" sz="1400" b="1">
+              <a:solidFill>
+                <a:schemeClr val="tx1"/>
+              </a:solidFill>
+            </a:endParaRPr>
+          </a:p>
+        </p:txBody>
+      </p:sp>
+      <p:sp>
+        <p:nvSpPr>
+          <p:cNvPr id="8" name="TextBox 7">
+            <a:extLst>
+              <a:ext uri="{FF2B5EF4-FFF2-40B4-BE49-F238E27FC236}">
+                <a16:creationId xmlns:a16="http://schemas.microsoft.com/office/drawing/2014/main" id="{09E91028-B80B-9BFC-DA6C-E6897A4B9FA5}"/>
+              </a:ext>
+            </a:extLst>
+          </p:cNvPr>
+          <p:cNvSpPr txBox="1"/>
+          <p:nvPr/>
+        </p:nvSpPr>
+        <p:spPr>
+          <a:xfrm>
+            <a:off x="1764145" y="5763489"/>
+            <a:ext cx="1256144" cy="461665"/>
+          </a:xfrm>
+          <a:prstGeom prst="rect">
+            <a:avLst/>
+          </a:prstGeom>
+          <a:noFill/>
+        </p:spPr>
+        <p:txBody>
+          <a:bodyPr wrap="square">
+            <a:spAutoFit/>
+          </a:bodyPr>
+          <a:lstStyle/>
+          <a:p>
+            <a:pPr algn="ctr"/>
+            <a:r>
+              <a:rPr lang="en-US" altLang="ko-KR" sz="1200" b="1">
+                <a:solidFill>
+                  <a:schemeClr val="tx1"/>
+                </a:solidFill>
+              </a:rPr>
+              <a:t>Memory</a:t>
+            </a:r>
+            <a:br>
+              <a:rPr lang="en-US" altLang="ko-KR" sz="1200" b="1">
+                <a:solidFill>
+                  <a:schemeClr val="tx1"/>
+                </a:solidFill>
+              </a:rPr>
+            </a:br>
+            <a:r>
+              <a:rPr lang="en-US" altLang="ko-KR" sz="1200" b="1">
+                <a:solidFill>
+                  <a:schemeClr val="tx1"/>
+                </a:solidFill>
+              </a:rPr>
+              <a:t>Controller</a:t>
+            </a:r>
+            <a:endParaRPr lang="ko-KR" altLang="en-US" sz="1200" b="1">
+              <a:solidFill>
+                <a:schemeClr val="tx1"/>
+              </a:solidFill>
+            </a:endParaRPr>
+          </a:p>
+        </p:txBody>
+      </p:sp>
+      <p:sp>
+        <p:nvSpPr>
+          <p:cNvPr id="9" name="직사각형 8">
+            <a:extLst>
+              <a:ext uri="{FF2B5EF4-FFF2-40B4-BE49-F238E27FC236}">
+                <a16:creationId xmlns:a16="http://schemas.microsoft.com/office/drawing/2014/main" id="{573DDF42-6191-9BB7-EA99-8EB493BCD21B}"/>
+              </a:ext>
+            </a:extLst>
+          </p:cNvPr>
+          <p:cNvSpPr/>
+          <p:nvPr/>
+        </p:nvSpPr>
+        <p:spPr>
+          <a:xfrm>
+            <a:off x="9519548" y="3052617"/>
+            <a:ext cx="2225634" cy="2710873"/>
+          </a:xfrm>
+          <a:prstGeom prst="rect">
+            <a:avLst/>
+          </a:prstGeom>
+          <a:solidFill>
+            <a:schemeClr val="bg1"/>
+          </a:solidFill>
+          <a:ln w="28575">
+            <a:solidFill>
+              <a:schemeClr val="tx1"/>
+            </a:solidFill>
+          </a:ln>
+        </p:spPr>
+        <p:style>
+          <a:lnRef idx="2">
+            <a:schemeClr val="accent1">
+              <a:shade val="50000"/>
+            </a:schemeClr>
+          </a:lnRef>
+          <a:fillRef idx="1">
+            <a:schemeClr val="accent1"/>
+          </a:fillRef>
+          <a:effectRef idx="0">
+            <a:schemeClr val="accent1"/>
+          </a:effectRef>
+          <a:fontRef idx="minor">
+            <a:schemeClr val="lt1"/>
+          </a:fontRef>
+        </p:style>
+        <p:txBody>
+          <a:bodyPr rtlCol="0" anchor="ctr"/>
+          <a:lstStyle/>
+          <a:p>
+            <a:pPr algn="ctr"/>
+            <a:endParaRPr lang="ko-KR" altLang="en-US" b="1">
+              <a:solidFill>
+                <a:schemeClr val="tx1"/>
+              </a:solidFill>
+            </a:endParaRPr>
+          </a:p>
+        </p:txBody>
+      </p:sp>
+      <p:sp>
+        <p:nvSpPr>
+          <p:cNvPr id="10" name="TextBox 9">
+            <a:extLst>
+              <a:ext uri="{FF2B5EF4-FFF2-40B4-BE49-F238E27FC236}">
+                <a16:creationId xmlns:a16="http://schemas.microsoft.com/office/drawing/2014/main" id="{770D0CCF-414F-6BB3-E577-5CDB7A4DB305}"/>
+              </a:ext>
+            </a:extLst>
+          </p:cNvPr>
+          <p:cNvSpPr txBox="1"/>
+          <p:nvPr/>
+        </p:nvSpPr>
+        <p:spPr>
+          <a:xfrm>
+            <a:off x="9519548" y="5840431"/>
+            <a:ext cx="1320800" cy="307777"/>
+          </a:xfrm>
+          <a:prstGeom prst="rect">
+            <a:avLst/>
+          </a:prstGeom>
+          <a:noFill/>
+        </p:spPr>
+        <p:txBody>
+          <a:bodyPr wrap="square">
+            <a:spAutoFit/>
+          </a:bodyPr>
+          <a:lstStyle/>
+          <a:p>
+            <a:pPr algn="ctr"/>
+            <a:r>
+              <a:rPr lang="en-US" altLang="ko-KR" sz="1400" b="1">
+                <a:solidFill>
+                  <a:schemeClr val="tx1"/>
+                </a:solidFill>
+              </a:rPr>
+              <a:t>CORE</a:t>
+            </a:r>
+            <a:endParaRPr lang="ko-KR" altLang="en-US" sz="1400" b="1">
+              <a:solidFill>
+                <a:schemeClr val="tx1"/>
+              </a:solidFill>
+            </a:endParaRPr>
+          </a:p>
+        </p:txBody>
+      </p:sp>
+      <p:sp>
+        <p:nvSpPr>
+          <p:cNvPr id="11" name="직사각형 10">
+            <a:extLst>
+              <a:ext uri="{FF2B5EF4-FFF2-40B4-BE49-F238E27FC236}">
+                <a16:creationId xmlns:a16="http://schemas.microsoft.com/office/drawing/2014/main" id="{7F512DE1-57D6-6CF3-0A8E-6422B19AD7EC}"/>
+              </a:ext>
+            </a:extLst>
+          </p:cNvPr>
+          <p:cNvSpPr/>
+          <p:nvPr/>
+        </p:nvSpPr>
+        <p:spPr>
+          <a:xfrm>
+            <a:off x="103905" y="3052617"/>
+            <a:ext cx="865914" cy="2710872"/>
+          </a:xfrm>
+          <a:prstGeom prst="rect">
+            <a:avLst/>
+          </a:prstGeom>
+          <a:solidFill>
+            <a:schemeClr val="bg1"/>
+          </a:solidFill>
+          <a:ln w="28575">
+            <a:solidFill>
+              <a:schemeClr val="tx1"/>
+            </a:solidFill>
+          </a:ln>
+        </p:spPr>
+        <p:style>
+          <a:lnRef idx="2">
+            <a:schemeClr val="accent1">
+              <a:shade val="50000"/>
+            </a:schemeClr>
+          </a:lnRef>
+          <a:fillRef idx="1">
+            <a:schemeClr val="accent1"/>
+          </a:fillRef>
+          <a:effectRef idx="0">
+            <a:schemeClr val="accent1"/>
+          </a:effectRef>
+          <a:fontRef idx="minor">
+            <a:schemeClr val="lt1"/>
+          </a:fontRef>
+        </p:style>
+        <p:txBody>
+          <a:bodyPr rtlCol="0" anchor="ctr"/>
+          <a:lstStyle/>
+          <a:p>
+            <a:pPr algn="ctr"/>
+            <a:r>
+              <a:rPr lang="en-US" altLang="ko-KR" b="1">
+                <a:solidFill>
+                  <a:schemeClr val="tx1"/>
+                </a:solidFill>
+              </a:rPr>
+              <a:t>BRAM</a:t>
+            </a:r>
+            <a:endParaRPr lang="ko-KR" altLang="en-US" b="1">
+              <a:solidFill>
+                <a:schemeClr val="tx1"/>
+              </a:solidFill>
+            </a:endParaRPr>
+          </a:p>
+        </p:txBody>
+      </p:sp>
+      <p:sp>
+        <p:nvSpPr>
+          <p:cNvPr id="12" name="직사각형 11">
+            <a:extLst>
+              <a:ext uri="{FF2B5EF4-FFF2-40B4-BE49-F238E27FC236}">
+                <a16:creationId xmlns:a16="http://schemas.microsoft.com/office/drawing/2014/main" id="{79135878-81D0-9ED4-7A39-AF26A5E469D6}"/>
+              </a:ext>
+            </a:extLst>
+          </p:cNvPr>
+          <p:cNvSpPr/>
+          <p:nvPr/>
+        </p:nvSpPr>
+        <p:spPr>
+          <a:xfrm>
+            <a:off x="118111" y="273688"/>
+            <a:ext cx="15195795" cy="1385455"/>
+          </a:xfrm>
+          <a:prstGeom prst="rect">
+            <a:avLst/>
+          </a:prstGeom>
+          <a:solidFill>
+            <a:schemeClr val="bg1"/>
+          </a:solidFill>
+          <a:ln w="28575">
+            <a:solidFill>
+              <a:schemeClr val="tx1"/>
+            </a:solidFill>
+          </a:ln>
+        </p:spPr>
+        <p:style>
+          <a:lnRef idx="2">
+            <a:schemeClr val="accent1">
+              <a:shade val="50000"/>
+            </a:schemeClr>
+          </a:lnRef>
+          <a:fillRef idx="1">
+            <a:schemeClr val="accent1"/>
+          </a:fillRef>
+          <a:effectRef idx="0">
+            <a:schemeClr val="accent1"/>
+          </a:effectRef>
+          <a:fontRef idx="minor">
+            <a:schemeClr val="lt1"/>
+          </a:fontRef>
+        </p:style>
+        <p:txBody>
+          <a:bodyPr rtlCol="0" anchor="ctr"/>
+          <a:lstStyle/>
+          <a:p>
+            <a:pPr algn="ctr"/>
+            <a:r>
+              <a:rPr lang="en-US" altLang="ko-KR" b="1">
+                <a:solidFill>
+                  <a:schemeClr val="tx1"/>
+                </a:solidFill>
+              </a:rPr>
+              <a:t>Controller</a:t>
+            </a:r>
+            <a:endParaRPr lang="ko-KR" altLang="en-US" b="1">
+              <a:solidFill>
+                <a:schemeClr val="tx1"/>
+              </a:solidFill>
+            </a:endParaRPr>
+          </a:p>
+        </p:txBody>
+      </p:sp>
+      <p:cxnSp>
+        <p:nvCxnSpPr>
+          <p:cNvPr id="15" name="직선 화살표 연결선 14">
+            <a:extLst>
+              <a:ext uri="{FF2B5EF4-FFF2-40B4-BE49-F238E27FC236}">
+                <a16:creationId xmlns:a16="http://schemas.microsoft.com/office/drawing/2014/main" id="{3215391D-F35D-1C7C-328B-6933AAB6E004}"/>
+              </a:ext>
+            </a:extLst>
+          </p:cNvPr>
+          <p:cNvCxnSpPr/>
+          <p:nvPr/>
+        </p:nvCxnSpPr>
+        <p:spPr>
+          <a:xfrm>
+            <a:off x="-979053" y="2380183"/>
+            <a:ext cx="683489" cy="0"/>
+          </a:xfrm>
+          <a:prstGeom prst="straightConnector1">
+            <a:avLst/>
+          </a:prstGeom>
+          <a:ln w="57150">
+            <a:solidFill>
+              <a:srgbClr val="00B0F0"/>
+            </a:solidFill>
+            <a:tailEnd type="triangle"/>
+          </a:ln>
+        </p:spPr>
+        <p:style>
+          <a:lnRef idx="1">
+            <a:schemeClr val="accent1"/>
+          </a:lnRef>
+          <a:fillRef idx="0">
+            <a:schemeClr val="accent1"/>
+          </a:fillRef>
+          <a:effectRef idx="0">
+            <a:schemeClr val="accent1"/>
+          </a:effectRef>
+          <a:fontRef idx="minor">
+            <a:schemeClr val="tx1"/>
+          </a:fontRef>
+        </p:style>
+      </p:cxnSp>
+      <p:sp>
+        <p:nvSpPr>
+          <p:cNvPr id="19" name="TextBox 18">
+            <a:extLst>
+              <a:ext uri="{FF2B5EF4-FFF2-40B4-BE49-F238E27FC236}">
+                <a16:creationId xmlns:a16="http://schemas.microsoft.com/office/drawing/2014/main" id="{957A3D6F-5FF7-0F0A-0B12-7E3D77497752}"/>
+              </a:ext>
+            </a:extLst>
+          </p:cNvPr>
+          <p:cNvSpPr txBox="1"/>
+          <p:nvPr/>
+        </p:nvSpPr>
+        <p:spPr>
+          <a:xfrm>
+            <a:off x="5469136" y="4269181"/>
+            <a:ext cx="1028100" cy="276999"/>
+          </a:xfrm>
+          <a:prstGeom prst="rect">
+            <a:avLst/>
+          </a:prstGeom>
+          <a:noFill/>
+        </p:spPr>
+        <p:txBody>
+          <a:bodyPr wrap="square">
+            <a:spAutoFit/>
+          </a:bodyPr>
+          <a:lstStyle/>
+          <a:p>
+            <a:r>
+              <a:rPr lang="en-US" altLang="ko-KR" sz="1200" b="1"/>
+              <a:t>data_i[7:0]</a:t>
+            </a:r>
+            <a:endParaRPr lang="ko-KR" altLang="en-US" sz="1200" b="1">
+              <a:solidFill>
+                <a:schemeClr val="tx1"/>
+              </a:solidFill>
+            </a:endParaRPr>
+          </a:p>
+        </p:txBody>
+      </p:sp>
+      <p:sp>
+        <p:nvSpPr>
+          <p:cNvPr id="20" name="TextBox 19">
+            <a:extLst>
+              <a:ext uri="{FF2B5EF4-FFF2-40B4-BE49-F238E27FC236}">
+                <a16:creationId xmlns:a16="http://schemas.microsoft.com/office/drawing/2014/main" id="{C700BEA2-26C6-E3E5-8A36-5FAD04C91275}"/>
+              </a:ext>
+            </a:extLst>
+          </p:cNvPr>
+          <p:cNvSpPr txBox="1"/>
+          <p:nvPr/>
+        </p:nvSpPr>
+        <p:spPr>
+          <a:xfrm>
+            <a:off x="5485291" y="4620742"/>
+            <a:ext cx="1028100" cy="276999"/>
+          </a:xfrm>
+          <a:prstGeom prst="rect">
+            <a:avLst/>
+          </a:prstGeom>
+          <a:noFill/>
+        </p:spPr>
+        <p:txBody>
+          <a:bodyPr wrap="square">
+            <a:spAutoFit/>
+          </a:bodyPr>
+          <a:lstStyle/>
+          <a:p>
+            <a:r>
+              <a:rPr lang="en-US" altLang="ko-KR" sz="1200" b="1"/>
+              <a:t>data_en_i</a:t>
+            </a:r>
+            <a:endParaRPr lang="ko-KR" altLang="en-US" sz="1200" b="1">
+              <a:solidFill>
+                <a:schemeClr val="tx1"/>
+              </a:solidFill>
+            </a:endParaRPr>
+          </a:p>
+        </p:txBody>
+      </p:sp>
+      <p:sp>
+        <p:nvSpPr>
+          <p:cNvPr id="23" name="TextBox 22">
+            <a:extLst>
+              <a:ext uri="{FF2B5EF4-FFF2-40B4-BE49-F238E27FC236}">
+                <a16:creationId xmlns:a16="http://schemas.microsoft.com/office/drawing/2014/main" id="{9BB86B59-9E57-1315-57B0-B952CA4E0122}"/>
+              </a:ext>
+            </a:extLst>
+          </p:cNvPr>
+          <p:cNvSpPr txBox="1"/>
+          <p:nvPr/>
+        </p:nvSpPr>
+        <p:spPr>
+          <a:xfrm>
+            <a:off x="7025640" y="4138711"/>
+            <a:ext cx="1334465" cy="276999"/>
+          </a:xfrm>
+          <a:prstGeom prst="rect">
+            <a:avLst/>
+          </a:prstGeom>
+          <a:noFill/>
+        </p:spPr>
+        <p:txBody>
+          <a:bodyPr wrap="square">
+            <a:spAutoFit/>
+          </a:bodyPr>
+          <a:lstStyle/>
+          <a:p>
+            <a:r>
+              <a:rPr lang="en-US" altLang="ko-KR" sz="1200" b="1"/>
+              <a:t>data_o[0:9][7:0]</a:t>
+            </a:r>
+            <a:endParaRPr lang="ko-KR" altLang="en-US" sz="1200" b="1">
+              <a:solidFill>
+                <a:schemeClr val="tx1"/>
+              </a:solidFill>
+            </a:endParaRPr>
+          </a:p>
+        </p:txBody>
+      </p:sp>
+      <p:cxnSp>
+        <p:nvCxnSpPr>
+          <p:cNvPr id="24" name="직선 연결선 23">
+            <a:extLst>
+              <a:ext uri="{FF2B5EF4-FFF2-40B4-BE49-F238E27FC236}">
+                <a16:creationId xmlns:a16="http://schemas.microsoft.com/office/drawing/2014/main" id="{2CF96159-7B1D-A408-E198-8B5692F70C98}"/>
+              </a:ext>
+            </a:extLst>
+          </p:cNvPr>
+          <p:cNvCxnSpPr>
+            <a:cxnSpLocks/>
+          </p:cNvCxnSpPr>
+          <p:nvPr/>
+        </p:nvCxnSpPr>
+        <p:spPr>
+          <a:xfrm>
+            <a:off x="8295731" y="4292600"/>
+            <a:ext cx="1223817" cy="0"/>
+          </a:xfrm>
+          <a:prstGeom prst="line">
+            <a:avLst/>
+          </a:prstGeom>
+          <a:ln w="28575">
+            <a:solidFill>
+              <a:srgbClr val="FF0000"/>
+            </a:solidFill>
+          </a:ln>
+        </p:spPr>
+        <p:style>
+          <a:lnRef idx="1">
+            <a:schemeClr val="accent1"/>
+          </a:lnRef>
+          <a:fillRef idx="0">
+            <a:schemeClr val="accent1"/>
+          </a:fillRef>
+          <a:effectRef idx="0">
+            <a:schemeClr val="accent1"/>
+          </a:effectRef>
+          <a:fontRef idx="minor">
+            <a:schemeClr val="tx1"/>
+          </a:fontRef>
+        </p:style>
+      </p:cxnSp>
+      <p:cxnSp>
+        <p:nvCxnSpPr>
+          <p:cNvPr id="25" name="직선 연결선 24">
+            <a:extLst>
+              <a:ext uri="{FF2B5EF4-FFF2-40B4-BE49-F238E27FC236}">
+                <a16:creationId xmlns:a16="http://schemas.microsoft.com/office/drawing/2014/main" id="{3D7288B5-482C-FFF3-67ED-2EEFD36B7BA4}"/>
+              </a:ext>
+            </a:extLst>
+          </p:cNvPr>
+          <p:cNvCxnSpPr>
+            <a:cxnSpLocks/>
+          </p:cNvCxnSpPr>
+          <p:nvPr/>
+        </p:nvCxnSpPr>
+        <p:spPr>
+          <a:xfrm>
+            <a:off x="8295731" y="4634108"/>
+            <a:ext cx="1223817" cy="0"/>
+          </a:xfrm>
+          <a:prstGeom prst="line">
+            <a:avLst/>
+          </a:prstGeom>
+          <a:ln w="28575">
+            <a:solidFill>
+              <a:schemeClr val="tx1"/>
+            </a:solidFill>
+          </a:ln>
+        </p:spPr>
+        <p:style>
+          <a:lnRef idx="1">
+            <a:schemeClr val="accent1"/>
+          </a:lnRef>
+          <a:fillRef idx="0">
+            <a:schemeClr val="accent1"/>
+          </a:fillRef>
+          <a:effectRef idx="0">
+            <a:schemeClr val="accent1"/>
+          </a:effectRef>
+          <a:fontRef idx="minor">
+            <a:schemeClr val="tx1"/>
+          </a:fontRef>
+        </p:style>
+      </p:cxnSp>
+      <p:sp>
+        <p:nvSpPr>
+          <p:cNvPr id="26" name="TextBox 25">
+            <a:extLst>
+              <a:ext uri="{FF2B5EF4-FFF2-40B4-BE49-F238E27FC236}">
+                <a16:creationId xmlns:a16="http://schemas.microsoft.com/office/drawing/2014/main" id="{07A77C82-AE34-199D-8D6E-CF70668C2003}"/>
+              </a:ext>
+            </a:extLst>
+          </p:cNvPr>
+          <p:cNvSpPr txBox="1"/>
+          <p:nvPr/>
+        </p:nvSpPr>
+        <p:spPr>
+          <a:xfrm>
+            <a:off x="7365489" y="4487105"/>
+            <a:ext cx="1028100" cy="276999"/>
+          </a:xfrm>
+          <a:prstGeom prst="rect">
+            <a:avLst/>
+          </a:prstGeom>
+          <a:noFill/>
+        </p:spPr>
+        <p:txBody>
+          <a:bodyPr wrap="square">
+            <a:spAutoFit/>
+          </a:bodyPr>
+          <a:lstStyle/>
+          <a:p>
+            <a:r>
+              <a:rPr lang="en-US" altLang="ko-KR" sz="1200" b="1">
+                <a:solidFill>
+                  <a:schemeClr val="tx1"/>
+                </a:solidFill>
+              </a:rPr>
+              <a:t>Core_en_o</a:t>
+            </a:r>
+            <a:endParaRPr lang="ko-KR" altLang="en-US" sz="1200" b="1">
+              <a:solidFill>
+                <a:schemeClr val="tx1"/>
+              </a:solidFill>
+            </a:endParaRPr>
+          </a:p>
+        </p:txBody>
+      </p:sp>
+      <p:sp>
+        <p:nvSpPr>
+          <p:cNvPr id="28" name="TextBox 27">
+            <a:extLst>
+              <a:ext uri="{FF2B5EF4-FFF2-40B4-BE49-F238E27FC236}">
+                <a16:creationId xmlns:a16="http://schemas.microsoft.com/office/drawing/2014/main" id="{D8D1CE1E-9C4D-B7F8-4048-0B1BBA0D39A7}"/>
+              </a:ext>
+            </a:extLst>
+          </p:cNvPr>
+          <p:cNvSpPr txBox="1"/>
+          <p:nvPr/>
+        </p:nvSpPr>
+        <p:spPr>
+          <a:xfrm>
+            <a:off x="7149544" y="3358318"/>
+            <a:ext cx="1132931" cy="276999"/>
+          </a:xfrm>
+          <a:prstGeom prst="rect">
+            <a:avLst/>
+          </a:prstGeom>
+          <a:noFill/>
+        </p:spPr>
+        <p:txBody>
+          <a:bodyPr wrap="square">
+            <a:spAutoFit/>
+          </a:bodyPr>
+          <a:lstStyle/>
+          <a:p>
+            <a:r>
+              <a:rPr lang="en-US" altLang="ko-KR" sz="1200" b="1">
+                <a:solidFill>
+                  <a:schemeClr val="tx1"/>
+                </a:solidFill>
+              </a:rPr>
+              <a:t>Core_done_o</a:t>
+            </a:r>
+            <a:endParaRPr lang="ko-KR" altLang="en-US" sz="1200" b="1">
+              <a:solidFill>
+                <a:schemeClr val="tx1"/>
+              </a:solidFill>
+            </a:endParaRPr>
+          </a:p>
+        </p:txBody>
+      </p:sp>
+      <p:cxnSp>
+        <p:nvCxnSpPr>
+          <p:cNvPr id="30" name="직선 연결선 29">
+            <a:extLst>
+              <a:ext uri="{FF2B5EF4-FFF2-40B4-BE49-F238E27FC236}">
+                <a16:creationId xmlns:a16="http://schemas.microsoft.com/office/drawing/2014/main" id="{1A6E9583-86F6-8CF4-60D2-DE5629F618B9}"/>
+              </a:ext>
+            </a:extLst>
+          </p:cNvPr>
+          <p:cNvCxnSpPr>
+            <a:cxnSpLocks/>
+          </p:cNvCxnSpPr>
+          <p:nvPr/>
+        </p:nvCxnSpPr>
+        <p:spPr>
+          <a:xfrm>
+            <a:off x="8295731" y="3525192"/>
+            <a:ext cx="475258" cy="0"/>
+          </a:xfrm>
+          <a:prstGeom prst="line">
+            <a:avLst/>
+          </a:prstGeom>
+          <a:ln w="28575">
+            <a:solidFill>
+              <a:schemeClr val="tx1"/>
+            </a:solidFill>
+          </a:ln>
+        </p:spPr>
+        <p:style>
+          <a:lnRef idx="1">
+            <a:schemeClr val="accent1"/>
+          </a:lnRef>
+          <a:fillRef idx="0">
+            <a:schemeClr val="accent1"/>
+          </a:fillRef>
+          <a:effectRef idx="0">
+            <a:schemeClr val="accent1"/>
+          </a:effectRef>
+          <a:fontRef idx="minor">
+            <a:schemeClr val="tx1"/>
+          </a:fontRef>
+        </p:style>
+      </p:cxnSp>
+      <p:sp>
+        <p:nvSpPr>
+          <p:cNvPr id="33" name="TextBox 32">
+            <a:extLst>
+              <a:ext uri="{FF2B5EF4-FFF2-40B4-BE49-F238E27FC236}">
+                <a16:creationId xmlns:a16="http://schemas.microsoft.com/office/drawing/2014/main" id="{5ED05668-A23E-D1F3-1E56-84AF05BA8E56}"/>
+              </a:ext>
+            </a:extLst>
+          </p:cNvPr>
+          <p:cNvSpPr txBox="1"/>
+          <p:nvPr/>
+        </p:nvSpPr>
+        <p:spPr>
+          <a:xfrm>
+            <a:off x="2915083" y="4256652"/>
+            <a:ext cx="979842" cy="276999"/>
+          </a:xfrm>
+          <a:prstGeom prst="rect">
+            <a:avLst/>
+          </a:prstGeom>
+          <a:noFill/>
+        </p:spPr>
+        <p:txBody>
+          <a:bodyPr wrap="square">
+            <a:spAutoFit/>
+          </a:bodyPr>
+          <a:lstStyle/>
+          <a:p>
+            <a:r>
+              <a:rPr lang="en-US" altLang="ko-KR" sz="1200" b="1"/>
+              <a:t>data_o[7:0]</a:t>
+            </a:r>
+            <a:endParaRPr lang="ko-KR" altLang="en-US" sz="1200" b="1">
+              <a:solidFill>
+                <a:schemeClr val="tx1"/>
+              </a:solidFill>
+            </a:endParaRPr>
+          </a:p>
+        </p:txBody>
+      </p:sp>
+      <p:cxnSp>
+        <p:nvCxnSpPr>
+          <p:cNvPr id="34" name="직선 연결선 33">
+            <a:extLst>
+              <a:ext uri="{FF2B5EF4-FFF2-40B4-BE49-F238E27FC236}">
+                <a16:creationId xmlns:a16="http://schemas.microsoft.com/office/drawing/2014/main" id="{AF48A4C2-07F2-3B18-6AEA-0FE6CB1F1219}"/>
+              </a:ext>
+            </a:extLst>
+          </p:cNvPr>
+          <p:cNvCxnSpPr>
+            <a:cxnSpLocks/>
+            <a:stCxn id="4" idx="3"/>
+            <a:endCxn id="19" idx="1"/>
+          </p:cNvCxnSpPr>
+          <p:nvPr/>
+        </p:nvCxnSpPr>
+        <p:spPr>
+          <a:xfrm flipV="1">
+            <a:off x="3918480" y="4407681"/>
+            <a:ext cx="1550656" cy="372"/>
+          </a:xfrm>
+          <a:prstGeom prst="line">
+            <a:avLst/>
+          </a:prstGeom>
+          <a:ln w="28575">
+            <a:solidFill>
+              <a:srgbClr val="FF0000"/>
+            </a:solidFill>
+          </a:ln>
+        </p:spPr>
+        <p:style>
+          <a:lnRef idx="1">
+            <a:schemeClr val="accent1"/>
+          </a:lnRef>
+          <a:fillRef idx="0">
+            <a:schemeClr val="accent1"/>
+          </a:fillRef>
+          <a:effectRef idx="0">
+            <a:schemeClr val="accent1"/>
+          </a:effectRef>
+          <a:fontRef idx="minor">
+            <a:schemeClr val="tx1"/>
+          </a:fontRef>
+        </p:style>
+      </p:cxnSp>
+      <p:sp>
+        <p:nvSpPr>
+          <p:cNvPr id="35" name="TextBox 34">
+            <a:extLst>
+              <a:ext uri="{FF2B5EF4-FFF2-40B4-BE49-F238E27FC236}">
+                <a16:creationId xmlns:a16="http://schemas.microsoft.com/office/drawing/2014/main" id="{CDD8F13A-93A9-757C-0E5C-50823984DDEB}"/>
+              </a:ext>
+            </a:extLst>
+          </p:cNvPr>
+          <p:cNvSpPr txBox="1"/>
+          <p:nvPr/>
+        </p:nvSpPr>
+        <p:spPr>
+          <a:xfrm>
+            <a:off x="2915083" y="4610593"/>
+            <a:ext cx="952458" cy="276999"/>
+          </a:xfrm>
+          <a:prstGeom prst="rect">
+            <a:avLst/>
+          </a:prstGeom>
+          <a:noFill/>
+        </p:spPr>
+        <p:txBody>
+          <a:bodyPr wrap="square">
+            <a:spAutoFit/>
+          </a:bodyPr>
+          <a:lstStyle/>
+          <a:p>
+            <a:r>
+              <a:rPr lang="en-US" altLang="ko-KR" sz="1200" b="1">
+                <a:solidFill>
+                  <a:schemeClr val="tx1"/>
+                </a:solidFill>
+              </a:rPr>
+              <a:t>data_en_o</a:t>
+            </a:r>
+            <a:endParaRPr lang="ko-KR" altLang="en-US" sz="1200" b="1">
+              <a:solidFill>
+                <a:schemeClr val="tx1"/>
+              </a:solidFill>
+            </a:endParaRPr>
+          </a:p>
+        </p:txBody>
+      </p:sp>
+      <p:cxnSp>
+        <p:nvCxnSpPr>
+          <p:cNvPr id="36" name="직선 연결선 35">
+            <a:extLst>
+              <a:ext uri="{FF2B5EF4-FFF2-40B4-BE49-F238E27FC236}">
+                <a16:creationId xmlns:a16="http://schemas.microsoft.com/office/drawing/2014/main" id="{92D17839-3903-4FBC-A152-EF404ADA2CD3}"/>
+              </a:ext>
+            </a:extLst>
+          </p:cNvPr>
+          <p:cNvCxnSpPr>
+            <a:cxnSpLocks/>
+            <a:stCxn id="35" idx="3"/>
+            <a:endCxn id="20" idx="1"/>
+          </p:cNvCxnSpPr>
+          <p:nvPr/>
+        </p:nvCxnSpPr>
+        <p:spPr>
+          <a:xfrm>
+            <a:off x="3867541" y="4749093"/>
+            <a:ext cx="1617750" cy="10149"/>
+          </a:xfrm>
+          <a:prstGeom prst="line">
+            <a:avLst/>
+          </a:prstGeom>
+          <a:ln w="28575">
+            <a:solidFill>
+              <a:schemeClr val="tx1"/>
+            </a:solidFill>
+          </a:ln>
+        </p:spPr>
+        <p:style>
+          <a:lnRef idx="1">
+            <a:schemeClr val="accent1"/>
+          </a:lnRef>
+          <a:fillRef idx="0">
+            <a:schemeClr val="accent1"/>
+          </a:fillRef>
+          <a:effectRef idx="0">
+            <a:schemeClr val="accent1"/>
+          </a:effectRef>
+          <a:fontRef idx="minor">
+            <a:schemeClr val="tx1"/>
+          </a:fontRef>
+        </p:style>
+      </p:cxnSp>
+      <p:sp>
+        <p:nvSpPr>
+          <p:cNvPr id="38" name="TextBox 37">
+            <a:extLst>
+              <a:ext uri="{FF2B5EF4-FFF2-40B4-BE49-F238E27FC236}">
+                <a16:creationId xmlns:a16="http://schemas.microsoft.com/office/drawing/2014/main" id="{9971A508-3F2E-503B-1515-A580DE87B29B}"/>
+              </a:ext>
+            </a:extLst>
+          </p:cNvPr>
+          <p:cNvSpPr txBox="1"/>
+          <p:nvPr/>
+        </p:nvSpPr>
+        <p:spPr>
+          <a:xfrm>
+            <a:off x="2773142" y="3915046"/>
+            <a:ext cx="1169326" cy="276999"/>
+          </a:xfrm>
+          <a:prstGeom prst="rect">
+            <a:avLst/>
+          </a:prstGeom>
+          <a:noFill/>
+        </p:spPr>
+        <p:txBody>
+          <a:bodyPr wrap="square">
+            <a:spAutoFit/>
+          </a:bodyPr>
+          <a:lstStyle/>
+          <a:p>
+            <a:r>
+              <a:rPr lang="en-US" altLang="ko-KR" sz="1200" b="1"/>
+              <a:t>fetch</a:t>
+            </a:r>
+            <a:r>
+              <a:rPr lang="en-US" altLang="ko-KR" sz="1200" b="1">
+                <a:solidFill>
+                  <a:schemeClr val="tx1"/>
+                </a:solidFill>
+              </a:rPr>
+              <a:t>_done_o</a:t>
+            </a:r>
+            <a:endParaRPr lang="ko-KR" altLang="en-US" sz="1200" b="1">
+              <a:solidFill>
+                <a:schemeClr val="tx1"/>
+              </a:solidFill>
+            </a:endParaRPr>
+          </a:p>
+        </p:txBody>
+      </p:sp>
+      <p:cxnSp>
+        <p:nvCxnSpPr>
+          <p:cNvPr id="39" name="직선 연결선 38">
+            <a:extLst>
+              <a:ext uri="{FF2B5EF4-FFF2-40B4-BE49-F238E27FC236}">
+                <a16:creationId xmlns:a16="http://schemas.microsoft.com/office/drawing/2014/main" id="{17B54FD5-E55C-22A1-935A-ED18577363E3}"/>
+              </a:ext>
+            </a:extLst>
+          </p:cNvPr>
+          <p:cNvCxnSpPr>
+            <a:cxnSpLocks/>
+          </p:cNvCxnSpPr>
+          <p:nvPr/>
+        </p:nvCxnSpPr>
+        <p:spPr>
+          <a:xfrm>
+            <a:off x="3904484" y="4094023"/>
+            <a:ext cx="585450" cy="0"/>
+          </a:xfrm>
+          <a:prstGeom prst="line">
+            <a:avLst/>
+          </a:prstGeom>
+          <a:ln w="28575">
+            <a:solidFill>
+              <a:schemeClr val="tx1"/>
+            </a:solidFill>
+          </a:ln>
+        </p:spPr>
+        <p:style>
+          <a:lnRef idx="1">
+            <a:schemeClr val="accent1"/>
+          </a:lnRef>
+          <a:fillRef idx="0">
+            <a:schemeClr val="accent1"/>
+          </a:fillRef>
+          <a:effectRef idx="0">
+            <a:schemeClr val="accent1"/>
+          </a:effectRef>
+          <a:fontRef idx="minor">
+            <a:schemeClr val="tx1"/>
+          </a:fontRef>
+        </p:style>
+      </p:cxnSp>
+      <p:cxnSp>
+        <p:nvCxnSpPr>
+          <p:cNvPr id="42" name="직선 연결선 41">
+            <a:extLst>
+              <a:ext uri="{FF2B5EF4-FFF2-40B4-BE49-F238E27FC236}">
+                <a16:creationId xmlns:a16="http://schemas.microsoft.com/office/drawing/2014/main" id="{6B9AA6F6-6968-9F2D-6C08-9F16F0F7BE02}"/>
+              </a:ext>
+            </a:extLst>
+          </p:cNvPr>
+          <p:cNvCxnSpPr>
+            <a:cxnSpLocks/>
+          </p:cNvCxnSpPr>
+          <p:nvPr/>
+        </p:nvCxnSpPr>
+        <p:spPr>
+          <a:xfrm flipV="1">
+            <a:off x="4489934" y="1708726"/>
+            <a:ext cx="0" cy="2394533"/>
+          </a:xfrm>
+          <a:prstGeom prst="line">
+            <a:avLst/>
+          </a:prstGeom>
+          <a:ln w="28575">
+            <a:solidFill>
+              <a:schemeClr val="tx1"/>
+            </a:solidFill>
+          </a:ln>
+        </p:spPr>
+        <p:style>
+          <a:lnRef idx="1">
+            <a:schemeClr val="accent1"/>
+          </a:lnRef>
+          <a:fillRef idx="0">
+            <a:schemeClr val="accent1"/>
+          </a:fillRef>
+          <a:effectRef idx="0">
+            <a:schemeClr val="accent1"/>
+          </a:effectRef>
+          <a:fontRef idx="minor">
+            <a:schemeClr val="tx1"/>
+          </a:fontRef>
+        </p:style>
+      </p:cxnSp>
+      <p:cxnSp>
+        <p:nvCxnSpPr>
+          <p:cNvPr id="44" name="직선 연결선 43">
+            <a:extLst>
+              <a:ext uri="{FF2B5EF4-FFF2-40B4-BE49-F238E27FC236}">
+                <a16:creationId xmlns:a16="http://schemas.microsoft.com/office/drawing/2014/main" id="{87BD99EF-61E0-6755-8A41-CB9B4EFDB5AF}"/>
+              </a:ext>
+            </a:extLst>
+          </p:cNvPr>
+          <p:cNvCxnSpPr>
+            <a:cxnSpLocks/>
+          </p:cNvCxnSpPr>
+          <p:nvPr/>
+        </p:nvCxnSpPr>
+        <p:spPr>
+          <a:xfrm>
+            <a:off x="990139" y="3517286"/>
+            <a:ext cx="794326" cy="0"/>
+          </a:xfrm>
+          <a:prstGeom prst="line">
+            <a:avLst/>
+          </a:prstGeom>
+          <a:ln w="76200">
+            <a:solidFill>
+              <a:schemeClr val="tx1"/>
+            </a:solidFill>
+          </a:ln>
+        </p:spPr>
+        <p:style>
+          <a:lnRef idx="1">
+            <a:schemeClr val="accent1"/>
+          </a:lnRef>
+          <a:fillRef idx="0">
+            <a:schemeClr val="accent1"/>
+          </a:fillRef>
+          <a:effectRef idx="0">
+            <a:schemeClr val="accent1"/>
+          </a:effectRef>
+          <a:fontRef idx="minor">
+            <a:schemeClr val="tx1"/>
+          </a:fontRef>
+        </p:style>
+      </p:cxnSp>
+      <p:sp>
+        <p:nvSpPr>
+          <p:cNvPr id="46" name="TextBox 45">
+            <a:extLst>
+              <a:ext uri="{FF2B5EF4-FFF2-40B4-BE49-F238E27FC236}">
+                <a16:creationId xmlns:a16="http://schemas.microsoft.com/office/drawing/2014/main" id="{8BF9544C-6506-7513-C9C2-2EC11E0E76D1}"/>
+              </a:ext>
+            </a:extLst>
+          </p:cNvPr>
+          <p:cNvSpPr txBox="1"/>
+          <p:nvPr/>
+        </p:nvSpPr>
+        <p:spPr>
+          <a:xfrm>
+            <a:off x="953073" y="3063527"/>
+            <a:ext cx="1169326" cy="461665"/>
+          </a:xfrm>
+          <a:prstGeom prst="rect">
+            <a:avLst/>
+          </a:prstGeom>
+          <a:noFill/>
+        </p:spPr>
+        <p:txBody>
+          <a:bodyPr wrap="square">
+            <a:spAutoFit/>
+          </a:bodyPr>
+          <a:lstStyle/>
+          <a:p>
+            <a:r>
+              <a:rPr lang="en-US" altLang="ko-KR" sz="1200" b="1">
+                <a:solidFill>
+                  <a:schemeClr val="tx1"/>
+                </a:solidFill>
+              </a:rPr>
+              <a:t>Memory</a:t>
+            </a:r>
+          </a:p>
+          <a:p>
+            <a:r>
+              <a:rPr lang="en-US" altLang="ko-KR" sz="1200" b="1">
+                <a:solidFill>
+                  <a:schemeClr val="tx1"/>
+                </a:solidFill>
+              </a:rPr>
+              <a:t>interface</a:t>
+            </a:r>
+            <a:endParaRPr lang="ko-KR" altLang="en-US" sz="1200" b="1">
+              <a:solidFill>
+                <a:schemeClr val="tx1"/>
+              </a:solidFill>
+            </a:endParaRPr>
+          </a:p>
+        </p:txBody>
+      </p:sp>
+      <p:sp>
+        <p:nvSpPr>
+          <p:cNvPr id="47" name="직사각형 46">
+            <a:extLst>
+              <a:ext uri="{FF2B5EF4-FFF2-40B4-BE49-F238E27FC236}">
+                <a16:creationId xmlns:a16="http://schemas.microsoft.com/office/drawing/2014/main" id="{0EFCF7B0-40B1-7860-C837-140138E46A56}"/>
+              </a:ext>
+            </a:extLst>
+          </p:cNvPr>
+          <p:cNvSpPr/>
+          <p:nvPr/>
+        </p:nvSpPr>
+        <p:spPr>
+          <a:xfrm>
+            <a:off x="5584973" y="5087353"/>
+            <a:ext cx="1063795" cy="381790"/>
+          </a:xfrm>
+          <a:prstGeom prst="rect">
+            <a:avLst/>
+          </a:prstGeom>
+        </p:spPr>
+        <p:style>
+          <a:lnRef idx="2">
+            <a:schemeClr val="accent1">
+              <a:shade val="50000"/>
+            </a:schemeClr>
+          </a:lnRef>
+          <a:fillRef idx="1">
+            <a:schemeClr val="accent1"/>
+          </a:fillRef>
+          <a:effectRef idx="0">
+            <a:schemeClr val="accent1"/>
+          </a:effectRef>
+          <a:fontRef idx="minor">
+            <a:schemeClr val="lt1"/>
+          </a:fontRef>
+        </p:style>
+        <p:txBody>
+          <a:bodyPr rtlCol="0" anchor="ctr"/>
+          <a:lstStyle/>
+          <a:p>
+            <a:pPr algn="ctr"/>
+            <a:r>
+              <a:rPr lang="en-US" altLang="ko-KR" sz="1100" b="1">
+                <a:solidFill>
+                  <a:schemeClr val="bg1"/>
+                </a:solidFill>
+              </a:rPr>
+              <a:t>3x COL</a:t>
+            </a:r>
+          </a:p>
+          <a:p>
+            <a:pPr algn="ctr"/>
+            <a:r>
+              <a:rPr lang="en-US" altLang="ko-KR" sz="1100" b="1">
+                <a:solidFill>
+                  <a:schemeClr val="bg1"/>
+                </a:solidFill>
+              </a:rPr>
+              <a:t>BUFFER</a:t>
+            </a:r>
+            <a:endParaRPr lang="ko-KR" altLang="en-US" sz="1100" b="1">
+              <a:solidFill>
+                <a:schemeClr val="bg1"/>
+              </a:solidFill>
+            </a:endParaRPr>
+          </a:p>
+        </p:txBody>
+      </p:sp>
+      <p:cxnSp>
+        <p:nvCxnSpPr>
+          <p:cNvPr id="59" name="직선 연결선 58">
+            <a:extLst>
+              <a:ext uri="{FF2B5EF4-FFF2-40B4-BE49-F238E27FC236}">
+                <a16:creationId xmlns:a16="http://schemas.microsoft.com/office/drawing/2014/main" id="{6A0F85C0-1168-6F97-510A-6C44BF25B382}"/>
+              </a:ext>
+            </a:extLst>
+          </p:cNvPr>
+          <p:cNvCxnSpPr>
+            <a:cxnSpLocks/>
+          </p:cNvCxnSpPr>
+          <p:nvPr/>
+        </p:nvCxnSpPr>
+        <p:spPr>
+          <a:xfrm flipV="1">
+            <a:off x="2392217" y="1725411"/>
+            <a:ext cx="0" cy="1327206"/>
+          </a:xfrm>
+          <a:prstGeom prst="line">
+            <a:avLst/>
+          </a:prstGeom>
+          <a:ln w="28575">
+            <a:solidFill>
+              <a:schemeClr val="tx1"/>
+            </a:solidFill>
+          </a:ln>
+        </p:spPr>
+        <p:style>
+          <a:lnRef idx="1">
+            <a:schemeClr val="accent1"/>
+          </a:lnRef>
+          <a:fillRef idx="0">
+            <a:schemeClr val="accent1"/>
+          </a:fillRef>
+          <a:effectRef idx="0">
+            <a:schemeClr val="accent1"/>
+          </a:effectRef>
+          <a:fontRef idx="minor">
+            <a:schemeClr val="tx1"/>
+          </a:fontRef>
+        </p:style>
+      </p:cxnSp>
+      <p:sp>
+        <p:nvSpPr>
+          <p:cNvPr id="63" name="TextBox 62">
+            <a:extLst>
+              <a:ext uri="{FF2B5EF4-FFF2-40B4-BE49-F238E27FC236}">
+                <a16:creationId xmlns:a16="http://schemas.microsoft.com/office/drawing/2014/main" id="{6FEBD5A6-F47A-2436-2424-FF04A795A54A}"/>
+              </a:ext>
+            </a:extLst>
+          </p:cNvPr>
+          <p:cNvSpPr txBox="1"/>
+          <p:nvPr/>
+        </p:nvSpPr>
+        <p:spPr>
+          <a:xfrm>
+            <a:off x="1879499" y="3050612"/>
+            <a:ext cx="1169326" cy="276999"/>
+          </a:xfrm>
+          <a:prstGeom prst="rect">
+            <a:avLst/>
+          </a:prstGeom>
+          <a:noFill/>
+        </p:spPr>
+        <p:txBody>
+          <a:bodyPr wrap="square">
+            <a:spAutoFit/>
+          </a:bodyPr>
+          <a:lstStyle/>
+          <a:p>
+            <a:r>
+              <a:rPr lang="en-US" altLang="ko-KR" sz="1200" b="1"/>
+              <a:t>fetch</a:t>
+            </a:r>
+            <a:r>
+              <a:rPr lang="en-US" altLang="ko-KR" sz="1200" b="1">
+                <a:solidFill>
+                  <a:schemeClr val="tx1"/>
+                </a:solidFill>
+              </a:rPr>
+              <a:t>_run_</a:t>
+            </a:r>
+            <a:r>
+              <a:rPr lang="en-US" altLang="ko-KR" sz="1200" b="1"/>
+              <a:t>i</a:t>
+            </a:r>
+            <a:endParaRPr lang="ko-KR" altLang="en-US" sz="1200" b="1">
+              <a:solidFill>
+                <a:schemeClr val="tx1"/>
+              </a:solidFill>
+            </a:endParaRPr>
+          </a:p>
+        </p:txBody>
+      </p:sp>
+      <p:cxnSp>
+        <p:nvCxnSpPr>
+          <p:cNvPr id="75" name="직선 연결선 74">
+            <a:extLst>
+              <a:ext uri="{FF2B5EF4-FFF2-40B4-BE49-F238E27FC236}">
+                <a16:creationId xmlns:a16="http://schemas.microsoft.com/office/drawing/2014/main" id="{8F113C29-CDE7-F0C2-880C-D66D2747B959}"/>
+              </a:ext>
+            </a:extLst>
+          </p:cNvPr>
+          <p:cNvCxnSpPr>
+            <a:cxnSpLocks/>
+          </p:cNvCxnSpPr>
+          <p:nvPr/>
+        </p:nvCxnSpPr>
+        <p:spPr>
+          <a:xfrm flipV="1">
+            <a:off x="8770989" y="1725411"/>
+            <a:ext cx="0" cy="1791875"/>
+          </a:xfrm>
+          <a:prstGeom prst="line">
+            <a:avLst/>
+          </a:prstGeom>
+          <a:ln w="28575">
+            <a:solidFill>
+              <a:schemeClr val="tx1"/>
+            </a:solidFill>
+          </a:ln>
+        </p:spPr>
+        <p:style>
+          <a:lnRef idx="1">
+            <a:schemeClr val="accent1"/>
+          </a:lnRef>
+          <a:fillRef idx="0">
+            <a:schemeClr val="accent1"/>
+          </a:fillRef>
+          <a:effectRef idx="0">
+            <a:schemeClr val="accent1"/>
+          </a:effectRef>
+          <a:fontRef idx="minor">
+            <a:schemeClr val="tx1"/>
+          </a:fontRef>
+        </p:style>
+      </p:cxnSp>
+      <p:sp>
+        <p:nvSpPr>
+          <p:cNvPr id="79" name="TextBox 78">
+            <a:extLst>
+              <a:ext uri="{FF2B5EF4-FFF2-40B4-BE49-F238E27FC236}">
+                <a16:creationId xmlns:a16="http://schemas.microsoft.com/office/drawing/2014/main" id="{EC561892-8AB1-2A5E-4AB1-DBE0588336C0}"/>
+              </a:ext>
+            </a:extLst>
+          </p:cNvPr>
+          <p:cNvSpPr txBox="1"/>
+          <p:nvPr/>
+        </p:nvSpPr>
+        <p:spPr>
+          <a:xfrm>
+            <a:off x="7556822" y="6346806"/>
+            <a:ext cx="1320800" cy="338554"/>
+          </a:xfrm>
+          <a:prstGeom prst="rect">
+            <a:avLst/>
+          </a:prstGeom>
+          <a:noFill/>
+        </p:spPr>
+        <p:txBody>
+          <a:bodyPr wrap="square">
+            <a:spAutoFit/>
+          </a:bodyPr>
+          <a:lstStyle/>
+          <a:p>
+            <a:pPr algn="ctr"/>
+            <a:r>
+              <a:rPr lang="en-US" altLang="ko-KR" sz="1600" b="1">
+                <a:solidFill>
+                  <a:schemeClr val="tx1"/>
+                </a:solidFill>
+              </a:rPr>
+              <a:t>SOBEL_TOP</a:t>
+            </a:r>
+            <a:endParaRPr lang="ko-KR" altLang="en-US" sz="1600" b="1">
+              <a:solidFill>
+                <a:schemeClr val="tx1"/>
+              </a:solidFill>
+            </a:endParaRPr>
+          </a:p>
+        </p:txBody>
+      </p:sp>
+      <p:sp>
+        <p:nvSpPr>
+          <p:cNvPr id="80" name="TextBox 79">
+            <a:extLst>
+              <a:ext uri="{FF2B5EF4-FFF2-40B4-BE49-F238E27FC236}">
+                <a16:creationId xmlns:a16="http://schemas.microsoft.com/office/drawing/2014/main" id="{CE8DB0DE-0A92-9D00-734E-988A01003A4E}"/>
+              </a:ext>
+            </a:extLst>
+          </p:cNvPr>
+          <p:cNvSpPr txBox="1"/>
+          <p:nvPr/>
+        </p:nvSpPr>
+        <p:spPr>
+          <a:xfrm>
+            <a:off x="9479262" y="4128189"/>
+            <a:ext cx="1334465" cy="276999"/>
+          </a:xfrm>
+          <a:prstGeom prst="rect">
+            <a:avLst/>
+          </a:prstGeom>
+          <a:noFill/>
+        </p:spPr>
+        <p:txBody>
+          <a:bodyPr wrap="square">
+            <a:spAutoFit/>
+          </a:bodyPr>
+          <a:lstStyle/>
+          <a:p>
+            <a:r>
+              <a:rPr lang="en-US" altLang="ko-KR" sz="1200" b="1"/>
+              <a:t>data_i[0:9][7:0]</a:t>
+            </a:r>
+            <a:endParaRPr lang="ko-KR" altLang="en-US" sz="1200" b="1">
+              <a:solidFill>
+                <a:schemeClr val="tx1"/>
+              </a:solidFill>
+            </a:endParaRPr>
+          </a:p>
+        </p:txBody>
+      </p:sp>
+      <p:sp>
+        <p:nvSpPr>
+          <p:cNvPr id="81" name="TextBox 80">
+            <a:extLst>
+              <a:ext uri="{FF2B5EF4-FFF2-40B4-BE49-F238E27FC236}">
+                <a16:creationId xmlns:a16="http://schemas.microsoft.com/office/drawing/2014/main" id="{98F5C923-FE95-D9BB-F7B1-F5CE6C9DEF42}"/>
+              </a:ext>
+            </a:extLst>
+          </p:cNvPr>
+          <p:cNvSpPr txBox="1"/>
+          <p:nvPr/>
+        </p:nvSpPr>
+        <p:spPr>
+          <a:xfrm>
+            <a:off x="9475069" y="4495608"/>
+            <a:ext cx="1028100" cy="276999"/>
+          </a:xfrm>
+          <a:prstGeom prst="rect">
+            <a:avLst/>
+          </a:prstGeom>
+          <a:noFill/>
+        </p:spPr>
+        <p:txBody>
+          <a:bodyPr wrap="square">
+            <a:spAutoFit/>
+          </a:bodyPr>
+          <a:lstStyle/>
+          <a:p>
+            <a:r>
+              <a:rPr lang="en-US" altLang="ko-KR" sz="1200" b="1">
+                <a:solidFill>
+                  <a:schemeClr val="tx1"/>
+                </a:solidFill>
+              </a:rPr>
+              <a:t>Core_en_</a:t>
+            </a:r>
+            <a:r>
+              <a:rPr lang="en-US" altLang="ko-KR" sz="1200" b="1"/>
+              <a:t>i</a:t>
+            </a:r>
+            <a:endParaRPr lang="ko-KR" altLang="en-US" sz="1200" b="1">
+              <a:solidFill>
+                <a:schemeClr val="tx1"/>
+              </a:solidFill>
+            </a:endParaRPr>
+          </a:p>
+        </p:txBody>
+      </p:sp>
+      <p:cxnSp>
+        <p:nvCxnSpPr>
+          <p:cNvPr id="82" name="직선 연결선 81">
+            <a:extLst>
+              <a:ext uri="{FF2B5EF4-FFF2-40B4-BE49-F238E27FC236}">
+                <a16:creationId xmlns:a16="http://schemas.microsoft.com/office/drawing/2014/main" id="{2AD1A194-0870-EFBF-6B71-763D566E77EC}"/>
+              </a:ext>
+            </a:extLst>
+          </p:cNvPr>
+          <p:cNvCxnSpPr>
+            <a:cxnSpLocks/>
+          </p:cNvCxnSpPr>
+          <p:nvPr/>
+        </p:nvCxnSpPr>
+        <p:spPr>
+          <a:xfrm>
+            <a:off x="8325337" y="5506950"/>
+            <a:ext cx="4125281" cy="0"/>
+          </a:xfrm>
+          <a:prstGeom prst="line">
+            <a:avLst/>
+          </a:prstGeom>
+          <a:ln w="28575">
+            <a:solidFill>
+              <a:schemeClr val="tx1"/>
+            </a:solidFill>
+          </a:ln>
+        </p:spPr>
+        <p:style>
+          <a:lnRef idx="1">
+            <a:schemeClr val="accent1"/>
+          </a:lnRef>
+          <a:fillRef idx="0">
+            <a:schemeClr val="accent1"/>
+          </a:fillRef>
+          <a:effectRef idx="0">
+            <a:schemeClr val="accent1"/>
+          </a:effectRef>
+          <a:fontRef idx="minor">
+            <a:schemeClr val="tx1"/>
+          </a:fontRef>
+        </p:style>
+      </p:cxnSp>
+      <p:sp>
+        <p:nvSpPr>
+          <p:cNvPr id="83" name="TextBox 82">
+            <a:extLst>
+              <a:ext uri="{FF2B5EF4-FFF2-40B4-BE49-F238E27FC236}">
+                <a16:creationId xmlns:a16="http://schemas.microsoft.com/office/drawing/2014/main" id="{154B6515-A013-4149-5F5F-CE7FB7905DC1}"/>
+              </a:ext>
+            </a:extLst>
+          </p:cNvPr>
+          <p:cNvSpPr txBox="1"/>
+          <p:nvPr/>
+        </p:nvSpPr>
+        <p:spPr>
+          <a:xfrm>
+            <a:off x="6851161" y="5337099"/>
+            <a:ext cx="1495904" cy="276999"/>
+          </a:xfrm>
+          <a:prstGeom prst="rect">
+            <a:avLst/>
+          </a:prstGeom>
+          <a:noFill/>
+        </p:spPr>
+        <p:txBody>
+          <a:bodyPr wrap="square">
+            <a:spAutoFit/>
+          </a:bodyPr>
+          <a:lstStyle/>
+          <a:p>
+            <a:r>
+              <a:rPr lang="en-US" altLang="ko-KR" sz="1200" b="1">
+                <a:solidFill>
+                  <a:schemeClr val="tx1"/>
+                </a:solidFill>
+              </a:rPr>
+              <a:t>cnt_buf_col_o[9:0]</a:t>
+            </a:r>
+            <a:endParaRPr lang="ko-KR" altLang="en-US" sz="1200" b="1">
+              <a:solidFill>
+                <a:schemeClr val="tx1"/>
+              </a:solidFill>
+            </a:endParaRPr>
+          </a:p>
+        </p:txBody>
+      </p:sp>
+      <p:sp>
+        <p:nvSpPr>
+          <p:cNvPr id="84" name="TextBox 83">
+            <a:extLst>
+              <a:ext uri="{FF2B5EF4-FFF2-40B4-BE49-F238E27FC236}">
+                <a16:creationId xmlns:a16="http://schemas.microsoft.com/office/drawing/2014/main" id="{32DCFAD3-0DD5-5DD2-2D19-F105B4090C23}"/>
+              </a:ext>
+            </a:extLst>
+          </p:cNvPr>
+          <p:cNvSpPr txBox="1"/>
+          <p:nvPr/>
+        </p:nvSpPr>
+        <p:spPr>
+          <a:xfrm>
+            <a:off x="9542667" y="5244479"/>
+            <a:ext cx="1495904" cy="276999"/>
+          </a:xfrm>
+          <a:prstGeom prst="rect">
+            <a:avLst/>
+          </a:prstGeom>
+          <a:noFill/>
+        </p:spPr>
+        <p:txBody>
+          <a:bodyPr wrap="square">
+            <a:spAutoFit/>
+          </a:bodyPr>
+          <a:lstStyle/>
+          <a:p>
+            <a:r>
+              <a:rPr lang="en-US" altLang="ko-KR" sz="1200" b="1">
+                <a:solidFill>
+                  <a:schemeClr val="tx1"/>
+                </a:solidFill>
+              </a:rPr>
+              <a:t>cnt_buf_col[9:0]</a:t>
+            </a:r>
+            <a:endParaRPr lang="ko-KR" altLang="en-US" sz="1200" b="1">
+              <a:solidFill>
+                <a:schemeClr val="tx1"/>
+              </a:solidFill>
+            </a:endParaRPr>
+          </a:p>
+        </p:txBody>
+      </p:sp>
+      <p:sp>
+        <p:nvSpPr>
+          <p:cNvPr id="85" name="TextBox 84">
+            <a:extLst>
+              <a:ext uri="{FF2B5EF4-FFF2-40B4-BE49-F238E27FC236}">
+                <a16:creationId xmlns:a16="http://schemas.microsoft.com/office/drawing/2014/main" id="{F0CE17C6-0996-B2A0-246D-C0945AC688BB}"/>
+              </a:ext>
+            </a:extLst>
+          </p:cNvPr>
+          <p:cNvSpPr txBox="1"/>
+          <p:nvPr/>
+        </p:nvSpPr>
+        <p:spPr>
+          <a:xfrm>
+            <a:off x="6859862" y="4934856"/>
+            <a:ext cx="1495904" cy="276999"/>
+          </a:xfrm>
+          <a:prstGeom prst="rect">
+            <a:avLst/>
+          </a:prstGeom>
+          <a:noFill/>
+        </p:spPr>
+        <p:txBody>
+          <a:bodyPr wrap="square">
+            <a:spAutoFit/>
+          </a:bodyPr>
+          <a:lstStyle/>
+          <a:p>
+            <a:r>
+              <a:rPr lang="en-US" altLang="ko-KR" sz="1200" b="1">
+                <a:solidFill>
+                  <a:schemeClr val="tx1"/>
+                </a:solidFill>
+              </a:rPr>
+              <a:t>cnt_buf_row_o[9:0]</a:t>
+            </a:r>
+            <a:endParaRPr lang="ko-KR" altLang="en-US" sz="1200" b="1">
+              <a:solidFill>
+                <a:schemeClr val="tx1"/>
+              </a:solidFill>
+            </a:endParaRPr>
+          </a:p>
+        </p:txBody>
+      </p:sp>
+      <p:cxnSp>
+        <p:nvCxnSpPr>
+          <p:cNvPr id="86" name="직선 연결선 85">
+            <a:extLst>
+              <a:ext uri="{FF2B5EF4-FFF2-40B4-BE49-F238E27FC236}">
+                <a16:creationId xmlns:a16="http://schemas.microsoft.com/office/drawing/2014/main" id="{485E8963-0F7B-805F-487C-6EFA897623FB}"/>
+              </a:ext>
+            </a:extLst>
+          </p:cNvPr>
+          <p:cNvCxnSpPr>
+            <a:cxnSpLocks/>
+          </p:cNvCxnSpPr>
+          <p:nvPr/>
+        </p:nvCxnSpPr>
+        <p:spPr>
+          <a:xfrm>
+            <a:off x="8325337" y="5145586"/>
+            <a:ext cx="4031753" cy="0"/>
+          </a:xfrm>
+          <a:prstGeom prst="line">
+            <a:avLst/>
+          </a:prstGeom>
+          <a:ln w="28575">
+            <a:solidFill>
+              <a:schemeClr val="tx1"/>
+            </a:solidFill>
+          </a:ln>
+        </p:spPr>
+        <p:style>
+          <a:lnRef idx="1">
+            <a:schemeClr val="accent1"/>
+          </a:lnRef>
+          <a:fillRef idx="0">
+            <a:schemeClr val="accent1"/>
+          </a:fillRef>
+          <a:effectRef idx="0">
+            <a:schemeClr val="accent1"/>
+          </a:effectRef>
+          <a:fontRef idx="minor">
+            <a:schemeClr val="tx1"/>
+          </a:fontRef>
+        </p:style>
+      </p:cxnSp>
+      <p:sp>
+        <p:nvSpPr>
+          <p:cNvPr id="87" name="TextBox 86">
+            <a:extLst>
+              <a:ext uri="{FF2B5EF4-FFF2-40B4-BE49-F238E27FC236}">
+                <a16:creationId xmlns:a16="http://schemas.microsoft.com/office/drawing/2014/main" id="{F0444B70-C90C-3CFC-3C58-A2DDFE5587A4}"/>
+              </a:ext>
+            </a:extLst>
+          </p:cNvPr>
+          <p:cNvSpPr txBox="1"/>
+          <p:nvPr/>
+        </p:nvSpPr>
+        <p:spPr>
+          <a:xfrm>
+            <a:off x="9491297" y="4862820"/>
+            <a:ext cx="1495904" cy="276999"/>
+          </a:xfrm>
+          <a:prstGeom prst="rect">
+            <a:avLst/>
+          </a:prstGeom>
+          <a:noFill/>
+        </p:spPr>
+        <p:txBody>
+          <a:bodyPr wrap="square">
+            <a:spAutoFit/>
+          </a:bodyPr>
+          <a:lstStyle/>
+          <a:p>
+            <a:r>
+              <a:rPr lang="en-US" altLang="ko-KR" sz="1200" b="1">
+                <a:solidFill>
+                  <a:schemeClr val="tx1"/>
+                </a:solidFill>
+              </a:rPr>
+              <a:t>cnt_buf_row[9:0]</a:t>
+            </a:r>
+            <a:endParaRPr lang="ko-KR" altLang="en-US" sz="1200" b="1">
+              <a:solidFill>
+                <a:schemeClr val="tx1"/>
+              </a:solidFill>
+            </a:endParaRPr>
+          </a:p>
+        </p:txBody>
+      </p:sp>
+      <p:sp>
+        <p:nvSpPr>
+          <p:cNvPr id="88" name="TextBox 87">
+            <a:extLst>
+              <a:ext uri="{FF2B5EF4-FFF2-40B4-BE49-F238E27FC236}">
+                <a16:creationId xmlns:a16="http://schemas.microsoft.com/office/drawing/2014/main" id="{667682E8-9654-6FDB-E329-3CE34E3B72D4}"/>
+              </a:ext>
+            </a:extLst>
+          </p:cNvPr>
+          <p:cNvSpPr txBox="1"/>
+          <p:nvPr/>
+        </p:nvSpPr>
+        <p:spPr>
+          <a:xfrm>
+            <a:off x="10753169" y="3363992"/>
+            <a:ext cx="1012242" cy="276999"/>
+          </a:xfrm>
+          <a:prstGeom prst="rect">
+            <a:avLst/>
+          </a:prstGeom>
+          <a:noFill/>
+        </p:spPr>
+        <p:txBody>
+          <a:bodyPr wrap="square">
+            <a:spAutoFit/>
+          </a:bodyPr>
+          <a:lstStyle/>
+          <a:p>
+            <a:r>
+              <a:rPr lang="en-US" altLang="ko-KR" sz="1200" b="1"/>
+              <a:t>Pixel_o[7:0]</a:t>
+            </a:r>
+            <a:endParaRPr lang="ko-KR" altLang="en-US" sz="1200" b="1">
+              <a:solidFill>
+                <a:schemeClr val="tx1"/>
+              </a:solidFill>
+            </a:endParaRPr>
+          </a:p>
+        </p:txBody>
+      </p:sp>
+      <p:sp>
+        <p:nvSpPr>
+          <p:cNvPr id="90" name="TextBox 89">
+            <a:extLst>
+              <a:ext uri="{FF2B5EF4-FFF2-40B4-BE49-F238E27FC236}">
+                <a16:creationId xmlns:a16="http://schemas.microsoft.com/office/drawing/2014/main" id="{E69CFE24-651C-3399-A3E9-F0B00FB89BBF}"/>
+              </a:ext>
+            </a:extLst>
+          </p:cNvPr>
+          <p:cNvSpPr txBox="1"/>
+          <p:nvPr/>
+        </p:nvSpPr>
+        <p:spPr>
+          <a:xfrm>
+            <a:off x="10732940" y="3603604"/>
+            <a:ext cx="1012242" cy="276999"/>
+          </a:xfrm>
+          <a:prstGeom prst="rect">
+            <a:avLst/>
+          </a:prstGeom>
+          <a:noFill/>
+        </p:spPr>
+        <p:txBody>
+          <a:bodyPr wrap="square">
+            <a:spAutoFit/>
+          </a:bodyPr>
+          <a:lstStyle/>
+          <a:p>
+            <a:pPr algn="r"/>
+            <a:r>
+              <a:rPr lang="en-US" altLang="ko-KR" sz="1200" b="1"/>
+              <a:t>en_o</a:t>
+            </a:r>
+            <a:endParaRPr lang="ko-KR" altLang="en-US" sz="1200" b="1">
+              <a:solidFill>
+                <a:schemeClr val="tx1"/>
+              </a:solidFill>
+            </a:endParaRPr>
+          </a:p>
+        </p:txBody>
+      </p:sp>
+      <p:cxnSp>
+        <p:nvCxnSpPr>
+          <p:cNvPr id="91" name="직선 연결선 90">
+            <a:extLst>
+              <a:ext uri="{FF2B5EF4-FFF2-40B4-BE49-F238E27FC236}">
+                <a16:creationId xmlns:a16="http://schemas.microsoft.com/office/drawing/2014/main" id="{38C90CF7-F3DB-1585-2727-618C0EDE32BE}"/>
+              </a:ext>
+            </a:extLst>
+          </p:cNvPr>
+          <p:cNvCxnSpPr>
+            <a:cxnSpLocks/>
+          </p:cNvCxnSpPr>
+          <p:nvPr/>
+        </p:nvCxnSpPr>
+        <p:spPr>
+          <a:xfrm>
+            <a:off x="11745182" y="3525192"/>
+            <a:ext cx="1223817" cy="0"/>
+          </a:xfrm>
+          <a:prstGeom prst="line">
+            <a:avLst/>
+          </a:prstGeom>
+          <a:ln w="28575">
+            <a:solidFill>
+              <a:srgbClr val="FF0000"/>
+            </a:solidFill>
+          </a:ln>
+        </p:spPr>
+        <p:style>
+          <a:lnRef idx="1">
+            <a:schemeClr val="accent1"/>
+          </a:lnRef>
+          <a:fillRef idx="0">
+            <a:schemeClr val="accent1"/>
+          </a:fillRef>
+          <a:effectRef idx="0">
+            <a:schemeClr val="accent1"/>
+          </a:effectRef>
+          <a:fontRef idx="minor">
+            <a:schemeClr val="tx1"/>
+          </a:fontRef>
+        </p:style>
+      </p:cxnSp>
+      <p:cxnSp>
+        <p:nvCxnSpPr>
+          <p:cNvPr id="92" name="직선 연결선 91">
+            <a:extLst>
+              <a:ext uri="{FF2B5EF4-FFF2-40B4-BE49-F238E27FC236}">
+                <a16:creationId xmlns:a16="http://schemas.microsoft.com/office/drawing/2014/main" id="{AEDA23A9-4B32-77FE-564F-3C7C95A32ABA}"/>
+              </a:ext>
+            </a:extLst>
+          </p:cNvPr>
+          <p:cNvCxnSpPr>
+            <a:cxnSpLocks/>
+          </p:cNvCxnSpPr>
+          <p:nvPr/>
+        </p:nvCxnSpPr>
+        <p:spPr>
+          <a:xfrm>
+            <a:off x="11745182" y="3771884"/>
+            <a:ext cx="1223817" cy="0"/>
+          </a:xfrm>
+          <a:prstGeom prst="line">
+            <a:avLst/>
+          </a:prstGeom>
+          <a:ln w="28575">
+            <a:solidFill>
+              <a:schemeClr val="tx1"/>
+            </a:solidFill>
+          </a:ln>
+        </p:spPr>
+        <p:style>
+          <a:lnRef idx="1">
+            <a:schemeClr val="accent1"/>
+          </a:lnRef>
+          <a:fillRef idx="0">
+            <a:schemeClr val="accent1"/>
+          </a:fillRef>
+          <a:effectRef idx="0">
+            <a:schemeClr val="accent1"/>
+          </a:effectRef>
+          <a:fontRef idx="minor">
+            <a:schemeClr val="tx1"/>
+          </a:fontRef>
+        </p:style>
+      </p:cxnSp>
+      <p:sp>
+        <p:nvSpPr>
+          <p:cNvPr id="97" name="직사각형 96">
+            <a:extLst>
+              <a:ext uri="{FF2B5EF4-FFF2-40B4-BE49-F238E27FC236}">
+                <a16:creationId xmlns:a16="http://schemas.microsoft.com/office/drawing/2014/main" id="{F50B75C2-3849-6172-8689-3C6699CEBE3B}"/>
+              </a:ext>
+            </a:extLst>
+          </p:cNvPr>
+          <p:cNvSpPr/>
+          <p:nvPr/>
+        </p:nvSpPr>
+        <p:spPr>
+          <a:xfrm>
+            <a:off x="10987201" y="5073793"/>
+            <a:ext cx="224652" cy="224220"/>
+          </a:xfrm>
+          <a:prstGeom prst="rect">
+            <a:avLst/>
+          </a:prstGeom>
+          <a:solidFill>
+            <a:schemeClr val="bg1"/>
+          </a:solidFill>
+          <a:ln>
+            <a:solidFill>
+              <a:schemeClr val="tx1"/>
+            </a:solidFill>
+          </a:ln>
+        </p:spPr>
+        <p:style>
+          <a:lnRef idx="2">
+            <a:schemeClr val="accent1">
+              <a:shade val="50000"/>
+            </a:schemeClr>
+          </a:lnRef>
+          <a:fillRef idx="1">
+            <a:schemeClr val="accent1"/>
+          </a:fillRef>
+          <a:effectRef idx="0">
+            <a:schemeClr val="accent1"/>
+          </a:effectRef>
+          <a:fontRef idx="minor">
+            <a:schemeClr val="lt1"/>
+          </a:fontRef>
+        </p:style>
+        <p:txBody>
+          <a:bodyPr rtlCol="0" anchor="ctr"/>
+          <a:lstStyle/>
+          <a:p>
+            <a:pPr algn="ctr"/>
+            <a:endParaRPr lang="ko-KR" altLang="en-US"/>
+          </a:p>
+        </p:txBody>
+      </p:sp>
+      <p:sp>
+        <p:nvSpPr>
+          <p:cNvPr id="99" name="이등변 삼각형 98">
+            <a:extLst>
+              <a:ext uri="{FF2B5EF4-FFF2-40B4-BE49-F238E27FC236}">
+                <a16:creationId xmlns:a16="http://schemas.microsoft.com/office/drawing/2014/main" id="{547510EF-A1FE-F26B-13D6-EAD06DC42A84}"/>
+              </a:ext>
+            </a:extLst>
+          </p:cNvPr>
+          <p:cNvSpPr/>
+          <p:nvPr/>
+        </p:nvSpPr>
+        <p:spPr>
+          <a:xfrm rot="5400000">
+            <a:off x="10987851" y="5207475"/>
+            <a:ext cx="45719" cy="45719"/>
+          </a:xfrm>
+          <a:prstGeom prst="triangle">
+            <a:avLst/>
+          </a:prstGeom>
+          <a:solidFill>
+            <a:schemeClr val="bg1"/>
+          </a:solidFill>
+          <a:ln>
+            <a:solidFill>
+              <a:schemeClr val="tx1"/>
+            </a:solidFill>
+          </a:ln>
+        </p:spPr>
+        <p:style>
+          <a:lnRef idx="2">
+            <a:schemeClr val="accent1">
+              <a:shade val="50000"/>
+            </a:schemeClr>
+          </a:lnRef>
+          <a:fillRef idx="1">
+            <a:schemeClr val="accent1"/>
+          </a:fillRef>
+          <a:effectRef idx="0">
+            <a:schemeClr val="accent1"/>
+          </a:effectRef>
+          <a:fontRef idx="minor">
+            <a:schemeClr val="lt1"/>
+          </a:fontRef>
+        </p:style>
+        <p:txBody>
+          <a:bodyPr rtlCol="0" anchor="ctr"/>
+          <a:lstStyle/>
+          <a:p>
+            <a:pPr algn="ctr"/>
+            <a:endParaRPr lang="ko-KR" altLang="en-US"/>
+          </a:p>
+        </p:txBody>
+      </p:sp>
+      <p:sp>
+        <p:nvSpPr>
+          <p:cNvPr id="100" name="직사각형 99">
+            <a:extLst>
+              <a:ext uri="{FF2B5EF4-FFF2-40B4-BE49-F238E27FC236}">
+                <a16:creationId xmlns:a16="http://schemas.microsoft.com/office/drawing/2014/main" id="{EF41F310-4F61-1408-98E8-CB6042A09895}"/>
+              </a:ext>
+            </a:extLst>
+          </p:cNvPr>
+          <p:cNvSpPr/>
+          <p:nvPr/>
+        </p:nvSpPr>
+        <p:spPr>
+          <a:xfrm>
+            <a:off x="10988129" y="5429390"/>
+            <a:ext cx="224652" cy="224220"/>
+          </a:xfrm>
+          <a:prstGeom prst="rect">
+            <a:avLst/>
+          </a:prstGeom>
+          <a:solidFill>
+            <a:schemeClr val="bg1"/>
+          </a:solidFill>
+          <a:ln>
+            <a:solidFill>
+              <a:schemeClr val="tx1"/>
+            </a:solidFill>
+          </a:ln>
+        </p:spPr>
+        <p:style>
+          <a:lnRef idx="2">
+            <a:schemeClr val="accent1">
+              <a:shade val="50000"/>
+            </a:schemeClr>
+          </a:lnRef>
+          <a:fillRef idx="1">
+            <a:schemeClr val="accent1"/>
+          </a:fillRef>
+          <a:effectRef idx="0">
+            <a:schemeClr val="accent1"/>
+          </a:effectRef>
+          <a:fontRef idx="minor">
+            <a:schemeClr val="lt1"/>
+          </a:fontRef>
+        </p:style>
+        <p:txBody>
+          <a:bodyPr rtlCol="0" anchor="ctr"/>
+          <a:lstStyle/>
+          <a:p>
+            <a:pPr algn="ctr"/>
+            <a:endParaRPr lang="ko-KR" altLang="en-US"/>
+          </a:p>
+        </p:txBody>
+      </p:sp>
+      <p:sp>
+        <p:nvSpPr>
+          <p:cNvPr id="101" name="이등변 삼각형 100">
+            <a:extLst>
+              <a:ext uri="{FF2B5EF4-FFF2-40B4-BE49-F238E27FC236}">
+                <a16:creationId xmlns:a16="http://schemas.microsoft.com/office/drawing/2014/main" id="{E5E6E961-5BA8-62E3-C8C5-A642886E6BD2}"/>
+              </a:ext>
+            </a:extLst>
+          </p:cNvPr>
+          <p:cNvSpPr/>
+          <p:nvPr/>
+        </p:nvSpPr>
+        <p:spPr>
+          <a:xfrm rot="5400000">
+            <a:off x="10988779" y="5563072"/>
+            <a:ext cx="45719" cy="45719"/>
+          </a:xfrm>
+          <a:prstGeom prst="triangle">
+            <a:avLst/>
+          </a:prstGeom>
+          <a:solidFill>
+            <a:schemeClr val="bg1"/>
+          </a:solidFill>
+          <a:ln>
+            <a:solidFill>
+              <a:schemeClr val="tx1"/>
+            </a:solidFill>
+          </a:ln>
+        </p:spPr>
+        <p:style>
+          <a:lnRef idx="2">
+            <a:schemeClr val="accent1">
+              <a:shade val="50000"/>
+            </a:schemeClr>
+          </a:lnRef>
+          <a:fillRef idx="1">
+            <a:schemeClr val="accent1"/>
+          </a:fillRef>
+          <a:effectRef idx="0">
+            <a:schemeClr val="accent1"/>
+          </a:effectRef>
+          <a:fontRef idx="minor">
+            <a:schemeClr val="lt1"/>
+          </a:fontRef>
+        </p:style>
+        <p:txBody>
+          <a:bodyPr rtlCol="0" anchor="ctr"/>
+          <a:lstStyle/>
+          <a:p>
+            <a:pPr algn="ctr"/>
+            <a:endParaRPr lang="ko-KR" altLang="en-US"/>
+          </a:p>
+        </p:txBody>
+      </p:sp>
+      <p:cxnSp>
+        <p:nvCxnSpPr>
+          <p:cNvPr id="102" name="직선 화살표 연결선 101">
+            <a:extLst>
+              <a:ext uri="{FF2B5EF4-FFF2-40B4-BE49-F238E27FC236}">
+                <a16:creationId xmlns:a16="http://schemas.microsoft.com/office/drawing/2014/main" id="{63C1AB6D-5401-1FBB-B055-EE54A2847922}"/>
+              </a:ext>
+            </a:extLst>
+          </p:cNvPr>
+          <p:cNvCxnSpPr/>
+          <p:nvPr/>
+        </p:nvCxnSpPr>
+        <p:spPr>
+          <a:xfrm>
+            <a:off x="-979053" y="2095255"/>
+            <a:ext cx="683489" cy="0"/>
+          </a:xfrm>
+          <a:prstGeom prst="straightConnector1">
+            <a:avLst/>
+          </a:prstGeom>
+          <a:ln w="57150">
+            <a:solidFill>
+              <a:srgbClr val="FF0000"/>
+            </a:solidFill>
+            <a:tailEnd type="triangle"/>
+          </a:ln>
+        </p:spPr>
+        <p:style>
+          <a:lnRef idx="1">
+            <a:schemeClr val="accent1"/>
+          </a:lnRef>
+          <a:fillRef idx="0">
+            <a:schemeClr val="accent1"/>
+          </a:fillRef>
+          <a:effectRef idx="0">
+            <a:schemeClr val="accent1"/>
+          </a:effectRef>
+          <a:fontRef idx="minor">
+            <a:schemeClr val="tx1"/>
+          </a:fontRef>
+        </p:style>
+      </p:cxnSp>
+      <p:cxnSp>
+        <p:nvCxnSpPr>
+          <p:cNvPr id="103" name="직선 화살표 연결선 102">
+            <a:extLst>
+              <a:ext uri="{FF2B5EF4-FFF2-40B4-BE49-F238E27FC236}">
+                <a16:creationId xmlns:a16="http://schemas.microsoft.com/office/drawing/2014/main" id="{09A23163-18EB-959A-1517-23D22B8AC1C1}"/>
+              </a:ext>
+            </a:extLst>
+          </p:cNvPr>
+          <p:cNvCxnSpPr>
+            <a:cxnSpLocks/>
+          </p:cNvCxnSpPr>
+          <p:nvPr/>
+        </p:nvCxnSpPr>
+        <p:spPr>
+          <a:xfrm>
+            <a:off x="1173020" y="3622982"/>
+            <a:ext cx="457080" cy="0"/>
+          </a:xfrm>
+          <a:prstGeom prst="straightConnector1">
+            <a:avLst/>
+          </a:prstGeom>
+          <a:ln w="57150">
+            <a:solidFill>
+              <a:srgbClr val="FF0000"/>
+            </a:solidFill>
+            <a:tailEnd type="triangle"/>
+          </a:ln>
+        </p:spPr>
+        <p:style>
+          <a:lnRef idx="1">
+            <a:schemeClr val="accent1"/>
+          </a:lnRef>
+          <a:fillRef idx="0">
+            <a:schemeClr val="accent1"/>
+          </a:fillRef>
+          <a:effectRef idx="0">
+            <a:schemeClr val="accent1"/>
+          </a:effectRef>
+          <a:fontRef idx="minor">
+            <a:schemeClr val="tx1"/>
+          </a:fontRef>
+        </p:style>
+      </p:cxnSp>
+      <p:cxnSp>
+        <p:nvCxnSpPr>
+          <p:cNvPr id="105" name="직선 화살표 연결선 104">
+            <a:extLst>
+              <a:ext uri="{FF2B5EF4-FFF2-40B4-BE49-F238E27FC236}">
+                <a16:creationId xmlns:a16="http://schemas.microsoft.com/office/drawing/2014/main" id="{7BE64507-2554-01F1-C0E6-057D28B9F3D4}"/>
+              </a:ext>
+            </a:extLst>
+          </p:cNvPr>
+          <p:cNvCxnSpPr>
+            <a:cxnSpLocks/>
+          </p:cNvCxnSpPr>
+          <p:nvPr/>
+        </p:nvCxnSpPr>
+        <p:spPr>
+          <a:xfrm>
+            <a:off x="4261394" y="4405188"/>
+            <a:ext cx="457080" cy="0"/>
+          </a:xfrm>
+          <a:prstGeom prst="straightConnector1">
+            <a:avLst/>
+          </a:prstGeom>
+          <a:ln w="57150">
+            <a:solidFill>
+              <a:srgbClr val="FF0000"/>
+            </a:solidFill>
+            <a:tailEnd type="triangle"/>
+          </a:ln>
+        </p:spPr>
+        <p:style>
+          <a:lnRef idx="1">
+            <a:schemeClr val="accent1"/>
+          </a:lnRef>
+          <a:fillRef idx="0">
+            <a:schemeClr val="accent1"/>
+          </a:fillRef>
+          <a:effectRef idx="0">
+            <a:schemeClr val="accent1"/>
+          </a:effectRef>
+          <a:fontRef idx="minor">
+            <a:schemeClr val="tx1"/>
+          </a:fontRef>
+        </p:style>
+      </p:cxnSp>
+      <p:cxnSp>
+        <p:nvCxnSpPr>
+          <p:cNvPr id="106" name="직선 화살표 연결선 105">
+            <a:extLst>
+              <a:ext uri="{FF2B5EF4-FFF2-40B4-BE49-F238E27FC236}">
+                <a16:creationId xmlns:a16="http://schemas.microsoft.com/office/drawing/2014/main" id="{CFBFE788-4808-8EF2-1156-4E67C0D4FEFE}"/>
+              </a:ext>
+            </a:extLst>
+          </p:cNvPr>
+          <p:cNvCxnSpPr>
+            <a:cxnSpLocks/>
+          </p:cNvCxnSpPr>
+          <p:nvPr/>
+        </p:nvCxnSpPr>
+        <p:spPr>
+          <a:xfrm>
+            <a:off x="8649082" y="4287424"/>
+            <a:ext cx="457080" cy="0"/>
+          </a:xfrm>
+          <a:prstGeom prst="straightConnector1">
+            <a:avLst/>
+          </a:prstGeom>
+          <a:ln w="57150">
+            <a:solidFill>
+              <a:srgbClr val="FF0000"/>
+            </a:solidFill>
+            <a:tailEnd type="triangle"/>
+          </a:ln>
+        </p:spPr>
+        <p:style>
+          <a:lnRef idx="1">
+            <a:schemeClr val="accent1"/>
+          </a:lnRef>
+          <a:fillRef idx="0">
+            <a:schemeClr val="accent1"/>
+          </a:fillRef>
+          <a:effectRef idx="0">
+            <a:schemeClr val="accent1"/>
+          </a:effectRef>
+          <a:fontRef idx="minor">
+            <a:schemeClr val="tx1"/>
+          </a:fontRef>
+        </p:style>
+      </p:cxnSp>
+      <p:cxnSp>
+        <p:nvCxnSpPr>
+          <p:cNvPr id="107" name="직선 화살표 연결선 106">
+            <a:extLst>
+              <a:ext uri="{FF2B5EF4-FFF2-40B4-BE49-F238E27FC236}">
+                <a16:creationId xmlns:a16="http://schemas.microsoft.com/office/drawing/2014/main" id="{3EC89276-68E9-E459-9C69-6597E44FFF5C}"/>
+              </a:ext>
+            </a:extLst>
+          </p:cNvPr>
+          <p:cNvCxnSpPr>
+            <a:cxnSpLocks/>
+          </p:cNvCxnSpPr>
+          <p:nvPr/>
+        </p:nvCxnSpPr>
+        <p:spPr>
+          <a:xfrm>
+            <a:off x="12222078" y="3526713"/>
+            <a:ext cx="457080" cy="0"/>
+          </a:xfrm>
+          <a:prstGeom prst="straightConnector1">
+            <a:avLst/>
+          </a:prstGeom>
+          <a:ln w="57150">
+            <a:solidFill>
+              <a:srgbClr val="FF0000"/>
+            </a:solidFill>
+            <a:tailEnd type="triangle"/>
+          </a:ln>
+        </p:spPr>
+        <p:style>
+          <a:lnRef idx="1">
+            <a:schemeClr val="accent1"/>
+          </a:lnRef>
+          <a:fillRef idx="0">
+            <a:schemeClr val="accent1"/>
+          </a:fillRef>
+          <a:effectRef idx="0">
+            <a:schemeClr val="accent1"/>
+          </a:effectRef>
+          <a:fontRef idx="minor">
+            <a:schemeClr val="tx1"/>
+          </a:fontRef>
+        </p:style>
+      </p:cxnSp>
+      <p:cxnSp>
+        <p:nvCxnSpPr>
+          <p:cNvPr id="108" name="직선 화살표 연결선 107">
+            <a:extLst>
+              <a:ext uri="{FF2B5EF4-FFF2-40B4-BE49-F238E27FC236}">
+                <a16:creationId xmlns:a16="http://schemas.microsoft.com/office/drawing/2014/main" id="{964F7618-8D9E-BB44-5EDE-C0F8BBC79E6A}"/>
+              </a:ext>
+            </a:extLst>
+          </p:cNvPr>
+          <p:cNvCxnSpPr>
+            <a:cxnSpLocks/>
+          </p:cNvCxnSpPr>
+          <p:nvPr/>
+        </p:nvCxnSpPr>
+        <p:spPr>
+          <a:xfrm>
+            <a:off x="-785090" y="687983"/>
+            <a:ext cx="489526" cy="0"/>
+          </a:xfrm>
+          <a:prstGeom prst="straightConnector1">
+            <a:avLst/>
+          </a:prstGeom>
+          <a:ln w="57150">
+            <a:solidFill>
+              <a:srgbClr val="00B0F0"/>
+            </a:solidFill>
+            <a:tailEnd type="triangle"/>
+          </a:ln>
+        </p:spPr>
+        <p:style>
+          <a:lnRef idx="1">
+            <a:schemeClr val="accent1"/>
+          </a:lnRef>
+          <a:fillRef idx="0">
+            <a:schemeClr val="accent1"/>
+          </a:fillRef>
+          <a:effectRef idx="0">
+            <a:schemeClr val="accent1"/>
+          </a:effectRef>
+          <a:fontRef idx="minor">
+            <a:schemeClr val="tx1"/>
+          </a:fontRef>
+        </p:style>
+      </p:cxnSp>
+      <p:cxnSp>
+        <p:nvCxnSpPr>
+          <p:cNvPr id="110" name="직선 연결선 109">
+            <a:extLst>
+              <a:ext uri="{FF2B5EF4-FFF2-40B4-BE49-F238E27FC236}">
+                <a16:creationId xmlns:a16="http://schemas.microsoft.com/office/drawing/2014/main" id="{C4379F4E-B94C-56DF-3C55-2C306FD7CE52}"/>
+              </a:ext>
+            </a:extLst>
+          </p:cNvPr>
+          <p:cNvCxnSpPr>
+            <a:cxnSpLocks/>
+          </p:cNvCxnSpPr>
+          <p:nvPr/>
+        </p:nvCxnSpPr>
+        <p:spPr>
+          <a:xfrm>
+            <a:off x="-188820" y="687983"/>
+            <a:ext cx="292725" cy="0"/>
+          </a:xfrm>
+          <a:prstGeom prst="line">
+            <a:avLst/>
+          </a:prstGeom>
+          <a:ln w="28575">
+            <a:solidFill>
+              <a:schemeClr val="tx1"/>
+            </a:solidFill>
+          </a:ln>
+        </p:spPr>
+        <p:style>
+          <a:lnRef idx="1">
+            <a:schemeClr val="accent1"/>
+          </a:lnRef>
+          <a:fillRef idx="0">
+            <a:schemeClr val="accent1"/>
+          </a:fillRef>
+          <a:effectRef idx="0">
+            <a:schemeClr val="accent1"/>
+          </a:effectRef>
+          <a:fontRef idx="minor">
+            <a:schemeClr val="tx1"/>
+          </a:fontRef>
+        </p:style>
+      </p:cxnSp>
+      <p:sp>
+        <p:nvSpPr>
+          <p:cNvPr id="112" name="TextBox 111">
+            <a:extLst>
+              <a:ext uri="{FF2B5EF4-FFF2-40B4-BE49-F238E27FC236}">
+                <a16:creationId xmlns:a16="http://schemas.microsoft.com/office/drawing/2014/main" id="{00BD5465-B582-0113-9E96-99A7501D7570}"/>
+              </a:ext>
+            </a:extLst>
+          </p:cNvPr>
+          <p:cNvSpPr txBox="1"/>
+          <p:nvPr/>
+        </p:nvSpPr>
+        <p:spPr>
+          <a:xfrm>
+            <a:off x="112674" y="535099"/>
+            <a:ext cx="727835" cy="276999"/>
+          </a:xfrm>
+          <a:prstGeom prst="rect">
+            <a:avLst/>
+          </a:prstGeom>
+          <a:noFill/>
+        </p:spPr>
+        <p:txBody>
+          <a:bodyPr wrap="square">
+            <a:spAutoFit/>
+          </a:bodyPr>
+          <a:lstStyle/>
+          <a:p>
+            <a:r>
+              <a:rPr lang="en-US" altLang="ko-KR" sz="1200" b="1">
+                <a:solidFill>
+                  <a:schemeClr val="tx1"/>
+                </a:solidFill>
+              </a:rPr>
+              <a:t>Start_i</a:t>
+            </a:r>
+            <a:endParaRPr lang="ko-KR" altLang="en-US" sz="1200" b="1">
+              <a:solidFill>
+                <a:schemeClr val="tx1"/>
+              </a:solidFill>
+            </a:endParaRPr>
+          </a:p>
+        </p:txBody>
+      </p:sp>
+      <p:cxnSp>
+        <p:nvCxnSpPr>
+          <p:cNvPr id="113" name="직선 화살표 연결선 112">
+            <a:extLst>
+              <a:ext uri="{FF2B5EF4-FFF2-40B4-BE49-F238E27FC236}">
+                <a16:creationId xmlns:a16="http://schemas.microsoft.com/office/drawing/2014/main" id="{2DE170E8-52C9-77C5-55B8-BD7C90694F36}"/>
+              </a:ext>
+            </a:extLst>
+          </p:cNvPr>
+          <p:cNvCxnSpPr>
+            <a:cxnSpLocks/>
+          </p:cNvCxnSpPr>
+          <p:nvPr/>
+        </p:nvCxnSpPr>
+        <p:spPr>
+          <a:xfrm>
+            <a:off x="2540826" y="2027739"/>
+            <a:ext cx="0" cy="600490"/>
+          </a:xfrm>
+          <a:prstGeom prst="straightConnector1">
+            <a:avLst/>
+          </a:prstGeom>
+          <a:ln w="57150">
+            <a:solidFill>
+              <a:srgbClr val="00B0F0"/>
+            </a:solidFill>
+            <a:tailEnd type="triangle"/>
+          </a:ln>
+        </p:spPr>
+        <p:style>
+          <a:lnRef idx="1">
+            <a:schemeClr val="accent1"/>
+          </a:lnRef>
+          <a:fillRef idx="0">
+            <a:schemeClr val="accent1"/>
+          </a:fillRef>
+          <a:effectRef idx="0">
+            <a:schemeClr val="accent1"/>
+          </a:effectRef>
+          <a:fontRef idx="minor">
+            <a:schemeClr val="tx1"/>
+          </a:fontRef>
+        </p:style>
+      </p:cxnSp>
+      <p:sp>
+        <p:nvSpPr>
+          <p:cNvPr id="115" name="TextBox 114">
+            <a:extLst>
+              <a:ext uri="{FF2B5EF4-FFF2-40B4-BE49-F238E27FC236}">
+                <a16:creationId xmlns:a16="http://schemas.microsoft.com/office/drawing/2014/main" id="{90CFC03F-08B8-5ED9-C651-9455A6014A9A}"/>
+              </a:ext>
+            </a:extLst>
+          </p:cNvPr>
+          <p:cNvSpPr txBox="1"/>
+          <p:nvPr/>
+        </p:nvSpPr>
+        <p:spPr>
+          <a:xfrm>
+            <a:off x="-701964" y="240207"/>
+            <a:ext cx="406400" cy="369332"/>
+          </a:xfrm>
+          <a:prstGeom prst="rect">
+            <a:avLst/>
+          </a:prstGeom>
+          <a:noFill/>
+        </p:spPr>
+        <p:txBody>
+          <a:bodyPr wrap="square" rtlCol="0">
+            <a:spAutoFit/>
+          </a:bodyPr>
+          <a:lstStyle/>
+          <a:p>
+            <a:r>
+              <a:rPr lang="en-US" altLang="ko-KR" b="1">
+                <a:solidFill>
+                  <a:srgbClr val="00B0F0"/>
+                </a:solidFill>
+              </a:rPr>
+              <a:t>1</a:t>
+            </a:r>
+            <a:endParaRPr lang="ko-KR" altLang="en-US" b="1">
+              <a:solidFill>
+                <a:srgbClr val="00B0F0"/>
+              </a:solidFill>
+            </a:endParaRPr>
+          </a:p>
+        </p:txBody>
+      </p:sp>
+      <p:sp>
+        <p:nvSpPr>
+          <p:cNvPr id="116" name="TextBox 115">
+            <a:extLst>
+              <a:ext uri="{FF2B5EF4-FFF2-40B4-BE49-F238E27FC236}">
+                <a16:creationId xmlns:a16="http://schemas.microsoft.com/office/drawing/2014/main" id="{3A29C3C1-E561-DD0E-2D4A-4C4D0F760822}"/>
+              </a:ext>
+            </a:extLst>
+          </p:cNvPr>
+          <p:cNvSpPr txBox="1"/>
+          <p:nvPr/>
+        </p:nvSpPr>
+        <p:spPr>
+          <a:xfrm>
+            <a:off x="2569942" y="2143109"/>
+            <a:ext cx="406400" cy="369332"/>
+          </a:xfrm>
+          <a:prstGeom prst="rect">
+            <a:avLst/>
+          </a:prstGeom>
+          <a:noFill/>
+        </p:spPr>
+        <p:txBody>
+          <a:bodyPr wrap="square" rtlCol="0">
+            <a:spAutoFit/>
+          </a:bodyPr>
+          <a:lstStyle/>
+          <a:p>
+            <a:r>
+              <a:rPr lang="en-US" altLang="ko-KR" b="1">
+                <a:solidFill>
+                  <a:srgbClr val="00B0F0"/>
+                </a:solidFill>
+              </a:rPr>
+              <a:t>2</a:t>
+            </a:r>
+            <a:endParaRPr lang="ko-KR" altLang="en-US" b="1">
+              <a:solidFill>
+                <a:srgbClr val="00B0F0"/>
+              </a:solidFill>
+            </a:endParaRPr>
+          </a:p>
+        </p:txBody>
+      </p:sp>
+      <p:cxnSp>
+        <p:nvCxnSpPr>
+          <p:cNvPr id="117" name="직선 화살표 연결선 116">
+            <a:extLst>
+              <a:ext uri="{FF2B5EF4-FFF2-40B4-BE49-F238E27FC236}">
+                <a16:creationId xmlns:a16="http://schemas.microsoft.com/office/drawing/2014/main" id="{7B025880-C583-E806-7705-CBBBAAA270BD}"/>
+              </a:ext>
+            </a:extLst>
+          </p:cNvPr>
+          <p:cNvCxnSpPr>
+            <a:cxnSpLocks/>
+          </p:cNvCxnSpPr>
+          <p:nvPr/>
+        </p:nvCxnSpPr>
+        <p:spPr>
+          <a:xfrm>
+            <a:off x="4012536" y="3915046"/>
+            <a:ext cx="369346" cy="0"/>
+          </a:xfrm>
+          <a:prstGeom prst="straightConnector1">
+            <a:avLst/>
+          </a:prstGeom>
+          <a:ln w="57150">
+            <a:solidFill>
+              <a:srgbClr val="00B0F0"/>
+            </a:solidFill>
+            <a:tailEnd type="triangle"/>
+          </a:ln>
+        </p:spPr>
+        <p:style>
+          <a:lnRef idx="1">
+            <a:schemeClr val="accent1"/>
+          </a:lnRef>
+          <a:fillRef idx="0">
+            <a:schemeClr val="accent1"/>
+          </a:fillRef>
+          <a:effectRef idx="0">
+            <a:schemeClr val="accent1"/>
+          </a:effectRef>
+          <a:fontRef idx="minor">
+            <a:schemeClr val="tx1"/>
+          </a:fontRef>
+        </p:style>
+      </p:cxnSp>
+      <p:sp>
+        <p:nvSpPr>
+          <p:cNvPr id="120" name="TextBox 119">
+            <a:extLst>
+              <a:ext uri="{FF2B5EF4-FFF2-40B4-BE49-F238E27FC236}">
+                <a16:creationId xmlns:a16="http://schemas.microsoft.com/office/drawing/2014/main" id="{727F24E2-44F1-0764-B69F-61F595CCC418}"/>
+              </a:ext>
+            </a:extLst>
+          </p:cNvPr>
+          <p:cNvSpPr txBox="1"/>
+          <p:nvPr/>
+        </p:nvSpPr>
+        <p:spPr>
+          <a:xfrm>
+            <a:off x="4016915" y="3470775"/>
+            <a:ext cx="406400" cy="369332"/>
+          </a:xfrm>
+          <a:prstGeom prst="rect">
+            <a:avLst/>
+          </a:prstGeom>
+          <a:noFill/>
+        </p:spPr>
+        <p:txBody>
+          <a:bodyPr wrap="square" rtlCol="0">
+            <a:spAutoFit/>
+          </a:bodyPr>
+          <a:lstStyle/>
+          <a:p>
+            <a:r>
+              <a:rPr lang="en-US" altLang="ko-KR" b="1">
+                <a:solidFill>
+                  <a:srgbClr val="00B0F0"/>
+                </a:solidFill>
+              </a:rPr>
+              <a:t>3</a:t>
+            </a:r>
+            <a:endParaRPr lang="ko-KR" altLang="en-US" b="1">
+              <a:solidFill>
+                <a:srgbClr val="00B0F0"/>
+              </a:solidFill>
+            </a:endParaRPr>
+          </a:p>
+        </p:txBody>
+      </p:sp>
+      <p:cxnSp>
+        <p:nvCxnSpPr>
+          <p:cNvPr id="122" name="직선 화살표 연결선 121">
+            <a:extLst>
+              <a:ext uri="{FF2B5EF4-FFF2-40B4-BE49-F238E27FC236}">
+                <a16:creationId xmlns:a16="http://schemas.microsoft.com/office/drawing/2014/main" id="{39FA6BE5-5FE0-112E-BB78-D7D1E7891203}"/>
+              </a:ext>
+            </a:extLst>
+          </p:cNvPr>
+          <p:cNvCxnSpPr>
+            <a:cxnSpLocks/>
+          </p:cNvCxnSpPr>
+          <p:nvPr/>
+        </p:nvCxnSpPr>
+        <p:spPr>
+          <a:xfrm>
+            <a:off x="8396887" y="3344464"/>
+            <a:ext cx="369346" cy="0"/>
+          </a:xfrm>
+          <a:prstGeom prst="straightConnector1">
+            <a:avLst/>
+          </a:prstGeom>
+          <a:ln w="57150">
+            <a:solidFill>
+              <a:srgbClr val="00B0F0"/>
+            </a:solidFill>
+            <a:tailEnd type="triangle"/>
+          </a:ln>
+        </p:spPr>
+        <p:style>
+          <a:lnRef idx="1">
+            <a:schemeClr val="accent1"/>
+          </a:lnRef>
+          <a:fillRef idx="0">
+            <a:schemeClr val="accent1"/>
+          </a:fillRef>
+          <a:effectRef idx="0">
+            <a:schemeClr val="accent1"/>
+          </a:effectRef>
+          <a:fontRef idx="minor">
+            <a:schemeClr val="tx1"/>
+          </a:fontRef>
+        </p:style>
+      </p:cxnSp>
+      <p:cxnSp>
+        <p:nvCxnSpPr>
+          <p:cNvPr id="124" name="직선 연결선 123">
+            <a:extLst>
+              <a:ext uri="{FF2B5EF4-FFF2-40B4-BE49-F238E27FC236}">
+                <a16:creationId xmlns:a16="http://schemas.microsoft.com/office/drawing/2014/main" id="{9E969901-CADC-A5A6-0279-22A6FFD549CB}"/>
+              </a:ext>
+            </a:extLst>
+          </p:cNvPr>
+          <p:cNvCxnSpPr>
+            <a:cxnSpLocks/>
+          </p:cNvCxnSpPr>
+          <p:nvPr/>
+        </p:nvCxnSpPr>
+        <p:spPr>
+          <a:xfrm flipV="1">
+            <a:off x="6729752" y="1708726"/>
+            <a:ext cx="0" cy="1354801"/>
+          </a:xfrm>
+          <a:prstGeom prst="line">
+            <a:avLst/>
+          </a:prstGeom>
+          <a:ln w="28575">
+            <a:solidFill>
+              <a:schemeClr val="tx1"/>
+            </a:solidFill>
+          </a:ln>
+        </p:spPr>
+        <p:style>
+          <a:lnRef idx="1">
+            <a:schemeClr val="accent1"/>
+          </a:lnRef>
+          <a:fillRef idx="0">
+            <a:schemeClr val="accent1"/>
+          </a:fillRef>
+          <a:effectRef idx="0">
+            <a:schemeClr val="accent1"/>
+          </a:effectRef>
+          <a:fontRef idx="minor">
+            <a:schemeClr val="tx1"/>
+          </a:fontRef>
+        </p:style>
+      </p:cxnSp>
+      <p:sp>
+        <p:nvSpPr>
+          <p:cNvPr id="126" name="TextBox 125">
+            <a:extLst>
+              <a:ext uri="{FF2B5EF4-FFF2-40B4-BE49-F238E27FC236}">
+                <a16:creationId xmlns:a16="http://schemas.microsoft.com/office/drawing/2014/main" id="{DFCBC1DC-8A3C-90C5-1098-A1F793F7ACE9}"/>
+              </a:ext>
+            </a:extLst>
+          </p:cNvPr>
+          <p:cNvSpPr txBox="1"/>
+          <p:nvPr/>
+        </p:nvSpPr>
+        <p:spPr>
+          <a:xfrm>
+            <a:off x="6117805" y="3094574"/>
+            <a:ext cx="1132931" cy="276999"/>
+          </a:xfrm>
+          <a:prstGeom prst="rect">
+            <a:avLst/>
+          </a:prstGeom>
+          <a:noFill/>
+        </p:spPr>
+        <p:txBody>
+          <a:bodyPr wrap="square">
+            <a:spAutoFit/>
+          </a:bodyPr>
+          <a:lstStyle/>
+          <a:p>
+            <a:r>
+              <a:rPr lang="en-US" altLang="ko-KR" sz="1200" b="1">
+                <a:solidFill>
+                  <a:schemeClr val="tx1"/>
+                </a:solidFill>
+              </a:rPr>
+              <a:t>Core_en_</a:t>
+            </a:r>
+            <a:r>
+              <a:rPr lang="en-US" altLang="ko-KR" sz="1200" b="1"/>
+              <a:t>i</a:t>
+            </a:r>
+            <a:endParaRPr lang="ko-KR" altLang="en-US" sz="1200" b="1">
+              <a:solidFill>
+                <a:schemeClr val="tx1"/>
+              </a:solidFill>
+            </a:endParaRPr>
+          </a:p>
+        </p:txBody>
+      </p:sp>
+      <p:cxnSp>
+        <p:nvCxnSpPr>
+          <p:cNvPr id="127" name="직선 화살표 연결선 126">
+            <a:extLst>
+              <a:ext uri="{FF2B5EF4-FFF2-40B4-BE49-F238E27FC236}">
+                <a16:creationId xmlns:a16="http://schemas.microsoft.com/office/drawing/2014/main" id="{C1BAB574-95E7-B8ED-F803-C36463A9C30F}"/>
+              </a:ext>
+            </a:extLst>
+          </p:cNvPr>
+          <p:cNvCxnSpPr>
+            <a:cxnSpLocks/>
+          </p:cNvCxnSpPr>
+          <p:nvPr/>
+        </p:nvCxnSpPr>
+        <p:spPr>
+          <a:xfrm>
+            <a:off x="6545079" y="2027739"/>
+            <a:ext cx="0" cy="863243"/>
+          </a:xfrm>
+          <a:prstGeom prst="straightConnector1">
+            <a:avLst/>
+          </a:prstGeom>
+          <a:ln w="57150">
+            <a:solidFill>
+              <a:srgbClr val="00B0F0"/>
+            </a:solidFill>
+            <a:tailEnd type="triangle"/>
+          </a:ln>
+        </p:spPr>
+        <p:style>
+          <a:lnRef idx="1">
+            <a:schemeClr val="accent1"/>
+          </a:lnRef>
+          <a:fillRef idx="0">
+            <a:schemeClr val="accent1"/>
+          </a:fillRef>
+          <a:effectRef idx="0">
+            <a:schemeClr val="accent1"/>
+          </a:effectRef>
+          <a:fontRef idx="minor">
+            <a:schemeClr val="tx1"/>
+          </a:fontRef>
+        </p:style>
+      </p:cxnSp>
+      <p:sp>
+        <p:nvSpPr>
+          <p:cNvPr id="129" name="TextBox 128">
+            <a:extLst>
+              <a:ext uri="{FF2B5EF4-FFF2-40B4-BE49-F238E27FC236}">
+                <a16:creationId xmlns:a16="http://schemas.microsoft.com/office/drawing/2014/main" id="{ACFAD219-A108-DFC2-576E-923787CFBD80}"/>
+              </a:ext>
+            </a:extLst>
+          </p:cNvPr>
+          <p:cNvSpPr txBox="1"/>
+          <p:nvPr/>
+        </p:nvSpPr>
+        <p:spPr>
+          <a:xfrm>
+            <a:off x="6154807" y="2032348"/>
+            <a:ext cx="406400" cy="369332"/>
+          </a:xfrm>
+          <a:prstGeom prst="rect">
+            <a:avLst/>
+          </a:prstGeom>
+          <a:noFill/>
+        </p:spPr>
+        <p:txBody>
+          <a:bodyPr wrap="square" rtlCol="0">
+            <a:spAutoFit/>
+          </a:bodyPr>
+          <a:lstStyle/>
+          <a:p>
+            <a:r>
+              <a:rPr lang="en-US" altLang="ko-KR" b="1">
+                <a:solidFill>
+                  <a:srgbClr val="00B0F0"/>
+                </a:solidFill>
+              </a:rPr>
+              <a:t>4</a:t>
+            </a:r>
+            <a:endParaRPr lang="ko-KR" altLang="en-US" b="1">
+              <a:solidFill>
+                <a:srgbClr val="00B0F0"/>
+              </a:solidFill>
+            </a:endParaRPr>
+          </a:p>
+        </p:txBody>
+      </p:sp>
+      <p:sp>
+        <p:nvSpPr>
+          <p:cNvPr id="130" name="TextBox 129">
+            <a:extLst>
+              <a:ext uri="{FF2B5EF4-FFF2-40B4-BE49-F238E27FC236}">
+                <a16:creationId xmlns:a16="http://schemas.microsoft.com/office/drawing/2014/main" id="{5D81DDF6-514B-1A72-A52D-803A1D00A8F8}"/>
+              </a:ext>
+            </a:extLst>
+          </p:cNvPr>
+          <p:cNvSpPr txBox="1"/>
+          <p:nvPr/>
+        </p:nvSpPr>
+        <p:spPr>
+          <a:xfrm>
+            <a:off x="8359833" y="2975132"/>
+            <a:ext cx="406400" cy="369332"/>
+          </a:xfrm>
+          <a:prstGeom prst="rect">
+            <a:avLst/>
+          </a:prstGeom>
+          <a:noFill/>
+        </p:spPr>
+        <p:txBody>
+          <a:bodyPr wrap="square" rtlCol="0">
+            <a:spAutoFit/>
+          </a:bodyPr>
+          <a:lstStyle/>
+          <a:p>
+            <a:r>
+              <a:rPr lang="en-US" altLang="ko-KR" b="1">
+                <a:solidFill>
+                  <a:srgbClr val="00B0F0"/>
+                </a:solidFill>
+              </a:rPr>
+              <a:t>5</a:t>
+            </a:r>
+            <a:endParaRPr lang="ko-KR" altLang="en-US" b="1">
+              <a:solidFill>
+                <a:srgbClr val="00B0F0"/>
+              </a:solidFill>
+            </a:endParaRPr>
+          </a:p>
+        </p:txBody>
+      </p:sp>
+      <p:sp>
+        <p:nvSpPr>
+          <p:cNvPr id="131" name="직사각형 130">
+            <a:extLst>
+              <a:ext uri="{FF2B5EF4-FFF2-40B4-BE49-F238E27FC236}">
+                <a16:creationId xmlns:a16="http://schemas.microsoft.com/office/drawing/2014/main" id="{35AD3F90-241C-8022-D132-D09D9FE6547A}"/>
+              </a:ext>
+            </a:extLst>
+          </p:cNvPr>
+          <p:cNvSpPr/>
+          <p:nvPr/>
+        </p:nvSpPr>
+        <p:spPr>
+          <a:xfrm>
+            <a:off x="12977358" y="3094574"/>
+            <a:ext cx="2225634" cy="3130579"/>
+          </a:xfrm>
+          <a:prstGeom prst="rect">
+            <a:avLst/>
+          </a:prstGeom>
+          <a:solidFill>
+            <a:schemeClr val="bg1"/>
+          </a:solidFill>
+          <a:ln w="28575">
+            <a:solidFill>
+              <a:schemeClr val="tx1"/>
+            </a:solidFill>
+          </a:ln>
+        </p:spPr>
+        <p:style>
+          <a:lnRef idx="2">
+            <a:schemeClr val="accent1">
+              <a:shade val="50000"/>
+            </a:schemeClr>
+          </a:lnRef>
+          <a:fillRef idx="1">
+            <a:schemeClr val="accent1"/>
+          </a:fillRef>
+          <a:effectRef idx="0">
+            <a:schemeClr val="accent1"/>
+          </a:effectRef>
+          <a:fontRef idx="minor">
+            <a:schemeClr val="lt1"/>
+          </a:fontRef>
+        </p:style>
+        <p:txBody>
+          <a:bodyPr rtlCol="0" anchor="ctr"/>
+          <a:lstStyle/>
+          <a:p>
+            <a:pPr algn="ctr"/>
+            <a:r>
+              <a:rPr lang="en-US" altLang="ko-KR" b="1">
+                <a:solidFill>
+                  <a:schemeClr val="tx1"/>
+                </a:solidFill>
+              </a:rPr>
+              <a:t>Accumulator</a:t>
+            </a:r>
+            <a:endParaRPr lang="ko-KR" altLang="en-US" b="1">
+              <a:solidFill>
+                <a:schemeClr val="tx1"/>
+              </a:solidFill>
+            </a:endParaRPr>
+          </a:p>
+        </p:txBody>
+      </p:sp>
+      <p:sp>
+        <p:nvSpPr>
+          <p:cNvPr id="132" name="직사각형 131">
+            <a:extLst>
+              <a:ext uri="{FF2B5EF4-FFF2-40B4-BE49-F238E27FC236}">
+                <a16:creationId xmlns:a16="http://schemas.microsoft.com/office/drawing/2014/main" id="{88D8F793-87AF-6D29-9743-7C68C14E5B47}"/>
+              </a:ext>
+            </a:extLst>
+          </p:cNvPr>
+          <p:cNvSpPr/>
+          <p:nvPr/>
+        </p:nvSpPr>
+        <p:spPr>
+          <a:xfrm>
+            <a:off x="13213763" y="5840430"/>
+            <a:ext cx="1851198" cy="201215"/>
+          </a:xfrm>
+          <a:prstGeom prst="rect">
+            <a:avLst/>
+          </a:prstGeom>
+        </p:spPr>
+        <p:style>
+          <a:lnRef idx="2">
+            <a:schemeClr val="accent1">
+              <a:shade val="50000"/>
+            </a:schemeClr>
+          </a:lnRef>
+          <a:fillRef idx="1">
+            <a:schemeClr val="accent1"/>
+          </a:fillRef>
+          <a:effectRef idx="0">
+            <a:schemeClr val="accent1"/>
+          </a:effectRef>
+          <a:fontRef idx="minor">
+            <a:schemeClr val="lt1"/>
+          </a:fontRef>
+        </p:style>
+        <p:txBody>
+          <a:bodyPr rtlCol="0" anchor="ctr"/>
+          <a:lstStyle/>
+          <a:p>
+            <a:pPr algn="ctr"/>
+            <a:r>
+              <a:rPr lang="en-US" altLang="ko-KR" sz="1100" b="1">
+                <a:solidFill>
+                  <a:schemeClr val="bg1"/>
+                </a:solidFill>
+              </a:rPr>
+              <a:t>1x COL   BUFFER</a:t>
+            </a:r>
+            <a:endParaRPr lang="ko-KR" altLang="en-US" sz="1100" b="1">
+              <a:solidFill>
+                <a:schemeClr val="bg1"/>
+              </a:solidFill>
+            </a:endParaRPr>
+          </a:p>
+        </p:txBody>
+      </p:sp>
+      <p:cxnSp>
+        <p:nvCxnSpPr>
+          <p:cNvPr id="133" name="직선 연결선 132">
+            <a:extLst>
+              <a:ext uri="{FF2B5EF4-FFF2-40B4-BE49-F238E27FC236}">
+                <a16:creationId xmlns:a16="http://schemas.microsoft.com/office/drawing/2014/main" id="{0D213091-92D8-0D89-609C-03F39B410CF7}"/>
+              </a:ext>
+            </a:extLst>
+          </p:cNvPr>
+          <p:cNvCxnSpPr>
+            <a:cxnSpLocks/>
+          </p:cNvCxnSpPr>
+          <p:nvPr/>
+        </p:nvCxnSpPr>
+        <p:spPr>
+          <a:xfrm flipV="1">
+            <a:off x="14141920" y="1725411"/>
+            <a:ext cx="0" cy="1379728"/>
+          </a:xfrm>
+          <a:prstGeom prst="line">
+            <a:avLst/>
+          </a:prstGeom>
+          <a:ln w="28575">
+            <a:solidFill>
+              <a:schemeClr val="tx1"/>
+            </a:solidFill>
+          </a:ln>
+        </p:spPr>
+        <p:style>
+          <a:lnRef idx="1">
+            <a:schemeClr val="accent1"/>
+          </a:lnRef>
+          <a:fillRef idx="0">
+            <a:schemeClr val="accent1"/>
+          </a:fillRef>
+          <a:effectRef idx="0">
+            <a:schemeClr val="accent1"/>
+          </a:effectRef>
+          <a:fontRef idx="minor">
+            <a:schemeClr val="tx1"/>
+          </a:fontRef>
+        </p:style>
+      </p:cxnSp>
+      <p:sp>
+        <p:nvSpPr>
+          <p:cNvPr id="135" name="TextBox 134">
+            <a:extLst>
+              <a:ext uri="{FF2B5EF4-FFF2-40B4-BE49-F238E27FC236}">
+                <a16:creationId xmlns:a16="http://schemas.microsoft.com/office/drawing/2014/main" id="{52CDC4E3-48FC-5B92-9643-63BF7EE3D708}"/>
+              </a:ext>
+            </a:extLst>
+          </p:cNvPr>
+          <p:cNvSpPr txBox="1"/>
+          <p:nvPr/>
+        </p:nvSpPr>
+        <p:spPr>
+          <a:xfrm>
+            <a:off x="13650217" y="2366355"/>
+            <a:ext cx="332488" cy="369332"/>
+          </a:xfrm>
+          <a:prstGeom prst="rect">
+            <a:avLst/>
+          </a:prstGeom>
+          <a:noFill/>
+        </p:spPr>
+        <p:txBody>
+          <a:bodyPr wrap="square" rtlCol="0">
+            <a:spAutoFit/>
+          </a:bodyPr>
+          <a:lstStyle/>
+          <a:p>
+            <a:r>
+              <a:rPr lang="en-US" altLang="ko-KR" b="1">
+                <a:solidFill>
+                  <a:srgbClr val="00B0F0"/>
+                </a:solidFill>
+              </a:rPr>
+              <a:t>6</a:t>
+            </a:r>
+            <a:endParaRPr lang="ko-KR" altLang="en-US" b="1">
+              <a:solidFill>
+                <a:srgbClr val="00B0F0"/>
+              </a:solidFill>
+            </a:endParaRPr>
+          </a:p>
+        </p:txBody>
+      </p:sp>
+      <p:cxnSp>
+        <p:nvCxnSpPr>
+          <p:cNvPr id="136" name="직선 화살표 연결선 135">
+            <a:extLst>
+              <a:ext uri="{FF2B5EF4-FFF2-40B4-BE49-F238E27FC236}">
+                <a16:creationId xmlns:a16="http://schemas.microsoft.com/office/drawing/2014/main" id="{BAE7F888-1634-0140-77D4-284AB0A628BB}"/>
+              </a:ext>
+            </a:extLst>
+          </p:cNvPr>
+          <p:cNvCxnSpPr>
+            <a:cxnSpLocks/>
+          </p:cNvCxnSpPr>
+          <p:nvPr/>
+        </p:nvCxnSpPr>
+        <p:spPr>
+          <a:xfrm flipV="1">
+            <a:off x="13981063" y="1959160"/>
+            <a:ext cx="0" cy="905233"/>
+          </a:xfrm>
+          <a:prstGeom prst="straightConnector1">
+            <a:avLst/>
+          </a:prstGeom>
+          <a:ln w="57150">
+            <a:solidFill>
+              <a:srgbClr val="00B0F0"/>
+            </a:solidFill>
+            <a:tailEnd type="triangle"/>
+          </a:ln>
+        </p:spPr>
+        <p:style>
+          <a:lnRef idx="1">
+            <a:schemeClr val="accent1"/>
+          </a:lnRef>
+          <a:fillRef idx="0">
+            <a:schemeClr val="accent1"/>
+          </a:fillRef>
+          <a:effectRef idx="0">
+            <a:schemeClr val="accent1"/>
+          </a:effectRef>
+          <a:fontRef idx="minor">
+            <a:schemeClr val="tx1"/>
+          </a:fontRef>
+        </p:style>
+      </p:cxnSp>
+      <p:sp>
+        <p:nvSpPr>
+          <p:cNvPr id="140" name="TextBox 139">
+            <a:extLst>
+              <a:ext uri="{FF2B5EF4-FFF2-40B4-BE49-F238E27FC236}">
+                <a16:creationId xmlns:a16="http://schemas.microsoft.com/office/drawing/2014/main" id="{EE308EA7-76D6-9B24-A8C0-E583C888A10E}"/>
+              </a:ext>
+            </a:extLst>
+          </p:cNvPr>
+          <p:cNvSpPr txBox="1"/>
+          <p:nvPr/>
+        </p:nvSpPr>
+        <p:spPr>
+          <a:xfrm>
+            <a:off x="13609562" y="3103370"/>
+            <a:ext cx="1132931" cy="276999"/>
+          </a:xfrm>
+          <a:prstGeom prst="rect">
+            <a:avLst/>
+          </a:prstGeom>
+          <a:noFill/>
+        </p:spPr>
+        <p:txBody>
+          <a:bodyPr wrap="square">
+            <a:spAutoFit/>
+          </a:bodyPr>
+          <a:lstStyle/>
+          <a:p>
+            <a:r>
+              <a:rPr lang="en-US" altLang="ko-KR" sz="1200" b="1">
+                <a:solidFill>
+                  <a:schemeClr val="tx1"/>
+                </a:solidFill>
+              </a:rPr>
+              <a:t>buf_done_o</a:t>
+            </a:r>
+            <a:endParaRPr lang="ko-KR" altLang="en-US" sz="1200" b="1">
+              <a:solidFill>
+                <a:schemeClr val="tx1"/>
+              </a:solidFill>
+            </a:endParaRPr>
+          </a:p>
+        </p:txBody>
+      </p:sp>
+      <p:pic>
+        <p:nvPicPr>
+          <p:cNvPr id="142" name="그림 141">
+            <a:extLst>
+              <a:ext uri="{FF2B5EF4-FFF2-40B4-BE49-F238E27FC236}">
+                <a16:creationId xmlns:a16="http://schemas.microsoft.com/office/drawing/2014/main" id="{CF243114-7EE3-8241-ED1B-6A6727500973}"/>
+              </a:ext>
+            </a:extLst>
+          </p:cNvPr>
+          <p:cNvPicPr>
+            <a:picLocks noChangeAspect="1"/>
+          </p:cNvPicPr>
+          <p:nvPr/>
+        </p:nvPicPr>
+        <p:blipFill>
+          <a:blip r:embed="rId2"/>
+          <a:stretch>
+            <a:fillRect/>
+          </a:stretch>
+        </p:blipFill>
+        <p:spPr>
+          <a:xfrm>
+            <a:off x="3013356" y="402009"/>
+            <a:ext cx="1368526" cy="1153665"/>
+          </a:xfrm>
+          <a:prstGeom prst="rect">
+            <a:avLst/>
+          </a:prstGeom>
+        </p:spPr>
+      </p:pic>
+    </p:spTree>
+    <p:extLst>
+      <p:ext uri="{BB962C8B-B14F-4D97-AF65-F5344CB8AC3E}">
+        <p14:creationId xmlns:p14="http://schemas.microsoft.com/office/powerpoint/2010/main" val="2948120771"/>
       </p:ext>
     </p:extLst>
   </p:cSld>
@@ -6088,1067 +10645,6 @@
       </p:grpSpPr>
       <p:sp>
         <p:nvSpPr>
-          <p:cNvPr id="2" name="타원 1">
-            <a:extLst>
-              <a:ext uri="{FF2B5EF4-FFF2-40B4-BE49-F238E27FC236}">
-                <a16:creationId xmlns:a16="http://schemas.microsoft.com/office/drawing/2014/main" id="{88FDEF47-8AC5-A9AE-CF88-B55855679C60}"/>
-              </a:ext>
-            </a:extLst>
-          </p:cNvPr>
-          <p:cNvSpPr/>
-          <p:nvPr/>
-        </p:nvSpPr>
-        <p:spPr>
-          <a:xfrm>
-            <a:off x="4602018" y="32328"/>
-            <a:ext cx="1270001" cy="1214582"/>
-          </a:xfrm>
-          <a:prstGeom prst="ellipse">
-            <a:avLst/>
-          </a:prstGeom>
-        </p:spPr>
-        <p:style>
-          <a:lnRef idx="2">
-            <a:schemeClr val="accent1">
-              <a:shade val="50000"/>
-            </a:schemeClr>
-          </a:lnRef>
-          <a:fillRef idx="1">
-            <a:schemeClr val="accent1"/>
-          </a:fillRef>
-          <a:effectRef idx="0">
-            <a:schemeClr val="accent1"/>
-          </a:effectRef>
-          <a:fontRef idx="minor">
-            <a:schemeClr val="lt1"/>
-          </a:fontRef>
-        </p:style>
-        <p:txBody>
-          <a:bodyPr rtlCol="0" anchor="ctr"/>
-          <a:lstStyle/>
-          <a:p>
-            <a:pPr algn="ctr"/>
-            <a:r>
-              <a:rPr lang="en-US" altLang="ko-KR"/>
-              <a:t>IDLE</a:t>
-            </a:r>
-            <a:endParaRPr lang="ko-KR" altLang="en-US"/>
-          </a:p>
-        </p:txBody>
-      </p:sp>
-      <p:sp>
-        <p:nvSpPr>
-          <p:cNvPr id="3" name="타원 2">
-            <a:extLst>
-              <a:ext uri="{FF2B5EF4-FFF2-40B4-BE49-F238E27FC236}">
-                <a16:creationId xmlns:a16="http://schemas.microsoft.com/office/drawing/2014/main" id="{A18CD7AA-702F-6807-4534-691DF8B92C88}"/>
-              </a:ext>
-            </a:extLst>
-          </p:cNvPr>
-          <p:cNvSpPr/>
-          <p:nvPr/>
-        </p:nvSpPr>
-        <p:spPr>
-          <a:xfrm>
-            <a:off x="6852229" y="1385455"/>
-            <a:ext cx="1270001" cy="1214582"/>
-          </a:xfrm>
-          <a:prstGeom prst="ellipse">
-            <a:avLst/>
-          </a:prstGeom>
-        </p:spPr>
-        <p:style>
-          <a:lnRef idx="2">
-            <a:schemeClr val="accent1">
-              <a:shade val="50000"/>
-            </a:schemeClr>
-          </a:lnRef>
-          <a:fillRef idx="1">
-            <a:schemeClr val="accent1"/>
-          </a:fillRef>
-          <a:effectRef idx="0">
-            <a:schemeClr val="accent1"/>
-          </a:effectRef>
-          <a:fontRef idx="minor">
-            <a:schemeClr val="lt1"/>
-          </a:fontRef>
-        </p:style>
-        <p:txBody>
-          <a:bodyPr rtlCol="0" anchor="ctr"/>
-          <a:lstStyle/>
-          <a:p>
-            <a:pPr algn="ctr"/>
-            <a:r>
-              <a:rPr lang="en-US" altLang="ko-KR"/>
-              <a:t>FETCH</a:t>
-            </a:r>
-            <a:endParaRPr lang="ko-KR" altLang="en-US"/>
-          </a:p>
-        </p:txBody>
-      </p:sp>
-      <p:sp>
-        <p:nvSpPr>
-          <p:cNvPr id="4" name="타원 3">
-            <a:extLst>
-              <a:ext uri="{FF2B5EF4-FFF2-40B4-BE49-F238E27FC236}">
-                <a16:creationId xmlns:a16="http://schemas.microsoft.com/office/drawing/2014/main" id="{E5456461-0278-135F-6C6A-F7E02DF648FB}"/>
-              </a:ext>
-            </a:extLst>
-          </p:cNvPr>
-          <p:cNvSpPr/>
-          <p:nvPr/>
-        </p:nvSpPr>
-        <p:spPr>
-          <a:xfrm>
-            <a:off x="4694380" y="4768272"/>
-            <a:ext cx="1270001" cy="1214582"/>
-          </a:xfrm>
-          <a:prstGeom prst="ellipse">
-            <a:avLst/>
-          </a:prstGeom>
-        </p:spPr>
-        <p:style>
-          <a:lnRef idx="2">
-            <a:schemeClr val="accent1">
-              <a:shade val="50000"/>
-            </a:schemeClr>
-          </a:lnRef>
-          <a:fillRef idx="1">
-            <a:schemeClr val="accent1"/>
-          </a:fillRef>
-          <a:effectRef idx="0">
-            <a:schemeClr val="accent1"/>
-          </a:effectRef>
-          <a:fontRef idx="minor">
-            <a:schemeClr val="lt1"/>
-          </a:fontRef>
-        </p:style>
-        <p:txBody>
-          <a:bodyPr rtlCol="0" anchor="ctr"/>
-          <a:lstStyle/>
-          <a:p>
-            <a:pPr algn="ctr"/>
-            <a:r>
-              <a:rPr lang="en-US" altLang="ko-KR" sz="1400"/>
-              <a:t>core</a:t>
-            </a:r>
-            <a:endParaRPr lang="ko-KR" altLang="en-US" sz="1400"/>
-          </a:p>
-        </p:txBody>
-      </p:sp>
-      <p:sp>
-        <p:nvSpPr>
-          <p:cNvPr id="6" name="타원 5">
-            <a:extLst>
-              <a:ext uri="{FF2B5EF4-FFF2-40B4-BE49-F238E27FC236}">
-                <a16:creationId xmlns:a16="http://schemas.microsoft.com/office/drawing/2014/main" id="{95FAEA56-BE44-FD9F-0010-E9CBCCB44F9B}"/>
-              </a:ext>
-            </a:extLst>
-          </p:cNvPr>
-          <p:cNvSpPr/>
-          <p:nvPr/>
-        </p:nvSpPr>
-        <p:spPr>
-          <a:xfrm>
-            <a:off x="2546923" y="3553690"/>
-            <a:ext cx="1270001" cy="1214582"/>
-          </a:xfrm>
-          <a:prstGeom prst="ellipse">
-            <a:avLst/>
-          </a:prstGeom>
-        </p:spPr>
-        <p:style>
-          <a:lnRef idx="2">
-            <a:schemeClr val="accent1">
-              <a:shade val="50000"/>
-            </a:schemeClr>
-          </a:lnRef>
-          <a:fillRef idx="1">
-            <a:schemeClr val="accent1"/>
-          </a:fillRef>
-          <a:effectRef idx="0">
-            <a:schemeClr val="accent1"/>
-          </a:effectRef>
-          <a:fontRef idx="minor">
-            <a:schemeClr val="lt1"/>
-          </a:fontRef>
-        </p:style>
-        <p:txBody>
-          <a:bodyPr rtlCol="0" anchor="ctr"/>
-          <a:lstStyle/>
-          <a:p>
-            <a:pPr algn="ctr"/>
-            <a:r>
-              <a:rPr lang="en-US" altLang="ko-KR"/>
-              <a:t>VGA</a:t>
-            </a:r>
-            <a:br>
-              <a:rPr lang="en-US" altLang="ko-KR"/>
-            </a:br>
-            <a:r>
-              <a:rPr lang="en-US" altLang="ko-KR"/>
-              <a:t>_RUN</a:t>
-            </a:r>
-            <a:endParaRPr lang="ko-KR" altLang="en-US"/>
-          </a:p>
-        </p:txBody>
-      </p:sp>
-      <p:sp>
-        <p:nvSpPr>
-          <p:cNvPr id="7" name="타원 6">
-            <a:extLst>
-              <a:ext uri="{FF2B5EF4-FFF2-40B4-BE49-F238E27FC236}">
-                <a16:creationId xmlns:a16="http://schemas.microsoft.com/office/drawing/2014/main" id="{CE64A88F-3BF5-3BFD-1D16-689C62549427}"/>
-              </a:ext>
-            </a:extLst>
-          </p:cNvPr>
-          <p:cNvSpPr/>
-          <p:nvPr/>
-        </p:nvSpPr>
-        <p:spPr>
-          <a:xfrm>
-            <a:off x="2546923" y="1385455"/>
-            <a:ext cx="1270001" cy="1214582"/>
-          </a:xfrm>
-          <a:prstGeom prst="ellipse">
-            <a:avLst/>
-          </a:prstGeom>
-        </p:spPr>
-        <p:style>
-          <a:lnRef idx="2">
-            <a:schemeClr val="accent1">
-              <a:shade val="50000"/>
-            </a:schemeClr>
-          </a:lnRef>
-          <a:fillRef idx="1">
-            <a:schemeClr val="accent1"/>
-          </a:fillRef>
-          <a:effectRef idx="0">
-            <a:schemeClr val="accent1"/>
-          </a:effectRef>
-          <a:fontRef idx="minor">
-            <a:schemeClr val="lt1"/>
-          </a:fontRef>
-        </p:style>
-        <p:txBody>
-          <a:bodyPr rtlCol="0" anchor="ctr"/>
-          <a:lstStyle/>
-          <a:p>
-            <a:pPr algn="ctr"/>
-            <a:r>
-              <a:rPr lang="en-US" altLang="ko-KR"/>
-              <a:t>DONE</a:t>
-            </a:r>
-            <a:endParaRPr lang="ko-KR" altLang="en-US"/>
-          </a:p>
-        </p:txBody>
-      </p:sp>
-      <p:cxnSp>
-        <p:nvCxnSpPr>
-          <p:cNvPr id="9" name="직선 화살표 연결선 8">
-            <a:extLst>
-              <a:ext uri="{FF2B5EF4-FFF2-40B4-BE49-F238E27FC236}">
-                <a16:creationId xmlns:a16="http://schemas.microsoft.com/office/drawing/2014/main" id="{EE8D0E14-5A07-3EC6-724E-FFF81FF456C3}"/>
-              </a:ext>
-            </a:extLst>
-          </p:cNvPr>
-          <p:cNvCxnSpPr>
-            <a:cxnSpLocks/>
-          </p:cNvCxnSpPr>
-          <p:nvPr/>
-        </p:nvCxnSpPr>
-        <p:spPr>
-          <a:xfrm>
-            <a:off x="5967847" y="831274"/>
-            <a:ext cx="884382" cy="554181"/>
-          </a:xfrm>
-          <a:prstGeom prst="straightConnector1">
-            <a:avLst/>
-          </a:prstGeom>
-          <a:ln w="57150">
-            <a:solidFill>
-              <a:schemeClr val="tx1"/>
-            </a:solidFill>
-            <a:tailEnd type="triangle"/>
-          </a:ln>
-        </p:spPr>
-        <p:style>
-          <a:lnRef idx="1">
-            <a:schemeClr val="accent1"/>
-          </a:lnRef>
-          <a:fillRef idx="0">
-            <a:schemeClr val="accent1"/>
-          </a:fillRef>
-          <a:effectRef idx="0">
-            <a:schemeClr val="accent1"/>
-          </a:effectRef>
-          <a:fontRef idx="minor">
-            <a:schemeClr val="tx1"/>
-          </a:fontRef>
-        </p:style>
-      </p:cxnSp>
-      <p:cxnSp>
-        <p:nvCxnSpPr>
-          <p:cNvPr id="12" name="직선 화살표 연결선 11">
-            <a:extLst>
-              <a:ext uri="{FF2B5EF4-FFF2-40B4-BE49-F238E27FC236}">
-                <a16:creationId xmlns:a16="http://schemas.microsoft.com/office/drawing/2014/main" id="{2DDAFA0F-6D55-4073-3DC7-2C30CFD25E2A}"/>
-              </a:ext>
-            </a:extLst>
-          </p:cNvPr>
-          <p:cNvCxnSpPr>
-            <a:cxnSpLocks/>
-          </p:cNvCxnSpPr>
-          <p:nvPr/>
-        </p:nvCxnSpPr>
-        <p:spPr>
-          <a:xfrm flipH="1">
-            <a:off x="6262255" y="2782669"/>
-            <a:ext cx="1164935" cy="2435682"/>
-          </a:xfrm>
-          <a:prstGeom prst="straightConnector1">
-            <a:avLst/>
-          </a:prstGeom>
-          <a:ln w="57150">
-            <a:solidFill>
-              <a:schemeClr val="tx1"/>
-            </a:solidFill>
-            <a:tailEnd type="triangle"/>
-          </a:ln>
-        </p:spPr>
-        <p:style>
-          <a:lnRef idx="1">
-            <a:schemeClr val="accent1"/>
-          </a:lnRef>
-          <a:fillRef idx="0">
-            <a:schemeClr val="accent1"/>
-          </a:fillRef>
-          <a:effectRef idx="0">
-            <a:schemeClr val="accent1"/>
-          </a:effectRef>
-          <a:fontRef idx="minor">
-            <a:schemeClr val="tx1"/>
-          </a:fontRef>
-        </p:style>
-      </p:cxnSp>
-      <p:cxnSp>
-        <p:nvCxnSpPr>
-          <p:cNvPr id="19" name="직선 화살표 연결선 18">
-            <a:extLst>
-              <a:ext uri="{FF2B5EF4-FFF2-40B4-BE49-F238E27FC236}">
-                <a16:creationId xmlns:a16="http://schemas.microsoft.com/office/drawing/2014/main" id="{4D274043-50DB-9676-B621-5A6BE78845CB}"/>
-              </a:ext>
-            </a:extLst>
-          </p:cNvPr>
-          <p:cNvCxnSpPr>
-            <a:cxnSpLocks/>
-          </p:cNvCxnSpPr>
-          <p:nvPr/>
-        </p:nvCxnSpPr>
-        <p:spPr>
-          <a:xfrm flipH="1" flipV="1">
-            <a:off x="3749964" y="4608945"/>
-            <a:ext cx="852054" cy="521855"/>
-          </a:xfrm>
-          <a:prstGeom prst="straightConnector1">
-            <a:avLst/>
-          </a:prstGeom>
-          <a:ln w="57150">
-            <a:solidFill>
-              <a:schemeClr val="tx1"/>
-            </a:solidFill>
-            <a:tailEnd type="triangle"/>
-          </a:ln>
-        </p:spPr>
-        <p:style>
-          <a:lnRef idx="1">
-            <a:schemeClr val="accent1"/>
-          </a:lnRef>
-          <a:fillRef idx="0">
-            <a:schemeClr val="accent1"/>
-          </a:fillRef>
-          <a:effectRef idx="0">
-            <a:schemeClr val="accent1"/>
-          </a:effectRef>
-          <a:fontRef idx="minor">
-            <a:schemeClr val="tx1"/>
-          </a:fontRef>
-        </p:style>
-      </p:cxnSp>
-      <p:cxnSp>
-        <p:nvCxnSpPr>
-          <p:cNvPr id="22" name="직선 화살표 연결선 21">
-            <a:extLst>
-              <a:ext uri="{FF2B5EF4-FFF2-40B4-BE49-F238E27FC236}">
-                <a16:creationId xmlns:a16="http://schemas.microsoft.com/office/drawing/2014/main" id="{28124963-60E3-8560-7460-C31A9A6F6622}"/>
-              </a:ext>
-            </a:extLst>
-          </p:cNvPr>
-          <p:cNvCxnSpPr>
-            <a:cxnSpLocks/>
-          </p:cNvCxnSpPr>
-          <p:nvPr/>
-        </p:nvCxnSpPr>
-        <p:spPr>
-          <a:xfrm flipV="1">
-            <a:off x="3091873" y="2697018"/>
-            <a:ext cx="0" cy="731982"/>
-          </a:xfrm>
-          <a:prstGeom prst="straightConnector1">
-            <a:avLst/>
-          </a:prstGeom>
-          <a:ln w="57150">
-            <a:solidFill>
-              <a:schemeClr val="tx1"/>
-            </a:solidFill>
-            <a:tailEnd type="triangle"/>
-          </a:ln>
-        </p:spPr>
-        <p:style>
-          <a:lnRef idx="1">
-            <a:schemeClr val="accent1"/>
-          </a:lnRef>
-          <a:fillRef idx="0">
-            <a:schemeClr val="accent1"/>
-          </a:fillRef>
-          <a:effectRef idx="0">
-            <a:schemeClr val="accent1"/>
-          </a:effectRef>
-          <a:fontRef idx="minor">
-            <a:schemeClr val="tx1"/>
-          </a:fontRef>
-        </p:style>
-      </p:cxnSp>
-      <p:cxnSp>
-        <p:nvCxnSpPr>
-          <p:cNvPr id="24" name="직선 화살표 연결선 23">
-            <a:extLst>
-              <a:ext uri="{FF2B5EF4-FFF2-40B4-BE49-F238E27FC236}">
-                <a16:creationId xmlns:a16="http://schemas.microsoft.com/office/drawing/2014/main" id="{F12E3A05-6055-5258-F17F-0A59C2E45B57}"/>
-              </a:ext>
-            </a:extLst>
-          </p:cNvPr>
-          <p:cNvCxnSpPr>
-            <a:cxnSpLocks/>
-          </p:cNvCxnSpPr>
-          <p:nvPr/>
-        </p:nvCxnSpPr>
-        <p:spPr>
-          <a:xfrm flipV="1">
-            <a:off x="3700314" y="834889"/>
-            <a:ext cx="816842" cy="640287"/>
-          </a:xfrm>
-          <a:prstGeom prst="straightConnector1">
-            <a:avLst/>
-          </a:prstGeom>
-          <a:ln w="57150">
-            <a:solidFill>
-              <a:schemeClr val="tx1"/>
-            </a:solidFill>
-            <a:tailEnd type="triangle"/>
-          </a:ln>
-        </p:spPr>
-        <p:style>
-          <a:lnRef idx="1">
-            <a:schemeClr val="accent1"/>
-          </a:lnRef>
-          <a:fillRef idx="0">
-            <a:schemeClr val="accent1"/>
-          </a:fillRef>
-          <a:effectRef idx="0">
-            <a:schemeClr val="accent1"/>
-          </a:effectRef>
-          <a:fontRef idx="minor">
-            <a:schemeClr val="tx1"/>
-          </a:fontRef>
-        </p:style>
-      </p:cxnSp>
-      <p:sp>
-        <p:nvSpPr>
-          <p:cNvPr id="27" name="TextBox 26">
-            <a:extLst>
-              <a:ext uri="{FF2B5EF4-FFF2-40B4-BE49-F238E27FC236}">
-                <a16:creationId xmlns:a16="http://schemas.microsoft.com/office/drawing/2014/main" id="{47AADED2-40D1-87E8-C108-E115BDB5A714}"/>
-              </a:ext>
-            </a:extLst>
-          </p:cNvPr>
-          <p:cNvSpPr txBox="1"/>
-          <p:nvPr/>
-        </p:nvSpPr>
-        <p:spPr>
-          <a:xfrm>
-            <a:off x="6945070" y="3827850"/>
-            <a:ext cx="1527462" cy="307777"/>
-          </a:xfrm>
-          <a:prstGeom prst="rect">
-            <a:avLst/>
-          </a:prstGeom>
-          <a:noFill/>
-        </p:spPr>
-        <p:txBody>
-          <a:bodyPr wrap="square">
-            <a:spAutoFit/>
-          </a:bodyPr>
-          <a:lstStyle/>
-          <a:p>
-            <a:r>
-              <a:rPr lang="en-US" altLang="ko-KR" sz="1400" b="1"/>
-              <a:t>Core_start</a:t>
-            </a:r>
-            <a:endParaRPr lang="ko-KR" altLang="en-US" sz="1400"/>
-          </a:p>
-        </p:txBody>
-      </p:sp>
-      <p:sp>
-        <p:nvSpPr>
-          <p:cNvPr id="29" name="화살표: 아래로 구부러짐 28">
-            <a:extLst>
-              <a:ext uri="{FF2B5EF4-FFF2-40B4-BE49-F238E27FC236}">
-                <a16:creationId xmlns:a16="http://schemas.microsoft.com/office/drawing/2014/main" id="{1D511B8D-013E-C5F2-F77B-8D9A3CD05379}"/>
-              </a:ext>
-            </a:extLst>
-          </p:cNvPr>
-          <p:cNvSpPr/>
-          <p:nvPr/>
-        </p:nvSpPr>
-        <p:spPr>
-          <a:xfrm rot="2908152">
-            <a:off x="7847211" y="1169590"/>
-            <a:ext cx="884382" cy="489998"/>
-          </a:xfrm>
-          <a:prstGeom prst="curvedDownArrow">
-            <a:avLst/>
-          </a:prstGeom>
-        </p:spPr>
-        <p:style>
-          <a:lnRef idx="2">
-            <a:schemeClr val="accent1">
-              <a:shade val="50000"/>
-            </a:schemeClr>
-          </a:lnRef>
-          <a:fillRef idx="1">
-            <a:schemeClr val="accent1"/>
-          </a:fillRef>
-          <a:effectRef idx="0">
-            <a:schemeClr val="accent1"/>
-          </a:effectRef>
-          <a:fontRef idx="minor">
-            <a:schemeClr val="lt1"/>
-          </a:fontRef>
-        </p:style>
-        <p:txBody>
-          <a:bodyPr rtlCol="0" anchor="ctr"/>
-          <a:lstStyle/>
-          <a:p>
-            <a:pPr algn="ctr"/>
-            <a:endParaRPr lang="ko-KR" altLang="en-US">
-              <a:solidFill>
-                <a:schemeClr val="tx1"/>
-              </a:solidFill>
-            </a:endParaRPr>
-          </a:p>
-        </p:txBody>
-      </p:sp>
-      <p:sp>
-        <p:nvSpPr>
-          <p:cNvPr id="31" name="화살표: 아래로 구부러짐 30">
-            <a:extLst>
-              <a:ext uri="{FF2B5EF4-FFF2-40B4-BE49-F238E27FC236}">
-                <a16:creationId xmlns:a16="http://schemas.microsoft.com/office/drawing/2014/main" id="{5904C4AF-81E9-5853-FBC3-B7B2820E2061}"/>
-              </a:ext>
-            </a:extLst>
-          </p:cNvPr>
-          <p:cNvSpPr/>
-          <p:nvPr/>
-        </p:nvSpPr>
-        <p:spPr>
-          <a:xfrm rot="13152585">
-            <a:off x="2090591" y="4536644"/>
-            <a:ext cx="781044" cy="489998"/>
-          </a:xfrm>
-          <a:prstGeom prst="curvedDownArrow">
-            <a:avLst/>
-          </a:prstGeom>
-        </p:spPr>
-        <p:style>
-          <a:lnRef idx="2">
-            <a:schemeClr val="accent1">
-              <a:shade val="50000"/>
-            </a:schemeClr>
-          </a:lnRef>
-          <a:fillRef idx="1">
-            <a:schemeClr val="accent1"/>
-          </a:fillRef>
-          <a:effectRef idx="0">
-            <a:schemeClr val="accent1"/>
-          </a:effectRef>
-          <a:fontRef idx="minor">
-            <a:schemeClr val="lt1"/>
-          </a:fontRef>
-        </p:style>
-        <p:txBody>
-          <a:bodyPr rtlCol="0" anchor="ctr"/>
-          <a:lstStyle/>
-          <a:p>
-            <a:pPr algn="ctr"/>
-            <a:endParaRPr lang="ko-KR" altLang="en-US">
-              <a:solidFill>
-                <a:schemeClr val="tx1"/>
-              </a:solidFill>
-            </a:endParaRPr>
-          </a:p>
-        </p:txBody>
-      </p:sp>
-      <p:sp>
-        <p:nvSpPr>
-          <p:cNvPr id="32" name="화살표: 아래로 구부러짐 31">
-            <a:extLst>
-              <a:ext uri="{FF2B5EF4-FFF2-40B4-BE49-F238E27FC236}">
-                <a16:creationId xmlns:a16="http://schemas.microsoft.com/office/drawing/2014/main" id="{3A3E6776-6F73-0280-B69A-F5B84545F596}"/>
-              </a:ext>
-            </a:extLst>
-          </p:cNvPr>
-          <p:cNvSpPr/>
-          <p:nvPr/>
-        </p:nvSpPr>
-        <p:spPr>
-          <a:xfrm rot="10800000">
-            <a:off x="4887188" y="6054026"/>
-            <a:ext cx="884382" cy="489998"/>
-          </a:xfrm>
-          <a:prstGeom prst="curvedDownArrow">
-            <a:avLst/>
-          </a:prstGeom>
-        </p:spPr>
-        <p:style>
-          <a:lnRef idx="2">
-            <a:schemeClr val="accent1">
-              <a:shade val="50000"/>
-            </a:schemeClr>
-          </a:lnRef>
-          <a:fillRef idx="1">
-            <a:schemeClr val="accent1"/>
-          </a:fillRef>
-          <a:effectRef idx="0">
-            <a:schemeClr val="accent1"/>
-          </a:effectRef>
-          <a:fontRef idx="minor">
-            <a:schemeClr val="lt1"/>
-          </a:fontRef>
-        </p:style>
-        <p:txBody>
-          <a:bodyPr rtlCol="0" anchor="ctr"/>
-          <a:lstStyle/>
-          <a:p>
-            <a:pPr algn="ctr"/>
-            <a:endParaRPr lang="ko-KR" altLang="en-US">
-              <a:solidFill>
-                <a:schemeClr val="tx1"/>
-              </a:solidFill>
-            </a:endParaRPr>
-          </a:p>
-        </p:txBody>
-      </p:sp>
-      <p:cxnSp>
-        <p:nvCxnSpPr>
-          <p:cNvPr id="33" name="직선 화살표 연결선 32">
-            <a:extLst>
-              <a:ext uri="{FF2B5EF4-FFF2-40B4-BE49-F238E27FC236}">
-                <a16:creationId xmlns:a16="http://schemas.microsoft.com/office/drawing/2014/main" id="{8BA34121-B723-2D7B-1A58-8069366A75B0}"/>
-              </a:ext>
-            </a:extLst>
-          </p:cNvPr>
-          <p:cNvCxnSpPr>
-            <a:cxnSpLocks/>
-          </p:cNvCxnSpPr>
-          <p:nvPr/>
-        </p:nvCxnSpPr>
-        <p:spPr>
-          <a:xfrm flipV="1">
-            <a:off x="6117359" y="2613268"/>
-            <a:ext cx="1215167" cy="2411017"/>
-          </a:xfrm>
-          <a:prstGeom prst="straightConnector1">
-            <a:avLst/>
-          </a:prstGeom>
-          <a:ln w="57150">
-            <a:solidFill>
-              <a:schemeClr val="tx1"/>
-            </a:solidFill>
-            <a:tailEnd type="triangle"/>
-          </a:ln>
-        </p:spPr>
-        <p:style>
-          <a:lnRef idx="1">
-            <a:schemeClr val="accent1"/>
-          </a:lnRef>
-          <a:fillRef idx="0">
-            <a:schemeClr val="accent1"/>
-          </a:fillRef>
-          <a:effectRef idx="0">
-            <a:schemeClr val="accent1"/>
-          </a:effectRef>
-          <a:fontRef idx="minor">
-            <a:schemeClr val="tx1"/>
-          </a:fontRef>
-        </p:style>
-      </p:cxnSp>
-      <p:sp>
-        <p:nvSpPr>
-          <p:cNvPr id="37" name="TextBox 36">
-            <a:extLst>
-              <a:ext uri="{FF2B5EF4-FFF2-40B4-BE49-F238E27FC236}">
-                <a16:creationId xmlns:a16="http://schemas.microsoft.com/office/drawing/2014/main" id="{32992324-FB6F-DF85-2092-DD75F20951E0}"/>
-              </a:ext>
-            </a:extLst>
-          </p:cNvPr>
-          <p:cNvSpPr txBox="1"/>
-          <p:nvPr/>
-        </p:nvSpPr>
-        <p:spPr>
-          <a:xfrm>
-            <a:off x="5272712" y="3518694"/>
-            <a:ext cx="1527462" cy="600164"/>
-          </a:xfrm>
-          <a:prstGeom prst="rect">
-            <a:avLst/>
-          </a:prstGeom>
-          <a:noFill/>
-        </p:spPr>
-        <p:txBody>
-          <a:bodyPr wrap="square">
-            <a:spAutoFit/>
-          </a:bodyPr>
-          <a:lstStyle/>
-          <a:p>
-            <a:pPr algn="ctr"/>
-            <a:r>
-              <a:rPr lang="en-US" altLang="ko-KR" sz="1100" b="1"/>
-              <a:t>core_DONE</a:t>
-            </a:r>
-          </a:p>
-          <a:p>
-            <a:pPr algn="ctr"/>
-            <a:r>
-              <a:rPr lang="en-US" altLang="ko-KR" sz="1100" b="1"/>
-              <a:t>&amp;&amp;</a:t>
-            </a:r>
-            <a:br>
-              <a:rPr lang="en-US" altLang="ko-KR" sz="1100" b="1"/>
-            </a:br>
-            <a:r>
-              <a:rPr lang="en-US" altLang="ko-KR" sz="1100" b="1"/>
-              <a:t>cnt_col != 540</a:t>
-            </a:r>
-            <a:endParaRPr lang="ko-KR" altLang="en-US" sz="1100"/>
-          </a:p>
-        </p:txBody>
-      </p:sp>
-      <p:cxnSp>
-        <p:nvCxnSpPr>
-          <p:cNvPr id="38" name="직선 화살표 연결선 37">
-            <a:extLst>
-              <a:ext uri="{FF2B5EF4-FFF2-40B4-BE49-F238E27FC236}">
-                <a16:creationId xmlns:a16="http://schemas.microsoft.com/office/drawing/2014/main" id="{A2A4FF3D-A951-EA06-3059-2B3DFFB5E63E}"/>
-              </a:ext>
-            </a:extLst>
-          </p:cNvPr>
-          <p:cNvCxnSpPr>
-            <a:cxnSpLocks/>
-          </p:cNvCxnSpPr>
-          <p:nvPr/>
-        </p:nvCxnSpPr>
-        <p:spPr>
-          <a:xfrm flipV="1">
-            <a:off x="3849605" y="2205183"/>
-            <a:ext cx="2732938" cy="1551130"/>
-          </a:xfrm>
-          <a:prstGeom prst="straightConnector1">
-            <a:avLst/>
-          </a:prstGeom>
-          <a:ln w="57150">
-            <a:solidFill>
-              <a:schemeClr val="tx1"/>
-            </a:solidFill>
-            <a:tailEnd type="triangle"/>
-          </a:ln>
-        </p:spPr>
-        <p:style>
-          <a:lnRef idx="1">
-            <a:schemeClr val="accent1"/>
-          </a:lnRef>
-          <a:fillRef idx="0">
-            <a:schemeClr val="accent1"/>
-          </a:fillRef>
-          <a:effectRef idx="0">
-            <a:schemeClr val="accent1"/>
-          </a:effectRef>
-          <a:fontRef idx="minor">
-            <a:schemeClr val="tx1"/>
-          </a:fontRef>
-        </p:style>
-      </p:cxnSp>
-      <p:sp>
-        <p:nvSpPr>
-          <p:cNvPr id="41" name="TextBox 40">
-            <a:extLst>
-              <a:ext uri="{FF2B5EF4-FFF2-40B4-BE49-F238E27FC236}">
-                <a16:creationId xmlns:a16="http://schemas.microsoft.com/office/drawing/2014/main" id="{F4398543-A694-2845-046D-8A1B8DF5A3FF}"/>
-              </a:ext>
-            </a:extLst>
-          </p:cNvPr>
-          <p:cNvSpPr txBox="1"/>
-          <p:nvPr/>
-        </p:nvSpPr>
-        <p:spPr>
-          <a:xfrm>
-            <a:off x="2645722" y="4964156"/>
-            <a:ext cx="2219215" cy="646331"/>
-          </a:xfrm>
-          <a:prstGeom prst="rect">
-            <a:avLst/>
-          </a:prstGeom>
-          <a:noFill/>
-        </p:spPr>
-        <p:txBody>
-          <a:bodyPr wrap="square">
-            <a:spAutoFit/>
-          </a:bodyPr>
-          <a:lstStyle/>
-          <a:p>
-            <a:pPr algn="ctr"/>
-            <a:r>
-              <a:rPr lang="en-US" altLang="ko-KR" sz="1200" b="1"/>
-              <a:t>core_DONE</a:t>
-            </a:r>
-          </a:p>
-          <a:p>
-            <a:pPr algn="ctr"/>
-            <a:r>
-              <a:rPr lang="en-US" altLang="ko-KR" sz="1200" b="1"/>
-              <a:t>&amp;&amp; </a:t>
-            </a:r>
-          </a:p>
-          <a:p>
-            <a:pPr algn="ctr"/>
-            <a:r>
-              <a:rPr lang="en-US" altLang="ko-KR" sz="1200" b="1"/>
-              <a:t>cnt_col==540</a:t>
-            </a:r>
-            <a:endParaRPr lang="ko-KR" altLang="en-US" sz="1200"/>
-          </a:p>
-        </p:txBody>
-      </p:sp>
-      <p:sp>
-        <p:nvSpPr>
-          <p:cNvPr id="42" name="TextBox 41">
-            <a:extLst>
-              <a:ext uri="{FF2B5EF4-FFF2-40B4-BE49-F238E27FC236}">
-                <a16:creationId xmlns:a16="http://schemas.microsoft.com/office/drawing/2014/main" id="{EF14F73F-634C-73FA-7A70-94CBE6F83E58}"/>
-              </a:ext>
-            </a:extLst>
-          </p:cNvPr>
-          <p:cNvSpPr txBox="1"/>
-          <p:nvPr/>
-        </p:nvSpPr>
-        <p:spPr>
-          <a:xfrm>
-            <a:off x="4149688" y="2197770"/>
-            <a:ext cx="1722331" cy="830997"/>
-          </a:xfrm>
-          <a:prstGeom prst="rect">
-            <a:avLst/>
-          </a:prstGeom>
-          <a:noFill/>
-        </p:spPr>
-        <p:txBody>
-          <a:bodyPr wrap="square">
-            <a:spAutoFit/>
-          </a:bodyPr>
-          <a:lstStyle/>
-          <a:p>
-            <a:pPr algn="ctr"/>
-            <a:r>
-              <a:rPr lang="en-US" altLang="ko-KR" sz="1200" b="1"/>
-              <a:t>VGA_RUN_DONE</a:t>
-            </a:r>
-          </a:p>
-          <a:p>
-            <a:pPr algn="ctr"/>
-            <a:r>
-              <a:rPr lang="en-US" altLang="ko-KR" sz="1200" b="1"/>
-              <a:t>&amp;&amp; </a:t>
-            </a:r>
-          </a:p>
-          <a:p>
-            <a:pPr algn="ctr"/>
-            <a:r>
-              <a:rPr lang="en-US" altLang="ko-KR" sz="1200" b="1"/>
-              <a:t>cnt_row != 540</a:t>
-            </a:r>
-            <a:endParaRPr lang="ko-KR" altLang="en-US" sz="1200"/>
-          </a:p>
-          <a:p>
-            <a:pPr algn="ctr"/>
-            <a:endParaRPr lang="ko-KR" altLang="en-US" sz="1200"/>
-          </a:p>
-        </p:txBody>
-      </p:sp>
-      <p:sp>
-        <p:nvSpPr>
-          <p:cNvPr id="43" name="TextBox 42">
-            <a:extLst>
-              <a:ext uri="{FF2B5EF4-FFF2-40B4-BE49-F238E27FC236}">
-                <a16:creationId xmlns:a16="http://schemas.microsoft.com/office/drawing/2014/main" id="{6F2ADD6B-0A74-00FC-3B36-A8F12F6E8683}"/>
-              </a:ext>
-            </a:extLst>
-          </p:cNvPr>
-          <p:cNvSpPr txBox="1"/>
-          <p:nvPr/>
-        </p:nvSpPr>
-        <p:spPr>
-          <a:xfrm>
-            <a:off x="1103025" y="2782669"/>
-            <a:ext cx="2219215" cy="646331"/>
-          </a:xfrm>
-          <a:prstGeom prst="rect">
-            <a:avLst/>
-          </a:prstGeom>
-          <a:noFill/>
-        </p:spPr>
-        <p:txBody>
-          <a:bodyPr wrap="square">
-            <a:spAutoFit/>
-          </a:bodyPr>
-          <a:lstStyle/>
-          <a:p>
-            <a:pPr algn="ctr"/>
-            <a:r>
-              <a:rPr lang="en-US" altLang="ko-KR" sz="1200" b="1"/>
-              <a:t>VGA_RUN_DONE</a:t>
-            </a:r>
-          </a:p>
-          <a:p>
-            <a:pPr algn="ctr"/>
-            <a:r>
-              <a:rPr lang="en-US" altLang="ko-KR" sz="1200" b="1"/>
-              <a:t>&amp;&amp; </a:t>
-            </a:r>
-          </a:p>
-          <a:p>
-            <a:pPr algn="ctr"/>
-            <a:r>
-              <a:rPr lang="en-US" altLang="ko-KR" sz="1200" b="1"/>
-              <a:t>cnt_row == 540</a:t>
-            </a:r>
-            <a:endParaRPr lang="ko-KR" altLang="en-US" sz="1200"/>
-          </a:p>
-        </p:txBody>
-      </p:sp>
-      <p:sp>
-        <p:nvSpPr>
-          <p:cNvPr id="45" name="TextBox 44">
-            <a:extLst>
-              <a:ext uri="{FF2B5EF4-FFF2-40B4-BE49-F238E27FC236}">
-                <a16:creationId xmlns:a16="http://schemas.microsoft.com/office/drawing/2014/main" id="{F76DA90F-F210-0D6F-4671-F4EE22C5FD92}"/>
-              </a:ext>
-            </a:extLst>
-          </p:cNvPr>
-          <p:cNvSpPr txBox="1"/>
-          <p:nvPr/>
-        </p:nvSpPr>
-        <p:spPr>
-          <a:xfrm>
-            <a:off x="3350488" y="608847"/>
-            <a:ext cx="932872" cy="369332"/>
-          </a:xfrm>
-          <a:prstGeom prst="rect">
-            <a:avLst/>
-          </a:prstGeom>
-          <a:noFill/>
-        </p:spPr>
-        <p:txBody>
-          <a:bodyPr wrap="square" rtlCol="0">
-            <a:spAutoFit/>
-          </a:bodyPr>
-          <a:lstStyle/>
-          <a:p>
-            <a:r>
-              <a:rPr lang="en-US" altLang="ko-KR"/>
-              <a:t>1cycle</a:t>
-            </a:r>
-            <a:endParaRPr lang="ko-KR" altLang="en-US"/>
-          </a:p>
-        </p:txBody>
-      </p:sp>
-      <p:sp>
-        <p:nvSpPr>
-          <p:cNvPr id="46" name="TextBox 45">
-            <a:extLst>
-              <a:ext uri="{FF2B5EF4-FFF2-40B4-BE49-F238E27FC236}">
-                <a16:creationId xmlns:a16="http://schemas.microsoft.com/office/drawing/2014/main" id="{1201F5FE-2981-DC2C-0670-F7D977C7F621}"/>
-              </a:ext>
-            </a:extLst>
-          </p:cNvPr>
-          <p:cNvSpPr txBox="1"/>
-          <p:nvPr/>
-        </p:nvSpPr>
-        <p:spPr>
-          <a:xfrm>
-            <a:off x="6335000" y="680790"/>
-            <a:ext cx="997526" cy="369332"/>
-          </a:xfrm>
-          <a:prstGeom prst="rect">
-            <a:avLst/>
-          </a:prstGeom>
-          <a:noFill/>
-        </p:spPr>
-        <p:txBody>
-          <a:bodyPr wrap="square" rtlCol="0">
-            <a:spAutoFit/>
-          </a:bodyPr>
-          <a:lstStyle/>
-          <a:p>
-            <a:r>
-              <a:rPr lang="en-US" altLang="ko-KR"/>
-              <a:t>start</a:t>
-            </a:r>
-            <a:endParaRPr lang="ko-KR" altLang="en-US"/>
-          </a:p>
-        </p:txBody>
-      </p:sp>
-    </p:spTree>
-    <p:extLst>
-      <p:ext uri="{BB962C8B-B14F-4D97-AF65-F5344CB8AC3E}">
-        <p14:creationId xmlns:p14="http://schemas.microsoft.com/office/powerpoint/2010/main" val="310536779"/>
-      </p:ext>
-    </p:extLst>
-  </p:cSld>
-  <p:clrMapOvr>
-    <a:masterClrMapping/>
-  </p:clrMapOvr>
-</p:sld>
-</file>
-
-<file path=ppt/slides/slide6.xml><?xml version="1.0" encoding="utf-8"?>
-<p:sld xmlns:a="http://schemas.openxmlformats.org/drawingml/2006/main" xmlns:r="http://schemas.openxmlformats.org/officeDocument/2006/relationships" xmlns:p="http://schemas.openxmlformats.org/presentationml/2006/main">
-  <p:cSld>
-    <p:spTree>
-      <p:nvGrpSpPr>
-        <p:cNvPr id="1" name=""/>
-        <p:cNvGrpSpPr/>
-        <p:nvPr/>
-      </p:nvGrpSpPr>
-      <p:grpSpPr>
-        <a:xfrm>
-          <a:off x="0" y="0"/>
-          <a:ext cx="0" cy="0"/>
-          <a:chOff x="0" y="0"/>
-          <a:chExt cx="0" cy="0"/>
-        </a:xfrm>
-      </p:grpSpPr>
-      <p:sp>
-        <p:nvSpPr>
           <p:cNvPr id="4" name="직사각형 3">
             <a:extLst>
               <a:ext uri="{FF2B5EF4-FFF2-40B4-BE49-F238E27FC236}">
@@ -7499,7 +10995,7 @@
 </p:sld>
 </file>
 
-<file path=ppt/slides/slide7.xml><?xml version="1.0" encoding="utf-8"?>
+<file path=ppt/slides/slide6.xml><?xml version="1.0" encoding="utf-8"?>
 <p:sld xmlns:a="http://schemas.openxmlformats.org/drawingml/2006/main" xmlns:r="http://schemas.openxmlformats.org/officeDocument/2006/relationships" xmlns:p="http://schemas.openxmlformats.org/presentationml/2006/main">
   <p:cSld>
     <p:spTree>
@@ -8758,7 +12254,7 @@
 </p:sld>
 </file>
 
-<file path=ppt/slides/slide8.xml><?xml version="1.0" encoding="utf-8"?>
+<file path=ppt/slides/slide7.xml><?xml version="1.0" encoding="utf-8"?>
 <p:sld xmlns:a="http://schemas.openxmlformats.org/drawingml/2006/main" xmlns:r="http://schemas.openxmlformats.org/officeDocument/2006/relationships" xmlns:p="http://schemas.openxmlformats.org/presentationml/2006/main">
   <p:cSld>
     <p:spTree>
@@ -9184,7 +12680,7 @@
 </p:sld>
 </file>
 
-<file path=ppt/slides/slide9.xml><?xml version="1.0" encoding="utf-8"?>
+<file path=ppt/slides/slide8.xml><?xml version="1.0" encoding="utf-8"?>
 <p:sld xmlns:a="http://schemas.openxmlformats.org/drawingml/2006/main" xmlns:r="http://schemas.openxmlformats.org/officeDocument/2006/relationships" xmlns:p="http://schemas.openxmlformats.org/presentationml/2006/main">
   <p:cSld>
     <p:spTree>
@@ -9579,6 +13075,152 @@
     <p:extLst>
       <p:ext uri="{BB962C8B-B14F-4D97-AF65-F5344CB8AC3E}">
         <p14:creationId xmlns:p14="http://schemas.microsoft.com/office/powerpoint/2010/main" val="2022684348"/>
+      </p:ext>
+    </p:extLst>
+  </p:cSld>
+  <p:clrMapOvr>
+    <a:masterClrMapping/>
+  </p:clrMapOvr>
+</p:sld>
+</file>
+
+<file path=ppt/slides/slide9.xml><?xml version="1.0" encoding="utf-8"?>
+<p:sld xmlns:a="http://schemas.openxmlformats.org/drawingml/2006/main" xmlns:r="http://schemas.openxmlformats.org/officeDocument/2006/relationships" xmlns:p="http://schemas.openxmlformats.org/presentationml/2006/main">
+  <p:cSld>
+    <p:spTree>
+      <p:nvGrpSpPr>
+        <p:cNvPr id="1" name=""/>
+        <p:cNvGrpSpPr/>
+        <p:nvPr/>
+      </p:nvGrpSpPr>
+      <p:grpSpPr>
+        <a:xfrm>
+          <a:off x="0" y="0"/>
+          <a:ext cx="0" cy="0"/>
+          <a:chOff x="0" y="0"/>
+          <a:chExt cx="0" cy="0"/>
+        </a:xfrm>
+      </p:grpSpPr>
+      <p:sp>
+        <p:nvSpPr>
+          <p:cNvPr id="2" name="제목 1">
+            <a:extLst>
+              <a:ext uri="{FF2B5EF4-FFF2-40B4-BE49-F238E27FC236}">
+                <a16:creationId xmlns:a16="http://schemas.microsoft.com/office/drawing/2014/main" id="{80380D47-7CDC-6CA2-6DFD-A57AE9822EB5}"/>
+              </a:ext>
+            </a:extLst>
+          </p:cNvPr>
+          <p:cNvSpPr>
+            <a:spLocks noGrp="1"/>
+          </p:cNvSpPr>
+          <p:nvPr>
+            <p:ph type="title"/>
+          </p:nvPr>
+        </p:nvSpPr>
+        <p:spPr/>
+        <p:txBody>
+          <a:bodyPr/>
+          <a:lstStyle/>
+          <a:p>
+            <a:r>
+              <a:rPr lang="en-US" altLang="ko-KR"/>
+              <a:t>0</a:t>
+            </a:r>
+            <a:endParaRPr lang="ko-KR" altLang="en-US"/>
+          </a:p>
+        </p:txBody>
+      </p:sp>
+      <p:sp>
+        <p:nvSpPr>
+          <p:cNvPr id="3" name="내용 개체 틀 2">
+            <a:extLst>
+              <a:ext uri="{FF2B5EF4-FFF2-40B4-BE49-F238E27FC236}">
+                <a16:creationId xmlns:a16="http://schemas.microsoft.com/office/drawing/2014/main" id="{6456CE30-4866-5BD6-E791-A6D87A7E94E2}"/>
+              </a:ext>
+            </a:extLst>
+          </p:cNvPr>
+          <p:cNvSpPr>
+            <a:spLocks noGrp="1"/>
+          </p:cNvSpPr>
+          <p:nvPr>
+            <p:ph idx="1"/>
+          </p:nvPr>
+        </p:nvSpPr>
+        <p:spPr/>
+        <p:txBody>
+          <a:bodyPr>
+            <a:normAutofit/>
+          </a:bodyPr>
+          <a:lstStyle/>
+          <a:p>
+            <a:r>
+              <a:rPr lang="en-US" altLang="ko-KR" sz="1600" b="1"/>
+              <a:t>- BRAM + Memcontroller</a:t>
+            </a:r>
+          </a:p>
+          <a:p>
+            <a:r>
+              <a:rPr lang="en-US" altLang="ko-KR" sz="1600" b="1"/>
+              <a:t>- Preprocess</a:t>
+            </a:r>
+          </a:p>
+          <a:p>
+            <a:r>
+              <a:rPr lang="en-US" altLang="ko-KR" sz="1600" b="1"/>
+              <a:t>- CORE</a:t>
+            </a:r>
+          </a:p>
+          <a:p>
+            <a:r>
+              <a:rPr lang="en-US" altLang="ko-KR" sz="1600" b="1"/>
+              <a:t>- Controller(FSM)</a:t>
+            </a:r>
+          </a:p>
+          <a:p>
+            <a:r>
+              <a:rPr lang="en-US" altLang="ko-KR" sz="1600" b="1"/>
+              <a:t>- VGA_BUFFER</a:t>
+            </a:r>
+          </a:p>
+          <a:p>
+            <a:r>
+              <a:rPr lang="en-US" altLang="ko-KR" sz="1600" b="1"/>
+              <a:t>------------------------------</a:t>
+            </a:r>
+          </a:p>
+          <a:p>
+            <a:r>
+              <a:rPr lang="en-US" altLang="ko-KR" sz="1600" b="1"/>
+              <a:t>- VGA_PORT</a:t>
+            </a:r>
+          </a:p>
+          <a:p>
+            <a:r>
+              <a:rPr lang="en-US" altLang="ko-KR" sz="1600" b="1"/>
+              <a:t>- 7_Segment</a:t>
+            </a:r>
+          </a:p>
+          <a:p>
+            <a:r>
+              <a:rPr lang="en-US" altLang="ko-KR" sz="1600" b="1"/>
+              <a:t>- Buzzer</a:t>
+            </a:r>
+          </a:p>
+          <a:p>
+            <a:r>
+              <a:rPr lang="en-US" altLang="ko-KR" sz="1600" b="1"/>
+              <a:t>- LED</a:t>
+            </a:r>
+          </a:p>
+          <a:p>
+            <a:endParaRPr lang="ko-KR" altLang="en-US" sz="1600" b="1"/>
+          </a:p>
+        </p:txBody>
+      </p:sp>
+    </p:spTree>
+    <p:extLst>
+      <p:ext uri="{BB962C8B-B14F-4D97-AF65-F5344CB8AC3E}">
+        <p14:creationId xmlns:p14="http://schemas.microsoft.com/office/powerpoint/2010/main" val="2608557863"/>
       </p:ext>
     </p:extLst>
   </p:cSld>

--- a/Plan.pptx
+++ b/Plan.pptx
@@ -8,13 +8,13 @@
     <p:sldId id="256" r:id="rId2"/>
     <p:sldId id="262" r:id="rId3"/>
     <p:sldId id="268" r:id="rId4"/>
-    <p:sldId id="260" r:id="rId5"/>
-    <p:sldId id="261" r:id="rId6"/>
-    <p:sldId id="263" r:id="rId7"/>
-    <p:sldId id="266" r:id="rId8"/>
-    <p:sldId id="264" r:id="rId9"/>
-    <p:sldId id="267" r:id="rId10"/>
-    <p:sldId id="265" r:id="rId11"/>
+    <p:sldId id="261" r:id="rId5"/>
+    <p:sldId id="263" r:id="rId6"/>
+    <p:sldId id="266" r:id="rId7"/>
+    <p:sldId id="264" r:id="rId8"/>
+    <p:sldId id="267" r:id="rId9"/>
+    <p:sldId id="265" r:id="rId10"/>
+    <p:sldId id="260" r:id="rId11"/>
     <p:sldId id="269" r:id="rId12"/>
   </p:sldIdLst>
   <p:sldSz cx="12192000" cy="6858000"/>
@@ -3812,4984 +3812,6 @@
       </p:grpSpPr>
       <p:sp>
         <p:nvSpPr>
-          <p:cNvPr id="2" name="타원 1">
-            <a:extLst>
-              <a:ext uri="{FF2B5EF4-FFF2-40B4-BE49-F238E27FC236}">
-                <a16:creationId xmlns:a16="http://schemas.microsoft.com/office/drawing/2014/main" id="{88FDEF47-8AC5-A9AE-CF88-B55855679C60}"/>
-              </a:ext>
-            </a:extLst>
-          </p:cNvPr>
-          <p:cNvSpPr/>
-          <p:nvPr/>
-        </p:nvSpPr>
-        <p:spPr>
-          <a:xfrm>
-            <a:off x="4602018" y="32328"/>
-            <a:ext cx="1270001" cy="1214582"/>
-          </a:xfrm>
-          <a:prstGeom prst="ellipse">
-            <a:avLst/>
-          </a:prstGeom>
-        </p:spPr>
-        <p:style>
-          <a:lnRef idx="2">
-            <a:schemeClr val="accent1">
-              <a:shade val="50000"/>
-            </a:schemeClr>
-          </a:lnRef>
-          <a:fillRef idx="1">
-            <a:schemeClr val="accent1"/>
-          </a:fillRef>
-          <a:effectRef idx="0">
-            <a:schemeClr val="accent1"/>
-          </a:effectRef>
-          <a:fontRef idx="minor">
-            <a:schemeClr val="lt1"/>
-          </a:fontRef>
-        </p:style>
-        <p:txBody>
-          <a:bodyPr rtlCol="0" anchor="ctr"/>
-          <a:lstStyle/>
-          <a:p>
-            <a:pPr algn="ctr"/>
-            <a:r>
-              <a:rPr lang="en-US" altLang="ko-KR"/>
-              <a:t>IDLE</a:t>
-            </a:r>
-            <a:endParaRPr lang="ko-KR" altLang="en-US"/>
-          </a:p>
-        </p:txBody>
-      </p:sp>
-      <p:sp>
-        <p:nvSpPr>
-          <p:cNvPr id="3" name="타원 2">
-            <a:extLst>
-              <a:ext uri="{FF2B5EF4-FFF2-40B4-BE49-F238E27FC236}">
-                <a16:creationId xmlns:a16="http://schemas.microsoft.com/office/drawing/2014/main" id="{A18CD7AA-702F-6807-4534-691DF8B92C88}"/>
-              </a:ext>
-            </a:extLst>
-          </p:cNvPr>
-          <p:cNvSpPr/>
-          <p:nvPr/>
-        </p:nvSpPr>
-        <p:spPr>
-          <a:xfrm>
-            <a:off x="6852229" y="1385455"/>
-            <a:ext cx="1270001" cy="1214582"/>
-          </a:xfrm>
-          <a:prstGeom prst="ellipse">
-            <a:avLst/>
-          </a:prstGeom>
-        </p:spPr>
-        <p:style>
-          <a:lnRef idx="2">
-            <a:schemeClr val="accent1">
-              <a:shade val="50000"/>
-            </a:schemeClr>
-          </a:lnRef>
-          <a:fillRef idx="1">
-            <a:schemeClr val="accent1"/>
-          </a:fillRef>
-          <a:effectRef idx="0">
-            <a:schemeClr val="accent1"/>
-          </a:effectRef>
-          <a:fontRef idx="minor">
-            <a:schemeClr val="lt1"/>
-          </a:fontRef>
-        </p:style>
-        <p:txBody>
-          <a:bodyPr rtlCol="0" anchor="ctr"/>
-          <a:lstStyle/>
-          <a:p>
-            <a:pPr algn="ctr"/>
-            <a:r>
-              <a:rPr lang="en-US" altLang="ko-KR"/>
-              <a:t>FETCH</a:t>
-            </a:r>
-            <a:endParaRPr lang="ko-KR" altLang="en-US"/>
-          </a:p>
-        </p:txBody>
-      </p:sp>
-      <p:sp>
-        <p:nvSpPr>
-          <p:cNvPr id="4" name="타원 3">
-            <a:extLst>
-              <a:ext uri="{FF2B5EF4-FFF2-40B4-BE49-F238E27FC236}">
-                <a16:creationId xmlns:a16="http://schemas.microsoft.com/office/drawing/2014/main" id="{E5456461-0278-135F-6C6A-F7E02DF648FB}"/>
-              </a:ext>
-            </a:extLst>
-          </p:cNvPr>
-          <p:cNvSpPr/>
-          <p:nvPr/>
-        </p:nvSpPr>
-        <p:spPr>
-          <a:xfrm>
-            <a:off x="6819706" y="3787567"/>
-            <a:ext cx="1270001" cy="1214582"/>
-          </a:xfrm>
-          <a:prstGeom prst="ellipse">
-            <a:avLst/>
-          </a:prstGeom>
-        </p:spPr>
-        <p:style>
-          <a:lnRef idx="2">
-            <a:schemeClr val="accent1">
-              <a:shade val="50000"/>
-            </a:schemeClr>
-          </a:lnRef>
-          <a:fillRef idx="1">
-            <a:schemeClr val="accent1"/>
-          </a:fillRef>
-          <a:effectRef idx="0">
-            <a:schemeClr val="accent1"/>
-          </a:effectRef>
-          <a:fontRef idx="minor">
-            <a:schemeClr val="lt1"/>
-          </a:fontRef>
-        </p:style>
-        <p:txBody>
-          <a:bodyPr rtlCol="0" anchor="ctr"/>
-          <a:lstStyle/>
-          <a:p>
-            <a:pPr algn="ctr"/>
-            <a:r>
-              <a:rPr lang="en-US" altLang="ko-KR" sz="1400"/>
-              <a:t>core</a:t>
-            </a:r>
-            <a:endParaRPr lang="ko-KR" altLang="en-US" sz="1400"/>
-          </a:p>
-        </p:txBody>
-      </p:sp>
-      <p:sp>
-        <p:nvSpPr>
-          <p:cNvPr id="6" name="타원 5">
-            <a:extLst>
-              <a:ext uri="{FF2B5EF4-FFF2-40B4-BE49-F238E27FC236}">
-                <a16:creationId xmlns:a16="http://schemas.microsoft.com/office/drawing/2014/main" id="{95FAEA56-BE44-FD9F-0010-E9CBCCB44F9B}"/>
-              </a:ext>
-            </a:extLst>
-          </p:cNvPr>
-          <p:cNvSpPr/>
-          <p:nvPr/>
-        </p:nvSpPr>
-        <p:spPr>
-          <a:xfrm>
-            <a:off x="2546923" y="3553690"/>
-            <a:ext cx="1270001" cy="1214582"/>
-          </a:xfrm>
-          <a:prstGeom prst="ellipse">
-            <a:avLst/>
-          </a:prstGeom>
-        </p:spPr>
-        <p:style>
-          <a:lnRef idx="2">
-            <a:schemeClr val="accent1">
-              <a:shade val="50000"/>
-            </a:schemeClr>
-          </a:lnRef>
-          <a:fillRef idx="1">
-            <a:schemeClr val="accent1"/>
-          </a:fillRef>
-          <a:effectRef idx="0">
-            <a:schemeClr val="accent1"/>
-          </a:effectRef>
-          <a:fontRef idx="minor">
-            <a:schemeClr val="lt1"/>
-          </a:fontRef>
-        </p:style>
-        <p:txBody>
-          <a:bodyPr rtlCol="0" anchor="ctr"/>
-          <a:lstStyle/>
-          <a:p>
-            <a:pPr algn="ctr"/>
-            <a:r>
-              <a:rPr lang="en-US" altLang="ko-KR"/>
-              <a:t>VGA</a:t>
-            </a:r>
-            <a:br>
-              <a:rPr lang="en-US" altLang="ko-KR"/>
-            </a:br>
-            <a:r>
-              <a:rPr lang="en-US" altLang="ko-KR"/>
-              <a:t>_RUN</a:t>
-            </a:r>
-            <a:endParaRPr lang="ko-KR" altLang="en-US"/>
-          </a:p>
-        </p:txBody>
-      </p:sp>
-      <p:sp>
-        <p:nvSpPr>
-          <p:cNvPr id="7" name="타원 6">
-            <a:extLst>
-              <a:ext uri="{FF2B5EF4-FFF2-40B4-BE49-F238E27FC236}">
-                <a16:creationId xmlns:a16="http://schemas.microsoft.com/office/drawing/2014/main" id="{CE64A88F-3BF5-3BFD-1D16-689C62549427}"/>
-              </a:ext>
-            </a:extLst>
-          </p:cNvPr>
-          <p:cNvSpPr/>
-          <p:nvPr/>
-        </p:nvSpPr>
-        <p:spPr>
-          <a:xfrm>
-            <a:off x="2546923" y="1385455"/>
-            <a:ext cx="1270001" cy="1214582"/>
-          </a:xfrm>
-          <a:prstGeom prst="ellipse">
-            <a:avLst/>
-          </a:prstGeom>
-        </p:spPr>
-        <p:style>
-          <a:lnRef idx="2">
-            <a:schemeClr val="accent1">
-              <a:shade val="50000"/>
-            </a:schemeClr>
-          </a:lnRef>
-          <a:fillRef idx="1">
-            <a:schemeClr val="accent1"/>
-          </a:fillRef>
-          <a:effectRef idx="0">
-            <a:schemeClr val="accent1"/>
-          </a:effectRef>
-          <a:fontRef idx="minor">
-            <a:schemeClr val="lt1"/>
-          </a:fontRef>
-        </p:style>
-        <p:txBody>
-          <a:bodyPr rtlCol="0" anchor="ctr"/>
-          <a:lstStyle/>
-          <a:p>
-            <a:pPr algn="ctr"/>
-            <a:r>
-              <a:rPr lang="en-US" altLang="ko-KR"/>
-              <a:t>DONE</a:t>
-            </a:r>
-            <a:endParaRPr lang="ko-KR" altLang="en-US"/>
-          </a:p>
-        </p:txBody>
-      </p:sp>
-      <p:cxnSp>
-        <p:nvCxnSpPr>
-          <p:cNvPr id="9" name="직선 화살표 연결선 8">
-            <a:extLst>
-              <a:ext uri="{FF2B5EF4-FFF2-40B4-BE49-F238E27FC236}">
-                <a16:creationId xmlns:a16="http://schemas.microsoft.com/office/drawing/2014/main" id="{EE8D0E14-5A07-3EC6-724E-FFF81FF456C3}"/>
-              </a:ext>
-            </a:extLst>
-          </p:cNvPr>
-          <p:cNvCxnSpPr>
-            <a:cxnSpLocks/>
-          </p:cNvCxnSpPr>
-          <p:nvPr/>
-        </p:nvCxnSpPr>
-        <p:spPr>
-          <a:xfrm>
-            <a:off x="5967847" y="831274"/>
-            <a:ext cx="884382" cy="554181"/>
-          </a:xfrm>
-          <a:prstGeom prst="straightConnector1">
-            <a:avLst/>
-          </a:prstGeom>
-          <a:ln w="57150">
-            <a:solidFill>
-              <a:schemeClr val="tx1"/>
-            </a:solidFill>
-            <a:tailEnd type="triangle"/>
-          </a:ln>
-        </p:spPr>
-        <p:style>
-          <a:lnRef idx="1">
-            <a:schemeClr val="accent1"/>
-          </a:lnRef>
-          <a:fillRef idx="0">
-            <a:schemeClr val="accent1"/>
-          </a:fillRef>
-          <a:effectRef idx="0">
-            <a:schemeClr val="accent1"/>
-          </a:effectRef>
-          <a:fontRef idx="minor">
-            <a:schemeClr val="tx1"/>
-          </a:fontRef>
-        </p:style>
-      </p:cxnSp>
-      <p:cxnSp>
-        <p:nvCxnSpPr>
-          <p:cNvPr id="12" name="직선 화살표 연결선 11">
-            <a:extLst>
-              <a:ext uri="{FF2B5EF4-FFF2-40B4-BE49-F238E27FC236}">
-                <a16:creationId xmlns:a16="http://schemas.microsoft.com/office/drawing/2014/main" id="{2DDAFA0F-6D55-4073-3DC7-2C30CFD25E2A}"/>
-              </a:ext>
-            </a:extLst>
-          </p:cNvPr>
-          <p:cNvCxnSpPr>
-            <a:cxnSpLocks/>
-          </p:cNvCxnSpPr>
-          <p:nvPr/>
-        </p:nvCxnSpPr>
-        <p:spPr>
-          <a:xfrm>
-            <a:off x="7589339" y="2694673"/>
-            <a:ext cx="0" cy="952767"/>
-          </a:xfrm>
-          <a:prstGeom prst="straightConnector1">
-            <a:avLst/>
-          </a:prstGeom>
-          <a:ln w="57150">
-            <a:solidFill>
-              <a:schemeClr val="tx1"/>
-            </a:solidFill>
-            <a:tailEnd type="triangle"/>
-          </a:ln>
-        </p:spPr>
-        <p:style>
-          <a:lnRef idx="1">
-            <a:schemeClr val="accent1"/>
-          </a:lnRef>
-          <a:fillRef idx="0">
-            <a:schemeClr val="accent1"/>
-          </a:fillRef>
-          <a:effectRef idx="0">
-            <a:schemeClr val="accent1"/>
-          </a:effectRef>
-          <a:fontRef idx="minor">
-            <a:schemeClr val="tx1"/>
-          </a:fontRef>
-        </p:style>
-      </p:cxnSp>
-      <p:cxnSp>
-        <p:nvCxnSpPr>
-          <p:cNvPr id="19" name="직선 화살표 연결선 18">
-            <a:extLst>
-              <a:ext uri="{FF2B5EF4-FFF2-40B4-BE49-F238E27FC236}">
-                <a16:creationId xmlns:a16="http://schemas.microsoft.com/office/drawing/2014/main" id="{4D274043-50DB-9676-B621-5A6BE78845CB}"/>
-              </a:ext>
-            </a:extLst>
-          </p:cNvPr>
-          <p:cNvCxnSpPr>
-            <a:cxnSpLocks/>
-          </p:cNvCxnSpPr>
-          <p:nvPr/>
-        </p:nvCxnSpPr>
-        <p:spPr>
-          <a:xfrm flipH="1" flipV="1">
-            <a:off x="3749964" y="4608945"/>
-            <a:ext cx="852054" cy="521855"/>
-          </a:xfrm>
-          <a:prstGeom prst="straightConnector1">
-            <a:avLst/>
-          </a:prstGeom>
-          <a:ln w="57150">
-            <a:solidFill>
-              <a:schemeClr val="tx1"/>
-            </a:solidFill>
-            <a:tailEnd type="triangle"/>
-          </a:ln>
-        </p:spPr>
-        <p:style>
-          <a:lnRef idx="1">
-            <a:schemeClr val="accent1"/>
-          </a:lnRef>
-          <a:fillRef idx="0">
-            <a:schemeClr val="accent1"/>
-          </a:fillRef>
-          <a:effectRef idx="0">
-            <a:schemeClr val="accent1"/>
-          </a:effectRef>
-          <a:fontRef idx="minor">
-            <a:schemeClr val="tx1"/>
-          </a:fontRef>
-        </p:style>
-      </p:cxnSp>
-      <p:cxnSp>
-        <p:nvCxnSpPr>
-          <p:cNvPr id="22" name="직선 화살표 연결선 21">
-            <a:extLst>
-              <a:ext uri="{FF2B5EF4-FFF2-40B4-BE49-F238E27FC236}">
-                <a16:creationId xmlns:a16="http://schemas.microsoft.com/office/drawing/2014/main" id="{28124963-60E3-8560-7460-C31A9A6F6622}"/>
-              </a:ext>
-            </a:extLst>
-          </p:cNvPr>
-          <p:cNvCxnSpPr>
-            <a:cxnSpLocks/>
-          </p:cNvCxnSpPr>
-          <p:nvPr/>
-        </p:nvCxnSpPr>
-        <p:spPr>
-          <a:xfrm flipV="1">
-            <a:off x="3091873" y="2697018"/>
-            <a:ext cx="0" cy="731982"/>
-          </a:xfrm>
-          <a:prstGeom prst="straightConnector1">
-            <a:avLst/>
-          </a:prstGeom>
-          <a:ln w="57150">
-            <a:solidFill>
-              <a:schemeClr val="tx1"/>
-            </a:solidFill>
-            <a:tailEnd type="triangle"/>
-          </a:ln>
-        </p:spPr>
-        <p:style>
-          <a:lnRef idx="1">
-            <a:schemeClr val="accent1"/>
-          </a:lnRef>
-          <a:fillRef idx="0">
-            <a:schemeClr val="accent1"/>
-          </a:fillRef>
-          <a:effectRef idx="0">
-            <a:schemeClr val="accent1"/>
-          </a:effectRef>
-          <a:fontRef idx="minor">
-            <a:schemeClr val="tx1"/>
-          </a:fontRef>
-        </p:style>
-      </p:cxnSp>
-      <p:cxnSp>
-        <p:nvCxnSpPr>
-          <p:cNvPr id="24" name="직선 화살표 연결선 23">
-            <a:extLst>
-              <a:ext uri="{FF2B5EF4-FFF2-40B4-BE49-F238E27FC236}">
-                <a16:creationId xmlns:a16="http://schemas.microsoft.com/office/drawing/2014/main" id="{F12E3A05-6055-5258-F17F-0A59C2E45B57}"/>
-              </a:ext>
-            </a:extLst>
-          </p:cNvPr>
-          <p:cNvCxnSpPr>
-            <a:cxnSpLocks/>
-          </p:cNvCxnSpPr>
-          <p:nvPr/>
-        </p:nvCxnSpPr>
-        <p:spPr>
-          <a:xfrm flipV="1">
-            <a:off x="3700314" y="834889"/>
-            <a:ext cx="816842" cy="640287"/>
-          </a:xfrm>
-          <a:prstGeom prst="straightConnector1">
-            <a:avLst/>
-          </a:prstGeom>
-          <a:ln w="57150">
-            <a:solidFill>
-              <a:schemeClr val="tx1"/>
-            </a:solidFill>
-            <a:tailEnd type="triangle"/>
-          </a:ln>
-        </p:spPr>
-        <p:style>
-          <a:lnRef idx="1">
-            <a:schemeClr val="accent1"/>
-          </a:lnRef>
-          <a:fillRef idx="0">
-            <a:schemeClr val="accent1"/>
-          </a:fillRef>
-          <a:effectRef idx="0">
-            <a:schemeClr val="accent1"/>
-          </a:effectRef>
-          <a:fontRef idx="minor">
-            <a:schemeClr val="tx1"/>
-          </a:fontRef>
-        </p:style>
-      </p:cxnSp>
-      <p:sp>
-        <p:nvSpPr>
-          <p:cNvPr id="27" name="TextBox 26">
-            <a:extLst>
-              <a:ext uri="{FF2B5EF4-FFF2-40B4-BE49-F238E27FC236}">
-                <a16:creationId xmlns:a16="http://schemas.microsoft.com/office/drawing/2014/main" id="{47AADED2-40D1-87E8-C108-E115BDB5A714}"/>
-              </a:ext>
-            </a:extLst>
-          </p:cNvPr>
-          <p:cNvSpPr txBox="1"/>
-          <p:nvPr/>
-        </p:nvSpPr>
-        <p:spPr>
-          <a:xfrm>
-            <a:off x="7719666" y="3028767"/>
-            <a:ext cx="1527462" cy="307777"/>
-          </a:xfrm>
-          <a:prstGeom prst="rect">
-            <a:avLst/>
-          </a:prstGeom>
-          <a:noFill/>
-        </p:spPr>
-        <p:txBody>
-          <a:bodyPr wrap="square">
-            <a:spAutoFit/>
-          </a:bodyPr>
-          <a:lstStyle/>
-          <a:p>
-            <a:r>
-              <a:rPr lang="en-US" altLang="ko-KR" sz="1400" b="1"/>
-              <a:t>Fetch_done</a:t>
-            </a:r>
-            <a:endParaRPr lang="ko-KR" altLang="en-US" sz="1400"/>
-          </a:p>
-        </p:txBody>
-      </p:sp>
-      <p:sp>
-        <p:nvSpPr>
-          <p:cNvPr id="29" name="화살표: 아래로 구부러짐 28">
-            <a:extLst>
-              <a:ext uri="{FF2B5EF4-FFF2-40B4-BE49-F238E27FC236}">
-                <a16:creationId xmlns:a16="http://schemas.microsoft.com/office/drawing/2014/main" id="{1D511B8D-013E-C5F2-F77B-8D9A3CD05379}"/>
-              </a:ext>
-            </a:extLst>
-          </p:cNvPr>
-          <p:cNvSpPr/>
-          <p:nvPr/>
-        </p:nvSpPr>
-        <p:spPr>
-          <a:xfrm rot="2908152">
-            <a:off x="7847211" y="1169590"/>
-            <a:ext cx="884382" cy="489998"/>
-          </a:xfrm>
-          <a:prstGeom prst="curvedDownArrow">
-            <a:avLst/>
-          </a:prstGeom>
-        </p:spPr>
-        <p:style>
-          <a:lnRef idx="2">
-            <a:schemeClr val="accent1">
-              <a:shade val="50000"/>
-            </a:schemeClr>
-          </a:lnRef>
-          <a:fillRef idx="1">
-            <a:schemeClr val="accent1"/>
-          </a:fillRef>
-          <a:effectRef idx="0">
-            <a:schemeClr val="accent1"/>
-          </a:effectRef>
-          <a:fontRef idx="minor">
-            <a:schemeClr val="lt1"/>
-          </a:fontRef>
-        </p:style>
-        <p:txBody>
-          <a:bodyPr rtlCol="0" anchor="ctr"/>
-          <a:lstStyle/>
-          <a:p>
-            <a:pPr algn="ctr"/>
-            <a:endParaRPr lang="ko-KR" altLang="en-US">
-              <a:solidFill>
-                <a:schemeClr val="tx1"/>
-              </a:solidFill>
-            </a:endParaRPr>
-          </a:p>
-        </p:txBody>
-      </p:sp>
-      <p:sp>
-        <p:nvSpPr>
-          <p:cNvPr id="31" name="화살표: 아래로 구부러짐 30">
-            <a:extLst>
-              <a:ext uri="{FF2B5EF4-FFF2-40B4-BE49-F238E27FC236}">
-                <a16:creationId xmlns:a16="http://schemas.microsoft.com/office/drawing/2014/main" id="{5904C4AF-81E9-5853-FBC3-B7B2820E2061}"/>
-              </a:ext>
-            </a:extLst>
-          </p:cNvPr>
-          <p:cNvSpPr/>
-          <p:nvPr/>
-        </p:nvSpPr>
-        <p:spPr>
-          <a:xfrm rot="13152585">
-            <a:off x="2090591" y="4536644"/>
-            <a:ext cx="781044" cy="489998"/>
-          </a:xfrm>
-          <a:prstGeom prst="curvedDownArrow">
-            <a:avLst/>
-          </a:prstGeom>
-        </p:spPr>
-        <p:style>
-          <a:lnRef idx="2">
-            <a:schemeClr val="accent1">
-              <a:shade val="50000"/>
-            </a:schemeClr>
-          </a:lnRef>
-          <a:fillRef idx="1">
-            <a:schemeClr val="accent1"/>
-          </a:fillRef>
-          <a:effectRef idx="0">
-            <a:schemeClr val="accent1"/>
-          </a:effectRef>
-          <a:fontRef idx="minor">
-            <a:schemeClr val="lt1"/>
-          </a:fontRef>
-        </p:style>
-        <p:txBody>
-          <a:bodyPr rtlCol="0" anchor="ctr"/>
-          <a:lstStyle/>
-          <a:p>
-            <a:pPr algn="ctr"/>
-            <a:endParaRPr lang="ko-KR" altLang="en-US">
-              <a:solidFill>
-                <a:schemeClr val="tx1"/>
-              </a:solidFill>
-            </a:endParaRPr>
-          </a:p>
-        </p:txBody>
-      </p:sp>
-      <p:sp>
-        <p:nvSpPr>
-          <p:cNvPr id="32" name="화살표: 아래로 구부러짐 31">
-            <a:extLst>
-              <a:ext uri="{FF2B5EF4-FFF2-40B4-BE49-F238E27FC236}">
-                <a16:creationId xmlns:a16="http://schemas.microsoft.com/office/drawing/2014/main" id="{3A3E6776-6F73-0280-B69A-F5B84545F596}"/>
-              </a:ext>
-            </a:extLst>
-          </p:cNvPr>
-          <p:cNvSpPr/>
-          <p:nvPr/>
-        </p:nvSpPr>
-        <p:spPr>
-          <a:xfrm rot="8098814">
-            <a:off x="7816490" y="4740149"/>
-            <a:ext cx="884382" cy="489998"/>
-          </a:xfrm>
-          <a:prstGeom prst="curvedDownArrow">
-            <a:avLst/>
-          </a:prstGeom>
-        </p:spPr>
-        <p:style>
-          <a:lnRef idx="2">
-            <a:schemeClr val="accent1">
-              <a:shade val="50000"/>
-            </a:schemeClr>
-          </a:lnRef>
-          <a:fillRef idx="1">
-            <a:schemeClr val="accent1"/>
-          </a:fillRef>
-          <a:effectRef idx="0">
-            <a:schemeClr val="accent1"/>
-          </a:effectRef>
-          <a:fontRef idx="minor">
-            <a:schemeClr val="lt1"/>
-          </a:fontRef>
-        </p:style>
-        <p:txBody>
-          <a:bodyPr rtlCol="0" anchor="ctr"/>
-          <a:lstStyle/>
-          <a:p>
-            <a:pPr algn="ctr"/>
-            <a:endParaRPr lang="ko-KR" altLang="en-US">
-              <a:solidFill>
-                <a:schemeClr val="tx1"/>
-              </a:solidFill>
-            </a:endParaRPr>
-          </a:p>
-        </p:txBody>
-      </p:sp>
-      <p:cxnSp>
-        <p:nvCxnSpPr>
-          <p:cNvPr id="38" name="직선 화살표 연결선 37">
-            <a:extLst>
-              <a:ext uri="{FF2B5EF4-FFF2-40B4-BE49-F238E27FC236}">
-                <a16:creationId xmlns:a16="http://schemas.microsoft.com/office/drawing/2014/main" id="{A2A4FF3D-A951-EA06-3059-2B3DFFB5E63E}"/>
-              </a:ext>
-            </a:extLst>
-          </p:cNvPr>
-          <p:cNvCxnSpPr>
-            <a:cxnSpLocks/>
-          </p:cNvCxnSpPr>
-          <p:nvPr/>
-        </p:nvCxnSpPr>
-        <p:spPr>
-          <a:xfrm flipV="1">
-            <a:off x="4024177" y="2403218"/>
-            <a:ext cx="2732938" cy="1551130"/>
-          </a:xfrm>
-          <a:prstGeom prst="straightConnector1">
-            <a:avLst/>
-          </a:prstGeom>
-          <a:ln w="57150">
-            <a:solidFill>
-              <a:schemeClr val="tx1"/>
-            </a:solidFill>
-            <a:tailEnd type="triangle"/>
-          </a:ln>
-        </p:spPr>
-        <p:style>
-          <a:lnRef idx="1">
-            <a:schemeClr val="accent1"/>
-          </a:lnRef>
-          <a:fillRef idx="0">
-            <a:schemeClr val="accent1"/>
-          </a:fillRef>
-          <a:effectRef idx="0">
-            <a:schemeClr val="accent1"/>
-          </a:effectRef>
-          <a:fontRef idx="minor">
-            <a:schemeClr val="tx1"/>
-          </a:fontRef>
-        </p:style>
-      </p:cxnSp>
-      <p:sp>
-        <p:nvSpPr>
-          <p:cNvPr id="42" name="TextBox 41">
-            <a:extLst>
-              <a:ext uri="{FF2B5EF4-FFF2-40B4-BE49-F238E27FC236}">
-                <a16:creationId xmlns:a16="http://schemas.microsoft.com/office/drawing/2014/main" id="{EF14F73F-634C-73FA-7A70-94CBE6F83E58}"/>
-              </a:ext>
-            </a:extLst>
-          </p:cNvPr>
-          <p:cNvSpPr txBox="1"/>
-          <p:nvPr/>
-        </p:nvSpPr>
-        <p:spPr>
-          <a:xfrm>
-            <a:off x="3976256" y="2370593"/>
-            <a:ext cx="1722331" cy="830997"/>
-          </a:xfrm>
-          <a:prstGeom prst="rect">
-            <a:avLst/>
-          </a:prstGeom>
-          <a:noFill/>
-        </p:spPr>
-        <p:txBody>
-          <a:bodyPr wrap="square">
-            <a:spAutoFit/>
-          </a:bodyPr>
-          <a:lstStyle/>
-          <a:p>
-            <a:pPr algn="ctr"/>
-            <a:r>
-              <a:rPr lang="en-US" altLang="ko-KR" sz="1200" b="1"/>
-              <a:t>VGA_RUN_DONE</a:t>
-            </a:r>
-          </a:p>
-          <a:p>
-            <a:pPr algn="ctr"/>
-            <a:r>
-              <a:rPr lang="en-US" altLang="ko-KR" sz="1200" b="1"/>
-              <a:t>&amp;&amp; </a:t>
-            </a:r>
-          </a:p>
-          <a:p>
-            <a:pPr algn="ctr"/>
-            <a:r>
-              <a:rPr lang="en-US" altLang="ko-KR" sz="1200" b="1"/>
-              <a:t>cnt_row != 540</a:t>
-            </a:r>
-            <a:endParaRPr lang="ko-KR" altLang="en-US" sz="1200"/>
-          </a:p>
-          <a:p>
-            <a:pPr algn="ctr"/>
-            <a:endParaRPr lang="ko-KR" altLang="en-US" sz="1200"/>
-          </a:p>
-        </p:txBody>
-      </p:sp>
-      <p:sp>
-        <p:nvSpPr>
-          <p:cNvPr id="43" name="TextBox 42">
-            <a:extLst>
-              <a:ext uri="{FF2B5EF4-FFF2-40B4-BE49-F238E27FC236}">
-                <a16:creationId xmlns:a16="http://schemas.microsoft.com/office/drawing/2014/main" id="{6F2ADD6B-0A74-00FC-3B36-A8F12F6E8683}"/>
-              </a:ext>
-            </a:extLst>
-          </p:cNvPr>
-          <p:cNvSpPr txBox="1"/>
-          <p:nvPr/>
-        </p:nvSpPr>
-        <p:spPr>
-          <a:xfrm>
-            <a:off x="1103025" y="2782669"/>
-            <a:ext cx="2219215" cy="646331"/>
-          </a:xfrm>
-          <a:prstGeom prst="rect">
-            <a:avLst/>
-          </a:prstGeom>
-          <a:noFill/>
-        </p:spPr>
-        <p:txBody>
-          <a:bodyPr wrap="square">
-            <a:spAutoFit/>
-          </a:bodyPr>
-          <a:lstStyle/>
-          <a:p>
-            <a:pPr algn="ctr"/>
-            <a:r>
-              <a:rPr lang="en-US" altLang="ko-KR" sz="1200" b="1"/>
-              <a:t>VGA_RUN_DONE</a:t>
-            </a:r>
-          </a:p>
-          <a:p>
-            <a:pPr algn="ctr"/>
-            <a:r>
-              <a:rPr lang="en-US" altLang="ko-KR" sz="1200" b="1"/>
-              <a:t>&amp;&amp; </a:t>
-            </a:r>
-          </a:p>
-          <a:p>
-            <a:pPr algn="ctr"/>
-            <a:r>
-              <a:rPr lang="en-US" altLang="ko-KR" sz="1200" b="1"/>
-              <a:t>cnt_row == 540</a:t>
-            </a:r>
-            <a:endParaRPr lang="ko-KR" altLang="en-US" sz="1200"/>
-          </a:p>
-        </p:txBody>
-      </p:sp>
-      <p:sp>
-        <p:nvSpPr>
-          <p:cNvPr id="45" name="TextBox 44">
-            <a:extLst>
-              <a:ext uri="{FF2B5EF4-FFF2-40B4-BE49-F238E27FC236}">
-                <a16:creationId xmlns:a16="http://schemas.microsoft.com/office/drawing/2014/main" id="{F76DA90F-F210-0D6F-4671-F4EE22C5FD92}"/>
-              </a:ext>
-            </a:extLst>
-          </p:cNvPr>
-          <p:cNvSpPr txBox="1"/>
-          <p:nvPr/>
-        </p:nvSpPr>
-        <p:spPr>
-          <a:xfrm>
-            <a:off x="3350488" y="608847"/>
-            <a:ext cx="932872" cy="369332"/>
-          </a:xfrm>
-          <a:prstGeom prst="rect">
-            <a:avLst/>
-          </a:prstGeom>
-          <a:noFill/>
-        </p:spPr>
-        <p:txBody>
-          <a:bodyPr wrap="square" rtlCol="0">
-            <a:spAutoFit/>
-          </a:bodyPr>
-          <a:lstStyle/>
-          <a:p>
-            <a:r>
-              <a:rPr lang="en-US" altLang="ko-KR"/>
-              <a:t>1cycle</a:t>
-            </a:r>
-            <a:endParaRPr lang="ko-KR" altLang="en-US"/>
-          </a:p>
-        </p:txBody>
-      </p:sp>
-      <p:sp>
-        <p:nvSpPr>
-          <p:cNvPr id="46" name="TextBox 45">
-            <a:extLst>
-              <a:ext uri="{FF2B5EF4-FFF2-40B4-BE49-F238E27FC236}">
-                <a16:creationId xmlns:a16="http://schemas.microsoft.com/office/drawing/2014/main" id="{1201F5FE-2981-DC2C-0670-F7D977C7F621}"/>
-              </a:ext>
-            </a:extLst>
-          </p:cNvPr>
-          <p:cNvSpPr txBox="1"/>
-          <p:nvPr/>
-        </p:nvSpPr>
-        <p:spPr>
-          <a:xfrm>
-            <a:off x="6335000" y="680790"/>
-            <a:ext cx="997526" cy="369332"/>
-          </a:xfrm>
-          <a:prstGeom prst="rect">
-            <a:avLst/>
-          </a:prstGeom>
-          <a:noFill/>
-        </p:spPr>
-        <p:txBody>
-          <a:bodyPr wrap="square" rtlCol="0">
-            <a:spAutoFit/>
-          </a:bodyPr>
-          <a:lstStyle/>
-          <a:p>
-            <a:r>
-              <a:rPr lang="en-US" altLang="ko-KR"/>
-              <a:t>start</a:t>
-            </a:r>
-            <a:endParaRPr lang="ko-KR" altLang="en-US"/>
-          </a:p>
-        </p:txBody>
-      </p:sp>
-      <p:sp>
-        <p:nvSpPr>
-          <p:cNvPr id="5" name="타원 4">
-            <a:extLst>
-              <a:ext uri="{FF2B5EF4-FFF2-40B4-BE49-F238E27FC236}">
-                <a16:creationId xmlns:a16="http://schemas.microsoft.com/office/drawing/2014/main" id="{46133F7C-B47D-B420-1ED5-B07CD977B0FC}"/>
-              </a:ext>
-            </a:extLst>
-          </p:cNvPr>
-          <p:cNvSpPr/>
-          <p:nvPr/>
-        </p:nvSpPr>
-        <p:spPr>
-          <a:xfrm>
-            <a:off x="4772196" y="4768272"/>
-            <a:ext cx="1270001" cy="1214582"/>
-          </a:xfrm>
-          <a:prstGeom prst="ellipse">
-            <a:avLst/>
-          </a:prstGeom>
-        </p:spPr>
-        <p:style>
-          <a:lnRef idx="2">
-            <a:schemeClr val="accent1">
-              <a:shade val="50000"/>
-            </a:schemeClr>
-          </a:lnRef>
-          <a:fillRef idx="1">
-            <a:schemeClr val="accent1"/>
-          </a:fillRef>
-          <a:effectRef idx="0">
-            <a:schemeClr val="accent1"/>
-          </a:effectRef>
-          <a:fontRef idx="minor">
-            <a:schemeClr val="lt1"/>
-          </a:fontRef>
-        </p:style>
-        <p:txBody>
-          <a:bodyPr rtlCol="0" anchor="ctr"/>
-          <a:lstStyle/>
-          <a:p>
-            <a:pPr algn="ctr"/>
-            <a:r>
-              <a:rPr lang="en-US" altLang="ko-KR" sz="1400"/>
-              <a:t>WAIT</a:t>
-            </a:r>
-            <a:endParaRPr lang="ko-KR" altLang="en-US" sz="1400"/>
-          </a:p>
-        </p:txBody>
-      </p:sp>
-      <p:cxnSp>
-        <p:nvCxnSpPr>
-          <p:cNvPr id="16" name="직선 화살표 연결선 15">
-            <a:extLst>
-              <a:ext uri="{FF2B5EF4-FFF2-40B4-BE49-F238E27FC236}">
-                <a16:creationId xmlns:a16="http://schemas.microsoft.com/office/drawing/2014/main" id="{C271B28B-AAD8-43E0-D42F-37BEC6DDE5EF}"/>
-              </a:ext>
-            </a:extLst>
-          </p:cNvPr>
-          <p:cNvCxnSpPr>
-            <a:cxnSpLocks/>
-          </p:cNvCxnSpPr>
-          <p:nvPr/>
-        </p:nvCxnSpPr>
-        <p:spPr>
-          <a:xfrm flipH="1">
-            <a:off x="6133411" y="4828814"/>
-            <a:ext cx="686295" cy="340247"/>
-          </a:xfrm>
-          <a:prstGeom prst="straightConnector1">
-            <a:avLst/>
-          </a:prstGeom>
-          <a:ln w="57150">
-            <a:solidFill>
-              <a:schemeClr val="tx1"/>
-            </a:solidFill>
-            <a:tailEnd type="triangle"/>
-          </a:ln>
-        </p:spPr>
-        <p:style>
-          <a:lnRef idx="1">
-            <a:schemeClr val="accent1"/>
-          </a:lnRef>
-          <a:fillRef idx="0">
-            <a:schemeClr val="accent1"/>
-          </a:fillRef>
-          <a:effectRef idx="0">
-            <a:schemeClr val="accent1"/>
-          </a:effectRef>
-          <a:fontRef idx="minor">
-            <a:schemeClr val="tx1"/>
-          </a:fontRef>
-        </p:style>
-      </p:cxnSp>
-      <p:sp>
-        <p:nvSpPr>
-          <p:cNvPr id="18" name="TextBox 17">
-            <a:extLst>
-              <a:ext uri="{FF2B5EF4-FFF2-40B4-BE49-F238E27FC236}">
-                <a16:creationId xmlns:a16="http://schemas.microsoft.com/office/drawing/2014/main" id="{9249D581-A865-7BAE-9286-543009905A4C}"/>
-              </a:ext>
-            </a:extLst>
-          </p:cNvPr>
-          <p:cNvSpPr txBox="1"/>
-          <p:nvPr/>
-        </p:nvSpPr>
-        <p:spPr>
-          <a:xfrm>
-            <a:off x="6288708" y="5145395"/>
-            <a:ext cx="1527462" cy="307777"/>
-          </a:xfrm>
-          <a:prstGeom prst="rect">
-            <a:avLst/>
-          </a:prstGeom>
-          <a:noFill/>
-        </p:spPr>
-        <p:txBody>
-          <a:bodyPr wrap="square">
-            <a:spAutoFit/>
-          </a:bodyPr>
-          <a:lstStyle/>
-          <a:p>
-            <a:r>
-              <a:rPr lang="en-US" altLang="ko-KR" sz="1400" b="1"/>
-              <a:t>CORE_done</a:t>
-            </a:r>
-            <a:endParaRPr lang="ko-KR" altLang="en-US" sz="1400"/>
-          </a:p>
-        </p:txBody>
-      </p:sp>
-      <p:sp>
-        <p:nvSpPr>
-          <p:cNvPr id="20" name="TextBox 19">
-            <a:extLst>
-              <a:ext uri="{FF2B5EF4-FFF2-40B4-BE49-F238E27FC236}">
-                <a16:creationId xmlns:a16="http://schemas.microsoft.com/office/drawing/2014/main" id="{770A45F4-1C19-9E23-7A05-A16D02FE3E63}"/>
-              </a:ext>
-            </a:extLst>
-          </p:cNvPr>
-          <p:cNvSpPr txBox="1"/>
-          <p:nvPr/>
-        </p:nvSpPr>
-        <p:spPr>
-          <a:xfrm>
-            <a:off x="3336811" y="5067786"/>
-            <a:ext cx="1527462" cy="307777"/>
-          </a:xfrm>
-          <a:prstGeom prst="rect">
-            <a:avLst/>
-          </a:prstGeom>
-          <a:noFill/>
-        </p:spPr>
-        <p:txBody>
-          <a:bodyPr wrap="square">
-            <a:spAutoFit/>
-          </a:bodyPr>
-          <a:lstStyle/>
-          <a:p>
-            <a:r>
-              <a:rPr lang="en-US" altLang="ko-KR" sz="1400" b="1"/>
-              <a:t>buf_done</a:t>
-            </a:r>
-          </a:p>
-        </p:txBody>
-      </p:sp>
-      <p:sp>
-        <p:nvSpPr>
-          <p:cNvPr id="30" name="화살표: 아래로 구부러짐 29">
-            <a:extLst>
-              <a:ext uri="{FF2B5EF4-FFF2-40B4-BE49-F238E27FC236}">
-                <a16:creationId xmlns:a16="http://schemas.microsoft.com/office/drawing/2014/main" id="{1236FF7E-4304-D00B-E889-109C330DD380}"/>
-              </a:ext>
-            </a:extLst>
-          </p:cNvPr>
-          <p:cNvSpPr/>
-          <p:nvPr/>
-        </p:nvSpPr>
-        <p:spPr>
-          <a:xfrm rot="10800000">
-            <a:off x="4965004" y="6091232"/>
-            <a:ext cx="884382" cy="489998"/>
-          </a:xfrm>
-          <a:prstGeom prst="curvedDownArrow">
-            <a:avLst/>
-          </a:prstGeom>
-        </p:spPr>
-        <p:style>
-          <a:lnRef idx="2">
-            <a:schemeClr val="accent1">
-              <a:shade val="50000"/>
-            </a:schemeClr>
-          </a:lnRef>
-          <a:fillRef idx="1">
-            <a:schemeClr val="accent1"/>
-          </a:fillRef>
-          <a:effectRef idx="0">
-            <a:schemeClr val="accent1"/>
-          </a:effectRef>
-          <a:fontRef idx="minor">
-            <a:schemeClr val="lt1"/>
-          </a:fontRef>
-        </p:style>
-        <p:txBody>
-          <a:bodyPr rtlCol="0" anchor="ctr"/>
-          <a:lstStyle/>
-          <a:p>
-            <a:pPr algn="ctr"/>
-            <a:endParaRPr lang="ko-KR" altLang="en-US">
-              <a:solidFill>
-                <a:schemeClr val="tx1"/>
-              </a:solidFill>
-            </a:endParaRPr>
-          </a:p>
-        </p:txBody>
-      </p:sp>
-      <p:sp>
-        <p:nvSpPr>
-          <p:cNvPr id="34" name="TextBox 33">
-            <a:extLst>
-              <a:ext uri="{FF2B5EF4-FFF2-40B4-BE49-F238E27FC236}">
-                <a16:creationId xmlns:a16="http://schemas.microsoft.com/office/drawing/2014/main" id="{F419AA41-83F1-859C-DD9A-8DDA66CD623A}"/>
-              </a:ext>
-            </a:extLst>
-          </p:cNvPr>
-          <p:cNvSpPr txBox="1"/>
-          <p:nvPr/>
-        </p:nvSpPr>
-        <p:spPr>
-          <a:xfrm>
-            <a:off x="4992709" y="6581231"/>
-            <a:ext cx="1527462" cy="307777"/>
-          </a:xfrm>
-          <a:prstGeom prst="rect">
-            <a:avLst/>
-          </a:prstGeom>
-          <a:noFill/>
-        </p:spPr>
-        <p:txBody>
-          <a:bodyPr wrap="square">
-            <a:spAutoFit/>
-          </a:bodyPr>
-          <a:lstStyle/>
-          <a:p>
-            <a:r>
-              <a:rPr lang="en-US" altLang="ko-KR" sz="1400" b="1"/>
-              <a:t>N</a:t>
-            </a:r>
-            <a:r>
-              <a:rPr lang="ko-KR" altLang="en-US" sz="1400" b="1"/>
-              <a:t> </a:t>
-            </a:r>
-            <a:r>
-              <a:rPr lang="en-US" altLang="ko-KR" sz="1400" b="1"/>
-              <a:t>cycle</a:t>
-            </a:r>
-            <a:endParaRPr lang="ko-KR" altLang="en-US" sz="1400"/>
-          </a:p>
-        </p:txBody>
-      </p:sp>
-      <p:sp>
-        <p:nvSpPr>
-          <p:cNvPr id="39" name="TextBox 38">
-            <a:extLst>
-              <a:ext uri="{FF2B5EF4-FFF2-40B4-BE49-F238E27FC236}">
-                <a16:creationId xmlns:a16="http://schemas.microsoft.com/office/drawing/2014/main" id="{17A4D651-6BD7-17C1-1221-F88C720C8093}"/>
-              </a:ext>
-            </a:extLst>
-          </p:cNvPr>
-          <p:cNvSpPr txBox="1"/>
-          <p:nvPr/>
-        </p:nvSpPr>
-        <p:spPr>
-          <a:xfrm>
-            <a:off x="8536543" y="5145394"/>
-            <a:ext cx="1527462" cy="307777"/>
-          </a:xfrm>
-          <a:prstGeom prst="rect">
-            <a:avLst/>
-          </a:prstGeom>
-          <a:noFill/>
-        </p:spPr>
-        <p:txBody>
-          <a:bodyPr wrap="square">
-            <a:spAutoFit/>
-          </a:bodyPr>
-          <a:lstStyle/>
-          <a:p>
-            <a:r>
-              <a:rPr lang="en-US" altLang="ko-KR" sz="1400" b="1"/>
-              <a:t>540</a:t>
-            </a:r>
-            <a:r>
-              <a:rPr lang="ko-KR" altLang="en-US" sz="1400" b="1"/>
-              <a:t> </a:t>
-            </a:r>
-            <a:r>
-              <a:rPr lang="en-US" altLang="ko-KR" sz="1400" b="1"/>
-              <a:t>cycle</a:t>
-            </a:r>
-            <a:endParaRPr lang="ko-KR" altLang="en-US" sz="1400"/>
-          </a:p>
-        </p:txBody>
-      </p:sp>
-    </p:spTree>
-    <p:extLst>
-      <p:ext uri="{BB962C8B-B14F-4D97-AF65-F5344CB8AC3E}">
-        <p14:creationId xmlns:p14="http://schemas.microsoft.com/office/powerpoint/2010/main" val="310536779"/>
-      </p:ext>
-    </p:extLst>
-  </p:cSld>
-  <p:clrMapOvr>
-    <a:masterClrMapping/>
-  </p:clrMapOvr>
-</p:sld>
-</file>
-
-<file path=ppt/slides/slide11.xml><?xml version="1.0" encoding="utf-8"?>
-<p:sld xmlns:a="http://schemas.openxmlformats.org/drawingml/2006/main" xmlns:r="http://schemas.openxmlformats.org/officeDocument/2006/relationships" xmlns:p="http://schemas.openxmlformats.org/presentationml/2006/main">
-  <p:cSld>
-    <p:spTree>
-      <p:nvGrpSpPr>
-        <p:cNvPr id="1" name=""/>
-        <p:cNvGrpSpPr/>
-        <p:nvPr/>
-      </p:nvGrpSpPr>
-      <p:grpSpPr>
-        <a:xfrm>
-          <a:off x="0" y="0"/>
-          <a:ext cx="0" cy="0"/>
-          <a:chOff x="0" y="0"/>
-          <a:chExt cx="0" cy="0"/>
-        </a:xfrm>
-      </p:grpSpPr>
-      <p:sp>
-        <p:nvSpPr>
-          <p:cNvPr id="78" name="직사각형 77">
-            <a:extLst>
-              <a:ext uri="{FF2B5EF4-FFF2-40B4-BE49-F238E27FC236}">
-                <a16:creationId xmlns:a16="http://schemas.microsoft.com/office/drawing/2014/main" id="{FB8170F3-4C28-C31A-A643-FDFD71BF9C0D}"/>
-              </a:ext>
-            </a:extLst>
-          </p:cNvPr>
-          <p:cNvSpPr/>
-          <p:nvPr/>
-        </p:nvSpPr>
-        <p:spPr>
-          <a:xfrm>
-            <a:off x="4935592" y="2395437"/>
-            <a:ext cx="7049753" cy="4301485"/>
-          </a:xfrm>
-          <a:prstGeom prst="rect">
-            <a:avLst/>
-          </a:prstGeom>
-          <a:solidFill>
-            <a:schemeClr val="bg2">
-              <a:lumMod val="90000"/>
-            </a:schemeClr>
-          </a:solidFill>
-          <a:ln w="28575">
-            <a:solidFill>
-              <a:schemeClr val="tx1"/>
-            </a:solidFill>
-          </a:ln>
-        </p:spPr>
-        <p:style>
-          <a:lnRef idx="2">
-            <a:schemeClr val="accent1">
-              <a:shade val="50000"/>
-            </a:schemeClr>
-          </a:lnRef>
-          <a:fillRef idx="1">
-            <a:schemeClr val="accent1"/>
-          </a:fillRef>
-          <a:effectRef idx="0">
-            <a:schemeClr val="accent1"/>
-          </a:effectRef>
-          <a:fontRef idx="minor">
-            <a:schemeClr val="lt1"/>
-          </a:fontRef>
-        </p:style>
-        <p:txBody>
-          <a:bodyPr rtlCol="0" anchor="ctr"/>
-          <a:lstStyle/>
-          <a:p>
-            <a:pPr algn="ctr"/>
-            <a:endParaRPr lang="ko-KR" altLang="en-US" b="1">
-              <a:solidFill>
-                <a:schemeClr val="tx1"/>
-              </a:solidFill>
-            </a:endParaRPr>
-          </a:p>
-        </p:txBody>
-      </p:sp>
-      <p:sp>
-        <p:nvSpPr>
-          <p:cNvPr id="3" name="직사각형 2">
-            <a:extLst>
-              <a:ext uri="{FF2B5EF4-FFF2-40B4-BE49-F238E27FC236}">
-                <a16:creationId xmlns:a16="http://schemas.microsoft.com/office/drawing/2014/main" id="{890A6FEE-1935-F9DD-8F90-E7B732C401EC}"/>
-              </a:ext>
-            </a:extLst>
-          </p:cNvPr>
-          <p:cNvSpPr/>
-          <p:nvPr/>
-        </p:nvSpPr>
-        <p:spPr>
-          <a:xfrm>
-            <a:off x="5525327" y="3043890"/>
-            <a:ext cx="2798619" cy="2710873"/>
-          </a:xfrm>
-          <a:prstGeom prst="rect">
-            <a:avLst/>
-          </a:prstGeom>
-          <a:solidFill>
-            <a:schemeClr val="bg1"/>
-          </a:solidFill>
-          <a:ln w="28575">
-            <a:solidFill>
-              <a:schemeClr val="tx1"/>
-            </a:solidFill>
-          </a:ln>
-        </p:spPr>
-        <p:style>
-          <a:lnRef idx="2">
-            <a:schemeClr val="accent1">
-              <a:shade val="50000"/>
-            </a:schemeClr>
-          </a:lnRef>
-          <a:fillRef idx="1">
-            <a:schemeClr val="accent1"/>
-          </a:fillRef>
-          <a:effectRef idx="0">
-            <a:schemeClr val="accent1"/>
-          </a:effectRef>
-          <a:fontRef idx="minor">
-            <a:schemeClr val="lt1"/>
-          </a:fontRef>
-        </p:style>
-        <p:txBody>
-          <a:bodyPr rtlCol="0" anchor="ctr"/>
-          <a:lstStyle/>
-          <a:p>
-            <a:pPr algn="ctr"/>
-            <a:endParaRPr lang="ko-KR" altLang="en-US" b="1">
-              <a:solidFill>
-                <a:schemeClr val="tx1"/>
-              </a:solidFill>
-            </a:endParaRPr>
-          </a:p>
-        </p:txBody>
-      </p:sp>
-      <p:sp>
-        <p:nvSpPr>
-          <p:cNvPr id="4" name="직사각형 3">
-            <a:extLst>
-              <a:ext uri="{FF2B5EF4-FFF2-40B4-BE49-F238E27FC236}">
-                <a16:creationId xmlns:a16="http://schemas.microsoft.com/office/drawing/2014/main" id="{9A3C8751-B078-4A7E-F7DE-56F817921865}"/>
-              </a:ext>
-            </a:extLst>
-          </p:cNvPr>
-          <p:cNvSpPr/>
-          <p:nvPr/>
-        </p:nvSpPr>
-        <p:spPr>
-          <a:xfrm>
-            <a:off x="1764145" y="3052617"/>
-            <a:ext cx="2154335" cy="2710872"/>
-          </a:xfrm>
-          <a:prstGeom prst="rect">
-            <a:avLst/>
-          </a:prstGeom>
-          <a:solidFill>
-            <a:schemeClr val="bg1"/>
-          </a:solidFill>
-          <a:ln w="28575">
-            <a:solidFill>
-              <a:schemeClr val="tx1"/>
-            </a:solidFill>
-          </a:ln>
-        </p:spPr>
-        <p:style>
-          <a:lnRef idx="2">
-            <a:schemeClr val="accent1">
-              <a:shade val="50000"/>
-            </a:schemeClr>
-          </a:lnRef>
-          <a:fillRef idx="1">
-            <a:schemeClr val="accent1"/>
-          </a:fillRef>
-          <a:effectRef idx="0">
-            <a:schemeClr val="accent1"/>
-          </a:effectRef>
-          <a:fontRef idx="minor">
-            <a:schemeClr val="lt1"/>
-          </a:fontRef>
-        </p:style>
-        <p:txBody>
-          <a:bodyPr rtlCol="0" anchor="ctr"/>
-          <a:lstStyle/>
-          <a:p>
-            <a:pPr algn="ctr"/>
-            <a:endParaRPr lang="ko-KR" altLang="en-US" b="1">
-              <a:solidFill>
-                <a:schemeClr val="tx1"/>
-              </a:solidFill>
-            </a:endParaRPr>
-          </a:p>
-        </p:txBody>
-      </p:sp>
-      <p:sp>
-        <p:nvSpPr>
-          <p:cNvPr id="6" name="TextBox 5">
-            <a:extLst>
-              <a:ext uri="{FF2B5EF4-FFF2-40B4-BE49-F238E27FC236}">
-                <a16:creationId xmlns:a16="http://schemas.microsoft.com/office/drawing/2014/main" id="{7BB470D5-1BBF-DA52-D3DA-B18F1571CFC2}"/>
-              </a:ext>
-            </a:extLst>
-          </p:cNvPr>
-          <p:cNvSpPr txBox="1"/>
-          <p:nvPr/>
-        </p:nvSpPr>
-        <p:spPr>
-          <a:xfrm>
-            <a:off x="6236022" y="5840433"/>
-            <a:ext cx="1320800" cy="307777"/>
-          </a:xfrm>
-          <a:prstGeom prst="rect">
-            <a:avLst/>
-          </a:prstGeom>
-          <a:noFill/>
-        </p:spPr>
-        <p:txBody>
-          <a:bodyPr wrap="square">
-            <a:spAutoFit/>
-          </a:bodyPr>
-          <a:lstStyle/>
-          <a:p>
-            <a:pPr algn="ctr"/>
-            <a:r>
-              <a:rPr lang="en-US" altLang="ko-KR" sz="1400" b="1">
-                <a:solidFill>
-                  <a:schemeClr val="tx1"/>
-                </a:solidFill>
-              </a:rPr>
-              <a:t>Preprocess</a:t>
-            </a:r>
-            <a:endParaRPr lang="ko-KR" altLang="en-US" sz="1400" b="1">
-              <a:solidFill>
-                <a:schemeClr val="tx1"/>
-              </a:solidFill>
-            </a:endParaRPr>
-          </a:p>
-        </p:txBody>
-      </p:sp>
-      <p:sp>
-        <p:nvSpPr>
-          <p:cNvPr id="8" name="TextBox 7">
-            <a:extLst>
-              <a:ext uri="{FF2B5EF4-FFF2-40B4-BE49-F238E27FC236}">
-                <a16:creationId xmlns:a16="http://schemas.microsoft.com/office/drawing/2014/main" id="{09E91028-B80B-9BFC-DA6C-E6897A4B9FA5}"/>
-              </a:ext>
-            </a:extLst>
-          </p:cNvPr>
-          <p:cNvSpPr txBox="1"/>
-          <p:nvPr/>
-        </p:nvSpPr>
-        <p:spPr>
-          <a:xfrm>
-            <a:off x="1764145" y="5763489"/>
-            <a:ext cx="1256144" cy="461665"/>
-          </a:xfrm>
-          <a:prstGeom prst="rect">
-            <a:avLst/>
-          </a:prstGeom>
-          <a:noFill/>
-        </p:spPr>
-        <p:txBody>
-          <a:bodyPr wrap="square">
-            <a:spAutoFit/>
-          </a:bodyPr>
-          <a:lstStyle/>
-          <a:p>
-            <a:pPr algn="ctr"/>
-            <a:r>
-              <a:rPr lang="en-US" altLang="ko-KR" sz="1200" b="1">
-                <a:solidFill>
-                  <a:schemeClr val="tx1"/>
-                </a:solidFill>
-              </a:rPr>
-              <a:t>Memory</a:t>
-            </a:r>
-            <a:br>
-              <a:rPr lang="en-US" altLang="ko-KR" sz="1200" b="1">
-                <a:solidFill>
-                  <a:schemeClr val="tx1"/>
-                </a:solidFill>
-              </a:rPr>
-            </a:br>
-            <a:r>
-              <a:rPr lang="en-US" altLang="ko-KR" sz="1200" b="1">
-                <a:solidFill>
-                  <a:schemeClr val="tx1"/>
-                </a:solidFill>
-              </a:rPr>
-              <a:t>Controller</a:t>
-            </a:r>
-            <a:endParaRPr lang="ko-KR" altLang="en-US" sz="1200" b="1">
-              <a:solidFill>
-                <a:schemeClr val="tx1"/>
-              </a:solidFill>
-            </a:endParaRPr>
-          </a:p>
-        </p:txBody>
-      </p:sp>
-      <p:sp>
-        <p:nvSpPr>
-          <p:cNvPr id="9" name="직사각형 8">
-            <a:extLst>
-              <a:ext uri="{FF2B5EF4-FFF2-40B4-BE49-F238E27FC236}">
-                <a16:creationId xmlns:a16="http://schemas.microsoft.com/office/drawing/2014/main" id="{573DDF42-6191-9BB7-EA99-8EB493BCD21B}"/>
-              </a:ext>
-            </a:extLst>
-          </p:cNvPr>
-          <p:cNvSpPr/>
-          <p:nvPr/>
-        </p:nvSpPr>
-        <p:spPr>
-          <a:xfrm>
-            <a:off x="9519548" y="3052617"/>
-            <a:ext cx="2225634" cy="2710873"/>
-          </a:xfrm>
-          <a:prstGeom prst="rect">
-            <a:avLst/>
-          </a:prstGeom>
-          <a:solidFill>
-            <a:schemeClr val="bg1"/>
-          </a:solidFill>
-          <a:ln w="28575">
-            <a:solidFill>
-              <a:schemeClr val="tx1"/>
-            </a:solidFill>
-          </a:ln>
-        </p:spPr>
-        <p:style>
-          <a:lnRef idx="2">
-            <a:schemeClr val="accent1">
-              <a:shade val="50000"/>
-            </a:schemeClr>
-          </a:lnRef>
-          <a:fillRef idx="1">
-            <a:schemeClr val="accent1"/>
-          </a:fillRef>
-          <a:effectRef idx="0">
-            <a:schemeClr val="accent1"/>
-          </a:effectRef>
-          <a:fontRef idx="minor">
-            <a:schemeClr val="lt1"/>
-          </a:fontRef>
-        </p:style>
-        <p:txBody>
-          <a:bodyPr rtlCol="0" anchor="ctr"/>
-          <a:lstStyle/>
-          <a:p>
-            <a:pPr algn="ctr"/>
-            <a:endParaRPr lang="ko-KR" altLang="en-US" b="1">
-              <a:solidFill>
-                <a:schemeClr val="tx1"/>
-              </a:solidFill>
-            </a:endParaRPr>
-          </a:p>
-        </p:txBody>
-      </p:sp>
-      <p:sp>
-        <p:nvSpPr>
-          <p:cNvPr id="10" name="TextBox 9">
-            <a:extLst>
-              <a:ext uri="{FF2B5EF4-FFF2-40B4-BE49-F238E27FC236}">
-                <a16:creationId xmlns:a16="http://schemas.microsoft.com/office/drawing/2014/main" id="{770D0CCF-414F-6BB3-E577-5CDB7A4DB305}"/>
-              </a:ext>
-            </a:extLst>
-          </p:cNvPr>
-          <p:cNvSpPr txBox="1"/>
-          <p:nvPr/>
-        </p:nvSpPr>
-        <p:spPr>
-          <a:xfrm>
-            <a:off x="9519548" y="5840431"/>
-            <a:ext cx="1320800" cy="307777"/>
-          </a:xfrm>
-          <a:prstGeom prst="rect">
-            <a:avLst/>
-          </a:prstGeom>
-          <a:noFill/>
-        </p:spPr>
-        <p:txBody>
-          <a:bodyPr wrap="square">
-            <a:spAutoFit/>
-          </a:bodyPr>
-          <a:lstStyle/>
-          <a:p>
-            <a:pPr algn="ctr"/>
-            <a:r>
-              <a:rPr lang="en-US" altLang="ko-KR" sz="1400" b="1">
-                <a:solidFill>
-                  <a:schemeClr val="tx1"/>
-                </a:solidFill>
-              </a:rPr>
-              <a:t>CORE</a:t>
-            </a:r>
-            <a:endParaRPr lang="ko-KR" altLang="en-US" sz="1400" b="1">
-              <a:solidFill>
-                <a:schemeClr val="tx1"/>
-              </a:solidFill>
-            </a:endParaRPr>
-          </a:p>
-        </p:txBody>
-      </p:sp>
-      <p:sp>
-        <p:nvSpPr>
-          <p:cNvPr id="11" name="직사각형 10">
-            <a:extLst>
-              <a:ext uri="{FF2B5EF4-FFF2-40B4-BE49-F238E27FC236}">
-                <a16:creationId xmlns:a16="http://schemas.microsoft.com/office/drawing/2014/main" id="{7F512DE1-57D6-6CF3-0A8E-6422B19AD7EC}"/>
-              </a:ext>
-            </a:extLst>
-          </p:cNvPr>
-          <p:cNvSpPr/>
-          <p:nvPr/>
-        </p:nvSpPr>
-        <p:spPr>
-          <a:xfrm>
-            <a:off x="103905" y="3052617"/>
-            <a:ext cx="865914" cy="2710872"/>
-          </a:xfrm>
-          <a:prstGeom prst="rect">
-            <a:avLst/>
-          </a:prstGeom>
-          <a:solidFill>
-            <a:schemeClr val="bg1"/>
-          </a:solidFill>
-          <a:ln w="28575">
-            <a:solidFill>
-              <a:schemeClr val="tx1"/>
-            </a:solidFill>
-          </a:ln>
-        </p:spPr>
-        <p:style>
-          <a:lnRef idx="2">
-            <a:schemeClr val="accent1">
-              <a:shade val="50000"/>
-            </a:schemeClr>
-          </a:lnRef>
-          <a:fillRef idx="1">
-            <a:schemeClr val="accent1"/>
-          </a:fillRef>
-          <a:effectRef idx="0">
-            <a:schemeClr val="accent1"/>
-          </a:effectRef>
-          <a:fontRef idx="minor">
-            <a:schemeClr val="lt1"/>
-          </a:fontRef>
-        </p:style>
-        <p:txBody>
-          <a:bodyPr rtlCol="0" anchor="ctr"/>
-          <a:lstStyle/>
-          <a:p>
-            <a:pPr algn="ctr"/>
-            <a:r>
-              <a:rPr lang="en-US" altLang="ko-KR" b="1">
-                <a:solidFill>
-                  <a:schemeClr val="tx1"/>
-                </a:solidFill>
-              </a:rPr>
-              <a:t>BRAM</a:t>
-            </a:r>
-            <a:endParaRPr lang="ko-KR" altLang="en-US" b="1">
-              <a:solidFill>
-                <a:schemeClr val="tx1"/>
-              </a:solidFill>
-            </a:endParaRPr>
-          </a:p>
-        </p:txBody>
-      </p:sp>
-      <p:sp>
-        <p:nvSpPr>
-          <p:cNvPr id="12" name="직사각형 11">
-            <a:extLst>
-              <a:ext uri="{FF2B5EF4-FFF2-40B4-BE49-F238E27FC236}">
-                <a16:creationId xmlns:a16="http://schemas.microsoft.com/office/drawing/2014/main" id="{79135878-81D0-9ED4-7A39-AF26A5E469D6}"/>
-              </a:ext>
-            </a:extLst>
-          </p:cNvPr>
-          <p:cNvSpPr/>
-          <p:nvPr/>
-        </p:nvSpPr>
-        <p:spPr>
-          <a:xfrm>
-            <a:off x="118111" y="273688"/>
-            <a:ext cx="15195795" cy="1385455"/>
-          </a:xfrm>
-          <a:prstGeom prst="rect">
-            <a:avLst/>
-          </a:prstGeom>
-          <a:solidFill>
-            <a:schemeClr val="bg1"/>
-          </a:solidFill>
-          <a:ln w="28575">
-            <a:solidFill>
-              <a:schemeClr val="tx1"/>
-            </a:solidFill>
-          </a:ln>
-        </p:spPr>
-        <p:style>
-          <a:lnRef idx="2">
-            <a:schemeClr val="accent1">
-              <a:shade val="50000"/>
-            </a:schemeClr>
-          </a:lnRef>
-          <a:fillRef idx="1">
-            <a:schemeClr val="accent1"/>
-          </a:fillRef>
-          <a:effectRef idx="0">
-            <a:schemeClr val="accent1"/>
-          </a:effectRef>
-          <a:fontRef idx="minor">
-            <a:schemeClr val="lt1"/>
-          </a:fontRef>
-        </p:style>
-        <p:txBody>
-          <a:bodyPr rtlCol="0" anchor="ctr"/>
-          <a:lstStyle/>
-          <a:p>
-            <a:pPr algn="ctr"/>
-            <a:r>
-              <a:rPr lang="en-US" altLang="ko-KR" b="1">
-                <a:solidFill>
-                  <a:schemeClr val="tx1"/>
-                </a:solidFill>
-              </a:rPr>
-              <a:t>Controller</a:t>
-            </a:r>
-            <a:endParaRPr lang="ko-KR" altLang="en-US" b="1">
-              <a:solidFill>
-                <a:schemeClr val="tx1"/>
-              </a:solidFill>
-            </a:endParaRPr>
-          </a:p>
-        </p:txBody>
-      </p:sp>
-      <p:cxnSp>
-        <p:nvCxnSpPr>
-          <p:cNvPr id="15" name="직선 화살표 연결선 14">
-            <a:extLst>
-              <a:ext uri="{FF2B5EF4-FFF2-40B4-BE49-F238E27FC236}">
-                <a16:creationId xmlns:a16="http://schemas.microsoft.com/office/drawing/2014/main" id="{3215391D-F35D-1C7C-328B-6933AAB6E004}"/>
-              </a:ext>
-            </a:extLst>
-          </p:cNvPr>
-          <p:cNvCxnSpPr/>
-          <p:nvPr/>
-        </p:nvCxnSpPr>
-        <p:spPr>
-          <a:xfrm>
-            <a:off x="-979053" y="2380183"/>
-            <a:ext cx="683489" cy="0"/>
-          </a:xfrm>
-          <a:prstGeom prst="straightConnector1">
-            <a:avLst/>
-          </a:prstGeom>
-          <a:ln w="57150">
-            <a:solidFill>
-              <a:srgbClr val="00B0F0"/>
-            </a:solidFill>
-            <a:tailEnd type="triangle"/>
-          </a:ln>
-        </p:spPr>
-        <p:style>
-          <a:lnRef idx="1">
-            <a:schemeClr val="accent1"/>
-          </a:lnRef>
-          <a:fillRef idx="0">
-            <a:schemeClr val="accent1"/>
-          </a:fillRef>
-          <a:effectRef idx="0">
-            <a:schemeClr val="accent1"/>
-          </a:effectRef>
-          <a:fontRef idx="minor">
-            <a:schemeClr val="tx1"/>
-          </a:fontRef>
-        </p:style>
-      </p:cxnSp>
-      <p:sp>
-        <p:nvSpPr>
-          <p:cNvPr id="19" name="TextBox 18">
-            <a:extLst>
-              <a:ext uri="{FF2B5EF4-FFF2-40B4-BE49-F238E27FC236}">
-                <a16:creationId xmlns:a16="http://schemas.microsoft.com/office/drawing/2014/main" id="{957A3D6F-5FF7-0F0A-0B12-7E3D77497752}"/>
-              </a:ext>
-            </a:extLst>
-          </p:cNvPr>
-          <p:cNvSpPr txBox="1"/>
-          <p:nvPr/>
-        </p:nvSpPr>
-        <p:spPr>
-          <a:xfrm>
-            <a:off x="5469136" y="4269181"/>
-            <a:ext cx="1028100" cy="276999"/>
-          </a:xfrm>
-          <a:prstGeom prst="rect">
-            <a:avLst/>
-          </a:prstGeom>
-          <a:noFill/>
-        </p:spPr>
-        <p:txBody>
-          <a:bodyPr wrap="square">
-            <a:spAutoFit/>
-          </a:bodyPr>
-          <a:lstStyle/>
-          <a:p>
-            <a:r>
-              <a:rPr lang="en-US" altLang="ko-KR" sz="1200" b="1"/>
-              <a:t>data_i[7:0]</a:t>
-            </a:r>
-            <a:endParaRPr lang="ko-KR" altLang="en-US" sz="1200" b="1">
-              <a:solidFill>
-                <a:schemeClr val="tx1"/>
-              </a:solidFill>
-            </a:endParaRPr>
-          </a:p>
-        </p:txBody>
-      </p:sp>
-      <p:sp>
-        <p:nvSpPr>
-          <p:cNvPr id="20" name="TextBox 19">
-            <a:extLst>
-              <a:ext uri="{FF2B5EF4-FFF2-40B4-BE49-F238E27FC236}">
-                <a16:creationId xmlns:a16="http://schemas.microsoft.com/office/drawing/2014/main" id="{C700BEA2-26C6-E3E5-8A36-5FAD04C91275}"/>
-              </a:ext>
-            </a:extLst>
-          </p:cNvPr>
-          <p:cNvSpPr txBox="1"/>
-          <p:nvPr/>
-        </p:nvSpPr>
-        <p:spPr>
-          <a:xfrm>
-            <a:off x="5485291" y="4620742"/>
-            <a:ext cx="1028100" cy="276999"/>
-          </a:xfrm>
-          <a:prstGeom prst="rect">
-            <a:avLst/>
-          </a:prstGeom>
-          <a:noFill/>
-        </p:spPr>
-        <p:txBody>
-          <a:bodyPr wrap="square">
-            <a:spAutoFit/>
-          </a:bodyPr>
-          <a:lstStyle/>
-          <a:p>
-            <a:r>
-              <a:rPr lang="en-US" altLang="ko-KR" sz="1200" b="1"/>
-              <a:t>data_en_i</a:t>
-            </a:r>
-            <a:endParaRPr lang="ko-KR" altLang="en-US" sz="1200" b="1">
-              <a:solidFill>
-                <a:schemeClr val="tx1"/>
-              </a:solidFill>
-            </a:endParaRPr>
-          </a:p>
-        </p:txBody>
-      </p:sp>
-      <p:sp>
-        <p:nvSpPr>
-          <p:cNvPr id="23" name="TextBox 22">
-            <a:extLst>
-              <a:ext uri="{FF2B5EF4-FFF2-40B4-BE49-F238E27FC236}">
-                <a16:creationId xmlns:a16="http://schemas.microsoft.com/office/drawing/2014/main" id="{9BB86B59-9E57-1315-57B0-B952CA4E0122}"/>
-              </a:ext>
-            </a:extLst>
-          </p:cNvPr>
-          <p:cNvSpPr txBox="1"/>
-          <p:nvPr/>
-        </p:nvSpPr>
-        <p:spPr>
-          <a:xfrm>
-            <a:off x="7025640" y="4138711"/>
-            <a:ext cx="1334465" cy="276999"/>
-          </a:xfrm>
-          <a:prstGeom prst="rect">
-            <a:avLst/>
-          </a:prstGeom>
-          <a:noFill/>
-        </p:spPr>
-        <p:txBody>
-          <a:bodyPr wrap="square">
-            <a:spAutoFit/>
-          </a:bodyPr>
-          <a:lstStyle/>
-          <a:p>
-            <a:r>
-              <a:rPr lang="en-US" altLang="ko-KR" sz="1200" b="1"/>
-              <a:t>data_o[0:9][7:0]</a:t>
-            </a:r>
-            <a:endParaRPr lang="ko-KR" altLang="en-US" sz="1200" b="1">
-              <a:solidFill>
-                <a:schemeClr val="tx1"/>
-              </a:solidFill>
-            </a:endParaRPr>
-          </a:p>
-        </p:txBody>
-      </p:sp>
-      <p:cxnSp>
-        <p:nvCxnSpPr>
-          <p:cNvPr id="24" name="직선 연결선 23">
-            <a:extLst>
-              <a:ext uri="{FF2B5EF4-FFF2-40B4-BE49-F238E27FC236}">
-                <a16:creationId xmlns:a16="http://schemas.microsoft.com/office/drawing/2014/main" id="{2CF96159-7B1D-A408-E198-8B5692F70C98}"/>
-              </a:ext>
-            </a:extLst>
-          </p:cNvPr>
-          <p:cNvCxnSpPr>
-            <a:cxnSpLocks/>
-          </p:cNvCxnSpPr>
-          <p:nvPr/>
-        </p:nvCxnSpPr>
-        <p:spPr>
-          <a:xfrm>
-            <a:off x="8295731" y="4292600"/>
-            <a:ext cx="1223817" cy="0"/>
-          </a:xfrm>
-          <a:prstGeom prst="line">
-            <a:avLst/>
-          </a:prstGeom>
-          <a:ln w="28575">
-            <a:solidFill>
-              <a:srgbClr val="FF0000"/>
-            </a:solidFill>
-          </a:ln>
-        </p:spPr>
-        <p:style>
-          <a:lnRef idx="1">
-            <a:schemeClr val="accent1"/>
-          </a:lnRef>
-          <a:fillRef idx="0">
-            <a:schemeClr val="accent1"/>
-          </a:fillRef>
-          <a:effectRef idx="0">
-            <a:schemeClr val="accent1"/>
-          </a:effectRef>
-          <a:fontRef idx="minor">
-            <a:schemeClr val="tx1"/>
-          </a:fontRef>
-        </p:style>
-      </p:cxnSp>
-      <p:cxnSp>
-        <p:nvCxnSpPr>
-          <p:cNvPr id="25" name="직선 연결선 24">
-            <a:extLst>
-              <a:ext uri="{FF2B5EF4-FFF2-40B4-BE49-F238E27FC236}">
-                <a16:creationId xmlns:a16="http://schemas.microsoft.com/office/drawing/2014/main" id="{3D7288B5-482C-FFF3-67ED-2EEFD36B7BA4}"/>
-              </a:ext>
-            </a:extLst>
-          </p:cNvPr>
-          <p:cNvCxnSpPr>
-            <a:cxnSpLocks/>
-          </p:cNvCxnSpPr>
-          <p:nvPr/>
-        </p:nvCxnSpPr>
-        <p:spPr>
-          <a:xfrm>
-            <a:off x="8295731" y="4634108"/>
-            <a:ext cx="1223817" cy="0"/>
-          </a:xfrm>
-          <a:prstGeom prst="line">
-            <a:avLst/>
-          </a:prstGeom>
-          <a:ln w="28575">
-            <a:solidFill>
-              <a:schemeClr val="tx1"/>
-            </a:solidFill>
-          </a:ln>
-        </p:spPr>
-        <p:style>
-          <a:lnRef idx="1">
-            <a:schemeClr val="accent1"/>
-          </a:lnRef>
-          <a:fillRef idx="0">
-            <a:schemeClr val="accent1"/>
-          </a:fillRef>
-          <a:effectRef idx="0">
-            <a:schemeClr val="accent1"/>
-          </a:effectRef>
-          <a:fontRef idx="minor">
-            <a:schemeClr val="tx1"/>
-          </a:fontRef>
-        </p:style>
-      </p:cxnSp>
-      <p:sp>
-        <p:nvSpPr>
-          <p:cNvPr id="26" name="TextBox 25">
-            <a:extLst>
-              <a:ext uri="{FF2B5EF4-FFF2-40B4-BE49-F238E27FC236}">
-                <a16:creationId xmlns:a16="http://schemas.microsoft.com/office/drawing/2014/main" id="{07A77C82-AE34-199D-8D6E-CF70668C2003}"/>
-              </a:ext>
-            </a:extLst>
-          </p:cNvPr>
-          <p:cNvSpPr txBox="1"/>
-          <p:nvPr/>
-        </p:nvSpPr>
-        <p:spPr>
-          <a:xfrm>
-            <a:off x="7365489" y="4487105"/>
-            <a:ext cx="1028100" cy="276999"/>
-          </a:xfrm>
-          <a:prstGeom prst="rect">
-            <a:avLst/>
-          </a:prstGeom>
-          <a:noFill/>
-        </p:spPr>
-        <p:txBody>
-          <a:bodyPr wrap="square">
-            <a:spAutoFit/>
-          </a:bodyPr>
-          <a:lstStyle/>
-          <a:p>
-            <a:r>
-              <a:rPr lang="en-US" altLang="ko-KR" sz="1200" b="1">
-                <a:solidFill>
-                  <a:schemeClr val="tx1"/>
-                </a:solidFill>
-              </a:rPr>
-              <a:t>Core_en_o</a:t>
-            </a:r>
-            <a:endParaRPr lang="ko-KR" altLang="en-US" sz="1200" b="1">
-              <a:solidFill>
-                <a:schemeClr val="tx1"/>
-              </a:solidFill>
-            </a:endParaRPr>
-          </a:p>
-        </p:txBody>
-      </p:sp>
-      <p:sp>
-        <p:nvSpPr>
-          <p:cNvPr id="28" name="TextBox 27">
-            <a:extLst>
-              <a:ext uri="{FF2B5EF4-FFF2-40B4-BE49-F238E27FC236}">
-                <a16:creationId xmlns:a16="http://schemas.microsoft.com/office/drawing/2014/main" id="{D8D1CE1E-9C4D-B7F8-4048-0B1BBA0D39A7}"/>
-              </a:ext>
-            </a:extLst>
-          </p:cNvPr>
-          <p:cNvSpPr txBox="1"/>
-          <p:nvPr/>
-        </p:nvSpPr>
-        <p:spPr>
-          <a:xfrm>
-            <a:off x="7149544" y="3358318"/>
-            <a:ext cx="1132931" cy="276999"/>
-          </a:xfrm>
-          <a:prstGeom prst="rect">
-            <a:avLst/>
-          </a:prstGeom>
-          <a:noFill/>
-        </p:spPr>
-        <p:txBody>
-          <a:bodyPr wrap="square">
-            <a:spAutoFit/>
-          </a:bodyPr>
-          <a:lstStyle/>
-          <a:p>
-            <a:r>
-              <a:rPr lang="en-US" altLang="ko-KR" sz="1200" b="1">
-                <a:solidFill>
-                  <a:schemeClr val="tx1"/>
-                </a:solidFill>
-              </a:rPr>
-              <a:t>Core_done_o</a:t>
-            </a:r>
-            <a:endParaRPr lang="ko-KR" altLang="en-US" sz="1200" b="1">
-              <a:solidFill>
-                <a:schemeClr val="tx1"/>
-              </a:solidFill>
-            </a:endParaRPr>
-          </a:p>
-        </p:txBody>
-      </p:sp>
-      <p:cxnSp>
-        <p:nvCxnSpPr>
-          <p:cNvPr id="30" name="직선 연결선 29">
-            <a:extLst>
-              <a:ext uri="{FF2B5EF4-FFF2-40B4-BE49-F238E27FC236}">
-                <a16:creationId xmlns:a16="http://schemas.microsoft.com/office/drawing/2014/main" id="{1A6E9583-86F6-8CF4-60D2-DE5629F618B9}"/>
-              </a:ext>
-            </a:extLst>
-          </p:cNvPr>
-          <p:cNvCxnSpPr>
-            <a:cxnSpLocks/>
-          </p:cNvCxnSpPr>
-          <p:nvPr/>
-        </p:nvCxnSpPr>
-        <p:spPr>
-          <a:xfrm>
-            <a:off x="8295731" y="3525192"/>
-            <a:ext cx="475258" cy="0"/>
-          </a:xfrm>
-          <a:prstGeom prst="line">
-            <a:avLst/>
-          </a:prstGeom>
-          <a:ln w="28575">
-            <a:solidFill>
-              <a:schemeClr val="tx1"/>
-            </a:solidFill>
-          </a:ln>
-        </p:spPr>
-        <p:style>
-          <a:lnRef idx="1">
-            <a:schemeClr val="accent1"/>
-          </a:lnRef>
-          <a:fillRef idx="0">
-            <a:schemeClr val="accent1"/>
-          </a:fillRef>
-          <a:effectRef idx="0">
-            <a:schemeClr val="accent1"/>
-          </a:effectRef>
-          <a:fontRef idx="minor">
-            <a:schemeClr val="tx1"/>
-          </a:fontRef>
-        </p:style>
-      </p:cxnSp>
-      <p:sp>
-        <p:nvSpPr>
-          <p:cNvPr id="33" name="TextBox 32">
-            <a:extLst>
-              <a:ext uri="{FF2B5EF4-FFF2-40B4-BE49-F238E27FC236}">
-                <a16:creationId xmlns:a16="http://schemas.microsoft.com/office/drawing/2014/main" id="{5ED05668-A23E-D1F3-1E56-84AF05BA8E56}"/>
-              </a:ext>
-            </a:extLst>
-          </p:cNvPr>
-          <p:cNvSpPr txBox="1"/>
-          <p:nvPr/>
-        </p:nvSpPr>
-        <p:spPr>
-          <a:xfrm>
-            <a:off x="2915083" y="4256652"/>
-            <a:ext cx="979842" cy="276999"/>
-          </a:xfrm>
-          <a:prstGeom prst="rect">
-            <a:avLst/>
-          </a:prstGeom>
-          <a:noFill/>
-        </p:spPr>
-        <p:txBody>
-          <a:bodyPr wrap="square">
-            <a:spAutoFit/>
-          </a:bodyPr>
-          <a:lstStyle/>
-          <a:p>
-            <a:r>
-              <a:rPr lang="en-US" altLang="ko-KR" sz="1200" b="1"/>
-              <a:t>data_o[7:0]</a:t>
-            </a:r>
-            <a:endParaRPr lang="ko-KR" altLang="en-US" sz="1200" b="1">
-              <a:solidFill>
-                <a:schemeClr val="tx1"/>
-              </a:solidFill>
-            </a:endParaRPr>
-          </a:p>
-        </p:txBody>
-      </p:sp>
-      <p:cxnSp>
-        <p:nvCxnSpPr>
-          <p:cNvPr id="34" name="직선 연결선 33">
-            <a:extLst>
-              <a:ext uri="{FF2B5EF4-FFF2-40B4-BE49-F238E27FC236}">
-                <a16:creationId xmlns:a16="http://schemas.microsoft.com/office/drawing/2014/main" id="{AF48A4C2-07F2-3B18-6AEA-0FE6CB1F1219}"/>
-              </a:ext>
-            </a:extLst>
-          </p:cNvPr>
-          <p:cNvCxnSpPr>
-            <a:cxnSpLocks/>
-            <a:stCxn id="4" idx="3"/>
-            <a:endCxn id="19" idx="1"/>
-          </p:cNvCxnSpPr>
-          <p:nvPr/>
-        </p:nvCxnSpPr>
-        <p:spPr>
-          <a:xfrm flipV="1">
-            <a:off x="3918480" y="4407681"/>
-            <a:ext cx="1550656" cy="372"/>
-          </a:xfrm>
-          <a:prstGeom prst="line">
-            <a:avLst/>
-          </a:prstGeom>
-          <a:ln w="28575">
-            <a:solidFill>
-              <a:srgbClr val="FF0000"/>
-            </a:solidFill>
-          </a:ln>
-        </p:spPr>
-        <p:style>
-          <a:lnRef idx="1">
-            <a:schemeClr val="accent1"/>
-          </a:lnRef>
-          <a:fillRef idx="0">
-            <a:schemeClr val="accent1"/>
-          </a:fillRef>
-          <a:effectRef idx="0">
-            <a:schemeClr val="accent1"/>
-          </a:effectRef>
-          <a:fontRef idx="minor">
-            <a:schemeClr val="tx1"/>
-          </a:fontRef>
-        </p:style>
-      </p:cxnSp>
-      <p:sp>
-        <p:nvSpPr>
-          <p:cNvPr id="35" name="TextBox 34">
-            <a:extLst>
-              <a:ext uri="{FF2B5EF4-FFF2-40B4-BE49-F238E27FC236}">
-                <a16:creationId xmlns:a16="http://schemas.microsoft.com/office/drawing/2014/main" id="{CDD8F13A-93A9-757C-0E5C-50823984DDEB}"/>
-              </a:ext>
-            </a:extLst>
-          </p:cNvPr>
-          <p:cNvSpPr txBox="1"/>
-          <p:nvPr/>
-        </p:nvSpPr>
-        <p:spPr>
-          <a:xfrm>
-            <a:off x="2915083" y="4610593"/>
-            <a:ext cx="952458" cy="276999"/>
-          </a:xfrm>
-          <a:prstGeom prst="rect">
-            <a:avLst/>
-          </a:prstGeom>
-          <a:noFill/>
-        </p:spPr>
-        <p:txBody>
-          <a:bodyPr wrap="square">
-            <a:spAutoFit/>
-          </a:bodyPr>
-          <a:lstStyle/>
-          <a:p>
-            <a:r>
-              <a:rPr lang="en-US" altLang="ko-KR" sz="1200" b="1">
-                <a:solidFill>
-                  <a:schemeClr val="tx1"/>
-                </a:solidFill>
-              </a:rPr>
-              <a:t>data_en_o</a:t>
-            </a:r>
-            <a:endParaRPr lang="ko-KR" altLang="en-US" sz="1200" b="1">
-              <a:solidFill>
-                <a:schemeClr val="tx1"/>
-              </a:solidFill>
-            </a:endParaRPr>
-          </a:p>
-        </p:txBody>
-      </p:sp>
-      <p:cxnSp>
-        <p:nvCxnSpPr>
-          <p:cNvPr id="36" name="직선 연결선 35">
-            <a:extLst>
-              <a:ext uri="{FF2B5EF4-FFF2-40B4-BE49-F238E27FC236}">
-                <a16:creationId xmlns:a16="http://schemas.microsoft.com/office/drawing/2014/main" id="{92D17839-3903-4FBC-A152-EF404ADA2CD3}"/>
-              </a:ext>
-            </a:extLst>
-          </p:cNvPr>
-          <p:cNvCxnSpPr>
-            <a:cxnSpLocks/>
-            <a:stCxn id="35" idx="3"/>
-            <a:endCxn id="20" idx="1"/>
-          </p:cNvCxnSpPr>
-          <p:nvPr/>
-        </p:nvCxnSpPr>
-        <p:spPr>
-          <a:xfrm>
-            <a:off x="3867541" y="4749093"/>
-            <a:ext cx="1617750" cy="10149"/>
-          </a:xfrm>
-          <a:prstGeom prst="line">
-            <a:avLst/>
-          </a:prstGeom>
-          <a:ln w="28575">
-            <a:solidFill>
-              <a:schemeClr val="tx1"/>
-            </a:solidFill>
-          </a:ln>
-        </p:spPr>
-        <p:style>
-          <a:lnRef idx="1">
-            <a:schemeClr val="accent1"/>
-          </a:lnRef>
-          <a:fillRef idx="0">
-            <a:schemeClr val="accent1"/>
-          </a:fillRef>
-          <a:effectRef idx="0">
-            <a:schemeClr val="accent1"/>
-          </a:effectRef>
-          <a:fontRef idx="minor">
-            <a:schemeClr val="tx1"/>
-          </a:fontRef>
-        </p:style>
-      </p:cxnSp>
-      <p:sp>
-        <p:nvSpPr>
-          <p:cNvPr id="38" name="TextBox 37">
-            <a:extLst>
-              <a:ext uri="{FF2B5EF4-FFF2-40B4-BE49-F238E27FC236}">
-                <a16:creationId xmlns:a16="http://schemas.microsoft.com/office/drawing/2014/main" id="{9971A508-3F2E-503B-1515-A580DE87B29B}"/>
-              </a:ext>
-            </a:extLst>
-          </p:cNvPr>
-          <p:cNvSpPr txBox="1"/>
-          <p:nvPr/>
-        </p:nvSpPr>
-        <p:spPr>
-          <a:xfrm>
-            <a:off x="2773142" y="3915046"/>
-            <a:ext cx="1169326" cy="276999"/>
-          </a:xfrm>
-          <a:prstGeom prst="rect">
-            <a:avLst/>
-          </a:prstGeom>
-          <a:noFill/>
-        </p:spPr>
-        <p:txBody>
-          <a:bodyPr wrap="square">
-            <a:spAutoFit/>
-          </a:bodyPr>
-          <a:lstStyle/>
-          <a:p>
-            <a:r>
-              <a:rPr lang="en-US" altLang="ko-KR" sz="1200" b="1"/>
-              <a:t>fetch</a:t>
-            </a:r>
-            <a:r>
-              <a:rPr lang="en-US" altLang="ko-KR" sz="1200" b="1">
-                <a:solidFill>
-                  <a:schemeClr val="tx1"/>
-                </a:solidFill>
-              </a:rPr>
-              <a:t>_done_o</a:t>
-            </a:r>
-            <a:endParaRPr lang="ko-KR" altLang="en-US" sz="1200" b="1">
-              <a:solidFill>
-                <a:schemeClr val="tx1"/>
-              </a:solidFill>
-            </a:endParaRPr>
-          </a:p>
-        </p:txBody>
-      </p:sp>
-      <p:cxnSp>
-        <p:nvCxnSpPr>
-          <p:cNvPr id="39" name="직선 연결선 38">
-            <a:extLst>
-              <a:ext uri="{FF2B5EF4-FFF2-40B4-BE49-F238E27FC236}">
-                <a16:creationId xmlns:a16="http://schemas.microsoft.com/office/drawing/2014/main" id="{17B54FD5-E55C-22A1-935A-ED18577363E3}"/>
-              </a:ext>
-            </a:extLst>
-          </p:cNvPr>
-          <p:cNvCxnSpPr>
-            <a:cxnSpLocks/>
-          </p:cNvCxnSpPr>
-          <p:nvPr/>
-        </p:nvCxnSpPr>
-        <p:spPr>
-          <a:xfrm>
-            <a:off x="3904484" y="4094023"/>
-            <a:ext cx="585450" cy="0"/>
-          </a:xfrm>
-          <a:prstGeom prst="line">
-            <a:avLst/>
-          </a:prstGeom>
-          <a:ln w="28575">
-            <a:solidFill>
-              <a:schemeClr val="tx1"/>
-            </a:solidFill>
-          </a:ln>
-        </p:spPr>
-        <p:style>
-          <a:lnRef idx="1">
-            <a:schemeClr val="accent1"/>
-          </a:lnRef>
-          <a:fillRef idx="0">
-            <a:schemeClr val="accent1"/>
-          </a:fillRef>
-          <a:effectRef idx="0">
-            <a:schemeClr val="accent1"/>
-          </a:effectRef>
-          <a:fontRef idx="minor">
-            <a:schemeClr val="tx1"/>
-          </a:fontRef>
-        </p:style>
-      </p:cxnSp>
-      <p:cxnSp>
-        <p:nvCxnSpPr>
-          <p:cNvPr id="42" name="직선 연결선 41">
-            <a:extLst>
-              <a:ext uri="{FF2B5EF4-FFF2-40B4-BE49-F238E27FC236}">
-                <a16:creationId xmlns:a16="http://schemas.microsoft.com/office/drawing/2014/main" id="{6B9AA6F6-6968-9F2D-6C08-9F16F0F7BE02}"/>
-              </a:ext>
-            </a:extLst>
-          </p:cNvPr>
-          <p:cNvCxnSpPr>
-            <a:cxnSpLocks/>
-          </p:cNvCxnSpPr>
-          <p:nvPr/>
-        </p:nvCxnSpPr>
-        <p:spPr>
-          <a:xfrm flipV="1">
-            <a:off x="4489934" y="1708726"/>
-            <a:ext cx="0" cy="2394533"/>
-          </a:xfrm>
-          <a:prstGeom prst="line">
-            <a:avLst/>
-          </a:prstGeom>
-          <a:ln w="28575">
-            <a:solidFill>
-              <a:schemeClr val="tx1"/>
-            </a:solidFill>
-          </a:ln>
-        </p:spPr>
-        <p:style>
-          <a:lnRef idx="1">
-            <a:schemeClr val="accent1"/>
-          </a:lnRef>
-          <a:fillRef idx="0">
-            <a:schemeClr val="accent1"/>
-          </a:fillRef>
-          <a:effectRef idx="0">
-            <a:schemeClr val="accent1"/>
-          </a:effectRef>
-          <a:fontRef idx="minor">
-            <a:schemeClr val="tx1"/>
-          </a:fontRef>
-        </p:style>
-      </p:cxnSp>
-      <p:cxnSp>
-        <p:nvCxnSpPr>
-          <p:cNvPr id="44" name="직선 연결선 43">
-            <a:extLst>
-              <a:ext uri="{FF2B5EF4-FFF2-40B4-BE49-F238E27FC236}">
-                <a16:creationId xmlns:a16="http://schemas.microsoft.com/office/drawing/2014/main" id="{87BD99EF-61E0-6755-8A41-CB9B4EFDB5AF}"/>
-              </a:ext>
-            </a:extLst>
-          </p:cNvPr>
-          <p:cNvCxnSpPr>
-            <a:cxnSpLocks/>
-          </p:cNvCxnSpPr>
-          <p:nvPr/>
-        </p:nvCxnSpPr>
-        <p:spPr>
-          <a:xfrm>
-            <a:off x="990139" y="3517286"/>
-            <a:ext cx="794326" cy="0"/>
-          </a:xfrm>
-          <a:prstGeom prst="line">
-            <a:avLst/>
-          </a:prstGeom>
-          <a:ln w="76200">
-            <a:solidFill>
-              <a:schemeClr val="tx1"/>
-            </a:solidFill>
-          </a:ln>
-        </p:spPr>
-        <p:style>
-          <a:lnRef idx="1">
-            <a:schemeClr val="accent1"/>
-          </a:lnRef>
-          <a:fillRef idx="0">
-            <a:schemeClr val="accent1"/>
-          </a:fillRef>
-          <a:effectRef idx="0">
-            <a:schemeClr val="accent1"/>
-          </a:effectRef>
-          <a:fontRef idx="minor">
-            <a:schemeClr val="tx1"/>
-          </a:fontRef>
-        </p:style>
-      </p:cxnSp>
-      <p:sp>
-        <p:nvSpPr>
-          <p:cNvPr id="46" name="TextBox 45">
-            <a:extLst>
-              <a:ext uri="{FF2B5EF4-FFF2-40B4-BE49-F238E27FC236}">
-                <a16:creationId xmlns:a16="http://schemas.microsoft.com/office/drawing/2014/main" id="{8BF9544C-6506-7513-C9C2-2EC11E0E76D1}"/>
-              </a:ext>
-            </a:extLst>
-          </p:cNvPr>
-          <p:cNvSpPr txBox="1"/>
-          <p:nvPr/>
-        </p:nvSpPr>
-        <p:spPr>
-          <a:xfrm>
-            <a:off x="953073" y="3063527"/>
-            <a:ext cx="1169326" cy="461665"/>
-          </a:xfrm>
-          <a:prstGeom prst="rect">
-            <a:avLst/>
-          </a:prstGeom>
-          <a:noFill/>
-        </p:spPr>
-        <p:txBody>
-          <a:bodyPr wrap="square">
-            <a:spAutoFit/>
-          </a:bodyPr>
-          <a:lstStyle/>
-          <a:p>
-            <a:r>
-              <a:rPr lang="en-US" altLang="ko-KR" sz="1200" b="1">
-                <a:solidFill>
-                  <a:schemeClr val="tx1"/>
-                </a:solidFill>
-              </a:rPr>
-              <a:t>Memory</a:t>
-            </a:r>
-          </a:p>
-          <a:p>
-            <a:r>
-              <a:rPr lang="en-US" altLang="ko-KR" sz="1200" b="1">
-                <a:solidFill>
-                  <a:schemeClr val="tx1"/>
-                </a:solidFill>
-              </a:rPr>
-              <a:t>interface</a:t>
-            </a:r>
-            <a:endParaRPr lang="ko-KR" altLang="en-US" sz="1200" b="1">
-              <a:solidFill>
-                <a:schemeClr val="tx1"/>
-              </a:solidFill>
-            </a:endParaRPr>
-          </a:p>
-        </p:txBody>
-      </p:sp>
-      <p:sp>
-        <p:nvSpPr>
-          <p:cNvPr id="47" name="직사각형 46">
-            <a:extLst>
-              <a:ext uri="{FF2B5EF4-FFF2-40B4-BE49-F238E27FC236}">
-                <a16:creationId xmlns:a16="http://schemas.microsoft.com/office/drawing/2014/main" id="{0EFCF7B0-40B1-7860-C837-140138E46A56}"/>
-              </a:ext>
-            </a:extLst>
-          </p:cNvPr>
-          <p:cNvSpPr/>
-          <p:nvPr/>
-        </p:nvSpPr>
-        <p:spPr>
-          <a:xfrm>
-            <a:off x="5584973" y="5087353"/>
-            <a:ext cx="1063795" cy="381790"/>
-          </a:xfrm>
-          <a:prstGeom prst="rect">
-            <a:avLst/>
-          </a:prstGeom>
-        </p:spPr>
-        <p:style>
-          <a:lnRef idx="2">
-            <a:schemeClr val="accent1">
-              <a:shade val="50000"/>
-            </a:schemeClr>
-          </a:lnRef>
-          <a:fillRef idx="1">
-            <a:schemeClr val="accent1"/>
-          </a:fillRef>
-          <a:effectRef idx="0">
-            <a:schemeClr val="accent1"/>
-          </a:effectRef>
-          <a:fontRef idx="minor">
-            <a:schemeClr val="lt1"/>
-          </a:fontRef>
-        </p:style>
-        <p:txBody>
-          <a:bodyPr rtlCol="0" anchor="ctr"/>
-          <a:lstStyle/>
-          <a:p>
-            <a:pPr algn="ctr"/>
-            <a:r>
-              <a:rPr lang="en-US" altLang="ko-KR" sz="1100" b="1">
-                <a:solidFill>
-                  <a:schemeClr val="bg1"/>
-                </a:solidFill>
-              </a:rPr>
-              <a:t>3x COL</a:t>
-            </a:r>
-          </a:p>
-          <a:p>
-            <a:pPr algn="ctr"/>
-            <a:r>
-              <a:rPr lang="en-US" altLang="ko-KR" sz="1100" b="1">
-                <a:solidFill>
-                  <a:schemeClr val="bg1"/>
-                </a:solidFill>
-              </a:rPr>
-              <a:t>BUFFER</a:t>
-            </a:r>
-            <a:endParaRPr lang="ko-KR" altLang="en-US" sz="1100" b="1">
-              <a:solidFill>
-                <a:schemeClr val="bg1"/>
-              </a:solidFill>
-            </a:endParaRPr>
-          </a:p>
-        </p:txBody>
-      </p:sp>
-      <p:cxnSp>
-        <p:nvCxnSpPr>
-          <p:cNvPr id="59" name="직선 연결선 58">
-            <a:extLst>
-              <a:ext uri="{FF2B5EF4-FFF2-40B4-BE49-F238E27FC236}">
-                <a16:creationId xmlns:a16="http://schemas.microsoft.com/office/drawing/2014/main" id="{6A0F85C0-1168-6F97-510A-6C44BF25B382}"/>
-              </a:ext>
-            </a:extLst>
-          </p:cNvPr>
-          <p:cNvCxnSpPr>
-            <a:cxnSpLocks/>
-          </p:cNvCxnSpPr>
-          <p:nvPr/>
-        </p:nvCxnSpPr>
-        <p:spPr>
-          <a:xfrm flipV="1">
-            <a:off x="2392217" y="1725411"/>
-            <a:ext cx="0" cy="1327206"/>
-          </a:xfrm>
-          <a:prstGeom prst="line">
-            <a:avLst/>
-          </a:prstGeom>
-          <a:ln w="28575">
-            <a:solidFill>
-              <a:schemeClr val="tx1"/>
-            </a:solidFill>
-          </a:ln>
-        </p:spPr>
-        <p:style>
-          <a:lnRef idx="1">
-            <a:schemeClr val="accent1"/>
-          </a:lnRef>
-          <a:fillRef idx="0">
-            <a:schemeClr val="accent1"/>
-          </a:fillRef>
-          <a:effectRef idx="0">
-            <a:schemeClr val="accent1"/>
-          </a:effectRef>
-          <a:fontRef idx="minor">
-            <a:schemeClr val="tx1"/>
-          </a:fontRef>
-        </p:style>
-      </p:cxnSp>
-      <p:sp>
-        <p:nvSpPr>
-          <p:cNvPr id="63" name="TextBox 62">
-            <a:extLst>
-              <a:ext uri="{FF2B5EF4-FFF2-40B4-BE49-F238E27FC236}">
-                <a16:creationId xmlns:a16="http://schemas.microsoft.com/office/drawing/2014/main" id="{6FEBD5A6-F47A-2436-2424-FF04A795A54A}"/>
-              </a:ext>
-            </a:extLst>
-          </p:cNvPr>
-          <p:cNvSpPr txBox="1"/>
-          <p:nvPr/>
-        </p:nvSpPr>
-        <p:spPr>
-          <a:xfrm>
-            <a:off x="1879499" y="3050612"/>
-            <a:ext cx="1169326" cy="276999"/>
-          </a:xfrm>
-          <a:prstGeom prst="rect">
-            <a:avLst/>
-          </a:prstGeom>
-          <a:noFill/>
-        </p:spPr>
-        <p:txBody>
-          <a:bodyPr wrap="square">
-            <a:spAutoFit/>
-          </a:bodyPr>
-          <a:lstStyle/>
-          <a:p>
-            <a:r>
-              <a:rPr lang="en-US" altLang="ko-KR" sz="1200" b="1"/>
-              <a:t>fetch</a:t>
-            </a:r>
-            <a:r>
-              <a:rPr lang="en-US" altLang="ko-KR" sz="1200" b="1">
-                <a:solidFill>
-                  <a:schemeClr val="tx1"/>
-                </a:solidFill>
-              </a:rPr>
-              <a:t>_run_</a:t>
-            </a:r>
-            <a:r>
-              <a:rPr lang="en-US" altLang="ko-KR" sz="1200" b="1"/>
-              <a:t>i</a:t>
-            </a:r>
-            <a:endParaRPr lang="ko-KR" altLang="en-US" sz="1200" b="1">
-              <a:solidFill>
-                <a:schemeClr val="tx1"/>
-              </a:solidFill>
-            </a:endParaRPr>
-          </a:p>
-        </p:txBody>
-      </p:sp>
-      <p:cxnSp>
-        <p:nvCxnSpPr>
-          <p:cNvPr id="75" name="직선 연결선 74">
-            <a:extLst>
-              <a:ext uri="{FF2B5EF4-FFF2-40B4-BE49-F238E27FC236}">
-                <a16:creationId xmlns:a16="http://schemas.microsoft.com/office/drawing/2014/main" id="{8F113C29-CDE7-F0C2-880C-D66D2747B959}"/>
-              </a:ext>
-            </a:extLst>
-          </p:cNvPr>
-          <p:cNvCxnSpPr>
-            <a:cxnSpLocks/>
-          </p:cNvCxnSpPr>
-          <p:nvPr/>
-        </p:nvCxnSpPr>
-        <p:spPr>
-          <a:xfrm flipV="1">
-            <a:off x="8770989" y="1725411"/>
-            <a:ext cx="0" cy="1791875"/>
-          </a:xfrm>
-          <a:prstGeom prst="line">
-            <a:avLst/>
-          </a:prstGeom>
-          <a:ln w="28575">
-            <a:solidFill>
-              <a:schemeClr val="tx1"/>
-            </a:solidFill>
-          </a:ln>
-        </p:spPr>
-        <p:style>
-          <a:lnRef idx="1">
-            <a:schemeClr val="accent1"/>
-          </a:lnRef>
-          <a:fillRef idx="0">
-            <a:schemeClr val="accent1"/>
-          </a:fillRef>
-          <a:effectRef idx="0">
-            <a:schemeClr val="accent1"/>
-          </a:effectRef>
-          <a:fontRef idx="minor">
-            <a:schemeClr val="tx1"/>
-          </a:fontRef>
-        </p:style>
-      </p:cxnSp>
-      <p:sp>
-        <p:nvSpPr>
-          <p:cNvPr id="79" name="TextBox 78">
-            <a:extLst>
-              <a:ext uri="{FF2B5EF4-FFF2-40B4-BE49-F238E27FC236}">
-                <a16:creationId xmlns:a16="http://schemas.microsoft.com/office/drawing/2014/main" id="{EC561892-8AB1-2A5E-4AB1-DBE0588336C0}"/>
-              </a:ext>
-            </a:extLst>
-          </p:cNvPr>
-          <p:cNvSpPr txBox="1"/>
-          <p:nvPr/>
-        </p:nvSpPr>
-        <p:spPr>
-          <a:xfrm>
-            <a:off x="7556822" y="6346806"/>
-            <a:ext cx="1320800" cy="338554"/>
-          </a:xfrm>
-          <a:prstGeom prst="rect">
-            <a:avLst/>
-          </a:prstGeom>
-          <a:noFill/>
-        </p:spPr>
-        <p:txBody>
-          <a:bodyPr wrap="square">
-            <a:spAutoFit/>
-          </a:bodyPr>
-          <a:lstStyle/>
-          <a:p>
-            <a:pPr algn="ctr"/>
-            <a:r>
-              <a:rPr lang="en-US" altLang="ko-KR" sz="1600" b="1">
-                <a:solidFill>
-                  <a:schemeClr val="tx1"/>
-                </a:solidFill>
-              </a:rPr>
-              <a:t>SOBEL_TOP</a:t>
-            </a:r>
-            <a:endParaRPr lang="ko-KR" altLang="en-US" sz="1600" b="1">
-              <a:solidFill>
-                <a:schemeClr val="tx1"/>
-              </a:solidFill>
-            </a:endParaRPr>
-          </a:p>
-        </p:txBody>
-      </p:sp>
-      <p:sp>
-        <p:nvSpPr>
-          <p:cNvPr id="80" name="TextBox 79">
-            <a:extLst>
-              <a:ext uri="{FF2B5EF4-FFF2-40B4-BE49-F238E27FC236}">
-                <a16:creationId xmlns:a16="http://schemas.microsoft.com/office/drawing/2014/main" id="{CE8DB0DE-0A92-9D00-734E-988A01003A4E}"/>
-              </a:ext>
-            </a:extLst>
-          </p:cNvPr>
-          <p:cNvSpPr txBox="1"/>
-          <p:nvPr/>
-        </p:nvSpPr>
-        <p:spPr>
-          <a:xfrm>
-            <a:off x="9479262" y="4128189"/>
-            <a:ext cx="1334465" cy="276999"/>
-          </a:xfrm>
-          <a:prstGeom prst="rect">
-            <a:avLst/>
-          </a:prstGeom>
-          <a:noFill/>
-        </p:spPr>
-        <p:txBody>
-          <a:bodyPr wrap="square">
-            <a:spAutoFit/>
-          </a:bodyPr>
-          <a:lstStyle/>
-          <a:p>
-            <a:r>
-              <a:rPr lang="en-US" altLang="ko-KR" sz="1200" b="1"/>
-              <a:t>data_i[0:9][7:0]</a:t>
-            </a:r>
-            <a:endParaRPr lang="ko-KR" altLang="en-US" sz="1200" b="1">
-              <a:solidFill>
-                <a:schemeClr val="tx1"/>
-              </a:solidFill>
-            </a:endParaRPr>
-          </a:p>
-        </p:txBody>
-      </p:sp>
-      <p:sp>
-        <p:nvSpPr>
-          <p:cNvPr id="81" name="TextBox 80">
-            <a:extLst>
-              <a:ext uri="{FF2B5EF4-FFF2-40B4-BE49-F238E27FC236}">
-                <a16:creationId xmlns:a16="http://schemas.microsoft.com/office/drawing/2014/main" id="{98F5C923-FE95-D9BB-F7B1-F5CE6C9DEF42}"/>
-              </a:ext>
-            </a:extLst>
-          </p:cNvPr>
-          <p:cNvSpPr txBox="1"/>
-          <p:nvPr/>
-        </p:nvSpPr>
-        <p:spPr>
-          <a:xfrm>
-            <a:off x="9475069" y="4495608"/>
-            <a:ext cx="1028100" cy="276999"/>
-          </a:xfrm>
-          <a:prstGeom prst="rect">
-            <a:avLst/>
-          </a:prstGeom>
-          <a:noFill/>
-        </p:spPr>
-        <p:txBody>
-          <a:bodyPr wrap="square">
-            <a:spAutoFit/>
-          </a:bodyPr>
-          <a:lstStyle/>
-          <a:p>
-            <a:r>
-              <a:rPr lang="en-US" altLang="ko-KR" sz="1200" b="1">
-                <a:solidFill>
-                  <a:schemeClr val="tx1"/>
-                </a:solidFill>
-              </a:rPr>
-              <a:t>Core_en_</a:t>
-            </a:r>
-            <a:r>
-              <a:rPr lang="en-US" altLang="ko-KR" sz="1200" b="1"/>
-              <a:t>i</a:t>
-            </a:r>
-            <a:endParaRPr lang="ko-KR" altLang="en-US" sz="1200" b="1">
-              <a:solidFill>
-                <a:schemeClr val="tx1"/>
-              </a:solidFill>
-            </a:endParaRPr>
-          </a:p>
-        </p:txBody>
-      </p:sp>
-      <p:cxnSp>
-        <p:nvCxnSpPr>
-          <p:cNvPr id="82" name="직선 연결선 81">
-            <a:extLst>
-              <a:ext uri="{FF2B5EF4-FFF2-40B4-BE49-F238E27FC236}">
-                <a16:creationId xmlns:a16="http://schemas.microsoft.com/office/drawing/2014/main" id="{2AD1A194-0870-EFBF-6B71-763D566E77EC}"/>
-              </a:ext>
-            </a:extLst>
-          </p:cNvPr>
-          <p:cNvCxnSpPr>
-            <a:cxnSpLocks/>
-          </p:cNvCxnSpPr>
-          <p:nvPr/>
-        </p:nvCxnSpPr>
-        <p:spPr>
-          <a:xfrm>
-            <a:off x="8325337" y="5506950"/>
-            <a:ext cx="4125281" cy="0"/>
-          </a:xfrm>
-          <a:prstGeom prst="line">
-            <a:avLst/>
-          </a:prstGeom>
-          <a:ln w="28575">
-            <a:solidFill>
-              <a:schemeClr val="tx1"/>
-            </a:solidFill>
-          </a:ln>
-        </p:spPr>
-        <p:style>
-          <a:lnRef idx="1">
-            <a:schemeClr val="accent1"/>
-          </a:lnRef>
-          <a:fillRef idx="0">
-            <a:schemeClr val="accent1"/>
-          </a:fillRef>
-          <a:effectRef idx="0">
-            <a:schemeClr val="accent1"/>
-          </a:effectRef>
-          <a:fontRef idx="minor">
-            <a:schemeClr val="tx1"/>
-          </a:fontRef>
-        </p:style>
-      </p:cxnSp>
-      <p:sp>
-        <p:nvSpPr>
-          <p:cNvPr id="83" name="TextBox 82">
-            <a:extLst>
-              <a:ext uri="{FF2B5EF4-FFF2-40B4-BE49-F238E27FC236}">
-                <a16:creationId xmlns:a16="http://schemas.microsoft.com/office/drawing/2014/main" id="{154B6515-A013-4149-5F5F-CE7FB7905DC1}"/>
-              </a:ext>
-            </a:extLst>
-          </p:cNvPr>
-          <p:cNvSpPr txBox="1"/>
-          <p:nvPr/>
-        </p:nvSpPr>
-        <p:spPr>
-          <a:xfrm>
-            <a:off x="6851161" y="5337099"/>
-            <a:ext cx="1495904" cy="276999"/>
-          </a:xfrm>
-          <a:prstGeom prst="rect">
-            <a:avLst/>
-          </a:prstGeom>
-          <a:noFill/>
-        </p:spPr>
-        <p:txBody>
-          <a:bodyPr wrap="square">
-            <a:spAutoFit/>
-          </a:bodyPr>
-          <a:lstStyle/>
-          <a:p>
-            <a:r>
-              <a:rPr lang="en-US" altLang="ko-KR" sz="1200" b="1">
-                <a:solidFill>
-                  <a:schemeClr val="tx1"/>
-                </a:solidFill>
-              </a:rPr>
-              <a:t>cnt_buf_col_o[9:0]</a:t>
-            </a:r>
-            <a:endParaRPr lang="ko-KR" altLang="en-US" sz="1200" b="1">
-              <a:solidFill>
-                <a:schemeClr val="tx1"/>
-              </a:solidFill>
-            </a:endParaRPr>
-          </a:p>
-        </p:txBody>
-      </p:sp>
-      <p:sp>
-        <p:nvSpPr>
-          <p:cNvPr id="84" name="TextBox 83">
-            <a:extLst>
-              <a:ext uri="{FF2B5EF4-FFF2-40B4-BE49-F238E27FC236}">
-                <a16:creationId xmlns:a16="http://schemas.microsoft.com/office/drawing/2014/main" id="{32DCFAD3-0DD5-5DD2-2D19-F105B4090C23}"/>
-              </a:ext>
-            </a:extLst>
-          </p:cNvPr>
-          <p:cNvSpPr txBox="1"/>
-          <p:nvPr/>
-        </p:nvSpPr>
-        <p:spPr>
-          <a:xfrm>
-            <a:off x="9542667" y="5244479"/>
-            <a:ext cx="1495904" cy="276999"/>
-          </a:xfrm>
-          <a:prstGeom prst="rect">
-            <a:avLst/>
-          </a:prstGeom>
-          <a:noFill/>
-        </p:spPr>
-        <p:txBody>
-          <a:bodyPr wrap="square">
-            <a:spAutoFit/>
-          </a:bodyPr>
-          <a:lstStyle/>
-          <a:p>
-            <a:r>
-              <a:rPr lang="en-US" altLang="ko-KR" sz="1200" b="1">
-                <a:solidFill>
-                  <a:schemeClr val="tx1"/>
-                </a:solidFill>
-              </a:rPr>
-              <a:t>cnt_buf_col[9:0]</a:t>
-            </a:r>
-            <a:endParaRPr lang="ko-KR" altLang="en-US" sz="1200" b="1">
-              <a:solidFill>
-                <a:schemeClr val="tx1"/>
-              </a:solidFill>
-            </a:endParaRPr>
-          </a:p>
-        </p:txBody>
-      </p:sp>
-      <p:sp>
-        <p:nvSpPr>
-          <p:cNvPr id="85" name="TextBox 84">
-            <a:extLst>
-              <a:ext uri="{FF2B5EF4-FFF2-40B4-BE49-F238E27FC236}">
-                <a16:creationId xmlns:a16="http://schemas.microsoft.com/office/drawing/2014/main" id="{F0CE17C6-0996-B2A0-246D-C0945AC688BB}"/>
-              </a:ext>
-            </a:extLst>
-          </p:cNvPr>
-          <p:cNvSpPr txBox="1"/>
-          <p:nvPr/>
-        </p:nvSpPr>
-        <p:spPr>
-          <a:xfrm>
-            <a:off x="6859862" y="4934856"/>
-            <a:ext cx="1495904" cy="276999"/>
-          </a:xfrm>
-          <a:prstGeom prst="rect">
-            <a:avLst/>
-          </a:prstGeom>
-          <a:noFill/>
-        </p:spPr>
-        <p:txBody>
-          <a:bodyPr wrap="square">
-            <a:spAutoFit/>
-          </a:bodyPr>
-          <a:lstStyle/>
-          <a:p>
-            <a:r>
-              <a:rPr lang="en-US" altLang="ko-KR" sz="1200" b="1">
-                <a:solidFill>
-                  <a:schemeClr val="tx1"/>
-                </a:solidFill>
-              </a:rPr>
-              <a:t>cnt_buf_row_o[9:0]</a:t>
-            </a:r>
-            <a:endParaRPr lang="ko-KR" altLang="en-US" sz="1200" b="1">
-              <a:solidFill>
-                <a:schemeClr val="tx1"/>
-              </a:solidFill>
-            </a:endParaRPr>
-          </a:p>
-        </p:txBody>
-      </p:sp>
-      <p:cxnSp>
-        <p:nvCxnSpPr>
-          <p:cNvPr id="86" name="직선 연결선 85">
-            <a:extLst>
-              <a:ext uri="{FF2B5EF4-FFF2-40B4-BE49-F238E27FC236}">
-                <a16:creationId xmlns:a16="http://schemas.microsoft.com/office/drawing/2014/main" id="{485E8963-0F7B-805F-487C-6EFA897623FB}"/>
-              </a:ext>
-            </a:extLst>
-          </p:cNvPr>
-          <p:cNvCxnSpPr>
-            <a:cxnSpLocks/>
-          </p:cNvCxnSpPr>
-          <p:nvPr/>
-        </p:nvCxnSpPr>
-        <p:spPr>
-          <a:xfrm>
-            <a:off x="8325337" y="5145586"/>
-            <a:ext cx="4031753" cy="0"/>
-          </a:xfrm>
-          <a:prstGeom prst="line">
-            <a:avLst/>
-          </a:prstGeom>
-          <a:ln w="28575">
-            <a:solidFill>
-              <a:schemeClr val="tx1"/>
-            </a:solidFill>
-          </a:ln>
-        </p:spPr>
-        <p:style>
-          <a:lnRef idx="1">
-            <a:schemeClr val="accent1"/>
-          </a:lnRef>
-          <a:fillRef idx="0">
-            <a:schemeClr val="accent1"/>
-          </a:fillRef>
-          <a:effectRef idx="0">
-            <a:schemeClr val="accent1"/>
-          </a:effectRef>
-          <a:fontRef idx="minor">
-            <a:schemeClr val="tx1"/>
-          </a:fontRef>
-        </p:style>
-      </p:cxnSp>
-      <p:sp>
-        <p:nvSpPr>
-          <p:cNvPr id="87" name="TextBox 86">
-            <a:extLst>
-              <a:ext uri="{FF2B5EF4-FFF2-40B4-BE49-F238E27FC236}">
-                <a16:creationId xmlns:a16="http://schemas.microsoft.com/office/drawing/2014/main" id="{F0444B70-C90C-3CFC-3C58-A2DDFE5587A4}"/>
-              </a:ext>
-            </a:extLst>
-          </p:cNvPr>
-          <p:cNvSpPr txBox="1"/>
-          <p:nvPr/>
-        </p:nvSpPr>
-        <p:spPr>
-          <a:xfrm>
-            <a:off x="9491297" y="4862820"/>
-            <a:ext cx="1495904" cy="276999"/>
-          </a:xfrm>
-          <a:prstGeom prst="rect">
-            <a:avLst/>
-          </a:prstGeom>
-          <a:noFill/>
-        </p:spPr>
-        <p:txBody>
-          <a:bodyPr wrap="square">
-            <a:spAutoFit/>
-          </a:bodyPr>
-          <a:lstStyle/>
-          <a:p>
-            <a:r>
-              <a:rPr lang="en-US" altLang="ko-KR" sz="1200" b="1">
-                <a:solidFill>
-                  <a:schemeClr val="tx1"/>
-                </a:solidFill>
-              </a:rPr>
-              <a:t>cnt_buf_row[9:0]</a:t>
-            </a:r>
-            <a:endParaRPr lang="ko-KR" altLang="en-US" sz="1200" b="1">
-              <a:solidFill>
-                <a:schemeClr val="tx1"/>
-              </a:solidFill>
-            </a:endParaRPr>
-          </a:p>
-        </p:txBody>
-      </p:sp>
-      <p:sp>
-        <p:nvSpPr>
-          <p:cNvPr id="88" name="TextBox 87">
-            <a:extLst>
-              <a:ext uri="{FF2B5EF4-FFF2-40B4-BE49-F238E27FC236}">
-                <a16:creationId xmlns:a16="http://schemas.microsoft.com/office/drawing/2014/main" id="{667682E8-9654-6FDB-E329-3CE34E3B72D4}"/>
-              </a:ext>
-            </a:extLst>
-          </p:cNvPr>
-          <p:cNvSpPr txBox="1"/>
-          <p:nvPr/>
-        </p:nvSpPr>
-        <p:spPr>
-          <a:xfrm>
-            <a:off x="10753169" y="3363992"/>
-            <a:ext cx="1012242" cy="276999"/>
-          </a:xfrm>
-          <a:prstGeom prst="rect">
-            <a:avLst/>
-          </a:prstGeom>
-          <a:noFill/>
-        </p:spPr>
-        <p:txBody>
-          <a:bodyPr wrap="square">
-            <a:spAutoFit/>
-          </a:bodyPr>
-          <a:lstStyle/>
-          <a:p>
-            <a:r>
-              <a:rPr lang="en-US" altLang="ko-KR" sz="1200" b="1"/>
-              <a:t>Pixel_o[7:0]</a:t>
-            </a:r>
-            <a:endParaRPr lang="ko-KR" altLang="en-US" sz="1200" b="1">
-              <a:solidFill>
-                <a:schemeClr val="tx1"/>
-              </a:solidFill>
-            </a:endParaRPr>
-          </a:p>
-        </p:txBody>
-      </p:sp>
-      <p:sp>
-        <p:nvSpPr>
-          <p:cNvPr id="90" name="TextBox 89">
-            <a:extLst>
-              <a:ext uri="{FF2B5EF4-FFF2-40B4-BE49-F238E27FC236}">
-                <a16:creationId xmlns:a16="http://schemas.microsoft.com/office/drawing/2014/main" id="{E69CFE24-651C-3399-A3E9-F0B00FB89BBF}"/>
-              </a:ext>
-            </a:extLst>
-          </p:cNvPr>
-          <p:cNvSpPr txBox="1"/>
-          <p:nvPr/>
-        </p:nvSpPr>
-        <p:spPr>
-          <a:xfrm>
-            <a:off x="10732940" y="3603604"/>
-            <a:ext cx="1012242" cy="276999"/>
-          </a:xfrm>
-          <a:prstGeom prst="rect">
-            <a:avLst/>
-          </a:prstGeom>
-          <a:noFill/>
-        </p:spPr>
-        <p:txBody>
-          <a:bodyPr wrap="square">
-            <a:spAutoFit/>
-          </a:bodyPr>
-          <a:lstStyle/>
-          <a:p>
-            <a:pPr algn="r"/>
-            <a:r>
-              <a:rPr lang="en-US" altLang="ko-KR" sz="1200" b="1"/>
-              <a:t>en_o</a:t>
-            </a:r>
-            <a:endParaRPr lang="ko-KR" altLang="en-US" sz="1200" b="1">
-              <a:solidFill>
-                <a:schemeClr val="tx1"/>
-              </a:solidFill>
-            </a:endParaRPr>
-          </a:p>
-        </p:txBody>
-      </p:sp>
-      <p:cxnSp>
-        <p:nvCxnSpPr>
-          <p:cNvPr id="91" name="직선 연결선 90">
-            <a:extLst>
-              <a:ext uri="{FF2B5EF4-FFF2-40B4-BE49-F238E27FC236}">
-                <a16:creationId xmlns:a16="http://schemas.microsoft.com/office/drawing/2014/main" id="{38C90CF7-F3DB-1585-2727-618C0EDE32BE}"/>
-              </a:ext>
-            </a:extLst>
-          </p:cNvPr>
-          <p:cNvCxnSpPr>
-            <a:cxnSpLocks/>
-          </p:cNvCxnSpPr>
-          <p:nvPr/>
-        </p:nvCxnSpPr>
-        <p:spPr>
-          <a:xfrm>
-            <a:off x="11745182" y="3525192"/>
-            <a:ext cx="1223817" cy="0"/>
-          </a:xfrm>
-          <a:prstGeom prst="line">
-            <a:avLst/>
-          </a:prstGeom>
-          <a:ln w="28575">
-            <a:solidFill>
-              <a:srgbClr val="FF0000"/>
-            </a:solidFill>
-          </a:ln>
-        </p:spPr>
-        <p:style>
-          <a:lnRef idx="1">
-            <a:schemeClr val="accent1"/>
-          </a:lnRef>
-          <a:fillRef idx="0">
-            <a:schemeClr val="accent1"/>
-          </a:fillRef>
-          <a:effectRef idx="0">
-            <a:schemeClr val="accent1"/>
-          </a:effectRef>
-          <a:fontRef idx="minor">
-            <a:schemeClr val="tx1"/>
-          </a:fontRef>
-        </p:style>
-      </p:cxnSp>
-      <p:cxnSp>
-        <p:nvCxnSpPr>
-          <p:cNvPr id="92" name="직선 연결선 91">
-            <a:extLst>
-              <a:ext uri="{FF2B5EF4-FFF2-40B4-BE49-F238E27FC236}">
-                <a16:creationId xmlns:a16="http://schemas.microsoft.com/office/drawing/2014/main" id="{AEDA23A9-4B32-77FE-564F-3C7C95A32ABA}"/>
-              </a:ext>
-            </a:extLst>
-          </p:cNvPr>
-          <p:cNvCxnSpPr>
-            <a:cxnSpLocks/>
-          </p:cNvCxnSpPr>
-          <p:nvPr/>
-        </p:nvCxnSpPr>
-        <p:spPr>
-          <a:xfrm>
-            <a:off x="11745182" y="3771884"/>
-            <a:ext cx="1223817" cy="0"/>
-          </a:xfrm>
-          <a:prstGeom prst="line">
-            <a:avLst/>
-          </a:prstGeom>
-          <a:ln w="28575">
-            <a:solidFill>
-              <a:schemeClr val="tx1"/>
-            </a:solidFill>
-          </a:ln>
-        </p:spPr>
-        <p:style>
-          <a:lnRef idx="1">
-            <a:schemeClr val="accent1"/>
-          </a:lnRef>
-          <a:fillRef idx="0">
-            <a:schemeClr val="accent1"/>
-          </a:fillRef>
-          <a:effectRef idx="0">
-            <a:schemeClr val="accent1"/>
-          </a:effectRef>
-          <a:fontRef idx="minor">
-            <a:schemeClr val="tx1"/>
-          </a:fontRef>
-        </p:style>
-      </p:cxnSp>
-      <p:sp>
-        <p:nvSpPr>
-          <p:cNvPr id="97" name="직사각형 96">
-            <a:extLst>
-              <a:ext uri="{FF2B5EF4-FFF2-40B4-BE49-F238E27FC236}">
-                <a16:creationId xmlns:a16="http://schemas.microsoft.com/office/drawing/2014/main" id="{F50B75C2-3849-6172-8689-3C6699CEBE3B}"/>
-              </a:ext>
-            </a:extLst>
-          </p:cNvPr>
-          <p:cNvSpPr/>
-          <p:nvPr/>
-        </p:nvSpPr>
-        <p:spPr>
-          <a:xfrm>
-            <a:off x="10987201" y="5073793"/>
-            <a:ext cx="224652" cy="224220"/>
-          </a:xfrm>
-          <a:prstGeom prst="rect">
-            <a:avLst/>
-          </a:prstGeom>
-          <a:solidFill>
-            <a:schemeClr val="bg1"/>
-          </a:solidFill>
-          <a:ln>
-            <a:solidFill>
-              <a:schemeClr val="tx1"/>
-            </a:solidFill>
-          </a:ln>
-        </p:spPr>
-        <p:style>
-          <a:lnRef idx="2">
-            <a:schemeClr val="accent1">
-              <a:shade val="50000"/>
-            </a:schemeClr>
-          </a:lnRef>
-          <a:fillRef idx="1">
-            <a:schemeClr val="accent1"/>
-          </a:fillRef>
-          <a:effectRef idx="0">
-            <a:schemeClr val="accent1"/>
-          </a:effectRef>
-          <a:fontRef idx="minor">
-            <a:schemeClr val="lt1"/>
-          </a:fontRef>
-        </p:style>
-        <p:txBody>
-          <a:bodyPr rtlCol="0" anchor="ctr"/>
-          <a:lstStyle/>
-          <a:p>
-            <a:pPr algn="ctr"/>
-            <a:endParaRPr lang="ko-KR" altLang="en-US"/>
-          </a:p>
-        </p:txBody>
-      </p:sp>
-      <p:sp>
-        <p:nvSpPr>
-          <p:cNvPr id="99" name="이등변 삼각형 98">
-            <a:extLst>
-              <a:ext uri="{FF2B5EF4-FFF2-40B4-BE49-F238E27FC236}">
-                <a16:creationId xmlns:a16="http://schemas.microsoft.com/office/drawing/2014/main" id="{547510EF-A1FE-F26B-13D6-EAD06DC42A84}"/>
-              </a:ext>
-            </a:extLst>
-          </p:cNvPr>
-          <p:cNvSpPr/>
-          <p:nvPr/>
-        </p:nvSpPr>
-        <p:spPr>
-          <a:xfrm rot="5400000">
-            <a:off x="10987851" y="5207475"/>
-            <a:ext cx="45719" cy="45719"/>
-          </a:xfrm>
-          <a:prstGeom prst="triangle">
-            <a:avLst/>
-          </a:prstGeom>
-          <a:solidFill>
-            <a:schemeClr val="bg1"/>
-          </a:solidFill>
-          <a:ln>
-            <a:solidFill>
-              <a:schemeClr val="tx1"/>
-            </a:solidFill>
-          </a:ln>
-        </p:spPr>
-        <p:style>
-          <a:lnRef idx="2">
-            <a:schemeClr val="accent1">
-              <a:shade val="50000"/>
-            </a:schemeClr>
-          </a:lnRef>
-          <a:fillRef idx="1">
-            <a:schemeClr val="accent1"/>
-          </a:fillRef>
-          <a:effectRef idx="0">
-            <a:schemeClr val="accent1"/>
-          </a:effectRef>
-          <a:fontRef idx="minor">
-            <a:schemeClr val="lt1"/>
-          </a:fontRef>
-        </p:style>
-        <p:txBody>
-          <a:bodyPr rtlCol="0" anchor="ctr"/>
-          <a:lstStyle/>
-          <a:p>
-            <a:pPr algn="ctr"/>
-            <a:endParaRPr lang="ko-KR" altLang="en-US"/>
-          </a:p>
-        </p:txBody>
-      </p:sp>
-      <p:sp>
-        <p:nvSpPr>
-          <p:cNvPr id="100" name="직사각형 99">
-            <a:extLst>
-              <a:ext uri="{FF2B5EF4-FFF2-40B4-BE49-F238E27FC236}">
-                <a16:creationId xmlns:a16="http://schemas.microsoft.com/office/drawing/2014/main" id="{EF41F310-4F61-1408-98E8-CB6042A09895}"/>
-              </a:ext>
-            </a:extLst>
-          </p:cNvPr>
-          <p:cNvSpPr/>
-          <p:nvPr/>
-        </p:nvSpPr>
-        <p:spPr>
-          <a:xfrm>
-            <a:off x="10988129" y="5429390"/>
-            <a:ext cx="224652" cy="224220"/>
-          </a:xfrm>
-          <a:prstGeom prst="rect">
-            <a:avLst/>
-          </a:prstGeom>
-          <a:solidFill>
-            <a:schemeClr val="bg1"/>
-          </a:solidFill>
-          <a:ln>
-            <a:solidFill>
-              <a:schemeClr val="tx1"/>
-            </a:solidFill>
-          </a:ln>
-        </p:spPr>
-        <p:style>
-          <a:lnRef idx="2">
-            <a:schemeClr val="accent1">
-              <a:shade val="50000"/>
-            </a:schemeClr>
-          </a:lnRef>
-          <a:fillRef idx="1">
-            <a:schemeClr val="accent1"/>
-          </a:fillRef>
-          <a:effectRef idx="0">
-            <a:schemeClr val="accent1"/>
-          </a:effectRef>
-          <a:fontRef idx="minor">
-            <a:schemeClr val="lt1"/>
-          </a:fontRef>
-        </p:style>
-        <p:txBody>
-          <a:bodyPr rtlCol="0" anchor="ctr"/>
-          <a:lstStyle/>
-          <a:p>
-            <a:pPr algn="ctr"/>
-            <a:endParaRPr lang="ko-KR" altLang="en-US"/>
-          </a:p>
-        </p:txBody>
-      </p:sp>
-      <p:sp>
-        <p:nvSpPr>
-          <p:cNvPr id="101" name="이등변 삼각형 100">
-            <a:extLst>
-              <a:ext uri="{FF2B5EF4-FFF2-40B4-BE49-F238E27FC236}">
-                <a16:creationId xmlns:a16="http://schemas.microsoft.com/office/drawing/2014/main" id="{E5E6E961-5BA8-62E3-C8C5-A642886E6BD2}"/>
-              </a:ext>
-            </a:extLst>
-          </p:cNvPr>
-          <p:cNvSpPr/>
-          <p:nvPr/>
-        </p:nvSpPr>
-        <p:spPr>
-          <a:xfrm rot="5400000">
-            <a:off x="10988779" y="5563072"/>
-            <a:ext cx="45719" cy="45719"/>
-          </a:xfrm>
-          <a:prstGeom prst="triangle">
-            <a:avLst/>
-          </a:prstGeom>
-          <a:solidFill>
-            <a:schemeClr val="bg1"/>
-          </a:solidFill>
-          <a:ln>
-            <a:solidFill>
-              <a:schemeClr val="tx1"/>
-            </a:solidFill>
-          </a:ln>
-        </p:spPr>
-        <p:style>
-          <a:lnRef idx="2">
-            <a:schemeClr val="accent1">
-              <a:shade val="50000"/>
-            </a:schemeClr>
-          </a:lnRef>
-          <a:fillRef idx="1">
-            <a:schemeClr val="accent1"/>
-          </a:fillRef>
-          <a:effectRef idx="0">
-            <a:schemeClr val="accent1"/>
-          </a:effectRef>
-          <a:fontRef idx="minor">
-            <a:schemeClr val="lt1"/>
-          </a:fontRef>
-        </p:style>
-        <p:txBody>
-          <a:bodyPr rtlCol="0" anchor="ctr"/>
-          <a:lstStyle/>
-          <a:p>
-            <a:pPr algn="ctr"/>
-            <a:endParaRPr lang="ko-KR" altLang="en-US"/>
-          </a:p>
-        </p:txBody>
-      </p:sp>
-      <p:cxnSp>
-        <p:nvCxnSpPr>
-          <p:cNvPr id="102" name="직선 화살표 연결선 101">
-            <a:extLst>
-              <a:ext uri="{FF2B5EF4-FFF2-40B4-BE49-F238E27FC236}">
-                <a16:creationId xmlns:a16="http://schemas.microsoft.com/office/drawing/2014/main" id="{63C1AB6D-5401-1FBB-B055-EE54A2847922}"/>
-              </a:ext>
-            </a:extLst>
-          </p:cNvPr>
-          <p:cNvCxnSpPr/>
-          <p:nvPr/>
-        </p:nvCxnSpPr>
-        <p:spPr>
-          <a:xfrm>
-            <a:off x="-979053" y="2095255"/>
-            <a:ext cx="683489" cy="0"/>
-          </a:xfrm>
-          <a:prstGeom prst="straightConnector1">
-            <a:avLst/>
-          </a:prstGeom>
-          <a:ln w="57150">
-            <a:solidFill>
-              <a:srgbClr val="FF0000"/>
-            </a:solidFill>
-            <a:tailEnd type="triangle"/>
-          </a:ln>
-        </p:spPr>
-        <p:style>
-          <a:lnRef idx="1">
-            <a:schemeClr val="accent1"/>
-          </a:lnRef>
-          <a:fillRef idx="0">
-            <a:schemeClr val="accent1"/>
-          </a:fillRef>
-          <a:effectRef idx="0">
-            <a:schemeClr val="accent1"/>
-          </a:effectRef>
-          <a:fontRef idx="minor">
-            <a:schemeClr val="tx1"/>
-          </a:fontRef>
-        </p:style>
-      </p:cxnSp>
-      <p:cxnSp>
-        <p:nvCxnSpPr>
-          <p:cNvPr id="103" name="직선 화살표 연결선 102">
-            <a:extLst>
-              <a:ext uri="{FF2B5EF4-FFF2-40B4-BE49-F238E27FC236}">
-                <a16:creationId xmlns:a16="http://schemas.microsoft.com/office/drawing/2014/main" id="{09A23163-18EB-959A-1517-23D22B8AC1C1}"/>
-              </a:ext>
-            </a:extLst>
-          </p:cNvPr>
-          <p:cNvCxnSpPr>
-            <a:cxnSpLocks/>
-          </p:cNvCxnSpPr>
-          <p:nvPr/>
-        </p:nvCxnSpPr>
-        <p:spPr>
-          <a:xfrm>
-            <a:off x="1173020" y="3622982"/>
-            <a:ext cx="457080" cy="0"/>
-          </a:xfrm>
-          <a:prstGeom prst="straightConnector1">
-            <a:avLst/>
-          </a:prstGeom>
-          <a:ln w="57150">
-            <a:solidFill>
-              <a:srgbClr val="FF0000"/>
-            </a:solidFill>
-            <a:tailEnd type="triangle"/>
-          </a:ln>
-        </p:spPr>
-        <p:style>
-          <a:lnRef idx="1">
-            <a:schemeClr val="accent1"/>
-          </a:lnRef>
-          <a:fillRef idx="0">
-            <a:schemeClr val="accent1"/>
-          </a:fillRef>
-          <a:effectRef idx="0">
-            <a:schemeClr val="accent1"/>
-          </a:effectRef>
-          <a:fontRef idx="minor">
-            <a:schemeClr val="tx1"/>
-          </a:fontRef>
-        </p:style>
-      </p:cxnSp>
-      <p:cxnSp>
-        <p:nvCxnSpPr>
-          <p:cNvPr id="105" name="직선 화살표 연결선 104">
-            <a:extLst>
-              <a:ext uri="{FF2B5EF4-FFF2-40B4-BE49-F238E27FC236}">
-                <a16:creationId xmlns:a16="http://schemas.microsoft.com/office/drawing/2014/main" id="{7BE64507-2554-01F1-C0E6-057D28B9F3D4}"/>
-              </a:ext>
-            </a:extLst>
-          </p:cNvPr>
-          <p:cNvCxnSpPr>
-            <a:cxnSpLocks/>
-          </p:cNvCxnSpPr>
-          <p:nvPr/>
-        </p:nvCxnSpPr>
-        <p:spPr>
-          <a:xfrm>
-            <a:off x="4261394" y="4405188"/>
-            <a:ext cx="457080" cy="0"/>
-          </a:xfrm>
-          <a:prstGeom prst="straightConnector1">
-            <a:avLst/>
-          </a:prstGeom>
-          <a:ln w="57150">
-            <a:solidFill>
-              <a:srgbClr val="FF0000"/>
-            </a:solidFill>
-            <a:tailEnd type="triangle"/>
-          </a:ln>
-        </p:spPr>
-        <p:style>
-          <a:lnRef idx="1">
-            <a:schemeClr val="accent1"/>
-          </a:lnRef>
-          <a:fillRef idx="0">
-            <a:schemeClr val="accent1"/>
-          </a:fillRef>
-          <a:effectRef idx="0">
-            <a:schemeClr val="accent1"/>
-          </a:effectRef>
-          <a:fontRef idx="minor">
-            <a:schemeClr val="tx1"/>
-          </a:fontRef>
-        </p:style>
-      </p:cxnSp>
-      <p:cxnSp>
-        <p:nvCxnSpPr>
-          <p:cNvPr id="106" name="직선 화살표 연결선 105">
-            <a:extLst>
-              <a:ext uri="{FF2B5EF4-FFF2-40B4-BE49-F238E27FC236}">
-                <a16:creationId xmlns:a16="http://schemas.microsoft.com/office/drawing/2014/main" id="{CFBFE788-4808-8EF2-1156-4E67C0D4FEFE}"/>
-              </a:ext>
-            </a:extLst>
-          </p:cNvPr>
-          <p:cNvCxnSpPr>
-            <a:cxnSpLocks/>
-          </p:cNvCxnSpPr>
-          <p:nvPr/>
-        </p:nvCxnSpPr>
-        <p:spPr>
-          <a:xfrm>
-            <a:off x="8649082" y="4287424"/>
-            <a:ext cx="457080" cy="0"/>
-          </a:xfrm>
-          <a:prstGeom prst="straightConnector1">
-            <a:avLst/>
-          </a:prstGeom>
-          <a:ln w="57150">
-            <a:solidFill>
-              <a:srgbClr val="FF0000"/>
-            </a:solidFill>
-            <a:tailEnd type="triangle"/>
-          </a:ln>
-        </p:spPr>
-        <p:style>
-          <a:lnRef idx="1">
-            <a:schemeClr val="accent1"/>
-          </a:lnRef>
-          <a:fillRef idx="0">
-            <a:schemeClr val="accent1"/>
-          </a:fillRef>
-          <a:effectRef idx="0">
-            <a:schemeClr val="accent1"/>
-          </a:effectRef>
-          <a:fontRef idx="minor">
-            <a:schemeClr val="tx1"/>
-          </a:fontRef>
-        </p:style>
-      </p:cxnSp>
-      <p:cxnSp>
-        <p:nvCxnSpPr>
-          <p:cNvPr id="107" name="직선 화살표 연결선 106">
-            <a:extLst>
-              <a:ext uri="{FF2B5EF4-FFF2-40B4-BE49-F238E27FC236}">
-                <a16:creationId xmlns:a16="http://schemas.microsoft.com/office/drawing/2014/main" id="{3EC89276-68E9-E459-9C69-6597E44FFF5C}"/>
-              </a:ext>
-            </a:extLst>
-          </p:cNvPr>
-          <p:cNvCxnSpPr>
-            <a:cxnSpLocks/>
-          </p:cNvCxnSpPr>
-          <p:nvPr/>
-        </p:nvCxnSpPr>
-        <p:spPr>
-          <a:xfrm>
-            <a:off x="12222078" y="3526713"/>
-            <a:ext cx="457080" cy="0"/>
-          </a:xfrm>
-          <a:prstGeom prst="straightConnector1">
-            <a:avLst/>
-          </a:prstGeom>
-          <a:ln w="57150">
-            <a:solidFill>
-              <a:srgbClr val="FF0000"/>
-            </a:solidFill>
-            <a:tailEnd type="triangle"/>
-          </a:ln>
-        </p:spPr>
-        <p:style>
-          <a:lnRef idx="1">
-            <a:schemeClr val="accent1"/>
-          </a:lnRef>
-          <a:fillRef idx="0">
-            <a:schemeClr val="accent1"/>
-          </a:fillRef>
-          <a:effectRef idx="0">
-            <a:schemeClr val="accent1"/>
-          </a:effectRef>
-          <a:fontRef idx="minor">
-            <a:schemeClr val="tx1"/>
-          </a:fontRef>
-        </p:style>
-      </p:cxnSp>
-      <p:cxnSp>
-        <p:nvCxnSpPr>
-          <p:cNvPr id="108" name="직선 화살표 연결선 107">
-            <a:extLst>
-              <a:ext uri="{FF2B5EF4-FFF2-40B4-BE49-F238E27FC236}">
-                <a16:creationId xmlns:a16="http://schemas.microsoft.com/office/drawing/2014/main" id="{964F7618-8D9E-BB44-5EDE-C0F8BBC79E6A}"/>
-              </a:ext>
-            </a:extLst>
-          </p:cNvPr>
-          <p:cNvCxnSpPr>
-            <a:cxnSpLocks/>
-          </p:cNvCxnSpPr>
-          <p:nvPr/>
-        </p:nvCxnSpPr>
-        <p:spPr>
-          <a:xfrm>
-            <a:off x="-785090" y="687983"/>
-            <a:ext cx="489526" cy="0"/>
-          </a:xfrm>
-          <a:prstGeom prst="straightConnector1">
-            <a:avLst/>
-          </a:prstGeom>
-          <a:ln w="57150">
-            <a:solidFill>
-              <a:srgbClr val="00B0F0"/>
-            </a:solidFill>
-            <a:tailEnd type="triangle"/>
-          </a:ln>
-        </p:spPr>
-        <p:style>
-          <a:lnRef idx="1">
-            <a:schemeClr val="accent1"/>
-          </a:lnRef>
-          <a:fillRef idx="0">
-            <a:schemeClr val="accent1"/>
-          </a:fillRef>
-          <a:effectRef idx="0">
-            <a:schemeClr val="accent1"/>
-          </a:effectRef>
-          <a:fontRef idx="minor">
-            <a:schemeClr val="tx1"/>
-          </a:fontRef>
-        </p:style>
-      </p:cxnSp>
-      <p:cxnSp>
-        <p:nvCxnSpPr>
-          <p:cNvPr id="110" name="직선 연결선 109">
-            <a:extLst>
-              <a:ext uri="{FF2B5EF4-FFF2-40B4-BE49-F238E27FC236}">
-                <a16:creationId xmlns:a16="http://schemas.microsoft.com/office/drawing/2014/main" id="{C4379F4E-B94C-56DF-3C55-2C306FD7CE52}"/>
-              </a:ext>
-            </a:extLst>
-          </p:cNvPr>
-          <p:cNvCxnSpPr>
-            <a:cxnSpLocks/>
-          </p:cNvCxnSpPr>
-          <p:nvPr/>
-        </p:nvCxnSpPr>
-        <p:spPr>
-          <a:xfrm>
-            <a:off x="-188820" y="687983"/>
-            <a:ext cx="292725" cy="0"/>
-          </a:xfrm>
-          <a:prstGeom prst="line">
-            <a:avLst/>
-          </a:prstGeom>
-          <a:ln w="28575">
-            <a:solidFill>
-              <a:schemeClr val="tx1"/>
-            </a:solidFill>
-          </a:ln>
-        </p:spPr>
-        <p:style>
-          <a:lnRef idx="1">
-            <a:schemeClr val="accent1"/>
-          </a:lnRef>
-          <a:fillRef idx="0">
-            <a:schemeClr val="accent1"/>
-          </a:fillRef>
-          <a:effectRef idx="0">
-            <a:schemeClr val="accent1"/>
-          </a:effectRef>
-          <a:fontRef idx="minor">
-            <a:schemeClr val="tx1"/>
-          </a:fontRef>
-        </p:style>
-      </p:cxnSp>
-      <p:sp>
-        <p:nvSpPr>
-          <p:cNvPr id="112" name="TextBox 111">
-            <a:extLst>
-              <a:ext uri="{FF2B5EF4-FFF2-40B4-BE49-F238E27FC236}">
-                <a16:creationId xmlns:a16="http://schemas.microsoft.com/office/drawing/2014/main" id="{00BD5465-B582-0113-9E96-99A7501D7570}"/>
-              </a:ext>
-            </a:extLst>
-          </p:cNvPr>
-          <p:cNvSpPr txBox="1"/>
-          <p:nvPr/>
-        </p:nvSpPr>
-        <p:spPr>
-          <a:xfrm>
-            <a:off x="112674" y="535099"/>
-            <a:ext cx="727835" cy="276999"/>
-          </a:xfrm>
-          <a:prstGeom prst="rect">
-            <a:avLst/>
-          </a:prstGeom>
-          <a:noFill/>
-        </p:spPr>
-        <p:txBody>
-          <a:bodyPr wrap="square">
-            <a:spAutoFit/>
-          </a:bodyPr>
-          <a:lstStyle/>
-          <a:p>
-            <a:r>
-              <a:rPr lang="en-US" altLang="ko-KR" sz="1200" b="1">
-                <a:solidFill>
-                  <a:schemeClr val="tx1"/>
-                </a:solidFill>
-              </a:rPr>
-              <a:t>Start_i</a:t>
-            </a:r>
-            <a:endParaRPr lang="ko-KR" altLang="en-US" sz="1200" b="1">
-              <a:solidFill>
-                <a:schemeClr val="tx1"/>
-              </a:solidFill>
-            </a:endParaRPr>
-          </a:p>
-        </p:txBody>
-      </p:sp>
-      <p:cxnSp>
-        <p:nvCxnSpPr>
-          <p:cNvPr id="113" name="직선 화살표 연결선 112">
-            <a:extLst>
-              <a:ext uri="{FF2B5EF4-FFF2-40B4-BE49-F238E27FC236}">
-                <a16:creationId xmlns:a16="http://schemas.microsoft.com/office/drawing/2014/main" id="{2DE170E8-52C9-77C5-55B8-BD7C90694F36}"/>
-              </a:ext>
-            </a:extLst>
-          </p:cNvPr>
-          <p:cNvCxnSpPr>
-            <a:cxnSpLocks/>
-          </p:cNvCxnSpPr>
-          <p:nvPr/>
-        </p:nvCxnSpPr>
-        <p:spPr>
-          <a:xfrm>
-            <a:off x="2540826" y="2027739"/>
-            <a:ext cx="0" cy="600490"/>
-          </a:xfrm>
-          <a:prstGeom prst="straightConnector1">
-            <a:avLst/>
-          </a:prstGeom>
-          <a:ln w="57150">
-            <a:solidFill>
-              <a:srgbClr val="00B0F0"/>
-            </a:solidFill>
-            <a:tailEnd type="triangle"/>
-          </a:ln>
-        </p:spPr>
-        <p:style>
-          <a:lnRef idx="1">
-            <a:schemeClr val="accent1"/>
-          </a:lnRef>
-          <a:fillRef idx="0">
-            <a:schemeClr val="accent1"/>
-          </a:fillRef>
-          <a:effectRef idx="0">
-            <a:schemeClr val="accent1"/>
-          </a:effectRef>
-          <a:fontRef idx="minor">
-            <a:schemeClr val="tx1"/>
-          </a:fontRef>
-        </p:style>
-      </p:cxnSp>
-      <p:sp>
-        <p:nvSpPr>
-          <p:cNvPr id="115" name="TextBox 114">
-            <a:extLst>
-              <a:ext uri="{FF2B5EF4-FFF2-40B4-BE49-F238E27FC236}">
-                <a16:creationId xmlns:a16="http://schemas.microsoft.com/office/drawing/2014/main" id="{90CFC03F-08B8-5ED9-C651-9455A6014A9A}"/>
-              </a:ext>
-            </a:extLst>
-          </p:cNvPr>
-          <p:cNvSpPr txBox="1"/>
-          <p:nvPr/>
-        </p:nvSpPr>
-        <p:spPr>
-          <a:xfrm>
-            <a:off x="-701964" y="240207"/>
-            <a:ext cx="406400" cy="369332"/>
-          </a:xfrm>
-          <a:prstGeom prst="rect">
-            <a:avLst/>
-          </a:prstGeom>
-          <a:noFill/>
-        </p:spPr>
-        <p:txBody>
-          <a:bodyPr wrap="square" rtlCol="0">
-            <a:spAutoFit/>
-          </a:bodyPr>
-          <a:lstStyle/>
-          <a:p>
-            <a:r>
-              <a:rPr lang="en-US" altLang="ko-KR" b="1">
-                <a:solidFill>
-                  <a:srgbClr val="00B0F0"/>
-                </a:solidFill>
-              </a:rPr>
-              <a:t>1</a:t>
-            </a:r>
-            <a:endParaRPr lang="ko-KR" altLang="en-US" b="1">
-              <a:solidFill>
-                <a:srgbClr val="00B0F0"/>
-              </a:solidFill>
-            </a:endParaRPr>
-          </a:p>
-        </p:txBody>
-      </p:sp>
-      <p:sp>
-        <p:nvSpPr>
-          <p:cNvPr id="116" name="TextBox 115">
-            <a:extLst>
-              <a:ext uri="{FF2B5EF4-FFF2-40B4-BE49-F238E27FC236}">
-                <a16:creationId xmlns:a16="http://schemas.microsoft.com/office/drawing/2014/main" id="{3A29C3C1-E561-DD0E-2D4A-4C4D0F760822}"/>
-              </a:ext>
-            </a:extLst>
-          </p:cNvPr>
-          <p:cNvSpPr txBox="1"/>
-          <p:nvPr/>
-        </p:nvSpPr>
-        <p:spPr>
-          <a:xfrm>
-            <a:off x="2569942" y="2143109"/>
-            <a:ext cx="406400" cy="369332"/>
-          </a:xfrm>
-          <a:prstGeom prst="rect">
-            <a:avLst/>
-          </a:prstGeom>
-          <a:noFill/>
-        </p:spPr>
-        <p:txBody>
-          <a:bodyPr wrap="square" rtlCol="0">
-            <a:spAutoFit/>
-          </a:bodyPr>
-          <a:lstStyle/>
-          <a:p>
-            <a:r>
-              <a:rPr lang="en-US" altLang="ko-KR" b="1">
-                <a:solidFill>
-                  <a:srgbClr val="00B0F0"/>
-                </a:solidFill>
-              </a:rPr>
-              <a:t>2</a:t>
-            </a:r>
-            <a:endParaRPr lang="ko-KR" altLang="en-US" b="1">
-              <a:solidFill>
-                <a:srgbClr val="00B0F0"/>
-              </a:solidFill>
-            </a:endParaRPr>
-          </a:p>
-        </p:txBody>
-      </p:sp>
-      <p:cxnSp>
-        <p:nvCxnSpPr>
-          <p:cNvPr id="117" name="직선 화살표 연결선 116">
-            <a:extLst>
-              <a:ext uri="{FF2B5EF4-FFF2-40B4-BE49-F238E27FC236}">
-                <a16:creationId xmlns:a16="http://schemas.microsoft.com/office/drawing/2014/main" id="{7B025880-C583-E806-7705-CBBBAAA270BD}"/>
-              </a:ext>
-            </a:extLst>
-          </p:cNvPr>
-          <p:cNvCxnSpPr>
-            <a:cxnSpLocks/>
-          </p:cNvCxnSpPr>
-          <p:nvPr/>
-        </p:nvCxnSpPr>
-        <p:spPr>
-          <a:xfrm>
-            <a:off x="4012536" y="3915046"/>
-            <a:ext cx="369346" cy="0"/>
-          </a:xfrm>
-          <a:prstGeom prst="straightConnector1">
-            <a:avLst/>
-          </a:prstGeom>
-          <a:ln w="57150">
-            <a:solidFill>
-              <a:srgbClr val="00B0F0"/>
-            </a:solidFill>
-            <a:tailEnd type="triangle"/>
-          </a:ln>
-        </p:spPr>
-        <p:style>
-          <a:lnRef idx="1">
-            <a:schemeClr val="accent1"/>
-          </a:lnRef>
-          <a:fillRef idx="0">
-            <a:schemeClr val="accent1"/>
-          </a:fillRef>
-          <a:effectRef idx="0">
-            <a:schemeClr val="accent1"/>
-          </a:effectRef>
-          <a:fontRef idx="minor">
-            <a:schemeClr val="tx1"/>
-          </a:fontRef>
-        </p:style>
-      </p:cxnSp>
-      <p:sp>
-        <p:nvSpPr>
-          <p:cNvPr id="120" name="TextBox 119">
-            <a:extLst>
-              <a:ext uri="{FF2B5EF4-FFF2-40B4-BE49-F238E27FC236}">
-                <a16:creationId xmlns:a16="http://schemas.microsoft.com/office/drawing/2014/main" id="{727F24E2-44F1-0764-B69F-61F595CCC418}"/>
-              </a:ext>
-            </a:extLst>
-          </p:cNvPr>
-          <p:cNvSpPr txBox="1"/>
-          <p:nvPr/>
-        </p:nvSpPr>
-        <p:spPr>
-          <a:xfrm>
-            <a:off x="4016915" y="3470775"/>
-            <a:ext cx="406400" cy="369332"/>
-          </a:xfrm>
-          <a:prstGeom prst="rect">
-            <a:avLst/>
-          </a:prstGeom>
-          <a:noFill/>
-        </p:spPr>
-        <p:txBody>
-          <a:bodyPr wrap="square" rtlCol="0">
-            <a:spAutoFit/>
-          </a:bodyPr>
-          <a:lstStyle/>
-          <a:p>
-            <a:r>
-              <a:rPr lang="en-US" altLang="ko-KR" b="1">
-                <a:solidFill>
-                  <a:srgbClr val="00B0F0"/>
-                </a:solidFill>
-              </a:rPr>
-              <a:t>3</a:t>
-            </a:r>
-            <a:endParaRPr lang="ko-KR" altLang="en-US" b="1">
-              <a:solidFill>
-                <a:srgbClr val="00B0F0"/>
-              </a:solidFill>
-            </a:endParaRPr>
-          </a:p>
-        </p:txBody>
-      </p:sp>
-      <p:cxnSp>
-        <p:nvCxnSpPr>
-          <p:cNvPr id="122" name="직선 화살표 연결선 121">
-            <a:extLst>
-              <a:ext uri="{FF2B5EF4-FFF2-40B4-BE49-F238E27FC236}">
-                <a16:creationId xmlns:a16="http://schemas.microsoft.com/office/drawing/2014/main" id="{39FA6BE5-5FE0-112E-BB78-D7D1E7891203}"/>
-              </a:ext>
-            </a:extLst>
-          </p:cNvPr>
-          <p:cNvCxnSpPr>
-            <a:cxnSpLocks/>
-          </p:cNvCxnSpPr>
-          <p:nvPr/>
-        </p:nvCxnSpPr>
-        <p:spPr>
-          <a:xfrm>
-            <a:off x="8396887" y="3344464"/>
-            <a:ext cx="369346" cy="0"/>
-          </a:xfrm>
-          <a:prstGeom prst="straightConnector1">
-            <a:avLst/>
-          </a:prstGeom>
-          <a:ln w="57150">
-            <a:solidFill>
-              <a:srgbClr val="00B0F0"/>
-            </a:solidFill>
-            <a:tailEnd type="triangle"/>
-          </a:ln>
-        </p:spPr>
-        <p:style>
-          <a:lnRef idx="1">
-            <a:schemeClr val="accent1"/>
-          </a:lnRef>
-          <a:fillRef idx="0">
-            <a:schemeClr val="accent1"/>
-          </a:fillRef>
-          <a:effectRef idx="0">
-            <a:schemeClr val="accent1"/>
-          </a:effectRef>
-          <a:fontRef idx="minor">
-            <a:schemeClr val="tx1"/>
-          </a:fontRef>
-        </p:style>
-      </p:cxnSp>
-      <p:cxnSp>
-        <p:nvCxnSpPr>
-          <p:cNvPr id="124" name="직선 연결선 123">
-            <a:extLst>
-              <a:ext uri="{FF2B5EF4-FFF2-40B4-BE49-F238E27FC236}">
-                <a16:creationId xmlns:a16="http://schemas.microsoft.com/office/drawing/2014/main" id="{9E969901-CADC-A5A6-0279-22A6FFD549CB}"/>
-              </a:ext>
-            </a:extLst>
-          </p:cNvPr>
-          <p:cNvCxnSpPr>
-            <a:cxnSpLocks/>
-          </p:cNvCxnSpPr>
-          <p:nvPr/>
-        </p:nvCxnSpPr>
-        <p:spPr>
-          <a:xfrm flipV="1">
-            <a:off x="6729752" y="1708726"/>
-            <a:ext cx="0" cy="1354801"/>
-          </a:xfrm>
-          <a:prstGeom prst="line">
-            <a:avLst/>
-          </a:prstGeom>
-          <a:ln w="28575">
-            <a:solidFill>
-              <a:schemeClr val="tx1"/>
-            </a:solidFill>
-          </a:ln>
-        </p:spPr>
-        <p:style>
-          <a:lnRef idx="1">
-            <a:schemeClr val="accent1"/>
-          </a:lnRef>
-          <a:fillRef idx="0">
-            <a:schemeClr val="accent1"/>
-          </a:fillRef>
-          <a:effectRef idx="0">
-            <a:schemeClr val="accent1"/>
-          </a:effectRef>
-          <a:fontRef idx="minor">
-            <a:schemeClr val="tx1"/>
-          </a:fontRef>
-        </p:style>
-      </p:cxnSp>
-      <p:sp>
-        <p:nvSpPr>
-          <p:cNvPr id="126" name="TextBox 125">
-            <a:extLst>
-              <a:ext uri="{FF2B5EF4-FFF2-40B4-BE49-F238E27FC236}">
-                <a16:creationId xmlns:a16="http://schemas.microsoft.com/office/drawing/2014/main" id="{DFCBC1DC-8A3C-90C5-1098-A1F793F7ACE9}"/>
-              </a:ext>
-            </a:extLst>
-          </p:cNvPr>
-          <p:cNvSpPr txBox="1"/>
-          <p:nvPr/>
-        </p:nvSpPr>
-        <p:spPr>
-          <a:xfrm>
-            <a:off x="6117805" y="3094574"/>
-            <a:ext cx="1132931" cy="276999"/>
-          </a:xfrm>
-          <a:prstGeom prst="rect">
-            <a:avLst/>
-          </a:prstGeom>
-          <a:noFill/>
-        </p:spPr>
-        <p:txBody>
-          <a:bodyPr wrap="square">
-            <a:spAutoFit/>
-          </a:bodyPr>
-          <a:lstStyle/>
-          <a:p>
-            <a:r>
-              <a:rPr lang="en-US" altLang="ko-KR" sz="1200" b="1">
-                <a:solidFill>
-                  <a:schemeClr val="tx1"/>
-                </a:solidFill>
-              </a:rPr>
-              <a:t>Core_en_</a:t>
-            </a:r>
-            <a:r>
-              <a:rPr lang="en-US" altLang="ko-KR" sz="1200" b="1"/>
-              <a:t>i</a:t>
-            </a:r>
-            <a:endParaRPr lang="ko-KR" altLang="en-US" sz="1200" b="1">
-              <a:solidFill>
-                <a:schemeClr val="tx1"/>
-              </a:solidFill>
-            </a:endParaRPr>
-          </a:p>
-        </p:txBody>
-      </p:sp>
-      <p:cxnSp>
-        <p:nvCxnSpPr>
-          <p:cNvPr id="127" name="직선 화살표 연결선 126">
-            <a:extLst>
-              <a:ext uri="{FF2B5EF4-FFF2-40B4-BE49-F238E27FC236}">
-                <a16:creationId xmlns:a16="http://schemas.microsoft.com/office/drawing/2014/main" id="{C1BAB574-95E7-B8ED-F803-C36463A9C30F}"/>
-              </a:ext>
-            </a:extLst>
-          </p:cNvPr>
-          <p:cNvCxnSpPr>
-            <a:cxnSpLocks/>
-          </p:cNvCxnSpPr>
-          <p:nvPr/>
-        </p:nvCxnSpPr>
-        <p:spPr>
-          <a:xfrm>
-            <a:off x="6545079" y="2027739"/>
-            <a:ext cx="0" cy="863243"/>
-          </a:xfrm>
-          <a:prstGeom prst="straightConnector1">
-            <a:avLst/>
-          </a:prstGeom>
-          <a:ln w="57150">
-            <a:solidFill>
-              <a:srgbClr val="00B0F0"/>
-            </a:solidFill>
-            <a:tailEnd type="triangle"/>
-          </a:ln>
-        </p:spPr>
-        <p:style>
-          <a:lnRef idx="1">
-            <a:schemeClr val="accent1"/>
-          </a:lnRef>
-          <a:fillRef idx="0">
-            <a:schemeClr val="accent1"/>
-          </a:fillRef>
-          <a:effectRef idx="0">
-            <a:schemeClr val="accent1"/>
-          </a:effectRef>
-          <a:fontRef idx="minor">
-            <a:schemeClr val="tx1"/>
-          </a:fontRef>
-        </p:style>
-      </p:cxnSp>
-      <p:sp>
-        <p:nvSpPr>
-          <p:cNvPr id="129" name="TextBox 128">
-            <a:extLst>
-              <a:ext uri="{FF2B5EF4-FFF2-40B4-BE49-F238E27FC236}">
-                <a16:creationId xmlns:a16="http://schemas.microsoft.com/office/drawing/2014/main" id="{ACFAD219-A108-DFC2-576E-923787CFBD80}"/>
-              </a:ext>
-            </a:extLst>
-          </p:cNvPr>
-          <p:cNvSpPr txBox="1"/>
-          <p:nvPr/>
-        </p:nvSpPr>
-        <p:spPr>
-          <a:xfrm>
-            <a:off x="6154807" y="2032348"/>
-            <a:ext cx="406400" cy="369332"/>
-          </a:xfrm>
-          <a:prstGeom prst="rect">
-            <a:avLst/>
-          </a:prstGeom>
-          <a:noFill/>
-        </p:spPr>
-        <p:txBody>
-          <a:bodyPr wrap="square" rtlCol="0">
-            <a:spAutoFit/>
-          </a:bodyPr>
-          <a:lstStyle/>
-          <a:p>
-            <a:r>
-              <a:rPr lang="en-US" altLang="ko-KR" b="1">
-                <a:solidFill>
-                  <a:srgbClr val="00B0F0"/>
-                </a:solidFill>
-              </a:rPr>
-              <a:t>4</a:t>
-            </a:r>
-            <a:endParaRPr lang="ko-KR" altLang="en-US" b="1">
-              <a:solidFill>
-                <a:srgbClr val="00B0F0"/>
-              </a:solidFill>
-            </a:endParaRPr>
-          </a:p>
-        </p:txBody>
-      </p:sp>
-      <p:sp>
-        <p:nvSpPr>
-          <p:cNvPr id="130" name="TextBox 129">
-            <a:extLst>
-              <a:ext uri="{FF2B5EF4-FFF2-40B4-BE49-F238E27FC236}">
-                <a16:creationId xmlns:a16="http://schemas.microsoft.com/office/drawing/2014/main" id="{5D81DDF6-514B-1A72-A52D-803A1D00A8F8}"/>
-              </a:ext>
-            </a:extLst>
-          </p:cNvPr>
-          <p:cNvSpPr txBox="1"/>
-          <p:nvPr/>
-        </p:nvSpPr>
-        <p:spPr>
-          <a:xfrm>
-            <a:off x="8359833" y="2975132"/>
-            <a:ext cx="406400" cy="369332"/>
-          </a:xfrm>
-          <a:prstGeom prst="rect">
-            <a:avLst/>
-          </a:prstGeom>
-          <a:noFill/>
-        </p:spPr>
-        <p:txBody>
-          <a:bodyPr wrap="square" rtlCol="0">
-            <a:spAutoFit/>
-          </a:bodyPr>
-          <a:lstStyle/>
-          <a:p>
-            <a:r>
-              <a:rPr lang="en-US" altLang="ko-KR" b="1">
-                <a:solidFill>
-                  <a:srgbClr val="00B0F0"/>
-                </a:solidFill>
-              </a:rPr>
-              <a:t>5</a:t>
-            </a:r>
-            <a:endParaRPr lang="ko-KR" altLang="en-US" b="1">
-              <a:solidFill>
-                <a:srgbClr val="00B0F0"/>
-              </a:solidFill>
-            </a:endParaRPr>
-          </a:p>
-        </p:txBody>
-      </p:sp>
-      <p:sp>
-        <p:nvSpPr>
-          <p:cNvPr id="131" name="직사각형 130">
-            <a:extLst>
-              <a:ext uri="{FF2B5EF4-FFF2-40B4-BE49-F238E27FC236}">
-                <a16:creationId xmlns:a16="http://schemas.microsoft.com/office/drawing/2014/main" id="{35AD3F90-241C-8022-D132-D09D9FE6547A}"/>
-              </a:ext>
-            </a:extLst>
-          </p:cNvPr>
-          <p:cNvSpPr/>
-          <p:nvPr/>
-        </p:nvSpPr>
-        <p:spPr>
-          <a:xfrm>
-            <a:off x="12977358" y="3094574"/>
-            <a:ext cx="2225634" cy="3130579"/>
-          </a:xfrm>
-          <a:prstGeom prst="rect">
-            <a:avLst/>
-          </a:prstGeom>
-          <a:solidFill>
-            <a:schemeClr val="bg1"/>
-          </a:solidFill>
-          <a:ln w="28575">
-            <a:solidFill>
-              <a:schemeClr val="tx1"/>
-            </a:solidFill>
-          </a:ln>
-        </p:spPr>
-        <p:style>
-          <a:lnRef idx="2">
-            <a:schemeClr val="accent1">
-              <a:shade val="50000"/>
-            </a:schemeClr>
-          </a:lnRef>
-          <a:fillRef idx="1">
-            <a:schemeClr val="accent1"/>
-          </a:fillRef>
-          <a:effectRef idx="0">
-            <a:schemeClr val="accent1"/>
-          </a:effectRef>
-          <a:fontRef idx="minor">
-            <a:schemeClr val="lt1"/>
-          </a:fontRef>
-        </p:style>
-        <p:txBody>
-          <a:bodyPr rtlCol="0" anchor="ctr"/>
-          <a:lstStyle/>
-          <a:p>
-            <a:pPr algn="ctr"/>
-            <a:r>
-              <a:rPr lang="en-US" altLang="ko-KR" b="1">
-                <a:solidFill>
-                  <a:schemeClr val="tx1"/>
-                </a:solidFill>
-              </a:rPr>
-              <a:t>Accumulator</a:t>
-            </a:r>
-            <a:endParaRPr lang="ko-KR" altLang="en-US" b="1">
-              <a:solidFill>
-                <a:schemeClr val="tx1"/>
-              </a:solidFill>
-            </a:endParaRPr>
-          </a:p>
-        </p:txBody>
-      </p:sp>
-      <p:sp>
-        <p:nvSpPr>
-          <p:cNvPr id="132" name="직사각형 131">
-            <a:extLst>
-              <a:ext uri="{FF2B5EF4-FFF2-40B4-BE49-F238E27FC236}">
-                <a16:creationId xmlns:a16="http://schemas.microsoft.com/office/drawing/2014/main" id="{88D8F793-87AF-6D29-9743-7C68C14E5B47}"/>
-              </a:ext>
-            </a:extLst>
-          </p:cNvPr>
-          <p:cNvSpPr/>
-          <p:nvPr/>
-        </p:nvSpPr>
-        <p:spPr>
-          <a:xfrm>
-            <a:off x="13213763" y="5840430"/>
-            <a:ext cx="1851198" cy="201215"/>
-          </a:xfrm>
-          <a:prstGeom prst="rect">
-            <a:avLst/>
-          </a:prstGeom>
-        </p:spPr>
-        <p:style>
-          <a:lnRef idx="2">
-            <a:schemeClr val="accent1">
-              <a:shade val="50000"/>
-            </a:schemeClr>
-          </a:lnRef>
-          <a:fillRef idx="1">
-            <a:schemeClr val="accent1"/>
-          </a:fillRef>
-          <a:effectRef idx="0">
-            <a:schemeClr val="accent1"/>
-          </a:effectRef>
-          <a:fontRef idx="minor">
-            <a:schemeClr val="lt1"/>
-          </a:fontRef>
-        </p:style>
-        <p:txBody>
-          <a:bodyPr rtlCol="0" anchor="ctr"/>
-          <a:lstStyle/>
-          <a:p>
-            <a:pPr algn="ctr"/>
-            <a:r>
-              <a:rPr lang="en-US" altLang="ko-KR" sz="1100" b="1">
-                <a:solidFill>
-                  <a:schemeClr val="bg1"/>
-                </a:solidFill>
-              </a:rPr>
-              <a:t>1x COL   BUFFER</a:t>
-            </a:r>
-            <a:endParaRPr lang="ko-KR" altLang="en-US" sz="1100" b="1">
-              <a:solidFill>
-                <a:schemeClr val="bg1"/>
-              </a:solidFill>
-            </a:endParaRPr>
-          </a:p>
-        </p:txBody>
-      </p:sp>
-      <p:cxnSp>
-        <p:nvCxnSpPr>
-          <p:cNvPr id="133" name="직선 연결선 132">
-            <a:extLst>
-              <a:ext uri="{FF2B5EF4-FFF2-40B4-BE49-F238E27FC236}">
-                <a16:creationId xmlns:a16="http://schemas.microsoft.com/office/drawing/2014/main" id="{0D213091-92D8-0D89-609C-03F39B410CF7}"/>
-              </a:ext>
-            </a:extLst>
-          </p:cNvPr>
-          <p:cNvCxnSpPr>
-            <a:cxnSpLocks/>
-          </p:cNvCxnSpPr>
-          <p:nvPr/>
-        </p:nvCxnSpPr>
-        <p:spPr>
-          <a:xfrm flipV="1">
-            <a:off x="14141920" y="1725411"/>
-            <a:ext cx="0" cy="1379728"/>
-          </a:xfrm>
-          <a:prstGeom prst="line">
-            <a:avLst/>
-          </a:prstGeom>
-          <a:ln w="28575">
-            <a:solidFill>
-              <a:schemeClr val="tx1"/>
-            </a:solidFill>
-          </a:ln>
-        </p:spPr>
-        <p:style>
-          <a:lnRef idx="1">
-            <a:schemeClr val="accent1"/>
-          </a:lnRef>
-          <a:fillRef idx="0">
-            <a:schemeClr val="accent1"/>
-          </a:fillRef>
-          <a:effectRef idx="0">
-            <a:schemeClr val="accent1"/>
-          </a:effectRef>
-          <a:fontRef idx="minor">
-            <a:schemeClr val="tx1"/>
-          </a:fontRef>
-        </p:style>
-      </p:cxnSp>
-      <p:sp>
-        <p:nvSpPr>
-          <p:cNvPr id="135" name="TextBox 134">
-            <a:extLst>
-              <a:ext uri="{FF2B5EF4-FFF2-40B4-BE49-F238E27FC236}">
-                <a16:creationId xmlns:a16="http://schemas.microsoft.com/office/drawing/2014/main" id="{52CDC4E3-48FC-5B92-9643-63BF7EE3D708}"/>
-              </a:ext>
-            </a:extLst>
-          </p:cNvPr>
-          <p:cNvSpPr txBox="1"/>
-          <p:nvPr/>
-        </p:nvSpPr>
-        <p:spPr>
-          <a:xfrm>
-            <a:off x="13650217" y="2366355"/>
-            <a:ext cx="332488" cy="369332"/>
-          </a:xfrm>
-          <a:prstGeom prst="rect">
-            <a:avLst/>
-          </a:prstGeom>
-          <a:noFill/>
-        </p:spPr>
-        <p:txBody>
-          <a:bodyPr wrap="square" rtlCol="0">
-            <a:spAutoFit/>
-          </a:bodyPr>
-          <a:lstStyle/>
-          <a:p>
-            <a:r>
-              <a:rPr lang="en-US" altLang="ko-KR" b="1">
-                <a:solidFill>
-                  <a:srgbClr val="00B0F0"/>
-                </a:solidFill>
-              </a:rPr>
-              <a:t>6</a:t>
-            </a:r>
-            <a:endParaRPr lang="ko-KR" altLang="en-US" b="1">
-              <a:solidFill>
-                <a:srgbClr val="00B0F0"/>
-              </a:solidFill>
-            </a:endParaRPr>
-          </a:p>
-        </p:txBody>
-      </p:sp>
-      <p:cxnSp>
-        <p:nvCxnSpPr>
-          <p:cNvPr id="136" name="직선 화살표 연결선 135">
-            <a:extLst>
-              <a:ext uri="{FF2B5EF4-FFF2-40B4-BE49-F238E27FC236}">
-                <a16:creationId xmlns:a16="http://schemas.microsoft.com/office/drawing/2014/main" id="{BAE7F888-1634-0140-77D4-284AB0A628BB}"/>
-              </a:ext>
-            </a:extLst>
-          </p:cNvPr>
-          <p:cNvCxnSpPr>
-            <a:cxnSpLocks/>
-          </p:cNvCxnSpPr>
-          <p:nvPr/>
-        </p:nvCxnSpPr>
-        <p:spPr>
-          <a:xfrm flipV="1">
-            <a:off x="13981063" y="1959160"/>
-            <a:ext cx="0" cy="905233"/>
-          </a:xfrm>
-          <a:prstGeom prst="straightConnector1">
-            <a:avLst/>
-          </a:prstGeom>
-          <a:ln w="57150">
-            <a:solidFill>
-              <a:srgbClr val="00B0F0"/>
-            </a:solidFill>
-            <a:tailEnd type="triangle"/>
-          </a:ln>
-        </p:spPr>
-        <p:style>
-          <a:lnRef idx="1">
-            <a:schemeClr val="accent1"/>
-          </a:lnRef>
-          <a:fillRef idx="0">
-            <a:schemeClr val="accent1"/>
-          </a:fillRef>
-          <a:effectRef idx="0">
-            <a:schemeClr val="accent1"/>
-          </a:effectRef>
-          <a:fontRef idx="minor">
-            <a:schemeClr val="tx1"/>
-          </a:fontRef>
-        </p:style>
-      </p:cxnSp>
-      <p:sp>
-        <p:nvSpPr>
-          <p:cNvPr id="140" name="TextBox 139">
-            <a:extLst>
-              <a:ext uri="{FF2B5EF4-FFF2-40B4-BE49-F238E27FC236}">
-                <a16:creationId xmlns:a16="http://schemas.microsoft.com/office/drawing/2014/main" id="{EE308EA7-76D6-9B24-A8C0-E583C888A10E}"/>
-              </a:ext>
-            </a:extLst>
-          </p:cNvPr>
-          <p:cNvSpPr txBox="1"/>
-          <p:nvPr/>
-        </p:nvSpPr>
-        <p:spPr>
-          <a:xfrm>
-            <a:off x="13609562" y="3103370"/>
-            <a:ext cx="1132931" cy="276999"/>
-          </a:xfrm>
-          <a:prstGeom prst="rect">
-            <a:avLst/>
-          </a:prstGeom>
-          <a:noFill/>
-        </p:spPr>
-        <p:txBody>
-          <a:bodyPr wrap="square">
-            <a:spAutoFit/>
-          </a:bodyPr>
-          <a:lstStyle/>
-          <a:p>
-            <a:r>
-              <a:rPr lang="en-US" altLang="ko-KR" sz="1200" b="1">
-                <a:solidFill>
-                  <a:schemeClr val="tx1"/>
-                </a:solidFill>
-              </a:rPr>
-              <a:t>buf_done_o</a:t>
-            </a:r>
-            <a:endParaRPr lang="ko-KR" altLang="en-US" sz="1200" b="1">
-              <a:solidFill>
-                <a:schemeClr val="tx1"/>
-              </a:solidFill>
-            </a:endParaRPr>
-          </a:p>
-        </p:txBody>
-      </p:sp>
-      <p:pic>
-        <p:nvPicPr>
-          <p:cNvPr id="142" name="그림 141">
-            <a:extLst>
-              <a:ext uri="{FF2B5EF4-FFF2-40B4-BE49-F238E27FC236}">
-                <a16:creationId xmlns:a16="http://schemas.microsoft.com/office/drawing/2014/main" id="{CF243114-7EE3-8241-ED1B-6A6727500973}"/>
-              </a:ext>
-            </a:extLst>
-          </p:cNvPr>
-          <p:cNvPicPr>
-            <a:picLocks noChangeAspect="1"/>
-          </p:cNvPicPr>
-          <p:nvPr/>
-        </p:nvPicPr>
-        <p:blipFill>
-          <a:blip r:embed="rId2"/>
-          <a:stretch>
-            <a:fillRect/>
-          </a:stretch>
-        </p:blipFill>
-        <p:spPr>
-          <a:xfrm>
-            <a:off x="3013356" y="402009"/>
-            <a:ext cx="1368526" cy="1153665"/>
-          </a:xfrm>
-          <a:prstGeom prst="rect">
-            <a:avLst/>
-          </a:prstGeom>
-        </p:spPr>
-      </p:pic>
-    </p:spTree>
-    <p:extLst>
-      <p:ext uri="{BB962C8B-B14F-4D97-AF65-F5344CB8AC3E}">
-        <p14:creationId xmlns:p14="http://schemas.microsoft.com/office/powerpoint/2010/main" val="2948120771"/>
-      </p:ext>
-    </p:extLst>
-  </p:cSld>
-  <p:clrMapOvr>
-    <a:masterClrMapping/>
-  </p:clrMapOvr>
-</p:sld>
-</file>
-
-<file path=ppt/slides/slide2.xml><?xml version="1.0" encoding="utf-8"?>
-<p:sld xmlns:a="http://schemas.openxmlformats.org/drawingml/2006/main" xmlns:r="http://schemas.openxmlformats.org/officeDocument/2006/relationships" xmlns:p="http://schemas.openxmlformats.org/presentationml/2006/main">
-  <p:cSld>
-    <p:spTree>
-      <p:nvGrpSpPr>
-        <p:cNvPr id="1" name=""/>
-        <p:cNvGrpSpPr/>
-        <p:nvPr/>
-      </p:nvGrpSpPr>
-      <p:grpSpPr>
-        <a:xfrm>
-          <a:off x="0" y="0"/>
-          <a:ext cx="0" cy="0"/>
-          <a:chOff x="0" y="0"/>
-          <a:chExt cx="0" cy="0"/>
-        </a:xfrm>
-      </p:grpSpPr>
-      <p:sp>
-        <p:nvSpPr>
-          <p:cNvPr id="2" name="제목 1">
-            <a:extLst>
-              <a:ext uri="{FF2B5EF4-FFF2-40B4-BE49-F238E27FC236}">
-                <a16:creationId xmlns:a16="http://schemas.microsoft.com/office/drawing/2014/main" id="{C0EC7078-0605-D4E0-94D6-4509974F20E1}"/>
-              </a:ext>
-            </a:extLst>
-          </p:cNvPr>
-          <p:cNvSpPr>
-            <a:spLocks noGrp="1"/>
-          </p:cNvSpPr>
-          <p:nvPr>
-            <p:ph type="title"/>
-          </p:nvPr>
-        </p:nvSpPr>
-        <p:spPr/>
-        <p:txBody>
-          <a:bodyPr/>
-          <a:lstStyle/>
-          <a:p>
-            <a:endParaRPr lang="ko-KR" altLang="en-US"/>
-          </a:p>
-        </p:txBody>
-      </p:sp>
-      <p:sp>
-        <p:nvSpPr>
-          <p:cNvPr id="3" name="내용 개체 틀 2">
-            <a:extLst>
-              <a:ext uri="{FF2B5EF4-FFF2-40B4-BE49-F238E27FC236}">
-                <a16:creationId xmlns:a16="http://schemas.microsoft.com/office/drawing/2014/main" id="{3ABEB717-FE3D-CE26-ED60-AFCDA5CF1862}"/>
-              </a:ext>
-            </a:extLst>
-          </p:cNvPr>
-          <p:cNvSpPr>
-            <a:spLocks noGrp="1"/>
-          </p:cNvSpPr>
-          <p:nvPr>
-            <p:ph idx="1"/>
-          </p:nvPr>
-        </p:nvSpPr>
-        <p:spPr/>
-        <p:txBody>
-          <a:bodyPr/>
-          <a:lstStyle/>
-          <a:p>
-            <a:r>
-              <a:rPr lang="en-US" altLang="ko-KR"/>
-              <a:t>Pin </a:t>
-            </a:r>
-            <a:r>
-              <a:rPr lang="ko-KR" altLang="en-US"/>
-              <a:t>배치는 </a:t>
-            </a:r>
-            <a:r>
-              <a:rPr lang="en-US" altLang="ko-KR"/>
-              <a:t>Double Checking</a:t>
-            </a:r>
-            <a:r>
-              <a:rPr lang="ko-KR" altLang="en-US"/>
-              <a:t>하기</a:t>
-            </a:r>
-            <a:r>
-              <a:rPr lang="en-US" altLang="ko-KR"/>
-              <a:t>~</a:t>
-            </a:r>
-          </a:p>
-          <a:p>
-            <a:r>
-              <a:rPr lang="en-US" altLang="ko-KR"/>
-              <a:t>LED </a:t>
-            </a:r>
-            <a:r>
-              <a:rPr lang="ko-KR" altLang="en-US"/>
-              <a:t>사용</a:t>
-            </a:r>
-            <a:endParaRPr lang="en-US" altLang="ko-KR"/>
-          </a:p>
-          <a:p>
-            <a:r>
-              <a:rPr lang="en-US" altLang="ko-KR"/>
-              <a:t>7-Segment</a:t>
-            </a:r>
-          </a:p>
-          <a:p>
-            <a:pPr lvl="1"/>
-            <a:r>
-              <a:rPr lang="en-US" altLang="ko-KR"/>
-              <a:t>d</a:t>
-            </a:r>
-          </a:p>
-          <a:p>
-            <a:r>
-              <a:rPr lang="en-US" altLang="ko-KR"/>
-              <a:t>Switch </a:t>
-            </a:r>
-            <a:r>
-              <a:rPr lang="ko-KR" altLang="en-US"/>
-              <a:t>사용</a:t>
-            </a:r>
-            <a:endParaRPr lang="en-US" altLang="ko-KR"/>
-          </a:p>
-          <a:p>
-            <a:pPr lvl="1"/>
-            <a:r>
-              <a:rPr lang="en-US" altLang="ko-KR"/>
-              <a:t>Reset</a:t>
-            </a:r>
-            <a:r>
-              <a:rPr lang="ko-KR" altLang="en-US"/>
-              <a:t>은 만들기</a:t>
-            </a:r>
-            <a:endParaRPr lang="en-US" altLang="ko-KR"/>
-          </a:p>
-          <a:p>
-            <a:pPr lvl="1"/>
-            <a:r>
-              <a:rPr lang="en-US" altLang="ko-KR"/>
-              <a:t>Switch</a:t>
-            </a:r>
-            <a:r>
-              <a:rPr lang="ko-KR" altLang="en-US"/>
-              <a:t>를 누르면 다음 </a:t>
-            </a:r>
-            <a:r>
-              <a:rPr lang="en-US" altLang="ko-KR"/>
-              <a:t>Phase</a:t>
-            </a:r>
-            <a:r>
-              <a:rPr lang="ko-KR" altLang="en-US"/>
-              <a:t>로 진행</a:t>
-            </a:r>
-            <a:endParaRPr lang="en-US" altLang="ko-KR"/>
-          </a:p>
-          <a:p>
-            <a:pPr lvl="2"/>
-            <a:r>
-              <a:rPr lang="en-US" altLang="ko-KR"/>
-              <a:t>Ex) Start </a:t>
-            </a:r>
-            <a:r>
-              <a:rPr lang="en-US" altLang="ko-KR">
-                <a:sym typeface="Wingdings" panose="05000000000000000000" pitchFamily="2" charset="2"/>
-              </a:rPr>
-              <a:t> Layer1  Layer2 </a:t>
-            </a:r>
-            <a:endParaRPr lang="en-US" altLang="ko-KR"/>
-          </a:p>
-          <a:p>
-            <a:r>
-              <a:rPr lang="en-US" altLang="ko-KR"/>
-              <a:t>VGA – Processing</a:t>
-            </a:r>
-            <a:r>
-              <a:rPr lang="ko-KR" altLang="en-US"/>
-              <a:t>된 </a:t>
-            </a:r>
-            <a:r>
-              <a:rPr lang="en-US" altLang="ko-KR"/>
-              <a:t>Image </a:t>
-            </a:r>
-            <a:r>
-              <a:rPr lang="ko-KR" altLang="en-US"/>
-              <a:t>띄우기</a:t>
-            </a:r>
-          </a:p>
-        </p:txBody>
-      </p:sp>
-    </p:spTree>
-    <p:extLst>
-      <p:ext uri="{BB962C8B-B14F-4D97-AF65-F5344CB8AC3E}">
-        <p14:creationId xmlns:p14="http://schemas.microsoft.com/office/powerpoint/2010/main" val="1596420449"/>
-      </p:ext>
-    </p:extLst>
-  </p:cSld>
-  <p:clrMapOvr>
-    <a:masterClrMapping/>
-  </p:clrMapOvr>
-</p:sld>
-</file>
-
-<file path=ppt/slides/slide3.xml><?xml version="1.0" encoding="utf-8"?>
-<p:sld xmlns:a="http://schemas.openxmlformats.org/drawingml/2006/main" xmlns:r="http://schemas.openxmlformats.org/officeDocument/2006/relationships" xmlns:p="http://schemas.openxmlformats.org/presentationml/2006/main">
-  <p:cSld>
-    <p:spTree>
-      <p:nvGrpSpPr>
-        <p:cNvPr id="1" name=""/>
-        <p:cNvGrpSpPr/>
-        <p:nvPr/>
-      </p:nvGrpSpPr>
-      <p:grpSpPr>
-        <a:xfrm>
-          <a:off x="0" y="0"/>
-          <a:ext cx="0" cy="0"/>
-          <a:chOff x="0" y="0"/>
-          <a:chExt cx="0" cy="0"/>
-        </a:xfrm>
-      </p:grpSpPr>
-      <p:sp>
-        <p:nvSpPr>
-          <p:cNvPr id="2" name="직사각형 1">
-            <a:extLst>
-              <a:ext uri="{FF2B5EF4-FFF2-40B4-BE49-F238E27FC236}">
-                <a16:creationId xmlns:a16="http://schemas.microsoft.com/office/drawing/2014/main" id="{30414296-37C4-7136-B5E5-21D5A3CD307C}"/>
-              </a:ext>
-            </a:extLst>
-          </p:cNvPr>
-          <p:cNvSpPr/>
-          <p:nvPr/>
-        </p:nvSpPr>
-        <p:spPr>
-          <a:xfrm>
-            <a:off x="3713018" y="424873"/>
-            <a:ext cx="4294909" cy="5283200"/>
-          </a:xfrm>
-          <a:prstGeom prst="rect">
-            <a:avLst/>
-          </a:prstGeom>
-          <a:noFill/>
-          <a:ln w="57150">
-            <a:solidFill>
-              <a:schemeClr val="tx1"/>
-            </a:solidFill>
-          </a:ln>
-        </p:spPr>
-        <p:style>
-          <a:lnRef idx="2">
-            <a:schemeClr val="accent1">
-              <a:shade val="50000"/>
-            </a:schemeClr>
-          </a:lnRef>
-          <a:fillRef idx="1">
-            <a:schemeClr val="accent1"/>
-          </a:fillRef>
-          <a:effectRef idx="0">
-            <a:schemeClr val="accent1"/>
-          </a:effectRef>
-          <a:fontRef idx="minor">
-            <a:schemeClr val="lt1"/>
-          </a:fontRef>
-        </p:style>
-        <p:txBody>
-          <a:bodyPr rtlCol="0" anchor="ctr"/>
-          <a:lstStyle/>
-          <a:p>
-            <a:pPr algn="ctr"/>
-            <a:endParaRPr lang="ko-KR" altLang="en-US"/>
-          </a:p>
-        </p:txBody>
-      </p:sp>
-    </p:spTree>
-    <p:extLst>
-      <p:ext uri="{BB962C8B-B14F-4D97-AF65-F5344CB8AC3E}">
-        <p14:creationId xmlns:p14="http://schemas.microsoft.com/office/powerpoint/2010/main" val="3965925960"/>
-      </p:ext>
-    </p:extLst>
-  </p:cSld>
-  <p:clrMapOvr>
-    <a:masterClrMapping/>
-  </p:clrMapOvr>
-</p:sld>
-</file>
-
-<file path=ppt/slides/slide4.xml><?xml version="1.0" encoding="utf-8"?>
-<p:sld xmlns:a="http://schemas.openxmlformats.org/drawingml/2006/main" xmlns:r="http://schemas.openxmlformats.org/officeDocument/2006/relationships" xmlns:p="http://schemas.openxmlformats.org/presentationml/2006/main">
-  <p:cSld>
-    <p:spTree>
-      <p:nvGrpSpPr>
-        <p:cNvPr id="1" name=""/>
-        <p:cNvGrpSpPr/>
-        <p:nvPr/>
-      </p:nvGrpSpPr>
-      <p:grpSpPr>
-        <a:xfrm>
-          <a:off x="0" y="0"/>
-          <a:ext cx="0" cy="0"/>
-          <a:chOff x="0" y="0"/>
-          <a:chExt cx="0" cy="0"/>
-        </a:xfrm>
-      </p:grpSpPr>
-      <p:sp>
-        <p:nvSpPr>
           <p:cNvPr id="80" name="직사각형 79">
             <a:extLst>
               <a:ext uri="{FF2B5EF4-FFF2-40B4-BE49-F238E27FC236}">
@@ -10626,7 +5648,7 @@
 </p:sld>
 </file>
 
-<file path=ppt/slides/slide5.xml><?xml version="1.0" encoding="utf-8"?>
+<file path=ppt/slides/slide11.xml><?xml version="1.0" encoding="utf-8"?>
 <p:sld xmlns:a="http://schemas.openxmlformats.org/drawingml/2006/main" xmlns:r="http://schemas.openxmlformats.org/officeDocument/2006/relationships" xmlns:p="http://schemas.openxmlformats.org/presentationml/2006/main">
   <p:cSld>
     <p:spTree>
@@ -10645,6 +5667,3619 @@
       </p:grpSpPr>
       <p:sp>
         <p:nvSpPr>
+          <p:cNvPr id="2" name="직사각형 1">
+            <a:extLst>
+              <a:ext uri="{FF2B5EF4-FFF2-40B4-BE49-F238E27FC236}">
+                <a16:creationId xmlns:a16="http://schemas.microsoft.com/office/drawing/2014/main" id="{61425C6B-41D1-2C08-1843-8977CB070D3C}"/>
+              </a:ext>
+            </a:extLst>
+          </p:cNvPr>
+          <p:cNvSpPr/>
+          <p:nvPr/>
+        </p:nvSpPr>
+        <p:spPr>
+          <a:xfrm>
+            <a:off x="315668" y="44173"/>
+            <a:ext cx="9604563" cy="2034329"/>
+          </a:xfrm>
+          <a:prstGeom prst="rect">
+            <a:avLst/>
+          </a:prstGeom>
+          <a:solidFill>
+            <a:schemeClr val="accent6">
+              <a:lumMod val="20000"/>
+              <a:lumOff val="80000"/>
+            </a:schemeClr>
+          </a:solidFill>
+        </p:spPr>
+        <p:style>
+          <a:lnRef idx="2">
+            <a:schemeClr val="accent1">
+              <a:shade val="50000"/>
+            </a:schemeClr>
+          </a:lnRef>
+          <a:fillRef idx="1">
+            <a:schemeClr val="accent1"/>
+          </a:fillRef>
+          <a:effectRef idx="0">
+            <a:schemeClr val="accent1"/>
+          </a:effectRef>
+          <a:fontRef idx="minor">
+            <a:schemeClr val="lt1"/>
+          </a:fontRef>
+        </p:style>
+        <p:txBody>
+          <a:bodyPr rtlCol="0" anchor="ctr"/>
+          <a:lstStyle/>
+          <a:p>
+            <a:pPr algn="ctr"/>
+            <a:endParaRPr lang="ko-KR" altLang="en-US"/>
+          </a:p>
+        </p:txBody>
+      </p:sp>
+      <p:sp>
+        <p:nvSpPr>
+          <p:cNvPr id="13" name="직사각형 12">
+            <a:extLst>
+              <a:ext uri="{FF2B5EF4-FFF2-40B4-BE49-F238E27FC236}">
+                <a16:creationId xmlns:a16="http://schemas.microsoft.com/office/drawing/2014/main" id="{A65E7A47-840A-4118-2817-544B106716C2}"/>
+              </a:ext>
+            </a:extLst>
+          </p:cNvPr>
+          <p:cNvSpPr/>
+          <p:nvPr/>
+        </p:nvSpPr>
+        <p:spPr>
+          <a:xfrm>
+            <a:off x="81765" y="2420146"/>
+            <a:ext cx="4653519" cy="4299365"/>
+          </a:xfrm>
+          <a:prstGeom prst="rect">
+            <a:avLst/>
+          </a:prstGeom>
+          <a:solidFill>
+            <a:schemeClr val="accent6">
+              <a:lumMod val="20000"/>
+              <a:lumOff val="80000"/>
+            </a:schemeClr>
+          </a:solidFill>
+        </p:spPr>
+        <p:style>
+          <a:lnRef idx="2">
+            <a:schemeClr val="accent1">
+              <a:shade val="50000"/>
+            </a:schemeClr>
+          </a:lnRef>
+          <a:fillRef idx="1">
+            <a:schemeClr val="accent1"/>
+          </a:fillRef>
+          <a:effectRef idx="0">
+            <a:schemeClr val="accent1"/>
+          </a:effectRef>
+          <a:fontRef idx="minor">
+            <a:schemeClr val="lt1"/>
+          </a:fontRef>
+        </p:style>
+        <p:txBody>
+          <a:bodyPr rtlCol="0" anchor="ctr"/>
+          <a:lstStyle/>
+          <a:p>
+            <a:pPr algn="ctr"/>
+            <a:endParaRPr lang="ko-KR" altLang="en-US"/>
+          </a:p>
+        </p:txBody>
+      </p:sp>
+      <p:sp>
+        <p:nvSpPr>
+          <p:cNvPr id="78" name="직사각형 77">
+            <a:extLst>
+              <a:ext uri="{FF2B5EF4-FFF2-40B4-BE49-F238E27FC236}">
+                <a16:creationId xmlns:a16="http://schemas.microsoft.com/office/drawing/2014/main" id="{FB8170F3-4C28-C31A-A643-FDFD71BF9C0D}"/>
+              </a:ext>
+            </a:extLst>
+          </p:cNvPr>
+          <p:cNvSpPr/>
+          <p:nvPr/>
+        </p:nvSpPr>
+        <p:spPr>
+          <a:xfrm>
+            <a:off x="5015422" y="2445920"/>
+            <a:ext cx="7140868" cy="4247818"/>
+          </a:xfrm>
+          <a:prstGeom prst="rect">
+            <a:avLst/>
+          </a:prstGeom>
+          <a:solidFill>
+            <a:schemeClr val="bg2">
+              <a:lumMod val="90000"/>
+            </a:schemeClr>
+          </a:solidFill>
+          <a:ln w="28575">
+            <a:solidFill>
+              <a:schemeClr val="tx1"/>
+            </a:solidFill>
+          </a:ln>
+        </p:spPr>
+        <p:style>
+          <a:lnRef idx="2">
+            <a:schemeClr val="accent1">
+              <a:shade val="50000"/>
+            </a:schemeClr>
+          </a:lnRef>
+          <a:fillRef idx="1">
+            <a:schemeClr val="accent1"/>
+          </a:fillRef>
+          <a:effectRef idx="0">
+            <a:schemeClr val="accent1"/>
+          </a:effectRef>
+          <a:fontRef idx="minor">
+            <a:schemeClr val="lt1"/>
+          </a:fontRef>
+        </p:style>
+        <p:txBody>
+          <a:bodyPr rtlCol="0" anchor="ctr"/>
+          <a:lstStyle/>
+          <a:p>
+            <a:pPr algn="ctr"/>
+            <a:endParaRPr lang="ko-KR" altLang="en-US" b="1">
+              <a:solidFill>
+                <a:schemeClr val="tx1"/>
+              </a:solidFill>
+            </a:endParaRPr>
+          </a:p>
+        </p:txBody>
+      </p:sp>
+      <p:sp>
+        <p:nvSpPr>
+          <p:cNvPr id="3" name="직사각형 2">
+            <a:extLst>
+              <a:ext uri="{FF2B5EF4-FFF2-40B4-BE49-F238E27FC236}">
+                <a16:creationId xmlns:a16="http://schemas.microsoft.com/office/drawing/2014/main" id="{890A6FEE-1935-F9DD-8F90-E7B732C401EC}"/>
+              </a:ext>
+            </a:extLst>
+          </p:cNvPr>
+          <p:cNvSpPr/>
+          <p:nvPr/>
+        </p:nvSpPr>
+        <p:spPr>
+          <a:xfrm>
+            <a:off x="5525327" y="3043890"/>
+            <a:ext cx="2798619" cy="2710873"/>
+          </a:xfrm>
+          <a:prstGeom prst="rect">
+            <a:avLst/>
+          </a:prstGeom>
+          <a:solidFill>
+            <a:schemeClr val="bg1"/>
+          </a:solidFill>
+          <a:ln w="28575">
+            <a:solidFill>
+              <a:schemeClr val="tx1"/>
+            </a:solidFill>
+          </a:ln>
+        </p:spPr>
+        <p:style>
+          <a:lnRef idx="2">
+            <a:schemeClr val="accent1">
+              <a:shade val="50000"/>
+            </a:schemeClr>
+          </a:lnRef>
+          <a:fillRef idx="1">
+            <a:schemeClr val="accent1"/>
+          </a:fillRef>
+          <a:effectRef idx="0">
+            <a:schemeClr val="accent1"/>
+          </a:effectRef>
+          <a:fontRef idx="minor">
+            <a:schemeClr val="lt1"/>
+          </a:fontRef>
+        </p:style>
+        <p:txBody>
+          <a:bodyPr rtlCol="0" anchor="ctr"/>
+          <a:lstStyle/>
+          <a:p>
+            <a:pPr algn="ctr"/>
+            <a:endParaRPr lang="ko-KR" altLang="en-US" b="1">
+              <a:solidFill>
+                <a:schemeClr val="tx1"/>
+              </a:solidFill>
+            </a:endParaRPr>
+          </a:p>
+        </p:txBody>
+      </p:sp>
+      <p:sp>
+        <p:nvSpPr>
+          <p:cNvPr id="4" name="직사각형 3">
+            <a:extLst>
+              <a:ext uri="{FF2B5EF4-FFF2-40B4-BE49-F238E27FC236}">
+                <a16:creationId xmlns:a16="http://schemas.microsoft.com/office/drawing/2014/main" id="{9A3C8751-B078-4A7E-F7DE-56F817921865}"/>
+              </a:ext>
+            </a:extLst>
+          </p:cNvPr>
+          <p:cNvSpPr/>
+          <p:nvPr/>
+        </p:nvSpPr>
+        <p:spPr>
+          <a:xfrm>
+            <a:off x="1784465" y="3084261"/>
+            <a:ext cx="2154335" cy="2710872"/>
+          </a:xfrm>
+          <a:prstGeom prst="rect">
+            <a:avLst/>
+          </a:prstGeom>
+          <a:solidFill>
+            <a:schemeClr val="bg1"/>
+          </a:solidFill>
+          <a:ln w="28575">
+            <a:solidFill>
+              <a:schemeClr val="tx1"/>
+            </a:solidFill>
+          </a:ln>
+        </p:spPr>
+        <p:style>
+          <a:lnRef idx="2">
+            <a:schemeClr val="accent1">
+              <a:shade val="50000"/>
+            </a:schemeClr>
+          </a:lnRef>
+          <a:fillRef idx="1">
+            <a:schemeClr val="accent1"/>
+          </a:fillRef>
+          <a:effectRef idx="0">
+            <a:schemeClr val="accent1"/>
+          </a:effectRef>
+          <a:fontRef idx="minor">
+            <a:schemeClr val="lt1"/>
+          </a:fontRef>
+        </p:style>
+        <p:txBody>
+          <a:bodyPr rtlCol="0" anchor="ctr"/>
+          <a:lstStyle/>
+          <a:p>
+            <a:pPr algn="ctr"/>
+            <a:endParaRPr lang="ko-KR" altLang="en-US" b="1">
+              <a:solidFill>
+                <a:schemeClr val="tx1"/>
+              </a:solidFill>
+            </a:endParaRPr>
+          </a:p>
+        </p:txBody>
+      </p:sp>
+      <p:sp>
+        <p:nvSpPr>
+          <p:cNvPr id="6" name="TextBox 5">
+            <a:extLst>
+              <a:ext uri="{FF2B5EF4-FFF2-40B4-BE49-F238E27FC236}">
+                <a16:creationId xmlns:a16="http://schemas.microsoft.com/office/drawing/2014/main" id="{7BB470D5-1BBF-DA52-D3DA-B18F1571CFC2}"/>
+              </a:ext>
+            </a:extLst>
+          </p:cNvPr>
+          <p:cNvSpPr txBox="1"/>
+          <p:nvPr/>
+        </p:nvSpPr>
+        <p:spPr>
+          <a:xfrm>
+            <a:off x="6236022" y="5840433"/>
+            <a:ext cx="1320800" cy="307777"/>
+          </a:xfrm>
+          <a:prstGeom prst="rect">
+            <a:avLst/>
+          </a:prstGeom>
+          <a:noFill/>
+        </p:spPr>
+        <p:txBody>
+          <a:bodyPr wrap="square">
+            <a:spAutoFit/>
+          </a:bodyPr>
+          <a:lstStyle/>
+          <a:p>
+            <a:pPr algn="ctr"/>
+            <a:r>
+              <a:rPr lang="en-US" altLang="ko-KR" sz="1400" b="1">
+                <a:solidFill>
+                  <a:schemeClr val="tx1"/>
+                </a:solidFill>
+              </a:rPr>
+              <a:t>Preprocess</a:t>
+            </a:r>
+            <a:endParaRPr lang="ko-KR" altLang="en-US" sz="1400" b="1">
+              <a:solidFill>
+                <a:schemeClr val="tx1"/>
+              </a:solidFill>
+            </a:endParaRPr>
+          </a:p>
+        </p:txBody>
+      </p:sp>
+      <p:sp>
+        <p:nvSpPr>
+          <p:cNvPr id="8" name="TextBox 7">
+            <a:extLst>
+              <a:ext uri="{FF2B5EF4-FFF2-40B4-BE49-F238E27FC236}">
+                <a16:creationId xmlns:a16="http://schemas.microsoft.com/office/drawing/2014/main" id="{09E91028-B80B-9BFC-DA6C-E6897A4B9FA5}"/>
+              </a:ext>
+            </a:extLst>
+          </p:cNvPr>
+          <p:cNvSpPr txBox="1"/>
+          <p:nvPr/>
+        </p:nvSpPr>
+        <p:spPr>
+          <a:xfrm>
+            <a:off x="2178802" y="5826777"/>
+            <a:ext cx="1256144" cy="461665"/>
+          </a:xfrm>
+          <a:prstGeom prst="rect">
+            <a:avLst/>
+          </a:prstGeom>
+          <a:noFill/>
+        </p:spPr>
+        <p:txBody>
+          <a:bodyPr wrap="square">
+            <a:spAutoFit/>
+          </a:bodyPr>
+          <a:lstStyle/>
+          <a:p>
+            <a:pPr algn="ctr"/>
+            <a:r>
+              <a:rPr lang="en-US" altLang="ko-KR" sz="1200" b="1">
+                <a:solidFill>
+                  <a:schemeClr val="tx1"/>
+                </a:solidFill>
+              </a:rPr>
+              <a:t>Memory</a:t>
+            </a:r>
+            <a:br>
+              <a:rPr lang="en-US" altLang="ko-KR" sz="1200" b="1">
+                <a:solidFill>
+                  <a:schemeClr val="tx1"/>
+                </a:solidFill>
+              </a:rPr>
+            </a:br>
+            <a:r>
+              <a:rPr lang="en-US" altLang="ko-KR" sz="1200" b="1">
+                <a:solidFill>
+                  <a:schemeClr val="tx1"/>
+                </a:solidFill>
+              </a:rPr>
+              <a:t>Controller</a:t>
+            </a:r>
+            <a:endParaRPr lang="ko-KR" altLang="en-US" sz="1200" b="1">
+              <a:solidFill>
+                <a:schemeClr val="tx1"/>
+              </a:solidFill>
+            </a:endParaRPr>
+          </a:p>
+        </p:txBody>
+      </p:sp>
+      <p:sp>
+        <p:nvSpPr>
+          <p:cNvPr id="9" name="직사각형 8">
+            <a:extLst>
+              <a:ext uri="{FF2B5EF4-FFF2-40B4-BE49-F238E27FC236}">
+                <a16:creationId xmlns:a16="http://schemas.microsoft.com/office/drawing/2014/main" id="{573DDF42-6191-9BB7-EA99-8EB493BCD21B}"/>
+              </a:ext>
+            </a:extLst>
+          </p:cNvPr>
+          <p:cNvSpPr/>
+          <p:nvPr/>
+        </p:nvSpPr>
+        <p:spPr>
+          <a:xfrm>
+            <a:off x="9519548" y="3052617"/>
+            <a:ext cx="2225634" cy="2710873"/>
+          </a:xfrm>
+          <a:prstGeom prst="rect">
+            <a:avLst/>
+          </a:prstGeom>
+          <a:solidFill>
+            <a:schemeClr val="bg1"/>
+          </a:solidFill>
+          <a:ln w="28575">
+            <a:solidFill>
+              <a:schemeClr val="tx1"/>
+            </a:solidFill>
+          </a:ln>
+        </p:spPr>
+        <p:style>
+          <a:lnRef idx="2">
+            <a:schemeClr val="accent1">
+              <a:shade val="50000"/>
+            </a:schemeClr>
+          </a:lnRef>
+          <a:fillRef idx="1">
+            <a:schemeClr val="accent1"/>
+          </a:fillRef>
+          <a:effectRef idx="0">
+            <a:schemeClr val="accent1"/>
+          </a:effectRef>
+          <a:fontRef idx="minor">
+            <a:schemeClr val="lt1"/>
+          </a:fontRef>
+        </p:style>
+        <p:txBody>
+          <a:bodyPr rtlCol="0" anchor="ctr"/>
+          <a:lstStyle/>
+          <a:p>
+            <a:pPr algn="ctr"/>
+            <a:endParaRPr lang="ko-KR" altLang="en-US" b="1">
+              <a:solidFill>
+                <a:schemeClr val="tx1"/>
+              </a:solidFill>
+            </a:endParaRPr>
+          </a:p>
+        </p:txBody>
+      </p:sp>
+      <p:sp>
+        <p:nvSpPr>
+          <p:cNvPr id="10" name="TextBox 9">
+            <a:extLst>
+              <a:ext uri="{FF2B5EF4-FFF2-40B4-BE49-F238E27FC236}">
+                <a16:creationId xmlns:a16="http://schemas.microsoft.com/office/drawing/2014/main" id="{770D0CCF-414F-6BB3-E577-5CDB7A4DB305}"/>
+              </a:ext>
+            </a:extLst>
+          </p:cNvPr>
+          <p:cNvSpPr txBox="1"/>
+          <p:nvPr/>
+        </p:nvSpPr>
+        <p:spPr>
+          <a:xfrm>
+            <a:off x="9519548" y="5840431"/>
+            <a:ext cx="1320800" cy="307777"/>
+          </a:xfrm>
+          <a:prstGeom prst="rect">
+            <a:avLst/>
+          </a:prstGeom>
+          <a:noFill/>
+        </p:spPr>
+        <p:txBody>
+          <a:bodyPr wrap="square">
+            <a:spAutoFit/>
+          </a:bodyPr>
+          <a:lstStyle/>
+          <a:p>
+            <a:pPr algn="ctr"/>
+            <a:r>
+              <a:rPr lang="en-US" altLang="ko-KR" sz="1400" b="1">
+                <a:solidFill>
+                  <a:schemeClr val="tx1"/>
+                </a:solidFill>
+              </a:rPr>
+              <a:t>CORE</a:t>
+            </a:r>
+            <a:endParaRPr lang="ko-KR" altLang="en-US" sz="1400" b="1">
+              <a:solidFill>
+                <a:schemeClr val="tx1"/>
+              </a:solidFill>
+            </a:endParaRPr>
+          </a:p>
+        </p:txBody>
+      </p:sp>
+      <p:sp>
+        <p:nvSpPr>
+          <p:cNvPr id="11" name="직사각형 10">
+            <a:extLst>
+              <a:ext uri="{FF2B5EF4-FFF2-40B4-BE49-F238E27FC236}">
+                <a16:creationId xmlns:a16="http://schemas.microsoft.com/office/drawing/2014/main" id="{7F512DE1-57D6-6CF3-0A8E-6422B19AD7EC}"/>
+              </a:ext>
+            </a:extLst>
+          </p:cNvPr>
+          <p:cNvSpPr/>
+          <p:nvPr/>
+        </p:nvSpPr>
+        <p:spPr>
+          <a:xfrm>
+            <a:off x="103905" y="3052617"/>
+            <a:ext cx="865914" cy="2710872"/>
+          </a:xfrm>
+          <a:prstGeom prst="rect">
+            <a:avLst/>
+          </a:prstGeom>
+          <a:solidFill>
+            <a:schemeClr val="bg1"/>
+          </a:solidFill>
+          <a:ln w="28575">
+            <a:solidFill>
+              <a:schemeClr val="tx1"/>
+            </a:solidFill>
+          </a:ln>
+        </p:spPr>
+        <p:style>
+          <a:lnRef idx="2">
+            <a:schemeClr val="accent1">
+              <a:shade val="50000"/>
+            </a:schemeClr>
+          </a:lnRef>
+          <a:fillRef idx="1">
+            <a:schemeClr val="accent1"/>
+          </a:fillRef>
+          <a:effectRef idx="0">
+            <a:schemeClr val="accent1"/>
+          </a:effectRef>
+          <a:fontRef idx="minor">
+            <a:schemeClr val="lt1"/>
+          </a:fontRef>
+        </p:style>
+        <p:txBody>
+          <a:bodyPr rtlCol="0" anchor="ctr"/>
+          <a:lstStyle/>
+          <a:p>
+            <a:pPr algn="ctr"/>
+            <a:r>
+              <a:rPr lang="en-US" altLang="ko-KR" b="1">
+                <a:solidFill>
+                  <a:schemeClr val="tx1"/>
+                </a:solidFill>
+              </a:rPr>
+              <a:t>BRAM</a:t>
+            </a:r>
+            <a:endParaRPr lang="ko-KR" altLang="en-US" b="1">
+              <a:solidFill>
+                <a:schemeClr val="tx1"/>
+              </a:solidFill>
+            </a:endParaRPr>
+          </a:p>
+        </p:txBody>
+      </p:sp>
+      <p:sp>
+        <p:nvSpPr>
+          <p:cNvPr id="12" name="직사각형 11">
+            <a:extLst>
+              <a:ext uri="{FF2B5EF4-FFF2-40B4-BE49-F238E27FC236}">
+                <a16:creationId xmlns:a16="http://schemas.microsoft.com/office/drawing/2014/main" id="{79135878-81D0-9ED4-7A39-AF26A5E469D6}"/>
+              </a:ext>
+            </a:extLst>
+          </p:cNvPr>
+          <p:cNvSpPr/>
+          <p:nvPr/>
+        </p:nvSpPr>
+        <p:spPr>
+          <a:xfrm>
+            <a:off x="1742379" y="302734"/>
+            <a:ext cx="7363782" cy="1385455"/>
+          </a:xfrm>
+          <a:prstGeom prst="rect">
+            <a:avLst/>
+          </a:prstGeom>
+          <a:solidFill>
+            <a:schemeClr val="bg1"/>
+          </a:solidFill>
+          <a:ln w="28575">
+            <a:solidFill>
+              <a:schemeClr val="tx1"/>
+            </a:solidFill>
+          </a:ln>
+        </p:spPr>
+        <p:style>
+          <a:lnRef idx="2">
+            <a:schemeClr val="accent1">
+              <a:shade val="50000"/>
+            </a:schemeClr>
+          </a:lnRef>
+          <a:fillRef idx="1">
+            <a:schemeClr val="accent1"/>
+          </a:fillRef>
+          <a:effectRef idx="0">
+            <a:schemeClr val="accent1"/>
+          </a:effectRef>
+          <a:fontRef idx="minor">
+            <a:schemeClr val="lt1"/>
+          </a:fontRef>
+        </p:style>
+        <p:txBody>
+          <a:bodyPr rtlCol="0" anchor="ctr"/>
+          <a:lstStyle/>
+          <a:p>
+            <a:pPr algn="ctr"/>
+            <a:r>
+              <a:rPr lang="en-US" altLang="ko-KR" b="1">
+                <a:solidFill>
+                  <a:schemeClr val="tx1"/>
+                </a:solidFill>
+              </a:rPr>
+              <a:t>Controller</a:t>
+            </a:r>
+            <a:endParaRPr lang="ko-KR" altLang="en-US" b="1">
+              <a:solidFill>
+                <a:schemeClr val="tx1"/>
+              </a:solidFill>
+            </a:endParaRPr>
+          </a:p>
+        </p:txBody>
+      </p:sp>
+      <p:cxnSp>
+        <p:nvCxnSpPr>
+          <p:cNvPr id="15" name="직선 화살표 연결선 14">
+            <a:extLst>
+              <a:ext uri="{FF2B5EF4-FFF2-40B4-BE49-F238E27FC236}">
+                <a16:creationId xmlns:a16="http://schemas.microsoft.com/office/drawing/2014/main" id="{3215391D-F35D-1C7C-328B-6933AAB6E004}"/>
+              </a:ext>
+            </a:extLst>
+          </p:cNvPr>
+          <p:cNvCxnSpPr>
+            <a:cxnSpLocks/>
+          </p:cNvCxnSpPr>
+          <p:nvPr/>
+        </p:nvCxnSpPr>
+        <p:spPr>
+          <a:xfrm>
+            <a:off x="227256" y="1731278"/>
+            <a:ext cx="683489" cy="0"/>
+          </a:xfrm>
+          <a:prstGeom prst="straightConnector1">
+            <a:avLst/>
+          </a:prstGeom>
+          <a:ln w="57150">
+            <a:solidFill>
+              <a:srgbClr val="00B0F0"/>
+            </a:solidFill>
+            <a:tailEnd type="triangle"/>
+          </a:ln>
+        </p:spPr>
+        <p:style>
+          <a:lnRef idx="1">
+            <a:schemeClr val="accent1"/>
+          </a:lnRef>
+          <a:fillRef idx="0">
+            <a:schemeClr val="accent1"/>
+          </a:fillRef>
+          <a:effectRef idx="0">
+            <a:schemeClr val="accent1"/>
+          </a:effectRef>
+          <a:fontRef idx="minor">
+            <a:schemeClr val="tx1"/>
+          </a:fontRef>
+        </p:style>
+      </p:cxnSp>
+      <p:sp>
+        <p:nvSpPr>
+          <p:cNvPr id="19" name="TextBox 18">
+            <a:extLst>
+              <a:ext uri="{FF2B5EF4-FFF2-40B4-BE49-F238E27FC236}">
+                <a16:creationId xmlns:a16="http://schemas.microsoft.com/office/drawing/2014/main" id="{957A3D6F-5FF7-0F0A-0B12-7E3D77497752}"/>
+              </a:ext>
+            </a:extLst>
+          </p:cNvPr>
+          <p:cNvSpPr txBox="1"/>
+          <p:nvPr/>
+        </p:nvSpPr>
+        <p:spPr>
+          <a:xfrm>
+            <a:off x="5469136" y="4269181"/>
+            <a:ext cx="1028100" cy="276999"/>
+          </a:xfrm>
+          <a:prstGeom prst="rect">
+            <a:avLst/>
+          </a:prstGeom>
+          <a:noFill/>
+        </p:spPr>
+        <p:txBody>
+          <a:bodyPr wrap="square">
+            <a:spAutoFit/>
+          </a:bodyPr>
+          <a:lstStyle/>
+          <a:p>
+            <a:r>
+              <a:rPr lang="en-US" altLang="ko-KR" sz="1200" b="1"/>
+              <a:t>data_i[7:0]</a:t>
+            </a:r>
+            <a:endParaRPr lang="ko-KR" altLang="en-US" sz="1200" b="1">
+              <a:solidFill>
+                <a:schemeClr val="tx1"/>
+              </a:solidFill>
+            </a:endParaRPr>
+          </a:p>
+        </p:txBody>
+      </p:sp>
+      <p:sp>
+        <p:nvSpPr>
+          <p:cNvPr id="20" name="TextBox 19">
+            <a:extLst>
+              <a:ext uri="{FF2B5EF4-FFF2-40B4-BE49-F238E27FC236}">
+                <a16:creationId xmlns:a16="http://schemas.microsoft.com/office/drawing/2014/main" id="{C700BEA2-26C6-E3E5-8A36-5FAD04C91275}"/>
+              </a:ext>
+            </a:extLst>
+          </p:cNvPr>
+          <p:cNvSpPr txBox="1"/>
+          <p:nvPr/>
+        </p:nvSpPr>
+        <p:spPr>
+          <a:xfrm>
+            <a:off x="5485291" y="4620742"/>
+            <a:ext cx="1028100" cy="276999"/>
+          </a:xfrm>
+          <a:prstGeom prst="rect">
+            <a:avLst/>
+          </a:prstGeom>
+          <a:noFill/>
+        </p:spPr>
+        <p:txBody>
+          <a:bodyPr wrap="square">
+            <a:spAutoFit/>
+          </a:bodyPr>
+          <a:lstStyle/>
+          <a:p>
+            <a:r>
+              <a:rPr lang="en-US" altLang="ko-KR" sz="1200" b="1"/>
+              <a:t>data_en_i</a:t>
+            </a:r>
+            <a:endParaRPr lang="ko-KR" altLang="en-US" sz="1200" b="1">
+              <a:solidFill>
+                <a:schemeClr val="tx1"/>
+              </a:solidFill>
+            </a:endParaRPr>
+          </a:p>
+        </p:txBody>
+      </p:sp>
+      <p:sp>
+        <p:nvSpPr>
+          <p:cNvPr id="23" name="TextBox 22">
+            <a:extLst>
+              <a:ext uri="{FF2B5EF4-FFF2-40B4-BE49-F238E27FC236}">
+                <a16:creationId xmlns:a16="http://schemas.microsoft.com/office/drawing/2014/main" id="{9BB86B59-9E57-1315-57B0-B952CA4E0122}"/>
+              </a:ext>
+            </a:extLst>
+          </p:cNvPr>
+          <p:cNvSpPr txBox="1"/>
+          <p:nvPr/>
+        </p:nvSpPr>
+        <p:spPr>
+          <a:xfrm>
+            <a:off x="7025640" y="4138711"/>
+            <a:ext cx="1334465" cy="276999"/>
+          </a:xfrm>
+          <a:prstGeom prst="rect">
+            <a:avLst/>
+          </a:prstGeom>
+          <a:noFill/>
+        </p:spPr>
+        <p:txBody>
+          <a:bodyPr wrap="square">
+            <a:spAutoFit/>
+          </a:bodyPr>
+          <a:lstStyle/>
+          <a:p>
+            <a:r>
+              <a:rPr lang="en-US" altLang="ko-KR" sz="1200" b="1"/>
+              <a:t>data_o[0:9][7:0]</a:t>
+            </a:r>
+            <a:endParaRPr lang="ko-KR" altLang="en-US" sz="1200" b="1">
+              <a:solidFill>
+                <a:schemeClr val="tx1"/>
+              </a:solidFill>
+            </a:endParaRPr>
+          </a:p>
+        </p:txBody>
+      </p:sp>
+      <p:cxnSp>
+        <p:nvCxnSpPr>
+          <p:cNvPr id="24" name="직선 연결선 23">
+            <a:extLst>
+              <a:ext uri="{FF2B5EF4-FFF2-40B4-BE49-F238E27FC236}">
+                <a16:creationId xmlns:a16="http://schemas.microsoft.com/office/drawing/2014/main" id="{2CF96159-7B1D-A408-E198-8B5692F70C98}"/>
+              </a:ext>
+            </a:extLst>
+          </p:cNvPr>
+          <p:cNvCxnSpPr>
+            <a:cxnSpLocks/>
+          </p:cNvCxnSpPr>
+          <p:nvPr/>
+        </p:nvCxnSpPr>
+        <p:spPr>
+          <a:xfrm>
+            <a:off x="8295731" y="4292600"/>
+            <a:ext cx="1223817" cy="0"/>
+          </a:xfrm>
+          <a:prstGeom prst="line">
+            <a:avLst/>
+          </a:prstGeom>
+          <a:ln w="28575">
+            <a:solidFill>
+              <a:srgbClr val="FF0000"/>
+            </a:solidFill>
+          </a:ln>
+        </p:spPr>
+        <p:style>
+          <a:lnRef idx="1">
+            <a:schemeClr val="accent1"/>
+          </a:lnRef>
+          <a:fillRef idx="0">
+            <a:schemeClr val="accent1"/>
+          </a:fillRef>
+          <a:effectRef idx="0">
+            <a:schemeClr val="accent1"/>
+          </a:effectRef>
+          <a:fontRef idx="minor">
+            <a:schemeClr val="tx1"/>
+          </a:fontRef>
+        </p:style>
+      </p:cxnSp>
+      <p:cxnSp>
+        <p:nvCxnSpPr>
+          <p:cNvPr id="25" name="직선 연결선 24">
+            <a:extLst>
+              <a:ext uri="{FF2B5EF4-FFF2-40B4-BE49-F238E27FC236}">
+                <a16:creationId xmlns:a16="http://schemas.microsoft.com/office/drawing/2014/main" id="{3D7288B5-482C-FFF3-67ED-2EEFD36B7BA4}"/>
+              </a:ext>
+            </a:extLst>
+          </p:cNvPr>
+          <p:cNvCxnSpPr>
+            <a:cxnSpLocks/>
+          </p:cNvCxnSpPr>
+          <p:nvPr/>
+        </p:nvCxnSpPr>
+        <p:spPr>
+          <a:xfrm>
+            <a:off x="8295731" y="4634108"/>
+            <a:ext cx="1223817" cy="0"/>
+          </a:xfrm>
+          <a:prstGeom prst="line">
+            <a:avLst/>
+          </a:prstGeom>
+          <a:ln w="28575">
+            <a:solidFill>
+              <a:schemeClr val="tx1"/>
+            </a:solidFill>
+          </a:ln>
+        </p:spPr>
+        <p:style>
+          <a:lnRef idx="1">
+            <a:schemeClr val="accent1"/>
+          </a:lnRef>
+          <a:fillRef idx="0">
+            <a:schemeClr val="accent1"/>
+          </a:fillRef>
+          <a:effectRef idx="0">
+            <a:schemeClr val="accent1"/>
+          </a:effectRef>
+          <a:fontRef idx="minor">
+            <a:schemeClr val="tx1"/>
+          </a:fontRef>
+        </p:style>
+      </p:cxnSp>
+      <p:sp>
+        <p:nvSpPr>
+          <p:cNvPr id="26" name="TextBox 25">
+            <a:extLst>
+              <a:ext uri="{FF2B5EF4-FFF2-40B4-BE49-F238E27FC236}">
+                <a16:creationId xmlns:a16="http://schemas.microsoft.com/office/drawing/2014/main" id="{07A77C82-AE34-199D-8D6E-CF70668C2003}"/>
+              </a:ext>
+            </a:extLst>
+          </p:cNvPr>
+          <p:cNvSpPr txBox="1"/>
+          <p:nvPr/>
+        </p:nvSpPr>
+        <p:spPr>
+          <a:xfrm>
+            <a:off x="7365489" y="4487105"/>
+            <a:ext cx="1028100" cy="276999"/>
+          </a:xfrm>
+          <a:prstGeom prst="rect">
+            <a:avLst/>
+          </a:prstGeom>
+          <a:noFill/>
+        </p:spPr>
+        <p:txBody>
+          <a:bodyPr wrap="square">
+            <a:spAutoFit/>
+          </a:bodyPr>
+          <a:lstStyle/>
+          <a:p>
+            <a:r>
+              <a:rPr lang="en-US" altLang="ko-KR" sz="1200" b="1">
+                <a:solidFill>
+                  <a:schemeClr val="tx1"/>
+                </a:solidFill>
+              </a:rPr>
+              <a:t>Core_en_o</a:t>
+            </a:r>
+            <a:endParaRPr lang="ko-KR" altLang="en-US" sz="1200" b="1">
+              <a:solidFill>
+                <a:schemeClr val="tx1"/>
+              </a:solidFill>
+            </a:endParaRPr>
+          </a:p>
+        </p:txBody>
+      </p:sp>
+      <p:sp>
+        <p:nvSpPr>
+          <p:cNvPr id="28" name="TextBox 27">
+            <a:extLst>
+              <a:ext uri="{FF2B5EF4-FFF2-40B4-BE49-F238E27FC236}">
+                <a16:creationId xmlns:a16="http://schemas.microsoft.com/office/drawing/2014/main" id="{D8D1CE1E-9C4D-B7F8-4048-0B1BBA0D39A7}"/>
+              </a:ext>
+            </a:extLst>
+          </p:cNvPr>
+          <p:cNvSpPr txBox="1"/>
+          <p:nvPr/>
+        </p:nvSpPr>
+        <p:spPr>
+          <a:xfrm>
+            <a:off x="7149544" y="3358318"/>
+            <a:ext cx="1132931" cy="276999"/>
+          </a:xfrm>
+          <a:prstGeom prst="rect">
+            <a:avLst/>
+          </a:prstGeom>
+          <a:noFill/>
+        </p:spPr>
+        <p:txBody>
+          <a:bodyPr wrap="square">
+            <a:spAutoFit/>
+          </a:bodyPr>
+          <a:lstStyle/>
+          <a:p>
+            <a:r>
+              <a:rPr lang="en-US" altLang="ko-KR" sz="1200" b="1">
+                <a:solidFill>
+                  <a:schemeClr val="tx1"/>
+                </a:solidFill>
+              </a:rPr>
+              <a:t>Core_done_o</a:t>
+            </a:r>
+            <a:endParaRPr lang="ko-KR" altLang="en-US" sz="1200" b="1">
+              <a:solidFill>
+                <a:schemeClr val="tx1"/>
+              </a:solidFill>
+            </a:endParaRPr>
+          </a:p>
+        </p:txBody>
+      </p:sp>
+      <p:cxnSp>
+        <p:nvCxnSpPr>
+          <p:cNvPr id="30" name="직선 연결선 29">
+            <a:extLst>
+              <a:ext uri="{FF2B5EF4-FFF2-40B4-BE49-F238E27FC236}">
+                <a16:creationId xmlns:a16="http://schemas.microsoft.com/office/drawing/2014/main" id="{1A6E9583-86F6-8CF4-60D2-DE5629F618B9}"/>
+              </a:ext>
+            </a:extLst>
+          </p:cNvPr>
+          <p:cNvCxnSpPr>
+            <a:cxnSpLocks/>
+          </p:cNvCxnSpPr>
+          <p:nvPr/>
+        </p:nvCxnSpPr>
+        <p:spPr>
+          <a:xfrm>
+            <a:off x="8295731" y="3525192"/>
+            <a:ext cx="475258" cy="0"/>
+          </a:xfrm>
+          <a:prstGeom prst="line">
+            <a:avLst/>
+          </a:prstGeom>
+          <a:ln w="28575">
+            <a:solidFill>
+              <a:schemeClr val="tx1"/>
+            </a:solidFill>
+          </a:ln>
+        </p:spPr>
+        <p:style>
+          <a:lnRef idx="1">
+            <a:schemeClr val="accent1"/>
+          </a:lnRef>
+          <a:fillRef idx="0">
+            <a:schemeClr val="accent1"/>
+          </a:fillRef>
+          <a:effectRef idx="0">
+            <a:schemeClr val="accent1"/>
+          </a:effectRef>
+          <a:fontRef idx="minor">
+            <a:schemeClr val="tx1"/>
+          </a:fontRef>
+        </p:style>
+      </p:cxnSp>
+      <p:sp>
+        <p:nvSpPr>
+          <p:cNvPr id="33" name="TextBox 32">
+            <a:extLst>
+              <a:ext uri="{FF2B5EF4-FFF2-40B4-BE49-F238E27FC236}">
+                <a16:creationId xmlns:a16="http://schemas.microsoft.com/office/drawing/2014/main" id="{5ED05668-A23E-D1F3-1E56-84AF05BA8E56}"/>
+              </a:ext>
+            </a:extLst>
+          </p:cNvPr>
+          <p:cNvSpPr txBox="1"/>
+          <p:nvPr/>
+        </p:nvSpPr>
+        <p:spPr>
+          <a:xfrm>
+            <a:off x="2915083" y="4256652"/>
+            <a:ext cx="979842" cy="276999"/>
+          </a:xfrm>
+          <a:prstGeom prst="rect">
+            <a:avLst/>
+          </a:prstGeom>
+          <a:noFill/>
+        </p:spPr>
+        <p:txBody>
+          <a:bodyPr wrap="square">
+            <a:spAutoFit/>
+          </a:bodyPr>
+          <a:lstStyle/>
+          <a:p>
+            <a:r>
+              <a:rPr lang="en-US" altLang="ko-KR" sz="1200" b="1"/>
+              <a:t>data_o[7:0]</a:t>
+            </a:r>
+            <a:endParaRPr lang="ko-KR" altLang="en-US" sz="1200" b="1">
+              <a:solidFill>
+                <a:schemeClr val="tx1"/>
+              </a:solidFill>
+            </a:endParaRPr>
+          </a:p>
+        </p:txBody>
+      </p:sp>
+      <p:cxnSp>
+        <p:nvCxnSpPr>
+          <p:cNvPr id="34" name="직선 연결선 33">
+            <a:extLst>
+              <a:ext uri="{FF2B5EF4-FFF2-40B4-BE49-F238E27FC236}">
+                <a16:creationId xmlns:a16="http://schemas.microsoft.com/office/drawing/2014/main" id="{AF48A4C2-07F2-3B18-6AEA-0FE6CB1F1219}"/>
+              </a:ext>
+            </a:extLst>
+          </p:cNvPr>
+          <p:cNvCxnSpPr>
+            <a:cxnSpLocks/>
+            <a:stCxn id="4" idx="3"/>
+            <a:endCxn id="19" idx="1"/>
+          </p:cNvCxnSpPr>
+          <p:nvPr/>
+        </p:nvCxnSpPr>
+        <p:spPr>
+          <a:xfrm flipV="1">
+            <a:off x="3938800" y="4407681"/>
+            <a:ext cx="1530336" cy="32016"/>
+          </a:xfrm>
+          <a:prstGeom prst="line">
+            <a:avLst/>
+          </a:prstGeom>
+          <a:ln w="28575">
+            <a:solidFill>
+              <a:srgbClr val="FF0000"/>
+            </a:solidFill>
+          </a:ln>
+        </p:spPr>
+        <p:style>
+          <a:lnRef idx="1">
+            <a:schemeClr val="accent1"/>
+          </a:lnRef>
+          <a:fillRef idx="0">
+            <a:schemeClr val="accent1"/>
+          </a:fillRef>
+          <a:effectRef idx="0">
+            <a:schemeClr val="accent1"/>
+          </a:effectRef>
+          <a:fontRef idx="minor">
+            <a:schemeClr val="tx1"/>
+          </a:fontRef>
+        </p:style>
+      </p:cxnSp>
+      <p:sp>
+        <p:nvSpPr>
+          <p:cNvPr id="35" name="TextBox 34">
+            <a:extLst>
+              <a:ext uri="{FF2B5EF4-FFF2-40B4-BE49-F238E27FC236}">
+                <a16:creationId xmlns:a16="http://schemas.microsoft.com/office/drawing/2014/main" id="{CDD8F13A-93A9-757C-0E5C-50823984DDEB}"/>
+              </a:ext>
+            </a:extLst>
+          </p:cNvPr>
+          <p:cNvSpPr txBox="1"/>
+          <p:nvPr/>
+        </p:nvSpPr>
+        <p:spPr>
+          <a:xfrm>
+            <a:off x="2915083" y="4610593"/>
+            <a:ext cx="952458" cy="276999"/>
+          </a:xfrm>
+          <a:prstGeom prst="rect">
+            <a:avLst/>
+          </a:prstGeom>
+          <a:noFill/>
+        </p:spPr>
+        <p:txBody>
+          <a:bodyPr wrap="square">
+            <a:spAutoFit/>
+          </a:bodyPr>
+          <a:lstStyle/>
+          <a:p>
+            <a:r>
+              <a:rPr lang="en-US" altLang="ko-KR" sz="1200" b="1">
+                <a:solidFill>
+                  <a:schemeClr val="tx1"/>
+                </a:solidFill>
+              </a:rPr>
+              <a:t>data_en_o</a:t>
+            </a:r>
+            <a:endParaRPr lang="ko-KR" altLang="en-US" sz="1200" b="1">
+              <a:solidFill>
+                <a:schemeClr val="tx1"/>
+              </a:solidFill>
+            </a:endParaRPr>
+          </a:p>
+        </p:txBody>
+      </p:sp>
+      <p:cxnSp>
+        <p:nvCxnSpPr>
+          <p:cNvPr id="36" name="직선 연결선 35">
+            <a:extLst>
+              <a:ext uri="{FF2B5EF4-FFF2-40B4-BE49-F238E27FC236}">
+                <a16:creationId xmlns:a16="http://schemas.microsoft.com/office/drawing/2014/main" id="{92D17839-3903-4FBC-A152-EF404ADA2CD3}"/>
+              </a:ext>
+            </a:extLst>
+          </p:cNvPr>
+          <p:cNvCxnSpPr>
+            <a:cxnSpLocks/>
+            <a:stCxn id="35" idx="3"/>
+            <a:endCxn id="20" idx="1"/>
+          </p:cNvCxnSpPr>
+          <p:nvPr/>
+        </p:nvCxnSpPr>
+        <p:spPr>
+          <a:xfrm>
+            <a:off x="3867541" y="4749093"/>
+            <a:ext cx="1617750" cy="10149"/>
+          </a:xfrm>
+          <a:prstGeom prst="line">
+            <a:avLst/>
+          </a:prstGeom>
+          <a:ln w="28575">
+            <a:solidFill>
+              <a:schemeClr val="tx1"/>
+            </a:solidFill>
+          </a:ln>
+        </p:spPr>
+        <p:style>
+          <a:lnRef idx="1">
+            <a:schemeClr val="accent1"/>
+          </a:lnRef>
+          <a:fillRef idx="0">
+            <a:schemeClr val="accent1"/>
+          </a:fillRef>
+          <a:effectRef idx="0">
+            <a:schemeClr val="accent1"/>
+          </a:effectRef>
+          <a:fontRef idx="minor">
+            <a:schemeClr val="tx1"/>
+          </a:fontRef>
+        </p:style>
+      </p:cxnSp>
+      <p:sp>
+        <p:nvSpPr>
+          <p:cNvPr id="38" name="TextBox 37">
+            <a:extLst>
+              <a:ext uri="{FF2B5EF4-FFF2-40B4-BE49-F238E27FC236}">
+                <a16:creationId xmlns:a16="http://schemas.microsoft.com/office/drawing/2014/main" id="{9971A508-3F2E-503B-1515-A580DE87B29B}"/>
+              </a:ext>
+            </a:extLst>
+          </p:cNvPr>
+          <p:cNvSpPr txBox="1"/>
+          <p:nvPr/>
+        </p:nvSpPr>
+        <p:spPr>
+          <a:xfrm>
+            <a:off x="2773142" y="3915046"/>
+            <a:ext cx="1169326" cy="276999"/>
+          </a:xfrm>
+          <a:prstGeom prst="rect">
+            <a:avLst/>
+          </a:prstGeom>
+          <a:noFill/>
+        </p:spPr>
+        <p:txBody>
+          <a:bodyPr wrap="square">
+            <a:spAutoFit/>
+          </a:bodyPr>
+          <a:lstStyle/>
+          <a:p>
+            <a:r>
+              <a:rPr lang="en-US" altLang="ko-KR" sz="1200" b="1"/>
+              <a:t>fetch</a:t>
+            </a:r>
+            <a:r>
+              <a:rPr lang="en-US" altLang="ko-KR" sz="1200" b="1">
+                <a:solidFill>
+                  <a:schemeClr val="tx1"/>
+                </a:solidFill>
+              </a:rPr>
+              <a:t>_done_o</a:t>
+            </a:r>
+            <a:endParaRPr lang="ko-KR" altLang="en-US" sz="1200" b="1">
+              <a:solidFill>
+                <a:schemeClr val="tx1"/>
+              </a:solidFill>
+            </a:endParaRPr>
+          </a:p>
+        </p:txBody>
+      </p:sp>
+      <p:cxnSp>
+        <p:nvCxnSpPr>
+          <p:cNvPr id="39" name="직선 연결선 38">
+            <a:extLst>
+              <a:ext uri="{FF2B5EF4-FFF2-40B4-BE49-F238E27FC236}">
+                <a16:creationId xmlns:a16="http://schemas.microsoft.com/office/drawing/2014/main" id="{17B54FD5-E55C-22A1-935A-ED18577363E3}"/>
+              </a:ext>
+            </a:extLst>
+          </p:cNvPr>
+          <p:cNvCxnSpPr>
+            <a:cxnSpLocks/>
+          </p:cNvCxnSpPr>
+          <p:nvPr/>
+        </p:nvCxnSpPr>
+        <p:spPr>
+          <a:xfrm>
+            <a:off x="3904484" y="4094023"/>
+            <a:ext cx="585450" cy="0"/>
+          </a:xfrm>
+          <a:prstGeom prst="line">
+            <a:avLst/>
+          </a:prstGeom>
+          <a:ln w="28575">
+            <a:solidFill>
+              <a:schemeClr val="tx1"/>
+            </a:solidFill>
+          </a:ln>
+        </p:spPr>
+        <p:style>
+          <a:lnRef idx="1">
+            <a:schemeClr val="accent1"/>
+          </a:lnRef>
+          <a:fillRef idx="0">
+            <a:schemeClr val="accent1"/>
+          </a:fillRef>
+          <a:effectRef idx="0">
+            <a:schemeClr val="accent1"/>
+          </a:effectRef>
+          <a:fontRef idx="minor">
+            <a:schemeClr val="tx1"/>
+          </a:fontRef>
+        </p:style>
+      </p:cxnSp>
+      <p:cxnSp>
+        <p:nvCxnSpPr>
+          <p:cNvPr id="42" name="직선 연결선 41">
+            <a:extLst>
+              <a:ext uri="{FF2B5EF4-FFF2-40B4-BE49-F238E27FC236}">
+                <a16:creationId xmlns:a16="http://schemas.microsoft.com/office/drawing/2014/main" id="{6B9AA6F6-6968-9F2D-6C08-9F16F0F7BE02}"/>
+              </a:ext>
+            </a:extLst>
+          </p:cNvPr>
+          <p:cNvCxnSpPr>
+            <a:cxnSpLocks/>
+          </p:cNvCxnSpPr>
+          <p:nvPr/>
+        </p:nvCxnSpPr>
+        <p:spPr>
+          <a:xfrm flipV="1">
+            <a:off x="4489934" y="1659143"/>
+            <a:ext cx="0" cy="2444116"/>
+          </a:xfrm>
+          <a:prstGeom prst="line">
+            <a:avLst/>
+          </a:prstGeom>
+          <a:ln w="28575">
+            <a:solidFill>
+              <a:schemeClr val="tx1"/>
+            </a:solidFill>
+          </a:ln>
+        </p:spPr>
+        <p:style>
+          <a:lnRef idx="1">
+            <a:schemeClr val="accent1"/>
+          </a:lnRef>
+          <a:fillRef idx="0">
+            <a:schemeClr val="accent1"/>
+          </a:fillRef>
+          <a:effectRef idx="0">
+            <a:schemeClr val="accent1"/>
+          </a:effectRef>
+          <a:fontRef idx="minor">
+            <a:schemeClr val="tx1"/>
+          </a:fontRef>
+        </p:style>
+      </p:cxnSp>
+      <p:cxnSp>
+        <p:nvCxnSpPr>
+          <p:cNvPr id="44" name="직선 연결선 43">
+            <a:extLst>
+              <a:ext uri="{FF2B5EF4-FFF2-40B4-BE49-F238E27FC236}">
+                <a16:creationId xmlns:a16="http://schemas.microsoft.com/office/drawing/2014/main" id="{87BD99EF-61E0-6755-8A41-CB9B4EFDB5AF}"/>
+              </a:ext>
+            </a:extLst>
+          </p:cNvPr>
+          <p:cNvCxnSpPr>
+            <a:cxnSpLocks/>
+          </p:cNvCxnSpPr>
+          <p:nvPr/>
+        </p:nvCxnSpPr>
+        <p:spPr>
+          <a:xfrm>
+            <a:off x="986471" y="4094023"/>
+            <a:ext cx="794326" cy="0"/>
+          </a:xfrm>
+          <a:prstGeom prst="line">
+            <a:avLst/>
+          </a:prstGeom>
+          <a:ln w="76200">
+            <a:solidFill>
+              <a:schemeClr val="tx1"/>
+            </a:solidFill>
+          </a:ln>
+        </p:spPr>
+        <p:style>
+          <a:lnRef idx="1">
+            <a:schemeClr val="accent1"/>
+          </a:lnRef>
+          <a:fillRef idx="0">
+            <a:schemeClr val="accent1"/>
+          </a:fillRef>
+          <a:effectRef idx="0">
+            <a:schemeClr val="accent1"/>
+          </a:effectRef>
+          <a:fontRef idx="minor">
+            <a:schemeClr val="tx1"/>
+          </a:fontRef>
+        </p:style>
+      </p:cxnSp>
+      <p:sp>
+        <p:nvSpPr>
+          <p:cNvPr id="46" name="TextBox 45">
+            <a:extLst>
+              <a:ext uri="{FF2B5EF4-FFF2-40B4-BE49-F238E27FC236}">
+                <a16:creationId xmlns:a16="http://schemas.microsoft.com/office/drawing/2014/main" id="{8BF9544C-6506-7513-C9C2-2EC11E0E76D1}"/>
+              </a:ext>
+            </a:extLst>
+          </p:cNvPr>
+          <p:cNvSpPr txBox="1"/>
+          <p:nvPr/>
+        </p:nvSpPr>
+        <p:spPr>
+          <a:xfrm>
+            <a:off x="949405" y="3640264"/>
+            <a:ext cx="1169326" cy="461665"/>
+          </a:xfrm>
+          <a:prstGeom prst="rect">
+            <a:avLst/>
+          </a:prstGeom>
+          <a:noFill/>
+        </p:spPr>
+        <p:txBody>
+          <a:bodyPr wrap="square">
+            <a:spAutoFit/>
+          </a:bodyPr>
+          <a:lstStyle/>
+          <a:p>
+            <a:r>
+              <a:rPr lang="en-US" altLang="ko-KR" sz="1200" b="1">
+                <a:solidFill>
+                  <a:schemeClr val="tx1"/>
+                </a:solidFill>
+              </a:rPr>
+              <a:t>Memory</a:t>
+            </a:r>
+          </a:p>
+          <a:p>
+            <a:r>
+              <a:rPr lang="en-US" altLang="ko-KR" sz="1200" b="1">
+                <a:solidFill>
+                  <a:schemeClr val="tx1"/>
+                </a:solidFill>
+              </a:rPr>
+              <a:t>interface</a:t>
+            </a:r>
+            <a:endParaRPr lang="ko-KR" altLang="en-US" sz="1200" b="1">
+              <a:solidFill>
+                <a:schemeClr val="tx1"/>
+              </a:solidFill>
+            </a:endParaRPr>
+          </a:p>
+        </p:txBody>
+      </p:sp>
+      <p:sp>
+        <p:nvSpPr>
+          <p:cNvPr id="47" name="직사각형 46">
+            <a:extLst>
+              <a:ext uri="{FF2B5EF4-FFF2-40B4-BE49-F238E27FC236}">
+                <a16:creationId xmlns:a16="http://schemas.microsoft.com/office/drawing/2014/main" id="{0EFCF7B0-40B1-7860-C837-140138E46A56}"/>
+              </a:ext>
+            </a:extLst>
+          </p:cNvPr>
+          <p:cNvSpPr/>
+          <p:nvPr/>
+        </p:nvSpPr>
+        <p:spPr>
+          <a:xfrm>
+            <a:off x="5584973" y="5087353"/>
+            <a:ext cx="1063795" cy="381790"/>
+          </a:xfrm>
+          <a:prstGeom prst="rect">
+            <a:avLst/>
+          </a:prstGeom>
+        </p:spPr>
+        <p:style>
+          <a:lnRef idx="2">
+            <a:schemeClr val="accent1">
+              <a:shade val="50000"/>
+            </a:schemeClr>
+          </a:lnRef>
+          <a:fillRef idx="1">
+            <a:schemeClr val="accent1"/>
+          </a:fillRef>
+          <a:effectRef idx="0">
+            <a:schemeClr val="accent1"/>
+          </a:effectRef>
+          <a:fontRef idx="minor">
+            <a:schemeClr val="lt1"/>
+          </a:fontRef>
+        </p:style>
+        <p:txBody>
+          <a:bodyPr rtlCol="0" anchor="ctr"/>
+          <a:lstStyle/>
+          <a:p>
+            <a:pPr algn="ctr"/>
+            <a:r>
+              <a:rPr lang="en-US" altLang="ko-KR" sz="1100" b="1">
+                <a:solidFill>
+                  <a:schemeClr val="bg1"/>
+                </a:solidFill>
+              </a:rPr>
+              <a:t>3x COL</a:t>
+            </a:r>
+          </a:p>
+          <a:p>
+            <a:pPr algn="ctr"/>
+            <a:r>
+              <a:rPr lang="en-US" altLang="ko-KR" sz="1100" b="1">
+                <a:solidFill>
+                  <a:schemeClr val="bg1"/>
+                </a:solidFill>
+              </a:rPr>
+              <a:t>BUFFER</a:t>
+            </a:r>
+            <a:endParaRPr lang="ko-KR" altLang="en-US" sz="1100" b="1">
+              <a:solidFill>
+                <a:schemeClr val="bg1"/>
+              </a:solidFill>
+            </a:endParaRPr>
+          </a:p>
+        </p:txBody>
+      </p:sp>
+      <p:cxnSp>
+        <p:nvCxnSpPr>
+          <p:cNvPr id="59" name="직선 연결선 58">
+            <a:extLst>
+              <a:ext uri="{FF2B5EF4-FFF2-40B4-BE49-F238E27FC236}">
+                <a16:creationId xmlns:a16="http://schemas.microsoft.com/office/drawing/2014/main" id="{6A0F85C0-1168-6F97-510A-6C44BF25B382}"/>
+              </a:ext>
+            </a:extLst>
+          </p:cNvPr>
+          <p:cNvCxnSpPr>
+            <a:cxnSpLocks/>
+          </p:cNvCxnSpPr>
+          <p:nvPr/>
+        </p:nvCxnSpPr>
+        <p:spPr>
+          <a:xfrm flipV="1">
+            <a:off x="2392217" y="1725411"/>
+            <a:ext cx="0" cy="1327206"/>
+          </a:xfrm>
+          <a:prstGeom prst="line">
+            <a:avLst/>
+          </a:prstGeom>
+          <a:ln w="28575">
+            <a:solidFill>
+              <a:schemeClr val="tx1"/>
+            </a:solidFill>
+          </a:ln>
+        </p:spPr>
+        <p:style>
+          <a:lnRef idx="1">
+            <a:schemeClr val="accent1"/>
+          </a:lnRef>
+          <a:fillRef idx="0">
+            <a:schemeClr val="accent1"/>
+          </a:fillRef>
+          <a:effectRef idx="0">
+            <a:schemeClr val="accent1"/>
+          </a:effectRef>
+          <a:fontRef idx="minor">
+            <a:schemeClr val="tx1"/>
+          </a:fontRef>
+        </p:style>
+      </p:cxnSp>
+      <p:sp>
+        <p:nvSpPr>
+          <p:cNvPr id="63" name="TextBox 62">
+            <a:extLst>
+              <a:ext uri="{FF2B5EF4-FFF2-40B4-BE49-F238E27FC236}">
+                <a16:creationId xmlns:a16="http://schemas.microsoft.com/office/drawing/2014/main" id="{6FEBD5A6-F47A-2436-2424-FF04A795A54A}"/>
+              </a:ext>
+            </a:extLst>
+          </p:cNvPr>
+          <p:cNvSpPr txBox="1"/>
+          <p:nvPr/>
+        </p:nvSpPr>
+        <p:spPr>
+          <a:xfrm>
+            <a:off x="1879499" y="3050612"/>
+            <a:ext cx="1169326" cy="276999"/>
+          </a:xfrm>
+          <a:prstGeom prst="rect">
+            <a:avLst/>
+          </a:prstGeom>
+          <a:noFill/>
+        </p:spPr>
+        <p:txBody>
+          <a:bodyPr wrap="square">
+            <a:spAutoFit/>
+          </a:bodyPr>
+          <a:lstStyle/>
+          <a:p>
+            <a:r>
+              <a:rPr lang="en-US" altLang="ko-KR" sz="1200" b="1"/>
+              <a:t>fetch</a:t>
+            </a:r>
+            <a:r>
+              <a:rPr lang="en-US" altLang="ko-KR" sz="1200" b="1">
+                <a:solidFill>
+                  <a:schemeClr val="tx1"/>
+                </a:solidFill>
+              </a:rPr>
+              <a:t>_run_</a:t>
+            </a:r>
+            <a:r>
+              <a:rPr lang="en-US" altLang="ko-KR" sz="1200" b="1"/>
+              <a:t>i</a:t>
+            </a:r>
+            <a:endParaRPr lang="ko-KR" altLang="en-US" sz="1200" b="1">
+              <a:solidFill>
+                <a:schemeClr val="tx1"/>
+              </a:solidFill>
+            </a:endParaRPr>
+          </a:p>
+        </p:txBody>
+      </p:sp>
+      <p:cxnSp>
+        <p:nvCxnSpPr>
+          <p:cNvPr id="75" name="직선 연결선 74">
+            <a:extLst>
+              <a:ext uri="{FF2B5EF4-FFF2-40B4-BE49-F238E27FC236}">
+                <a16:creationId xmlns:a16="http://schemas.microsoft.com/office/drawing/2014/main" id="{8F113C29-CDE7-F0C2-880C-D66D2747B959}"/>
+              </a:ext>
+            </a:extLst>
+          </p:cNvPr>
+          <p:cNvCxnSpPr>
+            <a:cxnSpLocks/>
+          </p:cNvCxnSpPr>
+          <p:nvPr/>
+        </p:nvCxnSpPr>
+        <p:spPr>
+          <a:xfrm flipV="1">
+            <a:off x="8770989" y="1725411"/>
+            <a:ext cx="0" cy="1791875"/>
+          </a:xfrm>
+          <a:prstGeom prst="line">
+            <a:avLst/>
+          </a:prstGeom>
+          <a:ln w="28575">
+            <a:solidFill>
+              <a:schemeClr val="tx1"/>
+            </a:solidFill>
+          </a:ln>
+        </p:spPr>
+        <p:style>
+          <a:lnRef idx="1">
+            <a:schemeClr val="accent1"/>
+          </a:lnRef>
+          <a:fillRef idx="0">
+            <a:schemeClr val="accent1"/>
+          </a:fillRef>
+          <a:effectRef idx="0">
+            <a:schemeClr val="accent1"/>
+          </a:effectRef>
+          <a:fontRef idx="minor">
+            <a:schemeClr val="tx1"/>
+          </a:fontRef>
+        </p:style>
+      </p:cxnSp>
+      <p:sp>
+        <p:nvSpPr>
+          <p:cNvPr id="79" name="TextBox 78">
+            <a:extLst>
+              <a:ext uri="{FF2B5EF4-FFF2-40B4-BE49-F238E27FC236}">
+                <a16:creationId xmlns:a16="http://schemas.microsoft.com/office/drawing/2014/main" id="{EC561892-8AB1-2A5E-4AB1-DBE0588336C0}"/>
+              </a:ext>
+            </a:extLst>
+          </p:cNvPr>
+          <p:cNvSpPr txBox="1"/>
+          <p:nvPr/>
+        </p:nvSpPr>
+        <p:spPr>
+          <a:xfrm>
+            <a:off x="7556822" y="6346806"/>
+            <a:ext cx="1320800" cy="338554"/>
+          </a:xfrm>
+          <a:prstGeom prst="rect">
+            <a:avLst/>
+          </a:prstGeom>
+          <a:noFill/>
+        </p:spPr>
+        <p:txBody>
+          <a:bodyPr wrap="square">
+            <a:spAutoFit/>
+          </a:bodyPr>
+          <a:lstStyle/>
+          <a:p>
+            <a:pPr algn="ctr"/>
+            <a:r>
+              <a:rPr lang="en-US" altLang="ko-KR" sz="1600" b="1">
+                <a:solidFill>
+                  <a:schemeClr val="tx1"/>
+                </a:solidFill>
+              </a:rPr>
+              <a:t>SOBEL_TOP</a:t>
+            </a:r>
+            <a:endParaRPr lang="ko-KR" altLang="en-US" sz="1600" b="1">
+              <a:solidFill>
+                <a:schemeClr val="tx1"/>
+              </a:solidFill>
+            </a:endParaRPr>
+          </a:p>
+        </p:txBody>
+      </p:sp>
+      <p:sp>
+        <p:nvSpPr>
+          <p:cNvPr id="80" name="TextBox 79">
+            <a:extLst>
+              <a:ext uri="{FF2B5EF4-FFF2-40B4-BE49-F238E27FC236}">
+                <a16:creationId xmlns:a16="http://schemas.microsoft.com/office/drawing/2014/main" id="{CE8DB0DE-0A92-9D00-734E-988A01003A4E}"/>
+              </a:ext>
+            </a:extLst>
+          </p:cNvPr>
+          <p:cNvSpPr txBox="1"/>
+          <p:nvPr/>
+        </p:nvSpPr>
+        <p:spPr>
+          <a:xfrm>
+            <a:off x="9479262" y="4128189"/>
+            <a:ext cx="1334465" cy="276999"/>
+          </a:xfrm>
+          <a:prstGeom prst="rect">
+            <a:avLst/>
+          </a:prstGeom>
+          <a:noFill/>
+        </p:spPr>
+        <p:txBody>
+          <a:bodyPr wrap="square">
+            <a:spAutoFit/>
+          </a:bodyPr>
+          <a:lstStyle/>
+          <a:p>
+            <a:r>
+              <a:rPr lang="en-US" altLang="ko-KR" sz="1200" b="1"/>
+              <a:t>data_i[0:9][7:0]</a:t>
+            </a:r>
+            <a:endParaRPr lang="ko-KR" altLang="en-US" sz="1200" b="1">
+              <a:solidFill>
+                <a:schemeClr val="tx1"/>
+              </a:solidFill>
+            </a:endParaRPr>
+          </a:p>
+        </p:txBody>
+      </p:sp>
+      <p:sp>
+        <p:nvSpPr>
+          <p:cNvPr id="81" name="TextBox 80">
+            <a:extLst>
+              <a:ext uri="{FF2B5EF4-FFF2-40B4-BE49-F238E27FC236}">
+                <a16:creationId xmlns:a16="http://schemas.microsoft.com/office/drawing/2014/main" id="{98F5C923-FE95-D9BB-F7B1-F5CE6C9DEF42}"/>
+              </a:ext>
+            </a:extLst>
+          </p:cNvPr>
+          <p:cNvSpPr txBox="1"/>
+          <p:nvPr/>
+        </p:nvSpPr>
+        <p:spPr>
+          <a:xfrm>
+            <a:off x="9475069" y="4495608"/>
+            <a:ext cx="1028100" cy="276999"/>
+          </a:xfrm>
+          <a:prstGeom prst="rect">
+            <a:avLst/>
+          </a:prstGeom>
+          <a:noFill/>
+        </p:spPr>
+        <p:txBody>
+          <a:bodyPr wrap="square">
+            <a:spAutoFit/>
+          </a:bodyPr>
+          <a:lstStyle/>
+          <a:p>
+            <a:r>
+              <a:rPr lang="en-US" altLang="ko-KR" sz="1200" b="1">
+                <a:solidFill>
+                  <a:schemeClr val="tx1"/>
+                </a:solidFill>
+              </a:rPr>
+              <a:t>Core_en_</a:t>
+            </a:r>
+            <a:r>
+              <a:rPr lang="en-US" altLang="ko-KR" sz="1200" b="1"/>
+              <a:t>i</a:t>
+            </a:r>
+            <a:endParaRPr lang="ko-KR" altLang="en-US" sz="1200" b="1">
+              <a:solidFill>
+                <a:schemeClr val="tx1"/>
+              </a:solidFill>
+            </a:endParaRPr>
+          </a:p>
+        </p:txBody>
+      </p:sp>
+      <p:cxnSp>
+        <p:nvCxnSpPr>
+          <p:cNvPr id="82" name="직선 연결선 81">
+            <a:extLst>
+              <a:ext uri="{FF2B5EF4-FFF2-40B4-BE49-F238E27FC236}">
+                <a16:creationId xmlns:a16="http://schemas.microsoft.com/office/drawing/2014/main" id="{2AD1A194-0870-EFBF-6B71-763D566E77EC}"/>
+              </a:ext>
+            </a:extLst>
+          </p:cNvPr>
+          <p:cNvCxnSpPr>
+            <a:cxnSpLocks/>
+          </p:cNvCxnSpPr>
+          <p:nvPr/>
+        </p:nvCxnSpPr>
+        <p:spPr>
+          <a:xfrm>
+            <a:off x="8325337" y="5506950"/>
+            <a:ext cx="4125281" cy="0"/>
+          </a:xfrm>
+          <a:prstGeom prst="line">
+            <a:avLst/>
+          </a:prstGeom>
+          <a:ln w="28575">
+            <a:solidFill>
+              <a:schemeClr val="tx1"/>
+            </a:solidFill>
+          </a:ln>
+        </p:spPr>
+        <p:style>
+          <a:lnRef idx="1">
+            <a:schemeClr val="accent1"/>
+          </a:lnRef>
+          <a:fillRef idx="0">
+            <a:schemeClr val="accent1"/>
+          </a:fillRef>
+          <a:effectRef idx="0">
+            <a:schemeClr val="accent1"/>
+          </a:effectRef>
+          <a:fontRef idx="minor">
+            <a:schemeClr val="tx1"/>
+          </a:fontRef>
+        </p:style>
+      </p:cxnSp>
+      <p:sp>
+        <p:nvSpPr>
+          <p:cNvPr id="83" name="TextBox 82">
+            <a:extLst>
+              <a:ext uri="{FF2B5EF4-FFF2-40B4-BE49-F238E27FC236}">
+                <a16:creationId xmlns:a16="http://schemas.microsoft.com/office/drawing/2014/main" id="{154B6515-A013-4149-5F5F-CE7FB7905DC1}"/>
+              </a:ext>
+            </a:extLst>
+          </p:cNvPr>
+          <p:cNvSpPr txBox="1"/>
+          <p:nvPr/>
+        </p:nvSpPr>
+        <p:spPr>
+          <a:xfrm>
+            <a:off x="6797040" y="5337099"/>
+            <a:ext cx="1550025" cy="276999"/>
+          </a:xfrm>
+          <a:prstGeom prst="rect">
+            <a:avLst/>
+          </a:prstGeom>
+          <a:noFill/>
+        </p:spPr>
+        <p:txBody>
+          <a:bodyPr wrap="square">
+            <a:spAutoFit/>
+          </a:bodyPr>
+          <a:lstStyle/>
+          <a:p>
+            <a:r>
+              <a:rPr lang="en-US" altLang="ko-KR" sz="1200" b="1">
+                <a:solidFill>
+                  <a:schemeClr val="tx1"/>
+                </a:solidFill>
+              </a:rPr>
+              <a:t>cnt_ pos _col_o[9:0]</a:t>
+            </a:r>
+            <a:endParaRPr lang="ko-KR" altLang="en-US" sz="1200" b="1">
+              <a:solidFill>
+                <a:schemeClr val="tx1"/>
+              </a:solidFill>
+            </a:endParaRPr>
+          </a:p>
+        </p:txBody>
+      </p:sp>
+      <p:sp>
+        <p:nvSpPr>
+          <p:cNvPr id="84" name="TextBox 83">
+            <a:extLst>
+              <a:ext uri="{FF2B5EF4-FFF2-40B4-BE49-F238E27FC236}">
+                <a16:creationId xmlns:a16="http://schemas.microsoft.com/office/drawing/2014/main" id="{32DCFAD3-0DD5-5DD2-2D19-F105B4090C23}"/>
+              </a:ext>
+            </a:extLst>
+          </p:cNvPr>
+          <p:cNvSpPr txBox="1"/>
+          <p:nvPr/>
+        </p:nvSpPr>
+        <p:spPr>
+          <a:xfrm>
+            <a:off x="9542667" y="5244479"/>
+            <a:ext cx="1495904" cy="276999"/>
+          </a:xfrm>
+          <a:prstGeom prst="rect">
+            <a:avLst/>
+          </a:prstGeom>
+          <a:noFill/>
+        </p:spPr>
+        <p:txBody>
+          <a:bodyPr wrap="square">
+            <a:spAutoFit/>
+          </a:bodyPr>
+          <a:lstStyle/>
+          <a:p>
+            <a:r>
+              <a:rPr lang="en-US" altLang="ko-KR" sz="1200" b="1">
+                <a:solidFill>
+                  <a:schemeClr val="tx1"/>
+                </a:solidFill>
+              </a:rPr>
+              <a:t>cnt_pos_col[9:0]</a:t>
+            </a:r>
+            <a:endParaRPr lang="ko-KR" altLang="en-US" sz="1200" b="1">
+              <a:solidFill>
+                <a:schemeClr val="tx1"/>
+              </a:solidFill>
+            </a:endParaRPr>
+          </a:p>
+        </p:txBody>
+      </p:sp>
+      <p:sp>
+        <p:nvSpPr>
+          <p:cNvPr id="85" name="TextBox 84">
+            <a:extLst>
+              <a:ext uri="{FF2B5EF4-FFF2-40B4-BE49-F238E27FC236}">
+                <a16:creationId xmlns:a16="http://schemas.microsoft.com/office/drawing/2014/main" id="{F0CE17C6-0996-B2A0-246D-C0945AC688BB}"/>
+              </a:ext>
+            </a:extLst>
+          </p:cNvPr>
+          <p:cNvSpPr txBox="1"/>
+          <p:nvPr/>
+        </p:nvSpPr>
+        <p:spPr>
+          <a:xfrm>
+            <a:off x="6797040" y="4934856"/>
+            <a:ext cx="1558726" cy="276999"/>
+          </a:xfrm>
+          <a:prstGeom prst="rect">
+            <a:avLst/>
+          </a:prstGeom>
+          <a:noFill/>
+        </p:spPr>
+        <p:txBody>
+          <a:bodyPr wrap="square">
+            <a:spAutoFit/>
+          </a:bodyPr>
+          <a:lstStyle/>
+          <a:p>
+            <a:r>
+              <a:rPr lang="en-US" altLang="ko-KR" sz="1200" b="1">
+                <a:solidFill>
+                  <a:schemeClr val="tx1"/>
+                </a:solidFill>
+              </a:rPr>
+              <a:t>cnt_pos_row_o[9:0]</a:t>
+            </a:r>
+            <a:endParaRPr lang="ko-KR" altLang="en-US" sz="1200" b="1">
+              <a:solidFill>
+                <a:schemeClr val="tx1"/>
+              </a:solidFill>
+            </a:endParaRPr>
+          </a:p>
+        </p:txBody>
+      </p:sp>
+      <p:cxnSp>
+        <p:nvCxnSpPr>
+          <p:cNvPr id="86" name="직선 연결선 85">
+            <a:extLst>
+              <a:ext uri="{FF2B5EF4-FFF2-40B4-BE49-F238E27FC236}">
+                <a16:creationId xmlns:a16="http://schemas.microsoft.com/office/drawing/2014/main" id="{485E8963-0F7B-805F-487C-6EFA897623FB}"/>
+              </a:ext>
+            </a:extLst>
+          </p:cNvPr>
+          <p:cNvCxnSpPr>
+            <a:cxnSpLocks/>
+          </p:cNvCxnSpPr>
+          <p:nvPr/>
+        </p:nvCxnSpPr>
+        <p:spPr>
+          <a:xfrm>
+            <a:off x="8325337" y="5145586"/>
+            <a:ext cx="4031753" cy="0"/>
+          </a:xfrm>
+          <a:prstGeom prst="line">
+            <a:avLst/>
+          </a:prstGeom>
+          <a:ln w="28575">
+            <a:solidFill>
+              <a:schemeClr val="tx1"/>
+            </a:solidFill>
+          </a:ln>
+        </p:spPr>
+        <p:style>
+          <a:lnRef idx="1">
+            <a:schemeClr val="accent1"/>
+          </a:lnRef>
+          <a:fillRef idx="0">
+            <a:schemeClr val="accent1"/>
+          </a:fillRef>
+          <a:effectRef idx="0">
+            <a:schemeClr val="accent1"/>
+          </a:effectRef>
+          <a:fontRef idx="minor">
+            <a:schemeClr val="tx1"/>
+          </a:fontRef>
+        </p:style>
+      </p:cxnSp>
+      <p:sp>
+        <p:nvSpPr>
+          <p:cNvPr id="87" name="TextBox 86">
+            <a:extLst>
+              <a:ext uri="{FF2B5EF4-FFF2-40B4-BE49-F238E27FC236}">
+                <a16:creationId xmlns:a16="http://schemas.microsoft.com/office/drawing/2014/main" id="{F0444B70-C90C-3CFC-3C58-A2DDFE5587A4}"/>
+              </a:ext>
+            </a:extLst>
+          </p:cNvPr>
+          <p:cNvSpPr txBox="1"/>
+          <p:nvPr/>
+        </p:nvSpPr>
+        <p:spPr>
+          <a:xfrm>
+            <a:off x="9491297" y="4862820"/>
+            <a:ext cx="1495904" cy="276999"/>
+          </a:xfrm>
+          <a:prstGeom prst="rect">
+            <a:avLst/>
+          </a:prstGeom>
+          <a:noFill/>
+        </p:spPr>
+        <p:txBody>
+          <a:bodyPr wrap="square">
+            <a:spAutoFit/>
+          </a:bodyPr>
+          <a:lstStyle/>
+          <a:p>
+            <a:r>
+              <a:rPr lang="en-US" altLang="ko-KR" sz="1200" b="1">
+                <a:solidFill>
+                  <a:schemeClr val="tx1"/>
+                </a:solidFill>
+              </a:rPr>
+              <a:t>cnt_pos_row[9:0]</a:t>
+            </a:r>
+            <a:endParaRPr lang="ko-KR" altLang="en-US" sz="1200" b="1">
+              <a:solidFill>
+                <a:schemeClr val="tx1"/>
+              </a:solidFill>
+            </a:endParaRPr>
+          </a:p>
+        </p:txBody>
+      </p:sp>
+      <p:sp>
+        <p:nvSpPr>
+          <p:cNvPr id="88" name="TextBox 87">
+            <a:extLst>
+              <a:ext uri="{FF2B5EF4-FFF2-40B4-BE49-F238E27FC236}">
+                <a16:creationId xmlns:a16="http://schemas.microsoft.com/office/drawing/2014/main" id="{667682E8-9654-6FDB-E329-3CE34E3B72D4}"/>
+              </a:ext>
+            </a:extLst>
+          </p:cNvPr>
+          <p:cNvSpPr txBox="1"/>
+          <p:nvPr/>
+        </p:nvSpPr>
+        <p:spPr>
+          <a:xfrm>
+            <a:off x="10753169" y="3363992"/>
+            <a:ext cx="1012242" cy="276999"/>
+          </a:xfrm>
+          <a:prstGeom prst="rect">
+            <a:avLst/>
+          </a:prstGeom>
+          <a:noFill/>
+        </p:spPr>
+        <p:txBody>
+          <a:bodyPr wrap="square">
+            <a:spAutoFit/>
+          </a:bodyPr>
+          <a:lstStyle/>
+          <a:p>
+            <a:r>
+              <a:rPr lang="en-US" altLang="ko-KR" sz="1200" b="1"/>
+              <a:t>Pixel_o[7:0]</a:t>
+            </a:r>
+            <a:endParaRPr lang="ko-KR" altLang="en-US" sz="1200" b="1">
+              <a:solidFill>
+                <a:schemeClr val="tx1"/>
+              </a:solidFill>
+            </a:endParaRPr>
+          </a:p>
+        </p:txBody>
+      </p:sp>
+      <p:sp>
+        <p:nvSpPr>
+          <p:cNvPr id="90" name="TextBox 89">
+            <a:extLst>
+              <a:ext uri="{FF2B5EF4-FFF2-40B4-BE49-F238E27FC236}">
+                <a16:creationId xmlns:a16="http://schemas.microsoft.com/office/drawing/2014/main" id="{E69CFE24-651C-3399-A3E9-F0B00FB89BBF}"/>
+              </a:ext>
+            </a:extLst>
+          </p:cNvPr>
+          <p:cNvSpPr txBox="1"/>
+          <p:nvPr/>
+        </p:nvSpPr>
+        <p:spPr>
+          <a:xfrm>
+            <a:off x="10732940" y="3603604"/>
+            <a:ext cx="1012242" cy="276999"/>
+          </a:xfrm>
+          <a:prstGeom prst="rect">
+            <a:avLst/>
+          </a:prstGeom>
+          <a:noFill/>
+        </p:spPr>
+        <p:txBody>
+          <a:bodyPr wrap="square">
+            <a:spAutoFit/>
+          </a:bodyPr>
+          <a:lstStyle/>
+          <a:p>
+            <a:pPr algn="r"/>
+            <a:r>
+              <a:rPr lang="en-US" altLang="ko-KR" sz="1200" b="1"/>
+              <a:t>Pixel_en_o</a:t>
+            </a:r>
+            <a:endParaRPr lang="ko-KR" altLang="en-US" sz="1200" b="1">
+              <a:solidFill>
+                <a:schemeClr val="tx1"/>
+              </a:solidFill>
+            </a:endParaRPr>
+          </a:p>
+        </p:txBody>
+      </p:sp>
+      <p:cxnSp>
+        <p:nvCxnSpPr>
+          <p:cNvPr id="91" name="직선 연결선 90">
+            <a:extLst>
+              <a:ext uri="{FF2B5EF4-FFF2-40B4-BE49-F238E27FC236}">
+                <a16:creationId xmlns:a16="http://schemas.microsoft.com/office/drawing/2014/main" id="{38C90CF7-F3DB-1585-2727-618C0EDE32BE}"/>
+              </a:ext>
+            </a:extLst>
+          </p:cNvPr>
+          <p:cNvCxnSpPr>
+            <a:cxnSpLocks/>
+          </p:cNvCxnSpPr>
+          <p:nvPr/>
+        </p:nvCxnSpPr>
+        <p:spPr>
+          <a:xfrm>
+            <a:off x="11745182" y="3525192"/>
+            <a:ext cx="1223817" cy="0"/>
+          </a:xfrm>
+          <a:prstGeom prst="line">
+            <a:avLst/>
+          </a:prstGeom>
+          <a:ln w="28575">
+            <a:solidFill>
+              <a:srgbClr val="FF0000"/>
+            </a:solidFill>
+          </a:ln>
+        </p:spPr>
+        <p:style>
+          <a:lnRef idx="1">
+            <a:schemeClr val="accent1"/>
+          </a:lnRef>
+          <a:fillRef idx="0">
+            <a:schemeClr val="accent1"/>
+          </a:fillRef>
+          <a:effectRef idx="0">
+            <a:schemeClr val="accent1"/>
+          </a:effectRef>
+          <a:fontRef idx="minor">
+            <a:schemeClr val="tx1"/>
+          </a:fontRef>
+        </p:style>
+      </p:cxnSp>
+      <p:cxnSp>
+        <p:nvCxnSpPr>
+          <p:cNvPr id="92" name="직선 연결선 91">
+            <a:extLst>
+              <a:ext uri="{FF2B5EF4-FFF2-40B4-BE49-F238E27FC236}">
+                <a16:creationId xmlns:a16="http://schemas.microsoft.com/office/drawing/2014/main" id="{AEDA23A9-4B32-77FE-564F-3C7C95A32ABA}"/>
+              </a:ext>
+            </a:extLst>
+          </p:cNvPr>
+          <p:cNvCxnSpPr>
+            <a:cxnSpLocks/>
+          </p:cNvCxnSpPr>
+          <p:nvPr/>
+        </p:nvCxnSpPr>
+        <p:spPr>
+          <a:xfrm>
+            <a:off x="11745182" y="3771884"/>
+            <a:ext cx="1223817" cy="0"/>
+          </a:xfrm>
+          <a:prstGeom prst="line">
+            <a:avLst/>
+          </a:prstGeom>
+          <a:ln w="28575">
+            <a:solidFill>
+              <a:schemeClr val="tx1"/>
+            </a:solidFill>
+          </a:ln>
+        </p:spPr>
+        <p:style>
+          <a:lnRef idx="1">
+            <a:schemeClr val="accent1"/>
+          </a:lnRef>
+          <a:fillRef idx="0">
+            <a:schemeClr val="accent1"/>
+          </a:fillRef>
+          <a:effectRef idx="0">
+            <a:schemeClr val="accent1"/>
+          </a:effectRef>
+          <a:fontRef idx="minor">
+            <a:schemeClr val="tx1"/>
+          </a:fontRef>
+        </p:style>
+      </p:cxnSp>
+      <p:sp>
+        <p:nvSpPr>
+          <p:cNvPr id="97" name="직사각형 96">
+            <a:extLst>
+              <a:ext uri="{FF2B5EF4-FFF2-40B4-BE49-F238E27FC236}">
+                <a16:creationId xmlns:a16="http://schemas.microsoft.com/office/drawing/2014/main" id="{F50B75C2-3849-6172-8689-3C6699CEBE3B}"/>
+              </a:ext>
+            </a:extLst>
+          </p:cNvPr>
+          <p:cNvSpPr/>
+          <p:nvPr/>
+        </p:nvSpPr>
+        <p:spPr>
+          <a:xfrm>
+            <a:off x="10987201" y="5073793"/>
+            <a:ext cx="224652" cy="224220"/>
+          </a:xfrm>
+          <a:prstGeom prst="rect">
+            <a:avLst/>
+          </a:prstGeom>
+          <a:solidFill>
+            <a:schemeClr val="bg1"/>
+          </a:solidFill>
+          <a:ln>
+            <a:solidFill>
+              <a:schemeClr val="tx1"/>
+            </a:solidFill>
+          </a:ln>
+        </p:spPr>
+        <p:style>
+          <a:lnRef idx="2">
+            <a:schemeClr val="accent1">
+              <a:shade val="50000"/>
+            </a:schemeClr>
+          </a:lnRef>
+          <a:fillRef idx="1">
+            <a:schemeClr val="accent1"/>
+          </a:fillRef>
+          <a:effectRef idx="0">
+            <a:schemeClr val="accent1"/>
+          </a:effectRef>
+          <a:fontRef idx="minor">
+            <a:schemeClr val="lt1"/>
+          </a:fontRef>
+        </p:style>
+        <p:txBody>
+          <a:bodyPr rtlCol="0" anchor="ctr"/>
+          <a:lstStyle/>
+          <a:p>
+            <a:pPr algn="ctr"/>
+            <a:endParaRPr lang="ko-KR" altLang="en-US"/>
+          </a:p>
+        </p:txBody>
+      </p:sp>
+      <p:sp>
+        <p:nvSpPr>
+          <p:cNvPr id="99" name="이등변 삼각형 98">
+            <a:extLst>
+              <a:ext uri="{FF2B5EF4-FFF2-40B4-BE49-F238E27FC236}">
+                <a16:creationId xmlns:a16="http://schemas.microsoft.com/office/drawing/2014/main" id="{547510EF-A1FE-F26B-13D6-EAD06DC42A84}"/>
+              </a:ext>
+            </a:extLst>
+          </p:cNvPr>
+          <p:cNvSpPr/>
+          <p:nvPr/>
+        </p:nvSpPr>
+        <p:spPr>
+          <a:xfrm rot="5400000">
+            <a:off x="10987851" y="5207475"/>
+            <a:ext cx="45719" cy="45719"/>
+          </a:xfrm>
+          <a:prstGeom prst="triangle">
+            <a:avLst/>
+          </a:prstGeom>
+          <a:solidFill>
+            <a:schemeClr val="bg1"/>
+          </a:solidFill>
+          <a:ln>
+            <a:solidFill>
+              <a:schemeClr val="tx1"/>
+            </a:solidFill>
+          </a:ln>
+        </p:spPr>
+        <p:style>
+          <a:lnRef idx="2">
+            <a:schemeClr val="accent1">
+              <a:shade val="50000"/>
+            </a:schemeClr>
+          </a:lnRef>
+          <a:fillRef idx="1">
+            <a:schemeClr val="accent1"/>
+          </a:fillRef>
+          <a:effectRef idx="0">
+            <a:schemeClr val="accent1"/>
+          </a:effectRef>
+          <a:fontRef idx="minor">
+            <a:schemeClr val="lt1"/>
+          </a:fontRef>
+        </p:style>
+        <p:txBody>
+          <a:bodyPr rtlCol="0" anchor="ctr"/>
+          <a:lstStyle/>
+          <a:p>
+            <a:pPr algn="ctr"/>
+            <a:endParaRPr lang="ko-KR" altLang="en-US"/>
+          </a:p>
+        </p:txBody>
+      </p:sp>
+      <p:sp>
+        <p:nvSpPr>
+          <p:cNvPr id="100" name="직사각형 99">
+            <a:extLst>
+              <a:ext uri="{FF2B5EF4-FFF2-40B4-BE49-F238E27FC236}">
+                <a16:creationId xmlns:a16="http://schemas.microsoft.com/office/drawing/2014/main" id="{EF41F310-4F61-1408-98E8-CB6042A09895}"/>
+              </a:ext>
+            </a:extLst>
+          </p:cNvPr>
+          <p:cNvSpPr/>
+          <p:nvPr/>
+        </p:nvSpPr>
+        <p:spPr>
+          <a:xfrm>
+            <a:off x="10988129" y="5429390"/>
+            <a:ext cx="224652" cy="224220"/>
+          </a:xfrm>
+          <a:prstGeom prst="rect">
+            <a:avLst/>
+          </a:prstGeom>
+          <a:solidFill>
+            <a:schemeClr val="bg1"/>
+          </a:solidFill>
+          <a:ln>
+            <a:solidFill>
+              <a:schemeClr val="tx1"/>
+            </a:solidFill>
+          </a:ln>
+        </p:spPr>
+        <p:style>
+          <a:lnRef idx="2">
+            <a:schemeClr val="accent1">
+              <a:shade val="50000"/>
+            </a:schemeClr>
+          </a:lnRef>
+          <a:fillRef idx="1">
+            <a:schemeClr val="accent1"/>
+          </a:fillRef>
+          <a:effectRef idx="0">
+            <a:schemeClr val="accent1"/>
+          </a:effectRef>
+          <a:fontRef idx="minor">
+            <a:schemeClr val="lt1"/>
+          </a:fontRef>
+        </p:style>
+        <p:txBody>
+          <a:bodyPr rtlCol="0" anchor="ctr"/>
+          <a:lstStyle/>
+          <a:p>
+            <a:pPr algn="ctr"/>
+            <a:endParaRPr lang="ko-KR" altLang="en-US"/>
+          </a:p>
+        </p:txBody>
+      </p:sp>
+      <p:sp>
+        <p:nvSpPr>
+          <p:cNvPr id="101" name="이등변 삼각형 100">
+            <a:extLst>
+              <a:ext uri="{FF2B5EF4-FFF2-40B4-BE49-F238E27FC236}">
+                <a16:creationId xmlns:a16="http://schemas.microsoft.com/office/drawing/2014/main" id="{E5E6E961-5BA8-62E3-C8C5-A642886E6BD2}"/>
+              </a:ext>
+            </a:extLst>
+          </p:cNvPr>
+          <p:cNvSpPr/>
+          <p:nvPr/>
+        </p:nvSpPr>
+        <p:spPr>
+          <a:xfrm rot="5400000">
+            <a:off x="10988779" y="5563072"/>
+            <a:ext cx="45719" cy="45719"/>
+          </a:xfrm>
+          <a:prstGeom prst="triangle">
+            <a:avLst/>
+          </a:prstGeom>
+          <a:solidFill>
+            <a:schemeClr val="bg1"/>
+          </a:solidFill>
+          <a:ln>
+            <a:solidFill>
+              <a:schemeClr val="tx1"/>
+            </a:solidFill>
+          </a:ln>
+        </p:spPr>
+        <p:style>
+          <a:lnRef idx="2">
+            <a:schemeClr val="accent1">
+              <a:shade val="50000"/>
+            </a:schemeClr>
+          </a:lnRef>
+          <a:fillRef idx="1">
+            <a:schemeClr val="accent1"/>
+          </a:fillRef>
+          <a:effectRef idx="0">
+            <a:schemeClr val="accent1"/>
+          </a:effectRef>
+          <a:fontRef idx="minor">
+            <a:schemeClr val="lt1"/>
+          </a:fontRef>
+        </p:style>
+        <p:txBody>
+          <a:bodyPr rtlCol="0" anchor="ctr"/>
+          <a:lstStyle/>
+          <a:p>
+            <a:pPr algn="ctr"/>
+            <a:endParaRPr lang="ko-KR" altLang="en-US"/>
+          </a:p>
+        </p:txBody>
+      </p:sp>
+      <p:cxnSp>
+        <p:nvCxnSpPr>
+          <p:cNvPr id="102" name="직선 화살표 연결선 101">
+            <a:extLst>
+              <a:ext uri="{FF2B5EF4-FFF2-40B4-BE49-F238E27FC236}">
+                <a16:creationId xmlns:a16="http://schemas.microsoft.com/office/drawing/2014/main" id="{63C1AB6D-5401-1FBB-B055-EE54A2847922}"/>
+              </a:ext>
+            </a:extLst>
+          </p:cNvPr>
+          <p:cNvCxnSpPr>
+            <a:cxnSpLocks/>
+          </p:cNvCxnSpPr>
+          <p:nvPr/>
+        </p:nvCxnSpPr>
+        <p:spPr>
+          <a:xfrm>
+            <a:off x="227257" y="1327997"/>
+            <a:ext cx="683489" cy="0"/>
+          </a:xfrm>
+          <a:prstGeom prst="straightConnector1">
+            <a:avLst/>
+          </a:prstGeom>
+          <a:ln w="57150">
+            <a:solidFill>
+              <a:srgbClr val="FF0000"/>
+            </a:solidFill>
+            <a:tailEnd type="triangle"/>
+          </a:ln>
+        </p:spPr>
+        <p:style>
+          <a:lnRef idx="1">
+            <a:schemeClr val="accent1"/>
+          </a:lnRef>
+          <a:fillRef idx="0">
+            <a:schemeClr val="accent1"/>
+          </a:fillRef>
+          <a:effectRef idx="0">
+            <a:schemeClr val="accent1"/>
+          </a:effectRef>
+          <a:fontRef idx="minor">
+            <a:schemeClr val="tx1"/>
+          </a:fontRef>
+        </p:style>
+      </p:cxnSp>
+      <p:cxnSp>
+        <p:nvCxnSpPr>
+          <p:cNvPr id="103" name="직선 화살표 연결선 102">
+            <a:extLst>
+              <a:ext uri="{FF2B5EF4-FFF2-40B4-BE49-F238E27FC236}">
+                <a16:creationId xmlns:a16="http://schemas.microsoft.com/office/drawing/2014/main" id="{09A23163-18EB-959A-1517-23D22B8AC1C1}"/>
+              </a:ext>
+            </a:extLst>
+          </p:cNvPr>
+          <p:cNvCxnSpPr>
+            <a:cxnSpLocks/>
+          </p:cNvCxnSpPr>
+          <p:nvPr/>
+        </p:nvCxnSpPr>
+        <p:spPr>
+          <a:xfrm>
+            <a:off x="1169352" y="4199719"/>
+            <a:ext cx="457080" cy="0"/>
+          </a:xfrm>
+          <a:prstGeom prst="straightConnector1">
+            <a:avLst/>
+          </a:prstGeom>
+          <a:ln w="57150">
+            <a:solidFill>
+              <a:srgbClr val="FF0000"/>
+            </a:solidFill>
+            <a:tailEnd type="triangle"/>
+          </a:ln>
+        </p:spPr>
+        <p:style>
+          <a:lnRef idx="1">
+            <a:schemeClr val="accent1"/>
+          </a:lnRef>
+          <a:fillRef idx="0">
+            <a:schemeClr val="accent1"/>
+          </a:fillRef>
+          <a:effectRef idx="0">
+            <a:schemeClr val="accent1"/>
+          </a:effectRef>
+          <a:fontRef idx="minor">
+            <a:schemeClr val="tx1"/>
+          </a:fontRef>
+        </p:style>
+      </p:cxnSp>
+      <p:cxnSp>
+        <p:nvCxnSpPr>
+          <p:cNvPr id="105" name="직선 화살표 연결선 104">
+            <a:extLst>
+              <a:ext uri="{FF2B5EF4-FFF2-40B4-BE49-F238E27FC236}">
+                <a16:creationId xmlns:a16="http://schemas.microsoft.com/office/drawing/2014/main" id="{7BE64507-2554-01F1-C0E6-057D28B9F3D4}"/>
+              </a:ext>
+            </a:extLst>
+          </p:cNvPr>
+          <p:cNvCxnSpPr>
+            <a:cxnSpLocks/>
+          </p:cNvCxnSpPr>
+          <p:nvPr/>
+        </p:nvCxnSpPr>
+        <p:spPr>
+          <a:xfrm>
+            <a:off x="4261394" y="4405188"/>
+            <a:ext cx="457080" cy="0"/>
+          </a:xfrm>
+          <a:prstGeom prst="straightConnector1">
+            <a:avLst/>
+          </a:prstGeom>
+          <a:ln w="57150">
+            <a:solidFill>
+              <a:srgbClr val="FF0000"/>
+            </a:solidFill>
+            <a:tailEnd type="triangle"/>
+          </a:ln>
+        </p:spPr>
+        <p:style>
+          <a:lnRef idx="1">
+            <a:schemeClr val="accent1"/>
+          </a:lnRef>
+          <a:fillRef idx="0">
+            <a:schemeClr val="accent1"/>
+          </a:fillRef>
+          <a:effectRef idx="0">
+            <a:schemeClr val="accent1"/>
+          </a:effectRef>
+          <a:fontRef idx="minor">
+            <a:schemeClr val="tx1"/>
+          </a:fontRef>
+        </p:style>
+      </p:cxnSp>
+      <p:cxnSp>
+        <p:nvCxnSpPr>
+          <p:cNvPr id="106" name="직선 화살표 연결선 105">
+            <a:extLst>
+              <a:ext uri="{FF2B5EF4-FFF2-40B4-BE49-F238E27FC236}">
+                <a16:creationId xmlns:a16="http://schemas.microsoft.com/office/drawing/2014/main" id="{CFBFE788-4808-8EF2-1156-4E67C0D4FEFE}"/>
+              </a:ext>
+            </a:extLst>
+          </p:cNvPr>
+          <p:cNvCxnSpPr>
+            <a:cxnSpLocks/>
+          </p:cNvCxnSpPr>
+          <p:nvPr/>
+        </p:nvCxnSpPr>
+        <p:spPr>
+          <a:xfrm>
+            <a:off x="8649082" y="4287424"/>
+            <a:ext cx="457080" cy="0"/>
+          </a:xfrm>
+          <a:prstGeom prst="straightConnector1">
+            <a:avLst/>
+          </a:prstGeom>
+          <a:ln w="57150">
+            <a:solidFill>
+              <a:srgbClr val="FF0000"/>
+            </a:solidFill>
+            <a:tailEnd type="triangle"/>
+          </a:ln>
+        </p:spPr>
+        <p:style>
+          <a:lnRef idx="1">
+            <a:schemeClr val="accent1"/>
+          </a:lnRef>
+          <a:fillRef idx="0">
+            <a:schemeClr val="accent1"/>
+          </a:fillRef>
+          <a:effectRef idx="0">
+            <a:schemeClr val="accent1"/>
+          </a:effectRef>
+          <a:fontRef idx="minor">
+            <a:schemeClr val="tx1"/>
+          </a:fontRef>
+        </p:style>
+      </p:cxnSp>
+      <p:cxnSp>
+        <p:nvCxnSpPr>
+          <p:cNvPr id="107" name="직선 화살표 연결선 106">
+            <a:extLst>
+              <a:ext uri="{FF2B5EF4-FFF2-40B4-BE49-F238E27FC236}">
+                <a16:creationId xmlns:a16="http://schemas.microsoft.com/office/drawing/2014/main" id="{3EC89276-68E9-E459-9C69-6597E44FFF5C}"/>
+              </a:ext>
+            </a:extLst>
+          </p:cNvPr>
+          <p:cNvCxnSpPr>
+            <a:cxnSpLocks/>
+          </p:cNvCxnSpPr>
+          <p:nvPr/>
+        </p:nvCxnSpPr>
+        <p:spPr>
+          <a:xfrm>
+            <a:off x="11786529" y="3525192"/>
+            <a:ext cx="457080" cy="0"/>
+          </a:xfrm>
+          <a:prstGeom prst="straightConnector1">
+            <a:avLst/>
+          </a:prstGeom>
+          <a:ln w="57150">
+            <a:solidFill>
+              <a:srgbClr val="FF0000"/>
+            </a:solidFill>
+            <a:tailEnd type="triangle"/>
+          </a:ln>
+        </p:spPr>
+        <p:style>
+          <a:lnRef idx="1">
+            <a:schemeClr val="accent1"/>
+          </a:lnRef>
+          <a:fillRef idx="0">
+            <a:schemeClr val="accent1"/>
+          </a:fillRef>
+          <a:effectRef idx="0">
+            <a:schemeClr val="accent1"/>
+          </a:effectRef>
+          <a:fontRef idx="minor">
+            <a:schemeClr val="tx1"/>
+          </a:fontRef>
+        </p:style>
+      </p:cxnSp>
+      <p:cxnSp>
+        <p:nvCxnSpPr>
+          <p:cNvPr id="108" name="직선 화살표 연결선 107">
+            <a:extLst>
+              <a:ext uri="{FF2B5EF4-FFF2-40B4-BE49-F238E27FC236}">
+                <a16:creationId xmlns:a16="http://schemas.microsoft.com/office/drawing/2014/main" id="{964F7618-8D9E-BB44-5EDE-C0F8BBC79E6A}"/>
+              </a:ext>
+            </a:extLst>
+          </p:cNvPr>
+          <p:cNvCxnSpPr>
+            <a:cxnSpLocks/>
+          </p:cNvCxnSpPr>
+          <p:nvPr/>
+        </p:nvCxnSpPr>
+        <p:spPr>
+          <a:xfrm>
+            <a:off x="1169352" y="639333"/>
+            <a:ext cx="489526" cy="0"/>
+          </a:xfrm>
+          <a:prstGeom prst="straightConnector1">
+            <a:avLst/>
+          </a:prstGeom>
+          <a:ln w="57150">
+            <a:solidFill>
+              <a:srgbClr val="00B0F0"/>
+            </a:solidFill>
+            <a:tailEnd type="triangle"/>
+          </a:ln>
+        </p:spPr>
+        <p:style>
+          <a:lnRef idx="1">
+            <a:schemeClr val="accent1"/>
+          </a:lnRef>
+          <a:fillRef idx="0">
+            <a:schemeClr val="accent1"/>
+          </a:fillRef>
+          <a:effectRef idx="0">
+            <a:schemeClr val="accent1"/>
+          </a:effectRef>
+          <a:fontRef idx="minor">
+            <a:schemeClr val="tx1"/>
+          </a:fontRef>
+        </p:style>
+      </p:cxnSp>
+      <p:cxnSp>
+        <p:nvCxnSpPr>
+          <p:cNvPr id="110" name="직선 연결선 109">
+            <a:extLst>
+              <a:ext uri="{FF2B5EF4-FFF2-40B4-BE49-F238E27FC236}">
+                <a16:creationId xmlns:a16="http://schemas.microsoft.com/office/drawing/2014/main" id="{C4379F4E-B94C-56DF-3C55-2C306FD7CE52}"/>
+              </a:ext>
+            </a:extLst>
+          </p:cNvPr>
+          <p:cNvCxnSpPr>
+            <a:cxnSpLocks/>
+          </p:cNvCxnSpPr>
+          <p:nvPr/>
+        </p:nvCxnSpPr>
+        <p:spPr>
+          <a:xfrm>
+            <a:off x="1478649" y="643611"/>
+            <a:ext cx="292725" cy="0"/>
+          </a:xfrm>
+          <a:prstGeom prst="line">
+            <a:avLst/>
+          </a:prstGeom>
+          <a:ln w="28575">
+            <a:solidFill>
+              <a:schemeClr val="tx1"/>
+            </a:solidFill>
+          </a:ln>
+        </p:spPr>
+        <p:style>
+          <a:lnRef idx="1">
+            <a:schemeClr val="accent1"/>
+          </a:lnRef>
+          <a:fillRef idx="0">
+            <a:schemeClr val="accent1"/>
+          </a:fillRef>
+          <a:effectRef idx="0">
+            <a:schemeClr val="accent1"/>
+          </a:effectRef>
+          <a:fontRef idx="minor">
+            <a:schemeClr val="tx1"/>
+          </a:fontRef>
+        </p:style>
+      </p:cxnSp>
+      <p:sp>
+        <p:nvSpPr>
+          <p:cNvPr id="112" name="TextBox 111">
+            <a:extLst>
+              <a:ext uri="{FF2B5EF4-FFF2-40B4-BE49-F238E27FC236}">
+                <a16:creationId xmlns:a16="http://schemas.microsoft.com/office/drawing/2014/main" id="{00BD5465-B582-0113-9E96-99A7501D7570}"/>
+              </a:ext>
+            </a:extLst>
+          </p:cNvPr>
+          <p:cNvSpPr txBox="1"/>
+          <p:nvPr/>
+        </p:nvSpPr>
+        <p:spPr>
+          <a:xfrm>
+            <a:off x="1736327" y="500834"/>
+            <a:ext cx="727835" cy="276999"/>
+          </a:xfrm>
+          <a:prstGeom prst="rect">
+            <a:avLst/>
+          </a:prstGeom>
+          <a:noFill/>
+        </p:spPr>
+        <p:txBody>
+          <a:bodyPr wrap="square">
+            <a:spAutoFit/>
+          </a:bodyPr>
+          <a:lstStyle/>
+          <a:p>
+            <a:r>
+              <a:rPr lang="en-US" altLang="ko-KR" sz="1200" b="1">
+                <a:solidFill>
+                  <a:schemeClr val="tx1"/>
+                </a:solidFill>
+              </a:rPr>
+              <a:t>Start_i</a:t>
+            </a:r>
+            <a:endParaRPr lang="ko-KR" altLang="en-US" sz="1200" b="1">
+              <a:solidFill>
+                <a:schemeClr val="tx1"/>
+              </a:solidFill>
+            </a:endParaRPr>
+          </a:p>
+        </p:txBody>
+      </p:sp>
+      <p:cxnSp>
+        <p:nvCxnSpPr>
+          <p:cNvPr id="113" name="직선 화살표 연결선 112">
+            <a:extLst>
+              <a:ext uri="{FF2B5EF4-FFF2-40B4-BE49-F238E27FC236}">
+                <a16:creationId xmlns:a16="http://schemas.microsoft.com/office/drawing/2014/main" id="{2DE170E8-52C9-77C5-55B8-BD7C90694F36}"/>
+              </a:ext>
+            </a:extLst>
+          </p:cNvPr>
+          <p:cNvCxnSpPr>
+            <a:cxnSpLocks/>
+          </p:cNvCxnSpPr>
+          <p:nvPr/>
+        </p:nvCxnSpPr>
+        <p:spPr>
+          <a:xfrm>
+            <a:off x="2540826" y="2027739"/>
+            <a:ext cx="0" cy="600490"/>
+          </a:xfrm>
+          <a:prstGeom prst="straightConnector1">
+            <a:avLst/>
+          </a:prstGeom>
+          <a:ln w="57150">
+            <a:solidFill>
+              <a:srgbClr val="00B0F0"/>
+            </a:solidFill>
+            <a:tailEnd type="triangle"/>
+          </a:ln>
+        </p:spPr>
+        <p:style>
+          <a:lnRef idx="1">
+            <a:schemeClr val="accent1"/>
+          </a:lnRef>
+          <a:fillRef idx="0">
+            <a:schemeClr val="accent1"/>
+          </a:fillRef>
+          <a:effectRef idx="0">
+            <a:schemeClr val="accent1"/>
+          </a:effectRef>
+          <a:fontRef idx="minor">
+            <a:schemeClr val="tx1"/>
+          </a:fontRef>
+        </p:style>
+      </p:cxnSp>
+      <p:sp>
+        <p:nvSpPr>
+          <p:cNvPr id="115" name="TextBox 114">
+            <a:extLst>
+              <a:ext uri="{FF2B5EF4-FFF2-40B4-BE49-F238E27FC236}">
+                <a16:creationId xmlns:a16="http://schemas.microsoft.com/office/drawing/2014/main" id="{90CFC03F-08B8-5ED9-C651-9455A6014A9A}"/>
+              </a:ext>
+            </a:extLst>
+          </p:cNvPr>
+          <p:cNvSpPr txBox="1"/>
+          <p:nvPr/>
+        </p:nvSpPr>
+        <p:spPr>
+          <a:xfrm>
+            <a:off x="1258530" y="174281"/>
+            <a:ext cx="406400" cy="369332"/>
+          </a:xfrm>
+          <a:prstGeom prst="rect">
+            <a:avLst/>
+          </a:prstGeom>
+          <a:noFill/>
+        </p:spPr>
+        <p:txBody>
+          <a:bodyPr wrap="square" rtlCol="0">
+            <a:spAutoFit/>
+          </a:bodyPr>
+          <a:lstStyle/>
+          <a:p>
+            <a:r>
+              <a:rPr lang="en-US" altLang="ko-KR" b="1">
+                <a:solidFill>
+                  <a:srgbClr val="00B0F0"/>
+                </a:solidFill>
+              </a:rPr>
+              <a:t>1</a:t>
+            </a:r>
+            <a:endParaRPr lang="ko-KR" altLang="en-US" b="1">
+              <a:solidFill>
+                <a:srgbClr val="00B0F0"/>
+              </a:solidFill>
+            </a:endParaRPr>
+          </a:p>
+        </p:txBody>
+      </p:sp>
+      <p:sp>
+        <p:nvSpPr>
+          <p:cNvPr id="116" name="TextBox 115">
+            <a:extLst>
+              <a:ext uri="{FF2B5EF4-FFF2-40B4-BE49-F238E27FC236}">
+                <a16:creationId xmlns:a16="http://schemas.microsoft.com/office/drawing/2014/main" id="{3A29C3C1-E561-DD0E-2D4A-4C4D0F760822}"/>
+              </a:ext>
+            </a:extLst>
+          </p:cNvPr>
+          <p:cNvSpPr txBox="1"/>
+          <p:nvPr/>
+        </p:nvSpPr>
+        <p:spPr>
+          <a:xfrm>
+            <a:off x="2569942" y="2143109"/>
+            <a:ext cx="406400" cy="369332"/>
+          </a:xfrm>
+          <a:prstGeom prst="rect">
+            <a:avLst/>
+          </a:prstGeom>
+          <a:noFill/>
+        </p:spPr>
+        <p:txBody>
+          <a:bodyPr wrap="square" rtlCol="0">
+            <a:spAutoFit/>
+          </a:bodyPr>
+          <a:lstStyle/>
+          <a:p>
+            <a:r>
+              <a:rPr lang="en-US" altLang="ko-KR" b="1">
+                <a:solidFill>
+                  <a:srgbClr val="00B0F0"/>
+                </a:solidFill>
+              </a:rPr>
+              <a:t>2</a:t>
+            </a:r>
+            <a:endParaRPr lang="ko-KR" altLang="en-US" b="1">
+              <a:solidFill>
+                <a:srgbClr val="00B0F0"/>
+              </a:solidFill>
+            </a:endParaRPr>
+          </a:p>
+        </p:txBody>
+      </p:sp>
+      <p:cxnSp>
+        <p:nvCxnSpPr>
+          <p:cNvPr id="117" name="직선 화살표 연결선 116">
+            <a:extLst>
+              <a:ext uri="{FF2B5EF4-FFF2-40B4-BE49-F238E27FC236}">
+                <a16:creationId xmlns:a16="http://schemas.microsoft.com/office/drawing/2014/main" id="{7B025880-C583-E806-7705-CBBBAAA270BD}"/>
+              </a:ext>
+            </a:extLst>
+          </p:cNvPr>
+          <p:cNvCxnSpPr>
+            <a:cxnSpLocks/>
+          </p:cNvCxnSpPr>
+          <p:nvPr/>
+        </p:nvCxnSpPr>
+        <p:spPr>
+          <a:xfrm>
+            <a:off x="4012536" y="3915046"/>
+            <a:ext cx="369346" cy="0"/>
+          </a:xfrm>
+          <a:prstGeom prst="straightConnector1">
+            <a:avLst/>
+          </a:prstGeom>
+          <a:ln w="57150">
+            <a:solidFill>
+              <a:srgbClr val="00B0F0"/>
+            </a:solidFill>
+            <a:tailEnd type="triangle"/>
+          </a:ln>
+        </p:spPr>
+        <p:style>
+          <a:lnRef idx="1">
+            <a:schemeClr val="accent1"/>
+          </a:lnRef>
+          <a:fillRef idx="0">
+            <a:schemeClr val="accent1"/>
+          </a:fillRef>
+          <a:effectRef idx="0">
+            <a:schemeClr val="accent1"/>
+          </a:effectRef>
+          <a:fontRef idx="minor">
+            <a:schemeClr val="tx1"/>
+          </a:fontRef>
+        </p:style>
+      </p:cxnSp>
+      <p:sp>
+        <p:nvSpPr>
+          <p:cNvPr id="120" name="TextBox 119">
+            <a:extLst>
+              <a:ext uri="{FF2B5EF4-FFF2-40B4-BE49-F238E27FC236}">
+                <a16:creationId xmlns:a16="http://schemas.microsoft.com/office/drawing/2014/main" id="{727F24E2-44F1-0764-B69F-61F595CCC418}"/>
+              </a:ext>
+            </a:extLst>
+          </p:cNvPr>
+          <p:cNvSpPr txBox="1"/>
+          <p:nvPr/>
+        </p:nvSpPr>
+        <p:spPr>
+          <a:xfrm>
+            <a:off x="4016915" y="3470775"/>
+            <a:ext cx="406400" cy="369332"/>
+          </a:xfrm>
+          <a:prstGeom prst="rect">
+            <a:avLst/>
+          </a:prstGeom>
+          <a:noFill/>
+        </p:spPr>
+        <p:txBody>
+          <a:bodyPr wrap="square" rtlCol="0">
+            <a:spAutoFit/>
+          </a:bodyPr>
+          <a:lstStyle/>
+          <a:p>
+            <a:r>
+              <a:rPr lang="en-US" altLang="ko-KR" b="1">
+                <a:solidFill>
+                  <a:srgbClr val="00B0F0"/>
+                </a:solidFill>
+              </a:rPr>
+              <a:t>3</a:t>
+            </a:r>
+            <a:endParaRPr lang="ko-KR" altLang="en-US" b="1">
+              <a:solidFill>
+                <a:srgbClr val="00B0F0"/>
+              </a:solidFill>
+            </a:endParaRPr>
+          </a:p>
+        </p:txBody>
+      </p:sp>
+      <p:cxnSp>
+        <p:nvCxnSpPr>
+          <p:cNvPr id="122" name="직선 화살표 연결선 121">
+            <a:extLst>
+              <a:ext uri="{FF2B5EF4-FFF2-40B4-BE49-F238E27FC236}">
+                <a16:creationId xmlns:a16="http://schemas.microsoft.com/office/drawing/2014/main" id="{39FA6BE5-5FE0-112E-BB78-D7D1E7891203}"/>
+              </a:ext>
+            </a:extLst>
+          </p:cNvPr>
+          <p:cNvCxnSpPr>
+            <a:cxnSpLocks/>
+          </p:cNvCxnSpPr>
+          <p:nvPr/>
+        </p:nvCxnSpPr>
+        <p:spPr>
+          <a:xfrm>
+            <a:off x="8396887" y="3344464"/>
+            <a:ext cx="369346" cy="0"/>
+          </a:xfrm>
+          <a:prstGeom prst="straightConnector1">
+            <a:avLst/>
+          </a:prstGeom>
+          <a:ln w="57150">
+            <a:solidFill>
+              <a:srgbClr val="00B0F0"/>
+            </a:solidFill>
+            <a:tailEnd type="triangle"/>
+          </a:ln>
+        </p:spPr>
+        <p:style>
+          <a:lnRef idx="1">
+            <a:schemeClr val="accent1"/>
+          </a:lnRef>
+          <a:fillRef idx="0">
+            <a:schemeClr val="accent1"/>
+          </a:fillRef>
+          <a:effectRef idx="0">
+            <a:schemeClr val="accent1"/>
+          </a:effectRef>
+          <a:fontRef idx="minor">
+            <a:schemeClr val="tx1"/>
+          </a:fontRef>
+        </p:style>
+      </p:cxnSp>
+      <p:cxnSp>
+        <p:nvCxnSpPr>
+          <p:cNvPr id="124" name="직선 연결선 123">
+            <a:extLst>
+              <a:ext uri="{FF2B5EF4-FFF2-40B4-BE49-F238E27FC236}">
+                <a16:creationId xmlns:a16="http://schemas.microsoft.com/office/drawing/2014/main" id="{9E969901-CADC-A5A6-0279-22A6FFD549CB}"/>
+              </a:ext>
+            </a:extLst>
+          </p:cNvPr>
+          <p:cNvCxnSpPr>
+            <a:cxnSpLocks/>
+          </p:cNvCxnSpPr>
+          <p:nvPr/>
+        </p:nvCxnSpPr>
+        <p:spPr>
+          <a:xfrm flipV="1">
+            <a:off x="6729752" y="1708726"/>
+            <a:ext cx="0" cy="1354801"/>
+          </a:xfrm>
+          <a:prstGeom prst="line">
+            <a:avLst/>
+          </a:prstGeom>
+          <a:ln w="28575">
+            <a:solidFill>
+              <a:schemeClr val="tx1"/>
+            </a:solidFill>
+          </a:ln>
+        </p:spPr>
+        <p:style>
+          <a:lnRef idx="1">
+            <a:schemeClr val="accent1"/>
+          </a:lnRef>
+          <a:fillRef idx="0">
+            <a:schemeClr val="accent1"/>
+          </a:fillRef>
+          <a:effectRef idx="0">
+            <a:schemeClr val="accent1"/>
+          </a:effectRef>
+          <a:fontRef idx="minor">
+            <a:schemeClr val="tx1"/>
+          </a:fontRef>
+        </p:style>
+      </p:cxnSp>
+      <p:sp>
+        <p:nvSpPr>
+          <p:cNvPr id="126" name="TextBox 125">
+            <a:extLst>
+              <a:ext uri="{FF2B5EF4-FFF2-40B4-BE49-F238E27FC236}">
+                <a16:creationId xmlns:a16="http://schemas.microsoft.com/office/drawing/2014/main" id="{DFCBC1DC-8A3C-90C5-1098-A1F793F7ACE9}"/>
+              </a:ext>
+            </a:extLst>
+          </p:cNvPr>
+          <p:cNvSpPr txBox="1"/>
+          <p:nvPr/>
+        </p:nvSpPr>
+        <p:spPr>
+          <a:xfrm>
+            <a:off x="6117805" y="3094574"/>
+            <a:ext cx="1132931" cy="276999"/>
+          </a:xfrm>
+          <a:prstGeom prst="rect">
+            <a:avLst/>
+          </a:prstGeom>
+          <a:noFill/>
+        </p:spPr>
+        <p:txBody>
+          <a:bodyPr wrap="square">
+            <a:spAutoFit/>
+          </a:bodyPr>
+          <a:lstStyle/>
+          <a:p>
+            <a:r>
+              <a:rPr lang="en-US" altLang="ko-KR" sz="1200" b="1">
+                <a:solidFill>
+                  <a:schemeClr val="tx1"/>
+                </a:solidFill>
+              </a:rPr>
+              <a:t>Core_</a:t>
+            </a:r>
+            <a:r>
+              <a:rPr lang="en-US" altLang="ko-KR" sz="1200" b="1"/>
+              <a:t>run</a:t>
+            </a:r>
+            <a:r>
+              <a:rPr lang="en-US" altLang="ko-KR" sz="1200" b="1">
+                <a:solidFill>
+                  <a:schemeClr val="tx1"/>
+                </a:solidFill>
+              </a:rPr>
+              <a:t>_</a:t>
+            </a:r>
+            <a:r>
+              <a:rPr lang="en-US" altLang="ko-KR" sz="1200" b="1"/>
+              <a:t>i</a:t>
+            </a:r>
+            <a:endParaRPr lang="ko-KR" altLang="en-US" sz="1200" b="1">
+              <a:solidFill>
+                <a:schemeClr val="tx1"/>
+              </a:solidFill>
+            </a:endParaRPr>
+          </a:p>
+        </p:txBody>
+      </p:sp>
+      <p:cxnSp>
+        <p:nvCxnSpPr>
+          <p:cNvPr id="127" name="직선 화살표 연결선 126">
+            <a:extLst>
+              <a:ext uri="{FF2B5EF4-FFF2-40B4-BE49-F238E27FC236}">
+                <a16:creationId xmlns:a16="http://schemas.microsoft.com/office/drawing/2014/main" id="{C1BAB574-95E7-B8ED-F803-C36463A9C30F}"/>
+              </a:ext>
+            </a:extLst>
+          </p:cNvPr>
+          <p:cNvCxnSpPr>
+            <a:cxnSpLocks/>
+          </p:cNvCxnSpPr>
+          <p:nvPr/>
+        </p:nvCxnSpPr>
+        <p:spPr>
+          <a:xfrm>
+            <a:off x="6545079" y="2027739"/>
+            <a:ext cx="0" cy="863243"/>
+          </a:xfrm>
+          <a:prstGeom prst="straightConnector1">
+            <a:avLst/>
+          </a:prstGeom>
+          <a:ln w="57150">
+            <a:solidFill>
+              <a:srgbClr val="00B0F0"/>
+            </a:solidFill>
+            <a:tailEnd type="triangle"/>
+          </a:ln>
+        </p:spPr>
+        <p:style>
+          <a:lnRef idx="1">
+            <a:schemeClr val="accent1"/>
+          </a:lnRef>
+          <a:fillRef idx="0">
+            <a:schemeClr val="accent1"/>
+          </a:fillRef>
+          <a:effectRef idx="0">
+            <a:schemeClr val="accent1"/>
+          </a:effectRef>
+          <a:fontRef idx="minor">
+            <a:schemeClr val="tx1"/>
+          </a:fontRef>
+        </p:style>
+      </p:cxnSp>
+      <p:sp>
+        <p:nvSpPr>
+          <p:cNvPr id="129" name="TextBox 128">
+            <a:extLst>
+              <a:ext uri="{FF2B5EF4-FFF2-40B4-BE49-F238E27FC236}">
+                <a16:creationId xmlns:a16="http://schemas.microsoft.com/office/drawing/2014/main" id="{ACFAD219-A108-DFC2-576E-923787CFBD80}"/>
+              </a:ext>
+            </a:extLst>
+          </p:cNvPr>
+          <p:cNvSpPr txBox="1"/>
+          <p:nvPr/>
+        </p:nvSpPr>
+        <p:spPr>
+          <a:xfrm>
+            <a:off x="6154807" y="2032348"/>
+            <a:ext cx="406400" cy="369332"/>
+          </a:xfrm>
+          <a:prstGeom prst="rect">
+            <a:avLst/>
+          </a:prstGeom>
+          <a:noFill/>
+        </p:spPr>
+        <p:txBody>
+          <a:bodyPr wrap="square" rtlCol="0">
+            <a:spAutoFit/>
+          </a:bodyPr>
+          <a:lstStyle/>
+          <a:p>
+            <a:r>
+              <a:rPr lang="en-US" altLang="ko-KR" b="1">
+                <a:solidFill>
+                  <a:srgbClr val="00B0F0"/>
+                </a:solidFill>
+              </a:rPr>
+              <a:t>4</a:t>
+            </a:r>
+            <a:endParaRPr lang="ko-KR" altLang="en-US" b="1">
+              <a:solidFill>
+                <a:srgbClr val="00B0F0"/>
+              </a:solidFill>
+            </a:endParaRPr>
+          </a:p>
+        </p:txBody>
+      </p:sp>
+      <p:sp>
+        <p:nvSpPr>
+          <p:cNvPr id="130" name="TextBox 129">
+            <a:extLst>
+              <a:ext uri="{FF2B5EF4-FFF2-40B4-BE49-F238E27FC236}">
+                <a16:creationId xmlns:a16="http://schemas.microsoft.com/office/drawing/2014/main" id="{5D81DDF6-514B-1A72-A52D-803A1D00A8F8}"/>
+              </a:ext>
+            </a:extLst>
+          </p:cNvPr>
+          <p:cNvSpPr txBox="1"/>
+          <p:nvPr/>
+        </p:nvSpPr>
+        <p:spPr>
+          <a:xfrm>
+            <a:off x="8359833" y="2975132"/>
+            <a:ext cx="406400" cy="369332"/>
+          </a:xfrm>
+          <a:prstGeom prst="rect">
+            <a:avLst/>
+          </a:prstGeom>
+          <a:noFill/>
+        </p:spPr>
+        <p:txBody>
+          <a:bodyPr wrap="square" rtlCol="0">
+            <a:spAutoFit/>
+          </a:bodyPr>
+          <a:lstStyle/>
+          <a:p>
+            <a:r>
+              <a:rPr lang="en-US" altLang="ko-KR" b="1">
+                <a:solidFill>
+                  <a:srgbClr val="00B0F0"/>
+                </a:solidFill>
+              </a:rPr>
+              <a:t>5</a:t>
+            </a:r>
+            <a:endParaRPr lang="ko-KR" altLang="en-US" b="1">
+              <a:solidFill>
+                <a:srgbClr val="00B0F0"/>
+              </a:solidFill>
+            </a:endParaRPr>
+          </a:p>
+        </p:txBody>
+      </p:sp>
+      <p:pic>
+        <p:nvPicPr>
+          <p:cNvPr id="142" name="그림 141">
+            <a:extLst>
+              <a:ext uri="{FF2B5EF4-FFF2-40B4-BE49-F238E27FC236}">
+                <a16:creationId xmlns:a16="http://schemas.microsoft.com/office/drawing/2014/main" id="{CF243114-7EE3-8241-ED1B-6A6727500973}"/>
+              </a:ext>
+            </a:extLst>
+          </p:cNvPr>
+          <p:cNvPicPr>
+            <a:picLocks noChangeAspect="1"/>
+          </p:cNvPicPr>
+          <p:nvPr/>
+        </p:nvPicPr>
+        <p:blipFill>
+          <a:blip r:embed="rId2"/>
+          <a:stretch>
+            <a:fillRect/>
+          </a:stretch>
+        </p:blipFill>
+        <p:spPr>
+          <a:xfrm>
+            <a:off x="3013356" y="402009"/>
+            <a:ext cx="1368526" cy="1153665"/>
+          </a:xfrm>
+          <a:prstGeom prst="rect">
+            <a:avLst/>
+          </a:prstGeom>
+        </p:spPr>
+      </p:pic>
+      <p:sp>
+        <p:nvSpPr>
+          <p:cNvPr id="7" name="TextBox 6">
+            <a:extLst>
+              <a:ext uri="{FF2B5EF4-FFF2-40B4-BE49-F238E27FC236}">
+                <a16:creationId xmlns:a16="http://schemas.microsoft.com/office/drawing/2014/main" id="{C53415F0-376E-4C24-946A-71C5A03A3EFC}"/>
+              </a:ext>
+            </a:extLst>
+          </p:cNvPr>
+          <p:cNvSpPr txBox="1"/>
+          <p:nvPr/>
+        </p:nvSpPr>
+        <p:spPr>
+          <a:xfrm>
+            <a:off x="285221" y="1419599"/>
+            <a:ext cx="598935" cy="369332"/>
+          </a:xfrm>
+          <a:prstGeom prst="rect">
+            <a:avLst/>
+          </a:prstGeom>
+          <a:noFill/>
+        </p:spPr>
+        <p:txBody>
+          <a:bodyPr wrap="square" rtlCol="0">
+            <a:spAutoFit/>
+          </a:bodyPr>
+          <a:lstStyle/>
+          <a:p>
+            <a:endParaRPr lang="ko-KR" altLang="en-US"/>
+          </a:p>
+        </p:txBody>
+      </p:sp>
+    </p:spTree>
+    <p:extLst>
+      <p:ext uri="{BB962C8B-B14F-4D97-AF65-F5344CB8AC3E}">
+        <p14:creationId xmlns:p14="http://schemas.microsoft.com/office/powerpoint/2010/main" val="2948120771"/>
+      </p:ext>
+    </p:extLst>
+  </p:cSld>
+  <p:clrMapOvr>
+    <a:masterClrMapping/>
+  </p:clrMapOvr>
+</p:sld>
+</file>
+
+<file path=ppt/slides/slide2.xml><?xml version="1.0" encoding="utf-8"?>
+<p:sld xmlns:a="http://schemas.openxmlformats.org/drawingml/2006/main" xmlns:r="http://schemas.openxmlformats.org/officeDocument/2006/relationships" xmlns:p="http://schemas.openxmlformats.org/presentationml/2006/main">
+  <p:cSld>
+    <p:spTree>
+      <p:nvGrpSpPr>
+        <p:cNvPr id="1" name=""/>
+        <p:cNvGrpSpPr/>
+        <p:nvPr/>
+      </p:nvGrpSpPr>
+      <p:grpSpPr>
+        <a:xfrm>
+          <a:off x="0" y="0"/>
+          <a:ext cx="0" cy="0"/>
+          <a:chOff x="0" y="0"/>
+          <a:chExt cx="0" cy="0"/>
+        </a:xfrm>
+      </p:grpSpPr>
+      <p:sp>
+        <p:nvSpPr>
+          <p:cNvPr id="2" name="제목 1">
+            <a:extLst>
+              <a:ext uri="{FF2B5EF4-FFF2-40B4-BE49-F238E27FC236}">
+                <a16:creationId xmlns:a16="http://schemas.microsoft.com/office/drawing/2014/main" id="{C0EC7078-0605-D4E0-94D6-4509974F20E1}"/>
+              </a:ext>
+            </a:extLst>
+          </p:cNvPr>
+          <p:cNvSpPr>
+            <a:spLocks noGrp="1"/>
+          </p:cNvSpPr>
+          <p:nvPr>
+            <p:ph type="title"/>
+          </p:nvPr>
+        </p:nvSpPr>
+        <p:spPr/>
+        <p:txBody>
+          <a:bodyPr/>
+          <a:lstStyle/>
+          <a:p>
+            <a:endParaRPr lang="ko-KR" altLang="en-US"/>
+          </a:p>
+        </p:txBody>
+      </p:sp>
+      <p:sp>
+        <p:nvSpPr>
+          <p:cNvPr id="3" name="내용 개체 틀 2">
+            <a:extLst>
+              <a:ext uri="{FF2B5EF4-FFF2-40B4-BE49-F238E27FC236}">
+                <a16:creationId xmlns:a16="http://schemas.microsoft.com/office/drawing/2014/main" id="{3ABEB717-FE3D-CE26-ED60-AFCDA5CF1862}"/>
+              </a:ext>
+            </a:extLst>
+          </p:cNvPr>
+          <p:cNvSpPr>
+            <a:spLocks noGrp="1"/>
+          </p:cNvSpPr>
+          <p:nvPr>
+            <p:ph idx="1"/>
+          </p:nvPr>
+        </p:nvSpPr>
+        <p:spPr/>
+        <p:txBody>
+          <a:bodyPr/>
+          <a:lstStyle/>
+          <a:p>
+            <a:r>
+              <a:rPr lang="en-US" altLang="ko-KR"/>
+              <a:t>Pin </a:t>
+            </a:r>
+            <a:r>
+              <a:rPr lang="ko-KR" altLang="en-US"/>
+              <a:t>배치는 </a:t>
+            </a:r>
+            <a:r>
+              <a:rPr lang="en-US" altLang="ko-KR"/>
+              <a:t>Double Checking</a:t>
+            </a:r>
+            <a:r>
+              <a:rPr lang="ko-KR" altLang="en-US"/>
+              <a:t>하기</a:t>
+            </a:r>
+            <a:r>
+              <a:rPr lang="en-US" altLang="ko-KR"/>
+              <a:t>~</a:t>
+            </a:r>
+          </a:p>
+          <a:p>
+            <a:r>
+              <a:rPr lang="en-US" altLang="ko-KR"/>
+              <a:t>LED </a:t>
+            </a:r>
+            <a:r>
+              <a:rPr lang="ko-KR" altLang="en-US"/>
+              <a:t>사용</a:t>
+            </a:r>
+            <a:endParaRPr lang="en-US" altLang="ko-KR"/>
+          </a:p>
+          <a:p>
+            <a:r>
+              <a:rPr lang="en-US" altLang="ko-KR"/>
+              <a:t>7-Segment</a:t>
+            </a:r>
+          </a:p>
+          <a:p>
+            <a:pPr lvl="1"/>
+            <a:r>
+              <a:rPr lang="en-US" altLang="ko-KR"/>
+              <a:t>d</a:t>
+            </a:r>
+          </a:p>
+          <a:p>
+            <a:r>
+              <a:rPr lang="en-US" altLang="ko-KR"/>
+              <a:t>Switch </a:t>
+            </a:r>
+            <a:r>
+              <a:rPr lang="ko-KR" altLang="en-US"/>
+              <a:t>사용</a:t>
+            </a:r>
+            <a:endParaRPr lang="en-US" altLang="ko-KR"/>
+          </a:p>
+          <a:p>
+            <a:pPr lvl="1"/>
+            <a:r>
+              <a:rPr lang="en-US" altLang="ko-KR"/>
+              <a:t>Reset</a:t>
+            </a:r>
+            <a:r>
+              <a:rPr lang="ko-KR" altLang="en-US"/>
+              <a:t>은 만들기</a:t>
+            </a:r>
+            <a:endParaRPr lang="en-US" altLang="ko-KR"/>
+          </a:p>
+          <a:p>
+            <a:pPr lvl="1"/>
+            <a:r>
+              <a:rPr lang="en-US" altLang="ko-KR"/>
+              <a:t>Switch</a:t>
+            </a:r>
+            <a:r>
+              <a:rPr lang="ko-KR" altLang="en-US"/>
+              <a:t>를 누르면 다음 </a:t>
+            </a:r>
+            <a:r>
+              <a:rPr lang="en-US" altLang="ko-KR"/>
+              <a:t>Phase</a:t>
+            </a:r>
+            <a:r>
+              <a:rPr lang="ko-KR" altLang="en-US"/>
+              <a:t>로 진행</a:t>
+            </a:r>
+            <a:endParaRPr lang="en-US" altLang="ko-KR"/>
+          </a:p>
+          <a:p>
+            <a:pPr lvl="2"/>
+            <a:r>
+              <a:rPr lang="en-US" altLang="ko-KR"/>
+              <a:t>Ex) Start </a:t>
+            </a:r>
+            <a:r>
+              <a:rPr lang="en-US" altLang="ko-KR">
+                <a:sym typeface="Wingdings" panose="05000000000000000000" pitchFamily="2" charset="2"/>
+              </a:rPr>
+              <a:t> Layer1  Layer2 </a:t>
+            </a:r>
+            <a:endParaRPr lang="en-US" altLang="ko-KR"/>
+          </a:p>
+          <a:p>
+            <a:r>
+              <a:rPr lang="en-US" altLang="ko-KR"/>
+              <a:t>VGA – Processing</a:t>
+            </a:r>
+            <a:r>
+              <a:rPr lang="ko-KR" altLang="en-US"/>
+              <a:t>된 </a:t>
+            </a:r>
+            <a:r>
+              <a:rPr lang="en-US" altLang="ko-KR"/>
+              <a:t>Image </a:t>
+            </a:r>
+            <a:r>
+              <a:rPr lang="ko-KR" altLang="en-US"/>
+              <a:t>띄우기</a:t>
+            </a:r>
+          </a:p>
+        </p:txBody>
+      </p:sp>
+    </p:spTree>
+    <p:extLst>
+      <p:ext uri="{BB962C8B-B14F-4D97-AF65-F5344CB8AC3E}">
+        <p14:creationId xmlns:p14="http://schemas.microsoft.com/office/powerpoint/2010/main" val="1596420449"/>
+      </p:ext>
+    </p:extLst>
+  </p:cSld>
+  <p:clrMapOvr>
+    <a:masterClrMapping/>
+  </p:clrMapOvr>
+</p:sld>
+</file>
+
+<file path=ppt/slides/slide3.xml><?xml version="1.0" encoding="utf-8"?>
+<p:sld xmlns:a="http://schemas.openxmlformats.org/drawingml/2006/main" xmlns:r="http://schemas.openxmlformats.org/officeDocument/2006/relationships" xmlns:p="http://schemas.openxmlformats.org/presentationml/2006/main">
+  <p:cSld>
+    <p:spTree>
+      <p:nvGrpSpPr>
+        <p:cNvPr id="1" name=""/>
+        <p:cNvGrpSpPr/>
+        <p:nvPr/>
+      </p:nvGrpSpPr>
+      <p:grpSpPr>
+        <a:xfrm>
+          <a:off x="0" y="0"/>
+          <a:ext cx="0" cy="0"/>
+          <a:chOff x="0" y="0"/>
+          <a:chExt cx="0" cy="0"/>
+        </a:xfrm>
+      </p:grpSpPr>
+      <p:sp>
+        <p:nvSpPr>
+          <p:cNvPr id="2" name="직사각형 1">
+            <a:extLst>
+              <a:ext uri="{FF2B5EF4-FFF2-40B4-BE49-F238E27FC236}">
+                <a16:creationId xmlns:a16="http://schemas.microsoft.com/office/drawing/2014/main" id="{30414296-37C4-7136-B5E5-21D5A3CD307C}"/>
+              </a:ext>
+            </a:extLst>
+          </p:cNvPr>
+          <p:cNvSpPr/>
+          <p:nvPr/>
+        </p:nvSpPr>
+        <p:spPr>
+          <a:xfrm>
+            <a:off x="3713018" y="424873"/>
+            <a:ext cx="4294909" cy="5283200"/>
+          </a:xfrm>
+          <a:prstGeom prst="rect">
+            <a:avLst/>
+          </a:prstGeom>
+          <a:noFill/>
+          <a:ln w="57150">
+            <a:solidFill>
+              <a:schemeClr val="tx1"/>
+            </a:solidFill>
+          </a:ln>
+        </p:spPr>
+        <p:style>
+          <a:lnRef idx="2">
+            <a:schemeClr val="accent1">
+              <a:shade val="50000"/>
+            </a:schemeClr>
+          </a:lnRef>
+          <a:fillRef idx="1">
+            <a:schemeClr val="accent1"/>
+          </a:fillRef>
+          <a:effectRef idx="0">
+            <a:schemeClr val="accent1"/>
+          </a:effectRef>
+          <a:fontRef idx="minor">
+            <a:schemeClr val="lt1"/>
+          </a:fontRef>
+        </p:style>
+        <p:txBody>
+          <a:bodyPr rtlCol="0" anchor="ctr"/>
+          <a:lstStyle/>
+          <a:p>
+            <a:pPr algn="ctr"/>
+            <a:endParaRPr lang="ko-KR" altLang="en-US"/>
+          </a:p>
+        </p:txBody>
+      </p:sp>
+    </p:spTree>
+    <p:extLst>
+      <p:ext uri="{BB962C8B-B14F-4D97-AF65-F5344CB8AC3E}">
+        <p14:creationId xmlns:p14="http://schemas.microsoft.com/office/powerpoint/2010/main" val="3965925960"/>
+      </p:ext>
+    </p:extLst>
+  </p:cSld>
+  <p:clrMapOvr>
+    <a:masterClrMapping/>
+  </p:clrMapOvr>
+</p:sld>
+</file>
+
+<file path=ppt/slides/slide4.xml><?xml version="1.0" encoding="utf-8"?>
+<p:sld xmlns:a="http://schemas.openxmlformats.org/drawingml/2006/main" xmlns:r="http://schemas.openxmlformats.org/officeDocument/2006/relationships" xmlns:p="http://schemas.openxmlformats.org/presentationml/2006/main">
+  <p:cSld>
+    <p:spTree>
+      <p:nvGrpSpPr>
+        <p:cNvPr id="1" name=""/>
+        <p:cNvGrpSpPr/>
+        <p:nvPr/>
+      </p:nvGrpSpPr>
+      <p:grpSpPr>
+        <a:xfrm>
+          <a:off x="0" y="0"/>
+          <a:ext cx="0" cy="0"/>
+          <a:chOff x="0" y="0"/>
+          <a:chExt cx="0" cy="0"/>
+        </a:xfrm>
+      </p:grpSpPr>
+      <p:sp>
+        <p:nvSpPr>
           <p:cNvPr id="4" name="직사각형 3">
             <a:extLst>
               <a:ext uri="{FF2B5EF4-FFF2-40B4-BE49-F238E27FC236}">
@@ -10995,7 +9630,7 @@
 </p:sld>
 </file>
 
-<file path=ppt/slides/slide6.xml><?xml version="1.0" encoding="utf-8"?>
+<file path=ppt/slides/slide5.xml><?xml version="1.0" encoding="utf-8"?>
 <p:sld xmlns:a="http://schemas.openxmlformats.org/drawingml/2006/main" xmlns:r="http://schemas.openxmlformats.org/officeDocument/2006/relationships" xmlns:p="http://schemas.openxmlformats.org/presentationml/2006/main">
   <p:cSld>
     <p:spTree>
@@ -12254,7 +10889,7 @@
 </p:sld>
 </file>
 
-<file path=ppt/slides/slide7.xml><?xml version="1.0" encoding="utf-8"?>
+<file path=ppt/slides/slide6.xml><?xml version="1.0" encoding="utf-8"?>
 <p:sld xmlns:a="http://schemas.openxmlformats.org/drawingml/2006/main" xmlns:r="http://schemas.openxmlformats.org/officeDocument/2006/relationships" xmlns:p="http://schemas.openxmlformats.org/presentationml/2006/main">
   <p:cSld>
     <p:spTree>
@@ -12680,7 +11315,7 @@
 </p:sld>
 </file>
 
-<file path=ppt/slides/slide8.xml><?xml version="1.0" encoding="utf-8"?>
+<file path=ppt/slides/slide7.xml><?xml version="1.0" encoding="utf-8"?>
 <p:sld xmlns:a="http://schemas.openxmlformats.org/drawingml/2006/main" xmlns:r="http://schemas.openxmlformats.org/officeDocument/2006/relationships" xmlns:p="http://schemas.openxmlformats.org/presentationml/2006/main">
   <p:cSld>
     <p:spTree>
@@ -13084,6 +11719,152 @@
 </p:sld>
 </file>
 
+<file path=ppt/slides/slide8.xml><?xml version="1.0" encoding="utf-8"?>
+<p:sld xmlns:a="http://schemas.openxmlformats.org/drawingml/2006/main" xmlns:r="http://schemas.openxmlformats.org/officeDocument/2006/relationships" xmlns:p="http://schemas.openxmlformats.org/presentationml/2006/main">
+  <p:cSld>
+    <p:spTree>
+      <p:nvGrpSpPr>
+        <p:cNvPr id="1" name=""/>
+        <p:cNvGrpSpPr/>
+        <p:nvPr/>
+      </p:nvGrpSpPr>
+      <p:grpSpPr>
+        <a:xfrm>
+          <a:off x="0" y="0"/>
+          <a:ext cx="0" cy="0"/>
+          <a:chOff x="0" y="0"/>
+          <a:chExt cx="0" cy="0"/>
+        </a:xfrm>
+      </p:grpSpPr>
+      <p:sp>
+        <p:nvSpPr>
+          <p:cNvPr id="2" name="제목 1">
+            <a:extLst>
+              <a:ext uri="{FF2B5EF4-FFF2-40B4-BE49-F238E27FC236}">
+                <a16:creationId xmlns:a16="http://schemas.microsoft.com/office/drawing/2014/main" id="{80380D47-7CDC-6CA2-6DFD-A57AE9822EB5}"/>
+              </a:ext>
+            </a:extLst>
+          </p:cNvPr>
+          <p:cNvSpPr>
+            <a:spLocks noGrp="1"/>
+          </p:cNvSpPr>
+          <p:nvPr>
+            <p:ph type="title"/>
+          </p:nvPr>
+        </p:nvSpPr>
+        <p:spPr/>
+        <p:txBody>
+          <a:bodyPr/>
+          <a:lstStyle/>
+          <a:p>
+            <a:r>
+              <a:rPr lang="en-US" altLang="ko-KR"/>
+              <a:t>0</a:t>
+            </a:r>
+            <a:endParaRPr lang="ko-KR" altLang="en-US"/>
+          </a:p>
+        </p:txBody>
+      </p:sp>
+      <p:sp>
+        <p:nvSpPr>
+          <p:cNvPr id="3" name="내용 개체 틀 2">
+            <a:extLst>
+              <a:ext uri="{FF2B5EF4-FFF2-40B4-BE49-F238E27FC236}">
+                <a16:creationId xmlns:a16="http://schemas.microsoft.com/office/drawing/2014/main" id="{6456CE30-4866-5BD6-E791-A6D87A7E94E2}"/>
+              </a:ext>
+            </a:extLst>
+          </p:cNvPr>
+          <p:cNvSpPr>
+            <a:spLocks noGrp="1"/>
+          </p:cNvSpPr>
+          <p:nvPr>
+            <p:ph idx="1"/>
+          </p:nvPr>
+        </p:nvSpPr>
+        <p:spPr/>
+        <p:txBody>
+          <a:bodyPr>
+            <a:normAutofit/>
+          </a:bodyPr>
+          <a:lstStyle/>
+          <a:p>
+            <a:r>
+              <a:rPr lang="en-US" altLang="ko-KR" sz="1600" b="1"/>
+              <a:t>- BRAM + Memcontroller</a:t>
+            </a:r>
+          </a:p>
+          <a:p>
+            <a:r>
+              <a:rPr lang="en-US" altLang="ko-KR" sz="1600" b="1"/>
+              <a:t>- Preprocess</a:t>
+            </a:r>
+          </a:p>
+          <a:p>
+            <a:r>
+              <a:rPr lang="en-US" altLang="ko-KR" sz="1600" b="1"/>
+              <a:t>- CORE</a:t>
+            </a:r>
+          </a:p>
+          <a:p>
+            <a:r>
+              <a:rPr lang="en-US" altLang="ko-KR" sz="1600" b="1"/>
+              <a:t>- Controller(FSM)</a:t>
+            </a:r>
+          </a:p>
+          <a:p>
+            <a:r>
+              <a:rPr lang="en-US" altLang="ko-KR" sz="1600" b="1"/>
+              <a:t>- VGA_BUFFER</a:t>
+            </a:r>
+          </a:p>
+          <a:p>
+            <a:r>
+              <a:rPr lang="en-US" altLang="ko-KR" sz="1600" b="1"/>
+              <a:t>------------------------------</a:t>
+            </a:r>
+          </a:p>
+          <a:p>
+            <a:r>
+              <a:rPr lang="en-US" altLang="ko-KR" sz="1600" b="1"/>
+              <a:t>- VGA_PORT</a:t>
+            </a:r>
+          </a:p>
+          <a:p>
+            <a:r>
+              <a:rPr lang="en-US" altLang="ko-KR" sz="1600" b="1"/>
+              <a:t>- 7_Segment</a:t>
+            </a:r>
+          </a:p>
+          <a:p>
+            <a:r>
+              <a:rPr lang="en-US" altLang="ko-KR" sz="1600" b="1"/>
+              <a:t>- Buzzer</a:t>
+            </a:r>
+          </a:p>
+          <a:p>
+            <a:r>
+              <a:rPr lang="en-US" altLang="ko-KR" sz="1600" b="1"/>
+              <a:t>- LED</a:t>
+            </a:r>
+          </a:p>
+          <a:p>
+            <a:endParaRPr lang="ko-KR" altLang="en-US" sz="1600" b="1"/>
+          </a:p>
+        </p:txBody>
+      </p:sp>
+    </p:spTree>
+    <p:extLst>
+      <p:ext uri="{BB962C8B-B14F-4D97-AF65-F5344CB8AC3E}">
+        <p14:creationId xmlns:p14="http://schemas.microsoft.com/office/powerpoint/2010/main" val="2608557863"/>
+      </p:ext>
+    </p:extLst>
+  </p:cSld>
+  <p:clrMapOvr>
+    <a:masterClrMapping/>
+  </p:clrMapOvr>
+</p:sld>
+</file>
+
 <file path=ppt/slides/slide9.xml><?xml version="1.0" encoding="utf-8"?>
 <p:sld xmlns:a="http://schemas.openxmlformats.org/drawingml/2006/main" xmlns:r="http://schemas.openxmlformats.org/officeDocument/2006/relationships" xmlns:p="http://schemas.openxmlformats.org/presentationml/2006/main">
   <p:cSld>
@@ -13103,28 +11884,49 @@
       </p:grpSpPr>
       <p:sp>
         <p:nvSpPr>
-          <p:cNvPr id="2" name="제목 1">
-            <a:extLst>
-              <a:ext uri="{FF2B5EF4-FFF2-40B4-BE49-F238E27FC236}">
-                <a16:creationId xmlns:a16="http://schemas.microsoft.com/office/drawing/2014/main" id="{80380D47-7CDC-6CA2-6DFD-A57AE9822EB5}"/>
-              </a:ext>
-            </a:extLst>
-          </p:cNvPr>
-          <p:cNvSpPr>
-            <a:spLocks noGrp="1"/>
-          </p:cNvSpPr>
-          <p:nvPr>
-            <p:ph type="title"/>
-          </p:nvPr>
-        </p:nvSpPr>
-        <p:spPr/>
-        <p:txBody>
-          <a:bodyPr/>
-          <a:lstStyle/>
-          <a:p>
+          <p:cNvPr id="2" name="타원 1">
+            <a:extLst>
+              <a:ext uri="{FF2B5EF4-FFF2-40B4-BE49-F238E27FC236}">
+                <a16:creationId xmlns:a16="http://schemas.microsoft.com/office/drawing/2014/main" id="{88FDEF47-8AC5-A9AE-CF88-B55855679C60}"/>
+              </a:ext>
+            </a:extLst>
+          </p:cNvPr>
+          <p:cNvSpPr/>
+          <p:nvPr/>
+        </p:nvSpPr>
+        <p:spPr>
+          <a:xfrm>
+            <a:off x="4602018" y="32328"/>
+            <a:ext cx="1270001" cy="1214582"/>
+          </a:xfrm>
+          <a:prstGeom prst="ellipse">
+            <a:avLst/>
+          </a:prstGeom>
+        </p:spPr>
+        <p:style>
+          <a:lnRef idx="2">
+            <a:schemeClr val="accent1">
+              <a:shade val="50000"/>
+            </a:schemeClr>
+          </a:lnRef>
+          <a:fillRef idx="1">
+            <a:schemeClr val="accent1"/>
+          </a:fillRef>
+          <a:effectRef idx="0">
+            <a:schemeClr val="accent1"/>
+          </a:effectRef>
+          <a:fontRef idx="minor">
+            <a:schemeClr val="lt1"/>
+          </a:fontRef>
+        </p:style>
+        <p:txBody>
+          <a:bodyPr rtlCol="0" anchor="ctr"/>
+          <a:lstStyle/>
+          <a:p>
+            <a:pPr algn="ctr"/>
             <a:r>
               <a:rPr lang="en-US" altLang="ko-KR"/>
-              <a:t>0</a:t>
+              <a:t>IDLE</a:t>
             </a:r>
             <a:endParaRPr lang="ko-KR" altLang="en-US"/>
           </a:p>
@@ -13132,95 +11934,682 @@
       </p:sp>
       <p:sp>
         <p:nvSpPr>
-          <p:cNvPr id="3" name="내용 개체 틀 2">
-            <a:extLst>
-              <a:ext uri="{FF2B5EF4-FFF2-40B4-BE49-F238E27FC236}">
-                <a16:creationId xmlns:a16="http://schemas.microsoft.com/office/drawing/2014/main" id="{6456CE30-4866-5BD6-E791-A6D87A7E94E2}"/>
-              </a:ext>
-            </a:extLst>
-          </p:cNvPr>
-          <p:cNvSpPr>
-            <a:spLocks noGrp="1"/>
-          </p:cNvSpPr>
-          <p:nvPr>
-            <p:ph idx="1"/>
-          </p:nvPr>
-        </p:nvSpPr>
-        <p:spPr/>
-        <p:txBody>
-          <a:bodyPr>
-            <a:normAutofit/>
+          <p:cNvPr id="3" name="타원 2">
+            <a:extLst>
+              <a:ext uri="{FF2B5EF4-FFF2-40B4-BE49-F238E27FC236}">
+                <a16:creationId xmlns:a16="http://schemas.microsoft.com/office/drawing/2014/main" id="{A18CD7AA-702F-6807-4534-691DF8B92C88}"/>
+              </a:ext>
+            </a:extLst>
+          </p:cNvPr>
+          <p:cNvSpPr/>
+          <p:nvPr/>
+        </p:nvSpPr>
+        <p:spPr>
+          <a:xfrm>
+            <a:off x="7112911" y="1943170"/>
+            <a:ext cx="1270001" cy="1214582"/>
+          </a:xfrm>
+          <a:prstGeom prst="ellipse">
+            <a:avLst/>
+          </a:prstGeom>
+        </p:spPr>
+        <p:style>
+          <a:lnRef idx="2">
+            <a:schemeClr val="accent1">
+              <a:shade val="50000"/>
+            </a:schemeClr>
+          </a:lnRef>
+          <a:fillRef idx="1">
+            <a:schemeClr val="accent1"/>
+          </a:fillRef>
+          <a:effectRef idx="0">
+            <a:schemeClr val="accent1"/>
+          </a:effectRef>
+          <a:fontRef idx="minor">
+            <a:schemeClr val="lt1"/>
+          </a:fontRef>
+        </p:style>
+        <p:txBody>
+          <a:bodyPr rtlCol="0" anchor="ctr"/>
+          <a:lstStyle/>
+          <a:p>
+            <a:pPr algn="ctr"/>
+            <a:r>
+              <a:rPr lang="en-US" altLang="ko-KR"/>
+              <a:t>FETCH</a:t>
+            </a:r>
+            <a:endParaRPr lang="ko-KR" altLang="en-US"/>
+          </a:p>
+        </p:txBody>
+      </p:sp>
+      <p:sp>
+        <p:nvSpPr>
+          <p:cNvPr id="4" name="타원 3">
+            <a:extLst>
+              <a:ext uri="{FF2B5EF4-FFF2-40B4-BE49-F238E27FC236}">
+                <a16:creationId xmlns:a16="http://schemas.microsoft.com/office/drawing/2014/main" id="{E5456461-0278-135F-6C6A-F7E02DF648FB}"/>
+              </a:ext>
+            </a:extLst>
+          </p:cNvPr>
+          <p:cNvSpPr/>
+          <p:nvPr/>
+        </p:nvSpPr>
+        <p:spPr>
+          <a:xfrm>
+            <a:off x="4819676" y="4084700"/>
+            <a:ext cx="1270001" cy="1214582"/>
+          </a:xfrm>
+          <a:prstGeom prst="ellipse">
+            <a:avLst/>
+          </a:prstGeom>
+        </p:spPr>
+        <p:style>
+          <a:lnRef idx="2">
+            <a:schemeClr val="accent1">
+              <a:shade val="50000"/>
+            </a:schemeClr>
+          </a:lnRef>
+          <a:fillRef idx="1">
+            <a:schemeClr val="accent1"/>
+          </a:fillRef>
+          <a:effectRef idx="0">
+            <a:schemeClr val="accent1"/>
+          </a:effectRef>
+          <a:fontRef idx="minor">
+            <a:schemeClr val="lt1"/>
+          </a:fontRef>
+        </p:style>
+        <p:txBody>
+          <a:bodyPr rtlCol="0" anchor="ctr"/>
+          <a:lstStyle/>
+          <a:p>
+            <a:pPr algn="ctr"/>
+            <a:r>
+              <a:rPr lang="en-US" altLang="ko-KR" sz="1400"/>
+              <a:t>core</a:t>
+            </a:r>
+            <a:endParaRPr lang="ko-KR" altLang="en-US" sz="1400"/>
+          </a:p>
+        </p:txBody>
+      </p:sp>
+      <p:sp>
+        <p:nvSpPr>
+          <p:cNvPr id="7" name="타원 6">
+            <a:extLst>
+              <a:ext uri="{FF2B5EF4-FFF2-40B4-BE49-F238E27FC236}">
+                <a16:creationId xmlns:a16="http://schemas.microsoft.com/office/drawing/2014/main" id="{CE64A88F-3BF5-3BFD-1D16-689C62549427}"/>
+              </a:ext>
+            </a:extLst>
+          </p:cNvPr>
+          <p:cNvSpPr/>
+          <p:nvPr/>
+        </p:nvSpPr>
+        <p:spPr>
+          <a:xfrm>
+            <a:off x="2475319" y="1992746"/>
+            <a:ext cx="1270001" cy="1214582"/>
+          </a:xfrm>
+          <a:prstGeom prst="ellipse">
+            <a:avLst/>
+          </a:prstGeom>
+        </p:spPr>
+        <p:style>
+          <a:lnRef idx="2">
+            <a:schemeClr val="accent1">
+              <a:shade val="50000"/>
+            </a:schemeClr>
+          </a:lnRef>
+          <a:fillRef idx="1">
+            <a:schemeClr val="accent1"/>
+          </a:fillRef>
+          <a:effectRef idx="0">
+            <a:schemeClr val="accent1"/>
+          </a:effectRef>
+          <a:fontRef idx="minor">
+            <a:schemeClr val="lt1"/>
+          </a:fontRef>
+        </p:style>
+        <p:txBody>
+          <a:bodyPr rtlCol="0" anchor="ctr"/>
+          <a:lstStyle/>
+          <a:p>
+            <a:pPr algn="ctr"/>
+            <a:r>
+              <a:rPr lang="en-US" altLang="ko-KR"/>
+              <a:t>DONE</a:t>
+            </a:r>
+            <a:endParaRPr lang="ko-KR" altLang="en-US"/>
+          </a:p>
+        </p:txBody>
+      </p:sp>
+      <p:cxnSp>
+        <p:nvCxnSpPr>
+          <p:cNvPr id="9" name="직선 화살표 연결선 8">
+            <a:extLst>
+              <a:ext uri="{FF2B5EF4-FFF2-40B4-BE49-F238E27FC236}">
+                <a16:creationId xmlns:a16="http://schemas.microsoft.com/office/drawing/2014/main" id="{EE8D0E14-5A07-3EC6-724E-FFF81FF456C3}"/>
+              </a:ext>
+            </a:extLst>
+          </p:cNvPr>
+          <p:cNvCxnSpPr>
+            <a:cxnSpLocks/>
+          </p:cNvCxnSpPr>
+          <p:nvPr/>
+        </p:nvCxnSpPr>
+        <p:spPr>
+          <a:xfrm>
+            <a:off x="5929746" y="978179"/>
+            <a:ext cx="1233054" cy="820526"/>
+          </a:xfrm>
+          <a:prstGeom prst="straightConnector1">
+            <a:avLst/>
+          </a:prstGeom>
+          <a:ln w="57150">
+            <a:solidFill>
+              <a:schemeClr val="tx1"/>
+            </a:solidFill>
+            <a:tailEnd type="triangle"/>
+          </a:ln>
+        </p:spPr>
+        <p:style>
+          <a:lnRef idx="1">
+            <a:schemeClr val="accent1"/>
+          </a:lnRef>
+          <a:fillRef idx="0">
+            <a:schemeClr val="accent1"/>
+          </a:fillRef>
+          <a:effectRef idx="0">
+            <a:schemeClr val="accent1"/>
+          </a:effectRef>
+          <a:fontRef idx="minor">
+            <a:schemeClr val="tx1"/>
+          </a:fontRef>
+        </p:style>
+      </p:cxnSp>
+      <p:cxnSp>
+        <p:nvCxnSpPr>
+          <p:cNvPr id="12" name="직선 화살표 연결선 11">
+            <a:extLst>
+              <a:ext uri="{FF2B5EF4-FFF2-40B4-BE49-F238E27FC236}">
+                <a16:creationId xmlns:a16="http://schemas.microsoft.com/office/drawing/2014/main" id="{2DDAFA0F-6D55-4073-3DC7-2C30CFD25E2A}"/>
+              </a:ext>
+            </a:extLst>
+          </p:cNvPr>
+          <p:cNvCxnSpPr>
+            <a:cxnSpLocks/>
+          </p:cNvCxnSpPr>
+          <p:nvPr/>
+        </p:nvCxnSpPr>
+        <p:spPr>
+          <a:xfrm flipH="1">
+            <a:off x="6039788" y="3057770"/>
+            <a:ext cx="1123012" cy="1197085"/>
+          </a:xfrm>
+          <a:prstGeom prst="straightConnector1">
+            <a:avLst/>
+          </a:prstGeom>
+          <a:ln w="57150">
+            <a:solidFill>
+              <a:schemeClr val="tx1"/>
+            </a:solidFill>
+            <a:tailEnd type="triangle"/>
+          </a:ln>
+        </p:spPr>
+        <p:style>
+          <a:lnRef idx="1">
+            <a:schemeClr val="accent1"/>
+          </a:lnRef>
+          <a:fillRef idx="0">
+            <a:schemeClr val="accent1"/>
+          </a:fillRef>
+          <a:effectRef idx="0">
+            <a:schemeClr val="accent1"/>
+          </a:effectRef>
+          <a:fontRef idx="minor">
+            <a:schemeClr val="tx1"/>
+          </a:fontRef>
+        </p:style>
+      </p:cxnSp>
+      <p:cxnSp>
+        <p:nvCxnSpPr>
+          <p:cNvPr id="24" name="직선 화살표 연결선 23">
+            <a:extLst>
+              <a:ext uri="{FF2B5EF4-FFF2-40B4-BE49-F238E27FC236}">
+                <a16:creationId xmlns:a16="http://schemas.microsoft.com/office/drawing/2014/main" id="{F12E3A05-6055-5258-F17F-0A59C2E45B57}"/>
+              </a:ext>
+            </a:extLst>
+          </p:cNvPr>
+          <p:cNvCxnSpPr>
+            <a:cxnSpLocks/>
+          </p:cNvCxnSpPr>
+          <p:nvPr/>
+        </p:nvCxnSpPr>
+        <p:spPr>
+          <a:xfrm flipV="1">
+            <a:off x="3545840" y="978179"/>
+            <a:ext cx="960350" cy="928797"/>
+          </a:xfrm>
+          <a:prstGeom prst="straightConnector1">
+            <a:avLst/>
+          </a:prstGeom>
+          <a:ln w="57150">
+            <a:solidFill>
+              <a:schemeClr val="tx1"/>
+            </a:solidFill>
+            <a:tailEnd type="triangle"/>
+          </a:ln>
+        </p:spPr>
+        <p:style>
+          <a:lnRef idx="1">
+            <a:schemeClr val="accent1"/>
+          </a:lnRef>
+          <a:fillRef idx="0">
+            <a:schemeClr val="accent1"/>
+          </a:fillRef>
+          <a:effectRef idx="0">
+            <a:schemeClr val="accent1"/>
+          </a:effectRef>
+          <a:fontRef idx="minor">
+            <a:schemeClr val="tx1"/>
+          </a:fontRef>
+        </p:style>
+      </p:cxnSp>
+      <p:sp>
+        <p:nvSpPr>
+          <p:cNvPr id="27" name="TextBox 26">
+            <a:extLst>
+              <a:ext uri="{FF2B5EF4-FFF2-40B4-BE49-F238E27FC236}">
+                <a16:creationId xmlns:a16="http://schemas.microsoft.com/office/drawing/2014/main" id="{47AADED2-40D1-87E8-C108-E115BDB5A714}"/>
+              </a:ext>
+            </a:extLst>
+          </p:cNvPr>
+          <p:cNvSpPr txBox="1"/>
+          <p:nvPr/>
+        </p:nvSpPr>
+        <p:spPr>
+          <a:xfrm>
+            <a:off x="7003451" y="3257733"/>
+            <a:ext cx="1527462" cy="307777"/>
+          </a:xfrm>
+          <a:prstGeom prst="rect">
+            <a:avLst/>
+          </a:prstGeom>
+          <a:noFill/>
+        </p:spPr>
+        <p:txBody>
+          <a:bodyPr wrap="square">
+            <a:spAutoFit/>
           </a:bodyPr>
           <a:lstStyle/>
           <a:p>
             <a:r>
-              <a:rPr lang="en-US" altLang="ko-KR" sz="1600" b="1"/>
-              <a:t>- BRAM + Memcontroller</a:t>
-            </a:r>
-          </a:p>
-          <a:p>
-            <a:r>
-              <a:rPr lang="en-US" altLang="ko-KR" sz="1600" b="1"/>
-              <a:t>- Preprocess</a:t>
-            </a:r>
-          </a:p>
-          <a:p>
-            <a:r>
-              <a:rPr lang="en-US" altLang="ko-KR" sz="1600" b="1"/>
-              <a:t>- CORE</a:t>
-            </a:r>
-          </a:p>
-          <a:p>
-            <a:r>
-              <a:rPr lang="en-US" altLang="ko-KR" sz="1600" b="1"/>
-              <a:t>- Controller(FSM)</a:t>
-            </a:r>
-          </a:p>
-          <a:p>
-            <a:r>
-              <a:rPr lang="en-US" altLang="ko-KR" sz="1600" b="1"/>
-              <a:t>- VGA_BUFFER</a:t>
-            </a:r>
-          </a:p>
-          <a:p>
-            <a:r>
-              <a:rPr lang="en-US" altLang="ko-KR" sz="1600" b="1"/>
-              <a:t>------------------------------</a:t>
-            </a:r>
-          </a:p>
-          <a:p>
-            <a:r>
-              <a:rPr lang="en-US" altLang="ko-KR" sz="1600" b="1"/>
-              <a:t>- VGA_PORT</a:t>
-            </a:r>
-          </a:p>
-          <a:p>
-            <a:r>
-              <a:rPr lang="en-US" altLang="ko-KR" sz="1600" b="1"/>
-              <a:t>- 7_Segment</a:t>
-            </a:r>
-          </a:p>
-          <a:p>
-            <a:r>
-              <a:rPr lang="en-US" altLang="ko-KR" sz="1600" b="1"/>
-              <a:t>- Buzzer</a:t>
-            </a:r>
-          </a:p>
-          <a:p>
-            <a:r>
-              <a:rPr lang="en-US" altLang="ko-KR" sz="1600" b="1"/>
-              <a:t>- LED</a:t>
-            </a:r>
-          </a:p>
-          <a:p>
-            <a:endParaRPr lang="ko-KR" altLang="en-US" sz="1600" b="1"/>
+              <a:rPr lang="en-US" altLang="ko-KR" sz="1400" b="1"/>
+              <a:t>Fetch_done</a:t>
+            </a:r>
+            <a:endParaRPr lang="ko-KR" altLang="en-US" sz="1400"/>
+          </a:p>
+        </p:txBody>
+      </p:sp>
+      <p:sp>
+        <p:nvSpPr>
+          <p:cNvPr id="29" name="화살표: 아래로 구부러짐 28">
+            <a:extLst>
+              <a:ext uri="{FF2B5EF4-FFF2-40B4-BE49-F238E27FC236}">
+                <a16:creationId xmlns:a16="http://schemas.microsoft.com/office/drawing/2014/main" id="{1D511B8D-013E-C5F2-F77B-8D9A3CD05379}"/>
+              </a:ext>
+            </a:extLst>
+          </p:cNvPr>
+          <p:cNvSpPr/>
+          <p:nvPr/>
+        </p:nvSpPr>
+        <p:spPr>
+          <a:xfrm rot="2908152">
+            <a:off x="8144164" y="1861574"/>
+            <a:ext cx="884382" cy="489998"/>
+          </a:xfrm>
+          <a:prstGeom prst="curvedDownArrow">
+            <a:avLst/>
+          </a:prstGeom>
+        </p:spPr>
+        <p:style>
+          <a:lnRef idx="2">
+            <a:schemeClr val="accent1">
+              <a:shade val="50000"/>
+            </a:schemeClr>
+          </a:lnRef>
+          <a:fillRef idx="1">
+            <a:schemeClr val="accent1"/>
+          </a:fillRef>
+          <a:effectRef idx="0">
+            <a:schemeClr val="accent1"/>
+          </a:effectRef>
+          <a:fontRef idx="minor">
+            <a:schemeClr val="lt1"/>
+          </a:fontRef>
+        </p:style>
+        <p:txBody>
+          <a:bodyPr rtlCol="0" anchor="ctr"/>
+          <a:lstStyle/>
+          <a:p>
+            <a:pPr algn="ctr"/>
+            <a:endParaRPr lang="ko-KR" altLang="en-US">
+              <a:solidFill>
+                <a:schemeClr val="tx1"/>
+              </a:solidFill>
+            </a:endParaRPr>
+          </a:p>
+        </p:txBody>
+      </p:sp>
+      <p:cxnSp>
+        <p:nvCxnSpPr>
+          <p:cNvPr id="38" name="직선 화살표 연결선 37">
+            <a:extLst>
+              <a:ext uri="{FF2B5EF4-FFF2-40B4-BE49-F238E27FC236}">
+                <a16:creationId xmlns:a16="http://schemas.microsoft.com/office/drawing/2014/main" id="{A2A4FF3D-A951-EA06-3059-2B3DFFB5E63E}"/>
+              </a:ext>
+            </a:extLst>
+          </p:cNvPr>
+          <p:cNvCxnSpPr>
+            <a:cxnSpLocks/>
+          </p:cNvCxnSpPr>
+          <p:nvPr/>
+        </p:nvCxnSpPr>
+        <p:spPr>
+          <a:xfrm flipH="1" flipV="1">
+            <a:off x="3621289" y="3207328"/>
+            <a:ext cx="1131990" cy="1189180"/>
+          </a:xfrm>
+          <a:prstGeom prst="straightConnector1">
+            <a:avLst/>
+          </a:prstGeom>
+          <a:ln w="57150">
+            <a:solidFill>
+              <a:schemeClr val="tx1"/>
+            </a:solidFill>
+            <a:tailEnd type="triangle"/>
+          </a:ln>
+        </p:spPr>
+        <p:style>
+          <a:lnRef idx="1">
+            <a:schemeClr val="accent1"/>
+          </a:lnRef>
+          <a:fillRef idx="0">
+            <a:schemeClr val="accent1"/>
+          </a:fillRef>
+          <a:effectRef idx="0">
+            <a:schemeClr val="accent1"/>
+          </a:effectRef>
+          <a:fontRef idx="minor">
+            <a:schemeClr val="tx1"/>
+          </a:fontRef>
+        </p:style>
+      </p:cxnSp>
+      <p:sp>
+        <p:nvSpPr>
+          <p:cNvPr id="45" name="TextBox 44">
+            <a:extLst>
+              <a:ext uri="{FF2B5EF4-FFF2-40B4-BE49-F238E27FC236}">
+                <a16:creationId xmlns:a16="http://schemas.microsoft.com/office/drawing/2014/main" id="{F76DA90F-F210-0D6F-4671-F4EE22C5FD92}"/>
+              </a:ext>
+            </a:extLst>
+          </p:cNvPr>
+          <p:cNvSpPr txBox="1"/>
+          <p:nvPr/>
+        </p:nvSpPr>
+        <p:spPr>
+          <a:xfrm>
+            <a:off x="3220927" y="824831"/>
+            <a:ext cx="932872" cy="369332"/>
+          </a:xfrm>
+          <a:prstGeom prst="rect">
+            <a:avLst/>
+          </a:prstGeom>
+          <a:noFill/>
+        </p:spPr>
+        <p:txBody>
+          <a:bodyPr wrap="square" rtlCol="0">
+            <a:spAutoFit/>
+          </a:bodyPr>
+          <a:lstStyle/>
+          <a:p>
+            <a:r>
+              <a:rPr lang="en-US" altLang="ko-KR"/>
+              <a:t>1cycle</a:t>
+            </a:r>
+            <a:endParaRPr lang="ko-KR" altLang="en-US"/>
+          </a:p>
+        </p:txBody>
+      </p:sp>
+      <p:sp>
+        <p:nvSpPr>
+          <p:cNvPr id="46" name="TextBox 45">
+            <a:extLst>
+              <a:ext uri="{FF2B5EF4-FFF2-40B4-BE49-F238E27FC236}">
+                <a16:creationId xmlns:a16="http://schemas.microsoft.com/office/drawing/2014/main" id="{1201F5FE-2981-DC2C-0670-F7D977C7F621}"/>
+              </a:ext>
+            </a:extLst>
+          </p:cNvPr>
+          <p:cNvSpPr txBox="1"/>
+          <p:nvPr/>
+        </p:nvSpPr>
+        <p:spPr>
+          <a:xfrm>
+            <a:off x="6440946" y="824831"/>
+            <a:ext cx="997526" cy="369332"/>
+          </a:xfrm>
+          <a:prstGeom prst="rect">
+            <a:avLst/>
+          </a:prstGeom>
+          <a:noFill/>
+        </p:spPr>
+        <p:txBody>
+          <a:bodyPr wrap="square" rtlCol="0">
+            <a:spAutoFit/>
+          </a:bodyPr>
+          <a:lstStyle/>
+          <a:p>
+            <a:r>
+              <a:rPr lang="en-US" altLang="ko-KR"/>
+              <a:t>start</a:t>
+            </a:r>
+            <a:endParaRPr lang="ko-KR" altLang="en-US"/>
+          </a:p>
+        </p:txBody>
+      </p:sp>
+      <p:cxnSp>
+        <p:nvCxnSpPr>
+          <p:cNvPr id="16" name="직선 화살표 연결선 15">
+            <a:extLst>
+              <a:ext uri="{FF2B5EF4-FFF2-40B4-BE49-F238E27FC236}">
+                <a16:creationId xmlns:a16="http://schemas.microsoft.com/office/drawing/2014/main" id="{C271B28B-AAD8-43E0-D42F-37BEC6DDE5EF}"/>
+              </a:ext>
+            </a:extLst>
+          </p:cNvPr>
+          <p:cNvCxnSpPr>
+            <a:cxnSpLocks/>
+          </p:cNvCxnSpPr>
+          <p:nvPr/>
+        </p:nvCxnSpPr>
+        <p:spPr>
+          <a:xfrm flipV="1">
+            <a:off x="5872019" y="2875148"/>
+            <a:ext cx="1131432" cy="1208536"/>
+          </a:xfrm>
+          <a:prstGeom prst="straightConnector1">
+            <a:avLst/>
+          </a:prstGeom>
+          <a:ln w="57150">
+            <a:solidFill>
+              <a:schemeClr val="tx1"/>
+            </a:solidFill>
+            <a:tailEnd type="triangle"/>
+          </a:ln>
+        </p:spPr>
+        <p:style>
+          <a:lnRef idx="1">
+            <a:schemeClr val="accent1"/>
+          </a:lnRef>
+          <a:fillRef idx="0">
+            <a:schemeClr val="accent1"/>
+          </a:fillRef>
+          <a:effectRef idx="0">
+            <a:schemeClr val="accent1"/>
+          </a:effectRef>
+          <a:fontRef idx="minor">
+            <a:schemeClr val="tx1"/>
+          </a:fontRef>
+        </p:style>
+      </p:cxnSp>
+      <p:sp>
+        <p:nvSpPr>
+          <p:cNvPr id="18" name="TextBox 17">
+            <a:extLst>
+              <a:ext uri="{FF2B5EF4-FFF2-40B4-BE49-F238E27FC236}">
+                <a16:creationId xmlns:a16="http://schemas.microsoft.com/office/drawing/2014/main" id="{9249D581-A865-7BAE-9286-543009905A4C}"/>
+              </a:ext>
+            </a:extLst>
+          </p:cNvPr>
+          <p:cNvSpPr txBox="1"/>
+          <p:nvPr/>
+        </p:nvSpPr>
+        <p:spPr>
+          <a:xfrm>
+            <a:off x="4940111" y="2703977"/>
+            <a:ext cx="1738492" cy="938719"/>
+          </a:xfrm>
+          <a:prstGeom prst="rect">
+            <a:avLst/>
+          </a:prstGeom>
+          <a:noFill/>
+        </p:spPr>
+        <p:txBody>
+          <a:bodyPr wrap="square">
+            <a:spAutoFit/>
+          </a:bodyPr>
+          <a:lstStyle/>
+          <a:p>
+            <a:r>
+              <a:rPr lang="en-US" altLang="ko-KR" sz="1100" b="1"/>
+              <a:t>CORE_done</a:t>
+            </a:r>
+          </a:p>
+          <a:p>
+            <a:r>
+              <a:rPr lang="en-US" altLang="ko-KR" sz="1100" b="1"/>
+              <a:t>&amp;&amp;</a:t>
+            </a:r>
+          </a:p>
+          <a:p>
+            <a:r>
+              <a:rPr lang="en-US" altLang="ko-KR" sz="1100" b="1"/>
+              <a:t>(cnt_row != 539</a:t>
+            </a:r>
+          </a:p>
+          <a:p>
+            <a:r>
+              <a:rPr lang="en-US" altLang="ko-KR" sz="1100" b="1"/>
+              <a:t>&amp;&amp;</a:t>
+            </a:r>
+          </a:p>
+          <a:p>
+            <a:r>
+              <a:rPr lang="en-US" altLang="ko-KR" sz="1100" b="1"/>
+              <a:t>cnt_col</a:t>
+            </a:r>
+            <a:r>
+              <a:rPr lang="ko-KR" altLang="en-US" sz="1100" b="1"/>
+              <a:t> </a:t>
+            </a:r>
+            <a:r>
+              <a:rPr lang="en-US" altLang="ko-KR" sz="1100" b="1"/>
+              <a:t>==</a:t>
+            </a:r>
+            <a:r>
+              <a:rPr lang="ko-KR" altLang="en-US" sz="1100" b="1"/>
+              <a:t> </a:t>
+            </a:r>
+            <a:r>
+              <a:rPr lang="en-US" altLang="ko-KR" sz="1100" b="1"/>
+              <a:t>539)</a:t>
+            </a:r>
+            <a:endParaRPr lang="ko-KR" altLang="en-US" sz="1100"/>
+          </a:p>
+        </p:txBody>
+      </p:sp>
+      <p:sp>
+        <p:nvSpPr>
+          <p:cNvPr id="49" name="TextBox 48">
+            <a:extLst>
+              <a:ext uri="{FF2B5EF4-FFF2-40B4-BE49-F238E27FC236}">
+                <a16:creationId xmlns:a16="http://schemas.microsoft.com/office/drawing/2014/main" id="{FDA7E81D-1E5D-08E9-7395-EE667D6C6F78}"/>
+              </a:ext>
+            </a:extLst>
+          </p:cNvPr>
+          <p:cNvSpPr txBox="1"/>
+          <p:nvPr/>
+        </p:nvSpPr>
+        <p:spPr>
+          <a:xfrm>
+            <a:off x="2654634" y="3676879"/>
+            <a:ext cx="2131844" cy="954107"/>
+          </a:xfrm>
+          <a:prstGeom prst="rect">
+            <a:avLst/>
+          </a:prstGeom>
+          <a:noFill/>
+        </p:spPr>
+        <p:txBody>
+          <a:bodyPr wrap="square">
+            <a:spAutoFit/>
+          </a:bodyPr>
+          <a:lstStyle/>
+          <a:p>
+            <a:r>
+              <a:rPr lang="en-US" altLang="ko-KR" sz="1400" b="1"/>
+              <a:t>CORE_done4</a:t>
+            </a:r>
+          </a:p>
+          <a:p>
+            <a:r>
+              <a:rPr lang="en-US" altLang="ko-KR" sz="1400" b="1"/>
+              <a:t>&amp;&amp;</a:t>
+            </a:r>
+          </a:p>
+          <a:p>
+            <a:r>
+              <a:rPr lang="en-US" altLang="ko-KR" sz="1400" b="1"/>
+              <a:t>(cnt_row == 539</a:t>
+            </a:r>
+          </a:p>
+          <a:p>
+            <a:r>
+              <a:rPr lang="en-US" altLang="ko-KR" sz="1400" b="1"/>
+              <a:t>&amp;&amp; cnt_col</a:t>
+            </a:r>
+            <a:r>
+              <a:rPr lang="ko-KR" altLang="en-US" sz="1400" b="1"/>
+              <a:t> </a:t>
+            </a:r>
+            <a:r>
+              <a:rPr lang="en-US" altLang="ko-KR" sz="1400" b="1"/>
+              <a:t>==</a:t>
+            </a:r>
+            <a:r>
+              <a:rPr lang="ko-KR" altLang="en-US" sz="1400" b="1"/>
+              <a:t> </a:t>
+            </a:r>
+            <a:r>
+              <a:rPr lang="en-US" altLang="ko-KR" sz="1400" b="1"/>
+              <a:t>539)</a:t>
+            </a:r>
+            <a:endParaRPr lang="ko-KR" altLang="en-US" sz="1400"/>
           </a:p>
         </p:txBody>
       </p:sp>
     </p:spTree>
     <p:extLst>
       <p:ext uri="{BB962C8B-B14F-4D97-AF65-F5344CB8AC3E}">
-        <p14:creationId xmlns:p14="http://schemas.microsoft.com/office/powerpoint/2010/main" val="2608557863"/>
+        <p14:creationId xmlns:p14="http://schemas.microsoft.com/office/powerpoint/2010/main" val="310536779"/>
       </p:ext>
     </p:extLst>
   </p:cSld>

--- a/Plan.pptx
+++ b/Plan.pptx
@@ -15,7 +15,9 @@
     <p:sldId id="267" r:id="rId9"/>
     <p:sldId id="265" r:id="rId10"/>
     <p:sldId id="260" r:id="rId11"/>
-    <p:sldId id="269" r:id="rId12"/>
+    <p:sldId id="270" r:id="rId12"/>
+    <p:sldId id="269" r:id="rId13"/>
+    <p:sldId id="271" r:id="rId14"/>
   </p:sldIdLst>
   <p:sldSz cx="12192000" cy="6858000"/>
   <p:notesSz cx="6858000" cy="9144000"/>
@@ -269,7 +271,7 @@
           <a:p>
             <a:fld id="{F40FDB6E-BDDC-4D37-83E8-28D8DD78524D}" type="datetimeFigureOut">
               <a:rPr lang="ko-KR" altLang="en-US" smtClean="0"/>
-              <a:t>2023-05-20</a:t>
+              <a:t>2023-05-21</a:t>
             </a:fld>
             <a:endParaRPr lang="ko-KR" altLang="en-US"/>
           </a:p>
@@ -467,7 +469,7 @@
           <a:p>
             <a:fld id="{F40FDB6E-BDDC-4D37-83E8-28D8DD78524D}" type="datetimeFigureOut">
               <a:rPr lang="ko-KR" altLang="en-US" smtClean="0"/>
-              <a:t>2023-05-20</a:t>
+              <a:t>2023-05-21</a:t>
             </a:fld>
             <a:endParaRPr lang="ko-KR" altLang="en-US"/>
           </a:p>
@@ -675,7 +677,7 @@
           <a:p>
             <a:fld id="{F40FDB6E-BDDC-4D37-83E8-28D8DD78524D}" type="datetimeFigureOut">
               <a:rPr lang="ko-KR" altLang="en-US" smtClean="0"/>
-              <a:t>2023-05-20</a:t>
+              <a:t>2023-05-21</a:t>
             </a:fld>
             <a:endParaRPr lang="ko-KR" altLang="en-US"/>
           </a:p>
@@ -873,7 +875,7 @@
           <a:p>
             <a:fld id="{F40FDB6E-BDDC-4D37-83E8-28D8DD78524D}" type="datetimeFigureOut">
               <a:rPr lang="ko-KR" altLang="en-US" smtClean="0"/>
-              <a:t>2023-05-20</a:t>
+              <a:t>2023-05-21</a:t>
             </a:fld>
             <a:endParaRPr lang="ko-KR" altLang="en-US"/>
           </a:p>
@@ -1148,7 +1150,7 @@
           <a:p>
             <a:fld id="{F40FDB6E-BDDC-4D37-83E8-28D8DD78524D}" type="datetimeFigureOut">
               <a:rPr lang="ko-KR" altLang="en-US" smtClean="0"/>
-              <a:t>2023-05-20</a:t>
+              <a:t>2023-05-21</a:t>
             </a:fld>
             <a:endParaRPr lang="ko-KR" altLang="en-US"/>
           </a:p>
@@ -1413,7 +1415,7 @@
           <a:p>
             <a:fld id="{F40FDB6E-BDDC-4D37-83E8-28D8DD78524D}" type="datetimeFigureOut">
               <a:rPr lang="ko-KR" altLang="en-US" smtClean="0"/>
-              <a:t>2023-05-20</a:t>
+              <a:t>2023-05-21</a:t>
             </a:fld>
             <a:endParaRPr lang="ko-KR" altLang="en-US"/>
           </a:p>
@@ -1825,7 +1827,7 @@
           <a:p>
             <a:fld id="{F40FDB6E-BDDC-4D37-83E8-28D8DD78524D}" type="datetimeFigureOut">
               <a:rPr lang="ko-KR" altLang="en-US" smtClean="0"/>
-              <a:t>2023-05-20</a:t>
+              <a:t>2023-05-21</a:t>
             </a:fld>
             <a:endParaRPr lang="ko-KR" altLang="en-US"/>
           </a:p>
@@ -1966,7 +1968,7 @@
           <a:p>
             <a:fld id="{F40FDB6E-BDDC-4D37-83E8-28D8DD78524D}" type="datetimeFigureOut">
               <a:rPr lang="ko-KR" altLang="en-US" smtClean="0"/>
-              <a:t>2023-05-20</a:t>
+              <a:t>2023-05-21</a:t>
             </a:fld>
             <a:endParaRPr lang="ko-KR" altLang="en-US"/>
           </a:p>
@@ -2079,7 +2081,7 @@
           <a:p>
             <a:fld id="{F40FDB6E-BDDC-4D37-83E8-28D8DD78524D}" type="datetimeFigureOut">
               <a:rPr lang="ko-KR" altLang="en-US" smtClean="0"/>
-              <a:t>2023-05-20</a:t>
+              <a:t>2023-05-21</a:t>
             </a:fld>
             <a:endParaRPr lang="ko-KR" altLang="en-US"/>
           </a:p>
@@ -2390,7 +2392,7 @@
           <a:p>
             <a:fld id="{F40FDB6E-BDDC-4D37-83E8-28D8DD78524D}" type="datetimeFigureOut">
               <a:rPr lang="ko-KR" altLang="en-US" smtClean="0"/>
-              <a:t>2023-05-20</a:t>
+              <a:t>2023-05-21</a:t>
             </a:fld>
             <a:endParaRPr lang="ko-KR" altLang="en-US"/>
           </a:p>
@@ -2678,7 +2680,7 @@
           <a:p>
             <a:fld id="{F40FDB6E-BDDC-4D37-83E8-28D8DD78524D}" type="datetimeFigureOut">
               <a:rPr lang="ko-KR" altLang="en-US" smtClean="0"/>
-              <a:t>2023-05-20</a:t>
+              <a:t>2023-05-21</a:t>
             </a:fld>
             <a:endParaRPr lang="ko-KR" altLang="en-US"/>
           </a:p>
@@ -2919,7 +2921,7 @@
           <a:p>
             <a:fld id="{F40FDB6E-BDDC-4D37-83E8-28D8DD78524D}" type="datetimeFigureOut">
               <a:rPr lang="ko-KR" altLang="en-US" smtClean="0"/>
-              <a:t>2023-05-20</a:t>
+              <a:t>2023-05-21</a:t>
             </a:fld>
             <a:endParaRPr lang="ko-KR" altLang="en-US"/>
           </a:p>
@@ -5665,12 +5667,84 @@
           <a:chExt cx="0" cy="0"/>
         </a:xfrm>
       </p:grpSpPr>
-      <p:sp>
-        <p:nvSpPr>
-          <p:cNvPr id="2" name="직사각형 1">
-            <a:extLst>
-              <a:ext uri="{FF2B5EF4-FFF2-40B4-BE49-F238E27FC236}">
-                <a16:creationId xmlns:a16="http://schemas.microsoft.com/office/drawing/2014/main" id="{61425C6B-41D1-2C08-1843-8977CB070D3C}"/>
+      <p:pic>
+        <p:nvPicPr>
+          <p:cNvPr id="3" name="그림 2" descr="야외, 장면, 길, 도로이(가) 표시된 사진&#10;&#10;자동 생성된 설명">
+            <a:extLst>
+              <a:ext uri="{FF2B5EF4-FFF2-40B4-BE49-F238E27FC236}">
+                <a16:creationId xmlns:a16="http://schemas.microsoft.com/office/drawing/2014/main" id="{6595DC0A-7AF7-F51F-A3D3-B2902D6613D8}"/>
+              </a:ext>
+            </a:extLst>
+          </p:cNvPr>
+          <p:cNvPicPr>
+            <a:picLocks noChangeAspect="1"/>
+          </p:cNvPicPr>
+          <p:nvPr/>
+        </p:nvPicPr>
+        <p:blipFill>
+          <a:blip r:embed="rId2">
+            <a:extLst>
+              <a:ext uri="{28A0092B-C50C-407E-A947-70E740481C1C}">
+                <a14:useLocalDpi xmlns:a14="http://schemas.microsoft.com/office/drawing/2010/main" val="0"/>
+              </a:ext>
+            </a:extLst>
+          </a:blip>
+          <a:stretch>
+            <a:fillRect/>
+          </a:stretch>
+        </p:blipFill>
+        <p:spPr>
+          <a:xfrm>
+            <a:off x="208346" y="2105159"/>
+            <a:ext cx="3547086" cy="1969130"/>
+          </a:xfrm>
+          <a:prstGeom prst="rect">
+            <a:avLst/>
+          </a:prstGeom>
+        </p:spPr>
+      </p:pic>
+      <p:pic>
+        <p:nvPicPr>
+          <p:cNvPr id="5" name="그림 4" descr="야외, 하늘, 길, 흑백이(가) 표시된 사진&#10;&#10;자동 생성된 설명">
+            <a:extLst>
+              <a:ext uri="{FF2B5EF4-FFF2-40B4-BE49-F238E27FC236}">
+                <a16:creationId xmlns:a16="http://schemas.microsoft.com/office/drawing/2014/main" id="{5FBC7BD9-C07F-0B06-EF22-A8CF7A3EFE2A}"/>
+              </a:ext>
+            </a:extLst>
+          </p:cNvPr>
+          <p:cNvPicPr>
+            <a:picLocks noChangeAspect="1"/>
+          </p:cNvPicPr>
+          <p:nvPr/>
+        </p:nvPicPr>
+        <p:blipFill>
+          <a:blip r:embed="rId3">
+            <a:extLst>
+              <a:ext uri="{28A0092B-C50C-407E-A947-70E740481C1C}">
+                <a14:useLocalDpi xmlns:a14="http://schemas.microsoft.com/office/drawing/2010/main" val="0"/>
+              </a:ext>
+            </a:extLst>
+          </a:blip>
+          <a:stretch>
+            <a:fillRect/>
+          </a:stretch>
+        </p:blipFill>
+        <p:spPr>
+          <a:xfrm>
+            <a:off x="4701612" y="1695336"/>
+            <a:ext cx="2788775" cy="2788775"/>
+          </a:xfrm>
+          <a:prstGeom prst="rect">
+            <a:avLst/>
+          </a:prstGeom>
+        </p:spPr>
+      </p:pic>
+      <p:sp>
+        <p:nvSpPr>
+          <p:cNvPr id="13" name="화살표: 오른쪽 12">
+            <a:extLst>
+              <a:ext uri="{FF2B5EF4-FFF2-40B4-BE49-F238E27FC236}">
+                <a16:creationId xmlns:a16="http://schemas.microsoft.com/office/drawing/2014/main" id="{E1FEA7D8-C4D6-AB9B-D00F-2EB9256EC719}"/>
               </a:ext>
             </a:extLst>
           </p:cNvPr>
@@ -5679,18 +5753,12 @@
         </p:nvSpPr>
         <p:spPr>
           <a:xfrm>
-            <a:off x="315668" y="44173"/>
-            <a:ext cx="9604563" cy="2034329"/>
-          </a:xfrm>
-          <a:prstGeom prst="rect">
-            <a:avLst/>
-          </a:prstGeom>
-          <a:solidFill>
-            <a:schemeClr val="accent6">
-              <a:lumMod val="20000"/>
-              <a:lumOff val="80000"/>
-            </a:schemeClr>
-          </a:solidFill>
+            <a:off x="3974664" y="2903181"/>
+            <a:ext cx="471340" cy="235670"/>
+          </a:xfrm>
+          <a:prstGeom prst="rightArrow">
+            <a:avLst/>
+          </a:prstGeom>
         </p:spPr>
         <p:style>
           <a:lnRef idx="2">
@@ -5719,10 +5787,10 @@
       </p:sp>
       <p:sp>
         <p:nvSpPr>
-          <p:cNvPr id="13" name="직사각형 12">
-            <a:extLst>
-              <a:ext uri="{FF2B5EF4-FFF2-40B4-BE49-F238E27FC236}">
-                <a16:creationId xmlns:a16="http://schemas.microsoft.com/office/drawing/2014/main" id="{A65E7A47-840A-4118-2817-544B106716C2}"/>
+          <p:cNvPr id="14" name="화살표: 오른쪽 13">
+            <a:extLst>
+              <a:ext uri="{FF2B5EF4-FFF2-40B4-BE49-F238E27FC236}">
+                <a16:creationId xmlns:a16="http://schemas.microsoft.com/office/drawing/2014/main" id="{BA2C6B29-9B1C-1D18-E8B5-C8F3E92DF40D}"/>
               </a:ext>
             </a:extLst>
           </p:cNvPr>
@@ -5731,18 +5799,12 @@
         </p:nvSpPr>
         <p:spPr>
           <a:xfrm>
-            <a:off x="81765" y="2420146"/>
-            <a:ext cx="4653519" cy="4299365"/>
-          </a:xfrm>
-          <a:prstGeom prst="rect">
-            <a:avLst/>
-          </a:prstGeom>
-          <a:solidFill>
-            <a:schemeClr val="accent6">
-              <a:lumMod val="20000"/>
-              <a:lumOff val="80000"/>
-            </a:schemeClr>
-          </a:solidFill>
+            <a:off x="7794132" y="2964455"/>
+            <a:ext cx="471340" cy="235670"/>
+          </a:xfrm>
+          <a:prstGeom prst="rightArrow">
+            <a:avLst/>
+          </a:prstGeom>
         </p:spPr>
         <p:style>
           <a:lnRef idx="2">
@@ -5771,10 +5833,220 @@
       </p:sp>
       <p:sp>
         <p:nvSpPr>
-          <p:cNvPr id="78" name="직사각형 77">
-            <a:extLst>
-              <a:ext uri="{FF2B5EF4-FFF2-40B4-BE49-F238E27FC236}">
-                <a16:creationId xmlns:a16="http://schemas.microsoft.com/office/drawing/2014/main" id="{FB8170F3-4C28-C31A-A643-FDFD71BF9C0D}"/>
+          <p:cNvPr id="15" name="TextBox 14">
+            <a:extLst>
+              <a:ext uri="{FF2B5EF4-FFF2-40B4-BE49-F238E27FC236}">
+                <a16:creationId xmlns:a16="http://schemas.microsoft.com/office/drawing/2014/main" id="{55FA6F4B-68C1-C054-8522-0394A657D86C}"/>
+              </a:ext>
+            </a:extLst>
+          </p:cNvPr>
+          <p:cNvSpPr txBox="1"/>
+          <p:nvPr/>
+        </p:nvSpPr>
+        <p:spPr>
+          <a:xfrm>
+            <a:off x="3943245" y="2533849"/>
+            <a:ext cx="630563" cy="369332"/>
+          </a:xfrm>
+          <a:prstGeom prst="rect">
+            <a:avLst/>
+          </a:prstGeom>
+          <a:noFill/>
+        </p:spPr>
+        <p:txBody>
+          <a:bodyPr wrap="square" rtlCol="0">
+            <a:spAutoFit/>
+          </a:bodyPr>
+          <a:lstStyle/>
+          <a:p>
+            <a:r>
+              <a:rPr lang="en-US" altLang="ko-KR" b="1"/>
+              <a:t>SW</a:t>
+            </a:r>
+            <a:endParaRPr lang="ko-KR" altLang="en-US" b="1"/>
+          </a:p>
+        </p:txBody>
+      </p:sp>
+      <p:sp>
+        <p:nvSpPr>
+          <p:cNvPr id="16" name="TextBox 15">
+            <a:extLst>
+              <a:ext uri="{FF2B5EF4-FFF2-40B4-BE49-F238E27FC236}">
+                <a16:creationId xmlns:a16="http://schemas.microsoft.com/office/drawing/2014/main" id="{2D800729-638E-D598-A0A0-ECD8A2AB787E}"/>
+              </a:ext>
+            </a:extLst>
+          </p:cNvPr>
+          <p:cNvSpPr txBox="1"/>
+          <p:nvPr/>
+        </p:nvSpPr>
+        <p:spPr>
+          <a:xfrm>
+            <a:off x="7723526" y="2533849"/>
+            <a:ext cx="630563" cy="369332"/>
+          </a:xfrm>
+          <a:prstGeom prst="rect">
+            <a:avLst/>
+          </a:prstGeom>
+          <a:noFill/>
+        </p:spPr>
+        <p:txBody>
+          <a:bodyPr wrap="square" rtlCol="0">
+            <a:spAutoFit/>
+          </a:bodyPr>
+          <a:lstStyle/>
+          <a:p>
+            <a:r>
+              <a:rPr lang="en-US" altLang="ko-KR" b="1"/>
+              <a:t>HW</a:t>
+            </a:r>
+            <a:endParaRPr lang="ko-KR" altLang="en-US" b="1"/>
+          </a:p>
+        </p:txBody>
+      </p:sp>
+      <p:sp>
+        <p:nvSpPr>
+          <p:cNvPr id="17" name="TextBox 16">
+            <a:extLst>
+              <a:ext uri="{FF2B5EF4-FFF2-40B4-BE49-F238E27FC236}">
+                <a16:creationId xmlns:a16="http://schemas.microsoft.com/office/drawing/2014/main" id="{C741DCBD-06C2-7ED0-4416-7EFDC79EC503}"/>
+              </a:ext>
+            </a:extLst>
+          </p:cNvPr>
+          <p:cNvSpPr txBox="1"/>
+          <p:nvPr/>
+        </p:nvSpPr>
+        <p:spPr>
+          <a:xfrm>
+            <a:off x="7127552" y="1068743"/>
+            <a:ext cx="2275840" cy="369332"/>
+          </a:xfrm>
+          <a:prstGeom prst="rect">
+            <a:avLst/>
+          </a:prstGeom>
+          <a:noFill/>
+        </p:spPr>
+        <p:txBody>
+          <a:bodyPr wrap="square" rtlCol="0">
+            <a:spAutoFit/>
+          </a:bodyPr>
+          <a:lstStyle/>
+          <a:p>
+            <a:r>
+              <a:rPr lang="en-US" altLang="ko-KR" b="1"/>
+              <a:t>Sobel_Operator</a:t>
+            </a:r>
+            <a:endParaRPr lang="ko-KR" altLang="en-US" b="1"/>
+          </a:p>
+        </p:txBody>
+      </p:sp>
+      <p:sp>
+        <p:nvSpPr>
+          <p:cNvPr id="18" name="TextBox 17">
+            <a:extLst>
+              <a:ext uri="{FF2B5EF4-FFF2-40B4-BE49-F238E27FC236}">
+                <a16:creationId xmlns:a16="http://schemas.microsoft.com/office/drawing/2014/main" id="{B905909F-68FD-F33C-3864-4B6D57F0D367}"/>
+              </a:ext>
+            </a:extLst>
+          </p:cNvPr>
+          <p:cNvSpPr txBox="1"/>
+          <p:nvPr/>
+        </p:nvSpPr>
+        <p:spPr>
+          <a:xfrm>
+            <a:off x="3308084" y="1090334"/>
+            <a:ext cx="2275840" cy="369332"/>
+          </a:xfrm>
+          <a:prstGeom prst="rect">
+            <a:avLst/>
+          </a:prstGeom>
+          <a:noFill/>
+        </p:spPr>
+        <p:txBody>
+          <a:bodyPr wrap="square" rtlCol="0">
+            <a:spAutoFit/>
+          </a:bodyPr>
+          <a:lstStyle/>
+          <a:p>
+            <a:r>
+              <a:rPr lang="en-US" altLang="ko-KR" b="1"/>
+              <a:t>Img_Preprocess</a:t>
+            </a:r>
+            <a:endParaRPr lang="ko-KR" altLang="en-US" b="1"/>
+          </a:p>
+        </p:txBody>
+      </p:sp>
+      <p:pic>
+        <p:nvPicPr>
+          <p:cNvPr id="20" name="그림 19" descr="흑백, 밤, 야외, 스크린샷이(가) 표시된 사진&#10;&#10;자동 생성된 설명">
+            <a:extLst>
+              <a:ext uri="{FF2B5EF4-FFF2-40B4-BE49-F238E27FC236}">
+                <a16:creationId xmlns:a16="http://schemas.microsoft.com/office/drawing/2014/main" id="{3F1F5FB8-819A-409A-5E31-19A507288F78}"/>
+              </a:ext>
+            </a:extLst>
+          </p:cNvPr>
+          <p:cNvPicPr>
+            <a:picLocks noChangeAspect="1"/>
+          </p:cNvPicPr>
+          <p:nvPr/>
+        </p:nvPicPr>
+        <p:blipFill>
+          <a:blip r:embed="rId4">
+            <a:extLst>
+              <a:ext uri="{28A0092B-C50C-407E-A947-70E740481C1C}">
+                <a14:useLocalDpi xmlns:a14="http://schemas.microsoft.com/office/drawing/2010/main" val="0"/>
+              </a:ext>
+            </a:extLst>
+          </a:blip>
+          <a:stretch>
+            <a:fillRect/>
+          </a:stretch>
+        </p:blipFill>
+        <p:spPr>
+          <a:xfrm>
+            <a:off x="8436566" y="1723985"/>
+            <a:ext cx="2760125" cy="2760125"/>
+          </a:xfrm>
+          <a:prstGeom prst="rect">
+            <a:avLst/>
+          </a:prstGeom>
+        </p:spPr>
+      </p:pic>
+    </p:spTree>
+    <p:extLst>
+      <p:ext uri="{BB962C8B-B14F-4D97-AF65-F5344CB8AC3E}">
+        <p14:creationId xmlns:p14="http://schemas.microsoft.com/office/powerpoint/2010/main" val="1227854245"/>
+      </p:ext>
+    </p:extLst>
+  </p:cSld>
+  <p:clrMapOvr>
+    <a:masterClrMapping/>
+  </p:clrMapOvr>
+</p:sld>
+</file>
+
+<file path=ppt/slides/slide12.xml><?xml version="1.0" encoding="utf-8"?>
+<p:sld xmlns:a="http://schemas.openxmlformats.org/drawingml/2006/main" xmlns:r="http://schemas.openxmlformats.org/officeDocument/2006/relationships" xmlns:p="http://schemas.openxmlformats.org/presentationml/2006/main">
+  <p:cSld>
+    <p:spTree>
+      <p:nvGrpSpPr>
+        <p:cNvPr id="1" name=""/>
+        <p:cNvGrpSpPr/>
+        <p:nvPr/>
+      </p:nvGrpSpPr>
+      <p:grpSpPr>
+        <a:xfrm>
+          <a:off x="0" y="0"/>
+          <a:ext cx="0" cy="0"/>
+          <a:chOff x="0" y="0"/>
+          <a:chExt cx="0" cy="0"/>
+        </a:xfrm>
+      </p:grpSpPr>
+      <p:sp>
+        <p:nvSpPr>
+          <p:cNvPr id="1035" name="직사각형 1034">
+            <a:extLst>
+              <a:ext uri="{FF2B5EF4-FFF2-40B4-BE49-F238E27FC236}">
+                <a16:creationId xmlns:a16="http://schemas.microsoft.com/office/drawing/2014/main" id="{C4311237-9CED-AFE6-ECD9-D59FD4CEB8F3}"/>
               </a:ext>
             </a:extLst>
           </p:cNvPr>
@@ -5783,15 +6055,15 @@
         </p:nvSpPr>
         <p:spPr>
           <a:xfrm>
-            <a:off x="5015422" y="2445920"/>
-            <a:ext cx="7140868" cy="4247818"/>
+            <a:off x="16928" y="5790027"/>
+            <a:ext cx="1256144" cy="1067971"/>
           </a:xfrm>
           <a:prstGeom prst="rect">
             <a:avLst/>
           </a:prstGeom>
           <a:solidFill>
-            <a:schemeClr val="bg2">
-              <a:lumMod val="90000"/>
+            <a:schemeClr val="bg1">
+              <a:lumMod val="95000"/>
             </a:schemeClr>
           </a:solidFill>
           <a:ln w="28575">
@@ -5831,6 +6103,66 @@
       </p:sp>
       <p:sp>
         <p:nvSpPr>
+          <p:cNvPr id="78" name="직사각형 77">
+            <a:extLst>
+              <a:ext uri="{FF2B5EF4-FFF2-40B4-BE49-F238E27FC236}">
+                <a16:creationId xmlns:a16="http://schemas.microsoft.com/office/drawing/2014/main" id="{FB8170F3-4C28-C31A-A643-FDFD71BF9C0D}"/>
+              </a:ext>
+            </a:extLst>
+          </p:cNvPr>
+          <p:cNvSpPr/>
+          <p:nvPr/>
+        </p:nvSpPr>
+        <p:spPr>
+          <a:xfrm>
+            <a:off x="4116511" y="3143597"/>
+            <a:ext cx="4561966" cy="2590863"/>
+          </a:xfrm>
+          <a:prstGeom prst="rect">
+            <a:avLst/>
+          </a:prstGeom>
+          <a:solidFill>
+            <a:schemeClr val="bg1">
+              <a:lumMod val="85000"/>
+            </a:schemeClr>
+          </a:solidFill>
+          <a:ln w="28575">
+            <a:solidFill>
+              <a:schemeClr val="tx1"/>
+            </a:solidFill>
+          </a:ln>
+        </p:spPr>
+        <p:style>
+          <a:lnRef idx="2">
+            <a:schemeClr val="accent1">
+              <a:shade val="50000"/>
+            </a:schemeClr>
+          </a:lnRef>
+          <a:fillRef idx="1">
+            <a:schemeClr val="accent1"/>
+          </a:fillRef>
+          <a:effectRef idx="0">
+            <a:schemeClr val="accent1"/>
+          </a:effectRef>
+          <a:fontRef idx="minor">
+            <a:schemeClr val="lt1"/>
+          </a:fontRef>
+        </p:style>
+        <p:txBody>
+          <a:bodyPr rtlCol="0" anchor="ctr"/>
+          <a:lstStyle/>
+          <a:p>
+            <a:pPr algn="ctr"/>
+            <a:endParaRPr lang="ko-KR" altLang="en-US" b="1">
+              <a:solidFill>
+                <a:schemeClr val="tx1"/>
+              </a:solidFill>
+            </a:endParaRPr>
+          </a:p>
+        </p:txBody>
+      </p:sp>
+      <p:sp>
+        <p:nvSpPr>
           <p:cNvPr id="3" name="직사각형 2">
             <a:extLst>
               <a:ext uri="{FF2B5EF4-FFF2-40B4-BE49-F238E27FC236}">
@@ -5843,8 +6175,8 @@
         </p:nvSpPr>
         <p:spPr>
           <a:xfrm>
-            <a:off x="5525327" y="3043890"/>
-            <a:ext cx="2798619" cy="2710873"/>
+            <a:off x="4274777" y="3292156"/>
+            <a:ext cx="2225635" cy="2078255"/>
           </a:xfrm>
           <a:prstGeom prst="rect">
             <a:avLst/>
@@ -5901,8 +6233,8 @@
         </p:nvSpPr>
         <p:spPr>
           <a:xfrm>
-            <a:off x="1784465" y="3084261"/>
-            <a:ext cx="2154335" cy="2710872"/>
+            <a:off x="1803498" y="3296826"/>
+            <a:ext cx="2154335" cy="2073629"/>
           </a:xfrm>
           <a:prstGeom prst="rect">
             <a:avLst/>
@@ -5959,7 +6291,7 @@
         </p:nvSpPr>
         <p:spPr>
           <a:xfrm>
-            <a:off x="6236022" y="5840433"/>
+            <a:off x="4725104" y="5387421"/>
             <a:ext cx="1320800" cy="307777"/>
           </a:xfrm>
           <a:prstGeom prst="rect">
@@ -6004,8 +6336,8 @@
         </p:nvSpPr>
         <p:spPr>
           <a:xfrm>
-            <a:off x="2178802" y="5826777"/>
-            <a:ext cx="1256144" cy="461665"/>
+            <a:off x="1802305" y="5347701"/>
+            <a:ext cx="2213646" cy="276999"/>
           </a:xfrm>
           <a:prstGeom prst="rect">
             <a:avLst/>
@@ -6025,22 +6357,7 @@
                   <a:schemeClr val="tx1"/>
                 </a:solidFill>
               </a:rPr>
-              <a:t>Memory</a:t>
-            </a:r>
-            <a:br>
-              <a:rPr lang="en-US" altLang="ko-KR" sz="1200" b="1">
-                <a:solidFill>
-                  <a:schemeClr val="tx1"/>
-                </a:solidFill>
-              </a:rPr>
-            </a:br>
-            <a:r>
-              <a:rPr lang="en-US" altLang="ko-KR" sz="1200" b="1">
-                <a:solidFill>
-                  <a:schemeClr val="tx1"/>
-                </a:solidFill>
-              </a:rPr>
-              <a:t>Controller</a:t>
+              <a:t>Memory Controller</a:t>
             </a:r>
             <a:endParaRPr lang="ko-KR" altLang="en-US" sz="1200" b="1">
               <a:solidFill>
@@ -6064,8 +6381,8 @@
         </p:nvSpPr>
         <p:spPr>
           <a:xfrm>
-            <a:off x="9519548" y="3052617"/>
-            <a:ext cx="2225634" cy="2710873"/>
+            <a:off x="6990521" y="3314497"/>
+            <a:ext cx="1572239" cy="2055914"/>
           </a:xfrm>
           <a:prstGeom prst="rect">
             <a:avLst/>
@@ -6122,7 +6439,7 @@
         </p:nvSpPr>
         <p:spPr>
           <a:xfrm>
-            <a:off x="9519548" y="5840431"/>
+            <a:off x="7111316" y="5387422"/>
             <a:ext cx="1320800" cy="307777"/>
           </a:xfrm>
           <a:prstGeom prst="rect">
@@ -6167,8 +6484,8 @@
         </p:nvSpPr>
         <p:spPr>
           <a:xfrm>
-            <a:off x="103905" y="3052617"/>
-            <a:ext cx="865914" cy="2710872"/>
+            <a:off x="214557" y="3292157"/>
+            <a:ext cx="865914" cy="2095264"/>
           </a:xfrm>
           <a:prstGeom prst="rect">
             <a:avLst/>
@@ -6233,8 +6550,8 @@
         </p:nvSpPr>
         <p:spPr>
           <a:xfrm>
-            <a:off x="1742379" y="302734"/>
-            <a:ext cx="7363782" cy="1385455"/>
+            <a:off x="1825507" y="1937571"/>
+            <a:ext cx="6730967" cy="806660"/>
           </a:xfrm>
           <a:prstGeom prst="rect">
             <a:avLst/>
@@ -6301,7 +6618,7 @@
         </p:nvCxnSpPr>
         <p:spPr>
           <a:xfrm>
-            <a:off x="227256" y="1731278"/>
+            <a:off x="273400" y="6544035"/>
             <a:ext cx="683489" cy="0"/>
           </a:xfrm>
           <a:prstGeom prst="straightConnector1">
@@ -6343,7 +6660,7 @@
         </p:nvSpPr>
         <p:spPr>
           <a:xfrm>
-            <a:off x="5469136" y="4269181"/>
+            <a:off x="4229279" y="3691047"/>
             <a:ext cx="1028100" cy="276999"/>
           </a:xfrm>
           <a:prstGeom prst="rect">
@@ -6383,7 +6700,7 @@
         </p:nvSpPr>
         <p:spPr>
           <a:xfrm>
-            <a:off x="5485291" y="4620742"/>
+            <a:off x="4232399" y="3939396"/>
             <a:ext cx="1028100" cy="276999"/>
           </a:xfrm>
           <a:prstGeom prst="rect">
@@ -6423,7 +6740,7 @@
         </p:nvSpPr>
         <p:spPr>
           <a:xfrm>
-            <a:off x="7025640" y="4138711"/>
+            <a:off x="5243183" y="3683530"/>
             <a:ext cx="1334465" cy="276999"/>
           </a:xfrm>
           <a:prstGeom prst="rect">
@@ -6465,8 +6782,8 @@
         </p:nvCxnSpPr>
         <p:spPr>
           <a:xfrm>
-            <a:off x="8295731" y="4292600"/>
-            <a:ext cx="1223817" cy="0"/>
+            <a:off x="6500412" y="3834722"/>
+            <a:ext cx="488341" cy="0"/>
           </a:xfrm>
           <a:prstGeom prst="line">
             <a:avLst/>
@@ -6508,8 +6825,8 @@
         </p:nvCxnSpPr>
         <p:spPr>
           <a:xfrm>
-            <a:off x="8295731" y="4634108"/>
-            <a:ext cx="1223817" cy="0"/>
+            <a:off x="6500412" y="4104804"/>
+            <a:ext cx="488341" cy="0"/>
           </a:xfrm>
           <a:prstGeom prst="line">
             <a:avLst/>
@@ -6549,8 +6866,8 @@
         </p:nvSpPr>
         <p:spPr>
           <a:xfrm>
-            <a:off x="7365489" y="4487105"/>
-            <a:ext cx="1028100" cy="276999"/>
+            <a:off x="5609850" y="3954130"/>
+            <a:ext cx="939036" cy="276999"/>
           </a:xfrm>
           <a:prstGeom prst="rect">
             <a:avLst/>
@@ -6593,7 +6910,7 @@
         </p:nvSpPr>
         <p:spPr>
           <a:xfrm>
-            <a:off x="7149544" y="3358318"/>
+            <a:off x="5400699" y="3285671"/>
             <a:ext cx="1132931" cy="276999"/>
           </a:xfrm>
           <a:prstGeom prst="rect">
@@ -6623,12 +6940,52 @@
           </a:p>
         </p:txBody>
       </p:sp>
+      <p:sp>
+        <p:nvSpPr>
+          <p:cNvPr id="33" name="TextBox 32">
+            <a:extLst>
+              <a:ext uri="{FF2B5EF4-FFF2-40B4-BE49-F238E27FC236}">
+                <a16:creationId xmlns:a16="http://schemas.microsoft.com/office/drawing/2014/main" id="{5ED05668-A23E-D1F3-1E56-84AF05BA8E56}"/>
+              </a:ext>
+            </a:extLst>
+          </p:cNvPr>
+          <p:cNvSpPr txBox="1"/>
+          <p:nvPr/>
+        </p:nvSpPr>
+        <p:spPr>
+          <a:xfrm>
+            <a:off x="2962227" y="3691048"/>
+            <a:ext cx="979842" cy="276999"/>
+          </a:xfrm>
+          <a:prstGeom prst="rect">
+            <a:avLst/>
+          </a:prstGeom>
+          <a:noFill/>
+        </p:spPr>
+        <p:txBody>
+          <a:bodyPr wrap="square">
+            <a:spAutoFit/>
+          </a:bodyPr>
+          <a:lstStyle/>
+          <a:p>
+            <a:r>
+              <a:rPr lang="en-US" altLang="ko-KR" sz="1200" b="1"/>
+              <a:t>data_o[7:0]</a:t>
+            </a:r>
+            <a:endParaRPr lang="ko-KR" altLang="en-US" sz="1200" b="1">
+              <a:solidFill>
+                <a:schemeClr val="tx1"/>
+              </a:solidFill>
+            </a:endParaRPr>
+          </a:p>
+        </p:txBody>
+      </p:sp>
       <p:cxnSp>
         <p:nvCxnSpPr>
-          <p:cNvPr id="30" name="직선 연결선 29">
-            <a:extLst>
-              <a:ext uri="{FF2B5EF4-FFF2-40B4-BE49-F238E27FC236}">
-                <a16:creationId xmlns:a16="http://schemas.microsoft.com/office/drawing/2014/main" id="{1A6E9583-86F6-8CF4-60D2-DE5629F618B9}"/>
+          <p:cNvPr id="34" name="직선 연결선 33">
+            <a:extLst>
+              <a:ext uri="{FF2B5EF4-FFF2-40B4-BE49-F238E27FC236}">
+                <a16:creationId xmlns:a16="http://schemas.microsoft.com/office/drawing/2014/main" id="{AF48A4C2-07F2-3B18-6AEA-0FE6CB1F1219}"/>
               </a:ext>
             </a:extLst>
           </p:cNvPr>
@@ -6639,15 +6996,15 @@
         </p:nvCxnSpPr>
         <p:spPr>
           <a:xfrm>
-            <a:off x="8295731" y="3525192"/>
-            <a:ext cx="475258" cy="0"/>
+            <a:off x="3958791" y="3849443"/>
+            <a:ext cx="308085" cy="0"/>
           </a:xfrm>
           <a:prstGeom prst="line">
             <a:avLst/>
           </a:prstGeom>
           <a:ln w="28575">
             <a:solidFill>
-              <a:schemeClr val="tx1"/>
+              <a:srgbClr val="FF0000"/>
             </a:solidFill>
           </a:ln>
         </p:spPr>
@@ -6668,10 +7025,10 @@
       </p:cxnSp>
       <p:sp>
         <p:nvSpPr>
-          <p:cNvPr id="33" name="TextBox 32">
-            <a:extLst>
-              <a:ext uri="{FF2B5EF4-FFF2-40B4-BE49-F238E27FC236}">
-                <a16:creationId xmlns:a16="http://schemas.microsoft.com/office/drawing/2014/main" id="{5ED05668-A23E-D1F3-1E56-84AF05BA8E56}"/>
+          <p:cNvPr id="35" name="TextBox 34">
+            <a:extLst>
+              <a:ext uri="{FF2B5EF4-FFF2-40B4-BE49-F238E27FC236}">
+                <a16:creationId xmlns:a16="http://schemas.microsoft.com/office/drawing/2014/main" id="{CDD8F13A-93A9-757C-0E5C-50823984DDEB}"/>
               </a:ext>
             </a:extLst>
           </p:cNvPr>
@@ -6680,8 +7037,8 @@
         </p:nvSpPr>
         <p:spPr>
           <a:xfrm>
-            <a:off x="2915083" y="4256652"/>
-            <a:ext cx="979842" cy="276999"/>
+            <a:off x="3017660" y="3954858"/>
+            <a:ext cx="952458" cy="276999"/>
           </a:xfrm>
           <a:prstGeom prst="rect">
             <a:avLst/>
@@ -6695,8 +7052,12 @@
           <a:lstStyle/>
           <a:p>
             <a:r>
-              <a:rPr lang="en-US" altLang="ko-KR" sz="1200" b="1"/>
-              <a:t>data_o[7:0]</a:t>
+              <a:rPr lang="en-US" altLang="ko-KR" sz="1200" b="1">
+                <a:solidFill>
+                  <a:schemeClr val="tx1"/>
+                </a:solidFill>
+              </a:rPr>
+              <a:t>data_en_o</a:t>
             </a:r>
             <a:endParaRPr lang="ko-KR" altLang="en-US" sz="1200" b="1">
               <a:solidFill>
@@ -6708,31 +7069,29 @@
       </p:sp>
       <p:cxnSp>
         <p:nvCxnSpPr>
-          <p:cNvPr id="34" name="직선 연결선 33">
-            <a:extLst>
-              <a:ext uri="{FF2B5EF4-FFF2-40B4-BE49-F238E27FC236}">
-                <a16:creationId xmlns:a16="http://schemas.microsoft.com/office/drawing/2014/main" id="{AF48A4C2-07F2-3B18-6AEA-0FE6CB1F1219}"/>
+          <p:cNvPr id="36" name="직선 연결선 35">
+            <a:extLst>
+              <a:ext uri="{FF2B5EF4-FFF2-40B4-BE49-F238E27FC236}">
+                <a16:creationId xmlns:a16="http://schemas.microsoft.com/office/drawing/2014/main" id="{92D17839-3903-4FBC-A152-EF404ADA2CD3}"/>
               </a:ext>
             </a:extLst>
           </p:cNvPr>
           <p:cNvCxnSpPr>
             <a:cxnSpLocks/>
-            <a:stCxn id="4" idx="3"/>
-            <a:endCxn id="19" idx="1"/>
           </p:cNvCxnSpPr>
           <p:nvPr/>
         </p:nvCxnSpPr>
         <p:spPr>
           <a:xfrm flipV="1">
-            <a:off x="3938800" y="4407681"/>
-            <a:ext cx="1530336" cy="32016"/>
+            <a:off x="3952399" y="4096433"/>
+            <a:ext cx="314477" cy="44"/>
           </a:xfrm>
           <a:prstGeom prst="line">
             <a:avLst/>
           </a:prstGeom>
           <a:ln w="28575">
             <a:solidFill>
-              <a:srgbClr val="FF0000"/>
+              <a:schemeClr val="tx1"/>
             </a:solidFill>
           </a:ln>
         </p:spPr>
@@ -6753,10 +7112,10 @@
       </p:cxnSp>
       <p:sp>
         <p:nvSpPr>
-          <p:cNvPr id="35" name="TextBox 34">
-            <a:extLst>
-              <a:ext uri="{FF2B5EF4-FFF2-40B4-BE49-F238E27FC236}">
-                <a16:creationId xmlns:a16="http://schemas.microsoft.com/office/drawing/2014/main" id="{CDD8F13A-93A9-757C-0E5C-50823984DDEB}"/>
+          <p:cNvPr id="38" name="TextBox 37">
+            <a:extLst>
+              <a:ext uri="{FF2B5EF4-FFF2-40B4-BE49-F238E27FC236}">
+                <a16:creationId xmlns:a16="http://schemas.microsoft.com/office/drawing/2014/main" id="{9971A508-3F2E-503B-1515-A580DE87B29B}"/>
               </a:ext>
             </a:extLst>
           </p:cNvPr>
@@ -6765,96 +7124,7 @@
         </p:nvSpPr>
         <p:spPr>
           <a:xfrm>
-            <a:off x="2915083" y="4610593"/>
-            <a:ext cx="952458" cy="276999"/>
-          </a:xfrm>
-          <a:prstGeom prst="rect">
-            <a:avLst/>
-          </a:prstGeom>
-          <a:noFill/>
-        </p:spPr>
-        <p:txBody>
-          <a:bodyPr wrap="square">
-            <a:spAutoFit/>
-          </a:bodyPr>
-          <a:lstStyle/>
-          <a:p>
-            <a:r>
-              <a:rPr lang="en-US" altLang="ko-KR" sz="1200" b="1">
-                <a:solidFill>
-                  <a:schemeClr val="tx1"/>
-                </a:solidFill>
-              </a:rPr>
-              <a:t>data_en_o</a:t>
-            </a:r>
-            <a:endParaRPr lang="ko-KR" altLang="en-US" sz="1200" b="1">
-              <a:solidFill>
-                <a:schemeClr val="tx1"/>
-              </a:solidFill>
-            </a:endParaRPr>
-          </a:p>
-        </p:txBody>
-      </p:sp>
-      <p:cxnSp>
-        <p:nvCxnSpPr>
-          <p:cNvPr id="36" name="직선 연결선 35">
-            <a:extLst>
-              <a:ext uri="{FF2B5EF4-FFF2-40B4-BE49-F238E27FC236}">
-                <a16:creationId xmlns:a16="http://schemas.microsoft.com/office/drawing/2014/main" id="{92D17839-3903-4FBC-A152-EF404ADA2CD3}"/>
-              </a:ext>
-            </a:extLst>
-          </p:cNvPr>
-          <p:cNvCxnSpPr>
-            <a:cxnSpLocks/>
-            <a:stCxn id="35" idx="3"/>
-            <a:endCxn id="20" idx="1"/>
-          </p:cNvCxnSpPr>
-          <p:nvPr/>
-        </p:nvCxnSpPr>
-        <p:spPr>
-          <a:xfrm>
-            <a:off x="3867541" y="4749093"/>
-            <a:ext cx="1617750" cy="10149"/>
-          </a:xfrm>
-          <a:prstGeom prst="line">
-            <a:avLst/>
-          </a:prstGeom>
-          <a:ln w="28575">
-            <a:solidFill>
-              <a:schemeClr val="tx1"/>
-            </a:solidFill>
-          </a:ln>
-        </p:spPr>
-        <p:style>
-          <a:lnRef idx="1">
-            <a:schemeClr val="accent1"/>
-          </a:lnRef>
-          <a:fillRef idx="0">
-            <a:schemeClr val="accent1"/>
-          </a:fillRef>
-          <a:effectRef idx="0">
-            <a:schemeClr val="accent1"/>
-          </a:effectRef>
-          <a:fontRef idx="minor">
-            <a:schemeClr val="tx1"/>
-          </a:fontRef>
-        </p:style>
-      </p:cxnSp>
-      <p:sp>
-        <p:nvSpPr>
-          <p:cNvPr id="38" name="TextBox 37">
-            <a:extLst>
-              <a:ext uri="{FF2B5EF4-FFF2-40B4-BE49-F238E27FC236}">
-                <a16:creationId xmlns:a16="http://schemas.microsoft.com/office/drawing/2014/main" id="{9971A508-3F2E-503B-1515-A580DE87B29B}"/>
-              </a:ext>
-            </a:extLst>
-          </p:cNvPr>
-          <p:cNvSpPr txBox="1"/>
-          <p:nvPr/>
-        </p:nvSpPr>
-        <p:spPr>
-          <a:xfrm>
-            <a:off x="2773142" y="3915046"/>
+            <a:off x="2833525" y="3277763"/>
             <a:ext cx="1169326" cy="276999"/>
           </a:xfrm>
           <a:prstGeom prst="rect">
@@ -6890,10 +7160,10 @@
       </p:sp>
       <p:cxnSp>
         <p:nvCxnSpPr>
-          <p:cNvPr id="39" name="직선 연결선 38">
-            <a:extLst>
-              <a:ext uri="{FF2B5EF4-FFF2-40B4-BE49-F238E27FC236}">
-                <a16:creationId xmlns:a16="http://schemas.microsoft.com/office/drawing/2014/main" id="{17B54FD5-E55C-22A1-935A-ED18577363E3}"/>
+          <p:cNvPr id="42" name="직선 연결선 41">
+            <a:extLst>
+              <a:ext uri="{FF2B5EF4-FFF2-40B4-BE49-F238E27FC236}">
+                <a16:creationId xmlns:a16="http://schemas.microsoft.com/office/drawing/2014/main" id="{6B9AA6F6-6968-9F2D-6C08-9F16F0F7BE02}"/>
               </a:ext>
             </a:extLst>
           </p:cNvPr>
@@ -6903,52 +7173,9 @@
           <p:nvPr/>
         </p:nvCxnSpPr>
         <p:spPr>
-          <a:xfrm>
-            <a:off x="3904484" y="4094023"/>
-            <a:ext cx="585450" cy="0"/>
-          </a:xfrm>
-          <a:prstGeom prst="line">
-            <a:avLst/>
-          </a:prstGeom>
-          <a:ln w="28575">
-            <a:solidFill>
-              <a:schemeClr val="tx1"/>
-            </a:solidFill>
-          </a:ln>
-        </p:spPr>
-        <p:style>
-          <a:lnRef idx="1">
-            <a:schemeClr val="accent1"/>
-          </a:lnRef>
-          <a:fillRef idx="0">
-            <a:schemeClr val="accent1"/>
-          </a:fillRef>
-          <a:effectRef idx="0">
-            <a:schemeClr val="accent1"/>
-          </a:effectRef>
-          <a:fontRef idx="minor">
-            <a:schemeClr val="tx1"/>
-          </a:fontRef>
-        </p:style>
-      </p:cxnSp>
-      <p:cxnSp>
-        <p:nvCxnSpPr>
-          <p:cNvPr id="42" name="직선 연결선 41">
-            <a:extLst>
-              <a:ext uri="{FF2B5EF4-FFF2-40B4-BE49-F238E27FC236}">
-                <a16:creationId xmlns:a16="http://schemas.microsoft.com/office/drawing/2014/main" id="{6B9AA6F6-6968-9F2D-6C08-9F16F0F7BE02}"/>
-              </a:ext>
-            </a:extLst>
-          </p:cNvPr>
-          <p:cNvCxnSpPr>
-            <a:cxnSpLocks/>
-          </p:cNvCxnSpPr>
-          <p:nvPr/>
-        </p:nvCxnSpPr>
-        <p:spPr>
           <a:xfrm flipV="1">
-            <a:off x="4489934" y="1659143"/>
-            <a:ext cx="0" cy="2444116"/>
+            <a:off x="3384221" y="2773965"/>
+            <a:ext cx="0" cy="527803"/>
           </a:xfrm>
           <a:prstGeom prst="line">
             <a:avLst/>
@@ -6990,8 +7217,8 @@
         </p:nvCxnSpPr>
         <p:spPr>
           <a:xfrm>
-            <a:off x="986471" y="4094023"/>
-            <a:ext cx="794326" cy="0"/>
+            <a:off x="1090811" y="4432240"/>
+            <a:ext cx="712687" cy="0"/>
           </a:xfrm>
           <a:prstGeom prst="line">
             <a:avLst/>
@@ -7031,7 +7258,7 @@
         </p:nvSpPr>
         <p:spPr>
           <a:xfrm>
-            <a:off x="949405" y="3640264"/>
+            <a:off x="1028046" y="3891825"/>
             <a:ext cx="1169326" cy="461665"/>
           </a:xfrm>
           <a:prstGeom prst="rect">
@@ -7085,8 +7312,8 @@
         </p:nvSpPr>
         <p:spPr>
           <a:xfrm>
-            <a:off x="5584973" y="5087353"/>
-            <a:ext cx="1063795" cy="381790"/>
+            <a:off x="4702641" y="4777423"/>
+            <a:ext cx="1443496" cy="304583"/>
           </a:xfrm>
           <a:prstGeom prst="rect">
             <a:avLst/>
@@ -7156,8 +7383,8 @@
         </p:nvCxnSpPr>
         <p:spPr>
           <a:xfrm flipV="1">
-            <a:off x="2392217" y="1725411"/>
-            <a:ext cx="0" cy="1327206"/>
+            <a:off x="2225888" y="2744231"/>
+            <a:ext cx="0" cy="567177"/>
           </a:xfrm>
           <a:prstGeom prst="line">
             <a:avLst/>
@@ -7197,7 +7424,7 @@
         </p:nvSpPr>
         <p:spPr>
           <a:xfrm>
-            <a:off x="1879499" y="3050612"/>
+            <a:off x="1772228" y="3282423"/>
             <a:ext cx="1169326" cy="276999"/>
           </a:xfrm>
           <a:prstGeom prst="rect">
@@ -7235,49 +7462,6 @@
           </a:p>
         </p:txBody>
       </p:sp>
-      <p:cxnSp>
-        <p:nvCxnSpPr>
-          <p:cNvPr id="75" name="직선 연결선 74">
-            <a:extLst>
-              <a:ext uri="{FF2B5EF4-FFF2-40B4-BE49-F238E27FC236}">
-                <a16:creationId xmlns:a16="http://schemas.microsoft.com/office/drawing/2014/main" id="{8F113C29-CDE7-F0C2-880C-D66D2747B959}"/>
-              </a:ext>
-            </a:extLst>
-          </p:cNvPr>
-          <p:cNvCxnSpPr>
-            <a:cxnSpLocks/>
-          </p:cNvCxnSpPr>
-          <p:nvPr/>
-        </p:nvCxnSpPr>
-        <p:spPr>
-          <a:xfrm flipV="1">
-            <a:off x="8770989" y="1725411"/>
-            <a:ext cx="0" cy="1791875"/>
-          </a:xfrm>
-          <a:prstGeom prst="line">
-            <a:avLst/>
-          </a:prstGeom>
-          <a:ln w="28575">
-            <a:solidFill>
-              <a:schemeClr val="tx1"/>
-            </a:solidFill>
-          </a:ln>
-        </p:spPr>
-        <p:style>
-          <a:lnRef idx="1">
-            <a:schemeClr val="accent1"/>
-          </a:lnRef>
-          <a:fillRef idx="0">
-            <a:schemeClr val="accent1"/>
-          </a:fillRef>
-          <a:effectRef idx="0">
-            <a:schemeClr val="accent1"/>
-          </a:effectRef>
-          <a:fontRef idx="minor">
-            <a:schemeClr val="tx1"/>
-          </a:fontRef>
-        </p:style>
-      </p:cxnSp>
       <p:sp>
         <p:nvSpPr>
           <p:cNvPr id="79" name="TextBox 78">
@@ -7292,7 +7476,7 @@
         </p:nvSpPr>
         <p:spPr>
           <a:xfrm>
-            <a:off x="7556822" y="6346806"/>
+            <a:off x="5786084" y="5764768"/>
             <a:ext cx="1320800" cy="338554"/>
           </a:xfrm>
           <a:prstGeom prst="rect">
@@ -7337,7 +7521,7 @@
         </p:nvSpPr>
         <p:spPr>
           <a:xfrm>
-            <a:off x="9479262" y="4128189"/>
+            <a:off x="6988753" y="3683359"/>
             <a:ext cx="1334465" cy="276999"/>
           </a:xfrm>
           <a:prstGeom prst="rect">
@@ -7377,7 +7561,7 @@
         </p:nvSpPr>
         <p:spPr>
           <a:xfrm>
-            <a:off x="9475069" y="4495608"/>
+            <a:off x="6957303" y="3971140"/>
             <a:ext cx="1028100" cy="276999"/>
           </a:xfrm>
           <a:prstGeom prst="rect">
@@ -7411,49 +7595,6 @@
           </a:p>
         </p:txBody>
       </p:sp>
-      <p:cxnSp>
-        <p:nvCxnSpPr>
-          <p:cNvPr id="82" name="직선 연결선 81">
-            <a:extLst>
-              <a:ext uri="{FF2B5EF4-FFF2-40B4-BE49-F238E27FC236}">
-                <a16:creationId xmlns:a16="http://schemas.microsoft.com/office/drawing/2014/main" id="{2AD1A194-0870-EFBF-6B71-763D566E77EC}"/>
-              </a:ext>
-            </a:extLst>
-          </p:cNvPr>
-          <p:cNvCxnSpPr>
-            <a:cxnSpLocks/>
-          </p:cNvCxnSpPr>
-          <p:nvPr/>
-        </p:nvCxnSpPr>
-        <p:spPr>
-          <a:xfrm>
-            <a:off x="8325337" y="5506950"/>
-            <a:ext cx="4125281" cy="0"/>
-          </a:xfrm>
-          <a:prstGeom prst="line">
-            <a:avLst/>
-          </a:prstGeom>
-          <a:ln w="28575">
-            <a:solidFill>
-              <a:schemeClr val="tx1"/>
-            </a:solidFill>
-          </a:ln>
-        </p:spPr>
-        <p:style>
-          <a:lnRef idx="1">
-            <a:schemeClr val="accent1"/>
-          </a:lnRef>
-          <a:fillRef idx="0">
-            <a:schemeClr val="accent1"/>
-          </a:fillRef>
-          <a:effectRef idx="0">
-            <a:schemeClr val="accent1"/>
-          </a:effectRef>
-          <a:fontRef idx="minor">
-            <a:schemeClr val="tx1"/>
-          </a:fontRef>
-        </p:style>
-      </p:cxnSp>
       <p:sp>
         <p:nvSpPr>
           <p:cNvPr id="83" name="TextBox 82">
@@ -7468,7 +7609,7 @@
         </p:nvSpPr>
         <p:spPr>
           <a:xfrm>
-            <a:off x="6797040" y="5337099"/>
+            <a:off x="2392044" y="4970666"/>
             <a:ext cx="1550025" cy="276999"/>
           </a:xfrm>
           <a:prstGeom prst="rect">
@@ -7500,10 +7641,10 @@
       </p:sp>
       <p:sp>
         <p:nvSpPr>
-          <p:cNvPr id="84" name="TextBox 83">
-            <a:extLst>
-              <a:ext uri="{FF2B5EF4-FFF2-40B4-BE49-F238E27FC236}">
-                <a16:creationId xmlns:a16="http://schemas.microsoft.com/office/drawing/2014/main" id="{32DCFAD3-0DD5-5DD2-2D19-F105B4090C23}"/>
+          <p:cNvPr id="85" name="TextBox 84">
+            <a:extLst>
+              <a:ext uri="{FF2B5EF4-FFF2-40B4-BE49-F238E27FC236}">
+                <a16:creationId xmlns:a16="http://schemas.microsoft.com/office/drawing/2014/main" id="{F0CE17C6-0996-B2A0-246D-C0945AC688BB}"/>
               </a:ext>
             </a:extLst>
           </p:cNvPr>
@@ -7512,51 +7653,7 @@
         </p:nvSpPr>
         <p:spPr>
           <a:xfrm>
-            <a:off x="9542667" y="5244479"/>
-            <a:ext cx="1495904" cy="276999"/>
-          </a:xfrm>
-          <a:prstGeom prst="rect">
-            <a:avLst/>
-          </a:prstGeom>
-          <a:noFill/>
-        </p:spPr>
-        <p:txBody>
-          <a:bodyPr wrap="square">
-            <a:spAutoFit/>
-          </a:bodyPr>
-          <a:lstStyle/>
-          <a:p>
-            <a:r>
-              <a:rPr lang="en-US" altLang="ko-KR" sz="1200" b="1">
-                <a:solidFill>
-                  <a:schemeClr val="tx1"/>
-                </a:solidFill>
-              </a:rPr>
-              <a:t>cnt_pos_col[9:0]</a:t>
-            </a:r>
-            <a:endParaRPr lang="ko-KR" altLang="en-US" sz="1200" b="1">
-              <a:solidFill>
-                <a:schemeClr val="tx1"/>
-              </a:solidFill>
-            </a:endParaRPr>
-          </a:p>
-        </p:txBody>
-      </p:sp>
-      <p:sp>
-        <p:nvSpPr>
-          <p:cNvPr id="85" name="TextBox 84">
-            <a:extLst>
-              <a:ext uri="{FF2B5EF4-FFF2-40B4-BE49-F238E27FC236}">
-                <a16:creationId xmlns:a16="http://schemas.microsoft.com/office/drawing/2014/main" id="{F0CE17C6-0996-B2A0-246D-C0945AC688BB}"/>
-              </a:ext>
-            </a:extLst>
-          </p:cNvPr>
-          <p:cNvSpPr txBox="1"/>
-          <p:nvPr/>
-        </p:nvSpPr>
-        <p:spPr>
-          <a:xfrm>
-            <a:off x="6797040" y="4934856"/>
+            <a:off x="2430377" y="4684065"/>
             <a:ext cx="1558726" cy="276999"/>
           </a:xfrm>
           <a:prstGeom prst="rect">
@@ -7586,55 +7683,12 @@
           </a:p>
         </p:txBody>
       </p:sp>
-      <p:cxnSp>
-        <p:nvCxnSpPr>
-          <p:cNvPr id="86" name="직선 연결선 85">
-            <a:extLst>
-              <a:ext uri="{FF2B5EF4-FFF2-40B4-BE49-F238E27FC236}">
-                <a16:creationId xmlns:a16="http://schemas.microsoft.com/office/drawing/2014/main" id="{485E8963-0F7B-805F-487C-6EFA897623FB}"/>
-              </a:ext>
-            </a:extLst>
-          </p:cNvPr>
-          <p:cNvCxnSpPr>
-            <a:cxnSpLocks/>
-          </p:cNvCxnSpPr>
-          <p:nvPr/>
-        </p:nvCxnSpPr>
-        <p:spPr>
-          <a:xfrm>
-            <a:off x="8325337" y="5145586"/>
-            <a:ext cx="4031753" cy="0"/>
-          </a:xfrm>
-          <a:prstGeom prst="line">
-            <a:avLst/>
-          </a:prstGeom>
-          <a:ln w="28575">
-            <a:solidFill>
-              <a:schemeClr val="tx1"/>
-            </a:solidFill>
-          </a:ln>
-        </p:spPr>
-        <p:style>
-          <a:lnRef idx="1">
-            <a:schemeClr val="accent1"/>
-          </a:lnRef>
-          <a:fillRef idx="0">
-            <a:schemeClr val="accent1"/>
-          </a:fillRef>
-          <a:effectRef idx="0">
-            <a:schemeClr val="accent1"/>
-          </a:effectRef>
-          <a:fontRef idx="minor">
-            <a:schemeClr val="tx1"/>
-          </a:fontRef>
-        </p:style>
-      </p:cxnSp>
-      <p:sp>
-        <p:nvSpPr>
-          <p:cNvPr id="87" name="TextBox 86">
-            <a:extLst>
-              <a:ext uri="{FF2B5EF4-FFF2-40B4-BE49-F238E27FC236}">
-                <a16:creationId xmlns:a16="http://schemas.microsoft.com/office/drawing/2014/main" id="{F0444B70-C90C-3CFC-3C58-A2DDFE5587A4}"/>
+      <p:sp>
+        <p:nvSpPr>
+          <p:cNvPr id="88" name="TextBox 87">
+            <a:extLst>
+              <a:ext uri="{FF2B5EF4-FFF2-40B4-BE49-F238E27FC236}">
+                <a16:creationId xmlns:a16="http://schemas.microsoft.com/office/drawing/2014/main" id="{667682E8-9654-6FDB-E329-3CE34E3B72D4}"/>
               </a:ext>
             </a:extLst>
           </p:cNvPr>
@@ -7643,8 +7697,8 @@
         </p:nvSpPr>
         <p:spPr>
           <a:xfrm>
-            <a:off x="9491297" y="4862820"/>
-            <a:ext cx="1495904" cy="276999"/>
+            <a:off x="7527471" y="4631242"/>
+            <a:ext cx="1012242" cy="276999"/>
           </a:xfrm>
           <a:prstGeom prst="rect">
             <a:avLst/>
@@ -7658,12 +7712,8 @@
           <a:lstStyle/>
           <a:p>
             <a:r>
-              <a:rPr lang="en-US" altLang="ko-KR" sz="1200" b="1">
-                <a:solidFill>
-                  <a:schemeClr val="tx1"/>
-                </a:solidFill>
-              </a:rPr>
-              <a:t>cnt_pos_row[9:0]</a:t>
+              <a:rPr lang="en-US" altLang="ko-KR" sz="1200" b="1"/>
+              <a:t>Pixel_o[7:0]</a:t>
             </a:r>
             <a:endParaRPr lang="ko-KR" altLang="en-US" sz="1200" b="1">
               <a:solidFill>
@@ -7675,10 +7725,10 @@
       </p:sp>
       <p:sp>
         <p:nvSpPr>
-          <p:cNvPr id="88" name="TextBox 87">
-            <a:extLst>
-              <a:ext uri="{FF2B5EF4-FFF2-40B4-BE49-F238E27FC236}">
-                <a16:creationId xmlns:a16="http://schemas.microsoft.com/office/drawing/2014/main" id="{667682E8-9654-6FDB-E329-3CE34E3B72D4}"/>
+          <p:cNvPr id="90" name="TextBox 89">
+            <a:extLst>
+              <a:ext uri="{FF2B5EF4-FFF2-40B4-BE49-F238E27FC236}">
+                <a16:creationId xmlns:a16="http://schemas.microsoft.com/office/drawing/2014/main" id="{E69CFE24-651C-3399-A3E9-F0B00FB89BBF}"/>
               </a:ext>
             </a:extLst>
           </p:cNvPr>
@@ -7687,7 +7737,7 @@
         </p:nvSpPr>
         <p:spPr>
           <a:xfrm>
-            <a:off x="10753169" y="3363992"/>
+            <a:off x="7527471" y="4919857"/>
             <a:ext cx="1012242" cy="276999"/>
           </a:xfrm>
           <a:prstGeom prst="rect">
@@ -7701,9 +7751,10 @@
           </a:bodyPr>
           <a:lstStyle/>
           <a:p>
+            <a:pPr algn="r"/>
             <a:r>
               <a:rPr lang="en-US" altLang="ko-KR" sz="1200" b="1"/>
-              <a:t>Pixel_o[7:0]</a:t>
+              <a:t>Pixel_en_o</a:t>
             </a:r>
             <a:endParaRPr lang="ko-KR" altLang="en-US" sz="1200" b="1">
               <a:solidFill>
@@ -7713,47 +7764,6 @@
           </a:p>
         </p:txBody>
       </p:sp>
-      <p:sp>
-        <p:nvSpPr>
-          <p:cNvPr id="90" name="TextBox 89">
-            <a:extLst>
-              <a:ext uri="{FF2B5EF4-FFF2-40B4-BE49-F238E27FC236}">
-                <a16:creationId xmlns:a16="http://schemas.microsoft.com/office/drawing/2014/main" id="{E69CFE24-651C-3399-A3E9-F0B00FB89BBF}"/>
-              </a:ext>
-            </a:extLst>
-          </p:cNvPr>
-          <p:cNvSpPr txBox="1"/>
-          <p:nvPr/>
-        </p:nvSpPr>
-        <p:spPr>
-          <a:xfrm>
-            <a:off x="10732940" y="3603604"/>
-            <a:ext cx="1012242" cy="276999"/>
-          </a:xfrm>
-          <a:prstGeom prst="rect">
-            <a:avLst/>
-          </a:prstGeom>
-          <a:noFill/>
-        </p:spPr>
-        <p:txBody>
-          <a:bodyPr wrap="square">
-            <a:spAutoFit/>
-          </a:bodyPr>
-          <a:lstStyle/>
-          <a:p>
-            <a:pPr algn="r"/>
-            <a:r>
-              <a:rPr lang="en-US" altLang="ko-KR" sz="1200" b="1"/>
-              <a:t>Pixel_en_o</a:t>
-            </a:r>
-            <a:endParaRPr lang="ko-KR" altLang="en-US" sz="1200" b="1">
-              <a:solidFill>
-                <a:schemeClr val="tx1"/>
-              </a:solidFill>
-            </a:endParaRPr>
-          </a:p>
-        </p:txBody>
-      </p:sp>
       <p:cxnSp>
         <p:nvCxnSpPr>
           <p:cNvPr id="91" name="직선 연결선 90">
@@ -7770,8 +7780,8 @@
         </p:nvCxnSpPr>
         <p:spPr>
           <a:xfrm>
-            <a:off x="11745182" y="3525192"/>
-            <a:ext cx="1223817" cy="0"/>
+            <a:off x="8564963" y="4827337"/>
+            <a:ext cx="589438" cy="0"/>
           </a:xfrm>
           <a:prstGeom prst="line">
             <a:avLst/>
@@ -7813,8 +7823,8 @@
         </p:nvCxnSpPr>
         <p:spPr>
           <a:xfrm>
-            <a:off x="11745182" y="3771884"/>
-            <a:ext cx="1223817" cy="0"/>
+            <a:off x="8544058" y="5115952"/>
+            <a:ext cx="610343" cy="0"/>
           </a:xfrm>
           <a:prstGeom prst="line">
             <a:avLst/>
@@ -7840,222 +7850,6 @@
           </a:fontRef>
         </p:style>
       </p:cxnSp>
-      <p:sp>
-        <p:nvSpPr>
-          <p:cNvPr id="97" name="직사각형 96">
-            <a:extLst>
-              <a:ext uri="{FF2B5EF4-FFF2-40B4-BE49-F238E27FC236}">
-                <a16:creationId xmlns:a16="http://schemas.microsoft.com/office/drawing/2014/main" id="{F50B75C2-3849-6172-8689-3C6699CEBE3B}"/>
-              </a:ext>
-            </a:extLst>
-          </p:cNvPr>
-          <p:cNvSpPr/>
-          <p:nvPr/>
-        </p:nvSpPr>
-        <p:spPr>
-          <a:xfrm>
-            <a:off x="10987201" y="5073793"/>
-            <a:ext cx="224652" cy="224220"/>
-          </a:xfrm>
-          <a:prstGeom prst="rect">
-            <a:avLst/>
-          </a:prstGeom>
-          <a:solidFill>
-            <a:schemeClr val="bg1"/>
-          </a:solidFill>
-          <a:ln>
-            <a:solidFill>
-              <a:schemeClr val="tx1"/>
-            </a:solidFill>
-          </a:ln>
-        </p:spPr>
-        <p:style>
-          <a:lnRef idx="2">
-            <a:schemeClr val="accent1">
-              <a:shade val="50000"/>
-            </a:schemeClr>
-          </a:lnRef>
-          <a:fillRef idx="1">
-            <a:schemeClr val="accent1"/>
-          </a:fillRef>
-          <a:effectRef idx="0">
-            <a:schemeClr val="accent1"/>
-          </a:effectRef>
-          <a:fontRef idx="minor">
-            <a:schemeClr val="lt1"/>
-          </a:fontRef>
-        </p:style>
-        <p:txBody>
-          <a:bodyPr rtlCol="0" anchor="ctr"/>
-          <a:lstStyle/>
-          <a:p>
-            <a:pPr algn="ctr"/>
-            <a:endParaRPr lang="ko-KR" altLang="en-US"/>
-          </a:p>
-        </p:txBody>
-      </p:sp>
-      <p:sp>
-        <p:nvSpPr>
-          <p:cNvPr id="99" name="이등변 삼각형 98">
-            <a:extLst>
-              <a:ext uri="{FF2B5EF4-FFF2-40B4-BE49-F238E27FC236}">
-                <a16:creationId xmlns:a16="http://schemas.microsoft.com/office/drawing/2014/main" id="{547510EF-A1FE-F26B-13D6-EAD06DC42A84}"/>
-              </a:ext>
-            </a:extLst>
-          </p:cNvPr>
-          <p:cNvSpPr/>
-          <p:nvPr/>
-        </p:nvSpPr>
-        <p:spPr>
-          <a:xfrm rot="5400000">
-            <a:off x="10987851" y="5207475"/>
-            <a:ext cx="45719" cy="45719"/>
-          </a:xfrm>
-          <a:prstGeom prst="triangle">
-            <a:avLst/>
-          </a:prstGeom>
-          <a:solidFill>
-            <a:schemeClr val="bg1"/>
-          </a:solidFill>
-          <a:ln>
-            <a:solidFill>
-              <a:schemeClr val="tx1"/>
-            </a:solidFill>
-          </a:ln>
-        </p:spPr>
-        <p:style>
-          <a:lnRef idx="2">
-            <a:schemeClr val="accent1">
-              <a:shade val="50000"/>
-            </a:schemeClr>
-          </a:lnRef>
-          <a:fillRef idx="1">
-            <a:schemeClr val="accent1"/>
-          </a:fillRef>
-          <a:effectRef idx="0">
-            <a:schemeClr val="accent1"/>
-          </a:effectRef>
-          <a:fontRef idx="minor">
-            <a:schemeClr val="lt1"/>
-          </a:fontRef>
-        </p:style>
-        <p:txBody>
-          <a:bodyPr rtlCol="0" anchor="ctr"/>
-          <a:lstStyle/>
-          <a:p>
-            <a:pPr algn="ctr"/>
-            <a:endParaRPr lang="ko-KR" altLang="en-US"/>
-          </a:p>
-        </p:txBody>
-      </p:sp>
-      <p:sp>
-        <p:nvSpPr>
-          <p:cNvPr id="100" name="직사각형 99">
-            <a:extLst>
-              <a:ext uri="{FF2B5EF4-FFF2-40B4-BE49-F238E27FC236}">
-                <a16:creationId xmlns:a16="http://schemas.microsoft.com/office/drawing/2014/main" id="{EF41F310-4F61-1408-98E8-CB6042A09895}"/>
-              </a:ext>
-            </a:extLst>
-          </p:cNvPr>
-          <p:cNvSpPr/>
-          <p:nvPr/>
-        </p:nvSpPr>
-        <p:spPr>
-          <a:xfrm>
-            <a:off x="10988129" y="5429390"/>
-            <a:ext cx="224652" cy="224220"/>
-          </a:xfrm>
-          <a:prstGeom prst="rect">
-            <a:avLst/>
-          </a:prstGeom>
-          <a:solidFill>
-            <a:schemeClr val="bg1"/>
-          </a:solidFill>
-          <a:ln>
-            <a:solidFill>
-              <a:schemeClr val="tx1"/>
-            </a:solidFill>
-          </a:ln>
-        </p:spPr>
-        <p:style>
-          <a:lnRef idx="2">
-            <a:schemeClr val="accent1">
-              <a:shade val="50000"/>
-            </a:schemeClr>
-          </a:lnRef>
-          <a:fillRef idx="1">
-            <a:schemeClr val="accent1"/>
-          </a:fillRef>
-          <a:effectRef idx="0">
-            <a:schemeClr val="accent1"/>
-          </a:effectRef>
-          <a:fontRef idx="minor">
-            <a:schemeClr val="lt1"/>
-          </a:fontRef>
-        </p:style>
-        <p:txBody>
-          <a:bodyPr rtlCol="0" anchor="ctr"/>
-          <a:lstStyle/>
-          <a:p>
-            <a:pPr algn="ctr"/>
-            <a:endParaRPr lang="ko-KR" altLang="en-US"/>
-          </a:p>
-        </p:txBody>
-      </p:sp>
-      <p:sp>
-        <p:nvSpPr>
-          <p:cNvPr id="101" name="이등변 삼각형 100">
-            <a:extLst>
-              <a:ext uri="{FF2B5EF4-FFF2-40B4-BE49-F238E27FC236}">
-                <a16:creationId xmlns:a16="http://schemas.microsoft.com/office/drawing/2014/main" id="{E5E6E961-5BA8-62E3-C8C5-A642886E6BD2}"/>
-              </a:ext>
-            </a:extLst>
-          </p:cNvPr>
-          <p:cNvSpPr/>
-          <p:nvPr/>
-        </p:nvSpPr>
-        <p:spPr>
-          <a:xfrm rot="5400000">
-            <a:off x="10988779" y="5563072"/>
-            <a:ext cx="45719" cy="45719"/>
-          </a:xfrm>
-          <a:prstGeom prst="triangle">
-            <a:avLst/>
-          </a:prstGeom>
-          <a:solidFill>
-            <a:schemeClr val="bg1"/>
-          </a:solidFill>
-          <a:ln>
-            <a:solidFill>
-              <a:schemeClr val="tx1"/>
-            </a:solidFill>
-          </a:ln>
-        </p:spPr>
-        <p:style>
-          <a:lnRef idx="2">
-            <a:schemeClr val="accent1">
-              <a:shade val="50000"/>
-            </a:schemeClr>
-          </a:lnRef>
-          <a:fillRef idx="1">
-            <a:schemeClr val="accent1"/>
-          </a:fillRef>
-          <a:effectRef idx="0">
-            <a:schemeClr val="accent1"/>
-          </a:effectRef>
-          <a:fontRef idx="minor">
-            <a:schemeClr val="lt1"/>
-          </a:fontRef>
-        </p:style>
-        <p:txBody>
-          <a:bodyPr rtlCol="0" anchor="ctr"/>
-          <a:lstStyle/>
-          <a:p>
-            <a:pPr algn="ctr"/>
-            <a:endParaRPr lang="ko-KR" altLang="en-US"/>
-          </a:p>
-        </p:txBody>
-      </p:sp>
       <p:cxnSp>
         <p:nvCxnSpPr>
           <p:cNvPr id="102" name="직선 화살표 연결선 101">
@@ -8072,7 +7866,7 @@
         </p:nvCxnSpPr>
         <p:spPr>
           <a:xfrm>
-            <a:off x="227257" y="1327997"/>
+            <a:off x="273401" y="6140754"/>
             <a:ext cx="683489" cy="0"/>
           </a:xfrm>
           <a:prstGeom prst="straightConnector1">
@@ -8116,95 +7910,7 @@
         </p:nvCxnSpPr>
         <p:spPr>
           <a:xfrm>
-            <a:off x="1169352" y="4199719"/>
-            <a:ext cx="457080" cy="0"/>
-          </a:xfrm>
-          <a:prstGeom prst="straightConnector1">
-            <a:avLst/>
-          </a:prstGeom>
-          <a:ln w="57150">
-            <a:solidFill>
-              <a:srgbClr val="FF0000"/>
-            </a:solidFill>
-            <a:tailEnd type="triangle"/>
-          </a:ln>
-        </p:spPr>
-        <p:style>
-          <a:lnRef idx="1">
-            <a:schemeClr val="accent1"/>
-          </a:lnRef>
-          <a:fillRef idx="0">
-            <a:schemeClr val="accent1"/>
-          </a:fillRef>
-          <a:effectRef idx="0">
-            <a:schemeClr val="accent1"/>
-          </a:effectRef>
-          <a:fontRef idx="minor">
-            <a:schemeClr val="tx1"/>
-          </a:fontRef>
-        </p:style>
-      </p:cxnSp>
-      <p:cxnSp>
-        <p:nvCxnSpPr>
-          <p:cNvPr id="105" name="직선 화살표 연결선 104">
-            <a:extLst>
-              <a:ext uri="{FF2B5EF4-FFF2-40B4-BE49-F238E27FC236}">
-                <a16:creationId xmlns:a16="http://schemas.microsoft.com/office/drawing/2014/main" id="{7BE64507-2554-01F1-C0E6-057D28B9F3D4}"/>
-              </a:ext>
-            </a:extLst>
-          </p:cNvPr>
-          <p:cNvCxnSpPr>
-            <a:cxnSpLocks/>
-          </p:cNvCxnSpPr>
-          <p:nvPr/>
-        </p:nvCxnSpPr>
-        <p:spPr>
-          <a:xfrm>
-            <a:off x="4261394" y="4405188"/>
-            <a:ext cx="457080" cy="0"/>
-          </a:xfrm>
-          <a:prstGeom prst="straightConnector1">
-            <a:avLst/>
-          </a:prstGeom>
-          <a:ln w="57150">
-            <a:solidFill>
-              <a:srgbClr val="FF0000"/>
-            </a:solidFill>
-            <a:tailEnd type="triangle"/>
-          </a:ln>
-        </p:spPr>
-        <p:style>
-          <a:lnRef idx="1">
-            <a:schemeClr val="accent1"/>
-          </a:lnRef>
-          <a:fillRef idx="0">
-            <a:schemeClr val="accent1"/>
-          </a:fillRef>
-          <a:effectRef idx="0">
-            <a:schemeClr val="accent1"/>
-          </a:effectRef>
-          <a:fontRef idx="minor">
-            <a:schemeClr val="tx1"/>
-          </a:fontRef>
-        </p:style>
-      </p:cxnSp>
-      <p:cxnSp>
-        <p:nvCxnSpPr>
-          <p:cNvPr id="106" name="직선 화살표 연결선 105">
-            <a:extLst>
-              <a:ext uri="{FF2B5EF4-FFF2-40B4-BE49-F238E27FC236}">
-                <a16:creationId xmlns:a16="http://schemas.microsoft.com/office/drawing/2014/main" id="{CFBFE788-4808-8EF2-1156-4E67C0D4FEFE}"/>
-              </a:ext>
-            </a:extLst>
-          </p:cNvPr>
-          <p:cNvCxnSpPr>
-            <a:cxnSpLocks/>
-          </p:cNvCxnSpPr>
-          <p:nvPr/>
-        </p:nvCxnSpPr>
-        <p:spPr>
-          <a:xfrm>
-            <a:off x="8649082" y="4287424"/>
+            <a:off x="1252480" y="4432240"/>
             <a:ext cx="457080" cy="0"/>
           </a:xfrm>
           <a:prstGeom prst="straightConnector1">
@@ -8248,7 +7954,7 @@
         </p:nvCxnSpPr>
         <p:spPr>
           <a:xfrm>
-            <a:off x="11786529" y="3525192"/>
+            <a:off x="8631142" y="4725705"/>
             <a:ext cx="457080" cy="0"/>
           </a:xfrm>
           <a:prstGeom prst="straightConnector1">
@@ -8292,8 +7998,8 @@
         </p:nvCxnSpPr>
         <p:spPr>
           <a:xfrm>
-            <a:off x="1169352" y="639333"/>
-            <a:ext cx="489526" cy="0"/>
+            <a:off x="1419434" y="1527436"/>
+            <a:ext cx="0" cy="652489"/>
           </a:xfrm>
           <a:prstGeom prst="straightConnector1">
             <a:avLst/>
@@ -8336,7 +8042,7 @@
         </p:nvCxnSpPr>
         <p:spPr>
           <a:xfrm>
-            <a:off x="1478649" y="643611"/>
+            <a:off x="1561777" y="2278447"/>
             <a:ext cx="292725" cy="0"/>
           </a:xfrm>
           <a:prstGeom prst="line">
@@ -8377,7 +8083,7 @@
         </p:nvSpPr>
         <p:spPr>
           <a:xfrm>
-            <a:off x="1736327" y="500834"/>
+            <a:off x="1819455" y="2135670"/>
             <a:ext cx="727835" cy="276999"/>
           </a:xfrm>
           <a:prstGeom prst="rect">
@@ -8423,8 +8129,8 @@
         </p:nvCxnSpPr>
         <p:spPr>
           <a:xfrm>
-            <a:off x="2540826" y="2027739"/>
-            <a:ext cx="0" cy="600490"/>
+            <a:off x="2362621" y="2841332"/>
+            <a:ext cx="0" cy="382951"/>
           </a:xfrm>
           <a:prstGeom prst="straightConnector1">
             <a:avLst/>
@@ -8465,7 +8171,7 @@
         </p:nvSpPr>
         <p:spPr>
           <a:xfrm>
-            <a:off x="1258530" y="174281"/>
+            <a:off x="1097688" y="1589521"/>
             <a:ext cx="406400" cy="369332"/>
           </a:xfrm>
           <a:prstGeom prst="rect">
@@ -8509,7 +8215,7 @@
         </p:nvSpPr>
         <p:spPr>
           <a:xfrm>
-            <a:off x="2569942" y="2143109"/>
+            <a:off x="2419507" y="2841332"/>
             <a:ext cx="406400" cy="369332"/>
           </a:xfrm>
           <a:prstGeom prst="rect">
@@ -8554,9 +8260,9 @@
           <p:nvPr/>
         </p:nvCxnSpPr>
         <p:spPr>
-          <a:xfrm>
-            <a:off x="4012536" y="3915046"/>
-            <a:ext cx="369346" cy="0"/>
+          <a:xfrm flipH="1" flipV="1">
+            <a:off x="3497882" y="2806772"/>
+            <a:ext cx="8504" cy="414945"/>
           </a:xfrm>
           <a:prstGeom prst="straightConnector1">
             <a:avLst/>
@@ -8597,7 +8303,7 @@
         </p:nvSpPr>
         <p:spPr>
           <a:xfrm>
-            <a:off x="4016915" y="3470775"/>
+            <a:off x="3609551" y="2883555"/>
             <a:ext cx="406400" cy="369332"/>
           </a:xfrm>
           <a:prstGeom prst="rect">
@@ -8642,9 +8348,9 @@
           <p:nvPr/>
         </p:nvCxnSpPr>
         <p:spPr>
-          <a:xfrm>
-            <a:off x="8396887" y="3344464"/>
-            <a:ext cx="369346" cy="0"/>
+          <a:xfrm flipV="1">
+            <a:off x="6064139" y="2806772"/>
+            <a:ext cx="0" cy="409189"/>
           </a:xfrm>
           <a:prstGeom prst="straightConnector1">
             <a:avLst/>
@@ -8687,8 +8393,8 @@
         </p:nvCxnSpPr>
         <p:spPr>
           <a:xfrm flipV="1">
-            <a:off x="6729752" y="1708726"/>
-            <a:ext cx="0" cy="1354801"/>
+            <a:off x="4805586" y="2744231"/>
+            <a:ext cx="0" cy="557537"/>
           </a:xfrm>
           <a:prstGeom prst="line">
             <a:avLst/>
@@ -8728,7 +8434,7 @@
         </p:nvSpPr>
         <p:spPr>
           <a:xfrm>
-            <a:off x="6117805" y="3094574"/>
+            <a:off x="4390218" y="3264353"/>
             <a:ext cx="1132931" cy="276999"/>
           </a:xfrm>
           <a:prstGeom prst="rect">
@@ -8790,8 +8496,8 @@
         </p:nvCxnSpPr>
         <p:spPr>
           <a:xfrm>
-            <a:off x="6545079" y="2027739"/>
-            <a:ext cx="0" cy="863243"/>
+            <a:off x="4956683" y="2806772"/>
+            <a:ext cx="0" cy="457581"/>
           </a:xfrm>
           <a:prstGeom prst="straightConnector1">
             <a:avLst/>
@@ -8832,7 +8538,7 @@
         </p:nvSpPr>
         <p:spPr>
           <a:xfrm>
-            <a:off x="6154807" y="2032348"/>
+            <a:off x="5001980" y="2847977"/>
             <a:ext cx="406400" cy="369332"/>
           </a:xfrm>
           <a:prstGeom prst="rect">
@@ -8876,7 +8582,7 @@
         </p:nvSpPr>
         <p:spPr>
           <a:xfrm>
-            <a:off x="8359833" y="2975132"/>
+            <a:off x="6122293" y="2847482"/>
             <a:ext cx="406400" cy="369332"/>
           </a:xfrm>
           <a:prstGeom prst="rect">
@@ -8906,12 +8612,44 @@
           </a:p>
         </p:txBody>
       </p:sp>
+      <p:sp>
+        <p:nvSpPr>
+          <p:cNvPr id="7" name="TextBox 6">
+            <a:extLst>
+              <a:ext uri="{FF2B5EF4-FFF2-40B4-BE49-F238E27FC236}">
+                <a16:creationId xmlns:a16="http://schemas.microsoft.com/office/drawing/2014/main" id="{C53415F0-376E-4C24-946A-71C5A03A3EFC}"/>
+              </a:ext>
+            </a:extLst>
+          </p:cNvPr>
+          <p:cNvSpPr txBox="1"/>
+          <p:nvPr/>
+        </p:nvSpPr>
+        <p:spPr>
+          <a:xfrm>
+            <a:off x="331365" y="6167888"/>
+            <a:ext cx="523927" cy="433800"/>
+          </a:xfrm>
+          <a:prstGeom prst="rect">
+            <a:avLst/>
+          </a:prstGeom>
+          <a:noFill/>
+        </p:spPr>
+        <p:txBody>
+          <a:bodyPr wrap="square" rtlCol="0">
+            <a:spAutoFit/>
+          </a:bodyPr>
+          <a:lstStyle/>
+          <a:p>
+            <a:endParaRPr lang="ko-KR" altLang="en-US"/>
+          </a:p>
+        </p:txBody>
+      </p:sp>
       <p:pic>
         <p:nvPicPr>
-          <p:cNvPr id="142" name="그림 141">
-            <a:extLst>
-              <a:ext uri="{FF2B5EF4-FFF2-40B4-BE49-F238E27FC236}">
-                <a16:creationId xmlns:a16="http://schemas.microsoft.com/office/drawing/2014/main" id="{CF243114-7EE3-8241-ED1B-6A6727500973}"/>
+          <p:cNvPr id="14" name="그림 13">
+            <a:extLst>
+              <a:ext uri="{FF2B5EF4-FFF2-40B4-BE49-F238E27FC236}">
+                <a16:creationId xmlns:a16="http://schemas.microsoft.com/office/drawing/2014/main" id="{5FB7A650-CEEE-E2E6-158A-54AF5795FBD8}"/>
               </a:ext>
             </a:extLst>
           </p:cNvPr>
@@ -8928,8 +8666,8 @@
         </p:blipFill>
         <p:spPr>
           <a:xfrm>
-            <a:off x="3013356" y="402009"/>
-            <a:ext cx="1368526" cy="1153665"/>
+            <a:off x="3625825" y="2042981"/>
+            <a:ext cx="780252" cy="670514"/>
           </a:xfrm>
           <a:prstGeom prst="rect">
             <a:avLst/>
@@ -8938,10 +8676,10 @@
       </p:pic>
       <p:sp>
         <p:nvSpPr>
-          <p:cNvPr id="7" name="TextBox 6">
-            <a:extLst>
-              <a:ext uri="{FF2B5EF4-FFF2-40B4-BE49-F238E27FC236}">
-                <a16:creationId xmlns:a16="http://schemas.microsoft.com/office/drawing/2014/main" id="{C53415F0-376E-4C24-946A-71C5A03A3EFC}"/>
+          <p:cNvPr id="16" name="TextBox 15">
+            <a:extLst>
+              <a:ext uri="{FF2B5EF4-FFF2-40B4-BE49-F238E27FC236}">
+                <a16:creationId xmlns:a16="http://schemas.microsoft.com/office/drawing/2014/main" id="{993EF958-94C1-5B9E-9B9B-382B97F383CC}"/>
               </a:ext>
             </a:extLst>
           </p:cNvPr>
@@ -8950,8 +8688,8 @@
         </p:nvSpPr>
         <p:spPr>
           <a:xfrm>
-            <a:off x="285221" y="1419599"/>
-            <a:ext cx="598935" cy="369332"/>
+            <a:off x="121848" y="5819166"/>
+            <a:ext cx="1539980" cy="261610"/>
           </a:xfrm>
           <a:prstGeom prst="rect">
             <a:avLst/>
@@ -8964,7 +8702,1891 @@
           </a:bodyPr>
           <a:lstStyle/>
           <a:p>
-            <a:endParaRPr lang="ko-KR" altLang="en-US"/>
+            <a:r>
+              <a:rPr lang="en-US" altLang="ko-KR" sz="1100" b="1">
+                <a:solidFill>
+                  <a:srgbClr val="FF0000"/>
+                </a:solidFill>
+              </a:rPr>
+              <a:t>DATA FLOW</a:t>
+            </a:r>
+            <a:endParaRPr lang="ko-KR" altLang="en-US" sz="1100" b="1">
+              <a:solidFill>
+                <a:srgbClr val="FF0000"/>
+              </a:solidFill>
+            </a:endParaRPr>
+          </a:p>
+        </p:txBody>
+      </p:sp>
+      <p:sp>
+        <p:nvSpPr>
+          <p:cNvPr id="17" name="TextBox 16">
+            <a:extLst>
+              <a:ext uri="{FF2B5EF4-FFF2-40B4-BE49-F238E27FC236}">
+                <a16:creationId xmlns:a16="http://schemas.microsoft.com/office/drawing/2014/main" id="{64ED13AF-C923-3E62-3F75-A0DFACAC5829}"/>
+              </a:ext>
+            </a:extLst>
+          </p:cNvPr>
+          <p:cNvSpPr txBox="1"/>
+          <p:nvPr/>
+        </p:nvSpPr>
+        <p:spPr>
+          <a:xfrm>
+            <a:off x="162057" y="6222446"/>
+            <a:ext cx="1539980" cy="261610"/>
+          </a:xfrm>
+          <a:prstGeom prst="rect">
+            <a:avLst/>
+          </a:prstGeom>
+          <a:noFill/>
+        </p:spPr>
+        <p:txBody>
+          <a:bodyPr wrap="square" rtlCol="0">
+            <a:spAutoFit/>
+          </a:bodyPr>
+          <a:lstStyle/>
+          <a:p>
+            <a:r>
+              <a:rPr lang="en-US" altLang="ko-KR" sz="1100" b="1">
+                <a:solidFill>
+                  <a:srgbClr val="00B0F0"/>
+                </a:solidFill>
+              </a:rPr>
+              <a:t>Control FLOW</a:t>
+            </a:r>
+            <a:endParaRPr lang="ko-KR" altLang="en-US" sz="1100" b="1">
+              <a:solidFill>
+                <a:srgbClr val="00B0F0"/>
+              </a:solidFill>
+            </a:endParaRPr>
+          </a:p>
+        </p:txBody>
+      </p:sp>
+      <p:cxnSp>
+        <p:nvCxnSpPr>
+          <p:cNvPr id="60" name="직선 연결선 59">
+            <a:extLst>
+              <a:ext uri="{FF2B5EF4-FFF2-40B4-BE49-F238E27FC236}">
+                <a16:creationId xmlns:a16="http://schemas.microsoft.com/office/drawing/2014/main" id="{27E8D313-428C-577F-EE13-4619878EEFD4}"/>
+              </a:ext>
+            </a:extLst>
+          </p:cNvPr>
+          <p:cNvCxnSpPr>
+            <a:cxnSpLocks/>
+          </p:cNvCxnSpPr>
+          <p:nvPr/>
+        </p:nvCxnSpPr>
+        <p:spPr>
+          <a:xfrm flipV="1">
+            <a:off x="5877610" y="2753871"/>
+            <a:ext cx="0" cy="557537"/>
+          </a:xfrm>
+          <a:prstGeom prst="line">
+            <a:avLst/>
+          </a:prstGeom>
+          <a:ln w="28575">
+            <a:solidFill>
+              <a:schemeClr val="tx1"/>
+            </a:solidFill>
+          </a:ln>
+        </p:spPr>
+        <p:style>
+          <a:lnRef idx="1">
+            <a:schemeClr val="accent1"/>
+          </a:lnRef>
+          <a:fillRef idx="0">
+            <a:schemeClr val="accent1"/>
+          </a:fillRef>
+          <a:effectRef idx="0">
+            <a:schemeClr val="accent1"/>
+          </a:effectRef>
+          <a:fontRef idx="minor">
+            <a:schemeClr val="tx1"/>
+          </a:fontRef>
+        </p:style>
+      </p:cxnSp>
+      <p:cxnSp>
+        <p:nvCxnSpPr>
+          <p:cNvPr id="69" name="직선 화살표 연결선 68">
+            <a:extLst>
+              <a:ext uri="{FF2B5EF4-FFF2-40B4-BE49-F238E27FC236}">
+                <a16:creationId xmlns:a16="http://schemas.microsoft.com/office/drawing/2014/main" id="{E0B0225F-46E7-3EDF-8DCA-161B1024E015}"/>
+              </a:ext>
+            </a:extLst>
+          </p:cNvPr>
+          <p:cNvCxnSpPr>
+            <a:cxnSpLocks/>
+          </p:cNvCxnSpPr>
+          <p:nvPr/>
+        </p:nvCxnSpPr>
+        <p:spPr>
+          <a:xfrm>
+            <a:off x="4015951" y="3772948"/>
+            <a:ext cx="210352" cy="0"/>
+          </a:xfrm>
+          <a:prstGeom prst="straightConnector1">
+            <a:avLst/>
+          </a:prstGeom>
+          <a:ln w="28575">
+            <a:solidFill>
+              <a:srgbClr val="FF0000"/>
+            </a:solidFill>
+            <a:tailEnd type="triangle"/>
+          </a:ln>
+        </p:spPr>
+        <p:style>
+          <a:lnRef idx="1">
+            <a:schemeClr val="accent1"/>
+          </a:lnRef>
+          <a:fillRef idx="0">
+            <a:schemeClr val="accent1"/>
+          </a:fillRef>
+          <a:effectRef idx="0">
+            <a:schemeClr val="accent1"/>
+          </a:effectRef>
+          <a:fontRef idx="minor">
+            <a:schemeClr val="tx1"/>
+          </a:fontRef>
+        </p:style>
+      </p:cxnSp>
+      <p:cxnSp>
+        <p:nvCxnSpPr>
+          <p:cNvPr id="72" name="직선 화살표 연결선 71">
+            <a:extLst>
+              <a:ext uri="{FF2B5EF4-FFF2-40B4-BE49-F238E27FC236}">
+                <a16:creationId xmlns:a16="http://schemas.microsoft.com/office/drawing/2014/main" id="{76660F01-9DB1-95D0-979F-E15910305853}"/>
+              </a:ext>
+            </a:extLst>
+          </p:cNvPr>
+          <p:cNvCxnSpPr>
+            <a:cxnSpLocks/>
+          </p:cNvCxnSpPr>
+          <p:nvPr/>
+        </p:nvCxnSpPr>
+        <p:spPr>
+          <a:xfrm>
+            <a:off x="6639406" y="3751642"/>
+            <a:ext cx="210352" cy="0"/>
+          </a:xfrm>
+          <a:prstGeom prst="straightConnector1">
+            <a:avLst/>
+          </a:prstGeom>
+          <a:ln w="28575">
+            <a:solidFill>
+              <a:srgbClr val="FF0000"/>
+            </a:solidFill>
+            <a:tailEnd type="triangle"/>
+          </a:ln>
+        </p:spPr>
+        <p:style>
+          <a:lnRef idx="1">
+            <a:schemeClr val="accent1"/>
+          </a:lnRef>
+          <a:fillRef idx="0">
+            <a:schemeClr val="accent1"/>
+          </a:fillRef>
+          <a:effectRef idx="0">
+            <a:schemeClr val="accent1"/>
+          </a:effectRef>
+          <a:fontRef idx="minor">
+            <a:schemeClr val="tx1"/>
+          </a:fontRef>
+        </p:style>
+      </p:cxnSp>
+      <p:sp>
+        <p:nvSpPr>
+          <p:cNvPr id="89" name="직사각형 88">
+            <a:extLst>
+              <a:ext uri="{FF2B5EF4-FFF2-40B4-BE49-F238E27FC236}">
+                <a16:creationId xmlns:a16="http://schemas.microsoft.com/office/drawing/2014/main" id="{53B41294-AF68-DE2C-939B-45871DB93F13}"/>
+              </a:ext>
+            </a:extLst>
+          </p:cNvPr>
+          <p:cNvSpPr/>
+          <p:nvPr/>
+        </p:nvSpPr>
+        <p:spPr>
+          <a:xfrm>
+            <a:off x="9171163" y="4334232"/>
+            <a:ext cx="951290" cy="1148018"/>
+          </a:xfrm>
+          <a:prstGeom prst="rect">
+            <a:avLst/>
+          </a:prstGeom>
+          <a:solidFill>
+            <a:schemeClr val="bg1"/>
+          </a:solidFill>
+          <a:ln w="28575">
+            <a:solidFill>
+              <a:schemeClr val="tx1"/>
+            </a:solidFill>
+          </a:ln>
+        </p:spPr>
+        <p:style>
+          <a:lnRef idx="2">
+            <a:schemeClr val="accent1">
+              <a:shade val="50000"/>
+            </a:schemeClr>
+          </a:lnRef>
+          <a:fillRef idx="1">
+            <a:schemeClr val="accent1"/>
+          </a:fillRef>
+          <a:effectRef idx="0">
+            <a:schemeClr val="accent1"/>
+          </a:effectRef>
+          <a:fontRef idx="minor">
+            <a:schemeClr val="lt1"/>
+          </a:fontRef>
+        </p:style>
+        <p:txBody>
+          <a:bodyPr rtlCol="0" anchor="ctr"/>
+          <a:lstStyle/>
+          <a:p>
+            <a:pPr algn="ctr"/>
+            <a:endParaRPr lang="ko-KR" altLang="en-US" b="1">
+              <a:solidFill>
+                <a:schemeClr val="tx1"/>
+              </a:solidFill>
+            </a:endParaRPr>
+          </a:p>
+        </p:txBody>
+      </p:sp>
+      <p:sp>
+        <p:nvSpPr>
+          <p:cNvPr id="95" name="TextBox 94">
+            <a:extLst>
+              <a:ext uri="{FF2B5EF4-FFF2-40B4-BE49-F238E27FC236}">
+                <a16:creationId xmlns:a16="http://schemas.microsoft.com/office/drawing/2014/main" id="{D3542D67-32EA-78B4-E3A6-5D69CAAFB36F}"/>
+              </a:ext>
+            </a:extLst>
+          </p:cNvPr>
+          <p:cNvSpPr txBox="1"/>
+          <p:nvPr/>
+        </p:nvSpPr>
+        <p:spPr>
+          <a:xfrm>
+            <a:off x="9008740" y="5482250"/>
+            <a:ext cx="1320800" cy="307777"/>
+          </a:xfrm>
+          <a:prstGeom prst="rect">
+            <a:avLst/>
+          </a:prstGeom>
+          <a:noFill/>
+        </p:spPr>
+        <p:txBody>
+          <a:bodyPr wrap="square">
+            <a:spAutoFit/>
+          </a:bodyPr>
+          <a:lstStyle/>
+          <a:p>
+            <a:pPr algn="ctr"/>
+            <a:r>
+              <a:rPr lang="en-US" altLang="ko-KR" sz="1400" b="1">
+                <a:solidFill>
+                  <a:schemeClr val="tx1"/>
+                </a:solidFill>
+              </a:rPr>
+              <a:t>VGA_PORT</a:t>
+            </a:r>
+            <a:endParaRPr lang="ko-KR" altLang="en-US" sz="1400" b="1">
+              <a:solidFill>
+                <a:schemeClr val="tx1"/>
+              </a:solidFill>
+            </a:endParaRPr>
+          </a:p>
+        </p:txBody>
+      </p:sp>
+      <p:pic>
+        <p:nvPicPr>
+          <p:cNvPr id="98" name="그래픽 97" descr="모니터 단색으로 채워진">
+            <a:extLst>
+              <a:ext uri="{FF2B5EF4-FFF2-40B4-BE49-F238E27FC236}">
+                <a16:creationId xmlns:a16="http://schemas.microsoft.com/office/drawing/2014/main" id="{68289E9E-0834-499C-4AC8-99FC5693F94C}"/>
+              </a:ext>
+            </a:extLst>
+          </p:cNvPr>
+          <p:cNvPicPr>
+            <a:picLocks noChangeAspect="1"/>
+          </p:cNvPicPr>
+          <p:nvPr/>
+        </p:nvPicPr>
+        <p:blipFill>
+          <a:blip r:embed="rId3">
+            <a:extLst>
+              <a:ext uri="{28A0092B-C50C-407E-A947-70E740481C1C}">
+                <a14:useLocalDpi xmlns:a14="http://schemas.microsoft.com/office/drawing/2010/main" val="0"/>
+              </a:ext>
+              <a:ext uri="{96DAC541-7B7A-43D3-8B79-37D633B846F1}">
+                <asvg:svgBlip xmlns:asvg="http://schemas.microsoft.com/office/drawing/2016/SVG/main" r:embed="rId4"/>
+              </a:ext>
+            </a:extLst>
+          </a:blip>
+          <a:stretch>
+            <a:fillRect/>
+          </a:stretch>
+        </p:blipFill>
+        <p:spPr>
+          <a:xfrm>
+            <a:off x="10742223" y="4197212"/>
+            <a:ext cx="1537250" cy="1537250"/>
+          </a:xfrm>
+          <a:prstGeom prst="rect">
+            <a:avLst/>
+          </a:prstGeom>
+        </p:spPr>
+      </p:pic>
+      <p:cxnSp>
+        <p:nvCxnSpPr>
+          <p:cNvPr id="104" name="직선 연결선 103">
+            <a:extLst>
+              <a:ext uri="{FF2B5EF4-FFF2-40B4-BE49-F238E27FC236}">
+                <a16:creationId xmlns:a16="http://schemas.microsoft.com/office/drawing/2014/main" id="{39F3850C-0560-7A2E-62A6-83A0A3B0F471}"/>
+              </a:ext>
+            </a:extLst>
+          </p:cNvPr>
+          <p:cNvCxnSpPr>
+            <a:cxnSpLocks/>
+          </p:cNvCxnSpPr>
+          <p:nvPr/>
+        </p:nvCxnSpPr>
+        <p:spPr>
+          <a:xfrm>
+            <a:off x="10145313" y="4860771"/>
+            <a:ext cx="724460" cy="0"/>
+          </a:xfrm>
+          <a:prstGeom prst="line">
+            <a:avLst/>
+          </a:prstGeom>
+          <a:ln w="28575">
+            <a:solidFill>
+              <a:srgbClr val="FF0000"/>
+            </a:solidFill>
+          </a:ln>
+        </p:spPr>
+        <p:style>
+          <a:lnRef idx="1">
+            <a:schemeClr val="accent1"/>
+          </a:lnRef>
+          <a:fillRef idx="0">
+            <a:schemeClr val="accent1"/>
+          </a:fillRef>
+          <a:effectRef idx="0">
+            <a:schemeClr val="accent1"/>
+          </a:effectRef>
+          <a:fontRef idx="minor">
+            <a:schemeClr val="tx1"/>
+          </a:fontRef>
+        </p:style>
+      </p:cxnSp>
+      <p:cxnSp>
+        <p:nvCxnSpPr>
+          <p:cNvPr id="111" name="직선 화살표 연결선 110">
+            <a:extLst>
+              <a:ext uri="{FF2B5EF4-FFF2-40B4-BE49-F238E27FC236}">
+                <a16:creationId xmlns:a16="http://schemas.microsoft.com/office/drawing/2014/main" id="{0F2A2669-6891-36AB-6329-6ECCA6A4D2A1}"/>
+              </a:ext>
+            </a:extLst>
+          </p:cNvPr>
+          <p:cNvCxnSpPr>
+            <a:cxnSpLocks/>
+          </p:cNvCxnSpPr>
+          <p:nvPr/>
+        </p:nvCxnSpPr>
+        <p:spPr>
+          <a:xfrm>
+            <a:off x="10256143" y="4736668"/>
+            <a:ext cx="457080" cy="0"/>
+          </a:xfrm>
+          <a:prstGeom prst="straightConnector1">
+            <a:avLst/>
+          </a:prstGeom>
+          <a:ln w="57150">
+            <a:solidFill>
+              <a:srgbClr val="FF0000"/>
+            </a:solidFill>
+            <a:tailEnd type="triangle"/>
+          </a:ln>
+        </p:spPr>
+        <p:style>
+          <a:lnRef idx="1">
+            <a:schemeClr val="accent1"/>
+          </a:lnRef>
+          <a:fillRef idx="0">
+            <a:schemeClr val="accent1"/>
+          </a:fillRef>
+          <a:effectRef idx="0">
+            <a:schemeClr val="accent1"/>
+          </a:effectRef>
+          <a:fontRef idx="minor">
+            <a:schemeClr val="tx1"/>
+          </a:fontRef>
+        </p:style>
+      </p:cxnSp>
+      <p:sp>
+        <p:nvSpPr>
+          <p:cNvPr id="118" name="TextBox 117">
+            <a:extLst>
+              <a:ext uri="{FF2B5EF4-FFF2-40B4-BE49-F238E27FC236}">
+                <a16:creationId xmlns:a16="http://schemas.microsoft.com/office/drawing/2014/main" id="{D995481E-CB5E-6BE4-B308-BDA4F714CF78}"/>
+              </a:ext>
+            </a:extLst>
+          </p:cNvPr>
+          <p:cNvSpPr txBox="1"/>
+          <p:nvPr/>
+        </p:nvSpPr>
+        <p:spPr>
+          <a:xfrm>
+            <a:off x="10827244" y="4661581"/>
+            <a:ext cx="1320800" cy="461665"/>
+          </a:xfrm>
+          <a:prstGeom prst="rect">
+            <a:avLst/>
+          </a:prstGeom>
+          <a:noFill/>
+        </p:spPr>
+        <p:txBody>
+          <a:bodyPr wrap="square">
+            <a:spAutoFit/>
+          </a:bodyPr>
+          <a:lstStyle/>
+          <a:p>
+            <a:pPr algn="ctr"/>
+            <a:r>
+              <a:rPr lang="en-US" altLang="ko-KR" sz="2400" b="1">
+                <a:solidFill>
+                  <a:schemeClr val="tx1"/>
+                </a:solidFill>
+              </a:rPr>
+              <a:t>VGA</a:t>
+            </a:r>
+            <a:endParaRPr lang="ko-KR" altLang="en-US" sz="2400" b="1">
+              <a:solidFill>
+                <a:schemeClr val="tx1"/>
+              </a:solidFill>
+            </a:endParaRPr>
+          </a:p>
+        </p:txBody>
+      </p:sp>
+      <p:pic>
+        <p:nvPicPr>
+          <p:cNvPr id="1028" name="Picture 4" descr="On 및 Off 위치. 스위치 벡터 일러스트 레이 션. 로열티 무료 사진, 그림, 이미지 그리고 스톡포토그래피. Image  36790697.">
+            <a:extLst>
+              <a:ext uri="{FF2B5EF4-FFF2-40B4-BE49-F238E27FC236}">
+                <a16:creationId xmlns:a16="http://schemas.microsoft.com/office/drawing/2014/main" id="{9E6D593D-EBBA-83D3-B703-04BEFEE9FF32}"/>
+              </a:ext>
+            </a:extLst>
+          </p:cNvPr>
+          <p:cNvPicPr>
+            <a:picLocks noChangeAspect="1" noChangeArrowheads="1"/>
+          </p:cNvPicPr>
+          <p:nvPr/>
+        </p:nvPicPr>
+        <p:blipFill>
+          <a:blip r:embed="rId5">
+            <a:extLst>
+              <a:ext uri="{28A0092B-C50C-407E-A947-70E740481C1C}">
+                <a14:useLocalDpi xmlns:a14="http://schemas.microsoft.com/office/drawing/2010/main" val="0"/>
+              </a:ext>
+            </a:extLst>
+          </a:blip>
+          <a:srcRect/>
+          <a:stretch>
+            <a:fillRect/>
+          </a:stretch>
+        </p:blipFill>
+        <p:spPr bwMode="auto">
+          <a:xfrm>
+            <a:off x="195427" y="470286"/>
+            <a:ext cx="1041715" cy="1094039"/>
+          </a:xfrm>
+          <a:prstGeom prst="rect">
+            <a:avLst/>
+          </a:prstGeom>
+          <a:noFill/>
+          <a:extLst>
+            <a:ext uri="{909E8E84-426E-40DD-AFC4-6F175D3DCCD1}">
+              <a14:hiddenFill xmlns:a14="http://schemas.microsoft.com/office/drawing/2010/main">
+                <a:solidFill>
+                  <a:srgbClr val="FFFFFF"/>
+                </a:solidFill>
+              </a14:hiddenFill>
+            </a:ext>
+          </a:extLst>
+        </p:spPr>
+      </p:pic>
+      <p:sp>
+        <p:nvSpPr>
+          <p:cNvPr id="123" name="TextBox 122">
+            <a:extLst>
+              <a:ext uri="{FF2B5EF4-FFF2-40B4-BE49-F238E27FC236}">
+                <a16:creationId xmlns:a16="http://schemas.microsoft.com/office/drawing/2014/main" id="{DF30615F-8D40-18EC-5780-1023150FE087}"/>
+              </a:ext>
+            </a:extLst>
+          </p:cNvPr>
+          <p:cNvSpPr txBox="1"/>
+          <p:nvPr/>
+        </p:nvSpPr>
+        <p:spPr>
+          <a:xfrm>
+            <a:off x="36415" y="202868"/>
+            <a:ext cx="1320800" cy="369332"/>
+          </a:xfrm>
+          <a:prstGeom prst="rect">
+            <a:avLst/>
+          </a:prstGeom>
+          <a:noFill/>
+        </p:spPr>
+        <p:txBody>
+          <a:bodyPr wrap="square">
+            <a:spAutoFit/>
+          </a:bodyPr>
+          <a:lstStyle/>
+          <a:p>
+            <a:pPr algn="ctr"/>
+            <a:r>
+              <a:rPr lang="en-US" altLang="ko-KR" b="1">
+                <a:solidFill>
+                  <a:schemeClr val="tx1"/>
+                </a:solidFill>
+              </a:rPr>
+              <a:t>Switch</a:t>
+            </a:r>
+            <a:endParaRPr lang="ko-KR" altLang="en-US" b="1">
+              <a:solidFill>
+                <a:schemeClr val="tx1"/>
+              </a:solidFill>
+            </a:endParaRPr>
+          </a:p>
+        </p:txBody>
+      </p:sp>
+      <p:pic>
+        <p:nvPicPr>
+          <p:cNvPr id="128" name="그래픽 127" descr="이미지 단색으로 채워진">
+            <a:extLst>
+              <a:ext uri="{FF2B5EF4-FFF2-40B4-BE49-F238E27FC236}">
+                <a16:creationId xmlns:a16="http://schemas.microsoft.com/office/drawing/2014/main" id="{8A7D5418-AAF2-D6E8-04A7-D1F9D2E45DCC}"/>
+              </a:ext>
+            </a:extLst>
+          </p:cNvPr>
+          <p:cNvPicPr>
+            <a:picLocks noChangeAspect="1"/>
+          </p:cNvPicPr>
+          <p:nvPr/>
+        </p:nvPicPr>
+        <p:blipFill>
+          <a:blip r:embed="rId6">
+            <a:extLst>
+              <a:ext uri="{28A0092B-C50C-407E-A947-70E740481C1C}">
+                <a14:useLocalDpi xmlns:a14="http://schemas.microsoft.com/office/drawing/2010/main" val="0"/>
+              </a:ext>
+              <a:ext uri="{96DAC541-7B7A-43D3-8B79-37D633B846F1}">
+                <asvg:svgBlip xmlns:asvg="http://schemas.microsoft.com/office/drawing/2016/SVG/main" r:embed="rId7"/>
+              </a:ext>
+            </a:extLst>
+          </a:blip>
+          <a:stretch>
+            <a:fillRect/>
+          </a:stretch>
+        </p:blipFill>
+        <p:spPr>
+          <a:xfrm>
+            <a:off x="269634" y="3420562"/>
+            <a:ext cx="785025" cy="785025"/>
+          </a:xfrm>
+          <a:prstGeom prst="rect">
+            <a:avLst/>
+          </a:prstGeom>
+        </p:spPr>
+      </p:pic>
+      <p:cxnSp>
+        <p:nvCxnSpPr>
+          <p:cNvPr id="131" name="직선 연결선 130">
+            <a:extLst>
+              <a:ext uri="{FF2B5EF4-FFF2-40B4-BE49-F238E27FC236}">
+                <a16:creationId xmlns:a16="http://schemas.microsoft.com/office/drawing/2014/main" id="{DD4B5165-A89D-F8DE-6406-A5675B55CF2F}"/>
+              </a:ext>
+            </a:extLst>
+          </p:cNvPr>
+          <p:cNvCxnSpPr>
+            <a:cxnSpLocks/>
+          </p:cNvCxnSpPr>
+          <p:nvPr/>
+        </p:nvCxnSpPr>
+        <p:spPr>
+          <a:xfrm flipV="1">
+            <a:off x="1563197" y="1115060"/>
+            <a:ext cx="0" cy="1159109"/>
+          </a:xfrm>
+          <a:prstGeom prst="line">
+            <a:avLst/>
+          </a:prstGeom>
+          <a:ln w="28575">
+            <a:solidFill>
+              <a:schemeClr val="tx1"/>
+            </a:solidFill>
+          </a:ln>
+        </p:spPr>
+        <p:style>
+          <a:lnRef idx="1">
+            <a:schemeClr val="accent1"/>
+          </a:lnRef>
+          <a:fillRef idx="0">
+            <a:schemeClr val="accent1"/>
+          </a:fillRef>
+          <a:effectRef idx="0">
+            <a:schemeClr val="accent1"/>
+          </a:effectRef>
+          <a:fontRef idx="minor">
+            <a:schemeClr val="tx1"/>
+          </a:fontRef>
+        </p:style>
+      </p:cxnSp>
+      <p:cxnSp>
+        <p:nvCxnSpPr>
+          <p:cNvPr id="134" name="직선 연결선 133">
+            <a:extLst>
+              <a:ext uri="{FF2B5EF4-FFF2-40B4-BE49-F238E27FC236}">
+                <a16:creationId xmlns:a16="http://schemas.microsoft.com/office/drawing/2014/main" id="{9B10EAD7-874B-43B4-02A7-0FD469884FB2}"/>
+              </a:ext>
+            </a:extLst>
+          </p:cNvPr>
+          <p:cNvCxnSpPr>
+            <a:cxnSpLocks/>
+          </p:cNvCxnSpPr>
+          <p:nvPr/>
+        </p:nvCxnSpPr>
+        <p:spPr>
+          <a:xfrm>
+            <a:off x="1273072" y="1132907"/>
+            <a:ext cx="292725" cy="0"/>
+          </a:xfrm>
+          <a:prstGeom prst="line">
+            <a:avLst/>
+          </a:prstGeom>
+          <a:ln w="28575">
+            <a:solidFill>
+              <a:schemeClr val="tx1"/>
+            </a:solidFill>
+          </a:ln>
+        </p:spPr>
+        <p:style>
+          <a:lnRef idx="1">
+            <a:schemeClr val="accent1"/>
+          </a:lnRef>
+          <a:fillRef idx="0">
+            <a:schemeClr val="accent1"/>
+          </a:fillRef>
+          <a:effectRef idx="0">
+            <a:schemeClr val="accent1"/>
+          </a:effectRef>
+          <a:fontRef idx="minor">
+            <a:schemeClr val="tx1"/>
+          </a:fontRef>
+        </p:style>
+      </p:cxnSp>
+      <p:pic>
+        <p:nvPicPr>
+          <p:cNvPr id="140" name="그래픽 139" descr="알람 울림 윤곽선">
+            <a:extLst>
+              <a:ext uri="{FF2B5EF4-FFF2-40B4-BE49-F238E27FC236}">
+                <a16:creationId xmlns:a16="http://schemas.microsoft.com/office/drawing/2014/main" id="{3D3CC670-2D4A-9E25-B835-8339C42D7B0B}"/>
+              </a:ext>
+            </a:extLst>
+          </p:cNvPr>
+          <p:cNvPicPr>
+            <a:picLocks noChangeAspect="1"/>
+          </p:cNvPicPr>
+          <p:nvPr/>
+        </p:nvPicPr>
+        <p:blipFill>
+          <a:blip r:embed="rId8">
+            <a:extLst>
+              <a:ext uri="{28A0092B-C50C-407E-A947-70E740481C1C}">
+                <a14:useLocalDpi xmlns:a14="http://schemas.microsoft.com/office/drawing/2010/main" val="0"/>
+              </a:ext>
+              <a:ext uri="{96DAC541-7B7A-43D3-8B79-37D633B846F1}">
+                <asvg:svgBlip xmlns:asvg="http://schemas.microsoft.com/office/drawing/2016/SVG/main" r:embed="rId9"/>
+              </a:ext>
+            </a:extLst>
+          </a:blip>
+          <a:stretch>
+            <a:fillRect/>
+          </a:stretch>
+        </p:blipFill>
+        <p:spPr>
+          <a:xfrm>
+            <a:off x="6136679" y="649270"/>
+            <a:ext cx="727465" cy="727465"/>
+          </a:xfrm>
+          <a:prstGeom prst="rect">
+            <a:avLst/>
+          </a:prstGeom>
+        </p:spPr>
+      </p:pic>
+      <p:pic>
+        <p:nvPicPr>
+          <p:cNvPr id="1030" name="Picture 6" descr="전자부품/전자공구/개발보드 전문쇼핑몰 - 툴파츠">
+            <a:extLst>
+              <a:ext uri="{FF2B5EF4-FFF2-40B4-BE49-F238E27FC236}">
+                <a16:creationId xmlns:a16="http://schemas.microsoft.com/office/drawing/2014/main" id="{F3A185CF-FDAA-AEC8-79FB-FA1EA7BF6BA8}"/>
+              </a:ext>
+            </a:extLst>
+          </p:cNvPr>
+          <p:cNvPicPr>
+            <a:picLocks noChangeAspect="1" noChangeArrowheads="1"/>
+          </p:cNvPicPr>
+          <p:nvPr/>
+        </p:nvPicPr>
+        <p:blipFill rotWithShape="1">
+          <a:blip r:embed="rId10">
+            <a:extLst>
+              <a:ext uri="{28A0092B-C50C-407E-A947-70E740481C1C}">
+                <a14:useLocalDpi xmlns:a14="http://schemas.microsoft.com/office/drawing/2010/main" val="0"/>
+              </a:ext>
+            </a:extLst>
+          </a:blip>
+          <a:srcRect l="10106" t="29341" r="9894" b="31278"/>
+          <a:stretch/>
+        </p:blipFill>
+        <p:spPr bwMode="auto">
+          <a:xfrm>
+            <a:off x="10772566" y="2095546"/>
+            <a:ext cx="1330830" cy="490710"/>
+          </a:xfrm>
+          <a:prstGeom prst="rect">
+            <a:avLst/>
+          </a:prstGeom>
+          <a:noFill/>
+          <a:extLst>
+            <a:ext uri="{909E8E84-426E-40DD-AFC4-6F175D3DCCD1}">
+              <a14:hiddenFill xmlns:a14="http://schemas.microsoft.com/office/drawing/2010/main">
+                <a:solidFill>
+                  <a:srgbClr val="FFFFFF"/>
+                </a:solidFill>
+              </a14:hiddenFill>
+            </a:ext>
+          </a:extLst>
+        </p:spPr>
+      </p:pic>
+      <p:pic>
+        <p:nvPicPr>
+          <p:cNvPr id="1032" name="Picture 8" descr="Led PNG, 일러스트, PSD 및 클립 아트에 대한 무료 다운로드 | Pngtree">
+            <a:extLst>
+              <a:ext uri="{FF2B5EF4-FFF2-40B4-BE49-F238E27FC236}">
+                <a16:creationId xmlns:a16="http://schemas.microsoft.com/office/drawing/2014/main" id="{DA3BEF41-82EF-B691-B6B7-F00EB3ECA083}"/>
+              </a:ext>
+            </a:extLst>
+          </p:cNvPr>
+          <p:cNvPicPr>
+            <a:picLocks noChangeAspect="1" noChangeArrowheads="1"/>
+          </p:cNvPicPr>
+          <p:nvPr/>
+        </p:nvPicPr>
+        <p:blipFill>
+          <a:blip r:embed="rId11">
+            <a:extLst>
+              <a:ext uri="{28A0092B-C50C-407E-A947-70E740481C1C}">
+                <a14:useLocalDpi xmlns:a14="http://schemas.microsoft.com/office/drawing/2010/main" val="0"/>
+              </a:ext>
+            </a:extLst>
+          </a:blip>
+          <a:srcRect/>
+          <a:stretch>
+            <a:fillRect/>
+          </a:stretch>
+        </p:blipFill>
+        <p:spPr bwMode="auto">
+          <a:xfrm>
+            <a:off x="3515826" y="537710"/>
+            <a:ext cx="928031" cy="928031"/>
+          </a:xfrm>
+          <a:prstGeom prst="rect">
+            <a:avLst/>
+          </a:prstGeom>
+          <a:noFill/>
+          <a:extLst>
+            <a:ext uri="{909E8E84-426E-40DD-AFC4-6F175D3DCCD1}">
+              <a14:hiddenFill xmlns:a14="http://schemas.microsoft.com/office/drawing/2010/main">
+                <a:solidFill>
+                  <a:srgbClr val="FFFFFF"/>
+                </a:solidFill>
+              </a14:hiddenFill>
+            </a:ext>
+          </a:extLst>
+        </p:spPr>
+      </p:pic>
+      <p:sp>
+        <p:nvSpPr>
+          <p:cNvPr id="141" name="직사각형 140">
+            <a:extLst>
+              <a:ext uri="{FF2B5EF4-FFF2-40B4-BE49-F238E27FC236}">
+                <a16:creationId xmlns:a16="http://schemas.microsoft.com/office/drawing/2014/main" id="{CE9E66C9-EE1A-5C94-1AF8-778834D0182A}"/>
+              </a:ext>
+            </a:extLst>
+          </p:cNvPr>
+          <p:cNvSpPr/>
+          <p:nvPr/>
+        </p:nvSpPr>
+        <p:spPr>
+          <a:xfrm>
+            <a:off x="9154401" y="1958853"/>
+            <a:ext cx="951290" cy="784883"/>
+          </a:xfrm>
+          <a:prstGeom prst="rect">
+            <a:avLst/>
+          </a:prstGeom>
+          <a:solidFill>
+            <a:schemeClr val="bg1"/>
+          </a:solidFill>
+          <a:ln w="28575">
+            <a:solidFill>
+              <a:schemeClr val="tx1"/>
+            </a:solidFill>
+          </a:ln>
+        </p:spPr>
+        <p:style>
+          <a:lnRef idx="2">
+            <a:schemeClr val="accent1">
+              <a:shade val="50000"/>
+            </a:schemeClr>
+          </a:lnRef>
+          <a:fillRef idx="1">
+            <a:schemeClr val="accent1"/>
+          </a:fillRef>
+          <a:effectRef idx="0">
+            <a:schemeClr val="accent1"/>
+          </a:effectRef>
+          <a:fontRef idx="minor">
+            <a:schemeClr val="lt1"/>
+          </a:fontRef>
+        </p:style>
+        <p:txBody>
+          <a:bodyPr rtlCol="0" anchor="ctr"/>
+          <a:lstStyle/>
+          <a:p>
+            <a:pPr algn="ctr"/>
+            <a:endParaRPr lang="ko-KR" altLang="en-US" b="1">
+              <a:solidFill>
+                <a:schemeClr val="tx1"/>
+              </a:solidFill>
+            </a:endParaRPr>
+          </a:p>
+        </p:txBody>
+      </p:sp>
+      <p:sp>
+        <p:nvSpPr>
+          <p:cNvPr id="143" name="TextBox 142">
+            <a:extLst>
+              <a:ext uri="{FF2B5EF4-FFF2-40B4-BE49-F238E27FC236}">
+                <a16:creationId xmlns:a16="http://schemas.microsoft.com/office/drawing/2014/main" id="{9AF33031-1BA1-4A4D-D22E-7493BE174EA8}"/>
+              </a:ext>
+            </a:extLst>
+          </p:cNvPr>
+          <p:cNvSpPr txBox="1"/>
+          <p:nvPr/>
+        </p:nvSpPr>
+        <p:spPr>
+          <a:xfrm>
+            <a:off x="8935343" y="2760444"/>
+            <a:ext cx="1320800" cy="261610"/>
+          </a:xfrm>
+          <a:prstGeom prst="rect">
+            <a:avLst/>
+          </a:prstGeom>
+          <a:noFill/>
+        </p:spPr>
+        <p:txBody>
+          <a:bodyPr wrap="square">
+            <a:spAutoFit/>
+          </a:bodyPr>
+          <a:lstStyle/>
+          <a:p>
+            <a:pPr algn="ctr"/>
+            <a:r>
+              <a:rPr lang="en-US" altLang="ko-KR" sz="1100" b="1"/>
+              <a:t>N_segment_port</a:t>
+            </a:r>
+            <a:endParaRPr lang="ko-KR" altLang="en-US" sz="1100" b="1">
+              <a:solidFill>
+                <a:schemeClr val="tx1"/>
+              </a:solidFill>
+            </a:endParaRPr>
+          </a:p>
+        </p:txBody>
+      </p:sp>
+      <p:sp>
+        <p:nvSpPr>
+          <p:cNvPr id="144" name="TextBox 143">
+            <a:extLst>
+              <a:ext uri="{FF2B5EF4-FFF2-40B4-BE49-F238E27FC236}">
+                <a16:creationId xmlns:a16="http://schemas.microsoft.com/office/drawing/2014/main" id="{681E53BB-4482-E5C0-BFB1-24247A7D7C21}"/>
+              </a:ext>
+            </a:extLst>
+          </p:cNvPr>
+          <p:cNvSpPr txBox="1"/>
+          <p:nvPr/>
+        </p:nvSpPr>
+        <p:spPr>
+          <a:xfrm>
+            <a:off x="10712341" y="2735598"/>
+            <a:ext cx="1320800" cy="307777"/>
+          </a:xfrm>
+          <a:prstGeom prst="rect">
+            <a:avLst/>
+          </a:prstGeom>
+          <a:noFill/>
+        </p:spPr>
+        <p:txBody>
+          <a:bodyPr wrap="square">
+            <a:spAutoFit/>
+          </a:bodyPr>
+          <a:lstStyle/>
+          <a:p>
+            <a:pPr algn="ctr"/>
+            <a:r>
+              <a:rPr lang="en-US" altLang="ko-KR" sz="1400" b="1"/>
+              <a:t>7_segment</a:t>
+            </a:r>
+            <a:endParaRPr lang="ko-KR" altLang="en-US" sz="1400" b="1">
+              <a:solidFill>
+                <a:schemeClr val="tx1"/>
+              </a:solidFill>
+            </a:endParaRPr>
+          </a:p>
+        </p:txBody>
+      </p:sp>
+      <p:cxnSp>
+        <p:nvCxnSpPr>
+          <p:cNvPr id="145" name="직선 연결선 144">
+            <a:extLst>
+              <a:ext uri="{FF2B5EF4-FFF2-40B4-BE49-F238E27FC236}">
+                <a16:creationId xmlns:a16="http://schemas.microsoft.com/office/drawing/2014/main" id="{41517CBB-6499-9F28-0F56-4EDD05C833BF}"/>
+              </a:ext>
+            </a:extLst>
+          </p:cNvPr>
+          <p:cNvCxnSpPr>
+            <a:cxnSpLocks/>
+          </p:cNvCxnSpPr>
+          <p:nvPr/>
+        </p:nvCxnSpPr>
+        <p:spPr>
+          <a:xfrm>
+            <a:off x="8556474" y="2361228"/>
+            <a:ext cx="597927" cy="0"/>
+          </a:xfrm>
+          <a:prstGeom prst="line">
+            <a:avLst/>
+          </a:prstGeom>
+          <a:ln w="28575">
+            <a:solidFill>
+              <a:schemeClr val="tx1"/>
+            </a:solidFill>
+          </a:ln>
+        </p:spPr>
+        <p:style>
+          <a:lnRef idx="1">
+            <a:schemeClr val="accent1"/>
+          </a:lnRef>
+          <a:fillRef idx="0">
+            <a:schemeClr val="accent1"/>
+          </a:fillRef>
+          <a:effectRef idx="0">
+            <a:schemeClr val="accent1"/>
+          </a:effectRef>
+          <a:fontRef idx="minor">
+            <a:schemeClr val="tx1"/>
+          </a:fontRef>
+        </p:style>
+      </p:cxnSp>
+      <p:sp>
+        <p:nvSpPr>
+          <p:cNvPr id="153" name="TextBox 152">
+            <a:extLst>
+              <a:ext uri="{FF2B5EF4-FFF2-40B4-BE49-F238E27FC236}">
+                <a16:creationId xmlns:a16="http://schemas.microsoft.com/office/drawing/2014/main" id="{DCDD0A3B-09AB-7B3F-F855-5CEC671C31ED}"/>
+              </a:ext>
+            </a:extLst>
+          </p:cNvPr>
+          <p:cNvSpPr txBox="1"/>
+          <p:nvPr/>
+        </p:nvSpPr>
+        <p:spPr>
+          <a:xfrm>
+            <a:off x="7620974" y="2197038"/>
+            <a:ext cx="939036" cy="276999"/>
+          </a:xfrm>
+          <a:prstGeom prst="rect">
+            <a:avLst/>
+          </a:prstGeom>
+          <a:noFill/>
+        </p:spPr>
+        <p:txBody>
+          <a:bodyPr wrap="square">
+            <a:spAutoFit/>
+          </a:bodyPr>
+          <a:lstStyle/>
+          <a:p>
+            <a:r>
+              <a:rPr lang="en-US" altLang="ko-KR" sz="1200" b="1">
+                <a:solidFill>
+                  <a:schemeClr val="tx1"/>
+                </a:solidFill>
+              </a:rPr>
+              <a:t>seg_up_o</a:t>
+            </a:r>
+            <a:endParaRPr lang="ko-KR" altLang="en-US" sz="1200" b="1">
+              <a:solidFill>
+                <a:schemeClr val="tx1"/>
+              </a:solidFill>
+            </a:endParaRPr>
+          </a:p>
+        </p:txBody>
+      </p:sp>
+      <p:cxnSp>
+        <p:nvCxnSpPr>
+          <p:cNvPr id="175" name="직선 연결선 174">
+            <a:extLst>
+              <a:ext uri="{FF2B5EF4-FFF2-40B4-BE49-F238E27FC236}">
+                <a16:creationId xmlns:a16="http://schemas.microsoft.com/office/drawing/2014/main" id="{CA8FB146-2A01-BDA4-5DF8-FCAA699244C6}"/>
+              </a:ext>
+            </a:extLst>
+          </p:cNvPr>
+          <p:cNvCxnSpPr>
+            <a:cxnSpLocks/>
+          </p:cNvCxnSpPr>
+          <p:nvPr/>
+        </p:nvCxnSpPr>
+        <p:spPr>
+          <a:xfrm>
+            <a:off x="8620383" y="2280450"/>
+            <a:ext cx="172358" cy="0"/>
+          </a:xfrm>
+          <a:prstGeom prst="line">
+            <a:avLst/>
+          </a:prstGeom>
+          <a:ln w="38100">
+            <a:solidFill>
+              <a:srgbClr val="00B050"/>
+            </a:solidFill>
+          </a:ln>
+        </p:spPr>
+        <p:style>
+          <a:lnRef idx="1">
+            <a:schemeClr val="accent1"/>
+          </a:lnRef>
+          <a:fillRef idx="0">
+            <a:schemeClr val="accent1"/>
+          </a:fillRef>
+          <a:effectRef idx="0">
+            <a:schemeClr val="accent1"/>
+          </a:effectRef>
+          <a:fontRef idx="minor">
+            <a:schemeClr val="tx1"/>
+          </a:fontRef>
+        </p:style>
+      </p:cxnSp>
+      <p:cxnSp>
+        <p:nvCxnSpPr>
+          <p:cNvPr id="176" name="직선 연결선 175">
+            <a:extLst>
+              <a:ext uri="{FF2B5EF4-FFF2-40B4-BE49-F238E27FC236}">
+                <a16:creationId xmlns:a16="http://schemas.microsoft.com/office/drawing/2014/main" id="{E25B14AC-34EE-83A3-3D1D-FE392E424F93}"/>
+              </a:ext>
+            </a:extLst>
+          </p:cNvPr>
+          <p:cNvCxnSpPr>
+            <a:cxnSpLocks/>
+          </p:cNvCxnSpPr>
+          <p:nvPr/>
+        </p:nvCxnSpPr>
+        <p:spPr>
+          <a:xfrm flipV="1">
+            <a:off x="8776510" y="2120430"/>
+            <a:ext cx="0" cy="177800"/>
+          </a:xfrm>
+          <a:prstGeom prst="line">
+            <a:avLst/>
+          </a:prstGeom>
+          <a:ln w="38100">
+            <a:solidFill>
+              <a:srgbClr val="00B050"/>
+            </a:solidFill>
+          </a:ln>
+        </p:spPr>
+        <p:style>
+          <a:lnRef idx="1">
+            <a:schemeClr val="accent1"/>
+          </a:lnRef>
+          <a:fillRef idx="0">
+            <a:schemeClr val="accent1"/>
+          </a:fillRef>
+          <a:effectRef idx="0">
+            <a:schemeClr val="accent1"/>
+          </a:effectRef>
+          <a:fontRef idx="minor">
+            <a:schemeClr val="tx1"/>
+          </a:fontRef>
+        </p:style>
+      </p:cxnSp>
+      <p:cxnSp>
+        <p:nvCxnSpPr>
+          <p:cNvPr id="177" name="직선 연결선 176">
+            <a:extLst>
+              <a:ext uri="{FF2B5EF4-FFF2-40B4-BE49-F238E27FC236}">
+                <a16:creationId xmlns:a16="http://schemas.microsoft.com/office/drawing/2014/main" id="{8A45C632-5FB4-6B22-FA70-8F903DB9D991}"/>
+              </a:ext>
+            </a:extLst>
+          </p:cNvPr>
+          <p:cNvCxnSpPr>
+            <a:cxnSpLocks/>
+          </p:cNvCxnSpPr>
+          <p:nvPr/>
+        </p:nvCxnSpPr>
+        <p:spPr>
+          <a:xfrm flipV="1">
+            <a:off x="8924063" y="2120430"/>
+            <a:ext cx="0" cy="177800"/>
+          </a:xfrm>
+          <a:prstGeom prst="line">
+            <a:avLst/>
+          </a:prstGeom>
+          <a:ln w="38100">
+            <a:solidFill>
+              <a:srgbClr val="00B050"/>
+            </a:solidFill>
+          </a:ln>
+        </p:spPr>
+        <p:style>
+          <a:lnRef idx="1">
+            <a:schemeClr val="accent1"/>
+          </a:lnRef>
+          <a:fillRef idx="0">
+            <a:schemeClr val="accent1"/>
+          </a:fillRef>
+          <a:effectRef idx="0">
+            <a:schemeClr val="accent1"/>
+          </a:effectRef>
+          <a:fontRef idx="minor">
+            <a:schemeClr val="tx1"/>
+          </a:fontRef>
+        </p:style>
+      </p:cxnSp>
+      <p:cxnSp>
+        <p:nvCxnSpPr>
+          <p:cNvPr id="178" name="직선 연결선 177">
+            <a:extLst>
+              <a:ext uri="{FF2B5EF4-FFF2-40B4-BE49-F238E27FC236}">
+                <a16:creationId xmlns:a16="http://schemas.microsoft.com/office/drawing/2014/main" id="{FAEDD0A6-56BA-7723-F6C4-F84A040B69DC}"/>
+              </a:ext>
+            </a:extLst>
+          </p:cNvPr>
+          <p:cNvCxnSpPr>
+            <a:cxnSpLocks/>
+          </p:cNvCxnSpPr>
+          <p:nvPr/>
+        </p:nvCxnSpPr>
+        <p:spPr>
+          <a:xfrm>
+            <a:off x="8776510" y="2135670"/>
+            <a:ext cx="146547" cy="0"/>
+          </a:xfrm>
+          <a:prstGeom prst="line">
+            <a:avLst/>
+          </a:prstGeom>
+          <a:ln w="38100">
+            <a:solidFill>
+              <a:srgbClr val="00B050"/>
+            </a:solidFill>
+          </a:ln>
+        </p:spPr>
+        <p:style>
+          <a:lnRef idx="1">
+            <a:schemeClr val="accent1"/>
+          </a:lnRef>
+          <a:fillRef idx="0">
+            <a:schemeClr val="accent1"/>
+          </a:fillRef>
+          <a:effectRef idx="0">
+            <a:schemeClr val="accent1"/>
+          </a:effectRef>
+          <a:fontRef idx="minor">
+            <a:schemeClr val="tx1"/>
+          </a:fontRef>
+        </p:style>
+      </p:cxnSp>
+      <p:cxnSp>
+        <p:nvCxnSpPr>
+          <p:cNvPr id="179" name="직선 연결선 178">
+            <a:extLst>
+              <a:ext uri="{FF2B5EF4-FFF2-40B4-BE49-F238E27FC236}">
+                <a16:creationId xmlns:a16="http://schemas.microsoft.com/office/drawing/2014/main" id="{816EA40D-568D-FAD3-60E3-D171E5E4BADD}"/>
+              </a:ext>
+            </a:extLst>
+          </p:cNvPr>
+          <p:cNvCxnSpPr>
+            <a:cxnSpLocks/>
+          </p:cNvCxnSpPr>
+          <p:nvPr/>
+        </p:nvCxnSpPr>
+        <p:spPr>
+          <a:xfrm>
+            <a:off x="8923057" y="2280450"/>
+            <a:ext cx="172358" cy="0"/>
+          </a:xfrm>
+          <a:prstGeom prst="line">
+            <a:avLst/>
+          </a:prstGeom>
+          <a:ln w="38100">
+            <a:solidFill>
+              <a:srgbClr val="00B050"/>
+            </a:solidFill>
+          </a:ln>
+        </p:spPr>
+        <p:style>
+          <a:lnRef idx="1">
+            <a:schemeClr val="accent1"/>
+          </a:lnRef>
+          <a:fillRef idx="0">
+            <a:schemeClr val="accent1"/>
+          </a:fillRef>
+          <a:effectRef idx="0">
+            <a:schemeClr val="accent1"/>
+          </a:effectRef>
+          <a:fontRef idx="minor">
+            <a:schemeClr val="tx1"/>
+          </a:fontRef>
+        </p:style>
+      </p:cxnSp>
+      <p:cxnSp>
+        <p:nvCxnSpPr>
+          <p:cNvPr id="180" name="직선 연결선 179">
+            <a:extLst>
+              <a:ext uri="{FF2B5EF4-FFF2-40B4-BE49-F238E27FC236}">
+                <a16:creationId xmlns:a16="http://schemas.microsoft.com/office/drawing/2014/main" id="{066887CC-AAEC-BD49-8691-CB71B5B0F930}"/>
+              </a:ext>
+            </a:extLst>
+          </p:cNvPr>
+          <p:cNvCxnSpPr>
+            <a:cxnSpLocks/>
+          </p:cNvCxnSpPr>
+          <p:nvPr/>
+        </p:nvCxnSpPr>
+        <p:spPr>
+          <a:xfrm>
+            <a:off x="5877610" y="4376415"/>
+            <a:ext cx="288180" cy="0"/>
+          </a:xfrm>
+          <a:prstGeom prst="line">
+            <a:avLst/>
+          </a:prstGeom>
+          <a:ln w="38100">
+            <a:solidFill>
+              <a:srgbClr val="00B050"/>
+            </a:solidFill>
+          </a:ln>
+        </p:spPr>
+        <p:style>
+          <a:lnRef idx="1">
+            <a:schemeClr val="accent1"/>
+          </a:lnRef>
+          <a:fillRef idx="0">
+            <a:schemeClr val="accent1"/>
+          </a:fillRef>
+          <a:effectRef idx="0">
+            <a:schemeClr val="accent1"/>
+          </a:effectRef>
+          <a:fontRef idx="minor">
+            <a:schemeClr val="tx1"/>
+          </a:fontRef>
+        </p:style>
+      </p:cxnSp>
+      <p:cxnSp>
+        <p:nvCxnSpPr>
+          <p:cNvPr id="181" name="직선 연결선 180">
+            <a:extLst>
+              <a:ext uri="{FF2B5EF4-FFF2-40B4-BE49-F238E27FC236}">
+                <a16:creationId xmlns:a16="http://schemas.microsoft.com/office/drawing/2014/main" id="{33E77803-52FA-C6BB-E5E2-AC6B1F1C824A}"/>
+              </a:ext>
+            </a:extLst>
+          </p:cNvPr>
+          <p:cNvCxnSpPr>
+            <a:cxnSpLocks/>
+          </p:cNvCxnSpPr>
+          <p:nvPr/>
+        </p:nvCxnSpPr>
+        <p:spPr>
+          <a:xfrm flipV="1">
+            <a:off x="6149559" y="4216395"/>
+            <a:ext cx="0" cy="177800"/>
+          </a:xfrm>
+          <a:prstGeom prst="line">
+            <a:avLst/>
+          </a:prstGeom>
+          <a:ln w="38100">
+            <a:solidFill>
+              <a:srgbClr val="00B050"/>
+            </a:solidFill>
+          </a:ln>
+        </p:spPr>
+        <p:style>
+          <a:lnRef idx="1">
+            <a:schemeClr val="accent1"/>
+          </a:lnRef>
+          <a:fillRef idx="0">
+            <a:schemeClr val="accent1"/>
+          </a:fillRef>
+          <a:effectRef idx="0">
+            <a:schemeClr val="accent1"/>
+          </a:effectRef>
+          <a:fontRef idx="minor">
+            <a:schemeClr val="tx1"/>
+          </a:fontRef>
+        </p:style>
+      </p:cxnSp>
+      <p:cxnSp>
+        <p:nvCxnSpPr>
+          <p:cNvPr id="182" name="직선 연결선 181">
+            <a:extLst>
+              <a:ext uri="{FF2B5EF4-FFF2-40B4-BE49-F238E27FC236}">
+                <a16:creationId xmlns:a16="http://schemas.microsoft.com/office/drawing/2014/main" id="{FC48A235-AC9B-92FC-C4C4-B98AFD4BB92A}"/>
+              </a:ext>
+            </a:extLst>
+          </p:cNvPr>
+          <p:cNvCxnSpPr>
+            <a:cxnSpLocks/>
+          </p:cNvCxnSpPr>
+          <p:nvPr/>
+        </p:nvCxnSpPr>
+        <p:spPr>
+          <a:xfrm>
+            <a:off x="6149559" y="4231635"/>
+            <a:ext cx="296925" cy="0"/>
+          </a:xfrm>
+          <a:prstGeom prst="line">
+            <a:avLst/>
+          </a:prstGeom>
+          <a:ln w="38100">
+            <a:solidFill>
+              <a:srgbClr val="00B050"/>
+            </a:solidFill>
+          </a:ln>
+        </p:spPr>
+        <p:style>
+          <a:lnRef idx="1">
+            <a:schemeClr val="accent1"/>
+          </a:lnRef>
+          <a:fillRef idx="0">
+            <a:schemeClr val="accent1"/>
+          </a:fillRef>
+          <a:effectRef idx="0">
+            <a:schemeClr val="accent1"/>
+          </a:effectRef>
+          <a:fontRef idx="minor">
+            <a:schemeClr val="tx1"/>
+          </a:fontRef>
+        </p:style>
+      </p:cxnSp>
+      <p:cxnSp>
+        <p:nvCxnSpPr>
+          <p:cNvPr id="188" name="직선 연결선 187">
+            <a:extLst>
+              <a:ext uri="{FF2B5EF4-FFF2-40B4-BE49-F238E27FC236}">
+                <a16:creationId xmlns:a16="http://schemas.microsoft.com/office/drawing/2014/main" id="{D128677C-41D8-07B5-AF7C-E4FF7F9F5B6D}"/>
+              </a:ext>
+            </a:extLst>
+          </p:cNvPr>
+          <p:cNvCxnSpPr>
+            <a:cxnSpLocks/>
+          </p:cNvCxnSpPr>
+          <p:nvPr/>
+        </p:nvCxnSpPr>
+        <p:spPr>
+          <a:xfrm>
+            <a:off x="3243877" y="4386064"/>
+            <a:ext cx="288180" cy="0"/>
+          </a:xfrm>
+          <a:prstGeom prst="line">
+            <a:avLst/>
+          </a:prstGeom>
+          <a:ln w="38100">
+            <a:solidFill>
+              <a:srgbClr val="00B050"/>
+            </a:solidFill>
+          </a:ln>
+        </p:spPr>
+        <p:style>
+          <a:lnRef idx="1">
+            <a:schemeClr val="accent1"/>
+          </a:lnRef>
+          <a:fillRef idx="0">
+            <a:schemeClr val="accent1"/>
+          </a:fillRef>
+          <a:effectRef idx="0">
+            <a:schemeClr val="accent1"/>
+          </a:effectRef>
+          <a:fontRef idx="minor">
+            <a:schemeClr val="tx1"/>
+          </a:fontRef>
+        </p:style>
+      </p:cxnSp>
+      <p:cxnSp>
+        <p:nvCxnSpPr>
+          <p:cNvPr id="189" name="직선 연결선 188">
+            <a:extLst>
+              <a:ext uri="{FF2B5EF4-FFF2-40B4-BE49-F238E27FC236}">
+                <a16:creationId xmlns:a16="http://schemas.microsoft.com/office/drawing/2014/main" id="{C7DB0B5A-3BDC-3422-2B79-9055079D4F16}"/>
+              </a:ext>
+            </a:extLst>
+          </p:cNvPr>
+          <p:cNvCxnSpPr>
+            <a:cxnSpLocks/>
+          </p:cNvCxnSpPr>
+          <p:nvPr/>
+        </p:nvCxnSpPr>
+        <p:spPr>
+          <a:xfrm flipV="1">
+            <a:off x="3515826" y="4226044"/>
+            <a:ext cx="0" cy="177800"/>
+          </a:xfrm>
+          <a:prstGeom prst="line">
+            <a:avLst/>
+          </a:prstGeom>
+          <a:ln w="38100">
+            <a:solidFill>
+              <a:srgbClr val="00B050"/>
+            </a:solidFill>
+          </a:ln>
+        </p:spPr>
+        <p:style>
+          <a:lnRef idx="1">
+            <a:schemeClr val="accent1"/>
+          </a:lnRef>
+          <a:fillRef idx="0">
+            <a:schemeClr val="accent1"/>
+          </a:fillRef>
+          <a:effectRef idx="0">
+            <a:schemeClr val="accent1"/>
+          </a:effectRef>
+          <a:fontRef idx="minor">
+            <a:schemeClr val="tx1"/>
+          </a:fontRef>
+        </p:style>
+      </p:cxnSp>
+      <p:cxnSp>
+        <p:nvCxnSpPr>
+          <p:cNvPr id="190" name="직선 연결선 189">
+            <a:extLst>
+              <a:ext uri="{FF2B5EF4-FFF2-40B4-BE49-F238E27FC236}">
+                <a16:creationId xmlns:a16="http://schemas.microsoft.com/office/drawing/2014/main" id="{B411805C-00A4-8B74-D161-EA10229AE4E8}"/>
+              </a:ext>
+            </a:extLst>
+          </p:cNvPr>
+          <p:cNvCxnSpPr>
+            <a:cxnSpLocks/>
+          </p:cNvCxnSpPr>
+          <p:nvPr/>
+        </p:nvCxnSpPr>
+        <p:spPr>
+          <a:xfrm>
+            <a:off x="3515826" y="4241284"/>
+            <a:ext cx="296925" cy="0"/>
+          </a:xfrm>
+          <a:prstGeom prst="line">
+            <a:avLst/>
+          </a:prstGeom>
+          <a:ln w="38100">
+            <a:solidFill>
+              <a:srgbClr val="00B050"/>
+            </a:solidFill>
+          </a:ln>
+        </p:spPr>
+        <p:style>
+          <a:lnRef idx="1">
+            <a:schemeClr val="accent1"/>
+          </a:lnRef>
+          <a:fillRef idx="0">
+            <a:schemeClr val="accent1"/>
+          </a:fillRef>
+          <a:effectRef idx="0">
+            <a:schemeClr val="accent1"/>
+          </a:effectRef>
+          <a:fontRef idx="minor">
+            <a:schemeClr val="tx1"/>
+          </a:fontRef>
+        </p:style>
+      </p:cxnSp>
+      <p:cxnSp>
+        <p:nvCxnSpPr>
+          <p:cNvPr id="191" name="직선 연결선 190">
+            <a:extLst>
+              <a:ext uri="{FF2B5EF4-FFF2-40B4-BE49-F238E27FC236}">
+                <a16:creationId xmlns:a16="http://schemas.microsoft.com/office/drawing/2014/main" id="{1E207C25-C611-570D-6323-3E6D480D5833}"/>
+              </a:ext>
+            </a:extLst>
+          </p:cNvPr>
+          <p:cNvCxnSpPr>
+            <a:cxnSpLocks/>
+          </p:cNvCxnSpPr>
+          <p:nvPr/>
+        </p:nvCxnSpPr>
+        <p:spPr>
+          <a:xfrm>
+            <a:off x="10102784" y="2327645"/>
+            <a:ext cx="724460" cy="0"/>
+          </a:xfrm>
+          <a:prstGeom prst="line">
+            <a:avLst/>
+          </a:prstGeom>
+          <a:ln w="28575">
+            <a:solidFill>
+              <a:srgbClr val="FF0000"/>
+            </a:solidFill>
+          </a:ln>
+        </p:spPr>
+        <p:style>
+          <a:lnRef idx="1">
+            <a:schemeClr val="accent1"/>
+          </a:lnRef>
+          <a:fillRef idx="0">
+            <a:schemeClr val="accent1"/>
+          </a:fillRef>
+          <a:effectRef idx="0">
+            <a:schemeClr val="accent1"/>
+          </a:effectRef>
+          <a:fontRef idx="minor">
+            <a:schemeClr val="tx1"/>
+          </a:fontRef>
+        </p:style>
+      </p:cxnSp>
+      <p:cxnSp>
+        <p:nvCxnSpPr>
+          <p:cNvPr id="1024" name="직선 화살표 연결선 1023">
+            <a:extLst>
+              <a:ext uri="{FF2B5EF4-FFF2-40B4-BE49-F238E27FC236}">
+                <a16:creationId xmlns:a16="http://schemas.microsoft.com/office/drawing/2014/main" id="{6A9A193E-6219-2052-995F-DE5529E95D92}"/>
+              </a:ext>
+            </a:extLst>
+          </p:cNvPr>
+          <p:cNvCxnSpPr>
+            <a:cxnSpLocks/>
+          </p:cNvCxnSpPr>
+          <p:nvPr/>
+        </p:nvCxnSpPr>
+        <p:spPr>
+          <a:xfrm>
+            <a:off x="10213614" y="2203542"/>
+            <a:ext cx="457080" cy="0"/>
+          </a:xfrm>
+          <a:prstGeom prst="straightConnector1">
+            <a:avLst/>
+          </a:prstGeom>
+          <a:ln w="57150">
+            <a:solidFill>
+              <a:srgbClr val="FF0000"/>
+            </a:solidFill>
+            <a:tailEnd type="triangle"/>
+          </a:ln>
+        </p:spPr>
+        <p:style>
+          <a:lnRef idx="1">
+            <a:schemeClr val="accent1"/>
+          </a:lnRef>
+          <a:fillRef idx="0">
+            <a:schemeClr val="accent1"/>
+          </a:fillRef>
+          <a:effectRef idx="0">
+            <a:schemeClr val="accent1"/>
+          </a:effectRef>
+          <a:fontRef idx="minor">
+            <a:schemeClr val="tx1"/>
+          </a:fontRef>
+        </p:style>
+      </p:cxnSp>
+      <p:cxnSp>
+        <p:nvCxnSpPr>
+          <p:cNvPr id="1025" name="직선 연결선 1024">
+            <a:extLst>
+              <a:ext uri="{FF2B5EF4-FFF2-40B4-BE49-F238E27FC236}">
+                <a16:creationId xmlns:a16="http://schemas.microsoft.com/office/drawing/2014/main" id="{A2439146-68E1-7B4A-AEF4-C1BE7D285E64}"/>
+              </a:ext>
+            </a:extLst>
+          </p:cNvPr>
+          <p:cNvCxnSpPr>
+            <a:cxnSpLocks/>
+          </p:cNvCxnSpPr>
+          <p:nvPr/>
+        </p:nvCxnSpPr>
+        <p:spPr>
+          <a:xfrm flipV="1">
+            <a:off x="4002851" y="1445244"/>
+            <a:ext cx="0" cy="498739"/>
+          </a:xfrm>
+          <a:prstGeom prst="line">
+            <a:avLst/>
+          </a:prstGeom>
+          <a:ln w="28575">
+            <a:solidFill>
+              <a:schemeClr val="tx1"/>
+            </a:solidFill>
+          </a:ln>
+        </p:spPr>
+        <p:style>
+          <a:lnRef idx="1">
+            <a:schemeClr val="accent1"/>
+          </a:lnRef>
+          <a:fillRef idx="0">
+            <a:schemeClr val="accent1"/>
+          </a:fillRef>
+          <a:effectRef idx="0">
+            <a:schemeClr val="accent1"/>
+          </a:effectRef>
+          <a:fontRef idx="minor">
+            <a:schemeClr val="tx1"/>
+          </a:fontRef>
+        </p:style>
+      </p:cxnSp>
+      <p:sp>
+        <p:nvSpPr>
+          <p:cNvPr id="1029" name="TextBox 1028">
+            <a:extLst>
+              <a:ext uri="{FF2B5EF4-FFF2-40B4-BE49-F238E27FC236}">
+                <a16:creationId xmlns:a16="http://schemas.microsoft.com/office/drawing/2014/main" id="{1D642096-07EC-5185-EA38-5D5CA17276BE}"/>
+              </a:ext>
+            </a:extLst>
+          </p:cNvPr>
+          <p:cNvSpPr txBox="1"/>
+          <p:nvPr/>
+        </p:nvSpPr>
+        <p:spPr>
+          <a:xfrm>
+            <a:off x="3989103" y="1491973"/>
+            <a:ext cx="1822450" cy="261610"/>
+          </a:xfrm>
+          <a:prstGeom prst="rect">
+            <a:avLst/>
+          </a:prstGeom>
+          <a:noFill/>
+        </p:spPr>
+        <p:txBody>
+          <a:bodyPr wrap="square">
+            <a:spAutoFit/>
+          </a:bodyPr>
+          <a:lstStyle/>
+          <a:p>
+            <a:r>
+              <a:rPr lang="en-US" altLang="ko-KR" sz="1050" b="1"/>
+              <a:t>When(RUN_MODE)</a:t>
+            </a:r>
+            <a:endParaRPr lang="ko-KR" altLang="en-US" sz="1050" b="1">
+              <a:solidFill>
+                <a:schemeClr val="tx1"/>
+              </a:solidFill>
+            </a:endParaRPr>
+          </a:p>
+        </p:txBody>
+      </p:sp>
+      <p:cxnSp>
+        <p:nvCxnSpPr>
+          <p:cNvPr id="1031" name="직선 연결선 1030">
+            <a:extLst>
+              <a:ext uri="{FF2B5EF4-FFF2-40B4-BE49-F238E27FC236}">
+                <a16:creationId xmlns:a16="http://schemas.microsoft.com/office/drawing/2014/main" id="{3E4EFA2F-25BE-01D3-8E5C-F33F5223F47D}"/>
+              </a:ext>
+            </a:extLst>
+          </p:cNvPr>
+          <p:cNvCxnSpPr>
+            <a:cxnSpLocks/>
+          </p:cNvCxnSpPr>
+          <p:nvPr/>
+        </p:nvCxnSpPr>
+        <p:spPr>
+          <a:xfrm flipV="1">
+            <a:off x="6476223" y="1399881"/>
+            <a:ext cx="0" cy="498739"/>
+          </a:xfrm>
+          <a:prstGeom prst="line">
+            <a:avLst/>
+          </a:prstGeom>
+          <a:ln w="28575">
+            <a:solidFill>
+              <a:schemeClr val="tx1"/>
+            </a:solidFill>
+          </a:ln>
+        </p:spPr>
+        <p:style>
+          <a:lnRef idx="1">
+            <a:schemeClr val="accent1"/>
+          </a:lnRef>
+          <a:fillRef idx="0">
+            <a:schemeClr val="accent1"/>
+          </a:fillRef>
+          <a:effectRef idx="0">
+            <a:schemeClr val="accent1"/>
+          </a:effectRef>
+          <a:fontRef idx="minor">
+            <a:schemeClr val="tx1"/>
+          </a:fontRef>
+        </p:style>
+      </p:cxnSp>
+      <p:sp>
+        <p:nvSpPr>
+          <p:cNvPr id="1033" name="TextBox 1032">
+            <a:extLst>
+              <a:ext uri="{FF2B5EF4-FFF2-40B4-BE49-F238E27FC236}">
+                <a16:creationId xmlns:a16="http://schemas.microsoft.com/office/drawing/2014/main" id="{10AD6301-4DF8-81DC-3790-C9DDB4C94FA3}"/>
+              </a:ext>
+            </a:extLst>
+          </p:cNvPr>
+          <p:cNvSpPr txBox="1"/>
+          <p:nvPr/>
+        </p:nvSpPr>
+        <p:spPr>
+          <a:xfrm>
+            <a:off x="6462474" y="1476278"/>
+            <a:ext cx="1822450" cy="261610"/>
+          </a:xfrm>
+          <a:prstGeom prst="rect">
+            <a:avLst/>
+          </a:prstGeom>
+          <a:noFill/>
+        </p:spPr>
+        <p:txBody>
+          <a:bodyPr wrap="square">
+            <a:spAutoFit/>
+          </a:bodyPr>
+          <a:lstStyle/>
+          <a:p>
+            <a:r>
+              <a:rPr lang="en-US" altLang="ko-KR" sz="1050" b="1"/>
+              <a:t>When(RUN_MODE)</a:t>
+            </a:r>
+            <a:endParaRPr lang="ko-KR" altLang="en-US" sz="1050" b="1">
+              <a:solidFill>
+                <a:schemeClr val="tx1"/>
+              </a:solidFill>
+            </a:endParaRPr>
+          </a:p>
+        </p:txBody>
+      </p:sp>
+      <p:sp>
+        <p:nvSpPr>
+          <p:cNvPr id="1034" name="TextBox 1033">
+            <a:extLst>
+              <a:ext uri="{FF2B5EF4-FFF2-40B4-BE49-F238E27FC236}">
+                <a16:creationId xmlns:a16="http://schemas.microsoft.com/office/drawing/2014/main" id="{4DDE5CFB-9849-7DB7-5F05-3F5EC97517E4}"/>
+              </a:ext>
+            </a:extLst>
+          </p:cNvPr>
+          <p:cNvSpPr txBox="1"/>
+          <p:nvPr/>
+        </p:nvSpPr>
+        <p:spPr>
+          <a:xfrm>
+            <a:off x="8145995" y="1607937"/>
+            <a:ext cx="1822450" cy="261610"/>
+          </a:xfrm>
+          <a:prstGeom prst="rect">
+            <a:avLst/>
+          </a:prstGeom>
+          <a:noFill/>
+        </p:spPr>
+        <p:txBody>
+          <a:bodyPr wrap="square">
+            <a:spAutoFit/>
+          </a:bodyPr>
+          <a:lstStyle/>
+          <a:p>
+            <a:r>
+              <a:rPr lang="en-US" altLang="ko-KR" sz="1050" b="1"/>
+              <a:t>When(1_line_done)</a:t>
+            </a:r>
+            <a:endParaRPr lang="ko-KR" altLang="en-US" sz="1050" b="1">
+              <a:solidFill>
+                <a:schemeClr val="tx1"/>
+              </a:solidFill>
+            </a:endParaRPr>
+          </a:p>
+        </p:txBody>
+      </p:sp>
+      <p:sp>
+        <p:nvSpPr>
+          <p:cNvPr id="1036" name="TextBox 1035">
+            <a:extLst>
+              <a:ext uri="{FF2B5EF4-FFF2-40B4-BE49-F238E27FC236}">
+                <a16:creationId xmlns:a16="http://schemas.microsoft.com/office/drawing/2014/main" id="{724D76EB-FD56-43E0-A595-2D7746D1C463}"/>
+              </a:ext>
+            </a:extLst>
+          </p:cNvPr>
+          <p:cNvSpPr txBox="1"/>
+          <p:nvPr/>
+        </p:nvSpPr>
+        <p:spPr>
+          <a:xfrm>
+            <a:off x="3328703" y="259647"/>
+            <a:ext cx="1320800" cy="307777"/>
+          </a:xfrm>
+          <a:prstGeom prst="rect">
+            <a:avLst/>
+          </a:prstGeom>
+          <a:noFill/>
+        </p:spPr>
+        <p:txBody>
+          <a:bodyPr wrap="square">
+            <a:spAutoFit/>
+          </a:bodyPr>
+          <a:lstStyle/>
+          <a:p>
+            <a:pPr algn="ctr"/>
+            <a:r>
+              <a:rPr lang="en-US" altLang="ko-KR" sz="1400" b="1"/>
+              <a:t>LED</a:t>
+            </a:r>
+            <a:endParaRPr lang="ko-KR" altLang="en-US" sz="1400" b="1">
+              <a:solidFill>
+                <a:schemeClr val="tx1"/>
+              </a:solidFill>
+            </a:endParaRPr>
+          </a:p>
+        </p:txBody>
+      </p:sp>
+      <p:sp>
+        <p:nvSpPr>
+          <p:cNvPr id="1038" name="TextBox 1037">
+            <a:extLst>
+              <a:ext uri="{FF2B5EF4-FFF2-40B4-BE49-F238E27FC236}">
+                <a16:creationId xmlns:a16="http://schemas.microsoft.com/office/drawing/2014/main" id="{02B4B929-9153-5D01-9436-D4DF6F1F2F3A}"/>
+              </a:ext>
+            </a:extLst>
+          </p:cNvPr>
+          <p:cNvSpPr txBox="1"/>
+          <p:nvPr/>
+        </p:nvSpPr>
+        <p:spPr>
+          <a:xfrm>
+            <a:off x="5802074" y="265811"/>
+            <a:ext cx="1320800" cy="307777"/>
+          </a:xfrm>
+          <a:prstGeom prst="rect">
+            <a:avLst/>
+          </a:prstGeom>
+          <a:noFill/>
+        </p:spPr>
+        <p:txBody>
+          <a:bodyPr wrap="square">
+            <a:spAutoFit/>
+          </a:bodyPr>
+          <a:lstStyle/>
+          <a:p>
+            <a:pPr algn="ctr"/>
+            <a:r>
+              <a:rPr lang="en-US" altLang="ko-KR" sz="1400" b="1"/>
+              <a:t>BUZZER</a:t>
+            </a:r>
+            <a:endParaRPr lang="ko-KR" altLang="en-US" sz="1400" b="1">
+              <a:solidFill>
+                <a:schemeClr val="tx1"/>
+              </a:solidFill>
+            </a:endParaRPr>
           </a:p>
         </p:txBody>
       </p:sp>
@@ -8972,6 +10594,4793 @@
     <p:extLst>
       <p:ext uri="{BB962C8B-B14F-4D97-AF65-F5344CB8AC3E}">
         <p14:creationId xmlns:p14="http://schemas.microsoft.com/office/powerpoint/2010/main" val="2948120771"/>
+      </p:ext>
+    </p:extLst>
+  </p:cSld>
+  <p:clrMapOvr>
+    <a:masterClrMapping/>
+  </p:clrMapOvr>
+</p:sld>
+</file>
+
+<file path=ppt/slides/slide13.xml><?xml version="1.0" encoding="utf-8"?>
+<p:sld xmlns:a="http://schemas.openxmlformats.org/drawingml/2006/main" xmlns:r="http://schemas.openxmlformats.org/officeDocument/2006/relationships" xmlns:p="http://schemas.openxmlformats.org/presentationml/2006/main">
+  <p:cSld>
+    <p:spTree>
+      <p:nvGrpSpPr>
+        <p:cNvPr id="1" name=""/>
+        <p:cNvGrpSpPr/>
+        <p:nvPr/>
+      </p:nvGrpSpPr>
+      <p:grpSpPr>
+        <a:xfrm>
+          <a:off x="0" y="0"/>
+          <a:ext cx="0" cy="0"/>
+          <a:chOff x="0" y="0"/>
+          <a:chExt cx="0" cy="0"/>
+        </a:xfrm>
+      </p:grpSpPr>
+      <p:sp>
+        <p:nvSpPr>
+          <p:cNvPr id="5" name="직사각형 4">
+            <a:extLst>
+              <a:ext uri="{FF2B5EF4-FFF2-40B4-BE49-F238E27FC236}">
+                <a16:creationId xmlns:a16="http://schemas.microsoft.com/office/drawing/2014/main" id="{4119F8EB-59B0-21E7-3E03-E4DF8DC2F38D}"/>
+              </a:ext>
+            </a:extLst>
+          </p:cNvPr>
+          <p:cNvSpPr/>
+          <p:nvPr/>
+        </p:nvSpPr>
+        <p:spPr>
+          <a:xfrm>
+            <a:off x="4156595" y="2417757"/>
+            <a:ext cx="4561966" cy="2590863"/>
+          </a:xfrm>
+          <a:prstGeom prst="rect">
+            <a:avLst/>
+          </a:prstGeom>
+          <a:solidFill>
+            <a:schemeClr val="bg1">
+              <a:lumMod val="85000"/>
+            </a:schemeClr>
+          </a:solidFill>
+          <a:ln w="28575">
+            <a:solidFill>
+              <a:schemeClr val="tx1"/>
+            </a:solidFill>
+          </a:ln>
+        </p:spPr>
+        <p:style>
+          <a:lnRef idx="2">
+            <a:schemeClr val="accent1">
+              <a:shade val="50000"/>
+            </a:schemeClr>
+          </a:lnRef>
+          <a:fillRef idx="1">
+            <a:schemeClr val="accent1"/>
+          </a:fillRef>
+          <a:effectRef idx="0">
+            <a:schemeClr val="accent1"/>
+          </a:effectRef>
+          <a:fontRef idx="minor">
+            <a:schemeClr val="lt1"/>
+          </a:fontRef>
+        </p:style>
+        <p:txBody>
+          <a:bodyPr rtlCol="0" anchor="ctr"/>
+          <a:lstStyle/>
+          <a:p>
+            <a:pPr algn="ctr"/>
+            <a:endParaRPr lang="ko-KR" altLang="en-US" b="1">
+              <a:solidFill>
+                <a:schemeClr val="tx1"/>
+              </a:solidFill>
+            </a:endParaRPr>
+          </a:p>
+        </p:txBody>
+      </p:sp>
+      <p:sp>
+        <p:nvSpPr>
+          <p:cNvPr id="3" name="직사각형 2">
+            <a:extLst>
+              <a:ext uri="{FF2B5EF4-FFF2-40B4-BE49-F238E27FC236}">
+                <a16:creationId xmlns:a16="http://schemas.microsoft.com/office/drawing/2014/main" id="{890A6FEE-1935-F9DD-8F90-E7B732C401EC}"/>
+              </a:ext>
+            </a:extLst>
+          </p:cNvPr>
+          <p:cNvSpPr/>
+          <p:nvPr/>
+        </p:nvSpPr>
+        <p:spPr>
+          <a:xfrm>
+            <a:off x="4314861" y="2566316"/>
+            <a:ext cx="2225635" cy="2078255"/>
+          </a:xfrm>
+          <a:prstGeom prst="rect">
+            <a:avLst/>
+          </a:prstGeom>
+          <a:solidFill>
+            <a:schemeClr val="bg1"/>
+          </a:solidFill>
+          <a:ln w="28575">
+            <a:solidFill>
+              <a:schemeClr val="tx1"/>
+            </a:solidFill>
+          </a:ln>
+        </p:spPr>
+        <p:style>
+          <a:lnRef idx="2">
+            <a:schemeClr val="accent1">
+              <a:shade val="50000"/>
+            </a:schemeClr>
+          </a:lnRef>
+          <a:fillRef idx="1">
+            <a:schemeClr val="accent1"/>
+          </a:fillRef>
+          <a:effectRef idx="0">
+            <a:schemeClr val="accent1"/>
+          </a:effectRef>
+          <a:fontRef idx="minor">
+            <a:schemeClr val="lt1"/>
+          </a:fontRef>
+        </p:style>
+        <p:txBody>
+          <a:bodyPr rtlCol="0" anchor="ctr"/>
+          <a:lstStyle/>
+          <a:p>
+            <a:pPr algn="ctr"/>
+            <a:endParaRPr lang="ko-KR" altLang="en-US" b="1">
+              <a:solidFill>
+                <a:schemeClr val="tx1"/>
+              </a:solidFill>
+            </a:endParaRPr>
+          </a:p>
+        </p:txBody>
+      </p:sp>
+      <p:sp>
+        <p:nvSpPr>
+          <p:cNvPr id="4" name="직사각형 3">
+            <a:extLst>
+              <a:ext uri="{FF2B5EF4-FFF2-40B4-BE49-F238E27FC236}">
+                <a16:creationId xmlns:a16="http://schemas.microsoft.com/office/drawing/2014/main" id="{9A3C8751-B078-4A7E-F7DE-56F817921865}"/>
+              </a:ext>
+            </a:extLst>
+          </p:cNvPr>
+          <p:cNvSpPr/>
+          <p:nvPr/>
+        </p:nvSpPr>
+        <p:spPr>
+          <a:xfrm>
+            <a:off x="1843582" y="2570986"/>
+            <a:ext cx="2154335" cy="2073629"/>
+          </a:xfrm>
+          <a:prstGeom prst="rect">
+            <a:avLst/>
+          </a:prstGeom>
+          <a:solidFill>
+            <a:schemeClr val="bg1"/>
+          </a:solidFill>
+          <a:ln w="28575">
+            <a:solidFill>
+              <a:schemeClr val="tx1"/>
+            </a:solidFill>
+          </a:ln>
+        </p:spPr>
+        <p:style>
+          <a:lnRef idx="2">
+            <a:schemeClr val="accent1">
+              <a:shade val="50000"/>
+            </a:schemeClr>
+          </a:lnRef>
+          <a:fillRef idx="1">
+            <a:schemeClr val="accent1"/>
+          </a:fillRef>
+          <a:effectRef idx="0">
+            <a:schemeClr val="accent1"/>
+          </a:effectRef>
+          <a:fontRef idx="minor">
+            <a:schemeClr val="lt1"/>
+          </a:fontRef>
+        </p:style>
+        <p:txBody>
+          <a:bodyPr rtlCol="0" anchor="ctr"/>
+          <a:lstStyle/>
+          <a:p>
+            <a:pPr algn="ctr"/>
+            <a:endParaRPr lang="ko-KR" altLang="en-US" b="1">
+              <a:solidFill>
+                <a:schemeClr val="tx1"/>
+              </a:solidFill>
+            </a:endParaRPr>
+          </a:p>
+        </p:txBody>
+      </p:sp>
+      <p:sp>
+        <p:nvSpPr>
+          <p:cNvPr id="6" name="TextBox 5">
+            <a:extLst>
+              <a:ext uri="{FF2B5EF4-FFF2-40B4-BE49-F238E27FC236}">
+                <a16:creationId xmlns:a16="http://schemas.microsoft.com/office/drawing/2014/main" id="{7BB470D5-1BBF-DA52-D3DA-B18F1571CFC2}"/>
+              </a:ext>
+            </a:extLst>
+          </p:cNvPr>
+          <p:cNvSpPr txBox="1"/>
+          <p:nvPr/>
+        </p:nvSpPr>
+        <p:spPr>
+          <a:xfrm>
+            <a:off x="4765188" y="4661581"/>
+            <a:ext cx="1320800" cy="307777"/>
+          </a:xfrm>
+          <a:prstGeom prst="rect">
+            <a:avLst/>
+          </a:prstGeom>
+          <a:noFill/>
+        </p:spPr>
+        <p:txBody>
+          <a:bodyPr wrap="square">
+            <a:spAutoFit/>
+          </a:bodyPr>
+          <a:lstStyle/>
+          <a:p>
+            <a:pPr algn="ctr"/>
+            <a:r>
+              <a:rPr lang="en-US" altLang="ko-KR" sz="1400" b="1">
+                <a:solidFill>
+                  <a:schemeClr val="tx1"/>
+                </a:solidFill>
+              </a:rPr>
+              <a:t>Preprocess</a:t>
+            </a:r>
+            <a:endParaRPr lang="ko-KR" altLang="en-US" sz="1400" b="1">
+              <a:solidFill>
+                <a:schemeClr val="tx1"/>
+              </a:solidFill>
+            </a:endParaRPr>
+          </a:p>
+        </p:txBody>
+      </p:sp>
+      <p:sp>
+        <p:nvSpPr>
+          <p:cNvPr id="8" name="TextBox 7">
+            <a:extLst>
+              <a:ext uri="{FF2B5EF4-FFF2-40B4-BE49-F238E27FC236}">
+                <a16:creationId xmlns:a16="http://schemas.microsoft.com/office/drawing/2014/main" id="{09E91028-B80B-9BFC-DA6C-E6897A4B9FA5}"/>
+              </a:ext>
+            </a:extLst>
+          </p:cNvPr>
+          <p:cNvSpPr txBox="1"/>
+          <p:nvPr/>
+        </p:nvSpPr>
+        <p:spPr>
+          <a:xfrm>
+            <a:off x="1842389" y="4621861"/>
+            <a:ext cx="2213646" cy="276999"/>
+          </a:xfrm>
+          <a:prstGeom prst="rect">
+            <a:avLst/>
+          </a:prstGeom>
+          <a:noFill/>
+        </p:spPr>
+        <p:txBody>
+          <a:bodyPr wrap="square">
+            <a:spAutoFit/>
+          </a:bodyPr>
+          <a:lstStyle/>
+          <a:p>
+            <a:pPr algn="ctr"/>
+            <a:r>
+              <a:rPr lang="en-US" altLang="ko-KR" sz="1200" b="1">
+                <a:solidFill>
+                  <a:schemeClr val="tx1"/>
+                </a:solidFill>
+              </a:rPr>
+              <a:t>Memory Controller</a:t>
+            </a:r>
+            <a:endParaRPr lang="ko-KR" altLang="en-US" sz="1200" b="1">
+              <a:solidFill>
+                <a:schemeClr val="tx1"/>
+              </a:solidFill>
+            </a:endParaRPr>
+          </a:p>
+        </p:txBody>
+      </p:sp>
+      <p:sp>
+        <p:nvSpPr>
+          <p:cNvPr id="9" name="직사각형 8">
+            <a:extLst>
+              <a:ext uri="{FF2B5EF4-FFF2-40B4-BE49-F238E27FC236}">
+                <a16:creationId xmlns:a16="http://schemas.microsoft.com/office/drawing/2014/main" id="{573DDF42-6191-9BB7-EA99-8EB493BCD21B}"/>
+              </a:ext>
+            </a:extLst>
+          </p:cNvPr>
+          <p:cNvSpPr/>
+          <p:nvPr/>
+        </p:nvSpPr>
+        <p:spPr>
+          <a:xfrm>
+            <a:off x="7030605" y="2588657"/>
+            <a:ext cx="1572239" cy="2055914"/>
+          </a:xfrm>
+          <a:prstGeom prst="rect">
+            <a:avLst/>
+          </a:prstGeom>
+          <a:solidFill>
+            <a:schemeClr val="bg1"/>
+          </a:solidFill>
+          <a:ln w="28575">
+            <a:solidFill>
+              <a:schemeClr val="tx1"/>
+            </a:solidFill>
+          </a:ln>
+        </p:spPr>
+        <p:style>
+          <a:lnRef idx="2">
+            <a:schemeClr val="accent1">
+              <a:shade val="50000"/>
+            </a:schemeClr>
+          </a:lnRef>
+          <a:fillRef idx="1">
+            <a:schemeClr val="accent1"/>
+          </a:fillRef>
+          <a:effectRef idx="0">
+            <a:schemeClr val="accent1"/>
+          </a:effectRef>
+          <a:fontRef idx="minor">
+            <a:schemeClr val="lt1"/>
+          </a:fontRef>
+        </p:style>
+        <p:txBody>
+          <a:bodyPr rtlCol="0" anchor="ctr"/>
+          <a:lstStyle/>
+          <a:p>
+            <a:pPr algn="ctr"/>
+            <a:endParaRPr lang="ko-KR" altLang="en-US" b="1">
+              <a:solidFill>
+                <a:schemeClr val="tx1"/>
+              </a:solidFill>
+            </a:endParaRPr>
+          </a:p>
+        </p:txBody>
+      </p:sp>
+      <p:sp>
+        <p:nvSpPr>
+          <p:cNvPr id="10" name="TextBox 9">
+            <a:extLst>
+              <a:ext uri="{FF2B5EF4-FFF2-40B4-BE49-F238E27FC236}">
+                <a16:creationId xmlns:a16="http://schemas.microsoft.com/office/drawing/2014/main" id="{770D0CCF-414F-6BB3-E577-5CDB7A4DB305}"/>
+              </a:ext>
+            </a:extLst>
+          </p:cNvPr>
+          <p:cNvSpPr txBox="1"/>
+          <p:nvPr/>
+        </p:nvSpPr>
+        <p:spPr>
+          <a:xfrm>
+            <a:off x="7151400" y="4661582"/>
+            <a:ext cx="1320800" cy="307777"/>
+          </a:xfrm>
+          <a:prstGeom prst="rect">
+            <a:avLst/>
+          </a:prstGeom>
+          <a:noFill/>
+        </p:spPr>
+        <p:txBody>
+          <a:bodyPr wrap="square">
+            <a:spAutoFit/>
+          </a:bodyPr>
+          <a:lstStyle/>
+          <a:p>
+            <a:pPr algn="ctr"/>
+            <a:r>
+              <a:rPr lang="en-US" altLang="ko-KR" sz="1400" b="1">
+                <a:solidFill>
+                  <a:schemeClr val="tx1"/>
+                </a:solidFill>
+              </a:rPr>
+              <a:t>CORE</a:t>
+            </a:r>
+            <a:endParaRPr lang="ko-KR" altLang="en-US" sz="1400" b="1">
+              <a:solidFill>
+                <a:schemeClr val="tx1"/>
+              </a:solidFill>
+            </a:endParaRPr>
+          </a:p>
+        </p:txBody>
+      </p:sp>
+      <p:sp>
+        <p:nvSpPr>
+          <p:cNvPr id="11" name="직사각형 10">
+            <a:extLst>
+              <a:ext uri="{FF2B5EF4-FFF2-40B4-BE49-F238E27FC236}">
+                <a16:creationId xmlns:a16="http://schemas.microsoft.com/office/drawing/2014/main" id="{7F512DE1-57D6-6CF3-0A8E-6422B19AD7EC}"/>
+              </a:ext>
+            </a:extLst>
+          </p:cNvPr>
+          <p:cNvSpPr/>
+          <p:nvPr/>
+        </p:nvSpPr>
+        <p:spPr>
+          <a:xfrm>
+            <a:off x="254641" y="2566317"/>
+            <a:ext cx="865914" cy="2095264"/>
+          </a:xfrm>
+          <a:prstGeom prst="rect">
+            <a:avLst/>
+          </a:prstGeom>
+          <a:solidFill>
+            <a:schemeClr val="bg1"/>
+          </a:solidFill>
+          <a:ln w="28575">
+            <a:solidFill>
+              <a:schemeClr val="tx1"/>
+            </a:solidFill>
+          </a:ln>
+        </p:spPr>
+        <p:style>
+          <a:lnRef idx="2">
+            <a:schemeClr val="accent1">
+              <a:shade val="50000"/>
+            </a:schemeClr>
+          </a:lnRef>
+          <a:fillRef idx="1">
+            <a:schemeClr val="accent1"/>
+          </a:fillRef>
+          <a:effectRef idx="0">
+            <a:schemeClr val="accent1"/>
+          </a:effectRef>
+          <a:fontRef idx="minor">
+            <a:schemeClr val="lt1"/>
+          </a:fontRef>
+        </p:style>
+        <p:txBody>
+          <a:bodyPr rtlCol="0" anchor="ctr"/>
+          <a:lstStyle/>
+          <a:p>
+            <a:pPr algn="ctr"/>
+            <a:r>
+              <a:rPr lang="en-US" altLang="ko-KR" b="1">
+                <a:solidFill>
+                  <a:schemeClr val="tx1"/>
+                </a:solidFill>
+              </a:rPr>
+              <a:t>BRAM</a:t>
+            </a:r>
+            <a:endParaRPr lang="ko-KR" altLang="en-US" b="1">
+              <a:solidFill>
+                <a:schemeClr val="tx1"/>
+              </a:solidFill>
+            </a:endParaRPr>
+          </a:p>
+        </p:txBody>
+      </p:sp>
+      <p:sp>
+        <p:nvSpPr>
+          <p:cNvPr id="12" name="직사각형 11">
+            <a:extLst>
+              <a:ext uri="{FF2B5EF4-FFF2-40B4-BE49-F238E27FC236}">
+                <a16:creationId xmlns:a16="http://schemas.microsoft.com/office/drawing/2014/main" id="{79135878-81D0-9ED4-7A39-AF26A5E469D6}"/>
+              </a:ext>
+            </a:extLst>
+          </p:cNvPr>
+          <p:cNvSpPr/>
+          <p:nvPr/>
+        </p:nvSpPr>
+        <p:spPr>
+          <a:xfrm>
+            <a:off x="1865591" y="1211731"/>
+            <a:ext cx="6730967" cy="806660"/>
+          </a:xfrm>
+          <a:prstGeom prst="rect">
+            <a:avLst/>
+          </a:prstGeom>
+          <a:solidFill>
+            <a:schemeClr val="bg1"/>
+          </a:solidFill>
+          <a:ln w="28575">
+            <a:solidFill>
+              <a:schemeClr val="tx1"/>
+            </a:solidFill>
+          </a:ln>
+        </p:spPr>
+        <p:style>
+          <a:lnRef idx="2">
+            <a:schemeClr val="accent1">
+              <a:shade val="50000"/>
+            </a:schemeClr>
+          </a:lnRef>
+          <a:fillRef idx="1">
+            <a:schemeClr val="accent1"/>
+          </a:fillRef>
+          <a:effectRef idx="0">
+            <a:schemeClr val="accent1"/>
+          </a:effectRef>
+          <a:fontRef idx="minor">
+            <a:schemeClr val="lt1"/>
+          </a:fontRef>
+        </p:style>
+        <p:txBody>
+          <a:bodyPr rtlCol="0" anchor="ctr"/>
+          <a:lstStyle/>
+          <a:p>
+            <a:pPr algn="ctr"/>
+            <a:r>
+              <a:rPr lang="en-US" altLang="ko-KR" b="1">
+                <a:solidFill>
+                  <a:schemeClr val="tx1"/>
+                </a:solidFill>
+              </a:rPr>
+              <a:t>Controller</a:t>
+            </a:r>
+            <a:endParaRPr lang="ko-KR" altLang="en-US" b="1">
+              <a:solidFill>
+                <a:schemeClr val="tx1"/>
+              </a:solidFill>
+            </a:endParaRPr>
+          </a:p>
+        </p:txBody>
+      </p:sp>
+      <p:sp>
+        <p:nvSpPr>
+          <p:cNvPr id="19" name="TextBox 18">
+            <a:extLst>
+              <a:ext uri="{FF2B5EF4-FFF2-40B4-BE49-F238E27FC236}">
+                <a16:creationId xmlns:a16="http://schemas.microsoft.com/office/drawing/2014/main" id="{957A3D6F-5FF7-0F0A-0B12-7E3D77497752}"/>
+              </a:ext>
+            </a:extLst>
+          </p:cNvPr>
+          <p:cNvSpPr txBox="1"/>
+          <p:nvPr/>
+        </p:nvSpPr>
+        <p:spPr>
+          <a:xfrm>
+            <a:off x="4269363" y="2965207"/>
+            <a:ext cx="1028100" cy="276999"/>
+          </a:xfrm>
+          <a:prstGeom prst="rect">
+            <a:avLst/>
+          </a:prstGeom>
+          <a:noFill/>
+        </p:spPr>
+        <p:txBody>
+          <a:bodyPr wrap="square">
+            <a:spAutoFit/>
+          </a:bodyPr>
+          <a:lstStyle/>
+          <a:p>
+            <a:r>
+              <a:rPr lang="en-US" altLang="ko-KR" sz="1200" b="1"/>
+              <a:t>data_i[7:0]</a:t>
+            </a:r>
+            <a:endParaRPr lang="ko-KR" altLang="en-US" sz="1200" b="1">
+              <a:solidFill>
+                <a:schemeClr val="tx1"/>
+              </a:solidFill>
+            </a:endParaRPr>
+          </a:p>
+        </p:txBody>
+      </p:sp>
+      <p:sp>
+        <p:nvSpPr>
+          <p:cNvPr id="20" name="TextBox 19">
+            <a:extLst>
+              <a:ext uri="{FF2B5EF4-FFF2-40B4-BE49-F238E27FC236}">
+                <a16:creationId xmlns:a16="http://schemas.microsoft.com/office/drawing/2014/main" id="{C700BEA2-26C6-E3E5-8A36-5FAD04C91275}"/>
+              </a:ext>
+            </a:extLst>
+          </p:cNvPr>
+          <p:cNvSpPr txBox="1"/>
+          <p:nvPr/>
+        </p:nvSpPr>
+        <p:spPr>
+          <a:xfrm>
+            <a:off x="4272483" y="3213556"/>
+            <a:ext cx="1028100" cy="276999"/>
+          </a:xfrm>
+          <a:prstGeom prst="rect">
+            <a:avLst/>
+          </a:prstGeom>
+          <a:noFill/>
+        </p:spPr>
+        <p:txBody>
+          <a:bodyPr wrap="square">
+            <a:spAutoFit/>
+          </a:bodyPr>
+          <a:lstStyle/>
+          <a:p>
+            <a:r>
+              <a:rPr lang="en-US" altLang="ko-KR" sz="1200" b="1"/>
+              <a:t>data_en_i</a:t>
+            </a:r>
+            <a:endParaRPr lang="ko-KR" altLang="en-US" sz="1200" b="1">
+              <a:solidFill>
+                <a:schemeClr val="tx1"/>
+              </a:solidFill>
+            </a:endParaRPr>
+          </a:p>
+        </p:txBody>
+      </p:sp>
+      <p:sp>
+        <p:nvSpPr>
+          <p:cNvPr id="23" name="TextBox 22">
+            <a:extLst>
+              <a:ext uri="{FF2B5EF4-FFF2-40B4-BE49-F238E27FC236}">
+                <a16:creationId xmlns:a16="http://schemas.microsoft.com/office/drawing/2014/main" id="{9BB86B59-9E57-1315-57B0-B952CA4E0122}"/>
+              </a:ext>
+            </a:extLst>
+          </p:cNvPr>
+          <p:cNvSpPr txBox="1"/>
+          <p:nvPr/>
+        </p:nvSpPr>
+        <p:spPr>
+          <a:xfrm>
+            <a:off x="5283267" y="2957690"/>
+            <a:ext cx="1334465" cy="276999"/>
+          </a:xfrm>
+          <a:prstGeom prst="rect">
+            <a:avLst/>
+          </a:prstGeom>
+          <a:noFill/>
+        </p:spPr>
+        <p:txBody>
+          <a:bodyPr wrap="square">
+            <a:spAutoFit/>
+          </a:bodyPr>
+          <a:lstStyle/>
+          <a:p>
+            <a:r>
+              <a:rPr lang="en-US" altLang="ko-KR" sz="1200" b="1"/>
+              <a:t>data_o[0:9][7:0]</a:t>
+            </a:r>
+            <a:endParaRPr lang="ko-KR" altLang="en-US" sz="1200" b="1">
+              <a:solidFill>
+                <a:schemeClr val="tx1"/>
+              </a:solidFill>
+            </a:endParaRPr>
+          </a:p>
+        </p:txBody>
+      </p:sp>
+      <p:cxnSp>
+        <p:nvCxnSpPr>
+          <p:cNvPr id="24" name="직선 연결선 23">
+            <a:extLst>
+              <a:ext uri="{FF2B5EF4-FFF2-40B4-BE49-F238E27FC236}">
+                <a16:creationId xmlns:a16="http://schemas.microsoft.com/office/drawing/2014/main" id="{2CF96159-7B1D-A408-E198-8B5692F70C98}"/>
+              </a:ext>
+            </a:extLst>
+          </p:cNvPr>
+          <p:cNvCxnSpPr>
+            <a:cxnSpLocks/>
+          </p:cNvCxnSpPr>
+          <p:nvPr/>
+        </p:nvCxnSpPr>
+        <p:spPr>
+          <a:xfrm>
+            <a:off x="6540496" y="3108882"/>
+            <a:ext cx="488341" cy="0"/>
+          </a:xfrm>
+          <a:prstGeom prst="line">
+            <a:avLst/>
+          </a:prstGeom>
+          <a:ln w="28575">
+            <a:solidFill>
+              <a:srgbClr val="FF0000"/>
+            </a:solidFill>
+          </a:ln>
+        </p:spPr>
+        <p:style>
+          <a:lnRef idx="1">
+            <a:schemeClr val="accent1"/>
+          </a:lnRef>
+          <a:fillRef idx="0">
+            <a:schemeClr val="accent1"/>
+          </a:fillRef>
+          <a:effectRef idx="0">
+            <a:schemeClr val="accent1"/>
+          </a:effectRef>
+          <a:fontRef idx="minor">
+            <a:schemeClr val="tx1"/>
+          </a:fontRef>
+        </p:style>
+      </p:cxnSp>
+      <p:cxnSp>
+        <p:nvCxnSpPr>
+          <p:cNvPr id="25" name="직선 연결선 24">
+            <a:extLst>
+              <a:ext uri="{FF2B5EF4-FFF2-40B4-BE49-F238E27FC236}">
+                <a16:creationId xmlns:a16="http://schemas.microsoft.com/office/drawing/2014/main" id="{3D7288B5-482C-FFF3-67ED-2EEFD36B7BA4}"/>
+              </a:ext>
+            </a:extLst>
+          </p:cNvPr>
+          <p:cNvCxnSpPr>
+            <a:cxnSpLocks/>
+          </p:cNvCxnSpPr>
+          <p:nvPr/>
+        </p:nvCxnSpPr>
+        <p:spPr>
+          <a:xfrm>
+            <a:off x="6540496" y="3378964"/>
+            <a:ext cx="488341" cy="0"/>
+          </a:xfrm>
+          <a:prstGeom prst="line">
+            <a:avLst/>
+          </a:prstGeom>
+          <a:ln w="28575">
+            <a:solidFill>
+              <a:schemeClr val="tx1"/>
+            </a:solidFill>
+          </a:ln>
+        </p:spPr>
+        <p:style>
+          <a:lnRef idx="1">
+            <a:schemeClr val="accent1"/>
+          </a:lnRef>
+          <a:fillRef idx="0">
+            <a:schemeClr val="accent1"/>
+          </a:fillRef>
+          <a:effectRef idx="0">
+            <a:schemeClr val="accent1"/>
+          </a:effectRef>
+          <a:fontRef idx="minor">
+            <a:schemeClr val="tx1"/>
+          </a:fontRef>
+        </p:style>
+      </p:cxnSp>
+      <p:sp>
+        <p:nvSpPr>
+          <p:cNvPr id="26" name="TextBox 25">
+            <a:extLst>
+              <a:ext uri="{FF2B5EF4-FFF2-40B4-BE49-F238E27FC236}">
+                <a16:creationId xmlns:a16="http://schemas.microsoft.com/office/drawing/2014/main" id="{07A77C82-AE34-199D-8D6E-CF70668C2003}"/>
+              </a:ext>
+            </a:extLst>
+          </p:cNvPr>
+          <p:cNvSpPr txBox="1"/>
+          <p:nvPr/>
+        </p:nvSpPr>
+        <p:spPr>
+          <a:xfrm>
+            <a:off x="5649934" y="3228290"/>
+            <a:ext cx="939036" cy="276999"/>
+          </a:xfrm>
+          <a:prstGeom prst="rect">
+            <a:avLst/>
+          </a:prstGeom>
+          <a:noFill/>
+        </p:spPr>
+        <p:txBody>
+          <a:bodyPr wrap="square">
+            <a:spAutoFit/>
+          </a:bodyPr>
+          <a:lstStyle/>
+          <a:p>
+            <a:r>
+              <a:rPr lang="en-US" altLang="ko-KR" sz="1200" b="1">
+                <a:solidFill>
+                  <a:schemeClr val="tx1"/>
+                </a:solidFill>
+              </a:rPr>
+              <a:t>Core_en_o</a:t>
+            </a:r>
+            <a:endParaRPr lang="ko-KR" altLang="en-US" sz="1200" b="1">
+              <a:solidFill>
+                <a:schemeClr val="tx1"/>
+              </a:solidFill>
+            </a:endParaRPr>
+          </a:p>
+        </p:txBody>
+      </p:sp>
+      <p:sp>
+        <p:nvSpPr>
+          <p:cNvPr id="28" name="TextBox 27">
+            <a:extLst>
+              <a:ext uri="{FF2B5EF4-FFF2-40B4-BE49-F238E27FC236}">
+                <a16:creationId xmlns:a16="http://schemas.microsoft.com/office/drawing/2014/main" id="{D8D1CE1E-9C4D-B7F8-4048-0B1BBA0D39A7}"/>
+              </a:ext>
+            </a:extLst>
+          </p:cNvPr>
+          <p:cNvSpPr txBox="1"/>
+          <p:nvPr/>
+        </p:nvSpPr>
+        <p:spPr>
+          <a:xfrm>
+            <a:off x="5440783" y="2559831"/>
+            <a:ext cx="1132931" cy="276999"/>
+          </a:xfrm>
+          <a:prstGeom prst="rect">
+            <a:avLst/>
+          </a:prstGeom>
+          <a:noFill/>
+        </p:spPr>
+        <p:txBody>
+          <a:bodyPr wrap="square">
+            <a:spAutoFit/>
+          </a:bodyPr>
+          <a:lstStyle/>
+          <a:p>
+            <a:r>
+              <a:rPr lang="en-US" altLang="ko-KR" sz="1200" b="1">
+                <a:solidFill>
+                  <a:schemeClr val="tx1"/>
+                </a:solidFill>
+              </a:rPr>
+              <a:t>Core_done_o</a:t>
+            </a:r>
+            <a:endParaRPr lang="ko-KR" altLang="en-US" sz="1200" b="1">
+              <a:solidFill>
+                <a:schemeClr val="tx1"/>
+              </a:solidFill>
+            </a:endParaRPr>
+          </a:p>
+        </p:txBody>
+      </p:sp>
+      <p:sp>
+        <p:nvSpPr>
+          <p:cNvPr id="33" name="TextBox 32">
+            <a:extLst>
+              <a:ext uri="{FF2B5EF4-FFF2-40B4-BE49-F238E27FC236}">
+                <a16:creationId xmlns:a16="http://schemas.microsoft.com/office/drawing/2014/main" id="{5ED05668-A23E-D1F3-1E56-84AF05BA8E56}"/>
+              </a:ext>
+            </a:extLst>
+          </p:cNvPr>
+          <p:cNvSpPr txBox="1"/>
+          <p:nvPr/>
+        </p:nvSpPr>
+        <p:spPr>
+          <a:xfrm>
+            <a:off x="3002311" y="2965208"/>
+            <a:ext cx="979842" cy="276999"/>
+          </a:xfrm>
+          <a:prstGeom prst="rect">
+            <a:avLst/>
+          </a:prstGeom>
+          <a:noFill/>
+        </p:spPr>
+        <p:txBody>
+          <a:bodyPr wrap="square">
+            <a:spAutoFit/>
+          </a:bodyPr>
+          <a:lstStyle/>
+          <a:p>
+            <a:r>
+              <a:rPr lang="en-US" altLang="ko-KR" sz="1200" b="1"/>
+              <a:t>data_o[7:0]</a:t>
+            </a:r>
+            <a:endParaRPr lang="ko-KR" altLang="en-US" sz="1200" b="1">
+              <a:solidFill>
+                <a:schemeClr val="tx1"/>
+              </a:solidFill>
+            </a:endParaRPr>
+          </a:p>
+        </p:txBody>
+      </p:sp>
+      <p:cxnSp>
+        <p:nvCxnSpPr>
+          <p:cNvPr id="34" name="직선 연결선 33">
+            <a:extLst>
+              <a:ext uri="{FF2B5EF4-FFF2-40B4-BE49-F238E27FC236}">
+                <a16:creationId xmlns:a16="http://schemas.microsoft.com/office/drawing/2014/main" id="{AF48A4C2-07F2-3B18-6AEA-0FE6CB1F1219}"/>
+              </a:ext>
+            </a:extLst>
+          </p:cNvPr>
+          <p:cNvCxnSpPr>
+            <a:cxnSpLocks/>
+          </p:cNvCxnSpPr>
+          <p:nvPr/>
+        </p:nvCxnSpPr>
+        <p:spPr>
+          <a:xfrm>
+            <a:off x="3998875" y="3123603"/>
+            <a:ext cx="308085" cy="0"/>
+          </a:xfrm>
+          <a:prstGeom prst="line">
+            <a:avLst/>
+          </a:prstGeom>
+          <a:ln w="28575">
+            <a:solidFill>
+              <a:srgbClr val="FF0000"/>
+            </a:solidFill>
+          </a:ln>
+        </p:spPr>
+        <p:style>
+          <a:lnRef idx="1">
+            <a:schemeClr val="accent1"/>
+          </a:lnRef>
+          <a:fillRef idx="0">
+            <a:schemeClr val="accent1"/>
+          </a:fillRef>
+          <a:effectRef idx="0">
+            <a:schemeClr val="accent1"/>
+          </a:effectRef>
+          <a:fontRef idx="minor">
+            <a:schemeClr val="tx1"/>
+          </a:fontRef>
+        </p:style>
+      </p:cxnSp>
+      <p:sp>
+        <p:nvSpPr>
+          <p:cNvPr id="35" name="TextBox 34">
+            <a:extLst>
+              <a:ext uri="{FF2B5EF4-FFF2-40B4-BE49-F238E27FC236}">
+                <a16:creationId xmlns:a16="http://schemas.microsoft.com/office/drawing/2014/main" id="{CDD8F13A-93A9-757C-0E5C-50823984DDEB}"/>
+              </a:ext>
+            </a:extLst>
+          </p:cNvPr>
+          <p:cNvSpPr txBox="1"/>
+          <p:nvPr/>
+        </p:nvSpPr>
+        <p:spPr>
+          <a:xfrm>
+            <a:off x="3057744" y="3229018"/>
+            <a:ext cx="952458" cy="276999"/>
+          </a:xfrm>
+          <a:prstGeom prst="rect">
+            <a:avLst/>
+          </a:prstGeom>
+          <a:noFill/>
+        </p:spPr>
+        <p:txBody>
+          <a:bodyPr wrap="square">
+            <a:spAutoFit/>
+          </a:bodyPr>
+          <a:lstStyle/>
+          <a:p>
+            <a:r>
+              <a:rPr lang="en-US" altLang="ko-KR" sz="1200" b="1">
+                <a:solidFill>
+                  <a:schemeClr val="tx1"/>
+                </a:solidFill>
+              </a:rPr>
+              <a:t>data_en_o</a:t>
+            </a:r>
+            <a:endParaRPr lang="ko-KR" altLang="en-US" sz="1200" b="1">
+              <a:solidFill>
+                <a:schemeClr val="tx1"/>
+              </a:solidFill>
+            </a:endParaRPr>
+          </a:p>
+        </p:txBody>
+      </p:sp>
+      <p:cxnSp>
+        <p:nvCxnSpPr>
+          <p:cNvPr id="36" name="직선 연결선 35">
+            <a:extLst>
+              <a:ext uri="{FF2B5EF4-FFF2-40B4-BE49-F238E27FC236}">
+                <a16:creationId xmlns:a16="http://schemas.microsoft.com/office/drawing/2014/main" id="{92D17839-3903-4FBC-A152-EF404ADA2CD3}"/>
+              </a:ext>
+            </a:extLst>
+          </p:cNvPr>
+          <p:cNvCxnSpPr>
+            <a:cxnSpLocks/>
+          </p:cNvCxnSpPr>
+          <p:nvPr/>
+        </p:nvCxnSpPr>
+        <p:spPr>
+          <a:xfrm flipV="1">
+            <a:off x="3992483" y="3370593"/>
+            <a:ext cx="314477" cy="44"/>
+          </a:xfrm>
+          <a:prstGeom prst="line">
+            <a:avLst/>
+          </a:prstGeom>
+          <a:ln w="28575">
+            <a:solidFill>
+              <a:schemeClr val="tx1"/>
+            </a:solidFill>
+          </a:ln>
+        </p:spPr>
+        <p:style>
+          <a:lnRef idx="1">
+            <a:schemeClr val="accent1"/>
+          </a:lnRef>
+          <a:fillRef idx="0">
+            <a:schemeClr val="accent1"/>
+          </a:fillRef>
+          <a:effectRef idx="0">
+            <a:schemeClr val="accent1"/>
+          </a:effectRef>
+          <a:fontRef idx="minor">
+            <a:schemeClr val="tx1"/>
+          </a:fontRef>
+        </p:style>
+      </p:cxnSp>
+      <p:sp>
+        <p:nvSpPr>
+          <p:cNvPr id="38" name="TextBox 37">
+            <a:extLst>
+              <a:ext uri="{FF2B5EF4-FFF2-40B4-BE49-F238E27FC236}">
+                <a16:creationId xmlns:a16="http://schemas.microsoft.com/office/drawing/2014/main" id="{9971A508-3F2E-503B-1515-A580DE87B29B}"/>
+              </a:ext>
+            </a:extLst>
+          </p:cNvPr>
+          <p:cNvSpPr txBox="1"/>
+          <p:nvPr/>
+        </p:nvSpPr>
+        <p:spPr>
+          <a:xfrm>
+            <a:off x="2873609" y="2551923"/>
+            <a:ext cx="1169326" cy="276999"/>
+          </a:xfrm>
+          <a:prstGeom prst="rect">
+            <a:avLst/>
+          </a:prstGeom>
+          <a:noFill/>
+        </p:spPr>
+        <p:txBody>
+          <a:bodyPr wrap="square">
+            <a:spAutoFit/>
+          </a:bodyPr>
+          <a:lstStyle/>
+          <a:p>
+            <a:r>
+              <a:rPr lang="en-US" altLang="ko-KR" sz="1200" b="1"/>
+              <a:t>fetch</a:t>
+            </a:r>
+            <a:r>
+              <a:rPr lang="en-US" altLang="ko-KR" sz="1200" b="1">
+                <a:solidFill>
+                  <a:schemeClr val="tx1"/>
+                </a:solidFill>
+              </a:rPr>
+              <a:t>_done_o</a:t>
+            </a:r>
+            <a:endParaRPr lang="ko-KR" altLang="en-US" sz="1200" b="1">
+              <a:solidFill>
+                <a:schemeClr val="tx1"/>
+              </a:solidFill>
+            </a:endParaRPr>
+          </a:p>
+        </p:txBody>
+      </p:sp>
+      <p:cxnSp>
+        <p:nvCxnSpPr>
+          <p:cNvPr id="42" name="직선 연결선 41">
+            <a:extLst>
+              <a:ext uri="{FF2B5EF4-FFF2-40B4-BE49-F238E27FC236}">
+                <a16:creationId xmlns:a16="http://schemas.microsoft.com/office/drawing/2014/main" id="{6B9AA6F6-6968-9F2D-6C08-9F16F0F7BE02}"/>
+              </a:ext>
+            </a:extLst>
+          </p:cNvPr>
+          <p:cNvCxnSpPr>
+            <a:cxnSpLocks/>
+          </p:cNvCxnSpPr>
+          <p:nvPr/>
+        </p:nvCxnSpPr>
+        <p:spPr>
+          <a:xfrm flipV="1">
+            <a:off x="3424305" y="2048125"/>
+            <a:ext cx="0" cy="527803"/>
+          </a:xfrm>
+          <a:prstGeom prst="line">
+            <a:avLst/>
+          </a:prstGeom>
+          <a:ln w="28575">
+            <a:solidFill>
+              <a:schemeClr val="tx1"/>
+            </a:solidFill>
+          </a:ln>
+        </p:spPr>
+        <p:style>
+          <a:lnRef idx="1">
+            <a:schemeClr val="accent1"/>
+          </a:lnRef>
+          <a:fillRef idx="0">
+            <a:schemeClr val="accent1"/>
+          </a:fillRef>
+          <a:effectRef idx="0">
+            <a:schemeClr val="accent1"/>
+          </a:effectRef>
+          <a:fontRef idx="minor">
+            <a:schemeClr val="tx1"/>
+          </a:fontRef>
+        </p:style>
+      </p:cxnSp>
+      <p:cxnSp>
+        <p:nvCxnSpPr>
+          <p:cNvPr id="44" name="직선 연결선 43">
+            <a:extLst>
+              <a:ext uri="{FF2B5EF4-FFF2-40B4-BE49-F238E27FC236}">
+                <a16:creationId xmlns:a16="http://schemas.microsoft.com/office/drawing/2014/main" id="{87BD99EF-61E0-6755-8A41-CB9B4EFDB5AF}"/>
+              </a:ext>
+            </a:extLst>
+          </p:cNvPr>
+          <p:cNvCxnSpPr>
+            <a:cxnSpLocks/>
+          </p:cNvCxnSpPr>
+          <p:nvPr/>
+        </p:nvCxnSpPr>
+        <p:spPr>
+          <a:xfrm>
+            <a:off x="1130895" y="3706400"/>
+            <a:ext cx="712687" cy="0"/>
+          </a:xfrm>
+          <a:prstGeom prst="line">
+            <a:avLst/>
+          </a:prstGeom>
+          <a:ln w="76200">
+            <a:solidFill>
+              <a:schemeClr val="tx1"/>
+            </a:solidFill>
+          </a:ln>
+        </p:spPr>
+        <p:style>
+          <a:lnRef idx="1">
+            <a:schemeClr val="accent1"/>
+          </a:lnRef>
+          <a:fillRef idx="0">
+            <a:schemeClr val="accent1"/>
+          </a:fillRef>
+          <a:effectRef idx="0">
+            <a:schemeClr val="accent1"/>
+          </a:effectRef>
+          <a:fontRef idx="minor">
+            <a:schemeClr val="tx1"/>
+          </a:fontRef>
+        </p:style>
+      </p:cxnSp>
+      <p:sp>
+        <p:nvSpPr>
+          <p:cNvPr id="46" name="TextBox 45">
+            <a:extLst>
+              <a:ext uri="{FF2B5EF4-FFF2-40B4-BE49-F238E27FC236}">
+                <a16:creationId xmlns:a16="http://schemas.microsoft.com/office/drawing/2014/main" id="{8BF9544C-6506-7513-C9C2-2EC11E0E76D1}"/>
+              </a:ext>
+            </a:extLst>
+          </p:cNvPr>
+          <p:cNvSpPr txBox="1"/>
+          <p:nvPr/>
+        </p:nvSpPr>
+        <p:spPr>
+          <a:xfrm>
+            <a:off x="1068130" y="3165985"/>
+            <a:ext cx="1169326" cy="461665"/>
+          </a:xfrm>
+          <a:prstGeom prst="rect">
+            <a:avLst/>
+          </a:prstGeom>
+          <a:noFill/>
+        </p:spPr>
+        <p:txBody>
+          <a:bodyPr wrap="square">
+            <a:spAutoFit/>
+          </a:bodyPr>
+          <a:lstStyle/>
+          <a:p>
+            <a:r>
+              <a:rPr lang="en-US" altLang="ko-KR" sz="1200" b="1">
+                <a:solidFill>
+                  <a:schemeClr val="tx1"/>
+                </a:solidFill>
+              </a:rPr>
+              <a:t>Memory</a:t>
+            </a:r>
+          </a:p>
+          <a:p>
+            <a:r>
+              <a:rPr lang="en-US" altLang="ko-KR" sz="1200" b="1">
+                <a:solidFill>
+                  <a:schemeClr val="tx1"/>
+                </a:solidFill>
+              </a:rPr>
+              <a:t>interface</a:t>
+            </a:r>
+            <a:endParaRPr lang="ko-KR" altLang="en-US" sz="1200" b="1">
+              <a:solidFill>
+                <a:schemeClr val="tx1"/>
+              </a:solidFill>
+            </a:endParaRPr>
+          </a:p>
+        </p:txBody>
+      </p:sp>
+      <p:sp>
+        <p:nvSpPr>
+          <p:cNvPr id="47" name="직사각형 46">
+            <a:extLst>
+              <a:ext uri="{FF2B5EF4-FFF2-40B4-BE49-F238E27FC236}">
+                <a16:creationId xmlns:a16="http://schemas.microsoft.com/office/drawing/2014/main" id="{0EFCF7B0-40B1-7860-C837-140138E46A56}"/>
+              </a:ext>
+            </a:extLst>
+          </p:cNvPr>
+          <p:cNvSpPr/>
+          <p:nvPr/>
+        </p:nvSpPr>
+        <p:spPr>
+          <a:xfrm>
+            <a:off x="4742725" y="4051583"/>
+            <a:ext cx="1443496" cy="304583"/>
+          </a:xfrm>
+          <a:prstGeom prst="rect">
+            <a:avLst/>
+          </a:prstGeom>
+        </p:spPr>
+        <p:style>
+          <a:lnRef idx="2">
+            <a:schemeClr val="accent1">
+              <a:shade val="50000"/>
+            </a:schemeClr>
+          </a:lnRef>
+          <a:fillRef idx="1">
+            <a:schemeClr val="accent1"/>
+          </a:fillRef>
+          <a:effectRef idx="0">
+            <a:schemeClr val="accent1"/>
+          </a:effectRef>
+          <a:fontRef idx="minor">
+            <a:schemeClr val="lt1"/>
+          </a:fontRef>
+        </p:style>
+        <p:txBody>
+          <a:bodyPr rtlCol="0" anchor="ctr"/>
+          <a:lstStyle/>
+          <a:p>
+            <a:pPr algn="ctr"/>
+            <a:r>
+              <a:rPr lang="en-US" altLang="ko-KR" sz="1100" b="1">
+                <a:solidFill>
+                  <a:schemeClr val="bg1"/>
+                </a:solidFill>
+              </a:rPr>
+              <a:t>3x COL</a:t>
+            </a:r>
+          </a:p>
+          <a:p>
+            <a:pPr algn="ctr"/>
+            <a:r>
+              <a:rPr lang="en-US" altLang="ko-KR" sz="1100" b="1">
+                <a:solidFill>
+                  <a:schemeClr val="bg1"/>
+                </a:solidFill>
+              </a:rPr>
+              <a:t>BUFFER</a:t>
+            </a:r>
+            <a:endParaRPr lang="ko-KR" altLang="en-US" sz="1100" b="1">
+              <a:solidFill>
+                <a:schemeClr val="bg1"/>
+              </a:solidFill>
+            </a:endParaRPr>
+          </a:p>
+        </p:txBody>
+      </p:sp>
+      <p:cxnSp>
+        <p:nvCxnSpPr>
+          <p:cNvPr id="59" name="직선 연결선 58">
+            <a:extLst>
+              <a:ext uri="{FF2B5EF4-FFF2-40B4-BE49-F238E27FC236}">
+                <a16:creationId xmlns:a16="http://schemas.microsoft.com/office/drawing/2014/main" id="{6A0F85C0-1168-6F97-510A-6C44BF25B382}"/>
+              </a:ext>
+            </a:extLst>
+          </p:cNvPr>
+          <p:cNvCxnSpPr>
+            <a:cxnSpLocks/>
+          </p:cNvCxnSpPr>
+          <p:nvPr/>
+        </p:nvCxnSpPr>
+        <p:spPr>
+          <a:xfrm flipV="1">
+            <a:off x="2265972" y="2018391"/>
+            <a:ext cx="0" cy="567177"/>
+          </a:xfrm>
+          <a:prstGeom prst="line">
+            <a:avLst/>
+          </a:prstGeom>
+          <a:ln w="28575">
+            <a:solidFill>
+              <a:schemeClr val="tx1"/>
+            </a:solidFill>
+          </a:ln>
+        </p:spPr>
+        <p:style>
+          <a:lnRef idx="1">
+            <a:schemeClr val="accent1"/>
+          </a:lnRef>
+          <a:fillRef idx="0">
+            <a:schemeClr val="accent1"/>
+          </a:fillRef>
+          <a:effectRef idx="0">
+            <a:schemeClr val="accent1"/>
+          </a:effectRef>
+          <a:fontRef idx="minor">
+            <a:schemeClr val="tx1"/>
+          </a:fontRef>
+        </p:style>
+      </p:cxnSp>
+      <p:sp>
+        <p:nvSpPr>
+          <p:cNvPr id="63" name="TextBox 62">
+            <a:extLst>
+              <a:ext uri="{FF2B5EF4-FFF2-40B4-BE49-F238E27FC236}">
+                <a16:creationId xmlns:a16="http://schemas.microsoft.com/office/drawing/2014/main" id="{6FEBD5A6-F47A-2436-2424-FF04A795A54A}"/>
+              </a:ext>
+            </a:extLst>
+          </p:cNvPr>
+          <p:cNvSpPr txBox="1"/>
+          <p:nvPr/>
+        </p:nvSpPr>
+        <p:spPr>
+          <a:xfrm>
+            <a:off x="1812312" y="2556583"/>
+            <a:ext cx="1169326" cy="276999"/>
+          </a:xfrm>
+          <a:prstGeom prst="rect">
+            <a:avLst/>
+          </a:prstGeom>
+          <a:noFill/>
+        </p:spPr>
+        <p:txBody>
+          <a:bodyPr wrap="square">
+            <a:spAutoFit/>
+          </a:bodyPr>
+          <a:lstStyle/>
+          <a:p>
+            <a:r>
+              <a:rPr lang="en-US" altLang="ko-KR" sz="1200" b="1"/>
+              <a:t>fetch</a:t>
+            </a:r>
+            <a:r>
+              <a:rPr lang="en-US" altLang="ko-KR" sz="1200" b="1">
+                <a:solidFill>
+                  <a:schemeClr val="tx1"/>
+                </a:solidFill>
+              </a:rPr>
+              <a:t>_run_</a:t>
+            </a:r>
+            <a:r>
+              <a:rPr lang="en-US" altLang="ko-KR" sz="1200" b="1"/>
+              <a:t>i</a:t>
+            </a:r>
+            <a:endParaRPr lang="ko-KR" altLang="en-US" sz="1200" b="1">
+              <a:solidFill>
+                <a:schemeClr val="tx1"/>
+              </a:solidFill>
+            </a:endParaRPr>
+          </a:p>
+        </p:txBody>
+      </p:sp>
+      <p:sp>
+        <p:nvSpPr>
+          <p:cNvPr id="80" name="TextBox 79">
+            <a:extLst>
+              <a:ext uri="{FF2B5EF4-FFF2-40B4-BE49-F238E27FC236}">
+                <a16:creationId xmlns:a16="http://schemas.microsoft.com/office/drawing/2014/main" id="{CE8DB0DE-0A92-9D00-734E-988A01003A4E}"/>
+              </a:ext>
+            </a:extLst>
+          </p:cNvPr>
+          <p:cNvSpPr txBox="1"/>
+          <p:nvPr/>
+        </p:nvSpPr>
+        <p:spPr>
+          <a:xfrm>
+            <a:off x="7028837" y="2957519"/>
+            <a:ext cx="1334465" cy="276999"/>
+          </a:xfrm>
+          <a:prstGeom prst="rect">
+            <a:avLst/>
+          </a:prstGeom>
+          <a:noFill/>
+        </p:spPr>
+        <p:txBody>
+          <a:bodyPr wrap="square">
+            <a:spAutoFit/>
+          </a:bodyPr>
+          <a:lstStyle/>
+          <a:p>
+            <a:r>
+              <a:rPr lang="en-US" altLang="ko-KR" sz="1200" b="1"/>
+              <a:t>data_i[0:9][7:0]</a:t>
+            </a:r>
+            <a:endParaRPr lang="ko-KR" altLang="en-US" sz="1200" b="1">
+              <a:solidFill>
+                <a:schemeClr val="tx1"/>
+              </a:solidFill>
+            </a:endParaRPr>
+          </a:p>
+        </p:txBody>
+      </p:sp>
+      <p:sp>
+        <p:nvSpPr>
+          <p:cNvPr id="81" name="TextBox 80">
+            <a:extLst>
+              <a:ext uri="{FF2B5EF4-FFF2-40B4-BE49-F238E27FC236}">
+                <a16:creationId xmlns:a16="http://schemas.microsoft.com/office/drawing/2014/main" id="{98F5C923-FE95-D9BB-F7B1-F5CE6C9DEF42}"/>
+              </a:ext>
+            </a:extLst>
+          </p:cNvPr>
+          <p:cNvSpPr txBox="1"/>
+          <p:nvPr/>
+        </p:nvSpPr>
+        <p:spPr>
+          <a:xfrm>
+            <a:off x="6997387" y="3245300"/>
+            <a:ext cx="1028100" cy="276999"/>
+          </a:xfrm>
+          <a:prstGeom prst="rect">
+            <a:avLst/>
+          </a:prstGeom>
+          <a:noFill/>
+        </p:spPr>
+        <p:txBody>
+          <a:bodyPr wrap="square">
+            <a:spAutoFit/>
+          </a:bodyPr>
+          <a:lstStyle/>
+          <a:p>
+            <a:r>
+              <a:rPr lang="en-US" altLang="ko-KR" sz="1200" b="1">
+                <a:solidFill>
+                  <a:schemeClr val="tx1"/>
+                </a:solidFill>
+              </a:rPr>
+              <a:t>Core_en_</a:t>
+            </a:r>
+            <a:r>
+              <a:rPr lang="en-US" altLang="ko-KR" sz="1200" b="1"/>
+              <a:t>i</a:t>
+            </a:r>
+            <a:endParaRPr lang="ko-KR" altLang="en-US" sz="1200" b="1">
+              <a:solidFill>
+                <a:schemeClr val="tx1"/>
+              </a:solidFill>
+            </a:endParaRPr>
+          </a:p>
+        </p:txBody>
+      </p:sp>
+      <p:sp>
+        <p:nvSpPr>
+          <p:cNvPr id="83" name="TextBox 82">
+            <a:extLst>
+              <a:ext uri="{FF2B5EF4-FFF2-40B4-BE49-F238E27FC236}">
+                <a16:creationId xmlns:a16="http://schemas.microsoft.com/office/drawing/2014/main" id="{154B6515-A013-4149-5F5F-CE7FB7905DC1}"/>
+              </a:ext>
+            </a:extLst>
+          </p:cNvPr>
+          <p:cNvSpPr txBox="1"/>
+          <p:nvPr/>
+        </p:nvSpPr>
+        <p:spPr>
+          <a:xfrm>
+            <a:off x="2432128" y="4244826"/>
+            <a:ext cx="1550025" cy="276999"/>
+          </a:xfrm>
+          <a:prstGeom prst="rect">
+            <a:avLst/>
+          </a:prstGeom>
+          <a:noFill/>
+        </p:spPr>
+        <p:txBody>
+          <a:bodyPr wrap="square">
+            <a:spAutoFit/>
+          </a:bodyPr>
+          <a:lstStyle/>
+          <a:p>
+            <a:r>
+              <a:rPr lang="en-US" altLang="ko-KR" sz="1200" b="1">
+                <a:solidFill>
+                  <a:schemeClr val="tx1"/>
+                </a:solidFill>
+              </a:rPr>
+              <a:t>cnt_ pos _col_o[9:0]</a:t>
+            </a:r>
+            <a:endParaRPr lang="ko-KR" altLang="en-US" sz="1200" b="1">
+              <a:solidFill>
+                <a:schemeClr val="tx1"/>
+              </a:solidFill>
+            </a:endParaRPr>
+          </a:p>
+        </p:txBody>
+      </p:sp>
+      <p:sp>
+        <p:nvSpPr>
+          <p:cNvPr id="85" name="TextBox 84">
+            <a:extLst>
+              <a:ext uri="{FF2B5EF4-FFF2-40B4-BE49-F238E27FC236}">
+                <a16:creationId xmlns:a16="http://schemas.microsoft.com/office/drawing/2014/main" id="{F0CE17C6-0996-B2A0-246D-C0945AC688BB}"/>
+              </a:ext>
+            </a:extLst>
+          </p:cNvPr>
+          <p:cNvSpPr txBox="1"/>
+          <p:nvPr/>
+        </p:nvSpPr>
+        <p:spPr>
+          <a:xfrm>
+            <a:off x="2470461" y="3958225"/>
+            <a:ext cx="1558726" cy="276999"/>
+          </a:xfrm>
+          <a:prstGeom prst="rect">
+            <a:avLst/>
+          </a:prstGeom>
+          <a:noFill/>
+        </p:spPr>
+        <p:txBody>
+          <a:bodyPr wrap="square">
+            <a:spAutoFit/>
+          </a:bodyPr>
+          <a:lstStyle/>
+          <a:p>
+            <a:r>
+              <a:rPr lang="en-US" altLang="ko-KR" sz="1200" b="1">
+                <a:solidFill>
+                  <a:schemeClr val="tx1"/>
+                </a:solidFill>
+              </a:rPr>
+              <a:t>cnt_pos_row_o[9:0]</a:t>
+            </a:r>
+            <a:endParaRPr lang="ko-KR" altLang="en-US" sz="1200" b="1">
+              <a:solidFill>
+                <a:schemeClr val="tx1"/>
+              </a:solidFill>
+            </a:endParaRPr>
+          </a:p>
+        </p:txBody>
+      </p:sp>
+      <p:sp>
+        <p:nvSpPr>
+          <p:cNvPr id="88" name="TextBox 87">
+            <a:extLst>
+              <a:ext uri="{FF2B5EF4-FFF2-40B4-BE49-F238E27FC236}">
+                <a16:creationId xmlns:a16="http://schemas.microsoft.com/office/drawing/2014/main" id="{667682E8-9654-6FDB-E329-3CE34E3B72D4}"/>
+              </a:ext>
+            </a:extLst>
+          </p:cNvPr>
+          <p:cNvSpPr txBox="1"/>
+          <p:nvPr/>
+        </p:nvSpPr>
+        <p:spPr>
+          <a:xfrm>
+            <a:off x="7567555" y="3905402"/>
+            <a:ext cx="1012242" cy="276999"/>
+          </a:xfrm>
+          <a:prstGeom prst="rect">
+            <a:avLst/>
+          </a:prstGeom>
+          <a:noFill/>
+        </p:spPr>
+        <p:txBody>
+          <a:bodyPr wrap="square">
+            <a:spAutoFit/>
+          </a:bodyPr>
+          <a:lstStyle/>
+          <a:p>
+            <a:r>
+              <a:rPr lang="en-US" altLang="ko-KR" sz="1200" b="1"/>
+              <a:t>Pixel_o[7:0]</a:t>
+            </a:r>
+            <a:endParaRPr lang="ko-KR" altLang="en-US" sz="1200" b="1">
+              <a:solidFill>
+                <a:schemeClr val="tx1"/>
+              </a:solidFill>
+            </a:endParaRPr>
+          </a:p>
+        </p:txBody>
+      </p:sp>
+      <p:sp>
+        <p:nvSpPr>
+          <p:cNvPr id="90" name="TextBox 89">
+            <a:extLst>
+              <a:ext uri="{FF2B5EF4-FFF2-40B4-BE49-F238E27FC236}">
+                <a16:creationId xmlns:a16="http://schemas.microsoft.com/office/drawing/2014/main" id="{E69CFE24-651C-3399-A3E9-F0B00FB89BBF}"/>
+              </a:ext>
+            </a:extLst>
+          </p:cNvPr>
+          <p:cNvSpPr txBox="1"/>
+          <p:nvPr/>
+        </p:nvSpPr>
+        <p:spPr>
+          <a:xfrm>
+            <a:off x="7567555" y="4194017"/>
+            <a:ext cx="1012242" cy="276999"/>
+          </a:xfrm>
+          <a:prstGeom prst="rect">
+            <a:avLst/>
+          </a:prstGeom>
+          <a:noFill/>
+        </p:spPr>
+        <p:txBody>
+          <a:bodyPr wrap="square">
+            <a:spAutoFit/>
+          </a:bodyPr>
+          <a:lstStyle/>
+          <a:p>
+            <a:pPr algn="r"/>
+            <a:r>
+              <a:rPr lang="en-US" altLang="ko-KR" sz="1200" b="1"/>
+              <a:t>Pixel_en_o</a:t>
+            </a:r>
+            <a:endParaRPr lang="ko-KR" altLang="en-US" sz="1200" b="1">
+              <a:solidFill>
+                <a:schemeClr val="tx1"/>
+              </a:solidFill>
+            </a:endParaRPr>
+          </a:p>
+        </p:txBody>
+      </p:sp>
+      <p:cxnSp>
+        <p:nvCxnSpPr>
+          <p:cNvPr id="91" name="직선 연결선 90">
+            <a:extLst>
+              <a:ext uri="{FF2B5EF4-FFF2-40B4-BE49-F238E27FC236}">
+                <a16:creationId xmlns:a16="http://schemas.microsoft.com/office/drawing/2014/main" id="{38C90CF7-F3DB-1585-2727-618C0EDE32BE}"/>
+              </a:ext>
+            </a:extLst>
+          </p:cNvPr>
+          <p:cNvCxnSpPr>
+            <a:cxnSpLocks/>
+          </p:cNvCxnSpPr>
+          <p:nvPr/>
+        </p:nvCxnSpPr>
+        <p:spPr>
+          <a:xfrm>
+            <a:off x="7557350" y="4795440"/>
+            <a:ext cx="589438" cy="0"/>
+          </a:xfrm>
+          <a:prstGeom prst="line">
+            <a:avLst/>
+          </a:prstGeom>
+          <a:ln w="28575">
+            <a:solidFill>
+              <a:srgbClr val="FF0000"/>
+            </a:solidFill>
+          </a:ln>
+        </p:spPr>
+        <p:style>
+          <a:lnRef idx="1">
+            <a:schemeClr val="accent1"/>
+          </a:lnRef>
+          <a:fillRef idx="0">
+            <a:schemeClr val="accent1"/>
+          </a:fillRef>
+          <a:effectRef idx="0">
+            <a:schemeClr val="accent1"/>
+          </a:effectRef>
+          <a:fontRef idx="minor">
+            <a:schemeClr val="tx1"/>
+          </a:fontRef>
+        </p:style>
+      </p:cxnSp>
+      <p:cxnSp>
+        <p:nvCxnSpPr>
+          <p:cNvPr id="92" name="직선 연결선 91">
+            <a:extLst>
+              <a:ext uri="{FF2B5EF4-FFF2-40B4-BE49-F238E27FC236}">
+                <a16:creationId xmlns:a16="http://schemas.microsoft.com/office/drawing/2014/main" id="{AEDA23A9-4B32-77FE-564F-3C7C95A32ABA}"/>
+              </a:ext>
+            </a:extLst>
+          </p:cNvPr>
+          <p:cNvCxnSpPr>
+            <a:cxnSpLocks/>
+          </p:cNvCxnSpPr>
+          <p:nvPr/>
+        </p:nvCxnSpPr>
+        <p:spPr>
+          <a:xfrm>
+            <a:off x="7536445" y="5084055"/>
+            <a:ext cx="610343" cy="0"/>
+          </a:xfrm>
+          <a:prstGeom prst="line">
+            <a:avLst/>
+          </a:prstGeom>
+          <a:ln w="28575">
+            <a:solidFill>
+              <a:schemeClr val="tx1"/>
+            </a:solidFill>
+          </a:ln>
+        </p:spPr>
+        <p:style>
+          <a:lnRef idx="1">
+            <a:schemeClr val="accent1"/>
+          </a:lnRef>
+          <a:fillRef idx="0">
+            <a:schemeClr val="accent1"/>
+          </a:fillRef>
+          <a:effectRef idx="0">
+            <a:schemeClr val="accent1"/>
+          </a:effectRef>
+          <a:fontRef idx="minor">
+            <a:schemeClr val="tx1"/>
+          </a:fontRef>
+        </p:style>
+      </p:cxnSp>
+      <p:cxnSp>
+        <p:nvCxnSpPr>
+          <p:cNvPr id="103" name="직선 화살표 연결선 102">
+            <a:extLst>
+              <a:ext uri="{FF2B5EF4-FFF2-40B4-BE49-F238E27FC236}">
+                <a16:creationId xmlns:a16="http://schemas.microsoft.com/office/drawing/2014/main" id="{09A23163-18EB-959A-1517-23D22B8AC1C1}"/>
+              </a:ext>
+            </a:extLst>
+          </p:cNvPr>
+          <p:cNvCxnSpPr>
+            <a:cxnSpLocks/>
+          </p:cNvCxnSpPr>
+          <p:nvPr/>
+        </p:nvCxnSpPr>
+        <p:spPr>
+          <a:xfrm>
+            <a:off x="1292564" y="3706400"/>
+            <a:ext cx="457080" cy="0"/>
+          </a:xfrm>
+          <a:prstGeom prst="straightConnector1">
+            <a:avLst/>
+          </a:prstGeom>
+          <a:ln w="57150">
+            <a:solidFill>
+              <a:srgbClr val="FF0000"/>
+            </a:solidFill>
+            <a:tailEnd type="triangle"/>
+          </a:ln>
+        </p:spPr>
+        <p:style>
+          <a:lnRef idx="1">
+            <a:schemeClr val="accent1"/>
+          </a:lnRef>
+          <a:fillRef idx="0">
+            <a:schemeClr val="accent1"/>
+          </a:fillRef>
+          <a:effectRef idx="0">
+            <a:schemeClr val="accent1"/>
+          </a:effectRef>
+          <a:fontRef idx="minor">
+            <a:schemeClr val="tx1"/>
+          </a:fontRef>
+        </p:style>
+      </p:cxnSp>
+      <p:cxnSp>
+        <p:nvCxnSpPr>
+          <p:cNvPr id="107" name="직선 화살표 연결선 106">
+            <a:extLst>
+              <a:ext uri="{FF2B5EF4-FFF2-40B4-BE49-F238E27FC236}">
+                <a16:creationId xmlns:a16="http://schemas.microsoft.com/office/drawing/2014/main" id="{3EC89276-68E9-E459-9C69-6597E44FFF5C}"/>
+              </a:ext>
+            </a:extLst>
+          </p:cNvPr>
+          <p:cNvCxnSpPr>
+            <a:cxnSpLocks/>
+          </p:cNvCxnSpPr>
+          <p:nvPr/>
+        </p:nvCxnSpPr>
+        <p:spPr>
+          <a:xfrm>
+            <a:off x="7623529" y="4693808"/>
+            <a:ext cx="457080" cy="0"/>
+          </a:xfrm>
+          <a:prstGeom prst="straightConnector1">
+            <a:avLst/>
+          </a:prstGeom>
+          <a:ln w="57150">
+            <a:solidFill>
+              <a:srgbClr val="FF0000"/>
+            </a:solidFill>
+            <a:tailEnd type="triangle"/>
+          </a:ln>
+        </p:spPr>
+        <p:style>
+          <a:lnRef idx="1">
+            <a:schemeClr val="accent1"/>
+          </a:lnRef>
+          <a:fillRef idx="0">
+            <a:schemeClr val="accent1"/>
+          </a:fillRef>
+          <a:effectRef idx="0">
+            <a:schemeClr val="accent1"/>
+          </a:effectRef>
+          <a:fontRef idx="minor">
+            <a:schemeClr val="tx1"/>
+          </a:fontRef>
+        </p:style>
+      </p:cxnSp>
+      <p:cxnSp>
+        <p:nvCxnSpPr>
+          <p:cNvPr id="108" name="직선 화살표 연결선 107">
+            <a:extLst>
+              <a:ext uri="{FF2B5EF4-FFF2-40B4-BE49-F238E27FC236}">
+                <a16:creationId xmlns:a16="http://schemas.microsoft.com/office/drawing/2014/main" id="{964F7618-8D9E-BB44-5EDE-C0F8BBC79E6A}"/>
+              </a:ext>
+            </a:extLst>
+          </p:cNvPr>
+          <p:cNvCxnSpPr>
+            <a:cxnSpLocks/>
+          </p:cNvCxnSpPr>
+          <p:nvPr/>
+        </p:nvCxnSpPr>
+        <p:spPr>
+          <a:xfrm>
+            <a:off x="1459518" y="801596"/>
+            <a:ext cx="0" cy="652489"/>
+          </a:xfrm>
+          <a:prstGeom prst="straightConnector1">
+            <a:avLst/>
+          </a:prstGeom>
+          <a:ln w="57150">
+            <a:solidFill>
+              <a:srgbClr val="00B0F0"/>
+            </a:solidFill>
+            <a:tailEnd type="triangle"/>
+          </a:ln>
+        </p:spPr>
+        <p:style>
+          <a:lnRef idx="1">
+            <a:schemeClr val="accent1"/>
+          </a:lnRef>
+          <a:fillRef idx="0">
+            <a:schemeClr val="accent1"/>
+          </a:fillRef>
+          <a:effectRef idx="0">
+            <a:schemeClr val="accent1"/>
+          </a:effectRef>
+          <a:fontRef idx="minor">
+            <a:schemeClr val="tx1"/>
+          </a:fontRef>
+        </p:style>
+      </p:cxnSp>
+      <p:cxnSp>
+        <p:nvCxnSpPr>
+          <p:cNvPr id="110" name="직선 연결선 109">
+            <a:extLst>
+              <a:ext uri="{FF2B5EF4-FFF2-40B4-BE49-F238E27FC236}">
+                <a16:creationId xmlns:a16="http://schemas.microsoft.com/office/drawing/2014/main" id="{C4379F4E-B94C-56DF-3C55-2C306FD7CE52}"/>
+              </a:ext>
+            </a:extLst>
+          </p:cNvPr>
+          <p:cNvCxnSpPr>
+            <a:cxnSpLocks/>
+          </p:cNvCxnSpPr>
+          <p:nvPr/>
+        </p:nvCxnSpPr>
+        <p:spPr>
+          <a:xfrm>
+            <a:off x="1601861" y="1552607"/>
+            <a:ext cx="292725" cy="0"/>
+          </a:xfrm>
+          <a:prstGeom prst="line">
+            <a:avLst/>
+          </a:prstGeom>
+          <a:ln w="28575">
+            <a:solidFill>
+              <a:schemeClr val="tx1"/>
+            </a:solidFill>
+          </a:ln>
+        </p:spPr>
+        <p:style>
+          <a:lnRef idx="1">
+            <a:schemeClr val="accent1"/>
+          </a:lnRef>
+          <a:fillRef idx="0">
+            <a:schemeClr val="accent1"/>
+          </a:fillRef>
+          <a:effectRef idx="0">
+            <a:schemeClr val="accent1"/>
+          </a:effectRef>
+          <a:fontRef idx="minor">
+            <a:schemeClr val="tx1"/>
+          </a:fontRef>
+        </p:style>
+      </p:cxnSp>
+      <p:sp>
+        <p:nvSpPr>
+          <p:cNvPr id="112" name="TextBox 111">
+            <a:extLst>
+              <a:ext uri="{FF2B5EF4-FFF2-40B4-BE49-F238E27FC236}">
+                <a16:creationId xmlns:a16="http://schemas.microsoft.com/office/drawing/2014/main" id="{00BD5465-B582-0113-9E96-99A7501D7570}"/>
+              </a:ext>
+            </a:extLst>
+          </p:cNvPr>
+          <p:cNvSpPr txBox="1"/>
+          <p:nvPr/>
+        </p:nvSpPr>
+        <p:spPr>
+          <a:xfrm>
+            <a:off x="1859539" y="1409830"/>
+            <a:ext cx="727835" cy="276999"/>
+          </a:xfrm>
+          <a:prstGeom prst="rect">
+            <a:avLst/>
+          </a:prstGeom>
+          <a:noFill/>
+        </p:spPr>
+        <p:txBody>
+          <a:bodyPr wrap="square">
+            <a:spAutoFit/>
+          </a:bodyPr>
+          <a:lstStyle/>
+          <a:p>
+            <a:r>
+              <a:rPr lang="en-US" altLang="ko-KR" sz="1200" b="1">
+                <a:solidFill>
+                  <a:schemeClr val="tx1"/>
+                </a:solidFill>
+              </a:rPr>
+              <a:t>Start_i</a:t>
+            </a:r>
+            <a:endParaRPr lang="ko-KR" altLang="en-US" sz="1200" b="1">
+              <a:solidFill>
+                <a:schemeClr val="tx1"/>
+              </a:solidFill>
+            </a:endParaRPr>
+          </a:p>
+        </p:txBody>
+      </p:sp>
+      <p:cxnSp>
+        <p:nvCxnSpPr>
+          <p:cNvPr id="113" name="직선 화살표 연결선 112">
+            <a:extLst>
+              <a:ext uri="{FF2B5EF4-FFF2-40B4-BE49-F238E27FC236}">
+                <a16:creationId xmlns:a16="http://schemas.microsoft.com/office/drawing/2014/main" id="{2DE170E8-52C9-77C5-55B8-BD7C90694F36}"/>
+              </a:ext>
+            </a:extLst>
+          </p:cNvPr>
+          <p:cNvCxnSpPr>
+            <a:cxnSpLocks/>
+          </p:cNvCxnSpPr>
+          <p:nvPr/>
+        </p:nvCxnSpPr>
+        <p:spPr>
+          <a:xfrm>
+            <a:off x="2402705" y="2115492"/>
+            <a:ext cx="0" cy="382951"/>
+          </a:xfrm>
+          <a:prstGeom prst="straightConnector1">
+            <a:avLst/>
+          </a:prstGeom>
+          <a:ln w="57150">
+            <a:solidFill>
+              <a:srgbClr val="00B0F0"/>
+            </a:solidFill>
+            <a:tailEnd type="triangle"/>
+          </a:ln>
+        </p:spPr>
+        <p:style>
+          <a:lnRef idx="1">
+            <a:schemeClr val="accent1"/>
+          </a:lnRef>
+          <a:fillRef idx="0">
+            <a:schemeClr val="accent1"/>
+          </a:fillRef>
+          <a:effectRef idx="0">
+            <a:schemeClr val="accent1"/>
+          </a:effectRef>
+          <a:fontRef idx="minor">
+            <a:schemeClr val="tx1"/>
+          </a:fontRef>
+        </p:style>
+      </p:cxnSp>
+      <p:sp>
+        <p:nvSpPr>
+          <p:cNvPr id="115" name="TextBox 114">
+            <a:extLst>
+              <a:ext uri="{FF2B5EF4-FFF2-40B4-BE49-F238E27FC236}">
+                <a16:creationId xmlns:a16="http://schemas.microsoft.com/office/drawing/2014/main" id="{90CFC03F-08B8-5ED9-C651-9455A6014A9A}"/>
+              </a:ext>
+            </a:extLst>
+          </p:cNvPr>
+          <p:cNvSpPr txBox="1"/>
+          <p:nvPr/>
+        </p:nvSpPr>
+        <p:spPr>
+          <a:xfrm>
+            <a:off x="1137772" y="863681"/>
+            <a:ext cx="406400" cy="369332"/>
+          </a:xfrm>
+          <a:prstGeom prst="rect">
+            <a:avLst/>
+          </a:prstGeom>
+          <a:noFill/>
+        </p:spPr>
+        <p:txBody>
+          <a:bodyPr wrap="square" rtlCol="0">
+            <a:spAutoFit/>
+          </a:bodyPr>
+          <a:lstStyle/>
+          <a:p>
+            <a:r>
+              <a:rPr lang="en-US" altLang="ko-KR" b="1">
+                <a:solidFill>
+                  <a:srgbClr val="00B0F0"/>
+                </a:solidFill>
+              </a:rPr>
+              <a:t>1</a:t>
+            </a:r>
+            <a:endParaRPr lang="ko-KR" altLang="en-US" b="1">
+              <a:solidFill>
+                <a:srgbClr val="00B0F0"/>
+              </a:solidFill>
+            </a:endParaRPr>
+          </a:p>
+        </p:txBody>
+      </p:sp>
+      <p:sp>
+        <p:nvSpPr>
+          <p:cNvPr id="116" name="TextBox 115">
+            <a:extLst>
+              <a:ext uri="{FF2B5EF4-FFF2-40B4-BE49-F238E27FC236}">
+                <a16:creationId xmlns:a16="http://schemas.microsoft.com/office/drawing/2014/main" id="{3A29C3C1-E561-DD0E-2D4A-4C4D0F760822}"/>
+              </a:ext>
+            </a:extLst>
+          </p:cNvPr>
+          <p:cNvSpPr txBox="1"/>
+          <p:nvPr/>
+        </p:nvSpPr>
+        <p:spPr>
+          <a:xfrm>
+            <a:off x="2459591" y="2115492"/>
+            <a:ext cx="406400" cy="369332"/>
+          </a:xfrm>
+          <a:prstGeom prst="rect">
+            <a:avLst/>
+          </a:prstGeom>
+          <a:noFill/>
+        </p:spPr>
+        <p:txBody>
+          <a:bodyPr wrap="square" rtlCol="0">
+            <a:spAutoFit/>
+          </a:bodyPr>
+          <a:lstStyle/>
+          <a:p>
+            <a:r>
+              <a:rPr lang="en-US" altLang="ko-KR" b="1">
+                <a:solidFill>
+                  <a:srgbClr val="00B0F0"/>
+                </a:solidFill>
+              </a:rPr>
+              <a:t>2</a:t>
+            </a:r>
+            <a:endParaRPr lang="ko-KR" altLang="en-US" b="1">
+              <a:solidFill>
+                <a:srgbClr val="00B0F0"/>
+              </a:solidFill>
+            </a:endParaRPr>
+          </a:p>
+        </p:txBody>
+      </p:sp>
+      <p:cxnSp>
+        <p:nvCxnSpPr>
+          <p:cNvPr id="117" name="직선 화살표 연결선 116">
+            <a:extLst>
+              <a:ext uri="{FF2B5EF4-FFF2-40B4-BE49-F238E27FC236}">
+                <a16:creationId xmlns:a16="http://schemas.microsoft.com/office/drawing/2014/main" id="{7B025880-C583-E806-7705-CBBBAAA270BD}"/>
+              </a:ext>
+            </a:extLst>
+          </p:cNvPr>
+          <p:cNvCxnSpPr>
+            <a:cxnSpLocks/>
+          </p:cNvCxnSpPr>
+          <p:nvPr/>
+        </p:nvCxnSpPr>
+        <p:spPr>
+          <a:xfrm flipH="1" flipV="1">
+            <a:off x="3537966" y="2080932"/>
+            <a:ext cx="8504" cy="414945"/>
+          </a:xfrm>
+          <a:prstGeom prst="straightConnector1">
+            <a:avLst/>
+          </a:prstGeom>
+          <a:ln w="57150">
+            <a:solidFill>
+              <a:srgbClr val="00B0F0"/>
+            </a:solidFill>
+            <a:tailEnd type="triangle"/>
+          </a:ln>
+        </p:spPr>
+        <p:style>
+          <a:lnRef idx="1">
+            <a:schemeClr val="accent1"/>
+          </a:lnRef>
+          <a:fillRef idx="0">
+            <a:schemeClr val="accent1"/>
+          </a:fillRef>
+          <a:effectRef idx="0">
+            <a:schemeClr val="accent1"/>
+          </a:effectRef>
+          <a:fontRef idx="minor">
+            <a:schemeClr val="tx1"/>
+          </a:fontRef>
+        </p:style>
+      </p:cxnSp>
+      <p:sp>
+        <p:nvSpPr>
+          <p:cNvPr id="120" name="TextBox 119">
+            <a:extLst>
+              <a:ext uri="{FF2B5EF4-FFF2-40B4-BE49-F238E27FC236}">
+                <a16:creationId xmlns:a16="http://schemas.microsoft.com/office/drawing/2014/main" id="{727F24E2-44F1-0764-B69F-61F595CCC418}"/>
+              </a:ext>
+            </a:extLst>
+          </p:cNvPr>
+          <p:cNvSpPr txBox="1"/>
+          <p:nvPr/>
+        </p:nvSpPr>
+        <p:spPr>
+          <a:xfrm>
+            <a:off x="3649635" y="2157715"/>
+            <a:ext cx="406400" cy="369332"/>
+          </a:xfrm>
+          <a:prstGeom prst="rect">
+            <a:avLst/>
+          </a:prstGeom>
+          <a:noFill/>
+        </p:spPr>
+        <p:txBody>
+          <a:bodyPr wrap="square" rtlCol="0">
+            <a:spAutoFit/>
+          </a:bodyPr>
+          <a:lstStyle/>
+          <a:p>
+            <a:r>
+              <a:rPr lang="en-US" altLang="ko-KR" b="1">
+                <a:solidFill>
+                  <a:srgbClr val="00B0F0"/>
+                </a:solidFill>
+              </a:rPr>
+              <a:t>3</a:t>
+            </a:r>
+            <a:endParaRPr lang="ko-KR" altLang="en-US" b="1">
+              <a:solidFill>
+                <a:srgbClr val="00B0F0"/>
+              </a:solidFill>
+            </a:endParaRPr>
+          </a:p>
+        </p:txBody>
+      </p:sp>
+      <p:cxnSp>
+        <p:nvCxnSpPr>
+          <p:cNvPr id="122" name="직선 화살표 연결선 121">
+            <a:extLst>
+              <a:ext uri="{FF2B5EF4-FFF2-40B4-BE49-F238E27FC236}">
+                <a16:creationId xmlns:a16="http://schemas.microsoft.com/office/drawing/2014/main" id="{39FA6BE5-5FE0-112E-BB78-D7D1E7891203}"/>
+              </a:ext>
+            </a:extLst>
+          </p:cNvPr>
+          <p:cNvCxnSpPr>
+            <a:cxnSpLocks/>
+          </p:cNvCxnSpPr>
+          <p:nvPr/>
+        </p:nvCxnSpPr>
+        <p:spPr>
+          <a:xfrm flipV="1">
+            <a:off x="6104223" y="2080932"/>
+            <a:ext cx="0" cy="409189"/>
+          </a:xfrm>
+          <a:prstGeom prst="straightConnector1">
+            <a:avLst/>
+          </a:prstGeom>
+          <a:ln w="57150">
+            <a:solidFill>
+              <a:srgbClr val="00B0F0"/>
+            </a:solidFill>
+            <a:tailEnd type="triangle"/>
+          </a:ln>
+        </p:spPr>
+        <p:style>
+          <a:lnRef idx="1">
+            <a:schemeClr val="accent1"/>
+          </a:lnRef>
+          <a:fillRef idx="0">
+            <a:schemeClr val="accent1"/>
+          </a:fillRef>
+          <a:effectRef idx="0">
+            <a:schemeClr val="accent1"/>
+          </a:effectRef>
+          <a:fontRef idx="minor">
+            <a:schemeClr val="tx1"/>
+          </a:fontRef>
+        </p:style>
+      </p:cxnSp>
+      <p:cxnSp>
+        <p:nvCxnSpPr>
+          <p:cNvPr id="124" name="직선 연결선 123">
+            <a:extLst>
+              <a:ext uri="{FF2B5EF4-FFF2-40B4-BE49-F238E27FC236}">
+                <a16:creationId xmlns:a16="http://schemas.microsoft.com/office/drawing/2014/main" id="{9E969901-CADC-A5A6-0279-22A6FFD549CB}"/>
+              </a:ext>
+            </a:extLst>
+          </p:cNvPr>
+          <p:cNvCxnSpPr>
+            <a:cxnSpLocks/>
+          </p:cNvCxnSpPr>
+          <p:nvPr/>
+        </p:nvCxnSpPr>
+        <p:spPr>
+          <a:xfrm flipV="1">
+            <a:off x="4845670" y="2018391"/>
+            <a:ext cx="0" cy="557537"/>
+          </a:xfrm>
+          <a:prstGeom prst="line">
+            <a:avLst/>
+          </a:prstGeom>
+          <a:ln w="28575">
+            <a:solidFill>
+              <a:schemeClr val="tx1"/>
+            </a:solidFill>
+          </a:ln>
+        </p:spPr>
+        <p:style>
+          <a:lnRef idx="1">
+            <a:schemeClr val="accent1"/>
+          </a:lnRef>
+          <a:fillRef idx="0">
+            <a:schemeClr val="accent1"/>
+          </a:fillRef>
+          <a:effectRef idx="0">
+            <a:schemeClr val="accent1"/>
+          </a:effectRef>
+          <a:fontRef idx="minor">
+            <a:schemeClr val="tx1"/>
+          </a:fontRef>
+        </p:style>
+      </p:cxnSp>
+      <p:sp>
+        <p:nvSpPr>
+          <p:cNvPr id="126" name="TextBox 125">
+            <a:extLst>
+              <a:ext uri="{FF2B5EF4-FFF2-40B4-BE49-F238E27FC236}">
+                <a16:creationId xmlns:a16="http://schemas.microsoft.com/office/drawing/2014/main" id="{DFCBC1DC-8A3C-90C5-1098-A1F793F7ACE9}"/>
+              </a:ext>
+            </a:extLst>
+          </p:cNvPr>
+          <p:cNvSpPr txBox="1"/>
+          <p:nvPr/>
+        </p:nvSpPr>
+        <p:spPr>
+          <a:xfrm>
+            <a:off x="4430302" y="2538513"/>
+            <a:ext cx="1132931" cy="276999"/>
+          </a:xfrm>
+          <a:prstGeom prst="rect">
+            <a:avLst/>
+          </a:prstGeom>
+          <a:noFill/>
+        </p:spPr>
+        <p:txBody>
+          <a:bodyPr wrap="square">
+            <a:spAutoFit/>
+          </a:bodyPr>
+          <a:lstStyle/>
+          <a:p>
+            <a:r>
+              <a:rPr lang="en-US" altLang="ko-KR" sz="1200" b="1">
+                <a:solidFill>
+                  <a:schemeClr val="tx1"/>
+                </a:solidFill>
+              </a:rPr>
+              <a:t>Core_</a:t>
+            </a:r>
+            <a:r>
+              <a:rPr lang="en-US" altLang="ko-KR" sz="1200" b="1"/>
+              <a:t>run</a:t>
+            </a:r>
+            <a:r>
+              <a:rPr lang="en-US" altLang="ko-KR" sz="1200" b="1">
+                <a:solidFill>
+                  <a:schemeClr val="tx1"/>
+                </a:solidFill>
+              </a:rPr>
+              <a:t>_</a:t>
+            </a:r>
+            <a:r>
+              <a:rPr lang="en-US" altLang="ko-KR" sz="1200" b="1"/>
+              <a:t>i</a:t>
+            </a:r>
+            <a:endParaRPr lang="ko-KR" altLang="en-US" sz="1200" b="1">
+              <a:solidFill>
+                <a:schemeClr val="tx1"/>
+              </a:solidFill>
+            </a:endParaRPr>
+          </a:p>
+        </p:txBody>
+      </p:sp>
+      <p:cxnSp>
+        <p:nvCxnSpPr>
+          <p:cNvPr id="127" name="직선 화살표 연결선 126">
+            <a:extLst>
+              <a:ext uri="{FF2B5EF4-FFF2-40B4-BE49-F238E27FC236}">
+                <a16:creationId xmlns:a16="http://schemas.microsoft.com/office/drawing/2014/main" id="{C1BAB574-95E7-B8ED-F803-C36463A9C30F}"/>
+              </a:ext>
+            </a:extLst>
+          </p:cNvPr>
+          <p:cNvCxnSpPr>
+            <a:cxnSpLocks/>
+          </p:cNvCxnSpPr>
+          <p:nvPr/>
+        </p:nvCxnSpPr>
+        <p:spPr>
+          <a:xfrm>
+            <a:off x="4996767" y="2080932"/>
+            <a:ext cx="0" cy="457581"/>
+          </a:xfrm>
+          <a:prstGeom prst="straightConnector1">
+            <a:avLst/>
+          </a:prstGeom>
+          <a:ln w="57150">
+            <a:solidFill>
+              <a:srgbClr val="00B0F0"/>
+            </a:solidFill>
+            <a:tailEnd type="triangle"/>
+          </a:ln>
+        </p:spPr>
+        <p:style>
+          <a:lnRef idx="1">
+            <a:schemeClr val="accent1"/>
+          </a:lnRef>
+          <a:fillRef idx="0">
+            <a:schemeClr val="accent1"/>
+          </a:fillRef>
+          <a:effectRef idx="0">
+            <a:schemeClr val="accent1"/>
+          </a:effectRef>
+          <a:fontRef idx="minor">
+            <a:schemeClr val="tx1"/>
+          </a:fontRef>
+        </p:style>
+      </p:cxnSp>
+      <p:sp>
+        <p:nvSpPr>
+          <p:cNvPr id="129" name="TextBox 128">
+            <a:extLst>
+              <a:ext uri="{FF2B5EF4-FFF2-40B4-BE49-F238E27FC236}">
+                <a16:creationId xmlns:a16="http://schemas.microsoft.com/office/drawing/2014/main" id="{ACFAD219-A108-DFC2-576E-923787CFBD80}"/>
+              </a:ext>
+            </a:extLst>
+          </p:cNvPr>
+          <p:cNvSpPr txBox="1"/>
+          <p:nvPr/>
+        </p:nvSpPr>
+        <p:spPr>
+          <a:xfrm>
+            <a:off x="5042064" y="2122137"/>
+            <a:ext cx="406400" cy="369332"/>
+          </a:xfrm>
+          <a:prstGeom prst="rect">
+            <a:avLst/>
+          </a:prstGeom>
+          <a:noFill/>
+        </p:spPr>
+        <p:txBody>
+          <a:bodyPr wrap="square" rtlCol="0">
+            <a:spAutoFit/>
+          </a:bodyPr>
+          <a:lstStyle/>
+          <a:p>
+            <a:r>
+              <a:rPr lang="en-US" altLang="ko-KR" b="1">
+                <a:solidFill>
+                  <a:srgbClr val="00B0F0"/>
+                </a:solidFill>
+              </a:rPr>
+              <a:t>4</a:t>
+            </a:r>
+            <a:endParaRPr lang="ko-KR" altLang="en-US" b="1">
+              <a:solidFill>
+                <a:srgbClr val="00B0F0"/>
+              </a:solidFill>
+            </a:endParaRPr>
+          </a:p>
+        </p:txBody>
+      </p:sp>
+      <p:sp>
+        <p:nvSpPr>
+          <p:cNvPr id="130" name="TextBox 129">
+            <a:extLst>
+              <a:ext uri="{FF2B5EF4-FFF2-40B4-BE49-F238E27FC236}">
+                <a16:creationId xmlns:a16="http://schemas.microsoft.com/office/drawing/2014/main" id="{5D81DDF6-514B-1A72-A52D-803A1D00A8F8}"/>
+              </a:ext>
+            </a:extLst>
+          </p:cNvPr>
+          <p:cNvSpPr txBox="1"/>
+          <p:nvPr/>
+        </p:nvSpPr>
+        <p:spPr>
+          <a:xfrm>
+            <a:off x="6162377" y="2121642"/>
+            <a:ext cx="406400" cy="369332"/>
+          </a:xfrm>
+          <a:prstGeom prst="rect">
+            <a:avLst/>
+          </a:prstGeom>
+          <a:noFill/>
+        </p:spPr>
+        <p:txBody>
+          <a:bodyPr wrap="square" rtlCol="0">
+            <a:spAutoFit/>
+          </a:bodyPr>
+          <a:lstStyle/>
+          <a:p>
+            <a:r>
+              <a:rPr lang="en-US" altLang="ko-KR" b="1">
+                <a:solidFill>
+                  <a:srgbClr val="00B0F0"/>
+                </a:solidFill>
+              </a:rPr>
+              <a:t>5</a:t>
+            </a:r>
+            <a:endParaRPr lang="ko-KR" altLang="en-US" b="1">
+              <a:solidFill>
+                <a:srgbClr val="00B0F0"/>
+              </a:solidFill>
+            </a:endParaRPr>
+          </a:p>
+        </p:txBody>
+      </p:sp>
+      <p:pic>
+        <p:nvPicPr>
+          <p:cNvPr id="14" name="그림 13">
+            <a:extLst>
+              <a:ext uri="{FF2B5EF4-FFF2-40B4-BE49-F238E27FC236}">
+                <a16:creationId xmlns:a16="http://schemas.microsoft.com/office/drawing/2014/main" id="{5FB7A650-CEEE-E2E6-158A-54AF5795FBD8}"/>
+              </a:ext>
+            </a:extLst>
+          </p:cNvPr>
+          <p:cNvPicPr>
+            <a:picLocks noChangeAspect="1"/>
+          </p:cNvPicPr>
+          <p:nvPr/>
+        </p:nvPicPr>
+        <p:blipFill>
+          <a:blip r:embed="rId2"/>
+          <a:stretch>
+            <a:fillRect/>
+          </a:stretch>
+        </p:blipFill>
+        <p:spPr>
+          <a:xfrm>
+            <a:off x="3665909" y="1317141"/>
+            <a:ext cx="780252" cy="670514"/>
+          </a:xfrm>
+          <a:prstGeom prst="rect">
+            <a:avLst/>
+          </a:prstGeom>
+        </p:spPr>
+      </p:pic>
+      <p:cxnSp>
+        <p:nvCxnSpPr>
+          <p:cNvPr id="60" name="직선 연결선 59">
+            <a:extLst>
+              <a:ext uri="{FF2B5EF4-FFF2-40B4-BE49-F238E27FC236}">
+                <a16:creationId xmlns:a16="http://schemas.microsoft.com/office/drawing/2014/main" id="{27E8D313-428C-577F-EE13-4619878EEFD4}"/>
+              </a:ext>
+            </a:extLst>
+          </p:cNvPr>
+          <p:cNvCxnSpPr>
+            <a:cxnSpLocks/>
+          </p:cNvCxnSpPr>
+          <p:nvPr/>
+        </p:nvCxnSpPr>
+        <p:spPr>
+          <a:xfrm flipV="1">
+            <a:off x="5917694" y="2028031"/>
+            <a:ext cx="0" cy="557537"/>
+          </a:xfrm>
+          <a:prstGeom prst="line">
+            <a:avLst/>
+          </a:prstGeom>
+          <a:ln w="28575">
+            <a:solidFill>
+              <a:schemeClr val="tx1"/>
+            </a:solidFill>
+          </a:ln>
+        </p:spPr>
+        <p:style>
+          <a:lnRef idx="1">
+            <a:schemeClr val="accent1"/>
+          </a:lnRef>
+          <a:fillRef idx="0">
+            <a:schemeClr val="accent1"/>
+          </a:fillRef>
+          <a:effectRef idx="0">
+            <a:schemeClr val="accent1"/>
+          </a:effectRef>
+          <a:fontRef idx="minor">
+            <a:schemeClr val="tx1"/>
+          </a:fontRef>
+        </p:style>
+      </p:cxnSp>
+      <p:cxnSp>
+        <p:nvCxnSpPr>
+          <p:cNvPr id="69" name="직선 화살표 연결선 68">
+            <a:extLst>
+              <a:ext uri="{FF2B5EF4-FFF2-40B4-BE49-F238E27FC236}">
+                <a16:creationId xmlns:a16="http://schemas.microsoft.com/office/drawing/2014/main" id="{E0B0225F-46E7-3EDF-8DCA-161B1024E015}"/>
+              </a:ext>
+            </a:extLst>
+          </p:cNvPr>
+          <p:cNvCxnSpPr>
+            <a:cxnSpLocks/>
+          </p:cNvCxnSpPr>
+          <p:nvPr/>
+        </p:nvCxnSpPr>
+        <p:spPr>
+          <a:xfrm>
+            <a:off x="4056035" y="3047108"/>
+            <a:ext cx="210352" cy="0"/>
+          </a:xfrm>
+          <a:prstGeom prst="straightConnector1">
+            <a:avLst/>
+          </a:prstGeom>
+          <a:ln w="28575">
+            <a:solidFill>
+              <a:srgbClr val="FF0000"/>
+            </a:solidFill>
+            <a:tailEnd type="triangle"/>
+          </a:ln>
+        </p:spPr>
+        <p:style>
+          <a:lnRef idx="1">
+            <a:schemeClr val="accent1"/>
+          </a:lnRef>
+          <a:fillRef idx="0">
+            <a:schemeClr val="accent1"/>
+          </a:fillRef>
+          <a:effectRef idx="0">
+            <a:schemeClr val="accent1"/>
+          </a:effectRef>
+          <a:fontRef idx="minor">
+            <a:schemeClr val="tx1"/>
+          </a:fontRef>
+        </p:style>
+      </p:cxnSp>
+      <p:cxnSp>
+        <p:nvCxnSpPr>
+          <p:cNvPr id="72" name="직선 화살표 연결선 71">
+            <a:extLst>
+              <a:ext uri="{FF2B5EF4-FFF2-40B4-BE49-F238E27FC236}">
+                <a16:creationId xmlns:a16="http://schemas.microsoft.com/office/drawing/2014/main" id="{76660F01-9DB1-95D0-979F-E15910305853}"/>
+              </a:ext>
+            </a:extLst>
+          </p:cNvPr>
+          <p:cNvCxnSpPr>
+            <a:cxnSpLocks/>
+          </p:cNvCxnSpPr>
+          <p:nvPr/>
+        </p:nvCxnSpPr>
+        <p:spPr>
+          <a:xfrm>
+            <a:off x="6679490" y="3025802"/>
+            <a:ext cx="210352" cy="0"/>
+          </a:xfrm>
+          <a:prstGeom prst="straightConnector1">
+            <a:avLst/>
+          </a:prstGeom>
+          <a:ln w="28575">
+            <a:solidFill>
+              <a:srgbClr val="FF0000"/>
+            </a:solidFill>
+            <a:tailEnd type="triangle"/>
+          </a:ln>
+        </p:spPr>
+        <p:style>
+          <a:lnRef idx="1">
+            <a:schemeClr val="accent1"/>
+          </a:lnRef>
+          <a:fillRef idx="0">
+            <a:schemeClr val="accent1"/>
+          </a:fillRef>
+          <a:effectRef idx="0">
+            <a:schemeClr val="accent1"/>
+          </a:effectRef>
+          <a:fontRef idx="minor">
+            <a:schemeClr val="tx1"/>
+          </a:fontRef>
+        </p:style>
+      </p:cxnSp>
+      <p:sp>
+        <p:nvSpPr>
+          <p:cNvPr id="89" name="직사각형 88">
+            <a:extLst>
+              <a:ext uri="{FF2B5EF4-FFF2-40B4-BE49-F238E27FC236}">
+                <a16:creationId xmlns:a16="http://schemas.microsoft.com/office/drawing/2014/main" id="{53B41294-AF68-DE2C-939B-45871DB93F13}"/>
+              </a:ext>
+            </a:extLst>
+          </p:cNvPr>
+          <p:cNvSpPr/>
+          <p:nvPr/>
+        </p:nvSpPr>
+        <p:spPr>
+          <a:xfrm>
+            <a:off x="8163550" y="4302335"/>
+            <a:ext cx="951290" cy="1148018"/>
+          </a:xfrm>
+          <a:prstGeom prst="rect">
+            <a:avLst/>
+          </a:prstGeom>
+          <a:solidFill>
+            <a:schemeClr val="bg1"/>
+          </a:solidFill>
+          <a:ln w="28575">
+            <a:solidFill>
+              <a:schemeClr val="tx1"/>
+            </a:solidFill>
+          </a:ln>
+        </p:spPr>
+        <p:style>
+          <a:lnRef idx="2">
+            <a:schemeClr val="accent1">
+              <a:shade val="50000"/>
+            </a:schemeClr>
+          </a:lnRef>
+          <a:fillRef idx="1">
+            <a:schemeClr val="accent1"/>
+          </a:fillRef>
+          <a:effectRef idx="0">
+            <a:schemeClr val="accent1"/>
+          </a:effectRef>
+          <a:fontRef idx="minor">
+            <a:schemeClr val="lt1"/>
+          </a:fontRef>
+        </p:style>
+        <p:txBody>
+          <a:bodyPr rtlCol="0" anchor="ctr"/>
+          <a:lstStyle/>
+          <a:p>
+            <a:pPr algn="ctr"/>
+            <a:endParaRPr lang="ko-KR" altLang="en-US" b="1">
+              <a:solidFill>
+                <a:schemeClr val="tx1"/>
+              </a:solidFill>
+            </a:endParaRPr>
+          </a:p>
+        </p:txBody>
+      </p:sp>
+      <p:sp>
+        <p:nvSpPr>
+          <p:cNvPr id="95" name="TextBox 94">
+            <a:extLst>
+              <a:ext uri="{FF2B5EF4-FFF2-40B4-BE49-F238E27FC236}">
+                <a16:creationId xmlns:a16="http://schemas.microsoft.com/office/drawing/2014/main" id="{D3542D67-32EA-78B4-E3A6-5D69CAAFB36F}"/>
+              </a:ext>
+            </a:extLst>
+          </p:cNvPr>
+          <p:cNvSpPr txBox="1"/>
+          <p:nvPr/>
+        </p:nvSpPr>
+        <p:spPr>
+          <a:xfrm>
+            <a:off x="8001127" y="5450353"/>
+            <a:ext cx="1320800" cy="307777"/>
+          </a:xfrm>
+          <a:prstGeom prst="rect">
+            <a:avLst/>
+          </a:prstGeom>
+          <a:noFill/>
+        </p:spPr>
+        <p:txBody>
+          <a:bodyPr wrap="square">
+            <a:spAutoFit/>
+          </a:bodyPr>
+          <a:lstStyle/>
+          <a:p>
+            <a:pPr algn="ctr"/>
+            <a:r>
+              <a:rPr lang="en-US" altLang="ko-KR" sz="1400" b="1">
+                <a:solidFill>
+                  <a:schemeClr val="tx1"/>
+                </a:solidFill>
+              </a:rPr>
+              <a:t>VGA_PORT</a:t>
+            </a:r>
+            <a:endParaRPr lang="ko-KR" altLang="en-US" sz="1400" b="1">
+              <a:solidFill>
+                <a:schemeClr val="tx1"/>
+              </a:solidFill>
+            </a:endParaRPr>
+          </a:p>
+        </p:txBody>
+      </p:sp>
+      <p:pic>
+        <p:nvPicPr>
+          <p:cNvPr id="98" name="그래픽 97" descr="모니터 단색으로 채워진">
+            <a:extLst>
+              <a:ext uri="{FF2B5EF4-FFF2-40B4-BE49-F238E27FC236}">
+                <a16:creationId xmlns:a16="http://schemas.microsoft.com/office/drawing/2014/main" id="{68289E9E-0834-499C-4AC8-99FC5693F94C}"/>
+              </a:ext>
+            </a:extLst>
+          </p:cNvPr>
+          <p:cNvPicPr>
+            <a:picLocks noChangeAspect="1"/>
+          </p:cNvPicPr>
+          <p:nvPr/>
+        </p:nvPicPr>
+        <p:blipFill>
+          <a:blip r:embed="rId3">
+            <a:extLst>
+              <a:ext uri="{28A0092B-C50C-407E-A947-70E740481C1C}">
+                <a14:useLocalDpi xmlns:a14="http://schemas.microsoft.com/office/drawing/2010/main" val="0"/>
+              </a:ext>
+              <a:ext uri="{96DAC541-7B7A-43D3-8B79-37D633B846F1}">
+                <asvg:svgBlip xmlns:asvg="http://schemas.microsoft.com/office/drawing/2016/SVG/main" r:embed="rId4"/>
+              </a:ext>
+            </a:extLst>
+          </a:blip>
+          <a:stretch>
+            <a:fillRect/>
+          </a:stretch>
+        </p:blipFill>
+        <p:spPr>
+          <a:xfrm>
+            <a:off x="10742223" y="4197212"/>
+            <a:ext cx="1537250" cy="1537250"/>
+          </a:xfrm>
+          <a:prstGeom prst="rect">
+            <a:avLst/>
+          </a:prstGeom>
+        </p:spPr>
+      </p:pic>
+      <p:cxnSp>
+        <p:nvCxnSpPr>
+          <p:cNvPr id="104" name="직선 연결선 103">
+            <a:extLst>
+              <a:ext uri="{FF2B5EF4-FFF2-40B4-BE49-F238E27FC236}">
+                <a16:creationId xmlns:a16="http://schemas.microsoft.com/office/drawing/2014/main" id="{39F3850C-0560-7A2E-62A6-83A0A3B0F471}"/>
+              </a:ext>
+            </a:extLst>
+          </p:cNvPr>
+          <p:cNvCxnSpPr>
+            <a:cxnSpLocks/>
+          </p:cNvCxnSpPr>
+          <p:nvPr/>
+        </p:nvCxnSpPr>
+        <p:spPr>
+          <a:xfrm>
+            <a:off x="9137700" y="4828874"/>
+            <a:ext cx="724460" cy="0"/>
+          </a:xfrm>
+          <a:prstGeom prst="line">
+            <a:avLst/>
+          </a:prstGeom>
+          <a:ln w="28575">
+            <a:solidFill>
+              <a:srgbClr val="FF0000"/>
+            </a:solidFill>
+          </a:ln>
+        </p:spPr>
+        <p:style>
+          <a:lnRef idx="1">
+            <a:schemeClr val="accent1"/>
+          </a:lnRef>
+          <a:fillRef idx="0">
+            <a:schemeClr val="accent1"/>
+          </a:fillRef>
+          <a:effectRef idx="0">
+            <a:schemeClr val="accent1"/>
+          </a:effectRef>
+          <a:fontRef idx="minor">
+            <a:schemeClr val="tx1"/>
+          </a:fontRef>
+        </p:style>
+      </p:cxnSp>
+      <p:cxnSp>
+        <p:nvCxnSpPr>
+          <p:cNvPr id="111" name="직선 화살표 연결선 110">
+            <a:extLst>
+              <a:ext uri="{FF2B5EF4-FFF2-40B4-BE49-F238E27FC236}">
+                <a16:creationId xmlns:a16="http://schemas.microsoft.com/office/drawing/2014/main" id="{0F2A2669-6891-36AB-6329-6ECCA6A4D2A1}"/>
+              </a:ext>
+            </a:extLst>
+          </p:cNvPr>
+          <p:cNvCxnSpPr>
+            <a:cxnSpLocks/>
+          </p:cNvCxnSpPr>
+          <p:nvPr/>
+        </p:nvCxnSpPr>
+        <p:spPr>
+          <a:xfrm>
+            <a:off x="9248530" y="4704771"/>
+            <a:ext cx="457080" cy="0"/>
+          </a:xfrm>
+          <a:prstGeom prst="straightConnector1">
+            <a:avLst/>
+          </a:prstGeom>
+          <a:ln w="57150">
+            <a:solidFill>
+              <a:srgbClr val="FF0000"/>
+            </a:solidFill>
+            <a:tailEnd type="triangle"/>
+          </a:ln>
+        </p:spPr>
+        <p:style>
+          <a:lnRef idx="1">
+            <a:schemeClr val="accent1"/>
+          </a:lnRef>
+          <a:fillRef idx="0">
+            <a:schemeClr val="accent1"/>
+          </a:fillRef>
+          <a:effectRef idx="0">
+            <a:schemeClr val="accent1"/>
+          </a:effectRef>
+          <a:fontRef idx="minor">
+            <a:schemeClr val="tx1"/>
+          </a:fontRef>
+        </p:style>
+      </p:cxnSp>
+      <p:sp>
+        <p:nvSpPr>
+          <p:cNvPr id="118" name="TextBox 117">
+            <a:extLst>
+              <a:ext uri="{FF2B5EF4-FFF2-40B4-BE49-F238E27FC236}">
+                <a16:creationId xmlns:a16="http://schemas.microsoft.com/office/drawing/2014/main" id="{D995481E-CB5E-6BE4-B308-BDA4F714CF78}"/>
+              </a:ext>
+            </a:extLst>
+          </p:cNvPr>
+          <p:cNvSpPr txBox="1"/>
+          <p:nvPr/>
+        </p:nvSpPr>
+        <p:spPr>
+          <a:xfrm>
+            <a:off x="10827244" y="4661581"/>
+            <a:ext cx="1320800" cy="461665"/>
+          </a:xfrm>
+          <a:prstGeom prst="rect">
+            <a:avLst/>
+          </a:prstGeom>
+          <a:noFill/>
+        </p:spPr>
+        <p:txBody>
+          <a:bodyPr wrap="square">
+            <a:spAutoFit/>
+          </a:bodyPr>
+          <a:lstStyle/>
+          <a:p>
+            <a:pPr algn="ctr"/>
+            <a:r>
+              <a:rPr lang="en-US" altLang="ko-KR" sz="2400" b="1">
+                <a:solidFill>
+                  <a:schemeClr val="tx1"/>
+                </a:solidFill>
+              </a:rPr>
+              <a:t>VGA</a:t>
+            </a:r>
+            <a:endParaRPr lang="ko-KR" altLang="en-US" sz="2400" b="1">
+              <a:solidFill>
+                <a:schemeClr val="tx1"/>
+              </a:solidFill>
+            </a:endParaRPr>
+          </a:p>
+        </p:txBody>
+      </p:sp>
+      <p:pic>
+        <p:nvPicPr>
+          <p:cNvPr id="1028" name="Picture 4" descr="On 및 Off 위치. 스위치 벡터 일러스트 레이 션. 로열티 무료 사진, 그림, 이미지 그리고 스톡포토그래피. Image  36790697.">
+            <a:extLst>
+              <a:ext uri="{FF2B5EF4-FFF2-40B4-BE49-F238E27FC236}">
+                <a16:creationId xmlns:a16="http://schemas.microsoft.com/office/drawing/2014/main" id="{9E6D593D-EBBA-83D3-B703-04BEFEE9FF32}"/>
+              </a:ext>
+            </a:extLst>
+          </p:cNvPr>
+          <p:cNvPicPr>
+            <a:picLocks noChangeAspect="1" noChangeArrowheads="1"/>
+          </p:cNvPicPr>
+          <p:nvPr/>
+        </p:nvPicPr>
+        <p:blipFill>
+          <a:blip r:embed="rId5">
+            <a:extLst>
+              <a:ext uri="{28A0092B-C50C-407E-A947-70E740481C1C}">
+                <a14:useLocalDpi xmlns:a14="http://schemas.microsoft.com/office/drawing/2010/main" val="0"/>
+              </a:ext>
+            </a:extLst>
+          </a:blip>
+          <a:srcRect/>
+          <a:stretch>
+            <a:fillRect/>
+          </a:stretch>
+        </p:blipFill>
+        <p:spPr bwMode="auto">
+          <a:xfrm>
+            <a:off x="235511" y="-255554"/>
+            <a:ext cx="1041715" cy="1094039"/>
+          </a:xfrm>
+          <a:prstGeom prst="rect">
+            <a:avLst/>
+          </a:prstGeom>
+          <a:noFill/>
+          <a:extLst>
+            <a:ext uri="{909E8E84-426E-40DD-AFC4-6F175D3DCCD1}">
+              <a14:hiddenFill xmlns:a14="http://schemas.microsoft.com/office/drawing/2010/main">
+                <a:solidFill>
+                  <a:srgbClr val="FFFFFF"/>
+                </a:solidFill>
+              </a14:hiddenFill>
+            </a:ext>
+          </a:extLst>
+        </p:spPr>
+      </p:pic>
+      <p:sp>
+        <p:nvSpPr>
+          <p:cNvPr id="123" name="TextBox 122">
+            <a:extLst>
+              <a:ext uri="{FF2B5EF4-FFF2-40B4-BE49-F238E27FC236}">
+                <a16:creationId xmlns:a16="http://schemas.microsoft.com/office/drawing/2014/main" id="{DF30615F-8D40-18EC-5780-1023150FE087}"/>
+              </a:ext>
+            </a:extLst>
+          </p:cNvPr>
+          <p:cNvSpPr txBox="1"/>
+          <p:nvPr/>
+        </p:nvSpPr>
+        <p:spPr>
+          <a:xfrm>
+            <a:off x="76499" y="-522972"/>
+            <a:ext cx="1320800" cy="369332"/>
+          </a:xfrm>
+          <a:prstGeom prst="rect">
+            <a:avLst/>
+          </a:prstGeom>
+          <a:noFill/>
+        </p:spPr>
+        <p:txBody>
+          <a:bodyPr wrap="square">
+            <a:spAutoFit/>
+          </a:bodyPr>
+          <a:lstStyle/>
+          <a:p>
+            <a:pPr algn="ctr"/>
+            <a:r>
+              <a:rPr lang="en-US" altLang="ko-KR" b="1">
+                <a:solidFill>
+                  <a:schemeClr val="tx1"/>
+                </a:solidFill>
+              </a:rPr>
+              <a:t>Switch</a:t>
+            </a:r>
+            <a:endParaRPr lang="ko-KR" altLang="en-US" b="1">
+              <a:solidFill>
+                <a:schemeClr val="tx1"/>
+              </a:solidFill>
+            </a:endParaRPr>
+          </a:p>
+        </p:txBody>
+      </p:sp>
+      <p:pic>
+        <p:nvPicPr>
+          <p:cNvPr id="128" name="그래픽 127" descr="이미지 단색으로 채워진">
+            <a:extLst>
+              <a:ext uri="{FF2B5EF4-FFF2-40B4-BE49-F238E27FC236}">
+                <a16:creationId xmlns:a16="http://schemas.microsoft.com/office/drawing/2014/main" id="{8A7D5418-AAF2-D6E8-04A7-D1F9D2E45DCC}"/>
+              </a:ext>
+            </a:extLst>
+          </p:cNvPr>
+          <p:cNvPicPr>
+            <a:picLocks noChangeAspect="1"/>
+          </p:cNvPicPr>
+          <p:nvPr/>
+        </p:nvPicPr>
+        <p:blipFill>
+          <a:blip r:embed="rId6">
+            <a:extLst>
+              <a:ext uri="{28A0092B-C50C-407E-A947-70E740481C1C}">
+                <a14:useLocalDpi xmlns:a14="http://schemas.microsoft.com/office/drawing/2010/main" val="0"/>
+              </a:ext>
+              <a:ext uri="{96DAC541-7B7A-43D3-8B79-37D633B846F1}">
+                <asvg:svgBlip xmlns:asvg="http://schemas.microsoft.com/office/drawing/2016/SVG/main" r:embed="rId7"/>
+              </a:ext>
+            </a:extLst>
+          </a:blip>
+          <a:stretch>
+            <a:fillRect/>
+          </a:stretch>
+        </p:blipFill>
+        <p:spPr>
+          <a:xfrm>
+            <a:off x="309718" y="2694722"/>
+            <a:ext cx="785025" cy="785025"/>
+          </a:xfrm>
+          <a:prstGeom prst="rect">
+            <a:avLst/>
+          </a:prstGeom>
+        </p:spPr>
+      </p:pic>
+      <p:cxnSp>
+        <p:nvCxnSpPr>
+          <p:cNvPr id="131" name="직선 연결선 130">
+            <a:extLst>
+              <a:ext uri="{FF2B5EF4-FFF2-40B4-BE49-F238E27FC236}">
+                <a16:creationId xmlns:a16="http://schemas.microsoft.com/office/drawing/2014/main" id="{DD4B5165-A89D-F8DE-6406-A5675B55CF2F}"/>
+              </a:ext>
+            </a:extLst>
+          </p:cNvPr>
+          <p:cNvCxnSpPr>
+            <a:cxnSpLocks/>
+          </p:cNvCxnSpPr>
+          <p:nvPr/>
+        </p:nvCxnSpPr>
+        <p:spPr>
+          <a:xfrm flipV="1">
+            <a:off x="1603281" y="389220"/>
+            <a:ext cx="0" cy="1159109"/>
+          </a:xfrm>
+          <a:prstGeom prst="line">
+            <a:avLst/>
+          </a:prstGeom>
+          <a:ln w="28575">
+            <a:solidFill>
+              <a:schemeClr val="tx1"/>
+            </a:solidFill>
+          </a:ln>
+        </p:spPr>
+        <p:style>
+          <a:lnRef idx="1">
+            <a:schemeClr val="accent1"/>
+          </a:lnRef>
+          <a:fillRef idx="0">
+            <a:schemeClr val="accent1"/>
+          </a:fillRef>
+          <a:effectRef idx="0">
+            <a:schemeClr val="accent1"/>
+          </a:effectRef>
+          <a:fontRef idx="minor">
+            <a:schemeClr val="tx1"/>
+          </a:fontRef>
+        </p:style>
+      </p:cxnSp>
+      <p:cxnSp>
+        <p:nvCxnSpPr>
+          <p:cNvPr id="134" name="직선 연결선 133">
+            <a:extLst>
+              <a:ext uri="{FF2B5EF4-FFF2-40B4-BE49-F238E27FC236}">
+                <a16:creationId xmlns:a16="http://schemas.microsoft.com/office/drawing/2014/main" id="{9B10EAD7-874B-43B4-02A7-0FD469884FB2}"/>
+              </a:ext>
+            </a:extLst>
+          </p:cNvPr>
+          <p:cNvCxnSpPr>
+            <a:cxnSpLocks/>
+          </p:cNvCxnSpPr>
+          <p:nvPr/>
+        </p:nvCxnSpPr>
+        <p:spPr>
+          <a:xfrm>
+            <a:off x="1313156" y="407067"/>
+            <a:ext cx="292725" cy="0"/>
+          </a:xfrm>
+          <a:prstGeom prst="line">
+            <a:avLst/>
+          </a:prstGeom>
+          <a:ln w="28575">
+            <a:solidFill>
+              <a:schemeClr val="tx1"/>
+            </a:solidFill>
+          </a:ln>
+        </p:spPr>
+        <p:style>
+          <a:lnRef idx="1">
+            <a:schemeClr val="accent1"/>
+          </a:lnRef>
+          <a:fillRef idx="0">
+            <a:schemeClr val="accent1"/>
+          </a:fillRef>
+          <a:effectRef idx="0">
+            <a:schemeClr val="accent1"/>
+          </a:effectRef>
+          <a:fontRef idx="minor">
+            <a:schemeClr val="tx1"/>
+          </a:fontRef>
+        </p:style>
+      </p:cxnSp>
+      <p:pic>
+        <p:nvPicPr>
+          <p:cNvPr id="140" name="그래픽 139" descr="알람 울림 윤곽선">
+            <a:extLst>
+              <a:ext uri="{FF2B5EF4-FFF2-40B4-BE49-F238E27FC236}">
+                <a16:creationId xmlns:a16="http://schemas.microsoft.com/office/drawing/2014/main" id="{3D3CC670-2D4A-9E25-B835-8339C42D7B0B}"/>
+              </a:ext>
+            </a:extLst>
+          </p:cNvPr>
+          <p:cNvPicPr>
+            <a:picLocks noChangeAspect="1"/>
+          </p:cNvPicPr>
+          <p:nvPr/>
+        </p:nvPicPr>
+        <p:blipFill>
+          <a:blip r:embed="rId8">
+            <a:extLst>
+              <a:ext uri="{28A0092B-C50C-407E-A947-70E740481C1C}">
+                <a14:useLocalDpi xmlns:a14="http://schemas.microsoft.com/office/drawing/2010/main" val="0"/>
+              </a:ext>
+              <a:ext uri="{96DAC541-7B7A-43D3-8B79-37D633B846F1}">
+                <asvg:svgBlip xmlns:asvg="http://schemas.microsoft.com/office/drawing/2016/SVG/main" r:embed="rId9"/>
+              </a:ext>
+            </a:extLst>
+          </a:blip>
+          <a:stretch>
+            <a:fillRect/>
+          </a:stretch>
+        </p:blipFill>
+        <p:spPr>
+          <a:xfrm>
+            <a:off x="6176763" y="-76570"/>
+            <a:ext cx="727465" cy="727465"/>
+          </a:xfrm>
+          <a:prstGeom prst="rect">
+            <a:avLst/>
+          </a:prstGeom>
+        </p:spPr>
+      </p:pic>
+      <p:pic>
+        <p:nvPicPr>
+          <p:cNvPr id="1030" name="Picture 6" descr="전자부품/전자공구/개발보드 전문쇼핑몰 - 툴파츠">
+            <a:extLst>
+              <a:ext uri="{FF2B5EF4-FFF2-40B4-BE49-F238E27FC236}">
+                <a16:creationId xmlns:a16="http://schemas.microsoft.com/office/drawing/2014/main" id="{F3A185CF-FDAA-AEC8-79FB-FA1EA7BF6BA8}"/>
+              </a:ext>
+            </a:extLst>
+          </p:cNvPr>
+          <p:cNvPicPr>
+            <a:picLocks noChangeAspect="1" noChangeArrowheads="1"/>
+          </p:cNvPicPr>
+          <p:nvPr/>
+        </p:nvPicPr>
+        <p:blipFill rotWithShape="1">
+          <a:blip r:embed="rId10">
+            <a:extLst>
+              <a:ext uri="{28A0092B-C50C-407E-A947-70E740481C1C}">
+                <a14:useLocalDpi xmlns:a14="http://schemas.microsoft.com/office/drawing/2010/main" val="0"/>
+              </a:ext>
+            </a:extLst>
+          </a:blip>
+          <a:srcRect l="10106" t="29341" r="9894" b="31278"/>
+          <a:stretch/>
+        </p:blipFill>
+        <p:spPr bwMode="auto">
+          <a:xfrm>
+            <a:off x="10772566" y="2095546"/>
+            <a:ext cx="1330830" cy="490710"/>
+          </a:xfrm>
+          <a:prstGeom prst="rect">
+            <a:avLst/>
+          </a:prstGeom>
+          <a:noFill/>
+          <a:extLst>
+            <a:ext uri="{909E8E84-426E-40DD-AFC4-6F175D3DCCD1}">
+              <a14:hiddenFill xmlns:a14="http://schemas.microsoft.com/office/drawing/2010/main">
+                <a:solidFill>
+                  <a:srgbClr val="FFFFFF"/>
+                </a:solidFill>
+              </a14:hiddenFill>
+            </a:ext>
+          </a:extLst>
+        </p:spPr>
+      </p:pic>
+      <p:pic>
+        <p:nvPicPr>
+          <p:cNvPr id="1032" name="Picture 8" descr="Led PNG, 일러스트, PSD 및 클립 아트에 대한 무료 다운로드 | Pngtree">
+            <a:extLst>
+              <a:ext uri="{FF2B5EF4-FFF2-40B4-BE49-F238E27FC236}">
+                <a16:creationId xmlns:a16="http://schemas.microsoft.com/office/drawing/2014/main" id="{DA3BEF41-82EF-B691-B6B7-F00EB3ECA083}"/>
+              </a:ext>
+            </a:extLst>
+          </p:cNvPr>
+          <p:cNvPicPr>
+            <a:picLocks noChangeAspect="1" noChangeArrowheads="1"/>
+          </p:cNvPicPr>
+          <p:nvPr/>
+        </p:nvPicPr>
+        <p:blipFill>
+          <a:blip r:embed="rId11">
+            <a:extLst>
+              <a:ext uri="{28A0092B-C50C-407E-A947-70E740481C1C}">
+                <a14:useLocalDpi xmlns:a14="http://schemas.microsoft.com/office/drawing/2010/main" val="0"/>
+              </a:ext>
+            </a:extLst>
+          </a:blip>
+          <a:srcRect/>
+          <a:stretch>
+            <a:fillRect/>
+          </a:stretch>
+        </p:blipFill>
+        <p:spPr bwMode="auto">
+          <a:xfrm>
+            <a:off x="3555910" y="-188130"/>
+            <a:ext cx="928031" cy="928031"/>
+          </a:xfrm>
+          <a:prstGeom prst="rect">
+            <a:avLst/>
+          </a:prstGeom>
+          <a:noFill/>
+          <a:extLst>
+            <a:ext uri="{909E8E84-426E-40DD-AFC4-6F175D3DCCD1}">
+              <a14:hiddenFill xmlns:a14="http://schemas.microsoft.com/office/drawing/2010/main">
+                <a:solidFill>
+                  <a:srgbClr val="FFFFFF"/>
+                </a:solidFill>
+              </a14:hiddenFill>
+            </a:ext>
+          </a:extLst>
+        </p:spPr>
+      </p:pic>
+      <p:sp>
+        <p:nvSpPr>
+          <p:cNvPr id="141" name="직사각형 140">
+            <a:extLst>
+              <a:ext uri="{FF2B5EF4-FFF2-40B4-BE49-F238E27FC236}">
+                <a16:creationId xmlns:a16="http://schemas.microsoft.com/office/drawing/2014/main" id="{CE9E66C9-EE1A-5C94-1AF8-778834D0182A}"/>
+              </a:ext>
+            </a:extLst>
+          </p:cNvPr>
+          <p:cNvSpPr/>
+          <p:nvPr/>
+        </p:nvSpPr>
+        <p:spPr>
+          <a:xfrm>
+            <a:off x="8146788" y="1926956"/>
+            <a:ext cx="951290" cy="784883"/>
+          </a:xfrm>
+          <a:prstGeom prst="rect">
+            <a:avLst/>
+          </a:prstGeom>
+          <a:solidFill>
+            <a:schemeClr val="bg1"/>
+          </a:solidFill>
+          <a:ln w="28575">
+            <a:solidFill>
+              <a:schemeClr val="tx1"/>
+            </a:solidFill>
+          </a:ln>
+        </p:spPr>
+        <p:style>
+          <a:lnRef idx="2">
+            <a:schemeClr val="accent1">
+              <a:shade val="50000"/>
+            </a:schemeClr>
+          </a:lnRef>
+          <a:fillRef idx="1">
+            <a:schemeClr val="accent1"/>
+          </a:fillRef>
+          <a:effectRef idx="0">
+            <a:schemeClr val="accent1"/>
+          </a:effectRef>
+          <a:fontRef idx="minor">
+            <a:schemeClr val="lt1"/>
+          </a:fontRef>
+        </p:style>
+        <p:txBody>
+          <a:bodyPr rtlCol="0" anchor="ctr"/>
+          <a:lstStyle/>
+          <a:p>
+            <a:pPr algn="ctr"/>
+            <a:endParaRPr lang="ko-KR" altLang="en-US" b="1">
+              <a:solidFill>
+                <a:schemeClr val="tx1"/>
+              </a:solidFill>
+            </a:endParaRPr>
+          </a:p>
+        </p:txBody>
+      </p:sp>
+      <p:sp>
+        <p:nvSpPr>
+          <p:cNvPr id="143" name="TextBox 142">
+            <a:extLst>
+              <a:ext uri="{FF2B5EF4-FFF2-40B4-BE49-F238E27FC236}">
+                <a16:creationId xmlns:a16="http://schemas.microsoft.com/office/drawing/2014/main" id="{9AF33031-1BA1-4A4D-D22E-7493BE174EA8}"/>
+              </a:ext>
+            </a:extLst>
+          </p:cNvPr>
+          <p:cNvSpPr txBox="1"/>
+          <p:nvPr/>
+        </p:nvSpPr>
+        <p:spPr>
+          <a:xfrm>
+            <a:off x="7927730" y="2728547"/>
+            <a:ext cx="1320800" cy="261610"/>
+          </a:xfrm>
+          <a:prstGeom prst="rect">
+            <a:avLst/>
+          </a:prstGeom>
+          <a:noFill/>
+        </p:spPr>
+        <p:txBody>
+          <a:bodyPr wrap="square">
+            <a:spAutoFit/>
+          </a:bodyPr>
+          <a:lstStyle/>
+          <a:p>
+            <a:pPr algn="ctr"/>
+            <a:r>
+              <a:rPr lang="en-US" altLang="ko-KR" sz="1100" b="1"/>
+              <a:t>N_segment_port</a:t>
+            </a:r>
+            <a:endParaRPr lang="ko-KR" altLang="en-US" sz="1100" b="1">
+              <a:solidFill>
+                <a:schemeClr val="tx1"/>
+              </a:solidFill>
+            </a:endParaRPr>
+          </a:p>
+        </p:txBody>
+      </p:sp>
+      <p:sp>
+        <p:nvSpPr>
+          <p:cNvPr id="144" name="TextBox 143">
+            <a:extLst>
+              <a:ext uri="{FF2B5EF4-FFF2-40B4-BE49-F238E27FC236}">
+                <a16:creationId xmlns:a16="http://schemas.microsoft.com/office/drawing/2014/main" id="{681E53BB-4482-E5C0-BFB1-24247A7D7C21}"/>
+              </a:ext>
+            </a:extLst>
+          </p:cNvPr>
+          <p:cNvSpPr txBox="1"/>
+          <p:nvPr/>
+        </p:nvSpPr>
+        <p:spPr>
+          <a:xfrm>
+            <a:off x="10712341" y="2735598"/>
+            <a:ext cx="1320800" cy="307777"/>
+          </a:xfrm>
+          <a:prstGeom prst="rect">
+            <a:avLst/>
+          </a:prstGeom>
+          <a:noFill/>
+        </p:spPr>
+        <p:txBody>
+          <a:bodyPr wrap="square">
+            <a:spAutoFit/>
+          </a:bodyPr>
+          <a:lstStyle/>
+          <a:p>
+            <a:pPr algn="ctr"/>
+            <a:r>
+              <a:rPr lang="en-US" altLang="ko-KR" sz="1400" b="1"/>
+              <a:t>7_segment</a:t>
+            </a:r>
+            <a:endParaRPr lang="ko-KR" altLang="en-US" sz="1400" b="1">
+              <a:solidFill>
+                <a:schemeClr val="tx1"/>
+              </a:solidFill>
+            </a:endParaRPr>
+          </a:p>
+        </p:txBody>
+      </p:sp>
+      <p:cxnSp>
+        <p:nvCxnSpPr>
+          <p:cNvPr id="145" name="직선 연결선 144">
+            <a:extLst>
+              <a:ext uri="{FF2B5EF4-FFF2-40B4-BE49-F238E27FC236}">
+                <a16:creationId xmlns:a16="http://schemas.microsoft.com/office/drawing/2014/main" id="{41517CBB-6499-9F28-0F56-4EDD05C833BF}"/>
+              </a:ext>
+            </a:extLst>
+          </p:cNvPr>
+          <p:cNvCxnSpPr>
+            <a:cxnSpLocks/>
+          </p:cNvCxnSpPr>
+          <p:nvPr/>
+        </p:nvCxnSpPr>
+        <p:spPr>
+          <a:xfrm>
+            <a:off x="7548861" y="2329331"/>
+            <a:ext cx="597927" cy="0"/>
+          </a:xfrm>
+          <a:prstGeom prst="line">
+            <a:avLst/>
+          </a:prstGeom>
+          <a:ln w="28575">
+            <a:solidFill>
+              <a:schemeClr val="tx1"/>
+            </a:solidFill>
+          </a:ln>
+        </p:spPr>
+        <p:style>
+          <a:lnRef idx="1">
+            <a:schemeClr val="accent1"/>
+          </a:lnRef>
+          <a:fillRef idx="0">
+            <a:schemeClr val="accent1"/>
+          </a:fillRef>
+          <a:effectRef idx="0">
+            <a:schemeClr val="accent1"/>
+          </a:effectRef>
+          <a:fontRef idx="minor">
+            <a:schemeClr val="tx1"/>
+          </a:fontRef>
+        </p:style>
+      </p:cxnSp>
+      <p:sp>
+        <p:nvSpPr>
+          <p:cNvPr id="153" name="TextBox 152">
+            <a:extLst>
+              <a:ext uri="{FF2B5EF4-FFF2-40B4-BE49-F238E27FC236}">
+                <a16:creationId xmlns:a16="http://schemas.microsoft.com/office/drawing/2014/main" id="{DCDD0A3B-09AB-7B3F-F855-5CEC671C31ED}"/>
+              </a:ext>
+            </a:extLst>
+          </p:cNvPr>
+          <p:cNvSpPr txBox="1"/>
+          <p:nvPr/>
+        </p:nvSpPr>
+        <p:spPr>
+          <a:xfrm>
+            <a:off x="7661058" y="1471198"/>
+            <a:ext cx="939036" cy="276999"/>
+          </a:xfrm>
+          <a:prstGeom prst="rect">
+            <a:avLst/>
+          </a:prstGeom>
+          <a:noFill/>
+        </p:spPr>
+        <p:txBody>
+          <a:bodyPr wrap="square">
+            <a:spAutoFit/>
+          </a:bodyPr>
+          <a:lstStyle/>
+          <a:p>
+            <a:r>
+              <a:rPr lang="en-US" altLang="ko-KR" sz="1200" b="1">
+                <a:solidFill>
+                  <a:schemeClr val="tx1"/>
+                </a:solidFill>
+              </a:rPr>
+              <a:t>seg_up_o</a:t>
+            </a:r>
+            <a:endParaRPr lang="ko-KR" altLang="en-US" sz="1200" b="1">
+              <a:solidFill>
+                <a:schemeClr val="tx1"/>
+              </a:solidFill>
+            </a:endParaRPr>
+          </a:p>
+        </p:txBody>
+      </p:sp>
+      <p:cxnSp>
+        <p:nvCxnSpPr>
+          <p:cNvPr id="175" name="직선 연결선 174">
+            <a:extLst>
+              <a:ext uri="{FF2B5EF4-FFF2-40B4-BE49-F238E27FC236}">
+                <a16:creationId xmlns:a16="http://schemas.microsoft.com/office/drawing/2014/main" id="{CA8FB146-2A01-BDA4-5DF8-FCAA699244C6}"/>
+              </a:ext>
+            </a:extLst>
+          </p:cNvPr>
+          <p:cNvCxnSpPr>
+            <a:cxnSpLocks/>
+          </p:cNvCxnSpPr>
+          <p:nvPr/>
+        </p:nvCxnSpPr>
+        <p:spPr>
+          <a:xfrm>
+            <a:off x="7652854" y="1522713"/>
+            <a:ext cx="172358" cy="0"/>
+          </a:xfrm>
+          <a:prstGeom prst="line">
+            <a:avLst/>
+          </a:prstGeom>
+          <a:ln w="38100">
+            <a:solidFill>
+              <a:srgbClr val="00B050"/>
+            </a:solidFill>
+          </a:ln>
+        </p:spPr>
+        <p:style>
+          <a:lnRef idx="1">
+            <a:schemeClr val="accent1"/>
+          </a:lnRef>
+          <a:fillRef idx="0">
+            <a:schemeClr val="accent1"/>
+          </a:fillRef>
+          <a:effectRef idx="0">
+            <a:schemeClr val="accent1"/>
+          </a:effectRef>
+          <a:fontRef idx="minor">
+            <a:schemeClr val="tx1"/>
+          </a:fontRef>
+        </p:style>
+      </p:cxnSp>
+      <p:cxnSp>
+        <p:nvCxnSpPr>
+          <p:cNvPr id="176" name="직선 연결선 175">
+            <a:extLst>
+              <a:ext uri="{FF2B5EF4-FFF2-40B4-BE49-F238E27FC236}">
+                <a16:creationId xmlns:a16="http://schemas.microsoft.com/office/drawing/2014/main" id="{E25B14AC-34EE-83A3-3D1D-FE392E424F93}"/>
+              </a:ext>
+            </a:extLst>
+          </p:cNvPr>
+          <p:cNvCxnSpPr>
+            <a:cxnSpLocks/>
+          </p:cNvCxnSpPr>
+          <p:nvPr/>
+        </p:nvCxnSpPr>
+        <p:spPr>
+          <a:xfrm flipV="1">
+            <a:off x="7808981" y="1362693"/>
+            <a:ext cx="0" cy="177800"/>
+          </a:xfrm>
+          <a:prstGeom prst="line">
+            <a:avLst/>
+          </a:prstGeom>
+          <a:ln w="38100">
+            <a:solidFill>
+              <a:srgbClr val="00B050"/>
+            </a:solidFill>
+          </a:ln>
+        </p:spPr>
+        <p:style>
+          <a:lnRef idx="1">
+            <a:schemeClr val="accent1"/>
+          </a:lnRef>
+          <a:fillRef idx="0">
+            <a:schemeClr val="accent1"/>
+          </a:fillRef>
+          <a:effectRef idx="0">
+            <a:schemeClr val="accent1"/>
+          </a:effectRef>
+          <a:fontRef idx="minor">
+            <a:schemeClr val="tx1"/>
+          </a:fontRef>
+        </p:style>
+      </p:cxnSp>
+      <p:cxnSp>
+        <p:nvCxnSpPr>
+          <p:cNvPr id="177" name="직선 연결선 176">
+            <a:extLst>
+              <a:ext uri="{FF2B5EF4-FFF2-40B4-BE49-F238E27FC236}">
+                <a16:creationId xmlns:a16="http://schemas.microsoft.com/office/drawing/2014/main" id="{8A45C632-5FB4-6B22-FA70-8F903DB9D991}"/>
+              </a:ext>
+            </a:extLst>
+          </p:cNvPr>
+          <p:cNvCxnSpPr>
+            <a:cxnSpLocks/>
+          </p:cNvCxnSpPr>
+          <p:nvPr/>
+        </p:nvCxnSpPr>
+        <p:spPr>
+          <a:xfrm flipV="1">
+            <a:off x="7916450" y="2088533"/>
+            <a:ext cx="0" cy="177800"/>
+          </a:xfrm>
+          <a:prstGeom prst="line">
+            <a:avLst/>
+          </a:prstGeom>
+          <a:ln w="38100">
+            <a:solidFill>
+              <a:srgbClr val="00B050"/>
+            </a:solidFill>
+          </a:ln>
+        </p:spPr>
+        <p:style>
+          <a:lnRef idx="1">
+            <a:schemeClr val="accent1"/>
+          </a:lnRef>
+          <a:fillRef idx="0">
+            <a:schemeClr val="accent1"/>
+          </a:fillRef>
+          <a:effectRef idx="0">
+            <a:schemeClr val="accent1"/>
+          </a:effectRef>
+          <a:fontRef idx="minor">
+            <a:schemeClr val="tx1"/>
+          </a:fontRef>
+        </p:style>
+      </p:cxnSp>
+      <p:cxnSp>
+        <p:nvCxnSpPr>
+          <p:cNvPr id="178" name="직선 연결선 177">
+            <a:extLst>
+              <a:ext uri="{FF2B5EF4-FFF2-40B4-BE49-F238E27FC236}">
+                <a16:creationId xmlns:a16="http://schemas.microsoft.com/office/drawing/2014/main" id="{FAEDD0A6-56BA-7723-F6C4-F84A040B69DC}"/>
+              </a:ext>
+            </a:extLst>
+          </p:cNvPr>
+          <p:cNvCxnSpPr>
+            <a:cxnSpLocks/>
+          </p:cNvCxnSpPr>
+          <p:nvPr/>
+        </p:nvCxnSpPr>
+        <p:spPr>
+          <a:xfrm>
+            <a:off x="7768897" y="2103773"/>
+            <a:ext cx="146547" cy="0"/>
+          </a:xfrm>
+          <a:prstGeom prst="line">
+            <a:avLst/>
+          </a:prstGeom>
+          <a:ln w="38100">
+            <a:solidFill>
+              <a:srgbClr val="00B050"/>
+            </a:solidFill>
+          </a:ln>
+        </p:spPr>
+        <p:style>
+          <a:lnRef idx="1">
+            <a:schemeClr val="accent1"/>
+          </a:lnRef>
+          <a:fillRef idx="0">
+            <a:schemeClr val="accent1"/>
+          </a:fillRef>
+          <a:effectRef idx="0">
+            <a:schemeClr val="accent1"/>
+          </a:effectRef>
+          <a:fontRef idx="minor">
+            <a:schemeClr val="tx1"/>
+          </a:fontRef>
+        </p:style>
+      </p:cxnSp>
+      <p:cxnSp>
+        <p:nvCxnSpPr>
+          <p:cNvPr id="179" name="직선 연결선 178">
+            <a:extLst>
+              <a:ext uri="{FF2B5EF4-FFF2-40B4-BE49-F238E27FC236}">
+                <a16:creationId xmlns:a16="http://schemas.microsoft.com/office/drawing/2014/main" id="{816EA40D-568D-FAD3-60E3-D171E5E4BADD}"/>
+              </a:ext>
+            </a:extLst>
+          </p:cNvPr>
+          <p:cNvCxnSpPr>
+            <a:cxnSpLocks/>
+          </p:cNvCxnSpPr>
+          <p:nvPr/>
+        </p:nvCxnSpPr>
+        <p:spPr>
+          <a:xfrm>
+            <a:off x="7915444" y="2248553"/>
+            <a:ext cx="172358" cy="0"/>
+          </a:xfrm>
+          <a:prstGeom prst="line">
+            <a:avLst/>
+          </a:prstGeom>
+          <a:ln w="38100">
+            <a:solidFill>
+              <a:srgbClr val="00B050"/>
+            </a:solidFill>
+          </a:ln>
+        </p:spPr>
+        <p:style>
+          <a:lnRef idx="1">
+            <a:schemeClr val="accent1"/>
+          </a:lnRef>
+          <a:fillRef idx="0">
+            <a:schemeClr val="accent1"/>
+          </a:fillRef>
+          <a:effectRef idx="0">
+            <a:schemeClr val="accent1"/>
+          </a:effectRef>
+          <a:fontRef idx="minor">
+            <a:schemeClr val="tx1"/>
+          </a:fontRef>
+        </p:style>
+      </p:cxnSp>
+      <p:cxnSp>
+        <p:nvCxnSpPr>
+          <p:cNvPr id="180" name="직선 연결선 179">
+            <a:extLst>
+              <a:ext uri="{FF2B5EF4-FFF2-40B4-BE49-F238E27FC236}">
+                <a16:creationId xmlns:a16="http://schemas.microsoft.com/office/drawing/2014/main" id="{066887CC-AAEC-BD49-8691-CB71B5B0F930}"/>
+              </a:ext>
+            </a:extLst>
+          </p:cNvPr>
+          <p:cNvCxnSpPr>
+            <a:cxnSpLocks/>
+          </p:cNvCxnSpPr>
+          <p:nvPr/>
+        </p:nvCxnSpPr>
+        <p:spPr>
+          <a:xfrm>
+            <a:off x="5917694" y="3650575"/>
+            <a:ext cx="288180" cy="0"/>
+          </a:xfrm>
+          <a:prstGeom prst="line">
+            <a:avLst/>
+          </a:prstGeom>
+          <a:ln w="38100">
+            <a:solidFill>
+              <a:srgbClr val="00B050"/>
+            </a:solidFill>
+          </a:ln>
+        </p:spPr>
+        <p:style>
+          <a:lnRef idx="1">
+            <a:schemeClr val="accent1"/>
+          </a:lnRef>
+          <a:fillRef idx="0">
+            <a:schemeClr val="accent1"/>
+          </a:fillRef>
+          <a:effectRef idx="0">
+            <a:schemeClr val="accent1"/>
+          </a:effectRef>
+          <a:fontRef idx="minor">
+            <a:schemeClr val="tx1"/>
+          </a:fontRef>
+        </p:style>
+      </p:cxnSp>
+      <p:cxnSp>
+        <p:nvCxnSpPr>
+          <p:cNvPr id="181" name="직선 연결선 180">
+            <a:extLst>
+              <a:ext uri="{FF2B5EF4-FFF2-40B4-BE49-F238E27FC236}">
+                <a16:creationId xmlns:a16="http://schemas.microsoft.com/office/drawing/2014/main" id="{33E77803-52FA-C6BB-E5E2-AC6B1F1C824A}"/>
+              </a:ext>
+            </a:extLst>
+          </p:cNvPr>
+          <p:cNvCxnSpPr>
+            <a:cxnSpLocks/>
+          </p:cNvCxnSpPr>
+          <p:nvPr/>
+        </p:nvCxnSpPr>
+        <p:spPr>
+          <a:xfrm flipV="1">
+            <a:off x="6189643" y="3490555"/>
+            <a:ext cx="0" cy="177800"/>
+          </a:xfrm>
+          <a:prstGeom prst="line">
+            <a:avLst/>
+          </a:prstGeom>
+          <a:ln w="38100">
+            <a:solidFill>
+              <a:srgbClr val="00B050"/>
+            </a:solidFill>
+          </a:ln>
+        </p:spPr>
+        <p:style>
+          <a:lnRef idx="1">
+            <a:schemeClr val="accent1"/>
+          </a:lnRef>
+          <a:fillRef idx="0">
+            <a:schemeClr val="accent1"/>
+          </a:fillRef>
+          <a:effectRef idx="0">
+            <a:schemeClr val="accent1"/>
+          </a:effectRef>
+          <a:fontRef idx="minor">
+            <a:schemeClr val="tx1"/>
+          </a:fontRef>
+        </p:style>
+      </p:cxnSp>
+      <p:cxnSp>
+        <p:nvCxnSpPr>
+          <p:cNvPr id="182" name="직선 연결선 181">
+            <a:extLst>
+              <a:ext uri="{FF2B5EF4-FFF2-40B4-BE49-F238E27FC236}">
+                <a16:creationId xmlns:a16="http://schemas.microsoft.com/office/drawing/2014/main" id="{FC48A235-AC9B-92FC-C4C4-B98AFD4BB92A}"/>
+              </a:ext>
+            </a:extLst>
+          </p:cNvPr>
+          <p:cNvCxnSpPr>
+            <a:cxnSpLocks/>
+          </p:cNvCxnSpPr>
+          <p:nvPr/>
+        </p:nvCxnSpPr>
+        <p:spPr>
+          <a:xfrm>
+            <a:off x="6189643" y="3505795"/>
+            <a:ext cx="296925" cy="0"/>
+          </a:xfrm>
+          <a:prstGeom prst="line">
+            <a:avLst/>
+          </a:prstGeom>
+          <a:ln w="38100">
+            <a:solidFill>
+              <a:srgbClr val="00B050"/>
+            </a:solidFill>
+          </a:ln>
+        </p:spPr>
+        <p:style>
+          <a:lnRef idx="1">
+            <a:schemeClr val="accent1"/>
+          </a:lnRef>
+          <a:fillRef idx="0">
+            <a:schemeClr val="accent1"/>
+          </a:fillRef>
+          <a:effectRef idx="0">
+            <a:schemeClr val="accent1"/>
+          </a:effectRef>
+          <a:fontRef idx="minor">
+            <a:schemeClr val="tx1"/>
+          </a:fontRef>
+        </p:style>
+      </p:cxnSp>
+      <p:cxnSp>
+        <p:nvCxnSpPr>
+          <p:cNvPr id="188" name="직선 연결선 187">
+            <a:extLst>
+              <a:ext uri="{FF2B5EF4-FFF2-40B4-BE49-F238E27FC236}">
+                <a16:creationId xmlns:a16="http://schemas.microsoft.com/office/drawing/2014/main" id="{D128677C-41D8-07B5-AF7C-E4FF7F9F5B6D}"/>
+              </a:ext>
+            </a:extLst>
+          </p:cNvPr>
+          <p:cNvCxnSpPr>
+            <a:cxnSpLocks/>
+          </p:cNvCxnSpPr>
+          <p:nvPr/>
+        </p:nvCxnSpPr>
+        <p:spPr>
+          <a:xfrm>
+            <a:off x="3283961" y="3660224"/>
+            <a:ext cx="288180" cy="0"/>
+          </a:xfrm>
+          <a:prstGeom prst="line">
+            <a:avLst/>
+          </a:prstGeom>
+          <a:ln w="38100">
+            <a:solidFill>
+              <a:srgbClr val="00B050"/>
+            </a:solidFill>
+          </a:ln>
+        </p:spPr>
+        <p:style>
+          <a:lnRef idx="1">
+            <a:schemeClr val="accent1"/>
+          </a:lnRef>
+          <a:fillRef idx="0">
+            <a:schemeClr val="accent1"/>
+          </a:fillRef>
+          <a:effectRef idx="0">
+            <a:schemeClr val="accent1"/>
+          </a:effectRef>
+          <a:fontRef idx="minor">
+            <a:schemeClr val="tx1"/>
+          </a:fontRef>
+        </p:style>
+      </p:cxnSp>
+      <p:cxnSp>
+        <p:nvCxnSpPr>
+          <p:cNvPr id="189" name="직선 연결선 188">
+            <a:extLst>
+              <a:ext uri="{FF2B5EF4-FFF2-40B4-BE49-F238E27FC236}">
+                <a16:creationId xmlns:a16="http://schemas.microsoft.com/office/drawing/2014/main" id="{C7DB0B5A-3BDC-3422-2B79-9055079D4F16}"/>
+              </a:ext>
+            </a:extLst>
+          </p:cNvPr>
+          <p:cNvCxnSpPr>
+            <a:cxnSpLocks/>
+          </p:cNvCxnSpPr>
+          <p:nvPr/>
+        </p:nvCxnSpPr>
+        <p:spPr>
+          <a:xfrm flipV="1">
+            <a:off x="3555910" y="3500204"/>
+            <a:ext cx="0" cy="177800"/>
+          </a:xfrm>
+          <a:prstGeom prst="line">
+            <a:avLst/>
+          </a:prstGeom>
+          <a:ln w="38100">
+            <a:solidFill>
+              <a:srgbClr val="00B050"/>
+            </a:solidFill>
+          </a:ln>
+        </p:spPr>
+        <p:style>
+          <a:lnRef idx="1">
+            <a:schemeClr val="accent1"/>
+          </a:lnRef>
+          <a:fillRef idx="0">
+            <a:schemeClr val="accent1"/>
+          </a:fillRef>
+          <a:effectRef idx="0">
+            <a:schemeClr val="accent1"/>
+          </a:effectRef>
+          <a:fontRef idx="minor">
+            <a:schemeClr val="tx1"/>
+          </a:fontRef>
+        </p:style>
+      </p:cxnSp>
+      <p:cxnSp>
+        <p:nvCxnSpPr>
+          <p:cNvPr id="190" name="직선 연결선 189">
+            <a:extLst>
+              <a:ext uri="{FF2B5EF4-FFF2-40B4-BE49-F238E27FC236}">
+                <a16:creationId xmlns:a16="http://schemas.microsoft.com/office/drawing/2014/main" id="{B411805C-00A4-8B74-D161-EA10229AE4E8}"/>
+              </a:ext>
+            </a:extLst>
+          </p:cNvPr>
+          <p:cNvCxnSpPr>
+            <a:cxnSpLocks/>
+          </p:cNvCxnSpPr>
+          <p:nvPr/>
+        </p:nvCxnSpPr>
+        <p:spPr>
+          <a:xfrm>
+            <a:off x="3555910" y="3515444"/>
+            <a:ext cx="296925" cy="0"/>
+          </a:xfrm>
+          <a:prstGeom prst="line">
+            <a:avLst/>
+          </a:prstGeom>
+          <a:ln w="38100">
+            <a:solidFill>
+              <a:srgbClr val="00B050"/>
+            </a:solidFill>
+          </a:ln>
+        </p:spPr>
+        <p:style>
+          <a:lnRef idx="1">
+            <a:schemeClr val="accent1"/>
+          </a:lnRef>
+          <a:fillRef idx="0">
+            <a:schemeClr val="accent1"/>
+          </a:fillRef>
+          <a:effectRef idx="0">
+            <a:schemeClr val="accent1"/>
+          </a:effectRef>
+          <a:fontRef idx="minor">
+            <a:schemeClr val="tx1"/>
+          </a:fontRef>
+        </p:style>
+      </p:cxnSp>
+      <p:cxnSp>
+        <p:nvCxnSpPr>
+          <p:cNvPr id="191" name="직선 연결선 190">
+            <a:extLst>
+              <a:ext uri="{FF2B5EF4-FFF2-40B4-BE49-F238E27FC236}">
+                <a16:creationId xmlns:a16="http://schemas.microsoft.com/office/drawing/2014/main" id="{1E207C25-C611-570D-6323-3E6D480D5833}"/>
+              </a:ext>
+            </a:extLst>
+          </p:cNvPr>
+          <p:cNvCxnSpPr>
+            <a:cxnSpLocks/>
+          </p:cNvCxnSpPr>
+          <p:nvPr/>
+        </p:nvCxnSpPr>
+        <p:spPr>
+          <a:xfrm>
+            <a:off x="9095171" y="2295748"/>
+            <a:ext cx="724460" cy="0"/>
+          </a:xfrm>
+          <a:prstGeom prst="line">
+            <a:avLst/>
+          </a:prstGeom>
+          <a:ln w="28575">
+            <a:solidFill>
+              <a:srgbClr val="FF0000"/>
+            </a:solidFill>
+          </a:ln>
+        </p:spPr>
+        <p:style>
+          <a:lnRef idx="1">
+            <a:schemeClr val="accent1"/>
+          </a:lnRef>
+          <a:fillRef idx="0">
+            <a:schemeClr val="accent1"/>
+          </a:fillRef>
+          <a:effectRef idx="0">
+            <a:schemeClr val="accent1"/>
+          </a:effectRef>
+          <a:fontRef idx="minor">
+            <a:schemeClr val="tx1"/>
+          </a:fontRef>
+        </p:style>
+      </p:cxnSp>
+      <p:cxnSp>
+        <p:nvCxnSpPr>
+          <p:cNvPr id="1024" name="직선 화살표 연결선 1023">
+            <a:extLst>
+              <a:ext uri="{FF2B5EF4-FFF2-40B4-BE49-F238E27FC236}">
+                <a16:creationId xmlns:a16="http://schemas.microsoft.com/office/drawing/2014/main" id="{6A9A193E-6219-2052-995F-DE5529E95D92}"/>
+              </a:ext>
+            </a:extLst>
+          </p:cNvPr>
+          <p:cNvCxnSpPr>
+            <a:cxnSpLocks/>
+          </p:cNvCxnSpPr>
+          <p:nvPr/>
+        </p:nvCxnSpPr>
+        <p:spPr>
+          <a:xfrm>
+            <a:off x="9206001" y="2171645"/>
+            <a:ext cx="457080" cy="0"/>
+          </a:xfrm>
+          <a:prstGeom prst="straightConnector1">
+            <a:avLst/>
+          </a:prstGeom>
+          <a:ln w="57150">
+            <a:solidFill>
+              <a:srgbClr val="FF0000"/>
+            </a:solidFill>
+            <a:tailEnd type="triangle"/>
+          </a:ln>
+        </p:spPr>
+        <p:style>
+          <a:lnRef idx="1">
+            <a:schemeClr val="accent1"/>
+          </a:lnRef>
+          <a:fillRef idx="0">
+            <a:schemeClr val="accent1"/>
+          </a:fillRef>
+          <a:effectRef idx="0">
+            <a:schemeClr val="accent1"/>
+          </a:effectRef>
+          <a:fontRef idx="minor">
+            <a:schemeClr val="tx1"/>
+          </a:fontRef>
+        </p:style>
+      </p:cxnSp>
+      <p:cxnSp>
+        <p:nvCxnSpPr>
+          <p:cNvPr id="1025" name="직선 연결선 1024">
+            <a:extLst>
+              <a:ext uri="{FF2B5EF4-FFF2-40B4-BE49-F238E27FC236}">
+                <a16:creationId xmlns:a16="http://schemas.microsoft.com/office/drawing/2014/main" id="{A2439146-68E1-7B4A-AEF4-C1BE7D285E64}"/>
+              </a:ext>
+            </a:extLst>
+          </p:cNvPr>
+          <p:cNvCxnSpPr>
+            <a:cxnSpLocks/>
+          </p:cNvCxnSpPr>
+          <p:nvPr/>
+        </p:nvCxnSpPr>
+        <p:spPr>
+          <a:xfrm flipV="1">
+            <a:off x="4042935" y="719404"/>
+            <a:ext cx="0" cy="498739"/>
+          </a:xfrm>
+          <a:prstGeom prst="line">
+            <a:avLst/>
+          </a:prstGeom>
+          <a:ln w="28575">
+            <a:solidFill>
+              <a:schemeClr val="tx1"/>
+            </a:solidFill>
+          </a:ln>
+        </p:spPr>
+        <p:style>
+          <a:lnRef idx="1">
+            <a:schemeClr val="accent1"/>
+          </a:lnRef>
+          <a:fillRef idx="0">
+            <a:schemeClr val="accent1"/>
+          </a:fillRef>
+          <a:effectRef idx="0">
+            <a:schemeClr val="accent1"/>
+          </a:effectRef>
+          <a:fontRef idx="minor">
+            <a:schemeClr val="tx1"/>
+          </a:fontRef>
+        </p:style>
+      </p:cxnSp>
+      <p:sp>
+        <p:nvSpPr>
+          <p:cNvPr id="1029" name="TextBox 1028">
+            <a:extLst>
+              <a:ext uri="{FF2B5EF4-FFF2-40B4-BE49-F238E27FC236}">
+                <a16:creationId xmlns:a16="http://schemas.microsoft.com/office/drawing/2014/main" id="{1D642096-07EC-5185-EA38-5D5CA17276BE}"/>
+              </a:ext>
+            </a:extLst>
+          </p:cNvPr>
+          <p:cNvSpPr txBox="1"/>
+          <p:nvPr/>
+        </p:nvSpPr>
+        <p:spPr>
+          <a:xfrm>
+            <a:off x="4029187" y="766133"/>
+            <a:ext cx="1822450" cy="261610"/>
+          </a:xfrm>
+          <a:prstGeom prst="rect">
+            <a:avLst/>
+          </a:prstGeom>
+          <a:noFill/>
+        </p:spPr>
+        <p:txBody>
+          <a:bodyPr wrap="square">
+            <a:spAutoFit/>
+          </a:bodyPr>
+          <a:lstStyle/>
+          <a:p>
+            <a:r>
+              <a:rPr lang="en-US" altLang="ko-KR" sz="1050" b="1"/>
+              <a:t>When(RUN_MODE)</a:t>
+            </a:r>
+            <a:endParaRPr lang="ko-KR" altLang="en-US" sz="1050" b="1">
+              <a:solidFill>
+                <a:schemeClr val="tx1"/>
+              </a:solidFill>
+            </a:endParaRPr>
+          </a:p>
+        </p:txBody>
+      </p:sp>
+      <p:cxnSp>
+        <p:nvCxnSpPr>
+          <p:cNvPr id="1031" name="직선 연결선 1030">
+            <a:extLst>
+              <a:ext uri="{FF2B5EF4-FFF2-40B4-BE49-F238E27FC236}">
+                <a16:creationId xmlns:a16="http://schemas.microsoft.com/office/drawing/2014/main" id="{3E4EFA2F-25BE-01D3-8E5C-F33F5223F47D}"/>
+              </a:ext>
+            </a:extLst>
+          </p:cNvPr>
+          <p:cNvCxnSpPr>
+            <a:cxnSpLocks/>
+          </p:cNvCxnSpPr>
+          <p:nvPr/>
+        </p:nvCxnSpPr>
+        <p:spPr>
+          <a:xfrm flipV="1">
+            <a:off x="6516307" y="674041"/>
+            <a:ext cx="0" cy="498739"/>
+          </a:xfrm>
+          <a:prstGeom prst="line">
+            <a:avLst/>
+          </a:prstGeom>
+          <a:ln w="28575">
+            <a:solidFill>
+              <a:schemeClr val="tx1"/>
+            </a:solidFill>
+          </a:ln>
+        </p:spPr>
+        <p:style>
+          <a:lnRef idx="1">
+            <a:schemeClr val="accent1"/>
+          </a:lnRef>
+          <a:fillRef idx="0">
+            <a:schemeClr val="accent1"/>
+          </a:fillRef>
+          <a:effectRef idx="0">
+            <a:schemeClr val="accent1"/>
+          </a:effectRef>
+          <a:fontRef idx="minor">
+            <a:schemeClr val="tx1"/>
+          </a:fontRef>
+        </p:style>
+      </p:cxnSp>
+      <p:sp>
+        <p:nvSpPr>
+          <p:cNvPr id="1033" name="TextBox 1032">
+            <a:extLst>
+              <a:ext uri="{FF2B5EF4-FFF2-40B4-BE49-F238E27FC236}">
+                <a16:creationId xmlns:a16="http://schemas.microsoft.com/office/drawing/2014/main" id="{10AD6301-4DF8-81DC-3790-C9DDB4C94FA3}"/>
+              </a:ext>
+            </a:extLst>
+          </p:cNvPr>
+          <p:cNvSpPr txBox="1"/>
+          <p:nvPr/>
+        </p:nvSpPr>
+        <p:spPr>
+          <a:xfrm>
+            <a:off x="6502558" y="750438"/>
+            <a:ext cx="1822450" cy="261610"/>
+          </a:xfrm>
+          <a:prstGeom prst="rect">
+            <a:avLst/>
+          </a:prstGeom>
+          <a:noFill/>
+        </p:spPr>
+        <p:txBody>
+          <a:bodyPr wrap="square">
+            <a:spAutoFit/>
+          </a:bodyPr>
+          <a:lstStyle/>
+          <a:p>
+            <a:r>
+              <a:rPr lang="en-US" altLang="ko-KR" sz="1050" b="1"/>
+              <a:t>When(RUN_MODE)</a:t>
+            </a:r>
+            <a:endParaRPr lang="ko-KR" altLang="en-US" sz="1050" b="1">
+              <a:solidFill>
+                <a:schemeClr val="tx1"/>
+              </a:solidFill>
+            </a:endParaRPr>
+          </a:p>
+        </p:txBody>
+      </p:sp>
+      <p:sp>
+        <p:nvSpPr>
+          <p:cNvPr id="1034" name="TextBox 1033">
+            <a:extLst>
+              <a:ext uri="{FF2B5EF4-FFF2-40B4-BE49-F238E27FC236}">
+                <a16:creationId xmlns:a16="http://schemas.microsoft.com/office/drawing/2014/main" id="{4DDE5CFB-9849-7DB7-5F05-3F5EC97517E4}"/>
+              </a:ext>
+            </a:extLst>
+          </p:cNvPr>
+          <p:cNvSpPr txBox="1"/>
+          <p:nvPr/>
+        </p:nvSpPr>
+        <p:spPr>
+          <a:xfrm>
+            <a:off x="7138382" y="1576040"/>
+            <a:ext cx="1822450" cy="261610"/>
+          </a:xfrm>
+          <a:prstGeom prst="rect">
+            <a:avLst/>
+          </a:prstGeom>
+          <a:noFill/>
+        </p:spPr>
+        <p:txBody>
+          <a:bodyPr wrap="square">
+            <a:spAutoFit/>
+          </a:bodyPr>
+          <a:lstStyle/>
+          <a:p>
+            <a:r>
+              <a:rPr lang="en-US" altLang="ko-KR" sz="1050" b="1"/>
+              <a:t>When(1_line_done)</a:t>
+            </a:r>
+            <a:endParaRPr lang="ko-KR" altLang="en-US" sz="1050" b="1">
+              <a:solidFill>
+                <a:schemeClr val="tx1"/>
+              </a:solidFill>
+            </a:endParaRPr>
+          </a:p>
+        </p:txBody>
+      </p:sp>
+      <p:sp>
+        <p:nvSpPr>
+          <p:cNvPr id="1036" name="TextBox 1035">
+            <a:extLst>
+              <a:ext uri="{FF2B5EF4-FFF2-40B4-BE49-F238E27FC236}">
+                <a16:creationId xmlns:a16="http://schemas.microsoft.com/office/drawing/2014/main" id="{724D76EB-FD56-43E0-A595-2D7746D1C463}"/>
+              </a:ext>
+            </a:extLst>
+          </p:cNvPr>
+          <p:cNvSpPr txBox="1"/>
+          <p:nvPr/>
+        </p:nvSpPr>
+        <p:spPr>
+          <a:xfrm>
+            <a:off x="3368787" y="-466193"/>
+            <a:ext cx="1320800" cy="307777"/>
+          </a:xfrm>
+          <a:prstGeom prst="rect">
+            <a:avLst/>
+          </a:prstGeom>
+          <a:noFill/>
+        </p:spPr>
+        <p:txBody>
+          <a:bodyPr wrap="square">
+            <a:spAutoFit/>
+          </a:bodyPr>
+          <a:lstStyle/>
+          <a:p>
+            <a:pPr algn="ctr"/>
+            <a:r>
+              <a:rPr lang="en-US" altLang="ko-KR" sz="1400" b="1"/>
+              <a:t>LED</a:t>
+            </a:r>
+            <a:endParaRPr lang="ko-KR" altLang="en-US" sz="1400" b="1">
+              <a:solidFill>
+                <a:schemeClr val="tx1"/>
+              </a:solidFill>
+            </a:endParaRPr>
+          </a:p>
+        </p:txBody>
+      </p:sp>
+      <p:sp>
+        <p:nvSpPr>
+          <p:cNvPr id="1038" name="TextBox 1037">
+            <a:extLst>
+              <a:ext uri="{FF2B5EF4-FFF2-40B4-BE49-F238E27FC236}">
+                <a16:creationId xmlns:a16="http://schemas.microsoft.com/office/drawing/2014/main" id="{02B4B929-9153-5D01-9436-D4DF6F1F2F3A}"/>
+              </a:ext>
+            </a:extLst>
+          </p:cNvPr>
+          <p:cNvSpPr txBox="1"/>
+          <p:nvPr/>
+        </p:nvSpPr>
+        <p:spPr>
+          <a:xfrm>
+            <a:off x="5842158" y="-460029"/>
+            <a:ext cx="1320800" cy="307777"/>
+          </a:xfrm>
+          <a:prstGeom prst="rect">
+            <a:avLst/>
+          </a:prstGeom>
+          <a:noFill/>
+        </p:spPr>
+        <p:txBody>
+          <a:bodyPr wrap="square">
+            <a:spAutoFit/>
+          </a:bodyPr>
+          <a:lstStyle/>
+          <a:p>
+            <a:pPr algn="ctr"/>
+            <a:r>
+              <a:rPr lang="en-US" altLang="ko-KR" sz="1400" b="1"/>
+              <a:t>BUZZER</a:t>
+            </a:r>
+            <a:endParaRPr lang="ko-KR" altLang="en-US" sz="1400" b="1">
+              <a:solidFill>
+                <a:schemeClr val="tx1"/>
+              </a:solidFill>
+            </a:endParaRPr>
+          </a:p>
+        </p:txBody>
+      </p:sp>
+      <p:sp>
+        <p:nvSpPr>
+          <p:cNvPr id="2" name="직사각형 1">
+            <a:extLst>
+              <a:ext uri="{FF2B5EF4-FFF2-40B4-BE49-F238E27FC236}">
+                <a16:creationId xmlns:a16="http://schemas.microsoft.com/office/drawing/2014/main" id="{6863A305-EAE8-24C8-2F79-CF379648AD5F}"/>
+              </a:ext>
+            </a:extLst>
+          </p:cNvPr>
+          <p:cNvSpPr/>
+          <p:nvPr/>
+        </p:nvSpPr>
+        <p:spPr>
+          <a:xfrm>
+            <a:off x="6798430" y="277722"/>
+            <a:ext cx="5481037" cy="6580277"/>
+          </a:xfrm>
+          <a:prstGeom prst="rect">
+            <a:avLst/>
+          </a:prstGeom>
+          <a:solidFill>
+            <a:schemeClr val="bg1"/>
+          </a:solidFill>
+          <a:ln>
+            <a:solidFill>
+              <a:schemeClr val="bg1"/>
+            </a:solidFill>
+          </a:ln>
+        </p:spPr>
+        <p:style>
+          <a:lnRef idx="2">
+            <a:schemeClr val="accent1">
+              <a:shade val="50000"/>
+            </a:schemeClr>
+          </a:lnRef>
+          <a:fillRef idx="1">
+            <a:schemeClr val="accent1"/>
+          </a:fillRef>
+          <a:effectRef idx="0">
+            <a:schemeClr val="accent1"/>
+          </a:effectRef>
+          <a:fontRef idx="minor">
+            <a:schemeClr val="lt1"/>
+          </a:fontRef>
+        </p:style>
+        <p:txBody>
+          <a:bodyPr rtlCol="0" anchor="ctr"/>
+          <a:lstStyle/>
+          <a:p>
+            <a:pPr algn="ctr"/>
+            <a:endParaRPr lang="ko-KR" altLang="en-US"/>
+          </a:p>
+        </p:txBody>
+      </p:sp>
+      <p:sp>
+        <p:nvSpPr>
+          <p:cNvPr id="13" name="직사각형 12">
+            <a:extLst>
+              <a:ext uri="{FF2B5EF4-FFF2-40B4-BE49-F238E27FC236}">
+                <a16:creationId xmlns:a16="http://schemas.microsoft.com/office/drawing/2014/main" id="{631AC75D-68C8-4232-D368-8D37A9001AC6}"/>
+              </a:ext>
+            </a:extLst>
+          </p:cNvPr>
+          <p:cNvSpPr/>
+          <p:nvPr/>
+        </p:nvSpPr>
+        <p:spPr>
+          <a:xfrm>
+            <a:off x="6055" y="-581263"/>
+            <a:ext cx="1206541" cy="2888023"/>
+          </a:xfrm>
+          <a:prstGeom prst="rect">
+            <a:avLst/>
+          </a:prstGeom>
+          <a:solidFill>
+            <a:schemeClr val="bg1"/>
+          </a:solidFill>
+          <a:ln>
+            <a:solidFill>
+              <a:schemeClr val="bg1"/>
+            </a:solidFill>
+          </a:ln>
+        </p:spPr>
+        <p:style>
+          <a:lnRef idx="2">
+            <a:schemeClr val="accent1">
+              <a:shade val="50000"/>
+            </a:schemeClr>
+          </a:lnRef>
+          <a:fillRef idx="1">
+            <a:schemeClr val="accent1"/>
+          </a:fillRef>
+          <a:effectRef idx="0">
+            <a:schemeClr val="accent1"/>
+          </a:effectRef>
+          <a:fontRef idx="minor">
+            <a:schemeClr val="lt1"/>
+          </a:fontRef>
+        </p:style>
+        <p:txBody>
+          <a:bodyPr rtlCol="0" anchor="ctr"/>
+          <a:lstStyle/>
+          <a:p>
+            <a:pPr algn="ctr"/>
+            <a:endParaRPr lang="ko-KR" altLang="en-US"/>
+          </a:p>
+        </p:txBody>
+      </p:sp>
+      <p:sp>
+        <p:nvSpPr>
+          <p:cNvPr id="18" name="직사각형 17">
+            <a:extLst>
+              <a:ext uri="{FF2B5EF4-FFF2-40B4-BE49-F238E27FC236}">
+                <a16:creationId xmlns:a16="http://schemas.microsoft.com/office/drawing/2014/main" id="{8EC3848D-A393-19A6-BD3A-9F1349054261}"/>
+              </a:ext>
+            </a:extLst>
+          </p:cNvPr>
+          <p:cNvSpPr/>
+          <p:nvPr/>
+        </p:nvSpPr>
+        <p:spPr>
+          <a:xfrm>
+            <a:off x="1781725" y="-457391"/>
+            <a:ext cx="5480697" cy="1420265"/>
+          </a:xfrm>
+          <a:prstGeom prst="rect">
+            <a:avLst/>
+          </a:prstGeom>
+          <a:solidFill>
+            <a:schemeClr val="bg1"/>
+          </a:solidFill>
+          <a:ln>
+            <a:solidFill>
+              <a:schemeClr val="bg1"/>
+            </a:solidFill>
+          </a:ln>
+        </p:spPr>
+        <p:style>
+          <a:lnRef idx="2">
+            <a:schemeClr val="accent1">
+              <a:shade val="50000"/>
+            </a:schemeClr>
+          </a:lnRef>
+          <a:fillRef idx="1">
+            <a:schemeClr val="accent1"/>
+          </a:fillRef>
+          <a:effectRef idx="0">
+            <a:schemeClr val="accent1"/>
+          </a:effectRef>
+          <a:fontRef idx="minor">
+            <a:schemeClr val="lt1"/>
+          </a:fontRef>
+        </p:style>
+        <p:txBody>
+          <a:bodyPr rtlCol="0" anchor="ctr"/>
+          <a:lstStyle/>
+          <a:p>
+            <a:pPr algn="ctr"/>
+            <a:endParaRPr lang="ko-KR" altLang="en-US"/>
+          </a:p>
+        </p:txBody>
+      </p:sp>
+      <p:sp>
+        <p:nvSpPr>
+          <p:cNvPr id="21" name="직사각형 20">
+            <a:extLst>
+              <a:ext uri="{FF2B5EF4-FFF2-40B4-BE49-F238E27FC236}">
+                <a16:creationId xmlns:a16="http://schemas.microsoft.com/office/drawing/2014/main" id="{A7AFF23E-AFA8-87F4-5FF3-180F945E19B0}"/>
+              </a:ext>
+            </a:extLst>
+          </p:cNvPr>
+          <p:cNvSpPr/>
+          <p:nvPr/>
+        </p:nvSpPr>
+        <p:spPr>
+          <a:xfrm>
+            <a:off x="1934125" y="-304991"/>
+            <a:ext cx="5480697" cy="1420265"/>
+          </a:xfrm>
+          <a:prstGeom prst="rect">
+            <a:avLst/>
+          </a:prstGeom>
+          <a:solidFill>
+            <a:schemeClr val="bg1"/>
+          </a:solidFill>
+          <a:ln>
+            <a:solidFill>
+              <a:schemeClr val="bg1"/>
+            </a:solidFill>
+          </a:ln>
+        </p:spPr>
+        <p:style>
+          <a:lnRef idx="2">
+            <a:schemeClr val="accent1">
+              <a:shade val="50000"/>
+            </a:schemeClr>
+          </a:lnRef>
+          <a:fillRef idx="1">
+            <a:schemeClr val="accent1"/>
+          </a:fillRef>
+          <a:effectRef idx="0">
+            <a:schemeClr val="accent1"/>
+          </a:effectRef>
+          <a:fontRef idx="minor">
+            <a:schemeClr val="lt1"/>
+          </a:fontRef>
+        </p:style>
+        <p:txBody>
+          <a:bodyPr rtlCol="0" anchor="ctr"/>
+          <a:lstStyle/>
+          <a:p>
+            <a:pPr algn="ctr"/>
+            <a:endParaRPr lang="ko-KR" altLang="en-US"/>
+          </a:p>
+        </p:txBody>
+      </p:sp>
+      <p:pic>
+        <p:nvPicPr>
+          <p:cNvPr id="27" name="그림 26">
+            <a:extLst>
+              <a:ext uri="{FF2B5EF4-FFF2-40B4-BE49-F238E27FC236}">
+                <a16:creationId xmlns:a16="http://schemas.microsoft.com/office/drawing/2014/main" id="{1BF371E9-DC9D-77E9-5FF3-3A2DA852516F}"/>
+              </a:ext>
+            </a:extLst>
+          </p:cNvPr>
+          <p:cNvPicPr>
+            <a:picLocks noChangeAspect="1"/>
+          </p:cNvPicPr>
+          <p:nvPr/>
+        </p:nvPicPr>
+        <p:blipFill>
+          <a:blip r:embed="rId12"/>
+          <a:stretch>
+            <a:fillRect/>
+          </a:stretch>
+        </p:blipFill>
+        <p:spPr>
+          <a:xfrm>
+            <a:off x="7161779" y="80455"/>
+            <a:ext cx="2375590" cy="5042791"/>
+          </a:xfrm>
+          <a:prstGeom prst="rect">
+            <a:avLst/>
+          </a:prstGeom>
+        </p:spPr>
+      </p:pic>
+      <p:sp>
+        <p:nvSpPr>
+          <p:cNvPr id="29" name="액자 28">
+            <a:extLst>
+              <a:ext uri="{FF2B5EF4-FFF2-40B4-BE49-F238E27FC236}">
+                <a16:creationId xmlns:a16="http://schemas.microsoft.com/office/drawing/2014/main" id="{A62D9BDE-2B88-773D-DDD3-A8EEE50E4E42}"/>
+              </a:ext>
+            </a:extLst>
+          </p:cNvPr>
+          <p:cNvSpPr/>
+          <p:nvPr/>
+        </p:nvSpPr>
+        <p:spPr>
+          <a:xfrm>
+            <a:off x="7425201" y="875610"/>
+            <a:ext cx="1409742" cy="283629"/>
+          </a:xfrm>
+          <a:prstGeom prst="frame">
+            <a:avLst>
+              <a:gd name="adj1" fmla="val 21577"/>
+            </a:avLst>
+          </a:prstGeom>
+          <a:solidFill>
+            <a:srgbClr val="FF0000"/>
+          </a:solidFill>
+        </p:spPr>
+        <p:style>
+          <a:lnRef idx="2">
+            <a:schemeClr val="accent1">
+              <a:shade val="50000"/>
+            </a:schemeClr>
+          </a:lnRef>
+          <a:fillRef idx="1">
+            <a:schemeClr val="accent1"/>
+          </a:fillRef>
+          <a:effectRef idx="0">
+            <a:schemeClr val="accent1"/>
+          </a:effectRef>
+          <a:fontRef idx="minor">
+            <a:schemeClr val="lt1"/>
+          </a:fontRef>
+        </p:style>
+        <p:txBody>
+          <a:bodyPr rtlCol="0" anchor="ctr"/>
+          <a:lstStyle/>
+          <a:p>
+            <a:pPr algn="ctr"/>
+            <a:endParaRPr lang="ko-KR" altLang="en-US">
+              <a:solidFill>
+                <a:schemeClr val="tx1"/>
+              </a:solidFill>
+            </a:endParaRPr>
+          </a:p>
+        </p:txBody>
+      </p:sp>
+      <p:sp>
+        <p:nvSpPr>
+          <p:cNvPr id="30" name="액자 29">
+            <a:extLst>
+              <a:ext uri="{FF2B5EF4-FFF2-40B4-BE49-F238E27FC236}">
+                <a16:creationId xmlns:a16="http://schemas.microsoft.com/office/drawing/2014/main" id="{11FA0D71-E6C7-8932-DD3B-7939C10CD55F}"/>
+              </a:ext>
+            </a:extLst>
+          </p:cNvPr>
+          <p:cNvSpPr/>
+          <p:nvPr/>
+        </p:nvSpPr>
+        <p:spPr>
+          <a:xfrm>
+            <a:off x="7430829" y="1202091"/>
+            <a:ext cx="1398485" cy="215781"/>
+          </a:xfrm>
+          <a:prstGeom prst="frame">
+            <a:avLst>
+              <a:gd name="adj1" fmla="val 21577"/>
+            </a:avLst>
+          </a:prstGeom>
+          <a:solidFill>
+            <a:srgbClr val="FF0000"/>
+          </a:solidFill>
+        </p:spPr>
+        <p:style>
+          <a:lnRef idx="2">
+            <a:schemeClr val="accent1">
+              <a:shade val="50000"/>
+            </a:schemeClr>
+          </a:lnRef>
+          <a:fillRef idx="1">
+            <a:schemeClr val="accent1"/>
+          </a:fillRef>
+          <a:effectRef idx="0">
+            <a:schemeClr val="accent1"/>
+          </a:effectRef>
+          <a:fontRef idx="minor">
+            <a:schemeClr val="lt1"/>
+          </a:fontRef>
+        </p:style>
+        <p:txBody>
+          <a:bodyPr rtlCol="0" anchor="ctr"/>
+          <a:lstStyle/>
+          <a:p>
+            <a:pPr algn="ctr"/>
+            <a:endParaRPr lang="ko-KR" altLang="en-US">
+              <a:solidFill>
+                <a:schemeClr val="tx1"/>
+              </a:solidFill>
+            </a:endParaRPr>
+          </a:p>
+        </p:txBody>
+      </p:sp>
+      <p:sp>
+        <p:nvSpPr>
+          <p:cNvPr id="31" name="액자 30">
+            <a:extLst>
+              <a:ext uri="{FF2B5EF4-FFF2-40B4-BE49-F238E27FC236}">
+                <a16:creationId xmlns:a16="http://schemas.microsoft.com/office/drawing/2014/main" id="{876A00BF-946E-0B6B-54F0-A5A2419D73DF}"/>
+              </a:ext>
+            </a:extLst>
+          </p:cNvPr>
+          <p:cNvSpPr/>
+          <p:nvPr/>
+        </p:nvSpPr>
+        <p:spPr>
+          <a:xfrm>
+            <a:off x="7425200" y="1505039"/>
+            <a:ext cx="1396073" cy="206354"/>
+          </a:xfrm>
+          <a:prstGeom prst="frame">
+            <a:avLst>
+              <a:gd name="adj1" fmla="val 31620"/>
+            </a:avLst>
+          </a:prstGeom>
+          <a:solidFill>
+            <a:srgbClr val="FF0000"/>
+          </a:solidFill>
+        </p:spPr>
+        <p:style>
+          <a:lnRef idx="2">
+            <a:schemeClr val="accent1">
+              <a:shade val="50000"/>
+            </a:schemeClr>
+          </a:lnRef>
+          <a:fillRef idx="1">
+            <a:schemeClr val="accent1"/>
+          </a:fillRef>
+          <a:effectRef idx="0">
+            <a:schemeClr val="accent1"/>
+          </a:effectRef>
+          <a:fontRef idx="minor">
+            <a:schemeClr val="lt1"/>
+          </a:fontRef>
+        </p:style>
+        <p:txBody>
+          <a:bodyPr rtlCol="0" anchor="ctr"/>
+          <a:lstStyle/>
+          <a:p>
+            <a:pPr algn="ctr"/>
+            <a:endParaRPr lang="ko-KR" altLang="en-US">
+              <a:solidFill>
+                <a:schemeClr val="tx1"/>
+              </a:solidFill>
+            </a:endParaRPr>
+          </a:p>
+        </p:txBody>
+      </p:sp>
+      <p:sp>
+        <p:nvSpPr>
+          <p:cNvPr id="32" name="액자 31">
+            <a:extLst>
+              <a:ext uri="{FF2B5EF4-FFF2-40B4-BE49-F238E27FC236}">
+                <a16:creationId xmlns:a16="http://schemas.microsoft.com/office/drawing/2014/main" id="{9ED3DF30-C21F-8E1E-8AA5-7D4ECBC1A358}"/>
+              </a:ext>
+            </a:extLst>
+          </p:cNvPr>
+          <p:cNvSpPr/>
+          <p:nvPr/>
+        </p:nvSpPr>
+        <p:spPr>
+          <a:xfrm>
+            <a:off x="7367081" y="3070970"/>
+            <a:ext cx="1915854" cy="1430100"/>
+          </a:xfrm>
+          <a:prstGeom prst="frame">
+            <a:avLst>
+              <a:gd name="adj1" fmla="val 5341"/>
+            </a:avLst>
+          </a:prstGeom>
+          <a:solidFill>
+            <a:srgbClr val="FF0000"/>
+          </a:solidFill>
+        </p:spPr>
+        <p:style>
+          <a:lnRef idx="2">
+            <a:schemeClr val="accent1">
+              <a:shade val="50000"/>
+            </a:schemeClr>
+          </a:lnRef>
+          <a:fillRef idx="1">
+            <a:schemeClr val="accent1"/>
+          </a:fillRef>
+          <a:effectRef idx="0">
+            <a:schemeClr val="accent1"/>
+          </a:effectRef>
+          <a:fontRef idx="minor">
+            <a:schemeClr val="lt1"/>
+          </a:fontRef>
+        </p:style>
+        <p:txBody>
+          <a:bodyPr rtlCol="0" anchor="ctr"/>
+          <a:lstStyle/>
+          <a:p>
+            <a:pPr algn="ctr"/>
+            <a:endParaRPr lang="ko-KR" altLang="en-US">
+              <a:solidFill>
+                <a:schemeClr val="tx1"/>
+              </a:solidFill>
+            </a:endParaRPr>
+          </a:p>
+        </p:txBody>
+      </p:sp>
+      <p:sp>
+        <p:nvSpPr>
+          <p:cNvPr id="39" name="액자 38">
+            <a:extLst>
+              <a:ext uri="{FF2B5EF4-FFF2-40B4-BE49-F238E27FC236}">
+                <a16:creationId xmlns:a16="http://schemas.microsoft.com/office/drawing/2014/main" id="{E9EEDC1F-5D62-6ED0-DB18-DDC83D1D9E7D}"/>
+              </a:ext>
+            </a:extLst>
+          </p:cNvPr>
+          <p:cNvSpPr/>
+          <p:nvPr/>
+        </p:nvSpPr>
+        <p:spPr>
+          <a:xfrm>
+            <a:off x="7437929" y="2371308"/>
+            <a:ext cx="1345613" cy="522343"/>
+          </a:xfrm>
+          <a:prstGeom prst="frame">
+            <a:avLst>
+              <a:gd name="adj1" fmla="val 11780"/>
+            </a:avLst>
+          </a:prstGeom>
+          <a:solidFill>
+            <a:srgbClr val="FF0000"/>
+          </a:solidFill>
+        </p:spPr>
+        <p:style>
+          <a:lnRef idx="2">
+            <a:schemeClr val="accent1">
+              <a:shade val="50000"/>
+            </a:schemeClr>
+          </a:lnRef>
+          <a:fillRef idx="1">
+            <a:schemeClr val="accent1"/>
+          </a:fillRef>
+          <a:effectRef idx="0">
+            <a:schemeClr val="accent1"/>
+          </a:effectRef>
+          <a:fontRef idx="minor">
+            <a:schemeClr val="lt1"/>
+          </a:fontRef>
+        </p:style>
+        <p:txBody>
+          <a:bodyPr rtlCol="0" anchor="ctr"/>
+          <a:lstStyle/>
+          <a:p>
+            <a:pPr algn="ctr"/>
+            <a:endParaRPr lang="ko-KR" altLang="en-US">
+              <a:solidFill>
+                <a:schemeClr val="tx1"/>
+              </a:solidFill>
+            </a:endParaRPr>
+          </a:p>
+        </p:txBody>
+      </p:sp>
+    </p:spTree>
+    <p:extLst>
+      <p:ext uri="{BB962C8B-B14F-4D97-AF65-F5344CB8AC3E}">
+        <p14:creationId xmlns:p14="http://schemas.microsoft.com/office/powerpoint/2010/main" val="3923116769"/>
       </p:ext>
     </p:extLst>
   </p:cSld>
@@ -11946,7 +18355,7 @@
         </p:nvSpPr>
         <p:spPr>
           <a:xfrm>
-            <a:off x="7112911" y="1943170"/>
+            <a:off x="6907242" y="2035355"/>
             <a:ext cx="1270001" cy="1214582"/>
           </a:xfrm>
           <a:prstGeom prst="ellipse">
@@ -11996,7 +18405,7 @@
         </p:nvSpPr>
         <p:spPr>
           <a:xfrm>
-            <a:off x="4819676" y="4084700"/>
+            <a:off x="4657100" y="4083684"/>
             <a:ext cx="1270001" cy="1214582"/>
           </a:xfrm>
           <a:prstGeom prst="ellipse">
@@ -12025,10 +18434,10 @@
           <a:p>
             <a:pPr algn="ctr"/>
             <a:r>
-              <a:rPr lang="en-US" altLang="ko-KR" sz="1400"/>
+              <a:rPr lang="en-US" altLang="ko-KR" sz="2000"/>
               <a:t>core</a:t>
             </a:r>
-            <a:endParaRPr lang="ko-KR" altLang="en-US" sz="1400"/>
+            <a:endParaRPr lang="ko-KR" altLang="en-US" sz="2000"/>
           </a:p>
         </p:txBody>
       </p:sp>
@@ -12046,7 +18455,7 @@
         </p:nvSpPr>
         <p:spPr>
           <a:xfrm>
-            <a:off x="2475319" y="1992746"/>
+            <a:off x="2380140" y="1993280"/>
             <a:ext cx="1270001" cy="1214582"/>
           </a:xfrm>
           <a:prstGeom prst="ellipse">
@@ -12099,7 +18508,7 @@
         <p:spPr>
           <a:xfrm>
             <a:off x="5929746" y="978179"/>
-            <a:ext cx="1233054" cy="820526"/>
+            <a:ext cx="1068849" cy="1015101"/>
           </a:xfrm>
           <a:prstGeom prst="straightConnector1">
             <a:avLst/>
@@ -12142,7 +18551,7 @@
         </p:nvCxnSpPr>
         <p:spPr>
           <a:xfrm flipH="1">
-            <a:off x="6039788" y="3057770"/>
+            <a:off x="6077203" y="3247188"/>
             <a:ext cx="1123012" cy="1197085"/>
           </a:xfrm>
           <a:prstGeom prst="straightConnector1">
@@ -12228,7 +18637,7 @@
         </p:nvSpPr>
         <p:spPr>
           <a:xfrm>
-            <a:off x="7003451" y="3257733"/>
+            <a:off x="6681196" y="3859170"/>
             <a:ext cx="1527462" cy="307777"/>
           </a:xfrm>
           <a:prstGeom prst="rect">
@@ -12263,8 +18672,8 @@
           <p:nvPr/>
         </p:nvSpPr>
         <p:spPr>
-          <a:xfrm rot="2908152">
-            <a:off x="8144164" y="1861574"/>
+          <a:xfrm rot="5400000">
+            <a:off x="8085013" y="2450394"/>
             <a:ext cx="884382" cy="489998"/>
           </a:xfrm>
           <a:prstGeom prst="curvedDownArrow">
@@ -12316,7 +18725,7 @@
         </p:nvCxnSpPr>
         <p:spPr>
           <a:xfrm flipH="1" flipV="1">
-            <a:off x="3621289" y="3207328"/>
+            <a:off x="3451563" y="3273513"/>
             <a:ext cx="1131990" cy="1189180"/>
           </a:xfrm>
           <a:prstGeom prst="straightConnector1">
@@ -12394,7 +18803,7 @@
         </p:nvSpPr>
         <p:spPr>
           <a:xfrm>
-            <a:off x="6440946" y="824831"/>
+            <a:off x="6464170" y="924468"/>
             <a:ext cx="997526" cy="369332"/>
           </a:xfrm>
           <a:prstGeom prst="rect">
@@ -12432,7 +18841,7 @@
         </p:nvCxnSpPr>
         <p:spPr>
           <a:xfrm flipV="1">
-            <a:off x="5872019" y="2875148"/>
+            <a:off x="5867163" y="3014190"/>
             <a:ext cx="1131432" cy="1208536"/>
           </a:xfrm>
           <a:prstGeom prst="straightConnector1">
@@ -12474,8 +18883,8 @@
         </p:nvSpPr>
         <p:spPr>
           <a:xfrm>
-            <a:off x="4940111" y="2703977"/>
-            <a:ext cx="1738492" cy="938719"/>
+            <a:off x="5070856" y="2695393"/>
+            <a:ext cx="1738492" cy="769441"/>
           </a:xfrm>
           <a:prstGeom prst="rect">
             <a:avLst/>
@@ -12508,13 +18917,7 @@
           <a:p>
             <a:r>
               <a:rPr lang="en-US" altLang="ko-KR" sz="1100" b="1"/>
-              <a:t>&amp;&amp;</a:t>
-            </a:r>
-          </a:p>
-          <a:p>
-            <a:r>
-              <a:rPr lang="en-US" altLang="ko-KR" sz="1100" b="1"/>
-              <a:t>cnt_col</a:t>
+              <a:t>&amp;&amp; cnt_col</a:t>
             </a:r>
             <a:r>
               <a:rPr lang="ko-KR" altLang="en-US" sz="1100" b="1"/>
@@ -12550,8 +18953,8 @@
         </p:nvSpPr>
         <p:spPr>
           <a:xfrm>
-            <a:off x="2654634" y="3676879"/>
-            <a:ext cx="2131844" cy="954107"/>
+            <a:off x="1933527" y="3977856"/>
+            <a:ext cx="2564224" cy="553998"/>
           </a:xfrm>
           <a:prstGeom prst="rect">
             <a:avLst/>
@@ -12565,44 +18968,88 @@
           <a:lstStyle/>
           <a:p>
             <a:r>
-              <a:rPr lang="en-US" altLang="ko-KR" sz="1400" b="1"/>
-              <a:t>CORE_done4</a:t>
-            </a:r>
-          </a:p>
-          <a:p>
-            <a:r>
-              <a:rPr lang="en-US" altLang="ko-KR" sz="1400" b="1"/>
+              <a:rPr lang="en-US" altLang="ko-KR" sz="1000" b="1"/>
+              <a:t>CORE_done</a:t>
+            </a:r>
+          </a:p>
+          <a:p>
+            <a:r>
+              <a:rPr lang="en-US" altLang="ko-KR" sz="1000" b="1"/>
               <a:t>&amp;&amp;</a:t>
             </a:r>
           </a:p>
           <a:p>
             <a:r>
-              <a:rPr lang="en-US" altLang="ko-KR" sz="1400" b="1"/>
-              <a:t>(cnt_row == 539</a:t>
-            </a:r>
-          </a:p>
-          <a:p>
-            <a:r>
-              <a:rPr lang="en-US" altLang="ko-KR" sz="1400" b="1"/>
-              <a:t>&amp;&amp; cnt_col</a:t>
-            </a:r>
-            <a:r>
-              <a:rPr lang="ko-KR" altLang="en-US" sz="1400" b="1"/>
+              <a:rPr lang="en-US" altLang="ko-KR" sz="1000" b="1"/>
+              <a:t>(cnt_row == 539 &amp;&amp; cnt_col</a:t>
+            </a:r>
+            <a:r>
+              <a:rPr lang="ko-KR" altLang="en-US" sz="1000" b="1"/>
               <a:t> </a:t>
             </a:r>
             <a:r>
-              <a:rPr lang="en-US" altLang="ko-KR" sz="1400" b="1"/>
+              <a:rPr lang="en-US" altLang="ko-KR" sz="1000" b="1"/>
               <a:t>==</a:t>
             </a:r>
             <a:r>
-              <a:rPr lang="ko-KR" altLang="en-US" sz="1400" b="1"/>
+              <a:rPr lang="ko-KR" altLang="en-US" sz="1000" b="1"/>
               <a:t> </a:t>
             </a:r>
             <a:r>
-              <a:rPr lang="en-US" altLang="ko-KR" sz="1400" b="1"/>
+              <a:rPr lang="en-US" altLang="ko-KR" sz="1000" b="1"/>
               <a:t>539)</a:t>
             </a:r>
-            <a:endParaRPr lang="ko-KR" altLang="en-US" sz="1400"/>
+            <a:endParaRPr lang="ko-KR" altLang="en-US" sz="1000"/>
+          </a:p>
+        </p:txBody>
+      </p:sp>
+      <p:sp>
+        <p:nvSpPr>
+          <p:cNvPr id="6" name="화살표: 아래로 구부러짐 5">
+            <a:extLst>
+              <a:ext uri="{FF2B5EF4-FFF2-40B4-BE49-F238E27FC236}">
+                <a16:creationId xmlns:a16="http://schemas.microsoft.com/office/drawing/2014/main" id="{396B3BE6-8EAF-58E7-CB50-443B8986BAD4}"/>
+              </a:ext>
+            </a:extLst>
+          </p:cNvPr>
+          <p:cNvSpPr/>
+          <p:nvPr/>
+        </p:nvSpPr>
+        <p:spPr>
+          <a:xfrm rot="10800000">
+            <a:off x="4849909" y="5427118"/>
+            <a:ext cx="884382" cy="489998"/>
+          </a:xfrm>
+          <a:prstGeom prst="curvedDownArrow">
+            <a:avLst/>
+          </a:prstGeom>
+        </p:spPr>
+        <p:style>
+          <a:lnRef idx="2">
+            <a:schemeClr val="accent1">
+              <a:shade val="50000"/>
+            </a:schemeClr>
+          </a:lnRef>
+          <a:fillRef idx="1">
+            <a:schemeClr val="accent1"/>
+          </a:fillRef>
+          <a:effectRef idx="0">
+            <a:schemeClr val="accent1"/>
+          </a:effectRef>
+          <a:fontRef idx="minor">
+            <a:schemeClr val="lt1"/>
+          </a:fontRef>
+        </p:style>
+        <p:txBody>
+          <a:bodyPr rtlCol="0" anchor="ctr"/>
+          <a:lstStyle/>
+          <a:p>
+            <a:pPr algn="ctr"/>
+            <a:endParaRPr lang="ko-KR" altLang="en-US">
+              <a:solidFill>
+                <a:schemeClr val="tx1"/>
+              </a:solidFill>
+            </a:endParaRPr>
           </a:p>
         </p:txBody>
       </p:sp>

--- a/Plan.pptx
+++ b/Plan.pptx
@@ -271,7 +271,7 @@
           <a:p>
             <a:fld id="{F40FDB6E-BDDC-4D37-83E8-28D8DD78524D}" type="datetimeFigureOut">
               <a:rPr lang="ko-KR" altLang="en-US" smtClean="0"/>
-              <a:t>2023-05-21</a:t>
+              <a:t>2023-05-22</a:t>
             </a:fld>
             <a:endParaRPr lang="ko-KR" altLang="en-US"/>
           </a:p>
@@ -469,7 +469,7 @@
           <a:p>
             <a:fld id="{F40FDB6E-BDDC-4D37-83E8-28D8DD78524D}" type="datetimeFigureOut">
               <a:rPr lang="ko-KR" altLang="en-US" smtClean="0"/>
-              <a:t>2023-05-21</a:t>
+              <a:t>2023-05-22</a:t>
             </a:fld>
             <a:endParaRPr lang="ko-KR" altLang="en-US"/>
           </a:p>
@@ -677,7 +677,7 @@
           <a:p>
             <a:fld id="{F40FDB6E-BDDC-4D37-83E8-28D8DD78524D}" type="datetimeFigureOut">
               <a:rPr lang="ko-KR" altLang="en-US" smtClean="0"/>
-              <a:t>2023-05-21</a:t>
+              <a:t>2023-05-22</a:t>
             </a:fld>
             <a:endParaRPr lang="ko-KR" altLang="en-US"/>
           </a:p>
@@ -875,7 +875,7 @@
           <a:p>
             <a:fld id="{F40FDB6E-BDDC-4D37-83E8-28D8DD78524D}" type="datetimeFigureOut">
               <a:rPr lang="ko-KR" altLang="en-US" smtClean="0"/>
-              <a:t>2023-05-21</a:t>
+              <a:t>2023-05-22</a:t>
             </a:fld>
             <a:endParaRPr lang="ko-KR" altLang="en-US"/>
           </a:p>
@@ -1150,7 +1150,7 @@
           <a:p>
             <a:fld id="{F40FDB6E-BDDC-4D37-83E8-28D8DD78524D}" type="datetimeFigureOut">
               <a:rPr lang="ko-KR" altLang="en-US" smtClean="0"/>
-              <a:t>2023-05-21</a:t>
+              <a:t>2023-05-22</a:t>
             </a:fld>
             <a:endParaRPr lang="ko-KR" altLang="en-US"/>
           </a:p>
@@ -1415,7 +1415,7 @@
           <a:p>
             <a:fld id="{F40FDB6E-BDDC-4D37-83E8-28D8DD78524D}" type="datetimeFigureOut">
               <a:rPr lang="ko-KR" altLang="en-US" smtClean="0"/>
-              <a:t>2023-05-21</a:t>
+              <a:t>2023-05-22</a:t>
             </a:fld>
             <a:endParaRPr lang="ko-KR" altLang="en-US"/>
           </a:p>
@@ -1827,7 +1827,7 @@
           <a:p>
             <a:fld id="{F40FDB6E-BDDC-4D37-83E8-28D8DD78524D}" type="datetimeFigureOut">
               <a:rPr lang="ko-KR" altLang="en-US" smtClean="0"/>
-              <a:t>2023-05-21</a:t>
+              <a:t>2023-05-22</a:t>
             </a:fld>
             <a:endParaRPr lang="ko-KR" altLang="en-US"/>
           </a:p>
@@ -1968,7 +1968,7 @@
           <a:p>
             <a:fld id="{F40FDB6E-BDDC-4D37-83E8-28D8DD78524D}" type="datetimeFigureOut">
               <a:rPr lang="ko-KR" altLang="en-US" smtClean="0"/>
-              <a:t>2023-05-21</a:t>
+              <a:t>2023-05-22</a:t>
             </a:fld>
             <a:endParaRPr lang="ko-KR" altLang="en-US"/>
           </a:p>
@@ -2081,7 +2081,7 @@
           <a:p>
             <a:fld id="{F40FDB6E-BDDC-4D37-83E8-28D8DD78524D}" type="datetimeFigureOut">
               <a:rPr lang="ko-KR" altLang="en-US" smtClean="0"/>
-              <a:t>2023-05-21</a:t>
+              <a:t>2023-05-22</a:t>
             </a:fld>
             <a:endParaRPr lang="ko-KR" altLang="en-US"/>
           </a:p>
@@ -2392,7 +2392,7 @@
           <a:p>
             <a:fld id="{F40FDB6E-BDDC-4D37-83E8-28D8DD78524D}" type="datetimeFigureOut">
               <a:rPr lang="ko-KR" altLang="en-US" smtClean="0"/>
-              <a:t>2023-05-21</a:t>
+              <a:t>2023-05-22</a:t>
             </a:fld>
             <a:endParaRPr lang="ko-KR" altLang="en-US"/>
           </a:p>
@@ -2680,7 +2680,7 @@
           <a:p>
             <a:fld id="{F40FDB6E-BDDC-4D37-83E8-28D8DD78524D}" type="datetimeFigureOut">
               <a:rPr lang="ko-KR" altLang="en-US" smtClean="0"/>
-              <a:t>2023-05-21</a:t>
+              <a:t>2023-05-22</a:t>
             </a:fld>
             <a:endParaRPr lang="ko-KR" altLang="en-US"/>
           </a:p>
@@ -2921,7 +2921,7 @@
           <a:p>
             <a:fld id="{F40FDB6E-BDDC-4D37-83E8-28D8DD78524D}" type="datetimeFigureOut">
               <a:rPr lang="ko-KR" altLang="en-US" smtClean="0"/>
-              <a:t>2023-05-21</a:t>
+              <a:t>2023-05-22</a:t>
             </a:fld>
             <a:endParaRPr lang="ko-KR" altLang="en-US"/>
           </a:p>
@@ -14870,7 +14870,7 @@
         </p:nvSpPr>
         <p:spPr>
           <a:xfrm>
-            <a:off x="6798430" y="277722"/>
+            <a:off x="6809898" y="277723"/>
             <a:ext cx="5481037" cy="6580277"/>
           </a:xfrm>
           <a:prstGeom prst="rect">

--- a/Plan.pptx
+++ b/Plan.pptx
@@ -18,6 +18,8 @@
     <p:sldId id="270" r:id="rId12"/>
     <p:sldId id="269" r:id="rId13"/>
     <p:sldId id="271" r:id="rId14"/>
+    <p:sldId id="273" r:id="rId15"/>
+    <p:sldId id="272" r:id="rId16"/>
   </p:sldIdLst>
   <p:sldSz cx="12192000" cy="6858000"/>
   <p:notesSz cx="6858000" cy="9144000"/>
@@ -15390,6 +15392,6005 @@
 </p:sld>
 </file>
 
+<file path=ppt/slides/slide14.xml><?xml version="1.0" encoding="utf-8"?>
+<p:sld xmlns:a="http://schemas.openxmlformats.org/drawingml/2006/main" xmlns:r="http://schemas.openxmlformats.org/officeDocument/2006/relationships" xmlns:p="http://schemas.openxmlformats.org/presentationml/2006/main">
+  <p:cSld>
+    <p:spTree>
+      <p:nvGrpSpPr>
+        <p:cNvPr id="1" name=""/>
+        <p:cNvGrpSpPr/>
+        <p:nvPr/>
+      </p:nvGrpSpPr>
+      <p:grpSpPr>
+        <a:xfrm>
+          <a:off x="0" y="0"/>
+          <a:ext cx="0" cy="0"/>
+          <a:chOff x="0" y="0"/>
+          <a:chExt cx="0" cy="0"/>
+        </a:xfrm>
+      </p:grpSpPr>
+      <p:sp>
+        <p:nvSpPr>
+          <p:cNvPr id="1035" name="직사각형 1034">
+            <a:extLst>
+              <a:ext uri="{FF2B5EF4-FFF2-40B4-BE49-F238E27FC236}">
+                <a16:creationId xmlns:a16="http://schemas.microsoft.com/office/drawing/2014/main" id="{C4311237-9CED-AFE6-ECD9-D59FD4CEB8F3}"/>
+              </a:ext>
+            </a:extLst>
+          </p:cNvPr>
+          <p:cNvSpPr/>
+          <p:nvPr/>
+        </p:nvSpPr>
+        <p:spPr>
+          <a:xfrm>
+            <a:off x="16928" y="5790027"/>
+            <a:ext cx="1256144" cy="1067971"/>
+          </a:xfrm>
+          <a:prstGeom prst="rect">
+            <a:avLst/>
+          </a:prstGeom>
+          <a:solidFill>
+            <a:schemeClr val="bg1">
+              <a:lumMod val="95000"/>
+            </a:schemeClr>
+          </a:solidFill>
+          <a:ln w="28575">
+            <a:solidFill>
+              <a:schemeClr val="tx1"/>
+            </a:solidFill>
+          </a:ln>
+        </p:spPr>
+        <p:style>
+          <a:lnRef idx="2">
+            <a:schemeClr val="accent1">
+              <a:shade val="50000"/>
+            </a:schemeClr>
+          </a:lnRef>
+          <a:fillRef idx="1">
+            <a:schemeClr val="accent1"/>
+          </a:fillRef>
+          <a:effectRef idx="0">
+            <a:schemeClr val="accent1"/>
+          </a:effectRef>
+          <a:fontRef idx="minor">
+            <a:schemeClr val="lt1"/>
+          </a:fontRef>
+        </p:style>
+        <p:txBody>
+          <a:bodyPr rtlCol="0" anchor="ctr"/>
+          <a:lstStyle/>
+          <a:p>
+            <a:pPr algn="ctr"/>
+            <a:endParaRPr lang="ko-KR" altLang="en-US" b="1">
+              <a:solidFill>
+                <a:schemeClr val="tx1"/>
+              </a:solidFill>
+            </a:endParaRPr>
+          </a:p>
+        </p:txBody>
+      </p:sp>
+      <p:sp>
+        <p:nvSpPr>
+          <p:cNvPr id="78" name="직사각형 77">
+            <a:extLst>
+              <a:ext uri="{FF2B5EF4-FFF2-40B4-BE49-F238E27FC236}">
+                <a16:creationId xmlns:a16="http://schemas.microsoft.com/office/drawing/2014/main" id="{FB8170F3-4C28-C31A-A643-FDFD71BF9C0D}"/>
+              </a:ext>
+            </a:extLst>
+          </p:cNvPr>
+          <p:cNvSpPr/>
+          <p:nvPr/>
+        </p:nvSpPr>
+        <p:spPr>
+          <a:xfrm>
+            <a:off x="4222600" y="3233530"/>
+            <a:ext cx="4455877" cy="2369953"/>
+          </a:xfrm>
+          <a:prstGeom prst="rect">
+            <a:avLst/>
+          </a:prstGeom>
+          <a:solidFill>
+            <a:schemeClr val="bg1">
+              <a:lumMod val="85000"/>
+            </a:schemeClr>
+          </a:solidFill>
+          <a:ln w="28575">
+            <a:solidFill>
+              <a:schemeClr val="tx1"/>
+            </a:solidFill>
+          </a:ln>
+        </p:spPr>
+        <p:style>
+          <a:lnRef idx="2">
+            <a:schemeClr val="accent1">
+              <a:shade val="50000"/>
+            </a:schemeClr>
+          </a:lnRef>
+          <a:fillRef idx="1">
+            <a:schemeClr val="accent1"/>
+          </a:fillRef>
+          <a:effectRef idx="0">
+            <a:schemeClr val="accent1"/>
+          </a:effectRef>
+          <a:fontRef idx="minor">
+            <a:schemeClr val="lt1"/>
+          </a:fontRef>
+        </p:style>
+        <p:txBody>
+          <a:bodyPr rtlCol="0" anchor="ctr"/>
+          <a:lstStyle/>
+          <a:p>
+            <a:pPr algn="ctr"/>
+            <a:endParaRPr lang="ko-KR" altLang="en-US" b="1">
+              <a:solidFill>
+                <a:schemeClr val="tx1"/>
+              </a:solidFill>
+            </a:endParaRPr>
+          </a:p>
+        </p:txBody>
+      </p:sp>
+      <p:sp>
+        <p:nvSpPr>
+          <p:cNvPr id="3" name="직사각형 2">
+            <a:extLst>
+              <a:ext uri="{FF2B5EF4-FFF2-40B4-BE49-F238E27FC236}">
+                <a16:creationId xmlns:a16="http://schemas.microsoft.com/office/drawing/2014/main" id="{890A6FEE-1935-F9DD-8F90-E7B732C401EC}"/>
+              </a:ext>
+            </a:extLst>
+          </p:cNvPr>
+          <p:cNvSpPr/>
+          <p:nvPr/>
+        </p:nvSpPr>
+        <p:spPr>
+          <a:xfrm>
+            <a:off x="4274777" y="3292156"/>
+            <a:ext cx="2225635" cy="2078255"/>
+          </a:xfrm>
+          <a:prstGeom prst="rect">
+            <a:avLst/>
+          </a:prstGeom>
+          <a:solidFill>
+            <a:schemeClr val="bg1"/>
+          </a:solidFill>
+          <a:ln w="28575">
+            <a:solidFill>
+              <a:schemeClr val="tx1"/>
+            </a:solidFill>
+          </a:ln>
+        </p:spPr>
+        <p:style>
+          <a:lnRef idx="2">
+            <a:schemeClr val="accent1">
+              <a:shade val="50000"/>
+            </a:schemeClr>
+          </a:lnRef>
+          <a:fillRef idx="1">
+            <a:schemeClr val="accent1"/>
+          </a:fillRef>
+          <a:effectRef idx="0">
+            <a:schemeClr val="accent1"/>
+          </a:effectRef>
+          <a:fontRef idx="minor">
+            <a:schemeClr val="lt1"/>
+          </a:fontRef>
+        </p:style>
+        <p:txBody>
+          <a:bodyPr rtlCol="0" anchor="ctr"/>
+          <a:lstStyle/>
+          <a:p>
+            <a:pPr algn="ctr"/>
+            <a:endParaRPr lang="ko-KR" altLang="en-US" b="1">
+              <a:solidFill>
+                <a:schemeClr val="tx1"/>
+              </a:solidFill>
+            </a:endParaRPr>
+          </a:p>
+        </p:txBody>
+      </p:sp>
+      <p:sp>
+        <p:nvSpPr>
+          <p:cNvPr id="4" name="직사각형 3">
+            <a:extLst>
+              <a:ext uri="{FF2B5EF4-FFF2-40B4-BE49-F238E27FC236}">
+                <a16:creationId xmlns:a16="http://schemas.microsoft.com/office/drawing/2014/main" id="{9A3C8751-B078-4A7E-F7DE-56F817921865}"/>
+              </a:ext>
+            </a:extLst>
+          </p:cNvPr>
+          <p:cNvSpPr/>
+          <p:nvPr/>
+        </p:nvSpPr>
+        <p:spPr>
+          <a:xfrm>
+            <a:off x="1597685" y="3297932"/>
+            <a:ext cx="2154335" cy="2073629"/>
+          </a:xfrm>
+          <a:prstGeom prst="rect">
+            <a:avLst/>
+          </a:prstGeom>
+          <a:solidFill>
+            <a:schemeClr val="bg1"/>
+          </a:solidFill>
+          <a:ln w="28575">
+            <a:solidFill>
+              <a:schemeClr val="tx1"/>
+            </a:solidFill>
+          </a:ln>
+        </p:spPr>
+        <p:style>
+          <a:lnRef idx="2">
+            <a:schemeClr val="accent1">
+              <a:shade val="50000"/>
+            </a:schemeClr>
+          </a:lnRef>
+          <a:fillRef idx="1">
+            <a:schemeClr val="accent1"/>
+          </a:fillRef>
+          <a:effectRef idx="0">
+            <a:schemeClr val="accent1"/>
+          </a:effectRef>
+          <a:fontRef idx="minor">
+            <a:schemeClr val="lt1"/>
+          </a:fontRef>
+        </p:style>
+        <p:txBody>
+          <a:bodyPr rtlCol="0" anchor="ctr"/>
+          <a:lstStyle/>
+          <a:p>
+            <a:pPr algn="ctr"/>
+            <a:endParaRPr lang="ko-KR" altLang="en-US" b="1">
+              <a:solidFill>
+                <a:schemeClr val="tx1"/>
+              </a:solidFill>
+            </a:endParaRPr>
+          </a:p>
+        </p:txBody>
+      </p:sp>
+      <p:sp>
+        <p:nvSpPr>
+          <p:cNvPr id="6" name="TextBox 5">
+            <a:extLst>
+              <a:ext uri="{FF2B5EF4-FFF2-40B4-BE49-F238E27FC236}">
+                <a16:creationId xmlns:a16="http://schemas.microsoft.com/office/drawing/2014/main" id="{7BB470D5-1BBF-DA52-D3DA-B18F1571CFC2}"/>
+              </a:ext>
+            </a:extLst>
+          </p:cNvPr>
+          <p:cNvSpPr txBox="1"/>
+          <p:nvPr/>
+        </p:nvSpPr>
+        <p:spPr>
+          <a:xfrm>
+            <a:off x="4737785" y="5295707"/>
+            <a:ext cx="1320800" cy="307777"/>
+          </a:xfrm>
+          <a:prstGeom prst="rect">
+            <a:avLst/>
+          </a:prstGeom>
+          <a:noFill/>
+        </p:spPr>
+        <p:txBody>
+          <a:bodyPr wrap="square">
+            <a:spAutoFit/>
+          </a:bodyPr>
+          <a:lstStyle/>
+          <a:p>
+            <a:pPr algn="ctr"/>
+            <a:r>
+              <a:rPr lang="en-US" altLang="ko-KR" sz="1400" b="1">
+                <a:solidFill>
+                  <a:schemeClr val="tx1"/>
+                </a:solidFill>
+              </a:rPr>
+              <a:t>Preprocess</a:t>
+            </a:r>
+            <a:endParaRPr lang="ko-KR" altLang="en-US" sz="1400" b="1">
+              <a:solidFill>
+                <a:schemeClr val="tx1"/>
+              </a:solidFill>
+            </a:endParaRPr>
+          </a:p>
+        </p:txBody>
+      </p:sp>
+      <p:sp>
+        <p:nvSpPr>
+          <p:cNvPr id="8" name="TextBox 7">
+            <a:extLst>
+              <a:ext uri="{FF2B5EF4-FFF2-40B4-BE49-F238E27FC236}">
+                <a16:creationId xmlns:a16="http://schemas.microsoft.com/office/drawing/2014/main" id="{09E91028-B80B-9BFC-DA6C-E6897A4B9FA5}"/>
+              </a:ext>
+            </a:extLst>
+          </p:cNvPr>
+          <p:cNvSpPr txBox="1"/>
+          <p:nvPr/>
+        </p:nvSpPr>
+        <p:spPr>
+          <a:xfrm>
+            <a:off x="1596492" y="5348807"/>
+            <a:ext cx="2213646" cy="276999"/>
+          </a:xfrm>
+          <a:prstGeom prst="rect">
+            <a:avLst/>
+          </a:prstGeom>
+          <a:noFill/>
+        </p:spPr>
+        <p:txBody>
+          <a:bodyPr wrap="square">
+            <a:spAutoFit/>
+          </a:bodyPr>
+          <a:lstStyle/>
+          <a:p>
+            <a:pPr algn="ctr"/>
+            <a:r>
+              <a:rPr lang="en-US" altLang="ko-KR" sz="1200" b="1">
+                <a:solidFill>
+                  <a:schemeClr val="tx1"/>
+                </a:solidFill>
+              </a:rPr>
+              <a:t>Memory Controller</a:t>
+            </a:r>
+            <a:endParaRPr lang="ko-KR" altLang="en-US" sz="1200" b="1">
+              <a:solidFill>
+                <a:schemeClr val="tx1"/>
+              </a:solidFill>
+            </a:endParaRPr>
+          </a:p>
+        </p:txBody>
+      </p:sp>
+      <p:sp>
+        <p:nvSpPr>
+          <p:cNvPr id="9" name="직사각형 8">
+            <a:extLst>
+              <a:ext uri="{FF2B5EF4-FFF2-40B4-BE49-F238E27FC236}">
+                <a16:creationId xmlns:a16="http://schemas.microsoft.com/office/drawing/2014/main" id="{573DDF42-6191-9BB7-EA99-8EB493BCD21B}"/>
+              </a:ext>
+            </a:extLst>
+          </p:cNvPr>
+          <p:cNvSpPr/>
+          <p:nvPr/>
+        </p:nvSpPr>
+        <p:spPr>
+          <a:xfrm>
+            <a:off x="6990521" y="3314497"/>
+            <a:ext cx="1572239" cy="2055914"/>
+          </a:xfrm>
+          <a:prstGeom prst="rect">
+            <a:avLst/>
+          </a:prstGeom>
+          <a:solidFill>
+            <a:schemeClr val="bg1"/>
+          </a:solidFill>
+          <a:ln w="28575">
+            <a:solidFill>
+              <a:schemeClr val="tx1"/>
+            </a:solidFill>
+          </a:ln>
+        </p:spPr>
+        <p:style>
+          <a:lnRef idx="2">
+            <a:schemeClr val="accent1">
+              <a:shade val="50000"/>
+            </a:schemeClr>
+          </a:lnRef>
+          <a:fillRef idx="1">
+            <a:schemeClr val="accent1"/>
+          </a:fillRef>
+          <a:effectRef idx="0">
+            <a:schemeClr val="accent1"/>
+          </a:effectRef>
+          <a:fontRef idx="minor">
+            <a:schemeClr val="lt1"/>
+          </a:fontRef>
+        </p:style>
+        <p:txBody>
+          <a:bodyPr rtlCol="0" anchor="ctr"/>
+          <a:lstStyle/>
+          <a:p>
+            <a:pPr algn="ctr"/>
+            <a:endParaRPr lang="ko-KR" altLang="en-US" b="1">
+              <a:solidFill>
+                <a:schemeClr val="tx1"/>
+              </a:solidFill>
+            </a:endParaRPr>
+          </a:p>
+        </p:txBody>
+      </p:sp>
+      <p:sp>
+        <p:nvSpPr>
+          <p:cNvPr id="10" name="TextBox 9">
+            <a:extLst>
+              <a:ext uri="{FF2B5EF4-FFF2-40B4-BE49-F238E27FC236}">
+                <a16:creationId xmlns:a16="http://schemas.microsoft.com/office/drawing/2014/main" id="{770D0CCF-414F-6BB3-E577-5CDB7A4DB305}"/>
+              </a:ext>
+            </a:extLst>
+          </p:cNvPr>
+          <p:cNvSpPr txBox="1"/>
+          <p:nvPr/>
+        </p:nvSpPr>
+        <p:spPr>
+          <a:xfrm>
+            <a:off x="7099803" y="5351491"/>
+            <a:ext cx="1320800" cy="307777"/>
+          </a:xfrm>
+          <a:prstGeom prst="rect">
+            <a:avLst/>
+          </a:prstGeom>
+          <a:noFill/>
+        </p:spPr>
+        <p:txBody>
+          <a:bodyPr wrap="square">
+            <a:spAutoFit/>
+          </a:bodyPr>
+          <a:lstStyle/>
+          <a:p>
+            <a:pPr algn="ctr"/>
+            <a:r>
+              <a:rPr lang="en-US" altLang="ko-KR" sz="1400" b="1">
+                <a:solidFill>
+                  <a:schemeClr val="tx1"/>
+                </a:solidFill>
+              </a:rPr>
+              <a:t>CORE</a:t>
+            </a:r>
+            <a:endParaRPr lang="ko-KR" altLang="en-US" sz="1400" b="1">
+              <a:solidFill>
+                <a:schemeClr val="tx1"/>
+              </a:solidFill>
+            </a:endParaRPr>
+          </a:p>
+        </p:txBody>
+      </p:sp>
+      <p:sp>
+        <p:nvSpPr>
+          <p:cNvPr id="11" name="직사각형 10">
+            <a:extLst>
+              <a:ext uri="{FF2B5EF4-FFF2-40B4-BE49-F238E27FC236}">
+                <a16:creationId xmlns:a16="http://schemas.microsoft.com/office/drawing/2014/main" id="{7F512DE1-57D6-6CF3-0A8E-6422B19AD7EC}"/>
+              </a:ext>
+            </a:extLst>
+          </p:cNvPr>
+          <p:cNvSpPr/>
+          <p:nvPr/>
+        </p:nvSpPr>
+        <p:spPr>
+          <a:xfrm>
+            <a:off x="214557" y="3292157"/>
+            <a:ext cx="865914" cy="2095264"/>
+          </a:xfrm>
+          <a:prstGeom prst="rect">
+            <a:avLst/>
+          </a:prstGeom>
+          <a:solidFill>
+            <a:schemeClr val="bg1"/>
+          </a:solidFill>
+          <a:ln w="28575">
+            <a:solidFill>
+              <a:schemeClr val="tx1"/>
+            </a:solidFill>
+          </a:ln>
+        </p:spPr>
+        <p:style>
+          <a:lnRef idx="2">
+            <a:schemeClr val="accent1">
+              <a:shade val="50000"/>
+            </a:schemeClr>
+          </a:lnRef>
+          <a:fillRef idx="1">
+            <a:schemeClr val="accent1"/>
+          </a:fillRef>
+          <a:effectRef idx="0">
+            <a:schemeClr val="accent1"/>
+          </a:effectRef>
+          <a:fontRef idx="minor">
+            <a:schemeClr val="lt1"/>
+          </a:fontRef>
+        </p:style>
+        <p:txBody>
+          <a:bodyPr rtlCol="0" anchor="ctr"/>
+          <a:lstStyle/>
+          <a:p>
+            <a:pPr algn="ctr"/>
+            <a:r>
+              <a:rPr lang="en-US" altLang="ko-KR" b="1">
+                <a:solidFill>
+                  <a:schemeClr val="tx1"/>
+                </a:solidFill>
+              </a:rPr>
+              <a:t>BRAM</a:t>
+            </a:r>
+            <a:endParaRPr lang="ko-KR" altLang="en-US" b="1">
+              <a:solidFill>
+                <a:schemeClr val="tx1"/>
+              </a:solidFill>
+            </a:endParaRPr>
+          </a:p>
+        </p:txBody>
+      </p:sp>
+      <p:sp>
+        <p:nvSpPr>
+          <p:cNvPr id="12" name="직사각형 11">
+            <a:extLst>
+              <a:ext uri="{FF2B5EF4-FFF2-40B4-BE49-F238E27FC236}">
+                <a16:creationId xmlns:a16="http://schemas.microsoft.com/office/drawing/2014/main" id="{79135878-81D0-9ED4-7A39-AF26A5E469D6}"/>
+              </a:ext>
+            </a:extLst>
+          </p:cNvPr>
+          <p:cNvSpPr/>
+          <p:nvPr/>
+        </p:nvSpPr>
+        <p:spPr>
+          <a:xfrm>
+            <a:off x="1825507" y="1937571"/>
+            <a:ext cx="6730967" cy="806660"/>
+          </a:xfrm>
+          <a:prstGeom prst="rect">
+            <a:avLst/>
+          </a:prstGeom>
+          <a:solidFill>
+            <a:schemeClr val="bg1"/>
+          </a:solidFill>
+          <a:ln w="28575">
+            <a:solidFill>
+              <a:schemeClr val="tx1"/>
+            </a:solidFill>
+          </a:ln>
+        </p:spPr>
+        <p:style>
+          <a:lnRef idx="2">
+            <a:schemeClr val="accent1">
+              <a:shade val="50000"/>
+            </a:schemeClr>
+          </a:lnRef>
+          <a:fillRef idx="1">
+            <a:schemeClr val="accent1"/>
+          </a:fillRef>
+          <a:effectRef idx="0">
+            <a:schemeClr val="accent1"/>
+          </a:effectRef>
+          <a:fontRef idx="minor">
+            <a:schemeClr val="lt1"/>
+          </a:fontRef>
+        </p:style>
+        <p:txBody>
+          <a:bodyPr rtlCol="0" anchor="ctr"/>
+          <a:lstStyle/>
+          <a:p>
+            <a:pPr algn="ctr"/>
+            <a:r>
+              <a:rPr lang="en-US" altLang="ko-KR" b="1">
+                <a:solidFill>
+                  <a:schemeClr val="tx1"/>
+                </a:solidFill>
+              </a:rPr>
+              <a:t>Controller</a:t>
+            </a:r>
+            <a:endParaRPr lang="ko-KR" altLang="en-US" b="1">
+              <a:solidFill>
+                <a:schemeClr val="tx1"/>
+              </a:solidFill>
+            </a:endParaRPr>
+          </a:p>
+        </p:txBody>
+      </p:sp>
+      <p:cxnSp>
+        <p:nvCxnSpPr>
+          <p:cNvPr id="15" name="직선 화살표 연결선 14">
+            <a:extLst>
+              <a:ext uri="{FF2B5EF4-FFF2-40B4-BE49-F238E27FC236}">
+                <a16:creationId xmlns:a16="http://schemas.microsoft.com/office/drawing/2014/main" id="{3215391D-F35D-1C7C-328B-6933AAB6E004}"/>
+              </a:ext>
+            </a:extLst>
+          </p:cNvPr>
+          <p:cNvCxnSpPr>
+            <a:cxnSpLocks/>
+          </p:cNvCxnSpPr>
+          <p:nvPr/>
+        </p:nvCxnSpPr>
+        <p:spPr>
+          <a:xfrm>
+            <a:off x="273400" y="6544035"/>
+            <a:ext cx="683489" cy="0"/>
+          </a:xfrm>
+          <a:prstGeom prst="straightConnector1">
+            <a:avLst/>
+          </a:prstGeom>
+          <a:ln w="57150">
+            <a:solidFill>
+              <a:srgbClr val="00B0F0"/>
+            </a:solidFill>
+            <a:tailEnd type="triangle"/>
+          </a:ln>
+        </p:spPr>
+        <p:style>
+          <a:lnRef idx="1">
+            <a:schemeClr val="accent1"/>
+          </a:lnRef>
+          <a:fillRef idx="0">
+            <a:schemeClr val="accent1"/>
+          </a:fillRef>
+          <a:effectRef idx="0">
+            <a:schemeClr val="accent1"/>
+          </a:effectRef>
+          <a:fontRef idx="minor">
+            <a:schemeClr val="tx1"/>
+          </a:fontRef>
+        </p:style>
+      </p:cxnSp>
+      <p:sp>
+        <p:nvSpPr>
+          <p:cNvPr id="19" name="TextBox 18">
+            <a:extLst>
+              <a:ext uri="{FF2B5EF4-FFF2-40B4-BE49-F238E27FC236}">
+                <a16:creationId xmlns:a16="http://schemas.microsoft.com/office/drawing/2014/main" id="{957A3D6F-5FF7-0F0A-0B12-7E3D77497752}"/>
+              </a:ext>
+            </a:extLst>
+          </p:cNvPr>
+          <p:cNvSpPr txBox="1"/>
+          <p:nvPr/>
+        </p:nvSpPr>
+        <p:spPr>
+          <a:xfrm>
+            <a:off x="4229279" y="3691047"/>
+            <a:ext cx="1028100" cy="276999"/>
+          </a:xfrm>
+          <a:prstGeom prst="rect">
+            <a:avLst/>
+          </a:prstGeom>
+          <a:noFill/>
+        </p:spPr>
+        <p:txBody>
+          <a:bodyPr wrap="square">
+            <a:spAutoFit/>
+          </a:bodyPr>
+          <a:lstStyle/>
+          <a:p>
+            <a:r>
+              <a:rPr lang="en-US" altLang="ko-KR" sz="1200" b="1"/>
+              <a:t>data_i[7:0]</a:t>
+            </a:r>
+            <a:endParaRPr lang="ko-KR" altLang="en-US" sz="1200" b="1">
+              <a:solidFill>
+                <a:schemeClr val="tx1"/>
+              </a:solidFill>
+            </a:endParaRPr>
+          </a:p>
+        </p:txBody>
+      </p:sp>
+      <p:sp>
+        <p:nvSpPr>
+          <p:cNvPr id="20" name="TextBox 19">
+            <a:extLst>
+              <a:ext uri="{FF2B5EF4-FFF2-40B4-BE49-F238E27FC236}">
+                <a16:creationId xmlns:a16="http://schemas.microsoft.com/office/drawing/2014/main" id="{C700BEA2-26C6-E3E5-8A36-5FAD04C91275}"/>
+              </a:ext>
+            </a:extLst>
+          </p:cNvPr>
+          <p:cNvSpPr txBox="1"/>
+          <p:nvPr/>
+        </p:nvSpPr>
+        <p:spPr>
+          <a:xfrm>
+            <a:off x="4232399" y="3939396"/>
+            <a:ext cx="1028100" cy="276999"/>
+          </a:xfrm>
+          <a:prstGeom prst="rect">
+            <a:avLst/>
+          </a:prstGeom>
+          <a:noFill/>
+        </p:spPr>
+        <p:txBody>
+          <a:bodyPr wrap="square">
+            <a:spAutoFit/>
+          </a:bodyPr>
+          <a:lstStyle/>
+          <a:p>
+            <a:r>
+              <a:rPr lang="en-US" altLang="ko-KR" sz="1200" b="1"/>
+              <a:t>data_en_i</a:t>
+            </a:r>
+            <a:endParaRPr lang="ko-KR" altLang="en-US" sz="1200" b="1">
+              <a:solidFill>
+                <a:schemeClr val="tx1"/>
+              </a:solidFill>
+            </a:endParaRPr>
+          </a:p>
+        </p:txBody>
+      </p:sp>
+      <p:sp>
+        <p:nvSpPr>
+          <p:cNvPr id="23" name="TextBox 22">
+            <a:extLst>
+              <a:ext uri="{FF2B5EF4-FFF2-40B4-BE49-F238E27FC236}">
+                <a16:creationId xmlns:a16="http://schemas.microsoft.com/office/drawing/2014/main" id="{9BB86B59-9E57-1315-57B0-B952CA4E0122}"/>
+              </a:ext>
+            </a:extLst>
+          </p:cNvPr>
+          <p:cNvSpPr txBox="1"/>
+          <p:nvPr/>
+        </p:nvSpPr>
+        <p:spPr>
+          <a:xfrm>
+            <a:off x="5243183" y="3683530"/>
+            <a:ext cx="1334465" cy="276999"/>
+          </a:xfrm>
+          <a:prstGeom prst="rect">
+            <a:avLst/>
+          </a:prstGeom>
+          <a:noFill/>
+        </p:spPr>
+        <p:txBody>
+          <a:bodyPr wrap="square">
+            <a:spAutoFit/>
+          </a:bodyPr>
+          <a:lstStyle/>
+          <a:p>
+            <a:r>
+              <a:rPr lang="en-US" altLang="ko-KR" sz="1200" b="1"/>
+              <a:t>data_o[0:9][7:0]</a:t>
+            </a:r>
+            <a:endParaRPr lang="ko-KR" altLang="en-US" sz="1200" b="1">
+              <a:solidFill>
+                <a:schemeClr val="tx1"/>
+              </a:solidFill>
+            </a:endParaRPr>
+          </a:p>
+        </p:txBody>
+      </p:sp>
+      <p:cxnSp>
+        <p:nvCxnSpPr>
+          <p:cNvPr id="24" name="직선 연결선 23">
+            <a:extLst>
+              <a:ext uri="{FF2B5EF4-FFF2-40B4-BE49-F238E27FC236}">
+                <a16:creationId xmlns:a16="http://schemas.microsoft.com/office/drawing/2014/main" id="{2CF96159-7B1D-A408-E198-8B5692F70C98}"/>
+              </a:ext>
+            </a:extLst>
+          </p:cNvPr>
+          <p:cNvCxnSpPr>
+            <a:cxnSpLocks/>
+          </p:cNvCxnSpPr>
+          <p:nvPr/>
+        </p:nvCxnSpPr>
+        <p:spPr>
+          <a:xfrm>
+            <a:off x="6500412" y="3834722"/>
+            <a:ext cx="488341" cy="0"/>
+          </a:xfrm>
+          <a:prstGeom prst="line">
+            <a:avLst/>
+          </a:prstGeom>
+          <a:ln w="28575">
+            <a:solidFill>
+              <a:srgbClr val="FF0000"/>
+            </a:solidFill>
+          </a:ln>
+        </p:spPr>
+        <p:style>
+          <a:lnRef idx="1">
+            <a:schemeClr val="accent1"/>
+          </a:lnRef>
+          <a:fillRef idx="0">
+            <a:schemeClr val="accent1"/>
+          </a:fillRef>
+          <a:effectRef idx="0">
+            <a:schemeClr val="accent1"/>
+          </a:effectRef>
+          <a:fontRef idx="minor">
+            <a:schemeClr val="tx1"/>
+          </a:fontRef>
+        </p:style>
+      </p:cxnSp>
+      <p:cxnSp>
+        <p:nvCxnSpPr>
+          <p:cNvPr id="25" name="직선 연결선 24">
+            <a:extLst>
+              <a:ext uri="{FF2B5EF4-FFF2-40B4-BE49-F238E27FC236}">
+                <a16:creationId xmlns:a16="http://schemas.microsoft.com/office/drawing/2014/main" id="{3D7288B5-482C-FFF3-67ED-2EEFD36B7BA4}"/>
+              </a:ext>
+            </a:extLst>
+          </p:cNvPr>
+          <p:cNvCxnSpPr>
+            <a:cxnSpLocks/>
+          </p:cNvCxnSpPr>
+          <p:nvPr/>
+        </p:nvCxnSpPr>
+        <p:spPr>
+          <a:xfrm>
+            <a:off x="6500412" y="4104804"/>
+            <a:ext cx="488341" cy="0"/>
+          </a:xfrm>
+          <a:prstGeom prst="line">
+            <a:avLst/>
+          </a:prstGeom>
+          <a:ln w="28575">
+            <a:solidFill>
+              <a:schemeClr val="tx1"/>
+            </a:solidFill>
+          </a:ln>
+        </p:spPr>
+        <p:style>
+          <a:lnRef idx="1">
+            <a:schemeClr val="accent1"/>
+          </a:lnRef>
+          <a:fillRef idx="0">
+            <a:schemeClr val="accent1"/>
+          </a:fillRef>
+          <a:effectRef idx="0">
+            <a:schemeClr val="accent1"/>
+          </a:effectRef>
+          <a:fontRef idx="minor">
+            <a:schemeClr val="tx1"/>
+          </a:fontRef>
+        </p:style>
+      </p:cxnSp>
+      <p:sp>
+        <p:nvSpPr>
+          <p:cNvPr id="26" name="TextBox 25">
+            <a:extLst>
+              <a:ext uri="{FF2B5EF4-FFF2-40B4-BE49-F238E27FC236}">
+                <a16:creationId xmlns:a16="http://schemas.microsoft.com/office/drawing/2014/main" id="{07A77C82-AE34-199D-8D6E-CF70668C2003}"/>
+              </a:ext>
+            </a:extLst>
+          </p:cNvPr>
+          <p:cNvSpPr txBox="1"/>
+          <p:nvPr/>
+        </p:nvSpPr>
+        <p:spPr>
+          <a:xfrm>
+            <a:off x="5609850" y="3954130"/>
+            <a:ext cx="939036" cy="276999"/>
+          </a:xfrm>
+          <a:prstGeom prst="rect">
+            <a:avLst/>
+          </a:prstGeom>
+          <a:noFill/>
+        </p:spPr>
+        <p:txBody>
+          <a:bodyPr wrap="square">
+            <a:spAutoFit/>
+          </a:bodyPr>
+          <a:lstStyle/>
+          <a:p>
+            <a:r>
+              <a:rPr lang="en-US" altLang="ko-KR" sz="1200" b="1">
+                <a:solidFill>
+                  <a:schemeClr val="tx1"/>
+                </a:solidFill>
+              </a:rPr>
+              <a:t>Core_en_o</a:t>
+            </a:r>
+            <a:endParaRPr lang="ko-KR" altLang="en-US" sz="1200" b="1">
+              <a:solidFill>
+                <a:schemeClr val="tx1"/>
+              </a:solidFill>
+            </a:endParaRPr>
+          </a:p>
+        </p:txBody>
+      </p:sp>
+      <p:sp>
+        <p:nvSpPr>
+          <p:cNvPr id="28" name="TextBox 27">
+            <a:extLst>
+              <a:ext uri="{FF2B5EF4-FFF2-40B4-BE49-F238E27FC236}">
+                <a16:creationId xmlns:a16="http://schemas.microsoft.com/office/drawing/2014/main" id="{D8D1CE1E-9C4D-B7F8-4048-0B1BBA0D39A7}"/>
+              </a:ext>
+            </a:extLst>
+          </p:cNvPr>
+          <p:cNvSpPr txBox="1"/>
+          <p:nvPr/>
+        </p:nvSpPr>
+        <p:spPr>
+          <a:xfrm>
+            <a:off x="5400699" y="3285671"/>
+            <a:ext cx="1132931" cy="276999"/>
+          </a:xfrm>
+          <a:prstGeom prst="rect">
+            <a:avLst/>
+          </a:prstGeom>
+          <a:noFill/>
+        </p:spPr>
+        <p:txBody>
+          <a:bodyPr wrap="square">
+            <a:spAutoFit/>
+          </a:bodyPr>
+          <a:lstStyle/>
+          <a:p>
+            <a:r>
+              <a:rPr lang="en-US" altLang="ko-KR" sz="1200" b="1">
+                <a:solidFill>
+                  <a:schemeClr val="tx1"/>
+                </a:solidFill>
+              </a:rPr>
+              <a:t>Core_done_o</a:t>
+            </a:r>
+            <a:endParaRPr lang="ko-KR" altLang="en-US" sz="1200" b="1">
+              <a:solidFill>
+                <a:schemeClr val="tx1"/>
+              </a:solidFill>
+            </a:endParaRPr>
+          </a:p>
+        </p:txBody>
+      </p:sp>
+      <p:sp>
+        <p:nvSpPr>
+          <p:cNvPr id="33" name="TextBox 32">
+            <a:extLst>
+              <a:ext uri="{FF2B5EF4-FFF2-40B4-BE49-F238E27FC236}">
+                <a16:creationId xmlns:a16="http://schemas.microsoft.com/office/drawing/2014/main" id="{5ED05668-A23E-D1F3-1E56-84AF05BA8E56}"/>
+              </a:ext>
+            </a:extLst>
+          </p:cNvPr>
+          <p:cNvSpPr txBox="1"/>
+          <p:nvPr/>
+        </p:nvSpPr>
+        <p:spPr>
+          <a:xfrm>
+            <a:off x="2756414" y="3692154"/>
+            <a:ext cx="979842" cy="276999"/>
+          </a:xfrm>
+          <a:prstGeom prst="rect">
+            <a:avLst/>
+          </a:prstGeom>
+          <a:noFill/>
+        </p:spPr>
+        <p:txBody>
+          <a:bodyPr wrap="square">
+            <a:spAutoFit/>
+          </a:bodyPr>
+          <a:lstStyle/>
+          <a:p>
+            <a:r>
+              <a:rPr lang="en-US" altLang="ko-KR" sz="1200" b="1"/>
+              <a:t>data_o[7:0]</a:t>
+            </a:r>
+            <a:endParaRPr lang="ko-KR" altLang="en-US" sz="1200" b="1">
+              <a:solidFill>
+                <a:schemeClr val="tx1"/>
+              </a:solidFill>
+            </a:endParaRPr>
+          </a:p>
+        </p:txBody>
+      </p:sp>
+      <p:cxnSp>
+        <p:nvCxnSpPr>
+          <p:cNvPr id="34" name="직선 연결선 33">
+            <a:extLst>
+              <a:ext uri="{FF2B5EF4-FFF2-40B4-BE49-F238E27FC236}">
+                <a16:creationId xmlns:a16="http://schemas.microsoft.com/office/drawing/2014/main" id="{AF48A4C2-07F2-3B18-6AEA-0FE6CB1F1219}"/>
+              </a:ext>
+            </a:extLst>
+          </p:cNvPr>
+          <p:cNvCxnSpPr>
+            <a:cxnSpLocks/>
+          </p:cNvCxnSpPr>
+          <p:nvPr/>
+        </p:nvCxnSpPr>
+        <p:spPr>
+          <a:xfrm>
+            <a:off x="3752020" y="3849443"/>
+            <a:ext cx="514856" cy="0"/>
+          </a:xfrm>
+          <a:prstGeom prst="line">
+            <a:avLst/>
+          </a:prstGeom>
+          <a:ln w="28575">
+            <a:solidFill>
+              <a:srgbClr val="FF0000"/>
+            </a:solidFill>
+          </a:ln>
+        </p:spPr>
+        <p:style>
+          <a:lnRef idx="1">
+            <a:schemeClr val="accent1"/>
+          </a:lnRef>
+          <a:fillRef idx="0">
+            <a:schemeClr val="accent1"/>
+          </a:fillRef>
+          <a:effectRef idx="0">
+            <a:schemeClr val="accent1"/>
+          </a:effectRef>
+          <a:fontRef idx="minor">
+            <a:schemeClr val="tx1"/>
+          </a:fontRef>
+        </p:style>
+      </p:cxnSp>
+      <p:sp>
+        <p:nvSpPr>
+          <p:cNvPr id="35" name="TextBox 34">
+            <a:extLst>
+              <a:ext uri="{FF2B5EF4-FFF2-40B4-BE49-F238E27FC236}">
+                <a16:creationId xmlns:a16="http://schemas.microsoft.com/office/drawing/2014/main" id="{CDD8F13A-93A9-757C-0E5C-50823984DDEB}"/>
+              </a:ext>
+            </a:extLst>
+          </p:cNvPr>
+          <p:cNvSpPr txBox="1"/>
+          <p:nvPr/>
+        </p:nvSpPr>
+        <p:spPr>
+          <a:xfrm>
+            <a:off x="2811847" y="3955964"/>
+            <a:ext cx="952458" cy="276999"/>
+          </a:xfrm>
+          <a:prstGeom prst="rect">
+            <a:avLst/>
+          </a:prstGeom>
+          <a:noFill/>
+        </p:spPr>
+        <p:txBody>
+          <a:bodyPr wrap="square">
+            <a:spAutoFit/>
+          </a:bodyPr>
+          <a:lstStyle/>
+          <a:p>
+            <a:r>
+              <a:rPr lang="en-US" altLang="ko-KR" sz="1200" b="1">
+                <a:solidFill>
+                  <a:schemeClr val="tx1"/>
+                </a:solidFill>
+              </a:rPr>
+              <a:t>data_en_o</a:t>
+            </a:r>
+            <a:endParaRPr lang="ko-KR" altLang="en-US" sz="1200" b="1">
+              <a:solidFill>
+                <a:schemeClr val="tx1"/>
+              </a:solidFill>
+            </a:endParaRPr>
+          </a:p>
+        </p:txBody>
+      </p:sp>
+      <p:cxnSp>
+        <p:nvCxnSpPr>
+          <p:cNvPr id="36" name="직선 연결선 35">
+            <a:extLst>
+              <a:ext uri="{FF2B5EF4-FFF2-40B4-BE49-F238E27FC236}">
+                <a16:creationId xmlns:a16="http://schemas.microsoft.com/office/drawing/2014/main" id="{92D17839-3903-4FBC-A152-EF404ADA2CD3}"/>
+              </a:ext>
+            </a:extLst>
+          </p:cNvPr>
+          <p:cNvCxnSpPr>
+            <a:cxnSpLocks/>
+            <a:stCxn id="35" idx="3"/>
+          </p:cNvCxnSpPr>
+          <p:nvPr/>
+        </p:nvCxnSpPr>
+        <p:spPr>
+          <a:xfrm>
+            <a:off x="3764305" y="4094464"/>
+            <a:ext cx="502571" cy="1969"/>
+          </a:xfrm>
+          <a:prstGeom prst="line">
+            <a:avLst/>
+          </a:prstGeom>
+          <a:ln w="28575">
+            <a:solidFill>
+              <a:schemeClr val="tx1"/>
+            </a:solidFill>
+          </a:ln>
+        </p:spPr>
+        <p:style>
+          <a:lnRef idx="1">
+            <a:schemeClr val="accent1"/>
+          </a:lnRef>
+          <a:fillRef idx="0">
+            <a:schemeClr val="accent1"/>
+          </a:fillRef>
+          <a:effectRef idx="0">
+            <a:schemeClr val="accent1"/>
+          </a:effectRef>
+          <a:fontRef idx="minor">
+            <a:schemeClr val="tx1"/>
+          </a:fontRef>
+        </p:style>
+      </p:cxnSp>
+      <p:sp>
+        <p:nvSpPr>
+          <p:cNvPr id="38" name="TextBox 37">
+            <a:extLst>
+              <a:ext uri="{FF2B5EF4-FFF2-40B4-BE49-F238E27FC236}">
+                <a16:creationId xmlns:a16="http://schemas.microsoft.com/office/drawing/2014/main" id="{9971A508-3F2E-503B-1515-A580DE87B29B}"/>
+              </a:ext>
+            </a:extLst>
+          </p:cNvPr>
+          <p:cNvSpPr txBox="1"/>
+          <p:nvPr/>
+        </p:nvSpPr>
+        <p:spPr>
+          <a:xfrm>
+            <a:off x="2627712" y="3278869"/>
+            <a:ext cx="1169326" cy="276999"/>
+          </a:xfrm>
+          <a:prstGeom prst="rect">
+            <a:avLst/>
+          </a:prstGeom>
+          <a:noFill/>
+        </p:spPr>
+        <p:txBody>
+          <a:bodyPr wrap="square">
+            <a:spAutoFit/>
+          </a:bodyPr>
+          <a:lstStyle/>
+          <a:p>
+            <a:r>
+              <a:rPr lang="en-US" altLang="ko-KR" sz="1200" b="1"/>
+              <a:t>fetch</a:t>
+            </a:r>
+            <a:r>
+              <a:rPr lang="en-US" altLang="ko-KR" sz="1200" b="1">
+                <a:solidFill>
+                  <a:schemeClr val="tx1"/>
+                </a:solidFill>
+              </a:rPr>
+              <a:t>_done_o</a:t>
+            </a:r>
+            <a:endParaRPr lang="ko-KR" altLang="en-US" sz="1200" b="1">
+              <a:solidFill>
+                <a:schemeClr val="tx1"/>
+              </a:solidFill>
+            </a:endParaRPr>
+          </a:p>
+        </p:txBody>
+      </p:sp>
+      <p:cxnSp>
+        <p:nvCxnSpPr>
+          <p:cNvPr id="42" name="직선 연결선 41">
+            <a:extLst>
+              <a:ext uri="{FF2B5EF4-FFF2-40B4-BE49-F238E27FC236}">
+                <a16:creationId xmlns:a16="http://schemas.microsoft.com/office/drawing/2014/main" id="{6B9AA6F6-6968-9F2D-6C08-9F16F0F7BE02}"/>
+              </a:ext>
+            </a:extLst>
+          </p:cNvPr>
+          <p:cNvCxnSpPr>
+            <a:cxnSpLocks/>
+          </p:cNvCxnSpPr>
+          <p:nvPr/>
+        </p:nvCxnSpPr>
+        <p:spPr>
+          <a:xfrm flipV="1">
+            <a:off x="3384221" y="2773965"/>
+            <a:ext cx="0" cy="527803"/>
+          </a:xfrm>
+          <a:prstGeom prst="line">
+            <a:avLst/>
+          </a:prstGeom>
+          <a:ln w="28575">
+            <a:solidFill>
+              <a:schemeClr val="tx1"/>
+            </a:solidFill>
+          </a:ln>
+        </p:spPr>
+        <p:style>
+          <a:lnRef idx="1">
+            <a:schemeClr val="accent1"/>
+          </a:lnRef>
+          <a:fillRef idx="0">
+            <a:schemeClr val="accent1"/>
+          </a:fillRef>
+          <a:effectRef idx="0">
+            <a:schemeClr val="accent1"/>
+          </a:effectRef>
+          <a:fontRef idx="minor">
+            <a:schemeClr val="tx1"/>
+          </a:fontRef>
+        </p:style>
+      </p:cxnSp>
+      <p:cxnSp>
+        <p:nvCxnSpPr>
+          <p:cNvPr id="44" name="직선 연결선 43">
+            <a:extLst>
+              <a:ext uri="{FF2B5EF4-FFF2-40B4-BE49-F238E27FC236}">
+                <a16:creationId xmlns:a16="http://schemas.microsoft.com/office/drawing/2014/main" id="{87BD99EF-61E0-6755-8A41-CB9B4EFDB5AF}"/>
+              </a:ext>
+            </a:extLst>
+          </p:cNvPr>
+          <p:cNvCxnSpPr>
+            <a:cxnSpLocks/>
+          </p:cNvCxnSpPr>
+          <p:nvPr/>
+        </p:nvCxnSpPr>
+        <p:spPr>
+          <a:xfrm>
+            <a:off x="1090811" y="4432240"/>
+            <a:ext cx="521898" cy="0"/>
+          </a:xfrm>
+          <a:prstGeom prst="line">
+            <a:avLst/>
+          </a:prstGeom>
+          <a:ln w="76200">
+            <a:solidFill>
+              <a:schemeClr val="tx1"/>
+            </a:solidFill>
+          </a:ln>
+        </p:spPr>
+        <p:style>
+          <a:lnRef idx="1">
+            <a:schemeClr val="accent1"/>
+          </a:lnRef>
+          <a:fillRef idx="0">
+            <a:schemeClr val="accent1"/>
+          </a:fillRef>
+          <a:effectRef idx="0">
+            <a:schemeClr val="accent1"/>
+          </a:effectRef>
+          <a:fontRef idx="minor">
+            <a:schemeClr val="tx1"/>
+          </a:fontRef>
+        </p:style>
+      </p:cxnSp>
+      <p:sp>
+        <p:nvSpPr>
+          <p:cNvPr id="46" name="TextBox 45">
+            <a:extLst>
+              <a:ext uri="{FF2B5EF4-FFF2-40B4-BE49-F238E27FC236}">
+                <a16:creationId xmlns:a16="http://schemas.microsoft.com/office/drawing/2014/main" id="{8BF9544C-6506-7513-C9C2-2EC11E0E76D1}"/>
+              </a:ext>
+            </a:extLst>
+          </p:cNvPr>
+          <p:cNvSpPr txBox="1"/>
+          <p:nvPr/>
+        </p:nvSpPr>
+        <p:spPr>
+          <a:xfrm>
+            <a:off x="1028046" y="3891825"/>
+            <a:ext cx="1169326" cy="338554"/>
+          </a:xfrm>
+          <a:prstGeom prst="rect">
+            <a:avLst/>
+          </a:prstGeom>
+          <a:noFill/>
+        </p:spPr>
+        <p:txBody>
+          <a:bodyPr wrap="square">
+            <a:spAutoFit/>
+          </a:bodyPr>
+          <a:lstStyle/>
+          <a:p>
+            <a:r>
+              <a:rPr lang="en-US" altLang="ko-KR" sz="800" b="1">
+                <a:solidFill>
+                  <a:schemeClr val="tx1"/>
+                </a:solidFill>
+              </a:rPr>
+              <a:t>Memory</a:t>
+            </a:r>
+          </a:p>
+          <a:p>
+            <a:r>
+              <a:rPr lang="en-US" altLang="ko-KR" sz="800" b="1">
+                <a:solidFill>
+                  <a:schemeClr val="tx1"/>
+                </a:solidFill>
+              </a:rPr>
+              <a:t>interface</a:t>
+            </a:r>
+            <a:endParaRPr lang="ko-KR" altLang="en-US" sz="800" b="1">
+              <a:solidFill>
+                <a:schemeClr val="tx1"/>
+              </a:solidFill>
+            </a:endParaRPr>
+          </a:p>
+        </p:txBody>
+      </p:sp>
+      <p:sp>
+        <p:nvSpPr>
+          <p:cNvPr id="47" name="직사각형 46">
+            <a:extLst>
+              <a:ext uri="{FF2B5EF4-FFF2-40B4-BE49-F238E27FC236}">
+                <a16:creationId xmlns:a16="http://schemas.microsoft.com/office/drawing/2014/main" id="{0EFCF7B0-40B1-7860-C837-140138E46A56}"/>
+              </a:ext>
+            </a:extLst>
+          </p:cNvPr>
+          <p:cNvSpPr/>
+          <p:nvPr/>
+        </p:nvSpPr>
+        <p:spPr>
+          <a:xfrm>
+            <a:off x="4702641" y="4777423"/>
+            <a:ext cx="1443496" cy="304583"/>
+          </a:xfrm>
+          <a:prstGeom prst="rect">
+            <a:avLst/>
+          </a:prstGeom>
+        </p:spPr>
+        <p:style>
+          <a:lnRef idx="2">
+            <a:schemeClr val="accent1">
+              <a:shade val="50000"/>
+            </a:schemeClr>
+          </a:lnRef>
+          <a:fillRef idx="1">
+            <a:schemeClr val="accent1"/>
+          </a:fillRef>
+          <a:effectRef idx="0">
+            <a:schemeClr val="accent1"/>
+          </a:effectRef>
+          <a:fontRef idx="minor">
+            <a:schemeClr val="lt1"/>
+          </a:fontRef>
+        </p:style>
+        <p:txBody>
+          <a:bodyPr rtlCol="0" anchor="ctr"/>
+          <a:lstStyle/>
+          <a:p>
+            <a:pPr algn="ctr"/>
+            <a:r>
+              <a:rPr lang="en-US" altLang="ko-KR" sz="1100" b="1">
+                <a:solidFill>
+                  <a:schemeClr val="bg1"/>
+                </a:solidFill>
+              </a:rPr>
+              <a:t>3x COL</a:t>
+            </a:r>
+          </a:p>
+          <a:p>
+            <a:pPr algn="ctr"/>
+            <a:r>
+              <a:rPr lang="en-US" altLang="ko-KR" sz="1100" b="1">
+                <a:solidFill>
+                  <a:schemeClr val="bg1"/>
+                </a:solidFill>
+              </a:rPr>
+              <a:t>BUFFER</a:t>
+            </a:r>
+            <a:endParaRPr lang="ko-KR" altLang="en-US" sz="1100" b="1">
+              <a:solidFill>
+                <a:schemeClr val="bg1"/>
+              </a:solidFill>
+            </a:endParaRPr>
+          </a:p>
+        </p:txBody>
+      </p:sp>
+      <p:cxnSp>
+        <p:nvCxnSpPr>
+          <p:cNvPr id="59" name="직선 연결선 58">
+            <a:extLst>
+              <a:ext uri="{FF2B5EF4-FFF2-40B4-BE49-F238E27FC236}">
+                <a16:creationId xmlns:a16="http://schemas.microsoft.com/office/drawing/2014/main" id="{6A0F85C0-1168-6F97-510A-6C44BF25B382}"/>
+              </a:ext>
+            </a:extLst>
+          </p:cNvPr>
+          <p:cNvCxnSpPr>
+            <a:cxnSpLocks/>
+          </p:cNvCxnSpPr>
+          <p:nvPr/>
+        </p:nvCxnSpPr>
+        <p:spPr>
+          <a:xfrm flipV="1">
+            <a:off x="2225888" y="2744231"/>
+            <a:ext cx="0" cy="567177"/>
+          </a:xfrm>
+          <a:prstGeom prst="line">
+            <a:avLst/>
+          </a:prstGeom>
+          <a:ln w="28575">
+            <a:solidFill>
+              <a:schemeClr val="tx1"/>
+            </a:solidFill>
+          </a:ln>
+        </p:spPr>
+        <p:style>
+          <a:lnRef idx="1">
+            <a:schemeClr val="accent1"/>
+          </a:lnRef>
+          <a:fillRef idx="0">
+            <a:schemeClr val="accent1"/>
+          </a:fillRef>
+          <a:effectRef idx="0">
+            <a:schemeClr val="accent1"/>
+          </a:effectRef>
+          <a:fontRef idx="minor">
+            <a:schemeClr val="tx1"/>
+          </a:fontRef>
+        </p:style>
+      </p:cxnSp>
+      <p:sp>
+        <p:nvSpPr>
+          <p:cNvPr id="63" name="TextBox 62">
+            <a:extLst>
+              <a:ext uri="{FF2B5EF4-FFF2-40B4-BE49-F238E27FC236}">
+                <a16:creationId xmlns:a16="http://schemas.microsoft.com/office/drawing/2014/main" id="{6FEBD5A6-F47A-2436-2424-FF04A795A54A}"/>
+              </a:ext>
+            </a:extLst>
+          </p:cNvPr>
+          <p:cNvSpPr txBox="1"/>
+          <p:nvPr/>
+        </p:nvSpPr>
+        <p:spPr>
+          <a:xfrm>
+            <a:off x="1566415" y="3283529"/>
+            <a:ext cx="1169326" cy="276999"/>
+          </a:xfrm>
+          <a:prstGeom prst="rect">
+            <a:avLst/>
+          </a:prstGeom>
+          <a:noFill/>
+        </p:spPr>
+        <p:txBody>
+          <a:bodyPr wrap="square">
+            <a:spAutoFit/>
+          </a:bodyPr>
+          <a:lstStyle/>
+          <a:p>
+            <a:r>
+              <a:rPr lang="en-US" altLang="ko-KR" sz="1200" b="1"/>
+              <a:t>fetch</a:t>
+            </a:r>
+            <a:r>
+              <a:rPr lang="en-US" altLang="ko-KR" sz="1200" b="1">
+                <a:solidFill>
+                  <a:schemeClr val="tx1"/>
+                </a:solidFill>
+              </a:rPr>
+              <a:t>_run_</a:t>
+            </a:r>
+            <a:r>
+              <a:rPr lang="en-US" altLang="ko-KR" sz="1200" b="1"/>
+              <a:t>i</a:t>
+            </a:r>
+            <a:endParaRPr lang="ko-KR" altLang="en-US" sz="1200" b="1">
+              <a:solidFill>
+                <a:schemeClr val="tx1"/>
+              </a:solidFill>
+            </a:endParaRPr>
+          </a:p>
+        </p:txBody>
+      </p:sp>
+      <p:sp>
+        <p:nvSpPr>
+          <p:cNvPr id="79" name="TextBox 78">
+            <a:extLst>
+              <a:ext uri="{FF2B5EF4-FFF2-40B4-BE49-F238E27FC236}">
+                <a16:creationId xmlns:a16="http://schemas.microsoft.com/office/drawing/2014/main" id="{EC561892-8AB1-2A5E-4AB1-DBE0588336C0}"/>
+              </a:ext>
+            </a:extLst>
+          </p:cNvPr>
+          <p:cNvSpPr txBox="1"/>
+          <p:nvPr/>
+        </p:nvSpPr>
+        <p:spPr>
+          <a:xfrm>
+            <a:off x="5830169" y="5553613"/>
+            <a:ext cx="1320800" cy="338554"/>
+          </a:xfrm>
+          <a:prstGeom prst="rect">
+            <a:avLst/>
+          </a:prstGeom>
+          <a:noFill/>
+        </p:spPr>
+        <p:txBody>
+          <a:bodyPr wrap="square">
+            <a:spAutoFit/>
+          </a:bodyPr>
+          <a:lstStyle/>
+          <a:p>
+            <a:pPr algn="ctr"/>
+            <a:r>
+              <a:rPr lang="en-US" altLang="ko-KR" sz="1600" b="1">
+                <a:solidFill>
+                  <a:schemeClr val="tx1"/>
+                </a:solidFill>
+              </a:rPr>
+              <a:t>SOBEL_TOP</a:t>
+            </a:r>
+            <a:endParaRPr lang="ko-KR" altLang="en-US" sz="1600" b="1">
+              <a:solidFill>
+                <a:schemeClr val="tx1"/>
+              </a:solidFill>
+            </a:endParaRPr>
+          </a:p>
+        </p:txBody>
+      </p:sp>
+      <p:sp>
+        <p:nvSpPr>
+          <p:cNvPr id="80" name="TextBox 79">
+            <a:extLst>
+              <a:ext uri="{FF2B5EF4-FFF2-40B4-BE49-F238E27FC236}">
+                <a16:creationId xmlns:a16="http://schemas.microsoft.com/office/drawing/2014/main" id="{CE8DB0DE-0A92-9D00-734E-988A01003A4E}"/>
+              </a:ext>
+            </a:extLst>
+          </p:cNvPr>
+          <p:cNvSpPr txBox="1"/>
+          <p:nvPr/>
+        </p:nvSpPr>
+        <p:spPr>
+          <a:xfrm>
+            <a:off x="6988753" y="3683359"/>
+            <a:ext cx="1334465" cy="276999"/>
+          </a:xfrm>
+          <a:prstGeom prst="rect">
+            <a:avLst/>
+          </a:prstGeom>
+          <a:noFill/>
+        </p:spPr>
+        <p:txBody>
+          <a:bodyPr wrap="square">
+            <a:spAutoFit/>
+          </a:bodyPr>
+          <a:lstStyle/>
+          <a:p>
+            <a:r>
+              <a:rPr lang="en-US" altLang="ko-KR" sz="1200" b="1"/>
+              <a:t>data_i[0:9][7:0]</a:t>
+            </a:r>
+            <a:endParaRPr lang="ko-KR" altLang="en-US" sz="1200" b="1">
+              <a:solidFill>
+                <a:schemeClr val="tx1"/>
+              </a:solidFill>
+            </a:endParaRPr>
+          </a:p>
+        </p:txBody>
+      </p:sp>
+      <p:sp>
+        <p:nvSpPr>
+          <p:cNvPr id="81" name="TextBox 80">
+            <a:extLst>
+              <a:ext uri="{FF2B5EF4-FFF2-40B4-BE49-F238E27FC236}">
+                <a16:creationId xmlns:a16="http://schemas.microsoft.com/office/drawing/2014/main" id="{98F5C923-FE95-D9BB-F7B1-F5CE6C9DEF42}"/>
+              </a:ext>
+            </a:extLst>
+          </p:cNvPr>
+          <p:cNvSpPr txBox="1"/>
+          <p:nvPr/>
+        </p:nvSpPr>
+        <p:spPr>
+          <a:xfrm>
+            <a:off x="6957303" y="3971140"/>
+            <a:ext cx="1028100" cy="276999"/>
+          </a:xfrm>
+          <a:prstGeom prst="rect">
+            <a:avLst/>
+          </a:prstGeom>
+          <a:noFill/>
+        </p:spPr>
+        <p:txBody>
+          <a:bodyPr wrap="square">
+            <a:spAutoFit/>
+          </a:bodyPr>
+          <a:lstStyle/>
+          <a:p>
+            <a:r>
+              <a:rPr lang="en-US" altLang="ko-KR" sz="1200" b="1">
+                <a:solidFill>
+                  <a:schemeClr val="tx1"/>
+                </a:solidFill>
+              </a:rPr>
+              <a:t>Core_en_</a:t>
+            </a:r>
+            <a:r>
+              <a:rPr lang="en-US" altLang="ko-KR" sz="1200" b="1"/>
+              <a:t>i</a:t>
+            </a:r>
+            <a:endParaRPr lang="ko-KR" altLang="en-US" sz="1200" b="1">
+              <a:solidFill>
+                <a:schemeClr val="tx1"/>
+              </a:solidFill>
+            </a:endParaRPr>
+          </a:p>
+        </p:txBody>
+      </p:sp>
+      <p:sp>
+        <p:nvSpPr>
+          <p:cNvPr id="83" name="TextBox 82">
+            <a:extLst>
+              <a:ext uri="{FF2B5EF4-FFF2-40B4-BE49-F238E27FC236}">
+                <a16:creationId xmlns:a16="http://schemas.microsoft.com/office/drawing/2014/main" id="{154B6515-A013-4149-5F5F-CE7FB7905DC1}"/>
+              </a:ext>
+            </a:extLst>
+          </p:cNvPr>
+          <p:cNvSpPr txBox="1"/>
+          <p:nvPr/>
+        </p:nvSpPr>
+        <p:spPr>
+          <a:xfrm>
+            <a:off x="5963026" y="2328733"/>
+            <a:ext cx="1550025" cy="276999"/>
+          </a:xfrm>
+          <a:prstGeom prst="rect">
+            <a:avLst/>
+          </a:prstGeom>
+          <a:noFill/>
+        </p:spPr>
+        <p:txBody>
+          <a:bodyPr wrap="square">
+            <a:spAutoFit/>
+          </a:bodyPr>
+          <a:lstStyle/>
+          <a:p>
+            <a:r>
+              <a:rPr lang="en-US" altLang="ko-KR" sz="1200" b="1">
+                <a:solidFill>
+                  <a:schemeClr val="tx1"/>
+                </a:solidFill>
+              </a:rPr>
+              <a:t>cnt_IMG_col_o[9:0]</a:t>
+            </a:r>
+            <a:endParaRPr lang="ko-KR" altLang="en-US" sz="1200" b="1">
+              <a:solidFill>
+                <a:schemeClr val="tx1"/>
+              </a:solidFill>
+            </a:endParaRPr>
+          </a:p>
+        </p:txBody>
+      </p:sp>
+      <p:sp>
+        <p:nvSpPr>
+          <p:cNvPr id="85" name="TextBox 84">
+            <a:extLst>
+              <a:ext uri="{FF2B5EF4-FFF2-40B4-BE49-F238E27FC236}">
+                <a16:creationId xmlns:a16="http://schemas.microsoft.com/office/drawing/2014/main" id="{F0CE17C6-0996-B2A0-246D-C0945AC688BB}"/>
+              </a:ext>
+            </a:extLst>
+          </p:cNvPr>
+          <p:cNvSpPr txBox="1"/>
+          <p:nvPr/>
+        </p:nvSpPr>
+        <p:spPr>
+          <a:xfrm>
+            <a:off x="2224564" y="4685171"/>
+            <a:ext cx="1558726" cy="276999"/>
+          </a:xfrm>
+          <a:prstGeom prst="rect">
+            <a:avLst/>
+          </a:prstGeom>
+          <a:noFill/>
+        </p:spPr>
+        <p:txBody>
+          <a:bodyPr wrap="square">
+            <a:spAutoFit/>
+          </a:bodyPr>
+          <a:lstStyle/>
+          <a:p>
+            <a:r>
+              <a:rPr lang="en-US" altLang="ko-KR" sz="1200" b="1">
+                <a:solidFill>
+                  <a:schemeClr val="tx1"/>
+                </a:solidFill>
+              </a:rPr>
+              <a:t>cnt_pos_row_o[9:0]</a:t>
+            </a:r>
+            <a:endParaRPr lang="ko-KR" altLang="en-US" sz="1200" b="1">
+              <a:solidFill>
+                <a:schemeClr val="tx1"/>
+              </a:solidFill>
+            </a:endParaRPr>
+          </a:p>
+        </p:txBody>
+      </p:sp>
+      <p:sp>
+        <p:nvSpPr>
+          <p:cNvPr id="88" name="TextBox 87">
+            <a:extLst>
+              <a:ext uri="{FF2B5EF4-FFF2-40B4-BE49-F238E27FC236}">
+                <a16:creationId xmlns:a16="http://schemas.microsoft.com/office/drawing/2014/main" id="{667682E8-9654-6FDB-E329-3CE34E3B72D4}"/>
+              </a:ext>
+            </a:extLst>
+          </p:cNvPr>
+          <p:cNvSpPr txBox="1"/>
+          <p:nvPr/>
+        </p:nvSpPr>
+        <p:spPr>
+          <a:xfrm>
+            <a:off x="7527471" y="4631242"/>
+            <a:ext cx="1012242" cy="276999"/>
+          </a:xfrm>
+          <a:prstGeom prst="rect">
+            <a:avLst/>
+          </a:prstGeom>
+          <a:noFill/>
+        </p:spPr>
+        <p:txBody>
+          <a:bodyPr wrap="square">
+            <a:spAutoFit/>
+          </a:bodyPr>
+          <a:lstStyle/>
+          <a:p>
+            <a:r>
+              <a:rPr lang="en-US" altLang="ko-KR" sz="1200" b="1"/>
+              <a:t>Pixel_o[7:0]</a:t>
+            </a:r>
+            <a:endParaRPr lang="ko-KR" altLang="en-US" sz="1200" b="1">
+              <a:solidFill>
+                <a:schemeClr val="tx1"/>
+              </a:solidFill>
+            </a:endParaRPr>
+          </a:p>
+        </p:txBody>
+      </p:sp>
+      <p:sp>
+        <p:nvSpPr>
+          <p:cNvPr id="90" name="TextBox 89">
+            <a:extLst>
+              <a:ext uri="{FF2B5EF4-FFF2-40B4-BE49-F238E27FC236}">
+                <a16:creationId xmlns:a16="http://schemas.microsoft.com/office/drawing/2014/main" id="{E69CFE24-651C-3399-A3E9-F0B00FB89BBF}"/>
+              </a:ext>
+            </a:extLst>
+          </p:cNvPr>
+          <p:cNvSpPr txBox="1"/>
+          <p:nvPr/>
+        </p:nvSpPr>
+        <p:spPr>
+          <a:xfrm>
+            <a:off x="7527471" y="4919857"/>
+            <a:ext cx="1012242" cy="276999"/>
+          </a:xfrm>
+          <a:prstGeom prst="rect">
+            <a:avLst/>
+          </a:prstGeom>
+          <a:noFill/>
+        </p:spPr>
+        <p:txBody>
+          <a:bodyPr wrap="square">
+            <a:spAutoFit/>
+          </a:bodyPr>
+          <a:lstStyle/>
+          <a:p>
+            <a:pPr algn="r"/>
+            <a:r>
+              <a:rPr lang="en-US" altLang="ko-KR" sz="1200" b="1"/>
+              <a:t>Pixel_en_o</a:t>
+            </a:r>
+            <a:endParaRPr lang="ko-KR" altLang="en-US" sz="1200" b="1">
+              <a:solidFill>
+                <a:schemeClr val="tx1"/>
+              </a:solidFill>
+            </a:endParaRPr>
+          </a:p>
+        </p:txBody>
+      </p:sp>
+      <p:cxnSp>
+        <p:nvCxnSpPr>
+          <p:cNvPr id="91" name="직선 연결선 90">
+            <a:extLst>
+              <a:ext uri="{FF2B5EF4-FFF2-40B4-BE49-F238E27FC236}">
+                <a16:creationId xmlns:a16="http://schemas.microsoft.com/office/drawing/2014/main" id="{38C90CF7-F3DB-1585-2727-618C0EDE32BE}"/>
+              </a:ext>
+            </a:extLst>
+          </p:cNvPr>
+          <p:cNvCxnSpPr>
+            <a:cxnSpLocks/>
+          </p:cNvCxnSpPr>
+          <p:nvPr/>
+        </p:nvCxnSpPr>
+        <p:spPr>
+          <a:xfrm>
+            <a:off x="8564963" y="4827337"/>
+            <a:ext cx="589438" cy="0"/>
+          </a:xfrm>
+          <a:prstGeom prst="line">
+            <a:avLst/>
+          </a:prstGeom>
+          <a:ln w="28575">
+            <a:solidFill>
+              <a:srgbClr val="FF0000"/>
+            </a:solidFill>
+          </a:ln>
+        </p:spPr>
+        <p:style>
+          <a:lnRef idx="1">
+            <a:schemeClr val="accent1"/>
+          </a:lnRef>
+          <a:fillRef idx="0">
+            <a:schemeClr val="accent1"/>
+          </a:fillRef>
+          <a:effectRef idx="0">
+            <a:schemeClr val="accent1"/>
+          </a:effectRef>
+          <a:fontRef idx="minor">
+            <a:schemeClr val="tx1"/>
+          </a:fontRef>
+        </p:style>
+      </p:cxnSp>
+      <p:cxnSp>
+        <p:nvCxnSpPr>
+          <p:cNvPr id="92" name="직선 연결선 91">
+            <a:extLst>
+              <a:ext uri="{FF2B5EF4-FFF2-40B4-BE49-F238E27FC236}">
+                <a16:creationId xmlns:a16="http://schemas.microsoft.com/office/drawing/2014/main" id="{AEDA23A9-4B32-77FE-564F-3C7C95A32ABA}"/>
+              </a:ext>
+            </a:extLst>
+          </p:cNvPr>
+          <p:cNvCxnSpPr>
+            <a:cxnSpLocks/>
+          </p:cNvCxnSpPr>
+          <p:nvPr/>
+        </p:nvCxnSpPr>
+        <p:spPr>
+          <a:xfrm>
+            <a:off x="8544058" y="5115952"/>
+            <a:ext cx="610343" cy="0"/>
+          </a:xfrm>
+          <a:prstGeom prst="line">
+            <a:avLst/>
+          </a:prstGeom>
+          <a:ln w="28575">
+            <a:solidFill>
+              <a:schemeClr val="tx1"/>
+            </a:solidFill>
+          </a:ln>
+        </p:spPr>
+        <p:style>
+          <a:lnRef idx="1">
+            <a:schemeClr val="accent1"/>
+          </a:lnRef>
+          <a:fillRef idx="0">
+            <a:schemeClr val="accent1"/>
+          </a:fillRef>
+          <a:effectRef idx="0">
+            <a:schemeClr val="accent1"/>
+          </a:effectRef>
+          <a:fontRef idx="minor">
+            <a:schemeClr val="tx1"/>
+          </a:fontRef>
+        </p:style>
+      </p:cxnSp>
+      <p:cxnSp>
+        <p:nvCxnSpPr>
+          <p:cNvPr id="102" name="직선 화살표 연결선 101">
+            <a:extLst>
+              <a:ext uri="{FF2B5EF4-FFF2-40B4-BE49-F238E27FC236}">
+                <a16:creationId xmlns:a16="http://schemas.microsoft.com/office/drawing/2014/main" id="{63C1AB6D-5401-1FBB-B055-EE54A2847922}"/>
+              </a:ext>
+            </a:extLst>
+          </p:cNvPr>
+          <p:cNvCxnSpPr>
+            <a:cxnSpLocks/>
+          </p:cNvCxnSpPr>
+          <p:nvPr/>
+        </p:nvCxnSpPr>
+        <p:spPr>
+          <a:xfrm>
+            <a:off x="273401" y="6140754"/>
+            <a:ext cx="683489" cy="0"/>
+          </a:xfrm>
+          <a:prstGeom prst="straightConnector1">
+            <a:avLst/>
+          </a:prstGeom>
+          <a:ln w="57150">
+            <a:solidFill>
+              <a:srgbClr val="FF0000"/>
+            </a:solidFill>
+            <a:tailEnd type="triangle"/>
+          </a:ln>
+        </p:spPr>
+        <p:style>
+          <a:lnRef idx="1">
+            <a:schemeClr val="accent1"/>
+          </a:lnRef>
+          <a:fillRef idx="0">
+            <a:schemeClr val="accent1"/>
+          </a:fillRef>
+          <a:effectRef idx="0">
+            <a:schemeClr val="accent1"/>
+          </a:effectRef>
+          <a:fontRef idx="minor">
+            <a:schemeClr val="tx1"/>
+          </a:fontRef>
+        </p:style>
+      </p:cxnSp>
+      <p:cxnSp>
+        <p:nvCxnSpPr>
+          <p:cNvPr id="103" name="직선 화살표 연결선 102">
+            <a:extLst>
+              <a:ext uri="{FF2B5EF4-FFF2-40B4-BE49-F238E27FC236}">
+                <a16:creationId xmlns:a16="http://schemas.microsoft.com/office/drawing/2014/main" id="{09A23163-18EB-959A-1517-23D22B8AC1C1}"/>
+              </a:ext>
+            </a:extLst>
+          </p:cNvPr>
+          <p:cNvCxnSpPr>
+            <a:cxnSpLocks/>
+          </p:cNvCxnSpPr>
+          <p:nvPr/>
+        </p:nvCxnSpPr>
+        <p:spPr>
+          <a:xfrm>
+            <a:off x="1252480" y="4432240"/>
+            <a:ext cx="251608" cy="0"/>
+          </a:xfrm>
+          <a:prstGeom prst="straightConnector1">
+            <a:avLst/>
+          </a:prstGeom>
+          <a:ln w="57150">
+            <a:solidFill>
+              <a:srgbClr val="FF0000"/>
+            </a:solidFill>
+            <a:tailEnd type="triangle"/>
+          </a:ln>
+        </p:spPr>
+        <p:style>
+          <a:lnRef idx="1">
+            <a:schemeClr val="accent1"/>
+          </a:lnRef>
+          <a:fillRef idx="0">
+            <a:schemeClr val="accent1"/>
+          </a:fillRef>
+          <a:effectRef idx="0">
+            <a:schemeClr val="accent1"/>
+          </a:effectRef>
+          <a:fontRef idx="minor">
+            <a:schemeClr val="tx1"/>
+          </a:fontRef>
+        </p:style>
+      </p:cxnSp>
+      <p:cxnSp>
+        <p:nvCxnSpPr>
+          <p:cNvPr id="107" name="직선 화살표 연결선 106">
+            <a:extLst>
+              <a:ext uri="{FF2B5EF4-FFF2-40B4-BE49-F238E27FC236}">
+                <a16:creationId xmlns:a16="http://schemas.microsoft.com/office/drawing/2014/main" id="{3EC89276-68E9-E459-9C69-6597E44FFF5C}"/>
+              </a:ext>
+            </a:extLst>
+          </p:cNvPr>
+          <p:cNvCxnSpPr>
+            <a:cxnSpLocks/>
+          </p:cNvCxnSpPr>
+          <p:nvPr/>
+        </p:nvCxnSpPr>
+        <p:spPr>
+          <a:xfrm>
+            <a:off x="8640640" y="4755637"/>
+            <a:ext cx="304201" cy="0"/>
+          </a:xfrm>
+          <a:prstGeom prst="straightConnector1">
+            <a:avLst/>
+          </a:prstGeom>
+          <a:ln w="57150">
+            <a:solidFill>
+              <a:srgbClr val="FF0000"/>
+            </a:solidFill>
+            <a:tailEnd type="triangle"/>
+          </a:ln>
+        </p:spPr>
+        <p:style>
+          <a:lnRef idx="1">
+            <a:schemeClr val="accent1"/>
+          </a:lnRef>
+          <a:fillRef idx="0">
+            <a:schemeClr val="accent1"/>
+          </a:fillRef>
+          <a:effectRef idx="0">
+            <a:schemeClr val="accent1"/>
+          </a:effectRef>
+          <a:fontRef idx="minor">
+            <a:schemeClr val="tx1"/>
+          </a:fontRef>
+        </p:style>
+      </p:cxnSp>
+      <p:cxnSp>
+        <p:nvCxnSpPr>
+          <p:cNvPr id="108" name="직선 화살표 연결선 107">
+            <a:extLst>
+              <a:ext uri="{FF2B5EF4-FFF2-40B4-BE49-F238E27FC236}">
+                <a16:creationId xmlns:a16="http://schemas.microsoft.com/office/drawing/2014/main" id="{964F7618-8D9E-BB44-5EDE-C0F8BBC79E6A}"/>
+              </a:ext>
+            </a:extLst>
+          </p:cNvPr>
+          <p:cNvCxnSpPr>
+            <a:cxnSpLocks/>
+          </p:cNvCxnSpPr>
+          <p:nvPr/>
+        </p:nvCxnSpPr>
+        <p:spPr>
+          <a:xfrm>
+            <a:off x="1419434" y="1527436"/>
+            <a:ext cx="0" cy="652489"/>
+          </a:xfrm>
+          <a:prstGeom prst="straightConnector1">
+            <a:avLst/>
+          </a:prstGeom>
+          <a:ln w="57150">
+            <a:solidFill>
+              <a:srgbClr val="00B0F0"/>
+            </a:solidFill>
+            <a:tailEnd type="triangle"/>
+          </a:ln>
+        </p:spPr>
+        <p:style>
+          <a:lnRef idx="1">
+            <a:schemeClr val="accent1"/>
+          </a:lnRef>
+          <a:fillRef idx="0">
+            <a:schemeClr val="accent1"/>
+          </a:fillRef>
+          <a:effectRef idx="0">
+            <a:schemeClr val="accent1"/>
+          </a:effectRef>
+          <a:fontRef idx="minor">
+            <a:schemeClr val="tx1"/>
+          </a:fontRef>
+        </p:style>
+      </p:cxnSp>
+      <p:cxnSp>
+        <p:nvCxnSpPr>
+          <p:cNvPr id="110" name="직선 연결선 109">
+            <a:extLst>
+              <a:ext uri="{FF2B5EF4-FFF2-40B4-BE49-F238E27FC236}">
+                <a16:creationId xmlns:a16="http://schemas.microsoft.com/office/drawing/2014/main" id="{C4379F4E-B94C-56DF-3C55-2C306FD7CE52}"/>
+              </a:ext>
+            </a:extLst>
+          </p:cNvPr>
+          <p:cNvCxnSpPr>
+            <a:cxnSpLocks/>
+          </p:cNvCxnSpPr>
+          <p:nvPr/>
+        </p:nvCxnSpPr>
+        <p:spPr>
+          <a:xfrm>
+            <a:off x="1561777" y="2278447"/>
+            <a:ext cx="292725" cy="0"/>
+          </a:xfrm>
+          <a:prstGeom prst="line">
+            <a:avLst/>
+          </a:prstGeom>
+          <a:ln w="28575">
+            <a:solidFill>
+              <a:schemeClr val="tx1"/>
+            </a:solidFill>
+          </a:ln>
+        </p:spPr>
+        <p:style>
+          <a:lnRef idx="1">
+            <a:schemeClr val="accent1"/>
+          </a:lnRef>
+          <a:fillRef idx="0">
+            <a:schemeClr val="accent1"/>
+          </a:fillRef>
+          <a:effectRef idx="0">
+            <a:schemeClr val="accent1"/>
+          </a:effectRef>
+          <a:fontRef idx="minor">
+            <a:schemeClr val="tx1"/>
+          </a:fontRef>
+        </p:style>
+      </p:cxnSp>
+      <p:sp>
+        <p:nvSpPr>
+          <p:cNvPr id="112" name="TextBox 111">
+            <a:extLst>
+              <a:ext uri="{FF2B5EF4-FFF2-40B4-BE49-F238E27FC236}">
+                <a16:creationId xmlns:a16="http://schemas.microsoft.com/office/drawing/2014/main" id="{00BD5465-B582-0113-9E96-99A7501D7570}"/>
+              </a:ext>
+            </a:extLst>
+          </p:cNvPr>
+          <p:cNvSpPr txBox="1"/>
+          <p:nvPr/>
+        </p:nvSpPr>
+        <p:spPr>
+          <a:xfrm>
+            <a:off x="1819455" y="2135670"/>
+            <a:ext cx="727835" cy="276999"/>
+          </a:xfrm>
+          <a:prstGeom prst="rect">
+            <a:avLst/>
+          </a:prstGeom>
+          <a:noFill/>
+        </p:spPr>
+        <p:txBody>
+          <a:bodyPr wrap="square">
+            <a:spAutoFit/>
+          </a:bodyPr>
+          <a:lstStyle/>
+          <a:p>
+            <a:r>
+              <a:rPr lang="en-US" altLang="ko-KR" sz="1200" b="1">
+                <a:solidFill>
+                  <a:schemeClr val="tx1"/>
+                </a:solidFill>
+              </a:rPr>
+              <a:t>Start_i</a:t>
+            </a:r>
+            <a:endParaRPr lang="ko-KR" altLang="en-US" sz="1200" b="1">
+              <a:solidFill>
+                <a:schemeClr val="tx1"/>
+              </a:solidFill>
+            </a:endParaRPr>
+          </a:p>
+        </p:txBody>
+      </p:sp>
+      <p:cxnSp>
+        <p:nvCxnSpPr>
+          <p:cNvPr id="113" name="직선 화살표 연결선 112">
+            <a:extLst>
+              <a:ext uri="{FF2B5EF4-FFF2-40B4-BE49-F238E27FC236}">
+                <a16:creationId xmlns:a16="http://schemas.microsoft.com/office/drawing/2014/main" id="{2DE170E8-52C9-77C5-55B8-BD7C90694F36}"/>
+              </a:ext>
+            </a:extLst>
+          </p:cNvPr>
+          <p:cNvCxnSpPr>
+            <a:cxnSpLocks/>
+          </p:cNvCxnSpPr>
+          <p:nvPr/>
+        </p:nvCxnSpPr>
+        <p:spPr>
+          <a:xfrm>
+            <a:off x="2362621" y="2841332"/>
+            <a:ext cx="0" cy="382951"/>
+          </a:xfrm>
+          <a:prstGeom prst="straightConnector1">
+            <a:avLst/>
+          </a:prstGeom>
+          <a:ln w="57150">
+            <a:solidFill>
+              <a:srgbClr val="00B0F0"/>
+            </a:solidFill>
+            <a:tailEnd type="triangle"/>
+          </a:ln>
+        </p:spPr>
+        <p:style>
+          <a:lnRef idx="1">
+            <a:schemeClr val="accent1"/>
+          </a:lnRef>
+          <a:fillRef idx="0">
+            <a:schemeClr val="accent1"/>
+          </a:fillRef>
+          <a:effectRef idx="0">
+            <a:schemeClr val="accent1"/>
+          </a:effectRef>
+          <a:fontRef idx="minor">
+            <a:schemeClr val="tx1"/>
+          </a:fontRef>
+        </p:style>
+      </p:cxnSp>
+      <p:sp>
+        <p:nvSpPr>
+          <p:cNvPr id="115" name="TextBox 114">
+            <a:extLst>
+              <a:ext uri="{FF2B5EF4-FFF2-40B4-BE49-F238E27FC236}">
+                <a16:creationId xmlns:a16="http://schemas.microsoft.com/office/drawing/2014/main" id="{90CFC03F-08B8-5ED9-C651-9455A6014A9A}"/>
+              </a:ext>
+            </a:extLst>
+          </p:cNvPr>
+          <p:cNvSpPr txBox="1"/>
+          <p:nvPr/>
+        </p:nvSpPr>
+        <p:spPr>
+          <a:xfrm>
+            <a:off x="1097688" y="1589521"/>
+            <a:ext cx="406400" cy="369332"/>
+          </a:xfrm>
+          <a:prstGeom prst="rect">
+            <a:avLst/>
+          </a:prstGeom>
+          <a:noFill/>
+        </p:spPr>
+        <p:txBody>
+          <a:bodyPr wrap="square" rtlCol="0">
+            <a:spAutoFit/>
+          </a:bodyPr>
+          <a:lstStyle/>
+          <a:p>
+            <a:r>
+              <a:rPr lang="en-US" altLang="ko-KR" b="1">
+                <a:solidFill>
+                  <a:srgbClr val="00B0F0"/>
+                </a:solidFill>
+              </a:rPr>
+              <a:t>1</a:t>
+            </a:r>
+            <a:endParaRPr lang="ko-KR" altLang="en-US" b="1">
+              <a:solidFill>
+                <a:srgbClr val="00B0F0"/>
+              </a:solidFill>
+            </a:endParaRPr>
+          </a:p>
+        </p:txBody>
+      </p:sp>
+      <p:sp>
+        <p:nvSpPr>
+          <p:cNvPr id="116" name="TextBox 115">
+            <a:extLst>
+              <a:ext uri="{FF2B5EF4-FFF2-40B4-BE49-F238E27FC236}">
+                <a16:creationId xmlns:a16="http://schemas.microsoft.com/office/drawing/2014/main" id="{3A29C3C1-E561-DD0E-2D4A-4C4D0F760822}"/>
+              </a:ext>
+            </a:extLst>
+          </p:cNvPr>
+          <p:cNvSpPr txBox="1"/>
+          <p:nvPr/>
+        </p:nvSpPr>
+        <p:spPr>
+          <a:xfrm>
+            <a:off x="2419507" y="2841332"/>
+            <a:ext cx="406400" cy="369332"/>
+          </a:xfrm>
+          <a:prstGeom prst="rect">
+            <a:avLst/>
+          </a:prstGeom>
+          <a:noFill/>
+        </p:spPr>
+        <p:txBody>
+          <a:bodyPr wrap="square" rtlCol="0">
+            <a:spAutoFit/>
+          </a:bodyPr>
+          <a:lstStyle/>
+          <a:p>
+            <a:r>
+              <a:rPr lang="en-US" altLang="ko-KR" b="1">
+                <a:solidFill>
+                  <a:srgbClr val="00B0F0"/>
+                </a:solidFill>
+              </a:rPr>
+              <a:t>2</a:t>
+            </a:r>
+            <a:endParaRPr lang="ko-KR" altLang="en-US" b="1">
+              <a:solidFill>
+                <a:srgbClr val="00B0F0"/>
+              </a:solidFill>
+            </a:endParaRPr>
+          </a:p>
+        </p:txBody>
+      </p:sp>
+      <p:cxnSp>
+        <p:nvCxnSpPr>
+          <p:cNvPr id="117" name="직선 화살표 연결선 116">
+            <a:extLst>
+              <a:ext uri="{FF2B5EF4-FFF2-40B4-BE49-F238E27FC236}">
+                <a16:creationId xmlns:a16="http://schemas.microsoft.com/office/drawing/2014/main" id="{7B025880-C583-E806-7705-CBBBAAA270BD}"/>
+              </a:ext>
+            </a:extLst>
+          </p:cNvPr>
+          <p:cNvCxnSpPr>
+            <a:cxnSpLocks/>
+          </p:cNvCxnSpPr>
+          <p:nvPr/>
+        </p:nvCxnSpPr>
+        <p:spPr>
+          <a:xfrm flipH="1" flipV="1">
+            <a:off x="3497882" y="2806772"/>
+            <a:ext cx="8504" cy="414945"/>
+          </a:xfrm>
+          <a:prstGeom prst="straightConnector1">
+            <a:avLst/>
+          </a:prstGeom>
+          <a:ln w="57150">
+            <a:solidFill>
+              <a:srgbClr val="00B0F0"/>
+            </a:solidFill>
+            <a:tailEnd type="triangle"/>
+          </a:ln>
+        </p:spPr>
+        <p:style>
+          <a:lnRef idx="1">
+            <a:schemeClr val="accent1"/>
+          </a:lnRef>
+          <a:fillRef idx="0">
+            <a:schemeClr val="accent1"/>
+          </a:fillRef>
+          <a:effectRef idx="0">
+            <a:schemeClr val="accent1"/>
+          </a:effectRef>
+          <a:fontRef idx="minor">
+            <a:schemeClr val="tx1"/>
+          </a:fontRef>
+        </p:style>
+      </p:cxnSp>
+      <p:sp>
+        <p:nvSpPr>
+          <p:cNvPr id="120" name="TextBox 119">
+            <a:extLst>
+              <a:ext uri="{FF2B5EF4-FFF2-40B4-BE49-F238E27FC236}">
+                <a16:creationId xmlns:a16="http://schemas.microsoft.com/office/drawing/2014/main" id="{727F24E2-44F1-0764-B69F-61F595CCC418}"/>
+              </a:ext>
+            </a:extLst>
+          </p:cNvPr>
+          <p:cNvSpPr txBox="1"/>
+          <p:nvPr/>
+        </p:nvSpPr>
+        <p:spPr>
+          <a:xfrm>
+            <a:off x="3609551" y="2883555"/>
+            <a:ext cx="406400" cy="369332"/>
+          </a:xfrm>
+          <a:prstGeom prst="rect">
+            <a:avLst/>
+          </a:prstGeom>
+          <a:noFill/>
+        </p:spPr>
+        <p:txBody>
+          <a:bodyPr wrap="square" rtlCol="0">
+            <a:spAutoFit/>
+          </a:bodyPr>
+          <a:lstStyle/>
+          <a:p>
+            <a:r>
+              <a:rPr lang="en-US" altLang="ko-KR" b="1">
+                <a:solidFill>
+                  <a:srgbClr val="00B0F0"/>
+                </a:solidFill>
+              </a:rPr>
+              <a:t>3</a:t>
+            </a:r>
+            <a:endParaRPr lang="ko-KR" altLang="en-US" b="1">
+              <a:solidFill>
+                <a:srgbClr val="00B0F0"/>
+              </a:solidFill>
+            </a:endParaRPr>
+          </a:p>
+        </p:txBody>
+      </p:sp>
+      <p:cxnSp>
+        <p:nvCxnSpPr>
+          <p:cNvPr id="122" name="직선 화살표 연결선 121">
+            <a:extLst>
+              <a:ext uri="{FF2B5EF4-FFF2-40B4-BE49-F238E27FC236}">
+                <a16:creationId xmlns:a16="http://schemas.microsoft.com/office/drawing/2014/main" id="{39FA6BE5-5FE0-112E-BB78-D7D1E7891203}"/>
+              </a:ext>
+            </a:extLst>
+          </p:cNvPr>
+          <p:cNvCxnSpPr>
+            <a:cxnSpLocks/>
+          </p:cNvCxnSpPr>
+          <p:nvPr/>
+        </p:nvCxnSpPr>
+        <p:spPr>
+          <a:xfrm flipV="1">
+            <a:off x="6064139" y="2806772"/>
+            <a:ext cx="0" cy="409189"/>
+          </a:xfrm>
+          <a:prstGeom prst="straightConnector1">
+            <a:avLst/>
+          </a:prstGeom>
+          <a:ln w="57150">
+            <a:solidFill>
+              <a:srgbClr val="00B0F0"/>
+            </a:solidFill>
+            <a:tailEnd type="triangle"/>
+          </a:ln>
+        </p:spPr>
+        <p:style>
+          <a:lnRef idx="1">
+            <a:schemeClr val="accent1"/>
+          </a:lnRef>
+          <a:fillRef idx="0">
+            <a:schemeClr val="accent1"/>
+          </a:fillRef>
+          <a:effectRef idx="0">
+            <a:schemeClr val="accent1"/>
+          </a:effectRef>
+          <a:fontRef idx="minor">
+            <a:schemeClr val="tx1"/>
+          </a:fontRef>
+        </p:style>
+      </p:cxnSp>
+      <p:cxnSp>
+        <p:nvCxnSpPr>
+          <p:cNvPr id="124" name="직선 연결선 123">
+            <a:extLst>
+              <a:ext uri="{FF2B5EF4-FFF2-40B4-BE49-F238E27FC236}">
+                <a16:creationId xmlns:a16="http://schemas.microsoft.com/office/drawing/2014/main" id="{9E969901-CADC-A5A6-0279-22A6FFD549CB}"/>
+              </a:ext>
+            </a:extLst>
+          </p:cNvPr>
+          <p:cNvCxnSpPr>
+            <a:cxnSpLocks/>
+          </p:cNvCxnSpPr>
+          <p:nvPr/>
+        </p:nvCxnSpPr>
+        <p:spPr>
+          <a:xfrm flipV="1">
+            <a:off x="4805586" y="2744231"/>
+            <a:ext cx="0" cy="557537"/>
+          </a:xfrm>
+          <a:prstGeom prst="line">
+            <a:avLst/>
+          </a:prstGeom>
+          <a:ln w="28575">
+            <a:solidFill>
+              <a:schemeClr val="tx1"/>
+            </a:solidFill>
+          </a:ln>
+        </p:spPr>
+        <p:style>
+          <a:lnRef idx="1">
+            <a:schemeClr val="accent1"/>
+          </a:lnRef>
+          <a:fillRef idx="0">
+            <a:schemeClr val="accent1"/>
+          </a:fillRef>
+          <a:effectRef idx="0">
+            <a:schemeClr val="accent1"/>
+          </a:effectRef>
+          <a:fontRef idx="minor">
+            <a:schemeClr val="tx1"/>
+          </a:fontRef>
+        </p:style>
+      </p:cxnSp>
+      <p:sp>
+        <p:nvSpPr>
+          <p:cNvPr id="126" name="TextBox 125">
+            <a:extLst>
+              <a:ext uri="{FF2B5EF4-FFF2-40B4-BE49-F238E27FC236}">
+                <a16:creationId xmlns:a16="http://schemas.microsoft.com/office/drawing/2014/main" id="{DFCBC1DC-8A3C-90C5-1098-A1F793F7ACE9}"/>
+              </a:ext>
+            </a:extLst>
+          </p:cNvPr>
+          <p:cNvSpPr txBox="1"/>
+          <p:nvPr/>
+        </p:nvSpPr>
+        <p:spPr>
+          <a:xfrm>
+            <a:off x="4390218" y="3264353"/>
+            <a:ext cx="1132931" cy="276999"/>
+          </a:xfrm>
+          <a:prstGeom prst="rect">
+            <a:avLst/>
+          </a:prstGeom>
+          <a:noFill/>
+        </p:spPr>
+        <p:txBody>
+          <a:bodyPr wrap="square">
+            <a:spAutoFit/>
+          </a:bodyPr>
+          <a:lstStyle/>
+          <a:p>
+            <a:r>
+              <a:rPr lang="en-US" altLang="ko-KR" sz="1200" b="1">
+                <a:solidFill>
+                  <a:schemeClr val="tx1"/>
+                </a:solidFill>
+              </a:rPr>
+              <a:t>Core_</a:t>
+            </a:r>
+            <a:r>
+              <a:rPr lang="en-US" altLang="ko-KR" sz="1200" b="1"/>
+              <a:t>run</a:t>
+            </a:r>
+            <a:r>
+              <a:rPr lang="en-US" altLang="ko-KR" sz="1200" b="1">
+                <a:solidFill>
+                  <a:schemeClr val="tx1"/>
+                </a:solidFill>
+              </a:rPr>
+              <a:t>_</a:t>
+            </a:r>
+            <a:r>
+              <a:rPr lang="en-US" altLang="ko-KR" sz="1200" b="1"/>
+              <a:t>i</a:t>
+            </a:r>
+            <a:endParaRPr lang="ko-KR" altLang="en-US" sz="1200" b="1">
+              <a:solidFill>
+                <a:schemeClr val="tx1"/>
+              </a:solidFill>
+            </a:endParaRPr>
+          </a:p>
+        </p:txBody>
+      </p:sp>
+      <p:cxnSp>
+        <p:nvCxnSpPr>
+          <p:cNvPr id="127" name="직선 화살표 연결선 126">
+            <a:extLst>
+              <a:ext uri="{FF2B5EF4-FFF2-40B4-BE49-F238E27FC236}">
+                <a16:creationId xmlns:a16="http://schemas.microsoft.com/office/drawing/2014/main" id="{C1BAB574-95E7-B8ED-F803-C36463A9C30F}"/>
+              </a:ext>
+            </a:extLst>
+          </p:cNvPr>
+          <p:cNvCxnSpPr>
+            <a:cxnSpLocks/>
+          </p:cNvCxnSpPr>
+          <p:nvPr/>
+        </p:nvCxnSpPr>
+        <p:spPr>
+          <a:xfrm>
+            <a:off x="4956683" y="2806772"/>
+            <a:ext cx="0" cy="457581"/>
+          </a:xfrm>
+          <a:prstGeom prst="straightConnector1">
+            <a:avLst/>
+          </a:prstGeom>
+          <a:ln w="57150">
+            <a:solidFill>
+              <a:srgbClr val="00B0F0"/>
+            </a:solidFill>
+            <a:tailEnd type="triangle"/>
+          </a:ln>
+        </p:spPr>
+        <p:style>
+          <a:lnRef idx="1">
+            <a:schemeClr val="accent1"/>
+          </a:lnRef>
+          <a:fillRef idx="0">
+            <a:schemeClr val="accent1"/>
+          </a:fillRef>
+          <a:effectRef idx="0">
+            <a:schemeClr val="accent1"/>
+          </a:effectRef>
+          <a:fontRef idx="minor">
+            <a:schemeClr val="tx1"/>
+          </a:fontRef>
+        </p:style>
+      </p:cxnSp>
+      <p:sp>
+        <p:nvSpPr>
+          <p:cNvPr id="129" name="TextBox 128">
+            <a:extLst>
+              <a:ext uri="{FF2B5EF4-FFF2-40B4-BE49-F238E27FC236}">
+                <a16:creationId xmlns:a16="http://schemas.microsoft.com/office/drawing/2014/main" id="{ACFAD219-A108-DFC2-576E-923787CFBD80}"/>
+              </a:ext>
+            </a:extLst>
+          </p:cNvPr>
+          <p:cNvSpPr txBox="1"/>
+          <p:nvPr/>
+        </p:nvSpPr>
+        <p:spPr>
+          <a:xfrm>
+            <a:off x="5001980" y="2847977"/>
+            <a:ext cx="406400" cy="369332"/>
+          </a:xfrm>
+          <a:prstGeom prst="rect">
+            <a:avLst/>
+          </a:prstGeom>
+          <a:noFill/>
+        </p:spPr>
+        <p:txBody>
+          <a:bodyPr wrap="square" rtlCol="0">
+            <a:spAutoFit/>
+          </a:bodyPr>
+          <a:lstStyle/>
+          <a:p>
+            <a:r>
+              <a:rPr lang="en-US" altLang="ko-KR" b="1">
+                <a:solidFill>
+                  <a:srgbClr val="00B0F0"/>
+                </a:solidFill>
+              </a:rPr>
+              <a:t>4</a:t>
+            </a:r>
+            <a:endParaRPr lang="ko-KR" altLang="en-US" b="1">
+              <a:solidFill>
+                <a:srgbClr val="00B0F0"/>
+              </a:solidFill>
+            </a:endParaRPr>
+          </a:p>
+        </p:txBody>
+      </p:sp>
+      <p:sp>
+        <p:nvSpPr>
+          <p:cNvPr id="130" name="TextBox 129">
+            <a:extLst>
+              <a:ext uri="{FF2B5EF4-FFF2-40B4-BE49-F238E27FC236}">
+                <a16:creationId xmlns:a16="http://schemas.microsoft.com/office/drawing/2014/main" id="{5D81DDF6-514B-1A72-A52D-803A1D00A8F8}"/>
+              </a:ext>
+            </a:extLst>
+          </p:cNvPr>
+          <p:cNvSpPr txBox="1"/>
+          <p:nvPr/>
+        </p:nvSpPr>
+        <p:spPr>
+          <a:xfrm>
+            <a:off x="6122293" y="2847482"/>
+            <a:ext cx="406400" cy="369332"/>
+          </a:xfrm>
+          <a:prstGeom prst="rect">
+            <a:avLst/>
+          </a:prstGeom>
+          <a:noFill/>
+        </p:spPr>
+        <p:txBody>
+          <a:bodyPr wrap="square" rtlCol="0">
+            <a:spAutoFit/>
+          </a:bodyPr>
+          <a:lstStyle/>
+          <a:p>
+            <a:r>
+              <a:rPr lang="en-US" altLang="ko-KR" b="1">
+                <a:solidFill>
+                  <a:srgbClr val="00B0F0"/>
+                </a:solidFill>
+              </a:rPr>
+              <a:t>5</a:t>
+            </a:r>
+            <a:endParaRPr lang="ko-KR" altLang="en-US" b="1">
+              <a:solidFill>
+                <a:srgbClr val="00B0F0"/>
+              </a:solidFill>
+            </a:endParaRPr>
+          </a:p>
+        </p:txBody>
+      </p:sp>
+      <p:sp>
+        <p:nvSpPr>
+          <p:cNvPr id="7" name="TextBox 6">
+            <a:extLst>
+              <a:ext uri="{FF2B5EF4-FFF2-40B4-BE49-F238E27FC236}">
+                <a16:creationId xmlns:a16="http://schemas.microsoft.com/office/drawing/2014/main" id="{C53415F0-376E-4C24-946A-71C5A03A3EFC}"/>
+              </a:ext>
+            </a:extLst>
+          </p:cNvPr>
+          <p:cNvSpPr txBox="1"/>
+          <p:nvPr/>
+        </p:nvSpPr>
+        <p:spPr>
+          <a:xfrm>
+            <a:off x="331365" y="6167888"/>
+            <a:ext cx="523927" cy="433800"/>
+          </a:xfrm>
+          <a:prstGeom prst="rect">
+            <a:avLst/>
+          </a:prstGeom>
+          <a:noFill/>
+        </p:spPr>
+        <p:txBody>
+          <a:bodyPr wrap="square" rtlCol="0">
+            <a:spAutoFit/>
+          </a:bodyPr>
+          <a:lstStyle/>
+          <a:p>
+            <a:endParaRPr lang="ko-KR" altLang="en-US"/>
+          </a:p>
+        </p:txBody>
+      </p:sp>
+      <p:pic>
+        <p:nvPicPr>
+          <p:cNvPr id="14" name="그림 13">
+            <a:extLst>
+              <a:ext uri="{FF2B5EF4-FFF2-40B4-BE49-F238E27FC236}">
+                <a16:creationId xmlns:a16="http://schemas.microsoft.com/office/drawing/2014/main" id="{5FB7A650-CEEE-E2E6-158A-54AF5795FBD8}"/>
+              </a:ext>
+            </a:extLst>
+          </p:cNvPr>
+          <p:cNvPicPr>
+            <a:picLocks noChangeAspect="1"/>
+          </p:cNvPicPr>
+          <p:nvPr/>
+        </p:nvPicPr>
+        <p:blipFill>
+          <a:blip r:embed="rId2"/>
+          <a:stretch>
+            <a:fillRect/>
+          </a:stretch>
+        </p:blipFill>
+        <p:spPr>
+          <a:xfrm>
+            <a:off x="3625825" y="2042981"/>
+            <a:ext cx="780252" cy="670514"/>
+          </a:xfrm>
+          <a:prstGeom prst="rect">
+            <a:avLst/>
+          </a:prstGeom>
+        </p:spPr>
+      </p:pic>
+      <p:sp>
+        <p:nvSpPr>
+          <p:cNvPr id="16" name="TextBox 15">
+            <a:extLst>
+              <a:ext uri="{FF2B5EF4-FFF2-40B4-BE49-F238E27FC236}">
+                <a16:creationId xmlns:a16="http://schemas.microsoft.com/office/drawing/2014/main" id="{993EF958-94C1-5B9E-9B9B-382B97F383CC}"/>
+              </a:ext>
+            </a:extLst>
+          </p:cNvPr>
+          <p:cNvSpPr txBox="1"/>
+          <p:nvPr/>
+        </p:nvSpPr>
+        <p:spPr>
+          <a:xfrm>
+            <a:off x="121848" y="5819166"/>
+            <a:ext cx="1539980" cy="261610"/>
+          </a:xfrm>
+          <a:prstGeom prst="rect">
+            <a:avLst/>
+          </a:prstGeom>
+          <a:noFill/>
+        </p:spPr>
+        <p:txBody>
+          <a:bodyPr wrap="square" rtlCol="0">
+            <a:spAutoFit/>
+          </a:bodyPr>
+          <a:lstStyle/>
+          <a:p>
+            <a:r>
+              <a:rPr lang="en-US" altLang="ko-KR" sz="1100" b="1">
+                <a:solidFill>
+                  <a:srgbClr val="FF0000"/>
+                </a:solidFill>
+              </a:rPr>
+              <a:t>DATA FLOW</a:t>
+            </a:r>
+            <a:endParaRPr lang="ko-KR" altLang="en-US" sz="1100" b="1">
+              <a:solidFill>
+                <a:srgbClr val="FF0000"/>
+              </a:solidFill>
+            </a:endParaRPr>
+          </a:p>
+        </p:txBody>
+      </p:sp>
+      <p:sp>
+        <p:nvSpPr>
+          <p:cNvPr id="17" name="TextBox 16">
+            <a:extLst>
+              <a:ext uri="{FF2B5EF4-FFF2-40B4-BE49-F238E27FC236}">
+                <a16:creationId xmlns:a16="http://schemas.microsoft.com/office/drawing/2014/main" id="{64ED13AF-C923-3E62-3F75-A0DFACAC5829}"/>
+              </a:ext>
+            </a:extLst>
+          </p:cNvPr>
+          <p:cNvSpPr txBox="1"/>
+          <p:nvPr/>
+        </p:nvSpPr>
+        <p:spPr>
+          <a:xfrm>
+            <a:off x="162057" y="6222446"/>
+            <a:ext cx="1539980" cy="261610"/>
+          </a:xfrm>
+          <a:prstGeom prst="rect">
+            <a:avLst/>
+          </a:prstGeom>
+          <a:noFill/>
+        </p:spPr>
+        <p:txBody>
+          <a:bodyPr wrap="square" rtlCol="0">
+            <a:spAutoFit/>
+          </a:bodyPr>
+          <a:lstStyle/>
+          <a:p>
+            <a:r>
+              <a:rPr lang="en-US" altLang="ko-KR" sz="1100" b="1">
+                <a:solidFill>
+                  <a:srgbClr val="00B0F0"/>
+                </a:solidFill>
+              </a:rPr>
+              <a:t>Control FLOW</a:t>
+            </a:r>
+            <a:endParaRPr lang="ko-KR" altLang="en-US" sz="1100" b="1">
+              <a:solidFill>
+                <a:srgbClr val="00B0F0"/>
+              </a:solidFill>
+            </a:endParaRPr>
+          </a:p>
+        </p:txBody>
+      </p:sp>
+      <p:cxnSp>
+        <p:nvCxnSpPr>
+          <p:cNvPr id="60" name="직선 연결선 59">
+            <a:extLst>
+              <a:ext uri="{FF2B5EF4-FFF2-40B4-BE49-F238E27FC236}">
+                <a16:creationId xmlns:a16="http://schemas.microsoft.com/office/drawing/2014/main" id="{27E8D313-428C-577F-EE13-4619878EEFD4}"/>
+              </a:ext>
+            </a:extLst>
+          </p:cNvPr>
+          <p:cNvCxnSpPr>
+            <a:cxnSpLocks/>
+          </p:cNvCxnSpPr>
+          <p:nvPr/>
+        </p:nvCxnSpPr>
+        <p:spPr>
+          <a:xfrm flipV="1">
+            <a:off x="5877610" y="2753871"/>
+            <a:ext cx="0" cy="557537"/>
+          </a:xfrm>
+          <a:prstGeom prst="line">
+            <a:avLst/>
+          </a:prstGeom>
+          <a:ln w="28575">
+            <a:solidFill>
+              <a:schemeClr val="tx1"/>
+            </a:solidFill>
+          </a:ln>
+        </p:spPr>
+        <p:style>
+          <a:lnRef idx="1">
+            <a:schemeClr val="accent1"/>
+          </a:lnRef>
+          <a:fillRef idx="0">
+            <a:schemeClr val="accent1"/>
+          </a:fillRef>
+          <a:effectRef idx="0">
+            <a:schemeClr val="accent1"/>
+          </a:effectRef>
+          <a:fontRef idx="minor">
+            <a:schemeClr val="tx1"/>
+          </a:fontRef>
+        </p:style>
+      </p:cxnSp>
+      <p:cxnSp>
+        <p:nvCxnSpPr>
+          <p:cNvPr id="69" name="직선 화살표 연결선 68">
+            <a:extLst>
+              <a:ext uri="{FF2B5EF4-FFF2-40B4-BE49-F238E27FC236}">
+                <a16:creationId xmlns:a16="http://schemas.microsoft.com/office/drawing/2014/main" id="{E0B0225F-46E7-3EDF-8DCA-161B1024E015}"/>
+              </a:ext>
+            </a:extLst>
+          </p:cNvPr>
+          <p:cNvCxnSpPr>
+            <a:cxnSpLocks/>
+          </p:cNvCxnSpPr>
+          <p:nvPr/>
+        </p:nvCxnSpPr>
+        <p:spPr>
+          <a:xfrm>
+            <a:off x="4015951" y="3772948"/>
+            <a:ext cx="210352" cy="0"/>
+          </a:xfrm>
+          <a:prstGeom prst="straightConnector1">
+            <a:avLst/>
+          </a:prstGeom>
+          <a:ln w="28575">
+            <a:solidFill>
+              <a:srgbClr val="FF0000"/>
+            </a:solidFill>
+            <a:tailEnd type="triangle"/>
+          </a:ln>
+        </p:spPr>
+        <p:style>
+          <a:lnRef idx="1">
+            <a:schemeClr val="accent1"/>
+          </a:lnRef>
+          <a:fillRef idx="0">
+            <a:schemeClr val="accent1"/>
+          </a:fillRef>
+          <a:effectRef idx="0">
+            <a:schemeClr val="accent1"/>
+          </a:effectRef>
+          <a:fontRef idx="minor">
+            <a:schemeClr val="tx1"/>
+          </a:fontRef>
+        </p:style>
+      </p:cxnSp>
+      <p:cxnSp>
+        <p:nvCxnSpPr>
+          <p:cNvPr id="72" name="직선 화살표 연결선 71">
+            <a:extLst>
+              <a:ext uri="{FF2B5EF4-FFF2-40B4-BE49-F238E27FC236}">
+                <a16:creationId xmlns:a16="http://schemas.microsoft.com/office/drawing/2014/main" id="{76660F01-9DB1-95D0-979F-E15910305853}"/>
+              </a:ext>
+            </a:extLst>
+          </p:cNvPr>
+          <p:cNvCxnSpPr>
+            <a:cxnSpLocks/>
+          </p:cNvCxnSpPr>
+          <p:nvPr/>
+        </p:nvCxnSpPr>
+        <p:spPr>
+          <a:xfrm>
+            <a:off x="6639406" y="3751642"/>
+            <a:ext cx="210352" cy="0"/>
+          </a:xfrm>
+          <a:prstGeom prst="straightConnector1">
+            <a:avLst/>
+          </a:prstGeom>
+          <a:ln w="28575">
+            <a:solidFill>
+              <a:srgbClr val="FF0000"/>
+            </a:solidFill>
+            <a:tailEnd type="triangle"/>
+          </a:ln>
+        </p:spPr>
+        <p:style>
+          <a:lnRef idx="1">
+            <a:schemeClr val="accent1"/>
+          </a:lnRef>
+          <a:fillRef idx="0">
+            <a:schemeClr val="accent1"/>
+          </a:fillRef>
+          <a:effectRef idx="0">
+            <a:schemeClr val="accent1"/>
+          </a:effectRef>
+          <a:fontRef idx="minor">
+            <a:schemeClr val="tx1"/>
+          </a:fontRef>
+        </p:style>
+      </p:cxnSp>
+      <p:sp>
+        <p:nvSpPr>
+          <p:cNvPr id="89" name="직사각형 88">
+            <a:extLst>
+              <a:ext uri="{FF2B5EF4-FFF2-40B4-BE49-F238E27FC236}">
+                <a16:creationId xmlns:a16="http://schemas.microsoft.com/office/drawing/2014/main" id="{53B41294-AF68-DE2C-939B-45871DB93F13}"/>
+              </a:ext>
+            </a:extLst>
+          </p:cNvPr>
+          <p:cNvSpPr/>
+          <p:nvPr/>
+        </p:nvSpPr>
+        <p:spPr>
+          <a:xfrm>
+            <a:off x="9483528" y="4385249"/>
+            <a:ext cx="951290" cy="2149821"/>
+          </a:xfrm>
+          <a:prstGeom prst="rect">
+            <a:avLst/>
+          </a:prstGeom>
+          <a:solidFill>
+            <a:schemeClr val="bg1"/>
+          </a:solidFill>
+          <a:ln w="28575">
+            <a:solidFill>
+              <a:schemeClr val="tx1"/>
+            </a:solidFill>
+          </a:ln>
+        </p:spPr>
+        <p:style>
+          <a:lnRef idx="2">
+            <a:schemeClr val="accent1">
+              <a:shade val="50000"/>
+            </a:schemeClr>
+          </a:lnRef>
+          <a:fillRef idx="1">
+            <a:schemeClr val="accent1"/>
+          </a:fillRef>
+          <a:effectRef idx="0">
+            <a:schemeClr val="accent1"/>
+          </a:effectRef>
+          <a:fontRef idx="minor">
+            <a:schemeClr val="lt1"/>
+          </a:fontRef>
+        </p:style>
+        <p:txBody>
+          <a:bodyPr rtlCol="0" anchor="ctr"/>
+          <a:lstStyle/>
+          <a:p>
+            <a:pPr algn="ctr"/>
+            <a:endParaRPr lang="ko-KR" altLang="en-US" b="1">
+              <a:solidFill>
+                <a:schemeClr val="tx1"/>
+              </a:solidFill>
+            </a:endParaRPr>
+          </a:p>
+        </p:txBody>
+      </p:sp>
+      <p:sp>
+        <p:nvSpPr>
+          <p:cNvPr id="95" name="TextBox 94">
+            <a:extLst>
+              <a:ext uri="{FF2B5EF4-FFF2-40B4-BE49-F238E27FC236}">
+                <a16:creationId xmlns:a16="http://schemas.microsoft.com/office/drawing/2014/main" id="{D3542D67-32EA-78B4-E3A6-5D69CAAFB36F}"/>
+              </a:ext>
+            </a:extLst>
+          </p:cNvPr>
+          <p:cNvSpPr txBox="1"/>
+          <p:nvPr/>
+        </p:nvSpPr>
+        <p:spPr>
+          <a:xfrm>
+            <a:off x="9009236" y="6502285"/>
+            <a:ext cx="1320800" cy="307777"/>
+          </a:xfrm>
+          <a:prstGeom prst="rect">
+            <a:avLst/>
+          </a:prstGeom>
+          <a:noFill/>
+        </p:spPr>
+        <p:txBody>
+          <a:bodyPr wrap="square">
+            <a:spAutoFit/>
+          </a:bodyPr>
+          <a:lstStyle/>
+          <a:p>
+            <a:pPr algn="ctr"/>
+            <a:r>
+              <a:rPr lang="en-US" altLang="ko-KR" sz="1400" b="1">
+                <a:solidFill>
+                  <a:schemeClr val="tx1"/>
+                </a:solidFill>
+              </a:rPr>
+              <a:t>VGA_PORT</a:t>
+            </a:r>
+            <a:endParaRPr lang="ko-KR" altLang="en-US" sz="1400" b="1">
+              <a:solidFill>
+                <a:schemeClr val="tx1"/>
+              </a:solidFill>
+            </a:endParaRPr>
+          </a:p>
+        </p:txBody>
+      </p:sp>
+      <p:pic>
+        <p:nvPicPr>
+          <p:cNvPr id="98" name="그래픽 97" descr="모니터 단색으로 채워진">
+            <a:extLst>
+              <a:ext uri="{FF2B5EF4-FFF2-40B4-BE49-F238E27FC236}">
+                <a16:creationId xmlns:a16="http://schemas.microsoft.com/office/drawing/2014/main" id="{68289E9E-0834-499C-4AC8-99FC5693F94C}"/>
+              </a:ext>
+            </a:extLst>
+          </p:cNvPr>
+          <p:cNvPicPr>
+            <a:picLocks noChangeAspect="1"/>
+          </p:cNvPicPr>
+          <p:nvPr/>
+        </p:nvPicPr>
+        <p:blipFill>
+          <a:blip r:embed="rId3">
+            <a:extLst>
+              <a:ext uri="{28A0092B-C50C-407E-A947-70E740481C1C}">
+                <a14:useLocalDpi xmlns:a14="http://schemas.microsoft.com/office/drawing/2010/main" val="0"/>
+              </a:ext>
+              <a:ext uri="{96DAC541-7B7A-43D3-8B79-37D633B846F1}">
+                <asvg:svgBlip xmlns:asvg="http://schemas.microsoft.com/office/drawing/2016/SVG/main" r:embed="rId4"/>
+              </a:ext>
+            </a:extLst>
+          </a:blip>
+          <a:stretch>
+            <a:fillRect/>
+          </a:stretch>
+        </p:blipFill>
+        <p:spPr>
+          <a:xfrm>
+            <a:off x="10786179" y="4725184"/>
+            <a:ext cx="1537250" cy="1537250"/>
+          </a:xfrm>
+          <a:prstGeom prst="rect">
+            <a:avLst/>
+          </a:prstGeom>
+        </p:spPr>
+      </p:pic>
+      <p:cxnSp>
+        <p:nvCxnSpPr>
+          <p:cNvPr id="104" name="직선 연결선 103">
+            <a:extLst>
+              <a:ext uri="{FF2B5EF4-FFF2-40B4-BE49-F238E27FC236}">
+                <a16:creationId xmlns:a16="http://schemas.microsoft.com/office/drawing/2014/main" id="{39F3850C-0560-7A2E-62A6-83A0A3B0F471}"/>
+              </a:ext>
+            </a:extLst>
+          </p:cNvPr>
+          <p:cNvCxnSpPr>
+            <a:cxnSpLocks/>
+          </p:cNvCxnSpPr>
+          <p:nvPr/>
+        </p:nvCxnSpPr>
+        <p:spPr>
+          <a:xfrm>
+            <a:off x="10410336" y="5460011"/>
+            <a:ext cx="501504" cy="0"/>
+          </a:xfrm>
+          <a:prstGeom prst="line">
+            <a:avLst/>
+          </a:prstGeom>
+          <a:ln w="28575">
+            <a:solidFill>
+              <a:srgbClr val="FF0000"/>
+            </a:solidFill>
+          </a:ln>
+        </p:spPr>
+        <p:style>
+          <a:lnRef idx="1">
+            <a:schemeClr val="accent1"/>
+          </a:lnRef>
+          <a:fillRef idx="0">
+            <a:schemeClr val="accent1"/>
+          </a:fillRef>
+          <a:effectRef idx="0">
+            <a:schemeClr val="accent1"/>
+          </a:effectRef>
+          <a:fontRef idx="minor">
+            <a:schemeClr val="tx1"/>
+          </a:fontRef>
+        </p:style>
+      </p:cxnSp>
+      <p:cxnSp>
+        <p:nvCxnSpPr>
+          <p:cNvPr id="111" name="직선 화살표 연결선 110">
+            <a:extLst>
+              <a:ext uri="{FF2B5EF4-FFF2-40B4-BE49-F238E27FC236}">
+                <a16:creationId xmlns:a16="http://schemas.microsoft.com/office/drawing/2014/main" id="{0F2A2669-6891-36AB-6329-6ECCA6A4D2A1}"/>
+              </a:ext>
+            </a:extLst>
+          </p:cNvPr>
+          <p:cNvCxnSpPr>
+            <a:cxnSpLocks/>
+          </p:cNvCxnSpPr>
+          <p:nvPr/>
+        </p:nvCxnSpPr>
+        <p:spPr>
+          <a:xfrm>
+            <a:off x="10483801" y="5329489"/>
+            <a:ext cx="457080" cy="0"/>
+          </a:xfrm>
+          <a:prstGeom prst="straightConnector1">
+            <a:avLst/>
+          </a:prstGeom>
+          <a:ln w="57150">
+            <a:solidFill>
+              <a:srgbClr val="FF0000"/>
+            </a:solidFill>
+            <a:tailEnd type="triangle"/>
+          </a:ln>
+        </p:spPr>
+        <p:style>
+          <a:lnRef idx="1">
+            <a:schemeClr val="accent1"/>
+          </a:lnRef>
+          <a:fillRef idx="0">
+            <a:schemeClr val="accent1"/>
+          </a:fillRef>
+          <a:effectRef idx="0">
+            <a:schemeClr val="accent1"/>
+          </a:effectRef>
+          <a:fontRef idx="minor">
+            <a:schemeClr val="tx1"/>
+          </a:fontRef>
+        </p:style>
+      </p:cxnSp>
+      <p:sp>
+        <p:nvSpPr>
+          <p:cNvPr id="118" name="TextBox 117">
+            <a:extLst>
+              <a:ext uri="{FF2B5EF4-FFF2-40B4-BE49-F238E27FC236}">
+                <a16:creationId xmlns:a16="http://schemas.microsoft.com/office/drawing/2014/main" id="{D995481E-CB5E-6BE4-B308-BDA4F714CF78}"/>
+              </a:ext>
+            </a:extLst>
+          </p:cNvPr>
+          <p:cNvSpPr txBox="1"/>
+          <p:nvPr/>
+        </p:nvSpPr>
+        <p:spPr>
+          <a:xfrm>
+            <a:off x="10871200" y="5189553"/>
+            <a:ext cx="1320800" cy="461665"/>
+          </a:xfrm>
+          <a:prstGeom prst="rect">
+            <a:avLst/>
+          </a:prstGeom>
+          <a:noFill/>
+        </p:spPr>
+        <p:txBody>
+          <a:bodyPr wrap="square">
+            <a:spAutoFit/>
+          </a:bodyPr>
+          <a:lstStyle/>
+          <a:p>
+            <a:pPr algn="ctr"/>
+            <a:r>
+              <a:rPr lang="en-US" altLang="ko-KR" sz="2400" b="1">
+                <a:solidFill>
+                  <a:schemeClr val="tx1"/>
+                </a:solidFill>
+              </a:rPr>
+              <a:t>VGA</a:t>
+            </a:r>
+            <a:endParaRPr lang="ko-KR" altLang="en-US" sz="2400" b="1">
+              <a:solidFill>
+                <a:schemeClr val="tx1"/>
+              </a:solidFill>
+            </a:endParaRPr>
+          </a:p>
+        </p:txBody>
+      </p:sp>
+      <p:pic>
+        <p:nvPicPr>
+          <p:cNvPr id="1028" name="Picture 4" descr="On 및 Off 위치. 스위치 벡터 일러스트 레이 션. 로열티 무료 사진, 그림, 이미지 그리고 스톡포토그래피. Image  36790697.">
+            <a:extLst>
+              <a:ext uri="{FF2B5EF4-FFF2-40B4-BE49-F238E27FC236}">
+                <a16:creationId xmlns:a16="http://schemas.microsoft.com/office/drawing/2014/main" id="{9E6D593D-EBBA-83D3-B703-04BEFEE9FF32}"/>
+              </a:ext>
+            </a:extLst>
+          </p:cNvPr>
+          <p:cNvPicPr>
+            <a:picLocks noChangeAspect="1" noChangeArrowheads="1"/>
+          </p:cNvPicPr>
+          <p:nvPr/>
+        </p:nvPicPr>
+        <p:blipFill>
+          <a:blip r:embed="rId5">
+            <a:extLst>
+              <a:ext uri="{28A0092B-C50C-407E-A947-70E740481C1C}">
+                <a14:useLocalDpi xmlns:a14="http://schemas.microsoft.com/office/drawing/2010/main" val="0"/>
+              </a:ext>
+            </a:extLst>
+          </a:blip>
+          <a:srcRect/>
+          <a:stretch>
+            <a:fillRect/>
+          </a:stretch>
+        </p:blipFill>
+        <p:spPr bwMode="auto">
+          <a:xfrm>
+            <a:off x="195427" y="470286"/>
+            <a:ext cx="1041715" cy="1094039"/>
+          </a:xfrm>
+          <a:prstGeom prst="rect">
+            <a:avLst/>
+          </a:prstGeom>
+          <a:noFill/>
+          <a:extLst>
+            <a:ext uri="{909E8E84-426E-40DD-AFC4-6F175D3DCCD1}">
+              <a14:hiddenFill xmlns:a14="http://schemas.microsoft.com/office/drawing/2010/main">
+                <a:solidFill>
+                  <a:srgbClr val="FFFFFF"/>
+                </a:solidFill>
+              </a14:hiddenFill>
+            </a:ext>
+          </a:extLst>
+        </p:spPr>
+      </p:pic>
+      <p:sp>
+        <p:nvSpPr>
+          <p:cNvPr id="123" name="TextBox 122">
+            <a:extLst>
+              <a:ext uri="{FF2B5EF4-FFF2-40B4-BE49-F238E27FC236}">
+                <a16:creationId xmlns:a16="http://schemas.microsoft.com/office/drawing/2014/main" id="{DF30615F-8D40-18EC-5780-1023150FE087}"/>
+              </a:ext>
+            </a:extLst>
+          </p:cNvPr>
+          <p:cNvSpPr txBox="1"/>
+          <p:nvPr/>
+        </p:nvSpPr>
+        <p:spPr>
+          <a:xfrm>
+            <a:off x="36415" y="202868"/>
+            <a:ext cx="1320800" cy="369332"/>
+          </a:xfrm>
+          <a:prstGeom prst="rect">
+            <a:avLst/>
+          </a:prstGeom>
+          <a:noFill/>
+        </p:spPr>
+        <p:txBody>
+          <a:bodyPr wrap="square">
+            <a:spAutoFit/>
+          </a:bodyPr>
+          <a:lstStyle/>
+          <a:p>
+            <a:pPr algn="ctr"/>
+            <a:r>
+              <a:rPr lang="en-US" altLang="ko-KR" b="1">
+                <a:solidFill>
+                  <a:schemeClr val="tx1"/>
+                </a:solidFill>
+              </a:rPr>
+              <a:t>Switch</a:t>
+            </a:r>
+            <a:endParaRPr lang="ko-KR" altLang="en-US" b="1">
+              <a:solidFill>
+                <a:schemeClr val="tx1"/>
+              </a:solidFill>
+            </a:endParaRPr>
+          </a:p>
+        </p:txBody>
+      </p:sp>
+      <p:pic>
+        <p:nvPicPr>
+          <p:cNvPr id="128" name="그래픽 127" descr="이미지 단색으로 채워진">
+            <a:extLst>
+              <a:ext uri="{FF2B5EF4-FFF2-40B4-BE49-F238E27FC236}">
+                <a16:creationId xmlns:a16="http://schemas.microsoft.com/office/drawing/2014/main" id="{8A7D5418-AAF2-D6E8-04A7-D1F9D2E45DCC}"/>
+              </a:ext>
+            </a:extLst>
+          </p:cNvPr>
+          <p:cNvPicPr>
+            <a:picLocks noChangeAspect="1"/>
+          </p:cNvPicPr>
+          <p:nvPr/>
+        </p:nvPicPr>
+        <p:blipFill>
+          <a:blip r:embed="rId6">
+            <a:extLst>
+              <a:ext uri="{28A0092B-C50C-407E-A947-70E740481C1C}">
+                <a14:useLocalDpi xmlns:a14="http://schemas.microsoft.com/office/drawing/2010/main" val="0"/>
+              </a:ext>
+              <a:ext uri="{96DAC541-7B7A-43D3-8B79-37D633B846F1}">
+                <asvg:svgBlip xmlns:asvg="http://schemas.microsoft.com/office/drawing/2016/SVG/main" r:embed="rId7"/>
+              </a:ext>
+            </a:extLst>
+          </a:blip>
+          <a:stretch>
+            <a:fillRect/>
+          </a:stretch>
+        </p:blipFill>
+        <p:spPr>
+          <a:xfrm>
+            <a:off x="269634" y="3420562"/>
+            <a:ext cx="785025" cy="785025"/>
+          </a:xfrm>
+          <a:prstGeom prst="rect">
+            <a:avLst/>
+          </a:prstGeom>
+        </p:spPr>
+      </p:pic>
+      <p:cxnSp>
+        <p:nvCxnSpPr>
+          <p:cNvPr id="131" name="직선 연결선 130">
+            <a:extLst>
+              <a:ext uri="{FF2B5EF4-FFF2-40B4-BE49-F238E27FC236}">
+                <a16:creationId xmlns:a16="http://schemas.microsoft.com/office/drawing/2014/main" id="{DD4B5165-A89D-F8DE-6406-A5675B55CF2F}"/>
+              </a:ext>
+            </a:extLst>
+          </p:cNvPr>
+          <p:cNvCxnSpPr>
+            <a:cxnSpLocks/>
+          </p:cNvCxnSpPr>
+          <p:nvPr/>
+        </p:nvCxnSpPr>
+        <p:spPr>
+          <a:xfrm flipV="1">
+            <a:off x="1563197" y="1115060"/>
+            <a:ext cx="0" cy="1159109"/>
+          </a:xfrm>
+          <a:prstGeom prst="line">
+            <a:avLst/>
+          </a:prstGeom>
+          <a:ln w="28575">
+            <a:solidFill>
+              <a:schemeClr val="tx1"/>
+            </a:solidFill>
+          </a:ln>
+        </p:spPr>
+        <p:style>
+          <a:lnRef idx="1">
+            <a:schemeClr val="accent1"/>
+          </a:lnRef>
+          <a:fillRef idx="0">
+            <a:schemeClr val="accent1"/>
+          </a:fillRef>
+          <a:effectRef idx="0">
+            <a:schemeClr val="accent1"/>
+          </a:effectRef>
+          <a:fontRef idx="minor">
+            <a:schemeClr val="tx1"/>
+          </a:fontRef>
+        </p:style>
+      </p:cxnSp>
+      <p:cxnSp>
+        <p:nvCxnSpPr>
+          <p:cNvPr id="134" name="직선 연결선 133">
+            <a:extLst>
+              <a:ext uri="{FF2B5EF4-FFF2-40B4-BE49-F238E27FC236}">
+                <a16:creationId xmlns:a16="http://schemas.microsoft.com/office/drawing/2014/main" id="{9B10EAD7-874B-43B4-02A7-0FD469884FB2}"/>
+              </a:ext>
+            </a:extLst>
+          </p:cNvPr>
+          <p:cNvCxnSpPr>
+            <a:cxnSpLocks/>
+          </p:cNvCxnSpPr>
+          <p:nvPr/>
+        </p:nvCxnSpPr>
+        <p:spPr>
+          <a:xfrm>
+            <a:off x="1273072" y="1132907"/>
+            <a:ext cx="292725" cy="0"/>
+          </a:xfrm>
+          <a:prstGeom prst="line">
+            <a:avLst/>
+          </a:prstGeom>
+          <a:ln w="28575">
+            <a:solidFill>
+              <a:schemeClr val="tx1"/>
+            </a:solidFill>
+          </a:ln>
+        </p:spPr>
+        <p:style>
+          <a:lnRef idx="1">
+            <a:schemeClr val="accent1"/>
+          </a:lnRef>
+          <a:fillRef idx="0">
+            <a:schemeClr val="accent1"/>
+          </a:fillRef>
+          <a:effectRef idx="0">
+            <a:schemeClr val="accent1"/>
+          </a:effectRef>
+          <a:fontRef idx="minor">
+            <a:schemeClr val="tx1"/>
+          </a:fontRef>
+        </p:style>
+      </p:cxnSp>
+      <p:pic>
+        <p:nvPicPr>
+          <p:cNvPr id="140" name="그래픽 139" descr="알람 울림 윤곽선">
+            <a:extLst>
+              <a:ext uri="{FF2B5EF4-FFF2-40B4-BE49-F238E27FC236}">
+                <a16:creationId xmlns:a16="http://schemas.microsoft.com/office/drawing/2014/main" id="{3D3CC670-2D4A-9E25-B835-8339C42D7B0B}"/>
+              </a:ext>
+            </a:extLst>
+          </p:cNvPr>
+          <p:cNvPicPr>
+            <a:picLocks noChangeAspect="1"/>
+          </p:cNvPicPr>
+          <p:nvPr/>
+        </p:nvPicPr>
+        <p:blipFill>
+          <a:blip r:embed="rId8">
+            <a:extLst>
+              <a:ext uri="{28A0092B-C50C-407E-A947-70E740481C1C}">
+                <a14:useLocalDpi xmlns:a14="http://schemas.microsoft.com/office/drawing/2010/main" val="0"/>
+              </a:ext>
+              <a:ext uri="{96DAC541-7B7A-43D3-8B79-37D633B846F1}">
+                <asvg:svgBlip xmlns:asvg="http://schemas.microsoft.com/office/drawing/2016/SVG/main" r:embed="rId9"/>
+              </a:ext>
+            </a:extLst>
+          </a:blip>
+          <a:stretch>
+            <a:fillRect/>
+          </a:stretch>
+        </p:blipFill>
+        <p:spPr>
+          <a:xfrm>
+            <a:off x="6136679" y="649270"/>
+            <a:ext cx="727465" cy="727465"/>
+          </a:xfrm>
+          <a:prstGeom prst="rect">
+            <a:avLst/>
+          </a:prstGeom>
+        </p:spPr>
+      </p:pic>
+      <p:pic>
+        <p:nvPicPr>
+          <p:cNvPr id="1030" name="Picture 6" descr="전자부품/전자공구/개발보드 전문쇼핑몰 - 툴파츠">
+            <a:extLst>
+              <a:ext uri="{FF2B5EF4-FFF2-40B4-BE49-F238E27FC236}">
+                <a16:creationId xmlns:a16="http://schemas.microsoft.com/office/drawing/2014/main" id="{F3A185CF-FDAA-AEC8-79FB-FA1EA7BF6BA8}"/>
+              </a:ext>
+            </a:extLst>
+          </p:cNvPr>
+          <p:cNvPicPr>
+            <a:picLocks noChangeAspect="1" noChangeArrowheads="1"/>
+          </p:cNvPicPr>
+          <p:nvPr/>
+        </p:nvPicPr>
+        <p:blipFill rotWithShape="1">
+          <a:blip r:embed="rId10">
+            <a:extLst>
+              <a:ext uri="{28A0092B-C50C-407E-A947-70E740481C1C}">
+                <a14:useLocalDpi xmlns:a14="http://schemas.microsoft.com/office/drawing/2010/main" val="0"/>
+              </a:ext>
+            </a:extLst>
+          </a:blip>
+          <a:srcRect l="10106" t="29341" r="9894" b="31278"/>
+          <a:stretch/>
+        </p:blipFill>
+        <p:spPr bwMode="auto">
+          <a:xfrm>
+            <a:off x="10772566" y="2095546"/>
+            <a:ext cx="1330830" cy="490710"/>
+          </a:xfrm>
+          <a:prstGeom prst="rect">
+            <a:avLst/>
+          </a:prstGeom>
+          <a:noFill/>
+          <a:extLst>
+            <a:ext uri="{909E8E84-426E-40DD-AFC4-6F175D3DCCD1}">
+              <a14:hiddenFill xmlns:a14="http://schemas.microsoft.com/office/drawing/2010/main">
+                <a:solidFill>
+                  <a:srgbClr val="FFFFFF"/>
+                </a:solidFill>
+              </a14:hiddenFill>
+            </a:ext>
+          </a:extLst>
+        </p:spPr>
+      </p:pic>
+      <p:pic>
+        <p:nvPicPr>
+          <p:cNvPr id="1032" name="Picture 8" descr="Led PNG, 일러스트, PSD 및 클립 아트에 대한 무료 다운로드 | Pngtree">
+            <a:extLst>
+              <a:ext uri="{FF2B5EF4-FFF2-40B4-BE49-F238E27FC236}">
+                <a16:creationId xmlns:a16="http://schemas.microsoft.com/office/drawing/2014/main" id="{DA3BEF41-82EF-B691-B6B7-F00EB3ECA083}"/>
+              </a:ext>
+            </a:extLst>
+          </p:cNvPr>
+          <p:cNvPicPr>
+            <a:picLocks noChangeAspect="1" noChangeArrowheads="1"/>
+          </p:cNvPicPr>
+          <p:nvPr/>
+        </p:nvPicPr>
+        <p:blipFill>
+          <a:blip r:embed="rId11">
+            <a:extLst>
+              <a:ext uri="{28A0092B-C50C-407E-A947-70E740481C1C}">
+                <a14:useLocalDpi xmlns:a14="http://schemas.microsoft.com/office/drawing/2010/main" val="0"/>
+              </a:ext>
+            </a:extLst>
+          </a:blip>
+          <a:srcRect/>
+          <a:stretch>
+            <a:fillRect/>
+          </a:stretch>
+        </p:blipFill>
+        <p:spPr bwMode="auto">
+          <a:xfrm>
+            <a:off x="3515826" y="537710"/>
+            <a:ext cx="928031" cy="928031"/>
+          </a:xfrm>
+          <a:prstGeom prst="rect">
+            <a:avLst/>
+          </a:prstGeom>
+          <a:noFill/>
+          <a:extLst>
+            <a:ext uri="{909E8E84-426E-40DD-AFC4-6F175D3DCCD1}">
+              <a14:hiddenFill xmlns:a14="http://schemas.microsoft.com/office/drawing/2010/main">
+                <a:solidFill>
+                  <a:srgbClr val="FFFFFF"/>
+                </a:solidFill>
+              </a14:hiddenFill>
+            </a:ext>
+          </a:extLst>
+        </p:spPr>
+      </p:pic>
+      <p:sp>
+        <p:nvSpPr>
+          <p:cNvPr id="141" name="직사각형 140">
+            <a:extLst>
+              <a:ext uri="{FF2B5EF4-FFF2-40B4-BE49-F238E27FC236}">
+                <a16:creationId xmlns:a16="http://schemas.microsoft.com/office/drawing/2014/main" id="{CE9E66C9-EE1A-5C94-1AF8-778834D0182A}"/>
+              </a:ext>
+            </a:extLst>
+          </p:cNvPr>
+          <p:cNvSpPr/>
+          <p:nvPr/>
+        </p:nvSpPr>
+        <p:spPr>
+          <a:xfrm>
+            <a:off x="9154401" y="1958853"/>
+            <a:ext cx="951290" cy="784883"/>
+          </a:xfrm>
+          <a:prstGeom prst="rect">
+            <a:avLst/>
+          </a:prstGeom>
+          <a:solidFill>
+            <a:schemeClr val="bg1"/>
+          </a:solidFill>
+          <a:ln w="28575">
+            <a:solidFill>
+              <a:schemeClr val="tx1"/>
+            </a:solidFill>
+          </a:ln>
+        </p:spPr>
+        <p:style>
+          <a:lnRef idx="2">
+            <a:schemeClr val="accent1">
+              <a:shade val="50000"/>
+            </a:schemeClr>
+          </a:lnRef>
+          <a:fillRef idx="1">
+            <a:schemeClr val="accent1"/>
+          </a:fillRef>
+          <a:effectRef idx="0">
+            <a:schemeClr val="accent1"/>
+          </a:effectRef>
+          <a:fontRef idx="minor">
+            <a:schemeClr val="lt1"/>
+          </a:fontRef>
+        </p:style>
+        <p:txBody>
+          <a:bodyPr rtlCol="0" anchor="ctr"/>
+          <a:lstStyle/>
+          <a:p>
+            <a:pPr algn="ctr"/>
+            <a:endParaRPr lang="ko-KR" altLang="en-US" b="1">
+              <a:solidFill>
+                <a:schemeClr val="tx1"/>
+              </a:solidFill>
+            </a:endParaRPr>
+          </a:p>
+        </p:txBody>
+      </p:sp>
+      <p:sp>
+        <p:nvSpPr>
+          <p:cNvPr id="143" name="TextBox 142">
+            <a:extLst>
+              <a:ext uri="{FF2B5EF4-FFF2-40B4-BE49-F238E27FC236}">
+                <a16:creationId xmlns:a16="http://schemas.microsoft.com/office/drawing/2014/main" id="{9AF33031-1BA1-4A4D-D22E-7493BE174EA8}"/>
+              </a:ext>
+            </a:extLst>
+          </p:cNvPr>
+          <p:cNvSpPr txBox="1"/>
+          <p:nvPr/>
+        </p:nvSpPr>
+        <p:spPr>
+          <a:xfrm>
+            <a:off x="8935343" y="2760444"/>
+            <a:ext cx="1320800" cy="261610"/>
+          </a:xfrm>
+          <a:prstGeom prst="rect">
+            <a:avLst/>
+          </a:prstGeom>
+          <a:noFill/>
+        </p:spPr>
+        <p:txBody>
+          <a:bodyPr wrap="square">
+            <a:spAutoFit/>
+          </a:bodyPr>
+          <a:lstStyle/>
+          <a:p>
+            <a:pPr algn="ctr"/>
+            <a:r>
+              <a:rPr lang="en-US" altLang="ko-KR" sz="1100" b="1"/>
+              <a:t>N_segment_port</a:t>
+            </a:r>
+            <a:endParaRPr lang="ko-KR" altLang="en-US" sz="1100" b="1">
+              <a:solidFill>
+                <a:schemeClr val="tx1"/>
+              </a:solidFill>
+            </a:endParaRPr>
+          </a:p>
+        </p:txBody>
+      </p:sp>
+      <p:sp>
+        <p:nvSpPr>
+          <p:cNvPr id="144" name="TextBox 143">
+            <a:extLst>
+              <a:ext uri="{FF2B5EF4-FFF2-40B4-BE49-F238E27FC236}">
+                <a16:creationId xmlns:a16="http://schemas.microsoft.com/office/drawing/2014/main" id="{681E53BB-4482-E5C0-BFB1-24247A7D7C21}"/>
+              </a:ext>
+            </a:extLst>
+          </p:cNvPr>
+          <p:cNvSpPr txBox="1"/>
+          <p:nvPr/>
+        </p:nvSpPr>
+        <p:spPr>
+          <a:xfrm>
+            <a:off x="10712341" y="2735598"/>
+            <a:ext cx="1320800" cy="307777"/>
+          </a:xfrm>
+          <a:prstGeom prst="rect">
+            <a:avLst/>
+          </a:prstGeom>
+          <a:noFill/>
+        </p:spPr>
+        <p:txBody>
+          <a:bodyPr wrap="square">
+            <a:spAutoFit/>
+          </a:bodyPr>
+          <a:lstStyle/>
+          <a:p>
+            <a:pPr algn="ctr"/>
+            <a:r>
+              <a:rPr lang="en-US" altLang="ko-KR" sz="1400" b="1"/>
+              <a:t>7_segment</a:t>
+            </a:r>
+            <a:endParaRPr lang="ko-KR" altLang="en-US" sz="1400" b="1">
+              <a:solidFill>
+                <a:schemeClr val="tx1"/>
+              </a:solidFill>
+            </a:endParaRPr>
+          </a:p>
+        </p:txBody>
+      </p:sp>
+      <p:cxnSp>
+        <p:nvCxnSpPr>
+          <p:cNvPr id="145" name="직선 연결선 144">
+            <a:extLst>
+              <a:ext uri="{FF2B5EF4-FFF2-40B4-BE49-F238E27FC236}">
+                <a16:creationId xmlns:a16="http://schemas.microsoft.com/office/drawing/2014/main" id="{41517CBB-6499-9F28-0F56-4EDD05C833BF}"/>
+              </a:ext>
+            </a:extLst>
+          </p:cNvPr>
+          <p:cNvCxnSpPr>
+            <a:cxnSpLocks/>
+          </p:cNvCxnSpPr>
+          <p:nvPr/>
+        </p:nvCxnSpPr>
+        <p:spPr>
+          <a:xfrm>
+            <a:off x="8556474" y="2361228"/>
+            <a:ext cx="597927" cy="0"/>
+          </a:xfrm>
+          <a:prstGeom prst="line">
+            <a:avLst/>
+          </a:prstGeom>
+          <a:ln w="28575">
+            <a:solidFill>
+              <a:schemeClr val="tx1"/>
+            </a:solidFill>
+          </a:ln>
+        </p:spPr>
+        <p:style>
+          <a:lnRef idx="1">
+            <a:schemeClr val="accent1"/>
+          </a:lnRef>
+          <a:fillRef idx="0">
+            <a:schemeClr val="accent1"/>
+          </a:fillRef>
+          <a:effectRef idx="0">
+            <a:schemeClr val="accent1"/>
+          </a:effectRef>
+          <a:fontRef idx="minor">
+            <a:schemeClr val="tx1"/>
+          </a:fontRef>
+        </p:style>
+      </p:cxnSp>
+      <p:sp>
+        <p:nvSpPr>
+          <p:cNvPr id="153" name="TextBox 152">
+            <a:extLst>
+              <a:ext uri="{FF2B5EF4-FFF2-40B4-BE49-F238E27FC236}">
+                <a16:creationId xmlns:a16="http://schemas.microsoft.com/office/drawing/2014/main" id="{DCDD0A3B-09AB-7B3F-F855-5CEC671C31ED}"/>
+              </a:ext>
+            </a:extLst>
+          </p:cNvPr>
+          <p:cNvSpPr txBox="1"/>
+          <p:nvPr/>
+        </p:nvSpPr>
+        <p:spPr>
+          <a:xfrm>
+            <a:off x="7620974" y="2197038"/>
+            <a:ext cx="939036" cy="276999"/>
+          </a:xfrm>
+          <a:prstGeom prst="rect">
+            <a:avLst/>
+          </a:prstGeom>
+          <a:noFill/>
+        </p:spPr>
+        <p:txBody>
+          <a:bodyPr wrap="square">
+            <a:spAutoFit/>
+          </a:bodyPr>
+          <a:lstStyle/>
+          <a:p>
+            <a:r>
+              <a:rPr lang="en-US" altLang="ko-KR" sz="1200" b="1">
+                <a:solidFill>
+                  <a:schemeClr val="tx1"/>
+                </a:solidFill>
+              </a:rPr>
+              <a:t>seg_up_o</a:t>
+            </a:r>
+            <a:endParaRPr lang="ko-KR" altLang="en-US" sz="1200" b="1">
+              <a:solidFill>
+                <a:schemeClr val="tx1"/>
+              </a:solidFill>
+            </a:endParaRPr>
+          </a:p>
+        </p:txBody>
+      </p:sp>
+      <p:cxnSp>
+        <p:nvCxnSpPr>
+          <p:cNvPr id="175" name="직선 연결선 174">
+            <a:extLst>
+              <a:ext uri="{FF2B5EF4-FFF2-40B4-BE49-F238E27FC236}">
+                <a16:creationId xmlns:a16="http://schemas.microsoft.com/office/drawing/2014/main" id="{CA8FB146-2A01-BDA4-5DF8-FCAA699244C6}"/>
+              </a:ext>
+            </a:extLst>
+          </p:cNvPr>
+          <p:cNvCxnSpPr>
+            <a:cxnSpLocks/>
+          </p:cNvCxnSpPr>
+          <p:nvPr/>
+        </p:nvCxnSpPr>
+        <p:spPr>
+          <a:xfrm>
+            <a:off x="8620383" y="2280450"/>
+            <a:ext cx="172358" cy="0"/>
+          </a:xfrm>
+          <a:prstGeom prst="line">
+            <a:avLst/>
+          </a:prstGeom>
+          <a:ln w="38100">
+            <a:solidFill>
+              <a:srgbClr val="00B050"/>
+            </a:solidFill>
+          </a:ln>
+        </p:spPr>
+        <p:style>
+          <a:lnRef idx="1">
+            <a:schemeClr val="accent1"/>
+          </a:lnRef>
+          <a:fillRef idx="0">
+            <a:schemeClr val="accent1"/>
+          </a:fillRef>
+          <a:effectRef idx="0">
+            <a:schemeClr val="accent1"/>
+          </a:effectRef>
+          <a:fontRef idx="minor">
+            <a:schemeClr val="tx1"/>
+          </a:fontRef>
+        </p:style>
+      </p:cxnSp>
+      <p:cxnSp>
+        <p:nvCxnSpPr>
+          <p:cNvPr id="176" name="직선 연결선 175">
+            <a:extLst>
+              <a:ext uri="{FF2B5EF4-FFF2-40B4-BE49-F238E27FC236}">
+                <a16:creationId xmlns:a16="http://schemas.microsoft.com/office/drawing/2014/main" id="{E25B14AC-34EE-83A3-3D1D-FE392E424F93}"/>
+              </a:ext>
+            </a:extLst>
+          </p:cNvPr>
+          <p:cNvCxnSpPr>
+            <a:cxnSpLocks/>
+          </p:cNvCxnSpPr>
+          <p:nvPr/>
+        </p:nvCxnSpPr>
+        <p:spPr>
+          <a:xfrm flipV="1">
+            <a:off x="8776510" y="2120430"/>
+            <a:ext cx="0" cy="177800"/>
+          </a:xfrm>
+          <a:prstGeom prst="line">
+            <a:avLst/>
+          </a:prstGeom>
+          <a:ln w="38100">
+            <a:solidFill>
+              <a:srgbClr val="00B050"/>
+            </a:solidFill>
+          </a:ln>
+        </p:spPr>
+        <p:style>
+          <a:lnRef idx="1">
+            <a:schemeClr val="accent1"/>
+          </a:lnRef>
+          <a:fillRef idx="0">
+            <a:schemeClr val="accent1"/>
+          </a:fillRef>
+          <a:effectRef idx="0">
+            <a:schemeClr val="accent1"/>
+          </a:effectRef>
+          <a:fontRef idx="minor">
+            <a:schemeClr val="tx1"/>
+          </a:fontRef>
+        </p:style>
+      </p:cxnSp>
+      <p:cxnSp>
+        <p:nvCxnSpPr>
+          <p:cNvPr id="177" name="직선 연결선 176">
+            <a:extLst>
+              <a:ext uri="{FF2B5EF4-FFF2-40B4-BE49-F238E27FC236}">
+                <a16:creationId xmlns:a16="http://schemas.microsoft.com/office/drawing/2014/main" id="{8A45C632-5FB4-6B22-FA70-8F903DB9D991}"/>
+              </a:ext>
+            </a:extLst>
+          </p:cNvPr>
+          <p:cNvCxnSpPr>
+            <a:cxnSpLocks/>
+          </p:cNvCxnSpPr>
+          <p:nvPr/>
+        </p:nvCxnSpPr>
+        <p:spPr>
+          <a:xfrm flipV="1">
+            <a:off x="8924063" y="2120430"/>
+            <a:ext cx="0" cy="177800"/>
+          </a:xfrm>
+          <a:prstGeom prst="line">
+            <a:avLst/>
+          </a:prstGeom>
+          <a:ln w="38100">
+            <a:solidFill>
+              <a:srgbClr val="00B050"/>
+            </a:solidFill>
+          </a:ln>
+        </p:spPr>
+        <p:style>
+          <a:lnRef idx="1">
+            <a:schemeClr val="accent1"/>
+          </a:lnRef>
+          <a:fillRef idx="0">
+            <a:schemeClr val="accent1"/>
+          </a:fillRef>
+          <a:effectRef idx="0">
+            <a:schemeClr val="accent1"/>
+          </a:effectRef>
+          <a:fontRef idx="minor">
+            <a:schemeClr val="tx1"/>
+          </a:fontRef>
+        </p:style>
+      </p:cxnSp>
+      <p:cxnSp>
+        <p:nvCxnSpPr>
+          <p:cNvPr id="178" name="직선 연결선 177">
+            <a:extLst>
+              <a:ext uri="{FF2B5EF4-FFF2-40B4-BE49-F238E27FC236}">
+                <a16:creationId xmlns:a16="http://schemas.microsoft.com/office/drawing/2014/main" id="{FAEDD0A6-56BA-7723-F6C4-F84A040B69DC}"/>
+              </a:ext>
+            </a:extLst>
+          </p:cNvPr>
+          <p:cNvCxnSpPr>
+            <a:cxnSpLocks/>
+          </p:cNvCxnSpPr>
+          <p:nvPr/>
+        </p:nvCxnSpPr>
+        <p:spPr>
+          <a:xfrm>
+            <a:off x="8776510" y="2135670"/>
+            <a:ext cx="146547" cy="0"/>
+          </a:xfrm>
+          <a:prstGeom prst="line">
+            <a:avLst/>
+          </a:prstGeom>
+          <a:ln w="38100">
+            <a:solidFill>
+              <a:srgbClr val="00B050"/>
+            </a:solidFill>
+          </a:ln>
+        </p:spPr>
+        <p:style>
+          <a:lnRef idx="1">
+            <a:schemeClr val="accent1"/>
+          </a:lnRef>
+          <a:fillRef idx="0">
+            <a:schemeClr val="accent1"/>
+          </a:fillRef>
+          <a:effectRef idx="0">
+            <a:schemeClr val="accent1"/>
+          </a:effectRef>
+          <a:fontRef idx="minor">
+            <a:schemeClr val="tx1"/>
+          </a:fontRef>
+        </p:style>
+      </p:cxnSp>
+      <p:cxnSp>
+        <p:nvCxnSpPr>
+          <p:cNvPr id="179" name="직선 연결선 178">
+            <a:extLst>
+              <a:ext uri="{FF2B5EF4-FFF2-40B4-BE49-F238E27FC236}">
+                <a16:creationId xmlns:a16="http://schemas.microsoft.com/office/drawing/2014/main" id="{816EA40D-568D-FAD3-60E3-D171E5E4BADD}"/>
+              </a:ext>
+            </a:extLst>
+          </p:cNvPr>
+          <p:cNvCxnSpPr>
+            <a:cxnSpLocks/>
+          </p:cNvCxnSpPr>
+          <p:nvPr/>
+        </p:nvCxnSpPr>
+        <p:spPr>
+          <a:xfrm>
+            <a:off x="8923057" y="2280450"/>
+            <a:ext cx="172358" cy="0"/>
+          </a:xfrm>
+          <a:prstGeom prst="line">
+            <a:avLst/>
+          </a:prstGeom>
+          <a:ln w="38100">
+            <a:solidFill>
+              <a:srgbClr val="00B050"/>
+            </a:solidFill>
+          </a:ln>
+        </p:spPr>
+        <p:style>
+          <a:lnRef idx="1">
+            <a:schemeClr val="accent1"/>
+          </a:lnRef>
+          <a:fillRef idx="0">
+            <a:schemeClr val="accent1"/>
+          </a:fillRef>
+          <a:effectRef idx="0">
+            <a:schemeClr val="accent1"/>
+          </a:effectRef>
+          <a:fontRef idx="minor">
+            <a:schemeClr val="tx1"/>
+          </a:fontRef>
+        </p:style>
+      </p:cxnSp>
+      <p:cxnSp>
+        <p:nvCxnSpPr>
+          <p:cNvPr id="180" name="직선 연결선 179">
+            <a:extLst>
+              <a:ext uri="{FF2B5EF4-FFF2-40B4-BE49-F238E27FC236}">
+                <a16:creationId xmlns:a16="http://schemas.microsoft.com/office/drawing/2014/main" id="{066887CC-AAEC-BD49-8691-CB71B5B0F930}"/>
+              </a:ext>
+            </a:extLst>
+          </p:cNvPr>
+          <p:cNvCxnSpPr>
+            <a:cxnSpLocks/>
+          </p:cNvCxnSpPr>
+          <p:nvPr/>
+        </p:nvCxnSpPr>
+        <p:spPr>
+          <a:xfrm>
+            <a:off x="5877610" y="4376415"/>
+            <a:ext cx="288180" cy="0"/>
+          </a:xfrm>
+          <a:prstGeom prst="line">
+            <a:avLst/>
+          </a:prstGeom>
+          <a:ln w="38100">
+            <a:solidFill>
+              <a:srgbClr val="00B050"/>
+            </a:solidFill>
+          </a:ln>
+        </p:spPr>
+        <p:style>
+          <a:lnRef idx="1">
+            <a:schemeClr val="accent1"/>
+          </a:lnRef>
+          <a:fillRef idx="0">
+            <a:schemeClr val="accent1"/>
+          </a:fillRef>
+          <a:effectRef idx="0">
+            <a:schemeClr val="accent1"/>
+          </a:effectRef>
+          <a:fontRef idx="minor">
+            <a:schemeClr val="tx1"/>
+          </a:fontRef>
+        </p:style>
+      </p:cxnSp>
+      <p:cxnSp>
+        <p:nvCxnSpPr>
+          <p:cNvPr id="181" name="직선 연결선 180">
+            <a:extLst>
+              <a:ext uri="{FF2B5EF4-FFF2-40B4-BE49-F238E27FC236}">
+                <a16:creationId xmlns:a16="http://schemas.microsoft.com/office/drawing/2014/main" id="{33E77803-52FA-C6BB-E5E2-AC6B1F1C824A}"/>
+              </a:ext>
+            </a:extLst>
+          </p:cNvPr>
+          <p:cNvCxnSpPr>
+            <a:cxnSpLocks/>
+          </p:cNvCxnSpPr>
+          <p:nvPr/>
+        </p:nvCxnSpPr>
+        <p:spPr>
+          <a:xfrm flipV="1">
+            <a:off x="6149559" y="4216395"/>
+            <a:ext cx="0" cy="177800"/>
+          </a:xfrm>
+          <a:prstGeom prst="line">
+            <a:avLst/>
+          </a:prstGeom>
+          <a:ln w="38100">
+            <a:solidFill>
+              <a:srgbClr val="00B050"/>
+            </a:solidFill>
+          </a:ln>
+        </p:spPr>
+        <p:style>
+          <a:lnRef idx="1">
+            <a:schemeClr val="accent1"/>
+          </a:lnRef>
+          <a:fillRef idx="0">
+            <a:schemeClr val="accent1"/>
+          </a:fillRef>
+          <a:effectRef idx="0">
+            <a:schemeClr val="accent1"/>
+          </a:effectRef>
+          <a:fontRef idx="minor">
+            <a:schemeClr val="tx1"/>
+          </a:fontRef>
+        </p:style>
+      </p:cxnSp>
+      <p:cxnSp>
+        <p:nvCxnSpPr>
+          <p:cNvPr id="182" name="직선 연결선 181">
+            <a:extLst>
+              <a:ext uri="{FF2B5EF4-FFF2-40B4-BE49-F238E27FC236}">
+                <a16:creationId xmlns:a16="http://schemas.microsoft.com/office/drawing/2014/main" id="{FC48A235-AC9B-92FC-C4C4-B98AFD4BB92A}"/>
+              </a:ext>
+            </a:extLst>
+          </p:cNvPr>
+          <p:cNvCxnSpPr>
+            <a:cxnSpLocks/>
+          </p:cNvCxnSpPr>
+          <p:nvPr/>
+        </p:nvCxnSpPr>
+        <p:spPr>
+          <a:xfrm>
+            <a:off x="6149559" y="4231635"/>
+            <a:ext cx="296925" cy="0"/>
+          </a:xfrm>
+          <a:prstGeom prst="line">
+            <a:avLst/>
+          </a:prstGeom>
+          <a:ln w="38100">
+            <a:solidFill>
+              <a:srgbClr val="00B050"/>
+            </a:solidFill>
+          </a:ln>
+        </p:spPr>
+        <p:style>
+          <a:lnRef idx="1">
+            <a:schemeClr val="accent1"/>
+          </a:lnRef>
+          <a:fillRef idx="0">
+            <a:schemeClr val="accent1"/>
+          </a:fillRef>
+          <a:effectRef idx="0">
+            <a:schemeClr val="accent1"/>
+          </a:effectRef>
+          <a:fontRef idx="minor">
+            <a:schemeClr val="tx1"/>
+          </a:fontRef>
+        </p:style>
+      </p:cxnSp>
+      <p:cxnSp>
+        <p:nvCxnSpPr>
+          <p:cNvPr id="188" name="직선 연결선 187">
+            <a:extLst>
+              <a:ext uri="{FF2B5EF4-FFF2-40B4-BE49-F238E27FC236}">
+                <a16:creationId xmlns:a16="http://schemas.microsoft.com/office/drawing/2014/main" id="{D128677C-41D8-07B5-AF7C-E4FF7F9F5B6D}"/>
+              </a:ext>
+            </a:extLst>
+          </p:cNvPr>
+          <p:cNvCxnSpPr>
+            <a:cxnSpLocks/>
+          </p:cNvCxnSpPr>
+          <p:nvPr/>
+        </p:nvCxnSpPr>
+        <p:spPr>
+          <a:xfrm>
+            <a:off x="3038064" y="4387170"/>
+            <a:ext cx="288180" cy="0"/>
+          </a:xfrm>
+          <a:prstGeom prst="line">
+            <a:avLst/>
+          </a:prstGeom>
+          <a:ln w="38100">
+            <a:solidFill>
+              <a:srgbClr val="00B050"/>
+            </a:solidFill>
+          </a:ln>
+        </p:spPr>
+        <p:style>
+          <a:lnRef idx="1">
+            <a:schemeClr val="accent1"/>
+          </a:lnRef>
+          <a:fillRef idx="0">
+            <a:schemeClr val="accent1"/>
+          </a:fillRef>
+          <a:effectRef idx="0">
+            <a:schemeClr val="accent1"/>
+          </a:effectRef>
+          <a:fontRef idx="minor">
+            <a:schemeClr val="tx1"/>
+          </a:fontRef>
+        </p:style>
+      </p:cxnSp>
+      <p:cxnSp>
+        <p:nvCxnSpPr>
+          <p:cNvPr id="189" name="직선 연결선 188">
+            <a:extLst>
+              <a:ext uri="{FF2B5EF4-FFF2-40B4-BE49-F238E27FC236}">
+                <a16:creationId xmlns:a16="http://schemas.microsoft.com/office/drawing/2014/main" id="{C7DB0B5A-3BDC-3422-2B79-9055079D4F16}"/>
+              </a:ext>
+            </a:extLst>
+          </p:cNvPr>
+          <p:cNvCxnSpPr>
+            <a:cxnSpLocks/>
+          </p:cNvCxnSpPr>
+          <p:nvPr/>
+        </p:nvCxnSpPr>
+        <p:spPr>
+          <a:xfrm flipV="1">
+            <a:off x="3310013" y="4227150"/>
+            <a:ext cx="0" cy="177800"/>
+          </a:xfrm>
+          <a:prstGeom prst="line">
+            <a:avLst/>
+          </a:prstGeom>
+          <a:ln w="38100">
+            <a:solidFill>
+              <a:srgbClr val="00B050"/>
+            </a:solidFill>
+          </a:ln>
+        </p:spPr>
+        <p:style>
+          <a:lnRef idx="1">
+            <a:schemeClr val="accent1"/>
+          </a:lnRef>
+          <a:fillRef idx="0">
+            <a:schemeClr val="accent1"/>
+          </a:fillRef>
+          <a:effectRef idx="0">
+            <a:schemeClr val="accent1"/>
+          </a:effectRef>
+          <a:fontRef idx="minor">
+            <a:schemeClr val="tx1"/>
+          </a:fontRef>
+        </p:style>
+      </p:cxnSp>
+      <p:cxnSp>
+        <p:nvCxnSpPr>
+          <p:cNvPr id="190" name="직선 연결선 189">
+            <a:extLst>
+              <a:ext uri="{FF2B5EF4-FFF2-40B4-BE49-F238E27FC236}">
+                <a16:creationId xmlns:a16="http://schemas.microsoft.com/office/drawing/2014/main" id="{B411805C-00A4-8B74-D161-EA10229AE4E8}"/>
+              </a:ext>
+            </a:extLst>
+          </p:cNvPr>
+          <p:cNvCxnSpPr>
+            <a:cxnSpLocks/>
+          </p:cNvCxnSpPr>
+          <p:nvPr/>
+        </p:nvCxnSpPr>
+        <p:spPr>
+          <a:xfrm>
+            <a:off x="3310013" y="4242390"/>
+            <a:ext cx="296925" cy="0"/>
+          </a:xfrm>
+          <a:prstGeom prst="line">
+            <a:avLst/>
+          </a:prstGeom>
+          <a:ln w="38100">
+            <a:solidFill>
+              <a:srgbClr val="00B050"/>
+            </a:solidFill>
+          </a:ln>
+        </p:spPr>
+        <p:style>
+          <a:lnRef idx="1">
+            <a:schemeClr val="accent1"/>
+          </a:lnRef>
+          <a:fillRef idx="0">
+            <a:schemeClr val="accent1"/>
+          </a:fillRef>
+          <a:effectRef idx="0">
+            <a:schemeClr val="accent1"/>
+          </a:effectRef>
+          <a:fontRef idx="minor">
+            <a:schemeClr val="tx1"/>
+          </a:fontRef>
+        </p:style>
+      </p:cxnSp>
+      <p:cxnSp>
+        <p:nvCxnSpPr>
+          <p:cNvPr id="191" name="직선 연결선 190">
+            <a:extLst>
+              <a:ext uri="{FF2B5EF4-FFF2-40B4-BE49-F238E27FC236}">
+                <a16:creationId xmlns:a16="http://schemas.microsoft.com/office/drawing/2014/main" id="{1E207C25-C611-570D-6323-3E6D480D5833}"/>
+              </a:ext>
+            </a:extLst>
+          </p:cNvPr>
+          <p:cNvCxnSpPr>
+            <a:cxnSpLocks/>
+          </p:cNvCxnSpPr>
+          <p:nvPr/>
+        </p:nvCxnSpPr>
+        <p:spPr>
+          <a:xfrm>
+            <a:off x="10102784" y="2327645"/>
+            <a:ext cx="724460" cy="0"/>
+          </a:xfrm>
+          <a:prstGeom prst="line">
+            <a:avLst/>
+          </a:prstGeom>
+          <a:ln w="28575">
+            <a:solidFill>
+              <a:srgbClr val="FF0000"/>
+            </a:solidFill>
+          </a:ln>
+        </p:spPr>
+        <p:style>
+          <a:lnRef idx="1">
+            <a:schemeClr val="accent1"/>
+          </a:lnRef>
+          <a:fillRef idx="0">
+            <a:schemeClr val="accent1"/>
+          </a:fillRef>
+          <a:effectRef idx="0">
+            <a:schemeClr val="accent1"/>
+          </a:effectRef>
+          <a:fontRef idx="minor">
+            <a:schemeClr val="tx1"/>
+          </a:fontRef>
+        </p:style>
+      </p:cxnSp>
+      <p:cxnSp>
+        <p:nvCxnSpPr>
+          <p:cNvPr id="1024" name="직선 화살표 연결선 1023">
+            <a:extLst>
+              <a:ext uri="{FF2B5EF4-FFF2-40B4-BE49-F238E27FC236}">
+                <a16:creationId xmlns:a16="http://schemas.microsoft.com/office/drawing/2014/main" id="{6A9A193E-6219-2052-995F-DE5529E95D92}"/>
+              </a:ext>
+            </a:extLst>
+          </p:cNvPr>
+          <p:cNvCxnSpPr>
+            <a:cxnSpLocks/>
+          </p:cNvCxnSpPr>
+          <p:nvPr/>
+        </p:nvCxnSpPr>
+        <p:spPr>
+          <a:xfrm>
+            <a:off x="10213614" y="2203542"/>
+            <a:ext cx="457080" cy="0"/>
+          </a:xfrm>
+          <a:prstGeom prst="straightConnector1">
+            <a:avLst/>
+          </a:prstGeom>
+          <a:ln w="57150">
+            <a:solidFill>
+              <a:srgbClr val="FF0000"/>
+            </a:solidFill>
+            <a:tailEnd type="triangle"/>
+          </a:ln>
+        </p:spPr>
+        <p:style>
+          <a:lnRef idx="1">
+            <a:schemeClr val="accent1"/>
+          </a:lnRef>
+          <a:fillRef idx="0">
+            <a:schemeClr val="accent1"/>
+          </a:fillRef>
+          <a:effectRef idx="0">
+            <a:schemeClr val="accent1"/>
+          </a:effectRef>
+          <a:fontRef idx="minor">
+            <a:schemeClr val="tx1"/>
+          </a:fontRef>
+        </p:style>
+      </p:cxnSp>
+      <p:cxnSp>
+        <p:nvCxnSpPr>
+          <p:cNvPr id="1025" name="직선 연결선 1024">
+            <a:extLst>
+              <a:ext uri="{FF2B5EF4-FFF2-40B4-BE49-F238E27FC236}">
+                <a16:creationId xmlns:a16="http://schemas.microsoft.com/office/drawing/2014/main" id="{A2439146-68E1-7B4A-AEF4-C1BE7D285E64}"/>
+              </a:ext>
+            </a:extLst>
+          </p:cNvPr>
+          <p:cNvCxnSpPr>
+            <a:cxnSpLocks/>
+          </p:cNvCxnSpPr>
+          <p:nvPr/>
+        </p:nvCxnSpPr>
+        <p:spPr>
+          <a:xfrm flipV="1">
+            <a:off x="4002851" y="1445244"/>
+            <a:ext cx="0" cy="498739"/>
+          </a:xfrm>
+          <a:prstGeom prst="line">
+            <a:avLst/>
+          </a:prstGeom>
+          <a:ln w="28575">
+            <a:solidFill>
+              <a:schemeClr val="tx1"/>
+            </a:solidFill>
+          </a:ln>
+        </p:spPr>
+        <p:style>
+          <a:lnRef idx="1">
+            <a:schemeClr val="accent1"/>
+          </a:lnRef>
+          <a:fillRef idx="0">
+            <a:schemeClr val="accent1"/>
+          </a:fillRef>
+          <a:effectRef idx="0">
+            <a:schemeClr val="accent1"/>
+          </a:effectRef>
+          <a:fontRef idx="minor">
+            <a:schemeClr val="tx1"/>
+          </a:fontRef>
+        </p:style>
+      </p:cxnSp>
+      <p:sp>
+        <p:nvSpPr>
+          <p:cNvPr id="1029" name="TextBox 1028">
+            <a:extLst>
+              <a:ext uri="{FF2B5EF4-FFF2-40B4-BE49-F238E27FC236}">
+                <a16:creationId xmlns:a16="http://schemas.microsoft.com/office/drawing/2014/main" id="{1D642096-07EC-5185-EA38-5D5CA17276BE}"/>
+              </a:ext>
+            </a:extLst>
+          </p:cNvPr>
+          <p:cNvSpPr txBox="1"/>
+          <p:nvPr/>
+        </p:nvSpPr>
+        <p:spPr>
+          <a:xfrm>
+            <a:off x="3989103" y="1491973"/>
+            <a:ext cx="1822450" cy="261610"/>
+          </a:xfrm>
+          <a:prstGeom prst="rect">
+            <a:avLst/>
+          </a:prstGeom>
+          <a:noFill/>
+        </p:spPr>
+        <p:txBody>
+          <a:bodyPr wrap="square">
+            <a:spAutoFit/>
+          </a:bodyPr>
+          <a:lstStyle/>
+          <a:p>
+            <a:r>
+              <a:rPr lang="en-US" altLang="ko-KR" sz="1050" b="1"/>
+              <a:t>When(RUN_MODE)</a:t>
+            </a:r>
+            <a:endParaRPr lang="ko-KR" altLang="en-US" sz="1050" b="1">
+              <a:solidFill>
+                <a:schemeClr val="tx1"/>
+              </a:solidFill>
+            </a:endParaRPr>
+          </a:p>
+        </p:txBody>
+      </p:sp>
+      <p:cxnSp>
+        <p:nvCxnSpPr>
+          <p:cNvPr id="1031" name="직선 연결선 1030">
+            <a:extLst>
+              <a:ext uri="{FF2B5EF4-FFF2-40B4-BE49-F238E27FC236}">
+                <a16:creationId xmlns:a16="http://schemas.microsoft.com/office/drawing/2014/main" id="{3E4EFA2F-25BE-01D3-8E5C-F33F5223F47D}"/>
+              </a:ext>
+            </a:extLst>
+          </p:cNvPr>
+          <p:cNvCxnSpPr>
+            <a:cxnSpLocks/>
+          </p:cNvCxnSpPr>
+          <p:nvPr/>
+        </p:nvCxnSpPr>
+        <p:spPr>
+          <a:xfrm flipV="1">
+            <a:off x="6476223" y="1399881"/>
+            <a:ext cx="0" cy="498739"/>
+          </a:xfrm>
+          <a:prstGeom prst="line">
+            <a:avLst/>
+          </a:prstGeom>
+          <a:ln w="28575">
+            <a:solidFill>
+              <a:schemeClr val="tx1"/>
+            </a:solidFill>
+          </a:ln>
+        </p:spPr>
+        <p:style>
+          <a:lnRef idx="1">
+            <a:schemeClr val="accent1"/>
+          </a:lnRef>
+          <a:fillRef idx="0">
+            <a:schemeClr val="accent1"/>
+          </a:fillRef>
+          <a:effectRef idx="0">
+            <a:schemeClr val="accent1"/>
+          </a:effectRef>
+          <a:fontRef idx="minor">
+            <a:schemeClr val="tx1"/>
+          </a:fontRef>
+        </p:style>
+      </p:cxnSp>
+      <p:sp>
+        <p:nvSpPr>
+          <p:cNvPr id="1033" name="TextBox 1032">
+            <a:extLst>
+              <a:ext uri="{FF2B5EF4-FFF2-40B4-BE49-F238E27FC236}">
+                <a16:creationId xmlns:a16="http://schemas.microsoft.com/office/drawing/2014/main" id="{10AD6301-4DF8-81DC-3790-C9DDB4C94FA3}"/>
+              </a:ext>
+            </a:extLst>
+          </p:cNvPr>
+          <p:cNvSpPr txBox="1"/>
+          <p:nvPr/>
+        </p:nvSpPr>
+        <p:spPr>
+          <a:xfrm>
+            <a:off x="6462474" y="1476278"/>
+            <a:ext cx="1822450" cy="261610"/>
+          </a:xfrm>
+          <a:prstGeom prst="rect">
+            <a:avLst/>
+          </a:prstGeom>
+          <a:noFill/>
+        </p:spPr>
+        <p:txBody>
+          <a:bodyPr wrap="square">
+            <a:spAutoFit/>
+          </a:bodyPr>
+          <a:lstStyle/>
+          <a:p>
+            <a:r>
+              <a:rPr lang="en-US" altLang="ko-KR" sz="1050" b="1"/>
+              <a:t>When(RUN_MODE)</a:t>
+            </a:r>
+            <a:endParaRPr lang="ko-KR" altLang="en-US" sz="1050" b="1">
+              <a:solidFill>
+                <a:schemeClr val="tx1"/>
+              </a:solidFill>
+            </a:endParaRPr>
+          </a:p>
+        </p:txBody>
+      </p:sp>
+      <p:sp>
+        <p:nvSpPr>
+          <p:cNvPr id="1034" name="TextBox 1033">
+            <a:extLst>
+              <a:ext uri="{FF2B5EF4-FFF2-40B4-BE49-F238E27FC236}">
+                <a16:creationId xmlns:a16="http://schemas.microsoft.com/office/drawing/2014/main" id="{4DDE5CFB-9849-7DB7-5F05-3F5EC97517E4}"/>
+              </a:ext>
+            </a:extLst>
+          </p:cNvPr>
+          <p:cNvSpPr txBox="1"/>
+          <p:nvPr/>
+        </p:nvSpPr>
+        <p:spPr>
+          <a:xfrm>
+            <a:off x="8145995" y="1607937"/>
+            <a:ext cx="1822450" cy="261610"/>
+          </a:xfrm>
+          <a:prstGeom prst="rect">
+            <a:avLst/>
+          </a:prstGeom>
+          <a:noFill/>
+        </p:spPr>
+        <p:txBody>
+          <a:bodyPr wrap="square">
+            <a:spAutoFit/>
+          </a:bodyPr>
+          <a:lstStyle/>
+          <a:p>
+            <a:r>
+              <a:rPr lang="en-US" altLang="ko-KR" sz="1050" b="1"/>
+              <a:t>When(1_line_done)</a:t>
+            </a:r>
+            <a:endParaRPr lang="ko-KR" altLang="en-US" sz="1050" b="1">
+              <a:solidFill>
+                <a:schemeClr val="tx1"/>
+              </a:solidFill>
+            </a:endParaRPr>
+          </a:p>
+        </p:txBody>
+      </p:sp>
+      <p:sp>
+        <p:nvSpPr>
+          <p:cNvPr id="1036" name="TextBox 1035">
+            <a:extLst>
+              <a:ext uri="{FF2B5EF4-FFF2-40B4-BE49-F238E27FC236}">
+                <a16:creationId xmlns:a16="http://schemas.microsoft.com/office/drawing/2014/main" id="{724D76EB-FD56-43E0-A595-2D7746D1C463}"/>
+              </a:ext>
+            </a:extLst>
+          </p:cNvPr>
+          <p:cNvSpPr txBox="1"/>
+          <p:nvPr/>
+        </p:nvSpPr>
+        <p:spPr>
+          <a:xfrm>
+            <a:off x="3328703" y="259647"/>
+            <a:ext cx="1320800" cy="307777"/>
+          </a:xfrm>
+          <a:prstGeom prst="rect">
+            <a:avLst/>
+          </a:prstGeom>
+          <a:noFill/>
+        </p:spPr>
+        <p:txBody>
+          <a:bodyPr wrap="square">
+            <a:spAutoFit/>
+          </a:bodyPr>
+          <a:lstStyle/>
+          <a:p>
+            <a:pPr algn="ctr"/>
+            <a:r>
+              <a:rPr lang="en-US" altLang="ko-KR" sz="1400" b="1"/>
+              <a:t>LED</a:t>
+            </a:r>
+            <a:endParaRPr lang="ko-KR" altLang="en-US" sz="1400" b="1">
+              <a:solidFill>
+                <a:schemeClr val="tx1"/>
+              </a:solidFill>
+            </a:endParaRPr>
+          </a:p>
+        </p:txBody>
+      </p:sp>
+      <p:sp>
+        <p:nvSpPr>
+          <p:cNvPr id="1038" name="TextBox 1037">
+            <a:extLst>
+              <a:ext uri="{FF2B5EF4-FFF2-40B4-BE49-F238E27FC236}">
+                <a16:creationId xmlns:a16="http://schemas.microsoft.com/office/drawing/2014/main" id="{02B4B929-9153-5D01-9436-D4DF6F1F2F3A}"/>
+              </a:ext>
+            </a:extLst>
+          </p:cNvPr>
+          <p:cNvSpPr txBox="1"/>
+          <p:nvPr/>
+        </p:nvSpPr>
+        <p:spPr>
+          <a:xfrm>
+            <a:off x="5802074" y="265811"/>
+            <a:ext cx="1320800" cy="307777"/>
+          </a:xfrm>
+          <a:prstGeom prst="rect">
+            <a:avLst/>
+          </a:prstGeom>
+          <a:noFill/>
+        </p:spPr>
+        <p:txBody>
+          <a:bodyPr wrap="square">
+            <a:spAutoFit/>
+          </a:bodyPr>
+          <a:lstStyle/>
+          <a:p>
+            <a:pPr algn="ctr"/>
+            <a:r>
+              <a:rPr lang="en-US" altLang="ko-KR" sz="1400" b="1"/>
+              <a:t>BUZZER</a:t>
+            </a:r>
+            <a:endParaRPr lang="ko-KR" altLang="en-US" sz="1400" b="1">
+              <a:solidFill>
+                <a:schemeClr val="tx1"/>
+              </a:solidFill>
+            </a:endParaRPr>
+          </a:p>
+        </p:txBody>
+      </p:sp>
+      <p:sp>
+        <p:nvSpPr>
+          <p:cNvPr id="32" name="사다리꼴 31">
+            <a:extLst>
+              <a:ext uri="{FF2B5EF4-FFF2-40B4-BE49-F238E27FC236}">
+                <a16:creationId xmlns:a16="http://schemas.microsoft.com/office/drawing/2014/main" id="{C3AEBCAC-CA56-08B3-BA7E-E55202E3A2B5}"/>
+              </a:ext>
+            </a:extLst>
+          </p:cNvPr>
+          <p:cNvSpPr/>
+          <p:nvPr/>
+        </p:nvSpPr>
+        <p:spPr>
+          <a:xfrm rot="5400000">
+            <a:off x="8307446" y="5298453"/>
+            <a:ext cx="1733302" cy="288518"/>
+          </a:xfrm>
+          <a:prstGeom prst="trapezoid">
+            <a:avLst>
+              <a:gd name="adj" fmla="val 81235"/>
+            </a:avLst>
+          </a:prstGeom>
+        </p:spPr>
+        <p:style>
+          <a:lnRef idx="2">
+            <a:schemeClr val="accent1">
+              <a:shade val="50000"/>
+            </a:schemeClr>
+          </a:lnRef>
+          <a:fillRef idx="1">
+            <a:schemeClr val="accent1"/>
+          </a:fillRef>
+          <a:effectRef idx="0">
+            <a:schemeClr val="accent1"/>
+          </a:effectRef>
+          <a:fontRef idx="minor">
+            <a:schemeClr val="lt1"/>
+          </a:fontRef>
+        </p:style>
+        <p:txBody>
+          <a:bodyPr rtlCol="0" anchor="ctr"/>
+          <a:lstStyle/>
+          <a:p>
+            <a:pPr algn="ctr"/>
+            <a:endParaRPr lang="ko-KR" altLang="en-US"/>
+          </a:p>
+        </p:txBody>
+      </p:sp>
+      <p:cxnSp>
+        <p:nvCxnSpPr>
+          <p:cNvPr id="39" name="직선 연결선 38">
+            <a:extLst>
+              <a:ext uri="{FF2B5EF4-FFF2-40B4-BE49-F238E27FC236}">
+                <a16:creationId xmlns:a16="http://schemas.microsoft.com/office/drawing/2014/main" id="{1CA07A9E-5E95-6C73-11AE-03F1406395A2}"/>
+              </a:ext>
+            </a:extLst>
+          </p:cNvPr>
+          <p:cNvCxnSpPr>
+            <a:cxnSpLocks/>
+            <a:endCxn id="89" idx="1"/>
+          </p:cNvCxnSpPr>
+          <p:nvPr/>
+        </p:nvCxnSpPr>
+        <p:spPr>
+          <a:xfrm>
+            <a:off x="9301024" y="5458452"/>
+            <a:ext cx="182504" cy="1708"/>
+          </a:xfrm>
+          <a:prstGeom prst="line">
+            <a:avLst/>
+          </a:prstGeom>
+          <a:ln w="28575">
+            <a:solidFill>
+              <a:srgbClr val="FF0000"/>
+            </a:solidFill>
+          </a:ln>
+        </p:spPr>
+        <p:style>
+          <a:lnRef idx="1">
+            <a:schemeClr val="accent1"/>
+          </a:lnRef>
+          <a:fillRef idx="0">
+            <a:schemeClr val="accent1"/>
+          </a:fillRef>
+          <a:effectRef idx="0">
+            <a:schemeClr val="accent1"/>
+          </a:effectRef>
+          <a:fontRef idx="minor">
+            <a:schemeClr val="tx1"/>
+          </a:fontRef>
+        </p:style>
+      </p:cxnSp>
+      <p:cxnSp>
+        <p:nvCxnSpPr>
+          <p:cNvPr id="43" name="직선 연결선 42">
+            <a:extLst>
+              <a:ext uri="{FF2B5EF4-FFF2-40B4-BE49-F238E27FC236}">
+                <a16:creationId xmlns:a16="http://schemas.microsoft.com/office/drawing/2014/main" id="{13918CF0-3D5E-893F-1CF7-902AD91A3A00}"/>
+              </a:ext>
+            </a:extLst>
+          </p:cNvPr>
+          <p:cNvCxnSpPr>
+            <a:cxnSpLocks/>
+          </p:cNvCxnSpPr>
+          <p:nvPr/>
+        </p:nvCxnSpPr>
+        <p:spPr>
+          <a:xfrm>
+            <a:off x="9294604" y="5624700"/>
+            <a:ext cx="188924" cy="0"/>
+          </a:xfrm>
+          <a:prstGeom prst="line">
+            <a:avLst/>
+          </a:prstGeom>
+          <a:ln w="28575">
+            <a:solidFill>
+              <a:schemeClr val="tx1"/>
+            </a:solidFill>
+          </a:ln>
+        </p:spPr>
+        <p:style>
+          <a:lnRef idx="1">
+            <a:schemeClr val="accent1"/>
+          </a:lnRef>
+          <a:fillRef idx="0">
+            <a:schemeClr val="accent1"/>
+          </a:fillRef>
+          <a:effectRef idx="0">
+            <a:schemeClr val="accent1"/>
+          </a:effectRef>
+          <a:fontRef idx="minor">
+            <a:schemeClr val="tx1"/>
+          </a:fontRef>
+        </p:style>
+      </p:cxnSp>
+      <p:cxnSp>
+        <p:nvCxnSpPr>
+          <p:cNvPr id="48" name="직선 연결선 47">
+            <a:extLst>
+              <a:ext uri="{FF2B5EF4-FFF2-40B4-BE49-F238E27FC236}">
+                <a16:creationId xmlns:a16="http://schemas.microsoft.com/office/drawing/2014/main" id="{2B92FC9D-CFC7-F040-F257-5BD4E7AD5644}"/>
+              </a:ext>
+            </a:extLst>
+          </p:cNvPr>
+          <p:cNvCxnSpPr>
+            <a:cxnSpLocks/>
+          </p:cNvCxnSpPr>
+          <p:nvPr/>
+        </p:nvCxnSpPr>
+        <p:spPr>
+          <a:xfrm>
+            <a:off x="4116511" y="6080776"/>
+            <a:ext cx="4913326" cy="0"/>
+          </a:xfrm>
+          <a:prstGeom prst="line">
+            <a:avLst/>
+          </a:prstGeom>
+          <a:ln w="28575">
+            <a:solidFill>
+              <a:srgbClr val="FF0000"/>
+            </a:solidFill>
+          </a:ln>
+        </p:spPr>
+        <p:style>
+          <a:lnRef idx="1">
+            <a:schemeClr val="accent1"/>
+          </a:lnRef>
+          <a:fillRef idx="0">
+            <a:schemeClr val="accent1"/>
+          </a:fillRef>
+          <a:effectRef idx="0">
+            <a:schemeClr val="accent1"/>
+          </a:effectRef>
+          <a:fontRef idx="minor">
+            <a:schemeClr val="tx1"/>
+          </a:fontRef>
+        </p:style>
+      </p:cxnSp>
+      <p:cxnSp>
+        <p:nvCxnSpPr>
+          <p:cNvPr id="50" name="직선 연결선 49">
+            <a:extLst>
+              <a:ext uri="{FF2B5EF4-FFF2-40B4-BE49-F238E27FC236}">
+                <a16:creationId xmlns:a16="http://schemas.microsoft.com/office/drawing/2014/main" id="{FD2202B0-6A7D-CC85-6869-3AD544A6E6CA}"/>
+              </a:ext>
+            </a:extLst>
+          </p:cNvPr>
+          <p:cNvCxnSpPr>
+            <a:cxnSpLocks/>
+          </p:cNvCxnSpPr>
+          <p:nvPr/>
+        </p:nvCxnSpPr>
+        <p:spPr>
+          <a:xfrm flipV="1">
+            <a:off x="4109637" y="3849443"/>
+            <a:ext cx="0" cy="2231333"/>
+          </a:xfrm>
+          <a:prstGeom prst="line">
+            <a:avLst/>
+          </a:prstGeom>
+          <a:ln w="28575">
+            <a:solidFill>
+              <a:srgbClr val="FF0000"/>
+            </a:solidFill>
+          </a:ln>
+        </p:spPr>
+        <p:style>
+          <a:lnRef idx="1">
+            <a:schemeClr val="accent1"/>
+          </a:lnRef>
+          <a:fillRef idx="0">
+            <a:schemeClr val="accent1"/>
+          </a:fillRef>
+          <a:effectRef idx="0">
+            <a:schemeClr val="accent1"/>
+          </a:effectRef>
+          <a:fontRef idx="minor">
+            <a:schemeClr val="tx1"/>
+          </a:fontRef>
+        </p:style>
+      </p:cxnSp>
+      <p:cxnSp>
+        <p:nvCxnSpPr>
+          <p:cNvPr id="53" name="직선 연결선 52">
+            <a:extLst>
+              <a:ext uri="{FF2B5EF4-FFF2-40B4-BE49-F238E27FC236}">
+                <a16:creationId xmlns:a16="http://schemas.microsoft.com/office/drawing/2014/main" id="{D0AF9418-CF26-7F37-DCA0-872A32548AEF}"/>
+              </a:ext>
+            </a:extLst>
+          </p:cNvPr>
+          <p:cNvCxnSpPr>
+            <a:cxnSpLocks/>
+          </p:cNvCxnSpPr>
+          <p:nvPr/>
+        </p:nvCxnSpPr>
+        <p:spPr>
+          <a:xfrm>
+            <a:off x="4013749" y="4088356"/>
+            <a:ext cx="1631" cy="2064860"/>
+          </a:xfrm>
+          <a:prstGeom prst="line">
+            <a:avLst/>
+          </a:prstGeom>
+          <a:ln w="28575">
+            <a:solidFill>
+              <a:schemeClr val="tx1"/>
+            </a:solidFill>
+          </a:ln>
+        </p:spPr>
+        <p:style>
+          <a:lnRef idx="1">
+            <a:schemeClr val="accent1"/>
+          </a:lnRef>
+          <a:fillRef idx="0">
+            <a:schemeClr val="accent1"/>
+          </a:fillRef>
+          <a:effectRef idx="0">
+            <a:schemeClr val="accent1"/>
+          </a:effectRef>
+          <a:fontRef idx="minor">
+            <a:schemeClr val="tx1"/>
+          </a:fontRef>
+        </p:style>
+      </p:cxnSp>
+      <p:sp>
+        <p:nvSpPr>
+          <p:cNvPr id="57" name="사다리꼴 56">
+            <a:extLst>
+              <a:ext uri="{FF2B5EF4-FFF2-40B4-BE49-F238E27FC236}">
+                <a16:creationId xmlns:a16="http://schemas.microsoft.com/office/drawing/2014/main" id="{7B43CC79-BAE8-535A-F476-A65AD3F198EB}"/>
+              </a:ext>
+            </a:extLst>
+          </p:cNvPr>
+          <p:cNvSpPr/>
+          <p:nvPr/>
+        </p:nvSpPr>
+        <p:spPr>
+          <a:xfrm rot="16200000">
+            <a:off x="6244282" y="4270643"/>
+            <a:ext cx="907366" cy="243842"/>
+          </a:xfrm>
+          <a:prstGeom prst="trapezoid">
+            <a:avLst>
+              <a:gd name="adj" fmla="val 81235"/>
+            </a:avLst>
+          </a:prstGeom>
+        </p:spPr>
+        <p:style>
+          <a:lnRef idx="2">
+            <a:schemeClr val="accent1">
+              <a:shade val="50000"/>
+            </a:schemeClr>
+          </a:lnRef>
+          <a:fillRef idx="1">
+            <a:schemeClr val="accent1"/>
+          </a:fillRef>
+          <a:effectRef idx="0">
+            <a:schemeClr val="accent1"/>
+          </a:effectRef>
+          <a:fontRef idx="minor">
+            <a:schemeClr val="lt1"/>
+          </a:fontRef>
+        </p:style>
+        <p:txBody>
+          <a:bodyPr rtlCol="0" anchor="ctr"/>
+          <a:lstStyle/>
+          <a:p>
+            <a:pPr algn="ctr"/>
+            <a:endParaRPr lang="ko-KR" altLang="en-US"/>
+          </a:p>
+        </p:txBody>
+      </p:sp>
+      <p:cxnSp>
+        <p:nvCxnSpPr>
+          <p:cNvPr id="62" name="직선 연결선 61">
+            <a:extLst>
+              <a:ext uri="{FF2B5EF4-FFF2-40B4-BE49-F238E27FC236}">
+                <a16:creationId xmlns:a16="http://schemas.microsoft.com/office/drawing/2014/main" id="{D62271F6-6B7F-7EFB-92BE-493B66646683}"/>
+              </a:ext>
+            </a:extLst>
+          </p:cNvPr>
+          <p:cNvCxnSpPr>
+            <a:cxnSpLocks/>
+          </p:cNvCxnSpPr>
+          <p:nvPr/>
+        </p:nvCxnSpPr>
+        <p:spPr>
+          <a:xfrm>
+            <a:off x="4002851" y="6136136"/>
+            <a:ext cx="5026986" cy="17080"/>
+          </a:xfrm>
+          <a:prstGeom prst="line">
+            <a:avLst/>
+          </a:prstGeom>
+          <a:ln w="28575">
+            <a:solidFill>
+              <a:schemeClr val="tx1"/>
+            </a:solidFill>
+          </a:ln>
+        </p:spPr>
+        <p:style>
+          <a:lnRef idx="1">
+            <a:schemeClr val="accent1"/>
+          </a:lnRef>
+          <a:fillRef idx="0">
+            <a:schemeClr val="accent1"/>
+          </a:fillRef>
+          <a:effectRef idx="0">
+            <a:schemeClr val="accent1"/>
+          </a:effectRef>
+          <a:fontRef idx="minor">
+            <a:schemeClr val="tx1"/>
+          </a:fontRef>
+        </p:style>
+      </p:cxnSp>
+      <p:sp>
+        <p:nvSpPr>
+          <p:cNvPr id="68" name="TextBox 67">
+            <a:extLst>
+              <a:ext uri="{FF2B5EF4-FFF2-40B4-BE49-F238E27FC236}">
+                <a16:creationId xmlns:a16="http://schemas.microsoft.com/office/drawing/2014/main" id="{E4623982-D6D8-DE4A-24DD-54ACC268E37D}"/>
+              </a:ext>
+            </a:extLst>
+          </p:cNvPr>
+          <p:cNvSpPr txBox="1"/>
+          <p:nvPr/>
+        </p:nvSpPr>
+        <p:spPr>
+          <a:xfrm>
+            <a:off x="5931932" y="2042895"/>
+            <a:ext cx="1558726" cy="276999"/>
+          </a:xfrm>
+          <a:prstGeom prst="rect">
+            <a:avLst/>
+          </a:prstGeom>
+          <a:noFill/>
+        </p:spPr>
+        <p:txBody>
+          <a:bodyPr wrap="square">
+            <a:spAutoFit/>
+          </a:bodyPr>
+          <a:lstStyle/>
+          <a:p>
+            <a:r>
+              <a:rPr lang="en-US" altLang="ko-KR" sz="1200" b="1">
+                <a:solidFill>
+                  <a:schemeClr val="tx1"/>
+                </a:solidFill>
+              </a:rPr>
+              <a:t>cnt_</a:t>
+            </a:r>
+            <a:r>
+              <a:rPr lang="en-US" altLang="ko-KR" sz="1200" b="1"/>
+              <a:t>IMG</a:t>
+            </a:r>
+            <a:r>
+              <a:rPr lang="en-US" altLang="ko-KR" sz="1200" b="1">
+                <a:solidFill>
+                  <a:schemeClr val="tx1"/>
+                </a:solidFill>
+              </a:rPr>
+              <a:t>_row_o[9:0]</a:t>
+            </a:r>
+            <a:endParaRPr lang="ko-KR" altLang="en-US" sz="1200" b="1">
+              <a:solidFill>
+                <a:schemeClr val="tx1"/>
+              </a:solidFill>
+            </a:endParaRPr>
+          </a:p>
+        </p:txBody>
+      </p:sp>
+    </p:spTree>
+    <p:extLst>
+      <p:ext uri="{BB962C8B-B14F-4D97-AF65-F5344CB8AC3E}">
+        <p14:creationId xmlns:p14="http://schemas.microsoft.com/office/powerpoint/2010/main" val="3498316195"/>
+      </p:ext>
+    </p:extLst>
+  </p:cSld>
+  <p:clrMapOvr>
+    <a:masterClrMapping/>
+  </p:clrMapOvr>
+</p:sld>
+</file>
+
+<file path=ppt/slides/slide15.xml><?xml version="1.0" encoding="utf-8"?>
+<p:sld xmlns:a="http://schemas.openxmlformats.org/drawingml/2006/main" xmlns:r="http://schemas.openxmlformats.org/officeDocument/2006/relationships" xmlns:p="http://schemas.openxmlformats.org/presentationml/2006/main">
+  <p:cSld>
+    <p:spTree>
+      <p:nvGrpSpPr>
+        <p:cNvPr id="1" name=""/>
+        <p:cNvGrpSpPr/>
+        <p:nvPr/>
+      </p:nvGrpSpPr>
+      <p:grpSpPr>
+        <a:xfrm>
+          <a:off x="0" y="0"/>
+          <a:ext cx="0" cy="0"/>
+          <a:chOff x="0" y="0"/>
+          <a:chExt cx="0" cy="0"/>
+        </a:xfrm>
+      </p:grpSpPr>
+      <p:sp>
+        <p:nvSpPr>
+          <p:cNvPr id="2" name="타원 1">
+            <a:extLst>
+              <a:ext uri="{FF2B5EF4-FFF2-40B4-BE49-F238E27FC236}">
+                <a16:creationId xmlns:a16="http://schemas.microsoft.com/office/drawing/2014/main" id="{88FDEF47-8AC5-A9AE-CF88-B55855679C60}"/>
+              </a:ext>
+            </a:extLst>
+          </p:cNvPr>
+          <p:cNvSpPr/>
+          <p:nvPr/>
+        </p:nvSpPr>
+        <p:spPr>
+          <a:xfrm>
+            <a:off x="5285005" y="2418664"/>
+            <a:ext cx="1270001" cy="1214582"/>
+          </a:xfrm>
+          <a:prstGeom prst="ellipse">
+            <a:avLst/>
+          </a:prstGeom>
+        </p:spPr>
+        <p:style>
+          <a:lnRef idx="2">
+            <a:schemeClr val="accent1">
+              <a:shade val="50000"/>
+            </a:schemeClr>
+          </a:lnRef>
+          <a:fillRef idx="1">
+            <a:schemeClr val="accent1"/>
+          </a:fillRef>
+          <a:effectRef idx="0">
+            <a:schemeClr val="accent1"/>
+          </a:effectRef>
+          <a:fontRef idx="minor">
+            <a:schemeClr val="lt1"/>
+          </a:fontRef>
+        </p:style>
+        <p:txBody>
+          <a:bodyPr rtlCol="0" anchor="ctr"/>
+          <a:lstStyle/>
+          <a:p>
+            <a:pPr algn="ctr"/>
+            <a:r>
+              <a:rPr lang="en-US" altLang="ko-KR"/>
+              <a:t>IDLE</a:t>
+            </a:r>
+            <a:endParaRPr lang="ko-KR" altLang="en-US"/>
+          </a:p>
+        </p:txBody>
+      </p:sp>
+      <p:sp>
+        <p:nvSpPr>
+          <p:cNvPr id="3" name="타원 2">
+            <a:extLst>
+              <a:ext uri="{FF2B5EF4-FFF2-40B4-BE49-F238E27FC236}">
+                <a16:creationId xmlns:a16="http://schemas.microsoft.com/office/drawing/2014/main" id="{A18CD7AA-702F-6807-4534-691DF8B92C88}"/>
+              </a:ext>
+            </a:extLst>
+          </p:cNvPr>
+          <p:cNvSpPr/>
+          <p:nvPr/>
+        </p:nvSpPr>
+        <p:spPr>
+          <a:xfrm>
+            <a:off x="7645920" y="4366716"/>
+            <a:ext cx="1270001" cy="1214582"/>
+          </a:xfrm>
+          <a:prstGeom prst="ellipse">
+            <a:avLst/>
+          </a:prstGeom>
+        </p:spPr>
+        <p:style>
+          <a:lnRef idx="2">
+            <a:schemeClr val="accent1">
+              <a:shade val="50000"/>
+            </a:schemeClr>
+          </a:lnRef>
+          <a:fillRef idx="1">
+            <a:schemeClr val="accent1"/>
+          </a:fillRef>
+          <a:effectRef idx="0">
+            <a:schemeClr val="accent1"/>
+          </a:effectRef>
+          <a:fontRef idx="minor">
+            <a:schemeClr val="lt1"/>
+          </a:fontRef>
+        </p:style>
+        <p:txBody>
+          <a:bodyPr rtlCol="0" anchor="ctr"/>
+          <a:lstStyle/>
+          <a:p>
+            <a:pPr algn="ctr"/>
+            <a:r>
+              <a:rPr lang="en-US" altLang="ko-KR"/>
+              <a:t>FETCH</a:t>
+            </a:r>
+            <a:endParaRPr lang="ko-KR" altLang="en-US"/>
+          </a:p>
+        </p:txBody>
+      </p:sp>
+      <p:sp>
+        <p:nvSpPr>
+          <p:cNvPr id="4" name="타원 3">
+            <a:extLst>
+              <a:ext uri="{FF2B5EF4-FFF2-40B4-BE49-F238E27FC236}">
+                <a16:creationId xmlns:a16="http://schemas.microsoft.com/office/drawing/2014/main" id="{E5456461-0278-135F-6C6A-F7E02DF648FB}"/>
+              </a:ext>
+            </a:extLst>
+          </p:cNvPr>
+          <p:cNvSpPr/>
+          <p:nvPr/>
+        </p:nvSpPr>
+        <p:spPr>
+          <a:xfrm>
+            <a:off x="2915647" y="4396367"/>
+            <a:ext cx="1270001" cy="1214582"/>
+          </a:xfrm>
+          <a:prstGeom prst="ellipse">
+            <a:avLst/>
+          </a:prstGeom>
+        </p:spPr>
+        <p:style>
+          <a:lnRef idx="2">
+            <a:schemeClr val="accent1">
+              <a:shade val="50000"/>
+            </a:schemeClr>
+          </a:lnRef>
+          <a:fillRef idx="1">
+            <a:schemeClr val="accent1"/>
+          </a:fillRef>
+          <a:effectRef idx="0">
+            <a:schemeClr val="accent1"/>
+          </a:effectRef>
+          <a:fontRef idx="minor">
+            <a:schemeClr val="lt1"/>
+          </a:fontRef>
+        </p:style>
+        <p:txBody>
+          <a:bodyPr rtlCol="0" anchor="ctr"/>
+          <a:lstStyle/>
+          <a:p>
+            <a:pPr algn="ctr"/>
+            <a:r>
+              <a:rPr lang="en-US" altLang="ko-KR" sz="2000"/>
+              <a:t>core</a:t>
+            </a:r>
+            <a:endParaRPr lang="ko-KR" altLang="en-US" sz="2000"/>
+          </a:p>
+        </p:txBody>
+      </p:sp>
+      <p:sp>
+        <p:nvSpPr>
+          <p:cNvPr id="7" name="타원 6">
+            <a:extLst>
+              <a:ext uri="{FF2B5EF4-FFF2-40B4-BE49-F238E27FC236}">
+                <a16:creationId xmlns:a16="http://schemas.microsoft.com/office/drawing/2014/main" id="{CE64A88F-3BF5-3BFD-1D16-689C62549427}"/>
+              </a:ext>
+            </a:extLst>
+          </p:cNvPr>
+          <p:cNvSpPr/>
+          <p:nvPr/>
+        </p:nvSpPr>
+        <p:spPr>
+          <a:xfrm>
+            <a:off x="2899154" y="2431256"/>
+            <a:ext cx="1270001" cy="1214582"/>
+          </a:xfrm>
+          <a:prstGeom prst="ellipse">
+            <a:avLst/>
+          </a:prstGeom>
+        </p:spPr>
+        <p:style>
+          <a:lnRef idx="2">
+            <a:schemeClr val="accent1">
+              <a:shade val="50000"/>
+            </a:schemeClr>
+          </a:lnRef>
+          <a:fillRef idx="1">
+            <a:schemeClr val="accent1"/>
+          </a:fillRef>
+          <a:effectRef idx="0">
+            <a:schemeClr val="accent1"/>
+          </a:effectRef>
+          <a:fontRef idx="minor">
+            <a:schemeClr val="lt1"/>
+          </a:fontRef>
+        </p:style>
+        <p:txBody>
+          <a:bodyPr rtlCol="0" anchor="ctr"/>
+          <a:lstStyle/>
+          <a:p>
+            <a:pPr algn="ctr"/>
+            <a:r>
+              <a:rPr lang="en-US" altLang="ko-KR"/>
+              <a:t>DONE</a:t>
+            </a:r>
+            <a:endParaRPr lang="ko-KR" altLang="en-US"/>
+          </a:p>
+        </p:txBody>
+      </p:sp>
+      <p:cxnSp>
+        <p:nvCxnSpPr>
+          <p:cNvPr id="9" name="직선 화살표 연결선 8">
+            <a:extLst>
+              <a:ext uri="{FF2B5EF4-FFF2-40B4-BE49-F238E27FC236}">
+                <a16:creationId xmlns:a16="http://schemas.microsoft.com/office/drawing/2014/main" id="{EE8D0E14-5A07-3EC6-724E-FFF81FF456C3}"/>
+              </a:ext>
+            </a:extLst>
+          </p:cNvPr>
+          <p:cNvCxnSpPr>
+            <a:cxnSpLocks/>
+          </p:cNvCxnSpPr>
+          <p:nvPr/>
+        </p:nvCxnSpPr>
+        <p:spPr>
+          <a:xfrm>
+            <a:off x="6450956" y="3675495"/>
+            <a:ext cx="1068849" cy="1015101"/>
+          </a:xfrm>
+          <a:prstGeom prst="straightConnector1">
+            <a:avLst/>
+          </a:prstGeom>
+          <a:ln w="57150">
+            <a:solidFill>
+              <a:schemeClr val="tx1"/>
+            </a:solidFill>
+            <a:tailEnd type="triangle"/>
+          </a:ln>
+        </p:spPr>
+        <p:style>
+          <a:lnRef idx="1">
+            <a:schemeClr val="accent1"/>
+          </a:lnRef>
+          <a:fillRef idx="0">
+            <a:schemeClr val="accent1"/>
+          </a:fillRef>
+          <a:effectRef idx="0">
+            <a:schemeClr val="accent1"/>
+          </a:effectRef>
+          <a:fontRef idx="minor">
+            <a:schemeClr val="tx1"/>
+          </a:fontRef>
+        </p:style>
+      </p:cxnSp>
+      <p:cxnSp>
+        <p:nvCxnSpPr>
+          <p:cNvPr id="12" name="직선 화살표 연결선 11">
+            <a:extLst>
+              <a:ext uri="{FF2B5EF4-FFF2-40B4-BE49-F238E27FC236}">
+                <a16:creationId xmlns:a16="http://schemas.microsoft.com/office/drawing/2014/main" id="{2DDAFA0F-6D55-4073-3DC7-2C30CFD25E2A}"/>
+              </a:ext>
+            </a:extLst>
+          </p:cNvPr>
+          <p:cNvCxnSpPr>
+            <a:cxnSpLocks/>
+          </p:cNvCxnSpPr>
+          <p:nvPr/>
+        </p:nvCxnSpPr>
+        <p:spPr>
+          <a:xfrm>
+            <a:off x="4518152" y="4915802"/>
+            <a:ext cx="2899931" cy="0"/>
+          </a:xfrm>
+          <a:prstGeom prst="straightConnector1">
+            <a:avLst/>
+          </a:prstGeom>
+          <a:ln w="57150">
+            <a:solidFill>
+              <a:schemeClr val="tx1"/>
+            </a:solidFill>
+            <a:tailEnd type="triangle"/>
+          </a:ln>
+        </p:spPr>
+        <p:style>
+          <a:lnRef idx="1">
+            <a:schemeClr val="accent1"/>
+          </a:lnRef>
+          <a:fillRef idx="0">
+            <a:schemeClr val="accent1"/>
+          </a:fillRef>
+          <a:effectRef idx="0">
+            <a:schemeClr val="accent1"/>
+          </a:effectRef>
+          <a:fontRef idx="minor">
+            <a:schemeClr val="tx1"/>
+          </a:fontRef>
+        </p:style>
+      </p:cxnSp>
+      <p:cxnSp>
+        <p:nvCxnSpPr>
+          <p:cNvPr id="24" name="직선 화살표 연결선 23">
+            <a:extLst>
+              <a:ext uri="{FF2B5EF4-FFF2-40B4-BE49-F238E27FC236}">
+                <a16:creationId xmlns:a16="http://schemas.microsoft.com/office/drawing/2014/main" id="{F12E3A05-6055-5258-F17F-0A59C2E45B57}"/>
+              </a:ext>
+            </a:extLst>
+          </p:cNvPr>
+          <p:cNvCxnSpPr>
+            <a:cxnSpLocks/>
+          </p:cNvCxnSpPr>
+          <p:nvPr/>
+        </p:nvCxnSpPr>
+        <p:spPr>
+          <a:xfrm flipV="1">
+            <a:off x="4263227" y="3013363"/>
+            <a:ext cx="859254" cy="12592"/>
+          </a:xfrm>
+          <a:prstGeom prst="straightConnector1">
+            <a:avLst/>
+          </a:prstGeom>
+          <a:ln w="57150">
+            <a:solidFill>
+              <a:schemeClr val="tx1"/>
+            </a:solidFill>
+            <a:tailEnd type="triangle"/>
+          </a:ln>
+        </p:spPr>
+        <p:style>
+          <a:lnRef idx="1">
+            <a:schemeClr val="accent1"/>
+          </a:lnRef>
+          <a:fillRef idx="0">
+            <a:schemeClr val="accent1"/>
+          </a:fillRef>
+          <a:effectRef idx="0">
+            <a:schemeClr val="accent1"/>
+          </a:effectRef>
+          <a:fontRef idx="minor">
+            <a:schemeClr val="tx1"/>
+          </a:fontRef>
+        </p:style>
+      </p:cxnSp>
+      <p:cxnSp>
+        <p:nvCxnSpPr>
+          <p:cNvPr id="38" name="직선 화살표 연결선 37">
+            <a:extLst>
+              <a:ext uri="{FF2B5EF4-FFF2-40B4-BE49-F238E27FC236}">
+                <a16:creationId xmlns:a16="http://schemas.microsoft.com/office/drawing/2014/main" id="{A2A4FF3D-A951-EA06-3059-2B3DFFB5E63E}"/>
+              </a:ext>
+            </a:extLst>
+          </p:cNvPr>
+          <p:cNvCxnSpPr>
+            <a:cxnSpLocks/>
+          </p:cNvCxnSpPr>
+          <p:nvPr/>
+        </p:nvCxnSpPr>
+        <p:spPr>
+          <a:xfrm flipV="1">
+            <a:off x="3540237" y="3813713"/>
+            <a:ext cx="0" cy="479571"/>
+          </a:xfrm>
+          <a:prstGeom prst="straightConnector1">
+            <a:avLst/>
+          </a:prstGeom>
+          <a:ln w="57150">
+            <a:solidFill>
+              <a:schemeClr val="tx1"/>
+            </a:solidFill>
+            <a:tailEnd type="triangle"/>
+          </a:ln>
+        </p:spPr>
+        <p:style>
+          <a:lnRef idx="1">
+            <a:schemeClr val="accent1"/>
+          </a:lnRef>
+          <a:fillRef idx="0">
+            <a:schemeClr val="accent1"/>
+          </a:fillRef>
+          <a:effectRef idx="0">
+            <a:schemeClr val="accent1"/>
+          </a:effectRef>
+          <a:fontRef idx="minor">
+            <a:schemeClr val="tx1"/>
+          </a:fontRef>
+        </p:style>
+      </p:cxnSp>
+      <p:sp>
+        <p:nvSpPr>
+          <p:cNvPr id="46" name="TextBox 45">
+            <a:extLst>
+              <a:ext uri="{FF2B5EF4-FFF2-40B4-BE49-F238E27FC236}">
+                <a16:creationId xmlns:a16="http://schemas.microsoft.com/office/drawing/2014/main" id="{1201F5FE-2981-DC2C-0670-F7D977C7F621}"/>
+              </a:ext>
+            </a:extLst>
+          </p:cNvPr>
+          <p:cNvSpPr txBox="1"/>
+          <p:nvPr/>
+        </p:nvSpPr>
+        <p:spPr>
+          <a:xfrm>
+            <a:off x="7130521" y="2145627"/>
+            <a:ext cx="997526" cy="738664"/>
+          </a:xfrm>
+          <a:prstGeom prst="rect">
+            <a:avLst/>
+          </a:prstGeom>
+          <a:noFill/>
+        </p:spPr>
+        <p:txBody>
+          <a:bodyPr wrap="square" rtlCol="0">
+            <a:spAutoFit/>
+          </a:bodyPr>
+          <a:lstStyle/>
+          <a:p>
+            <a:r>
+              <a:rPr lang="en-US" altLang="ko-KR" sz="1400" b="1"/>
+              <a:t>Start</a:t>
+            </a:r>
+            <a:br>
+              <a:rPr lang="en-US" altLang="ko-KR" sz="1400" b="1"/>
+            </a:br>
+            <a:r>
+              <a:rPr lang="en-US" altLang="ko-KR" sz="1400" b="1"/>
+              <a:t>&amp;&amp;</a:t>
+            </a:r>
+            <a:br>
+              <a:rPr lang="en-US" altLang="ko-KR" sz="1400" b="1"/>
+            </a:br>
+            <a:r>
+              <a:rPr lang="en-US" altLang="ko-KR" sz="1400" b="1"/>
+              <a:t>mode1</a:t>
+            </a:r>
+            <a:endParaRPr lang="ko-KR" altLang="en-US" sz="1400" b="1"/>
+          </a:p>
+        </p:txBody>
+      </p:sp>
+      <p:cxnSp>
+        <p:nvCxnSpPr>
+          <p:cNvPr id="16" name="직선 화살표 연결선 15">
+            <a:extLst>
+              <a:ext uri="{FF2B5EF4-FFF2-40B4-BE49-F238E27FC236}">
+                <a16:creationId xmlns:a16="http://schemas.microsoft.com/office/drawing/2014/main" id="{C271B28B-AAD8-43E0-D42F-37BEC6DDE5EF}"/>
+              </a:ext>
+            </a:extLst>
+          </p:cNvPr>
+          <p:cNvCxnSpPr>
+            <a:cxnSpLocks/>
+          </p:cNvCxnSpPr>
+          <p:nvPr/>
+        </p:nvCxnSpPr>
+        <p:spPr>
+          <a:xfrm flipH="1">
+            <a:off x="4421927" y="5128285"/>
+            <a:ext cx="2996156" cy="0"/>
+          </a:xfrm>
+          <a:prstGeom prst="straightConnector1">
+            <a:avLst/>
+          </a:prstGeom>
+          <a:ln w="57150">
+            <a:solidFill>
+              <a:schemeClr val="tx1"/>
+            </a:solidFill>
+            <a:tailEnd type="triangle"/>
+          </a:ln>
+        </p:spPr>
+        <p:style>
+          <a:lnRef idx="1">
+            <a:schemeClr val="accent1"/>
+          </a:lnRef>
+          <a:fillRef idx="0">
+            <a:schemeClr val="accent1"/>
+          </a:fillRef>
+          <a:effectRef idx="0">
+            <a:schemeClr val="accent1"/>
+          </a:effectRef>
+          <a:fontRef idx="minor">
+            <a:schemeClr val="tx1"/>
+          </a:fontRef>
+        </p:style>
+      </p:cxnSp>
+      <p:sp>
+        <p:nvSpPr>
+          <p:cNvPr id="18" name="TextBox 17">
+            <a:extLst>
+              <a:ext uri="{FF2B5EF4-FFF2-40B4-BE49-F238E27FC236}">
+                <a16:creationId xmlns:a16="http://schemas.microsoft.com/office/drawing/2014/main" id="{9249D581-A865-7BAE-9286-543009905A4C}"/>
+              </a:ext>
+            </a:extLst>
+          </p:cNvPr>
+          <p:cNvSpPr txBox="1"/>
+          <p:nvPr/>
+        </p:nvSpPr>
+        <p:spPr>
+          <a:xfrm>
+            <a:off x="4674363" y="4096905"/>
+            <a:ext cx="1738492" cy="769441"/>
+          </a:xfrm>
+          <a:prstGeom prst="rect">
+            <a:avLst/>
+          </a:prstGeom>
+          <a:noFill/>
+        </p:spPr>
+        <p:txBody>
+          <a:bodyPr wrap="square">
+            <a:spAutoFit/>
+          </a:bodyPr>
+          <a:lstStyle/>
+          <a:p>
+            <a:r>
+              <a:rPr lang="en-US" altLang="ko-KR" sz="1100" b="1"/>
+              <a:t>CORE_done</a:t>
+            </a:r>
+          </a:p>
+          <a:p>
+            <a:r>
+              <a:rPr lang="en-US" altLang="ko-KR" sz="1100" b="1"/>
+              <a:t>&amp;&amp;</a:t>
+            </a:r>
+          </a:p>
+          <a:p>
+            <a:r>
+              <a:rPr lang="en-US" altLang="ko-KR" sz="1100" b="1"/>
+              <a:t>(cnt_row != 539</a:t>
+            </a:r>
+          </a:p>
+          <a:p>
+            <a:r>
+              <a:rPr lang="en-US" altLang="ko-KR" sz="1100" b="1"/>
+              <a:t>&amp;&amp; cnt_col</a:t>
+            </a:r>
+            <a:r>
+              <a:rPr lang="ko-KR" altLang="en-US" sz="1100" b="1"/>
+              <a:t> </a:t>
+            </a:r>
+            <a:r>
+              <a:rPr lang="en-US" altLang="ko-KR" sz="1100" b="1"/>
+              <a:t>==</a:t>
+            </a:r>
+            <a:r>
+              <a:rPr lang="ko-KR" altLang="en-US" sz="1100" b="1"/>
+              <a:t> </a:t>
+            </a:r>
+            <a:r>
+              <a:rPr lang="en-US" altLang="ko-KR" sz="1100" b="1"/>
+              <a:t>539)</a:t>
+            </a:r>
+            <a:endParaRPr lang="ko-KR" altLang="en-US" sz="1100"/>
+          </a:p>
+        </p:txBody>
+      </p:sp>
+      <p:sp>
+        <p:nvSpPr>
+          <p:cNvPr id="49" name="TextBox 48">
+            <a:extLst>
+              <a:ext uri="{FF2B5EF4-FFF2-40B4-BE49-F238E27FC236}">
+                <a16:creationId xmlns:a16="http://schemas.microsoft.com/office/drawing/2014/main" id="{FDA7E81D-1E5D-08E9-7395-EE667D6C6F78}"/>
+              </a:ext>
+            </a:extLst>
+          </p:cNvPr>
+          <p:cNvSpPr txBox="1"/>
+          <p:nvPr/>
+        </p:nvSpPr>
+        <p:spPr>
+          <a:xfrm>
+            <a:off x="880744" y="3675495"/>
+            <a:ext cx="2564224" cy="553998"/>
+          </a:xfrm>
+          <a:prstGeom prst="rect">
+            <a:avLst/>
+          </a:prstGeom>
+          <a:noFill/>
+        </p:spPr>
+        <p:txBody>
+          <a:bodyPr wrap="square">
+            <a:spAutoFit/>
+          </a:bodyPr>
+          <a:lstStyle/>
+          <a:p>
+            <a:r>
+              <a:rPr lang="en-US" altLang="ko-KR" sz="1000" b="1"/>
+              <a:t>CORE_done</a:t>
+            </a:r>
+          </a:p>
+          <a:p>
+            <a:r>
+              <a:rPr lang="en-US" altLang="ko-KR" sz="1000" b="1"/>
+              <a:t>&amp;&amp;</a:t>
+            </a:r>
+          </a:p>
+          <a:p>
+            <a:r>
+              <a:rPr lang="en-US" altLang="ko-KR" sz="1000" b="1"/>
+              <a:t>(cnt_row == 539 &amp;&amp; cnt_col</a:t>
+            </a:r>
+            <a:r>
+              <a:rPr lang="ko-KR" altLang="en-US" sz="1000" b="1"/>
+              <a:t> </a:t>
+            </a:r>
+            <a:r>
+              <a:rPr lang="en-US" altLang="ko-KR" sz="1000" b="1"/>
+              <a:t>==</a:t>
+            </a:r>
+            <a:r>
+              <a:rPr lang="ko-KR" altLang="en-US" sz="1000" b="1"/>
+              <a:t> </a:t>
+            </a:r>
+            <a:r>
+              <a:rPr lang="en-US" altLang="ko-KR" sz="1000" b="1"/>
+              <a:t>539)</a:t>
+            </a:r>
+            <a:endParaRPr lang="ko-KR" altLang="en-US" sz="1000"/>
+          </a:p>
+        </p:txBody>
+      </p:sp>
+      <p:sp>
+        <p:nvSpPr>
+          <p:cNvPr id="6" name="화살표: 아래로 구부러짐 5">
+            <a:extLst>
+              <a:ext uri="{FF2B5EF4-FFF2-40B4-BE49-F238E27FC236}">
+                <a16:creationId xmlns:a16="http://schemas.microsoft.com/office/drawing/2014/main" id="{396B3BE6-8EAF-58E7-CB50-443B8986BAD4}"/>
+              </a:ext>
+            </a:extLst>
+          </p:cNvPr>
+          <p:cNvSpPr/>
+          <p:nvPr/>
+        </p:nvSpPr>
+        <p:spPr>
+          <a:xfrm rot="7549221">
+            <a:off x="8707792" y="5365950"/>
+            <a:ext cx="884382" cy="489998"/>
+          </a:xfrm>
+          <a:prstGeom prst="curvedDownArrow">
+            <a:avLst/>
+          </a:prstGeom>
+        </p:spPr>
+        <p:style>
+          <a:lnRef idx="2">
+            <a:schemeClr val="accent1">
+              <a:shade val="50000"/>
+            </a:schemeClr>
+          </a:lnRef>
+          <a:fillRef idx="1">
+            <a:schemeClr val="accent1"/>
+          </a:fillRef>
+          <a:effectRef idx="0">
+            <a:schemeClr val="accent1"/>
+          </a:effectRef>
+          <a:fontRef idx="minor">
+            <a:schemeClr val="lt1"/>
+          </a:fontRef>
+        </p:style>
+        <p:txBody>
+          <a:bodyPr rtlCol="0" anchor="ctr"/>
+          <a:lstStyle/>
+          <a:p>
+            <a:pPr algn="ctr"/>
+            <a:endParaRPr lang="ko-KR" altLang="en-US">
+              <a:solidFill>
+                <a:schemeClr val="tx1"/>
+              </a:solidFill>
+            </a:endParaRPr>
+          </a:p>
+        </p:txBody>
+      </p:sp>
+      <p:sp>
+        <p:nvSpPr>
+          <p:cNvPr id="11" name="타원 10">
+            <a:extLst>
+              <a:ext uri="{FF2B5EF4-FFF2-40B4-BE49-F238E27FC236}">
+                <a16:creationId xmlns:a16="http://schemas.microsoft.com/office/drawing/2014/main" id="{D84FB47C-F2E4-4FE9-6FB5-CFDC305D7C8A}"/>
+              </a:ext>
+            </a:extLst>
+          </p:cNvPr>
+          <p:cNvSpPr/>
+          <p:nvPr/>
+        </p:nvSpPr>
+        <p:spPr>
+          <a:xfrm>
+            <a:off x="7681582" y="918237"/>
+            <a:ext cx="1270001" cy="1214582"/>
+          </a:xfrm>
+          <a:prstGeom prst="ellipse">
+            <a:avLst/>
+          </a:prstGeom>
+        </p:spPr>
+        <p:style>
+          <a:lnRef idx="2">
+            <a:schemeClr val="accent1">
+              <a:shade val="50000"/>
+            </a:schemeClr>
+          </a:lnRef>
+          <a:fillRef idx="1">
+            <a:schemeClr val="accent1"/>
+          </a:fillRef>
+          <a:effectRef idx="0">
+            <a:schemeClr val="accent1"/>
+          </a:effectRef>
+          <a:fontRef idx="minor">
+            <a:schemeClr val="lt1"/>
+          </a:fontRef>
+        </p:style>
+        <p:txBody>
+          <a:bodyPr rtlCol="0" anchor="ctr"/>
+          <a:lstStyle/>
+          <a:p>
+            <a:pPr algn="ctr"/>
+            <a:r>
+              <a:rPr lang="en-US" altLang="ko-KR" sz="2000"/>
+              <a:t>VGA_RUN</a:t>
+            </a:r>
+            <a:endParaRPr lang="ko-KR" altLang="en-US" sz="2000"/>
+          </a:p>
+        </p:txBody>
+      </p:sp>
+      <p:cxnSp>
+        <p:nvCxnSpPr>
+          <p:cNvPr id="13" name="직선 화살표 연결선 12">
+            <a:extLst>
+              <a:ext uri="{FF2B5EF4-FFF2-40B4-BE49-F238E27FC236}">
+                <a16:creationId xmlns:a16="http://schemas.microsoft.com/office/drawing/2014/main" id="{E46DDF2B-B835-183B-B6AD-A8D3E925E51A}"/>
+              </a:ext>
+            </a:extLst>
+          </p:cNvPr>
+          <p:cNvCxnSpPr>
+            <a:cxnSpLocks/>
+          </p:cNvCxnSpPr>
+          <p:nvPr/>
+        </p:nvCxnSpPr>
+        <p:spPr>
+          <a:xfrm flipV="1">
+            <a:off x="6594764" y="1750093"/>
+            <a:ext cx="994762" cy="855265"/>
+          </a:xfrm>
+          <a:prstGeom prst="straightConnector1">
+            <a:avLst/>
+          </a:prstGeom>
+          <a:ln w="57150">
+            <a:solidFill>
+              <a:schemeClr val="tx1"/>
+            </a:solidFill>
+            <a:tailEnd type="triangle"/>
+          </a:ln>
+        </p:spPr>
+        <p:style>
+          <a:lnRef idx="1">
+            <a:schemeClr val="accent1"/>
+          </a:lnRef>
+          <a:fillRef idx="0">
+            <a:schemeClr val="accent1"/>
+          </a:fillRef>
+          <a:effectRef idx="0">
+            <a:schemeClr val="accent1"/>
+          </a:effectRef>
+          <a:fontRef idx="minor">
+            <a:schemeClr val="tx1"/>
+          </a:fontRef>
+        </p:style>
+      </p:cxnSp>
+      <p:sp>
+        <p:nvSpPr>
+          <p:cNvPr id="15" name="TextBox 14">
+            <a:extLst>
+              <a:ext uri="{FF2B5EF4-FFF2-40B4-BE49-F238E27FC236}">
+                <a16:creationId xmlns:a16="http://schemas.microsoft.com/office/drawing/2014/main" id="{6F1F4745-2FD2-4336-6445-2DD7E70E76FF}"/>
+              </a:ext>
+            </a:extLst>
+          </p:cNvPr>
+          <p:cNvSpPr txBox="1"/>
+          <p:nvPr/>
+        </p:nvSpPr>
+        <p:spPr>
+          <a:xfrm>
+            <a:off x="7021042" y="3444381"/>
+            <a:ext cx="997526" cy="738664"/>
+          </a:xfrm>
+          <a:prstGeom prst="rect">
+            <a:avLst/>
+          </a:prstGeom>
+          <a:noFill/>
+        </p:spPr>
+        <p:txBody>
+          <a:bodyPr wrap="square" rtlCol="0">
+            <a:spAutoFit/>
+          </a:bodyPr>
+          <a:lstStyle/>
+          <a:p>
+            <a:r>
+              <a:rPr lang="en-US" altLang="ko-KR" sz="1400" b="1"/>
+              <a:t>Start</a:t>
+            </a:r>
+            <a:br>
+              <a:rPr lang="en-US" altLang="ko-KR" sz="1400" b="1"/>
+            </a:br>
+            <a:r>
+              <a:rPr lang="en-US" altLang="ko-KR" sz="1400" b="1"/>
+              <a:t>&amp;&amp;</a:t>
+            </a:r>
+            <a:br>
+              <a:rPr lang="en-US" altLang="ko-KR" sz="1400" b="1"/>
+            </a:br>
+            <a:r>
+              <a:rPr lang="en-US" altLang="ko-KR" sz="1400" b="1"/>
+              <a:t>mode2</a:t>
+            </a:r>
+            <a:endParaRPr lang="ko-KR" altLang="en-US" sz="1400" b="1"/>
+          </a:p>
+        </p:txBody>
+      </p:sp>
+      <p:cxnSp>
+        <p:nvCxnSpPr>
+          <p:cNvPr id="19" name="연결선: 꺾임 18">
+            <a:extLst>
+              <a:ext uri="{FF2B5EF4-FFF2-40B4-BE49-F238E27FC236}">
+                <a16:creationId xmlns:a16="http://schemas.microsoft.com/office/drawing/2014/main" id="{0356A786-DA09-DAE9-6156-C2E0E09B7667}"/>
+              </a:ext>
+            </a:extLst>
+          </p:cNvPr>
+          <p:cNvCxnSpPr/>
+          <p:nvPr/>
+        </p:nvCxnSpPr>
+        <p:spPr>
+          <a:xfrm rot="10800000" flipV="1">
+            <a:off x="3534155" y="1265381"/>
+            <a:ext cx="3985651" cy="1052945"/>
+          </a:xfrm>
+          <a:prstGeom prst="bentConnector3">
+            <a:avLst>
+              <a:gd name="adj1" fmla="val 99824"/>
+            </a:avLst>
+          </a:prstGeom>
+          <a:ln w="57150">
+            <a:solidFill>
+              <a:schemeClr val="tx1"/>
+            </a:solidFill>
+            <a:tailEnd type="triangle"/>
+          </a:ln>
+        </p:spPr>
+        <p:style>
+          <a:lnRef idx="1">
+            <a:schemeClr val="accent1"/>
+          </a:lnRef>
+          <a:fillRef idx="0">
+            <a:schemeClr val="accent1"/>
+          </a:fillRef>
+          <a:effectRef idx="0">
+            <a:schemeClr val="accent1"/>
+          </a:effectRef>
+          <a:fontRef idx="minor">
+            <a:schemeClr val="tx1"/>
+          </a:fontRef>
+        </p:style>
+      </p:cxnSp>
+      <p:sp>
+        <p:nvSpPr>
+          <p:cNvPr id="26" name="화살표: 아래로 구부러짐 25">
+            <a:extLst>
+              <a:ext uri="{FF2B5EF4-FFF2-40B4-BE49-F238E27FC236}">
+                <a16:creationId xmlns:a16="http://schemas.microsoft.com/office/drawing/2014/main" id="{60454895-9AE1-C0A3-CC6A-648B5DDDC3C5}"/>
+              </a:ext>
+            </a:extLst>
+          </p:cNvPr>
+          <p:cNvSpPr/>
+          <p:nvPr/>
+        </p:nvSpPr>
+        <p:spPr>
+          <a:xfrm rot="2866139">
+            <a:off x="8707792" y="788444"/>
+            <a:ext cx="884382" cy="489998"/>
+          </a:xfrm>
+          <a:prstGeom prst="curvedDownArrow">
+            <a:avLst/>
+          </a:prstGeom>
+        </p:spPr>
+        <p:style>
+          <a:lnRef idx="2">
+            <a:schemeClr val="accent1">
+              <a:shade val="50000"/>
+            </a:schemeClr>
+          </a:lnRef>
+          <a:fillRef idx="1">
+            <a:schemeClr val="accent1"/>
+          </a:fillRef>
+          <a:effectRef idx="0">
+            <a:schemeClr val="accent1"/>
+          </a:effectRef>
+          <a:fontRef idx="minor">
+            <a:schemeClr val="lt1"/>
+          </a:fontRef>
+        </p:style>
+        <p:txBody>
+          <a:bodyPr rtlCol="0" anchor="ctr"/>
+          <a:lstStyle/>
+          <a:p>
+            <a:pPr algn="ctr"/>
+            <a:endParaRPr lang="ko-KR" altLang="en-US">
+              <a:solidFill>
+                <a:schemeClr val="tx1"/>
+              </a:solidFill>
+            </a:endParaRPr>
+          </a:p>
+        </p:txBody>
+      </p:sp>
+      <p:sp>
+        <p:nvSpPr>
+          <p:cNvPr id="28" name="화살표: 아래로 구부러짐 27">
+            <a:extLst>
+              <a:ext uri="{FF2B5EF4-FFF2-40B4-BE49-F238E27FC236}">
+                <a16:creationId xmlns:a16="http://schemas.microsoft.com/office/drawing/2014/main" id="{2828DCA1-B29E-F44E-F254-C5EAB1DCDE02}"/>
+              </a:ext>
+            </a:extLst>
+          </p:cNvPr>
+          <p:cNvSpPr/>
+          <p:nvPr/>
+        </p:nvSpPr>
+        <p:spPr>
+          <a:xfrm rot="13672577">
+            <a:off x="2260253" y="5375588"/>
+            <a:ext cx="884382" cy="489998"/>
+          </a:xfrm>
+          <a:prstGeom prst="curvedDownArrow">
+            <a:avLst/>
+          </a:prstGeom>
+        </p:spPr>
+        <p:style>
+          <a:lnRef idx="2">
+            <a:schemeClr val="accent1">
+              <a:shade val="50000"/>
+            </a:schemeClr>
+          </a:lnRef>
+          <a:fillRef idx="1">
+            <a:schemeClr val="accent1"/>
+          </a:fillRef>
+          <a:effectRef idx="0">
+            <a:schemeClr val="accent1"/>
+          </a:effectRef>
+          <a:fontRef idx="minor">
+            <a:schemeClr val="lt1"/>
+          </a:fontRef>
+        </p:style>
+        <p:txBody>
+          <a:bodyPr rtlCol="0" anchor="ctr"/>
+          <a:lstStyle/>
+          <a:p>
+            <a:pPr algn="ctr"/>
+            <a:endParaRPr lang="ko-KR" altLang="en-US">
+              <a:solidFill>
+                <a:schemeClr val="tx1"/>
+              </a:solidFill>
+            </a:endParaRPr>
+          </a:p>
+        </p:txBody>
+      </p:sp>
+      <p:sp>
+        <p:nvSpPr>
+          <p:cNvPr id="31" name="TextBox 30">
+            <a:extLst>
+              <a:ext uri="{FF2B5EF4-FFF2-40B4-BE49-F238E27FC236}">
+                <a16:creationId xmlns:a16="http://schemas.microsoft.com/office/drawing/2014/main" id="{659AA024-98FE-4291-2C62-B7FBBA5636DA}"/>
+              </a:ext>
+            </a:extLst>
+          </p:cNvPr>
+          <p:cNvSpPr txBox="1"/>
+          <p:nvPr/>
+        </p:nvSpPr>
+        <p:spPr>
+          <a:xfrm>
+            <a:off x="4692854" y="5186879"/>
+            <a:ext cx="1527462" cy="307777"/>
+          </a:xfrm>
+          <a:prstGeom prst="rect">
+            <a:avLst/>
+          </a:prstGeom>
+          <a:noFill/>
+        </p:spPr>
+        <p:txBody>
+          <a:bodyPr wrap="square">
+            <a:spAutoFit/>
+          </a:bodyPr>
+          <a:lstStyle/>
+          <a:p>
+            <a:r>
+              <a:rPr lang="en-US" altLang="ko-KR" sz="1400" b="1"/>
+              <a:t>Fetch_done</a:t>
+            </a:r>
+            <a:endParaRPr lang="ko-KR" altLang="en-US" sz="1400"/>
+          </a:p>
+        </p:txBody>
+      </p:sp>
+    </p:spTree>
+    <p:extLst>
+      <p:ext uri="{BB962C8B-B14F-4D97-AF65-F5344CB8AC3E}">
+        <p14:creationId xmlns:p14="http://schemas.microsoft.com/office/powerpoint/2010/main" val="764271432"/>
+      </p:ext>
+    </p:extLst>
+  </p:cSld>
+  <p:clrMapOvr>
+    <a:masterClrMapping/>
+  </p:clrMapOvr>
+</p:sld>
+</file>
+
 <file path=ppt/slides/slide2.xml><?xml version="1.0" encoding="utf-8"?>
 <p:sld xmlns:a="http://schemas.openxmlformats.org/drawingml/2006/main" xmlns:r="http://schemas.openxmlformats.org/officeDocument/2006/relationships" xmlns:p="http://schemas.openxmlformats.org/presentationml/2006/main">
   <p:cSld>

--- a/Plan.pptx
+++ b/Plan.pptx
@@ -19,7 +19,8 @@
     <p:sldId id="269" r:id="rId13"/>
     <p:sldId id="271" r:id="rId14"/>
     <p:sldId id="273" r:id="rId15"/>
-    <p:sldId id="272" r:id="rId16"/>
+    <p:sldId id="274" r:id="rId16"/>
+    <p:sldId id="272" r:id="rId17"/>
   </p:sldIdLst>
   <p:sldSz cx="12192000" cy="6858000"/>
   <p:notesSz cx="6858000" cy="9144000"/>
@@ -273,7 +274,7 @@
           <a:p>
             <a:fld id="{F40FDB6E-BDDC-4D37-83E8-28D8DD78524D}" type="datetimeFigureOut">
               <a:rPr lang="ko-KR" altLang="en-US" smtClean="0"/>
-              <a:t>2023-05-22</a:t>
+              <a:t>2023-05-26</a:t>
             </a:fld>
             <a:endParaRPr lang="ko-KR" altLang="en-US"/>
           </a:p>
@@ -471,7 +472,7 @@
           <a:p>
             <a:fld id="{F40FDB6E-BDDC-4D37-83E8-28D8DD78524D}" type="datetimeFigureOut">
               <a:rPr lang="ko-KR" altLang="en-US" smtClean="0"/>
-              <a:t>2023-05-22</a:t>
+              <a:t>2023-05-26</a:t>
             </a:fld>
             <a:endParaRPr lang="ko-KR" altLang="en-US"/>
           </a:p>
@@ -679,7 +680,7 @@
           <a:p>
             <a:fld id="{F40FDB6E-BDDC-4D37-83E8-28D8DD78524D}" type="datetimeFigureOut">
               <a:rPr lang="ko-KR" altLang="en-US" smtClean="0"/>
-              <a:t>2023-05-22</a:t>
+              <a:t>2023-05-26</a:t>
             </a:fld>
             <a:endParaRPr lang="ko-KR" altLang="en-US"/>
           </a:p>
@@ -877,7 +878,7 @@
           <a:p>
             <a:fld id="{F40FDB6E-BDDC-4D37-83E8-28D8DD78524D}" type="datetimeFigureOut">
               <a:rPr lang="ko-KR" altLang="en-US" smtClean="0"/>
-              <a:t>2023-05-22</a:t>
+              <a:t>2023-05-26</a:t>
             </a:fld>
             <a:endParaRPr lang="ko-KR" altLang="en-US"/>
           </a:p>
@@ -1152,7 +1153,7 @@
           <a:p>
             <a:fld id="{F40FDB6E-BDDC-4D37-83E8-28D8DD78524D}" type="datetimeFigureOut">
               <a:rPr lang="ko-KR" altLang="en-US" smtClean="0"/>
-              <a:t>2023-05-22</a:t>
+              <a:t>2023-05-26</a:t>
             </a:fld>
             <a:endParaRPr lang="ko-KR" altLang="en-US"/>
           </a:p>
@@ -1417,7 +1418,7 @@
           <a:p>
             <a:fld id="{F40FDB6E-BDDC-4D37-83E8-28D8DD78524D}" type="datetimeFigureOut">
               <a:rPr lang="ko-KR" altLang="en-US" smtClean="0"/>
-              <a:t>2023-05-22</a:t>
+              <a:t>2023-05-26</a:t>
             </a:fld>
             <a:endParaRPr lang="ko-KR" altLang="en-US"/>
           </a:p>
@@ -1829,7 +1830,7 @@
           <a:p>
             <a:fld id="{F40FDB6E-BDDC-4D37-83E8-28D8DD78524D}" type="datetimeFigureOut">
               <a:rPr lang="ko-KR" altLang="en-US" smtClean="0"/>
-              <a:t>2023-05-22</a:t>
+              <a:t>2023-05-26</a:t>
             </a:fld>
             <a:endParaRPr lang="ko-KR" altLang="en-US"/>
           </a:p>
@@ -1970,7 +1971,7 @@
           <a:p>
             <a:fld id="{F40FDB6E-BDDC-4D37-83E8-28D8DD78524D}" type="datetimeFigureOut">
               <a:rPr lang="ko-KR" altLang="en-US" smtClean="0"/>
-              <a:t>2023-05-22</a:t>
+              <a:t>2023-05-26</a:t>
             </a:fld>
             <a:endParaRPr lang="ko-KR" altLang="en-US"/>
           </a:p>
@@ -2083,7 +2084,7 @@
           <a:p>
             <a:fld id="{F40FDB6E-BDDC-4D37-83E8-28D8DD78524D}" type="datetimeFigureOut">
               <a:rPr lang="ko-KR" altLang="en-US" smtClean="0"/>
-              <a:t>2023-05-22</a:t>
+              <a:t>2023-05-26</a:t>
             </a:fld>
             <a:endParaRPr lang="ko-KR" altLang="en-US"/>
           </a:p>
@@ -2394,7 +2395,7 @@
           <a:p>
             <a:fld id="{F40FDB6E-BDDC-4D37-83E8-28D8DD78524D}" type="datetimeFigureOut">
               <a:rPr lang="ko-KR" altLang="en-US" smtClean="0"/>
-              <a:t>2023-05-22</a:t>
+              <a:t>2023-05-26</a:t>
             </a:fld>
             <a:endParaRPr lang="ko-KR" altLang="en-US"/>
           </a:p>
@@ -2682,7 +2683,7 @@
           <a:p>
             <a:fld id="{F40FDB6E-BDDC-4D37-83E8-28D8DD78524D}" type="datetimeFigureOut">
               <a:rPr lang="ko-KR" altLang="en-US" smtClean="0"/>
-              <a:t>2023-05-22</a:t>
+              <a:t>2023-05-26</a:t>
             </a:fld>
             <a:endParaRPr lang="ko-KR" altLang="en-US"/>
           </a:p>
@@ -2923,7 +2924,7 @@
           <a:p>
             <a:fld id="{F40FDB6E-BDDC-4D37-83E8-28D8DD78524D}" type="datetimeFigureOut">
               <a:rPr lang="ko-KR" altLang="en-US" smtClean="0"/>
-              <a:t>2023-05-22</a:t>
+              <a:t>2023-05-26</a:t>
             </a:fld>
             <a:endParaRPr lang="ko-KR" altLang="en-US"/>
           </a:p>
@@ -16752,7 +16753,7 @@
         </p:nvCxnSpPr>
         <p:spPr>
           <a:xfrm flipV="1">
-            <a:off x="2225888" y="2744231"/>
+            <a:off x="2342267" y="2743999"/>
             <a:ext cx="0" cy="567177"/>
           </a:xfrm>
           <a:prstGeom prst="line">
@@ -17498,7 +17499,7 @@
         </p:nvCxnSpPr>
         <p:spPr>
           <a:xfrm>
-            <a:off x="2362621" y="2841332"/>
+            <a:off x="2479000" y="2841100"/>
             <a:ext cx="0" cy="382951"/>
           </a:xfrm>
           <a:prstGeom prst="straightConnector1">
@@ -17584,7 +17585,7 @@
         </p:nvSpPr>
         <p:spPr>
           <a:xfrm>
-            <a:off x="2419507" y="2841332"/>
+            <a:off x="2535886" y="2841100"/>
             <a:ext cx="406400" cy="369332"/>
           </a:xfrm>
           <a:prstGeom prst="rect">
@@ -20384,6 +20385,5213 @@
 </file>
 
 <file path=ppt/slides/slide15.xml><?xml version="1.0" encoding="utf-8"?>
+<p:sld xmlns:a="http://schemas.openxmlformats.org/drawingml/2006/main" xmlns:r="http://schemas.openxmlformats.org/officeDocument/2006/relationships" xmlns:p="http://schemas.openxmlformats.org/presentationml/2006/main">
+  <p:cSld>
+    <p:spTree>
+      <p:nvGrpSpPr>
+        <p:cNvPr id="1" name=""/>
+        <p:cNvGrpSpPr/>
+        <p:nvPr/>
+      </p:nvGrpSpPr>
+      <p:grpSpPr>
+        <a:xfrm>
+          <a:off x="0" y="0"/>
+          <a:ext cx="0" cy="0"/>
+          <a:chOff x="0" y="0"/>
+          <a:chExt cx="0" cy="0"/>
+        </a:xfrm>
+      </p:grpSpPr>
+      <p:pic>
+        <p:nvPicPr>
+          <p:cNvPr id="18" name="Picture 4" descr="On 및 Off 위치. 스위치 벡터 일러스트 레이 션. 로열티 무료 사진, 그림, 이미지 그리고 스톡포토그래피. Image  36790697.">
+            <a:extLst>
+              <a:ext uri="{FF2B5EF4-FFF2-40B4-BE49-F238E27FC236}">
+                <a16:creationId xmlns:a16="http://schemas.microsoft.com/office/drawing/2014/main" id="{361EB3E9-8938-0AF7-235B-92E5D07E6F33}"/>
+              </a:ext>
+            </a:extLst>
+          </p:cNvPr>
+          <p:cNvPicPr>
+            <a:picLocks noChangeAspect="1" noChangeArrowheads="1"/>
+          </p:cNvPicPr>
+          <p:nvPr/>
+        </p:nvPicPr>
+        <p:blipFill>
+          <a:blip r:embed="rId2">
+            <a:extLst>
+              <a:ext uri="{28A0092B-C50C-407E-A947-70E740481C1C}">
+                <a14:useLocalDpi xmlns:a14="http://schemas.microsoft.com/office/drawing/2010/main" val="0"/>
+              </a:ext>
+            </a:extLst>
+          </a:blip>
+          <a:srcRect/>
+          <a:stretch>
+            <a:fillRect/>
+          </a:stretch>
+        </p:blipFill>
+        <p:spPr bwMode="auto">
+          <a:xfrm>
+            <a:off x="145674" y="454705"/>
+            <a:ext cx="1041715" cy="1094039"/>
+          </a:xfrm>
+          <a:prstGeom prst="rect">
+            <a:avLst/>
+          </a:prstGeom>
+          <a:noFill/>
+          <a:extLst>
+            <a:ext uri="{909E8E84-426E-40DD-AFC4-6F175D3DCCD1}">
+              <a14:hiddenFill xmlns:a14="http://schemas.microsoft.com/office/drawing/2010/main">
+                <a:solidFill>
+                  <a:srgbClr val="FFFFFF"/>
+                </a:solidFill>
+              </a14:hiddenFill>
+            </a:ext>
+          </a:extLst>
+        </p:spPr>
+      </p:pic>
+      <p:sp>
+        <p:nvSpPr>
+          <p:cNvPr id="1035" name="직사각형 1034">
+            <a:extLst>
+              <a:ext uri="{FF2B5EF4-FFF2-40B4-BE49-F238E27FC236}">
+                <a16:creationId xmlns:a16="http://schemas.microsoft.com/office/drawing/2014/main" id="{C4311237-9CED-AFE6-ECD9-D59FD4CEB8F3}"/>
+              </a:ext>
+            </a:extLst>
+          </p:cNvPr>
+          <p:cNvSpPr/>
+          <p:nvPr/>
+        </p:nvSpPr>
+        <p:spPr>
+          <a:xfrm>
+            <a:off x="16928" y="5790027"/>
+            <a:ext cx="1256144" cy="1067971"/>
+          </a:xfrm>
+          <a:prstGeom prst="rect">
+            <a:avLst/>
+          </a:prstGeom>
+          <a:solidFill>
+            <a:schemeClr val="bg1">
+              <a:lumMod val="95000"/>
+            </a:schemeClr>
+          </a:solidFill>
+          <a:ln w="28575">
+            <a:solidFill>
+              <a:schemeClr val="tx1"/>
+            </a:solidFill>
+          </a:ln>
+        </p:spPr>
+        <p:style>
+          <a:lnRef idx="2">
+            <a:schemeClr val="accent1">
+              <a:shade val="50000"/>
+            </a:schemeClr>
+          </a:lnRef>
+          <a:fillRef idx="1">
+            <a:schemeClr val="accent1"/>
+          </a:fillRef>
+          <a:effectRef idx="0">
+            <a:schemeClr val="accent1"/>
+          </a:effectRef>
+          <a:fontRef idx="minor">
+            <a:schemeClr val="lt1"/>
+          </a:fontRef>
+        </p:style>
+        <p:txBody>
+          <a:bodyPr rtlCol="0" anchor="ctr"/>
+          <a:lstStyle/>
+          <a:p>
+            <a:pPr algn="ctr"/>
+            <a:endParaRPr lang="ko-KR" altLang="en-US" b="1">
+              <a:solidFill>
+                <a:schemeClr val="tx1"/>
+              </a:solidFill>
+            </a:endParaRPr>
+          </a:p>
+        </p:txBody>
+      </p:sp>
+      <p:sp>
+        <p:nvSpPr>
+          <p:cNvPr id="78" name="직사각형 77">
+            <a:extLst>
+              <a:ext uri="{FF2B5EF4-FFF2-40B4-BE49-F238E27FC236}">
+                <a16:creationId xmlns:a16="http://schemas.microsoft.com/office/drawing/2014/main" id="{FB8170F3-4C28-C31A-A643-FDFD71BF9C0D}"/>
+              </a:ext>
+            </a:extLst>
+          </p:cNvPr>
+          <p:cNvSpPr/>
+          <p:nvPr/>
+        </p:nvSpPr>
+        <p:spPr>
+          <a:xfrm>
+            <a:off x="4222600" y="3233530"/>
+            <a:ext cx="4455877" cy="2369953"/>
+          </a:xfrm>
+          <a:prstGeom prst="rect">
+            <a:avLst/>
+          </a:prstGeom>
+          <a:solidFill>
+            <a:schemeClr val="bg1">
+              <a:lumMod val="85000"/>
+            </a:schemeClr>
+          </a:solidFill>
+          <a:ln w="28575">
+            <a:solidFill>
+              <a:schemeClr val="tx1"/>
+            </a:solidFill>
+          </a:ln>
+        </p:spPr>
+        <p:style>
+          <a:lnRef idx="2">
+            <a:schemeClr val="accent1">
+              <a:shade val="50000"/>
+            </a:schemeClr>
+          </a:lnRef>
+          <a:fillRef idx="1">
+            <a:schemeClr val="accent1"/>
+          </a:fillRef>
+          <a:effectRef idx="0">
+            <a:schemeClr val="accent1"/>
+          </a:effectRef>
+          <a:fontRef idx="minor">
+            <a:schemeClr val="lt1"/>
+          </a:fontRef>
+        </p:style>
+        <p:txBody>
+          <a:bodyPr rtlCol="0" anchor="ctr"/>
+          <a:lstStyle/>
+          <a:p>
+            <a:pPr algn="ctr"/>
+            <a:endParaRPr lang="ko-KR" altLang="en-US" b="1">
+              <a:solidFill>
+                <a:schemeClr val="tx1"/>
+              </a:solidFill>
+            </a:endParaRPr>
+          </a:p>
+        </p:txBody>
+      </p:sp>
+      <p:sp>
+        <p:nvSpPr>
+          <p:cNvPr id="3" name="직사각형 2">
+            <a:extLst>
+              <a:ext uri="{FF2B5EF4-FFF2-40B4-BE49-F238E27FC236}">
+                <a16:creationId xmlns:a16="http://schemas.microsoft.com/office/drawing/2014/main" id="{890A6FEE-1935-F9DD-8F90-E7B732C401EC}"/>
+              </a:ext>
+            </a:extLst>
+          </p:cNvPr>
+          <p:cNvSpPr/>
+          <p:nvPr/>
+        </p:nvSpPr>
+        <p:spPr>
+          <a:xfrm>
+            <a:off x="4274777" y="3292156"/>
+            <a:ext cx="2225635" cy="2078255"/>
+          </a:xfrm>
+          <a:prstGeom prst="rect">
+            <a:avLst/>
+          </a:prstGeom>
+          <a:solidFill>
+            <a:schemeClr val="bg1"/>
+          </a:solidFill>
+          <a:ln w="28575">
+            <a:solidFill>
+              <a:schemeClr val="tx1"/>
+            </a:solidFill>
+          </a:ln>
+        </p:spPr>
+        <p:style>
+          <a:lnRef idx="2">
+            <a:schemeClr val="accent1">
+              <a:shade val="50000"/>
+            </a:schemeClr>
+          </a:lnRef>
+          <a:fillRef idx="1">
+            <a:schemeClr val="accent1"/>
+          </a:fillRef>
+          <a:effectRef idx="0">
+            <a:schemeClr val="accent1"/>
+          </a:effectRef>
+          <a:fontRef idx="minor">
+            <a:schemeClr val="lt1"/>
+          </a:fontRef>
+        </p:style>
+        <p:txBody>
+          <a:bodyPr rtlCol="0" anchor="ctr"/>
+          <a:lstStyle/>
+          <a:p>
+            <a:pPr algn="ctr"/>
+            <a:endParaRPr lang="ko-KR" altLang="en-US" b="1">
+              <a:solidFill>
+                <a:schemeClr val="tx1"/>
+              </a:solidFill>
+            </a:endParaRPr>
+          </a:p>
+        </p:txBody>
+      </p:sp>
+      <p:sp>
+        <p:nvSpPr>
+          <p:cNvPr id="4" name="직사각형 3">
+            <a:extLst>
+              <a:ext uri="{FF2B5EF4-FFF2-40B4-BE49-F238E27FC236}">
+                <a16:creationId xmlns:a16="http://schemas.microsoft.com/office/drawing/2014/main" id="{9A3C8751-B078-4A7E-F7DE-56F817921865}"/>
+              </a:ext>
+            </a:extLst>
+          </p:cNvPr>
+          <p:cNvSpPr/>
+          <p:nvPr/>
+        </p:nvSpPr>
+        <p:spPr>
+          <a:xfrm>
+            <a:off x="1597685" y="3297932"/>
+            <a:ext cx="2154335" cy="2073629"/>
+          </a:xfrm>
+          <a:prstGeom prst="rect">
+            <a:avLst/>
+          </a:prstGeom>
+          <a:solidFill>
+            <a:schemeClr val="bg1"/>
+          </a:solidFill>
+          <a:ln w="28575">
+            <a:solidFill>
+              <a:schemeClr val="tx1"/>
+            </a:solidFill>
+          </a:ln>
+        </p:spPr>
+        <p:style>
+          <a:lnRef idx="2">
+            <a:schemeClr val="accent1">
+              <a:shade val="50000"/>
+            </a:schemeClr>
+          </a:lnRef>
+          <a:fillRef idx="1">
+            <a:schemeClr val="accent1"/>
+          </a:fillRef>
+          <a:effectRef idx="0">
+            <a:schemeClr val="accent1"/>
+          </a:effectRef>
+          <a:fontRef idx="minor">
+            <a:schemeClr val="lt1"/>
+          </a:fontRef>
+        </p:style>
+        <p:txBody>
+          <a:bodyPr rtlCol="0" anchor="ctr"/>
+          <a:lstStyle/>
+          <a:p>
+            <a:pPr algn="ctr"/>
+            <a:endParaRPr lang="ko-KR" altLang="en-US" b="1">
+              <a:solidFill>
+                <a:schemeClr val="tx1"/>
+              </a:solidFill>
+            </a:endParaRPr>
+          </a:p>
+        </p:txBody>
+      </p:sp>
+      <p:sp>
+        <p:nvSpPr>
+          <p:cNvPr id="6" name="TextBox 5">
+            <a:extLst>
+              <a:ext uri="{FF2B5EF4-FFF2-40B4-BE49-F238E27FC236}">
+                <a16:creationId xmlns:a16="http://schemas.microsoft.com/office/drawing/2014/main" id="{7BB470D5-1BBF-DA52-D3DA-B18F1571CFC2}"/>
+              </a:ext>
+            </a:extLst>
+          </p:cNvPr>
+          <p:cNvSpPr txBox="1"/>
+          <p:nvPr/>
+        </p:nvSpPr>
+        <p:spPr>
+          <a:xfrm>
+            <a:off x="4737785" y="5295707"/>
+            <a:ext cx="1320800" cy="307777"/>
+          </a:xfrm>
+          <a:prstGeom prst="rect">
+            <a:avLst/>
+          </a:prstGeom>
+          <a:noFill/>
+        </p:spPr>
+        <p:txBody>
+          <a:bodyPr wrap="square">
+            <a:spAutoFit/>
+          </a:bodyPr>
+          <a:lstStyle/>
+          <a:p>
+            <a:pPr algn="ctr"/>
+            <a:r>
+              <a:rPr lang="en-US" altLang="ko-KR" sz="1400" b="1">
+                <a:solidFill>
+                  <a:schemeClr val="tx1"/>
+                </a:solidFill>
+              </a:rPr>
+              <a:t>Preprocess</a:t>
+            </a:r>
+            <a:endParaRPr lang="ko-KR" altLang="en-US" sz="1400" b="1">
+              <a:solidFill>
+                <a:schemeClr val="tx1"/>
+              </a:solidFill>
+            </a:endParaRPr>
+          </a:p>
+        </p:txBody>
+      </p:sp>
+      <p:sp>
+        <p:nvSpPr>
+          <p:cNvPr id="8" name="TextBox 7">
+            <a:extLst>
+              <a:ext uri="{FF2B5EF4-FFF2-40B4-BE49-F238E27FC236}">
+                <a16:creationId xmlns:a16="http://schemas.microsoft.com/office/drawing/2014/main" id="{09E91028-B80B-9BFC-DA6C-E6897A4B9FA5}"/>
+              </a:ext>
+            </a:extLst>
+          </p:cNvPr>
+          <p:cNvSpPr txBox="1"/>
+          <p:nvPr/>
+        </p:nvSpPr>
+        <p:spPr>
+          <a:xfrm>
+            <a:off x="1596492" y="5348807"/>
+            <a:ext cx="2213646" cy="276999"/>
+          </a:xfrm>
+          <a:prstGeom prst="rect">
+            <a:avLst/>
+          </a:prstGeom>
+          <a:noFill/>
+        </p:spPr>
+        <p:txBody>
+          <a:bodyPr wrap="square">
+            <a:spAutoFit/>
+          </a:bodyPr>
+          <a:lstStyle/>
+          <a:p>
+            <a:pPr algn="ctr"/>
+            <a:r>
+              <a:rPr lang="en-US" altLang="ko-KR" sz="1200" b="1">
+                <a:solidFill>
+                  <a:schemeClr val="tx1"/>
+                </a:solidFill>
+              </a:rPr>
+              <a:t>Memory Controller</a:t>
+            </a:r>
+            <a:endParaRPr lang="ko-KR" altLang="en-US" sz="1200" b="1">
+              <a:solidFill>
+                <a:schemeClr val="tx1"/>
+              </a:solidFill>
+            </a:endParaRPr>
+          </a:p>
+        </p:txBody>
+      </p:sp>
+      <p:sp>
+        <p:nvSpPr>
+          <p:cNvPr id="9" name="직사각형 8">
+            <a:extLst>
+              <a:ext uri="{FF2B5EF4-FFF2-40B4-BE49-F238E27FC236}">
+                <a16:creationId xmlns:a16="http://schemas.microsoft.com/office/drawing/2014/main" id="{573DDF42-6191-9BB7-EA99-8EB493BCD21B}"/>
+              </a:ext>
+            </a:extLst>
+          </p:cNvPr>
+          <p:cNvSpPr/>
+          <p:nvPr/>
+        </p:nvSpPr>
+        <p:spPr>
+          <a:xfrm>
+            <a:off x="6990521" y="3314497"/>
+            <a:ext cx="1572239" cy="2055914"/>
+          </a:xfrm>
+          <a:prstGeom prst="rect">
+            <a:avLst/>
+          </a:prstGeom>
+          <a:solidFill>
+            <a:schemeClr val="bg1"/>
+          </a:solidFill>
+          <a:ln w="28575">
+            <a:solidFill>
+              <a:schemeClr val="tx1"/>
+            </a:solidFill>
+          </a:ln>
+        </p:spPr>
+        <p:style>
+          <a:lnRef idx="2">
+            <a:schemeClr val="accent1">
+              <a:shade val="50000"/>
+            </a:schemeClr>
+          </a:lnRef>
+          <a:fillRef idx="1">
+            <a:schemeClr val="accent1"/>
+          </a:fillRef>
+          <a:effectRef idx="0">
+            <a:schemeClr val="accent1"/>
+          </a:effectRef>
+          <a:fontRef idx="minor">
+            <a:schemeClr val="lt1"/>
+          </a:fontRef>
+        </p:style>
+        <p:txBody>
+          <a:bodyPr rtlCol="0" anchor="ctr"/>
+          <a:lstStyle/>
+          <a:p>
+            <a:pPr algn="ctr"/>
+            <a:endParaRPr lang="ko-KR" altLang="en-US" b="1">
+              <a:solidFill>
+                <a:schemeClr val="tx1"/>
+              </a:solidFill>
+            </a:endParaRPr>
+          </a:p>
+        </p:txBody>
+      </p:sp>
+      <p:sp>
+        <p:nvSpPr>
+          <p:cNvPr id="10" name="TextBox 9">
+            <a:extLst>
+              <a:ext uri="{FF2B5EF4-FFF2-40B4-BE49-F238E27FC236}">
+                <a16:creationId xmlns:a16="http://schemas.microsoft.com/office/drawing/2014/main" id="{770D0CCF-414F-6BB3-E577-5CDB7A4DB305}"/>
+              </a:ext>
+            </a:extLst>
+          </p:cNvPr>
+          <p:cNvSpPr txBox="1"/>
+          <p:nvPr/>
+        </p:nvSpPr>
+        <p:spPr>
+          <a:xfrm>
+            <a:off x="7099803" y="5351491"/>
+            <a:ext cx="1320800" cy="307777"/>
+          </a:xfrm>
+          <a:prstGeom prst="rect">
+            <a:avLst/>
+          </a:prstGeom>
+          <a:noFill/>
+        </p:spPr>
+        <p:txBody>
+          <a:bodyPr wrap="square">
+            <a:spAutoFit/>
+          </a:bodyPr>
+          <a:lstStyle/>
+          <a:p>
+            <a:pPr algn="ctr"/>
+            <a:r>
+              <a:rPr lang="en-US" altLang="ko-KR" sz="1400" b="1">
+                <a:solidFill>
+                  <a:schemeClr val="tx1"/>
+                </a:solidFill>
+              </a:rPr>
+              <a:t>CORE</a:t>
+            </a:r>
+            <a:endParaRPr lang="ko-KR" altLang="en-US" sz="1400" b="1">
+              <a:solidFill>
+                <a:schemeClr val="tx1"/>
+              </a:solidFill>
+            </a:endParaRPr>
+          </a:p>
+        </p:txBody>
+      </p:sp>
+      <p:sp>
+        <p:nvSpPr>
+          <p:cNvPr id="11" name="직사각형 10">
+            <a:extLst>
+              <a:ext uri="{FF2B5EF4-FFF2-40B4-BE49-F238E27FC236}">
+                <a16:creationId xmlns:a16="http://schemas.microsoft.com/office/drawing/2014/main" id="{7F512DE1-57D6-6CF3-0A8E-6422B19AD7EC}"/>
+              </a:ext>
+            </a:extLst>
+          </p:cNvPr>
+          <p:cNvSpPr/>
+          <p:nvPr/>
+        </p:nvSpPr>
+        <p:spPr>
+          <a:xfrm>
+            <a:off x="214557" y="3292157"/>
+            <a:ext cx="865914" cy="2095264"/>
+          </a:xfrm>
+          <a:prstGeom prst="rect">
+            <a:avLst/>
+          </a:prstGeom>
+          <a:solidFill>
+            <a:schemeClr val="bg1"/>
+          </a:solidFill>
+          <a:ln w="28575">
+            <a:solidFill>
+              <a:schemeClr val="tx1"/>
+            </a:solidFill>
+          </a:ln>
+        </p:spPr>
+        <p:style>
+          <a:lnRef idx="2">
+            <a:schemeClr val="accent1">
+              <a:shade val="50000"/>
+            </a:schemeClr>
+          </a:lnRef>
+          <a:fillRef idx="1">
+            <a:schemeClr val="accent1"/>
+          </a:fillRef>
+          <a:effectRef idx="0">
+            <a:schemeClr val="accent1"/>
+          </a:effectRef>
+          <a:fontRef idx="minor">
+            <a:schemeClr val="lt1"/>
+          </a:fontRef>
+        </p:style>
+        <p:txBody>
+          <a:bodyPr rtlCol="0" anchor="ctr"/>
+          <a:lstStyle/>
+          <a:p>
+            <a:pPr algn="ctr"/>
+            <a:r>
+              <a:rPr lang="en-US" altLang="ko-KR" b="1">
+                <a:solidFill>
+                  <a:schemeClr val="tx1"/>
+                </a:solidFill>
+              </a:rPr>
+              <a:t>BRAM</a:t>
+            </a:r>
+            <a:endParaRPr lang="ko-KR" altLang="en-US" b="1">
+              <a:solidFill>
+                <a:schemeClr val="tx1"/>
+              </a:solidFill>
+            </a:endParaRPr>
+          </a:p>
+        </p:txBody>
+      </p:sp>
+      <p:sp>
+        <p:nvSpPr>
+          <p:cNvPr id="12" name="직사각형 11">
+            <a:extLst>
+              <a:ext uri="{FF2B5EF4-FFF2-40B4-BE49-F238E27FC236}">
+                <a16:creationId xmlns:a16="http://schemas.microsoft.com/office/drawing/2014/main" id="{79135878-81D0-9ED4-7A39-AF26A5E469D6}"/>
+              </a:ext>
+            </a:extLst>
+          </p:cNvPr>
+          <p:cNvSpPr/>
+          <p:nvPr/>
+        </p:nvSpPr>
+        <p:spPr>
+          <a:xfrm>
+            <a:off x="1825507" y="1937571"/>
+            <a:ext cx="6730967" cy="806660"/>
+          </a:xfrm>
+          <a:prstGeom prst="rect">
+            <a:avLst/>
+          </a:prstGeom>
+          <a:solidFill>
+            <a:schemeClr val="bg1"/>
+          </a:solidFill>
+          <a:ln w="28575">
+            <a:solidFill>
+              <a:schemeClr val="tx1"/>
+            </a:solidFill>
+          </a:ln>
+        </p:spPr>
+        <p:style>
+          <a:lnRef idx="2">
+            <a:schemeClr val="accent1">
+              <a:shade val="50000"/>
+            </a:schemeClr>
+          </a:lnRef>
+          <a:fillRef idx="1">
+            <a:schemeClr val="accent1"/>
+          </a:fillRef>
+          <a:effectRef idx="0">
+            <a:schemeClr val="accent1"/>
+          </a:effectRef>
+          <a:fontRef idx="minor">
+            <a:schemeClr val="lt1"/>
+          </a:fontRef>
+        </p:style>
+        <p:txBody>
+          <a:bodyPr rtlCol="0" anchor="ctr"/>
+          <a:lstStyle/>
+          <a:p>
+            <a:pPr algn="ctr"/>
+            <a:r>
+              <a:rPr lang="en-US" altLang="ko-KR" b="1">
+                <a:solidFill>
+                  <a:schemeClr val="tx1"/>
+                </a:solidFill>
+              </a:rPr>
+              <a:t>Controller</a:t>
+            </a:r>
+            <a:endParaRPr lang="ko-KR" altLang="en-US" b="1">
+              <a:solidFill>
+                <a:schemeClr val="tx1"/>
+              </a:solidFill>
+            </a:endParaRPr>
+          </a:p>
+        </p:txBody>
+      </p:sp>
+      <p:cxnSp>
+        <p:nvCxnSpPr>
+          <p:cNvPr id="15" name="직선 화살표 연결선 14">
+            <a:extLst>
+              <a:ext uri="{FF2B5EF4-FFF2-40B4-BE49-F238E27FC236}">
+                <a16:creationId xmlns:a16="http://schemas.microsoft.com/office/drawing/2014/main" id="{3215391D-F35D-1C7C-328B-6933AAB6E004}"/>
+              </a:ext>
+            </a:extLst>
+          </p:cNvPr>
+          <p:cNvCxnSpPr>
+            <a:cxnSpLocks/>
+          </p:cNvCxnSpPr>
+          <p:nvPr/>
+        </p:nvCxnSpPr>
+        <p:spPr>
+          <a:xfrm>
+            <a:off x="273400" y="6544035"/>
+            <a:ext cx="683489" cy="0"/>
+          </a:xfrm>
+          <a:prstGeom prst="straightConnector1">
+            <a:avLst/>
+          </a:prstGeom>
+          <a:ln w="57150">
+            <a:solidFill>
+              <a:srgbClr val="00B0F0"/>
+            </a:solidFill>
+            <a:tailEnd type="triangle"/>
+          </a:ln>
+        </p:spPr>
+        <p:style>
+          <a:lnRef idx="1">
+            <a:schemeClr val="accent1"/>
+          </a:lnRef>
+          <a:fillRef idx="0">
+            <a:schemeClr val="accent1"/>
+          </a:fillRef>
+          <a:effectRef idx="0">
+            <a:schemeClr val="accent1"/>
+          </a:effectRef>
+          <a:fontRef idx="minor">
+            <a:schemeClr val="tx1"/>
+          </a:fontRef>
+        </p:style>
+      </p:cxnSp>
+      <p:sp>
+        <p:nvSpPr>
+          <p:cNvPr id="19" name="TextBox 18">
+            <a:extLst>
+              <a:ext uri="{FF2B5EF4-FFF2-40B4-BE49-F238E27FC236}">
+                <a16:creationId xmlns:a16="http://schemas.microsoft.com/office/drawing/2014/main" id="{957A3D6F-5FF7-0F0A-0B12-7E3D77497752}"/>
+              </a:ext>
+            </a:extLst>
+          </p:cNvPr>
+          <p:cNvSpPr txBox="1"/>
+          <p:nvPr/>
+        </p:nvSpPr>
+        <p:spPr>
+          <a:xfrm>
+            <a:off x="4229279" y="3691047"/>
+            <a:ext cx="1028100" cy="276999"/>
+          </a:xfrm>
+          <a:prstGeom prst="rect">
+            <a:avLst/>
+          </a:prstGeom>
+          <a:noFill/>
+        </p:spPr>
+        <p:txBody>
+          <a:bodyPr wrap="square">
+            <a:spAutoFit/>
+          </a:bodyPr>
+          <a:lstStyle/>
+          <a:p>
+            <a:r>
+              <a:rPr lang="en-US" altLang="ko-KR" sz="1200" b="1"/>
+              <a:t>data_i[7:0]</a:t>
+            </a:r>
+            <a:endParaRPr lang="ko-KR" altLang="en-US" sz="1200" b="1">
+              <a:solidFill>
+                <a:schemeClr val="tx1"/>
+              </a:solidFill>
+            </a:endParaRPr>
+          </a:p>
+        </p:txBody>
+      </p:sp>
+      <p:sp>
+        <p:nvSpPr>
+          <p:cNvPr id="20" name="TextBox 19">
+            <a:extLst>
+              <a:ext uri="{FF2B5EF4-FFF2-40B4-BE49-F238E27FC236}">
+                <a16:creationId xmlns:a16="http://schemas.microsoft.com/office/drawing/2014/main" id="{C700BEA2-26C6-E3E5-8A36-5FAD04C91275}"/>
+              </a:ext>
+            </a:extLst>
+          </p:cNvPr>
+          <p:cNvSpPr txBox="1"/>
+          <p:nvPr/>
+        </p:nvSpPr>
+        <p:spPr>
+          <a:xfrm>
+            <a:off x="4232399" y="3939396"/>
+            <a:ext cx="1028100" cy="276999"/>
+          </a:xfrm>
+          <a:prstGeom prst="rect">
+            <a:avLst/>
+          </a:prstGeom>
+          <a:noFill/>
+        </p:spPr>
+        <p:txBody>
+          <a:bodyPr wrap="square">
+            <a:spAutoFit/>
+          </a:bodyPr>
+          <a:lstStyle/>
+          <a:p>
+            <a:r>
+              <a:rPr lang="en-US" altLang="ko-KR" sz="1200" b="1"/>
+              <a:t>data_en_i</a:t>
+            </a:r>
+            <a:endParaRPr lang="ko-KR" altLang="en-US" sz="1200" b="1">
+              <a:solidFill>
+                <a:schemeClr val="tx1"/>
+              </a:solidFill>
+            </a:endParaRPr>
+          </a:p>
+        </p:txBody>
+      </p:sp>
+      <p:sp>
+        <p:nvSpPr>
+          <p:cNvPr id="23" name="TextBox 22">
+            <a:extLst>
+              <a:ext uri="{FF2B5EF4-FFF2-40B4-BE49-F238E27FC236}">
+                <a16:creationId xmlns:a16="http://schemas.microsoft.com/office/drawing/2014/main" id="{9BB86B59-9E57-1315-57B0-B952CA4E0122}"/>
+              </a:ext>
+            </a:extLst>
+          </p:cNvPr>
+          <p:cNvSpPr txBox="1"/>
+          <p:nvPr/>
+        </p:nvSpPr>
+        <p:spPr>
+          <a:xfrm>
+            <a:off x="5243183" y="3683530"/>
+            <a:ext cx="1334465" cy="276999"/>
+          </a:xfrm>
+          <a:prstGeom prst="rect">
+            <a:avLst/>
+          </a:prstGeom>
+          <a:noFill/>
+        </p:spPr>
+        <p:txBody>
+          <a:bodyPr wrap="square">
+            <a:spAutoFit/>
+          </a:bodyPr>
+          <a:lstStyle/>
+          <a:p>
+            <a:r>
+              <a:rPr lang="en-US" altLang="ko-KR" sz="1200" b="1"/>
+              <a:t>data_o[0:9][7:0]</a:t>
+            </a:r>
+            <a:endParaRPr lang="ko-KR" altLang="en-US" sz="1200" b="1">
+              <a:solidFill>
+                <a:schemeClr val="tx1"/>
+              </a:solidFill>
+            </a:endParaRPr>
+          </a:p>
+        </p:txBody>
+      </p:sp>
+      <p:cxnSp>
+        <p:nvCxnSpPr>
+          <p:cNvPr id="24" name="직선 연결선 23">
+            <a:extLst>
+              <a:ext uri="{FF2B5EF4-FFF2-40B4-BE49-F238E27FC236}">
+                <a16:creationId xmlns:a16="http://schemas.microsoft.com/office/drawing/2014/main" id="{2CF96159-7B1D-A408-E198-8B5692F70C98}"/>
+              </a:ext>
+            </a:extLst>
+          </p:cNvPr>
+          <p:cNvCxnSpPr>
+            <a:cxnSpLocks/>
+          </p:cNvCxnSpPr>
+          <p:nvPr/>
+        </p:nvCxnSpPr>
+        <p:spPr>
+          <a:xfrm>
+            <a:off x="6500412" y="3834722"/>
+            <a:ext cx="488341" cy="0"/>
+          </a:xfrm>
+          <a:prstGeom prst="line">
+            <a:avLst/>
+          </a:prstGeom>
+          <a:ln w="28575">
+            <a:solidFill>
+              <a:srgbClr val="FF0000"/>
+            </a:solidFill>
+          </a:ln>
+        </p:spPr>
+        <p:style>
+          <a:lnRef idx="1">
+            <a:schemeClr val="accent1"/>
+          </a:lnRef>
+          <a:fillRef idx="0">
+            <a:schemeClr val="accent1"/>
+          </a:fillRef>
+          <a:effectRef idx="0">
+            <a:schemeClr val="accent1"/>
+          </a:effectRef>
+          <a:fontRef idx="minor">
+            <a:schemeClr val="tx1"/>
+          </a:fontRef>
+        </p:style>
+      </p:cxnSp>
+      <p:cxnSp>
+        <p:nvCxnSpPr>
+          <p:cNvPr id="25" name="직선 연결선 24">
+            <a:extLst>
+              <a:ext uri="{FF2B5EF4-FFF2-40B4-BE49-F238E27FC236}">
+                <a16:creationId xmlns:a16="http://schemas.microsoft.com/office/drawing/2014/main" id="{3D7288B5-482C-FFF3-67ED-2EEFD36B7BA4}"/>
+              </a:ext>
+            </a:extLst>
+          </p:cNvPr>
+          <p:cNvCxnSpPr>
+            <a:cxnSpLocks/>
+          </p:cNvCxnSpPr>
+          <p:nvPr/>
+        </p:nvCxnSpPr>
+        <p:spPr>
+          <a:xfrm>
+            <a:off x="6500412" y="4104804"/>
+            <a:ext cx="488341" cy="0"/>
+          </a:xfrm>
+          <a:prstGeom prst="line">
+            <a:avLst/>
+          </a:prstGeom>
+          <a:ln w="28575">
+            <a:solidFill>
+              <a:schemeClr val="tx1"/>
+            </a:solidFill>
+          </a:ln>
+        </p:spPr>
+        <p:style>
+          <a:lnRef idx="1">
+            <a:schemeClr val="accent1"/>
+          </a:lnRef>
+          <a:fillRef idx="0">
+            <a:schemeClr val="accent1"/>
+          </a:fillRef>
+          <a:effectRef idx="0">
+            <a:schemeClr val="accent1"/>
+          </a:effectRef>
+          <a:fontRef idx="minor">
+            <a:schemeClr val="tx1"/>
+          </a:fontRef>
+        </p:style>
+      </p:cxnSp>
+      <p:sp>
+        <p:nvSpPr>
+          <p:cNvPr id="26" name="TextBox 25">
+            <a:extLst>
+              <a:ext uri="{FF2B5EF4-FFF2-40B4-BE49-F238E27FC236}">
+                <a16:creationId xmlns:a16="http://schemas.microsoft.com/office/drawing/2014/main" id="{07A77C82-AE34-199D-8D6E-CF70668C2003}"/>
+              </a:ext>
+            </a:extLst>
+          </p:cNvPr>
+          <p:cNvSpPr txBox="1"/>
+          <p:nvPr/>
+        </p:nvSpPr>
+        <p:spPr>
+          <a:xfrm>
+            <a:off x="5609850" y="3954130"/>
+            <a:ext cx="939036" cy="276999"/>
+          </a:xfrm>
+          <a:prstGeom prst="rect">
+            <a:avLst/>
+          </a:prstGeom>
+          <a:noFill/>
+        </p:spPr>
+        <p:txBody>
+          <a:bodyPr wrap="square">
+            <a:spAutoFit/>
+          </a:bodyPr>
+          <a:lstStyle/>
+          <a:p>
+            <a:r>
+              <a:rPr lang="en-US" altLang="ko-KR" sz="1200" b="1">
+                <a:solidFill>
+                  <a:schemeClr val="tx1"/>
+                </a:solidFill>
+              </a:rPr>
+              <a:t>Core_en_o</a:t>
+            </a:r>
+            <a:endParaRPr lang="ko-KR" altLang="en-US" sz="1200" b="1">
+              <a:solidFill>
+                <a:schemeClr val="tx1"/>
+              </a:solidFill>
+            </a:endParaRPr>
+          </a:p>
+        </p:txBody>
+      </p:sp>
+      <p:sp>
+        <p:nvSpPr>
+          <p:cNvPr id="28" name="TextBox 27">
+            <a:extLst>
+              <a:ext uri="{FF2B5EF4-FFF2-40B4-BE49-F238E27FC236}">
+                <a16:creationId xmlns:a16="http://schemas.microsoft.com/office/drawing/2014/main" id="{D8D1CE1E-9C4D-B7F8-4048-0B1BBA0D39A7}"/>
+              </a:ext>
+            </a:extLst>
+          </p:cNvPr>
+          <p:cNvSpPr txBox="1"/>
+          <p:nvPr/>
+        </p:nvSpPr>
+        <p:spPr>
+          <a:xfrm>
+            <a:off x="5400699" y="3285671"/>
+            <a:ext cx="1132931" cy="276999"/>
+          </a:xfrm>
+          <a:prstGeom prst="rect">
+            <a:avLst/>
+          </a:prstGeom>
+          <a:noFill/>
+        </p:spPr>
+        <p:txBody>
+          <a:bodyPr wrap="square">
+            <a:spAutoFit/>
+          </a:bodyPr>
+          <a:lstStyle/>
+          <a:p>
+            <a:r>
+              <a:rPr lang="en-US" altLang="ko-KR" sz="1200" b="1">
+                <a:solidFill>
+                  <a:schemeClr val="tx1"/>
+                </a:solidFill>
+              </a:rPr>
+              <a:t>Core_done_o</a:t>
+            </a:r>
+            <a:endParaRPr lang="ko-KR" altLang="en-US" sz="1200" b="1">
+              <a:solidFill>
+                <a:schemeClr val="tx1"/>
+              </a:solidFill>
+            </a:endParaRPr>
+          </a:p>
+        </p:txBody>
+      </p:sp>
+      <p:sp>
+        <p:nvSpPr>
+          <p:cNvPr id="33" name="TextBox 32">
+            <a:extLst>
+              <a:ext uri="{FF2B5EF4-FFF2-40B4-BE49-F238E27FC236}">
+                <a16:creationId xmlns:a16="http://schemas.microsoft.com/office/drawing/2014/main" id="{5ED05668-A23E-D1F3-1E56-84AF05BA8E56}"/>
+              </a:ext>
+            </a:extLst>
+          </p:cNvPr>
+          <p:cNvSpPr txBox="1"/>
+          <p:nvPr/>
+        </p:nvSpPr>
+        <p:spPr>
+          <a:xfrm>
+            <a:off x="2756414" y="3692154"/>
+            <a:ext cx="979842" cy="276999"/>
+          </a:xfrm>
+          <a:prstGeom prst="rect">
+            <a:avLst/>
+          </a:prstGeom>
+          <a:noFill/>
+        </p:spPr>
+        <p:txBody>
+          <a:bodyPr wrap="square">
+            <a:spAutoFit/>
+          </a:bodyPr>
+          <a:lstStyle/>
+          <a:p>
+            <a:r>
+              <a:rPr lang="en-US" altLang="ko-KR" sz="1200" b="1"/>
+              <a:t>data_o[7:0]</a:t>
+            </a:r>
+            <a:endParaRPr lang="ko-KR" altLang="en-US" sz="1200" b="1">
+              <a:solidFill>
+                <a:schemeClr val="tx1"/>
+              </a:solidFill>
+            </a:endParaRPr>
+          </a:p>
+        </p:txBody>
+      </p:sp>
+      <p:cxnSp>
+        <p:nvCxnSpPr>
+          <p:cNvPr id="34" name="직선 연결선 33">
+            <a:extLst>
+              <a:ext uri="{FF2B5EF4-FFF2-40B4-BE49-F238E27FC236}">
+                <a16:creationId xmlns:a16="http://schemas.microsoft.com/office/drawing/2014/main" id="{AF48A4C2-07F2-3B18-6AEA-0FE6CB1F1219}"/>
+              </a:ext>
+            </a:extLst>
+          </p:cNvPr>
+          <p:cNvCxnSpPr>
+            <a:cxnSpLocks/>
+          </p:cNvCxnSpPr>
+          <p:nvPr/>
+        </p:nvCxnSpPr>
+        <p:spPr>
+          <a:xfrm>
+            <a:off x="3752020" y="3849443"/>
+            <a:ext cx="514856" cy="0"/>
+          </a:xfrm>
+          <a:prstGeom prst="line">
+            <a:avLst/>
+          </a:prstGeom>
+          <a:ln w="28575">
+            <a:solidFill>
+              <a:srgbClr val="FF0000"/>
+            </a:solidFill>
+          </a:ln>
+        </p:spPr>
+        <p:style>
+          <a:lnRef idx="1">
+            <a:schemeClr val="accent1"/>
+          </a:lnRef>
+          <a:fillRef idx="0">
+            <a:schemeClr val="accent1"/>
+          </a:fillRef>
+          <a:effectRef idx="0">
+            <a:schemeClr val="accent1"/>
+          </a:effectRef>
+          <a:fontRef idx="minor">
+            <a:schemeClr val="tx1"/>
+          </a:fontRef>
+        </p:style>
+      </p:cxnSp>
+      <p:sp>
+        <p:nvSpPr>
+          <p:cNvPr id="35" name="TextBox 34">
+            <a:extLst>
+              <a:ext uri="{FF2B5EF4-FFF2-40B4-BE49-F238E27FC236}">
+                <a16:creationId xmlns:a16="http://schemas.microsoft.com/office/drawing/2014/main" id="{CDD8F13A-93A9-757C-0E5C-50823984DDEB}"/>
+              </a:ext>
+            </a:extLst>
+          </p:cNvPr>
+          <p:cNvSpPr txBox="1"/>
+          <p:nvPr/>
+        </p:nvSpPr>
+        <p:spPr>
+          <a:xfrm>
+            <a:off x="2811847" y="3955964"/>
+            <a:ext cx="952458" cy="276999"/>
+          </a:xfrm>
+          <a:prstGeom prst="rect">
+            <a:avLst/>
+          </a:prstGeom>
+          <a:noFill/>
+        </p:spPr>
+        <p:txBody>
+          <a:bodyPr wrap="square">
+            <a:spAutoFit/>
+          </a:bodyPr>
+          <a:lstStyle/>
+          <a:p>
+            <a:r>
+              <a:rPr lang="en-US" altLang="ko-KR" sz="1200" b="1">
+                <a:solidFill>
+                  <a:schemeClr val="tx1"/>
+                </a:solidFill>
+              </a:rPr>
+              <a:t>data_en_o</a:t>
+            </a:r>
+            <a:endParaRPr lang="ko-KR" altLang="en-US" sz="1200" b="1">
+              <a:solidFill>
+                <a:schemeClr val="tx1"/>
+              </a:solidFill>
+            </a:endParaRPr>
+          </a:p>
+        </p:txBody>
+      </p:sp>
+      <p:cxnSp>
+        <p:nvCxnSpPr>
+          <p:cNvPr id="36" name="직선 연결선 35">
+            <a:extLst>
+              <a:ext uri="{FF2B5EF4-FFF2-40B4-BE49-F238E27FC236}">
+                <a16:creationId xmlns:a16="http://schemas.microsoft.com/office/drawing/2014/main" id="{92D17839-3903-4FBC-A152-EF404ADA2CD3}"/>
+              </a:ext>
+            </a:extLst>
+          </p:cNvPr>
+          <p:cNvCxnSpPr>
+            <a:cxnSpLocks/>
+            <a:stCxn id="35" idx="3"/>
+          </p:cNvCxnSpPr>
+          <p:nvPr/>
+        </p:nvCxnSpPr>
+        <p:spPr>
+          <a:xfrm>
+            <a:off x="3764305" y="4094464"/>
+            <a:ext cx="502571" cy="1969"/>
+          </a:xfrm>
+          <a:prstGeom prst="line">
+            <a:avLst/>
+          </a:prstGeom>
+          <a:ln w="28575">
+            <a:solidFill>
+              <a:schemeClr val="tx1"/>
+            </a:solidFill>
+          </a:ln>
+        </p:spPr>
+        <p:style>
+          <a:lnRef idx="1">
+            <a:schemeClr val="accent1"/>
+          </a:lnRef>
+          <a:fillRef idx="0">
+            <a:schemeClr val="accent1"/>
+          </a:fillRef>
+          <a:effectRef idx="0">
+            <a:schemeClr val="accent1"/>
+          </a:effectRef>
+          <a:fontRef idx="minor">
+            <a:schemeClr val="tx1"/>
+          </a:fontRef>
+        </p:style>
+      </p:cxnSp>
+      <p:sp>
+        <p:nvSpPr>
+          <p:cNvPr id="38" name="TextBox 37">
+            <a:extLst>
+              <a:ext uri="{FF2B5EF4-FFF2-40B4-BE49-F238E27FC236}">
+                <a16:creationId xmlns:a16="http://schemas.microsoft.com/office/drawing/2014/main" id="{9971A508-3F2E-503B-1515-A580DE87B29B}"/>
+              </a:ext>
+            </a:extLst>
+          </p:cNvPr>
+          <p:cNvSpPr txBox="1"/>
+          <p:nvPr/>
+        </p:nvSpPr>
+        <p:spPr>
+          <a:xfrm>
+            <a:off x="2627712" y="3278869"/>
+            <a:ext cx="1169326" cy="276999"/>
+          </a:xfrm>
+          <a:prstGeom prst="rect">
+            <a:avLst/>
+          </a:prstGeom>
+          <a:noFill/>
+        </p:spPr>
+        <p:txBody>
+          <a:bodyPr wrap="square">
+            <a:spAutoFit/>
+          </a:bodyPr>
+          <a:lstStyle/>
+          <a:p>
+            <a:r>
+              <a:rPr lang="en-US" altLang="ko-KR" sz="1200" b="1"/>
+              <a:t>fetch</a:t>
+            </a:r>
+            <a:r>
+              <a:rPr lang="en-US" altLang="ko-KR" sz="1200" b="1">
+                <a:solidFill>
+                  <a:schemeClr val="tx1"/>
+                </a:solidFill>
+              </a:rPr>
+              <a:t>_done_o</a:t>
+            </a:r>
+            <a:endParaRPr lang="ko-KR" altLang="en-US" sz="1200" b="1">
+              <a:solidFill>
+                <a:schemeClr val="tx1"/>
+              </a:solidFill>
+            </a:endParaRPr>
+          </a:p>
+        </p:txBody>
+      </p:sp>
+      <p:cxnSp>
+        <p:nvCxnSpPr>
+          <p:cNvPr id="42" name="직선 연결선 41">
+            <a:extLst>
+              <a:ext uri="{FF2B5EF4-FFF2-40B4-BE49-F238E27FC236}">
+                <a16:creationId xmlns:a16="http://schemas.microsoft.com/office/drawing/2014/main" id="{6B9AA6F6-6968-9F2D-6C08-9F16F0F7BE02}"/>
+              </a:ext>
+            </a:extLst>
+          </p:cNvPr>
+          <p:cNvCxnSpPr>
+            <a:cxnSpLocks/>
+          </p:cNvCxnSpPr>
+          <p:nvPr/>
+        </p:nvCxnSpPr>
+        <p:spPr>
+          <a:xfrm flipV="1">
+            <a:off x="3384221" y="2773965"/>
+            <a:ext cx="0" cy="527803"/>
+          </a:xfrm>
+          <a:prstGeom prst="line">
+            <a:avLst/>
+          </a:prstGeom>
+          <a:ln w="28575">
+            <a:solidFill>
+              <a:schemeClr val="tx1"/>
+            </a:solidFill>
+          </a:ln>
+        </p:spPr>
+        <p:style>
+          <a:lnRef idx="1">
+            <a:schemeClr val="accent1"/>
+          </a:lnRef>
+          <a:fillRef idx="0">
+            <a:schemeClr val="accent1"/>
+          </a:fillRef>
+          <a:effectRef idx="0">
+            <a:schemeClr val="accent1"/>
+          </a:effectRef>
+          <a:fontRef idx="minor">
+            <a:schemeClr val="tx1"/>
+          </a:fontRef>
+        </p:style>
+      </p:cxnSp>
+      <p:cxnSp>
+        <p:nvCxnSpPr>
+          <p:cNvPr id="44" name="직선 연결선 43">
+            <a:extLst>
+              <a:ext uri="{FF2B5EF4-FFF2-40B4-BE49-F238E27FC236}">
+                <a16:creationId xmlns:a16="http://schemas.microsoft.com/office/drawing/2014/main" id="{87BD99EF-61E0-6755-8A41-CB9B4EFDB5AF}"/>
+              </a:ext>
+            </a:extLst>
+          </p:cNvPr>
+          <p:cNvCxnSpPr>
+            <a:cxnSpLocks/>
+          </p:cNvCxnSpPr>
+          <p:nvPr/>
+        </p:nvCxnSpPr>
+        <p:spPr>
+          <a:xfrm>
+            <a:off x="1090811" y="4432240"/>
+            <a:ext cx="521898" cy="0"/>
+          </a:xfrm>
+          <a:prstGeom prst="line">
+            <a:avLst/>
+          </a:prstGeom>
+          <a:ln w="76200">
+            <a:solidFill>
+              <a:schemeClr val="tx1"/>
+            </a:solidFill>
+          </a:ln>
+        </p:spPr>
+        <p:style>
+          <a:lnRef idx="1">
+            <a:schemeClr val="accent1"/>
+          </a:lnRef>
+          <a:fillRef idx="0">
+            <a:schemeClr val="accent1"/>
+          </a:fillRef>
+          <a:effectRef idx="0">
+            <a:schemeClr val="accent1"/>
+          </a:effectRef>
+          <a:fontRef idx="minor">
+            <a:schemeClr val="tx1"/>
+          </a:fontRef>
+        </p:style>
+      </p:cxnSp>
+      <p:sp>
+        <p:nvSpPr>
+          <p:cNvPr id="46" name="TextBox 45">
+            <a:extLst>
+              <a:ext uri="{FF2B5EF4-FFF2-40B4-BE49-F238E27FC236}">
+                <a16:creationId xmlns:a16="http://schemas.microsoft.com/office/drawing/2014/main" id="{8BF9544C-6506-7513-C9C2-2EC11E0E76D1}"/>
+              </a:ext>
+            </a:extLst>
+          </p:cNvPr>
+          <p:cNvSpPr txBox="1"/>
+          <p:nvPr/>
+        </p:nvSpPr>
+        <p:spPr>
+          <a:xfrm>
+            <a:off x="1028046" y="3891825"/>
+            <a:ext cx="1169326" cy="338554"/>
+          </a:xfrm>
+          <a:prstGeom prst="rect">
+            <a:avLst/>
+          </a:prstGeom>
+          <a:noFill/>
+        </p:spPr>
+        <p:txBody>
+          <a:bodyPr wrap="square">
+            <a:spAutoFit/>
+          </a:bodyPr>
+          <a:lstStyle/>
+          <a:p>
+            <a:r>
+              <a:rPr lang="en-US" altLang="ko-KR" sz="800" b="1">
+                <a:solidFill>
+                  <a:schemeClr val="tx1"/>
+                </a:solidFill>
+              </a:rPr>
+              <a:t>Memory</a:t>
+            </a:r>
+          </a:p>
+          <a:p>
+            <a:r>
+              <a:rPr lang="en-US" altLang="ko-KR" sz="800" b="1">
+                <a:solidFill>
+                  <a:schemeClr val="tx1"/>
+                </a:solidFill>
+              </a:rPr>
+              <a:t>interface</a:t>
+            </a:r>
+            <a:endParaRPr lang="ko-KR" altLang="en-US" sz="800" b="1">
+              <a:solidFill>
+                <a:schemeClr val="tx1"/>
+              </a:solidFill>
+            </a:endParaRPr>
+          </a:p>
+        </p:txBody>
+      </p:sp>
+      <p:sp>
+        <p:nvSpPr>
+          <p:cNvPr id="47" name="직사각형 46">
+            <a:extLst>
+              <a:ext uri="{FF2B5EF4-FFF2-40B4-BE49-F238E27FC236}">
+                <a16:creationId xmlns:a16="http://schemas.microsoft.com/office/drawing/2014/main" id="{0EFCF7B0-40B1-7860-C837-140138E46A56}"/>
+              </a:ext>
+            </a:extLst>
+          </p:cNvPr>
+          <p:cNvSpPr/>
+          <p:nvPr/>
+        </p:nvSpPr>
+        <p:spPr>
+          <a:xfrm>
+            <a:off x="4702641" y="4777423"/>
+            <a:ext cx="1443496" cy="304583"/>
+          </a:xfrm>
+          <a:prstGeom prst="rect">
+            <a:avLst/>
+          </a:prstGeom>
+        </p:spPr>
+        <p:style>
+          <a:lnRef idx="2">
+            <a:schemeClr val="accent1">
+              <a:shade val="50000"/>
+            </a:schemeClr>
+          </a:lnRef>
+          <a:fillRef idx="1">
+            <a:schemeClr val="accent1"/>
+          </a:fillRef>
+          <a:effectRef idx="0">
+            <a:schemeClr val="accent1"/>
+          </a:effectRef>
+          <a:fontRef idx="minor">
+            <a:schemeClr val="lt1"/>
+          </a:fontRef>
+        </p:style>
+        <p:txBody>
+          <a:bodyPr rtlCol="0" anchor="ctr"/>
+          <a:lstStyle/>
+          <a:p>
+            <a:pPr algn="ctr"/>
+            <a:r>
+              <a:rPr lang="en-US" altLang="ko-KR" sz="1100" b="1">
+                <a:solidFill>
+                  <a:schemeClr val="bg1"/>
+                </a:solidFill>
+              </a:rPr>
+              <a:t>3x COL</a:t>
+            </a:r>
+          </a:p>
+          <a:p>
+            <a:pPr algn="ctr"/>
+            <a:r>
+              <a:rPr lang="en-US" altLang="ko-KR" sz="1100" b="1">
+                <a:solidFill>
+                  <a:schemeClr val="bg1"/>
+                </a:solidFill>
+              </a:rPr>
+              <a:t>BUFFER</a:t>
+            </a:r>
+            <a:endParaRPr lang="ko-KR" altLang="en-US" sz="1100" b="1">
+              <a:solidFill>
+                <a:schemeClr val="bg1"/>
+              </a:solidFill>
+            </a:endParaRPr>
+          </a:p>
+        </p:txBody>
+      </p:sp>
+      <p:cxnSp>
+        <p:nvCxnSpPr>
+          <p:cNvPr id="59" name="직선 연결선 58">
+            <a:extLst>
+              <a:ext uri="{FF2B5EF4-FFF2-40B4-BE49-F238E27FC236}">
+                <a16:creationId xmlns:a16="http://schemas.microsoft.com/office/drawing/2014/main" id="{6A0F85C0-1168-6F97-510A-6C44BF25B382}"/>
+              </a:ext>
+            </a:extLst>
+          </p:cNvPr>
+          <p:cNvCxnSpPr>
+            <a:cxnSpLocks/>
+          </p:cNvCxnSpPr>
+          <p:nvPr/>
+        </p:nvCxnSpPr>
+        <p:spPr>
+          <a:xfrm flipV="1">
+            <a:off x="2342267" y="2743999"/>
+            <a:ext cx="0" cy="567177"/>
+          </a:xfrm>
+          <a:prstGeom prst="line">
+            <a:avLst/>
+          </a:prstGeom>
+          <a:ln w="28575">
+            <a:solidFill>
+              <a:schemeClr val="tx1"/>
+            </a:solidFill>
+          </a:ln>
+        </p:spPr>
+        <p:style>
+          <a:lnRef idx="1">
+            <a:schemeClr val="accent1"/>
+          </a:lnRef>
+          <a:fillRef idx="0">
+            <a:schemeClr val="accent1"/>
+          </a:fillRef>
+          <a:effectRef idx="0">
+            <a:schemeClr val="accent1"/>
+          </a:effectRef>
+          <a:fontRef idx="minor">
+            <a:schemeClr val="tx1"/>
+          </a:fontRef>
+        </p:style>
+      </p:cxnSp>
+      <p:sp>
+        <p:nvSpPr>
+          <p:cNvPr id="63" name="TextBox 62">
+            <a:extLst>
+              <a:ext uri="{FF2B5EF4-FFF2-40B4-BE49-F238E27FC236}">
+                <a16:creationId xmlns:a16="http://schemas.microsoft.com/office/drawing/2014/main" id="{6FEBD5A6-F47A-2436-2424-FF04A795A54A}"/>
+              </a:ext>
+            </a:extLst>
+          </p:cNvPr>
+          <p:cNvSpPr txBox="1"/>
+          <p:nvPr/>
+        </p:nvSpPr>
+        <p:spPr>
+          <a:xfrm>
+            <a:off x="1566415" y="3283529"/>
+            <a:ext cx="1169326" cy="276999"/>
+          </a:xfrm>
+          <a:prstGeom prst="rect">
+            <a:avLst/>
+          </a:prstGeom>
+          <a:noFill/>
+        </p:spPr>
+        <p:txBody>
+          <a:bodyPr wrap="square">
+            <a:spAutoFit/>
+          </a:bodyPr>
+          <a:lstStyle/>
+          <a:p>
+            <a:r>
+              <a:rPr lang="en-US" altLang="ko-KR" sz="1200" b="1"/>
+              <a:t>fetch</a:t>
+            </a:r>
+            <a:r>
+              <a:rPr lang="en-US" altLang="ko-KR" sz="1200" b="1">
+                <a:solidFill>
+                  <a:schemeClr val="tx1"/>
+                </a:solidFill>
+              </a:rPr>
+              <a:t>_run_</a:t>
+            </a:r>
+            <a:r>
+              <a:rPr lang="en-US" altLang="ko-KR" sz="1200" b="1"/>
+              <a:t>i</a:t>
+            </a:r>
+            <a:endParaRPr lang="ko-KR" altLang="en-US" sz="1200" b="1">
+              <a:solidFill>
+                <a:schemeClr val="tx1"/>
+              </a:solidFill>
+            </a:endParaRPr>
+          </a:p>
+        </p:txBody>
+      </p:sp>
+      <p:sp>
+        <p:nvSpPr>
+          <p:cNvPr id="79" name="TextBox 78">
+            <a:extLst>
+              <a:ext uri="{FF2B5EF4-FFF2-40B4-BE49-F238E27FC236}">
+                <a16:creationId xmlns:a16="http://schemas.microsoft.com/office/drawing/2014/main" id="{EC561892-8AB1-2A5E-4AB1-DBE0588336C0}"/>
+              </a:ext>
+            </a:extLst>
+          </p:cNvPr>
+          <p:cNvSpPr txBox="1"/>
+          <p:nvPr/>
+        </p:nvSpPr>
+        <p:spPr>
+          <a:xfrm>
+            <a:off x="5830169" y="5553613"/>
+            <a:ext cx="1320800" cy="338554"/>
+          </a:xfrm>
+          <a:prstGeom prst="rect">
+            <a:avLst/>
+          </a:prstGeom>
+          <a:noFill/>
+        </p:spPr>
+        <p:txBody>
+          <a:bodyPr wrap="square">
+            <a:spAutoFit/>
+          </a:bodyPr>
+          <a:lstStyle/>
+          <a:p>
+            <a:pPr algn="ctr"/>
+            <a:r>
+              <a:rPr lang="en-US" altLang="ko-KR" sz="1600" b="1">
+                <a:solidFill>
+                  <a:schemeClr val="tx1"/>
+                </a:solidFill>
+              </a:rPr>
+              <a:t>SOBEL_TOP</a:t>
+            </a:r>
+            <a:endParaRPr lang="ko-KR" altLang="en-US" sz="1600" b="1">
+              <a:solidFill>
+                <a:schemeClr val="tx1"/>
+              </a:solidFill>
+            </a:endParaRPr>
+          </a:p>
+        </p:txBody>
+      </p:sp>
+      <p:sp>
+        <p:nvSpPr>
+          <p:cNvPr id="80" name="TextBox 79">
+            <a:extLst>
+              <a:ext uri="{FF2B5EF4-FFF2-40B4-BE49-F238E27FC236}">
+                <a16:creationId xmlns:a16="http://schemas.microsoft.com/office/drawing/2014/main" id="{CE8DB0DE-0A92-9D00-734E-988A01003A4E}"/>
+              </a:ext>
+            </a:extLst>
+          </p:cNvPr>
+          <p:cNvSpPr txBox="1"/>
+          <p:nvPr/>
+        </p:nvSpPr>
+        <p:spPr>
+          <a:xfrm>
+            <a:off x="6988753" y="3683359"/>
+            <a:ext cx="1334465" cy="276999"/>
+          </a:xfrm>
+          <a:prstGeom prst="rect">
+            <a:avLst/>
+          </a:prstGeom>
+          <a:noFill/>
+        </p:spPr>
+        <p:txBody>
+          <a:bodyPr wrap="square">
+            <a:spAutoFit/>
+          </a:bodyPr>
+          <a:lstStyle/>
+          <a:p>
+            <a:r>
+              <a:rPr lang="en-US" altLang="ko-KR" sz="1200" b="1"/>
+              <a:t>data_i[0:9][7:0]</a:t>
+            </a:r>
+            <a:endParaRPr lang="ko-KR" altLang="en-US" sz="1200" b="1">
+              <a:solidFill>
+                <a:schemeClr val="tx1"/>
+              </a:solidFill>
+            </a:endParaRPr>
+          </a:p>
+        </p:txBody>
+      </p:sp>
+      <p:sp>
+        <p:nvSpPr>
+          <p:cNvPr id="81" name="TextBox 80">
+            <a:extLst>
+              <a:ext uri="{FF2B5EF4-FFF2-40B4-BE49-F238E27FC236}">
+                <a16:creationId xmlns:a16="http://schemas.microsoft.com/office/drawing/2014/main" id="{98F5C923-FE95-D9BB-F7B1-F5CE6C9DEF42}"/>
+              </a:ext>
+            </a:extLst>
+          </p:cNvPr>
+          <p:cNvSpPr txBox="1"/>
+          <p:nvPr/>
+        </p:nvSpPr>
+        <p:spPr>
+          <a:xfrm>
+            <a:off x="6957303" y="3971140"/>
+            <a:ext cx="1028100" cy="276999"/>
+          </a:xfrm>
+          <a:prstGeom prst="rect">
+            <a:avLst/>
+          </a:prstGeom>
+          <a:noFill/>
+        </p:spPr>
+        <p:txBody>
+          <a:bodyPr wrap="square">
+            <a:spAutoFit/>
+          </a:bodyPr>
+          <a:lstStyle/>
+          <a:p>
+            <a:r>
+              <a:rPr lang="en-US" altLang="ko-KR" sz="1200" b="1">
+                <a:solidFill>
+                  <a:schemeClr val="tx1"/>
+                </a:solidFill>
+              </a:rPr>
+              <a:t>Core_en_</a:t>
+            </a:r>
+            <a:r>
+              <a:rPr lang="en-US" altLang="ko-KR" sz="1200" b="1"/>
+              <a:t>i</a:t>
+            </a:r>
+            <a:endParaRPr lang="ko-KR" altLang="en-US" sz="1200" b="1">
+              <a:solidFill>
+                <a:schemeClr val="tx1"/>
+              </a:solidFill>
+            </a:endParaRPr>
+          </a:p>
+        </p:txBody>
+      </p:sp>
+      <p:sp>
+        <p:nvSpPr>
+          <p:cNvPr id="83" name="TextBox 82">
+            <a:extLst>
+              <a:ext uri="{FF2B5EF4-FFF2-40B4-BE49-F238E27FC236}">
+                <a16:creationId xmlns:a16="http://schemas.microsoft.com/office/drawing/2014/main" id="{154B6515-A013-4149-5F5F-CE7FB7905DC1}"/>
+              </a:ext>
+            </a:extLst>
+          </p:cNvPr>
+          <p:cNvSpPr txBox="1"/>
+          <p:nvPr/>
+        </p:nvSpPr>
+        <p:spPr>
+          <a:xfrm>
+            <a:off x="5963026" y="2328733"/>
+            <a:ext cx="1550025" cy="276999"/>
+          </a:xfrm>
+          <a:prstGeom prst="rect">
+            <a:avLst/>
+          </a:prstGeom>
+          <a:noFill/>
+        </p:spPr>
+        <p:txBody>
+          <a:bodyPr wrap="square">
+            <a:spAutoFit/>
+          </a:bodyPr>
+          <a:lstStyle/>
+          <a:p>
+            <a:r>
+              <a:rPr lang="en-US" altLang="ko-KR" sz="1200" b="1">
+                <a:solidFill>
+                  <a:schemeClr val="tx1"/>
+                </a:solidFill>
+              </a:rPr>
+              <a:t>cnt_IMG_col_o[9:0]</a:t>
+            </a:r>
+            <a:endParaRPr lang="ko-KR" altLang="en-US" sz="1200" b="1">
+              <a:solidFill>
+                <a:schemeClr val="tx1"/>
+              </a:solidFill>
+            </a:endParaRPr>
+          </a:p>
+        </p:txBody>
+      </p:sp>
+      <p:sp>
+        <p:nvSpPr>
+          <p:cNvPr id="85" name="TextBox 84">
+            <a:extLst>
+              <a:ext uri="{FF2B5EF4-FFF2-40B4-BE49-F238E27FC236}">
+                <a16:creationId xmlns:a16="http://schemas.microsoft.com/office/drawing/2014/main" id="{F0CE17C6-0996-B2A0-246D-C0945AC688BB}"/>
+              </a:ext>
+            </a:extLst>
+          </p:cNvPr>
+          <p:cNvSpPr txBox="1"/>
+          <p:nvPr/>
+        </p:nvSpPr>
+        <p:spPr>
+          <a:xfrm>
+            <a:off x="2224564" y="4685171"/>
+            <a:ext cx="1558726" cy="276999"/>
+          </a:xfrm>
+          <a:prstGeom prst="rect">
+            <a:avLst/>
+          </a:prstGeom>
+          <a:noFill/>
+        </p:spPr>
+        <p:txBody>
+          <a:bodyPr wrap="square">
+            <a:spAutoFit/>
+          </a:bodyPr>
+          <a:lstStyle/>
+          <a:p>
+            <a:r>
+              <a:rPr lang="en-US" altLang="ko-KR" sz="1200" b="1">
+                <a:solidFill>
+                  <a:schemeClr val="tx1"/>
+                </a:solidFill>
+              </a:rPr>
+              <a:t>cnt_pos_row_o[9:0]</a:t>
+            </a:r>
+            <a:endParaRPr lang="ko-KR" altLang="en-US" sz="1200" b="1">
+              <a:solidFill>
+                <a:schemeClr val="tx1"/>
+              </a:solidFill>
+            </a:endParaRPr>
+          </a:p>
+        </p:txBody>
+      </p:sp>
+      <p:sp>
+        <p:nvSpPr>
+          <p:cNvPr id="88" name="TextBox 87">
+            <a:extLst>
+              <a:ext uri="{FF2B5EF4-FFF2-40B4-BE49-F238E27FC236}">
+                <a16:creationId xmlns:a16="http://schemas.microsoft.com/office/drawing/2014/main" id="{667682E8-9654-6FDB-E329-3CE34E3B72D4}"/>
+              </a:ext>
+            </a:extLst>
+          </p:cNvPr>
+          <p:cNvSpPr txBox="1"/>
+          <p:nvPr/>
+        </p:nvSpPr>
+        <p:spPr>
+          <a:xfrm>
+            <a:off x="7527471" y="4631242"/>
+            <a:ext cx="1012242" cy="276999"/>
+          </a:xfrm>
+          <a:prstGeom prst="rect">
+            <a:avLst/>
+          </a:prstGeom>
+          <a:noFill/>
+        </p:spPr>
+        <p:txBody>
+          <a:bodyPr wrap="square">
+            <a:spAutoFit/>
+          </a:bodyPr>
+          <a:lstStyle/>
+          <a:p>
+            <a:r>
+              <a:rPr lang="en-US" altLang="ko-KR" sz="1200" b="1"/>
+              <a:t>Pixel_o[7:0]</a:t>
+            </a:r>
+            <a:endParaRPr lang="ko-KR" altLang="en-US" sz="1200" b="1">
+              <a:solidFill>
+                <a:schemeClr val="tx1"/>
+              </a:solidFill>
+            </a:endParaRPr>
+          </a:p>
+        </p:txBody>
+      </p:sp>
+      <p:sp>
+        <p:nvSpPr>
+          <p:cNvPr id="90" name="TextBox 89">
+            <a:extLst>
+              <a:ext uri="{FF2B5EF4-FFF2-40B4-BE49-F238E27FC236}">
+                <a16:creationId xmlns:a16="http://schemas.microsoft.com/office/drawing/2014/main" id="{E69CFE24-651C-3399-A3E9-F0B00FB89BBF}"/>
+              </a:ext>
+            </a:extLst>
+          </p:cNvPr>
+          <p:cNvSpPr txBox="1"/>
+          <p:nvPr/>
+        </p:nvSpPr>
+        <p:spPr>
+          <a:xfrm>
+            <a:off x="7527471" y="4919857"/>
+            <a:ext cx="1012242" cy="276999"/>
+          </a:xfrm>
+          <a:prstGeom prst="rect">
+            <a:avLst/>
+          </a:prstGeom>
+          <a:noFill/>
+        </p:spPr>
+        <p:txBody>
+          <a:bodyPr wrap="square">
+            <a:spAutoFit/>
+          </a:bodyPr>
+          <a:lstStyle/>
+          <a:p>
+            <a:pPr algn="r"/>
+            <a:r>
+              <a:rPr lang="en-US" altLang="ko-KR" sz="1200" b="1"/>
+              <a:t>Pixel_en_o</a:t>
+            </a:r>
+            <a:endParaRPr lang="ko-KR" altLang="en-US" sz="1200" b="1">
+              <a:solidFill>
+                <a:schemeClr val="tx1"/>
+              </a:solidFill>
+            </a:endParaRPr>
+          </a:p>
+        </p:txBody>
+      </p:sp>
+      <p:cxnSp>
+        <p:nvCxnSpPr>
+          <p:cNvPr id="91" name="직선 연결선 90">
+            <a:extLst>
+              <a:ext uri="{FF2B5EF4-FFF2-40B4-BE49-F238E27FC236}">
+                <a16:creationId xmlns:a16="http://schemas.microsoft.com/office/drawing/2014/main" id="{38C90CF7-F3DB-1585-2727-618C0EDE32BE}"/>
+              </a:ext>
+            </a:extLst>
+          </p:cNvPr>
+          <p:cNvCxnSpPr>
+            <a:cxnSpLocks/>
+          </p:cNvCxnSpPr>
+          <p:nvPr/>
+        </p:nvCxnSpPr>
+        <p:spPr>
+          <a:xfrm>
+            <a:off x="8564963" y="4827337"/>
+            <a:ext cx="589438" cy="0"/>
+          </a:xfrm>
+          <a:prstGeom prst="line">
+            <a:avLst/>
+          </a:prstGeom>
+          <a:ln w="28575">
+            <a:solidFill>
+              <a:srgbClr val="FF0000"/>
+            </a:solidFill>
+          </a:ln>
+        </p:spPr>
+        <p:style>
+          <a:lnRef idx="1">
+            <a:schemeClr val="accent1"/>
+          </a:lnRef>
+          <a:fillRef idx="0">
+            <a:schemeClr val="accent1"/>
+          </a:fillRef>
+          <a:effectRef idx="0">
+            <a:schemeClr val="accent1"/>
+          </a:effectRef>
+          <a:fontRef idx="minor">
+            <a:schemeClr val="tx1"/>
+          </a:fontRef>
+        </p:style>
+      </p:cxnSp>
+      <p:cxnSp>
+        <p:nvCxnSpPr>
+          <p:cNvPr id="92" name="직선 연결선 91">
+            <a:extLst>
+              <a:ext uri="{FF2B5EF4-FFF2-40B4-BE49-F238E27FC236}">
+                <a16:creationId xmlns:a16="http://schemas.microsoft.com/office/drawing/2014/main" id="{AEDA23A9-4B32-77FE-564F-3C7C95A32ABA}"/>
+              </a:ext>
+            </a:extLst>
+          </p:cNvPr>
+          <p:cNvCxnSpPr>
+            <a:cxnSpLocks/>
+          </p:cNvCxnSpPr>
+          <p:nvPr/>
+        </p:nvCxnSpPr>
+        <p:spPr>
+          <a:xfrm>
+            <a:off x="8544058" y="5115952"/>
+            <a:ext cx="610343" cy="0"/>
+          </a:xfrm>
+          <a:prstGeom prst="line">
+            <a:avLst/>
+          </a:prstGeom>
+          <a:ln w="28575">
+            <a:solidFill>
+              <a:schemeClr val="tx1"/>
+            </a:solidFill>
+          </a:ln>
+        </p:spPr>
+        <p:style>
+          <a:lnRef idx="1">
+            <a:schemeClr val="accent1"/>
+          </a:lnRef>
+          <a:fillRef idx="0">
+            <a:schemeClr val="accent1"/>
+          </a:fillRef>
+          <a:effectRef idx="0">
+            <a:schemeClr val="accent1"/>
+          </a:effectRef>
+          <a:fontRef idx="minor">
+            <a:schemeClr val="tx1"/>
+          </a:fontRef>
+        </p:style>
+      </p:cxnSp>
+      <p:cxnSp>
+        <p:nvCxnSpPr>
+          <p:cNvPr id="102" name="직선 화살표 연결선 101">
+            <a:extLst>
+              <a:ext uri="{FF2B5EF4-FFF2-40B4-BE49-F238E27FC236}">
+                <a16:creationId xmlns:a16="http://schemas.microsoft.com/office/drawing/2014/main" id="{63C1AB6D-5401-1FBB-B055-EE54A2847922}"/>
+              </a:ext>
+            </a:extLst>
+          </p:cNvPr>
+          <p:cNvCxnSpPr>
+            <a:cxnSpLocks/>
+          </p:cNvCxnSpPr>
+          <p:nvPr/>
+        </p:nvCxnSpPr>
+        <p:spPr>
+          <a:xfrm>
+            <a:off x="273401" y="6140754"/>
+            <a:ext cx="683489" cy="0"/>
+          </a:xfrm>
+          <a:prstGeom prst="straightConnector1">
+            <a:avLst/>
+          </a:prstGeom>
+          <a:ln w="57150">
+            <a:solidFill>
+              <a:srgbClr val="FF0000"/>
+            </a:solidFill>
+            <a:tailEnd type="triangle"/>
+          </a:ln>
+        </p:spPr>
+        <p:style>
+          <a:lnRef idx="1">
+            <a:schemeClr val="accent1"/>
+          </a:lnRef>
+          <a:fillRef idx="0">
+            <a:schemeClr val="accent1"/>
+          </a:fillRef>
+          <a:effectRef idx="0">
+            <a:schemeClr val="accent1"/>
+          </a:effectRef>
+          <a:fontRef idx="minor">
+            <a:schemeClr val="tx1"/>
+          </a:fontRef>
+        </p:style>
+      </p:cxnSp>
+      <p:cxnSp>
+        <p:nvCxnSpPr>
+          <p:cNvPr id="103" name="직선 화살표 연결선 102">
+            <a:extLst>
+              <a:ext uri="{FF2B5EF4-FFF2-40B4-BE49-F238E27FC236}">
+                <a16:creationId xmlns:a16="http://schemas.microsoft.com/office/drawing/2014/main" id="{09A23163-18EB-959A-1517-23D22B8AC1C1}"/>
+              </a:ext>
+            </a:extLst>
+          </p:cNvPr>
+          <p:cNvCxnSpPr>
+            <a:cxnSpLocks/>
+          </p:cNvCxnSpPr>
+          <p:nvPr/>
+        </p:nvCxnSpPr>
+        <p:spPr>
+          <a:xfrm>
+            <a:off x="1252480" y="4432240"/>
+            <a:ext cx="251608" cy="0"/>
+          </a:xfrm>
+          <a:prstGeom prst="straightConnector1">
+            <a:avLst/>
+          </a:prstGeom>
+          <a:ln w="57150">
+            <a:solidFill>
+              <a:srgbClr val="FF0000"/>
+            </a:solidFill>
+            <a:tailEnd type="triangle"/>
+          </a:ln>
+        </p:spPr>
+        <p:style>
+          <a:lnRef idx="1">
+            <a:schemeClr val="accent1"/>
+          </a:lnRef>
+          <a:fillRef idx="0">
+            <a:schemeClr val="accent1"/>
+          </a:fillRef>
+          <a:effectRef idx="0">
+            <a:schemeClr val="accent1"/>
+          </a:effectRef>
+          <a:fontRef idx="minor">
+            <a:schemeClr val="tx1"/>
+          </a:fontRef>
+        </p:style>
+      </p:cxnSp>
+      <p:cxnSp>
+        <p:nvCxnSpPr>
+          <p:cNvPr id="107" name="직선 화살표 연결선 106">
+            <a:extLst>
+              <a:ext uri="{FF2B5EF4-FFF2-40B4-BE49-F238E27FC236}">
+                <a16:creationId xmlns:a16="http://schemas.microsoft.com/office/drawing/2014/main" id="{3EC89276-68E9-E459-9C69-6597E44FFF5C}"/>
+              </a:ext>
+            </a:extLst>
+          </p:cNvPr>
+          <p:cNvCxnSpPr>
+            <a:cxnSpLocks/>
+          </p:cNvCxnSpPr>
+          <p:nvPr/>
+        </p:nvCxnSpPr>
+        <p:spPr>
+          <a:xfrm>
+            <a:off x="8640640" y="4755637"/>
+            <a:ext cx="304201" cy="0"/>
+          </a:xfrm>
+          <a:prstGeom prst="straightConnector1">
+            <a:avLst/>
+          </a:prstGeom>
+          <a:ln w="57150">
+            <a:solidFill>
+              <a:srgbClr val="FF0000"/>
+            </a:solidFill>
+            <a:tailEnd type="triangle"/>
+          </a:ln>
+        </p:spPr>
+        <p:style>
+          <a:lnRef idx="1">
+            <a:schemeClr val="accent1"/>
+          </a:lnRef>
+          <a:fillRef idx="0">
+            <a:schemeClr val="accent1"/>
+          </a:fillRef>
+          <a:effectRef idx="0">
+            <a:schemeClr val="accent1"/>
+          </a:effectRef>
+          <a:fontRef idx="minor">
+            <a:schemeClr val="tx1"/>
+          </a:fontRef>
+        </p:style>
+      </p:cxnSp>
+      <p:cxnSp>
+        <p:nvCxnSpPr>
+          <p:cNvPr id="108" name="직선 화살표 연결선 107">
+            <a:extLst>
+              <a:ext uri="{FF2B5EF4-FFF2-40B4-BE49-F238E27FC236}">
+                <a16:creationId xmlns:a16="http://schemas.microsoft.com/office/drawing/2014/main" id="{964F7618-8D9E-BB44-5EDE-C0F8BBC79E6A}"/>
+              </a:ext>
+            </a:extLst>
+          </p:cNvPr>
+          <p:cNvCxnSpPr>
+            <a:cxnSpLocks/>
+          </p:cNvCxnSpPr>
+          <p:nvPr/>
+        </p:nvCxnSpPr>
+        <p:spPr>
+          <a:xfrm>
+            <a:off x="1273072" y="2181394"/>
+            <a:ext cx="435235" cy="0"/>
+          </a:xfrm>
+          <a:prstGeom prst="straightConnector1">
+            <a:avLst/>
+          </a:prstGeom>
+          <a:ln w="57150">
+            <a:solidFill>
+              <a:srgbClr val="00B0F0"/>
+            </a:solidFill>
+            <a:tailEnd type="triangle"/>
+          </a:ln>
+        </p:spPr>
+        <p:style>
+          <a:lnRef idx="1">
+            <a:schemeClr val="accent1"/>
+          </a:lnRef>
+          <a:fillRef idx="0">
+            <a:schemeClr val="accent1"/>
+          </a:fillRef>
+          <a:effectRef idx="0">
+            <a:schemeClr val="accent1"/>
+          </a:effectRef>
+          <a:fontRef idx="minor">
+            <a:schemeClr val="tx1"/>
+          </a:fontRef>
+        </p:style>
+      </p:cxnSp>
+      <p:cxnSp>
+        <p:nvCxnSpPr>
+          <p:cNvPr id="110" name="직선 연결선 109">
+            <a:extLst>
+              <a:ext uri="{FF2B5EF4-FFF2-40B4-BE49-F238E27FC236}">
+                <a16:creationId xmlns:a16="http://schemas.microsoft.com/office/drawing/2014/main" id="{C4379F4E-B94C-56DF-3C55-2C306FD7CE52}"/>
+              </a:ext>
+            </a:extLst>
+          </p:cNvPr>
+          <p:cNvCxnSpPr>
+            <a:cxnSpLocks/>
+            <a:endCxn id="112" idx="1"/>
+          </p:cNvCxnSpPr>
+          <p:nvPr/>
+        </p:nvCxnSpPr>
+        <p:spPr>
+          <a:xfrm>
+            <a:off x="1197653" y="2439850"/>
+            <a:ext cx="648788" cy="1"/>
+          </a:xfrm>
+          <a:prstGeom prst="line">
+            <a:avLst/>
+          </a:prstGeom>
+          <a:ln w="28575">
+            <a:solidFill>
+              <a:schemeClr val="tx1"/>
+            </a:solidFill>
+          </a:ln>
+        </p:spPr>
+        <p:style>
+          <a:lnRef idx="1">
+            <a:schemeClr val="accent1"/>
+          </a:lnRef>
+          <a:fillRef idx="0">
+            <a:schemeClr val="accent1"/>
+          </a:fillRef>
+          <a:effectRef idx="0">
+            <a:schemeClr val="accent1"/>
+          </a:effectRef>
+          <a:fontRef idx="minor">
+            <a:schemeClr val="tx1"/>
+          </a:fontRef>
+        </p:style>
+      </p:cxnSp>
+      <p:sp>
+        <p:nvSpPr>
+          <p:cNvPr id="112" name="TextBox 111">
+            <a:extLst>
+              <a:ext uri="{FF2B5EF4-FFF2-40B4-BE49-F238E27FC236}">
+                <a16:creationId xmlns:a16="http://schemas.microsoft.com/office/drawing/2014/main" id="{00BD5465-B582-0113-9E96-99A7501D7570}"/>
+              </a:ext>
+            </a:extLst>
+          </p:cNvPr>
+          <p:cNvSpPr txBox="1"/>
+          <p:nvPr/>
+        </p:nvSpPr>
+        <p:spPr>
+          <a:xfrm>
+            <a:off x="1846441" y="2301351"/>
+            <a:ext cx="1041714" cy="276999"/>
+          </a:xfrm>
+          <a:prstGeom prst="rect">
+            <a:avLst/>
+          </a:prstGeom>
+          <a:noFill/>
+        </p:spPr>
+        <p:txBody>
+          <a:bodyPr wrap="square">
+            <a:spAutoFit/>
+          </a:bodyPr>
+          <a:lstStyle/>
+          <a:p>
+            <a:r>
+              <a:rPr lang="en-US" altLang="ko-KR" sz="1200" b="1">
+                <a:solidFill>
+                  <a:schemeClr val="tx1"/>
+                </a:solidFill>
+              </a:rPr>
+              <a:t>Is_mode1_i</a:t>
+            </a:r>
+            <a:endParaRPr lang="ko-KR" altLang="en-US" sz="1200" b="1">
+              <a:solidFill>
+                <a:schemeClr val="tx1"/>
+              </a:solidFill>
+            </a:endParaRPr>
+          </a:p>
+        </p:txBody>
+      </p:sp>
+      <p:cxnSp>
+        <p:nvCxnSpPr>
+          <p:cNvPr id="113" name="직선 화살표 연결선 112">
+            <a:extLst>
+              <a:ext uri="{FF2B5EF4-FFF2-40B4-BE49-F238E27FC236}">
+                <a16:creationId xmlns:a16="http://schemas.microsoft.com/office/drawing/2014/main" id="{2DE170E8-52C9-77C5-55B8-BD7C90694F36}"/>
+              </a:ext>
+            </a:extLst>
+          </p:cNvPr>
+          <p:cNvCxnSpPr>
+            <a:cxnSpLocks/>
+          </p:cNvCxnSpPr>
+          <p:nvPr/>
+        </p:nvCxnSpPr>
+        <p:spPr>
+          <a:xfrm>
+            <a:off x="2479000" y="2841100"/>
+            <a:ext cx="0" cy="382951"/>
+          </a:xfrm>
+          <a:prstGeom prst="straightConnector1">
+            <a:avLst/>
+          </a:prstGeom>
+          <a:ln w="57150">
+            <a:solidFill>
+              <a:srgbClr val="00B0F0"/>
+            </a:solidFill>
+            <a:tailEnd type="triangle"/>
+          </a:ln>
+        </p:spPr>
+        <p:style>
+          <a:lnRef idx="1">
+            <a:schemeClr val="accent1"/>
+          </a:lnRef>
+          <a:fillRef idx="0">
+            <a:schemeClr val="accent1"/>
+          </a:fillRef>
+          <a:effectRef idx="0">
+            <a:schemeClr val="accent1"/>
+          </a:effectRef>
+          <a:fontRef idx="minor">
+            <a:schemeClr val="tx1"/>
+          </a:fontRef>
+        </p:style>
+      </p:cxnSp>
+      <p:sp>
+        <p:nvSpPr>
+          <p:cNvPr id="115" name="TextBox 114">
+            <a:extLst>
+              <a:ext uri="{FF2B5EF4-FFF2-40B4-BE49-F238E27FC236}">
+                <a16:creationId xmlns:a16="http://schemas.microsoft.com/office/drawing/2014/main" id="{90CFC03F-08B8-5ED9-C651-9455A6014A9A}"/>
+              </a:ext>
+            </a:extLst>
+          </p:cNvPr>
+          <p:cNvSpPr txBox="1"/>
+          <p:nvPr/>
+        </p:nvSpPr>
+        <p:spPr>
+          <a:xfrm>
+            <a:off x="1283152" y="1681035"/>
+            <a:ext cx="406400" cy="369332"/>
+          </a:xfrm>
+          <a:prstGeom prst="rect">
+            <a:avLst/>
+          </a:prstGeom>
+          <a:noFill/>
+        </p:spPr>
+        <p:txBody>
+          <a:bodyPr wrap="square" rtlCol="0">
+            <a:spAutoFit/>
+          </a:bodyPr>
+          <a:lstStyle/>
+          <a:p>
+            <a:r>
+              <a:rPr lang="en-US" altLang="ko-KR" b="1">
+                <a:solidFill>
+                  <a:srgbClr val="00B0F0"/>
+                </a:solidFill>
+              </a:rPr>
+              <a:t>1</a:t>
+            </a:r>
+            <a:endParaRPr lang="ko-KR" altLang="en-US" b="1">
+              <a:solidFill>
+                <a:srgbClr val="00B0F0"/>
+              </a:solidFill>
+            </a:endParaRPr>
+          </a:p>
+        </p:txBody>
+      </p:sp>
+      <p:sp>
+        <p:nvSpPr>
+          <p:cNvPr id="116" name="TextBox 115">
+            <a:extLst>
+              <a:ext uri="{FF2B5EF4-FFF2-40B4-BE49-F238E27FC236}">
+                <a16:creationId xmlns:a16="http://schemas.microsoft.com/office/drawing/2014/main" id="{3A29C3C1-E561-DD0E-2D4A-4C4D0F760822}"/>
+              </a:ext>
+            </a:extLst>
+          </p:cNvPr>
+          <p:cNvSpPr txBox="1"/>
+          <p:nvPr/>
+        </p:nvSpPr>
+        <p:spPr>
+          <a:xfrm>
+            <a:off x="2535886" y="2841100"/>
+            <a:ext cx="406400" cy="369332"/>
+          </a:xfrm>
+          <a:prstGeom prst="rect">
+            <a:avLst/>
+          </a:prstGeom>
+          <a:noFill/>
+        </p:spPr>
+        <p:txBody>
+          <a:bodyPr wrap="square" rtlCol="0">
+            <a:spAutoFit/>
+          </a:bodyPr>
+          <a:lstStyle/>
+          <a:p>
+            <a:r>
+              <a:rPr lang="en-US" altLang="ko-KR" b="1">
+                <a:solidFill>
+                  <a:srgbClr val="00B0F0"/>
+                </a:solidFill>
+              </a:rPr>
+              <a:t>2</a:t>
+            </a:r>
+            <a:endParaRPr lang="ko-KR" altLang="en-US" b="1">
+              <a:solidFill>
+                <a:srgbClr val="00B0F0"/>
+              </a:solidFill>
+            </a:endParaRPr>
+          </a:p>
+        </p:txBody>
+      </p:sp>
+      <p:cxnSp>
+        <p:nvCxnSpPr>
+          <p:cNvPr id="117" name="직선 화살표 연결선 116">
+            <a:extLst>
+              <a:ext uri="{FF2B5EF4-FFF2-40B4-BE49-F238E27FC236}">
+                <a16:creationId xmlns:a16="http://schemas.microsoft.com/office/drawing/2014/main" id="{7B025880-C583-E806-7705-CBBBAAA270BD}"/>
+              </a:ext>
+            </a:extLst>
+          </p:cNvPr>
+          <p:cNvCxnSpPr>
+            <a:cxnSpLocks/>
+          </p:cNvCxnSpPr>
+          <p:nvPr/>
+        </p:nvCxnSpPr>
+        <p:spPr>
+          <a:xfrm flipH="1" flipV="1">
+            <a:off x="3497882" y="2806772"/>
+            <a:ext cx="8504" cy="414945"/>
+          </a:xfrm>
+          <a:prstGeom prst="straightConnector1">
+            <a:avLst/>
+          </a:prstGeom>
+          <a:ln w="57150">
+            <a:solidFill>
+              <a:srgbClr val="00B0F0"/>
+            </a:solidFill>
+            <a:tailEnd type="triangle"/>
+          </a:ln>
+        </p:spPr>
+        <p:style>
+          <a:lnRef idx="1">
+            <a:schemeClr val="accent1"/>
+          </a:lnRef>
+          <a:fillRef idx="0">
+            <a:schemeClr val="accent1"/>
+          </a:fillRef>
+          <a:effectRef idx="0">
+            <a:schemeClr val="accent1"/>
+          </a:effectRef>
+          <a:fontRef idx="minor">
+            <a:schemeClr val="tx1"/>
+          </a:fontRef>
+        </p:style>
+      </p:cxnSp>
+      <p:sp>
+        <p:nvSpPr>
+          <p:cNvPr id="120" name="TextBox 119">
+            <a:extLst>
+              <a:ext uri="{FF2B5EF4-FFF2-40B4-BE49-F238E27FC236}">
+                <a16:creationId xmlns:a16="http://schemas.microsoft.com/office/drawing/2014/main" id="{727F24E2-44F1-0764-B69F-61F595CCC418}"/>
+              </a:ext>
+            </a:extLst>
+          </p:cNvPr>
+          <p:cNvSpPr txBox="1"/>
+          <p:nvPr/>
+        </p:nvSpPr>
+        <p:spPr>
+          <a:xfrm>
+            <a:off x="3609551" y="2883555"/>
+            <a:ext cx="406400" cy="369332"/>
+          </a:xfrm>
+          <a:prstGeom prst="rect">
+            <a:avLst/>
+          </a:prstGeom>
+          <a:noFill/>
+        </p:spPr>
+        <p:txBody>
+          <a:bodyPr wrap="square" rtlCol="0">
+            <a:spAutoFit/>
+          </a:bodyPr>
+          <a:lstStyle/>
+          <a:p>
+            <a:r>
+              <a:rPr lang="en-US" altLang="ko-KR" b="1">
+                <a:solidFill>
+                  <a:srgbClr val="00B0F0"/>
+                </a:solidFill>
+              </a:rPr>
+              <a:t>3</a:t>
+            </a:r>
+            <a:endParaRPr lang="ko-KR" altLang="en-US" b="1">
+              <a:solidFill>
+                <a:srgbClr val="00B0F0"/>
+              </a:solidFill>
+            </a:endParaRPr>
+          </a:p>
+        </p:txBody>
+      </p:sp>
+      <p:cxnSp>
+        <p:nvCxnSpPr>
+          <p:cNvPr id="122" name="직선 화살표 연결선 121">
+            <a:extLst>
+              <a:ext uri="{FF2B5EF4-FFF2-40B4-BE49-F238E27FC236}">
+                <a16:creationId xmlns:a16="http://schemas.microsoft.com/office/drawing/2014/main" id="{39FA6BE5-5FE0-112E-BB78-D7D1E7891203}"/>
+              </a:ext>
+            </a:extLst>
+          </p:cNvPr>
+          <p:cNvCxnSpPr>
+            <a:cxnSpLocks/>
+          </p:cNvCxnSpPr>
+          <p:nvPr/>
+        </p:nvCxnSpPr>
+        <p:spPr>
+          <a:xfrm flipV="1">
+            <a:off x="6064139" y="2806772"/>
+            <a:ext cx="0" cy="409189"/>
+          </a:xfrm>
+          <a:prstGeom prst="straightConnector1">
+            <a:avLst/>
+          </a:prstGeom>
+          <a:ln w="57150">
+            <a:solidFill>
+              <a:srgbClr val="00B0F0"/>
+            </a:solidFill>
+            <a:tailEnd type="triangle"/>
+          </a:ln>
+        </p:spPr>
+        <p:style>
+          <a:lnRef idx="1">
+            <a:schemeClr val="accent1"/>
+          </a:lnRef>
+          <a:fillRef idx="0">
+            <a:schemeClr val="accent1"/>
+          </a:fillRef>
+          <a:effectRef idx="0">
+            <a:schemeClr val="accent1"/>
+          </a:effectRef>
+          <a:fontRef idx="minor">
+            <a:schemeClr val="tx1"/>
+          </a:fontRef>
+        </p:style>
+      </p:cxnSp>
+      <p:cxnSp>
+        <p:nvCxnSpPr>
+          <p:cNvPr id="124" name="직선 연결선 123">
+            <a:extLst>
+              <a:ext uri="{FF2B5EF4-FFF2-40B4-BE49-F238E27FC236}">
+                <a16:creationId xmlns:a16="http://schemas.microsoft.com/office/drawing/2014/main" id="{9E969901-CADC-A5A6-0279-22A6FFD549CB}"/>
+              </a:ext>
+            </a:extLst>
+          </p:cNvPr>
+          <p:cNvCxnSpPr>
+            <a:cxnSpLocks/>
+          </p:cNvCxnSpPr>
+          <p:nvPr/>
+        </p:nvCxnSpPr>
+        <p:spPr>
+          <a:xfrm flipV="1">
+            <a:off x="4805586" y="2744231"/>
+            <a:ext cx="0" cy="557537"/>
+          </a:xfrm>
+          <a:prstGeom prst="line">
+            <a:avLst/>
+          </a:prstGeom>
+          <a:ln w="28575">
+            <a:solidFill>
+              <a:schemeClr val="tx1"/>
+            </a:solidFill>
+          </a:ln>
+        </p:spPr>
+        <p:style>
+          <a:lnRef idx="1">
+            <a:schemeClr val="accent1"/>
+          </a:lnRef>
+          <a:fillRef idx="0">
+            <a:schemeClr val="accent1"/>
+          </a:fillRef>
+          <a:effectRef idx="0">
+            <a:schemeClr val="accent1"/>
+          </a:effectRef>
+          <a:fontRef idx="minor">
+            <a:schemeClr val="tx1"/>
+          </a:fontRef>
+        </p:style>
+      </p:cxnSp>
+      <p:sp>
+        <p:nvSpPr>
+          <p:cNvPr id="126" name="TextBox 125">
+            <a:extLst>
+              <a:ext uri="{FF2B5EF4-FFF2-40B4-BE49-F238E27FC236}">
+                <a16:creationId xmlns:a16="http://schemas.microsoft.com/office/drawing/2014/main" id="{DFCBC1DC-8A3C-90C5-1098-A1F793F7ACE9}"/>
+              </a:ext>
+            </a:extLst>
+          </p:cNvPr>
+          <p:cNvSpPr txBox="1"/>
+          <p:nvPr/>
+        </p:nvSpPr>
+        <p:spPr>
+          <a:xfrm>
+            <a:off x="4390218" y="3264353"/>
+            <a:ext cx="1132931" cy="276999"/>
+          </a:xfrm>
+          <a:prstGeom prst="rect">
+            <a:avLst/>
+          </a:prstGeom>
+          <a:noFill/>
+        </p:spPr>
+        <p:txBody>
+          <a:bodyPr wrap="square">
+            <a:spAutoFit/>
+          </a:bodyPr>
+          <a:lstStyle/>
+          <a:p>
+            <a:r>
+              <a:rPr lang="en-US" altLang="ko-KR" sz="1200" b="1">
+                <a:solidFill>
+                  <a:schemeClr val="tx1"/>
+                </a:solidFill>
+              </a:rPr>
+              <a:t>Core_</a:t>
+            </a:r>
+            <a:r>
+              <a:rPr lang="en-US" altLang="ko-KR" sz="1200" b="1"/>
+              <a:t>run</a:t>
+            </a:r>
+            <a:r>
+              <a:rPr lang="en-US" altLang="ko-KR" sz="1200" b="1">
+                <a:solidFill>
+                  <a:schemeClr val="tx1"/>
+                </a:solidFill>
+              </a:rPr>
+              <a:t>_</a:t>
+            </a:r>
+            <a:r>
+              <a:rPr lang="en-US" altLang="ko-KR" sz="1200" b="1"/>
+              <a:t>i</a:t>
+            </a:r>
+            <a:endParaRPr lang="ko-KR" altLang="en-US" sz="1200" b="1">
+              <a:solidFill>
+                <a:schemeClr val="tx1"/>
+              </a:solidFill>
+            </a:endParaRPr>
+          </a:p>
+        </p:txBody>
+      </p:sp>
+      <p:cxnSp>
+        <p:nvCxnSpPr>
+          <p:cNvPr id="127" name="직선 화살표 연결선 126">
+            <a:extLst>
+              <a:ext uri="{FF2B5EF4-FFF2-40B4-BE49-F238E27FC236}">
+                <a16:creationId xmlns:a16="http://schemas.microsoft.com/office/drawing/2014/main" id="{C1BAB574-95E7-B8ED-F803-C36463A9C30F}"/>
+              </a:ext>
+            </a:extLst>
+          </p:cNvPr>
+          <p:cNvCxnSpPr>
+            <a:cxnSpLocks/>
+          </p:cNvCxnSpPr>
+          <p:nvPr/>
+        </p:nvCxnSpPr>
+        <p:spPr>
+          <a:xfrm>
+            <a:off x="4956683" y="2806772"/>
+            <a:ext cx="0" cy="457581"/>
+          </a:xfrm>
+          <a:prstGeom prst="straightConnector1">
+            <a:avLst/>
+          </a:prstGeom>
+          <a:ln w="57150">
+            <a:solidFill>
+              <a:srgbClr val="00B0F0"/>
+            </a:solidFill>
+            <a:tailEnd type="triangle"/>
+          </a:ln>
+        </p:spPr>
+        <p:style>
+          <a:lnRef idx="1">
+            <a:schemeClr val="accent1"/>
+          </a:lnRef>
+          <a:fillRef idx="0">
+            <a:schemeClr val="accent1"/>
+          </a:fillRef>
+          <a:effectRef idx="0">
+            <a:schemeClr val="accent1"/>
+          </a:effectRef>
+          <a:fontRef idx="minor">
+            <a:schemeClr val="tx1"/>
+          </a:fontRef>
+        </p:style>
+      </p:cxnSp>
+      <p:sp>
+        <p:nvSpPr>
+          <p:cNvPr id="129" name="TextBox 128">
+            <a:extLst>
+              <a:ext uri="{FF2B5EF4-FFF2-40B4-BE49-F238E27FC236}">
+                <a16:creationId xmlns:a16="http://schemas.microsoft.com/office/drawing/2014/main" id="{ACFAD219-A108-DFC2-576E-923787CFBD80}"/>
+              </a:ext>
+            </a:extLst>
+          </p:cNvPr>
+          <p:cNvSpPr txBox="1"/>
+          <p:nvPr/>
+        </p:nvSpPr>
+        <p:spPr>
+          <a:xfrm>
+            <a:off x="5001980" y="2847977"/>
+            <a:ext cx="406400" cy="369332"/>
+          </a:xfrm>
+          <a:prstGeom prst="rect">
+            <a:avLst/>
+          </a:prstGeom>
+          <a:noFill/>
+        </p:spPr>
+        <p:txBody>
+          <a:bodyPr wrap="square" rtlCol="0">
+            <a:spAutoFit/>
+          </a:bodyPr>
+          <a:lstStyle/>
+          <a:p>
+            <a:r>
+              <a:rPr lang="en-US" altLang="ko-KR" b="1">
+                <a:solidFill>
+                  <a:srgbClr val="00B0F0"/>
+                </a:solidFill>
+              </a:rPr>
+              <a:t>4</a:t>
+            </a:r>
+            <a:endParaRPr lang="ko-KR" altLang="en-US" b="1">
+              <a:solidFill>
+                <a:srgbClr val="00B0F0"/>
+              </a:solidFill>
+            </a:endParaRPr>
+          </a:p>
+        </p:txBody>
+      </p:sp>
+      <p:sp>
+        <p:nvSpPr>
+          <p:cNvPr id="130" name="TextBox 129">
+            <a:extLst>
+              <a:ext uri="{FF2B5EF4-FFF2-40B4-BE49-F238E27FC236}">
+                <a16:creationId xmlns:a16="http://schemas.microsoft.com/office/drawing/2014/main" id="{5D81DDF6-514B-1A72-A52D-803A1D00A8F8}"/>
+              </a:ext>
+            </a:extLst>
+          </p:cNvPr>
+          <p:cNvSpPr txBox="1"/>
+          <p:nvPr/>
+        </p:nvSpPr>
+        <p:spPr>
+          <a:xfrm>
+            <a:off x="6122293" y="2847482"/>
+            <a:ext cx="406400" cy="369332"/>
+          </a:xfrm>
+          <a:prstGeom prst="rect">
+            <a:avLst/>
+          </a:prstGeom>
+          <a:noFill/>
+        </p:spPr>
+        <p:txBody>
+          <a:bodyPr wrap="square" rtlCol="0">
+            <a:spAutoFit/>
+          </a:bodyPr>
+          <a:lstStyle/>
+          <a:p>
+            <a:r>
+              <a:rPr lang="en-US" altLang="ko-KR" b="1">
+                <a:solidFill>
+                  <a:srgbClr val="00B0F0"/>
+                </a:solidFill>
+              </a:rPr>
+              <a:t>5</a:t>
+            </a:r>
+            <a:endParaRPr lang="ko-KR" altLang="en-US" b="1">
+              <a:solidFill>
+                <a:srgbClr val="00B0F0"/>
+              </a:solidFill>
+            </a:endParaRPr>
+          </a:p>
+        </p:txBody>
+      </p:sp>
+      <p:sp>
+        <p:nvSpPr>
+          <p:cNvPr id="7" name="TextBox 6">
+            <a:extLst>
+              <a:ext uri="{FF2B5EF4-FFF2-40B4-BE49-F238E27FC236}">
+                <a16:creationId xmlns:a16="http://schemas.microsoft.com/office/drawing/2014/main" id="{C53415F0-376E-4C24-946A-71C5A03A3EFC}"/>
+              </a:ext>
+            </a:extLst>
+          </p:cNvPr>
+          <p:cNvSpPr txBox="1"/>
+          <p:nvPr/>
+        </p:nvSpPr>
+        <p:spPr>
+          <a:xfrm>
+            <a:off x="331365" y="6167888"/>
+            <a:ext cx="523927" cy="433800"/>
+          </a:xfrm>
+          <a:prstGeom prst="rect">
+            <a:avLst/>
+          </a:prstGeom>
+          <a:noFill/>
+        </p:spPr>
+        <p:txBody>
+          <a:bodyPr wrap="square" rtlCol="0">
+            <a:spAutoFit/>
+          </a:bodyPr>
+          <a:lstStyle/>
+          <a:p>
+            <a:endParaRPr lang="ko-KR" altLang="en-US"/>
+          </a:p>
+        </p:txBody>
+      </p:sp>
+      <p:pic>
+        <p:nvPicPr>
+          <p:cNvPr id="14" name="그림 13">
+            <a:extLst>
+              <a:ext uri="{FF2B5EF4-FFF2-40B4-BE49-F238E27FC236}">
+                <a16:creationId xmlns:a16="http://schemas.microsoft.com/office/drawing/2014/main" id="{5FB7A650-CEEE-E2E6-158A-54AF5795FBD8}"/>
+              </a:ext>
+            </a:extLst>
+          </p:cNvPr>
+          <p:cNvPicPr>
+            <a:picLocks noChangeAspect="1"/>
+          </p:cNvPicPr>
+          <p:nvPr/>
+        </p:nvPicPr>
+        <p:blipFill>
+          <a:blip r:embed="rId3"/>
+          <a:stretch>
+            <a:fillRect/>
+          </a:stretch>
+        </p:blipFill>
+        <p:spPr>
+          <a:xfrm>
+            <a:off x="3625825" y="2042981"/>
+            <a:ext cx="780252" cy="670514"/>
+          </a:xfrm>
+          <a:prstGeom prst="rect">
+            <a:avLst/>
+          </a:prstGeom>
+        </p:spPr>
+      </p:pic>
+      <p:sp>
+        <p:nvSpPr>
+          <p:cNvPr id="16" name="TextBox 15">
+            <a:extLst>
+              <a:ext uri="{FF2B5EF4-FFF2-40B4-BE49-F238E27FC236}">
+                <a16:creationId xmlns:a16="http://schemas.microsoft.com/office/drawing/2014/main" id="{993EF958-94C1-5B9E-9B9B-382B97F383CC}"/>
+              </a:ext>
+            </a:extLst>
+          </p:cNvPr>
+          <p:cNvSpPr txBox="1"/>
+          <p:nvPr/>
+        </p:nvSpPr>
+        <p:spPr>
+          <a:xfrm>
+            <a:off x="121848" y="5819166"/>
+            <a:ext cx="1539980" cy="261610"/>
+          </a:xfrm>
+          <a:prstGeom prst="rect">
+            <a:avLst/>
+          </a:prstGeom>
+          <a:noFill/>
+        </p:spPr>
+        <p:txBody>
+          <a:bodyPr wrap="square" rtlCol="0">
+            <a:spAutoFit/>
+          </a:bodyPr>
+          <a:lstStyle/>
+          <a:p>
+            <a:r>
+              <a:rPr lang="en-US" altLang="ko-KR" sz="1100" b="1">
+                <a:solidFill>
+                  <a:srgbClr val="FF0000"/>
+                </a:solidFill>
+              </a:rPr>
+              <a:t>DATA FLOW</a:t>
+            </a:r>
+            <a:endParaRPr lang="ko-KR" altLang="en-US" sz="1100" b="1">
+              <a:solidFill>
+                <a:srgbClr val="FF0000"/>
+              </a:solidFill>
+            </a:endParaRPr>
+          </a:p>
+        </p:txBody>
+      </p:sp>
+      <p:sp>
+        <p:nvSpPr>
+          <p:cNvPr id="17" name="TextBox 16">
+            <a:extLst>
+              <a:ext uri="{FF2B5EF4-FFF2-40B4-BE49-F238E27FC236}">
+                <a16:creationId xmlns:a16="http://schemas.microsoft.com/office/drawing/2014/main" id="{64ED13AF-C923-3E62-3F75-A0DFACAC5829}"/>
+              </a:ext>
+            </a:extLst>
+          </p:cNvPr>
+          <p:cNvSpPr txBox="1"/>
+          <p:nvPr/>
+        </p:nvSpPr>
+        <p:spPr>
+          <a:xfrm>
+            <a:off x="162057" y="6222446"/>
+            <a:ext cx="1539980" cy="261610"/>
+          </a:xfrm>
+          <a:prstGeom prst="rect">
+            <a:avLst/>
+          </a:prstGeom>
+          <a:noFill/>
+        </p:spPr>
+        <p:txBody>
+          <a:bodyPr wrap="square" rtlCol="0">
+            <a:spAutoFit/>
+          </a:bodyPr>
+          <a:lstStyle/>
+          <a:p>
+            <a:r>
+              <a:rPr lang="en-US" altLang="ko-KR" sz="1100" b="1">
+                <a:solidFill>
+                  <a:srgbClr val="00B0F0"/>
+                </a:solidFill>
+              </a:rPr>
+              <a:t>Control FLOW</a:t>
+            </a:r>
+            <a:endParaRPr lang="ko-KR" altLang="en-US" sz="1100" b="1">
+              <a:solidFill>
+                <a:srgbClr val="00B0F0"/>
+              </a:solidFill>
+            </a:endParaRPr>
+          </a:p>
+        </p:txBody>
+      </p:sp>
+      <p:cxnSp>
+        <p:nvCxnSpPr>
+          <p:cNvPr id="60" name="직선 연결선 59">
+            <a:extLst>
+              <a:ext uri="{FF2B5EF4-FFF2-40B4-BE49-F238E27FC236}">
+                <a16:creationId xmlns:a16="http://schemas.microsoft.com/office/drawing/2014/main" id="{27E8D313-428C-577F-EE13-4619878EEFD4}"/>
+              </a:ext>
+            </a:extLst>
+          </p:cNvPr>
+          <p:cNvCxnSpPr>
+            <a:cxnSpLocks/>
+          </p:cNvCxnSpPr>
+          <p:nvPr/>
+        </p:nvCxnSpPr>
+        <p:spPr>
+          <a:xfrm flipV="1">
+            <a:off x="5877610" y="2753871"/>
+            <a:ext cx="0" cy="557537"/>
+          </a:xfrm>
+          <a:prstGeom prst="line">
+            <a:avLst/>
+          </a:prstGeom>
+          <a:ln w="28575">
+            <a:solidFill>
+              <a:schemeClr val="tx1"/>
+            </a:solidFill>
+          </a:ln>
+        </p:spPr>
+        <p:style>
+          <a:lnRef idx="1">
+            <a:schemeClr val="accent1"/>
+          </a:lnRef>
+          <a:fillRef idx="0">
+            <a:schemeClr val="accent1"/>
+          </a:fillRef>
+          <a:effectRef idx="0">
+            <a:schemeClr val="accent1"/>
+          </a:effectRef>
+          <a:fontRef idx="minor">
+            <a:schemeClr val="tx1"/>
+          </a:fontRef>
+        </p:style>
+      </p:cxnSp>
+      <p:cxnSp>
+        <p:nvCxnSpPr>
+          <p:cNvPr id="69" name="직선 화살표 연결선 68">
+            <a:extLst>
+              <a:ext uri="{FF2B5EF4-FFF2-40B4-BE49-F238E27FC236}">
+                <a16:creationId xmlns:a16="http://schemas.microsoft.com/office/drawing/2014/main" id="{E0B0225F-46E7-3EDF-8DCA-161B1024E015}"/>
+              </a:ext>
+            </a:extLst>
+          </p:cNvPr>
+          <p:cNvCxnSpPr>
+            <a:cxnSpLocks/>
+          </p:cNvCxnSpPr>
+          <p:nvPr/>
+        </p:nvCxnSpPr>
+        <p:spPr>
+          <a:xfrm>
+            <a:off x="4015951" y="3772948"/>
+            <a:ext cx="210352" cy="0"/>
+          </a:xfrm>
+          <a:prstGeom prst="straightConnector1">
+            <a:avLst/>
+          </a:prstGeom>
+          <a:ln w="28575">
+            <a:solidFill>
+              <a:srgbClr val="FF0000"/>
+            </a:solidFill>
+            <a:tailEnd type="triangle"/>
+          </a:ln>
+        </p:spPr>
+        <p:style>
+          <a:lnRef idx="1">
+            <a:schemeClr val="accent1"/>
+          </a:lnRef>
+          <a:fillRef idx="0">
+            <a:schemeClr val="accent1"/>
+          </a:fillRef>
+          <a:effectRef idx="0">
+            <a:schemeClr val="accent1"/>
+          </a:effectRef>
+          <a:fontRef idx="minor">
+            <a:schemeClr val="tx1"/>
+          </a:fontRef>
+        </p:style>
+      </p:cxnSp>
+      <p:cxnSp>
+        <p:nvCxnSpPr>
+          <p:cNvPr id="72" name="직선 화살표 연결선 71">
+            <a:extLst>
+              <a:ext uri="{FF2B5EF4-FFF2-40B4-BE49-F238E27FC236}">
+                <a16:creationId xmlns:a16="http://schemas.microsoft.com/office/drawing/2014/main" id="{76660F01-9DB1-95D0-979F-E15910305853}"/>
+              </a:ext>
+            </a:extLst>
+          </p:cNvPr>
+          <p:cNvCxnSpPr>
+            <a:cxnSpLocks/>
+          </p:cNvCxnSpPr>
+          <p:nvPr/>
+        </p:nvCxnSpPr>
+        <p:spPr>
+          <a:xfrm>
+            <a:off x="6639406" y="3751642"/>
+            <a:ext cx="210352" cy="0"/>
+          </a:xfrm>
+          <a:prstGeom prst="straightConnector1">
+            <a:avLst/>
+          </a:prstGeom>
+          <a:ln w="28575">
+            <a:solidFill>
+              <a:srgbClr val="FF0000"/>
+            </a:solidFill>
+            <a:tailEnd type="triangle"/>
+          </a:ln>
+        </p:spPr>
+        <p:style>
+          <a:lnRef idx="1">
+            <a:schemeClr val="accent1"/>
+          </a:lnRef>
+          <a:fillRef idx="0">
+            <a:schemeClr val="accent1"/>
+          </a:fillRef>
+          <a:effectRef idx="0">
+            <a:schemeClr val="accent1"/>
+          </a:effectRef>
+          <a:fontRef idx="minor">
+            <a:schemeClr val="tx1"/>
+          </a:fontRef>
+        </p:style>
+      </p:cxnSp>
+      <p:sp>
+        <p:nvSpPr>
+          <p:cNvPr id="89" name="직사각형 88">
+            <a:extLst>
+              <a:ext uri="{FF2B5EF4-FFF2-40B4-BE49-F238E27FC236}">
+                <a16:creationId xmlns:a16="http://schemas.microsoft.com/office/drawing/2014/main" id="{53B41294-AF68-DE2C-939B-45871DB93F13}"/>
+              </a:ext>
+            </a:extLst>
+          </p:cNvPr>
+          <p:cNvSpPr/>
+          <p:nvPr/>
+        </p:nvSpPr>
+        <p:spPr>
+          <a:xfrm>
+            <a:off x="9483528" y="4385249"/>
+            <a:ext cx="951290" cy="2149821"/>
+          </a:xfrm>
+          <a:prstGeom prst="rect">
+            <a:avLst/>
+          </a:prstGeom>
+          <a:solidFill>
+            <a:schemeClr val="bg1"/>
+          </a:solidFill>
+          <a:ln w="28575">
+            <a:solidFill>
+              <a:schemeClr val="tx1"/>
+            </a:solidFill>
+          </a:ln>
+        </p:spPr>
+        <p:style>
+          <a:lnRef idx="2">
+            <a:schemeClr val="accent1">
+              <a:shade val="50000"/>
+            </a:schemeClr>
+          </a:lnRef>
+          <a:fillRef idx="1">
+            <a:schemeClr val="accent1"/>
+          </a:fillRef>
+          <a:effectRef idx="0">
+            <a:schemeClr val="accent1"/>
+          </a:effectRef>
+          <a:fontRef idx="minor">
+            <a:schemeClr val="lt1"/>
+          </a:fontRef>
+        </p:style>
+        <p:txBody>
+          <a:bodyPr rtlCol="0" anchor="ctr"/>
+          <a:lstStyle/>
+          <a:p>
+            <a:pPr algn="ctr"/>
+            <a:endParaRPr lang="ko-KR" altLang="en-US" b="1">
+              <a:solidFill>
+                <a:schemeClr val="tx1"/>
+              </a:solidFill>
+            </a:endParaRPr>
+          </a:p>
+        </p:txBody>
+      </p:sp>
+      <p:sp>
+        <p:nvSpPr>
+          <p:cNvPr id="95" name="TextBox 94">
+            <a:extLst>
+              <a:ext uri="{FF2B5EF4-FFF2-40B4-BE49-F238E27FC236}">
+                <a16:creationId xmlns:a16="http://schemas.microsoft.com/office/drawing/2014/main" id="{D3542D67-32EA-78B4-E3A6-5D69CAAFB36F}"/>
+              </a:ext>
+            </a:extLst>
+          </p:cNvPr>
+          <p:cNvSpPr txBox="1"/>
+          <p:nvPr/>
+        </p:nvSpPr>
+        <p:spPr>
+          <a:xfrm>
+            <a:off x="9009236" y="6502285"/>
+            <a:ext cx="1320800" cy="307777"/>
+          </a:xfrm>
+          <a:prstGeom prst="rect">
+            <a:avLst/>
+          </a:prstGeom>
+          <a:noFill/>
+        </p:spPr>
+        <p:txBody>
+          <a:bodyPr wrap="square">
+            <a:spAutoFit/>
+          </a:bodyPr>
+          <a:lstStyle/>
+          <a:p>
+            <a:pPr algn="ctr"/>
+            <a:r>
+              <a:rPr lang="en-US" altLang="ko-KR" sz="1400" b="1">
+                <a:solidFill>
+                  <a:schemeClr val="tx1"/>
+                </a:solidFill>
+              </a:rPr>
+              <a:t>VGA_PORT</a:t>
+            </a:r>
+            <a:endParaRPr lang="ko-KR" altLang="en-US" sz="1400" b="1">
+              <a:solidFill>
+                <a:schemeClr val="tx1"/>
+              </a:solidFill>
+            </a:endParaRPr>
+          </a:p>
+        </p:txBody>
+      </p:sp>
+      <p:pic>
+        <p:nvPicPr>
+          <p:cNvPr id="98" name="그래픽 97" descr="모니터 단색으로 채워진">
+            <a:extLst>
+              <a:ext uri="{FF2B5EF4-FFF2-40B4-BE49-F238E27FC236}">
+                <a16:creationId xmlns:a16="http://schemas.microsoft.com/office/drawing/2014/main" id="{68289E9E-0834-499C-4AC8-99FC5693F94C}"/>
+              </a:ext>
+            </a:extLst>
+          </p:cNvPr>
+          <p:cNvPicPr>
+            <a:picLocks noChangeAspect="1"/>
+          </p:cNvPicPr>
+          <p:nvPr/>
+        </p:nvPicPr>
+        <p:blipFill>
+          <a:blip r:embed="rId4">
+            <a:extLst>
+              <a:ext uri="{28A0092B-C50C-407E-A947-70E740481C1C}">
+                <a14:useLocalDpi xmlns:a14="http://schemas.microsoft.com/office/drawing/2010/main" val="0"/>
+              </a:ext>
+              <a:ext uri="{96DAC541-7B7A-43D3-8B79-37D633B846F1}">
+                <asvg:svgBlip xmlns:asvg="http://schemas.microsoft.com/office/drawing/2016/SVG/main" r:embed="rId5"/>
+              </a:ext>
+            </a:extLst>
+          </a:blip>
+          <a:stretch>
+            <a:fillRect/>
+          </a:stretch>
+        </p:blipFill>
+        <p:spPr>
+          <a:xfrm>
+            <a:off x="10786179" y="4725184"/>
+            <a:ext cx="1537250" cy="1537250"/>
+          </a:xfrm>
+          <a:prstGeom prst="rect">
+            <a:avLst/>
+          </a:prstGeom>
+        </p:spPr>
+      </p:pic>
+      <p:cxnSp>
+        <p:nvCxnSpPr>
+          <p:cNvPr id="104" name="직선 연결선 103">
+            <a:extLst>
+              <a:ext uri="{FF2B5EF4-FFF2-40B4-BE49-F238E27FC236}">
+                <a16:creationId xmlns:a16="http://schemas.microsoft.com/office/drawing/2014/main" id="{39F3850C-0560-7A2E-62A6-83A0A3B0F471}"/>
+              </a:ext>
+            </a:extLst>
+          </p:cNvPr>
+          <p:cNvCxnSpPr>
+            <a:cxnSpLocks/>
+          </p:cNvCxnSpPr>
+          <p:nvPr/>
+        </p:nvCxnSpPr>
+        <p:spPr>
+          <a:xfrm>
+            <a:off x="10410336" y="5460011"/>
+            <a:ext cx="501504" cy="0"/>
+          </a:xfrm>
+          <a:prstGeom prst="line">
+            <a:avLst/>
+          </a:prstGeom>
+          <a:ln w="28575">
+            <a:solidFill>
+              <a:srgbClr val="FF0000"/>
+            </a:solidFill>
+          </a:ln>
+        </p:spPr>
+        <p:style>
+          <a:lnRef idx="1">
+            <a:schemeClr val="accent1"/>
+          </a:lnRef>
+          <a:fillRef idx="0">
+            <a:schemeClr val="accent1"/>
+          </a:fillRef>
+          <a:effectRef idx="0">
+            <a:schemeClr val="accent1"/>
+          </a:effectRef>
+          <a:fontRef idx="minor">
+            <a:schemeClr val="tx1"/>
+          </a:fontRef>
+        </p:style>
+      </p:cxnSp>
+      <p:cxnSp>
+        <p:nvCxnSpPr>
+          <p:cNvPr id="111" name="직선 화살표 연결선 110">
+            <a:extLst>
+              <a:ext uri="{FF2B5EF4-FFF2-40B4-BE49-F238E27FC236}">
+                <a16:creationId xmlns:a16="http://schemas.microsoft.com/office/drawing/2014/main" id="{0F2A2669-6891-36AB-6329-6ECCA6A4D2A1}"/>
+              </a:ext>
+            </a:extLst>
+          </p:cNvPr>
+          <p:cNvCxnSpPr>
+            <a:cxnSpLocks/>
+          </p:cNvCxnSpPr>
+          <p:nvPr/>
+        </p:nvCxnSpPr>
+        <p:spPr>
+          <a:xfrm>
+            <a:off x="10483801" y="5329489"/>
+            <a:ext cx="457080" cy="0"/>
+          </a:xfrm>
+          <a:prstGeom prst="straightConnector1">
+            <a:avLst/>
+          </a:prstGeom>
+          <a:ln w="57150">
+            <a:solidFill>
+              <a:srgbClr val="FF0000"/>
+            </a:solidFill>
+            <a:tailEnd type="triangle"/>
+          </a:ln>
+        </p:spPr>
+        <p:style>
+          <a:lnRef idx="1">
+            <a:schemeClr val="accent1"/>
+          </a:lnRef>
+          <a:fillRef idx="0">
+            <a:schemeClr val="accent1"/>
+          </a:fillRef>
+          <a:effectRef idx="0">
+            <a:schemeClr val="accent1"/>
+          </a:effectRef>
+          <a:fontRef idx="minor">
+            <a:schemeClr val="tx1"/>
+          </a:fontRef>
+        </p:style>
+      </p:cxnSp>
+      <p:sp>
+        <p:nvSpPr>
+          <p:cNvPr id="118" name="TextBox 117">
+            <a:extLst>
+              <a:ext uri="{FF2B5EF4-FFF2-40B4-BE49-F238E27FC236}">
+                <a16:creationId xmlns:a16="http://schemas.microsoft.com/office/drawing/2014/main" id="{D995481E-CB5E-6BE4-B308-BDA4F714CF78}"/>
+              </a:ext>
+            </a:extLst>
+          </p:cNvPr>
+          <p:cNvSpPr txBox="1"/>
+          <p:nvPr/>
+        </p:nvSpPr>
+        <p:spPr>
+          <a:xfrm>
+            <a:off x="10871200" y="5189553"/>
+            <a:ext cx="1320800" cy="461665"/>
+          </a:xfrm>
+          <a:prstGeom prst="rect">
+            <a:avLst/>
+          </a:prstGeom>
+          <a:noFill/>
+        </p:spPr>
+        <p:txBody>
+          <a:bodyPr wrap="square">
+            <a:spAutoFit/>
+          </a:bodyPr>
+          <a:lstStyle/>
+          <a:p>
+            <a:pPr algn="ctr"/>
+            <a:r>
+              <a:rPr lang="en-US" altLang="ko-KR" sz="2400" b="1">
+                <a:solidFill>
+                  <a:schemeClr val="tx1"/>
+                </a:solidFill>
+              </a:rPr>
+              <a:t>VGA</a:t>
+            </a:r>
+            <a:endParaRPr lang="ko-KR" altLang="en-US" sz="2400" b="1">
+              <a:solidFill>
+                <a:schemeClr val="tx1"/>
+              </a:solidFill>
+            </a:endParaRPr>
+          </a:p>
+        </p:txBody>
+      </p:sp>
+      <p:pic>
+        <p:nvPicPr>
+          <p:cNvPr id="1028" name="Picture 4" descr="On 및 Off 위치. 스위치 벡터 일러스트 레이 션. 로열티 무료 사진, 그림, 이미지 그리고 스톡포토그래피. Image  36790697.">
+            <a:extLst>
+              <a:ext uri="{FF2B5EF4-FFF2-40B4-BE49-F238E27FC236}">
+                <a16:creationId xmlns:a16="http://schemas.microsoft.com/office/drawing/2014/main" id="{9E6D593D-EBBA-83D3-B703-04BEFEE9FF32}"/>
+              </a:ext>
+            </a:extLst>
+          </p:cNvPr>
+          <p:cNvPicPr>
+            <a:picLocks noChangeAspect="1" noChangeArrowheads="1"/>
+          </p:cNvPicPr>
+          <p:nvPr/>
+        </p:nvPicPr>
+        <p:blipFill>
+          <a:blip r:embed="rId2">
+            <a:extLst>
+              <a:ext uri="{28A0092B-C50C-407E-A947-70E740481C1C}">
+                <a14:useLocalDpi xmlns:a14="http://schemas.microsoft.com/office/drawing/2010/main" val="0"/>
+              </a:ext>
+            </a:extLst>
+          </a:blip>
+          <a:srcRect/>
+          <a:stretch>
+            <a:fillRect/>
+          </a:stretch>
+        </p:blipFill>
+        <p:spPr bwMode="auto">
+          <a:xfrm>
+            <a:off x="145674" y="1751210"/>
+            <a:ext cx="1041715" cy="1094039"/>
+          </a:xfrm>
+          <a:prstGeom prst="rect">
+            <a:avLst/>
+          </a:prstGeom>
+          <a:noFill/>
+          <a:extLst>
+            <a:ext uri="{909E8E84-426E-40DD-AFC4-6F175D3DCCD1}">
+              <a14:hiddenFill xmlns:a14="http://schemas.microsoft.com/office/drawing/2010/main">
+                <a:solidFill>
+                  <a:srgbClr val="FFFFFF"/>
+                </a:solidFill>
+              </a14:hiddenFill>
+            </a:ext>
+          </a:extLst>
+        </p:spPr>
+      </p:pic>
+      <p:sp>
+        <p:nvSpPr>
+          <p:cNvPr id="123" name="TextBox 122">
+            <a:extLst>
+              <a:ext uri="{FF2B5EF4-FFF2-40B4-BE49-F238E27FC236}">
+                <a16:creationId xmlns:a16="http://schemas.microsoft.com/office/drawing/2014/main" id="{DF30615F-8D40-18EC-5780-1023150FE087}"/>
+              </a:ext>
+            </a:extLst>
+          </p:cNvPr>
+          <p:cNvSpPr txBox="1"/>
+          <p:nvPr/>
+        </p:nvSpPr>
+        <p:spPr>
+          <a:xfrm>
+            <a:off x="36415" y="202868"/>
+            <a:ext cx="1320800" cy="369332"/>
+          </a:xfrm>
+          <a:prstGeom prst="rect">
+            <a:avLst/>
+          </a:prstGeom>
+          <a:noFill/>
+        </p:spPr>
+        <p:txBody>
+          <a:bodyPr wrap="square">
+            <a:spAutoFit/>
+          </a:bodyPr>
+          <a:lstStyle/>
+          <a:p>
+            <a:pPr algn="ctr"/>
+            <a:r>
+              <a:rPr lang="en-US" altLang="ko-KR" b="1">
+                <a:solidFill>
+                  <a:schemeClr val="tx1"/>
+                </a:solidFill>
+              </a:rPr>
+              <a:t>Switch2</a:t>
+            </a:r>
+          </a:p>
+        </p:txBody>
+      </p:sp>
+      <p:pic>
+        <p:nvPicPr>
+          <p:cNvPr id="128" name="그래픽 127" descr="이미지 단색으로 채워진">
+            <a:extLst>
+              <a:ext uri="{FF2B5EF4-FFF2-40B4-BE49-F238E27FC236}">
+                <a16:creationId xmlns:a16="http://schemas.microsoft.com/office/drawing/2014/main" id="{8A7D5418-AAF2-D6E8-04A7-D1F9D2E45DCC}"/>
+              </a:ext>
+            </a:extLst>
+          </p:cNvPr>
+          <p:cNvPicPr>
+            <a:picLocks noChangeAspect="1"/>
+          </p:cNvPicPr>
+          <p:nvPr/>
+        </p:nvPicPr>
+        <p:blipFill>
+          <a:blip r:embed="rId6">
+            <a:extLst>
+              <a:ext uri="{28A0092B-C50C-407E-A947-70E740481C1C}">
+                <a14:useLocalDpi xmlns:a14="http://schemas.microsoft.com/office/drawing/2010/main" val="0"/>
+              </a:ext>
+              <a:ext uri="{96DAC541-7B7A-43D3-8B79-37D633B846F1}">
+                <asvg:svgBlip xmlns:asvg="http://schemas.microsoft.com/office/drawing/2016/SVG/main" r:embed="rId7"/>
+              </a:ext>
+            </a:extLst>
+          </a:blip>
+          <a:stretch>
+            <a:fillRect/>
+          </a:stretch>
+        </p:blipFill>
+        <p:spPr>
+          <a:xfrm>
+            <a:off x="269634" y="3420562"/>
+            <a:ext cx="785025" cy="785025"/>
+          </a:xfrm>
+          <a:prstGeom prst="rect">
+            <a:avLst/>
+          </a:prstGeom>
+        </p:spPr>
+      </p:pic>
+      <p:cxnSp>
+        <p:nvCxnSpPr>
+          <p:cNvPr id="134" name="직선 연결선 133">
+            <a:extLst>
+              <a:ext uri="{FF2B5EF4-FFF2-40B4-BE49-F238E27FC236}">
+                <a16:creationId xmlns:a16="http://schemas.microsoft.com/office/drawing/2014/main" id="{9B10EAD7-874B-43B4-02A7-0FD469884FB2}"/>
+              </a:ext>
+            </a:extLst>
+          </p:cNvPr>
+          <p:cNvCxnSpPr>
+            <a:cxnSpLocks/>
+          </p:cNvCxnSpPr>
+          <p:nvPr/>
+        </p:nvCxnSpPr>
+        <p:spPr>
+          <a:xfrm>
+            <a:off x="1203768" y="1102230"/>
+            <a:ext cx="1422388" cy="0"/>
+          </a:xfrm>
+          <a:prstGeom prst="line">
+            <a:avLst/>
+          </a:prstGeom>
+          <a:ln w="28575">
+            <a:solidFill>
+              <a:schemeClr val="tx1"/>
+            </a:solidFill>
+          </a:ln>
+        </p:spPr>
+        <p:style>
+          <a:lnRef idx="1">
+            <a:schemeClr val="accent1"/>
+          </a:lnRef>
+          <a:fillRef idx="0">
+            <a:schemeClr val="accent1"/>
+          </a:fillRef>
+          <a:effectRef idx="0">
+            <a:schemeClr val="accent1"/>
+          </a:effectRef>
+          <a:fontRef idx="minor">
+            <a:schemeClr val="tx1"/>
+          </a:fontRef>
+        </p:style>
+      </p:cxnSp>
+      <p:pic>
+        <p:nvPicPr>
+          <p:cNvPr id="140" name="그래픽 139" descr="알람 울림 윤곽선">
+            <a:extLst>
+              <a:ext uri="{FF2B5EF4-FFF2-40B4-BE49-F238E27FC236}">
+                <a16:creationId xmlns:a16="http://schemas.microsoft.com/office/drawing/2014/main" id="{3D3CC670-2D4A-9E25-B835-8339C42D7B0B}"/>
+              </a:ext>
+            </a:extLst>
+          </p:cNvPr>
+          <p:cNvPicPr>
+            <a:picLocks noChangeAspect="1"/>
+          </p:cNvPicPr>
+          <p:nvPr/>
+        </p:nvPicPr>
+        <p:blipFill>
+          <a:blip r:embed="rId8">
+            <a:extLst>
+              <a:ext uri="{28A0092B-C50C-407E-A947-70E740481C1C}">
+                <a14:useLocalDpi xmlns:a14="http://schemas.microsoft.com/office/drawing/2010/main" val="0"/>
+              </a:ext>
+              <a:ext uri="{96DAC541-7B7A-43D3-8B79-37D633B846F1}">
+                <asvg:svgBlip xmlns:asvg="http://schemas.microsoft.com/office/drawing/2016/SVG/main" r:embed="rId9"/>
+              </a:ext>
+            </a:extLst>
+          </a:blip>
+          <a:stretch>
+            <a:fillRect/>
+          </a:stretch>
+        </p:blipFill>
+        <p:spPr>
+          <a:xfrm>
+            <a:off x="6136679" y="649270"/>
+            <a:ext cx="727465" cy="727465"/>
+          </a:xfrm>
+          <a:prstGeom prst="rect">
+            <a:avLst/>
+          </a:prstGeom>
+        </p:spPr>
+      </p:pic>
+      <p:pic>
+        <p:nvPicPr>
+          <p:cNvPr id="1030" name="Picture 6" descr="전자부품/전자공구/개발보드 전문쇼핑몰 - 툴파츠">
+            <a:extLst>
+              <a:ext uri="{FF2B5EF4-FFF2-40B4-BE49-F238E27FC236}">
+                <a16:creationId xmlns:a16="http://schemas.microsoft.com/office/drawing/2014/main" id="{F3A185CF-FDAA-AEC8-79FB-FA1EA7BF6BA8}"/>
+              </a:ext>
+            </a:extLst>
+          </p:cNvPr>
+          <p:cNvPicPr>
+            <a:picLocks noChangeAspect="1" noChangeArrowheads="1"/>
+          </p:cNvPicPr>
+          <p:nvPr/>
+        </p:nvPicPr>
+        <p:blipFill rotWithShape="1">
+          <a:blip r:embed="rId10">
+            <a:extLst>
+              <a:ext uri="{28A0092B-C50C-407E-A947-70E740481C1C}">
+                <a14:useLocalDpi xmlns:a14="http://schemas.microsoft.com/office/drawing/2010/main" val="0"/>
+              </a:ext>
+            </a:extLst>
+          </a:blip>
+          <a:srcRect l="10106" t="29341" r="9894" b="31278"/>
+          <a:stretch/>
+        </p:blipFill>
+        <p:spPr bwMode="auto">
+          <a:xfrm>
+            <a:off x="10772566" y="2095546"/>
+            <a:ext cx="1330830" cy="490710"/>
+          </a:xfrm>
+          <a:prstGeom prst="rect">
+            <a:avLst/>
+          </a:prstGeom>
+          <a:noFill/>
+          <a:extLst>
+            <a:ext uri="{909E8E84-426E-40DD-AFC4-6F175D3DCCD1}">
+              <a14:hiddenFill xmlns:a14="http://schemas.microsoft.com/office/drawing/2010/main">
+                <a:solidFill>
+                  <a:srgbClr val="FFFFFF"/>
+                </a:solidFill>
+              </a14:hiddenFill>
+            </a:ext>
+          </a:extLst>
+        </p:spPr>
+      </p:pic>
+      <p:pic>
+        <p:nvPicPr>
+          <p:cNvPr id="1032" name="Picture 8" descr="Led PNG, 일러스트, PSD 및 클립 아트에 대한 무료 다운로드 | Pngtree">
+            <a:extLst>
+              <a:ext uri="{FF2B5EF4-FFF2-40B4-BE49-F238E27FC236}">
+                <a16:creationId xmlns:a16="http://schemas.microsoft.com/office/drawing/2014/main" id="{DA3BEF41-82EF-B691-B6B7-F00EB3ECA083}"/>
+              </a:ext>
+            </a:extLst>
+          </p:cNvPr>
+          <p:cNvPicPr>
+            <a:picLocks noChangeAspect="1" noChangeArrowheads="1"/>
+          </p:cNvPicPr>
+          <p:nvPr/>
+        </p:nvPicPr>
+        <p:blipFill>
+          <a:blip r:embed="rId11">
+            <a:extLst>
+              <a:ext uri="{28A0092B-C50C-407E-A947-70E740481C1C}">
+                <a14:useLocalDpi xmlns:a14="http://schemas.microsoft.com/office/drawing/2010/main" val="0"/>
+              </a:ext>
+            </a:extLst>
+          </a:blip>
+          <a:srcRect/>
+          <a:stretch>
+            <a:fillRect/>
+          </a:stretch>
+        </p:blipFill>
+        <p:spPr bwMode="auto">
+          <a:xfrm>
+            <a:off x="3515826" y="537710"/>
+            <a:ext cx="928031" cy="928031"/>
+          </a:xfrm>
+          <a:prstGeom prst="rect">
+            <a:avLst/>
+          </a:prstGeom>
+          <a:noFill/>
+          <a:extLst>
+            <a:ext uri="{909E8E84-426E-40DD-AFC4-6F175D3DCCD1}">
+              <a14:hiddenFill xmlns:a14="http://schemas.microsoft.com/office/drawing/2010/main">
+                <a:solidFill>
+                  <a:srgbClr val="FFFFFF"/>
+                </a:solidFill>
+              </a14:hiddenFill>
+            </a:ext>
+          </a:extLst>
+        </p:spPr>
+      </p:pic>
+      <p:sp>
+        <p:nvSpPr>
+          <p:cNvPr id="141" name="직사각형 140">
+            <a:extLst>
+              <a:ext uri="{FF2B5EF4-FFF2-40B4-BE49-F238E27FC236}">
+                <a16:creationId xmlns:a16="http://schemas.microsoft.com/office/drawing/2014/main" id="{CE9E66C9-EE1A-5C94-1AF8-778834D0182A}"/>
+              </a:ext>
+            </a:extLst>
+          </p:cNvPr>
+          <p:cNvSpPr/>
+          <p:nvPr/>
+        </p:nvSpPr>
+        <p:spPr>
+          <a:xfrm>
+            <a:off x="9154401" y="1958853"/>
+            <a:ext cx="951290" cy="784883"/>
+          </a:xfrm>
+          <a:prstGeom prst="rect">
+            <a:avLst/>
+          </a:prstGeom>
+          <a:solidFill>
+            <a:schemeClr val="bg1"/>
+          </a:solidFill>
+          <a:ln w="28575">
+            <a:solidFill>
+              <a:schemeClr val="tx1"/>
+            </a:solidFill>
+          </a:ln>
+        </p:spPr>
+        <p:style>
+          <a:lnRef idx="2">
+            <a:schemeClr val="accent1">
+              <a:shade val="50000"/>
+            </a:schemeClr>
+          </a:lnRef>
+          <a:fillRef idx="1">
+            <a:schemeClr val="accent1"/>
+          </a:fillRef>
+          <a:effectRef idx="0">
+            <a:schemeClr val="accent1"/>
+          </a:effectRef>
+          <a:fontRef idx="minor">
+            <a:schemeClr val="lt1"/>
+          </a:fontRef>
+        </p:style>
+        <p:txBody>
+          <a:bodyPr rtlCol="0" anchor="ctr"/>
+          <a:lstStyle/>
+          <a:p>
+            <a:pPr algn="ctr"/>
+            <a:endParaRPr lang="ko-KR" altLang="en-US" b="1">
+              <a:solidFill>
+                <a:schemeClr val="tx1"/>
+              </a:solidFill>
+            </a:endParaRPr>
+          </a:p>
+        </p:txBody>
+      </p:sp>
+      <p:sp>
+        <p:nvSpPr>
+          <p:cNvPr id="143" name="TextBox 142">
+            <a:extLst>
+              <a:ext uri="{FF2B5EF4-FFF2-40B4-BE49-F238E27FC236}">
+                <a16:creationId xmlns:a16="http://schemas.microsoft.com/office/drawing/2014/main" id="{9AF33031-1BA1-4A4D-D22E-7493BE174EA8}"/>
+              </a:ext>
+            </a:extLst>
+          </p:cNvPr>
+          <p:cNvSpPr txBox="1"/>
+          <p:nvPr/>
+        </p:nvSpPr>
+        <p:spPr>
+          <a:xfrm>
+            <a:off x="8935343" y="2760444"/>
+            <a:ext cx="1320800" cy="261610"/>
+          </a:xfrm>
+          <a:prstGeom prst="rect">
+            <a:avLst/>
+          </a:prstGeom>
+          <a:noFill/>
+        </p:spPr>
+        <p:txBody>
+          <a:bodyPr wrap="square">
+            <a:spAutoFit/>
+          </a:bodyPr>
+          <a:lstStyle/>
+          <a:p>
+            <a:pPr algn="ctr"/>
+            <a:r>
+              <a:rPr lang="en-US" altLang="ko-KR" sz="1100" b="1"/>
+              <a:t>N_segment_port</a:t>
+            </a:r>
+            <a:endParaRPr lang="ko-KR" altLang="en-US" sz="1100" b="1">
+              <a:solidFill>
+                <a:schemeClr val="tx1"/>
+              </a:solidFill>
+            </a:endParaRPr>
+          </a:p>
+        </p:txBody>
+      </p:sp>
+      <p:sp>
+        <p:nvSpPr>
+          <p:cNvPr id="144" name="TextBox 143">
+            <a:extLst>
+              <a:ext uri="{FF2B5EF4-FFF2-40B4-BE49-F238E27FC236}">
+                <a16:creationId xmlns:a16="http://schemas.microsoft.com/office/drawing/2014/main" id="{681E53BB-4482-E5C0-BFB1-24247A7D7C21}"/>
+              </a:ext>
+            </a:extLst>
+          </p:cNvPr>
+          <p:cNvSpPr txBox="1"/>
+          <p:nvPr/>
+        </p:nvSpPr>
+        <p:spPr>
+          <a:xfrm>
+            <a:off x="10712341" y="2735598"/>
+            <a:ext cx="1320800" cy="307777"/>
+          </a:xfrm>
+          <a:prstGeom prst="rect">
+            <a:avLst/>
+          </a:prstGeom>
+          <a:noFill/>
+        </p:spPr>
+        <p:txBody>
+          <a:bodyPr wrap="square">
+            <a:spAutoFit/>
+          </a:bodyPr>
+          <a:lstStyle/>
+          <a:p>
+            <a:pPr algn="ctr"/>
+            <a:r>
+              <a:rPr lang="en-US" altLang="ko-KR" sz="1400" b="1"/>
+              <a:t>7_segment</a:t>
+            </a:r>
+            <a:endParaRPr lang="ko-KR" altLang="en-US" sz="1400" b="1">
+              <a:solidFill>
+                <a:schemeClr val="tx1"/>
+              </a:solidFill>
+            </a:endParaRPr>
+          </a:p>
+        </p:txBody>
+      </p:sp>
+      <p:cxnSp>
+        <p:nvCxnSpPr>
+          <p:cNvPr id="145" name="직선 연결선 144">
+            <a:extLst>
+              <a:ext uri="{FF2B5EF4-FFF2-40B4-BE49-F238E27FC236}">
+                <a16:creationId xmlns:a16="http://schemas.microsoft.com/office/drawing/2014/main" id="{41517CBB-6499-9F28-0F56-4EDD05C833BF}"/>
+              </a:ext>
+            </a:extLst>
+          </p:cNvPr>
+          <p:cNvCxnSpPr>
+            <a:cxnSpLocks/>
+          </p:cNvCxnSpPr>
+          <p:nvPr/>
+        </p:nvCxnSpPr>
+        <p:spPr>
+          <a:xfrm>
+            <a:off x="8556474" y="2361228"/>
+            <a:ext cx="597927" cy="0"/>
+          </a:xfrm>
+          <a:prstGeom prst="line">
+            <a:avLst/>
+          </a:prstGeom>
+          <a:ln w="28575">
+            <a:solidFill>
+              <a:schemeClr val="tx1"/>
+            </a:solidFill>
+          </a:ln>
+        </p:spPr>
+        <p:style>
+          <a:lnRef idx="1">
+            <a:schemeClr val="accent1"/>
+          </a:lnRef>
+          <a:fillRef idx="0">
+            <a:schemeClr val="accent1"/>
+          </a:fillRef>
+          <a:effectRef idx="0">
+            <a:schemeClr val="accent1"/>
+          </a:effectRef>
+          <a:fontRef idx="minor">
+            <a:schemeClr val="tx1"/>
+          </a:fontRef>
+        </p:style>
+      </p:cxnSp>
+      <p:sp>
+        <p:nvSpPr>
+          <p:cNvPr id="153" name="TextBox 152">
+            <a:extLst>
+              <a:ext uri="{FF2B5EF4-FFF2-40B4-BE49-F238E27FC236}">
+                <a16:creationId xmlns:a16="http://schemas.microsoft.com/office/drawing/2014/main" id="{DCDD0A3B-09AB-7B3F-F855-5CEC671C31ED}"/>
+              </a:ext>
+            </a:extLst>
+          </p:cNvPr>
+          <p:cNvSpPr txBox="1"/>
+          <p:nvPr/>
+        </p:nvSpPr>
+        <p:spPr>
+          <a:xfrm>
+            <a:off x="7620974" y="2197038"/>
+            <a:ext cx="939036" cy="276999"/>
+          </a:xfrm>
+          <a:prstGeom prst="rect">
+            <a:avLst/>
+          </a:prstGeom>
+          <a:noFill/>
+        </p:spPr>
+        <p:txBody>
+          <a:bodyPr wrap="square">
+            <a:spAutoFit/>
+          </a:bodyPr>
+          <a:lstStyle/>
+          <a:p>
+            <a:r>
+              <a:rPr lang="en-US" altLang="ko-KR" sz="1200" b="1">
+                <a:solidFill>
+                  <a:schemeClr val="tx1"/>
+                </a:solidFill>
+              </a:rPr>
+              <a:t>seg_up_o</a:t>
+            </a:r>
+            <a:endParaRPr lang="ko-KR" altLang="en-US" sz="1200" b="1">
+              <a:solidFill>
+                <a:schemeClr val="tx1"/>
+              </a:solidFill>
+            </a:endParaRPr>
+          </a:p>
+        </p:txBody>
+      </p:sp>
+      <p:cxnSp>
+        <p:nvCxnSpPr>
+          <p:cNvPr id="175" name="직선 연결선 174">
+            <a:extLst>
+              <a:ext uri="{FF2B5EF4-FFF2-40B4-BE49-F238E27FC236}">
+                <a16:creationId xmlns:a16="http://schemas.microsoft.com/office/drawing/2014/main" id="{CA8FB146-2A01-BDA4-5DF8-FCAA699244C6}"/>
+              </a:ext>
+            </a:extLst>
+          </p:cNvPr>
+          <p:cNvCxnSpPr>
+            <a:cxnSpLocks/>
+          </p:cNvCxnSpPr>
+          <p:nvPr/>
+        </p:nvCxnSpPr>
+        <p:spPr>
+          <a:xfrm>
+            <a:off x="8620383" y="2280450"/>
+            <a:ext cx="172358" cy="0"/>
+          </a:xfrm>
+          <a:prstGeom prst="line">
+            <a:avLst/>
+          </a:prstGeom>
+          <a:ln w="38100">
+            <a:solidFill>
+              <a:srgbClr val="00B050"/>
+            </a:solidFill>
+          </a:ln>
+        </p:spPr>
+        <p:style>
+          <a:lnRef idx="1">
+            <a:schemeClr val="accent1"/>
+          </a:lnRef>
+          <a:fillRef idx="0">
+            <a:schemeClr val="accent1"/>
+          </a:fillRef>
+          <a:effectRef idx="0">
+            <a:schemeClr val="accent1"/>
+          </a:effectRef>
+          <a:fontRef idx="minor">
+            <a:schemeClr val="tx1"/>
+          </a:fontRef>
+        </p:style>
+      </p:cxnSp>
+      <p:cxnSp>
+        <p:nvCxnSpPr>
+          <p:cNvPr id="176" name="직선 연결선 175">
+            <a:extLst>
+              <a:ext uri="{FF2B5EF4-FFF2-40B4-BE49-F238E27FC236}">
+                <a16:creationId xmlns:a16="http://schemas.microsoft.com/office/drawing/2014/main" id="{E25B14AC-34EE-83A3-3D1D-FE392E424F93}"/>
+              </a:ext>
+            </a:extLst>
+          </p:cNvPr>
+          <p:cNvCxnSpPr>
+            <a:cxnSpLocks/>
+          </p:cNvCxnSpPr>
+          <p:nvPr/>
+        </p:nvCxnSpPr>
+        <p:spPr>
+          <a:xfrm flipV="1">
+            <a:off x="8776510" y="2120430"/>
+            <a:ext cx="0" cy="177800"/>
+          </a:xfrm>
+          <a:prstGeom prst="line">
+            <a:avLst/>
+          </a:prstGeom>
+          <a:ln w="38100">
+            <a:solidFill>
+              <a:srgbClr val="00B050"/>
+            </a:solidFill>
+          </a:ln>
+        </p:spPr>
+        <p:style>
+          <a:lnRef idx="1">
+            <a:schemeClr val="accent1"/>
+          </a:lnRef>
+          <a:fillRef idx="0">
+            <a:schemeClr val="accent1"/>
+          </a:fillRef>
+          <a:effectRef idx="0">
+            <a:schemeClr val="accent1"/>
+          </a:effectRef>
+          <a:fontRef idx="minor">
+            <a:schemeClr val="tx1"/>
+          </a:fontRef>
+        </p:style>
+      </p:cxnSp>
+      <p:cxnSp>
+        <p:nvCxnSpPr>
+          <p:cNvPr id="177" name="직선 연결선 176">
+            <a:extLst>
+              <a:ext uri="{FF2B5EF4-FFF2-40B4-BE49-F238E27FC236}">
+                <a16:creationId xmlns:a16="http://schemas.microsoft.com/office/drawing/2014/main" id="{8A45C632-5FB4-6B22-FA70-8F903DB9D991}"/>
+              </a:ext>
+            </a:extLst>
+          </p:cNvPr>
+          <p:cNvCxnSpPr>
+            <a:cxnSpLocks/>
+          </p:cNvCxnSpPr>
+          <p:nvPr/>
+        </p:nvCxnSpPr>
+        <p:spPr>
+          <a:xfrm flipV="1">
+            <a:off x="8924063" y="2120430"/>
+            <a:ext cx="0" cy="177800"/>
+          </a:xfrm>
+          <a:prstGeom prst="line">
+            <a:avLst/>
+          </a:prstGeom>
+          <a:ln w="38100">
+            <a:solidFill>
+              <a:srgbClr val="00B050"/>
+            </a:solidFill>
+          </a:ln>
+        </p:spPr>
+        <p:style>
+          <a:lnRef idx="1">
+            <a:schemeClr val="accent1"/>
+          </a:lnRef>
+          <a:fillRef idx="0">
+            <a:schemeClr val="accent1"/>
+          </a:fillRef>
+          <a:effectRef idx="0">
+            <a:schemeClr val="accent1"/>
+          </a:effectRef>
+          <a:fontRef idx="minor">
+            <a:schemeClr val="tx1"/>
+          </a:fontRef>
+        </p:style>
+      </p:cxnSp>
+      <p:cxnSp>
+        <p:nvCxnSpPr>
+          <p:cNvPr id="178" name="직선 연결선 177">
+            <a:extLst>
+              <a:ext uri="{FF2B5EF4-FFF2-40B4-BE49-F238E27FC236}">
+                <a16:creationId xmlns:a16="http://schemas.microsoft.com/office/drawing/2014/main" id="{FAEDD0A6-56BA-7723-F6C4-F84A040B69DC}"/>
+              </a:ext>
+            </a:extLst>
+          </p:cNvPr>
+          <p:cNvCxnSpPr>
+            <a:cxnSpLocks/>
+          </p:cNvCxnSpPr>
+          <p:nvPr/>
+        </p:nvCxnSpPr>
+        <p:spPr>
+          <a:xfrm>
+            <a:off x="8776510" y="2135670"/>
+            <a:ext cx="146547" cy="0"/>
+          </a:xfrm>
+          <a:prstGeom prst="line">
+            <a:avLst/>
+          </a:prstGeom>
+          <a:ln w="38100">
+            <a:solidFill>
+              <a:srgbClr val="00B050"/>
+            </a:solidFill>
+          </a:ln>
+        </p:spPr>
+        <p:style>
+          <a:lnRef idx="1">
+            <a:schemeClr val="accent1"/>
+          </a:lnRef>
+          <a:fillRef idx="0">
+            <a:schemeClr val="accent1"/>
+          </a:fillRef>
+          <a:effectRef idx="0">
+            <a:schemeClr val="accent1"/>
+          </a:effectRef>
+          <a:fontRef idx="minor">
+            <a:schemeClr val="tx1"/>
+          </a:fontRef>
+        </p:style>
+      </p:cxnSp>
+      <p:cxnSp>
+        <p:nvCxnSpPr>
+          <p:cNvPr id="179" name="직선 연결선 178">
+            <a:extLst>
+              <a:ext uri="{FF2B5EF4-FFF2-40B4-BE49-F238E27FC236}">
+                <a16:creationId xmlns:a16="http://schemas.microsoft.com/office/drawing/2014/main" id="{816EA40D-568D-FAD3-60E3-D171E5E4BADD}"/>
+              </a:ext>
+            </a:extLst>
+          </p:cNvPr>
+          <p:cNvCxnSpPr>
+            <a:cxnSpLocks/>
+          </p:cNvCxnSpPr>
+          <p:nvPr/>
+        </p:nvCxnSpPr>
+        <p:spPr>
+          <a:xfrm>
+            <a:off x="8923057" y="2280450"/>
+            <a:ext cx="172358" cy="0"/>
+          </a:xfrm>
+          <a:prstGeom prst="line">
+            <a:avLst/>
+          </a:prstGeom>
+          <a:ln w="38100">
+            <a:solidFill>
+              <a:srgbClr val="00B050"/>
+            </a:solidFill>
+          </a:ln>
+        </p:spPr>
+        <p:style>
+          <a:lnRef idx="1">
+            <a:schemeClr val="accent1"/>
+          </a:lnRef>
+          <a:fillRef idx="0">
+            <a:schemeClr val="accent1"/>
+          </a:fillRef>
+          <a:effectRef idx="0">
+            <a:schemeClr val="accent1"/>
+          </a:effectRef>
+          <a:fontRef idx="minor">
+            <a:schemeClr val="tx1"/>
+          </a:fontRef>
+        </p:style>
+      </p:cxnSp>
+      <p:cxnSp>
+        <p:nvCxnSpPr>
+          <p:cNvPr id="180" name="직선 연결선 179">
+            <a:extLst>
+              <a:ext uri="{FF2B5EF4-FFF2-40B4-BE49-F238E27FC236}">
+                <a16:creationId xmlns:a16="http://schemas.microsoft.com/office/drawing/2014/main" id="{066887CC-AAEC-BD49-8691-CB71B5B0F930}"/>
+              </a:ext>
+            </a:extLst>
+          </p:cNvPr>
+          <p:cNvCxnSpPr>
+            <a:cxnSpLocks/>
+          </p:cNvCxnSpPr>
+          <p:nvPr/>
+        </p:nvCxnSpPr>
+        <p:spPr>
+          <a:xfrm>
+            <a:off x="5877610" y="4376415"/>
+            <a:ext cx="288180" cy="0"/>
+          </a:xfrm>
+          <a:prstGeom prst="line">
+            <a:avLst/>
+          </a:prstGeom>
+          <a:ln w="38100">
+            <a:solidFill>
+              <a:srgbClr val="00B050"/>
+            </a:solidFill>
+          </a:ln>
+        </p:spPr>
+        <p:style>
+          <a:lnRef idx="1">
+            <a:schemeClr val="accent1"/>
+          </a:lnRef>
+          <a:fillRef idx="0">
+            <a:schemeClr val="accent1"/>
+          </a:fillRef>
+          <a:effectRef idx="0">
+            <a:schemeClr val="accent1"/>
+          </a:effectRef>
+          <a:fontRef idx="minor">
+            <a:schemeClr val="tx1"/>
+          </a:fontRef>
+        </p:style>
+      </p:cxnSp>
+      <p:cxnSp>
+        <p:nvCxnSpPr>
+          <p:cNvPr id="181" name="직선 연결선 180">
+            <a:extLst>
+              <a:ext uri="{FF2B5EF4-FFF2-40B4-BE49-F238E27FC236}">
+                <a16:creationId xmlns:a16="http://schemas.microsoft.com/office/drawing/2014/main" id="{33E77803-52FA-C6BB-E5E2-AC6B1F1C824A}"/>
+              </a:ext>
+            </a:extLst>
+          </p:cNvPr>
+          <p:cNvCxnSpPr>
+            <a:cxnSpLocks/>
+          </p:cNvCxnSpPr>
+          <p:nvPr/>
+        </p:nvCxnSpPr>
+        <p:spPr>
+          <a:xfrm flipV="1">
+            <a:off x="6149559" y="4216395"/>
+            <a:ext cx="0" cy="177800"/>
+          </a:xfrm>
+          <a:prstGeom prst="line">
+            <a:avLst/>
+          </a:prstGeom>
+          <a:ln w="38100">
+            <a:solidFill>
+              <a:srgbClr val="00B050"/>
+            </a:solidFill>
+          </a:ln>
+        </p:spPr>
+        <p:style>
+          <a:lnRef idx="1">
+            <a:schemeClr val="accent1"/>
+          </a:lnRef>
+          <a:fillRef idx="0">
+            <a:schemeClr val="accent1"/>
+          </a:fillRef>
+          <a:effectRef idx="0">
+            <a:schemeClr val="accent1"/>
+          </a:effectRef>
+          <a:fontRef idx="minor">
+            <a:schemeClr val="tx1"/>
+          </a:fontRef>
+        </p:style>
+      </p:cxnSp>
+      <p:cxnSp>
+        <p:nvCxnSpPr>
+          <p:cNvPr id="182" name="직선 연결선 181">
+            <a:extLst>
+              <a:ext uri="{FF2B5EF4-FFF2-40B4-BE49-F238E27FC236}">
+                <a16:creationId xmlns:a16="http://schemas.microsoft.com/office/drawing/2014/main" id="{FC48A235-AC9B-92FC-C4C4-B98AFD4BB92A}"/>
+              </a:ext>
+            </a:extLst>
+          </p:cNvPr>
+          <p:cNvCxnSpPr>
+            <a:cxnSpLocks/>
+          </p:cNvCxnSpPr>
+          <p:nvPr/>
+        </p:nvCxnSpPr>
+        <p:spPr>
+          <a:xfrm>
+            <a:off x="6149559" y="4231635"/>
+            <a:ext cx="296925" cy="0"/>
+          </a:xfrm>
+          <a:prstGeom prst="line">
+            <a:avLst/>
+          </a:prstGeom>
+          <a:ln w="38100">
+            <a:solidFill>
+              <a:srgbClr val="00B050"/>
+            </a:solidFill>
+          </a:ln>
+        </p:spPr>
+        <p:style>
+          <a:lnRef idx="1">
+            <a:schemeClr val="accent1"/>
+          </a:lnRef>
+          <a:fillRef idx="0">
+            <a:schemeClr val="accent1"/>
+          </a:fillRef>
+          <a:effectRef idx="0">
+            <a:schemeClr val="accent1"/>
+          </a:effectRef>
+          <a:fontRef idx="minor">
+            <a:schemeClr val="tx1"/>
+          </a:fontRef>
+        </p:style>
+      </p:cxnSp>
+      <p:cxnSp>
+        <p:nvCxnSpPr>
+          <p:cNvPr id="188" name="직선 연결선 187">
+            <a:extLst>
+              <a:ext uri="{FF2B5EF4-FFF2-40B4-BE49-F238E27FC236}">
+                <a16:creationId xmlns:a16="http://schemas.microsoft.com/office/drawing/2014/main" id="{D128677C-41D8-07B5-AF7C-E4FF7F9F5B6D}"/>
+              </a:ext>
+            </a:extLst>
+          </p:cNvPr>
+          <p:cNvCxnSpPr>
+            <a:cxnSpLocks/>
+          </p:cNvCxnSpPr>
+          <p:nvPr/>
+        </p:nvCxnSpPr>
+        <p:spPr>
+          <a:xfrm>
+            <a:off x="3038064" y="4387170"/>
+            <a:ext cx="288180" cy="0"/>
+          </a:xfrm>
+          <a:prstGeom prst="line">
+            <a:avLst/>
+          </a:prstGeom>
+          <a:ln w="38100">
+            <a:solidFill>
+              <a:srgbClr val="00B050"/>
+            </a:solidFill>
+          </a:ln>
+        </p:spPr>
+        <p:style>
+          <a:lnRef idx="1">
+            <a:schemeClr val="accent1"/>
+          </a:lnRef>
+          <a:fillRef idx="0">
+            <a:schemeClr val="accent1"/>
+          </a:fillRef>
+          <a:effectRef idx="0">
+            <a:schemeClr val="accent1"/>
+          </a:effectRef>
+          <a:fontRef idx="minor">
+            <a:schemeClr val="tx1"/>
+          </a:fontRef>
+        </p:style>
+      </p:cxnSp>
+      <p:cxnSp>
+        <p:nvCxnSpPr>
+          <p:cNvPr id="189" name="직선 연결선 188">
+            <a:extLst>
+              <a:ext uri="{FF2B5EF4-FFF2-40B4-BE49-F238E27FC236}">
+                <a16:creationId xmlns:a16="http://schemas.microsoft.com/office/drawing/2014/main" id="{C7DB0B5A-3BDC-3422-2B79-9055079D4F16}"/>
+              </a:ext>
+            </a:extLst>
+          </p:cNvPr>
+          <p:cNvCxnSpPr>
+            <a:cxnSpLocks/>
+          </p:cNvCxnSpPr>
+          <p:nvPr/>
+        </p:nvCxnSpPr>
+        <p:spPr>
+          <a:xfrm flipV="1">
+            <a:off x="3310013" y="4227150"/>
+            <a:ext cx="0" cy="177800"/>
+          </a:xfrm>
+          <a:prstGeom prst="line">
+            <a:avLst/>
+          </a:prstGeom>
+          <a:ln w="38100">
+            <a:solidFill>
+              <a:srgbClr val="00B050"/>
+            </a:solidFill>
+          </a:ln>
+        </p:spPr>
+        <p:style>
+          <a:lnRef idx="1">
+            <a:schemeClr val="accent1"/>
+          </a:lnRef>
+          <a:fillRef idx="0">
+            <a:schemeClr val="accent1"/>
+          </a:fillRef>
+          <a:effectRef idx="0">
+            <a:schemeClr val="accent1"/>
+          </a:effectRef>
+          <a:fontRef idx="minor">
+            <a:schemeClr val="tx1"/>
+          </a:fontRef>
+        </p:style>
+      </p:cxnSp>
+      <p:cxnSp>
+        <p:nvCxnSpPr>
+          <p:cNvPr id="190" name="직선 연결선 189">
+            <a:extLst>
+              <a:ext uri="{FF2B5EF4-FFF2-40B4-BE49-F238E27FC236}">
+                <a16:creationId xmlns:a16="http://schemas.microsoft.com/office/drawing/2014/main" id="{B411805C-00A4-8B74-D161-EA10229AE4E8}"/>
+              </a:ext>
+            </a:extLst>
+          </p:cNvPr>
+          <p:cNvCxnSpPr>
+            <a:cxnSpLocks/>
+          </p:cNvCxnSpPr>
+          <p:nvPr/>
+        </p:nvCxnSpPr>
+        <p:spPr>
+          <a:xfrm>
+            <a:off x="3310013" y="4242390"/>
+            <a:ext cx="296925" cy="0"/>
+          </a:xfrm>
+          <a:prstGeom prst="line">
+            <a:avLst/>
+          </a:prstGeom>
+          <a:ln w="38100">
+            <a:solidFill>
+              <a:srgbClr val="00B050"/>
+            </a:solidFill>
+          </a:ln>
+        </p:spPr>
+        <p:style>
+          <a:lnRef idx="1">
+            <a:schemeClr val="accent1"/>
+          </a:lnRef>
+          <a:fillRef idx="0">
+            <a:schemeClr val="accent1"/>
+          </a:fillRef>
+          <a:effectRef idx="0">
+            <a:schemeClr val="accent1"/>
+          </a:effectRef>
+          <a:fontRef idx="minor">
+            <a:schemeClr val="tx1"/>
+          </a:fontRef>
+        </p:style>
+      </p:cxnSp>
+      <p:cxnSp>
+        <p:nvCxnSpPr>
+          <p:cNvPr id="191" name="직선 연결선 190">
+            <a:extLst>
+              <a:ext uri="{FF2B5EF4-FFF2-40B4-BE49-F238E27FC236}">
+                <a16:creationId xmlns:a16="http://schemas.microsoft.com/office/drawing/2014/main" id="{1E207C25-C611-570D-6323-3E6D480D5833}"/>
+              </a:ext>
+            </a:extLst>
+          </p:cNvPr>
+          <p:cNvCxnSpPr>
+            <a:cxnSpLocks/>
+          </p:cNvCxnSpPr>
+          <p:nvPr/>
+        </p:nvCxnSpPr>
+        <p:spPr>
+          <a:xfrm>
+            <a:off x="10102784" y="2327645"/>
+            <a:ext cx="724460" cy="0"/>
+          </a:xfrm>
+          <a:prstGeom prst="line">
+            <a:avLst/>
+          </a:prstGeom>
+          <a:ln w="28575">
+            <a:solidFill>
+              <a:srgbClr val="FF0000"/>
+            </a:solidFill>
+          </a:ln>
+        </p:spPr>
+        <p:style>
+          <a:lnRef idx="1">
+            <a:schemeClr val="accent1"/>
+          </a:lnRef>
+          <a:fillRef idx="0">
+            <a:schemeClr val="accent1"/>
+          </a:fillRef>
+          <a:effectRef idx="0">
+            <a:schemeClr val="accent1"/>
+          </a:effectRef>
+          <a:fontRef idx="minor">
+            <a:schemeClr val="tx1"/>
+          </a:fontRef>
+        </p:style>
+      </p:cxnSp>
+      <p:cxnSp>
+        <p:nvCxnSpPr>
+          <p:cNvPr id="1024" name="직선 화살표 연결선 1023">
+            <a:extLst>
+              <a:ext uri="{FF2B5EF4-FFF2-40B4-BE49-F238E27FC236}">
+                <a16:creationId xmlns:a16="http://schemas.microsoft.com/office/drawing/2014/main" id="{6A9A193E-6219-2052-995F-DE5529E95D92}"/>
+              </a:ext>
+            </a:extLst>
+          </p:cNvPr>
+          <p:cNvCxnSpPr>
+            <a:cxnSpLocks/>
+          </p:cNvCxnSpPr>
+          <p:nvPr/>
+        </p:nvCxnSpPr>
+        <p:spPr>
+          <a:xfrm>
+            <a:off x="10213614" y="2203542"/>
+            <a:ext cx="457080" cy="0"/>
+          </a:xfrm>
+          <a:prstGeom prst="straightConnector1">
+            <a:avLst/>
+          </a:prstGeom>
+          <a:ln w="57150">
+            <a:solidFill>
+              <a:srgbClr val="FF0000"/>
+            </a:solidFill>
+            <a:tailEnd type="triangle"/>
+          </a:ln>
+        </p:spPr>
+        <p:style>
+          <a:lnRef idx="1">
+            <a:schemeClr val="accent1"/>
+          </a:lnRef>
+          <a:fillRef idx="0">
+            <a:schemeClr val="accent1"/>
+          </a:fillRef>
+          <a:effectRef idx="0">
+            <a:schemeClr val="accent1"/>
+          </a:effectRef>
+          <a:fontRef idx="minor">
+            <a:schemeClr val="tx1"/>
+          </a:fontRef>
+        </p:style>
+      </p:cxnSp>
+      <p:cxnSp>
+        <p:nvCxnSpPr>
+          <p:cNvPr id="1025" name="직선 연결선 1024">
+            <a:extLst>
+              <a:ext uri="{FF2B5EF4-FFF2-40B4-BE49-F238E27FC236}">
+                <a16:creationId xmlns:a16="http://schemas.microsoft.com/office/drawing/2014/main" id="{A2439146-68E1-7B4A-AEF4-C1BE7D285E64}"/>
+              </a:ext>
+            </a:extLst>
+          </p:cNvPr>
+          <p:cNvCxnSpPr>
+            <a:cxnSpLocks/>
+          </p:cNvCxnSpPr>
+          <p:nvPr/>
+        </p:nvCxnSpPr>
+        <p:spPr>
+          <a:xfrm flipV="1">
+            <a:off x="4002851" y="1445244"/>
+            <a:ext cx="0" cy="498739"/>
+          </a:xfrm>
+          <a:prstGeom prst="line">
+            <a:avLst/>
+          </a:prstGeom>
+          <a:ln w="28575">
+            <a:solidFill>
+              <a:schemeClr val="tx1"/>
+            </a:solidFill>
+          </a:ln>
+        </p:spPr>
+        <p:style>
+          <a:lnRef idx="1">
+            <a:schemeClr val="accent1"/>
+          </a:lnRef>
+          <a:fillRef idx="0">
+            <a:schemeClr val="accent1"/>
+          </a:fillRef>
+          <a:effectRef idx="0">
+            <a:schemeClr val="accent1"/>
+          </a:effectRef>
+          <a:fontRef idx="minor">
+            <a:schemeClr val="tx1"/>
+          </a:fontRef>
+        </p:style>
+      </p:cxnSp>
+      <p:sp>
+        <p:nvSpPr>
+          <p:cNvPr id="1029" name="TextBox 1028">
+            <a:extLst>
+              <a:ext uri="{FF2B5EF4-FFF2-40B4-BE49-F238E27FC236}">
+                <a16:creationId xmlns:a16="http://schemas.microsoft.com/office/drawing/2014/main" id="{1D642096-07EC-5185-EA38-5D5CA17276BE}"/>
+              </a:ext>
+            </a:extLst>
+          </p:cNvPr>
+          <p:cNvSpPr txBox="1"/>
+          <p:nvPr/>
+        </p:nvSpPr>
+        <p:spPr>
+          <a:xfrm>
+            <a:off x="3989103" y="1491973"/>
+            <a:ext cx="1822450" cy="261610"/>
+          </a:xfrm>
+          <a:prstGeom prst="rect">
+            <a:avLst/>
+          </a:prstGeom>
+          <a:noFill/>
+        </p:spPr>
+        <p:txBody>
+          <a:bodyPr wrap="square">
+            <a:spAutoFit/>
+          </a:bodyPr>
+          <a:lstStyle/>
+          <a:p>
+            <a:r>
+              <a:rPr lang="en-US" altLang="ko-KR" sz="1050" b="1"/>
+              <a:t>When(RUN_MODE)</a:t>
+            </a:r>
+            <a:endParaRPr lang="ko-KR" altLang="en-US" sz="1050" b="1">
+              <a:solidFill>
+                <a:schemeClr val="tx1"/>
+              </a:solidFill>
+            </a:endParaRPr>
+          </a:p>
+        </p:txBody>
+      </p:sp>
+      <p:cxnSp>
+        <p:nvCxnSpPr>
+          <p:cNvPr id="1031" name="직선 연결선 1030">
+            <a:extLst>
+              <a:ext uri="{FF2B5EF4-FFF2-40B4-BE49-F238E27FC236}">
+                <a16:creationId xmlns:a16="http://schemas.microsoft.com/office/drawing/2014/main" id="{3E4EFA2F-25BE-01D3-8E5C-F33F5223F47D}"/>
+              </a:ext>
+            </a:extLst>
+          </p:cNvPr>
+          <p:cNvCxnSpPr>
+            <a:cxnSpLocks/>
+          </p:cNvCxnSpPr>
+          <p:nvPr/>
+        </p:nvCxnSpPr>
+        <p:spPr>
+          <a:xfrm flipV="1">
+            <a:off x="6476223" y="1399881"/>
+            <a:ext cx="0" cy="498739"/>
+          </a:xfrm>
+          <a:prstGeom prst="line">
+            <a:avLst/>
+          </a:prstGeom>
+          <a:ln w="28575">
+            <a:solidFill>
+              <a:schemeClr val="tx1"/>
+            </a:solidFill>
+          </a:ln>
+        </p:spPr>
+        <p:style>
+          <a:lnRef idx="1">
+            <a:schemeClr val="accent1"/>
+          </a:lnRef>
+          <a:fillRef idx="0">
+            <a:schemeClr val="accent1"/>
+          </a:fillRef>
+          <a:effectRef idx="0">
+            <a:schemeClr val="accent1"/>
+          </a:effectRef>
+          <a:fontRef idx="minor">
+            <a:schemeClr val="tx1"/>
+          </a:fontRef>
+        </p:style>
+      </p:cxnSp>
+      <p:sp>
+        <p:nvSpPr>
+          <p:cNvPr id="1033" name="TextBox 1032">
+            <a:extLst>
+              <a:ext uri="{FF2B5EF4-FFF2-40B4-BE49-F238E27FC236}">
+                <a16:creationId xmlns:a16="http://schemas.microsoft.com/office/drawing/2014/main" id="{10AD6301-4DF8-81DC-3790-C9DDB4C94FA3}"/>
+              </a:ext>
+            </a:extLst>
+          </p:cNvPr>
+          <p:cNvSpPr txBox="1"/>
+          <p:nvPr/>
+        </p:nvSpPr>
+        <p:spPr>
+          <a:xfrm>
+            <a:off x="6462474" y="1476278"/>
+            <a:ext cx="1822450" cy="261610"/>
+          </a:xfrm>
+          <a:prstGeom prst="rect">
+            <a:avLst/>
+          </a:prstGeom>
+          <a:noFill/>
+        </p:spPr>
+        <p:txBody>
+          <a:bodyPr wrap="square">
+            <a:spAutoFit/>
+          </a:bodyPr>
+          <a:lstStyle/>
+          <a:p>
+            <a:r>
+              <a:rPr lang="en-US" altLang="ko-KR" sz="1050" b="1"/>
+              <a:t>When(RUN_MODE)</a:t>
+            </a:r>
+            <a:endParaRPr lang="ko-KR" altLang="en-US" sz="1050" b="1">
+              <a:solidFill>
+                <a:schemeClr val="tx1"/>
+              </a:solidFill>
+            </a:endParaRPr>
+          </a:p>
+        </p:txBody>
+      </p:sp>
+      <p:sp>
+        <p:nvSpPr>
+          <p:cNvPr id="1034" name="TextBox 1033">
+            <a:extLst>
+              <a:ext uri="{FF2B5EF4-FFF2-40B4-BE49-F238E27FC236}">
+                <a16:creationId xmlns:a16="http://schemas.microsoft.com/office/drawing/2014/main" id="{4DDE5CFB-9849-7DB7-5F05-3F5EC97517E4}"/>
+              </a:ext>
+            </a:extLst>
+          </p:cNvPr>
+          <p:cNvSpPr txBox="1"/>
+          <p:nvPr/>
+        </p:nvSpPr>
+        <p:spPr>
+          <a:xfrm>
+            <a:off x="8145995" y="1607937"/>
+            <a:ext cx="1822450" cy="261610"/>
+          </a:xfrm>
+          <a:prstGeom prst="rect">
+            <a:avLst/>
+          </a:prstGeom>
+          <a:noFill/>
+        </p:spPr>
+        <p:txBody>
+          <a:bodyPr wrap="square">
+            <a:spAutoFit/>
+          </a:bodyPr>
+          <a:lstStyle/>
+          <a:p>
+            <a:r>
+              <a:rPr lang="en-US" altLang="ko-KR" sz="1050" b="1"/>
+              <a:t>When(1_line_done)</a:t>
+            </a:r>
+            <a:endParaRPr lang="ko-KR" altLang="en-US" sz="1050" b="1">
+              <a:solidFill>
+                <a:schemeClr val="tx1"/>
+              </a:solidFill>
+            </a:endParaRPr>
+          </a:p>
+        </p:txBody>
+      </p:sp>
+      <p:sp>
+        <p:nvSpPr>
+          <p:cNvPr id="1036" name="TextBox 1035">
+            <a:extLst>
+              <a:ext uri="{FF2B5EF4-FFF2-40B4-BE49-F238E27FC236}">
+                <a16:creationId xmlns:a16="http://schemas.microsoft.com/office/drawing/2014/main" id="{724D76EB-FD56-43E0-A595-2D7746D1C463}"/>
+              </a:ext>
+            </a:extLst>
+          </p:cNvPr>
+          <p:cNvSpPr txBox="1"/>
+          <p:nvPr/>
+        </p:nvSpPr>
+        <p:spPr>
+          <a:xfrm>
+            <a:off x="3328703" y="259647"/>
+            <a:ext cx="1320800" cy="307777"/>
+          </a:xfrm>
+          <a:prstGeom prst="rect">
+            <a:avLst/>
+          </a:prstGeom>
+          <a:noFill/>
+        </p:spPr>
+        <p:txBody>
+          <a:bodyPr wrap="square">
+            <a:spAutoFit/>
+          </a:bodyPr>
+          <a:lstStyle/>
+          <a:p>
+            <a:pPr algn="ctr"/>
+            <a:r>
+              <a:rPr lang="en-US" altLang="ko-KR" sz="1400" b="1"/>
+              <a:t>LED</a:t>
+            </a:r>
+            <a:endParaRPr lang="ko-KR" altLang="en-US" sz="1400" b="1">
+              <a:solidFill>
+                <a:schemeClr val="tx1"/>
+              </a:solidFill>
+            </a:endParaRPr>
+          </a:p>
+        </p:txBody>
+      </p:sp>
+      <p:sp>
+        <p:nvSpPr>
+          <p:cNvPr id="1038" name="TextBox 1037">
+            <a:extLst>
+              <a:ext uri="{FF2B5EF4-FFF2-40B4-BE49-F238E27FC236}">
+                <a16:creationId xmlns:a16="http://schemas.microsoft.com/office/drawing/2014/main" id="{02B4B929-9153-5D01-9436-D4DF6F1F2F3A}"/>
+              </a:ext>
+            </a:extLst>
+          </p:cNvPr>
+          <p:cNvSpPr txBox="1"/>
+          <p:nvPr/>
+        </p:nvSpPr>
+        <p:spPr>
+          <a:xfrm>
+            <a:off x="5802074" y="265811"/>
+            <a:ext cx="1320800" cy="307777"/>
+          </a:xfrm>
+          <a:prstGeom prst="rect">
+            <a:avLst/>
+          </a:prstGeom>
+          <a:noFill/>
+        </p:spPr>
+        <p:txBody>
+          <a:bodyPr wrap="square">
+            <a:spAutoFit/>
+          </a:bodyPr>
+          <a:lstStyle/>
+          <a:p>
+            <a:pPr algn="ctr"/>
+            <a:r>
+              <a:rPr lang="en-US" altLang="ko-KR" sz="1400" b="1"/>
+              <a:t>BUZZER</a:t>
+            </a:r>
+            <a:endParaRPr lang="ko-KR" altLang="en-US" sz="1400" b="1">
+              <a:solidFill>
+                <a:schemeClr val="tx1"/>
+              </a:solidFill>
+            </a:endParaRPr>
+          </a:p>
+        </p:txBody>
+      </p:sp>
+      <p:sp>
+        <p:nvSpPr>
+          <p:cNvPr id="32" name="사다리꼴 31">
+            <a:extLst>
+              <a:ext uri="{FF2B5EF4-FFF2-40B4-BE49-F238E27FC236}">
+                <a16:creationId xmlns:a16="http://schemas.microsoft.com/office/drawing/2014/main" id="{C3AEBCAC-CA56-08B3-BA7E-E55202E3A2B5}"/>
+              </a:ext>
+            </a:extLst>
+          </p:cNvPr>
+          <p:cNvSpPr/>
+          <p:nvPr/>
+        </p:nvSpPr>
+        <p:spPr>
+          <a:xfrm rot="5400000">
+            <a:off x="8307446" y="5298453"/>
+            <a:ext cx="1733302" cy="288518"/>
+          </a:xfrm>
+          <a:prstGeom prst="trapezoid">
+            <a:avLst>
+              <a:gd name="adj" fmla="val 81235"/>
+            </a:avLst>
+          </a:prstGeom>
+        </p:spPr>
+        <p:style>
+          <a:lnRef idx="2">
+            <a:schemeClr val="accent1">
+              <a:shade val="50000"/>
+            </a:schemeClr>
+          </a:lnRef>
+          <a:fillRef idx="1">
+            <a:schemeClr val="accent1"/>
+          </a:fillRef>
+          <a:effectRef idx="0">
+            <a:schemeClr val="accent1"/>
+          </a:effectRef>
+          <a:fontRef idx="minor">
+            <a:schemeClr val="lt1"/>
+          </a:fontRef>
+        </p:style>
+        <p:txBody>
+          <a:bodyPr rtlCol="0" anchor="ctr"/>
+          <a:lstStyle/>
+          <a:p>
+            <a:pPr algn="ctr"/>
+            <a:endParaRPr lang="ko-KR" altLang="en-US"/>
+          </a:p>
+        </p:txBody>
+      </p:sp>
+      <p:cxnSp>
+        <p:nvCxnSpPr>
+          <p:cNvPr id="39" name="직선 연결선 38">
+            <a:extLst>
+              <a:ext uri="{FF2B5EF4-FFF2-40B4-BE49-F238E27FC236}">
+                <a16:creationId xmlns:a16="http://schemas.microsoft.com/office/drawing/2014/main" id="{1CA07A9E-5E95-6C73-11AE-03F1406395A2}"/>
+              </a:ext>
+            </a:extLst>
+          </p:cNvPr>
+          <p:cNvCxnSpPr>
+            <a:cxnSpLocks/>
+            <a:endCxn id="89" idx="1"/>
+          </p:cNvCxnSpPr>
+          <p:nvPr/>
+        </p:nvCxnSpPr>
+        <p:spPr>
+          <a:xfrm>
+            <a:off x="9301024" y="5458452"/>
+            <a:ext cx="182504" cy="1708"/>
+          </a:xfrm>
+          <a:prstGeom prst="line">
+            <a:avLst/>
+          </a:prstGeom>
+          <a:ln w="28575">
+            <a:solidFill>
+              <a:srgbClr val="FF0000"/>
+            </a:solidFill>
+          </a:ln>
+        </p:spPr>
+        <p:style>
+          <a:lnRef idx="1">
+            <a:schemeClr val="accent1"/>
+          </a:lnRef>
+          <a:fillRef idx="0">
+            <a:schemeClr val="accent1"/>
+          </a:fillRef>
+          <a:effectRef idx="0">
+            <a:schemeClr val="accent1"/>
+          </a:effectRef>
+          <a:fontRef idx="minor">
+            <a:schemeClr val="tx1"/>
+          </a:fontRef>
+        </p:style>
+      </p:cxnSp>
+      <p:cxnSp>
+        <p:nvCxnSpPr>
+          <p:cNvPr id="43" name="직선 연결선 42">
+            <a:extLst>
+              <a:ext uri="{FF2B5EF4-FFF2-40B4-BE49-F238E27FC236}">
+                <a16:creationId xmlns:a16="http://schemas.microsoft.com/office/drawing/2014/main" id="{13918CF0-3D5E-893F-1CF7-902AD91A3A00}"/>
+              </a:ext>
+            </a:extLst>
+          </p:cNvPr>
+          <p:cNvCxnSpPr>
+            <a:cxnSpLocks/>
+          </p:cNvCxnSpPr>
+          <p:nvPr/>
+        </p:nvCxnSpPr>
+        <p:spPr>
+          <a:xfrm>
+            <a:off x="9294604" y="5624700"/>
+            <a:ext cx="188924" cy="0"/>
+          </a:xfrm>
+          <a:prstGeom prst="line">
+            <a:avLst/>
+          </a:prstGeom>
+          <a:ln w="28575">
+            <a:solidFill>
+              <a:schemeClr val="tx1"/>
+            </a:solidFill>
+          </a:ln>
+        </p:spPr>
+        <p:style>
+          <a:lnRef idx="1">
+            <a:schemeClr val="accent1"/>
+          </a:lnRef>
+          <a:fillRef idx="0">
+            <a:schemeClr val="accent1"/>
+          </a:fillRef>
+          <a:effectRef idx="0">
+            <a:schemeClr val="accent1"/>
+          </a:effectRef>
+          <a:fontRef idx="minor">
+            <a:schemeClr val="tx1"/>
+          </a:fontRef>
+        </p:style>
+      </p:cxnSp>
+      <p:cxnSp>
+        <p:nvCxnSpPr>
+          <p:cNvPr id="48" name="직선 연결선 47">
+            <a:extLst>
+              <a:ext uri="{FF2B5EF4-FFF2-40B4-BE49-F238E27FC236}">
+                <a16:creationId xmlns:a16="http://schemas.microsoft.com/office/drawing/2014/main" id="{2B92FC9D-CFC7-F040-F257-5BD4E7AD5644}"/>
+              </a:ext>
+            </a:extLst>
+          </p:cNvPr>
+          <p:cNvCxnSpPr>
+            <a:cxnSpLocks/>
+          </p:cNvCxnSpPr>
+          <p:nvPr/>
+        </p:nvCxnSpPr>
+        <p:spPr>
+          <a:xfrm>
+            <a:off x="4116511" y="6080776"/>
+            <a:ext cx="4913326" cy="0"/>
+          </a:xfrm>
+          <a:prstGeom prst="line">
+            <a:avLst/>
+          </a:prstGeom>
+          <a:ln w="28575">
+            <a:solidFill>
+              <a:srgbClr val="FF0000"/>
+            </a:solidFill>
+          </a:ln>
+        </p:spPr>
+        <p:style>
+          <a:lnRef idx="1">
+            <a:schemeClr val="accent1"/>
+          </a:lnRef>
+          <a:fillRef idx="0">
+            <a:schemeClr val="accent1"/>
+          </a:fillRef>
+          <a:effectRef idx="0">
+            <a:schemeClr val="accent1"/>
+          </a:effectRef>
+          <a:fontRef idx="minor">
+            <a:schemeClr val="tx1"/>
+          </a:fontRef>
+        </p:style>
+      </p:cxnSp>
+      <p:cxnSp>
+        <p:nvCxnSpPr>
+          <p:cNvPr id="50" name="직선 연결선 49">
+            <a:extLst>
+              <a:ext uri="{FF2B5EF4-FFF2-40B4-BE49-F238E27FC236}">
+                <a16:creationId xmlns:a16="http://schemas.microsoft.com/office/drawing/2014/main" id="{FD2202B0-6A7D-CC85-6869-3AD544A6E6CA}"/>
+              </a:ext>
+            </a:extLst>
+          </p:cNvPr>
+          <p:cNvCxnSpPr>
+            <a:cxnSpLocks/>
+          </p:cNvCxnSpPr>
+          <p:nvPr/>
+        </p:nvCxnSpPr>
+        <p:spPr>
+          <a:xfrm flipV="1">
+            <a:off x="4109637" y="3849443"/>
+            <a:ext cx="0" cy="2231333"/>
+          </a:xfrm>
+          <a:prstGeom prst="line">
+            <a:avLst/>
+          </a:prstGeom>
+          <a:ln w="28575">
+            <a:solidFill>
+              <a:srgbClr val="FF0000"/>
+            </a:solidFill>
+          </a:ln>
+        </p:spPr>
+        <p:style>
+          <a:lnRef idx="1">
+            <a:schemeClr val="accent1"/>
+          </a:lnRef>
+          <a:fillRef idx="0">
+            <a:schemeClr val="accent1"/>
+          </a:fillRef>
+          <a:effectRef idx="0">
+            <a:schemeClr val="accent1"/>
+          </a:effectRef>
+          <a:fontRef idx="minor">
+            <a:schemeClr val="tx1"/>
+          </a:fontRef>
+        </p:style>
+      </p:cxnSp>
+      <p:cxnSp>
+        <p:nvCxnSpPr>
+          <p:cNvPr id="53" name="직선 연결선 52">
+            <a:extLst>
+              <a:ext uri="{FF2B5EF4-FFF2-40B4-BE49-F238E27FC236}">
+                <a16:creationId xmlns:a16="http://schemas.microsoft.com/office/drawing/2014/main" id="{D0AF9418-CF26-7F37-DCA0-872A32548AEF}"/>
+              </a:ext>
+            </a:extLst>
+          </p:cNvPr>
+          <p:cNvCxnSpPr>
+            <a:cxnSpLocks/>
+          </p:cNvCxnSpPr>
+          <p:nvPr/>
+        </p:nvCxnSpPr>
+        <p:spPr>
+          <a:xfrm>
+            <a:off x="4013749" y="4088356"/>
+            <a:ext cx="1631" cy="2064860"/>
+          </a:xfrm>
+          <a:prstGeom prst="line">
+            <a:avLst/>
+          </a:prstGeom>
+          <a:ln w="28575">
+            <a:solidFill>
+              <a:schemeClr val="tx1"/>
+            </a:solidFill>
+          </a:ln>
+        </p:spPr>
+        <p:style>
+          <a:lnRef idx="1">
+            <a:schemeClr val="accent1"/>
+          </a:lnRef>
+          <a:fillRef idx="0">
+            <a:schemeClr val="accent1"/>
+          </a:fillRef>
+          <a:effectRef idx="0">
+            <a:schemeClr val="accent1"/>
+          </a:effectRef>
+          <a:fontRef idx="minor">
+            <a:schemeClr val="tx1"/>
+          </a:fontRef>
+        </p:style>
+      </p:cxnSp>
+      <p:sp>
+        <p:nvSpPr>
+          <p:cNvPr id="57" name="사다리꼴 56">
+            <a:extLst>
+              <a:ext uri="{FF2B5EF4-FFF2-40B4-BE49-F238E27FC236}">
+                <a16:creationId xmlns:a16="http://schemas.microsoft.com/office/drawing/2014/main" id="{7B43CC79-BAE8-535A-F476-A65AD3F198EB}"/>
+              </a:ext>
+            </a:extLst>
+          </p:cNvPr>
+          <p:cNvSpPr/>
+          <p:nvPr/>
+        </p:nvSpPr>
+        <p:spPr>
+          <a:xfrm rot="16200000">
+            <a:off x="6244282" y="4270643"/>
+            <a:ext cx="907366" cy="243842"/>
+          </a:xfrm>
+          <a:prstGeom prst="trapezoid">
+            <a:avLst>
+              <a:gd name="adj" fmla="val 81235"/>
+            </a:avLst>
+          </a:prstGeom>
+        </p:spPr>
+        <p:style>
+          <a:lnRef idx="2">
+            <a:schemeClr val="accent1">
+              <a:shade val="50000"/>
+            </a:schemeClr>
+          </a:lnRef>
+          <a:fillRef idx="1">
+            <a:schemeClr val="accent1"/>
+          </a:fillRef>
+          <a:effectRef idx="0">
+            <a:schemeClr val="accent1"/>
+          </a:effectRef>
+          <a:fontRef idx="minor">
+            <a:schemeClr val="lt1"/>
+          </a:fontRef>
+        </p:style>
+        <p:txBody>
+          <a:bodyPr rtlCol="0" anchor="ctr"/>
+          <a:lstStyle/>
+          <a:p>
+            <a:pPr algn="ctr"/>
+            <a:endParaRPr lang="ko-KR" altLang="en-US"/>
+          </a:p>
+        </p:txBody>
+      </p:sp>
+      <p:cxnSp>
+        <p:nvCxnSpPr>
+          <p:cNvPr id="62" name="직선 연결선 61">
+            <a:extLst>
+              <a:ext uri="{FF2B5EF4-FFF2-40B4-BE49-F238E27FC236}">
+                <a16:creationId xmlns:a16="http://schemas.microsoft.com/office/drawing/2014/main" id="{D62271F6-6B7F-7EFB-92BE-493B66646683}"/>
+              </a:ext>
+            </a:extLst>
+          </p:cNvPr>
+          <p:cNvCxnSpPr>
+            <a:cxnSpLocks/>
+          </p:cNvCxnSpPr>
+          <p:nvPr/>
+        </p:nvCxnSpPr>
+        <p:spPr>
+          <a:xfrm>
+            <a:off x="4002851" y="6136136"/>
+            <a:ext cx="5026986" cy="17080"/>
+          </a:xfrm>
+          <a:prstGeom prst="line">
+            <a:avLst/>
+          </a:prstGeom>
+          <a:ln w="28575">
+            <a:solidFill>
+              <a:schemeClr val="tx1"/>
+            </a:solidFill>
+          </a:ln>
+        </p:spPr>
+        <p:style>
+          <a:lnRef idx="1">
+            <a:schemeClr val="accent1"/>
+          </a:lnRef>
+          <a:fillRef idx="0">
+            <a:schemeClr val="accent1"/>
+          </a:fillRef>
+          <a:effectRef idx="0">
+            <a:schemeClr val="accent1"/>
+          </a:effectRef>
+          <a:fontRef idx="minor">
+            <a:schemeClr val="tx1"/>
+          </a:fontRef>
+        </p:style>
+      </p:cxnSp>
+      <p:sp>
+        <p:nvSpPr>
+          <p:cNvPr id="68" name="TextBox 67">
+            <a:extLst>
+              <a:ext uri="{FF2B5EF4-FFF2-40B4-BE49-F238E27FC236}">
+                <a16:creationId xmlns:a16="http://schemas.microsoft.com/office/drawing/2014/main" id="{E4623982-D6D8-DE4A-24DD-54ACC268E37D}"/>
+              </a:ext>
+            </a:extLst>
+          </p:cNvPr>
+          <p:cNvSpPr txBox="1"/>
+          <p:nvPr/>
+        </p:nvSpPr>
+        <p:spPr>
+          <a:xfrm>
+            <a:off x="5931932" y="2042895"/>
+            <a:ext cx="1558726" cy="276999"/>
+          </a:xfrm>
+          <a:prstGeom prst="rect">
+            <a:avLst/>
+          </a:prstGeom>
+          <a:noFill/>
+        </p:spPr>
+        <p:txBody>
+          <a:bodyPr wrap="square">
+            <a:spAutoFit/>
+          </a:bodyPr>
+          <a:lstStyle/>
+          <a:p>
+            <a:r>
+              <a:rPr lang="en-US" altLang="ko-KR" sz="1200" b="1">
+                <a:solidFill>
+                  <a:schemeClr val="tx1"/>
+                </a:solidFill>
+              </a:rPr>
+              <a:t>cnt_</a:t>
+            </a:r>
+            <a:r>
+              <a:rPr lang="en-US" altLang="ko-KR" sz="1200" b="1"/>
+              <a:t>IMG</a:t>
+            </a:r>
+            <a:r>
+              <a:rPr lang="en-US" altLang="ko-KR" sz="1200" b="1">
+                <a:solidFill>
+                  <a:schemeClr val="tx1"/>
+                </a:solidFill>
+              </a:rPr>
+              <a:t>_row_o[9:0]</a:t>
+            </a:r>
+            <a:endParaRPr lang="ko-KR" altLang="en-US" sz="1200" b="1">
+              <a:solidFill>
+                <a:schemeClr val="tx1"/>
+              </a:solidFill>
+            </a:endParaRPr>
+          </a:p>
+        </p:txBody>
+      </p:sp>
+      <p:sp>
+        <p:nvSpPr>
+          <p:cNvPr id="29" name="TextBox 28">
+            <a:extLst>
+              <a:ext uri="{FF2B5EF4-FFF2-40B4-BE49-F238E27FC236}">
+                <a16:creationId xmlns:a16="http://schemas.microsoft.com/office/drawing/2014/main" id="{E45E3F0C-AB99-9F5C-E217-2D8AFDB1F8E3}"/>
+              </a:ext>
+            </a:extLst>
+          </p:cNvPr>
+          <p:cNvSpPr txBox="1"/>
+          <p:nvPr/>
+        </p:nvSpPr>
+        <p:spPr>
+          <a:xfrm>
+            <a:off x="2106855" y="1943660"/>
+            <a:ext cx="1041714" cy="276999"/>
+          </a:xfrm>
+          <a:prstGeom prst="rect">
+            <a:avLst/>
+          </a:prstGeom>
+          <a:noFill/>
+        </p:spPr>
+        <p:txBody>
+          <a:bodyPr wrap="square">
+            <a:spAutoFit/>
+          </a:bodyPr>
+          <a:lstStyle/>
+          <a:p>
+            <a:r>
+              <a:rPr lang="en-US" altLang="ko-KR" sz="1200" b="1">
+                <a:solidFill>
+                  <a:schemeClr val="tx1"/>
+                </a:solidFill>
+              </a:rPr>
+              <a:t>Is_mode2_i</a:t>
+            </a:r>
+            <a:endParaRPr lang="ko-KR" altLang="en-US" sz="1200" b="1">
+              <a:solidFill>
+                <a:schemeClr val="tx1"/>
+              </a:solidFill>
+            </a:endParaRPr>
+          </a:p>
+        </p:txBody>
+      </p:sp>
+      <p:cxnSp>
+        <p:nvCxnSpPr>
+          <p:cNvPr id="30" name="직선 연결선 29">
+            <a:extLst>
+              <a:ext uri="{FF2B5EF4-FFF2-40B4-BE49-F238E27FC236}">
+                <a16:creationId xmlns:a16="http://schemas.microsoft.com/office/drawing/2014/main" id="{E59A4F84-C71C-DD0A-CF2F-6544C80154EE}"/>
+              </a:ext>
+            </a:extLst>
+          </p:cNvPr>
+          <p:cNvCxnSpPr>
+            <a:cxnSpLocks/>
+            <a:endCxn id="29" idx="0"/>
+          </p:cNvCxnSpPr>
+          <p:nvPr/>
+        </p:nvCxnSpPr>
+        <p:spPr>
+          <a:xfrm>
+            <a:off x="2626156" y="1102230"/>
+            <a:ext cx="1556" cy="841430"/>
+          </a:xfrm>
+          <a:prstGeom prst="line">
+            <a:avLst/>
+          </a:prstGeom>
+          <a:ln w="28575">
+            <a:solidFill>
+              <a:schemeClr val="tx1"/>
+            </a:solidFill>
+          </a:ln>
+        </p:spPr>
+        <p:style>
+          <a:lnRef idx="1">
+            <a:schemeClr val="accent1"/>
+          </a:lnRef>
+          <a:fillRef idx="0">
+            <a:schemeClr val="accent1"/>
+          </a:fillRef>
+          <a:effectRef idx="0">
+            <a:schemeClr val="accent1"/>
+          </a:effectRef>
+          <a:fontRef idx="minor">
+            <a:schemeClr val="tx1"/>
+          </a:fontRef>
+        </p:style>
+      </p:cxnSp>
+      <p:cxnSp>
+        <p:nvCxnSpPr>
+          <p:cNvPr id="41" name="직선 화살표 연결선 40">
+            <a:extLst>
+              <a:ext uri="{FF2B5EF4-FFF2-40B4-BE49-F238E27FC236}">
+                <a16:creationId xmlns:a16="http://schemas.microsoft.com/office/drawing/2014/main" id="{A9223C6F-EF8D-8F44-DCC5-9536B4EBEDA9}"/>
+              </a:ext>
+            </a:extLst>
+          </p:cNvPr>
+          <p:cNvCxnSpPr>
+            <a:cxnSpLocks/>
+          </p:cNvCxnSpPr>
+          <p:nvPr/>
+        </p:nvCxnSpPr>
+        <p:spPr>
+          <a:xfrm>
+            <a:off x="1434006" y="1001725"/>
+            <a:ext cx="435235" cy="0"/>
+          </a:xfrm>
+          <a:prstGeom prst="straightConnector1">
+            <a:avLst/>
+          </a:prstGeom>
+          <a:ln w="57150">
+            <a:solidFill>
+              <a:schemeClr val="accent2"/>
+            </a:solidFill>
+            <a:tailEnd type="triangle"/>
+          </a:ln>
+        </p:spPr>
+        <p:style>
+          <a:lnRef idx="1">
+            <a:schemeClr val="accent1"/>
+          </a:lnRef>
+          <a:fillRef idx="0">
+            <a:schemeClr val="accent1"/>
+          </a:fillRef>
+          <a:effectRef idx="0">
+            <a:schemeClr val="accent1"/>
+          </a:effectRef>
+          <a:fontRef idx="minor">
+            <a:schemeClr val="tx1"/>
+          </a:fontRef>
+        </p:style>
+      </p:cxnSp>
+      <p:sp>
+        <p:nvSpPr>
+          <p:cNvPr id="45" name="TextBox 44">
+            <a:extLst>
+              <a:ext uri="{FF2B5EF4-FFF2-40B4-BE49-F238E27FC236}">
+                <a16:creationId xmlns:a16="http://schemas.microsoft.com/office/drawing/2014/main" id="{C32E3905-C5CE-FB06-35EC-C8E39F8D93C9}"/>
+              </a:ext>
+            </a:extLst>
+          </p:cNvPr>
+          <p:cNvSpPr txBox="1"/>
+          <p:nvPr/>
+        </p:nvSpPr>
+        <p:spPr>
+          <a:xfrm>
+            <a:off x="30960" y="1502505"/>
+            <a:ext cx="1320800" cy="369332"/>
+          </a:xfrm>
+          <a:prstGeom prst="rect">
+            <a:avLst/>
+          </a:prstGeom>
+          <a:noFill/>
+        </p:spPr>
+        <p:txBody>
+          <a:bodyPr wrap="square">
+            <a:spAutoFit/>
+          </a:bodyPr>
+          <a:lstStyle/>
+          <a:p>
+            <a:pPr algn="ctr"/>
+            <a:r>
+              <a:rPr lang="en-US" altLang="ko-KR" b="1">
+                <a:solidFill>
+                  <a:schemeClr val="tx1"/>
+                </a:solidFill>
+              </a:rPr>
+              <a:t>Switch1</a:t>
+            </a:r>
+          </a:p>
+        </p:txBody>
+      </p:sp>
+      <p:sp>
+        <p:nvSpPr>
+          <p:cNvPr id="49" name="TextBox 48">
+            <a:extLst>
+              <a:ext uri="{FF2B5EF4-FFF2-40B4-BE49-F238E27FC236}">
+                <a16:creationId xmlns:a16="http://schemas.microsoft.com/office/drawing/2014/main" id="{E8A7045F-F777-2A4A-C3AA-C08ED1DA5982}"/>
+              </a:ext>
+            </a:extLst>
+          </p:cNvPr>
+          <p:cNvSpPr txBox="1"/>
+          <p:nvPr/>
+        </p:nvSpPr>
+        <p:spPr>
+          <a:xfrm>
+            <a:off x="1490689" y="563100"/>
+            <a:ext cx="365539" cy="369332"/>
+          </a:xfrm>
+          <a:prstGeom prst="rect">
+            <a:avLst/>
+          </a:prstGeom>
+          <a:noFill/>
+        </p:spPr>
+        <p:txBody>
+          <a:bodyPr wrap="square" rtlCol="0">
+            <a:spAutoFit/>
+          </a:bodyPr>
+          <a:lstStyle/>
+          <a:p>
+            <a:r>
+              <a:rPr lang="en-US" altLang="ko-KR" b="1">
+                <a:solidFill>
+                  <a:schemeClr val="accent2"/>
+                </a:solidFill>
+              </a:rPr>
+              <a:t>1</a:t>
+            </a:r>
+            <a:endParaRPr lang="ko-KR" altLang="en-US" b="1">
+              <a:solidFill>
+                <a:schemeClr val="accent2"/>
+              </a:solidFill>
+            </a:endParaRPr>
+          </a:p>
+        </p:txBody>
+      </p:sp>
+    </p:spTree>
+    <p:extLst>
+      <p:ext uri="{BB962C8B-B14F-4D97-AF65-F5344CB8AC3E}">
+        <p14:creationId xmlns:p14="http://schemas.microsoft.com/office/powerpoint/2010/main" val="1146275323"/>
+      </p:ext>
+    </p:extLst>
+  </p:cSld>
+  <p:clrMapOvr>
+    <a:masterClrMapping/>
+  </p:clrMapOvr>
+</p:sld>
+</file>
+
+<file path=ppt/slides/slide16.xml><?xml version="1.0" encoding="utf-8"?>
 <p:sld xmlns:a="http://schemas.openxmlformats.org/drawingml/2006/main" xmlns:r="http://schemas.openxmlformats.org/officeDocument/2006/relationships" xmlns:p="http://schemas.openxmlformats.org/presentationml/2006/main">
   <p:cSld>
     <p:spTree>

--- a/Plan.pptx
+++ b/Plan.pptx
@@ -21,6 +21,9 @@
     <p:sldId id="273" r:id="rId15"/>
     <p:sldId id="274" r:id="rId16"/>
     <p:sldId id="272" r:id="rId17"/>
+    <p:sldId id="276" r:id="rId18"/>
+    <p:sldId id="275" r:id="rId19"/>
+    <p:sldId id="277" r:id="rId20"/>
   </p:sldIdLst>
   <p:sldSz cx="12192000" cy="6858000"/>
   <p:notesSz cx="6858000" cy="9144000"/>
@@ -274,7 +277,7 @@
           <a:p>
             <a:fld id="{F40FDB6E-BDDC-4D37-83E8-28D8DD78524D}" type="datetimeFigureOut">
               <a:rPr lang="ko-KR" altLang="en-US" smtClean="0"/>
-              <a:t>2023-05-26</a:t>
+              <a:t>2023-05-28</a:t>
             </a:fld>
             <a:endParaRPr lang="ko-KR" altLang="en-US"/>
           </a:p>
@@ -472,7 +475,7 @@
           <a:p>
             <a:fld id="{F40FDB6E-BDDC-4D37-83E8-28D8DD78524D}" type="datetimeFigureOut">
               <a:rPr lang="ko-KR" altLang="en-US" smtClean="0"/>
-              <a:t>2023-05-26</a:t>
+              <a:t>2023-05-28</a:t>
             </a:fld>
             <a:endParaRPr lang="ko-KR" altLang="en-US"/>
           </a:p>
@@ -680,7 +683,7 @@
           <a:p>
             <a:fld id="{F40FDB6E-BDDC-4D37-83E8-28D8DD78524D}" type="datetimeFigureOut">
               <a:rPr lang="ko-KR" altLang="en-US" smtClean="0"/>
-              <a:t>2023-05-26</a:t>
+              <a:t>2023-05-28</a:t>
             </a:fld>
             <a:endParaRPr lang="ko-KR" altLang="en-US"/>
           </a:p>
@@ -878,7 +881,7 @@
           <a:p>
             <a:fld id="{F40FDB6E-BDDC-4D37-83E8-28D8DD78524D}" type="datetimeFigureOut">
               <a:rPr lang="ko-KR" altLang="en-US" smtClean="0"/>
-              <a:t>2023-05-26</a:t>
+              <a:t>2023-05-28</a:t>
             </a:fld>
             <a:endParaRPr lang="ko-KR" altLang="en-US"/>
           </a:p>
@@ -1153,7 +1156,7 @@
           <a:p>
             <a:fld id="{F40FDB6E-BDDC-4D37-83E8-28D8DD78524D}" type="datetimeFigureOut">
               <a:rPr lang="ko-KR" altLang="en-US" smtClean="0"/>
-              <a:t>2023-05-26</a:t>
+              <a:t>2023-05-28</a:t>
             </a:fld>
             <a:endParaRPr lang="ko-KR" altLang="en-US"/>
           </a:p>
@@ -1418,7 +1421,7 @@
           <a:p>
             <a:fld id="{F40FDB6E-BDDC-4D37-83E8-28D8DD78524D}" type="datetimeFigureOut">
               <a:rPr lang="ko-KR" altLang="en-US" smtClean="0"/>
-              <a:t>2023-05-26</a:t>
+              <a:t>2023-05-28</a:t>
             </a:fld>
             <a:endParaRPr lang="ko-KR" altLang="en-US"/>
           </a:p>
@@ -1830,7 +1833,7 @@
           <a:p>
             <a:fld id="{F40FDB6E-BDDC-4D37-83E8-28D8DD78524D}" type="datetimeFigureOut">
               <a:rPr lang="ko-KR" altLang="en-US" smtClean="0"/>
-              <a:t>2023-05-26</a:t>
+              <a:t>2023-05-28</a:t>
             </a:fld>
             <a:endParaRPr lang="ko-KR" altLang="en-US"/>
           </a:p>
@@ -1971,7 +1974,7 @@
           <a:p>
             <a:fld id="{F40FDB6E-BDDC-4D37-83E8-28D8DD78524D}" type="datetimeFigureOut">
               <a:rPr lang="ko-KR" altLang="en-US" smtClean="0"/>
-              <a:t>2023-05-26</a:t>
+              <a:t>2023-05-28</a:t>
             </a:fld>
             <a:endParaRPr lang="ko-KR" altLang="en-US"/>
           </a:p>
@@ -2084,7 +2087,7 @@
           <a:p>
             <a:fld id="{F40FDB6E-BDDC-4D37-83E8-28D8DD78524D}" type="datetimeFigureOut">
               <a:rPr lang="ko-KR" altLang="en-US" smtClean="0"/>
-              <a:t>2023-05-26</a:t>
+              <a:t>2023-05-28</a:t>
             </a:fld>
             <a:endParaRPr lang="ko-KR" altLang="en-US"/>
           </a:p>
@@ -2395,7 +2398,7 @@
           <a:p>
             <a:fld id="{F40FDB6E-BDDC-4D37-83E8-28D8DD78524D}" type="datetimeFigureOut">
               <a:rPr lang="ko-KR" altLang="en-US" smtClean="0"/>
-              <a:t>2023-05-26</a:t>
+              <a:t>2023-05-28</a:t>
             </a:fld>
             <a:endParaRPr lang="ko-KR" altLang="en-US"/>
           </a:p>
@@ -2683,7 +2686,7 @@
           <a:p>
             <a:fld id="{F40FDB6E-BDDC-4D37-83E8-28D8DD78524D}" type="datetimeFigureOut">
               <a:rPr lang="ko-KR" altLang="en-US" smtClean="0"/>
-              <a:t>2023-05-26</a:t>
+              <a:t>2023-05-28</a:t>
             </a:fld>
             <a:endParaRPr lang="ko-KR" altLang="en-US"/>
           </a:p>
@@ -2924,7 +2927,7 @@
           <a:p>
             <a:fld id="{F40FDB6E-BDDC-4D37-83E8-28D8DD78524D}" type="datetimeFigureOut">
               <a:rPr lang="ko-KR" altLang="en-US" smtClean="0"/>
-              <a:t>2023-05-26</a:t>
+              <a:t>2023-05-28</a:t>
             </a:fld>
             <a:endParaRPr lang="ko-KR" altLang="en-US"/>
           </a:p>
@@ -26586,10 +26589,6265 @@
           </a:p>
         </p:txBody>
       </p:sp>
+      <p:sp>
+        <p:nvSpPr>
+          <p:cNvPr id="5" name="TextBox 4">
+            <a:extLst>
+              <a:ext uri="{FF2B5EF4-FFF2-40B4-BE49-F238E27FC236}">
+                <a16:creationId xmlns:a16="http://schemas.microsoft.com/office/drawing/2014/main" id="{BBA22F14-123F-580B-C1DF-558B00436E13}"/>
+              </a:ext>
+            </a:extLst>
+          </p:cNvPr>
+          <p:cNvSpPr txBox="1"/>
+          <p:nvPr/>
+        </p:nvSpPr>
+        <p:spPr>
+          <a:xfrm>
+            <a:off x="4845254" y="5339279"/>
+            <a:ext cx="1527462" cy="307777"/>
+          </a:xfrm>
+          <a:prstGeom prst="rect">
+            <a:avLst/>
+          </a:prstGeom>
+          <a:noFill/>
+        </p:spPr>
+        <p:txBody>
+          <a:bodyPr wrap="square">
+            <a:spAutoFit/>
+          </a:bodyPr>
+          <a:lstStyle/>
+          <a:p>
+            <a:r>
+              <a:rPr lang="en-US" altLang="ko-KR" sz="1400" b="1"/>
+              <a:t>Fetch_done</a:t>
+            </a:r>
+            <a:endParaRPr lang="ko-KR" altLang="en-US" sz="1400"/>
+          </a:p>
+        </p:txBody>
+      </p:sp>
     </p:spTree>
     <p:extLst>
       <p:ext uri="{BB962C8B-B14F-4D97-AF65-F5344CB8AC3E}">
         <p14:creationId xmlns:p14="http://schemas.microsoft.com/office/powerpoint/2010/main" val="764271432"/>
+      </p:ext>
+    </p:extLst>
+  </p:cSld>
+  <p:clrMapOvr>
+    <a:masterClrMapping/>
+  </p:clrMapOvr>
+</p:sld>
+</file>
+
+<file path=ppt/slides/slide17.xml><?xml version="1.0" encoding="utf-8"?>
+<p:sld xmlns:a="http://schemas.openxmlformats.org/drawingml/2006/main" xmlns:r="http://schemas.openxmlformats.org/officeDocument/2006/relationships" xmlns:p="http://schemas.openxmlformats.org/presentationml/2006/main">
+  <p:cSld>
+    <p:spTree>
+      <p:nvGrpSpPr>
+        <p:cNvPr id="1" name=""/>
+        <p:cNvGrpSpPr/>
+        <p:nvPr/>
+      </p:nvGrpSpPr>
+      <p:grpSpPr>
+        <a:xfrm>
+          <a:off x="0" y="0"/>
+          <a:ext cx="0" cy="0"/>
+          <a:chOff x="0" y="0"/>
+          <a:chExt cx="0" cy="0"/>
+        </a:xfrm>
+      </p:grpSpPr>
+      <p:sp>
+        <p:nvSpPr>
+          <p:cNvPr id="2" name="타원 1">
+            <a:extLst>
+              <a:ext uri="{FF2B5EF4-FFF2-40B4-BE49-F238E27FC236}">
+                <a16:creationId xmlns:a16="http://schemas.microsoft.com/office/drawing/2014/main" id="{88FDEF47-8AC5-A9AE-CF88-B55855679C60}"/>
+              </a:ext>
+            </a:extLst>
+          </p:cNvPr>
+          <p:cNvSpPr/>
+          <p:nvPr/>
+        </p:nvSpPr>
+        <p:spPr>
+          <a:xfrm>
+            <a:off x="3861409" y="153569"/>
+            <a:ext cx="1070368" cy="1025097"/>
+          </a:xfrm>
+          <a:prstGeom prst="ellipse">
+            <a:avLst/>
+          </a:prstGeom>
+        </p:spPr>
+        <p:style>
+          <a:lnRef idx="2">
+            <a:schemeClr val="accent1">
+              <a:shade val="50000"/>
+            </a:schemeClr>
+          </a:lnRef>
+          <a:fillRef idx="1">
+            <a:schemeClr val="accent1"/>
+          </a:fillRef>
+          <a:effectRef idx="0">
+            <a:schemeClr val="accent1"/>
+          </a:effectRef>
+          <a:fontRef idx="minor">
+            <a:schemeClr val="lt1"/>
+          </a:fontRef>
+        </p:style>
+        <p:txBody>
+          <a:bodyPr rtlCol="0" anchor="ctr"/>
+          <a:lstStyle/>
+          <a:p>
+            <a:pPr algn="ctr"/>
+            <a:r>
+              <a:rPr lang="en-US" altLang="ko-KR"/>
+              <a:t>IDLE</a:t>
+            </a:r>
+            <a:endParaRPr lang="ko-KR" altLang="en-US"/>
+          </a:p>
+        </p:txBody>
+      </p:sp>
+      <p:sp>
+        <p:nvSpPr>
+          <p:cNvPr id="3" name="타원 2">
+            <a:extLst>
+              <a:ext uri="{FF2B5EF4-FFF2-40B4-BE49-F238E27FC236}">
+                <a16:creationId xmlns:a16="http://schemas.microsoft.com/office/drawing/2014/main" id="{A18CD7AA-702F-6807-4534-691DF8B92C88}"/>
+              </a:ext>
+            </a:extLst>
+          </p:cNvPr>
+          <p:cNvSpPr/>
+          <p:nvPr/>
+        </p:nvSpPr>
+        <p:spPr>
+          <a:xfrm>
+            <a:off x="4800462" y="2900646"/>
+            <a:ext cx="1070368" cy="1025097"/>
+          </a:xfrm>
+          <a:prstGeom prst="ellipse">
+            <a:avLst/>
+          </a:prstGeom>
+        </p:spPr>
+        <p:style>
+          <a:lnRef idx="2">
+            <a:schemeClr val="accent1">
+              <a:shade val="50000"/>
+            </a:schemeClr>
+          </a:lnRef>
+          <a:fillRef idx="1">
+            <a:schemeClr val="accent1"/>
+          </a:fillRef>
+          <a:effectRef idx="0">
+            <a:schemeClr val="accent1"/>
+          </a:effectRef>
+          <a:fontRef idx="minor">
+            <a:schemeClr val="lt1"/>
+          </a:fontRef>
+        </p:style>
+        <p:txBody>
+          <a:bodyPr rtlCol="0" anchor="ctr"/>
+          <a:lstStyle/>
+          <a:p>
+            <a:pPr algn="ctr"/>
+            <a:r>
+              <a:rPr lang="en-US" altLang="ko-KR" sz="1400"/>
+              <a:t>FETCH</a:t>
+            </a:r>
+            <a:endParaRPr lang="ko-KR" altLang="en-US" sz="1400"/>
+          </a:p>
+        </p:txBody>
+      </p:sp>
+      <p:sp>
+        <p:nvSpPr>
+          <p:cNvPr id="6" name="화살표: 아래로 구부러짐 5">
+            <a:extLst>
+              <a:ext uri="{FF2B5EF4-FFF2-40B4-BE49-F238E27FC236}">
+                <a16:creationId xmlns:a16="http://schemas.microsoft.com/office/drawing/2014/main" id="{396B3BE6-8EAF-58E7-CB50-443B8986BAD4}"/>
+              </a:ext>
+            </a:extLst>
+          </p:cNvPr>
+          <p:cNvSpPr/>
+          <p:nvPr/>
+        </p:nvSpPr>
+        <p:spPr>
+          <a:xfrm rot="7549221">
+            <a:off x="12212543" y="6003259"/>
+            <a:ext cx="884382" cy="489998"/>
+          </a:xfrm>
+          <a:prstGeom prst="curvedDownArrow">
+            <a:avLst/>
+          </a:prstGeom>
+        </p:spPr>
+        <p:style>
+          <a:lnRef idx="2">
+            <a:schemeClr val="accent1">
+              <a:shade val="50000"/>
+            </a:schemeClr>
+          </a:lnRef>
+          <a:fillRef idx="1">
+            <a:schemeClr val="accent1"/>
+          </a:fillRef>
+          <a:effectRef idx="0">
+            <a:schemeClr val="accent1"/>
+          </a:effectRef>
+          <a:fontRef idx="minor">
+            <a:schemeClr val="lt1"/>
+          </a:fontRef>
+        </p:style>
+        <p:txBody>
+          <a:bodyPr rtlCol="0" anchor="ctr"/>
+          <a:lstStyle/>
+          <a:p>
+            <a:pPr algn="ctr"/>
+            <a:endParaRPr lang="ko-KR" altLang="en-US">
+              <a:solidFill>
+                <a:schemeClr val="tx1"/>
+              </a:solidFill>
+            </a:endParaRPr>
+          </a:p>
+        </p:txBody>
+      </p:sp>
+      <p:sp>
+        <p:nvSpPr>
+          <p:cNvPr id="11" name="타원 10">
+            <a:extLst>
+              <a:ext uri="{FF2B5EF4-FFF2-40B4-BE49-F238E27FC236}">
+                <a16:creationId xmlns:a16="http://schemas.microsoft.com/office/drawing/2014/main" id="{D84FB47C-F2E4-4FE9-6FB5-CFDC305D7C8A}"/>
+              </a:ext>
+            </a:extLst>
+          </p:cNvPr>
+          <p:cNvSpPr/>
+          <p:nvPr/>
+        </p:nvSpPr>
+        <p:spPr>
+          <a:xfrm>
+            <a:off x="7563311" y="5368082"/>
+            <a:ext cx="1270001" cy="1214582"/>
+          </a:xfrm>
+          <a:prstGeom prst="ellipse">
+            <a:avLst/>
+          </a:prstGeom>
+        </p:spPr>
+        <p:style>
+          <a:lnRef idx="2">
+            <a:schemeClr val="accent1">
+              <a:shade val="50000"/>
+            </a:schemeClr>
+          </a:lnRef>
+          <a:fillRef idx="1">
+            <a:schemeClr val="accent1"/>
+          </a:fillRef>
+          <a:effectRef idx="0">
+            <a:schemeClr val="accent1"/>
+          </a:effectRef>
+          <a:fontRef idx="minor">
+            <a:schemeClr val="lt1"/>
+          </a:fontRef>
+        </p:style>
+        <p:txBody>
+          <a:bodyPr rtlCol="0" anchor="ctr"/>
+          <a:lstStyle/>
+          <a:p>
+            <a:pPr algn="ctr"/>
+            <a:r>
+              <a:rPr lang="en-US" altLang="ko-KR"/>
+              <a:t>VGA</a:t>
+            </a:r>
+            <a:br>
+              <a:rPr lang="en-US" altLang="ko-KR"/>
+            </a:br>
+            <a:r>
+              <a:rPr lang="en-US" altLang="ko-KR"/>
+              <a:t>READY</a:t>
+            </a:r>
+            <a:endParaRPr lang="ko-KR" altLang="en-US"/>
+          </a:p>
+        </p:txBody>
+      </p:sp>
+      <p:cxnSp>
+        <p:nvCxnSpPr>
+          <p:cNvPr id="13" name="직선 화살표 연결선 12">
+            <a:extLst>
+              <a:ext uri="{FF2B5EF4-FFF2-40B4-BE49-F238E27FC236}">
+                <a16:creationId xmlns:a16="http://schemas.microsoft.com/office/drawing/2014/main" id="{E46DDF2B-B835-183B-B6AD-A8D3E925E51A}"/>
+              </a:ext>
+            </a:extLst>
+          </p:cNvPr>
+          <p:cNvCxnSpPr>
+            <a:cxnSpLocks/>
+            <a:stCxn id="2" idx="5"/>
+          </p:cNvCxnSpPr>
+          <p:nvPr/>
+        </p:nvCxnSpPr>
+        <p:spPr>
+          <a:xfrm>
+            <a:off x="4775025" y="1028544"/>
+            <a:ext cx="351767" cy="527002"/>
+          </a:xfrm>
+          <a:prstGeom prst="straightConnector1">
+            <a:avLst/>
+          </a:prstGeom>
+          <a:ln w="57150">
+            <a:solidFill>
+              <a:schemeClr val="tx1"/>
+            </a:solidFill>
+            <a:tailEnd type="triangle"/>
+          </a:ln>
+        </p:spPr>
+        <p:style>
+          <a:lnRef idx="1">
+            <a:schemeClr val="accent1"/>
+          </a:lnRef>
+          <a:fillRef idx="0">
+            <a:schemeClr val="accent1"/>
+          </a:fillRef>
+          <a:effectRef idx="0">
+            <a:schemeClr val="accent1"/>
+          </a:effectRef>
+          <a:fontRef idx="minor">
+            <a:schemeClr val="tx1"/>
+          </a:fontRef>
+        </p:style>
+      </p:cxnSp>
+      <p:sp>
+        <p:nvSpPr>
+          <p:cNvPr id="15" name="TextBox 14">
+            <a:extLst>
+              <a:ext uri="{FF2B5EF4-FFF2-40B4-BE49-F238E27FC236}">
+                <a16:creationId xmlns:a16="http://schemas.microsoft.com/office/drawing/2014/main" id="{6F1F4745-2FD2-4336-6445-2DD7E70E76FF}"/>
+              </a:ext>
+            </a:extLst>
+          </p:cNvPr>
+          <p:cNvSpPr txBox="1"/>
+          <p:nvPr/>
+        </p:nvSpPr>
+        <p:spPr>
+          <a:xfrm>
+            <a:off x="10525793" y="4081690"/>
+            <a:ext cx="997526" cy="738664"/>
+          </a:xfrm>
+          <a:prstGeom prst="rect">
+            <a:avLst/>
+          </a:prstGeom>
+          <a:noFill/>
+        </p:spPr>
+        <p:txBody>
+          <a:bodyPr wrap="square" rtlCol="0">
+            <a:spAutoFit/>
+          </a:bodyPr>
+          <a:lstStyle/>
+          <a:p>
+            <a:r>
+              <a:rPr lang="en-US" altLang="ko-KR" sz="1400" b="1"/>
+              <a:t>Start</a:t>
+            </a:r>
+            <a:br>
+              <a:rPr lang="en-US" altLang="ko-KR" sz="1400" b="1"/>
+            </a:br>
+            <a:r>
+              <a:rPr lang="en-US" altLang="ko-KR" sz="1400" b="1"/>
+              <a:t>&amp;&amp;</a:t>
+            </a:r>
+            <a:br>
+              <a:rPr lang="en-US" altLang="ko-KR" sz="1400" b="1"/>
+            </a:br>
+            <a:r>
+              <a:rPr lang="en-US" altLang="ko-KR" sz="1400" b="1"/>
+              <a:t>mode2</a:t>
+            </a:r>
+            <a:endParaRPr lang="ko-KR" altLang="en-US" sz="1400" b="1"/>
+          </a:p>
+        </p:txBody>
+      </p:sp>
+      <p:sp>
+        <p:nvSpPr>
+          <p:cNvPr id="26" name="화살표: 아래로 구부러짐 25">
+            <a:extLst>
+              <a:ext uri="{FF2B5EF4-FFF2-40B4-BE49-F238E27FC236}">
+                <a16:creationId xmlns:a16="http://schemas.microsoft.com/office/drawing/2014/main" id="{60454895-9AE1-C0A3-CC6A-648B5DDDC3C5}"/>
+              </a:ext>
+            </a:extLst>
+          </p:cNvPr>
+          <p:cNvSpPr/>
+          <p:nvPr/>
+        </p:nvSpPr>
+        <p:spPr>
+          <a:xfrm rot="2866139">
+            <a:off x="12212543" y="1425753"/>
+            <a:ext cx="884382" cy="489998"/>
+          </a:xfrm>
+          <a:prstGeom prst="curvedDownArrow">
+            <a:avLst/>
+          </a:prstGeom>
+        </p:spPr>
+        <p:style>
+          <a:lnRef idx="2">
+            <a:schemeClr val="accent1">
+              <a:shade val="50000"/>
+            </a:schemeClr>
+          </a:lnRef>
+          <a:fillRef idx="1">
+            <a:schemeClr val="accent1"/>
+          </a:fillRef>
+          <a:effectRef idx="0">
+            <a:schemeClr val="accent1"/>
+          </a:effectRef>
+          <a:fontRef idx="minor">
+            <a:schemeClr val="lt1"/>
+          </a:fontRef>
+        </p:style>
+        <p:txBody>
+          <a:bodyPr rtlCol="0" anchor="ctr"/>
+          <a:lstStyle/>
+          <a:p>
+            <a:pPr algn="ctr"/>
+            <a:endParaRPr lang="ko-KR" altLang="en-US">
+              <a:solidFill>
+                <a:schemeClr val="tx1"/>
+              </a:solidFill>
+            </a:endParaRPr>
+          </a:p>
+        </p:txBody>
+      </p:sp>
+      <p:sp>
+        <p:nvSpPr>
+          <p:cNvPr id="5" name="타원 4">
+            <a:extLst>
+              <a:ext uri="{FF2B5EF4-FFF2-40B4-BE49-F238E27FC236}">
+                <a16:creationId xmlns:a16="http://schemas.microsoft.com/office/drawing/2014/main" id="{20E5510B-7EAD-B308-64C9-A0449005BA8D}"/>
+              </a:ext>
+            </a:extLst>
+          </p:cNvPr>
+          <p:cNvSpPr/>
+          <p:nvPr/>
+        </p:nvSpPr>
+        <p:spPr>
+          <a:xfrm>
+            <a:off x="2945722" y="1466007"/>
+            <a:ext cx="1070368" cy="1025097"/>
+          </a:xfrm>
+          <a:prstGeom prst="ellipse">
+            <a:avLst/>
+          </a:prstGeom>
+        </p:spPr>
+        <p:style>
+          <a:lnRef idx="2">
+            <a:schemeClr val="accent1">
+              <a:shade val="50000"/>
+            </a:schemeClr>
+          </a:lnRef>
+          <a:fillRef idx="1">
+            <a:schemeClr val="accent1"/>
+          </a:fillRef>
+          <a:effectRef idx="0">
+            <a:schemeClr val="accent1"/>
+          </a:effectRef>
+          <a:fontRef idx="minor">
+            <a:schemeClr val="lt1"/>
+          </a:fontRef>
+        </p:style>
+        <p:txBody>
+          <a:bodyPr rtlCol="0" anchor="ctr"/>
+          <a:lstStyle/>
+          <a:p>
+            <a:pPr algn="ctr"/>
+            <a:r>
+              <a:rPr lang="en-US" altLang="ko-KR" sz="1400"/>
+              <a:t>MODE1</a:t>
+            </a:r>
+            <a:br>
+              <a:rPr lang="en-US" altLang="ko-KR" sz="1400"/>
+            </a:br>
+            <a:r>
+              <a:rPr lang="en-US" altLang="ko-KR" sz="1400"/>
+              <a:t>Ready</a:t>
+            </a:r>
+            <a:endParaRPr lang="ko-KR" altLang="en-US" sz="1400"/>
+          </a:p>
+        </p:txBody>
+      </p:sp>
+      <p:sp>
+        <p:nvSpPr>
+          <p:cNvPr id="8" name="타원 7">
+            <a:extLst>
+              <a:ext uri="{FF2B5EF4-FFF2-40B4-BE49-F238E27FC236}">
+                <a16:creationId xmlns:a16="http://schemas.microsoft.com/office/drawing/2014/main" id="{D964596F-9262-5F63-F001-EEB97EFDEE0E}"/>
+              </a:ext>
+            </a:extLst>
+          </p:cNvPr>
+          <p:cNvSpPr/>
+          <p:nvPr/>
+        </p:nvSpPr>
+        <p:spPr>
+          <a:xfrm>
+            <a:off x="4800462" y="1464478"/>
+            <a:ext cx="1070368" cy="1025097"/>
+          </a:xfrm>
+          <a:prstGeom prst="ellipse">
+            <a:avLst/>
+          </a:prstGeom>
+        </p:spPr>
+        <p:style>
+          <a:lnRef idx="2">
+            <a:schemeClr val="accent1">
+              <a:shade val="50000"/>
+            </a:schemeClr>
+          </a:lnRef>
+          <a:fillRef idx="1">
+            <a:schemeClr val="accent1"/>
+          </a:fillRef>
+          <a:effectRef idx="0">
+            <a:schemeClr val="accent1"/>
+          </a:effectRef>
+          <a:fontRef idx="minor">
+            <a:schemeClr val="lt1"/>
+          </a:fontRef>
+        </p:style>
+        <p:txBody>
+          <a:bodyPr rtlCol="0" anchor="ctr"/>
+          <a:lstStyle/>
+          <a:p>
+            <a:pPr algn="ctr"/>
+            <a:r>
+              <a:rPr lang="en-US" altLang="ko-KR" sz="1400"/>
+              <a:t>MODE2</a:t>
+            </a:r>
+            <a:br>
+              <a:rPr lang="en-US" altLang="ko-KR" sz="1400"/>
+            </a:br>
+            <a:r>
+              <a:rPr lang="en-US" altLang="ko-KR" sz="1400"/>
+              <a:t>Ready</a:t>
+            </a:r>
+            <a:endParaRPr lang="ko-KR" altLang="en-US" sz="1400"/>
+          </a:p>
+        </p:txBody>
+      </p:sp>
+      <p:sp>
+        <p:nvSpPr>
+          <p:cNvPr id="10" name="타원 9">
+            <a:extLst>
+              <a:ext uri="{FF2B5EF4-FFF2-40B4-BE49-F238E27FC236}">
+                <a16:creationId xmlns:a16="http://schemas.microsoft.com/office/drawing/2014/main" id="{58FE8F9B-A54E-85B4-8180-A82E83AFB5A6}"/>
+              </a:ext>
+            </a:extLst>
+          </p:cNvPr>
+          <p:cNvSpPr/>
+          <p:nvPr/>
+        </p:nvSpPr>
+        <p:spPr>
+          <a:xfrm>
+            <a:off x="4800462" y="4336814"/>
+            <a:ext cx="1070368" cy="1025097"/>
+          </a:xfrm>
+          <a:prstGeom prst="ellipse">
+            <a:avLst/>
+          </a:prstGeom>
+        </p:spPr>
+        <p:style>
+          <a:lnRef idx="2">
+            <a:schemeClr val="accent1">
+              <a:shade val="50000"/>
+            </a:schemeClr>
+          </a:lnRef>
+          <a:fillRef idx="1">
+            <a:schemeClr val="accent1"/>
+          </a:fillRef>
+          <a:effectRef idx="0">
+            <a:schemeClr val="accent1"/>
+          </a:effectRef>
+          <a:fontRef idx="minor">
+            <a:schemeClr val="lt1"/>
+          </a:fontRef>
+        </p:style>
+        <p:txBody>
+          <a:bodyPr rtlCol="0" anchor="ctr"/>
+          <a:lstStyle/>
+          <a:p>
+            <a:pPr algn="ctr"/>
+            <a:r>
+              <a:rPr lang="en-US" altLang="ko-KR" sz="2000"/>
+              <a:t>core</a:t>
+            </a:r>
+            <a:endParaRPr lang="ko-KR" altLang="en-US" sz="2000"/>
+          </a:p>
+        </p:txBody>
+      </p:sp>
+      <p:sp>
+        <p:nvSpPr>
+          <p:cNvPr id="14" name="타원 13">
+            <a:extLst>
+              <a:ext uri="{FF2B5EF4-FFF2-40B4-BE49-F238E27FC236}">
+                <a16:creationId xmlns:a16="http://schemas.microsoft.com/office/drawing/2014/main" id="{C5324534-5206-CEB3-6588-C85E776237D6}"/>
+              </a:ext>
+            </a:extLst>
+          </p:cNvPr>
+          <p:cNvSpPr/>
+          <p:nvPr/>
+        </p:nvSpPr>
+        <p:spPr>
+          <a:xfrm>
+            <a:off x="2945722" y="2905828"/>
+            <a:ext cx="1070368" cy="1025097"/>
+          </a:xfrm>
+          <a:prstGeom prst="ellipse">
+            <a:avLst/>
+          </a:prstGeom>
+        </p:spPr>
+        <p:style>
+          <a:lnRef idx="2">
+            <a:schemeClr val="accent1">
+              <a:shade val="50000"/>
+            </a:schemeClr>
+          </a:lnRef>
+          <a:fillRef idx="1">
+            <a:schemeClr val="accent1"/>
+          </a:fillRef>
+          <a:effectRef idx="0">
+            <a:schemeClr val="accent1"/>
+          </a:effectRef>
+          <a:fontRef idx="minor">
+            <a:schemeClr val="lt1"/>
+          </a:fontRef>
+        </p:style>
+        <p:txBody>
+          <a:bodyPr rtlCol="0" anchor="ctr"/>
+          <a:lstStyle/>
+          <a:p>
+            <a:pPr algn="ctr"/>
+            <a:r>
+              <a:rPr lang="en-US" altLang="ko-KR" sz="1600"/>
+              <a:t>Mode1</a:t>
+            </a:r>
+            <a:br>
+              <a:rPr lang="en-US" altLang="ko-KR" sz="1600"/>
+            </a:br>
+            <a:r>
+              <a:rPr lang="en-US" altLang="ko-KR" sz="1600"/>
+              <a:t>Run</a:t>
+            </a:r>
+            <a:endParaRPr lang="ko-KR" altLang="en-US" sz="1600"/>
+          </a:p>
+        </p:txBody>
+      </p:sp>
+      <p:cxnSp>
+        <p:nvCxnSpPr>
+          <p:cNvPr id="21" name="직선 화살표 연결선 20">
+            <a:extLst>
+              <a:ext uri="{FF2B5EF4-FFF2-40B4-BE49-F238E27FC236}">
+                <a16:creationId xmlns:a16="http://schemas.microsoft.com/office/drawing/2014/main" id="{42592E20-CDF5-D42B-9847-A910F2338093}"/>
+              </a:ext>
+            </a:extLst>
+          </p:cNvPr>
+          <p:cNvCxnSpPr>
+            <a:cxnSpLocks/>
+            <a:stCxn id="2" idx="3"/>
+          </p:cNvCxnSpPr>
+          <p:nvPr/>
+        </p:nvCxnSpPr>
+        <p:spPr>
+          <a:xfrm flipH="1">
+            <a:off x="3666394" y="1028544"/>
+            <a:ext cx="351767" cy="527002"/>
+          </a:xfrm>
+          <a:prstGeom prst="straightConnector1">
+            <a:avLst/>
+          </a:prstGeom>
+          <a:ln w="57150">
+            <a:solidFill>
+              <a:schemeClr val="tx1"/>
+            </a:solidFill>
+            <a:tailEnd type="triangle"/>
+          </a:ln>
+        </p:spPr>
+        <p:style>
+          <a:lnRef idx="1">
+            <a:schemeClr val="accent1"/>
+          </a:lnRef>
+          <a:fillRef idx="0">
+            <a:schemeClr val="accent1"/>
+          </a:fillRef>
+          <a:effectRef idx="0">
+            <a:schemeClr val="accent1"/>
+          </a:effectRef>
+          <a:fontRef idx="minor">
+            <a:schemeClr val="tx1"/>
+          </a:fontRef>
+        </p:style>
+      </p:cxnSp>
+      <p:cxnSp>
+        <p:nvCxnSpPr>
+          <p:cNvPr id="25" name="직선 화살표 연결선 24">
+            <a:extLst>
+              <a:ext uri="{FF2B5EF4-FFF2-40B4-BE49-F238E27FC236}">
+                <a16:creationId xmlns:a16="http://schemas.microsoft.com/office/drawing/2014/main" id="{0CFA6807-E991-A586-E7F5-DE1480D88E12}"/>
+              </a:ext>
+            </a:extLst>
+          </p:cNvPr>
+          <p:cNvCxnSpPr>
+            <a:cxnSpLocks/>
+            <a:stCxn id="5" idx="4"/>
+            <a:endCxn id="14" idx="0"/>
+          </p:cNvCxnSpPr>
+          <p:nvPr/>
+        </p:nvCxnSpPr>
+        <p:spPr>
+          <a:xfrm>
+            <a:off x="3480906" y="2491104"/>
+            <a:ext cx="0" cy="414724"/>
+          </a:xfrm>
+          <a:prstGeom prst="straightConnector1">
+            <a:avLst/>
+          </a:prstGeom>
+          <a:ln w="57150">
+            <a:solidFill>
+              <a:schemeClr val="tx1"/>
+            </a:solidFill>
+            <a:tailEnd type="triangle"/>
+          </a:ln>
+        </p:spPr>
+        <p:style>
+          <a:lnRef idx="1">
+            <a:schemeClr val="accent1"/>
+          </a:lnRef>
+          <a:fillRef idx="0">
+            <a:schemeClr val="accent1"/>
+          </a:fillRef>
+          <a:effectRef idx="0">
+            <a:schemeClr val="accent1"/>
+          </a:effectRef>
+          <a:fontRef idx="minor">
+            <a:schemeClr val="tx1"/>
+          </a:fontRef>
+        </p:style>
+      </p:cxnSp>
+      <p:cxnSp>
+        <p:nvCxnSpPr>
+          <p:cNvPr id="29" name="직선 화살표 연결선 28">
+            <a:extLst>
+              <a:ext uri="{FF2B5EF4-FFF2-40B4-BE49-F238E27FC236}">
+                <a16:creationId xmlns:a16="http://schemas.microsoft.com/office/drawing/2014/main" id="{AEE0892E-642D-45AC-9CAF-F900AE6EACEB}"/>
+              </a:ext>
+            </a:extLst>
+          </p:cNvPr>
+          <p:cNvCxnSpPr>
+            <a:cxnSpLocks/>
+            <a:stCxn id="8" idx="4"/>
+            <a:endCxn id="3" idx="0"/>
+          </p:cNvCxnSpPr>
+          <p:nvPr/>
+        </p:nvCxnSpPr>
+        <p:spPr>
+          <a:xfrm>
+            <a:off x="5335646" y="2489575"/>
+            <a:ext cx="0" cy="411071"/>
+          </a:xfrm>
+          <a:prstGeom prst="straightConnector1">
+            <a:avLst/>
+          </a:prstGeom>
+          <a:ln w="57150">
+            <a:solidFill>
+              <a:schemeClr val="tx1"/>
+            </a:solidFill>
+            <a:tailEnd type="triangle"/>
+          </a:ln>
+        </p:spPr>
+        <p:style>
+          <a:lnRef idx="1">
+            <a:schemeClr val="accent1"/>
+          </a:lnRef>
+          <a:fillRef idx="0">
+            <a:schemeClr val="accent1"/>
+          </a:fillRef>
+          <a:effectRef idx="0">
+            <a:schemeClr val="accent1"/>
+          </a:effectRef>
+          <a:fontRef idx="minor">
+            <a:schemeClr val="tx1"/>
+          </a:fontRef>
+        </p:style>
+      </p:cxnSp>
+      <p:cxnSp>
+        <p:nvCxnSpPr>
+          <p:cNvPr id="30" name="직선 화살표 연결선 29">
+            <a:extLst>
+              <a:ext uri="{FF2B5EF4-FFF2-40B4-BE49-F238E27FC236}">
+                <a16:creationId xmlns:a16="http://schemas.microsoft.com/office/drawing/2014/main" id="{A96C7FC6-1F78-D681-8A50-ABDD63017057}"/>
+              </a:ext>
+            </a:extLst>
+          </p:cNvPr>
+          <p:cNvCxnSpPr>
+            <a:cxnSpLocks/>
+          </p:cNvCxnSpPr>
+          <p:nvPr/>
+        </p:nvCxnSpPr>
+        <p:spPr>
+          <a:xfrm>
+            <a:off x="5266035" y="3954060"/>
+            <a:ext cx="4956" cy="382754"/>
+          </a:xfrm>
+          <a:prstGeom prst="straightConnector1">
+            <a:avLst/>
+          </a:prstGeom>
+          <a:ln w="57150">
+            <a:solidFill>
+              <a:schemeClr val="tx1"/>
+            </a:solidFill>
+            <a:tailEnd type="triangle"/>
+          </a:ln>
+        </p:spPr>
+        <p:style>
+          <a:lnRef idx="1">
+            <a:schemeClr val="accent1"/>
+          </a:lnRef>
+          <a:fillRef idx="0">
+            <a:schemeClr val="accent1"/>
+          </a:fillRef>
+          <a:effectRef idx="0">
+            <a:schemeClr val="accent1"/>
+          </a:effectRef>
+          <a:fontRef idx="minor">
+            <a:schemeClr val="tx1"/>
+          </a:fontRef>
+        </p:style>
+      </p:cxnSp>
+      <p:cxnSp>
+        <p:nvCxnSpPr>
+          <p:cNvPr id="32" name="직선 화살표 연결선 31">
+            <a:extLst>
+              <a:ext uri="{FF2B5EF4-FFF2-40B4-BE49-F238E27FC236}">
+                <a16:creationId xmlns:a16="http://schemas.microsoft.com/office/drawing/2014/main" id="{F6607EA3-909A-656A-7F62-EC74726196E6}"/>
+              </a:ext>
+            </a:extLst>
+          </p:cNvPr>
+          <p:cNvCxnSpPr>
+            <a:cxnSpLocks/>
+          </p:cNvCxnSpPr>
+          <p:nvPr/>
+        </p:nvCxnSpPr>
+        <p:spPr>
+          <a:xfrm flipV="1">
+            <a:off x="5457431" y="3925743"/>
+            <a:ext cx="0" cy="411071"/>
+          </a:xfrm>
+          <a:prstGeom prst="straightConnector1">
+            <a:avLst/>
+          </a:prstGeom>
+          <a:ln w="57150">
+            <a:solidFill>
+              <a:schemeClr val="tx1"/>
+            </a:solidFill>
+            <a:tailEnd type="triangle"/>
+          </a:ln>
+        </p:spPr>
+        <p:style>
+          <a:lnRef idx="1">
+            <a:schemeClr val="accent1"/>
+          </a:lnRef>
+          <a:fillRef idx="0">
+            <a:schemeClr val="accent1"/>
+          </a:fillRef>
+          <a:effectRef idx="0">
+            <a:schemeClr val="accent1"/>
+          </a:effectRef>
+          <a:fontRef idx="minor">
+            <a:schemeClr val="tx1"/>
+          </a:fontRef>
+        </p:style>
+      </p:cxnSp>
+      <p:cxnSp>
+        <p:nvCxnSpPr>
+          <p:cNvPr id="50" name="연결선: 꺾임 49">
+            <a:extLst>
+              <a:ext uri="{FF2B5EF4-FFF2-40B4-BE49-F238E27FC236}">
+                <a16:creationId xmlns:a16="http://schemas.microsoft.com/office/drawing/2014/main" id="{0CDCF1C2-531E-01DE-0534-98E225AFB3BD}"/>
+              </a:ext>
+            </a:extLst>
+          </p:cNvPr>
+          <p:cNvCxnSpPr>
+            <a:cxnSpLocks/>
+            <a:stCxn id="14" idx="4"/>
+            <a:endCxn id="11" idx="2"/>
+          </p:cNvCxnSpPr>
+          <p:nvPr/>
+        </p:nvCxnSpPr>
+        <p:spPr>
+          <a:xfrm rot="16200000" flipH="1">
+            <a:off x="4499884" y="2911946"/>
+            <a:ext cx="2044448" cy="4082405"/>
+          </a:xfrm>
+          <a:prstGeom prst="bentConnector2">
+            <a:avLst/>
+          </a:prstGeom>
+          <a:ln w="57150">
+            <a:solidFill>
+              <a:schemeClr val="tx1"/>
+            </a:solidFill>
+            <a:tailEnd type="triangle"/>
+          </a:ln>
+        </p:spPr>
+        <p:style>
+          <a:lnRef idx="1">
+            <a:schemeClr val="accent1"/>
+          </a:lnRef>
+          <a:fillRef idx="0">
+            <a:schemeClr val="accent1"/>
+          </a:fillRef>
+          <a:effectRef idx="0">
+            <a:schemeClr val="accent1"/>
+          </a:effectRef>
+          <a:fontRef idx="minor">
+            <a:schemeClr val="tx1"/>
+          </a:fontRef>
+        </p:style>
+      </p:cxnSp>
+      <p:cxnSp>
+        <p:nvCxnSpPr>
+          <p:cNvPr id="53" name="연결선: 꺾임 52">
+            <a:extLst>
+              <a:ext uri="{FF2B5EF4-FFF2-40B4-BE49-F238E27FC236}">
+                <a16:creationId xmlns:a16="http://schemas.microsoft.com/office/drawing/2014/main" id="{68CDFE1C-536A-D0AF-1641-B82F6D105E04}"/>
+              </a:ext>
+            </a:extLst>
+          </p:cNvPr>
+          <p:cNvCxnSpPr>
+            <a:cxnSpLocks/>
+            <a:stCxn id="10" idx="4"/>
+            <a:endCxn id="11" idx="2"/>
+          </p:cNvCxnSpPr>
+          <p:nvPr/>
+        </p:nvCxnSpPr>
+        <p:spPr>
+          <a:xfrm rot="16200000" flipH="1">
+            <a:off x="6142747" y="4554809"/>
+            <a:ext cx="613462" cy="2227665"/>
+          </a:xfrm>
+          <a:prstGeom prst="bentConnector2">
+            <a:avLst/>
+          </a:prstGeom>
+          <a:ln w="57150">
+            <a:solidFill>
+              <a:schemeClr val="tx1"/>
+            </a:solidFill>
+            <a:tailEnd type="triangle"/>
+          </a:ln>
+        </p:spPr>
+        <p:style>
+          <a:lnRef idx="1">
+            <a:schemeClr val="accent1"/>
+          </a:lnRef>
+          <a:fillRef idx="0">
+            <a:schemeClr val="accent1"/>
+          </a:fillRef>
+          <a:effectRef idx="0">
+            <a:schemeClr val="accent1"/>
+          </a:effectRef>
+          <a:fontRef idx="minor">
+            <a:schemeClr val="tx1"/>
+          </a:fontRef>
+        </p:style>
+      </p:cxnSp>
+      <p:cxnSp>
+        <p:nvCxnSpPr>
+          <p:cNvPr id="58" name="연결선: 꺾임 57">
+            <a:extLst>
+              <a:ext uri="{FF2B5EF4-FFF2-40B4-BE49-F238E27FC236}">
+                <a16:creationId xmlns:a16="http://schemas.microsoft.com/office/drawing/2014/main" id="{C6ED93A1-9E66-74AE-72A6-D1F01F576B6C}"/>
+              </a:ext>
+            </a:extLst>
+          </p:cNvPr>
+          <p:cNvCxnSpPr>
+            <a:cxnSpLocks/>
+            <a:stCxn id="11" idx="0"/>
+            <a:endCxn id="61" idx="4"/>
+          </p:cNvCxnSpPr>
+          <p:nvPr/>
+        </p:nvCxnSpPr>
+        <p:spPr>
+          <a:xfrm rot="16200000" flipV="1">
+            <a:off x="7274961" y="4444731"/>
+            <a:ext cx="1846700" cy="2"/>
+          </a:xfrm>
+          <a:prstGeom prst="bentConnector3">
+            <a:avLst>
+              <a:gd name="adj1" fmla="val 50000"/>
+            </a:avLst>
+          </a:prstGeom>
+          <a:ln w="57150">
+            <a:solidFill>
+              <a:schemeClr val="tx1"/>
+            </a:solidFill>
+            <a:tailEnd type="triangle"/>
+          </a:ln>
+        </p:spPr>
+        <p:style>
+          <a:lnRef idx="1">
+            <a:schemeClr val="accent1"/>
+          </a:lnRef>
+          <a:fillRef idx="0">
+            <a:schemeClr val="accent1"/>
+          </a:fillRef>
+          <a:effectRef idx="0">
+            <a:schemeClr val="accent1"/>
+          </a:effectRef>
+          <a:fontRef idx="minor">
+            <a:schemeClr val="tx1"/>
+          </a:fontRef>
+        </p:style>
+      </p:cxnSp>
+      <p:sp>
+        <p:nvSpPr>
+          <p:cNvPr id="61" name="타원 60">
+            <a:extLst>
+              <a:ext uri="{FF2B5EF4-FFF2-40B4-BE49-F238E27FC236}">
+                <a16:creationId xmlns:a16="http://schemas.microsoft.com/office/drawing/2014/main" id="{7C51F3D0-8C31-3452-6E61-96D04AF4C814}"/>
+              </a:ext>
+            </a:extLst>
+          </p:cNvPr>
+          <p:cNvSpPr/>
+          <p:nvPr/>
+        </p:nvSpPr>
+        <p:spPr>
+          <a:xfrm>
+            <a:off x="7663125" y="2496285"/>
+            <a:ext cx="1070369" cy="1025097"/>
+          </a:xfrm>
+          <a:prstGeom prst="ellipse">
+            <a:avLst/>
+          </a:prstGeom>
+        </p:spPr>
+        <p:style>
+          <a:lnRef idx="2">
+            <a:schemeClr val="accent1">
+              <a:shade val="50000"/>
+            </a:schemeClr>
+          </a:lnRef>
+          <a:fillRef idx="1">
+            <a:schemeClr val="accent1"/>
+          </a:fillRef>
+          <a:effectRef idx="0">
+            <a:schemeClr val="accent1"/>
+          </a:effectRef>
+          <a:fontRef idx="minor">
+            <a:schemeClr val="lt1"/>
+          </a:fontRef>
+        </p:style>
+        <p:txBody>
+          <a:bodyPr rtlCol="0" anchor="ctr"/>
+          <a:lstStyle/>
+          <a:p>
+            <a:pPr algn="ctr"/>
+            <a:r>
+              <a:rPr lang="en-US" altLang="ko-KR" sz="1600"/>
+              <a:t>VGA</a:t>
+            </a:r>
+            <a:br>
+              <a:rPr lang="en-US" altLang="ko-KR" sz="1600"/>
+            </a:br>
+            <a:r>
+              <a:rPr lang="en-US" altLang="ko-KR" sz="1600"/>
+              <a:t>RUN</a:t>
+            </a:r>
+            <a:endParaRPr lang="ko-KR" altLang="en-US" sz="1600"/>
+          </a:p>
+        </p:txBody>
+      </p:sp>
+      <p:cxnSp>
+        <p:nvCxnSpPr>
+          <p:cNvPr id="67" name="직선 화살표 연결선 66">
+            <a:extLst>
+              <a:ext uri="{FF2B5EF4-FFF2-40B4-BE49-F238E27FC236}">
+                <a16:creationId xmlns:a16="http://schemas.microsoft.com/office/drawing/2014/main" id="{04CE3A11-9D1E-9957-9BD6-F75A1AF3AE34}"/>
+              </a:ext>
+            </a:extLst>
+          </p:cNvPr>
+          <p:cNvCxnSpPr>
+            <a:cxnSpLocks/>
+            <a:stCxn id="83" idx="2"/>
+            <a:endCxn id="2" idx="6"/>
+          </p:cNvCxnSpPr>
+          <p:nvPr/>
+        </p:nvCxnSpPr>
+        <p:spPr>
+          <a:xfrm flipH="1">
+            <a:off x="4931777" y="649585"/>
+            <a:ext cx="2731347" cy="16533"/>
+          </a:xfrm>
+          <a:prstGeom prst="straightConnector1">
+            <a:avLst/>
+          </a:prstGeom>
+          <a:ln w="57150">
+            <a:solidFill>
+              <a:schemeClr val="tx1"/>
+            </a:solidFill>
+            <a:tailEnd type="triangle"/>
+          </a:ln>
+        </p:spPr>
+        <p:style>
+          <a:lnRef idx="1">
+            <a:schemeClr val="accent1"/>
+          </a:lnRef>
+          <a:fillRef idx="0">
+            <a:schemeClr val="accent1"/>
+          </a:fillRef>
+          <a:effectRef idx="0">
+            <a:schemeClr val="accent1"/>
+          </a:effectRef>
+          <a:fontRef idx="minor">
+            <a:schemeClr val="tx1"/>
+          </a:fontRef>
+        </p:style>
+      </p:cxnSp>
+      <p:sp>
+        <p:nvSpPr>
+          <p:cNvPr id="71" name="TextBox 70">
+            <a:extLst>
+              <a:ext uri="{FF2B5EF4-FFF2-40B4-BE49-F238E27FC236}">
+                <a16:creationId xmlns:a16="http://schemas.microsoft.com/office/drawing/2014/main" id="{D89E3530-F0DD-EFC1-F832-9FC38627FFEA}"/>
+              </a:ext>
+            </a:extLst>
+          </p:cNvPr>
+          <p:cNvSpPr txBox="1"/>
+          <p:nvPr/>
+        </p:nvSpPr>
+        <p:spPr>
+          <a:xfrm>
+            <a:off x="5421326" y="2489575"/>
+            <a:ext cx="774125" cy="338554"/>
+          </a:xfrm>
+          <a:prstGeom prst="rect">
+            <a:avLst/>
+          </a:prstGeom>
+          <a:noFill/>
+        </p:spPr>
+        <p:txBody>
+          <a:bodyPr wrap="square">
+            <a:spAutoFit/>
+          </a:bodyPr>
+          <a:lstStyle/>
+          <a:p>
+            <a:r>
+              <a:rPr lang="en-US" altLang="ko-KR" sz="1600" b="1"/>
+              <a:t>Start</a:t>
+            </a:r>
+            <a:endParaRPr lang="ko-KR" altLang="en-US" sz="1600"/>
+          </a:p>
+        </p:txBody>
+      </p:sp>
+      <p:sp>
+        <p:nvSpPr>
+          <p:cNvPr id="73" name="TextBox 72">
+            <a:extLst>
+              <a:ext uri="{FF2B5EF4-FFF2-40B4-BE49-F238E27FC236}">
+                <a16:creationId xmlns:a16="http://schemas.microsoft.com/office/drawing/2014/main" id="{57FEED02-A30D-0D51-6B66-BA9CA8D3EBD9}"/>
+              </a:ext>
+            </a:extLst>
+          </p:cNvPr>
+          <p:cNvSpPr txBox="1"/>
+          <p:nvPr/>
+        </p:nvSpPr>
+        <p:spPr>
+          <a:xfrm>
+            <a:off x="3559464" y="2496285"/>
+            <a:ext cx="774125" cy="338554"/>
+          </a:xfrm>
+          <a:prstGeom prst="rect">
+            <a:avLst/>
+          </a:prstGeom>
+          <a:noFill/>
+        </p:spPr>
+        <p:txBody>
+          <a:bodyPr wrap="square">
+            <a:spAutoFit/>
+          </a:bodyPr>
+          <a:lstStyle/>
+          <a:p>
+            <a:r>
+              <a:rPr lang="en-US" altLang="ko-KR" sz="1600" b="1"/>
+              <a:t>Start</a:t>
+            </a:r>
+            <a:endParaRPr lang="ko-KR" altLang="en-US" sz="1600"/>
+          </a:p>
+        </p:txBody>
+      </p:sp>
+      <p:sp>
+        <p:nvSpPr>
+          <p:cNvPr id="74" name="TextBox 73">
+            <a:extLst>
+              <a:ext uri="{FF2B5EF4-FFF2-40B4-BE49-F238E27FC236}">
+                <a16:creationId xmlns:a16="http://schemas.microsoft.com/office/drawing/2014/main" id="{A7CE78EB-383D-5927-E3F8-AE51A01B4092}"/>
+              </a:ext>
+            </a:extLst>
+          </p:cNvPr>
+          <p:cNvSpPr txBox="1"/>
+          <p:nvPr/>
+        </p:nvSpPr>
+        <p:spPr>
+          <a:xfrm>
+            <a:off x="4960075" y="947288"/>
+            <a:ext cx="910755" cy="338554"/>
+          </a:xfrm>
+          <a:prstGeom prst="rect">
+            <a:avLst/>
+          </a:prstGeom>
+          <a:noFill/>
+        </p:spPr>
+        <p:txBody>
+          <a:bodyPr wrap="square">
+            <a:spAutoFit/>
+          </a:bodyPr>
+          <a:lstStyle/>
+          <a:p>
+            <a:r>
+              <a:rPr lang="en-US" altLang="ko-KR" sz="1600" b="1"/>
+              <a:t>mode2</a:t>
+            </a:r>
+            <a:endParaRPr lang="ko-KR" altLang="en-US" sz="1600" b="1"/>
+          </a:p>
+        </p:txBody>
+      </p:sp>
+      <p:sp>
+        <p:nvSpPr>
+          <p:cNvPr id="75" name="TextBox 74">
+            <a:extLst>
+              <a:ext uri="{FF2B5EF4-FFF2-40B4-BE49-F238E27FC236}">
+                <a16:creationId xmlns:a16="http://schemas.microsoft.com/office/drawing/2014/main" id="{73FDEC09-E7A2-245B-3181-B2F947DE874F}"/>
+              </a:ext>
+            </a:extLst>
+          </p:cNvPr>
+          <p:cNvSpPr txBox="1"/>
+          <p:nvPr/>
+        </p:nvSpPr>
+        <p:spPr>
+          <a:xfrm>
+            <a:off x="2955799" y="945698"/>
+            <a:ext cx="910755" cy="338554"/>
+          </a:xfrm>
+          <a:prstGeom prst="rect">
+            <a:avLst/>
+          </a:prstGeom>
+          <a:noFill/>
+        </p:spPr>
+        <p:txBody>
+          <a:bodyPr wrap="square">
+            <a:spAutoFit/>
+          </a:bodyPr>
+          <a:lstStyle/>
+          <a:p>
+            <a:r>
+              <a:rPr lang="en-US" altLang="ko-KR" sz="1600" b="1"/>
+              <a:t>mode1</a:t>
+            </a:r>
+            <a:endParaRPr lang="ko-KR" altLang="en-US" sz="1600" b="1"/>
+          </a:p>
+        </p:txBody>
+      </p:sp>
+      <p:sp>
+        <p:nvSpPr>
+          <p:cNvPr id="77" name="TextBox 76">
+            <a:extLst>
+              <a:ext uri="{FF2B5EF4-FFF2-40B4-BE49-F238E27FC236}">
+                <a16:creationId xmlns:a16="http://schemas.microsoft.com/office/drawing/2014/main" id="{E94869B6-6926-98DF-8774-49E5CA92CFE5}"/>
+              </a:ext>
+            </a:extLst>
+          </p:cNvPr>
+          <p:cNvSpPr txBox="1"/>
+          <p:nvPr/>
+        </p:nvSpPr>
+        <p:spPr>
+          <a:xfrm>
+            <a:off x="5524000" y="3853226"/>
+            <a:ext cx="1738492" cy="769441"/>
+          </a:xfrm>
+          <a:prstGeom prst="rect">
+            <a:avLst/>
+          </a:prstGeom>
+          <a:noFill/>
+        </p:spPr>
+        <p:txBody>
+          <a:bodyPr wrap="square">
+            <a:spAutoFit/>
+          </a:bodyPr>
+          <a:lstStyle/>
+          <a:p>
+            <a:r>
+              <a:rPr lang="en-US" altLang="ko-KR" sz="1100" b="1"/>
+              <a:t>CORE_done</a:t>
+            </a:r>
+          </a:p>
+          <a:p>
+            <a:r>
+              <a:rPr lang="en-US" altLang="ko-KR" sz="1100" b="1"/>
+              <a:t>&amp;&amp;</a:t>
+            </a:r>
+          </a:p>
+          <a:p>
+            <a:r>
+              <a:rPr lang="en-US" altLang="ko-KR" sz="1100" b="1"/>
+              <a:t>(cnt_row != 539</a:t>
+            </a:r>
+          </a:p>
+          <a:p>
+            <a:r>
+              <a:rPr lang="en-US" altLang="ko-KR" sz="1100" b="1"/>
+              <a:t>&amp;&amp; cnt_col</a:t>
+            </a:r>
+            <a:r>
+              <a:rPr lang="ko-KR" altLang="en-US" sz="1100" b="1"/>
+              <a:t> </a:t>
+            </a:r>
+            <a:r>
+              <a:rPr lang="en-US" altLang="ko-KR" sz="1100" b="1"/>
+              <a:t>==</a:t>
+            </a:r>
+            <a:r>
+              <a:rPr lang="ko-KR" altLang="en-US" sz="1100" b="1"/>
+              <a:t> </a:t>
+            </a:r>
+            <a:r>
+              <a:rPr lang="en-US" altLang="ko-KR" sz="1100" b="1"/>
+              <a:t>539)</a:t>
+            </a:r>
+            <a:endParaRPr lang="ko-KR" altLang="en-US" sz="1100"/>
+          </a:p>
+        </p:txBody>
+      </p:sp>
+      <p:sp>
+        <p:nvSpPr>
+          <p:cNvPr id="78" name="TextBox 77">
+            <a:extLst>
+              <a:ext uri="{FF2B5EF4-FFF2-40B4-BE49-F238E27FC236}">
+                <a16:creationId xmlns:a16="http://schemas.microsoft.com/office/drawing/2014/main" id="{2BDDE83F-AE60-3785-5B8A-59AE6EB5A075}"/>
+              </a:ext>
+            </a:extLst>
+          </p:cNvPr>
+          <p:cNvSpPr txBox="1"/>
+          <p:nvPr/>
+        </p:nvSpPr>
+        <p:spPr>
+          <a:xfrm>
+            <a:off x="4168046" y="3948879"/>
+            <a:ext cx="1527462" cy="307777"/>
+          </a:xfrm>
+          <a:prstGeom prst="rect">
+            <a:avLst/>
+          </a:prstGeom>
+          <a:noFill/>
+        </p:spPr>
+        <p:txBody>
+          <a:bodyPr wrap="square">
+            <a:spAutoFit/>
+          </a:bodyPr>
+          <a:lstStyle/>
+          <a:p>
+            <a:r>
+              <a:rPr lang="en-US" altLang="ko-KR" sz="1400" b="1"/>
+              <a:t>Fetch_done</a:t>
+            </a:r>
+            <a:endParaRPr lang="ko-KR" altLang="en-US" sz="1400"/>
+          </a:p>
+        </p:txBody>
+      </p:sp>
+      <p:sp>
+        <p:nvSpPr>
+          <p:cNvPr id="79" name="TextBox 78">
+            <a:extLst>
+              <a:ext uri="{FF2B5EF4-FFF2-40B4-BE49-F238E27FC236}">
+                <a16:creationId xmlns:a16="http://schemas.microsoft.com/office/drawing/2014/main" id="{B2F9C5DB-9396-D22D-C8B4-1F02561DFA21}"/>
+              </a:ext>
+            </a:extLst>
+          </p:cNvPr>
+          <p:cNvSpPr txBox="1"/>
+          <p:nvPr/>
+        </p:nvSpPr>
+        <p:spPr>
+          <a:xfrm>
+            <a:off x="5415452" y="5241833"/>
+            <a:ext cx="1471000" cy="707886"/>
+          </a:xfrm>
+          <a:prstGeom prst="rect">
+            <a:avLst/>
+          </a:prstGeom>
+          <a:noFill/>
+        </p:spPr>
+        <p:txBody>
+          <a:bodyPr wrap="square">
+            <a:spAutoFit/>
+          </a:bodyPr>
+          <a:lstStyle/>
+          <a:p>
+            <a:r>
+              <a:rPr lang="en-US" altLang="ko-KR" sz="1000" b="1"/>
+              <a:t>CORE_done</a:t>
+            </a:r>
+          </a:p>
+          <a:p>
+            <a:r>
+              <a:rPr lang="en-US" altLang="ko-KR" sz="1000" b="1"/>
+              <a:t>&amp;&amp;</a:t>
+            </a:r>
+          </a:p>
+          <a:p>
+            <a:r>
+              <a:rPr lang="en-US" altLang="ko-KR" sz="1000" b="1"/>
+              <a:t>(cnt_row == 539 </a:t>
+            </a:r>
+            <a:br>
+              <a:rPr lang="en-US" altLang="ko-KR" sz="1000" b="1"/>
+            </a:br>
+            <a:r>
+              <a:rPr lang="en-US" altLang="ko-KR" sz="1000" b="1"/>
+              <a:t>&amp;&amp; cnt_col</a:t>
+            </a:r>
+            <a:r>
+              <a:rPr lang="ko-KR" altLang="en-US" sz="1000" b="1"/>
+              <a:t> </a:t>
+            </a:r>
+            <a:r>
+              <a:rPr lang="en-US" altLang="ko-KR" sz="1000" b="1"/>
+              <a:t>==</a:t>
+            </a:r>
+            <a:r>
+              <a:rPr lang="ko-KR" altLang="en-US" sz="1000" b="1"/>
+              <a:t> </a:t>
+            </a:r>
+            <a:r>
+              <a:rPr lang="en-US" altLang="ko-KR" sz="1000" b="1"/>
+              <a:t>539)</a:t>
+            </a:r>
+            <a:endParaRPr lang="ko-KR" altLang="en-US" sz="1000"/>
+          </a:p>
+        </p:txBody>
+      </p:sp>
+      <p:sp>
+        <p:nvSpPr>
+          <p:cNvPr id="83" name="타원 82">
+            <a:extLst>
+              <a:ext uri="{FF2B5EF4-FFF2-40B4-BE49-F238E27FC236}">
+                <a16:creationId xmlns:a16="http://schemas.microsoft.com/office/drawing/2014/main" id="{0E597B00-0067-85E5-053C-6C8CE2880B5F}"/>
+              </a:ext>
+            </a:extLst>
+          </p:cNvPr>
+          <p:cNvSpPr/>
+          <p:nvPr/>
+        </p:nvSpPr>
+        <p:spPr>
+          <a:xfrm>
+            <a:off x="7663124" y="137036"/>
+            <a:ext cx="1070369" cy="1025097"/>
+          </a:xfrm>
+          <a:prstGeom prst="ellipse">
+            <a:avLst/>
+          </a:prstGeom>
+        </p:spPr>
+        <p:style>
+          <a:lnRef idx="2">
+            <a:schemeClr val="accent1">
+              <a:shade val="50000"/>
+            </a:schemeClr>
+          </a:lnRef>
+          <a:fillRef idx="1">
+            <a:schemeClr val="accent1"/>
+          </a:fillRef>
+          <a:effectRef idx="0">
+            <a:schemeClr val="accent1"/>
+          </a:effectRef>
+          <a:fontRef idx="minor">
+            <a:schemeClr val="lt1"/>
+          </a:fontRef>
+        </p:style>
+        <p:txBody>
+          <a:bodyPr rtlCol="0" anchor="ctr"/>
+          <a:lstStyle/>
+          <a:p>
+            <a:pPr algn="ctr"/>
+            <a:r>
+              <a:rPr lang="en-US" altLang="ko-KR" sz="1600"/>
+              <a:t>DONE</a:t>
+            </a:r>
+            <a:endParaRPr lang="ko-KR" altLang="en-US" sz="1600"/>
+          </a:p>
+        </p:txBody>
+      </p:sp>
+      <p:cxnSp>
+        <p:nvCxnSpPr>
+          <p:cNvPr id="89" name="연결선: 꺾임 88">
+            <a:extLst>
+              <a:ext uri="{FF2B5EF4-FFF2-40B4-BE49-F238E27FC236}">
+                <a16:creationId xmlns:a16="http://schemas.microsoft.com/office/drawing/2014/main" id="{0205F0A1-9D74-59EA-60E1-DBFCE3186855}"/>
+              </a:ext>
+            </a:extLst>
+          </p:cNvPr>
+          <p:cNvCxnSpPr>
+            <a:cxnSpLocks/>
+            <a:stCxn id="61" idx="0"/>
+            <a:endCxn id="83" idx="4"/>
+          </p:cNvCxnSpPr>
+          <p:nvPr/>
+        </p:nvCxnSpPr>
+        <p:spPr>
+          <a:xfrm rot="16200000" flipV="1">
+            <a:off x="7531234" y="1829208"/>
+            <a:ext cx="1334152" cy="1"/>
+          </a:xfrm>
+          <a:prstGeom prst="bentConnector3">
+            <a:avLst>
+              <a:gd name="adj1" fmla="val 50000"/>
+            </a:avLst>
+          </a:prstGeom>
+          <a:ln w="57150">
+            <a:solidFill>
+              <a:schemeClr val="tx1"/>
+            </a:solidFill>
+            <a:tailEnd type="triangle"/>
+          </a:ln>
+        </p:spPr>
+        <p:style>
+          <a:lnRef idx="1">
+            <a:schemeClr val="accent1"/>
+          </a:lnRef>
+          <a:fillRef idx="0">
+            <a:schemeClr val="accent1"/>
+          </a:fillRef>
+          <a:effectRef idx="0">
+            <a:schemeClr val="accent1"/>
+          </a:effectRef>
+          <a:fontRef idx="minor">
+            <a:schemeClr val="tx1"/>
+          </a:fontRef>
+        </p:style>
+      </p:cxnSp>
+      <p:sp>
+        <p:nvSpPr>
+          <p:cNvPr id="97" name="TextBox 96">
+            <a:extLst>
+              <a:ext uri="{FF2B5EF4-FFF2-40B4-BE49-F238E27FC236}">
+                <a16:creationId xmlns:a16="http://schemas.microsoft.com/office/drawing/2014/main" id="{2A56A8BC-DDB1-AEFE-48C6-75D7B07ECB15}"/>
+              </a:ext>
+            </a:extLst>
+          </p:cNvPr>
+          <p:cNvSpPr txBox="1"/>
+          <p:nvPr/>
+        </p:nvSpPr>
+        <p:spPr>
+          <a:xfrm>
+            <a:off x="1697535" y="4001913"/>
+            <a:ext cx="1832926" cy="461665"/>
+          </a:xfrm>
+          <a:prstGeom prst="rect">
+            <a:avLst/>
+          </a:prstGeom>
+          <a:noFill/>
+        </p:spPr>
+        <p:txBody>
+          <a:bodyPr wrap="square">
+            <a:spAutoFit/>
+          </a:bodyPr>
+          <a:lstStyle/>
+          <a:p>
+            <a:r>
+              <a:rPr lang="en-US" altLang="ko-KR" sz="1200" b="1"/>
+              <a:t>(cnt_row == 539 </a:t>
+            </a:r>
+            <a:br>
+              <a:rPr lang="en-US" altLang="ko-KR" sz="1200" b="1"/>
+            </a:br>
+            <a:r>
+              <a:rPr lang="en-US" altLang="ko-KR" sz="1200" b="1"/>
+              <a:t>&amp;&amp; cnt_col</a:t>
+            </a:r>
+            <a:r>
+              <a:rPr lang="ko-KR" altLang="en-US" sz="1200" b="1"/>
+              <a:t> </a:t>
+            </a:r>
+            <a:r>
+              <a:rPr lang="en-US" altLang="ko-KR" sz="1200" b="1"/>
+              <a:t>==</a:t>
+            </a:r>
+            <a:r>
+              <a:rPr lang="ko-KR" altLang="en-US" sz="1200" b="1"/>
+              <a:t> </a:t>
+            </a:r>
+            <a:r>
+              <a:rPr lang="en-US" altLang="ko-KR" sz="1200" b="1"/>
+              <a:t>539)</a:t>
+            </a:r>
+            <a:endParaRPr lang="ko-KR" altLang="en-US" sz="1200"/>
+          </a:p>
+        </p:txBody>
+      </p:sp>
+    </p:spTree>
+    <p:extLst>
+      <p:ext uri="{BB962C8B-B14F-4D97-AF65-F5344CB8AC3E}">
+        <p14:creationId xmlns:p14="http://schemas.microsoft.com/office/powerpoint/2010/main" val="2282093799"/>
+      </p:ext>
+    </p:extLst>
+  </p:cSld>
+  <p:clrMapOvr>
+    <a:masterClrMapping/>
+  </p:clrMapOvr>
+</p:sld>
+</file>
+
+<file path=ppt/slides/slide18.xml><?xml version="1.0" encoding="utf-8"?>
+<p:sld xmlns:a="http://schemas.openxmlformats.org/drawingml/2006/main" xmlns:r="http://schemas.openxmlformats.org/officeDocument/2006/relationships" xmlns:p="http://schemas.openxmlformats.org/presentationml/2006/main">
+  <p:cSld>
+    <p:spTree>
+      <p:nvGrpSpPr>
+        <p:cNvPr id="1" name=""/>
+        <p:cNvGrpSpPr/>
+        <p:nvPr/>
+      </p:nvGrpSpPr>
+      <p:grpSpPr>
+        <a:xfrm>
+          <a:off x="0" y="0"/>
+          <a:ext cx="0" cy="0"/>
+          <a:chOff x="0" y="0"/>
+          <a:chExt cx="0" cy="0"/>
+        </a:xfrm>
+      </p:grpSpPr>
+      <p:sp>
+        <p:nvSpPr>
+          <p:cNvPr id="2" name="직사각형 1">
+            <a:extLst>
+              <a:ext uri="{FF2B5EF4-FFF2-40B4-BE49-F238E27FC236}">
+                <a16:creationId xmlns:a16="http://schemas.microsoft.com/office/drawing/2014/main" id="{7BD87374-20D1-DDD9-9FA2-685C0D1E29D9}"/>
+              </a:ext>
+            </a:extLst>
+          </p:cNvPr>
+          <p:cNvSpPr/>
+          <p:nvPr/>
+        </p:nvSpPr>
+        <p:spPr>
+          <a:xfrm>
+            <a:off x="2373454" y="4701309"/>
+            <a:ext cx="850962" cy="2068946"/>
+          </a:xfrm>
+          <a:prstGeom prst="rect">
+            <a:avLst/>
+          </a:prstGeom>
+          <a:solidFill>
+            <a:schemeClr val="bg1"/>
+          </a:solidFill>
+          <a:ln w="28575">
+            <a:solidFill>
+              <a:schemeClr val="tx1"/>
+            </a:solidFill>
+          </a:ln>
+        </p:spPr>
+        <p:style>
+          <a:lnRef idx="2">
+            <a:schemeClr val="accent1">
+              <a:shade val="50000"/>
+            </a:schemeClr>
+          </a:lnRef>
+          <a:fillRef idx="1">
+            <a:schemeClr val="accent1"/>
+          </a:fillRef>
+          <a:effectRef idx="0">
+            <a:schemeClr val="accent1"/>
+          </a:effectRef>
+          <a:fontRef idx="minor">
+            <a:schemeClr val="lt1"/>
+          </a:fontRef>
+        </p:style>
+        <p:txBody>
+          <a:bodyPr rtlCol="0" anchor="ctr"/>
+          <a:lstStyle/>
+          <a:p>
+            <a:pPr algn="ctr"/>
+            <a:r>
+              <a:rPr lang="en-US" altLang="ko-KR" b="1">
+                <a:solidFill>
+                  <a:schemeClr val="tx1"/>
+                </a:solidFill>
+              </a:rPr>
+              <a:t>Mem</a:t>
+            </a:r>
+            <a:br>
+              <a:rPr lang="en-US" altLang="ko-KR" b="1">
+                <a:solidFill>
+                  <a:schemeClr val="tx1"/>
+                </a:solidFill>
+              </a:rPr>
+            </a:br>
+            <a:r>
+              <a:rPr lang="en-US" altLang="ko-KR" b="1">
+                <a:solidFill>
+                  <a:schemeClr val="tx1"/>
+                </a:solidFill>
+              </a:rPr>
+              <a:t>Ctr</a:t>
+            </a:r>
+            <a:endParaRPr lang="ko-KR" altLang="en-US" b="1">
+              <a:solidFill>
+                <a:schemeClr val="tx1"/>
+              </a:solidFill>
+            </a:endParaRPr>
+          </a:p>
+        </p:txBody>
+      </p:sp>
+      <p:sp>
+        <p:nvSpPr>
+          <p:cNvPr id="3" name="직사각형 2">
+            <a:extLst>
+              <a:ext uri="{FF2B5EF4-FFF2-40B4-BE49-F238E27FC236}">
+                <a16:creationId xmlns:a16="http://schemas.microsoft.com/office/drawing/2014/main" id="{6AA41DC9-71FA-DB5D-9D0F-365D1D0B4567}"/>
+              </a:ext>
+            </a:extLst>
+          </p:cNvPr>
+          <p:cNvSpPr/>
+          <p:nvPr/>
+        </p:nvSpPr>
+        <p:spPr>
+          <a:xfrm>
+            <a:off x="871893" y="3120077"/>
+            <a:ext cx="8657985" cy="967176"/>
+          </a:xfrm>
+          <a:prstGeom prst="rect">
+            <a:avLst/>
+          </a:prstGeom>
+          <a:solidFill>
+            <a:schemeClr val="bg1"/>
+          </a:solidFill>
+          <a:ln w="28575">
+            <a:solidFill>
+              <a:schemeClr val="tx1"/>
+            </a:solidFill>
+          </a:ln>
+        </p:spPr>
+        <p:style>
+          <a:lnRef idx="2">
+            <a:schemeClr val="accent1">
+              <a:shade val="50000"/>
+            </a:schemeClr>
+          </a:lnRef>
+          <a:fillRef idx="1">
+            <a:schemeClr val="accent1"/>
+          </a:fillRef>
+          <a:effectRef idx="0">
+            <a:schemeClr val="accent1"/>
+          </a:effectRef>
+          <a:fontRef idx="minor">
+            <a:schemeClr val="lt1"/>
+          </a:fontRef>
+        </p:style>
+        <p:txBody>
+          <a:bodyPr rtlCol="0" anchor="ctr"/>
+          <a:lstStyle/>
+          <a:p>
+            <a:pPr algn="ctr"/>
+            <a:r>
+              <a:rPr lang="en-US" altLang="ko-KR" b="1">
+                <a:solidFill>
+                  <a:schemeClr val="tx1"/>
+                </a:solidFill>
+              </a:rPr>
+              <a:t>Controller</a:t>
+            </a:r>
+            <a:endParaRPr lang="ko-KR" altLang="en-US" b="1">
+              <a:solidFill>
+                <a:schemeClr val="tx1"/>
+              </a:solidFill>
+            </a:endParaRPr>
+          </a:p>
+        </p:txBody>
+      </p:sp>
+      <p:sp>
+        <p:nvSpPr>
+          <p:cNvPr id="6" name="직사각형 5">
+            <a:extLst>
+              <a:ext uri="{FF2B5EF4-FFF2-40B4-BE49-F238E27FC236}">
+                <a16:creationId xmlns:a16="http://schemas.microsoft.com/office/drawing/2014/main" id="{149D3C44-0646-E60E-AB2B-BF284149FED0}"/>
+              </a:ext>
+            </a:extLst>
+          </p:cNvPr>
+          <p:cNvSpPr/>
+          <p:nvPr/>
+        </p:nvSpPr>
+        <p:spPr>
+          <a:xfrm>
+            <a:off x="10064484" y="4638757"/>
+            <a:ext cx="1555446" cy="2022557"/>
+          </a:xfrm>
+          <a:prstGeom prst="rect">
+            <a:avLst/>
+          </a:prstGeom>
+          <a:solidFill>
+            <a:schemeClr val="accent5">
+              <a:lumMod val="40000"/>
+              <a:lumOff val="60000"/>
+            </a:schemeClr>
+          </a:solidFill>
+          <a:ln w="28575">
+            <a:solidFill>
+              <a:schemeClr val="tx1"/>
+            </a:solidFill>
+          </a:ln>
+        </p:spPr>
+        <p:style>
+          <a:lnRef idx="2">
+            <a:schemeClr val="accent1">
+              <a:shade val="50000"/>
+            </a:schemeClr>
+          </a:lnRef>
+          <a:fillRef idx="1">
+            <a:schemeClr val="accent1"/>
+          </a:fillRef>
+          <a:effectRef idx="0">
+            <a:schemeClr val="accent1"/>
+          </a:effectRef>
+          <a:fontRef idx="minor">
+            <a:schemeClr val="lt1"/>
+          </a:fontRef>
+        </p:style>
+        <p:txBody>
+          <a:bodyPr rtlCol="0" anchor="ctr"/>
+          <a:lstStyle/>
+          <a:p>
+            <a:pPr algn="ctr"/>
+            <a:r>
+              <a:rPr lang="en-US" altLang="ko-KR" b="1">
+                <a:solidFill>
+                  <a:schemeClr val="tx1"/>
+                </a:solidFill>
+              </a:rPr>
+              <a:t>True Dual Port</a:t>
+            </a:r>
+            <a:br>
+              <a:rPr lang="en-US" altLang="ko-KR" b="1">
+                <a:solidFill>
+                  <a:schemeClr val="tx1"/>
+                </a:solidFill>
+              </a:rPr>
+            </a:br>
+            <a:r>
+              <a:rPr lang="en-US" altLang="ko-KR" b="1">
+                <a:solidFill>
+                  <a:schemeClr val="tx1"/>
+                </a:solidFill>
+              </a:rPr>
+              <a:t>BRAM</a:t>
+            </a:r>
+            <a:endParaRPr lang="ko-KR" altLang="en-US" b="1">
+              <a:solidFill>
+                <a:schemeClr val="tx1"/>
+              </a:solidFill>
+            </a:endParaRPr>
+          </a:p>
+        </p:txBody>
+      </p:sp>
+      <p:sp>
+        <p:nvSpPr>
+          <p:cNvPr id="7" name="직사각형 6">
+            <a:extLst>
+              <a:ext uri="{FF2B5EF4-FFF2-40B4-BE49-F238E27FC236}">
+                <a16:creationId xmlns:a16="http://schemas.microsoft.com/office/drawing/2014/main" id="{C0213533-8156-F859-4A08-C21067BC7E56}"/>
+              </a:ext>
+            </a:extLst>
+          </p:cNvPr>
+          <p:cNvSpPr/>
+          <p:nvPr/>
+        </p:nvSpPr>
+        <p:spPr>
+          <a:xfrm>
+            <a:off x="8045824" y="1616590"/>
+            <a:ext cx="1453395" cy="1236971"/>
+          </a:xfrm>
+          <a:prstGeom prst="rect">
+            <a:avLst/>
+          </a:prstGeom>
+          <a:solidFill>
+            <a:schemeClr val="accent6">
+              <a:lumMod val="20000"/>
+              <a:lumOff val="80000"/>
+            </a:schemeClr>
+          </a:solidFill>
+          <a:ln w="28575">
+            <a:solidFill>
+              <a:schemeClr val="tx1"/>
+            </a:solidFill>
+          </a:ln>
+        </p:spPr>
+        <p:style>
+          <a:lnRef idx="2">
+            <a:schemeClr val="accent1">
+              <a:shade val="50000"/>
+            </a:schemeClr>
+          </a:lnRef>
+          <a:fillRef idx="1">
+            <a:schemeClr val="accent1"/>
+          </a:fillRef>
+          <a:effectRef idx="0">
+            <a:schemeClr val="accent1"/>
+          </a:effectRef>
+          <a:fontRef idx="minor">
+            <a:schemeClr val="lt1"/>
+          </a:fontRef>
+        </p:style>
+        <p:txBody>
+          <a:bodyPr rtlCol="0" anchor="ctr"/>
+          <a:lstStyle/>
+          <a:p>
+            <a:pPr algn="ctr"/>
+            <a:r>
+              <a:rPr lang="en-US" altLang="ko-KR" b="1">
+                <a:solidFill>
+                  <a:schemeClr val="tx1"/>
+                </a:solidFill>
+              </a:rPr>
+              <a:t>Buzzer</a:t>
+            </a:r>
+            <a:br>
+              <a:rPr lang="en-US" altLang="ko-KR" b="1">
+                <a:solidFill>
+                  <a:schemeClr val="tx1"/>
+                </a:solidFill>
+              </a:rPr>
+            </a:br>
+            <a:r>
+              <a:rPr lang="en-US" altLang="ko-KR" b="1">
+                <a:solidFill>
+                  <a:schemeClr val="tx1"/>
+                </a:solidFill>
+              </a:rPr>
+              <a:t>Controller</a:t>
+            </a:r>
+            <a:endParaRPr lang="ko-KR" altLang="en-US" b="1">
+              <a:solidFill>
+                <a:schemeClr val="tx1"/>
+              </a:solidFill>
+            </a:endParaRPr>
+          </a:p>
+        </p:txBody>
+      </p:sp>
+      <p:sp>
+        <p:nvSpPr>
+          <p:cNvPr id="8" name="직사각형 7">
+            <a:extLst>
+              <a:ext uri="{FF2B5EF4-FFF2-40B4-BE49-F238E27FC236}">
+                <a16:creationId xmlns:a16="http://schemas.microsoft.com/office/drawing/2014/main" id="{221AB7E0-6BFA-3116-DCC4-D9FB7AF958E3}"/>
+              </a:ext>
+            </a:extLst>
+          </p:cNvPr>
+          <p:cNvSpPr/>
+          <p:nvPr/>
+        </p:nvSpPr>
+        <p:spPr>
+          <a:xfrm>
+            <a:off x="871893" y="4701309"/>
+            <a:ext cx="919962" cy="2068946"/>
+          </a:xfrm>
+          <a:prstGeom prst="rect">
+            <a:avLst/>
+          </a:prstGeom>
+          <a:solidFill>
+            <a:schemeClr val="accent5">
+              <a:lumMod val="40000"/>
+              <a:lumOff val="60000"/>
+            </a:schemeClr>
+          </a:solidFill>
+          <a:ln w="28575">
+            <a:solidFill>
+              <a:schemeClr val="tx1"/>
+            </a:solidFill>
+          </a:ln>
+        </p:spPr>
+        <p:style>
+          <a:lnRef idx="2">
+            <a:schemeClr val="accent1">
+              <a:shade val="50000"/>
+            </a:schemeClr>
+          </a:lnRef>
+          <a:fillRef idx="1">
+            <a:schemeClr val="accent1"/>
+          </a:fillRef>
+          <a:effectRef idx="0">
+            <a:schemeClr val="accent1"/>
+          </a:effectRef>
+          <a:fontRef idx="minor">
+            <a:schemeClr val="lt1"/>
+          </a:fontRef>
+        </p:style>
+        <p:txBody>
+          <a:bodyPr rtlCol="0" anchor="ctr"/>
+          <a:lstStyle/>
+          <a:p>
+            <a:pPr algn="ctr"/>
+            <a:r>
+              <a:rPr lang="en-US" altLang="ko-KR" b="1">
+                <a:solidFill>
+                  <a:schemeClr val="tx1"/>
+                </a:solidFill>
+              </a:rPr>
+              <a:t>Single Port</a:t>
+            </a:r>
+          </a:p>
+          <a:p>
+            <a:pPr algn="ctr"/>
+            <a:r>
+              <a:rPr lang="en-US" altLang="ko-KR" b="1">
+                <a:solidFill>
+                  <a:schemeClr val="tx1"/>
+                </a:solidFill>
+              </a:rPr>
+              <a:t>BRAM</a:t>
+            </a:r>
+            <a:endParaRPr lang="ko-KR" altLang="en-US" b="1">
+              <a:solidFill>
+                <a:schemeClr val="tx1"/>
+              </a:solidFill>
+            </a:endParaRPr>
+          </a:p>
+        </p:txBody>
+      </p:sp>
+      <p:sp>
+        <p:nvSpPr>
+          <p:cNvPr id="9" name="사다리꼴 8">
+            <a:extLst>
+              <a:ext uri="{FF2B5EF4-FFF2-40B4-BE49-F238E27FC236}">
+                <a16:creationId xmlns:a16="http://schemas.microsoft.com/office/drawing/2014/main" id="{FECF7180-5E37-C667-B4A3-9D05E6DA8844}"/>
+              </a:ext>
+            </a:extLst>
+          </p:cNvPr>
+          <p:cNvSpPr/>
+          <p:nvPr/>
+        </p:nvSpPr>
+        <p:spPr>
+          <a:xfrm rot="5400000">
+            <a:off x="6733245" y="5395128"/>
+            <a:ext cx="2068945" cy="556212"/>
+          </a:xfrm>
+          <a:prstGeom prst="trapezoid">
+            <a:avLst>
+              <a:gd name="adj" fmla="val 44149"/>
+            </a:avLst>
+          </a:prstGeom>
+        </p:spPr>
+        <p:style>
+          <a:lnRef idx="2">
+            <a:schemeClr val="accent1">
+              <a:shade val="50000"/>
+            </a:schemeClr>
+          </a:lnRef>
+          <a:fillRef idx="1">
+            <a:schemeClr val="accent1"/>
+          </a:fillRef>
+          <a:effectRef idx="0">
+            <a:schemeClr val="accent1"/>
+          </a:effectRef>
+          <a:fontRef idx="minor">
+            <a:schemeClr val="lt1"/>
+          </a:fontRef>
+        </p:style>
+        <p:txBody>
+          <a:bodyPr rtlCol="0" anchor="ctr"/>
+          <a:lstStyle/>
+          <a:p>
+            <a:pPr algn="ctr"/>
+            <a:endParaRPr lang="ko-KR" altLang="en-US"/>
+          </a:p>
+        </p:txBody>
+      </p:sp>
+      <p:sp>
+        <p:nvSpPr>
+          <p:cNvPr id="10" name="직사각형 9">
+            <a:extLst>
+              <a:ext uri="{FF2B5EF4-FFF2-40B4-BE49-F238E27FC236}">
+                <a16:creationId xmlns:a16="http://schemas.microsoft.com/office/drawing/2014/main" id="{978BF45C-F198-5437-50AA-84AB3B13C2DA}"/>
+              </a:ext>
+            </a:extLst>
+          </p:cNvPr>
+          <p:cNvSpPr/>
+          <p:nvPr/>
+        </p:nvSpPr>
+        <p:spPr>
+          <a:xfrm>
+            <a:off x="10056216" y="1616590"/>
+            <a:ext cx="1555446" cy="1236971"/>
+          </a:xfrm>
+          <a:prstGeom prst="rect">
+            <a:avLst/>
+          </a:prstGeom>
+          <a:solidFill>
+            <a:schemeClr val="accent6">
+              <a:lumMod val="20000"/>
+              <a:lumOff val="80000"/>
+            </a:schemeClr>
+          </a:solidFill>
+          <a:ln w="28575">
+            <a:solidFill>
+              <a:schemeClr val="tx1"/>
+            </a:solidFill>
+          </a:ln>
+        </p:spPr>
+        <p:style>
+          <a:lnRef idx="2">
+            <a:schemeClr val="accent1">
+              <a:shade val="50000"/>
+            </a:schemeClr>
+          </a:lnRef>
+          <a:fillRef idx="1">
+            <a:schemeClr val="accent1"/>
+          </a:fillRef>
+          <a:effectRef idx="0">
+            <a:schemeClr val="accent1"/>
+          </a:effectRef>
+          <a:fontRef idx="minor">
+            <a:schemeClr val="lt1"/>
+          </a:fontRef>
+        </p:style>
+        <p:txBody>
+          <a:bodyPr rtlCol="0" anchor="ctr"/>
+          <a:lstStyle/>
+          <a:p>
+            <a:pPr algn="ctr"/>
+            <a:r>
+              <a:rPr lang="en-US" altLang="ko-KR" b="1">
+                <a:solidFill>
+                  <a:schemeClr val="tx1"/>
+                </a:solidFill>
+              </a:rPr>
+              <a:t>VGA</a:t>
+            </a:r>
+            <a:br>
+              <a:rPr lang="en-US" altLang="ko-KR" b="1">
+                <a:solidFill>
+                  <a:schemeClr val="tx1"/>
+                </a:solidFill>
+              </a:rPr>
+            </a:br>
+            <a:r>
+              <a:rPr lang="en-US" altLang="ko-KR" b="1">
+                <a:solidFill>
+                  <a:schemeClr val="tx1"/>
+                </a:solidFill>
+              </a:rPr>
+              <a:t>Controller</a:t>
+            </a:r>
+            <a:endParaRPr lang="ko-KR" altLang="en-US" b="1">
+              <a:solidFill>
+                <a:schemeClr val="tx1"/>
+              </a:solidFill>
+            </a:endParaRPr>
+          </a:p>
+        </p:txBody>
+      </p:sp>
+      <p:cxnSp>
+        <p:nvCxnSpPr>
+          <p:cNvPr id="11" name="직선 화살표 연결선 10">
+            <a:extLst>
+              <a:ext uri="{FF2B5EF4-FFF2-40B4-BE49-F238E27FC236}">
+                <a16:creationId xmlns:a16="http://schemas.microsoft.com/office/drawing/2014/main" id="{FB1B1835-0524-D022-2A65-2730030E6E80}"/>
+              </a:ext>
+            </a:extLst>
+          </p:cNvPr>
+          <p:cNvCxnSpPr>
+            <a:cxnSpLocks/>
+          </p:cNvCxnSpPr>
+          <p:nvPr/>
+        </p:nvCxnSpPr>
+        <p:spPr>
+          <a:xfrm>
+            <a:off x="1791855" y="5661953"/>
+            <a:ext cx="591127" cy="0"/>
+          </a:xfrm>
+          <a:prstGeom prst="straightConnector1">
+            <a:avLst/>
+          </a:prstGeom>
+          <a:ln w="57150">
+            <a:solidFill>
+              <a:schemeClr val="tx1"/>
+            </a:solidFill>
+            <a:tailEnd type="triangle"/>
+          </a:ln>
+        </p:spPr>
+        <p:style>
+          <a:lnRef idx="1">
+            <a:schemeClr val="accent1"/>
+          </a:lnRef>
+          <a:fillRef idx="0">
+            <a:schemeClr val="accent1"/>
+          </a:fillRef>
+          <a:effectRef idx="0">
+            <a:schemeClr val="accent1"/>
+          </a:effectRef>
+          <a:fontRef idx="minor">
+            <a:schemeClr val="tx1"/>
+          </a:fontRef>
+        </p:style>
+      </p:cxnSp>
+      <p:cxnSp>
+        <p:nvCxnSpPr>
+          <p:cNvPr id="13" name="직선 화살표 연결선 12">
+            <a:extLst>
+              <a:ext uri="{FF2B5EF4-FFF2-40B4-BE49-F238E27FC236}">
+                <a16:creationId xmlns:a16="http://schemas.microsoft.com/office/drawing/2014/main" id="{5B46A205-72FD-C9D9-8A00-C88931F12E3D}"/>
+              </a:ext>
+            </a:extLst>
+          </p:cNvPr>
+          <p:cNvCxnSpPr>
+            <a:cxnSpLocks/>
+          </p:cNvCxnSpPr>
+          <p:nvPr/>
+        </p:nvCxnSpPr>
+        <p:spPr>
+          <a:xfrm>
+            <a:off x="3224416" y="5661953"/>
+            <a:ext cx="560667" cy="0"/>
+          </a:xfrm>
+          <a:prstGeom prst="straightConnector1">
+            <a:avLst/>
+          </a:prstGeom>
+          <a:ln w="57150">
+            <a:solidFill>
+              <a:schemeClr val="tx1"/>
+            </a:solidFill>
+            <a:tailEnd type="triangle"/>
+          </a:ln>
+        </p:spPr>
+        <p:style>
+          <a:lnRef idx="1">
+            <a:schemeClr val="accent1"/>
+          </a:lnRef>
+          <a:fillRef idx="0">
+            <a:schemeClr val="accent1"/>
+          </a:fillRef>
+          <a:effectRef idx="0">
+            <a:schemeClr val="accent1"/>
+          </a:effectRef>
+          <a:fontRef idx="minor">
+            <a:schemeClr val="tx1"/>
+          </a:fontRef>
+        </p:style>
+      </p:cxnSp>
+      <p:sp>
+        <p:nvSpPr>
+          <p:cNvPr id="16" name="사다리꼴 15">
+            <a:extLst>
+              <a:ext uri="{FF2B5EF4-FFF2-40B4-BE49-F238E27FC236}">
+                <a16:creationId xmlns:a16="http://schemas.microsoft.com/office/drawing/2014/main" id="{8204626A-2132-D574-21C5-FD8D9AF455DE}"/>
+              </a:ext>
+            </a:extLst>
+          </p:cNvPr>
+          <p:cNvSpPr/>
+          <p:nvPr/>
+        </p:nvSpPr>
+        <p:spPr>
+          <a:xfrm rot="16200000">
+            <a:off x="3028717" y="5395126"/>
+            <a:ext cx="2068945" cy="556212"/>
+          </a:xfrm>
+          <a:prstGeom prst="trapezoid">
+            <a:avLst>
+              <a:gd name="adj" fmla="val 44149"/>
+            </a:avLst>
+          </a:prstGeom>
+        </p:spPr>
+        <p:style>
+          <a:lnRef idx="2">
+            <a:schemeClr val="accent1">
+              <a:shade val="50000"/>
+            </a:schemeClr>
+          </a:lnRef>
+          <a:fillRef idx="1">
+            <a:schemeClr val="accent1"/>
+          </a:fillRef>
+          <a:effectRef idx="0">
+            <a:schemeClr val="accent1"/>
+          </a:effectRef>
+          <a:fontRef idx="minor">
+            <a:schemeClr val="lt1"/>
+          </a:fontRef>
+        </p:style>
+        <p:txBody>
+          <a:bodyPr rtlCol="0" anchor="ctr"/>
+          <a:lstStyle/>
+          <a:p>
+            <a:pPr algn="ctr"/>
+            <a:endParaRPr lang="ko-KR" altLang="en-US"/>
+          </a:p>
+        </p:txBody>
+      </p:sp>
+      <p:cxnSp>
+        <p:nvCxnSpPr>
+          <p:cNvPr id="20" name="직선 화살표 연결선 19">
+            <a:extLst>
+              <a:ext uri="{FF2B5EF4-FFF2-40B4-BE49-F238E27FC236}">
+                <a16:creationId xmlns:a16="http://schemas.microsoft.com/office/drawing/2014/main" id="{7AAB1FB1-73F8-0214-AF68-D9B4EBBF4017}"/>
+              </a:ext>
+            </a:extLst>
+          </p:cNvPr>
+          <p:cNvCxnSpPr>
+            <a:cxnSpLocks/>
+          </p:cNvCxnSpPr>
+          <p:nvPr/>
+        </p:nvCxnSpPr>
+        <p:spPr>
+          <a:xfrm>
+            <a:off x="4347041" y="5175094"/>
+            <a:ext cx="3142570" cy="0"/>
+          </a:xfrm>
+          <a:prstGeom prst="straightConnector1">
+            <a:avLst/>
+          </a:prstGeom>
+          <a:ln w="57150">
+            <a:solidFill>
+              <a:schemeClr val="tx1"/>
+            </a:solidFill>
+            <a:tailEnd type="triangle"/>
+          </a:ln>
+        </p:spPr>
+        <p:style>
+          <a:lnRef idx="1">
+            <a:schemeClr val="accent1"/>
+          </a:lnRef>
+          <a:fillRef idx="0">
+            <a:schemeClr val="accent1"/>
+          </a:fillRef>
+          <a:effectRef idx="0">
+            <a:schemeClr val="accent1"/>
+          </a:effectRef>
+          <a:fontRef idx="minor">
+            <a:schemeClr val="tx1"/>
+          </a:fontRef>
+        </p:style>
+      </p:cxnSp>
+      <p:cxnSp>
+        <p:nvCxnSpPr>
+          <p:cNvPr id="22" name="직선 화살표 연결선 21">
+            <a:extLst>
+              <a:ext uri="{FF2B5EF4-FFF2-40B4-BE49-F238E27FC236}">
+                <a16:creationId xmlns:a16="http://schemas.microsoft.com/office/drawing/2014/main" id="{2C798DED-AF70-91E2-612A-386634A074EE}"/>
+              </a:ext>
+            </a:extLst>
+          </p:cNvPr>
+          <p:cNvCxnSpPr>
+            <a:cxnSpLocks/>
+          </p:cNvCxnSpPr>
+          <p:nvPr/>
+        </p:nvCxnSpPr>
+        <p:spPr>
+          <a:xfrm>
+            <a:off x="4368649" y="6250404"/>
+            <a:ext cx="3142570" cy="0"/>
+          </a:xfrm>
+          <a:prstGeom prst="straightConnector1">
+            <a:avLst/>
+          </a:prstGeom>
+          <a:ln w="57150">
+            <a:solidFill>
+              <a:schemeClr val="tx1"/>
+            </a:solidFill>
+            <a:tailEnd type="triangle"/>
+          </a:ln>
+        </p:spPr>
+        <p:style>
+          <a:lnRef idx="1">
+            <a:schemeClr val="accent1"/>
+          </a:lnRef>
+          <a:fillRef idx="0">
+            <a:schemeClr val="accent1"/>
+          </a:fillRef>
+          <a:effectRef idx="0">
+            <a:schemeClr val="accent1"/>
+          </a:effectRef>
+          <a:fontRef idx="minor">
+            <a:schemeClr val="tx1"/>
+          </a:fontRef>
+        </p:style>
+      </p:cxnSp>
+      <p:sp>
+        <p:nvSpPr>
+          <p:cNvPr id="4" name="직사각형 3">
+            <a:extLst>
+              <a:ext uri="{FF2B5EF4-FFF2-40B4-BE49-F238E27FC236}">
+                <a16:creationId xmlns:a16="http://schemas.microsoft.com/office/drawing/2014/main" id="{9C92094C-2C81-D215-A171-05B3839332CE}"/>
+              </a:ext>
+            </a:extLst>
+          </p:cNvPr>
+          <p:cNvSpPr/>
+          <p:nvPr/>
+        </p:nvSpPr>
+        <p:spPr>
+          <a:xfrm>
+            <a:off x="6232382" y="4681782"/>
+            <a:ext cx="854565" cy="991629"/>
+          </a:xfrm>
+          <a:prstGeom prst="rect">
+            <a:avLst/>
+          </a:prstGeom>
+          <a:solidFill>
+            <a:srgbClr val="FF0000"/>
+          </a:solidFill>
+          <a:ln w="28575">
+            <a:solidFill>
+              <a:schemeClr val="tx1"/>
+            </a:solidFill>
+          </a:ln>
+        </p:spPr>
+        <p:style>
+          <a:lnRef idx="2">
+            <a:schemeClr val="accent1">
+              <a:shade val="50000"/>
+            </a:schemeClr>
+          </a:lnRef>
+          <a:fillRef idx="1">
+            <a:schemeClr val="accent1"/>
+          </a:fillRef>
+          <a:effectRef idx="0">
+            <a:schemeClr val="accent1"/>
+          </a:effectRef>
+          <a:fontRef idx="minor">
+            <a:schemeClr val="lt1"/>
+          </a:fontRef>
+        </p:style>
+        <p:txBody>
+          <a:bodyPr rtlCol="0" anchor="ctr"/>
+          <a:lstStyle/>
+          <a:p>
+            <a:pPr algn="ctr"/>
+            <a:r>
+              <a:rPr lang="en-US" altLang="ko-KR" b="1">
+                <a:solidFill>
+                  <a:schemeClr val="bg1"/>
+                </a:solidFill>
+              </a:rPr>
+              <a:t>CORE</a:t>
+            </a:r>
+            <a:endParaRPr lang="ko-KR" altLang="en-US" b="1">
+              <a:solidFill>
+                <a:schemeClr val="bg1"/>
+              </a:solidFill>
+            </a:endParaRPr>
+          </a:p>
+        </p:txBody>
+      </p:sp>
+      <p:sp>
+        <p:nvSpPr>
+          <p:cNvPr id="5" name="직사각형 4">
+            <a:extLst>
+              <a:ext uri="{FF2B5EF4-FFF2-40B4-BE49-F238E27FC236}">
+                <a16:creationId xmlns:a16="http://schemas.microsoft.com/office/drawing/2014/main" id="{A0940FAE-D52C-C89B-1537-72D7F47CA942}"/>
+              </a:ext>
+            </a:extLst>
+          </p:cNvPr>
+          <p:cNvSpPr/>
+          <p:nvPr/>
+        </p:nvSpPr>
+        <p:spPr>
+          <a:xfrm>
+            <a:off x="5127287" y="4660829"/>
+            <a:ext cx="754655" cy="991629"/>
+          </a:xfrm>
+          <a:prstGeom prst="rect">
+            <a:avLst/>
+          </a:prstGeom>
+          <a:solidFill>
+            <a:srgbClr val="FF0000"/>
+          </a:solidFill>
+          <a:ln w="28575">
+            <a:solidFill>
+              <a:schemeClr val="tx1"/>
+            </a:solidFill>
+          </a:ln>
+        </p:spPr>
+        <p:style>
+          <a:lnRef idx="2">
+            <a:schemeClr val="accent1">
+              <a:shade val="50000"/>
+            </a:schemeClr>
+          </a:lnRef>
+          <a:fillRef idx="1">
+            <a:schemeClr val="accent1"/>
+          </a:fillRef>
+          <a:effectRef idx="0">
+            <a:schemeClr val="accent1"/>
+          </a:effectRef>
+          <a:fontRef idx="minor">
+            <a:schemeClr val="lt1"/>
+          </a:fontRef>
+        </p:style>
+        <p:txBody>
+          <a:bodyPr rtlCol="0" anchor="ctr"/>
+          <a:lstStyle/>
+          <a:p>
+            <a:pPr algn="ctr"/>
+            <a:r>
+              <a:rPr lang="en-US" altLang="ko-KR" b="1">
+                <a:solidFill>
+                  <a:schemeClr val="bg1"/>
+                </a:solidFill>
+              </a:rPr>
+              <a:t>PRE</a:t>
+            </a:r>
+            <a:endParaRPr lang="ko-KR" altLang="en-US" b="1">
+              <a:solidFill>
+                <a:schemeClr val="bg1"/>
+              </a:solidFill>
+            </a:endParaRPr>
+          </a:p>
+        </p:txBody>
+      </p:sp>
+      <p:sp>
+        <p:nvSpPr>
+          <p:cNvPr id="23" name="직사각형 22">
+            <a:extLst>
+              <a:ext uri="{FF2B5EF4-FFF2-40B4-BE49-F238E27FC236}">
+                <a16:creationId xmlns:a16="http://schemas.microsoft.com/office/drawing/2014/main" id="{D9D5DD32-DDBD-5837-C8AD-198E787764D7}"/>
+              </a:ext>
+            </a:extLst>
+          </p:cNvPr>
+          <p:cNvSpPr/>
+          <p:nvPr/>
+        </p:nvSpPr>
+        <p:spPr>
+          <a:xfrm>
+            <a:off x="8488217" y="4638759"/>
+            <a:ext cx="1041661" cy="2022556"/>
+          </a:xfrm>
+          <a:prstGeom prst="rect">
+            <a:avLst/>
+          </a:prstGeom>
+          <a:solidFill>
+            <a:schemeClr val="bg1"/>
+          </a:solidFill>
+          <a:ln w="28575">
+            <a:solidFill>
+              <a:schemeClr val="tx1"/>
+            </a:solidFill>
+          </a:ln>
+        </p:spPr>
+        <p:style>
+          <a:lnRef idx="2">
+            <a:schemeClr val="accent1">
+              <a:shade val="50000"/>
+            </a:schemeClr>
+          </a:lnRef>
+          <a:fillRef idx="1">
+            <a:schemeClr val="accent1"/>
+          </a:fillRef>
+          <a:effectRef idx="0">
+            <a:schemeClr val="accent1"/>
+          </a:effectRef>
+          <a:fontRef idx="minor">
+            <a:schemeClr val="lt1"/>
+          </a:fontRef>
+        </p:style>
+        <p:txBody>
+          <a:bodyPr rtlCol="0" anchor="ctr"/>
+          <a:lstStyle/>
+          <a:p>
+            <a:pPr algn="ctr"/>
+            <a:r>
+              <a:rPr lang="en-US" altLang="ko-KR" b="1">
+                <a:solidFill>
+                  <a:schemeClr val="tx1"/>
+                </a:solidFill>
+              </a:rPr>
+              <a:t>Mem</a:t>
+            </a:r>
+            <a:br>
+              <a:rPr lang="en-US" altLang="ko-KR" b="1">
+                <a:solidFill>
+                  <a:schemeClr val="tx1"/>
+                </a:solidFill>
+              </a:rPr>
+            </a:br>
+            <a:r>
+              <a:rPr lang="en-US" altLang="ko-KR" b="1">
+                <a:solidFill>
+                  <a:schemeClr val="tx1"/>
+                </a:solidFill>
+              </a:rPr>
+              <a:t>Ctr A</a:t>
+            </a:r>
+            <a:endParaRPr lang="ko-KR" altLang="en-US" b="1">
+              <a:solidFill>
+                <a:schemeClr val="tx1"/>
+              </a:solidFill>
+            </a:endParaRPr>
+          </a:p>
+        </p:txBody>
+      </p:sp>
+      <p:cxnSp>
+        <p:nvCxnSpPr>
+          <p:cNvPr id="24" name="직선 화살표 연결선 23">
+            <a:extLst>
+              <a:ext uri="{FF2B5EF4-FFF2-40B4-BE49-F238E27FC236}">
+                <a16:creationId xmlns:a16="http://schemas.microsoft.com/office/drawing/2014/main" id="{CDD569F7-2E37-7F6C-684F-065689791C25}"/>
+              </a:ext>
+            </a:extLst>
+          </p:cNvPr>
+          <p:cNvCxnSpPr>
+            <a:cxnSpLocks/>
+          </p:cNvCxnSpPr>
+          <p:nvPr/>
+        </p:nvCxnSpPr>
+        <p:spPr>
+          <a:xfrm>
+            <a:off x="8045824" y="5602071"/>
+            <a:ext cx="442394" cy="0"/>
+          </a:xfrm>
+          <a:prstGeom prst="straightConnector1">
+            <a:avLst/>
+          </a:prstGeom>
+          <a:ln w="57150">
+            <a:solidFill>
+              <a:schemeClr val="tx1"/>
+            </a:solidFill>
+            <a:tailEnd type="triangle"/>
+          </a:ln>
+        </p:spPr>
+        <p:style>
+          <a:lnRef idx="1">
+            <a:schemeClr val="accent1"/>
+          </a:lnRef>
+          <a:fillRef idx="0">
+            <a:schemeClr val="accent1"/>
+          </a:fillRef>
+          <a:effectRef idx="0">
+            <a:schemeClr val="accent1"/>
+          </a:effectRef>
+          <a:fontRef idx="minor">
+            <a:schemeClr val="tx1"/>
+          </a:fontRef>
+        </p:style>
+      </p:cxnSp>
+      <p:cxnSp>
+        <p:nvCxnSpPr>
+          <p:cNvPr id="26" name="직선 화살표 연결선 25">
+            <a:extLst>
+              <a:ext uri="{FF2B5EF4-FFF2-40B4-BE49-F238E27FC236}">
+                <a16:creationId xmlns:a16="http://schemas.microsoft.com/office/drawing/2014/main" id="{FC6F7993-D701-046B-B4F4-CB08758EFB41}"/>
+              </a:ext>
+            </a:extLst>
+          </p:cNvPr>
+          <p:cNvCxnSpPr>
+            <a:cxnSpLocks/>
+          </p:cNvCxnSpPr>
+          <p:nvPr/>
+        </p:nvCxnSpPr>
+        <p:spPr>
+          <a:xfrm>
+            <a:off x="9529878" y="5673232"/>
+            <a:ext cx="534606" cy="0"/>
+          </a:xfrm>
+          <a:prstGeom prst="straightConnector1">
+            <a:avLst/>
+          </a:prstGeom>
+          <a:ln w="57150">
+            <a:solidFill>
+              <a:schemeClr val="tx1"/>
+            </a:solidFill>
+            <a:tailEnd type="triangle"/>
+          </a:ln>
+        </p:spPr>
+        <p:style>
+          <a:lnRef idx="1">
+            <a:schemeClr val="accent1"/>
+          </a:lnRef>
+          <a:fillRef idx="0">
+            <a:schemeClr val="accent1"/>
+          </a:fillRef>
+          <a:effectRef idx="0">
+            <a:schemeClr val="accent1"/>
+          </a:effectRef>
+          <a:fontRef idx="minor">
+            <a:schemeClr val="tx1"/>
+          </a:fontRef>
+        </p:style>
+      </p:cxnSp>
+      <p:sp>
+        <p:nvSpPr>
+          <p:cNvPr id="27" name="직사각형 26">
+            <a:extLst>
+              <a:ext uri="{FF2B5EF4-FFF2-40B4-BE49-F238E27FC236}">
+                <a16:creationId xmlns:a16="http://schemas.microsoft.com/office/drawing/2014/main" id="{F84BB462-E343-2DE8-0607-34A1267D4E7B}"/>
+              </a:ext>
+            </a:extLst>
+          </p:cNvPr>
+          <p:cNvSpPr/>
+          <p:nvPr/>
+        </p:nvSpPr>
+        <p:spPr>
+          <a:xfrm>
+            <a:off x="10047948" y="3110841"/>
+            <a:ext cx="1571982" cy="985648"/>
+          </a:xfrm>
+          <a:prstGeom prst="rect">
+            <a:avLst/>
+          </a:prstGeom>
+          <a:solidFill>
+            <a:schemeClr val="bg1"/>
+          </a:solidFill>
+          <a:ln w="28575">
+            <a:solidFill>
+              <a:schemeClr val="tx1"/>
+            </a:solidFill>
+          </a:ln>
+        </p:spPr>
+        <p:style>
+          <a:lnRef idx="2">
+            <a:schemeClr val="accent1">
+              <a:shade val="50000"/>
+            </a:schemeClr>
+          </a:lnRef>
+          <a:fillRef idx="1">
+            <a:schemeClr val="accent1"/>
+          </a:fillRef>
+          <a:effectRef idx="0">
+            <a:schemeClr val="accent1"/>
+          </a:effectRef>
+          <a:fontRef idx="minor">
+            <a:schemeClr val="lt1"/>
+          </a:fontRef>
+        </p:style>
+        <p:txBody>
+          <a:bodyPr rtlCol="0" anchor="ctr"/>
+          <a:lstStyle/>
+          <a:p>
+            <a:pPr algn="ctr"/>
+            <a:r>
+              <a:rPr lang="en-US" altLang="ko-KR" b="1">
+                <a:solidFill>
+                  <a:schemeClr val="tx1"/>
+                </a:solidFill>
+              </a:rPr>
+              <a:t>Mem</a:t>
+            </a:r>
+            <a:br>
+              <a:rPr lang="en-US" altLang="ko-KR" b="1">
+                <a:solidFill>
+                  <a:schemeClr val="tx1"/>
+                </a:solidFill>
+              </a:rPr>
+            </a:br>
+            <a:r>
+              <a:rPr lang="en-US" altLang="ko-KR" b="1">
+                <a:solidFill>
+                  <a:schemeClr val="tx1"/>
+                </a:solidFill>
+              </a:rPr>
+              <a:t>Ctr B</a:t>
+            </a:r>
+            <a:endParaRPr lang="ko-KR" altLang="en-US" b="1">
+              <a:solidFill>
+                <a:schemeClr val="tx1"/>
+              </a:solidFill>
+            </a:endParaRPr>
+          </a:p>
+        </p:txBody>
+      </p:sp>
+      <p:cxnSp>
+        <p:nvCxnSpPr>
+          <p:cNvPr id="28" name="직선 화살표 연결선 27">
+            <a:extLst>
+              <a:ext uri="{FF2B5EF4-FFF2-40B4-BE49-F238E27FC236}">
+                <a16:creationId xmlns:a16="http://schemas.microsoft.com/office/drawing/2014/main" id="{9D4A2ABE-DEF4-A3E0-9F4B-7AFA4C438AC4}"/>
+              </a:ext>
+            </a:extLst>
+          </p:cNvPr>
+          <p:cNvCxnSpPr>
+            <a:cxnSpLocks/>
+            <a:stCxn id="6" idx="0"/>
+            <a:endCxn id="27" idx="2"/>
+          </p:cNvCxnSpPr>
+          <p:nvPr/>
+        </p:nvCxnSpPr>
+        <p:spPr>
+          <a:xfrm flipH="1" flipV="1">
+            <a:off x="10833939" y="4096489"/>
+            <a:ext cx="8268" cy="542268"/>
+          </a:xfrm>
+          <a:prstGeom prst="straightConnector1">
+            <a:avLst/>
+          </a:prstGeom>
+          <a:ln w="57150">
+            <a:solidFill>
+              <a:schemeClr val="tx1"/>
+            </a:solidFill>
+            <a:tailEnd type="triangle"/>
+          </a:ln>
+        </p:spPr>
+        <p:style>
+          <a:lnRef idx="1">
+            <a:schemeClr val="accent1"/>
+          </a:lnRef>
+          <a:fillRef idx="0">
+            <a:schemeClr val="accent1"/>
+          </a:fillRef>
+          <a:effectRef idx="0">
+            <a:schemeClr val="accent1"/>
+          </a:effectRef>
+          <a:fontRef idx="minor">
+            <a:schemeClr val="tx1"/>
+          </a:fontRef>
+        </p:style>
+      </p:cxnSp>
+      <p:sp>
+        <p:nvSpPr>
+          <p:cNvPr id="32" name="직사각형 31">
+            <a:extLst>
+              <a:ext uri="{FF2B5EF4-FFF2-40B4-BE49-F238E27FC236}">
+                <a16:creationId xmlns:a16="http://schemas.microsoft.com/office/drawing/2014/main" id="{C1879631-1929-31A9-3E2E-FF6093211532}"/>
+              </a:ext>
+            </a:extLst>
+          </p:cNvPr>
+          <p:cNvSpPr/>
+          <p:nvPr/>
+        </p:nvSpPr>
+        <p:spPr>
+          <a:xfrm>
+            <a:off x="6095120" y="1596628"/>
+            <a:ext cx="1594066" cy="1236971"/>
+          </a:xfrm>
+          <a:prstGeom prst="rect">
+            <a:avLst/>
+          </a:prstGeom>
+          <a:solidFill>
+            <a:schemeClr val="accent6">
+              <a:lumMod val="20000"/>
+              <a:lumOff val="80000"/>
+            </a:schemeClr>
+          </a:solidFill>
+          <a:ln w="28575">
+            <a:solidFill>
+              <a:schemeClr val="tx1"/>
+            </a:solidFill>
+          </a:ln>
+        </p:spPr>
+        <p:style>
+          <a:lnRef idx="2">
+            <a:schemeClr val="accent1">
+              <a:shade val="50000"/>
+            </a:schemeClr>
+          </a:lnRef>
+          <a:fillRef idx="1">
+            <a:schemeClr val="accent1"/>
+          </a:fillRef>
+          <a:effectRef idx="0">
+            <a:schemeClr val="accent1"/>
+          </a:effectRef>
+          <a:fontRef idx="minor">
+            <a:schemeClr val="lt1"/>
+          </a:fontRef>
+        </p:style>
+        <p:txBody>
+          <a:bodyPr rtlCol="0" anchor="ctr"/>
+          <a:lstStyle/>
+          <a:p>
+            <a:pPr algn="ctr"/>
+            <a:r>
+              <a:rPr lang="en-US" altLang="ko-KR" b="1">
+                <a:solidFill>
+                  <a:schemeClr val="tx1"/>
+                </a:solidFill>
+              </a:rPr>
+              <a:t>7-Segment</a:t>
+            </a:r>
+            <a:br>
+              <a:rPr lang="en-US" altLang="ko-KR" b="1">
+                <a:solidFill>
+                  <a:schemeClr val="tx1"/>
+                </a:solidFill>
+              </a:rPr>
+            </a:br>
+            <a:r>
+              <a:rPr lang="en-US" altLang="ko-KR" b="1">
+                <a:solidFill>
+                  <a:schemeClr val="tx1"/>
+                </a:solidFill>
+              </a:rPr>
+              <a:t>Controller</a:t>
+            </a:r>
+            <a:endParaRPr lang="ko-KR" altLang="en-US" b="1">
+              <a:solidFill>
+                <a:schemeClr val="tx1"/>
+              </a:solidFill>
+            </a:endParaRPr>
+          </a:p>
+        </p:txBody>
+      </p:sp>
+      <p:pic>
+        <p:nvPicPr>
+          <p:cNvPr id="36" name="그래픽 35" descr="이미지 단색으로 채워진">
+            <a:extLst>
+              <a:ext uri="{FF2B5EF4-FFF2-40B4-BE49-F238E27FC236}">
+                <a16:creationId xmlns:a16="http://schemas.microsoft.com/office/drawing/2014/main" id="{E0B015ED-5D0D-3E59-BF3E-57DF9FB69DAE}"/>
+              </a:ext>
+            </a:extLst>
+          </p:cNvPr>
+          <p:cNvPicPr>
+            <a:picLocks noChangeAspect="1"/>
+          </p:cNvPicPr>
+          <p:nvPr/>
+        </p:nvPicPr>
+        <p:blipFill>
+          <a:blip r:embed="rId2">
+            <a:extLst>
+              <a:ext uri="{28A0092B-C50C-407E-A947-70E740481C1C}">
+                <a14:useLocalDpi xmlns:a14="http://schemas.microsoft.com/office/drawing/2010/main" val="0"/>
+              </a:ext>
+              <a:ext uri="{96DAC541-7B7A-43D3-8B79-37D633B846F1}">
+                <asvg:svgBlip xmlns:asvg="http://schemas.microsoft.com/office/drawing/2016/SVG/main" r:embed="rId3"/>
+              </a:ext>
+            </a:extLst>
+          </a:blip>
+          <a:stretch>
+            <a:fillRect/>
+          </a:stretch>
+        </p:blipFill>
+        <p:spPr>
+          <a:xfrm>
+            <a:off x="955758" y="4646727"/>
+            <a:ext cx="785025" cy="785025"/>
+          </a:xfrm>
+          <a:prstGeom prst="rect">
+            <a:avLst/>
+          </a:prstGeom>
+        </p:spPr>
+      </p:pic>
+      <p:pic>
+        <p:nvPicPr>
+          <p:cNvPr id="38" name="그래픽 37" descr="모니터 단색으로 채워진">
+            <a:extLst>
+              <a:ext uri="{FF2B5EF4-FFF2-40B4-BE49-F238E27FC236}">
+                <a16:creationId xmlns:a16="http://schemas.microsoft.com/office/drawing/2014/main" id="{E37F3874-2E42-121C-3A7B-4E43C5B85A39}"/>
+              </a:ext>
+            </a:extLst>
+          </p:cNvPr>
+          <p:cNvPicPr>
+            <a:picLocks noChangeAspect="1"/>
+          </p:cNvPicPr>
+          <p:nvPr/>
+        </p:nvPicPr>
+        <p:blipFill>
+          <a:blip r:embed="rId4">
+            <a:extLst>
+              <a:ext uri="{28A0092B-C50C-407E-A947-70E740481C1C}">
+                <a14:useLocalDpi xmlns:a14="http://schemas.microsoft.com/office/drawing/2010/main" val="0"/>
+              </a:ext>
+              <a:ext uri="{96DAC541-7B7A-43D3-8B79-37D633B846F1}">
+                <asvg:svgBlip xmlns:asvg="http://schemas.microsoft.com/office/drawing/2016/SVG/main" r:embed="rId5"/>
+              </a:ext>
+            </a:extLst>
+          </a:blip>
+          <a:stretch>
+            <a:fillRect/>
+          </a:stretch>
+        </p:blipFill>
+        <p:spPr>
+          <a:xfrm>
+            <a:off x="10082680" y="145655"/>
+            <a:ext cx="1537250" cy="1537250"/>
+          </a:xfrm>
+          <a:prstGeom prst="rect">
+            <a:avLst/>
+          </a:prstGeom>
+        </p:spPr>
+      </p:pic>
+      <p:sp>
+        <p:nvSpPr>
+          <p:cNvPr id="39" name="TextBox 38">
+            <a:extLst>
+              <a:ext uri="{FF2B5EF4-FFF2-40B4-BE49-F238E27FC236}">
+                <a16:creationId xmlns:a16="http://schemas.microsoft.com/office/drawing/2014/main" id="{348C1F05-C7D5-6981-FEFE-6D78D8C6B62D}"/>
+              </a:ext>
+            </a:extLst>
+          </p:cNvPr>
+          <p:cNvSpPr txBox="1"/>
+          <p:nvPr/>
+        </p:nvSpPr>
+        <p:spPr>
+          <a:xfrm>
+            <a:off x="10181807" y="596464"/>
+            <a:ext cx="1320800" cy="461665"/>
+          </a:xfrm>
+          <a:prstGeom prst="rect">
+            <a:avLst/>
+          </a:prstGeom>
+          <a:noFill/>
+        </p:spPr>
+        <p:txBody>
+          <a:bodyPr wrap="square">
+            <a:spAutoFit/>
+          </a:bodyPr>
+          <a:lstStyle/>
+          <a:p>
+            <a:pPr algn="ctr"/>
+            <a:r>
+              <a:rPr lang="en-US" altLang="ko-KR" sz="2400" b="1">
+                <a:solidFill>
+                  <a:schemeClr val="tx1"/>
+                </a:solidFill>
+              </a:rPr>
+              <a:t>VGA</a:t>
+            </a:r>
+            <a:endParaRPr lang="ko-KR" altLang="en-US" sz="2400" b="1">
+              <a:solidFill>
+                <a:schemeClr val="tx1"/>
+              </a:solidFill>
+            </a:endParaRPr>
+          </a:p>
+        </p:txBody>
+      </p:sp>
+      <p:pic>
+        <p:nvPicPr>
+          <p:cNvPr id="40" name="Picture 6" descr="전자부품/전자공구/개발보드 전문쇼핑몰 - 툴파츠">
+            <a:extLst>
+              <a:ext uri="{FF2B5EF4-FFF2-40B4-BE49-F238E27FC236}">
+                <a16:creationId xmlns:a16="http://schemas.microsoft.com/office/drawing/2014/main" id="{0D83DA5C-4268-08D8-A623-1A4F25FEBE71}"/>
+              </a:ext>
+            </a:extLst>
+          </p:cNvPr>
+          <p:cNvPicPr>
+            <a:picLocks noChangeAspect="1" noChangeArrowheads="1"/>
+          </p:cNvPicPr>
+          <p:nvPr/>
+        </p:nvPicPr>
+        <p:blipFill rotWithShape="1">
+          <a:blip r:embed="rId6">
+            <a:extLst>
+              <a:ext uri="{28A0092B-C50C-407E-A947-70E740481C1C}">
+                <a14:useLocalDpi xmlns:a14="http://schemas.microsoft.com/office/drawing/2010/main" val="0"/>
+              </a:ext>
+            </a:extLst>
+          </a:blip>
+          <a:srcRect l="10106" t="29341" r="9894" b="31278"/>
+          <a:stretch/>
+        </p:blipFill>
+        <p:spPr bwMode="auto">
+          <a:xfrm>
+            <a:off x="6123528" y="630869"/>
+            <a:ext cx="1537250" cy="566822"/>
+          </a:xfrm>
+          <a:prstGeom prst="rect">
+            <a:avLst/>
+          </a:prstGeom>
+          <a:noFill/>
+          <a:extLst>
+            <a:ext uri="{909E8E84-426E-40DD-AFC4-6F175D3DCCD1}">
+              <a14:hiddenFill xmlns:a14="http://schemas.microsoft.com/office/drawing/2010/main">
+                <a:solidFill>
+                  <a:srgbClr val="FFFFFF"/>
+                </a:solidFill>
+              </a14:hiddenFill>
+            </a:ext>
+          </a:extLst>
+        </p:spPr>
+      </p:pic>
+      <p:pic>
+        <p:nvPicPr>
+          <p:cNvPr id="41" name="그래픽 40" descr="알람 울림 윤곽선">
+            <a:extLst>
+              <a:ext uri="{FF2B5EF4-FFF2-40B4-BE49-F238E27FC236}">
+                <a16:creationId xmlns:a16="http://schemas.microsoft.com/office/drawing/2014/main" id="{CCB9D99A-5F54-9F57-685B-9E2AB860930E}"/>
+              </a:ext>
+            </a:extLst>
+          </p:cNvPr>
+          <p:cNvPicPr>
+            <a:picLocks noChangeAspect="1"/>
+          </p:cNvPicPr>
+          <p:nvPr/>
+        </p:nvPicPr>
+        <p:blipFill>
+          <a:blip r:embed="rId7">
+            <a:extLst>
+              <a:ext uri="{28A0092B-C50C-407E-A947-70E740481C1C}">
+                <a14:useLocalDpi xmlns:a14="http://schemas.microsoft.com/office/drawing/2010/main" val="0"/>
+              </a:ext>
+              <a:ext uri="{96DAC541-7B7A-43D3-8B79-37D633B846F1}">
+                <asvg:svgBlip xmlns:asvg="http://schemas.microsoft.com/office/drawing/2016/SVG/main" r:embed="rId8"/>
+              </a:ext>
+            </a:extLst>
+          </a:blip>
+          <a:stretch>
+            <a:fillRect/>
+          </a:stretch>
+        </p:blipFill>
+        <p:spPr>
+          <a:xfrm>
+            <a:off x="8392180" y="510955"/>
+            <a:ext cx="787200" cy="787200"/>
+          </a:xfrm>
+          <a:prstGeom prst="rect">
+            <a:avLst/>
+          </a:prstGeom>
+        </p:spPr>
+      </p:pic>
+      <p:cxnSp>
+        <p:nvCxnSpPr>
+          <p:cNvPr id="43" name="직선 화살표 연결선 42">
+            <a:extLst>
+              <a:ext uri="{FF2B5EF4-FFF2-40B4-BE49-F238E27FC236}">
+                <a16:creationId xmlns:a16="http://schemas.microsoft.com/office/drawing/2014/main" id="{9545DFF6-CE2E-0D7A-0355-6388BE82ACCE}"/>
+              </a:ext>
+            </a:extLst>
+          </p:cNvPr>
+          <p:cNvCxnSpPr>
+            <a:cxnSpLocks/>
+            <a:endCxn id="16" idx="3"/>
+          </p:cNvCxnSpPr>
+          <p:nvPr/>
+        </p:nvCxnSpPr>
+        <p:spPr>
+          <a:xfrm>
+            <a:off x="4063189" y="4087253"/>
+            <a:ext cx="0" cy="674288"/>
+          </a:xfrm>
+          <a:prstGeom prst="straightConnector1">
+            <a:avLst/>
+          </a:prstGeom>
+          <a:ln w="57150">
+            <a:solidFill>
+              <a:srgbClr val="00B0F0"/>
+            </a:solidFill>
+            <a:tailEnd type="triangle"/>
+          </a:ln>
+        </p:spPr>
+        <p:style>
+          <a:lnRef idx="1">
+            <a:schemeClr val="accent1"/>
+          </a:lnRef>
+          <a:fillRef idx="0">
+            <a:schemeClr val="accent1"/>
+          </a:fillRef>
+          <a:effectRef idx="0">
+            <a:schemeClr val="accent1"/>
+          </a:effectRef>
+          <a:fontRef idx="minor">
+            <a:schemeClr val="tx1"/>
+          </a:fontRef>
+        </p:style>
+      </p:cxnSp>
+      <p:cxnSp>
+        <p:nvCxnSpPr>
+          <p:cNvPr id="46" name="직선 화살표 연결선 45">
+            <a:extLst>
+              <a:ext uri="{FF2B5EF4-FFF2-40B4-BE49-F238E27FC236}">
+                <a16:creationId xmlns:a16="http://schemas.microsoft.com/office/drawing/2014/main" id="{31E90587-F7CC-6AB9-8833-F29F884E1689}"/>
+              </a:ext>
+            </a:extLst>
+          </p:cNvPr>
+          <p:cNvCxnSpPr>
+            <a:cxnSpLocks/>
+          </p:cNvCxnSpPr>
+          <p:nvPr/>
+        </p:nvCxnSpPr>
+        <p:spPr>
+          <a:xfrm>
+            <a:off x="7822230" y="4105725"/>
+            <a:ext cx="0" cy="674288"/>
+          </a:xfrm>
+          <a:prstGeom prst="straightConnector1">
+            <a:avLst/>
+          </a:prstGeom>
+          <a:ln w="57150">
+            <a:solidFill>
+              <a:srgbClr val="00B0F0"/>
+            </a:solidFill>
+            <a:tailEnd type="triangle"/>
+          </a:ln>
+        </p:spPr>
+        <p:style>
+          <a:lnRef idx="1">
+            <a:schemeClr val="accent1"/>
+          </a:lnRef>
+          <a:fillRef idx="0">
+            <a:schemeClr val="accent1"/>
+          </a:fillRef>
+          <a:effectRef idx="0">
+            <a:schemeClr val="accent1"/>
+          </a:effectRef>
+          <a:fontRef idx="minor">
+            <a:schemeClr val="tx1"/>
+          </a:fontRef>
+        </p:style>
+      </p:cxnSp>
+      <p:cxnSp>
+        <p:nvCxnSpPr>
+          <p:cNvPr id="49" name="직선 연결선 48">
+            <a:extLst>
+              <a:ext uri="{FF2B5EF4-FFF2-40B4-BE49-F238E27FC236}">
+                <a16:creationId xmlns:a16="http://schemas.microsoft.com/office/drawing/2014/main" id="{F82A6AF7-8CC7-32B2-A956-CA2D6C4602B6}"/>
+              </a:ext>
+            </a:extLst>
+          </p:cNvPr>
+          <p:cNvCxnSpPr>
+            <a:cxnSpLocks/>
+            <a:stCxn id="32" idx="0"/>
+            <a:endCxn id="40" idx="2"/>
+          </p:cNvCxnSpPr>
+          <p:nvPr/>
+        </p:nvCxnSpPr>
+        <p:spPr>
+          <a:xfrm flipV="1">
+            <a:off x="6892153" y="1197691"/>
+            <a:ext cx="0" cy="398937"/>
+          </a:xfrm>
+          <a:prstGeom prst="line">
+            <a:avLst/>
+          </a:prstGeom>
+          <a:ln w="57150">
+            <a:solidFill>
+              <a:schemeClr val="tx1"/>
+            </a:solidFill>
+          </a:ln>
+        </p:spPr>
+        <p:style>
+          <a:lnRef idx="1">
+            <a:schemeClr val="accent1"/>
+          </a:lnRef>
+          <a:fillRef idx="0">
+            <a:schemeClr val="accent1"/>
+          </a:fillRef>
+          <a:effectRef idx="0">
+            <a:schemeClr val="accent1"/>
+          </a:effectRef>
+          <a:fontRef idx="minor">
+            <a:schemeClr val="tx1"/>
+          </a:fontRef>
+        </p:style>
+      </p:cxnSp>
+      <p:cxnSp>
+        <p:nvCxnSpPr>
+          <p:cNvPr id="54" name="직선 연결선 53">
+            <a:extLst>
+              <a:ext uri="{FF2B5EF4-FFF2-40B4-BE49-F238E27FC236}">
+                <a16:creationId xmlns:a16="http://schemas.microsoft.com/office/drawing/2014/main" id="{0DAA6FC1-51E7-46F3-2E1E-888E947CDCE1}"/>
+              </a:ext>
+            </a:extLst>
+          </p:cNvPr>
+          <p:cNvCxnSpPr>
+            <a:cxnSpLocks/>
+          </p:cNvCxnSpPr>
+          <p:nvPr/>
+        </p:nvCxnSpPr>
+        <p:spPr>
+          <a:xfrm flipV="1">
+            <a:off x="8772521" y="1217653"/>
+            <a:ext cx="0" cy="398937"/>
+          </a:xfrm>
+          <a:prstGeom prst="line">
+            <a:avLst/>
+          </a:prstGeom>
+          <a:ln w="57150">
+            <a:solidFill>
+              <a:schemeClr val="tx1"/>
+            </a:solidFill>
+          </a:ln>
+        </p:spPr>
+        <p:style>
+          <a:lnRef idx="1">
+            <a:schemeClr val="accent1"/>
+          </a:lnRef>
+          <a:fillRef idx="0">
+            <a:schemeClr val="accent1"/>
+          </a:fillRef>
+          <a:effectRef idx="0">
+            <a:schemeClr val="accent1"/>
+          </a:effectRef>
+          <a:fontRef idx="minor">
+            <a:schemeClr val="tx1"/>
+          </a:fontRef>
+        </p:style>
+      </p:cxnSp>
+      <p:cxnSp>
+        <p:nvCxnSpPr>
+          <p:cNvPr id="55" name="직선 연결선 54">
+            <a:extLst>
+              <a:ext uri="{FF2B5EF4-FFF2-40B4-BE49-F238E27FC236}">
+                <a16:creationId xmlns:a16="http://schemas.microsoft.com/office/drawing/2014/main" id="{AB84AF92-7DB4-AB55-201B-AA9CB7BF260B}"/>
+              </a:ext>
+            </a:extLst>
+          </p:cNvPr>
+          <p:cNvCxnSpPr>
+            <a:cxnSpLocks/>
+          </p:cNvCxnSpPr>
+          <p:nvPr/>
+        </p:nvCxnSpPr>
+        <p:spPr>
+          <a:xfrm flipV="1">
+            <a:off x="10845769" y="1217653"/>
+            <a:ext cx="0" cy="398937"/>
+          </a:xfrm>
+          <a:prstGeom prst="line">
+            <a:avLst/>
+          </a:prstGeom>
+          <a:ln w="57150">
+            <a:solidFill>
+              <a:schemeClr val="tx1"/>
+            </a:solidFill>
+          </a:ln>
+        </p:spPr>
+        <p:style>
+          <a:lnRef idx="1">
+            <a:schemeClr val="accent1"/>
+          </a:lnRef>
+          <a:fillRef idx="0">
+            <a:schemeClr val="accent1"/>
+          </a:fillRef>
+          <a:effectRef idx="0">
+            <a:schemeClr val="accent1"/>
+          </a:effectRef>
+          <a:fontRef idx="minor">
+            <a:schemeClr val="tx1"/>
+          </a:fontRef>
+        </p:style>
+      </p:cxnSp>
+      <p:cxnSp>
+        <p:nvCxnSpPr>
+          <p:cNvPr id="56" name="직선 화살표 연결선 55">
+            <a:extLst>
+              <a:ext uri="{FF2B5EF4-FFF2-40B4-BE49-F238E27FC236}">
+                <a16:creationId xmlns:a16="http://schemas.microsoft.com/office/drawing/2014/main" id="{C49A39F4-979A-1D5F-43E0-3B849A4A4028}"/>
+              </a:ext>
+            </a:extLst>
+          </p:cNvPr>
+          <p:cNvCxnSpPr>
+            <a:cxnSpLocks/>
+            <a:stCxn id="27" idx="0"/>
+            <a:endCxn id="10" idx="2"/>
+          </p:cNvCxnSpPr>
+          <p:nvPr/>
+        </p:nvCxnSpPr>
+        <p:spPr>
+          <a:xfrm flipV="1">
+            <a:off x="10833939" y="2853561"/>
+            <a:ext cx="0" cy="257280"/>
+          </a:xfrm>
+          <a:prstGeom prst="straightConnector1">
+            <a:avLst/>
+          </a:prstGeom>
+          <a:ln w="57150">
+            <a:solidFill>
+              <a:schemeClr val="tx1"/>
+            </a:solidFill>
+            <a:tailEnd type="triangle"/>
+          </a:ln>
+        </p:spPr>
+        <p:style>
+          <a:lnRef idx="1">
+            <a:schemeClr val="accent1"/>
+          </a:lnRef>
+          <a:fillRef idx="0">
+            <a:schemeClr val="accent1"/>
+          </a:fillRef>
+          <a:effectRef idx="0">
+            <a:schemeClr val="accent1"/>
+          </a:effectRef>
+          <a:fontRef idx="minor">
+            <a:schemeClr val="tx1"/>
+          </a:fontRef>
+        </p:style>
+      </p:cxnSp>
+      <p:cxnSp>
+        <p:nvCxnSpPr>
+          <p:cNvPr id="60" name="직선 화살표 연결선 59">
+            <a:extLst>
+              <a:ext uri="{FF2B5EF4-FFF2-40B4-BE49-F238E27FC236}">
+                <a16:creationId xmlns:a16="http://schemas.microsoft.com/office/drawing/2014/main" id="{3CF37004-86AE-C50E-78A3-DDB7EA0B2C09}"/>
+              </a:ext>
+            </a:extLst>
+          </p:cNvPr>
+          <p:cNvCxnSpPr>
+            <a:cxnSpLocks/>
+            <a:endCxn id="5" idx="0"/>
+          </p:cNvCxnSpPr>
+          <p:nvPr/>
+        </p:nvCxnSpPr>
+        <p:spPr>
+          <a:xfrm>
+            <a:off x="5504614" y="4084951"/>
+            <a:ext cx="1" cy="575878"/>
+          </a:xfrm>
+          <a:prstGeom prst="straightConnector1">
+            <a:avLst/>
+          </a:prstGeom>
+          <a:ln w="57150">
+            <a:solidFill>
+              <a:srgbClr val="00B0F0"/>
+            </a:solidFill>
+            <a:tailEnd type="triangle"/>
+          </a:ln>
+        </p:spPr>
+        <p:style>
+          <a:lnRef idx="1">
+            <a:schemeClr val="accent1"/>
+          </a:lnRef>
+          <a:fillRef idx="0">
+            <a:schemeClr val="accent1"/>
+          </a:fillRef>
+          <a:effectRef idx="0">
+            <a:schemeClr val="accent1"/>
+          </a:effectRef>
+          <a:fontRef idx="minor">
+            <a:schemeClr val="tx1"/>
+          </a:fontRef>
+        </p:style>
+      </p:cxnSp>
+      <p:cxnSp>
+        <p:nvCxnSpPr>
+          <p:cNvPr id="62" name="직선 화살표 연결선 61">
+            <a:extLst>
+              <a:ext uri="{FF2B5EF4-FFF2-40B4-BE49-F238E27FC236}">
+                <a16:creationId xmlns:a16="http://schemas.microsoft.com/office/drawing/2014/main" id="{AB2324DA-F0BF-7C6B-4F94-FCE6CA7E498F}"/>
+              </a:ext>
+            </a:extLst>
+          </p:cNvPr>
+          <p:cNvCxnSpPr>
+            <a:cxnSpLocks/>
+          </p:cNvCxnSpPr>
+          <p:nvPr/>
+        </p:nvCxnSpPr>
+        <p:spPr>
+          <a:xfrm>
+            <a:off x="2820524" y="4105904"/>
+            <a:ext cx="1" cy="575878"/>
+          </a:xfrm>
+          <a:prstGeom prst="straightConnector1">
+            <a:avLst/>
+          </a:prstGeom>
+          <a:ln w="57150">
+            <a:solidFill>
+              <a:srgbClr val="00B0F0"/>
+            </a:solidFill>
+            <a:tailEnd type="triangle"/>
+          </a:ln>
+        </p:spPr>
+        <p:style>
+          <a:lnRef idx="1">
+            <a:schemeClr val="accent1"/>
+          </a:lnRef>
+          <a:fillRef idx="0">
+            <a:schemeClr val="accent1"/>
+          </a:fillRef>
+          <a:effectRef idx="0">
+            <a:schemeClr val="accent1"/>
+          </a:effectRef>
+          <a:fontRef idx="minor">
+            <a:schemeClr val="tx1"/>
+          </a:fontRef>
+        </p:style>
+      </p:cxnSp>
+      <p:pic>
+        <p:nvPicPr>
+          <p:cNvPr id="1027" name="Picture 8" descr="Led PNG, 일러스트, PSD 및 클립 아트에 대한 무료 다운로드 | Pngtree">
+            <a:extLst>
+              <a:ext uri="{FF2B5EF4-FFF2-40B4-BE49-F238E27FC236}">
+                <a16:creationId xmlns:a16="http://schemas.microsoft.com/office/drawing/2014/main" id="{ABE45388-3C8D-9718-00A4-15D8DEA94C47}"/>
+              </a:ext>
+            </a:extLst>
+          </p:cNvPr>
+          <p:cNvPicPr>
+            <a:picLocks noChangeAspect="1" noChangeArrowheads="1"/>
+          </p:cNvPicPr>
+          <p:nvPr/>
+        </p:nvPicPr>
+        <p:blipFill>
+          <a:blip r:embed="rId9">
+            <a:extLst>
+              <a:ext uri="{28A0092B-C50C-407E-A947-70E740481C1C}">
+                <a14:useLocalDpi xmlns:a14="http://schemas.microsoft.com/office/drawing/2010/main" val="0"/>
+              </a:ext>
+            </a:extLst>
+          </a:blip>
+          <a:srcRect/>
+          <a:stretch>
+            <a:fillRect/>
+          </a:stretch>
+        </p:blipFill>
+        <p:spPr bwMode="auto">
+          <a:xfrm>
+            <a:off x="4424950" y="420967"/>
+            <a:ext cx="967176" cy="967176"/>
+          </a:xfrm>
+          <a:prstGeom prst="rect">
+            <a:avLst/>
+          </a:prstGeom>
+          <a:noFill/>
+          <a:extLst>
+            <a:ext uri="{909E8E84-426E-40DD-AFC4-6F175D3DCCD1}">
+              <a14:hiddenFill xmlns:a14="http://schemas.microsoft.com/office/drawing/2010/main">
+                <a:solidFill>
+                  <a:srgbClr val="FFFFFF"/>
+                </a:solidFill>
+              </a14:hiddenFill>
+            </a:ext>
+          </a:extLst>
+        </p:spPr>
+      </p:pic>
+      <p:sp>
+        <p:nvSpPr>
+          <p:cNvPr id="1029" name="직사각형 1028">
+            <a:extLst>
+              <a:ext uri="{FF2B5EF4-FFF2-40B4-BE49-F238E27FC236}">
+                <a16:creationId xmlns:a16="http://schemas.microsoft.com/office/drawing/2014/main" id="{38947E79-7BC0-6F05-572A-0AA389526D9D}"/>
+              </a:ext>
+            </a:extLst>
+          </p:cNvPr>
+          <p:cNvSpPr/>
+          <p:nvPr/>
+        </p:nvSpPr>
+        <p:spPr>
+          <a:xfrm>
+            <a:off x="4146177" y="1607354"/>
+            <a:ext cx="1594066" cy="1236971"/>
+          </a:xfrm>
+          <a:prstGeom prst="rect">
+            <a:avLst/>
+          </a:prstGeom>
+          <a:solidFill>
+            <a:schemeClr val="accent6">
+              <a:lumMod val="20000"/>
+              <a:lumOff val="80000"/>
+            </a:schemeClr>
+          </a:solidFill>
+          <a:ln w="28575">
+            <a:solidFill>
+              <a:schemeClr val="tx1"/>
+            </a:solidFill>
+          </a:ln>
+        </p:spPr>
+        <p:style>
+          <a:lnRef idx="2">
+            <a:schemeClr val="accent1">
+              <a:shade val="50000"/>
+            </a:schemeClr>
+          </a:lnRef>
+          <a:fillRef idx="1">
+            <a:schemeClr val="accent1"/>
+          </a:fillRef>
+          <a:effectRef idx="0">
+            <a:schemeClr val="accent1"/>
+          </a:effectRef>
+          <a:fontRef idx="minor">
+            <a:schemeClr val="lt1"/>
+          </a:fontRef>
+        </p:style>
+        <p:txBody>
+          <a:bodyPr rtlCol="0" anchor="ctr"/>
+          <a:lstStyle/>
+          <a:p>
+            <a:pPr algn="ctr"/>
+            <a:r>
+              <a:rPr lang="en-US" altLang="ko-KR" b="1">
+                <a:solidFill>
+                  <a:schemeClr val="tx1"/>
+                </a:solidFill>
+              </a:rPr>
+              <a:t>Level Shift</a:t>
+            </a:r>
+            <a:br>
+              <a:rPr lang="en-US" altLang="ko-KR" b="1">
+                <a:solidFill>
+                  <a:schemeClr val="tx1"/>
+                </a:solidFill>
+              </a:rPr>
+            </a:br>
+            <a:r>
+              <a:rPr lang="en-US" altLang="ko-KR" b="1">
+                <a:solidFill>
+                  <a:schemeClr val="tx1"/>
+                </a:solidFill>
+              </a:rPr>
+              <a:t>(FF)</a:t>
+            </a:r>
+            <a:endParaRPr lang="ko-KR" altLang="en-US" b="1">
+              <a:solidFill>
+                <a:schemeClr val="tx1"/>
+              </a:solidFill>
+            </a:endParaRPr>
+          </a:p>
+        </p:txBody>
+      </p:sp>
+      <p:cxnSp>
+        <p:nvCxnSpPr>
+          <p:cNvPr id="1030" name="직선 연결선 1029">
+            <a:extLst>
+              <a:ext uri="{FF2B5EF4-FFF2-40B4-BE49-F238E27FC236}">
+                <a16:creationId xmlns:a16="http://schemas.microsoft.com/office/drawing/2014/main" id="{27D13E17-8CEF-A19C-D544-F618C3AC43CD}"/>
+              </a:ext>
+            </a:extLst>
+          </p:cNvPr>
+          <p:cNvCxnSpPr>
+            <a:cxnSpLocks/>
+          </p:cNvCxnSpPr>
+          <p:nvPr/>
+        </p:nvCxnSpPr>
+        <p:spPr>
+          <a:xfrm flipV="1">
+            <a:off x="4933455" y="1217653"/>
+            <a:ext cx="0" cy="398937"/>
+          </a:xfrm>
+          <a:prstGeom prst="line">
+            <a:avLst/>
+          </a:prstGeom>
+          <a:ln w="57150">
+            <a:solidFill>
+              <a:schemeClr val="tx1"/>
+            </a:solidFill>
+          </a:ln>
+        </p:spPr>
+        <p:style>
+          <a:lnRef idx="1">
+            <a:schemeClr val="accent1"/>
+          </a:lnRef>
+          <a:fillRef idx="0">
+            <a:schemeClr val="accent1"/>
+          </a:fillRef>
+          <a:effectRef idx="0">
+            <a:schemeClr val="accent1"/>
+          </a:effectRef>
+          <a:fontRef idx="minor">
+            <a:schemeClr val="tx1"/>
+          </a:fontRef>
+        </p:style>
+      </p:cxnSp>
+      <p:sp>
+        <p:nvSpPr>
+          <p:cNvPr id="1031" name="TextBox 1030">
+            <a:extLst>
+              <a:ext uri="{FF2B5EF4-FFF2-40B4-BE49-F238E27FC236}">
+                <a16:creationId xmlns:a16="http://schemas.microsoft.com/office/drawing/2014/main" id="{28253194-94FB-FBFE-ABB8-8E703BE51DDE}"/>
+              </a:ext>
+            </a:extLst>
+          </p:cNvPr>
+          <p:cNvSpPr txBox="1"/>
+          <p:nvPr/>
+        </p:nvSpPr>
+        <p:spPr>
+          <a:xfrm>
+            <a:off x="4332001" y="5888814"/>
+            <a:ext cx="928844" cy="307777"/>
+          </a:xfrm>
+          <a:prstGeom prst="rect">
+            <a:avLst/>
+          </a:prstGeom>
+          <a:noFill/>
+        </p:spPr>
+        <p:txBody>
+          <a:bodyPr wrap="square" rtlCol="0">
+            <a:spAutoFit/>
+          </a:bodyPr>
+          <a:lstStyle/>
+          <a:p>
+            <a:r>
+              <a:rPr lang="en-US" altLang="ko-KR" sz="1400" b="1"/>
+              <a:t>Mode 1</a:t>
+            </a:r>
+            <a:endParaRPr lang="ko-KR" altLang="en-US" sz="1400" b="1"/>
+          </a:p>
+        </p:txBody>
+      </p:sp>
+      <p:sp>
+        <p:nvSpPr>
+          <p:cNvPr id="1032" name="TextBox 1031">
+            <a:extLst>
+              <a:ext uri="{FF2B5EF4-FFF2-40B4-BE49-F238E27FC236}">
+                <a16:creationId xmlns:a16="http://schemas.microsoft.com/office/drawing/2014/main" id="{D2B64DFF-315D-2931-64FF-BA203EFE7821}"/>
+              </a:ext>
+            </a:extLst>
+          </p:cNvPr>
+          <p:cNvSpPr txBox="1"/>
+          <p:nvPr/>
+        </p:nvSpPr>
+        <p:spPr>
+          <a:xfrm>
+            <a:off x="4311040" y="4836274"/>
+            <a:ext cx="928844" cy="307777"/>
+          </a:xfrm>
+          <a:prstGeom prst="rect">
+            <a:avLst/>
+          </a:prstGeom>
+          <a:noFill/>
+        </p:spPr>
+        <p:txBody>
+          <a:bodyPr wrap="square" rtlCol="0">
+            <a:spAutoFit/>
+          </a:bodyPr>
+          <a:lstStyle/>
+          <a:p>
+            <a:r>
+              <a:rPr lang="en-US" altLang="ko-KR" sz="1400" b="1"/>
+              <a:t>Mode 2</a:t>
+            </a:r>
+            <a:endParaRPr lang="ko-KR" altLang="en-US" sz="1400" b="1"/>
+          </a:p>
+        </p:txBody>
+      </p:sp>
+      <p:cxnSp>
+        <p:nvCxnSpPr>
+          <p:cNvPr id="1040" name="직선 화살표 연결선 1039">
+            <a:extLst>
+              <a:ext uri="{FF2B5EF4-FFF2-40B4-BE49-F238E27FC236}">
+                <a16:creationId xmlns:a16="http://schemas.microsoft.com/office/drawing/2014/main" id="{26948425-4327-F8EF-5C07-8D475E8AEB6D}"/>
+              </a:ext>
+            </a:extLst>
+          </p:cNvPr>
+          <p:cNvCxnSpPr>
+            <a:cxnSpLocks/>
+            <a:endCxn id="7" idx="2"/>
+          </p:cNvCxnSpPr>
+          <p:nvPr/>
+        </p:nvCxnSpPr>
+        <p:spPr>
+          <a:xfrm flipV="1">
+            <a:off x="8772522" y="2853561"/>
+            <a:ext cx="0" cy="266516"/>
+          </a:xfrm>
+          <a:prstGeom prst="straightConnector1">
+            <a:avLst/>
+          </a:prstGeom>
+          <a:ln w="57150">
+            <a:solidFill>
+              <a:srgbClr val="00B0F0"/>
+            </a:solidFill>
+            <a:tailEnd type="triangle"/>
+          </a:ln>
+        </p:spPr>
+        <p:style>
+          <a:lnRef idx="1">
+            <a:schemeClr val="accent1"/>
+          </a:lnRef>
+          <a:fillRef idx="0">
+            <a:schemeClr val="accent1"/>
+          </a:fillRef>
+          <a:effectRef idx="0">
+            <a:schemeClr val="accent1"/>
+          </a:effectRef>
+          <a:fontRef idx="minor">
+            <a:schemeClr val="tx1"/>
+          </a:fontRef>
+        </p:style>
+      </p:cxnSp>
+      <p:cxnSp>
+        <p:nvCxnSpPr>
+          <p:cNvPr id="1043" name="직선 화살표 연결선 1042">
+            <a:extLst>
+              <a:ext uri="{FF2B5EF4-FFF2-40B4-BE49-F238E27FC236}">
+                <a16:creationId xmlns:a16="http://schemas.microsoft.com/office/drawing/2014/main" id="{A7D17B39-C276-94DD-7114-A1D1F1E83546}"/>
+              </a:ext>
+            </a:extLst>
+          </p:cNvPr>
+          <p:cNvCxnSpPr>
+            <a:cxnSpLocks/>
+          </p:cNvCxnSpPr>
+          <p:nvPr/>
+        </p:nvCxnSpPr>
+        <p:spPr>
+          <a:xfrm flipV="1">
+            <a:off x="6892153" y="2853561"/>
+            <a:ext cx="0" cy="266516"/>
+          </a:xfrm>
+          <a:prstGeom prst="straightConnector1">
+            <a:avLst/>
+          </a:prstGeom>
+          <a:ln w="57150">
+            <a:solidFill>
+              <a:srgbClr val="00B0F0"/>
+            </a:solidFill>
+            <a:tailEnd type="triangle"/>
+          </a:ln>
+        </p:spPr>
+        <p:style>
+          <a:lnRef idx="1">
+            <a:schemeClr val="accent1"/>
+          </a:lnRef>
+          <a:fillRef idx="0">
+            <a:schemeClr val="accent1"/>
+          </a:fillRef>
+          <a:effectRef idx="0">
+            <a:schemeClr val="accent1"/>
+          </a:effectRef>
+          <a:fontRef idx="minor">
+            <a:schemeClr val="tx1"/>
+          </a:fontRef>
+        </p:style>
+      </p:cxnSp>
+      <p:cxnSp>
+        <p:nvCxnSpPr>
+          <p:cNvPr id="1044" name="직선 화살표 연결선 1043">
+            <a:extLst>
+              <a:ext uri="{FF2B5EF4-FFF2-40B4-BE49-F238E27FC236}">
+                <a16:creationId xmlns:a16="http://schemas.microsoft.com/office/drawing/2014/main" id="{312ABA58-93DD-71A9-B911-C92A0A29291E}"/>
+              </a:ext>
+            </a:extLst>
+          </p:cNvPr>
+          <p:cNvCxnSpPr>
+            <a:cxnSpLocks/>
+          </p:cNvCxnSpPr>
+          <p:nvPr/>
+        </p:nvCxnSpPr>
+        <p:spPr>
+          <a:xfrm flipV="1">
+            <a:off x="4933455" y="2853561"/>
+            <a:ext cx="0" cy="266516"/>
+          </a:xfrm>
+          <a:prstGeom prst="straightConnector1">
+            <a:avLst/>
+          </a:prstGeom>
+          <a:ln w="57150">
+            <a:solidFill>
+              <a:srgbClr val="00B0F0"/>
+            </a:solidFill>
+            <a:tailEnd type="triangle"/>
+          </a:ln>
+        </p:spPr>
+        <p:style>
+          <a:lnRef idx="1">
+            <a:schemeClr val="accent1"/>
+          </a:lnRef>
+          <a:fillRef idx="0">
+            <a:schemeClr val="accent1"/>
+          </a:fillRef>
+          <a:effectRef idx="0">
+            <a:schemeClr val="accent1"/>
+          </a:effectRef>
+          <a:fontRef idx="minor">
+            <a:schemeClr val="tx1"/>
+          </a:fontRef>
+        </p:style>
+      </p:cxnSp>
+      <p:cxnSp>
+        <p:nvCxnSpPr>
+          <p:cNvPr id="1047" name="연결선: 꺾임 1046">
+            <a:extLst>
+              <a:ext uri="{FF2B5EF4-FFF2-40B4-BE49-F238E27FC236}">
+                <a16:creationId xmlns:a16="http://schemas.microsoft.com/office/drawing/2014/main" id="{E18AA14E-6FDC-66D5-D07C-A22909EB2BF1}"/>
+              </a:ext>
+            </a:extLst>
+          </p:cNvPr>
+          <p:cNvCxnSpPr>
+            <a:stCxn id="3" idx="3"/>
+            <a:endCxn id="10" idx="1"/>
+          </p:cNvCxnSpPr>
+          <p:nvPr/>
+        </p:nvCxnSpPr>
+        <p:spPr>
+          <a:xfrm flipV="1">
+            <a:off x="9529878" y="2235076"/>
+            <a:ext cx="526338" cy="1368589"/>
+          </a:xfrm>
+          <a:prstGeom prst="bentConnector3">
+            <a:avLst/>
+          </a:prstGeom>
+          <a:ln w="57150">
+            <a:solidFill>
+              <a:srgbClr val="00B0F0"/>
+            </a:solidFill>
+            <a:tailEnd type="triangle"/>
+          </a:ln>
+        </p:spPr>
+        <p:style>
+          <a:lnRef idx="1">
+            <a:schemeClr val="accent1"/>
+          </a:lnRef>
+          <a:fillRef idx="0">
+            <a:schemeClr val="accent1"/>
+          </a:fillRef>
+          <a:effectRef idx="0">
+            <a:schemeClr val="accent1"/>
+          </a:effectRef>
+          <a:fontRef idx="minor">
+            <a:schemeClr val="tx1"/>
+          </a:fontRef>
+        </p:style>
+      </p:cxnSp>
+    </p:spTree>
+    <p:extLst>
+      <p:ext uri="{BB962C8B-B14F-4D97-AF65-F5344CB8AC3E}">
+        <p14:creationId xmlns:p14="http://schemas.microsoft.com/office/powerpoint/2010/main" val="3316251274"/>
+      </p:ext>
+    </p:extLst>
+  </p:cSld>
+  <p:clrMapOvr>
+    <a:masterClrMapping/>
+  </p:clrMapOvr>
+</p:sld>
+</file>
+
+<file path=ppt/slides/slide19.xml><?xml version="1.0" encoding="utf-8"?>
+<p:sld xmlns:a="http://schemas.openxmlformats.org/drawingml/2006/main" xmlns:r="http://schemas.openxmlformats.org/officeDocument/2006/relationships" xmlns:p="http://schemas.openxmlformats.org/presentationml/2006/main">
+  <p:cSld>
+    <p:spTree>
+      <p:nvGrpSpPr>
+        <p:cNvPr id="1" name=""/>
+        <p:cNvGrpSpPr/>
+        <p:nvPr/>
+      </p:nvGrpSpPr>
+      <p:grpSpPr>
+        <a:xfrm>
+          <a:off x="0" y="0"/>
+          <a:ext cx="0" cy="0"/>
+          <a:chOff x="0" y="0"/>
+          <a:chExt cx="0" cy="0"/>
+        </a:xfrm>
+      </p:grpSpPr>
+      <p:sp>
+        <p:nvSpPr>
+          <p:cNvPr id="2" name="직사각형 1">
+            <a:extLst>
+              <a:ext uri="{FF2B5EF4-FFF2-40B4-BE49-F238E27FC236}">
+                <a16:creationId xmlns:a16="http://schemas.microsoft.com/office/drawing/2014/main" id="{7BD87374-20D1-DDD9-9FA2-685C0D1E29D9}"/>
+              </a:ext>
+            </a:extLst>
+          </p:cNvPr>
+          <p:cNvSpPr/>
+          <p:nvPr/>
+        </p:nvSpPr>
+        <p:spPr>
+          <a:xfrm>
+            <a:off x="2373454" y="4701309"/>
+            <a:ext cx="850962" cy="2068946"/>
+          </a:xfrm>
+          <a:prstGeom prst="rect">
+            <a:avLst/>
+          </a:prstGeom>
+          <a:solidFill>
+            <a:schemeClr val="bg1"/>
+          </a:solidFill>
+          <a:ln w="28575">
+            <a:solidFill>
+              <a:schemeClr val="tx1"/>
+            </a:solidFill>
+          </a:ln>
+        </p:spPr>
+        <p:style>
+          <a:lnRef idx="2">
+            <a:schemeClr val="accent1">
+              <a:shade val="50000"/>
+            </a:schemeClr>
+          </a:lnRef>
+          <a:fillRef idx="1">
+            <a:schemeClr val="accent1"/>
+          </a:fillRef>
+          <a:effectRef idx="0">
+            <a:schemeClr val="accent1"/>
+          </a:effectRef>
+          <a:fontRef idx="minor">
+            <a:schemeClr val="lt1"/>
+          </a:fontRef>
+        </p:style>
+        <p:txBody>
+          <a:bodyPr rtlCol="0" anchor="ctr"/>
+          <a:lstStyle/>
+          <a:p>
+            <a:pPr algn="ctr"/>
+            <a:r>
+              <a:rPr lang="en-US" altLang="ko-KR" b="1">
+                <a:solidFill>
+                  <a:schemeClr val="tx1"/>
+                </a:solidFill>
+              </a:rPr>
+              <a:t>Mem</a:t>
+            </a:r>
+            <a:br>
+              <a:rPr lang="en-US" altLang="ko-KR" b="1">
+                <a:solidFill>
+                  <a:schemeClr val="tx1"/>
+                </a:solidFill>
+              </a:rPr>
+            </a:br>
+            <a:r>
+              <a:rPr lang="en-US" altLang="ko-KR" b="1">
+                <a:solidFill>
+                  <a:schemeClr val="tx1"/>
+                </a:solidFill>
+              </a:rPr>
+              <a:t>Ctr</a:t>
+            </a:r>
+            <a:endParaRPr lang="ko-KR" altLang="en-US" b="1">
+              <a:solidFill>
+                <a:schemeClr val="tx1"/>
+              </a:solidFill>
+            </a:endParaRPr>
+          </a:p>
+        </p:txBody>
+      </p:sp>
+      <p:sp>
+        <p:nvSpPr>
+          <p:cNvPr id="3" name="직사각형 2">
+            <a:extLst>
+              <a:ext uri="{FF2B5EF4-FFF2-40B4-BE49-F238E27FC236}">
+                <a16:creationId xmlns:a16="http://schemas.microsoft.com/office/drawing/2014/main" id="{6AA41DC9-71FA-DB5D-9D0F-365D1D0B4567}"/>
+              </a:ext>
+            </a:extLst>
+          </p:cNvPr>
+          <p:cNvSpPr/>
+          <p:nvPr/>
+        </p:nvSpPr>
+        <p:spPr>
+          <a:xfrm>
+            <a:off x="871893" y="3120077"/>
+            <a:ext cx="8710261" cy="967176"/>
+          </a:xfrm>
+          <a:prstGeom prst="rect">
+            <a:avLst/>
+          </a:prstGeom>
+          <a:solidFill>
+            <a:schemeClr val="bg1"/>
+          </a:solidFill>
+          <a:ln w="28575">
+            <a:solidFill>
+              <a:schemeClr val="tx1"/>
+            </a:solidFill>
+          </a:ln>
+        </p:spPr>
+        <p:style>
+          <a:lnRef idx="2">
+            <a:schemeClr val="accent1">
+              <a:shade val="50000"/>
+            </a:schemeClr>
+          </a:lnRef>
+          <a:fillRef idx="1">
+            <a:schemeClr val="accent1"/>
+          </a:fillRef>
+          <a:effectRef idx="0">
+            <a:schemeClr val="accent1"/>
+          </a:effectRef>
+          <a:fontRef idx="minor">
+            <a:schemeClr val="lt1"/>
+          </a:fontRef>
+        </p:style>
+        <p:txBody>
+          <a:bodyPr rtlCol="0" anchor="ctr"/>
+          <a:lstStyle/>
+          <a:p>
+            <a:pPr algn="ctr"/>
+            <a:r>
+              <a:rPr lang="en-US" altLang="ko-KR" b="1">
+                <a:solidFill>
+                  <a:schemeClr val="tx1"/>
+                </a:solidFill>
+              </a:rPr>
+              <a:t>Controller</a:t>
+            </a:r>
+            <a:endParaRPr lang="ko-KR" altLang="en-US" b="1">
+              <a:solidFill>
+                <a:schemeClr val="tx1"/>
+              </a:solidFill>
+            </a:endParaRPr>
+          </a:p>
+        </p:txBody>
+      </p:sp>
+      <p:sp>
+        <p:nvSpPr>
+          <p:cNvPr id="6" name="직사각형 5">
+            <a:extLst>
+              <a:ext uri="{FF2B5EF4-FFF2-40B4-BE49-F238E27FC236}">
+                <a16:creationId xmlns:a16="http://schemas.microsoft.com/office/drawing/2014/main" id="{149D3C44-0646-E60E-AB2B-BF284149FED0}"/>
+              </a:ext>
+            </a:extLst>
+          </p:cNvPr>
+          <p:cNvSpPr/>
+          <p:nvPr/>
+        </p:nvSpPr>
+        <p:spPr>
+          <a:xfrm>
+            <a:off x="10064484" y="4638758"/>
+            <a:ext cx="1041659" cy="2022556"/>
+          </a:xfrm>
+          <a:prstGeom prst="rect">
+            <a:avLst/>
+          </a:prstGeom>
+          <a:solidFill>
+            <a:schemeClr val="accent5">
+              <a:lumMod val="40000"/>
+              <a:lumOff val="60000"/>
+            </a:schemeClr>
+          </a:solidFill>
+          <a:ln w="28575">
+            <a:solidFill>
+              <a:schemeClr val="tx1"/>
+            </a:solidFill>
+          </a:ln>
+        </p:spPr>
+        <p:style>
+          <a:lnRef idx="2">
+            <a:schemeClr val="accent1">
+              <a:shade val="50000"/>
+            </a:schemeClr>
+          </a:lnRef>
+          <a:fillRef idx="1">
+            <a:schemeClr val="accent1"/>
+          </a:fillRef>
+          <a:effectRef idx="0">
+            <a:schemeClr val="accent1"/>
+          </a:effectRef>
+          <a:fontRef idx="minor">
+            <a:schemeClr val="lt1"/>
+          </a:fontRef>
+        </p:style>
+        <p:txBody>
+          <a:bodyPr rtlCol="0" anchor="ctr"/>
+          <a:lstStyle/>
+          <a:p>
+            <a:pPr algn="ctr"/>
+            <a:r>
+              <a:rPr lang="en-US" altLang="ko-KR" b="1">
+                <a:solidFill>
+                  <a:schemeClr val="tx1"/>
+                </a:solidFill>
+              </a:rPr>
+              <a:t>True Dual Port</a:t>
+            </a:r>
+            <a:br>
+              <a:rPr lang="en-US" altLang="ko-KR" b="1">
+                <a:solidFill>
+                  <a:schemeClr val="tx1"/>
+                </a:solidFill>
+              </a:rPr>
+            </a:br>
+            <a:r>
+              <a:rPr lang="en-US" altLang="ko-KR" b="1">
+                <a:solidFill>
+                  <a:schemeClr val="tx1"/>
+                </a:solidFill>
+              </a:rPr>
+              <a:t>BRAM</a:t>
+            </a:r>
+            <a:endParaRPr lang="ko-KR" altLang="en-US" b="1">
+              <a:solidFill>
+                <a:schemeClr val="tx1"/>
+              </a:solidFill>
+            </a:endParaRPr>
+          </a:p>
+        </p:txBody>
+      </p:sp>
+      <p:sp>
+        <p:nvSpPr>
+          <p:cNvPr id="7" name="직사각형 6">
+            <a:extLst>
+              <a:ext uri="{FF2B5EF4-FFF2-40B4-BE49-F238E27FC236}">
+                <a16:creationId xmlns:a16="http://schemas.microsoft.com/office/drawing/2014/main" id="{C0213533-8156-F859-4A08-C21067BC7E56}"/>
+              </a:ext>
+            </a:extLst>
+          </p:cNvPr>
+          <p:cNvSpPr/>
+          <p:nvPr/>
+        </p:nvSpPr>
+        <p:spPr>
+          <a:xfrm>
+            <a:off x="5955772" y="1609202"/>
+            <a:ext cx="1453395" cy="1236971"/>
+          </a:xfrm>
+          <a:prstGeom prst="rect">
+            <a:avLst/>
+          </a:prstGeom>
+          <a:solidFill>
+            <a:schemeClr val="accent6">
+              <a:lumMod val="20000"/>
+              <a:lumOff val="80000"/>
+            </a:schemeClr>
+          </a:solidFill>
+          <a:ln w="28575">
+            <a:solidFill>
+              <a:schemeClr val="tx1"/>
+            </a:solidFill>
+          </a:ln>
+        </p:spPr>
+        <p:style>
+          <a:lnRef idx="2">
+            <a:schemeClr val="accent1">
+              <a:shade val="50000"/>
+            </a:schemeClr>
+          </a:lnRef>
+          <a:fillRef idx="1">
+            <a:schemeClr val="accent1"/>
+          </a:fillRef>
+          <a:effectRef idx="0">
+            <a:schemeClr val="accent1"/>
+          </a:effectRef>
+          <a:fontRef idx="minor">
+            <a:schemeClr val="lt1"/>
+          </a:fontRef>
+        </p:style>
+        <p:txBody>
+          <a:bodyPr rtlCol="0" anchor="ctr"/>
+          <a:lstStyle/>
+          <a:p>
+            <a:pPr algn="ctr"/>
+            <a:r>
+              <a:rPr lang="en-US" altLang="ko-KR" b="1">
+                <a:solidFill>
+                  <a:schemeClr val="tx1"/>
+                </a:solidFill>
+              </a:rPr>
+              <a:t>Buzzer</a:t>
+            </a:r>
+            <a:br>
+              <a:rPr lang="en-US" altLang="ko-KR" b="1">
+                <a:solidFill>
+                  <a:schemeClr val="tx1"/>
+                </a:solidFill>
+              </a:rPr>
+            </a:br>
+            <a:r>
+              <a:rPr lang="en-US" altLang="ko-KR" b="1">
+                <a:solidFill>
+                  <a:schemeClr val="tx1"/>
+                </a:solidFill>
+              </a:rPr>
+              <a:t>Controller</a:t>
+            </a:r>
+            <a:endParaRPr lang="ko-KR" altLang="en-US" b="1">
+              <a:solidFill>
+                <a:schemeClr val="tx1"/>
+              </a:solidFill>
+            </a:endParaRPr>
+          </a:p>
+        </p:txBody>
+      </p:sp>
+      <p:sp>
+        <p:nvSpPr>
+          <p:cNvPr id="8" name="직사각형 7">
+            <a:extLst>
+              <a:ext uri="{FF2B5EF4-FFF2-40B4-BE49-F238E27FC236}">
+                <a16:creationId xmlns:a16="http://schemas.microsoft.com/office/drawing/2014/main" id="{221AB7E0-6BFA-3116-DCC4-D9FB7AF958E3}"/>
+              </a:ext>
+            </a:extLst>
+          </p:cNvPr>
+          <p:cNvSpPr/>
+          <p:nvPr/>
+        </p:nvSpPr>
+        <p:spPr>
+          <a:xfrm>
+            <a:off x="871893" y="4701309"/>
+            <a:ext cx="919962" cy="2068946"/>
+          </a:xfrm>
+          <a:prstGeom prst="rect">
+            <a:avLst/>
+          </a:prstGeom>
+          <a:solidFill>
+            <a:schemeClr val="accent5">
+              <a:lumMod val="40000"/>
+              <a:lumOff val="60000"/>
+            </a:schemeClr>
+          </a:solidFill>
+          <a:ln w="28575">
+            <a:solidFill>
+              <a:schemeClr val="tx1"/>
+            </a:solidFill>
+          </a:ln>
+        </p:spPr>
+        <p:style>
+          <a:lnRef idx="2">
+            <a:schemeClr val="accent1">
+              <a:shade val="50000"/>
+            </a:schemeClr>
+          </a:lnRef>
+          <a:fillRef idx="1">
+            <a:schemeClr val="accent1"/>
+          </a:fillRef>
+          <a:effectRef idx="0">
+            <a:schemeClr val="accent1"/>
+          </a:effectRef>
+          <a:fontRef idx="minor">
+            <a:schemeClr val="lt1"/>
+          </a:fontRef>
+        </p:style>
+        <p:txBody>
+          <a:bodyPr rtlCol="0" anchor="ctr"/>
+          <a:lstStyle/>
+          <a:p>
+            <a:pPr algn="ctr"/>
+            <a:r>
+              <a:rPr lang="en-US" altLang="ko-KR" b="1">
+                <a:solidFill>
+                  <a:schemeClr val="tx1"/>
+                </a:solidFill>
+              </a:rPr>
+              <a:t>Single Port</a:t>
+            </a:r>
+          </a:p>
+          <a:p>
+            <a:pPr algn="ctr"/>
+            <a:r>
+              <a:rPr lang="en-US" altLang="ko-KR" b="1">
+                <a:solidFill>
+                  <a:schemeClr val="tx1"/>
+                </a:solidFill>
+              </a:rPr>
+              <a:t>BRAM</a:t>
+            </a:r>
+            <a:endParaRPr lang="ko-KR" altLang="en-US" b="1">
+              <a:solidFill>
+                <a:schemeClr val="tx1"/>
+              </a:solidFill>
+            </a:endParaRPr>
+          </a:p>
+        </p:txBody>
+      </p:sp>
+      <p:sp>
+        <p:nvSpPr>
+          <p:cNvPr id="9" name="사다리꼴 8">
+            <a:extLst>
+              <a:ext uri="{FF2B5EF4-FFF2-40B4-BE49-F238E27FC236}">
+                <a16:creationId xmlns:a16="http://schemas.microsoft.com/office/drawing/2014/main" id="{FECF7180-5E37-C667-B4A3-9D05E6DA8844}"/>
+              </a:ext>
+            </a:extLst>
+          </p:cNvPr>
+          <p:cNvSpPr/>
+          <p:nvPr/>
+        </p:nvSpPr>
+        <p:spPr>
+          <a:xfrm rot="5400000">
+            <a:off x="6733245" y="5395128"/>
+            <a:ext cx="2068945" cy="556212"/>
+          </a:xfrm>
+          <a:prstGeom prst="trapezoid">
+            <a:avLst>
+              <a:gd name="adj" fmla="val 44149"/>
+            </a:avLst>
+          </a:prstGeom>
+        </p:spPr>
+        <p:style>
+          <a:lnRef idx="2">
+            <a:schemeClr val="accent1">
+              <a:shade val="50000"/>
+            </a:schemeClr>
+          </a:lnRef>
+          <a:fillRef idx="1">
+            <a:schemeClr val="accent1"/>
+          </a:fillRef>
+          <a:effectRef idx="0">
+            <a:schemeClr val="accent1"/>
+          </a:effectRef>
+          <a:fontRef idx="minor">
+            <a:schemeClr val="lt1"/>
+          </a:fontRef>
+        </p:style>
+        <p:txBody>
+          <a:bodyPr rtlCol="0" anchor="ctr"/>
+          <a:lstStyle/>
+          <a:p>
+            <a:pPr algn="ctr"/>
+            <a:endParaRPr lang="ko-KR" altLang="en-US"/>
+          </a:p>
+        </p:txBody>
+      </p:sp>
+      <p:sp>
+        <p:nvSpPr>
+          <p:cNvPr id="10" name="직사각형 9">
+            <a:extLst>
+              <a:ext uri="{FF2B5EF4-FFF2-40B4-BE49-F238E27FC236}">
+                <a16:creationId xmlns:a16="http://schemas.microsoft.com/office/drawing/2014/main" id="{978BF45C-F198-5437-50AA-84AB3B13C2DA}"/>
+              </a:ext>
+            </a:extLst>
+          </p:cNvPr>
+          <p:cNvSpPr/>
+          <p:nvPr/>
+        </p:nvSpPr>
+        <p:spPr>
+          <a:xfrm>
+            <a:off x="7966164" y="1609202"/>
+            <a:ext cx="1555446" cy="1236971"/>
+          </a:xfrm>
+          <a:prstGeom prst="rect">
+            <a:avLst/>
+          </a:prstGeom>
+          <a:solidFill>
+            <a:schemeClr val="accent6">
+              <a:lumMod val="20000"/>
+              <a:lumOff val="80000"/>
+            </a:schemeClr>
+          </a:solidFill>
+          <a:ln w="28575">
+            <a:solidFill>
+              <a:schemeClr val="tx1"/>
+            </a:solidFill>
+          </a:ln>
+        </p:spPr>
+        <p:style>
+          <a:lnRef idx="2">
+            <a:schemeClr val="accent1">
+              <a:shade val="50000"/>
+            </a:schemeClr>
+          </a:lnRef>
+          <a:fillRef idx="1">
+            <a:schemeClr val="accent1"/>
+          </a:fillRef>
+          <a:effectRef idx="0">
+            <a:schemeClr val="accent1"/>
+          </a:effectRef>
+          <a:fontRef idx="minor">
+            <a:schemeClr val="lt1"/>
+          </a:fontRef>
+        </p:style>
+        <p:txBody>
+          <a:bodyPr rtlCol="0" anchor="ctr"/>
+          <a:lstStyle/>
+          <a:p>
+            <a:pPr algn="ctr"/>
+            <a:r>
+              <a:rPr lang="en-US" altLang="ko-KR" b="1">
+                <a:solidFill>
+                  <a:schemeClr val="tx1"/>
+                </a:solidFill>
+              </a:rPr>
+              <a:t>VGA</a:t>
+            </a:r>
+            <a:br>
+              <a:rPr lang="en-US" altLang="ko-KR" b="1">
+                <a:solidFill>
+                  <a:schemeClr val="tx1"/>
+                </a:solidFill>
+              </a:rPr>
+            </a:br>
+            <a:r>
+              <a:rPr lang="en-US" altLang="ko-KR" b="1">
+                <a:solidFill>
+                  <a:schemeClr val="tx1"/>
+                </a:solidFill>
+              </a:rPr>
+              <a:t>Controller</a:t>
+            </a:r>
+            <a:endParaRPr lang="ko-KR" altLang="en-US" b="1">
+              <a:solidFill>
+                <a:schemeClr val="tx1"/>
+              </a:solidFill>
+            </a:endParaRPr>
+          </a:p>
+        </p:txBody>
+      </p:sp>
+      <p:cxnSp>
+        <p:nvCxnSpPr>
+          <p:cNvPr id="11" name="직선 화살표 연결선 10">
+            <a:extLst>
+              <a:ext uri="{FF2B5EF4-FFF2-40B4-BE49-F238E27FC236}">
+                <a16:creationId xmlns:a16="http://schemas.microsoft.com/office/drawing/2014/main" id="{FB1B1835-0524-D022-2A65-2730030E6E80}"/>
+              </a:ext>
+            </a:extLst>
+          </p:cNvPr>
+          <p:cNvCxnSpPr>
+            <a:cxnSpLocks/>
+          </p:cNvCxnSpPr>
+          <p:nvPr/>
+        </p:nvCxnSpPr>
+        <p:spPr>
+          <a:xfrm>
+            <a:off x="1791855" y="5661953"/>
+            <a:ext cx="591127" cy="0"/>
+          </a:xfrm>
+          <a:prstGeom prst="straightConnector1">
+            <a:avLst/>
+          </a:prstGeom>
+          <a:ln w="57150">
+            <a:solidFill>
+              <a:schemeClr val="tx1"/>
+            </a:solidFill>
+            <a:tailEnd type="triangle"/>
+          </a:ln>
+        </p:spPr>
+        <p:style>
+          <a:lnRef idx="1">
+            <a:schemeClr val="accent1"/>
+          </a:lnRef>
+          <a:fillRef idx="0">
+            <a:schemeClr val="accent1"/>
+          </a:fillRef>
+          <a:effectRef idx="0">
+            <a:schemeClr val="accent1"/>
+          </a:effectRef>
+          <a:fontRef idx="minor">
+            <a:schemeClr val="tx1"/>
+          </a:fontRef>
+        </p:style>
+      </p:cxnSp>
+      <p:cxnSp>
+        <p:nvCxnSpPr>
+          <p:cNvPr id="13" name="직선 화살표 연결선 12">
+            <a:extLst>
+              <a:ext uri="{FF2B5EF4-FFF2-40B4-BE49-F238E27FC236}">
+                <a16:creationId xmlns:a16="http://schemas.microsoft.com/office/drawing/2014/main" id="{5B46A205-72FD-C9D9-8A00-C88931F12E3D}"/>
+              </a:ext>
+            </a:extLst>
+          </p:cNvPr>
+          <p:cNvCxnSpPr>
+            <a:cxnSpLocks/>
+          </p:cNvCxnSpPr>
+          <p:nvPr/>
+        </p:nvCxnSpPr>
+        <p:spPr>
+          <a:xfrm>
+            <a:off x="3224416" y="5661953"/>
+            <a:ext cx="560667" cy="0"/>
+          </a:xfrm>
+          <a:prstGeom prst="straightConnector1">
+            <a:avLst/>
+          </a:prstGeom>
+          <a:ln w="57150">
+            <a:solidFill>
+              <a:schemeClr val="tx1"/>
+            </a:solidFill>
+            <a:tailEnd type="triangle"/>
+          </a:ln>
+        </p:spPr>
+        <p:style>
+          <a:lnRef idx="1">
+            <a:schemeClr val="accent1"/>
+          </a:lnRef>
+          <a:fillRef idx="0">
+            <a:schemeClr val="accent1"/>
+          </a:fillRef>
+          <a:effectRef idx="0">
+            <a:schemeClr val="accent1"/>
+          </a:effectRef>
+          <a:fontRef idx="minor">
+            <a:schemeClr val="tx1"/>
+          </a:fontRef>
+        </p:style>
+      </p:cxnSp>
+      <p:sp>
+        <p:nvSpPr>
+          <p:cNvPr id="16" name="사다리꼴 15">
+            <a:extLst>
+              <a:ext uri="{FF2B5EF4-FFF2-40B4-BE49-F238E27FC236}">
+                <a16:creationId xmlns:a16="http://schemas.microsoft.com/office/drawing/2014/main" id="{8204626A-2132-D574-21C5-FD8D9AF455DE}"/>
+              </a:ext>
+            </a:extLst>
+          </p:cNvPr>
+          <p:cNvSpPr/>
+          <p:nvPr/>
+        </p:nvSpPr>
+        <p:spPr>
+          <a:xfrm rot="16200000">
+            <a:off x="3028717" y="5395126"/>
+            <a:ext cx="2068945" cy="556212"/>
+          </a:xfrm>
+          <a:prstGeom prst="trapezoid">
+            <a:avLst>
+              <a:gd name="adj" fmla="val 44149"/>
+            </a:avLst>
+          </a:prstGeom>
+        </p:spPr>
+        <p:style>
+          <a:lnRef idx="2">
+            <a:schemeClr val="accent1">
+              <a:shade val="50000"/>
+            </a:schemeClr>
+          </a:lnRef>
+          <a:fillRef idx="1">
+            <a:schemeClr val="accent1"/>
+          </a:fillRef>
+          <a:effectRef idx="0">
+            <a:schemeClr val="accent1"/>
+          </a:effectRef>
+          <a:fontRef idx="minor">
+            <a:schemeClr val="lt1"/>
+          </a:fontRef>
+        </p:style>
+        <p:txBody>
+          <a:bodyPr rtlCol="0" anchor="ctr"/>
+          <a:lstStyle/>
+          <a:p>
+            <a:pPr algn="ctr"/>
+            <a:endParaRPr lang="ko-KR" altLang="en-US"/>
+          </a:p>
+        </p:txBody>
+      </p:sp>
+      <p:cxnSp>
+        <p:nvCxnSpPr>
+          <p:cNvPr id="20" name="직선 화살표 연결선 19">
+            <a:extLst>
+              <a:ext uri="{FF2B5EF4-FFF2-40B4-BE49-F238E27FC236}">
+                <a16:creationId xmlns:a16="http://schemas.microsoft.com/office/drawing/2014/main" id="{7AAB1FB1-73F8-0214-AF68-D9B4EBBF4017}"/>
+              </a:ext>
+            </a:extLst>
+          </p:cNvPr>
+          <p:cNvCxnSpPr>
+            <a:cxnSpLocks/>
+          </p:cNvCxnSpPr>
+          <p:nvPr/>
+        </p:nvCxnSpPr>
+        <p:spPr>
+          <a:xfrm>
+            <a:off x="4347041" y="5175094"/>
+            <a:ext cx="3142570" cy="0"/>
+          </a:xfrm>
+          <a:prstGeom prst="straightConnector1">
+            <a:avLst/>
+          </a:prstGeom>
+          <a:ln w="57150">
+            <a:solidFill>
+              <a:schemeClr val="tx1"/>
+            </a:solidFill>
+            <a:tailEnd type="triangle"/>
+          </a:ln>
+        </p:spPr>
+        <p:style>
+          <a:lnRef idx="1">
+            <a:schemeClr val="accent1"/>
+          </a:lnRef>
+          <a:fillRef idx="0">
+            <a:schemeClr val="accent1"/>
+          </a:fillRef>
+          <a:effectRef idx="0">
+            <a:schemeClr val="accent1"/>
+          </a:effectRef>
+          <a:fontRef idx="minor">
+            <a:schemeClr val="tx1"/>
+          </a:fontRef>
+        </p:style>
+      </p:cxnSp>
+      <p:cxnSp>
+        <p:nvCxnSpPr>
+          <p:cNvPr id="22" name="직선 화살표 연결선 21">
+            <a:extLst>
+              <a:ext uri="{FF2B5EF4-FFF2-40B4-BE49-F238E27FC236}">
+                <a16:creationId xmlns:a16="http://schemas.microsoft.com/office/drawing/2014/main" id="{2C798DED-AF70-91E2-612A-386634A074EE}"/>
+              </a:ext>
+            </a:extLst>
+          </p:cNvPr>
+          <p:cNvCxnSpPr>
+            <a:cxnSpLocks/>
+          </p:cNvCxnSpPr>
+          <p:nvPr/>
+        </p:nvCxnSpPr>
+        <p:spPr>
+          <a:xfrm>
+            <a:off x="4368649" y="6250404"/>
+            <a:ext cx="3142570" cy="0"/>
+          </a:xfrm>
+          <a:prstGeom prst="straightConnector1">
+            <a:avLst/>
+          </a:prstGeom>
+          <a:ln w="57150">
+            <a:solidFill>
+              <a:schemeClr val="tx1"/>
+            </a:solidFill>
+            <a:tailEnd type="triangle"/>
+          </a:ln>
+        </p:spPr>
+        <p:style>
+          <a:lnRef idx="1">
+            <a:schemeClr val="accent1"/>
+          </a:lnRef>
+          <a:fillRef idx="0">
+            <a:schemeClr val="accent1"/>
+          </a:fillRef>
+          <a:effectRef idx="0">
+            <a:schemeClr val="accent1"/>
+          </a:effectRef>
+          <a:fontRef idx="minor">
+            <a:schemeClr val="tx1"/>
+          </a:fontRef>
+        </p:style>
+      </p:cxnSp>
+      <p:sp>
+        <p:nvSpPr>
+          <p:cNvPr id="4" name="직사각형 3">
+            <a:extLst>
+              <a:ext uri="{FF2B5EF4-FFF2-40B4-BE49-F238E27FC236}">
+                <a16:creationId xmlns:a16="http://schemas.microsoft.com/office/drawing/2014/main" id="{9C92094C-2C81-D215-A171-05B3839332CE}"/>
+              </a:ext>
+            </a:extLst>
+          </p:cNvPr>
+          <p:cNvSpPr/>
+          <p:nvPr/>
+        </p:nvSpPr>
+        <p:spPr>
+          <a:xfrm>
+            <a:off x="6232382" y="4681782"/>
+            <a:ext cx="854565" cy="991629"/>
+          </a:xfrm>
+          <a:prstGeom prst="rect">
+            <a:avLst/>
+          </a:prstGeom>
+          <a:solidFill>
+            <a:srgbClr val="FF0000"/>
+          </a:solidFill>
+          <a:ln w="28575">
+            <a:solidFill>
+              <a:schemeClr val="tx1"/>
+            </a:solidFill>
+          </a:ln>
+        </p:spPr>
+        <p:style>
+          <a:lnRef idx="2">
+            <a:schemeClr val="accent1">
+              <a:shade val="50000"/>
+            </a:schemeClr>
+          </a:lnRef>
+          <a:fillRef idx="1">
+            <a:schemeClr val="accent1"/>
+          </a:fillRef>
+          <a:effectRef idx="0">
+            <a:schemeClr val="accent1"/>
+          </a:effectRef>
+          <a:fontRef idx="minor">
+            <a:schemeClr val="lt1"/>
+          </a:fontRef>
+        </p:style>
+        <p:txBody>
+          <a:bodyPr rtlCol="0" anchor="ctr"/>
+          <a:lstStyle/>
+          <a:p>
+            <a:pPr algn="ctr"/>
+            <a:r>
+              <a:rPr lang="en-US" altLang="ko-KR" b="1">
+                <a:solidFill>
+                  <a:schemeClr val="bg1"/>
+                </a:solidFill>
+              </a:rPr>
+              <a:t>CORE</a:t>
+            </a:r>
+            <a:endParaRPr lang="ko-KR" altLang="en-US" b="1">
+              <a:solidFill>
+                <a:schemeClr val="bg1"/>
+              </a:solidFill>
+            </a:endParaRPr>
+          </a:p>
+        </p:txBody>
+      </p:sp>
+      <p:sp>
+        <p:nvSpPr>
+          <p:cNvPr id="5" name="직사각형 4">
+            <a:extLst>
+              <a:ext uri="{FF2B5EF4-FFF2-40B4-BE49-F238E27FC236}">
+                <a16:creationId xmlns:a16="http://schemas.microsoft.com/office/drawing/2014/main" id="{A0940FAE-D52C-C89B-1537-72D7F47CA942}"/>
+              </a:ext>
+            </a:extLst>
+          </p:cNvPr>
+          <p:cNvSpPr/>
+          <p:nvPr/>
+        </p:nvSpPr>
+        <p:spPr>
+          <a:xfrm>
+            <a:off x="5127287" y="4660829"/>
+            <a:ext cx="754655" cy="991629"/>
+          </a:xfrm>
+          <a:prstGeom prst="rect">
+            <a:avLst/>
+          </a:prstGeom>
+          <a:solidFill>
+            <a:srgbClr val="FF0000"/>
+          </a:solidFill>
+          <a:ln w="28575">
+            <a:solidFill>
+              <a:schemeClr val="tx1"/>
+            </a:solidFill>
+          </a:ln>
+        </p:spPr>
+        <p:style>
+          <a:lnRef idx="2">
+            <a:schemeClr val="accent1">
+              <a:shade val="50000"/>
+            </a:schemeClr>
+          </a:lnRef>
+          <a:fillRef idx="1">
+            <a:schemeClr val="accent1"/>
+          </a:fillRef>
+          <a:effectRef idx="0">
+            <a:schemeClr val="accent1"/>
+          </a:effectRef>
+          <a:fontRef idx="minor">
+            <a:schemeClr val="lt1"/>
+          </a:fontRef>
+        </p:style>
+        <p:txBody>
+          <a:bodyPr rtlCol="0" anchor="ctr"/>
+          <a:lstStyle/>
+          <a:p>
+            <a:pPr algn="ctr"/>
+            <a:r>
+              <a:rPr lang="en-US" altLang="ko-KR" b="1">
+                <a:solidFill>
+                  <a:schemeClr val="bg1"/>
+                </a:solidFill>
+              </a:rPr>
+              <a:t>PRE</a:t>
+            </a:r>
+            <a:endParaRPr lang="ko-KR" altLang="en-US" b="1">
+              <a:solidFill>
+                <a:schemeClr val="bg1"/>
+              </a:solidFill>
+            </a:endParaRPr>
+          </a:p>
+        </p:txBody>
+      </p:sp>
+      <p:sp>
+        <p:nvSpPr>
+          <p:cNvPr id="23" name="직사각형 22">
+            <a:extLst>
+              <a:ext uri="{FF2B5EF4-FFF2-40B4-BE49-F238E27FC236}">
+                <a16:creationId xmlns:a16="http://schemas.microsoft.com/office/drawing/2014/main" id="{D9D5DD32-DDBD-5837-C8AD-198E787764D7}"/>
+              </a:ext>
+            </a:extLst>
+          </p:cNvPr>
+          <p:cNvSpPr/>
+          <p:nvPr/>
+        </p:nvSpPr>
+        <p:spPr>
+          <a:xfrm>
+            <a:off x="8488217" y="4638759"/>
+            <a:ext cx="1041661" cy="2022556"/>
+          </a:xfrm>
+          <a:prstGeom prst="rect">
+            <a:avLst/>
+          </a:prstGeom>
+          <a:solidFill>
+            <a:schemeClr val="bg1"/>
+          </a:solidFill>
+          <a:ln w="28575">
+            <a:solidFill>
+              <a:schemeClr val="tx1"/>
+            </a:solidFill>
+          </a:ln>
+        </p:spPr>
+        <p:style>
+          <a:lnRef idx="2">
+            <a:schemeClr val="accent1">
+              <a:shade val="50000"/>
+            </a:schemeClr>
+          </a:lnRef>
+          <a:fillRef idx="1">
+            <a:schemeClr val="accent1"/>
+          </a:fillRef>
+          <a:effectRef idx="0">
+            <a:schemeClr val="accent1"/>
+          </a:effectRef>
+          <a:fontRef idx="minor">
+            <a:schemeClr val="lt1"/>
+          </a:fontRef>
+        </p:style>
+        <p:txBody>
+          <a:bodyPr rtlCol="0" anchor="ctr"/>
+          <a:lstStyle/>
+          <a:p>
+            <a:pPr algn="ctr"/>
+            <a:r>
+              <a:rPr lang="en-US" altLang="ko-KR" b="1">
+                <a:solidFill>
+                  <a:schemeClr val="tx1"/>
+                </a:solidFill>
+              </a:rPr>
+              <a:t>Mem</a:t>
+            </a:r>
+            <a:br>
+              <a:rPr lang="en-US" altLang="ko-KR" b="1">
+                <a:solidFill>
+                  <a:schemeClr val="tx1"/>
+                </a:solidFill>
+              </a:rPr>
+            </a:br>
+            <a:r>
+              <a:rPr lang="en-US" altLang="ko-KR" b="1">
+                <a:solidFill>
+                  <a:schemeClr val="tx1"/>
+                </a:solidFill>
+              </a:rPr>
+              <a:t>Ctr A</a:t>
+            </a:r>
+            <a:endParaRPr lang="ko-KR" altLang="en-US" b="1">
+              <a:solidFill>
+                <a:schemeClr val="tx1"/>
+              </a:solidFill>
+            </a:endParaRPr>
+          </a:p>
+        </p:txBody>
+      </p:sp>
+      <p:cxnSp>
+        <p:nvCxnSpPr>
+          <p:cNvPr id="24" name="직선 화살표 연결선 23">
+            <a:extLst>
+              <a:ext uri="{FF2B5EF4-FFF2-40B4-BE49-F238E27FC236}">
+                <a16:creationId xmlns:a16="http://schemas.microsoft.com/office/drawing/2014/main" id="{CDD569F7-2E37-7F6C-684F-065689791C25}"/>
+              </a:ext>
+            </a:extLst>
+          </p:cNvPr>
+          <p:cNvCxnSpPr>
+            <a:cxnSpLocks/>
+          </p:cNvCxnSpPr>
+          <p:nvPr/>
+        </p:nvCxnSpPr>
+        <p:spPr>
+          <a:xfrm>
+            <a:off x="8045824" y="5602071"/>
+            <a:ext cx="442394" cy="0"/>
+          </a:xfrm>
+          <a:prstGeom prst="straightConnector1">
+            <a:avLst/>
+          </a:prstGeom>
+          <a:ln w="57150">
+            <a:solidFill>
+              <a:schemeClr val="tx1"/>
+            </a:solidFill>
+            <a:tailEnd type="triangle"/>
+          </a:ln>
+        </p:spPr>
+        <p:style>
+          <a:lnRef idx="1">
+            <a:schemeClr val="accent1"/>
+          </a:lnRef>
+          <a:fillRef idx="0">
+            <a:schemeClr val="accent1"/>
+          </a:fillRef>
+          <a:effectRef idx="0">
+            <a:schemeClr val="accent1"/>
+          </a:effectRef>
+          <a:fontRef idx="minor">
+            <a:schemeClr val="tx1"/>
+          </a:fontRef>
+        </p:style>
+      </p:cxnSp>
+      <p:cxnSp>
+        <p:nvCxnSpPr>
+          <p:cNvPr id="26" name="직선 화살표 연결선 25">
+            <a:extLst>
+              <a:ext uri="{FF2B5EF4-FFF2-40B4-BE49-F238E27FC236}">
+                <a16:creationId xmlns:a16="http://schemas.microsoft.com/office/drawing/2014/main" id="{FC6F7993-D701-046B-B4F4-CB08758EFB41}"/>
+              </a:ext>
+            </a:extLst>
+          </p:cNvPr>
+          <p:cNvCxnSpPr>
+            <a:cxnSpLocks/>
+          </p:cNvCxnSpPr>
+          <p:nvPr/>
+        </p:nvCxnSpPr>
+        <p:spPr>
+          <a:xfrm>
+            <a:off x="9529878" y="5673232"/>
+            <a:ext cx="534606" cy="0"/>
+          </a:xfrm>
+          <a:prstGeom prst="straightConnector1">
+            <a:avLst/>
+          </a:prstGeom>
+          <a:ln w="57150">
+            <a:solidFill>
+              <a:schemeClr val="tx1"/>
+            </a:solidFill>
+            <a:tailEnd type="triangle"/>
+          </a:ln>
+        </p:spPr>
+        <p:style>
+          <a:lnRef idx="1">
+            <a:schemeClr val="accent1"/>
+          </a:lnRef>
+          <a:fillRef idx="0">
+            <a:schemeClr val="accent1"/>
+          </a:fillRef>
+          <a:effectRef idx="0">
+            <a:schemeClr val="accent1"/>
+          </a:effectRef>
+          <a:fontRef idx="minor">
+            <a:schemeClr val="tx1"/>
+          </a:fontRef>
+        </p:style>
+      </p:cxnSp>
+      <p:sp>
+        <p:nvSpPr>
+          <p:cNvPr id="27" name="직사각형 26">
+            <a:extLst>
+              <a:ext uri="{FF2B5EF4-FFF2-40B4-BE49-F238E27FC236}">
+                <a16:creationId xmlns:a16="http://schemas.microsoft.com/office/drawing/2014/main" id="{F84BB462-E343-2DE8-0607-34A1267D4E7B}"/>
+              </a:ext>
+            </a:extLst>
+          </p:cNvPr>
+          <p:cNvSpPr/>
+          <p:nvPr/>
+        </p:nvSpPr>
+        <p:spPr>
+          <a:xfrm>
+            <a:off x="9984341" y="1609203"/>
+            <a:ext cx="1201943" cy="1236970"/>
+          </a:xfrm>
+          <a:prstGeom prst="rect">
+            <a:avLst/>
+          </a:prstGeom>
+          <a:solidFill>
+            <a:schemeClr val="bg1"/>
+          </a:solidFill>
+          <a:ln w="28575">
+            <a:solidFill>
+              <a:schemeClr val="tx1"/>
+            </a:solidFill>
+          </a:ln>
+        </p:spPr>
+        <p:style>
+          <a:lnRef idx="2">
+            <a:schemeClr val="accent1">
+              <a:shade val="50000"/>
+            </a:schemeClr>
+          </a:lnRef>
+          <a:fillRef idx="1">
+            <a:schemeClr val="accent1"/>
+          </a:fillRef>
+          <a:effectRef idx="0">
+            <a:schemeClr val="accent1"/>
+          </a:effectRef>
+          <a:fontRef idx="minor">
+            <a:schemeClr val="lt1"/>
+          </a:fontRef>
+        </p:style>
+        <p:txBody>
+          <a:bodyPr rtlCol="0" anchor="ctr"/>
+          <a:lstStyle/>
+          <a:p>
+            <a:pPr algn="ctr"/>
+            <a:r>
+              <a:rPr lang="en-US" altLang="ko-KR" b="1">
+                <a:solidFill>
+                  <a:schemeClr val="tx1"/>
+                </a:solidFill>
+              </a:rPr>
+              <a:t>Mem</a:t>
+            </a:r>
+            <a:br>
+              <a:rPr lang="en-US" altLang="ko-KR" b="1">
+                <a:solidFill>
+                  <a:schemeClr val="tx1"/>
+                </a:solidFill>
+              </a:rPr>
+            </a:br>
+            <a:r>
+              <a:rPr lang="en-US" altLang="ko-KR" b="1">
+                <a:solidFill>
+                  <a:schemeClr val="tx1"/>
+                </a:solidFill>
+              </a:rPr>
+              <a:t>Ctr B</a:t>
+            </a:r>
+            <a:endParaRPr lang="ko-KR" altLang="en-US" b="1">
+              <a:solidFill>
+                <a:schemeClr val="tx1"/>
+              </a:solidFill>
+            </a:endParaRPr>
+          </a:p>
+        </p:txBody>
+      </p:sp>
+      <p:cxnSp>
+        <p:nvCxnSpPr>
+          <p:cNvPr id="28" name="직선 화살표 연결선 27">
+            <a:extLst>
+              <a:ext uri="{FF2B5EF4-FFF2-40B4-BE49-F238E27FC236}">
+                <a16:creationId xmlns:a16="http://schemas.microsoft.com/office/drawing/2014/main" id="{9D4A2ABE-DEF4-A3E0-9F4B-7AFA4C438AC4}"/>
+              </a:ext>
+            </a:extLst>
+          </p:cNvPr>
+          <p:cNvCxnSpPr>
+            <a:cxnSpLocks/>
+            <a:stCxn id="6" idx="0"/>
+            <a:endCxn id="27" idx="2"/>
+          </p:cNvCxnSpPr>
+          <p:nvPr/>
+        </p:nvCxnSpPr>
+        <p:spPr>
+          <a:xfrm flipH="1" flipV="1">
+            <a:off x="10585313" y="2846173"/>
+            <a:ext cx="1" cy="1792585"/>
+          </a:xfrm>
+          <a:prstGeom prst="straightConnector1">
+            <a:avLst/>
+          </a:prstGeom>
+          <a:ln w="57150">
+            <a:solidFill>
+              <a:schemeClr val="tx1"/>
+            </a:solidFill>
+            <a:tailEnd type="triangle"/>
+          </a:ln>
+        </p:spPr>
+        <p:style>
+          <a:lnRef idx="1">
+            <a:schemeClr val="accent1"/>
+          </a:lnRef>
+          <a:fillRef idx="0">
+            <a:schemeClr val="accent1"/>
+          </a:fillRef>
+          <a:effectRef idx="0">
+            <a:schemeClr val="accent1"/>
+          </a:effectRef>
+          <a:fontRef idx="minor">
+            <a:schemeClr val="tx1"/>
+          </a:fontRef>
+        </p:style>
+      </p:cxnSp>
+      <p:sp>
+        <p:nvSpPr>
+          <p:cNvPr id="32" name="직사각형 31">
+            <a:extLst>
+              <a:ext uri="{FF2B5EF4-FFF2-40B4-BE49-F238E27FC236}">
+                <a16:creationId xmlns:a16="http://schemas.microsoft.com/office/drawing/2014/main" id="{C1879631-1929-31A9-3E2E-FF6093211532}"/>
+              </a:ext>
+            </a:extLst>
+          </p:cNvPr>
+          <p:cNvSpPr/>
+          <p:nvPr/>
+        </p:nvSpPr>
+        <p:spPr>
+          <a:xfrm>
+            <a:off x="4005068" y="1589240"/>
+            <a:ext cx="1594066" cy="1236971"/>
+          </a:xfrm>
+          <a:prstGeom prst="rect">
+            <a:avLst/>
+          </a:prstGeom>
+          <a:solidFill>
+            <a:schemeClr val="accent6">
+              <a:lumMod val="20000"/>
+              <a:lumOff val="80000"/>
+            </a:schemeClr>
+          </a:solidFill>
+          <a:ln w="28575">
+            <a:solidFill>
+              <a:schemeClr val="tx1"/>
+            </a:solidFill>
+          </a:ln>
+        </p:spPr>
+        <p:style>
+          <a:lnRef idx="2">
+            <a:schemeClr val="accent1">
+              <a:shade val="50000"/>
+            </a:schemeClr>
+          </a:lnRef>
+          <a:fillRef idx="1">
+            <a:schemeClr val="accent1"/>
+          </a:fillRef>
+          <a:effectRef idx="0">
+            <a:schemeClr val="accent1"/>
+          </a:effectRef>
+          <a:fontRef idx="minor">
+            <a:schemeClr val="lt1"/>
+          </a:fontRef>
+        </p:style>
+        <p:txBody>
+          <a:bodyPr rtlCol="0" anchor="ctr"/>
+          <a:lstStyle/>
+          <a:p>
+            <a:pPr algn="ctr"/>
+            <a:r>
+              <a:rPr lang="en-US" altLang="ko-KR" b="1">
+                <a:solidFill>
+                  <a:schemeClr val="tx1"/>
+                </a:solidFill>
+              </a:rPr>
+              <a:t>7-Segment</a:t>
+            </a:r>
+            <a:br>
+              <a:rPr lang="en-US" altLang="ko-KR" b="1">
+                <a:solidFill>
+                  <a:schemeClr val="tx1"/>
+                </a:solidFill>
+              </a:rPr>
+            </a:br>
+            <a:r>
+              <a:rPr lang="en-US" altLang="ko-KR" b="1">
+                <a:solidFill>
+                  <a:schemeClr val="tx1"/>
+                </a:solidFill>
+              </a:rPr>
+              <a:t>Controller</a:t>
+            </a:r>
+            <a:endParaRPr lang="ko-KR" altLang="en-US" b="1">
+              <a:solidFill>
+                <a:schemeClr val="tx1"/>
+              </a:solidFill>
+            </a:endParaRPr>
+          </a:p>
+        </p:txBody>
+      </p:sp>
+      <p:pic>
+        <p:nvPicPr>
+          <p:cNvPr id="36" name="그래픽 35" descr="이미지 단색으로 채워진">
+            <a:extLst>
+              <a:ext uri="{FF2B5EF4-FFF2-40B4-BE49-F238E27FC236}">
+                <a16:creationId xmlns:a16="http://schemas.microsoft.com/office/drawing/2014/main" id="{E0B015ED-5D0D-3E59-BF3E-57DF9FB69DAE}"/>
+              </a:ext>
+            </a:extLst>
+          </p:cNvPr>
+          <p:cNvPicPr>
+            <a:picLocks noChangeAspect="1"/>
+          </p:cNvPicPr>
+          <p:nvPr/>
+        </p:nvPicPr>
+        <p:blipFill>
+          <a:blip r:embed="rId2">
+            <a:extLst>
+              <a:ext uri="{28A0092B-C50C-407E-A947-70E740481C1C}">
+                <a14:useLocalDpi xmlns:a14="http://schemas.microsoft.com/office/drawing/2010/main" val="0"/>
+              </a:ext>
+              <a:ext uri="{96DAC541-7B7A-43D3-8B79-37D633B846F1}">
+                <asvg:svgBlip xmlns:asvg="http://schemas.microsoft.com/office/drawing/2016/SVG/main" r:embed="rId3"/>
+              </a:ext>
+            </a:extLst>
+          </a:blip>
+          <a:stretch>
+            <a:fillRect/>
+          </a:stretch>
+        </p:blipFill>
+        <p:spPr>
+          <a:xfrm>
+            <a:off x="955758" y="4646727"/>
+            <a:ext cx="785025" cy="785025"/>
+          </a:xfrm>
+          <a:prstGeom prst="rect">
+            <a:avLst/>
+          </a:prstGeom>
+        </p:spPr>
+      </p:pic>
+      <p:pic>
+        <p:nvPicPr>
+          <p:cNvPr id="38" name="그래픽 37" descr="모니터 단색으로 채워진">
+            <a:extLst>
+              <a:ext uri="{FF2B5EF4-FFF2-40B4-BE49-F238E27FC236}">
+                <a16:creationId xmlns:a16="http://schemas.microsoft.com/office/drawing/2014/main" id="{E37F3874-2E42-121C-3A7B-4E43C5B85A39}"/>
+              </a:ext>
+            </a:extLst>
+          </p:cNvPr>
+          <p:cNvPicPr>
+            <a:picLocks noChangeAspect="1"/>
+          </p:cNvPicPr>
+          <p:nvPr/>
+        </p:nvPicPr>
+        <p:blipFill>
+          <a:blip r:embed="rId4">
+            <a:extLst>
+              <a:ext uri="{28A0092B-C50C-407E-A947-70E740481C1C}">
+                <a14:useLocalDpi xmlns:a14="http://schemas.microsoft.com/office/drawing/2010/main" val="0"/>
+              </a:ext>
+              <a:ext uri="{96DAC541-7B7A-43D3-8B79-37D633B846F1}">
+                <asvg:svgBlip xmlns:asvg="http://schemas.microsoft.com/office/drawing/2016/SVG/main" r:embed="rId5"/>
+              </a:ext>
+            </a:extLst>
+          </a:blip>
+          <a:stretch>
+            <a:fillRect/>
+          </a:stretch>
+        </p:blipFill>
+        <p:spPr>
+          <a:xfrm>
+            <a:off x="7992628" y="138267"/>
+            <a:ext cx="1537250" cy="1537250"/>
+          </a:xfrm>
+          <a:prstGeom prst="rect">
+            <a:avLst/>
+          </a:prstGeom>
+        </p:spPr>
+      </p:pic>
+      <p:sp>
+        <p:nvSpPr>
+          <p:cNvPr id="39" name="TextBox 38">
+            <a:extLst>
+              <a:ext uri="{FF2B5EF4-FFF2-40B4-BE49-F238E27FC236}">
+                <a16:creationId xmlns:a16="http://schemas.microsoft.com/office/drawing/2014/main" id="{348C1F05-C7D5-6981-FEFE-6D78D8C6B62D}"/>
+              </a:ext>
+            </a:extLst>
+          </p:cNvPr>
+          <p:cNvSpPr txBox="1"/>
+          <p:nvPr/>
+        </p:nvSpPr>
+        <p:spPr>
+          <a:xfrm>
+            <a:off x="8091755" y="589076"/>
+            <a:ext cx="1320800" cy="461665"/>
+          </a:xfrm>
+          <a:prstGeom prst="rect">
+            <a:avLst/>
+          </a:prstGeom>
+          <a:noFill/>
+        </p:spPr>
+        <p:txBody>
+          <a:bodyPr wrap="square">
+            <a:spAutoFit/>
+          </a:bodyPr>
+          <a:lstStyle/>
+          <a:p>
+            <a:pPr algn="ctr"/>
+            <a:r>
+              <a:rPr lang="en-US" altLang="ko-KR" sz="2400" b="1">
+                <a:solidFill>
+                  <a:schemeClr val="tx1"/>
+                </a:solidFill>
+              </a:rPr>
+              <a:t>VGA</a:t>
+            </a:r>
+            <a:endParaRPr lang="ko-KR" altLang="en-US" sz="2400" b="1">
+              <a:solidFill>
+                <a:schemeClr val="tx1"/>
+              </a:solidFill>
+            </a:endParaRPr>
+          </a:p>
+        </p:txBody>
+      </p:sp>
+      <p:pic>
+        <p:nvPicPr>
+          <p:cNvPr id="40" name="Picture 6" descr="전자부품/전자공구/개발보드 전문쇼핑몰 - 툴파츠">
+            <a:extLst>
+              <a:ext uri="{FF2B5EF4-FFF2-40B4-BE49-F238E27FC236}">
+                <a16:creationId xmlns:a16="http://schemas.microsoft.com/office/drawing/2014/main" id="{0D83DA5C-4268-08D8-A623-1A4F25FEBE71}"/>
+              </a:ext>
+            </a:extLst>
+          </p:cNvPr>
+          <p:cNvPicPr>
+            <a:picLocks noChangeAspect="1" noChangeArrowheads="1"/>
+          </p:cNvPicPr>
+          <p:nvPr/>
+        </p:nvPicPr>
+        <p:blipFill rotWithShape="1">
+          <a:blip r:embed="rId6">
+            <a:extLst>
+              <a:ext uri="{28A0092B-C50C-407E-A947-70E740481C1C}">
+                <a14:useLocalDpi xmlns:a14="http://schemas.microsoft.com/office/drawing/2010/main" val="0"/>
+              </a:ext>
+            </a:extLst>
+          </a:blip>
+          <a:srcRect l="10106" t="29341" r="9894" b="31278"/>
+          <a:stretch/>
+        </p:blipFill>
+        <p:spPr bwMode="auto">
+          <a:xfrm>
+            <a:off x="4033476" y="623481"/>
+            <a:ext cx="1537250" cy="566822"/>
+          </a:xfrm>
+          <a:prstGeom prst="rect">
+            <a:avLst/>
+          </a:prstGeom>
+          <a:noFill/>
+          <a:extLst>
+            <a:ext uri="{909E8E84-426E-40DD-AFC4-6F175D3DCCD1}">
+              <a14:hiddenFill xmlns:a14="http://schemas.microsoft.com/office/drawing/2010/main">
+                <a:solidFill>
+                  <a:srgbClr val="FFFFFF"/>
+                </a:solidFill>
+              </a14:hiddenFill>
+            </a:ext>
+          </a:extLst>
+        </p:spPr>
+      </p:pic>
+      <p:pic>
+        <p:nvPicPr>
+          <p:cNvPr id="41" name="그래픽 40" descr="알람 울림 윤곽선">
+            <a:extLst>
+              <a:ext uri="{FF2B5EF4-FFF2-40B4-BE49-F238E27FC236}">
+                <a16:creationId xmlns:a16="http://schemas.microsoft.com/office/drawing/2014/main" id="{CCB9D99A-5F54-9F57-685B-9E2AB860930E}"/>
+              </a:ext>
+            </a:extLst>
+          </p:cNvPr>
+          <p:cNvPicPr>
+            <a:picLocks noChangeAspect="1"/>
+          </p:cNvPicPr>
+          <p:nvPr/>
+        </p:nvPicPr>
+        <p:blipFill>
+          <a:blip r:embed="rId7">
+            <a:extLst>
+              <a:ext uri="{28A0092B-C50C-407E-A947-70E740481C1C}">
+                <a14:useLocalDpi xmlns:a14="http://schemas.microsoft.com/office/drawing/2010/main" val="0"/>
+              </a:ext>
+              <a:ext uri="{96DAC541-7B7A-43D3-8B79-37D633B846F1}">
+                <asvg:svgBlip xmlns:asvg="http://schemas.microsoft.com/office/drawing/2016/SVG/main" r:embed="rId8"/>
+              </a:ext>
+            </a:extLst>
+          </a:blip>
+          <a:stretch>
+            <a:fillRect/>
+          </a:stretch>
+        </p:blipFill>
+        <p:spPr>
+          <a:xfrm>
+            <a:off x="6302128" y="503567"/>
+            <a:ext cx="787200" cy="787200"/>
+          </a:xfrm>
+          <a:prstGeom prst="rect">
+            <a:avLst/>
+          </a:prstGeom>
+        </p:spPr>
+      </p:pic>
+      <p:cxnSp>
+        <p:nvCxnSpPr>
+          <p:cNvPr id="43" name="직선 화살표 연결선 42">
+            <a:extLst>
+              <a:ext uri="{FF2B5EF4-FFF2-40B4-BE49-F238E27FC236}">
+                <a16:creationId xmlns:a16="http://schemas.microsoft.com/office/drawing/2014/main" id="{9545DFF6-CE2E-0D7A-0355-6388BE82ACCE}"/>
+              </a:ext>
+            </a:extLst>
+          </p:cNvPr>
+          <p:cNvCxnSpPr>
+            <a:cxnSpLocks/>
+            <a:endCxn id="16" idx="3"/>
+          </p:cNvCxnSpPr>
+          <p:nvPr/>
+        </p:nvCxnSpPr>
+        <p:spPr>
+          <a:xfrm>
+            <a:off x="4063189" y="4087253"/>
+            <a:ext cx="0" cy="674288"/>
+          </a:xfrm>
+          <a:prstGeom prst="straightConnector1">
+            <a:avLst/>
+          </a:prstGeom>
+          <a:ln w="57150">
+            <a:solidFill>
+              <a:srgbClr val="00B0F0"/>
+            </a:solidFill>
+            <a:tailEnd type="triangle"/>
+          </a:ln>
+        </p:spPr>
+        <p:style>
+          <a:lnRef idx="1">
+            <a:schemeClr val="accent1"/>
+          </a:lnRef>
+          <a:fillRef idx="0">
+            <a:schemeClr val="accent1"/>
+          </a:fillRef>
+          <a:effectRef idx="0">
+            <a:schemeClr val="accent1"/>
+          </a:effectRef>
+          <a:fontRef idx="minor">
+            <a:schemeClr val="tx1"/>
+          </a:fontRef>
+        </p:style>
+      </p:cxnSp>
+      <p:cxnSp>
+        <p:nvCxnSpPr>
+          <p:cNvPr id="46" name="직선 화살표 연결선 45">
+            <a:extLst>
+              <a:ext uri="{FF2B5EF4-FFF2-40B4-BE49-F238E27FC236}">
+                <a16:creationId xmlns:a16="http://schemas.microsoft.com/office/drawing/2014/main" id="{31E90587-F7CC-6AB9-8833-F29F884E1689}"/>
+              </a:ext>
+            </a:extLst>
+          </p:cNvPr>
+          <p:cNvCxnSpPr>
+            <a:cxnSpLocks/>
+          </p:cNvCxnSpPr>
+          <p:nvPr/>
+        </p:nvCxnSpPr>
+        <p:spPr>
+          <a:xfrm>
+            <a:off x="7822230" y="4105725"/>
+            <a:ext cx="0" cy="674288"/>
+          </a:xfrm>
+          <a:prstGeom prst="straightConnector1">
+            <a:avLst/>
+          </a:prstGeom>
+          <a:ln w="57150">
+            <a:solidFill>
+              <a:srgbClr val="00B0F0"/>
+            </a:solidFill>
+            <a:tailEnd type="triangle"/>
+          </a:ln>
+        </p:spPr>
+        <p:style>
+          <a:lnRef idx="1">
+            <a:schemeClr val="accent1"/>
+          </a:lnRef>
+          <a:fillRef idx="0">
+            <a:schemeClr val="accent1"/>
+          </a:fillRef>
+          <a:effectRef idx="0">
+            <a:schemeClr val="accent1"/>
+          </a:effectRef>
+          <a:fontRef idx="minor">
+            <a:schemeClr val="tx1"/>
+          </a:fontRef>
+        </p:style>
+      </p:cxnSp>
+      <p:cxnSp>
+        <p:nvCxnSpPr>
+          <p:cNvPr id="49" name="직선 연결선 48">
+            <a:extLst>
+              <a:ext uri="{FF2B5EF4-FFF2-40B4-BE49-F238E27FC236}">
+                <a16:creationId xmlns:a16="http://schemas.microsoft.com/office/drawing/2014/main" id="{F82A6AF7-8CC7-32B2-A956-CA2D6C4602B6}"/>
+              </a:ext>
+            </a:extLst>
+          </p:cNvPr>
+          <p:cNvCxnSpPr>
+            <a:cxnSpLocks/>
+            <a:stCxn id="32" idx="0"/>
+            <a:endCxn id="40" idx="2"/>
+          </p:cNvCxnSpPr>
+          <p:nvPr/>
+        </p:nvCxnSpPr>
+        <p:spPr>
+          <a:xfrm flipV="1">
+            <a:off x="4802101" y="1190303"/>
+            <a:ext cx="0" cy="398937"/>
+          </a:xfrm>
+          <a:prstGeom prst="line">
+            <a:avLst/>
+          </a:prstGeom>
+          <a:ln w="57150">
+            <a:solidFill>
+              <a:schemeClr val="tx1"/>
+            </a:solidFill>
+          </a:ln>
+        </p:spPr>
+        <p:style>
+          <a:lnRef idx="1">
+            <a:schemeClr val="accent1"/>
+          </a:lnRef>
+          <a:fillRef idx="0">
+            <a:schemeClr val="accent1"/>
+          </a:fillRef>
+          <a:effectRef idx="0">
+            <a:schemeClr val="accent1"/>
+          </a:effectRef>
+          <a:fontRef idx="minor">
+            <a:schemeClr val="tx1"/>
+          </a:fontRef>
+        </p:style>
+      </p:cxnSp>
+      <p:cxnSp>
+        <p:nvCxnSpPr>
+          <p:cNvPr id="54" name="직선 연결선 53">
+            <a:extLst>
+              <a:ext uri="{FF2B5EF4-FFF2-40B4-BE49-F238E27FC236}">
+                <a16:creationId xmlns:a16="http://schemas.microsoft.com/office/drawing/2014/main" id="{0DAA6FC1-51E7-46F3-2E1E-888E947CDCE1}"/>
+              </a:ext>
+            </a:extLst>
+          </p:cNvPr>
+          <p:cNvCxnSpPr>
+            <a:cxnSpLocks/>
+          </p:cNvCxnSpPr>
+          <p:nvPr/>
+        </p:nvCxnSpPr>
+        <p:spPr>
+          <a:xfrm flipV="1">
+            <a:off x="6682469" y="1210265"/>
+            <a:ext cx="0" cy="398937"/>
+          </a:xfrm>
+          <a:prstGeom prst="line">
+            <a:avLst/>
+          </a:prstGeom>
+          <a:ln w="57150">
+            <a:solidFill>
+              <a:schemeClr val="tx1"/>
+            </a:solidFill>
+          </a:ln>
+        </p:spPr>
+        <p:style>
+          <a:lnRef idx="1">
+            <a:schemeClr val="accent1"/>
+          </a:lnRef>
+          <a:fillRef idx="0">
+            <a:schemeClr val="accent1"/>
+          </a:fillRef>
+          <a:effectRef idx="0">
+            <a:schemeClr val="accent1"/>
+          </a:effectRef>
+          <a:fontRef idx="minor">
+            <a:schemeClr val="tx1"/>
+          </a:fontRef>
+        </p:style>
+      </p:cxnSp>
+      <p:cxnSp>
+        <p:nvCxnSpPr>
+          <p:cNvPr id="55" name="직선 연결선 54">
+            <a:extLst>
+              <a:ext uri="{FF2B5EF4-FFF2-40B4-BE49-F238E27FC236}">
+                <a16:creationId xmlns:a16="http://schemas.microsoft.com/office/drawing/2014/main" id="{AB84AF92-7DB4-AB55-201B-AA9CB7BF260B}"/>
+              </a:ext>
+            </a:extLst>
+          </p:cNvPr>
+          <p:cNvCxnSpPr>
+            <a:cxnSpLocks/>
+          </p:cNvCxnSpPr>
+          <p:nvPr/>
+        </p:nvCxnSpPr>
+        <p:spPr>
+          <a:xfrm flipV="1">
+            <a:off x="8755717" y="1210265"/>
+            <a:ext cx="0" cy="398937"/>
+          </a:xfrm>
+          <a:prstGeom prst="line">
+            <a:avLst/>
+          </a:prstGeom>
+          <a:ln w="57150">
+            <a:solidFill>
+              <a:schemeClr val="tx1"/>
+            </a:solidFill>
+          </a:ln>
+        </p:spPr>
+        <p:style>
+          <a:lnRef idx="1">
+            <a:schemeClr val="accent1"/>
+          </a:lnRef>
+          <a:fillRef idx="0">
+            <a:schemeClr val="accent1"/>
+          </a:fillRef>
+          <a:effectRef idx="0">
+            <a:schemeClr val="accent1"/>
+          </a:effectRef>
+          <a:fontRef idx="minor">
+            <a:schemeClr val="tx1"/>
+          </a:fontRef>
+        </p:style>
+      </p:cxnSp>
+      <p:cxnSp>
+        <p:nvCxnSpPr>
+          <p:cNvPr id="56" name="직선 화살표 연결선 55">
+            <a:extLst>
+              <a:ext uri="{FF2B5EF4-FFF2-40B4-BE49-F238E27FC236}">
+                <a16:creationId xmlns:a16="http://schemas.microsoft.com/office/drawing/2014/main" id="{C49A39F4-979A-1D5F-43E0-3B849A4A4028}"/>
+              </a:ext>
+            </a:extLst>
+          </p:cNvPr>
+          <p:cNvCxnSpPr>
+            <a:cxnSpLocks/>
+            <a:stCxn id="27" idx="1"/>
+            <a:endCxn id="10" idx="3"/>
+          </p:cNvCxnSpPr>
+          <p:nvPr/>
+        </p:nvCxnSpPr>
+        <p:spPr>
+          <a:xfrm flipH="1">
+            <a:off x="9521610" y="2227688"/>
+            <a:ext cx="462731" cy="0"/>
+          </a:xfrm>
+          <a:prstGeom prst="straightConnector1">
+            <a:avLst/>
+          </a:prstGeom>
+          <a:ln w="57150">
+            <a:solidFill>
+              <a:schemeClr val="tx1"/>
+            </a:solidFill>
+            <a:tailEnd type="triangle"/>
+          </a:ln>
+        </p:spPr>
+        <p:style>
+          <a:lnRef idx="1">
+            <a:schemeClr val="accent1"/>
+          </a:lnRef>
+          <a:fillRef idx="0">
+            <a:schemeClr val="accent1"/>
+          </a:fillRef>
+          <a:effectRef idx="0">
+            <a:schemeClr val="accent1"/>
+          </a:effectRef>
+          <a:fontRef idx="minor">
+            <a:schemeClr val="tx1"/>
+          </a:fontRef>
+        </p:style>
+      </p:cxnSp>
+      <p:cxnSp>
+        <p:nvCxnSpPr>
+          <p:cNvPr id="60" name="직선 화살표 연결선 59">
+            <a:extLst>
+              <a:ext uri="{FF2B5EF4-FFF2-40B4-BE49-F238E27FC236}">
+                <a16:creationId xmlns:a16="http://schemas.microsoft.com/office/drawing/2014/main" id="{3CF37004-86AE-C50E-78A3-DDB7EA0B2C09}"/>
+              </a:ext>
+            </a:extLst>
+          </p:cNvPr>
+          <p:cNvCxnSpPr>
+            <a:cxnSpLocks/>
+            <a:endCxn id="5" idx="0"/>
+          </p:cNvCxnSpPr>
+          <p:nvPr/>
+        </p:nvCxnSpPr>
+        <p:spPr>
+          <a:xfrm>
+            <a:off x="5504614" y="4084951"/>
+            <a:ext cx="1" cy="575878"/>
+          </a:xfrm>
+          <a:prstGeom prst="straightConnector1">
+            <a:avLst/>
+          </a:prstGeom>
+          <a:ln w="57150">
+            <a:solidFill>
+              <a:srgbClr val="00B0F0"/>
+            </a:solidFill>
+            <a:tailEnd type="triangle"/>
+          </a:ln>
+        </p:spPr>
+        <p:style>
+          <a:lnRef idx="1">
+            <a:schemeClr val="accent1"/>
+          </a:lnRef>
+          <a:fillRef idx="0">
+            <a:schemeClr val="accent1"/>
+          </a:fillRef>
+          <a:effectRef idx="0">
+            <a:schemeClr val="accent1"/>
+          </a:effectRef>
+          <a:fontRef idx="minor">
+            <a:schemeClr val="tx1"/>
+          </a:fontRef>
+        </p:style>
+      </p:cxnSp>
+      <p:cxnSp>
+        <p:nvCxnSpPr>
+          <p:cNvPr id="62" name="직선 화살표 연결선 61">
+            <a:extLst>
+              <a:ext uri="{FF2B5EF4-FFF2-40B4-BE49-F238E27FC236}">
+                <a16:creationId xmlns:a16="http://schemas.microsoft.com/office/drawing/2014/main" id="{AB2324DA-F0BF-7C6B-4F94-FCE6CA7E498F}"/>
+              </a:ext>
+            </a:extLst>
+          </p:cNvPr>
+          <p:cNvCxnSpPr>
+            <a:cxnSpLocks/>
+          </p:cNvCxnSpPr>
+          <p:nvPr/>
+        </p:nvCxnSpPr>
+        <p:spPr>
+          <a:xfrm>
+            <a:off x="2820524" y="4105904"/>
+            <a:ext cx="1" cy="575878"/>
+          </a:xfrm>
+          <a:prstGeom prst="straightConnector1">
+            <a:avLst/>
+          </a:prstGeom>
+          <a:ln w="57150">
+            <a:solidFill>
+              <a:srgbClr val="00B0F0"/>
+            </a:solidFill>
+            <a:tailEnd type="triangle"/>
+          </a:ln>
+        </p:spPr>
+        <p:style>
+          <a:lnRef idx="1">
+            <a:schemeClr val="accent1"/>
+          </a:lnRef>
+          <a:fillRef idx="0">
+            <a:schemeClr val="accent1"/>
+          </a:fillRef>
+          <a:effectRef idx="0">
+            <a:schemeClr val="accent1"/>
+          </a:effectRef>
+          <a:fontRef idx="minor">
+            <a:schemeClr val="tx1"/>
+          </a:fontRef>
+        </p:style>
+      </p:cxnSp>
+      <p:pic>
+        <p:nvPicPr>
+          <p:cNvPr id="1027" name="Picture 8" descr="Led PNG, 일러스트, PSD 및 클립 아트에 대한 무료 다운로드 | Pngtree">
+            <a:extLst>
+              <a:ext uri="{FF2B5EF4-FFF2-40B4-BE49-F238E27FC236}">
+                <a16:creationId xmlns:a16="http://schemas.microsoft.com/office/drawing/2014/main" id="{ABE45388-3C8D-9718-00A4-15D8DEA94C47}"/>
+              </a:ext>
+            </a:extLst>
+          </p:cNvPr>
+          <p:cNvPicPr>
+            <a:picLocks noChangeAspect="1" noChangeArrowheads="1"/>
+          </p:cNvPicPr>
+          <p:nvPr/>
+        </p:nvPicPr>
+        <p:blipFill>
+          <a:blip r:embed="rId9">
+            <a:extLst>
+              <a:ext uri="{28A0092B-C50C-407E-A947-70E740481C1C}">
+                <a14:useLocalDpi xmlns:a14="http://schemas.microsoft.com/office/drawing/2010/main" val="0"/>
+              </a:ext>
+            </a:extLst>
+          </a:blip>
+          <a:srcRect/>
+          <a:stretch>
+            <a:fillRect/>
+          </a:stretch>
+        </p:blipFill>
+        <p:spPr bwMode="auto">
+          <a:xfrm>
+            <a:off x="2334898" y="413579"/>
+            <a:ext cx="967176" cy="967176"/>
+          </a:xfrm>
+          <a:prstGeom prst="rect">
+            <a:avLst/>
+          </a:prstGeom>
+          <a:noFill/>
+          <a:extLst>
+            <a:ext uri="{909E8E84-426E-40DD-AFC4-6F175D3DCCD1}">
+              <a14:hiddenFill xmlns:a14="http://schemas.microsoft.com/office/drawing/2010/main">
+                <a:solidFill>
+                  <a:srgbClr val="FFFFFF"/>
+                </a:solidFill>
+              </a14:hiddenFill>
+            </a:ext>
+          </a:extLst>
+        </p:spPr>
+      </p:pic>
+      <p:sp>
+        <p:nvSpPr>
+          <p:cNvPr id="1029" name="직사각형 1028">
+            <a:extLst>
+              <a:ext uri="{FF2B5EF4-FFF2-40B4-BE49-F238E27FC236}">
+                <a16:creationId xmlns:a16="http://schemas.microsoft.com/office/drawing/2014/main" id="{38947E79-7BC0-6F05-572A-0AA389526D9D}"/>
+              </a:ext>
+            </a:extLst>
+          </p:cNvPr>
+          <p:cNvSpPr/>
+          <p:nvPr/>
+        </p:nvSpPr>
+        <p:spPr>
+          <a:xfrm>
+            <a:off x="2056125" y="1599966"/>
+            <a:ext cx="1594066" cy="1236971"/>
+          </a:xfrm>
+          <a:prstGeom prst="rect">
+            <a:avLst/>
+          </a:prstGeom>
+          <a:solidFill>
+            <a:schemeClr val="accent6">
+              <a:lumMod val="20000"/>
+              <a:lumOff val="80000"/>
+            </a:schemeClr>
+          </a:solidFill>
+          <a:ln w="28575">
+            <a:solidFill>
+              <a:schemeClr val="tx1"/>
+            </a:solidFill>
+          </a:ln>
+        </p:spPr>
+        <p:style>
+          <a:lnRef idx="2">
+            <a:schemeClr val="accent1">
+              <a:shade val="50000"/>
+            </a:schemeClr>
+          </a:lnRef>
+          <a:fillRef idx="1">
+            <a:schemeClr val="accent1"/>
+          </a:fillRef>
+          <a:effectRef idx="0">
+            <a:schemeClr val="accent1"/>
+          </a:effectRef>
+          <a:fontRef idx="minor">
+            <a:schemeClr val="lt1"/>
+          </a:fontRef>
+        </p:style>
+        <p:txBody>
+          <a:bodyPr rtlCol="0" anchor="ctr"/>
+          <a:lstStyle/>
+          <a:p>
+            <a:pPr algn="ctr"/>
+            <a:r>
+              <a:rPr lang="en-US" altLang="ko-KR" b="1">
+                <a:solidFill>
+                  <a:schemeClr val="tx1"/>
+                </a:solidFill>
+              </a:rPr>
+              <a:t>Level Shift</a:t>
+            </a:r>
+            <a:br>
+              <a:rPr lang="en-US" altLang="ko-KR" b="1">
+                <a:solidFill>
+                  <a:schemeClr val="tx1"/>
+                </a:solidFill>
+              </a:rPr>
+            </a:br>
+            <a:r>
+              <a:rPr lang="en-US" altLang="ko-KR" b="1">
+                <a:solidFill>
+                  <a:schemeClr val="tx1"/>
+                </a:solidFill>
+              </a:rPr>
+              <a:t>(FF)</a:t>
+            </a:r>
+            <a:endParaRPr lang="ko-KR" altLang="en-US" b="1">
+              <a:solidFill>
+                <a:schemeClr val="tx1"/>
+              </a:solidFill>
+            </a:endParaRPr>
+          </a:p>
+        </p:txBody>
+      </p:sp>
+      <p:cxnSp>
+        <p:nvCxnSpPr>
+          <p:cNvPr id="1030" name="직선 연결선 1029">
+            <a:extLst>
+              <a:ext uri="{FF2B5EF4-FFF2-40B4-BE49-F238E27FC236}">
+                <a16:creationId xmlns:a16="http://schemas.microsoft.com/office/drawing/2014/main" id="{27D13E17-8CEF-A19C-D544-F618C3AC43CD}"/>
+              </a:ext>
+            </a:extLst>
+          </p:cNvPr>
+          <p:cNvCxnSpPr>
+            <a:cxnSpLocks/>
+          </p:cNvCxnSpPr>
+          <p:nvPr/>
+        </p:nvCxnSpPr>
+        <p:spPr>
+          <a:xfrm flipV="1">
+            <a:off x="2843403" y="1210265"/>
+            <a:ext cx="0" cy="398937"/>
+          </a:xfrm>
+          <a:prstGeom prst="line">
+            <a:avLst/>
+          </a:prstGeom>
+          <a:ln w="57150">
+            <a:solidFill>
+              <a:schemeClr val="tx1"/>
+            </a:solidFill>
+          </a:ln>
+        </p:spPr>
+        <p:style>
+          <a:lnRef idx="1">
+            <a:schemeClr val="accent1"/>
+          </a:lnRef>
+          <a:fillRef idx="0">
+            <a:schemeClr val="accent1"/>
+          </a:fillRef>
+          <a:effectRef idx="0">
+            <a:schemeClr val="accent1"/>
+          </a:effectRef>
+          <a:fontRef idx="minor">
+            <a:schemeClr val="tx1"/>
+          </a:fontRef>
+        </p:style>
+      </p:cxnSp>
+      <p:sp>
+        <p:nvSpPr>
+          <p:cNvPr id="1031" name="TextBox 1030">
+            <a:extLst>
+              <a:ext uri="{FF2B5EF4-FFF2-40B4-BE49-F238E27FC236}">
+                <a16:creationId xmlns:a16="http://schemas.microsoft.com/office/drawing/2014/main" id="{28253194-94FB-FBFE-ABB8-8E703BE51DDE}"/>
+              </a:ext>
+            </a:extLst>
+          </p:cNvPr>
+          <p:cNvSpPr txBox="1"/>
+          <p:nvPr/>
+        </p:nvSpPr>
+        <p:spPr>
+          <a:xfrm>
+            <a:off x="4332001" y="5888814"/>
+            <a:ext cx="928844" cy="307777"/>
+          </a:xfrm>
+          <a:prstGeom prst="rect">
+            <a:avLst/>
+          </a:prstGeom>
+          <a:noFill/>
+        </p:spPr>
+        <p:txBody>
+          <a:bodyPr wrap="square" rtlCol="0">
+            <a:spAutoFit/>
+          </a:bodyPr>
+          <a:lstStyle/>
+          <a:p>
+            <a:r>
+              <a:rPr lang="en-US" altLang="ko-KR" sz="1400" b="1"/>
+              <a:t>Mode 1</a:t>
+            </a:r>
+            <a:endParaRPr lang="ko-KR" altLang="en-US" sz="1400" b="1"/>
+          </a:p>
+        </p:txBody>
+      </p:sp>
+      <p:sp>
+        <p:nvSpPr>
+          <p:cNvPr id="1032" name="TextBox 1031">
+            <a:extLst>
+              <a:ext uri="{FF2B5EF4-FFF2-40B4-BE49-F238E27FC236}">
+                <a16:creationId xmlns:a16="http://schemas.microsoft.com/office/drawing/2014/main" id="{D2B64DFF-315D-2931-64FF-BA203EFE7821}"/>
+              </a:ext>
+            </a:extLst>
+          </p:cNvPr>
+          <p:cNvSpPr txBox="1"/>
+          <p:nvPr/>
+        </p:nvSpPr>
+        <p:spPr>
+          <a:xfrm>
+            <a:off x="4311040" y="4836274"/>
+            <a:ext cx="928844" cy="307777"/>
+          </a:xfrm>
+          <a:prstGeom prst="rect">
+            <a:avLst/>
+          </a:prstGeom>
+          <a:noFill/>
+        </p:spPr>
+        <p:txBody>
+          <a:bodyPr wrap="square" rtlCol="0">
+            <a:spAutoFit/>
+          </a:bodyPr>
+          <a:lstStyle/>
+          <a:p>
+            <a:r>
+              <a:rPr lang="en-US" altLang="ko-KR" sz="1400" b="1"/>
+              <a:t>Mode 2</a:t>
+            </a:r>
+            <a:endParaRPr lang="ko-KR" altLang="en-US" sz="1400" b="1"/>
+          </a:p>
+        </p:txBody>
+      </p:sp>
+      <p:cxnSp>
+        <p:nvCxnSpPr>
+          <p:cNvPr id="1040" name="직선 화살표 연결선 1039">
+            <a:extLst>
+              <a:ext uri="{FF2B5EF4-FFF2-40B4-BE49-F238E27FC236}">
+                <a16:creationId xmlns:a16="http://schemas.microsoft.com/office/drawing/2014/main" id="{26948425-4327-F8EF-5C07-8D475E8AEB6D}"/>
+              </a:ext>
+            </a:extLst>
+          </p:cNvPr>
+          <p:cNvCxnSpPr>
+            <a:cxnSpLocks/>
+            <a:endCxn id="7" idx="2"/>
+          </p:cNvCxnSpPr>
+          <p:nvPr/>
+        </p:nvCxnSpPr>
+        <p:spPr>
+          <a:xfrm flipV="1">
+            <a:off x="6682470" y="2846173"/>
+            <a:ext cx="0" cy="266516"/>
+          </a:xfrm>
+          <a:prstGeom prst="straightConnector1">
+            <a:avLst/>
+          </a:prstGeom>
+          <a:ln w="57150">
+            <a:solidFill>
+              <a:srgbClr val="00B0F0"/>
+            </a:solidFill>
+            <a:tailEnd type="triangle"/>
+          </a:ln>
+        </p:spPr>
+        <p:style>
+          <a:lnRef idx="1">
+            <a:schemeClr val="accent1"/>
+          </a:lnRef>
+          <a:fillRef idx="0">
+            <a:schemeClr val="accent1"/>
+          </a:fillRef>
+          <a:effectRef idx="0">
+            <a:schemeClr val="accent1"/>
+          </a:effectRef>
+          <a:fontRef idx="minor">
+            <a:schemeClr val="tx1"/>
+          </a:fontRef>
+        </p:style>
+      </p:cxnSp>
+      <p:cxnSp>
+        <p:nvCxnSpPr>
+          <p:cNvPr id="1043" name="직선 화살표 연결선 1042">
+            <a:extLst>
+              <a:ext uri="{FF2B5EF4-FFF2-40B4-BE49-F238E27FC236}">
+                <a16:creationId xmlns:a16="http://schemas.microsoft.com/office/drawing/2014/main" id="{A7D17B39-C276-94DD-7114-A1D1F1E83546}"/>
+              </a:ext>
+            </a:extLst>
+          </p:cNvPr>
+          <p:cNvCxnSpPr>
+            <a:cxnSpLocks/>
+          </p:cNvCxnSpPr>
+          <p:nvPr/>
+        </p:nvCxnSpPr>
+        <p:spPr>
+          <a:xfrm flipV="1">
+            <a:off x="4802101" y="2846173"/>
+            <a:ext cx="0" cy="266516"/>
+          </a:xfrm>
+          <a:prstGeom prst="straightConnector1">
+            <a:avLst/>
+          </a:prstGeom>
+          <a:ln w="57150">
+            <a:solidFill>
+              <a:srgbClr val="00B0F0"/>
+            </a:solidFill>
+            <a:tailEnd type="triangle"/>
+          </a:ln>
+        </p:spPr>
+        <p:style>
+          <a:lnRef idx="1">
+            <a:schemeClr val="accent1"/>
+          </a:lnRef>
+          <a:fillRef idx="0">
+            <a:schemeClr val="accent1"/>
+          </a:fillRef>
+          <a:effectRef idx="0">
+            <a:schemeClr val="accent1"/>
+          </a:effectRef>
+          <a:fontRef idx="minor">
+            <a:schemeClr val="tx1"/>
+          </a:fontRef>
+        </p:style>
+      </p:cxnSp>
+      <p:cxnSp>
+        <p:nvCxnSpPr>
+          <p:cNvPr id="1044" name="직선 화살표 연결선 1043">
+            <a:extLst>
+              <a:ext uri="{FF2B5EF4-FFF2-40B4-BE49-F238E27FC236}">
+                <a16:creationId xmlns:a16="http://schemas.microsoft.com/office/drawing/2014/main" id="{312ABA58-93DD-71A9-B911-C92A0A29291E}"/>
+              </a:ext>
+            </a:extLst>
+          </p:cNvPr>
+          <p:cNvCxnSpPr>
+            <a:cxnSpLocks/>
+          </p:cNvCxnSpPr>
+          <p:nvPr/>
+        </p:nvCxnSpPr>
+        <p:spPr>
+          <a:xfrm flipV="1">
+            <a:off x="2843403" y="2846173"/>
+            <a:ext cx="0" cy="266516"/>
+          </a:xfrm>
+          <a:prstGeom prst="straightConnector1">
+            <a:avLst/>
+          </a:prstGeom>
+          <a:ln w="57150">
+            <a:solidFill>
+              <a:srgbClr val="00B0F0"/>
+            </a:solidFill>
+            <a:tailEnd type="triangle"/>
+          </a:ln>
+        </p:spPr>
+        <p:style>
+          <a:lnRef idx="1">
+            <a:schemeClr val="accent1"/>
+          </a:lnRef>
+          <a:fillRef idx="0">
+            <a:schemeClr val="accent1"/>
+          </a:fillRef>
+          <a:effectRef idx="0">
+            <a:schemeClr val="accent1"/>
+          </a:effectRef>
+          <a:fontRef idx="minor">
+            <a:schemeClr val="tx1"/>
+          </a:fontRef>
+        </p:style>
+      </p:cxnSp>
+      <p:cxnSp>
+        <p:nvCxnSpPr>
+          <p:cNvPr id="1047" name="연결선: 꺾임 1046">
+            <a:extLst>
+              <a:ext uri="{FF2B5EF4-FFF2-40B4-BE49-F238E27FC236}">
+                <a16:creationId xmlns:a16="http://schemas.microsoft.com/office/drawing/2014/main" id="{E18AA14E-6FDC-66D5-D07C-A22909EB2BF1}"/>
+              </a:ext>
+            </a:extLst>
+          </p:cNvPr>
+          <p:cNvCxnSpPr>
+            <a:cxnSpLocks/>
+            <a:endCxn id="10" idx="2"/>
+          </p:cNvCxnSpPr>
+          <p:nvPr/>
+        </p:nvCxnSpPr>
+        <p:spPr>
+          <a:xfrm rot="16200000" flipV="1">
+            <a:off x="8602870" y="2987190"/>
+            <a:ext cx="293866" cy="11832"/>
+          </a:xfrm>
+          <a:prstGeom prst="bentConnector3">
+            <a:avLst>
+              <a:gd name="adj1" fmla="val 50000"/>
+            </a:avLst>
+          </a:prstGeom>
+          <a:ln w="57150">
+            <a:solidFill>
+              <a:srgbClr val="00B0F0"/>
+            </a:solidFill>
+            <a:tailEnd type="triangle"/>
+          </a:ln>
+        </p:spPr>
+        <p:style>
+          <a:lnRef idx="1">
+            <a:schemeClr val="accent1"/>
+          </a:lnRef>
+          <a:fillRef idx="0">
+            <a:schemeClr val="accent1"/>
+          </a:fillRef>
+          <a:effectRef idx="0">
+            <a:schemeClr val="accent1"/>
+          </a:effectRef>
+          <a:fontRef idx="minor">
+            <a:schemeClr val="tx1"/>
+          </a:fontRef>
+        </p:style>
+      </p:cxnSp>
+      <p:cxnSp>
+        <p:nvCxnSpPr>
+          <p:cNvPr id="50" name="직선 화살표 연결선 49">
+            <a:extLst>
+              <a:ext uri="{FF2B5EF4-FFF2-40B4-BE49-F238E27FC236}">
+                <a16:creationId xmlns:a16="http://schemas.microsoft.com/office/drawing/2014/main" id="{4D08E847-EA9B-4EB8-3FDA-6506240FDE37}"/>
+              </a:ext>
+            </a:extLst>
+          </p:cNvPr>
+          <p:cNvCxnSpPr>
+            <a:cxnSpLocks/>
+          </p:cNvCxnSpPr>
+          <p:nvPr/>
+        </p:nvCxnSpPr>
+        <p:spPr>
+          <a:xfrm>
+            <a:off x="1348270" y="1290767"/>
+            <a:ext cx="0" cy="1821922"/>
+          </a:xfrm>
+          <a:prstGeom prst="straightConnector1">
+            <a:avLst/>
+          </a:prstGeom>
+          <a:ln w="57150">
+            <a:solidFill>
+              <a:srgbClr val="00B0F0"/>
+            </a:solidFill>
+            <a:tailEnd type="triangle"/>
+          </a:ln>
+        </p:spPr>
+        <p:style>
+          <a:lnRef idx="1">
+            <a:schemeClr val="accent1"/>
+          </a:lnRef>
+          <a:fillRef idx="0">
+            <a:schemeClr val="accent1"/>
+          </a:fillRef>
+          <a:effectRef idx="0">
+            <a:schemeClr val="accent1"/>
+          </a:effectRef>
+          <a:fontRef idx="minor">
+            <a:schemeClr val="tx1"/>
+          </a:fontRef>
+        </p:style>
+      </p:cxnSp>
+      <p:sp>
+        <p:nvSpPr>
+          <p:cNvPr id="51" name="TextBox 50">
+            <a:extLst>
+              <a:ext uri="{FF2B5EF4-FFF2-40B4-BE49-F238E27FC236}">
+                <a16:creationId xmlns:a16="http://schemas.microsoft.com/office/drawing/2014/main" id="{CCB0E715-2A61-90F3-2AA2-F8C315EACE95}"/>
+              </a:ext>
+            </a:extLst>
+          </p:cNvPr>
+          <p:cNvSpPr txBox="1"/>
+          <p:nvPr/>
+        </p:nvSpPr>
+        <p:spPr>
+          <a:xfrm>
+            <a:off x="852886" y="810975"/>
+            <a:ext cx="1050333" cy="400110"/>
+          </a:xfrm>
+          <a:prstGeom prst="rect">
+            <a:avLst/>
+          </a:prstGeom>
+          <a:noFill/>
+        </p:spPr>
+        <p:txBody>
+          <a:bodyPr wrap="square" rtlCol="0">
+            <a:spAutoFit/>
+          </a:bodyPr>
+          <a:lstStyle/>
+          <a:p>
+            <a:r>
+              <a:rPr lang="en-US" altLang="ko-KR" sz="2000" b="1"/>
+              <a:t>Switch</a:t>
+            </a:r>
+            <a:endParaRPr lang="ko-KR" altLang="en-US" sz="2000" b="1"/>
+          </a:p>
+        </p:txBody>
+      </p:sp>
+      <p:pic>
+        <p:nvPicPr>
+          <p:cNvPr id="57" name="그림 56">
+            <a:extLst>
+              <a:ext uri="{FF2B5EF4-FFF2-40B4-BE49-F238E27FC236}">
+                <a16:creationId xmlns:a16="http://schemas.microsoft.com/office/drawing/2014/main" id="{33ECDD3F-D70A-9164-296E-722FB6928FF7}"/>
+              </a:ext>
+            </a:extLst>
+          </p:cNvPr>
+          <p:cNvPicPr>
+            <a:picLocks noChangeAspect="1"/>
+          </p:cNvPicPr>
+          <p:nvPr/>
+        </p:nvPicPr>
+        <p:blipFill>
+          <a:blip r:embed="rId10"/>
+          <a:stretch>
+            <a:fillRect/>
+          </a:stretch>
+        </p:blipFill>
+        <p:spPr>
+          <a:xfrm>
+            <a:off x="2940355" y="3220274"/>
+            <a:ext cx="864126" cy="748143"/>
+          </a:xfrm>
+          <a:prstGeom prst="rect">
+            <a:avLst/>
+          </a:prstGeom>
+        </p:spPr>
+      </p:pic>
+    </p:spTree>
+    <p:extLst>
+      <p:ext uri="{BB962C8B-B14F-4D97-AF65-F5344CB8AC3E}">
+        <p14:creationId xmlns:p14="http://schemas.microsoft.com/office/powerpoint/2010/main" val="2811045425"/>
       </p:ext>
     </p:extLst>
   </p:cSld>
